--- a/Measuring Outcome v2 - 2020 update.pptx
+++ b/Measuring Outcome v2 - 2020 update.pptx
@@ -210,7 +210,7 @@
 
 <file path=ppt/commentAuthors.xml><?xml version="1.0" encoding="utf-8"?>
 <p:cmAuthorLst xmlns:a="http://schemas.openxmlformats.org/drawingml/2006/main" xmlns:r="http://schemas.openxmlformats.org/officeDocument/2006/relationships" xmlns:p="http://schemas.openxmlformats.org/presentationml/2006/main">
-  <p:cmAuthor id="1" name="Sjoerd Kranendonk" initials="SK" lastIdx="4" clrIdx="0">
+  <p:cmAuthor id="1" name="Sjoerd Kranendonk" initials="SK" lastIdx="5" clrIdx="0">
     <p:extLst>
       <p:ext uri="{19B8F6BF-5375-455C-9EA6-DF929625EA0E}">
         <p15:presenceInfo xmlns:p15="http://schemas.microsoft.com/office/powerpoint/2012/main" userId="acef0a9426a7f6dc" providerId="Windows Live"/>
@@ -242,6 +242,17 @@
     <p:extLst>
       <p:ext uri="{C676402C-5697-4E1C-873F-D02D1690AC5C}">
         <p15:threadingInfo xmlns:p15="http://schemas.microsoft.com/office/powerpoint/2012/main" timeZoneBias="-60"/>
+      </p:ext>
+    </p:extLst>
+  </p:cm>
+  <p:cm authorId="1" dt="2021-01-03T21:02:07.781" idx="5">
+    <p:pos x="10" y="146"/>
+    <p:text>changed trend to count</p:text>
+    <p:extLst>
+      <p:ext uri="{C676402C-5697-4E1C-873F-D02D1690AC5C}">
+        <p15:threadingInfo xmlns:p15="http://schemas.microsoft.com/office/powerpoint/2012/main" timeZoneBias="-60">
+          <p15:parentCm authorId="1" idx="3"/>
+        </p15:threadingInfo>
       </p:ext>
     </p:extLst>
   </p:cm>
@@ -8213,7 +8224,7 @@
                   </a:solidFill>
                   <a:latin typeface="Ubuntu" panose="020B0504030602030204" pitchFamily="34" charset="0"/>
                 </a:rPr>
-                <a:t>Production Incident Trends</a:t>
+                <a:t>Production Incident Count</a:t>
               </a:r>
             </a:p>
           </p:txBody>

--- a/Measuring Outcome v2 - 2020 update.pptx
+++ b/Measuring Outcome v2 - 2020 update.pptx
@@ -5,7 +5,7 @@
     <p:sldMasterId id="2147483660" r:id="rId1"/>
   </p:sldMasterIdLst>
   <p:notesMasterIdLst>
-    <p:notesMasterId r:id="rId66"/>
+    <p:notesMasterId r:id="rId68"/>
   </p:notesMasterIdLst>
   <p:sldIdLst>
     <p:sldId id="256" r:id="rId2"/>
@@ -60,49 +60,51 @@
     <p:sldId id="353" r:id="rId51"/>
     <p:sldId id="354" r:id="rId52"/>
     <p:sldId id="355" r:id="rId53"/>
-    <p:sldId id="345" r:id="rId54"/>
-    <p:sldId id="346" r:id="rId55"/>
-    <p:sldId id="347" r:id="rId56"/>
-    <p:sldId id="348" r:id="rId57"/>
-    <p:sldId id="328" r:id="rId58"/>
-    <p:sldId id="329" r:id="rId59"/>
-    <p:sldId id="334" r:id="rId60"/>
-    <p:sldId id="331" r:id="rId61"/>
-    <p:sldId id="335" r:id="rId62"/>
-    <p:sldId id="333" r:id="rId63"/>
-    <p:sldId id="356" r:id="rId64"/>
-    <p:sldId id="351" r:id="rId65"/>
+    <p:sldId id="357" r:id="rId54"/>
+    <p:sldId id="358" r:id="rId55"/>
+    <p:sldId id="345" r:id="rId56"/>
+    <p:sldId id="346" r:id="rId57"/>
+    <p:sldId id="347" r:id="rId58"/>
+    <p:sldId id="348" r:id="rId59"/>
+    <p:sldId id="328" r:id="rId60"/>
+    <p:sldId id="329" r:id="rId61"/>
+    <p:sldId id="334" r:id="rId62"/>
+    <p:sldId id="331" r:id="rId63"/>
+    <p:sldId id="335" r:id="rId64"/>
+    <p:sldId id="333" r:id="rId65"/>
+    <p:sldId id="356" r:id="rId66"/>
+    <p:sldId id="351" r:id="rId67"/>
   </p:sldIdLst>
   <p:sldSz cx="7559675" cy="5327650"/>
   <p:notesSz cx="6858000" cy="9144000"/>
   <p:embeddedFontLst>
     <p:embeddedFont>
       <p:font typeface="Calibri" panose="020F0502020204030204" pitchFamily="34" charset="0"/>
-      <p:regular r:id="rId67"/>
-      <p:bold r:id="rId67"/>
-      <p:italic r:id="rId67"/>
-      <p:boldItalic r:id="rId67"/>
+      <p:regular r:id="rId69"/>
+      <p:bold r:id="rId69"/>
+      <p:italic r:id="rId69"/>
+      <p:boldItalic r:id="rId69"/>
     </p:embeddedFont>
     <p:embeddedFont>
       <p:font typeface="Calibri Light" panose="020F0302020204030204" pitchFamily="34" charset="0"/>
-      <p:regular r:id="rId67"/>
-      <p:italic r:id="rId67"/>
+      <p:regular r:id="rId69"/>
+      <p:italic r:id="rId69"/>
     </p:embeddedFont>
     <p:embeddedFont>
       <p:font typeface="Marvel" pitchFamily="2" charset="0"/>
-      <p:regular r:id="rId67"/>
+      <p:regular r:id="rId69"/>
     </p:embeddedFont>
     <p:embeddedFont>
       <p:font typeface="Ubuntu" panose="020B0504030602030204" pitchFamily="34" charset="0"/>
-      <p:regular r:id="rId67"/>
-      <p:bold r:id="rId67"/>
-      <p:italic r:id="rId67"/>
-      <p:boldItalic r:id="rId67"/>
+      <p:regular r:id="rId69"/>
+      <p:bold r:id="rId69"/>
+      <p:italic r:id="rId69"/>
+      <p:boldItalic r:id="rId69"/>
     </p:embeddedFont>
     <p:embeddedFont>
       <p:font typeface="Ubuntu Light" panose="020B0304030602030204" pitchFamily="34" charset="0"/>
-      <p:regular r:id="rId67"/>
-      <p:italic r:id="rId67"/>
+      <p:regular r:id="rId69"/>
+      <p:italic r:id="rId69"/>
     </p:embeddedFont>
   </p:embeddedFontLst>
   <p:defaultTextStyle>
@@ -210,7 +212,7 @@
 
 <file path=ppt/commentAuthors.xml><?xml version="1.0" encoding="utf-8"?>
 <p:cmAuthorLst xmlns:a="http://schemas.openxmlformats.org/drawingml/2006/main" xmlns:r="http://schemas.openxmlformats.org/officeDocument/2006/relationships" xmlns:p="http://schemas.openxmlformats.org/presentationml/2006/main">
-  <p:cmAuthor id="1" name="Sjoerd Kranendonk" initials="SK" lastIdx="5" clrIdx="0">
+  <p:cmAuthor id="1" name="Sjoerd Kranendonk" initials="SK" lastIdx="7" clrIdx="0">
     <p:extLst>
       <p:ext uri="{19B8F6BF-5375-455C-9EA6-DF929625EA0E}">
         <p15:presenceInfo xmlns:p15="http://schemas.microsoft.com/office/powerpoint/2012/main" userId="acef0a9426a7f6dc" providerId="Windows Live"/>
@@ -281,6 +283,42 @@
     <p:extLst>
       <p:ext uri="{C676402C-5697-4E1C-873F-D02D1690AC5C}">
         <p15:threadingInfo xmlns:p15="http://schemas.microsoft.com/office/powerpoint/2012/main" timeZoneBias="-60"/>
+      </p:ext>
+    </p:extLst>
+  </p:cm>
+  <p:cm authorId="1" dt="2021-01-03T21:03:57.328" idx="7">
+    <p:pos x="10" y="146"/>
+    <p:text>split and reworded</p:text>
+    <p:extLst>
+      <p:ext uri="{C676402C-5697-4E1C-873F-D02D1690AC5C}">
+        <p15:threadingInfo xmlns:p15="http://schemas.microsoft.com/office/powerpoint/2012/main" timeZoneBias="-60">
+          <p15:parentCm authorId="1" idx="4"/>
+        </p15:threadingInfo>
+      </p:ext>
+    </p:extLst>
+  </p:cm>
+</p:cmLst>
+</file>
+
+<file path=ppt/comments/comment5.xml><?xml version="1.0" encoding="utf-8"?>
+<p:cmLst xmlns:a="http://schemas.openxmlformats.org/drawingml/2006/main" xmlns:r="http://schemas.openxmlformats.org/officeDocument/2006/relationships" xmlns:p="http://schemas.openxmlformats.org/presentationml/2006/main">
+  <p:cm authorId="1" dt="2021-01-03T20:59:01.215" idx="4">
+    <p:pos x="10" y="10"/>
+    <p:text>To be changed for 2020 update</p:text>
+    <p:extLst>
+      <p:ext uri="{C676402C-5697-4E1C-873F-D02D1690AC5C}">
+        <p15:threadingInfo xmlns:p15="http://schemas.microsoft.com/office/powerpoint/2012/main" timeZoneBias="-60"/>
+      </p:ext>
+    </p:extLst>
+  </p:cm>
+  <p:cm authorId="1" dt="2021-01-03T21:03:48.450" idx="6">
+    <p:pos x="10" y="146"/>
+    <p:text>Split and reworded</p:text>
+    <p:extLst>
+      <p:ext uri="{C676402C-5697-4E1C-873F-D02D1690AC5C}">
+        <p15:threadingInfo xmlns:p15="http://schemas.microsoft.com/office/powerpoint/2012/main" timeZoneBias="-60">
+          <p15:parentCm authorId="1" idx="4"/>
+        </p15:threadingInfo>
       </p:ext>
     </p:extLst>
   </p:cm>
@@ -981,7 +1019,7 @@
           <a:p>
             <a:fld id="{240114D0-54EC-2541-891C-414F49E4331F}" type="slidenum">
               <a:rPr lang="en-NL" smtClean="0"/>
-              <a:t>63</a:t>
+              <a:t>65</a:t>
             </a:fld>
             <a:endParaRPr lang="en-NL"/>
           </a:p>
@@ -17260,10 +17298,10 @@
         </p:nvGrpSpPr>
         <p:grpSpPr>
           <a:xfrm>
-            <a:off x="883471" y="825139"/>
-            <a:ext cx="5792732" cy="3677371"/>
-            <a:chOff x="883471" y="673017"/>
-            <a:chExt cx="5792732" cy="3677371"/>
+            <a:off x="883471" y="1598021"/>
+            <a:ext cx="5792732" cy="2131608"/>
+            <a:chOff x="883471" y="2218780"/>
+            <a:chExt cx="5792732" cy="2131608"/>
           </a:xfrm>
         </p:grpSpPr>
         <p:sp>
@@ -17280,8 +17318,8 @@
           </p:nvSpPr>
           <p:spPr>
             <a:xfrm>
-              <a:off x="883471" y="673017"/>
-              <a:ext cx="5792732" cy="3170099"/>
+              <a:off x="883471" y="2218780"/>
+              <a:ext cx="5792732" cy="1631216"/>
             </a:xfrm>
             <a:prstGeom prst="rect">
               <a:avLst/>
@@ -17302,7 +17340,7 @@
                   </a:solidFill>
                   <a:latin typeface="Ubuntu" panose="020B0504030602030204" pitchFamily="34" charset="0"/>
                 </a:rPr>
-                <a:t>Active Code Branches / Time Spent Merging Branched Code</a:t>
+                <a:t>Active (Product) Code Branches</a:t>
               </a:r>
             </a:p>
           </p:txBody>
@@ -17653,6 +17691,483 @@
 </file>
 
 <file path=ppt/slides/slide53.xml><?xml version="1.0" encoding="utf-8"?>
+<p:sld xmlns:a="http://schemas.openxmlformats.org/drawingml/2006/main" xmlns:r="http://schemas.openxmlformats.org/officeDocument/2006/relationships" xmlns:p="http://schemas.openxmlformats.org/presentationml/2006/main">
+  <p:cSld>
+    <p:spTree>
+      <p:nvGrpSpPr>
+        <p:cNvPr id="1" name=""/>
+        <p:cNvGrpSpPr/>
+        <p:nvPr/>
+      </p:nvGrpSpPr>
+      <p:grpSpPr>
+        <a:xfrm>
+          <a:off x="0" y="0"/>
+          <a:ext cx="0" cy="0"/>
+          <a:chOff x="0" y="0"/>
+          <a:chExt cx="0" cy="0"/>
+        </a:xfrm>
+      </p:grpSpPr>
+      <p:sp>
+        <p:nvSpPr>
+          <p:cNvPr id="5" name="Rounded Rectangle 4">
+            <a:extLst>
+              <a:ext uri="{FF2B5EF4-FFF2-40B4-BE49-F238E27FC236}">
+                <a16:creationId xmlns:a16="http://schemas.microsoft.com/office/drawing/2014/main" id="{2F616033-11DC-F247-B322-D23C66626F7B}"/>
+              </a:ext>
+            </a:extLst>
+          </p:cNvPr>
+          <p:cNvSpPr/>
+          <p:nvPr/>
+        </p:nvSpPr>
+        <p:spPr>
+          <a:xfrm>
+            <a:off x="0" y="0"/>
+            <a:ext cx="7559675" cy="5327650"/>
+          </a:xfrm>
+          <a:prstGeom prst="roundRect">
+            <a:avLst>
+              <a:gd name="adj" fmla="val 0"/>
+            </a:avLst>
+          </a:prstGeom>
+          <a:solidFill>
+            <a:srgbClr val="7030A0"/>
+          </a:solidFill>
+          <a:ln>
+            <a:noFill/>
+          </a:ln>
+        </p:spPr>
+        <p:style>
+          <a:lnRef idx="2">
+            <a:schemeClr val="accent1">
+              <a:shade val="50000"/>
+            </a:schemeClr>
+          </a:lnRef>
+          <a:fillRef idx="1">
+            <a:schemeClr val="accent1"/>
+          </a:fillRef>
+          <a:effectRef idx="0">
+            <a:schemeClr val="accent1"/>
+          </a:effectRef>
+          <a:fontRef idx="minor">
+            <a:schemeClr val="lt1"/>
+          </a:fontRef>
+        </p:style>
+        <p:txBody>
+          <a:bodyPr rtlCol="0" anchor="ctr"/>
+          <a:lstStyle/>
+          <a:p>
+            <a:pPr algn="ctr"/>
+            <a:endParaRPr lang="en-NL"/>
+          </a:p>
+        </p:txBody>
+      </p:sp>
+      <p:grpSp>
+        <p:nvGrpSpPr>
+          <p:cNvPr id="2" name="Group 1">
+            <a:extLst>
+              <a:ext uri="{FF2B5EF4-FFF2-40B4-BE49-F238E27FC236}">
+                <a16:creationId xmlns:a16="http://schemas.microsoft.com/office/drawing/2014/main" id="{F3783B8A-057E-8847-A5F9-66E9C395C45B}"/>
+              </a:ext>
+            </a:extLst>
+          </p:cNvPr>
+          <p:cNvGrpSpPr/>
+          <p:nvPr/>
+        </p:nvGrpSpPr>
+        <p:grpSpPr>
+          <a:xfrm>
+            <a:off x="883471" y="825139"/>
+            <a:ext cx="5792732" cy="3677371"/>
+            <a:chOff x="883471" y="673017"/>
+            <a:chExt cx="5792732" cy="3677371"/>
+          </a:xfrm>
+        </p:grpSpPr>
+        <p:sp>
+          <p:nvSpPr>
+            <p:cNvPr id="4" name="TextBox 3">
+              <a:extLst>
+                <a:ext uri="{FF2B5EF4-FFF2-40B4-BE49-F238E27FC236}">
+                  <a16:creationId xmlns:a16="http://schemas.microsoft.com/office/drawing/2014/main" id="{AF29F9D5-B3D4-3946-BEBF-95420A2CE6E9}"/>
+                </a:ext>
+              </a:extLst>
+            </p:cNvPr>
+            <p:cNvSpPr txBox="1"/>
+            <p:nvPr/>
+          </p:nvSpPr>
+          <p:spPr>
+            <a:xfrm>
+              <a:off x="883471" y="673017"/>
+              <a:ext cx="5792732" cy="3170099"/>
+            </a:xfrm>
+            <a:prstGeom prst="rect">
+              <a:avLst/>
+            </a:prstGeom>
+            <a:noFill/>
+          </p:spPr>
+          <p:txBody>
+            <a:bodyPr wrap="square" rtlCol="0">
+              <a:spAutoFit/>
+            </a:bodyPr>
+            <a:lstStyle/>
+            <a:p>
+              <a:pPr algn="ctr"/>
+              <a:r>
+                <a:rPr lang="en-NL" sz="5000" b="1" dirty="0">
+                  <a:solidFill>
+                    <a:schemeClr val="bg1"/>
+                  </a:solidFill>
+                  <a:latin typeface="Ubuntu" panose="020B0504030602030204" pitchFamily="34" charset="0"/>
+                </a:rPr>
+                <a:t>Time Spent Merging Code Between Branches</a:t>
+              </a:r>
+            </a:p>
+          </p:txBody>
+        </p:sp>
+        <p:sp>
+          <p:nvSpPr>
+            <p:cNvPr id="10" name="Oval 9">
+              <a:extLst>
+                <a:ext uri="{FF2B5EF4-FFF2-40B4-BE49-F238E27FC236}">
+                  <a16:creationId xmlns:a16="http://schemas.microsoft.com/office/drawing/2014/main" id="{8E6CB132-B323-8640-8026-1DF125BD5E21}"/>
+                </a:ext>
+              </a:extLst>
+            </p:cNvPr>
+            <p:cNvSpPr/>
+            <p:nvPr/>
+          </p:nvSpPr>
+          <p:spPr>
+            <a:xfrm>
+              <a:off x="3169403" y="3986241"/>
+              <a:ext cx="364210" cy="364147"/>
+            </a:xfrm>
+            <a:prstGeom prst="ellipse">
+              <a:avLst/>
+            </a:prstGeom>
+            <a:solidFill>
+              <a:schemeClr val="bg1"/>
+            </a:solidFill>
+            <a:ln>
+              <a:solidFill>
+                <a:schemeClr val="bg1"/>
+              </a:solidFill>
+            </a:ln>
+          </p:spPr>
+          <p:style>
+            <a:lnRef idx="2">
+              <a:schemeClr val="accent1">
+                <a:shade val="50000"/>
+              </a:schemeClr>
+            </a:lnRef>
+            <a:fillRef idx="1">
+              <a:schemeClr val="accent1"/>
+            </a:fillRef>
+            <a:effectRef idx="0">
+              <a:schemeClr val="accent1"/>
+            </a:effectRef>
+            <a:fontRef idx="minor">
+              <a:schemeClr val="lt1"/>
+            </a:fontRef>
+          </p:style>
+          <p:txBody>
+            <a:bodyPr rtlCol="0" anchor="ctr"/>
+            <a:lstStyle/>
+            <a:p>
+              <a:pPr algn="ctr"/>
+              <a:endParaRPr lang="en-NL"/>
+            </a:p>
+          </p:txBody>
+        </p:sp>
+        <p:sp>
+          <p:nvSpPr>
+            <p:cNvPr id="11" name="Oval 10">
+              <a:extLst>
+                <a:ext uri="{FF2B5EF4-FFF2-40B4-BE49-F238E27FC236}">
+                  <a16:creationId xmlns:a16="http://schemas.microsoft.com/office/drawing/2014/main" id="{2C8D3FA5-1ABC-BF4A-B070-B50AE6AAE754}"/>
+                </a:ext>
+              </a:extLst>
+            </p:cNvPr>
+            <p:cNvSpPr/>
+            <p:nvPr/>
+          </p:nvSpPr>
+          <p:spPr>
+            <a:xfrm>
+              <a:off x="3597732" y="3986240"/>
+              <a:ext cx="364210" cy="364147"/>
+            </a:xfrm>
+            <a:prstGeom prst="ellipse">
+              <a:avLst/>
+            </a:prstGeom>
+            <a:solidFill>
+              <a:schemeClr val="bg1"/>
+            </a:solidFill>
+            <a:ln>
+              <a:solidFill>
+                <a:schemeClr val="bg1"/>
+              </a:solidFill>
+            </a:ln>
+          </p:spPr>
+          <p:style>
+            <a:lnRef idx="2">
+              <a:schemeClr val="accent1">
+                <a:shade val="50000"/>
+              </a:schemeClr>
+            </a:lnRef>
+            <a:fillRef idx="1">
+              <a:schemeClr val="accent1"/>
+            </a:fillRef>
+            <a:effectRef idx="0">
+              <a:schemeClr val="accent1"/>
+            </a:effectRef>
+            <a:fontRef idx="minor">
+              <a:schemeClr val="lt1"/>
+            </a:fontRef>
+          </p:style>
+          <p:txBody>
+            <a:bodyPr rtlCol="0" anchor="ctr"/>
+            <a:lstStyle/>
+            <a:p>
+              <a:pPr algn="ctr"/>
+              <a:endParaRPr lang="en-NL"/>
+            </a:p>
+          </p:txBody>
+        </p:sp>
+        <p:sp>
+          <p:nvSpPr>
+            <p:cNvPr id="12" name="Oval 11">
+              <a:extLst>
+                <a:ext uri="{FF2B5EF4-FFF2-40B4-BE49-F238E27FC236}">
+                  <a16:creationId xmlns:a16="http://schemas.microsoft.com/office/drawing/2014/main" id="{360A5B3C-4E14-2948-A0A7-F164D7F1B9A8}"/>
+                </a:ext>
+              </a:extLst>
+            </p:cNvPr>
+            <p:cNvSpPr/>
+            <p:nvPr/>
+          </p:nvSpPr>
+          <p:spPr>
+            <a:xfrm>
+              <a:off x="4026061" y="3986239"/>
+              <a:ext cx="364210" cy="364147"/>
+            </a:xfrm>
+            <a:prstGeom prst="ellipse">
+              <a:avLst/>
+            </a:prstGeom>
+            <a:solidFill>
+              <a:schemeClr val="bg1"/>
+            </a:solidFill>
+            <a:ln>
+              <a:solidFill>
+                <a:schemeClr val="bg1"/>
+              </a:solidFill>
+            </a:ln>
+          </p:spPr>
+          <p:style>
+            <a:lnRef idx="2">
+              <a:schemeClr val="accent1">
+                <a:shade val="50000"/>
+              </a:schemeClr>
+            </a:lnRef>
+            <a:fillRef idx="1">
+              <a:schemeClr val="accent1"/>
+            </a:fillRef>
+            <a:effectRef idx="0">
+              <a:schemeClr val="accent1"/>
+            </a:effectRef>
+            <a:fontRef idx="minor">
+              <a:schemeClr val="lt1"/>
+            </a:fontRef>
+          </p:style>
+          <p:txBody>
+            <a:bodyPr rtlCol="0" anchor="ctr"/>
+            <a:lstStyle/>
+            <a:p>
+              <a:pPr algn="ctr"/>
+              <a:endParaRPr lang="en-NL"/>
+            </a:p>
+          </p:txBody>
+        </p:sp>
+      </p:grpSp>
+    </p:spTree>
+    <p:extLst>
+      <p:ext uri="{BB962C8B-B14F-4D97-AF65-F5344CB8AC3E}">
+        <p14:creationId xmlns:p14="http://schemas.microsoft.com/office/powerpoint/2010/main" val="1398114594"/>
+      </p:ext>
+    </p:extLst>
+  </p:cSld>
+  <p:clrMapOvr>
+    <a:masterClrMapping/>
+  </p:clrMapOvr>
+</p:sld>
+</file>
+
+<file path=ppt/slides/slide54.xml><?xml version="1.0" encoding="utf-8"?>
+<p:sld xmlns:a="http://schemas.openxmlformats.org/drawingml/2006/main" xmlns:r="http://schemas.openxmlformats.org/officeDocument/2006/relationships" xmlns:p="http://schemas.openxmlformats.org/presentationml/2006/main">
+  <p:cSld>
+    <p:spTree>
+      <p:nvGrpSpPr>
+        <p:cNvPr id="1" name=""/>
+        <p:cNvGrpSpPr/>
+        <p:nvPr/>
+      </p:nvGrpSpPr>
+      <p:grpSpPr>
+        <a:xfrm>
+          <a:off x="0" y="0"/>
+          <a:ext cx="0" cy="0"/>
+          <a:chOff x="0" y="0"/>
+          <a:chExt cx="0" cy="0"/>
+        </a:xfrm>
+      </p:grpSpPr>
+      <p:sp>
+        <p:nvSpPr>
+          <p:cNvPr id="2" name="Title 1">
+            <a:extLst>
+              <a:ext uri="{FF2B5EF4-FFF2-40B4-BE49-F238E27FC236}">
+                <a16:creationId xmlns:a16="http://schemas.microsoft.com/office/drawing/2014/main" id="{CFCDF3DA-1D3D-E743-8E21-6B353B4D96A4}"/>
+              </a:ext>
+            </a:extLst>
+          </p:cNvPr>
+          <p:cNvSpPr>
+            <a:spLocks noGrp="1"/>
+          </p:cNvSpPr>
+          <p:nvPr>
+            <p:ph type="title"/>
+          </p:nvPr>
+        </p:nvSpPr>
+        <p:spPr/>
+        <p:txBody>
+          <a:bodyPr/>
+          <a:lstStyle/>
+          <a:p>
+            <a:endParaRPr lang="en-NL"/>
+          </a:p>
+        </p:txBody>
+      </p:sp>
+      <p:sp>
+        <p:nvSpPr>
+          <p:cNvPr id="3" name="Content Placeholder 2">
+            <a:extLst>
+              <a:ext uri="{FF2B5EF4-FFF2-40B4-BE49-F238E27FC236}">
+                <a16:creationId xmlns:a16="http://schemas.microsoft.com/office/drawing/2014/main" id="{40A525DA-CA85-AD48-8A85-52A75E1E5317}"/>
+              </a:ext>
+            </a:extLst>
+          </p:cNvPr>
+          <p:cNvSpPr>
+            <a:spLocks noGrp="1"/>
+          </p:cNvSpPr>
+          <p:nvPr>
+            <p:ph idx="1"/>
+          </p:nvPr>
+        </p:nvSpPr>
+        <p:spPr/>
+        <p:txBody>
+          <a:bodyPr/>
+          <a:lstStyle/>
+          <a:p>
+            <a:endParaRPr lang="en-NL"/>
+          </a:p>
+        </p:txBody>
+      </p:sp>
+      <p:sp>
+        <p:nvSpPr>
+          <p:cNvPr id="4" name="Rounded Rectangle 3">
+            <a:extLst>
+              <a:ext uri="{FF2B5EF4-FFF2-40B4-BE49-F238E27FC236}">
+                <a16:creationId xmlns:a16="http://schemas.microsoft.com/office/drawing/2014/main" id="{6B890BB6-3544-1A4E-A833-93135A597BB4}"/>
+              </a:ext>
+            </a:extLst>
+          </p:cNvPr>
+          <p:cNvSpPr/>
+          <p:nvPr/>
+        </p:nvSpPr>
+        <p:spPr>
+          <a:xfrm>
+            <a:off x="0" y="0"/>
+            <a:ext cx="7559675" cy="5327650"/>
+          </a:xfrm>
+          <a:prstGeom prst="roundRect">
+            <a:avLst>
+              <a:gd name="adj" fmla="val 0"/>
+            </a:avLst>
+          </a:prstGeom>
+          <a:blipFill>
+            <a:blip r:embed="rId2"/>
+            <a:stretch>
+              <a:fillRect/>
+            </a:stretch>
+          </a:blipFill>
+          <a:ln>
+            <a:solidFill>
+              <a:schemeClr val="bg2"/>
+            </a:solidFill>
+          </a:ln>
+        </p:spPr>
+        <p:style>
+          <a:lnRef idx="2">
+            <a:schemeClr val="accent1">
+              <a:shade val="50000"/>
+            </a:schemeClr>
+          </a:lnRef>
+          <a:fillRef idx="1">
+            <a:schemeClr val="accent1"/>
+          </a:fillRef>
+          <a:effectRef idx="0">
+            <a:schemeClr val="accent1"/>
+          </a:effectRef>
+          <a:fontRef idx="minor">
+            <a:schemeClr val="lt1"/>
+          </a:fontRef>
+        </p:style>
+        <p:txBody>
+          <a:bodyPr rtlCol="0" anchor="ctr"/>
+          <a:lstStyle/>
+          <a:p>
+            <a:pPr algn="ctr"/>
+            <a:endParaRPr lang="en-NL"/>
+          </a:p>
+        </p:txBody>
+      </p:sp>
+      <p:pic>
+        <p:nvPicPr>
+          <p:cNvPr id="5" name="Picture 4" descr="A picture containing food, drawing&#10;&#10;Description automatically generated">
+            <a:extLst>
+              <a:ext uri="{FF2B5EF4-FFF2-40B4-BE49-F238E27FC236}">
+                <a16:creationId xmlns:a16="http://schemas.microsoft.com/office/drawing/2014/main" id="{27611709-3190-2A4B-BCE4-4D329000A8EB}"/>
+              </a:ext>
+            </a:extLst>
+          </p:cNvPr>
+          <p:cNvPicPr>
+            <a:picLocks noChangeAspect="1"/>
+          </p:cNvPicPr>
+          <p:nvPr/>
+        </p:nvPicPr>
+        <p:blipFill>
+          <a:blip r:embed="rId3"/>
+          <a:stretch>
+            <a:fillRect/>
+          </a:stretch>
+        </p:blipFill>
+        <p:spPr>
+          <a:xfrm>
+            <a:off x="350837" y="-765175"/>
+            <a:ext cx="6858000" cy="6858000"/>
+          </a:xfrm>
+          <a:prstGeom prst="rect">
+            <a:avLst/>
+          </a:prstGeom>
+        </p:spPr>
+      </p:pic>
+    </p:spTree>
+    <p:extLst>
+      <p:ext uri="{BB962C8B-B14F-4D97-AF65-F5344CB8AC3E}">
+        <p14:creationId xmlns:p14="http://schemas.microsoft.com/office/powerpoint/2010/main" val="2967010011"/>
+      </p:ext>
+    </p:extLst>
+  </p:cSld>
+  <p:clrMapOvr>
+    <a:masterClrMapping/>
+  </p:clrMapOvr>
+</p:sld>
+</file>
+
+<file path=ppt/slides/slide55.xml><?xml version="1.0" encoding="utf-8"?>
 <p:sld xmlns:a="http://schemas.openxmlformats.org/drawingml/2006/main" xmlns:r="http://schemas.openxmlformats.org/officeDocument/2006/relationships" xmlns:p="http://schemas.openxmlformats.org/presentationml/2006/main">
   <p:cSld>
     <p:spTree>
@@ -17972,7 +18487,7 @@
 </p:sld>
 </file>
 
-<file path=ppt/slides/slide54.xml><?xml version="1.0" encoding="utf-8"?>
+<file path=ppt/slides/slide56.xml><?xml version="1.0" encoding="utf-8"?>
 <p:sld xmlns:a="http://schemas.openxmlformats.org/drawingml/2006/main" xmlns:r="http://schemas.openxmlformats.org/officeDocument/2006/relationships" xmlns:p="http://schemas.openxmlformats.org/presentationml/2006/main">
   <p:cSld>
     <p:spTree>
@@ -18141,7 +18656,7 @@
 </p:sld>
 </file>
 
-<file path=ppt/slides/slide55.xml><?xml version="1.0" encoding="utf-8"?>
+<file path=ppt/slides/slide57.xml><?xml version="1.0" encoding="utf-8"?>
 <p:sld xmlns:a="http://schemas.openxmlformats.org/drawingml/2006/main" xmlns:r="http://schemas.openxmlformats.org/officeDocument/2006/relationships" xmlns:p="http://schemas.openxmlformats.org/presentationml/2006/main">
   <p:cSld>
     <p:spTree>
@@ -18449,7 +18964,7 @@
 </p:sld>
 </file>
 
-<file path=ppt/slides/slide56.xml><?xml version="1.0" encoding="utf-8"?>
+<file path=ppt/slides/slide58.xml><?xml version="1.0" encoding="utf-8"?>
 <p:sld xmlns:a="http://schemas.openxmlformats.org/drawingml/2006/main" xmlns:r="http://schemas.openxmlformats.org/officeDocument/2006/relationships" xmlns:p="http://schemas.openxmlformats.org/presentationml/2006/main">
   <p:cSld>
     <p:spTree>
@@ -18609,297 +19124,6 @@
     <p:extLst>
       <p:ext uri="{BB962C8B-B14F-4D97-AF65-F5344CB8AC3E}">
         <p14:creationId xmlns:p14="http://schemas.microsoft.com/office/powerpoint/2010/main" val="141956057"/>
-      </p:ext>
-    </p:extLst>
-  </p:cSld>
-  <p:clrMapOvr>
-    <a:masterClrMapping/>
-  </p:clrMapOvr>
-</p:sld>
-</file>
-
-<file path=ppt/slides/slide57.xml><?xml version="1.0" encoding="utf-8"?>
-<p:sld xmlns:a="http://schemas.openxmlformats.org/drawingml/2006/main" xmlns:r="http://schemas.openxmlformats.org/officeDocument/2006/relationships" xmlns:p="http://schemas.openxmlformats.org/presentationml/2006/main">
-  <p:cSld>
-    <p:spTree>
-      <p:nvGrpSpPr>
-        <p:cNvPr id="1" name=""/>
-        <p:cNvGrpSpPr/>
-        <p:nvPr/>
-      </p:nvGrpSpPr>
-      <p:grpSpPr>
-        <a:xfrm>
-          <a:off x="0" y="0"/>
-          <a:ext cx="0" cy="0"/>
-          <a:chOff x="0" y="0"/>
-          <a:chExt cx="0" cy="0"/>
-        </a:xfrm>
-      </p:grpSpPr>
-      <p:sp>
-        <p:nvSpPr>
-          <p:cNvPr id="7" name="Rounded Rectangle 6">
-            <a:extLst>
-              <a:ext uri="{FF2B5EF4-FFF2-40B4-BE49-F238E27FC236}">
-                <a16:creationId xmlns:a16="http://schemas.microsoft.com/office/drawing/2014/main" id="{B3DC599D-AD1B-104D-B158-5C2A6823AC16}"/>
-              </a:ext>
-            </a:extLst>
-          </p:cNvPr>
-          <p:cNvSpPr/>
-          <p:nvPr/>
-        </p:nvSpPr>
-        <p:spPr>
-          <a:xfrm>
-            <a:off x="0" y="0"/>
-            <a:ext cx="7559675" cy="5327650"/>
-          </a:xfrm>
-          <a:prstGeom prst="roundRect">
-            <a:avLst>
-              <a:gd name="adj" fmla="val 0"/>
-            </a:avLst>
-          </a:prstGeom>
-          <a:solidFill>
-            <a:srgbClr val="FFC2E8"/>
-          </a:solidFill>
-          <a:ln>
-            <a:noFill/>
-          </a:ln>
-        </p:spPr>
-        <p:style>
-          <a:lnRef idx="2">
-            <a:schemeClr val="accent1">
-              <a:shade val="50000"/>
-            </a:schemeClr>
-          </a:lnRef>
-          <a:fillRef idx="1">
-            <a:schemeClr val="accent1"/>
-          </a:fillRef>
-          <a:effectRef idx="0">
-            <a:schemeClr val="accent1"/>
-          </a:effectRef>
-          <a:fontRef idx="minor">
-            <a:schemeClr val="lt1"/>
-          </a:fontRef>
-        </p:style>
-        <p:txBody>
-          <a:bodyPr rtlCol="0" anchor="ctr"/>
-          <a:lstStyle/>
-          <a:p>
-            <a:pPr algn="ctr"/>
-            <a:endParaRPr lang="en-NL"/>
-          </a:p>
-        </p:txBody>
-      </p:sp>
-      <p:sp>
-        <p:nvSpPr>
-          <p:cNvPr id="6" name="TextBox 5">
-            <a:extLst>
-              <a:ext uri="{FF2B5EF4-FFF2-40B4-BE49-F238E27FC236}">
-                <a16:creationId xmlns:a16="http://schemas.microsoft.com/office/drawing/2014/main" id="{009EAD6C-D563-D744-AFCA-AE8CA95E6630}"/>
-              </a:ext>
-            </a:extLst>
-          </p:cNvPr>
-          <p:cNvSpPr txBox="1"/>
-          <p:nvPr/>
-        </p:nvSpPr>
-        <p:spPr>
-          <a:xfrm>
-            <a:off x="329715" y="1463496"/>
-            <a:ext cx="6900243" cy="2400657"/>
-          </a:xfrm>
-          <a:prstGeom prst="rect">
-            <a:avLst/>
-          </a:prstGeom>
-          <a:noFill/>
-        </p:spPr>
-        <p:txBody>
-          <a:bodyPr wrap="square" rtlCol="0">
-            <a:spAutoFit/>
-          </a:bodyPr>
-          <a:lstStyle/>
-          <a:p>
-            <a:pPr algn="ctr"/>
-            <a:r>
-              <a:rPr lang="en-NL" sz="5000" b="1" dirty="0">
-                <a:latin typeface="Ubuntu" panose="020B0504030602030204" pitchFamily="34" charset="0"/>
-              </a:rPr>
-              <a:t>Don’t measure Output. Measure Outcomes</a:t>
-            </a:r>
-          </a:p>
-        </p:txBody>
-      </p:sp>
-    </p:spTree>
-    <p:extLst>
-      <p:ext uri="{BB962C8B-B14F-4D97-AF65-F5344CB8AC3E}">
-        <p14:creationId xmlns:p14="http://schemas.microsoft.com/office/powerpoint/2010/main" val="3384980287"/>
-      </p:ext>
-    </p:extLst>
-  </p:cSld>
-  <p:clrMapOvr>
-    <a:masterClrMapping/>
-  </p:clrMapOvr>
-</p:sld>
-</file>
-
-<file path=ppt/slides/slide58.xml><?xml version="1.0" encoding="utf-8"?>
-<p:sld xmlns:a="http://schemas.openxmlformats.org/drawingml/2006/main" xmlns:r="http://schemas.openxmlformats.org/officeDocument/2006/relationships" xmlns:p="http://schemas.openxmlformats.org/presentationml/2006/main">
-  <p:cSld>
-    <p:spTree>
-      <p:nvGrpSpPr>
-        <p:cNvPr id="1" name=""/>
-        <p:cNvGrpSpPr/>
-        <p:nvPr/>
-      </p:nvGrpSpPr>
-      <p:grpSpPr>
-        <a:xfrm>
-          <a:off x="0" y="0"/>
-          <a:ext cx="0" cy="0"/>
-          <a:chOff x="0" y="0"/>
-          <a:chExt cx="0" cy="0"/>
-        </a:xfrm>
-      </p:grpSpPr>
-      <p:sp>
-        <p:nvSpPr>
-          <p:cNvPr id="2" name="Title 1">
-            <a:extLst>
-              <a:ext uri="{FF2B5EF4-FFF2-40B4-BE49-F238E27FC236}">
-                <a16:creationId xmlns:a16="http://schemas.microsoft.com/office/drawing/2014/main" id="{CFCDF3DA-1D3D-E743-8E21-6B353B4D96A4}"/>
-              </a:ext>
-            </a:extLst>
-          </p:cNvPr>
-          <p:cNvSpPr>
-            <a:spLocks noGrp="1"/>
-          </p:cNvSpPr>
-          <p:nvPr>
-            <p:ph type="title"/>
-          </p:nvPr>
-        </p:nvSpPr>
-        <p:spPr/>
-        <p:txBody>
-          <a:bodyPr/>
-          <a:lstStyle/>
-          <a:p>
-            <a:endParaRPr lang="en-NL"/>
-          </a:p>
-        </p:txBody>
-      </p:sp>
-      <p:sp>
-        <p:nvSpPr>
-          <p:cNvPr id="3" name="Content Placeholder 2">
-            <a:extLst>
-              <a:ext uri="{FF2B5EF4-FFF2-40B4-BE49-F238E27FC236}">
-                <a16:creationId xmlns:a16="http://schemas.microsoft.com/office/drawing/2014/main" id="{40A525DA-CA85-AD48-8A85-52A75E1E5317}"/>
-              </a:ext>
-            </a:extLst>
-          </p:cNvPr>
-          <p:cNvSpPr>
-            <a:spLocks noGrp="1"/>
-          </p:cNvSpPr>
-          <p:nvPr>
-            <p:ph idx="1"/>
-          </p:nvPr>
-        </p:nvSpPr>
-        <p:spPr/>
-        <p:txBody>
-          <a:bodyPr/>
-          <a:lstStyle/>
-          <a:p>
-            <a:endParaRPr lang="en-NL"/>
-          </a:p>
-        </p:txBody>
-      </p:sp>
-      <p:sp>
-        <p:nvSpPr>
-          <p:cNvPr id="4" name="Rounded Rectangle 3">
-            <a:extLst>
-              <a:ext uri="{FF2B5EF4-FFF2-40B4-BE49-F238E27FC236}">
-                <a16:creationId xmlns:a16="http://schemas.microsoft.com/office/drawing/2014/main" id="{6B890BB6-3544-1A4E-A833-93135A597BB4}"/>
-              </a:ext>
-            </a:extLst>
-          </p:cNvPr>
-          <p:cNvSpPr/>
-          <p:nvPr/>
-        </p:nvSpPr>
-        <p:spPr>
-          <a:xfrm>
-            <a:off x="0" y="0"/>
-            <a:ext cx="7559675" cy="5327650"/>
-          </a:xfrm>
-          <a:prstGeom prst="roundRect">
-            <a:avLst>
-              <a:gd name="adj" fmla="val 0"/>
-            </a:avLst>
-          </a:prstGeom>
-          <a:blipFill>
-            <a:blip r:embed="rId2"/>
-            <a:stretch>
-              <a:fillRect/>
-            </a:stretch>
-          </a:blipFill>
-          <a:ln>
-            <a:solidFill>
-              <a:schemeClr val="bg2"/>
-            </a:solidFill>
-          </a:ln>
-        </p:spPr>
-        <p:style>
-          <a:lnRef idx="2">
-            <a:schemeClr val="accent1">
-              <a:shade val="50000"/>
-            </a:schemeClr>
-          </a:lnRef>
-          <a:fillRef idx="1">
-            <a:schemeClr val="accent1"/>
-          </a:fillRef>
-          <a:effectRef idx="0">
-            <a:schemeClr val="accent1"/>
-          </a:effectRef>
-          <a:fontRef idx="minor">
-            <a:schemeClr val="lt1"/>
-          </a:fontRef>
-        </p:style>
-        <p:txBody>
-          <a:bodyPr rtlCol="0" anchor="ctr"/>
-          <a:lstStyle/>
-          <a:p>
-            <a:pPr algn="ctr"/>
-            <a:endParaRPr lang="en-NL"/>
-          </a:p>
-        </p:txBody>
-      </p:sp>
-      <p:pic>
-        <p:nvPicPr>
-          <p:cNvPr id="5" name="Picture 4" descr="A picture containing food, drawing&#10;&#10;Description automatically generated">
-            <a:extLst>
-              <a:ext uri="{FF2B5EF4-FFF2-40B4-BE49-F238E27FC236}">
-                <a16:creationId xmlns:a16="http://schemas.microsoft.com/office/drawing/2014/main" id="{27611709-3190-2A4B-BCE4-4D329000A8EB}"/>
-              </a:ext>
-            </a:extLst>
-          </p:cNvPr>
-          <p:cNvPicPr>
-            <a:picLocks noChangeAspect="1"/>
-          </p:cNvPicPr>
-          <p:nvPr/>
-        </p:nvPicPr>
-        <p:blipFill>
-          <a:blip r:embed="rId3"/>
-          <a:stretch>
-            <a:fillRect/>
-          </a:stretch>
-        </p:blipFill>
-        <p:spPr>
-          <a:xfrm>
-            <a:off x="350837" y="-765175"/>
-            <a:ext cx="6858000" cy="6858000"/>
-          </a:xfrm>
-          <a:prstGeom prst="rect">
-            <a:avLst/>
-          </a:prstGeom>
-        </p:spPr>
-      </p:pic>
-    </p:spTree>
-    <p:extLst>
-      <p:ext uri="{BB962C8B-B14F-4D97-AF65-F5344CB8AC3E}">
-        <p14:creationId xmlns:p14="http://schemas.microsoft.com/office/powerpoint/2010/main" val="609235282"/>
       </p:ext>
     </p:extLst>
   </p:cSld>
@@ -19010,10 +19234,10 @@
           <a:p>
             <a:pPr algn="ctr"/>
             <a:r>
-              <a:rPr lang="en-NL" sz="5000" b="1">
+              <a:rPr lang="en-NL" sz="5000" b="1" dirty="0">
                 <a:latin typeface="Ubuntu" panose="020B0504030602030204" pitchFamily="34" charset="0"/>
               </a:rPr>
-              <a:t>It’s not about the Metrics, but about the Conversation</a:t>
+              <a:t>Don’t measure Output. Measure Outcomes</a:t>
             </a:r>
           </a:p>
         </p:txBody>
@@ -19021,7 +19245,7 @@
     </p:spTree>
     <p:extLst>
       <p:ext uri="{BB962C8B-B14F-4D97-AF65-F5344CB8AC3E}">
-        <p14:creationId xmlns:p14="http://schemas.microsoft.com/office/powerpoint/2010/main" val="3864524999"/>
+        <p14:creationId xmlns:p14="http://schemas.microsoft.com/office/powerpoint/2010/main" val="3384980287"/>
       </p:ext>
     </p:extLst>
   </p:cSld>
@@ -19359,7 +19583,7 @@
     </p:spTree>
     <p:extLst>
       <p:ext uri="{BB962C8B-B14F-4D97-AF65-F5344CB8AC3E}">
-        <p14:creationId xmlns:p14="http://schemas.microsoft.com/office/powerpoint/2010/main" val="2834202860"/>
+        <p14:creationId xmlns:p14="http://schemas.microsoft.com/office/powerpoint/2010/main" val="609235282"/>
       </p:ext>
     </p:extLst>
   </p:cSld>
@@ -19454,8 +19678,8 @@
         </p:nvSpPr>
         <p:spPr>
           <a:xfrm>
-            <a:off x="329715" y="1078775"/>
-            <a:ext cx="6900243" cy="3170099"/>
+            <a:off x="329715" y="1463496"/>
+            <a:ext cx="6900243" cy="2400657"/>
           </a:xfrm>
           <a:prstGeom prst="rect">
             <a:avLst/>
@@ -19470,40 +19694,10 @@
           <a:p>
             <a:pPr algn="ctr"/>
             <a:r>
-              <a:rPr lang="en-NL" sz="5000" dirty="0">
+              <a:rPr lang="en-NL" sz="5000" b="1">
                 <a:latin typeface="Ubuntu" panose="020B0504030602030204" pitchFamily="34" charset="0"/>
               </a:rPr>
-              <a:t>Learn more about</a:t>
-            </a:r>
-            <a:r>
-              <a:rPr lang="en-NL" sz="5000" b="1" dirty="0">
-                <a:latin typeface="Ubuntu" panose="020B0504030602030204" pitchFamily="34" charset="0"/>
-              </a:rPr>
-              <a:t> </a:t>
-            </a:r>
-          </a:p>
-          <a:p>
-            <a:pPr algn="ctr"/>
-            <a:r>
-              <a:rPr lang="en-NL" sz="5000" b="1" dirty="0">
-                <a:latin typeface="Ubuntu" panose="020B0504030602030204" pitchFamily="34" charset="0"/>
-              </a:rPr>
-              <a:t>Evidence Based Management </a:t>
-            </a:r>
-            <a:r>
-              <a:rPr lang="en-NL" sz="5000" dirty="0">
-                <a:latin typeface="Ubuntu" panose="020B0504030602030204" pitchFamily="34" charset="0"/>
-              </a:rPr>
-              <a:t>at</a:t>
-            </a:r>
-          </a:p>
-          <a:p>
-            <a:pPr algn="ctr"/>
-            <a:r>
-              <a:rPr lang="en-NL" sz="5000" dirty="0">
-                <a:latin typeface="Ubuntu" panose="020B0504030602030204" pitchFamily="34" charset="0"/>
-              </a:rPr>
-              <a:t>http://scrum.org/EBM</a:t>
+              <a:t>It’s not about the Metrics, but about the Conversation</a:t>
             </a:r>
           </a:p>
         </p:txBody>
@@ -19511,7 +19705,7 @@
     </p:spTree>
     <p:extLst>
       <p:ext uri="{BB962C8B-B14F-4D97-AF65-F5344CB8AC3E}">
-        <p14:creationId xmlns:p14="http://schemas.microsoft.com/office/powerpoint/2010/main" val="1377554222"/>
+        <p14:creationId xmlns:p14="http://schemas.microsoft.com/office/powerpoint/2010/main" val="3864524999"/>
       </p:ext>
     </p:extLst>
   </p:cSld>
@@ -19680,7 +19874,7 @@
     </p:spTree>
     <p:extLst>
       <p:ext uri="{BB962C8B-B14F-4D97-AF65-F5344CB8AC3E}">
-        <p14:creationId xmlns:p14="http://schemas.microsoft.com/office/powerpoint/2010/main" val="1817486122"/>
+        <p14:creationId xmlns:p14="http://schemas.microsoft.com/office/powerpoint/2010/main" val="2834202860"/>
       </p:ext>
     </p:extLst>
   </p:cSld>
@@ -19709,6 +19903,327 @@
       </p:grpSpPr>
       <p:sp>
         <p:nvSpPr>
+          <p:cNvPr id="7" name="Rounded Rectangle 6">
+            <a:extLst>
+              <a:ext uri="{FF2B5EF4-FFF2-40B4-BE49-F238E27FC236}">
+                <a16:creationId xmlns:a16="http://schemas.microsoft.com/office/drawing/2014/main" id="{B3DC599D-AD1B-104D-B158-5C2A6823AC16}"/>
+              </a:ext>
+            </a:extLst>
+          </p:cNvPr>
+          <p:cNvSpPr/>
+          <p:nvPr/>
+        </p:nvSpPr>
+        <p:spPr>
+          <a:xfrm>
+            <a:off x="0" y="0"/>
+            <a:ext cx="7559675" cy="5327650"/>
+          </a:xfrm>
+          <a:prstGeom prst="roundRect">
+            <a:avLst>
+              <a:gd name="adj" fmla="val 0"/>
+            </a:avLst>
+          </a:prstGeom>
+          <a:solidFill>
+            <a:srgbClr val="FFC2E8"/>
+          </a:solidFill>
+          <a:ln>
+            <a:noFill/>
+          </a:ln>
+        </p:spPr>
+        <p:style>
+          <a:lnRef idx="2">
+            <a:schemeClr val="accent1">
+              <a:shade val="50000"/>
+            </a:schemeClr>
+          </a:lnRef>
+          <a:fillRef idx="1">
+            <a:schemeClr val="accent1"/>
+          </a:fillRef>
+          <a:effectRef idx="0">
+            <a:schemeClr val="accent1"/>
+          </a:effectRef>
+          <a:fontRef idx="minor">
+            <a:schemeClr val="lt1"/>
+          </a:fontRef>
+        </p:style>
+        <p:txBody>
+          <a:bodyPr rtlCol="0" anchor="ctr"/>
+          <a:lstStyle/>
+          <a:p>
+            <a:pPr algn="ctr"/>
+            <a:endParaRPr lang="en-NL"/>
+          </a:p>
+        </p:txBody>
+      </p:sp>
+      <p:sp>
+        <p:nvSpPr>
+          <p:cNvPr id="6" name="TextBox 5">
+            <a:extLst>
+              <a:ext uri="{FF2B5EF4-FFF2-40B4-BE49-F238E27FC236}">
+                <a16:creationId xmlns:a16="http://schemas.microsoft.com/office/drawing/2014/main" id="{009EAD6C-D563-D744-AFCA-AE8CA95E6630}"/>
+              </a:ext>
+            </a:extLst>
+          </p:cNvPr>
+          <p:cNvSpPr txBox="1"/>
+          <p:nvPr/>
+        </p:nvSpPr>
+        <p:spPr>
+          <a:xfrm>
+            <a:off x="329715" y="1078775"/>
+            <a:ext cx="6900243" cy="3170099"/>
+          </a:xfrm>
+          <a:prstGeom prst="rect">
+            <a:avLst/>
+          </a:prstGeom>
+          <a:noFill/>
+        </p:spPr>
+        <p:txBody>
+          <a:bodyPr wrap="square" rtlCol="0">
+            <a:spAutoFit/>
+          </a:bodyPr>
+          <a:lstStyle/>
+          <a:p>
+            <a:pPr algn="ctr"/>
+            <a:r>
+              <a:rPr lang="en-NL" sz="5000" dirty="0">
+                <a:latin typeface="Ubuntu" panose="020B0504030602030204" pitchFamily="34" charset="0"/>
+              </a:rPr>
+              <a:t>Learn more about</a:t>
+            </a:r>
+            <a:r>
+              <a:rPr lang="en-NL" sz="5000" b="1" dirty="0">
+                <a:latin typeface="Ubuntu" panose="020B0504030602030204" pitchFamily="34" charset="0"/>
+              </a:rPr>
+              <a:t> </a:t>
+            </a:r>
+          </a:p>
+          <a:p>
+            <a:pPr algn="ctr"/>
+            <a:r>
+              <a:rPr lang="en-NL" sz="5000" b="1" dirty="0">
+                <a:latin typeface="Ubuntu" panose="020B0504030602030204" pitchFamily="34" charset="0"/>
+              </a:rPr>
+              <a:t>Evidence Based Management </a:t>
+            </a:r>
+            <a:r>
+              <a:rPr lang="en-NL" sz="5000" dirty="0">
+                <a:latin typeface="Ubuntu" panose="020B0504030602030204" pitchFamily="34" charset="0"/>
+              </a:rPr>
+              <a:t>at</a:t>
+            </a:r>
+          </a:p>
+          <a:p>
+            <a:pPr algn="ctr"/>
+            <a:r>
+              <a:rPr lang="en-NL" sz="5000" dirty="0">
+                <a:latin typeface="Ubuntu" panose="020B0504030602030204" pitchFamily="34" charset="0"/>
+              </a:rPr>
+              <a:t>http://scrum.org/EBM</a:t>
+            </a:r>
+          </a:p>
+        </p:txBody>
+      </p:sp>
+    </p:spTree>
+    <p:extLst>
+      <p:ext uri="{BB962C8B-B14F-4D97-AF65-F5344CB8AC3E}">
+        <p14:creationId xmlns:p14="http://schemas.microsoft.com/office/powerpoint/2010/main" val="1377554222"/>
+      </p:ext>
+    </p:extLst>
+  </p:cSld>
+  <p:clrMapOvr>
+    <a:masterClrMapping/>
+  </p:clrMapOvr>
+</p:sld>
+</file>
+
+<file path=ppt/slides/slide64.xml><?xml version="1.0" encoding="utf-8"?>
+<p:sld xmlns:a="http://schemas.openxmlformats.org/drawingml/2006/main" xmlns:r="http://schemas.openxmlformats.org/officeDocument/2006/relationships" xmlns:p="http://schemas.openxmlformats.org/presentationml/2006/main">
+  <p:cSld>
+    <p:spTree>
+      <p:nvGrpSpPr>
+        <p:cNvPr id="1" name=""/>
+        <p:cNvGrpSpPr/>
+        <p:nvPr/>
+      </p:nvGrpSpPr>
+      <p:grpSpPr>
+        <a:xfrm>
+          <a:off x="0" y="0"/>
+          <a:ext cx="0" cy="0"/>
+          <a:chOff x="0" y="0"/>
+          <a:chExt cx="0" cy="0"/>
+        </a:xfrm>
+      </p:grpSpPr>
+      <p:sp>
+        <p:nvSpPr>
+          <p:cNvPr id="2" name="Title 1">
+            <a:extLst>
+              <a:ext uri="{FF2B5EF4-FFF2-40B4-BE49-F238E27FC236}">
+                <a16:creationId xmlns:a16="http://schemas.microsoft.com/office/drawing/2014/main" id="{CFCDF3DA-1D3D-E743-8E21-6B353B4D96A4}"/>
+              </a:ext>
+            </a:extLst>
+          </p:cNvPr>
+          <p:cNvSpPr>
+            <a:spLocks noGrp="1"/>
+          </p:cNvSpPr>
+          <p:nvPr>
+            <p:ph type="title"/>
+          </p:nvPr>
+        </p:nvSpPr>
+        <p:spPr/>
+        <p:txBody>
+          <a:bodyPr/>
+          <a:lstStyle/>
+          <a:p>
+            <a:endParaRPr lang="en-NL"/>
+          </a:p>
+        </p:txBody>
+      </p:sp>
+      <p:sp>
+        <p:nvSpPr>
+          <p:cNvPr id="3" name="Content Placeholder 2">
+            <a:extLst>
+              <a:ext uri="{FF2B5EF4-FFF2-40B4-BE49-F238E27FC236}">
+                <a16:creationId xmlns:a16="http://schemas.microsoft.com/office/drawing/2014/main" id="{40A525DA-CA85-AD48-8A85-52A75E1E5317}"/>
+              </a:ext>
+            </a:extLst>
+          </p:cNvPr>
+          <p:cNvSpPr>
+            <a:spLocks noGrp="1"/>
+          </p:cNvSpPr>
+          <p:nvPr>
+            <p:ph idx="1"/>
+          </p:nvPr>
+        </p:nvSpPr>
+        <p:spPr/>
+        <p:txBody>
+          <a:bodyPr/>
+          <a:lstStyle/>
+          <a:p>
+            <a:endParaRPr lang="en-NL"/>
+          </a:p>
+        </p:txBody>
+      </p:sp>
+      <p:sp>
+        <p:nvSpPr>
+          <p:cNvPr id="4" name="Rounded Rectangle 3">
+            <a:extLst>
+              <a:ext uri="{FF2B5EF4-FFF2-40B4-BE49-F238E27FC236}">
+                <a16:creationId xmlns:a16="http://schemas.microsoft.com/office/drawing/2014/main" id="{6B890BB6-3544-1A4E-A833-93135A597BB4}"/>
+              </a:ext>
+            </a:extLst>
+          </p:cNvPr>
+          <p:cNvSpPr/>
+          <p:nvPr/>
+        </p:nvSpPr>
+        <p:spPr>
+          <a:xfrm>
+            <a:off x="0" y="0"/>
+            <a:ext cx="7559675" cy="5327650"/>
+          </a:xfrm>
+          <a:prstGeom prst="roundRect">
+            <a:avLst>
+              <a:gd name="adj" fmla="val 0"/>
+            </a:avLst>
+          </a:prstGeom>
+          <a:blipFill>
+            <a:blip r:embed="rId2"/>
+            <a:stretch>
+              <a:fillRect/>
+            </a:stretch>
+          </a:blipFill>
+          <a:ln>
+            <a:solidFill>
+              <a:schemeClr val="bg2"/>
+            </a:solidFill>
+          </a:ln>
+        </p:spPr>
+        <p:style>
+          <a:lnRef idx="2">
+            <a:schemeClr val="accent1">
+              <a:shade val="50000"/>
+            </a:schemeClr>
+          </a:lnRef>
+          <a:fillRef idx="1">
+            <a:schemeClr val="accent1"/>
+          </a:fillRef>
+          <a:effectRef idx="0">
+            <a:schemeClr val="accent1"/>
+          </a:effectRef>
+          <a:fontRef idx="minor">
+            <a:schemeClr val="lt1"/>
+          </a:fontRef>
+        </p:style>
+        <p:txBody>
+          <a:bodyPr rtlCol="0" anchor="ctr"/>
+          <a:lstStyle/>
+          <a:p>
+            <a:pPr algn="ctr"/>
+            <a:endParaRPr lang="en-NL"/>
+          </a:p>
+        </p:txBody>
+      </p:sp>
+      <p:pic>
+        <p:nvPicPr>
+          <p:cNvPr id="5" name="Picture 4" descr="A picture containing food, drawing&#10;&#10;Description automatically generated">
+            <a:extLst>
+              <a:ext uri="{FF2B5EF4-FFF2-40B4-BE49-F238E27FC236}">
+                <a16:creationId xmlns:a16="http://schemas.microsoft.com/office/drawing/2014/main" id="{27611709-3190-2A4B-BCE4-4D329000A8EB}"/>
+              </a:ext>
+            </a:extLst>
+          </p:cNvPr>
+          <p:cNvPicPr>
+            <a:picLocks noChangeAspect="1"/>
+          </p:cNvPicPr>
+          <p:nvPr/>
+        </p:nvPicPr>
+        <p:blipFill>
+          <a:blip r:embed="rId3"/>
+          <a:stretch>
+            <a:fillRect/>
+          </a:stretch>
+        </p:blipFill>
+        <p:spPr>
+          <a:xfrm>
+            <a:off x="350837" y="-765175"/>
+            <a:ext cx="6858000" cy="6858000"/>
+          </a:xfrm>
+          <a:prstGeom prst="rect">
+            <a:avLst/>
+          </a:prstGeom>
+        </p:spPr>
+      </p:pic>
+    </p:spTree>
+    <p:extLst>
+      <p:ext uri="{BB962C8B-B14F-4D97-AF65-F5344CB8AC3E}">
+        <p14:creationId xmlns:p14="http://schemas.microsoft.com/office/powerpoint/2010/main" val="1817486122"/>
+      </p:ext>
+    </p:extLst>
+  </p:cSld>
+  <p:clrMapOvr>
+    <a:masterClrMapping/>
+  </p:clrMapOvr>
+</p:sld>
+</file>
+
+<file path=ppt/slides/slide65.xml><?xml version="1.0" encoding="utf-8"?>
+<p:sld xmlns:a="http://schemas.openxmlformats.org/drawingml/2006/main" xmlns:r="http://schemas.openxmlformats.org/officeDocument/2006/relationships" xmlns:p="http://schemas.openxmlformats.org/presentationml/2006/main">
+  <p:cSld>
+    <p:spTree>
+      <p:nvGrpSpPr>
+        <p:cNvPr id="1" name=""/>
+        <p:cNvGrpSpPr/>
+        <p:nvPr/>
+      </p:nvGrpSpPr>
+      <p:grpSpPr>
+        <a:xfrm>
+          <a:off x="0" y="0"/>
+          <a:ext cx="0" cy="0"/>
+          <a:chOff x="0" y="0"/>
+          <a:chExt cx="0" cy="0"/>
+        </a:xfrm>
+      </p:grpSpPr>
+      <p:sp>
+        <p:nvSpPr>
           <p:cNvPr id="6" name="TextBox 5">
             <a:extLst>
               <a:ext uri="{FF2B5EF4-FFF2-40B4-BE49-F238E27FC236}">
@@ -19924,7 +20439,7 @@
 </p:sld>
 </file>
 
-<file path=ppt/slides/slide64.xml><?xml version="1.0" encoding="utf-8"?>
+<file path=ppt/slides/slide66.xml><?xml version="1.0" encoding="utf-8"?>
 <p:sld xmlns:a="http://schemas.openxmlformats.org/drawingml/2006/main" xmlns:r="http://schemas.openxmlformats.org/officeDocument/2006/relationships" xmlns:p="http://schemas.openxmlformats.org/presentationml/2006/main">
   <p:cSld>
     <p:spTree>

--- a/Measuring Outcome v2 - 2020 update.pptx
+++ b/Measuring Outcome v2 - 2020 update.pptx
@@ -212,7 +212,7 @@
 
 <file path=ppt/commentAuthors.xml><?xml version="1.0" encoding="utf-8"?>
 <p:cmAuthorLst xmlns:a="http://schemas.openxmlformats.org/drawingml/2006/main" xmlns:r="http://schemas.openxmlformats.org/officeDocument/2006/relationships" xmlns:p="http://schemas.openxmlformats.org/presentationml/2006/main">
-  <p:cmAuthor id="1" name="Sjoerd Kranendonk" initials="SK" lastIdx="7" clrIdx="0">
+  <p:cmAuthor id="1" name="Sjoerd Kranendonk" initials="SK" lastIdx="8" clrIdx="0">
     <p:extLst>
       <p:ext uri="{19B8F6BF-5375-455C-9EA6-DF929625EA0E}">
         <p15:presenceInfo xmlns:p15="http://schemas.microsoft.com/office/powerpoint/2012/main" userId="acef0a9426a7f6dc" providerId="Windows Live"/>
@@ -269,6 +269,17 @@
     <p:extLst>
       <p:ext uri="{C676402C-5697-4E1C-873F-D02D1690AC5C}">
         <p15:threadingInfo xmlns:p15="http://schemas.microsoft.com/office/powerpoint/2012/main" timeZoneBias="-60"/>
+      </p:ext>
+    </p:extLst>
+  </p:cm>
+  <p:cm authorId="1" dt="2021-01-03T21:06:19.924" idx="8">
+    <p:pos x="10" y="146"/>
+    <p:text>added 'customer'</p:text>
+    <p:extLst>
+      <p:ext uri="{C676402C-5697-4E1C-873F-D02D1690AC5C}">
+        <p15:threadingInfo xmlns:p15="http://schemas.microsoft.com/office/powerpoint/2012/main" timeZoneBias="-60">
+          <p15:parentCm authorId="1" idx="1"/>
+        </p15:threadingInfo>
       </p:ext>
     </p:extLst>
   </p:cm>
@@ -9693,10 +9704,10 @@
         </p:nvGrpSpPr>
         <p:grpSpPr>
           <a:xfrm>
-            <a:off x="883471" y="1835527"/>
-            <a:ext cx="5792732" cy="1656596"/>
-            <a:chOff x="883470" y="2110622"/>
-            <a:chExt cx="5792732" cy="1656596"/>
+            <a:off x="883471" y="1503334"/>
+            <a:ext cx="5792732" cy="2320981"/>
+            <a:chOff x="883470" y="1446237"/>
+            <a:chExt cx="5792732" cy="2320981"/>
           </a:xfrm>
         </p:grpSpPr>
         <p:sp>
@@ -9713,8 +9724,8 @@
           </p:nvSpPr>
           <p:spPr>
             <a:xfrm>
-              <a:off x="883470" y="2110622"/>
-              <a:ext cx="5792732" cy="861774"/>
+              <a:off x="883470" y="1446237"/>
+              <a:ext cx="5792732" cy="1631216"/>
             </a:xfrm>
             <a:prstGeom prst="rect">
               <a:avLst/>
@@ -9729,13 +9740,34 @@
             <a:p>
               <a:pPr algn="ctr"/>
               <a:r>
+                <a:rPr lang="en-NL" sz="5000" b="1">
+                  <a:solidFill>
+                    <a:schemeClr val="bg1"/>
+                  </a:solidFill>
+                  <a:latin typeface="Ubuntu" panose="020B0504030602030204" pitchFamily="34" charset="0"/>
+                </a:rPr>
+                <a:t>Customer </a:t>
+              </a:r>
+            </a:p>
+            <a:p>
+              <a:pPr algn="ctr"/>
+              <a:r>
+                <a:rPr lang="en-NL" sz="5000" b="1">
+                  <a:solidFill>
+                    <a:schemeClr val="bg1"/>
+                  </a:solidFill>
+                  <a:latin typeface="Ubuntu" panose="020B0504030602030204" pitchFamily="34" charset="0"/>
+                </a:rPr>
+                <a:t>Cycle </a:t>
+              </a:r>
+              <a:r>
                 <a:rPr lang="en-NL" sz="5000" b="1" dirty="0">
                   <a:solidFill>
                     <a:schemeClr val="bg1"/>
                   </a:solidFill>
                   <a:latin typeface="Ubuntu" panose="020B0504030602030204" pitchFamily="34" charset="0"/>
                 </a:rPr>
-                <a:t>Cycle Time</a:t>
+                <a:t>Time</a:t>
               </a:r>
             </a:p>
           </p:txBody>

--- a/Measuring Outcome v2 - 2020 update.pptx
+++ b/Measuring Outcome v2 - 2020 update.pptx
@@ -5,7 +5,7 @@
     <p:sldMasterId id="2147483660" r:id="rId1"/>
   </p:sldMasterIdLst>
   <p:notesMasterIdLst>
-    <p:notesMasterId r:id="rId68"/>
+    <p:notesMasterId r:id="rId66"/>
   </p:notesMasterIdLst>
   <p:sldIdLst>
     <p:sldId id="256" r:id="rId2"/>
@@ -20,91 +20,89 @@
     <p:sldId id="263" r:id="rId11"/>
     <p:sldId id="268" r:id="rId12"/>
     <p:sldId id="297" r:id="rId13"/>
-    <p:sldId id="298" r:id="rId14"/>
-    <p:sldId id="299" r:id="rId15"/>
-    <p:sldId id="300" r:id="rId16"/>
-    <p:sldId id="301" r:id="rId17"/>
-    <p:sldId id="302" r:id="rId18"/>
-    <p:sldId id="303" r:id="rId19"/>
-    <p:sldId id="306" r:id="rId20"/>
-    <p:sldId id="307" r:id="rId21"/>
-    <p:sldId id="308" r:id="rId22"/>
-    <p:sldId id="309" r:id="rId23"/>
-    <p:sldId id="310" r:id="rId24"/>
-    <p:sldId id="311" r:id="rId25"/>
-    <p:sldId id="312" r:id="rId26"/>
-    <p:sldId id="313" r:id="rId27"/>
-    <p:sldId id="314" r:id="rId28"/>
-    <p:sldId id="315" r:id="rId29"/>
-    <p:sldId id="316" r:id="rId30"/>
-    <p:sldId id="317" r:id="rId31"/>
-    <p:sldId id="318" r:id="rId32"/>
-    <p:sldId id="319" r:id="rId33"/>
-    <p:sldId id="320" r:id="rId34"/>
-    <p:sldId id="321" r:id="rId35"/>
-    <p:sldId id="322" r:id="rId36"/>
-    <p:sldId id="323" r:id="rId37"/>
-    <p:sldId id="324" r:id="rId38"/>
-    <p:sldId id="325" r:id="rId39"/>
-    <p:sldId id="326" r:id="rId40"/>
-    <p:sldId id="327" r:id="rId41"/>
-    <p:sldId id="337" r:id="rId42"/>
-    <p:sldId id="338" r:id="rId43"/>
-    <p:sldId id="339" r:id="rId44"/>
-    <p:sldId id="340" r:id="rId45"/>
-    <p:sldId id="341" r:id="rId46"/>
-    <p:sldId id="342" r:id="rId47"/>
-    <p:sldId id="343" r:id="rId48"/>
-    <p:sldId id="344" r:id="rId49"/>
-    <p:sldId id="352" r:id="rId50"/>
-    <p:sldId id="353" r:id="rId51"/>
-    <p:sldId id="354" r:id="rId52"/>
-    <p:sldId id="355" r:id="rId53"/>
-    <p:sldId id="357" r:id="rId54"/>
-    <p:sldId id="358" r:id="rId55"/>
-    <p:sldId id="345" r:id="rId56"/>
-    <p:sldId id="346" r:id="rId57"/>
-    <p:sldId id="347" r:id="rId58"/>
-    <p:sldId id="348" r:id="rId59"/>
-    <p:sldId id="328" r:id="rId60"/>
-    <p:sldId id="329" r:id="rId61"/>
-    <p:sldId id="334" r:id="rId62"/>
-    <p:sldId id="331" r:id="rId63"/>
-    <p:sldId id="335" r:id="rId64"/>
-    <p:sldId id="333" r:id="rId65"/>
-    <p:sldId id="356" r:id="rId66"/>
-    <p:sldId id="351" r:id="rId67"/>
+    <p:sldId id="300" r:id="rId14"/>
+    <p:sldId id="301" r:id="rId15"/>
+    <p:sldId id="302" r:id="rId16"/>
+    <p:sldId id="303" r:id="rId17"/>
+    <p:sldId id="306" r:id="rId18"/>
+    <p:sldId id="307" r:id="rId19"/>
+    <p:sldId id="308" r:id="rId20"/>
+    <p:sldId id="309" r:id="rId21"/>
+    <p:sldId id="310" r:id="rId22"/>
+    <p:sldId id="311" r:id="rId23"/>
+    <p:sldId id="312" r:id="rId24"/>
+    <p:sldId id="313" r:id="rId25"/>
+    <p:sldId id="314" r:id="rId26"/>
+    <p:sldId id="315" r:id="rId27"/>
+    <p:sldId id="316" r:id="rId28"/>
+    <p:sldId id="317" r:id="rId29"/>
+    <p:sldId id="318" r:id="rId30"/>
+    <p:sldId id="319" r:id="rId31"/>
+    <p:sldId id="320" r:id="rId32"/>
+    <p:sldId id="321" r:id="rId33"/>
+    <p:sldId id="322" r:id="rId34"/>
+    <p:sldId id="323" r:id="rId35"/>
+    <p:sldId id="324" r:id="rId36"/>
+    <p:sldId id="325" r:id="rId37"/>
+    <p:sldId id="326" r:id="rId38"/>
+    <p:sldId id="327" r:id="rId39"/>
+    <p:sldId id="337" r:id="rId40"/>
+    <p:sldId id="338" r:id="rId41"/>
+    <p:sldId id="339" r:id="rId42"/>
+    <p:sldId id="340" r:id="rId43"/>
+    <p:sldId id="341" r:id="rId44"/>
+    <p:sldId id="342" r:id="rId45"/>
+    <p:sldId id="343" r:id="rId46"/>
+    <p:sldId id="344" r:id="rId47"/>
+    <p:sldId id="352" r:id="rId48"/>
+    <p:sldId id="353" r:id="rId49"/>
+    <p:sldId id="354" r:id="rId50"/>
+    <p:sldId id="355" r:id="rId51"/>
+    <p:sldId id="357" r:id="rId52"/>
+    <p:sldId id="358" r:id="rId53"/>
+    <p:sldId id="345" r:id="rId54"/>
+    <p:sldId id="346" r:id="rId55"/>
+    <p:sldId id="347" r:id="rId56"/>
+    <p:sldId id="348" r:id="rId57"/>
+    <p:sldId id="328" r:id="rId58"/>
+    <p:sldId id="329" r:id="rId59"/>
+    <p:sldId id="334" r:id="rId60"/>
+    <p:sldId id="331" r:id="rId61"/>
+    <p:sldId id="335" r:id="rId62"/>
+    <p:sldId id="333" r:id="rId63"/>
+    <p:sldId id="356" r:id="rId64"/>
+    <p:sldId id="351" r:id="rId65"/>
   </p:sldIdLst>
   <p:sldSz cx="7559675" cy="5327650"/>
   <p:notesSz cx="6858000" cy="9144000"/>
   <p:embeddedFontLst>
     <p:embeddedFont>
       <p:font typeface="Calibri" panose="020F0502020204030204" pitchFamily="34" charset="0"/>
-      <p:regular r:id="rId69"/>
-      <p:bold r:id="rId69"/>
-      <p:italic r:id="rId69"/>
-      <p:boldItalic r:id="rId69"/>
+      <p:regular r:id="rId67"/>
+      <p:bold r:id="rId67"/>
+      <p:italic r:id="rId67"/>
+      <p:boldItalic r:id="rId67"/>
     </p:embeddedFont>
     <p:embeddedFont>
       <p:font typeface="Calibri Light" panose="020F0302020204030204" pitchFamily="34" charset="0"/>
-      <p:regular r:id="rId69"/>
-      <p:italic r:id="rId69"/>
+      <p:regular r:id="rId67"/>
+      <p:italic r:id="rId67"/>
     </p:embeddedFont>
     <p:embeddedFont>
       <p:font typeface="Marvel" pitchFamily="2" charset="0"/>
-      <p:regular r:id="rId69"/>
+      <p:regular r:id="rId67"/>
     </p:embeddedFont>
     <p:embeddedFont>
       <p:font typeface="Ubuntu" panose="020B0504030602030204" pitchFamily="34" charset="0"/>
-      <p:regular r:id="rId69"/>
-      <p:bold r:id="rId69"/>
-      <p:italic r:id="rId69"/>
-      <p:boldItalic r:id="rId69"/>
+      <p:regular r:id="rId67"/>
+      <p:bold r:id="rId67"/>
+      <p:italic r:id="rId67"/>
+      <p:boldItalic r:id="rId67"/>
     </p:embeddedFont>
     <p:embeddedFont>
       <p:font typeface="Ubuntu Light" panose="020B0304030602030204" pitchFamily="34" charset="0"/>
-      <p:regular r:id="rId69"/>
-      <p:italic r:id="rId69"/>
+      <p:regular r:id="rId67"/>
+      <p:italic r:id="rId67"/>
     </p:embeddedFont>
   </p:embeddedFontLst>
   <p:defaultTextStyle>
@@ -224,20 +222,6 @@
 
 <file path=ppt/comments/comment1.xml><?xml version="1.0" encoding="utf-8"?>
 <p:cmLst xmlns:a="http://schemas.openxmlformats.org/drawingml/2006/main" xmlns:r="http://schemas.openxmlformats.org/officeDocument/2006/relationships" xmlns:p="http://schemas.openxmlformats.org/presentationml/2006/main">
-  <p:cm authorId="1" dt="2021-01-03T20:58:17.817" idx="2">
-    <p:pos x="10" y="10"/>
-    <p:text>To be removed for 2020 update</p:text>
-    <p:extLst>
-      <p:ext uri="{C676402C-5697-4E1C-873F-D02D1690AC5C}">
-        <p15:threadingInfo xmlns:p15="http://schemas.microsoft.com/office/powerpoint/2012/main" timeZoneBias="-60"/>
-      </p:ext>
-    </p:extLst>
-  </p:cm>
-</p:cmLst>
-</file>
-
-<file path=ppt/comments/comment2.xml><?xml version="1.0" encoding="utf-8"?>
-<p:cmLst xmlns:a="http://schemas.openxmlformats.org/drawingml/2006/main" xmlns:r="http://schemas.openxmlformats.org/officeDocument/2006/relationships" xmlns:p="http://schemas.openxmlformats.org/presentationml/2006/main">
   <p:cm authorId="1" dt="2021-01-03T20:58:45.186" idx="3">
     <p:pos x="10" y="10"/>
     <p:text>To be changed for 2020 update</p:text>
@@ -261,7 +245,7 @@
 </p:cmLst>
 </file>
 
-<file path=ppt/comments/comment3.xml><?xml version="1.0" encoding="utf-8"?>
+<file path=ppt/comments/comment2.xml><?xml version="1.0" encoding="utf-8"?>
 <p:cmLst xmlns:a="http://schemas.openxmlformats.org/drawingml/2006/main" xmlns:r="http://schemas.openxmlformats.org/officeDocument/2006/relationships" xmlns:p="http://schemas.openxmlformats.org/presentationml/2006/main">
   <p:cm authorId="1" dt="2021-01-03T20:57:30.668" idx="1">
     <p:pos x="10" y="10"/>
@@ -286,7 +270,7 @@
 </p:cmLst>
 </file>
 
-<file path=ppt/comments/comment4.xml><?xml version="1.0" encoding="utf-8"?>
+<file path=ppt/comments/comment3.xml><?xml version="1.0" encoding="utf-8"?>
 <p:cmLst xmlns:a="http://schemas.openxmlformats.org/drawingml/2006/main" xmlns:r="http://schemas.openxmlformats.org/officeDocument/2006/relationships" xmlns:p="http://schemas.openxmlformats.org/presentationml/2006/main">
   <p:cm authorId="1" dt="2021-01-03T20:59:01.215" idx="4">
     <p:pos x="10" y="10"/>
@@ -311,7 +295,7 @@
 </p:cmLst>
 </file>
 
-<file path=ppt/comments/comment5.xml><?xml version="1.0" encoding="utf-8"?>
+<file path=ppt/comments/comment4.xml><?xml version="1.0" encoding="utf-8"?>
 <p:cmLst xmlns:a="http://schemas.openxmlformats.org/drawingml/2006/main" xmlns:r="http://schemas.openxmlformats.org/officeDocument/2006/relationships" xmlns:p="http://schemas.openxmlformats.org/presentationml/2006/main">
   <p:cm authorId="1" dt="2021-01-03T20:59:01.215" idx="4">
     <p:pos x="10" y="10"/>
@@ -862,7 +846,7 @@
           <a:p>
             <a:fld id="{240114D0-54EC-2541-891C-414F49E4331F}" type="slidenum">
               <a:rPr lang="en-NL" smtClean="0"/>
-              <a:t>13</a:t>
+              <a:t>19</a:t>
             </a:fld>
             <a:endParaRPr lang="en-NL"/>
           </a:p>
@@ -871,7 +855,7 @@
     </p:spTree>
     <p:extLst>
       <p:ext uri="{BB962C8B-B14F-4D97-AF65-F5344CB8AC3E}">
-        <p14:creationId xmlns:p14="http://schemas.microsoft.com/office/powerpoint/2010/main" val="2588350386"/>
+        <p14:creationId xmlns:p14="http://schemas.microsoft.com/office/powerpoint/2010/main" val="211584228"/>
       </p:ext>
     </p:extLst>
   </p:cSld>
@@ -946,91 +930,7 @@
           <a:p>
             <a:fld id="{240114D0-54EC-2541-891C-414F49E4331F}" type="slidenum">
               <a:rPr lang="en-NL" smtClean="0"/>
-              <a:t>21</a:t>
-            </a:fld>
-            <a:endParaRPr lang="en-NL"/>
-          </a:p>
-        </p:txBody>
-      </p:sp>
-    </p:spTree>
-    <p:extLst>
-      <p:ext uri="{BB962C8B-B14F-4D97-AF65-F5344CB8AC3E}">
-        <p14:creationId xmlns:p14="http://schemas.microsoft.com/office/powerpoint/2010/main" val="211584228"/>
-      </p:ext>
-    </p:extLst>
-  </p:cSld>
-  <p:clrMapOvr>
-    <a:masterClrMapping/>
-  </p:clrMapOvr>
-</p:notes>
-</file>
-
-<file path=ppt/notesSlides/notesSlide4.xml><?xml version="1.0" encoding="utf-8"?>
-<p:notes xmlns:a="http://schemas.openxmlformats.org/drawingml/2006/main" xmlns:r="http://schemas.openxmlformats.org/officeDocument/2006/relationships" xmlns:p="http://schemas.openxmlformats.org/presentationml/2006/main">
-  <p:cSld>
-    <p:spTree>
-      <p:nvGrpSpPr>
-        <p:cNvPr id="1" name=""/>
-        <p:cNvGrpSpPr/>
-        <p:nvPr/>
-      </p:nvGrpSpPr>
-      <p:grpSpPr>
-        <a:xfrm>
-          <a:off x="0" y="0"/>
-          <a:ext cx="0" cy="0"/>
-          <a:chOff x="0" y="0"/>
-          <a:chExt cx="0" cy="0"/>
-        </a:xfrm>
-      </p:grpSpPr>
-      <p:sp>
-        <p:nvSpPr>
-          <p:cNvPr id="2" name="Slide Image Placeholder 1"/>
-          <p:cNvSpPr>
-            <a:spLocks noGrp="1" noRot="1" noChangeAspect="1"/>
-          </p:cNvSpPr>
-          <p:nvPr>
-            <p:ph type="sldImg"/>
-          </p:nvPr>
-        </p:nvSpPr>
-        <p:spPr/>
-      </p:sp>
-      <p:sp>
-        <p:nvSpPr>
-          <p:cNvPr id="3" name="Notes Placeholder 2"/>
-          <p:cNvSpPr>
-            <a:spLocks noGrp="1"/>
-          </p:cNvSpPr>
-          <p:nvPr>
-            <p:ph type="body" idx="1"/>
-          </p:nvPr>
-        </p:nvSpPr>
-        <p:spPr/>
-        <p:txBody>
-          <a:bodyPr/>
-          <a:lstStyle/>
-          <a:p>
-            <a:endParaRPr lang="en-NL" dirty="0"/>
-          </a:p>
-        </p:txBody>
-      </p:sp>
-      <p:sp>
-        <p:nvSpPr>
-          <p:cNvPr id="4" name="Slide Number Placeholder 3"/>
-          <p:cNvSpPr>
-            <a:spLocks noGrp="1"/>
-          </p:cNvSpPr>
-          <p:nvPr>
-            <p:ph type="sldNum" sz="quarter" idx="5"/>
-          </p:nvPr>
-        </p:nvSpPr>
-        <p:spPr/>
-        <p:txBody>
-          <a:bodyPr/>
-          <a:lstStyle/>
-          <a:p>
-            <a:fld id="{240114D0-54EC-2541-891C-414F49E4331F}" type="slidenum">
-              <a:rPr lang="en-NL" smtClean="0"/>
-              <a:t>65</a:t>
+              <a:t>63</a:t>
             </a:fld>
             <a:endParaRPr lang="en-NL"/>
           </a:p>
@@ -4975,497 +4875,6 @@
           <p:cNvPr id="5" name="Rounded Rectangle 4">
             <a:extLst>
               <a:ext uri="{FF2B5EF4-FFF2-40B4-BE49-F238E27FC236}">
-                <a16:creationId xmlns:a16="http://schemas.microsoft.com/office/drawing/2014/main" id="{921BC4CF-B685-B043-85A0-DF0E184F9DBF}"/>
-              </a:ext>
-            </a:extLst>
-          </p:cNvPr>
-          <p:cNvSpPr/>
-          <p:nvPr/>
-        </p:nvSpPr>
-        <p:spPr>
-          <a:xfrm>
-            <a:off x="0" y="0"/>
-            <a:ext cx="7559675" cy="5327650"/>
-          </a:xfrm>
-          <a:prstGeom prst="roundRect">
-            <a:avLst>
-              <a:gd name="adj" fmla="val 0"/>
-            </a:avLst>
-          </a:prstGeom>
-          <a:solidFill>
-            <a:schemeClr val="accent6">
-              <a:lumMod val="50000"/>
-            </a:schemeClr>
-          </a:solidFill>
-          <a:ln>
-            <a:noFill/>
-          </a:ln>
-        </p:spPr>
-        <p:style>
-          <a:lnRef idx="2">
-            <a:schemeClr val="accent1">
-              <a:shade val="50000"/>
-            </a:schemeClr>
-          </a:lnRef>
-          <a:fillRef idx="1">
-            <a:schemeClr val="accent1"/>
-          </a:fillRef>
-          <a:effectRef idx="0">
-            <a:schemeClr val="accent1"/>
-          </a:effectRef>
-          <a:fontRef idx="minor">
-            <a:schemeClr val="lt1"/>
-          </a:fontRef>
-        </p:style>
-        <p:txBody>
-          <a:bodyPr rtlCol="0" anchor="ctr"/>
-          <a:lstStyle/>
-          <a:p>
-            <a:pPr algn="ctr"/>
-            <a:endParaRPr lang="en-NL"/>
-          </a:p>
-        </p:txBody>
-      </p:sp>
-      <p:grpSp>
-        <p:nvGrpSpPr>
-          <p:cNvPr id="2" name="Group 1">
-            <a:extLst>
-              <a:ext uri="{FF2B5EF4-FFF2-40B4-BE49-F238E27FC236}">
-                <a16:creationId xmlns:a16="http://schemas.microsoft.com/office/drawing/2014/main" id="{0523888E-9B06-8046-A2BE-6123694EE11E}"/>
-              </a:ext>
-            </a:extLst>
-          </p:cNvPr>
-          <p:cNvGrpSpPr/>
-          <p:nvPr/>
-        </p:nvGrpSpPr>
-        <p:grpSpPr>
-          <a:xfrm>
-            <a:off x="883471" y="1432609"/>
-            <a:ext cx="5792732" cy="2462432"/>
-            <a:chOff x="883470" y="1304786"/>
-            <a:chExt cx="5792732" cy="2462432"/>
-          </a:xfrm>
-        </p:grpSpPr>
-        <p:sp>
-          <p:nvSpPr>
-            <p:cNvPr id="4" name="TextBox 3">
-              <a:extLst>
-                <a:ext uri="{FF2B5EF4-FFF2-40B4-BE49-F238E27FC236}">
-                  <a16:creationId xmlns:a16="http://schemas.microsoft.com/office/drawing/2014/main" id="{F35F3B9E-B896-7547-8FF3-C77E69DFE116}"/>
-                </a:ext>
-              </a:extLst>
-            </p:cNvPr>
-            <p:cNvSpPr txBox="1"/>
-            <p:nvPr/>
-          </p:nvSpPr>
-          <p:spPr>
-            <a:xfrm>
-              <a:off x="883470" y="1304786"/>
-              <a:ext cx="5792732" cy="1631216"/>
-            </a:xfrm>
-            <a:prstGeom prst="rect">
-              <a:avLst/>
-            </a:prstGeom>
-            <a:noFill/>
-          </p:spPr>
-          <p:txBody>
-            <a:bodyPr wrap="square" rtlCol="0">
-              <a:spAutoFit/>
-            </a:bodyPr>
-            <a:lstStyle/>
-            <a:p>
-              <a:pPr algn="ctr"/>
-              <a:r>
-                <a:rPr lang="en-NL" sz="5000" b="1" dirty="0">
-                  <a:solidFill>
-                    <a:schemeClr val="bg1"/>
-                  </a:solidFill>
-                  <a:latin typeface="Ubuntu" panose="020B0504030602030204" pitchFamily="34" charset="0"/>
-                </a:rPr>
-                <a:t>Feature </a:t>
-              </a:r>
-            </a:p>
-            <a:p>
-              <a:pPr algn="ctr"/>
-              <a:r>
-                <a:rPr lang="en-NL" sz="5000" b="1" dirty="0">
-                  <a:solidFill>
-                    <a:schemeClr val="bg1"/>
-                  </a:solidFill>
-                  <a:latin typeface="Ubuntu" panose="020B0504030602030204" pitchFamily="34" charset="0"/>
-                </a:rPr>
-                <a:t>Usage Index</a:t>
-              </a:r>
-            </a:p>
-          </p:txBody>
-        </p:sp>
-        <p:sp>
-          <p:nvSpPr>
-            <p:cNvPr id="20" name="Diamond 19">
-              <a:extLst>
-                <a:ext uri="{FF2B5EF4-FFF2-40B4-BE49-F238E27FC236}">
-                  <a16:creationId xmlns:a16="http://schemas.microsoft.com/office/drawing/2014/main" id="{29B8A6F0-B0C1-B44D-8BDC-B0141804ACDC}"/>
-                </a:ext>
-              </a:extLst>
-            </p:cNvPr>
-            <p:cNvSpPr/>
-            <p:nvPr/>
-          </p:nvSpPr>
-          <p:spPr>
-            <a:xfrm>
-              <a:off x="2854907" y="3217028"/>
-              <a:ext cx="550190" cy="550190"/>
-            </a:xfrm>
-            <a:prstGeom prst="diamond">
-              <a:avLst/>
-            </a:prstGeom>
-            <a:solidFill>
-              <a:schemeClr val="bg1"/>
-            </a:solidFill>
-            <a:ln>
-              <a:solidFill>
-                <a:schemeClr val="bg1"/>
-              </a:solidFill>
-            </a:ln>
-          </p:spPr>
-          <p:style>
-            <a:lnRef idx="2">
-              <a:schemeClr val="accent1">
-                <a:shade val="50000"/>
-              </a:schemeClr>
-            </a:lnRef>
-            <a:fillRef idx="1">
-              <a:schemeClr val="accent1"/>
-            </a:fillRef>
-            <a:effectRef idx="0">
-              <a:schemeClr val="accent1"/>
-            </a:effectRef>
-            <a:fontRef idx="minor">
-              <a:schemeClr val="lt1"/>
-            </a:fontRef>
-          </p:style>
-          <p:txBody>
-            <a:bodyPr rtlCol="0" anchor="ctr"/>
-            <a:lstStyle/>
-            <a:p>
-              <a:pPr algn="ctr"/>
-              <a:endParaRPr lang="en-NL"/>
-            </a:p>
-          </p:txBody>
-        </p:sp>
-        <p:sp>
-          <p:nvSpPr>
-            <p:cNvPr id="21" name="Diamond 20">
-              <a:extLst>
-                <a:ext uri="{FF2B5EF4-FFF2-40B4-BE49-F238E27FC236}">
-                  <a16:creationId xmlns:a16="http://schemas.microsoft.com/office/drawing/2014/main" id="{E3E67A30-883E-9442-9A67-BA9E2F50D834}"/>
-                </a:ext>
-              </a:extLst>
-            </p:cNvPr>
-            <p:cNvSpPr/>
-            <p:nvPr/>
-          </p:nvSpPr>
-          <p:spPr>
-            <a:xfrm>
-              <a:off x="3504741" y="3207256"/>
-              <a:ext cx="550190" cy="550190"/>
-            </a:xfrm>
-            <a:prstGeom prst="diamond">
-              <a:avLst/>
-            </a:prstGeom>
-            <a:solidFill>
-              <a:schemeClr val="bg1"/>
-            </a:solidFill>
-            <a:ln>
-              <a:solidFill>
-                <a:schemeClr val="bg1"/>
-              </a:solidFill>
-            </a:ln>
-          </p:spPr>
-          <p:style>
-            <a:lnRef idx="2">
-              <a:schemeClr val="accent1">
-                <a:shade val="50000"/>
-              </a:schemeClr>
-            </a:lnRef>
-            <a:fillRef idx="1">
-              <a:schemeClr val="accent1"/>
-            </a:fillRef>
-            <a:effectRef idx="0">
-              <a:schemeClr val="accent1"/>
-            </a:effectRef>
-            <a:fontRef idx="minor">
-              <a:schemeClr val="lt1"/>
-            </a:fontRef>
-          </p:style>
-          <p:txBody>
-            <a:bodyPr rtlCol="0" anchor="ctr"/>
-            <a:lstStyle/>
-            <a:p>
-              <a:pPr algn="ctr"/>
-              <a:endParaRPr lang="en-NL"/>
-            </a:p>
-          </p:txBody>
-        </p:sp>
-        <p:sp>
-          <p:nvSpPr>
-            <p:cNvPr id="22" name="Diamond 21">
-              <a:extLst>
-                <a:ext uri="{FF2B5EF4-FFF2-40B4-BE49-F238E27FC236}">
-                  <a16:creationId xmlns:a16="http://schemas.microsoft.com/office/drawing/2014/main" id="{49994304-6B00-2042-95C8-4ADD13CF470B}"/>
-                </a:ext>
-              </a:extLst>
-            </p:cNvPr>
-            <p:cNvSpPr/>
-            <p:nvPr/>
-          </p:nvSpPr>
-          <p:spPr>
-            <a:xfrm>
-              <a:off x="4154575" y="3207256"/>
-              <a:ext cx="550190" cy="550190"/>
-            </a:xfrm>
-            <a:prstGeom prst="diamond">
-              <a:avLst/>
-            </a:prstGeom>
-            <a:solidFill>
-              <a:schemeClr val="bg1"/>
-            </a:solidFill>
-            <a:ln>
-              <a:solidFill>
-                <a:schemeClr val="bg1"/>
-              </a:solidFill>
-            </a:ln>
-          </p:spPr>
-          <p:style>
-            <a:lnRef idx="2">
-              <a:schemeClr val="accent1">
-                <a:shade val="50000"/>
-              </a:schemeClr>
-            </a:lnRef>
-            <a:fillRef idx="1">
-              <a:schemeClr val="accent1"/>
-            </a:fillRef>
-            <a:effectRef idx="0">
-              <a:schemeClr val="accent1"/>
-            </a:effectRef>
-            <a:fontRef idx="minor">
-              <a:schemeClr val="lt1"/>
-            </a:fontRef>
-          </p:style>
-          <p:txBody>
-            <a:bodyPr rtlCol="0" anchor="ctr"/>
-            <a:lstStyle/>
-            <a:p>
-              <a:pPr algn="ctr"/>
-              <a:endParaRPr lang="en-NL"/>
-            </a:p>
-          </p:txBody>
-        </p:sp>
-      </p:grpSp>
-    </p:spTree>
-    <p:extLst>
-      <p:ext uri="{BB962C8B-B14F-4D97-AF65-F5344CB8AC3E}">
-        <p14:creationId xmlns:p14="http://schemas.microsoft.com/office/powerpoint/2010/main" val="1341051590"/>
-      </p:ext>
-    </p:extLst>
-  </p:cSld>
-  <p:clrMapOvr>
-    <a:masterClrMapping/>
-  </p:clrMapOvr>
-</p:sld>
-</file>
-
-<file path=ppt/slides/slide14.xml><?xml version="1.0" encoding="utf-8"?>
-<p:sld xmlns:a="http://schemas.openxmlformats.org/drawingml/2006/main" xmlns:r="http://schemas.openxmlformats.org/officeDocument/2006/relationships" xmlns:p="http://schemas.openxmlformats.org/presentationml/2006/main">
-  <p:cSld>
-    <p:spTree>
-      <p:nvGrpSpPr>
-        <p:cNvPr id="1" name=""/>
-        <p:cNvGrpSpPr/>
-        <p:nvPr/>
-      </p:nvGrpSpPr>
-      <p:grpSpPr>
-        <a:xfrm>
-          <a:off x="0" y="0"/>
-          <a:ext cx="0" cy="0"/>
-          <a:chOff x="0" y="0"/>
-          <a:chExt cx="0" cy="0"/>
-        </a:xfrm>
-      </p:grpSpPr>
-      <p:sp>
-        <p:nvSpPr>
-          <p:cNvPr id="2" name="Title 1">
-            <a:extLst>
-              <a:ext uri="{FF2B5EF4-FFF2-40B4-BE49-F238E27FC236}">
-                <a16:creationId xmlns:a16="http://schemas.microsoft.com/office/drawing/2014/main" id="{CFCDF3DA-1D3D-E743-8E21-6B353B4D96A4}"/>
-              </a:ext>
-            </a:extLst>
-          </p:cNvPr>
-          <p:cNvSpPr>
-            <a:spLocks noGrp="1"/>
-          </p:cNvSpPr>
-          <p:nvPr>
-            <p:ph type="title"/>
-          </p:nvPr>
-        </p:nvSpPr>
-        <p:spPr/>
-        <p:txBody>
-          <a:bodyPr/>
-          <a:lstStyle/>
-          <a:p>
-            <a:endParaRPr lang="en-NL"/>
-          </a:p>
-        </p:txBody>
-      </p:sp>
-      <p:sp>
-        <p:nvSpPr>
-          <p:cNvPr id="3" name="Content Placeholder 2">
-            <a:extLst>
-              <a:ext uri="{FF2B5EF4-FFF2-40B4-BE49-F238E27FC236}">
-                <a16:creationId xmlns:a16="http://schemas.microsoft.com/office/drawing/2014/main" id="{40A525DA-CA85-AD48-8A85-52A75E1E5317}"/>
-              </a:ext>
-            </a:extLst>
-          </p:cNvPr>
-          <p:cNvSpPr>
-            <a:spLocks noGrp="1"/>
-          </p:cNvSpPr>
-          <p:nvPr>
-            <p:ph idx="1"/>
-          </p:nvPr>
-        </p:nvSpPr>
-        <p:spPr/>
-        <p:txBody>
-          <a:bodyPr/>
-          <a:lstStyle/>
-          <a:p>
-            <a:endParaRPr lang="en-NL"/>
-          </a:p>
-        </p:txBody>
-      </p:sp>
-      <p:sp>
-        <p:nvSpPr>
-          <p:cNvPr id="4" name="Rounded Rectangle 3">
-            <a:extLst>
-              <a:ext uri="{FF2B5EF4-FFF2-40B4-BE49-F238E27FC236}">
-                <a16:creationId xmlns:a16="http://schemas.microsoft.com/office/drawing/2014/main" id="{6B890BB6-3544-1A4E-A833-93135A597BB4}"/>
-              </a:ext>
-            </a:extLst>
-          </p:cNvPr>
-          <p:cNvSpPr/>
-          <p:nvPr/>
-        </p:nvSpPr>
-        <p:spPr>
-          <a:xfrm>
-            <a:off x="0" y="0"/>
-            <a:ext cx="7559675" cy="5327650"/>
-          </a:xfrm>
-          <a:prstGeom prst="roundRect">
-            <a:avLst>
-              <a:gd name="adj" fmla="val 0"/>
-            </a:avLst>
-          </a:prstGeom>
-          <a:blipFill>
-            <a:blip r:embed="rId2"/>
-            <a:stretch>
-              <a:fillRect/>
-            </a:stretch>
-          </a:blipFill>
-          <a:ln>
-            <a:solidFill>
-              <a:schemeClr val="bg2"/>
-            </a:solidFill>
-          </a:ln>
-        </p:spPr>
-        <p:style>
-          <a:lnRef idx="2">
-            <a:schemeClr val="accent1">
-              <a:shade val="50000"/>
-            </a:schemeClr>
-          </a:lnRef>
-          <a:fillRef idx="1">
-            <a:schemeClr val="accent1"/>
-          </a:fillRef>
-          <a:effectRef idx="0">
-            <a:schemeClr val="accent1"/>
-          </a:effectRef>
-          <a:fontRef idx="minor">
-            <a:schemeClr val="lt1"/>
-          </a:fontRef>
-        </p:style>
-        <p:txBody>
-          <a:bodyPr rtlCol="0" anchor="ctr"/>
-          <a:lstStyle/>
-          <a:p>
-            <a:pPr algn="ctr"/>
-            <a:endParaRPr lang="en-NL"/>
-          </a:p>
-        </p:txBody>
-      </p:sp>
-      <p:pic>
-        <p:nvPicPr>
-          <p:cNvPr id="5" name="Picture 4" descr="A picture containing food, drawing&#10;&#10;Description automatically generated">
-            <a:extLst>
-              <a:ext uri="{FF2B5EF4-FFF2-40B4-BE49-F238E27FC236}">
-                <a16:creationId xmlns:a16="http://schemas.microsoft.com/office/drawing/2014/main" id="{27611709-3190-2A4B-BCE4-4D329000A8EB}"/>
-              </a:ext>
-            </a:extLst>
-          </p:cNvPr>
-          <p:cNvPicPr>
-            <a:picLocks noChangeAspect="1"/>
-          </p:cNvPicPr>
-          <p:nvPr/>
-        </p:nvPicPr>
-        <p:blipFill>
-          <a:blip r:embed="rId3"/>
-          <a:stretch>
-            <a:fillRect/>
-          </a:stretch>
-        </p:blipFill>
-        <p:spPr>
-          <a:xfrm>
-            <a:off x="350837" y="-765175"/>
-            <a:ext cx="6858000" cy="6858000"/>
-          </a:xfrm>
-          <a:prstGeom prst="rect">
-            <a:avLst/>
-          </a:prstGeom>
-        </p:spPr>
-      </p:pic>
-    </p:spTree>
-    <p:extLst>
-      <p:ext uri="{BB962C8B-B14F-4D97-AF65-F5344CB8AC3E}">
-        <p14:creationId xmlns:p14="http://schemas.microsoft.com/office/powerpoint/2010/main" val="2782205172"/>
-      </p:ext>
-    </p:extLst>
-  </p:cSld>
-  <p:clrMapOvr>
-    <a:masterClrMapping/>
-  </p:clrMapOvr>
-</p:sld>
-</file>
-
-<file path=ppt/slides/slide15.xml><?xml version="1.0" encoding="utf-8"?>
-<p:sld xmlns:a="http://schemas.openxmlformats.org/drawingml/2006/main" xmlns:r="http://schemas.openxmlformats.org/officeDocument/2006/relationships" xmlns:p="http://schemas.openxmlformats.org/presentationml/2006/main">
-  <p:cSld>
-    <p:spTree>
-      <p:nvGrpSpPr>
-        <p:cNvPr id="1" name=""/>
-        <p:cNvGrpSpPr/>
-        <p:nvPr/>
-      </p:nvGrpSpPr>
-      <p:grpSpPr>
-        <a:xfrm>
-          <a:off x="0" y="0"/>
-          <a:ext cx="0" cy="0"/>
-          <a:chOff x="0" y="0"/>
-          <a:chExt cx="0" cy="0"/>
-        </a:xfrm>
-      </p:grpSpPr>
-      <p:sp>
-        <p:nvSpPr>
-          <p:cNvPr id="5" name="Rounded Rectangle 4">
-            <a:extLst>
-              <a:ext uri="{FF2B5EF4-FFF2-40B4-BE49-F238E27FC236}">
                 <a16:creationId xmlns:a16="http://schemas.microsoft.com/office/drawing/2014/main" id="{69D7C902-C963-884A-8E77-7FF50F8FFAE3}"/>
               </a:ext>
             </a:extLst>
@@ -5754,7 +5163,7 @@
 </p:sld>
 </file>
 
-<file path=ppt/slides/slide16.xml><?xml version="1.0" encoding="utf-8"?>
+<file path=ppt/slides/slide14.xml><?xml version="1.0" encoding="utf-8"?>
 <p:sld xmlns:a="http://schemas.openxmlformats.org/drawingml/2006/main" xmlns:r="http://schemas.openxmlformats.org/officeDocument/2006/relationships" xmlns:p="http://schemas.openxmlformats.org/presentationml/2006/main">
   <p:cSld>
     <p:spTree>
@@ -5923,7 +5332,7 @@
 </p:sld>
 </file>
 
-<file path=ppt/slides/slide17.xml><?xml version="1.0" encoding="utf-8"?>
+<file path=ppt/slides/slide15.xml><?xml version="1.0" encoding="utf-8"?>
 <p:sld xmlns:a="http://schemas.openxmlformats.org/drawingml/2006/main" xmlns:r="http://schemas.openxmlformats.org/officeDocument/2006/relationships" xmlns:p="http://schemas.openxmlformats.org/presentationml/2006/main">
   <p:cSld>
     <p:spTree>
@@ -6245,7 +5654,7 @@
 </p:sld>
 </file>
 
-<file path=ppt/slides/slide18.xml><?xml version="1.0" encoding="utf-8"?>
+<file path=ppt/slides/slide16.xml><?xml version="1.0" encoding="utf-8"?>
 <p:sld xmlns:a="http://schemas.openxmlformats.org/drawingml/2006/main" xmlns:r="http://schemas.openxmlformats.org/officeDocument/2006/relationships" xmlns:p="http://schemas.openxmlformats.org/presentationml/2006/main">
   <p:cSld>
     <p:spTree>
@@ -6414,7 +5823,7 @@
 </p:sld>
 </file>
 
-<file path=ppt/slides/slide19.xml><?xml version="1.0" encoding="utf-8"?>
+<file path=ppt/slides/slide17.xml><?xml version="1.0" encoding="utf-8"?>
 <p:sld xmlns:a="http://schemas.openxmlformats.org/drawingml/2006/main" xmlns:r="http://schemas.openxmlformats.org/officeDocument/2006/relationships" xmlns:p="http://schemas.openxmlformats.org/presentationml/2006/main">
   <p:cSld>
     <p:spTree>
@@ -6774,729 +6183,7 @@
 </p:sld>
 </file>
 
-<file path=ppt/slides/slide2.xml><?xml version="1.0" encoding="utf-8"?>
-<p:sld xmlns:a="http://schemas.openxmlformats.org/drawingml/2006/main" xmlns:r="http://schemas.openxmlformats.org/officeDocument/2006/relationships" xmlns:p="http://schemas.openxmlformats.org/presentationml/2006/main">
-  <p:cSld>
-    <p:spTree>
-      <p:nvGrpSpPr>
-        <p:cNvPr id="1" name=""/>
-        <p:cNvGrpSpPr/>
-        <p:nvPr/>
-      </p:nvGrpSpPr>
-      <p:grpSpPr>
-        <a:xfrm>
-          <a:off x="0" y="0"/>
-          <a:ext cx="0" cy="0"/>
-          <a:chOff x="0" y="0"/>
-          <a:chExt cx="0" cy="0"/>
-        </a:xfrm>
-      </p:grpSpPr>
-      <p:sp>
-        <p:nvSpPr>
-          <p:cNvPr id="10" name="Rectangle 9">
-            <a:extLst>
-              <a:ext uri="{FF2B5EF4-FFF2-40B4-BE49-F238E27FC236}">
-                <a16:creationId xmlns:a16="http://schemas.microsoft.com/office/drawing/2014/main" id="{A57AEBD6-367D-D941-98BD-0EEFF9B8D9C8}"/>
-              </a:ext>
-            </a:extLst>
-          </p:cNvPr>
-          <p:cNvSpPr/>
-          <p:nvPr/>
-        </p:nvSpPr>
-        <p:spPr>
-          <a:xfrm>
-            <a:off x="-1" y="0"/>
-            <a:ext cx="7559675" cy="5327650"/>
-          </a:xfrm>
-          <a:prstGeom prst="rect">
-            <a:avLst/>
-          </a:prstGeom>
-          <a:solidFill>
-            <a:srgbClr val="DE8445"/>
-          </a:solidFill>
-          <a:ln>
-            <a:solidFill>
-              <a:srgbClr val="DE8445"/>
-            </a:solidFill>
-          </a:ln>
-        </p:spPr>
-        <p:style>
-          <a:lnRef idx="2">
-            <a:schemeClr val="accent1">
-              <a:shade val="50000"/>
-            </a:schemeClr>
-          </a:lnRef>
-          <a:fillRef idx="1">
-            <a:schemeClr val="accent1"/>
-          </a:fillRef>
-          <a:effectRef idx="0">
-            <a:schemeClr val="accent1"/>
-          </a:effectRef>
-          <a:fontRef idx="minor">
-            <a:schemeClr val="lt1"/>
-          </a:fontRef>
-        </p:style>
-        <p:txBody>
-          <a:bodyPr rtlCol="0" anchor="ctr"/>
-          <a:lstStyle/>
-          <a:p>
-            <a:pPr algn="ctr"/>
-            <a:endParaRPr lang="en-NL" sz="3700">
-              <a:solidFill>
-                <a:schemeClr val="tx1"/>
-              </a:solidFill>
-            </a:endParaRPr>
-          </a:p>
-        </p:txBody>
-      </p:sp>
-      <p:pic>
-        <p:nvPicPr>
-          <p:cNvPr id="15" name="Picture 14">
-            <a:extLst>
-              <a:ext uri="{FF2B5EF4-FFF2-40B4-BE49-F238E27FC236}">
-                <a16:creationId xmlns:a16="http://schemas.microsoft.com/office/drawing/2014/main" id="{789A4496-9FBC-704F-B2C1-D5C1E9DB312E}"/>
-              </a:ext>
-            </a:extLst>
-          </p:cNvPr>
-          <p:cNvPicPr>
-            <a:picLocks noChangeAspect="1"/>
-          </p:cNvPicPr>
-          <p:nvPr/>
-        </p:nvPicPr>
-        <p:blipFill>
-          <a:blip r:embed="rId3"/>
-          <a:stretch>
-            <a:fillRect/>
-          </a:stretch>
-        </p:blipFill>
-        <p:spPr>
-          <a:xfrm>
-            <a:off x="4991437" y="3324877"/>
-            <a:ext cx="1377557" cy="570453"/>
-          </a:xfrm>
-          <a:prstGeom prst="rect">
-            <a:avLst/>
-          </a:prstGeom>
-        </p:spPr>
-      </p:pic>
-      <p:pic>
-        <p:nvPicPr>
-          <p:cNvPr id="16" name="Picture 15" descr="A picture containing food, drawing&#10;&#10;Description automatically generated">
-            <a:extLst>
-              <a:ext uri="{FF2B5EF4-FFF2-40B4-BE49-F238E27FC236}">
-                <a16:creationId xmlns:a16="http://schemas.microsoft.com/office/drawing/2014/main" id="{5BFC205A-19C7-9F49-929A-165FFE6218EB}"/>
-              </a:ext>
-            </a:extLst>
-          </p:cNvPr>
-          <p:cNvPicPr>
-            <a:picLocks noChangeAspect="1"/>
-          </p:cNvPicPr>
-          <p:nvPr/>
-        </p:nvPicPr>
-        <p:blipFill>
-          <a:blip r:embed="rId4"/>
-          <a:stretch>
-            <a:fillRect/>
-          </a:stretch>
-        </p:blipFill>
-        <p:spPr>
-          <a:xfrm>
-            <a:off x="4555669" y="-324090"/>
-            <a:ext cx="2268599" cy="2232403"/>
-          </a:xfrm>
-          <a:prstGeom prst="rect">
-            <a:avLst/>
-          </a:prstGeom>
-        </p:spPr>
-      </p:pic>
-      <p:sp>
-        <p:nvSpPr>
-          <p:cNvPr id="17" name="Rectangle 16">
-            <a:extLst>
-              <a:ext uri="{FF2B5EF4-FFF2-40B4-BE49-F238E27FC236}">
-                <a16:creationId xmlns:a16="http://schemas.microsoft.com/office/drawing/2014/main" id="{1CFD67FC-EB16-7E4E-B8D4-767E78D204CB}"/>
-              </a:ext>
-            </a:extLst>
-          </p:cNvPr>
-          <p:cNvSpPr/>
-          <p:nvPr/>
-        </p:nvSpPr>
-        <p:spPr>
-          <a:xfrm>
-            <a:off x="4029052" y="1366749"/>
-            <a:ext cx="3305328" cy="2169825"/>
-          </a:xfrm>
-          <a:prstGeom prst="rect">
-            <a:avLst/>
-          </a:prstGeom>
-        </p:spPr>
-        <p:txBody>
-          <a:bodyPr wrap="square">
-            <a:spAutoFit/>
-          </a:bodyPr>
-          <a:lstStyle/>
-          <a:p>
-            <a:pPr algn="ctr"/>
-            <a:r>
-              <a:rPr lang="en-GB" sz="900" b="1" dirty="0">
-                <a:solidFill>
-                  <a:schemeClr val="bg1"/>
-                </a:solidFill>
-                <a:latin typeface="Ubuntu Light" panose="020B0304030602030204" pitchFamily="34" charset="0"/>
-              </a:rPr>
-              <a:t>Scrum</a:t>
-            </a:r>
-            <a:r>
-              <a:rPr lang="en-GB" sz="900" dirty="0">
-                <a:solidFill>
-                  <a:schemeClr val="bg1"/>
-                </a:solidFill>
-                <a:latin typeface="Ubuntu Light" panose="020B0304030602030204" pitchFamily="34" charset="0"/>
-              </a:rPr>
-              <a:t> </a:t>
-            </a:r>
-            <a:r>
-              <a:rPr lang="en-GB" sz="900" b="1" dirty="0">
-                <a:solidFill>
-                  <a:schemeClr val="bg1"/>
-                </a:solidFill>
-                <a:latin typeface="Ubuntu Light" panose="020B0304030602030204" pitchFamily="34" charset="0"/>
-              </a:rPr>
-              <a:t>Facilitators</a:t>
-            </a:r>
-            <a:r>
-              <a:rPr lang="en-GB" sz="900" dirty="0">
-                <a:solidFill>
-                  <a:schemeClr val="bg1"/>
-                </a:solidFill>
-                <a:latin typeface="Ubuntu Light" panose="020B0304030602030204" pitchFamily="34" charset="0"/>
-              </a:rPr>
-              <a:t> is a Dutch-based training organization on a mission to help professionals become awesome Scrum facilitators. A Scrum Facilitator can be a Scrum Master, Product Owner, developer or  leader. Great Scrum Facilitators understand the Scrum values &amp; principles and use these to effectively implement Scrum with their teams and organizations.</a:t>
-            </a:r>
-          </a:p>
-          <a:p>
-            <a:pPr algn="ctr"/>
-            <a:endParaRPr lang="en-GB" sz="900" dirty="0">
-              <a:solidFill>
-                <a:schemeClr val="bg1"/>
-              </a:solidFill>
-              <a:latin typeface="Ubuntu Light" panose="020B0304030602030204" pitchFamily="34" charset="0"/>
-            </a:endParaRPr>
-          </a:p>
-          <a:p>
-            <a:pPr algn="ctr"/>
-            <a:r>
-              <a:rPr lang="en-GB" sz="900" b="1" dirty="0">
-                <a:solidFill>
-                  <a:schemeClr val="bg1"/>
-                </a:solidFill>
-                <a:latin typeface="Ubuntu Light" panose="020B0304030602030204" pitchFamily="34" charset="0"/>
-              </a:rPr>
-              <a:t>Scrum Facilitators is a Scrum.org partner</a:t>
-            </a:r>
-            <a:r>
-              <a:rPr lang="en-GB" sz="900" dirty="0">
-                <a:solidFill>
-                  <a:schemeClr val="bg1"/>
-                </a:solidFill>
-                <a:latin typeface="Ubuntu Light" panose="020B0304030602030204" pitchFamily="34" charset="0"/>
-              </a:rPr>
-              <a:t>. Our classes are accredited, always up-to-date, fun, super interactive and always facilitated by two trainers to maximize your learning objectives. Our trainers are </a:t>
-            </a:r>
-            <a:r>
-              <a:rPr lang="en-GB" sz="900" b="1" dirty="0">
-                <a:solidFill>
-                  <a:schemeClr val="bg1"/>
-                </a:solidFill>
-                <a:latin typeface="Ubuntu Light" panose="020B0304030602030204" pitchFamily="34" charset="0"/>
-              </a:rPr>
-              <a:t>seasoned experts </a:t>
-            </a:r>
-            <a:r>
-              <a:rPr lang="en-GB" sz="900" dirty="0">
-                <a:solidFill>
-                  <a:schemeClr val="bg1"/>
-                </a:solidFill>
-                <a:latin typeface="Ubuntu Light" panose="020B0304030602030204" pitchFamily="34" charset="0"/>
-              </a:rPr>
-              <a:t>and </a:t>
-            </a:r>
-            <a:r>
-              <a:rPr lang="en-GB" sz="900" b="1" dirty="0">
-                <a:solidFill>
-                  <a:schemeClr val="bg1"/>
-                </a:solidFill>
-                <a:latin typeface="Ubuntu Light" panose="020B0304030602030204" pitchFamily="34" charset="0"/>
-              </a:rPr>
-              <a:t>Scrum.org certified </a:t>
-            </a:r>
-            <a:r>
-              <a:rPr lang="en-GB" sz="900" dirty="0">
-                <a:solidFill>
-                  <a:schemeClr val="bg1"/>
-                </a:solidFill>
-                <a:latin typeface="Ubuntu Light" panose="020B0304030602030204" pitchFamily="34" charset="0"/>
-              </a:rPr>
-              <a:t>Professional Scrum Trainers with substantial real life experience in various settings.</a:t>
-            </a:r>
-          </a:p>
-          <a:p>
-            <a:pPr algn="ctr"/>
-            <a:endParaRPr lang="en-GB" sz="900" dirty="0">
-              <a:solidFill>
-                <a:schemeClr val="bg1"/>
-              </a:solidFill>
-              <a:latin typeface="Ubuntu Light" panose="020B0304030602030204" pitchFamily="34" charset="0"/>
-            </a:endParaRPr>
-          </a:p>
-        </p:txBody>
-      </p:sp>
-      <p:sp>
-        <p:nvSpPr>
-          <p:cNvPr id="18" name="TextBox 17">
-            <a:extLst>
-              <a:ext uri="{FF2B5EF4-FFF2-40B4-BE49-F238E27FC236}">
-                <a16:creationId xmlns:a16="http://schemas.microsoft.com/office/drawing/2014/main" id="{6F943A64-0EE7-0746-8785-BA4ACC104E94}"/>
-              </a:ext>
-            </a:extLst>
-          </p:cNvPr>
-          <p:cNvSpPr txBox="1"/>
-          <p:nvPr/>
-        </p:nvSpPr>
-        <p:spPr>
-          <a:xfrm>
-            <a:off x="123986" y="729912"/>
-            <a:ext cx="3572360" cy="1015663"/>
-          </a:xfrm>
-          <a:prstGeom prst="rect">
-            <a:avLst/>
-          </a:prstGeom>
-          <a:noFill/>
-        </p:spPr>
-        <p:txBody>
-          <a:bodyPr wrap="square" rtlCol="0">
-            <a:spAutoFit/>
-          </a:bodyPr>
-          <a:lstStyle/>
-          <a:p>
-            <a:pPr algn="ctr"/>
-            <a:r>
-              <a:rPr lang="en-GB" sz="1000" dirty="0">
-                <a:solidFill>
-                  <a:schemeClr val="bg1"/>
-                </a:solidFill>
-                <a:latin typeface="Ubuntu" panose="020B0504030602030204" pitchFamily="34" charset="0"/>
-              </a:rPr>
-              <a:t>This game is based on Evidence Based Management (EBM). EBM is an empirical framework organizations can use to help measure the (perceived) product value, and the way they deliver their product(s). The measurements can be inspected to help maximize product value and improve the way of working.</a:t>
-            </a:r>
-            <a:endParaRPr lang="en-NL" sz="1000" dirty="0">
-              <a:latin typeface="Ubuntu" panose="020B0504030602030204" pitchFamily="34" charset="0"/>
-            </a:endParaRPr>
-          </a:p>
-        </p:txBody>
-      </p:sp>
-      <p:sp>
-        <p:nvSpPr>
-          <p:cNvPr id="20" name="TextBox 19">
-            <a:extLst>
-              <a:ext uri="{FF2B5EF4-FFF2-40B4-BE49-F238E27FC236}">
-                <a16:creationId xmlns:a16="http://schemas.microsoft.com/office/drawing/2014/main" id="{CF06092E-B2A6-EB41-86F4-7148929817BE}"/>
-              </a:ext>
-            </a:extLst>
-          </p:cNvPr>
-          <p:cNvSpPr txBox="1"/>
-          <p:nvPr/>
-        </p:nvSpPr>
-        <p:spPr>
-          <a:xfrm>
-            <a:off x="213612" y="1837558"/>
-            <a:ext cx="3305328" cy="2862322"/>
-          </a:xfrm>
-          <a:prstGeom prst="rect">
-            <a:avLst/>
-          </a:prstGeom>
-          <a:noFill/>
-        </p:spPr>
-        <p:txBody>
-          <a:bodyPr wrap="square" rtlCol="0">
-            <a:spAutoFit/>
-          </a:bodyPr>
-          <a:lstStyle/>
-          <a:p>
-            <a:pPr marL="228600" indent="-228600">
-              <a:buFont typeface="+mj-lt"/>
-              <a:buAutoNum type="arabicPeriod"/>
-            </a:pPr>
-            <a:r>
-              <a:rPr lang="en-GB" sz="900" dirty="0">
-                <a:solidFill>
-                  <a:schemeClr val="bg1"/>
-                </a:solidFill>
-                <a:latin typeface="Ubuntu Light" panose="020B0304030602030204" pitchFamily="34" charset="0"/>
-              </a:rPr>
-              <a:t>As a Scrum Facilitator, put the four Key Value Areas (KVAs) in a row on the floor (Current Value, Time to Market, Ability to Innovate and Unrealized Value). Explain each KVA to the participants.</a:t>
-            </a:r>
-          </a:p>
-          <a:p>
-            <a:pPr marL="228600" indent="-228600">
-              <a:buFont typeface="+mj-lt"/>
-              <a:buAutoNum type="arabicPeriod"/>
-            </a:pPr>
-            <a:r>
-              <a:rPr lang="en-GB" sz="900" dirty="0">
-                <a:solidFill>
-                  <a:schemeClr val="bg1"/>
-                </a:solidFill>
-                <a:latin typeface="Ubuntu Light" panose="020B0304030602030204" pitchFamily="34" charset="0"/>
-              </a:rPr>
-              <a:t>Form two groups and hand one group the green Key Value Measures cards (KVMs) and the other group the remaining purple KVMs.</a:t>
-            </a:r>
-          </a:p>
-          <a:p>
-            <a:pPr marL="228600" indent="-228600">
-              <a:buFont typeface="+mj-lt"/>
-              <a:buAutoNum type="arabicPeriod"/>
-            </a:pPr>
-            <a:r>
-              <a:rPr lang="en-GB" sz="900" dirty="0">
-                <a:solidFill>
-                  <a:schemeClr val="bg1"/>
-                </a:solidFill>
-                <a:latin typeface="Ubuntu Light" panose="020B0304030602030204" pitchFamily="34" charset="0"/>
-              </a:rPr>
-              <a:t>Step 1: Invite the group(s) to discuss and put the KVMs under the correct KVA.</a:t>
-            </a:r>
-          </a:p>
-          <a:p>
-            <a:pPr marL="228600" indent="-228600">
-              <a:buFont typeface="+mj-lt"/>
-              <a:buAutoNum type="arabicPeriod"/>
-            </a:pPr>
-            <a:r>
-              <a:rPr lang="en-GB" sz="900" dirty="0">
-                <a:solidFill>
-                  <a:schemeClr val="bg1"/>
-                </a:solidFill>
-                <a:latin typeface="Ubuntu Light" panose="020B0304030602030204" pitchFamily="34" charset="0"/>
-              </a:rPr>
-              <a:t>Step 2: Invite both groups to discuss their results and adapt their cards. Make sure by the end of this round, the KVM cards are under the correct KVA. </a:t>
-            </a:r>
-          </a:p>
-          <a:p>
-            <a:pPr marL="228600" indent="-228600">
-              <a:buFont typeface="+mj-lt"/>
-              <a:buAutoNum type="arabicPeriod"/>
-            </a:pPr>
-            <a:r>
-              <a:rPr lang="en-GB" sz="900" dirty="0">
-                <a:solidFill>
-                  <a:schemeClr val="bg1"/>
-                </a:solidFill>
-                <a:latin typeface="Ubuntu Light" panose="020B0304030602030204" pitchFamily="34" charset="0"/>
-              </a:rPr>
-              <a:t>Step 3: Invite the participants to individually look at the KVMs and select one KVM that caught their attention. (A non-EBM KVM may also be chosen at this point)</a:t>
-            </a:r>
-          </a:p>
-          <a:p>
-            <a:pPr marL="228600" indent="-228600">
-              <a:buFont typeface="+mj-lt"/>
-              <a:buAutoNum type="arabicPeriod"/>
-            </a:pPr>
-            <a:r>
-              <a:rPr lang="en-GB" sz="900" dirty="0">
-                <a:solidFill>
-                  <a:schemeClr val="bg1"/>
-                </a:solidFill>
-                <a:latin typeface="Ubuntu Light" panose="020B0304030602030204" pitchFamily="34" charset="0"/>
-              </a:rPr>
-              <a:t>Step 4: Invite the participants into groups of four. Ask each participant to explain why they chose their particular KVM and collaborate on how to implement it. (In case of non-EBM measures, pay attention that these are not vanity metrics and discuss the potential pitfalls)</a:t>
-            </a:r>
-            <a:endParaRPr lang="en-NL" sz="900" dirty="0">
-              <a:solidFill>
-                <a:schemeClr val="bg1"/>
-              </a:solidFill>
-              <a:latin typeface="Ubuntu Light" panose="020B0304030602030204" pitchFamily="34" charset="0"/>
-            </a:endParaRPr>
-          </a:p>
-        </p:txBody>
-      </p:sp>
-      <p:sp>
-        <p:nvSpPr>
-          <p:cNvPr id="21" name="TextBox 20">
-            <a:extLst>
-              <a:ext uri="{FF2B5EF4-FFF2-40B4-BE49-F238E27FC236}">
-                <a16:creationId xmlns:a16="http://schemas.microsoft.com/office/drawing/2014/main" id="{198E9943-4F58-D344-BF0A-1E1F4F8AC017}"/>
-              </a:ext>
-            </a:extLst>
-          </p:cNvPr>
-          <p:cNvSpPr txBox="1"/>
-          <p:nvPr/>
-        </p:nvSpPr>
-        <p:spPr>
-          <a:xfrm>
-            <a:off x="4294481" y="3895330"/>
-            <a:ext cx="2771468" cy="738664"/>
-          </a:xfrm>
-          <a:prstGeom prst="rect">
-            <a:avLst/>
-          </a:prstGeom>
-          <a:noFill/>
-        </p:spPr>
-        <p:txBody>
-          <a:bodyPr wrap="square" rtlCol="0">
-            <a:spAutoFit/>
-          </a:bodyPr>
-          <a:lstStyle/>
-          <a:p>
-            <a:pPr algn="ctr"/>
-            <a:r>
-              <a:rPr lang="en-NL" sz="700" dirty="0">
-                <a:solidFill>
-                  <a:schemeClr val="bg1"/>
-                </a:solidFill>
-                <a:latin typeface="Ubuntu Light" panose="020B0304030602030204" pitchFamily="34" charset="0"/>
-              </a:rPr>
-              <a:t>Based on the 2020 EBM Guide. Learn about Evidence-Based Management (EBM) </a:t>
-            </a:r>
-            <a:r>
-              <a:rPr lang="en-GB" sz="700" dirty="0">
-                <a:solidFill>
-                  <a:schemeClr val="bg1"/>
-                </a:solidFill>
-                <a:latin typeface="Ubuntu Light" panose="020B0304030602030204" pitchFamily="34" charset="0"/>
-              </a:rPr>
-              <a:t>at </a:t>
-            </a:r>
-            <a:r>
-              <a:rPr lang="en-GB" sz="700" dirty="0">
-                <a:solidFill>
-                  <a:schemeClr val="bg1"/>
-                </a:solidFill>
-                <a:latin typeface="Ubuntu Light" panose="020B0304030602030204" pitchFamily="34" charset="0"/>
-                <a:hlinkClick r:id="rId5"/>
-              </a:rPr>
-              <a:t>http://s</a:t>
-            </a:r>
-            <a:r>
-              <a:rPr lang="en-NL" sz="700" dirty="0">
-                <a:solidFill>
-                  <a:schemeClr val="bg1"/>
-                </a:solidFill>
-                <a:latin typeface="Ubuntu Light" panose="020B0304030602030204" pitchFamily="34" charset="0"/>
-                <a:hlinkClick r:id="rId5"/>
-              </a:rPr>
-              <a:t>crum.org/EBM</a:t>
-            </a:r>
-            <a:endParaRPr lang="en-NL" sz="700" dirty="0">
-              <a:solidFill>
-                <a:schemeClr val="bg1"/>
-              </a:solidFill>
-              <a:latin typeface="Ubuntu Light" panose="020B0304030602030204" pitchFamily="34" charset="0"/>
-            </a:endParaRPr>
-          </a:p>
-          <a:p>
-            <a:pPr algn="ctr"/>
-            <a:endParaRPr lang="en-NL" sz="700" dirty="0">
-              <a:solidFill>
-                <a:schemeClr val="bg1"/>
-              </a:solidFill>
-              <a:latin typeface="Ubuntu Light" panose="020B0304030602030204" pitchFamily="34" charset="0"/>
-            </a:endParaRPr>
-          </a:p>
-          <a:p>
-            <a:pPr algn="ctr"/>
-            <a:r>
-              <a:rPr lang="en-GB" sz="700" dirty="0">
-                <a:solidFill>
-                  <a:schemeClr val="bg1"/>
-                </a:solidFill>
-                <a:latin typeface="Ubuntu Light" panose="020B0304030602030204" pitchFamily="34" charset="0"/>
-              </a:rPr>
-              <a:t>The Measuring Outcome game (v2) is licensed under </a:t>
-            </a:r>
-          </a:p>
-          <a:p>
-            <a:pPr algn="ctr"/>
-            <a:r>
-              <a:rPr lang="en-GB" sz="700" dirty="0">
-                <a:solidFill>
-                  <a:schemeClr val="bg1"/>
-                </a:solidFill>
-                <a:latin typeface="Ubuntu Light" panose="020B0304030602030204" pitchFamily="34" charset="0"/>
-              </a:rPr>
-              <a:t>CC BY-NC-SA 4.0</a:t>
-            </a:r>
-          </a:p>
-          <a:p>
-            <a:pPr algn="ctr"/>
-            <a:r>
-              <a:rPr lang="en-GB" sz="700" dirty="0">
-                <a:solidFill>
-                  <a:schemeClr val="bg1">
-                    <a:lumMod val="75000"/>
-                  </a:schemeClr>
-                </a:solidFill>
-                <a:latin typeface="Ubuntu Light" panose="020B0304030602030204" pitchFamily="34" charset="0"/>
-              </a:rPr>
-              <a:t>By Scrum Facilitators</a:t>
-            </a:r>
-          </a:p>
-        </p:txBody>
-      </p:sp>
-      <p:grpSp>
-        <p:nvGrpSpPr>
-          <p:cNvPr id="2" name="Group 1">
-            <a:extLst>
-              <a:ext uri="{FF2B5EF4-FFF2-40B4-BE49-F238E27FC236}">
-                <a16:creationId xmlns:a16="http://schemas.microsoft.com/office/drawing/2014/main" id="{E86EE5EF-4E07-9D4A-8C2D-83F385087044}"/>
-              </a:ext>
-            </a:extLst>
-          </p:cNvPr>
-          <p:cNvGrpSpPr/>
-          <p:nvPr/>
-        </p:nvGrpSpPr>
-        <p:grpSpPr>
-          <a:xfrm>
-            <a:off x="-232456" y="161565"/>
-            <a:ext cx="3909016" cy="665950"/>
-            <a:chOff x="-77476" y="76326"/>
-            <a:chExt cx="3909016" cy="665950"/>
-          </a:xfrm>
-        </p:grpSpPr>
-        <p:sp>
-          <p:nvSpPr>
-            <p:cNvPr id="19" name="TextBox 18">
-              <a:extLst>
-                <a:ext uri="{FF2B5EF4-FFF2-40B4-BE49-F238E27FC236}">
-                  <a16:creationId xmlns:a16="http://schemas.microsoft.com/office/drawing/2014/main" id="{595EE125-EFCC-F14F-8498-A6CD8EEF0F59}"/>
-                </a:ext>
-              </a:extLst>
-            </p:cNvPr>
-            <p:cNvSpPr txBox="1"/>
-            <p:nvPr/>
-          </p:nvSpPr>
-          <p:spPr>
-            <a:xfrm>
-              <a:off x="-77476" y="76326"/>
-              <a:ext cx="3909016" cy="664926"/>
-            </a:xfrm>
-            <a:prstGeom prst="rect">
-              <a:avLst/>
-            </a:prstGeom>
-            <a:noFill/>
-          </p:spPr>
-          <p:txBody>
-            <a:bodyPr wrap="square" rtlCol="0">
-              <a:spAutoFit/>
-            </a:bodyPr>
-            <a:lstStyle/>
-            <a:p>
-              <a:pPr algn="ctr"/>
-              <a:r>
-                <a:rPr lang="en-NL" sz="3700" b="1" dirty="0">
-                  <a:latin typeface="Marvel" pitchFamily="2" charset="0"/>
-                </a:rPr>
-                <a:t>FACILITATE THE GAM</a:t>
-              </a:r>
-            </a:p>
-          </p:txBody>
-        </p:sp>
-        <p:sp>
-          <p:nvSpPr>
-            <p:cNvPr id="24" name="TextBox 23">
-              <a:extLst>
-                <a:ext uri="{FF2B5EF4-FFF2-40B4-BE49-F238E27FC236}">
-                  <a16:creationId xmlns:a16="http://schemas.microsoft.com/office/drawing/2014/main" id="{9D817926-FA1D-B346-9D51-472AADB3F438}"/>
-                </a:ext>
-              </a:extLst>
-            </p:cNvPr>
-            <p:cNvSpPr txBox="1"/>
-            <p:nvPr/>
-          </p:nvSpPr>
-          <p:spPr>
-            <a:xfrm>
-              <a:off x="3221873" y="77350"/>
-              <a:ext cx="249747" cy="664926"/>
-            </a:xfrm>
-            <a:prstGeom prst="rect">
-              <a:avLst/>
-            </a:prstGeom>
-            <a:noFill/>
-          </p:spPr>
-          <p:txBody>
-            <a:bodyPr wrap="square" rtlCol="0">
-              <a:spAutoFit/>
-            </a:bodyPr>
-            <a:lstStyle/>
-            <a:p>
-              <a:pPr algn="ctr"/>
-              <a:r>
-                <a:rPr lang="en-NL" sz="3700" b="1" dirty="0">
-                  <a:latin typeface="Marvel" pitchFamily="2" charset="0"/>
-                </a:rPr>
-                <a:t>E</a:t>
-              </a:r>
-            </a:p>
-          </p:txBody>
-        </p:sp>
-      </p:grpSp>
-      <p:cxnSp>
-        <p:nvCxnSpPr>
-          <p:cNvPr id="4" name="Straight Connector 3">
-            <a:extLst>
-              <a:ext uri="{FF2B5EF4-FFF2-40B4-BE49-F238E27FC236}">
-                <a16:creationId xmlns:a16="http://schemas.microsoft.com/office/drawing/2014/main" id="{68785FFA-7409-D846-8C87-4C5E3E391542}"/>
-              </a:ext>
-            </a:extLst>
-          </p:cNvPr>
-          <p:cNvCxnSpPr/>
-          <p:nvPr/>
-        </p:nvCxnSpPr>
-        <p:spPr>
-          <a:xfrm>
-            <a:off x="3779837" y="255722"/>
-            <a:ext cx="0" cy="4680488"/>
-          </a:xfrm>
-          <a:prstGeom prst="line">
-            <a:avLst/>
-          </a:prstGeom>
-          <a:ln w="12700">
-            <a:solidFill>
-              <a:schemeClr val="bg1">
-                <a:lumMod val="75000"/>
-              </a:schemeClr>
-            </a:solidFill>
-          </a:ln>
-        </p:spPr>
-        <p:style>
-          <a:lnRef idx="1">
-            <a:schemeClr val="accent1"/>
-          </a:lnRef>
-          <a:fillRef idx="0">
-            <a:schemeClr val="accent1"/>
-          </a:fillRef>
-          <a:effectRef idx="0">
-            <a:schemeClr val="accent1"/>
-          </a:effectRef>
-          <a:fontRef idx="minor">
-            <a:schemeClr val="tx1"/>
-          </a:fontRef>
-        </p:style>
-      </p:cxnSp>
-    </p:spTree>
-    <p:extLst>
-      <p:ext uri="{BB962C8B-B14F-4D97-AF65-F5344CB8AC3E}">
-        <p14:creationId xmlns:p14="http://schemas.microsoft.com/office/powerpoint/2010/main" val="959106489"/>
-      </p:ext>
-    </p:extLst>
-  </p:cSld>
-  <p:clrMapOvr>
-    <a:masterClrMapping/>
-  </p:clrMapOvr>
-</p:sld>
-</file>
-
-<file path=ppt/slides/slide20.xml><?xml version="1.0" encoding="utf-8"?>
+<file path=ppt/slides/slide18.xml><?xml version="1.0" encoding="utf-8"?>
 <p:sld xmlns:a="http://schemas.openxmlformats.org/drawingml/2006/main" xmlns:r="http://schemas.openxmlformats.org/officeDocument/2006/relationships" xmlns:p="http://schemas.openxmlformats.org/presentationml/2006/main">
   <p:cSld>
     <p:spTree>
@@ -7665,7 +6352,7 @@
 </p:sld>
 </file>
 
-<file path=ppt/slides/slide21.xml><?xml version="1.0" encoding="utf-8"?>
+<file path=ppt/slides/slide19.xml><?xml version="1.0" encoding="utf-8"?>
 <p:sld xmlns:a="http://schemas.openxmlformats.org/drawingml/2006/main" xmlns:r="http://schemas.openxmlformats.org/officeDocument/2006/relationships" xmlns:p="http://schemas.openxmlformats.org/presentationml/2006/main">
   <p:cSld>
     <p:spTree>
@@ -7975,7 +6662,729 @@
 </p:sld>
 </file>
 
-<file path=ppt/slides/slide22.xml><?xml version="1.0" encoding="utf-8"?>
+<file path=ppt/slides/slide2.xml><?xml version="1.0" encoding="utf-8"?>
+<p:sld xmlns:a="http://schemas.openxmlformats.org/drawingml/2006/main" xmlns:r="http://schemas.openxmlformats.org/officeDocument/2006/relationships" xmlns:p="http://schemas.openxmlformats.org/presentationml/2006/main">
+  <p:cSld>
+    <p:spTree>
+      <p:nvGrpSpPr>
+        <p:cNvPr id="1" name=""/>
+        <p:cNvGrpSpPr/>
+        <p:nvPr/>
+      </p:nvGrpSpPr>
+      <p:grpSpPr>
+        <a:xfrm>
+          <a:off x="0" y="0"/>
+          <a:ext cx="0" cy="0"/>
+          <a:chOff x="0" y="0"/>
+          <a:chExt cx="0" cy="0"/>
+        </a:xfrm>
+      </p:grpSpPr>
+      <p:sp>
+        <p:nvSpPr>
+          <p:cNvPr id="10" name="Rectangle 9">
+            <a:extLst>
+              <a:ext uri="{FF2B5EF4-FFF2-40B4-BE49-F238E27FC236}">
+                <a16:creationId xmlns:a16="http://schemas.microsoft.com/office/drawing/2014/main" id="{A57AEBD6-367D-D941-98BD-0EEFF9B8D9C8}"/>
+              </a:ext>
+            </a:extLst>
+          </p:cNvPr>
+          <p:cNvSpPr/>
+          <p:nvPr/>
+        </p:nvSpPr>
+        <p:spPr>
+          <a:xfrm>
+            <a:off x="-1" y="0"/>
+            <a:ext cx="7559675" cy="5327650"/>
+          </a:xfrm>
+          <a:prstGeom prst="rect">
+            <a:avLst/>
+          </a:prstGeom>
+          <a:solidFill>
+            <a:srgbClr val="DE8445"/>
+          </a:solidFill>
+          <a:ln>
+            <a:solidFill>
+              <a:srgbClr val="DE8445"/>
+            </a:solidFill>
+          </a:ln>
+        </p:spPr>
+        <p:style>
+          <a:lnRef idx="2">
+            <a:schemeClr val="accent1">
+              <a:shade val="50000"/>
+            </a:schemeClr>
+          </a:lnRef>
+          <a:fillRef idx="1">
+            <a:schemeClr val="accent1"/>
+          </a:fillRef>
+          <a:effectRef idx="0">
+            <a:schemeClr val="accent1"/>
+          </a:effectRef>
+          <a:fontRef idx="minor">
+            <a:schemeClr val="lt1"/>
+          </a:fontRef>
+        </p:style>
+        <p:txBody>
+          <a:bodyPr rtlCol="0" anchor="ctr"/>
+          <a:lstStyle/>
+          <a:p>
+            <a:pPr algn="ctr"/>
+            <a:endParaRPr lang="en-NL" sz="3700">
+              <a:solidFill>
+                <a:schemeClr val="tx1"/>
+              </a:solidFill>
+            </a:endParaRPr>
+          </a:p>
+        </p:txBody>
+      </p:sp>
+      <p:pic>
+        <p:nvPicPr>
+          <p:cNvPr id="15" name="Picture 14">
+            <a:extLst>
+              <a:ext uri="{FF2B5EF4-FFF2-40B4-BE49-F238E27FC236}">
+                <a16:creationId xmlns:a16="http://schemas.microsoft.com/office/drawing/2014/main" id="{789A4496-9FBC-704F-B2C1-D5C1E9DB312E}"/>
+              </a:ext>
+            </a:extLst>
+          </p:cNvPr>
+          <p:cNvPicPr>
+            <a:picLocks noChangeAspect="1"/>
+          </p:cNvPicPr>
+          <p:nvPr/>
+        </p:nvPicPr>
+        <p:blipFill>
+          <a:blip r:embed="rId3"/>
+          <a:stretch>
+            <a:fillRect/>
+          </a:stretch>
+        </p:blipFill>
+        <p:spPr>
+          <a:xfrm>
+            <a:off x="4991437" y="3324877"/>
+            <a:ext cx="1377557" cy="570453"/>
+          </a:xfrm>
+          <a:prstGeom prst="rect">
+            <a:avLst/>
+          </a:prstGeom>
+        </p:spPr>
+      </p:pic>
+      <p:pic>
+        <p:nvPicPr>
+          <p:cNvPr id="16" name="Picture 15" descr="A picture containing food, drawing&#10;&#10;Description automatically generated">
+            <a:extLst>
+              <a:ext uri="{FF2B5EF4-FFF2-40B4-BE49-F238E27FC236}">
+                <a16:creationId xmlns:a16="http://schemas.microsoft.com/office/drawing/2014/main" id="{5BFC205A-19C7-9F49-929A-165FFE6218EB}"/>
+              </a:ext>
+            </a:extLst>
+          </p:cNvPr>
+          <p:cNvPicPr>
+            <a:picLocks noChangeAspect="1"/>
+          </p:cNvPicPr>
+          <p:nvPr/>
+        </p:nvPicPr>
+        <p:blipFill>
+          <a:blip r:embed="rId4"/>
+          <a:stretch>
+            <a:fillRect/>
+          </a:stretch>
+        </p:blipFill>
+        <p:spPr>
+          <a:xfrm>
+            <a:off x="4555669" y="-324090"/>
+            <a:ext cx="2268599" cy="2232403"/>
+          </a:xfrm>
+          <a:prstGeom prst="rect">
+            <a:avLst/>
+          </a:prstGeom>
+        </p:spPr>
+      </p:pic>
+      <p:sp>
+        <p:nvSpPr>
+          <p:cNvPr id="17" name="Rectangle 16">
+            <a:extLst>
+              <a:ext uri="{FF2B5EF4-FFF2-40B4-BE49-F238E27FC236}">
+                <a16:creationId xmlns:a16="http://schemas.microsoft.com/office/drawing/2014/main" id="{1CFD67FC-EB16-7E4E-B8D4-767E78D204CB}"/>
+              </a:ext>
+            </a:extLst>
+          </p:cNvPr>
+          <p:cNvSpPr/>
+          <p:nvPr/>
+        </p:nvSpPr>
+        <p:spPr>
+          <a:xfrm>
+            <a:off x="4029052" y="1366749"/>
+            <a:ext cx="3305328" cy="2169825"/>
+          </a:xfrm>
+          <a:prstGeom prst="rect">
+            <a:avLst/>
+          </a:prstGeom>
+        </p:spPr>
+        <p:txBody>
+          <a:bodyPr wrap="square">
+            <a:spAutoFit/>
+          </a:bodyPr>
+          <a:lstStyle/>
+          <a:p>
+            <a:pPr algn="ctr"/>
+            <a:r>
+              <a:rPr lang="en-GB" sz="900" b="1" dirty="0">
+                <a:solidFill>
+                  <a:schemeClr val="bg1"/>
+                </a:solidFill>
+                <a:latin typeface="Ubuntu Light" panose="020B0304030602030204" pitchFamily="34" charset="0"/>
+              </a:rPr>
+              <a:t>Scrum</a:t>
+            </a:r>
+            <a:r>
+              <a:rPr lang="en-GB" sz="900" dirty="0">
+                <a:solidFill>
+                  <a:schemeClr val="bg1"/>
+                </a:solidFill>
+                <a:latin typeface="Ubuntu Light" panose="020B0304030602030204" pitchFamily="34" charset="0"/>
+              </a:rPr>
+              <a:t> </a:t>
+            </a:r>
+            <a:r>
+              <a:rPr lang="en-GB" sz="900" b="1" dirty="0">
+                <a:solidFill>
+                  <a:schemeClr val="bg1"/>
+                </a:solidFill>
+                <a:latin typeface="Ubuntu Light" panose="020B0304030602030204" pitchFamily="34" charset="0"/>
+              </a:rPr>
+              <a:t>Facilitators</a:t>
+            </a:r>
+            <a:r>
+              <a:rPr lang="en-GB" sz="900" dirty="0">
+                <a:solidFill>
+                  <a:schemeClr val="bg1"/>
+                </a:solidFill>
+                <a:latin typeface="Ubuntu Light" panose="020B0304030602030204" pitchFamily="34" charset="0"/>
+              </a:rPr>
+              <a:t> is a Dutch-based training organization on a mission to help professionals become awesome Scrum facilitators. A Scrum Facilitator can be a Scrum Master, Product Owner, developer or  leader. Great Scrum Facilitators understand the Scrum values &amp; principles and use these to effectively implement Scrum with their teams and organizations.</a:t>
+            </a:r>
+          </a:p>
+          <a:p>
+            <a:pPr algn="ctr"/>
+            <a:endParaRPr lang="en-GB" sz="900" dirty="0">
+              <a:solidFill>
+                <a:schemeClr val="bg1"/>
+              </a:solidFill>
+              <a:latin typeface="Ubuntu Light" panose="020B0304030602030204" pitchFamily="34" charset="0"/>
+            </a:endParaRPr>
+          </a:p>
+          <a:p>
+            <a:pPr algn="ctr"/>
+            <a:r>
+              <a:rPr lang="en-GB" sz="900" b="1" dirty="0">
+                <a:solidFill>
+                  <a:schemeClr val="bg1"/>
+                </a:solidFill>
+                <a:latin typeface="Ubuntu Light" panose="020B0304030602030204" pitchFamily="34" charset="0"/>
+              </a:rPr>
+              <a:t>Scrum Facilitators is a Scrum.org partner</a:t>
+            </a:r>
+            <a:r>
+              <a:rPr lang="en-GB" sz="900" dirty="0">
+                <a:solidFill>
+                  <a:schemeClr val="bg1"/>
+                </a:solidFill>
+                <a:latin typeface="Ubuntu Light" panose="020B0304030602030204" pitchFamily="34" charset="0"/>
+              </a:rPr>
+              <a:t>. Our classes are accredited, always up-to-date, fun, super interactive and always facilitated by two trainers to maximize your learning objectives. Our trainers are </a:t>
+            </a:r>
+            <a:r>
+              <a:rPr lang="en-GB" sz="900" b="1" dirty="0">
+                <a:solidFill>
+                  <a:schemeClr val="bg1"/>
+                </a:solidFill>
+                <a:latin typeface="Ubuntu Light" panose="020B0304030602030204" pitchFamily="34" charset="0"/>
+              </a:rPr>
+              <a:t>seasoned experts </a:t>
+            </a:r>
+            <a:r>
+              <a:rPr lang="en-GB" sz="900" dirty="0">
+                <a:solidFill>
+                  <a:schemeClr val="bg1"/>
+                </a:solidFill>
+                <a:latin typeface="Ubuntu Light" panose="020B0304030602030204" pitchFamily="34" charset="0"/>
+              </a:rPr>
+              <a:t>and </a:t>
+            </a:r>
+            <a:r>
+              <a:rPr lang="en-GB" sz="900" b="1" dirty="0">
+                <a:solidFill>
+                  <a:schemeClr val="bg1"/>
+                </a:solidFill>
+                <a:latin typeface="Ubuntu Light" panose="020B0304030602030204" pitchFamily="34" charset="0"/>
+              </a:rPr>
+              <a:t>Scrum.org certified </a:t>
+            </a:r>
+            <a:r>
+              <a:rPr lang="en-GB" sz="900" dirty="0">
+                <a:solidFill>
+                  <a:schemeClr val="bg1"/>
+                </a:solidFill>
+                <a:latin typeface="Ubuntu Light" panose="020B0304030602030204" pitchFamily="34" charset="0"/>
+              </a:rPr>
+              <a:t>Professional Scrum Trainers with substantial real life experience in various settings.</a:t>
+            </a:r>
+          </a:p>
+          <a:p>
+            <a:pPr algn="ctr"/>
+            <a:endParaRPr lang="en-GB" sz="900" dirty="0">
+              <a:solidFill>
+                <a:schemeClr val="bg1"/>
+              </a:solidFill>
+              <a:latin typeface="Ubuntu Light" panose="020B0304030602030204" pitchFamily="34" charset="0"/>
+            </a:endParaRPr>
+          </a:p>
+        </p:txBody>
+      </p:sp>
+      <p:sp>
+        <p:nvSpPr>
+          <p:cNvPr id="18" name="TextBox 17">
+            <a:extLst>
+              <a:ext uri="{FF2B5EF4-FFF2-40B4-BE49-F238E27FC236}">
+                <a16:creationId xmlns:a16="http://schemas.microsoft.com/office/drawing/2014/main" id="{6F943A64-0EE7-0746-8785-BA4ACC104E94}"/>
+              </a:ext>
+            </a:extLst>
+          </p:cNvPr>
+          <p:cNvSpPr txBox="1"/>
+          <p:nvPr/>
+        </p:nvSpPr>
+        <p:spPr>
+          <a:xfrm>
+            <a:off x="123986" y="729912"/>
+            <a:ext cx="3572360" cy="1015663"/>
+          </a:xfrm>
+          <a:prstGeom prst="rect">
+            <a:avLst/>
+          </a:prstGeom>
+          <a:noFill/>
+        </p:spPr>
+        <p:txBody>
+          <a:bodyPr wrap="square" rtlCol="0">
+            <a:spAutoFit/>
+          </a:bodyPr>
+          <a:lstStyle/>
+          <a:p>
+            <a:pPr algn="ctr"/>
+            <a:r>
+              <a:rPr lang="en-GB" sz="1000" dirty="0">
+                <a:solidFill>
+                  <a:schemeClr val="bg1"/>
+                </a:solidFill>
+                <a:latin typeface="Ubuntu" panose="020B0504030602030204" pitchFamily="34" charset="0"/>
+              </a:rPr>
+              <a:t>This game is based on Evidence Based Management (EBM). EBM is an empirical framework organizations can use to help measure the (perceived) product value, and the way they deliver their product(s). The measurements can be inspected to help maximize product value and improve the way of working.</a:t>
+            </a:r>
+            <a:endParaRPr lang="en-NL" sz="1000" dirty="0">
+              <a:latin typeface="Ubuntu" panose="020B0504030602030204" pitchFamily="34" charset="0"/>
+            </a:endParaRPr>
+          </a:p>
+        </p:txBody>
+      </p:sp>
+      <p:sp>
+        <p:nvSpPr>
+          <p:cNvPr id="20" name="TextBox 19">
+            <a:extLst>
+              <a:ext uri="{FF2B5EF4-FFF2-40B4-BE49-F238E27FC236}">
+                <a16:creationId xmlns:a16="http://schemas.microsoft.com/office/drawing/2014/main" id="{CF06092E-B2A6-EB41-86F4-7148929817BE}"/>
+              </a:ext>
+            </a:extLst>
+          </p:cNvPr>
+          <p:cNvSpPr txBox="1"/>
+          <p:nvPr/>
+        </p:nvSpPr>
+        <p:spPr>
+          <a:xfrm>
+            <a:off x="213612" y="1837558"/>
+            <a:ext cx="3305328" cy="2862322"/>
+          </a:xfrm>
+          <a:prstGeom prst="rect">
+            <a:avLst/>
+          </a:prstGeom>
+          <a:noFill/>
+        </p:spPr>
+        <p:txBody>
+          <a:bodyPr wrap="square" rtlCol="0">
+            <a:spAutoFit/>
+          </a:bodyPr>
+          <a:lstStyle/>
+          <a:p>
+            <a:pPr marL="228600" indent="-228600">
+              <a:buFont typeface="+mj-lt"/>
+              <a:buAutoNum type="arabicPeriod"/>
+            </a:pPr>
+            <a:r>
+              <a:rPr lang="en-GB" sz="900" dirty="0">
+                <a:solidFill>
+                  <a:schemeClr val="bg1"/>
+                </a:solidFill>
+                <a:latin typeface="Ubuntu Light" panose="020B0304030602030204" pitchFamily="34" charset="0"/>
+              </a:rPr>
+              <a:t>As a Scrum Facilitator, put the four Key Value Areas (KVAs) in a row on the floor (Current Value, Time to Market, Ability to Innovate and Unrealized Value). Explain each KVA to the participants.</a:t>
+            </a:r>
+          </a:p>
+          <a:p>
+            <a:pPr marL="228600" indent="-228600">
+              <a:buFont typeface="+mj-lt"/>
+              <a:buAutoNum type="arabicPeriod"/>
+            </a:pPr>
+            <a:r>
+              <a:rPr lang="en-GB" sz="900" dirty="0">
+                <a:solidFill>
+                  <a:schemeClr val="bg1"/>
+                </a:solidFill>
+                <a:latin typeface="Ubuntu Light" panose="020B0304030602030204" pitchFamily="34" charset="0"/>
+              </a:rPr>
+              <a:t>Form two groups and hand one group the green Key Value Measures cards (KVMs) and the other group the remaining purple KVMs.</a:t>
+            </a:r>
+          </a:p>
+          <a:p>
+            <a:pPr marL="228600" indent="-228600">
+              <a:buFont typeface="+mj-lt"/>
+              <a:buAutoNum type="arabicPeriod"/>
+            </a:pPr>
+            <a:r>
+              <a:rPr lang="en-GB" sz="900" dirty="0">
+                <a:solidFill>
+                  <a:schemeClr val="bg1"/>
+                </a:solidFill>
+                <a:latin typeface="Ubuntu Light" panose="020B0304030602030204" pitchFamily="34" charset="0"/>
+              </a:rPr>
+              <a:t>Step 1: Invite the group(s) to discuss and put the KVMs under the correct KVA.</a:t>
+            </a:r>
+          </a:p>
+          <a:p>
+            <a:pPr marL="228600" indent="-228600">
+              <a:buFont typeface="+mj-lt"/>
+              <a:buAutoNum type="arabicPeriod"/>
+            </a:pPr>
+            <a:r>
+              <a:rPr lang="en-GB" sz="900" dirty="0">
+                <a:solidFill>
+                  <a:schemeClr val="bg1"/>
+                </a:solidFill>
+                <a:latin typeface="Ubuntu Light" panose="020B0304030602030204" pitchFamily="34" charset="0"/>
+              </a:rPr>
+              <a:t>Step 2: Invite both groups to discuss their results and adapt their cards. Make sure by the end of this round, the KVM cards are under the correct KVA. </a:t>
+            </a:r>
+          </a:p>
+          <a:p>
+            <a:pPr marL="228600" indent="-228600">
+              <a:buFont typeface="+mj-lt"/>
+              <a:buAutoNum type="arabicPeriod"/>
+            </a:pPr>
+            <a:r>
+              <a:rPr lang="en-GB" sz="900" dirty="0">
+                <a:solidFill>
+                  <a:schemeClr val="bg1"/>
+                </a:solidFill>
+                <a:latin typeface="Ubuntu Light" panose="020B0304030602030204" pitchFamily="34" charset="0"/>
+              </a:rPr>
+              <a:t>Step 3: Invite the participants to individually look at the KVMs and select one KVM that caught their attention. (A non-EBM KVM may also be chosen at this point)</a:t>
+            </a:r>
+          </a:p>
+          <a:p>
+            <a:pPr marL="228600" indent="-228600">
+              <a:buFont typeface="+mj-lt"/>
+              <a:buAutoNum type="arabicPeriod"/>
+            </a:pPr>
+            <a:r>
+              <a:rPr lang="en-GB" sz="900" dirty="0">
+                <a:solidFill>
+                  <a:schemeClr val="bg1"/>
+                </a:solidFill>
+                <a:latin typeface="Ubuntu Light" panose="020B0304030602030204" pitchFamily="34" charset="0"/>
+              </a:rPr>
+              <a:t>Step 4: Invite the participants into groups of four. Ask each participant to explain why they chose their particular KVM and collaborate on how to implement it. (In case of non-EBM measures, pay attention that these are not vanity metrics and discuss the potential pitfalls)</a:t>
+            </a:r>
+            <a:endParaRPr lang="en-NL" sz="900" dirty="0">
+              <a:solidFill>
+                <a:schemeClr val="bg1"/>
+              </a:solidFill>
+              <a:latin typeface="Ubuntu Light" panose="020B0304030602030204" pitchFamily="34" charset="0"/>
+            </a:endParaRPr>
+          </a:p>
+        </p:txBody>
+      </p:sp>
+      <p:sp>
+        <p:nvSpPr>
+          <p:cNvPr id="21" name="TextBox 20">
+            <a:extLst>
+              <a:ext uri="{FF2B5EF4-FFF2-40B4-BE49-F238E27FC236}">
+                <a16:creationId xmlns:a16="http://schemas.microsoft.com/office/drawing/2014/main" id="{198E9943-4F58-D344-BF0A-1E1F4F8AC017}"/>
+              </a:ext>
+            </a:extLst>
+          </p:cNvPr>
+          <p:cNvSpPr txBox="1"/>
+          <p:nvPr/>
+        </p:nvSpPr>
+        <p:spPr>
+          <a:xfrm>
+            <a:off x="4294481" y="3895330"/>
+            <a:ext cx="2771468" cy="738664"/>
+          </a:xfrm>
+          <a:prstGeom prst="rect">
+            <a:avLst/>
+          </a:prstGeom>
+          <a:noFill/>
+        </p:spPr>
+        <p:txBody>
+          <a:bodyPr wrap="square" rtlCol="0">
+            <a:spAutoFit/>
+          </a:bodyPr>
+          <a:lstStyle/>
+          <a:p>
+            <a:pPr algn="ctr"/>
+            <a:r>
+              <a:rPr lang="en-NL" sz="700" dirty="0">
+                <a:solidFill>
+                  <a:schemeClr val="bg1"/>
+                </a:solidFill>
+                <a:latin typeface="Ubuntu Light" panose="020B0304030602030204" pitchFamily="34" charset="0"/>
+              </a:rPr>
+              <a:t>Based on the 2020 EBM Guide. Learn about Evidence-Based Management (EBM) </a:t>
+            </a:r>
+            <a:r>
+              <a:rPr lang="en-GB" sz="700" dirty="0">
+                <a:solidFill>
+                  <a:schemeClr val="bg1"/>
+                </a:solidFill>
+                <a:latin typeface="Ubuntu Light" panose="020B0304030602030204" pitchFamily="34" charset="0"/>
+              </a:rPr>
+              <a:t>at </a:t>
+            </a:r>
+            <a:r>
+              <a:rPr lang="en-GB" sz="700" dirty="0">
+                <a:solidFill>
+                  <a:schemeClr val="bg1"/>
+                </a:solidFill>
+                <a:latin typeface="Ubuntu Light" panose="020B0304030602030204" pitchFamily="34" charset="0"/>
+                <a:hlinkClick r:id="rId5"/>
+              </a:rPr>
+              <a:t>http://s</a:t>
+            </a:r>
+            <a:r>
+              <a:rPr lang="en-NL" sz="700" dirty="0">
+                <a:solidFill>
+                  <a:schemeClr val="bg1"/>
+                </a:solidFill>
+                <a:latin typeface="Ubuntu Light" panose="020B0304030602030204" pitchFamily="34" charset="0"/>
+                <a:hlinkClick r:id="rId5"/>
+              </a:rPr>
+              <a:t>crum.org/EBM</a:t>
+            </a:r>
+            <a:endParaRPr lang="en-NL" sz="700" dirty="0">
+              <a:solidFill>
+                <a:schemeClr val="bg1"/>
+              </a:solidFill>
+              <a:latin typeface="Ubuntu Light" panose="020B0304030602030204" pitchFamily="34" charset="0"/>
+            </a:endParaRPr>
+          </a:p>
+          <a:p>
+            <a:pPr algn="ctr"/>
+            <a:endParaRPr lang="en-NL" sz="700" dirty="0">
+              <a:solidFill>
+                <a:schemeClr val="bg1"/>
+              </a:solidFill>
+              <a:latin typeface="Ubuntu Light" panose="020B0304030602030204" pitchFamily="34" charset="0"/>
+            </a:endParaRPr>
+          </a:p>
+          <a:p>
+            <a:pPr algn="ctr"/>
+            <a:r>
+              <a:rPr lang="en-GB" sz="700" dirty="0">
+                <a:solidFill>
+                  <a:schemeClr val="bg1"/>
+                </a:solidFill>
+                <a:latin typeface="Ubuntu Light" panose="020B0304030602030204" pitchFamily="34" charset="0"/>
+              </a:rPr>
+              <a:t>The Measuring Outcome game (v2) is licensed under </a:t>
+            </a:r>
+          </a:p>
+          <a:p>
+            <a:pPr algn="ctr"/>
+            <a:r>
+              <a:rPr lang="en-GB" sz="700" dirty="0">
+                <a:solidFill>
+                  <a:schemeClr val="bg1"/>
+                </a:solidFill>
+                <a:latin typeface="Ubuntu Light" panose="020B0304030602030204" pitchFamily="34" charset="0"/>
+              </a:rPr>
+              <a:t>CC BY-NC-SA 4.0</a:t>
+            </a:r>
+          </a:p>
+          <a:p>
+            <a:pPr algn="ctr"/>
+            <a:r>
+              <a:rPr lang="en-GB" sz="700" dirty="0">
+                <a:solidFill>
+                  <a:schemeClr val="bg1">
+                    <a:lumMod val="75000"/>
+                  </a:schemeClr>
+                </a:solidFill>
+                <a:latin typeface="Ubuntu Light" panose="020B0304030602030204" pitchFamily="34" charset="0"/>
+              </a:rPr>
+              <a:t>By Scrum Facilitators</a:t>
+            </a:r>
+          </a:p>
+        </p:txBody>
+      </p:sp>
+      <p:grpSp>
+        <p:nvGrpSpPr>
+          <p:cNvPr id="2" name="Group 1">
+            <a:extLst>
+              <a:ext uri="{FF2B5EF4-FFF2-40B4-BE49-F238E27FC236}">
+                <a16:creationId xmlns:a16="http://schemas.microsoft.com/office/drawing/2014/main" id="{E86EE5EF-4E07-9D4A-8C2D-83F385087044}"/>
+              </a:ext>
+            </a:extLst>
+          </p:cNvPr>
+          <p:cNvGrpSpPr/>
+          <p:nvPr/>
+        </p:nvGrpSpPr>
+        <p:grpSpPr>
+          <a:xfrm>
+            <a:off x="-232456" y="161565"/>
+            <a:ext cx="3909016" cy="665950"/>
+            <a:chOff x="-77476" y="76326"/>
+            <a:chExt cx="3909016" cy="665950"/>
+          </a:xfrm>
+        </p:grpSpPr>
+        <p:sp>
+          <p:nvSpPr>
+            <p:cNvPr id="19" name="TextBox 18">
+              <a:extLst>
+                <a:ext uri="{FF2B5EF4-FFF2-40B4-BE49-F238E27FC236}">
+                  <a16:creationId xmlns:a16="http://schemas.microsoft.com/office/drawing/2014/main" id="{595EE125-EFCC-F14F-8498-A6CD8EEF0F59}"/>
+                </a:ext>
+              </a:extLst>
+            </p:cNvPr>
+            <p:cNvSpPr txBox="1"/>
+            <p:nvPr/>
+          </p:nvSpPr>
+          <p:spPr>
+            <a:xfrm>
+              <a:off x="-77476" y="76326"/>
+              <a:ext cx="3909016" cy="664926"/>
+            </a:xfrm>
+            <a:prstGeom prst="rect">
+              <a:avLst/>
+            </a:prstGeom>
+            <a:noFill/>
+          </p:spPr>
+          <p:txBody>
+            <a:bodyPr wrap="square" rtlCol="0">
+              <a:spAutoFit/>
+            </a:bodyPr>
+            <a:lstStyle/>
+            <a:p>
+              <a:pPr algn="ctr"/>
+              <a:r>
+                <a:rPr lang="en-NL" sz="3700" b="1" dirty="0">
+                  <a:latin typeface="Marvel" pitchFamily="2" charset="0"/>
+                </a:rPr>
+                <a:t>FACILITATE THE GAM</a:t>
+              </a:r>
+            </a:p>
+          </p:txBody>
+        </p:sp>
+        <p:sp>
+          <p:nvSpPr>
+            <p:cNvPr id="24" name="TextBox 23">
+              <a:extLst>
+                <a:ext uri="{FF2B5EF4-FFF2-40B4-BE49-F238E27FC236}">
+                  <a16:creationId xmlns:a16="http://schemas.microsoft.com/office/drawing/2014/main" id="{9D817926-FA1D-B346-9D51-472AADB3F438}"/>
+                </a:ext>
+              </a:extLst>
+            </p:cNvPr>
+            <p:cNvSpPr txBox="1"/>
+            <p:nvPr/>
+          </p:nvSpPr>
+          <p:spPr>
+            <a:xfrm>
+              <a:off x="3221873" y="77350"/>
+              <a:ext cx="249747" cy="664926"/>
+            </a:xfrm>
+            <a:prstGeom prst="rect">
+              <a:avLst/>
+            </a:prstGeom>
+            <a:noFill/>
+          </p:spPr>
+          <p:txBody>
+            <a:bodyPr wrap="square" rtlCol="0">
+              <a:spAutoFit/>
+            </a:bodyPr>
+            <a:lstStyle/>
+            <a:p>
+              <a:pPr algn="ctr"/>
+              <a:r>
+                <a:rPr lang="en-NL" sz="3700" b="1" dirty="0">
+                  <a:latin typeface="Marvel" pitchFamily="2" charset="0"/>
+                </a:rPr>
+                <a:t>E</a:t>
+              </a:r>
+            </a:p>
+          </p:txBody>
+        </p:sp>
+      </p:grpSp>
+      <p:cxnSp>
+        <p:nvCxnSpPr>
+          <p:cNvPr id="4" name="Straight Connector 3">
+            <a:extLst>
+              <a:ext uri="{FF2B5EF4-FFF2-40B4-BE49-F238E27FC236}">
+                <a16:creationId xmlns:a16="http://schemas.microsoft.com/office/drawing/2014/main" id="{68785FFA-7409-D846-8C87-4C5E3E391542}"/>
+              </a:ext>
+            </a:extLst>
+          </p:cNvPr>
+          <p:cNvCxnSpPr/>
+          <p:nvPr/>
+        </p:nvCxnSpPr>
+        <p:spPr>
+          <a:xfrm>
+            <a:off x="3779837" y="255722"/>
+            <a:ext cx="0" cy="4680488"/>
+          </a:xfrm>
+          <a:prstGeom prst="line">
+            <a:avLst/>
+          </a:prstGeom>
+          <a:ln w="12700">
+            <a:solidFill>
+              <a:schemeClr val="bg1">
+                <a:lumMod val="75000"/>
+              </a:schemeClr>
+            </a:solidFill>
+          </a:ln>
+        </p:spPr>
+        <p:style>
+          <a:lnRef idx="1">
+            <a:schemeClr val="accent1"/>
+          </a:lnRef>
+          <a:fillRef idx="0">
+            <a:schemeClr val="accent1"/>
+          </a:fillRef>
+          <a:effectRef idx="0">
+            <a:schemeClr val="accent1"/>
+          </a:effectRef>
+          <a:fontRef idx="minor">
+            <a:schemeClr val="tx1"/>
+          </a:fontRef>
+        </p:style>
+      </p:cxnSp>
+    </p:spTree>
+    <p:extLst>
+      <p:ext uri="{BB962C8B-B14F-4D97-AF65-F5344CB8AC3E}">
+        <p14:creationId xmlns:p14="http://schemas.microsoft.com/office/powerpoint/2010/main" val="959106489"/>
+      </p:ext>
+    </p:extLst>
+  </p:cSld>
+  <p:clrMapOvr>
+    <a:masterClrMapping/>
+  </p:clrMapOvr>
+</p:sld>
+</file>
+
+<file path=ppt/slides/slide20.xml><?xml version="1.0" encoding="utf-8"?>
 <p:sld xmlns:a="http://schemas.openxmlformats.org/drawingml/2006/main" xmlns:r="http://schemas.openxmlformats.org/officeDocument/2006/relationships" xmlns:p="http://schemas.openxmlformats.org/presentationml/2006/main">
   <p:cSld>
     <p:spTree>
@@ -8144,7 +7553,7 @@
 </p:sld>
 </file>
 
-<file path=ppt/slides/slide23.xml><?xml version="1.0" encoding="utf-8"?>
+<file path=ppt/slides/slide21.xml><?xml version="1.0" encoding="utf-8"?>
 <p:sld xmlns:a="http://schemas.openxmlformats.org/drawingml/2006/main" xmlns:r="http://schemas.openxmlformats.org/officeDocument/2006/relationships" xmlns:p="http://schemas.openxmlformats.org/presentationml/2006/main">
   <p:cSld>
     <p:spTree>
@@ -8454,7 +7863,7 @@
 </p:sld>
 </file>
 
-<file path=ppt/slides/slide24.xml><?xml version="1.0" encoding="utf-8"?>
+<file path=ppt/slides/slide22.xml><?xml version="1.0" encoding="utf-8"?>
 <p:sld xmlns:a="http://schemas.openxmlformats.org/drawingml/2006/main" xmlns:r="http://schemas.openxmlformats.org/officeDocument/2006/relationships" xmlns:p="http://schemas.openxmlformats.org/presentationml/2006/main">
   <p:cSld>
     <p:spTree>
@@ -8623,7 +8032,7 @@
 </p:sld>
 </file>
 
-<file path=ppt/slides/slide25.xml><?xml version="1.0" encoding="utf-8"?>
+<file path=ppt/slides/slide23.xml><?xml version="1.0" encoding="utf-8"?>
 <p:sld xmlns:a="http://schemas.openxmlformats.org/drawingml/2006/main" xmlns:r="http://schemas.openxmlformats.org/officeDocument/2006/relationships" xmlns:p="http://schemas.openxmlformats.org/presentationml/2006/main">
   <p:cSld>
     <p:spTree>
@@ -8957,7 +8366,7 @@
 </p:sld>
 </file>
 
-<file path=ppt/slides/slide26.xml><?xml version="1.0" encoding="utf-8"?>
+<file path=ppt/slides/slide24.xml><?xml version="1.0" encoding="utf-8"?>
 <p:sld xmlns:a="http://schemas.openxmlformats.org/drawingml/2006/main" xmlns:r="http://schemas.openxmlformats.org/officeDocument/2006/relationships" xmlns:p="http://schemas.openxmlformats.org/presentationml/2006/main">
   <p:cSld>
     <p:spTree>
@@ -9126,7 +8535,7 @@
 </p:sld>
 </file>
 
-<file path=ppt/slides/slide27.xml><?xml version="1.0" encoding="utf-8"?>
+<file path=ppt/slides/slide25.xml><?xml version="1.0" encoding="utf-8"?>
 <p:sld xmlns:a="http://schemas.openxmlformats.org/drawingml/2006/main" xmlns:r="http://schemas.openxmlformats.org/officeDocument/2006/relationships" xmlns:p="http://schemas.openxmlformats.org/presentationml/2006/main">
   <p:cSld>
     <p:spTree>
@@ -9448,7 +8857,7 @@
 </p:sld>
 </file>
 
-<file path=ppt/slides/slide28.xml><?xml version="1.0" encoding="utf-8"?>
+<file path=ppt/slides/slide26.xml><?xml version="1.0" encoding="utf-8"?>
 <p:sld xmlns:a="http://schemas.openxmlformats.org/drawingml/2006/main" xmlns:r="http://schemas.openxmlformats.org/officeDocument/2006/relationships" xmlns:p="http://schemas.openxmlformats.org/presentationml/2006/main">
   <p:cSld>
     <p:spTree>
@@ -9617,7 +9026,7 @@
 </p:sld>
 </file>
 
-<file path=ppt/slides/slide29.xml><?xml version="1.0" encoding="utf-8"?>
+<file path=ppt/slides/slide27.xml><?xml version="1.0" encoding="utf-8"?>
 <p:sld xmlns:a="http://schemas.openxmlformats.org/drawingml/2006/main" xmlns:r="http://schemas.openxmlformats.org/officeDocument/2006/relationships" xmlns:p="http://schemas.openxmlformats.org/presentationml/2006/main">
   <p:cSld>
     <p:spTree>
@@ -9740,7 +9149,7 @@
             <a:p>
               <a:pPr algn="ctr"/>
               <a:r>
-                <a:rPr lang="en-NL" sz="5000" b="1">
+                <a:rPr lang="en-NL" sz="5000" b="1" dirty="0">
                   <a:solidFill>
                     <a:schemeClr val="bg1"/>
                   </a:solidFill>
@@ -9752,22 +9161,13 @@
             <a:p>
               <a:pPr algn="ctr"/>
               <a:r>
-                <a:rPr lang="en-NL" sz="5000" b="1">
-                  <a:solidFill>
-                    <a:schemeClr val="bg1"/>
-                  </a:solidFill>
-                  <a:latin typeface="Ubuntu" panose="020B0504030602030204" pitchFamily="34" charset="0"/>
-                </a:rPr>
-                <a:t>Cycle </a:t>
-              </a:r>
-              <a:r>
                 <a:rPr lang="en-NL" sz="5000" b="1" dirty="0">
                   <a:solidFill>
                     <a:schemeClr val="bg1"/>
                   </a:solidFill>
                   <a:latin typeface="Ubuntu" panose="020B0504030602030204" pitchFamily="34" charset="0"/>
                 </a:rPr>
-                <a:t>Time</a:t>
+                <a:t>Cycle Time</a:t>
               </a:r>
             </a:p>
           </p:txBody>
@@ -9948,998 +9348,7 @@
 </p:sld>
 </file>
 
-<file path=ppt/slides/slide3.xml><?xml version="1.0" encoding="utf-8"?>
-<p:sld xmlns:a="http://schemas.openxmlformats.org/drawingml/2006/main" xmlns:r="http://schemas.openxmlformats.org/officeDocument/2006/relationships" xmlns:p="http://schemas.openxmlformats.org/presentationml/2006/main">
-  <p:cSld>
-    <p:spTree>
-      <p:nvGrpSpPr>
-        <p:cNvPr id="1" name=""/>
-        <p:cNvGrpSpPr/>
-        <p:nvPr/>
-      </p:nvGrpSpPr>
-      <p:grpSpPr>
-        <a:xfrm>
-          <a:off x="0" y="0"/>
-          <a:ext cx="0" cy="0"/>
-          <a:chOff x="0" y="0"/>
-          <a:chExt cx="0" cy="0"/>
-        </a:xfrm>
-      </p:grpSpPr>
-      <p:sp>
-        <p:nvSpPr>
-          <p:cNvPr id="14" name="Rounded Rectangle 13">
-            <a:extLst>
-              <a:ext uri="{FF2B5EF4-FFF2-40B4-BE49-F238E27FC236}">
-                <a16:creationId xmlns:a16="http://schemas.microsoft.com/office/drawing/2014/main" id="{D8656E71-C2B4-0F4F-93C2-2FE01E15243E}"/>
-              </a:ext>
-            </a:extLst>
-          </p:cNvPr>
-          <p:cNvSpPr/>
-          <p:nvPr/>
-        </p:nvSpPr>
-        <p:spPr>
-          <a:xfrm>
-            <a:off x="0" y="0"/>
-            <a:ext cx="7559675" cy="5327650"/>
-          </a:xfrm>
-          <a:prstGeom prst="roundRect">
-            <a:avLst>
-              <a:gd name="adj" fmla="val 0"/>
-            </a:avLst>
-          </a:prstGeom>
-          <a:solidFill>
-            <a:srgbClr val="DE8445"/>
-          </a:solidFill>
-          <a:ln>
-            <a:noFill/>
-          </a:ln>
-        </p:spPr>
-        <p:style>
-          <a:lnRef idx="2">
-            <a:schemeClr val="accent1">
-              <a:shade val="50000"/>
-            </a:schemeClr>
-          </a:lnRef>
-          <a:fillRef idx="1">
-            <a:schemeClr val="accent1"/>
-          </a:fillRef>
-          <a:effectRef idx="0">
-            <a:schemeClr val="accent1"/>
-          </a:effectRef>
-          <a:fontRef idx="minor">
-            <a:schemeClr val="lt1"/>
-          </a:fontRef>
-        </p:style>
-        <p:txBody>
-          <a:bodyPr rtlCol="0" anchor="ctr"/>
-          <a:lstStyle/>
-          <a:p>
-            <a:pPr algn="ctr"/>
-            <a:r>
-              <a:rPr lang="en-GB" dirty="0"/>
-              <a:t>Reveals the value that the product delivers to customers, today</a:t>
-            </a:r>
-            <a:endParaRPr lang="en-NL" dirty="0"/>
-          </a:p>
-        </p:txBody>
-      </p:sp>
-      <p:sp>
-        <p:nvSpPr>
-          <p:cNvPr id="15" name="Rectangle 14">
-            <a:extLst>
-              <a:ext uri="{FF2B5EF4-FFF2-40B4-BE49-F238E27FC236}">
-                <a16:creationId xmlns:a16="http://schemas.microsoft.com/office/drawing/2014/main" id="{F07C9767-773C-644A-A638-0001139EE025}"/>
-              </a:ext>
-            </a:extLst>
-          </p:cNvPr>
-          <p:cNvSpPr/>
-          <p:nvPr/>
-        </p:nvSpPr>
-        <p:spPr>
-          <a:xfrm>
-            <a:off x="654576" y="629685"/>
-            <a:ext cx="6326488" cy="3992292"/>
-          </a:xfrm>
-          <a:prstGeom prst="rect">
-            <a:avLst/>
-          </a:prstGeom>
-          <a:blipFill>
-            <a:blip r:embed="rId2"/>
-            <a:stretch>
-              <a:fillRect/>
-            </a:stretch>
-          </a:blipFill>
-          <a:ln w="76200">
-            <a:solidFill>
-              <a:schemeClr val="tx1"/>
-            </a:solidFill>
-          </a:ln>
-        </p:spPr>
-        <p:style>
-          <a:lnRef idx="2">
-            <a:schemeClr val="accent1">
-              <a:shade val="50000"/>
-            </a:schemeClr>
-          </a:lnRef>
-          <a:fillRef idx="1">
-            <a:schemeClr val="accent1"/>
-          </a:fillRef>
-          <a:effectRef idx="0">
-            <a:schemeClr val="accent1"/>
-          </a:effectRef>
-          <a:fontRef idx="minor">
-            <a:schemeClr val="lt1"/>
-          </a:fontRef>
-        </p:style>
-        <p:txBody>
-          <a:bodyPr rtlCol="0" anchor="ctr"/>
-          <a:lstStyle/>
-          <a:p>
-            <a:endParaRPr lang="en-NL" sz="9600">
-              <a:latin typeface="Marvel" pitchFamily="2" charset="0"/>
-            </a:endParaRPr>
-          </a:p>
-        </p:txBody>
-      </p:sp>
-      <p:sp>
-        <p:nvSpPr>
-          <p:cNvPr id="17" name="TextBox 16">
-            <a:extLst>
-              <a:ext uri="{FF2B5EF4-FFF2-40B4-BE49-F238E27FC236}">
-                <a16:creationId xmlns:a16="http://schemas.microsoft.com/office/drawing/2014/main" id="{E287ED43-6E86-FA4F-94F4-5B177664B785}"/>
-              </a:ext>
-            </a:extLst>
-          </p:cNvPr>
-          <p:cNvSpPr txBox="1"/>
-          <p:nvPr/>
-        </p:nvSpPr>
-        <p:spPr>
-          <a:xfrm>
-            <a:off x="1092134" y="1887167"/>
-            <a:ext cx="5451371" cy="1477328"/>
-          </a:xfrm>
-          <a:prstGeom prst="rect">
-            <a:avLst/>
-          </a:prstGeom>
-          <a:noFill/>
-        </p:spPr>
-        <p:txBody>
-          <a:bodyPr wrap="square" rtlCol="0">
-            <a:spAutoFit/>
-          </a:bodyPr>
-          <a:lstStyle/>
-          <a:p>
-            <a:pPr algn="ctr"/>
-            <a:r>
-              <a:rPr lang="en-NL" sz="9000" dirty="0">
-                <a:latin typeface="Marvel" pitchFamily="2" charset="0"/>
-              </a:rPr>
-              <a:t>CURRENT VALUE</a:t>
-            </a:r>
-          </a:p>
-        </p:txBody>
-      </p:sp>
-      <p:sp>
-        <p:nvSpPr>
-          <p:cNvPr id="2" name="TextBox 1">
-            <a:extLst>
-              <a:ext uri="{FF2B5EF4-FFF2-40B4-BE49-F238E27FC236}">
-                <a16:creationId xmlns:a16="http://schemas.microsoft.com/office/drawing/2014/main" id="{40491A28-9097-6F43-9DB2-81A447868F1E}"/>
-              </a:ext>
-            </a:extLst>
-          </p:cNvPr>
-          <p:cNvSpPr txBox="1"/>
-          <p:nvPr/>
-        </p:nvSpPr>
-        <p:spPr>
-          <a:xfrm>
-            <a:off x="2527241" y="3029919"/>
-            <a:ext cx="2581155" cy="246221"/>
-          </a:xfrm>
-          <a:prstGeom prst="rect">
-            <a:avLst/>
-          </a:prstGeom>
-          <a:noFill/>
-        </p:spPr>
-        <p:txBody>
-          <a:bodyPr wrap="none" rtlCol="0">
-            <a:spAutoFit/>
-          </a:bodyPr>
-          <a:lstStyle/>
-          <a:p>
-            <a:pPr algn="ctr"/>
-            <a:r>
-              <a:rPr lang="en-GB" sz="1000" dirty="0">
-                <a:solidFill>
-                  <a:schemeClr val="bg1">
-                    <a:lumMod val="50000"/>
-                  </a:schemeClr>
-                </a:solidFill>
-                <a:latin typeface="Ubuntu" panose="020B0504030602030204" pitchFamily="34" charset="0"/>
-              </a:rPr>
-              <a:t>The value that the product delivers today</a:t>
-            </a:r>
-            <a:endParaRPr lang="en-NL" sz="1000" dirty="0">
-              <a:solidFill>
-                <a:schemeClr val="bg1">
-                  <a:lumMod val="50000"/>
-                </a:schemeClr>
-              </a:solidFill>
-              <a:latin typeface="Ubuntu" panose="020B0504030602030204" pitchFamily="34" charset="0"/>
-            </a:endParaRPr>
-          </a:p>
-        </p:txBody>
-      </p:sp>
-      <p:sp>
-        <p:nvSpPr>
-          <p:cNvPr id="9" name="Rounded Rectangle 8">
-            <a:extLst>
-              <a:ext uri="{FF2B5EF4-FFF2-40B4-BE49-F238E27FC236}">
-                <a16:creationId xmlns:a16="http://schemas.microsoft.com/office/drawing/2014/main" id="{80A414F0-FCE5-2E45-A339-248A82CA3769}"/>
-              </a:ext>
-            </a:extLst>
-          </p:cNvPr>
-          <p:cNvSpPr/>
-          <p:nvPr/>
-        </p:nvSpPr>
-        <p:spPr>
-          <a:xfrm>
-            <a:off x="-205353" y="769750"/>
-            <a:ext cx="410705" cy="410705"/>
-          </a:xfrm>
-          <a:prstGeom prst="roundRect">
-            <a:avLst/>
-          </a:prstGeom>
-          <a:solidFill>
-            <a:schemeClr val="bg2"/>
-          </a:solidFill>
-          <a:ln>
-            <a:solidFill>
-              <a:schemeClr val="bg2"/>
-            </a:solidFill>
-          </a:ln>
-        </p:spPr>
-        <p:style>
-          <a:lnRef idx="2">
-            <a:schemeClr val="accent1">
-              <a:shade val="50000"/>
-            </a:schemeClr>
-          </a:lnRef>
-          <a:fillRef idx="1">
-            <a:schemeClr val="accent1"/>
-          </a:fillRef>
-          <a:effectRef idx="0">
-            <a:schemeClr val="accent1"/>
-          </a:effectRef>
-          <a:fontRef idx="minor">
-            <a:schemeClr val="lt1"/>
-          </a:fontRef>
-        </p:style>
-        <p:txBody>
-          <a:bodyPr rtlCol="0" anchor="ctr"/>
-          <a:lstStyle/>
-          <a:p>
-            <a:pPr algn="ctr"/>
-            <a:endParaRPr lang="en-NL"/>
-          </a:p>
-        </p:txBody>
-      </p:sp>
-      <p:sp>
-        <p:nvSpPr>
-          <p:cNvPr id="10" name="Rounded Rectangle 9">
-            <a:extLst>
-              <a:ext uri="{FF2B5EF4-FFF2-40B4-BE49-F238E27FC236}">
-                <a16:creationId xmlns:a16="http://schemas.microsoft.com/office/drawing/2014/main" id="{2333F93C-0F67-C146-84E2-9B869646EE60}"/>
-              </a:ext>
-            </a:extLst>
-          </p:cNvPr>
-          <p:cNvSpPr/>
-          <p:nvPr/>
-        </p:nvSpPr>
-        <p:spPr>
-          <a:xfrm>
-            <a:off x="-186093" y="1325099"/>
-            <a:ext cx="410705" cy="410705"/>
-          </a:xfrm>
-          <a:prstGeom prst="roundRect">
-            <a:avLst/>
-          </a:prstGeom>
-          <a:solidFill>
-            <a:schemeClr val="bg2"/>
-          </a:solidFill>
-          <a:ln>
-            <a:solidFill>
-              <a:schemeClr val="bg2"/>
-            </a:solidFill>
-          </a:ln>
-        </p:spPr>
-        <p:style>
-          <a:lnRef idx="2">
-            <a:schemeClr val="accent1">
-              <a:shade val="50000"/>
-            </a:schemeClr>
-          </a:lnRef>
-          <a:fillRef idx="1">
-            <a:schemeClr val="accent1"/>
-          </a:fillRef>
-          <a:effectRef idx="0">
-            <a:schemeClr val="accent1"/>
-          </a:effectRef>
-          <a:fontRef idx="minor">
-            <a:schemeClr val="lt1"/>
-          </a:fontRef>
-        </p:style>
-        <p:txBody>
-          <a:bodyPr rtlCol="0" anchor="ctr"/>
-          <a:lstStyle/>
-          <a:p>
-            <a:pPr algn="ctr"/>
-            <a:endParaRPr lang="en-NL"/>
-          </a:p>
-        </p:txBody>
-      </p:sp>
-      <p:sp>
-        <p:nvSpPr>
-          <p:cNvPr id="11" name="Rounded Rectangle 10">
-            <a:extLst>
-              <a:ext uri="{FF2B5EF4-FFF2-40B4-BE49-F238E27FC236}">
-                <a16:creationId xmlns:a16="http://schemas.microsoft.com/office/drawing/2014/main" id="{AA9F6613-2A28-7048-A742-95677A05CBD2}"/>
-              </a:ext>
-            </a:extLst>
-          </p:cNvPr>
-          <p:cNvSpPr/>
-          <p:nvPr/>
-        </p:nvSpPr>
-        <p:spPr>
-          <a:xfrm>
-            <a:off x="-205353" y="1880462"/>
-            <a:ext cx="410705" cy="410705"/>
-          </a:xfrm>
-          <a:prstGeom prst="roundRect">
-            <a:avLst/>
-          </a:prstGeom>
-          <a:solidFill>
-            <a:schemeClr val="bg2"/>
-          </a:solidFill>
-          <a:ln>
-            <a:solidFill>
-              <a:schemeClr val="bg2"/>
-            </a:solidFill>
-          </a:ln>
-        </p:spPr>
-        <p:style>
-          <a:lnRef idx="2">
-            <a:schemeClr val="accent1">
-              <a:shade val="50000"/>
-            </a:schemeClr>
-          </a:lnRef>
-          <a:fillRef idx="1">
-            <a:schemeClr val="accent1"/>
-          </a:fillRef>
-          <a:effectRef idx="0">
-            <a:schemeClr val="accent1"/>
-          </a:effectRef>
-          <a:fontRef idx="minor">
-            <a:schemeClr val="lt1"/>
-          </a:fontRef>
-        </p:style>
-        <p:txBody>
-          <a:bodyPr rtlCol="0" anchor="ctr"/>
-          <a:lstStyle/>
-          <a:p>
-            <a:pPr algn="ctr"/>
-            <a:endParaRPr lang="en-NL"/>
-          </a:p>
-        </p:txBody>
-      </p:sp>
-      <p:sp>
-        <p:nvSpPr>
-          <p:cNvPr id="12" name="Rounded Rectangle 11">
-            <a:extLst>
-              <a:ext uri="{FF2B5EF4-FFF2-40B4-BE49-F238E27FC236}">
-                <a16:creationId xmlns:a16="http://schemas.microsoft.com/office/drawing/2014/main" id="{2035461B-5D95-774C-8E4D-3CB256D762EA}"/>
-              </a:ext>
-            </a:extLst>
-          </p:cNvPr>
-          <p:cNvSpPr/>
-          <p:nvPr/>
-        </p:nvSpPr>
-        <p:spPr>
-          <a:xfrm>
-            <a:off x="-228076" y="2435818"/>
-            <a:ext cx="410705" cy="410705"/>
-          </a:xfrm>
-          <a:prstGeom prst="roundRect">
-            <a:avLst/>
-          </a:prstGeom>
-          <a:solidFill>
-            <a:schemeClr val="bg2"/>
-          </a:solidFill>
-          <a:ln>
-            <a:solidFill>
-              <a:schemeClr val="bg2"/>
-            </a:solidFill>
-          </a:ln>
-        </p:spPr>
-        <p:style>
-          <a:lnRef idx="2">
-            <a:schemeClr val="accent1">
-              <a:shade val="50000"/>
-            </a:schemeClr>
-          </a:lnRef>
-          <a:fillRef idx="1">
-            <a:schemeClr val="accent1"/>
-          </a:fillRef>
-          <a:effectRef idx="0">
-            <a:schemeClr val="accent1"/>
-          </a:effectRef>
-          <a:fontRef idx="minor">
-            <a:schemeClr val="lt1"/>
-          </a:fontRef>
-        </p:style>
-        <p:txBody>
-          <a:bodyPr rtlCol="0" anchor="ctr"/>
-          <a:lstStyle/>
-          <a:p>
-            <a:pPr algn="ctr"/>
-            <a:endParaRPr lang="en-NL"/>
-          </a:p>
-        </p:txBody>
-      </p:sp>
-      <p:sp>
-        <p:nvSpPr>
-          <p:cNvPr id="13" name="Rounded Rectangle 12">
-            <a:extLst>
-              <a:ext uri="{FF2B5EF4-FFF2-40B4-BE49-F238E27FC236}">
-                <a16:creationId xmlns:a16="http://schemas.microsoft.com/office/drawing/2014/main" id="{F78111FD-544B-3749-B4C7-6C0601A72685}"/>
-              </a:ext>
-            </a:extLst>
-          </p:cNvPr>
-          <p:cNvSpPr/>
-          <p:nvPr/>
-        </p:nvSpPr>
-        <p:spPr>
-          <a:xfrm>
-            <a:off x="-199978" y="2991174"/>
-            <a:ext cx="410705" cy="410705"/>
-          </a:xfrm>
-          <a:prstGeom prst="roundRect">
-            <a:avLst/>
-          </a:prstGeom>
-          <a:solidFill>
-            <a:schemeClr val="bg2"/>
-          </a:solidFill>
-          <a:ln>
-            <a:solidFill>
-              <a:schemeClr val="bg2"/>
-            </a:solidFill>
-          </a:ln>
-        </p:spPr>
-        <p:style>
-          <a:lnRef idx="2">
-            <a:schemeClr val="accent1">
-              <a:shade val="50000"/>
-            </a:schemeClr>
-          </a:lnRef>
-          <a:fillRef idx="1">
-            <a:schemeClr val="accent1"/>
-          </a:fillRef>
-          <a:effectRef idx="0">
-            <a:schemeClr val="accent1"/>
-          </a:effectRef>
-          <a:fontRef idx="minor">
-            <a:schemeClr val="lt1"/>
-          </a:fontRef>
-        </p:style>
-        <p:txBody>
-          <a:bodyPr rtlCol="0" anchor="ctr"/>
-          <a:lstStyle/>
-          <a:p>
-            <a:pPr algn="ctr"/>
-            <a:endParaRPr lang="en-NL"/>
-          </a:p>
-        </p:txBody>
-      </p:sp>
-      <p:sp>
-        <p:nvSpPr>
-          <p:cNvPr id="16" name="Rounded Rectangle 15">
-            <a:extLst>
-              <a:ext uri="{FF2B5EF4-FFF2-40B4-BE49-F238E27FC236}">
-                <a16:creationId xmlns:a16="http://schemas.microsoft.com/office/drawing/2014/main" id="{74B1E9C1-F51F-E349-A7D6-273F919A86DE}"/>
-              </a:ext>
-            </a:extLst>
-          </p:cNvPr>
-          <p:cNvSpPr/>
-          <p:nvPr/>
-        </p:nvSpPr>
-        <p:spPr>
-          <a:xfrm>
-            <a:off x="-205353" y="3546530"/>
-            <a:ext cx="410705" cy="410705"/>
-          </a:xfrm>
-          <a:prstGeom prst="roundRect">
-            <a:avLst/>
-          </a:prstGeom>
-          <a:solidFill>
-            <a:schemeClr val="bg2"/>
-          </a:solidFill>
-          <a:ln>
-            <a:solidFill>
-              <a:schemeClr val="bg2"/>
-            </a:solidFill>
-          </a:ln>
-        </p:spPr>
-        <p:style>
-          <a:lnRef idx="2">
-            <a:schemeClr val="accent1">
-              <a:shade val="50000"/>
-            </a:schemeClr>
-          </a:lnRef>
-          <a:fillRef idx="1">
-            <a:schemeClr val="accent1"/>
-          </a:fillRef>
-          <a:effectRef idx="0">
-            <a:schemeClr val="accent1"/>
-          </a:effectRef>
-          <a:fontRef idx="minor">
-            <a:schemeClr val="lt1"/>
-          </a:fontRef>
-        </p:style>
-        <p:txBody>
-          <a:bodyPr rtlCol="0" anchor="ctr"/>
-          <a:lstStyle/>
-          <a:p>
-            <a:pPr algn="ctr"/>
-            <a:endParaRPr lang="en-NL"/>
-          </a:p>
-        </p:txBody>
-      </p:sp>
-      <p:sp>
-        <p:nvSpPr>
-          <p:cNvPr id="18" name="Rounded Rectangle 17">
-            <a:extLst>
-              <a:ext uri="{FF2B5EF4-FFF2-40B4-BE49-F238E27FC236}">
-                <a16:creationId xmlns:a16="http://schemas.microsoft.com/office/drawing/2014/main" id="{6BB192FA-7562-6C45-B5B6-0487D9CB90FC}"/>
-              </a:ext>
-            </a:extLst>
-          </p:cNvPr>
-          <p:cNvSpPr/>
-          <p:nvPr/>
-        </p:nvSpPr>
-        <p:spPr>
-          <a:xfrm>
-            <a:off x="-199426" y="4101886"/>
-            <a:ext cx="410705" cy="410705"/>
-          </a:xfrm>
-          <a:prstGeom prst="roundRect">
-            <a:avLst/>
-          </a:prstGeom>
-          <a:solidFill>
-            <a:schemeClr val="bg2"/>
-          </a:solidFill>
-          <a:ln>
-            <a:solidFill>
-              <a:schemeClr val="bg2"/>
-            </a:solidFill>
-          </a:ln>
-        </p:spPr>
-        <p:style>
-          <a:lnRef idx="2">
-            <a:schemeClr val="accent1">
-              <a:shade val="50000"/>
-            </a:schemeClr>
-          </a:lnRef>
-          <a:fillRef idx="1">
-            <a:schemeClr val="accent1"/>
-          </a:fillRef>
-          <a:effectRef idx="0">
-            <a:schemeClr val="accent1"/>
-          </a:effectRef>
-          <a:fontRef idx="minor">
-            <a:schemeClr val="lt1"/>
-          </a:fontRef>
-        </p:style>
-        <p:txBody>
-          <a:bodyPr rtlCol="0" anchor="ctr"/>
-          <a:lstStyle/>
-          <a:p>
-            <a:pPr algn="ctr"/>
-            <a:endParaRPr lang="en-NL"/>
-          </a:p>
-        </p:txBody>
-      </p:sp>
-      <p:sp>
-        <p:nvSpPr>
-          <p:cNvPr id="19" name="Rounded Rectangle 18">
-            <a:extLst>
-              <a:ext uri="{FF2B5EF4-FFF2-40B4-BE49-F238E27FC236}">
-                <a16:creationId xmlns:a16="http://schemas.microsoft.com/office/drawing/2014/main" id="{DFF58212-847B-D248-84DE-5532419AD67A}"/>
-              </a:ext>
-            </a:extLst>
-          </p:cNvPr>
-          <p:cNvSpPr/>
-          <p:nvPr/>
-        </p:nvSpPr>
-        <p:spPr>
-          <a:xfrm>
-            <a:off x="7348208" y="769746"/>
-            <a:ext cx="410705" cy="410705"/>
-          </a:xfrm>
-          <a:prstGeom prst="roundRect">
-            <a:avLst/>
-          </a:prstGeom>
-          <a:solidFill>
-            <a:schemeClr val="bg2"/>
-          </a:solidFill>
-          <a:ln>
-            <a:solidFill>
-              <a:schemeClr val="bg2"/>
-            </a:solidFill>
-          </a:ln>
-        </p:spPr>
-        <p:style>
-          <a:lnRef idx="2">
-            <a:schemeClr val="accent1">
-              <a:shade val="50000"/>
-            </a:schemeClr>
-          </a:lnRef>
-          <a:fillRef idx="1">
-            <a:schemeClr val="accent1"/>
-          </a:fillRef>
-          <a:effectRef idx="0">
-            <a:schemeClr val="accent1"/>
-          </a:effectRef>
-          <a:fontRef idx="minor">
-            <a:schemeClr val="lt1"/>
-          </a:fontRef>
-        </p:style>
-        <p:txBody>
-          <a:bodyPr rtlCol="0" anchor="ctr"/>
-          <a:lstStyle/>
-          <a:p>
-            <a:pPr algn="ctr"/>
-            <a:endParaRPr lang="en-NL"/>
-          </a:p>
-        </p:txBody>
-      </p:sp>
-      <p:sp>
-        <p:nvSpPr>
-          <p:cNvPr id="20" name="Rounded Rectangle 19">
-            <a:extLst>
-              <a:ext uri="{FF2B5EF4-FFF2-40B4-BE49-F238E27FC236}">
-                <a16:creationId xmlns:a16="http://schemas.microsoft.com/office/drawing/2014/main" id="{8C0CF75B-D58A-4840-8464-3D74529F5933}"/>
-              </a:ext>
-            </a:extLst>
-          </p:cNvPr>
-          <p:cNvSpPr/>
-          <p:nvPr/>
-        </p:nvSpPr>
-        <p:spPr>
-          <a:xfrm>
-            <a:off x="7348208" y="1325100"/>
-            <a:ext cx="410705" cy="410705"/>
-          </a:xfrm>
-          <a:prstGeom prst="roundRect">
-            <a:avLst/>
-          </a:prstGeom>
-          <a:solidFill>
-            <a:schemeClr val="bg2"/>
-          </a:solidFill>
-          <a:ln>
-            <a:solidFill>
-              <a:schemeClr val="bg2"/>
-            </a:solidFill>
-          </a:ln>
-        </p:spPr>
-        <p:style>
-          <a:lnRef idx="2">
-            <a:schemeClr val="accent1">
-              <a:shade val="50000"/>
-            </a:schemeClr>
-          </a:lnRef>
-          <a:fillRef idx="1">
-            <a:schemeClr val="accent1"/>
-          </a:fillRef>
-          <a:effectRef idx="0">
-            <a:schemeClr val="accent1"/>
-          </a:effectRef>
-          <a:fontRef idx="minor">
-            <a:schemeClr val="lt1"/>
-          </a:fontRef>
-        </p:style>
-        <p:txBody>
-          <a:bodyPr rtlCol="0" anchor="ctr"/>
-          <a:lstStyle/>
-          <a:p>
-            <a:pPr algn="ctr"/>
-            <a:endParaRPr lang="en-NL"/>
-          </a:p>
-        </p:txBody>
-      </p:sp>
-      <p:sp>
-        <p:nvSpPr>
-          <p:cNvPr id="21" name="Rounded Rectangle 20">
-            <a:extLst>
-              <a:ext uri="{FF2B5EF4-FFF2-40B4-BE49-F238E27FC236}">
-                <a16:creationId xmlns:a16="http://schemas.microsoft.com/office/drawing/2014/main" id="{66339E88-CF46-694D-8472-C7F78C4EBDDB}"/>
-              </a:ext>
-            </a:extLst>
-          </p:cNvPr>
-          <p:cNvSpPr/>
-          <p:nvPr/>
-        </p:nvSpPr>
-        <p:spPr>
-          <a:xfrm>
-            <a:off x="7348396" y="1880460"/>
-            <a:ext cx="410705" cy="410705"/>
-          </a:xfrm>
-          <a:prstGeom prst="roundRect">
-            <a:avLst/>
-          </a:prstGeom>
-          <a:solidFill>
-            <a:schemeClr val="bg2"/>
-          </a:solidFill>
-          <a:ln>
-            <a:solidFill>
-              <a:schemeClr val="bg2"/>
-            </a:solidFill>
-          </a:ln>
-        </p:spPr>
-        <p:style>
-          <a:lnRef idx="2">
-            <a:schemeClr val="accent1">
-              <a:shade val="50000"/>
-            </a:schemeClr>
-          </a:lnRef>
-          <a:fillRef idx="1">
-            <a:schemeClr val="accent1"/>
-          </a:fillRef>
-          <a:effectRef idx="0">
-            <a:schemeClr val="accent1"/>
-          </a:effectRef>
-          <a:fontRef idx="minor">
-            <a:schemeClr val="lt1"/>
-          </a:fontRef>
-        </p:style>
-        <p:txBody>
-          <a:bodyPr rtlCol="0" anchor="ctr"/>
-          <a:lstStyle/>
-          <a:p>
-            <a:pPr algn="ctr"/>
-            <a:endParaRPr lang="en-NL"/>
-          </a:p>
-        </p:txBody>
-      </p:sp>
-      <p:sp>
-        <p:nvSpPr>
-          <p:cNvPr id="22" name="Rounded Rectangle 21">
-            <a:extLst>
-              <a:ext uri="{FF2B5EF4-FFF2-40B4-BE49-F238E27FC236}">
-                <a16:creationId xmlns:a16="http://schemas.microsoft.com/office/drawing/2014/main" id="{EE08CE49-2BDF-7E47-93A6-34A667AEB601}"/>
-              </a:ext>
-            </a:extLst>
-          </p:cNvPr>
-          <p:cNvSpPr/>
-          <p:nvPr/>
-        </p:nvSpPr>
-        <p:spPr>
-          <a:xfrm>
-            <a:off x="7348208" y="2435817"/>
-            <a:ext cx="410705" cy="410705"/>
-          </a:xfrm>
-          <a:prstGeom prst="roundRect">
-            <a:avLst/>
-          </a:prstGeom>
-          <a:solidFill>
-            <a:schemeClr val="bg2"/>
-          </a:solidFill>
-          <a:ln>
-            <a:solidFill>
-              <a:schemeClr val="bg2"/>
-            </a:solidFill>
-          </a:ln>
-        </p:spPr>
-        <p:style>
-          <a:lnRef idx="2">
-            <a:schemeClr val="accent1">
-              <a:shade val="50000"/>
-            </a:schemeClr>
-          </a:lnRef>
-          <a:fillRef idx="1">
-            <a:schemeClr val="accent1"/>
-          </a:fillRef>
-          <a:effectRef idx="0">
-            <a:schemeClr val="accent1"/>
-          </a:effectRef>
-          <a:fontRef idx="minor">
-            <a:schemeClr val="lt1"/>
-          </a:fontRef>
-        </p:style>
-        <p:txBody>
-          <a:bodyPr rtlCol="0" anchor="ctr"/>
-          <a:lstStyle/>
-          <a:p>
-            <a:pPr algn="ctr"/>
-            <a:endParaRPr lang="en-NL"/>
-          </a:p>
-        </p:txBody>
-      </p:sp>
-      <p:sp>
-        <p:nvSpPr>
-          <p:cNvPr id="23" name="Rounded Rectangle 22">
-            <a:extLst>
-              <a:ext uri="{FF2B5EF4-FFF2-40B4-BE49-F238E27FC236}">
-                <a16:creationId xmlns:a16="http://schemas.microsoft.com/office/drawing/2014/main" id="{0B4B9A8D-960F-1A49-BC4D-3FC55095C91E}"/>
-              </a:ext>
-            </a:extLst>
-          </p:cNvPr>
-          <p:cNvSpPr/>
-          <p:nvPr/>
-        </p:nvSpPr>
-        <p:spPr>
-          <a:xfrm>
-            <a:off x="7348208" y="2991173"/>
-            <a:ext cx="410705" cy="410705"/>
-          </a:xfrm>
-          <a:prstGeom prst="roundRect">
-            <a:avLst/>
-          </a:prstGeom>
-          <a:solidFill>
-            <a:schemeClr val="bg2"/>
-          </a:solidFill>
-          <a:ln>
-            <a:solidFill>
-              <a:schemeClr val="bg2"/>
-            </a:solidFill>
-          </a:ln>
-        </p:spPr>
-        <p:style>
-          <a:lnRef idx="2">
-            <a:schemeClr val="accent1">
-              <a:shade val="50000"/>
-            </a:schemeClr>
-          </a:lnRef>
-          <a:fillRef idx="1">
-            <a:schemeClr val="accent1"/>
-          </a:fillRef>
-          <a:effectRef idx="0">
-            <a:schemeClr val="accent1"/>
-          </a:effectRef>
-          <a:fontRef idx="minor">
-            <a:schemeClr val="lt1"/>
-          </a:fontRef>
-        </p:style>
-        <p:txBody>
-          <a:bodyPr rtlCol="0" anchor="ctr"/>
-          <a:lstStyle/>
-          <a:p>
-            <a:pPr algn="ctr"/>
-            <a:endParaRPr lang="en-NL"/>
-          </a:p>
-        </p:txBody>
-      </p:sp>
-      <p:sp>
-        <p:nvSpPr>
-          <p:cNvPr id="24" name="Rounded Rectangle 23">
-            <a:extLst>
-              <a:ext uri="{FF2B5EF4-FFF2-40B4-BE49-F238E27FC236}">
-                <a16:creationId xmlns:a16="http://schemas.microsoft.com/office/drawing/2014/main" id="{90B90E96-DA65-3844-A895-A8E4275F2E9E}"/>
-              </a:ext>
-            </a:extLst>
-          </p:cNvPr>
-          <p:cNvSpPr/>
-          <p:nvPr/>
-        </p:nvSpPr>
-        <p:spPr>
-          <a:xfrm>
-            <a:off x="7348208" y="3546526"/>
-            <a:ext cx="410705" cy="410705"/>
-          </a:xfrm>
-          <a:prstGeom prst="roundRect">
-            <a:avLst/>
-          </a:prstGeom>
-          <a:solidFill>
-            <a:schemeClr val="bg2"/>
-          </a:solidFill>
-          <a:ln>
-            <a:solidFill>
-              <a:schemeClr val="bg2"/>
-            </a:solidFill>
-          </a:ln>
-        </p:spPr>
-        <p:style>
-          <a:lnRef idx="2">
-            <a:schemeClr val="accent1">
-              <a:shade val="50000"/>
-            </a:schemeClr>
-          </a:lnRef>
-          <a:fillRef idx="1">
-            <a:schemeClr val="accent1"/>
-          </a:fillRef>
-          <a:effectRef idx="0">
-            <a:schemeClr val="accent1"/>
-          </a:effectRef>
-          <a:fontRef idx="minor">
-            <a:schemeClr val="lt1"/>
-          </a:fontRef>
-        </p:style>
-        <p:txBody>
-          <a:bodyPr rtlCol="0" anchor="ctr"/>
-          <a:lstStyle/>
-          <a:p>
-            <a:pPr algn="ctr"/>
-            <a:endParaRPr lang="en-NL"/>
-          </a:p>
-        </p:txBody>
-      </p:sp>
-      <p:sp>
-        <p:nvSpPr>
-          <p:cNvPr id="25" name="Rounded Rectangle 24">
-            <a:extLst>
-              <a:ext uri="{FF2B5EF4-FFF2-40B4-BE49-F238E27FC236}">
-                <a16:creationId xmlns:a16="http://schemas.microsoft.com/office/drawing/2014/main" id="{5950A2A1-25A0-624E-8059-D651F019971A}"/>
-              </a:ext>
-            </a:extLst>
-          </p:cNvPr>
-          <p:cNvSpPr/>
-          <p:nvPr/>
-        </p:nvSpPr>
-        <p:spPr>
-          <a:xfrm>
-            <a:off x="7348207" y="4101879"/>
-            <a:ext cx="410705" cy="410705"/>
-          </a:xfrm>
-          <a:prstGeom prst="roundRect">
-            <a:avLst/>
-          </a:prstGeom>
-          <a:solidFill>
-            <a:schemeClr val="bg2"/>
-          </a:solidFill>
-          <a:ln>
-            <a:solidFill>
-              <a:schemeClr val="bg2"/>
-            </a:solidFill>
-          </a:ln>
-        </p:spPr>
-        <p:style>
-          <a:lnRef idx="2">
-            <a:schemeClr val="accent1">
-              <a:shade val="50000"/>
-            </a:schemeClr>
-          </a:lnRef>
-          <a:fillRef idx="1">
-            <a:schemeClr val="accent1"/>
-          </a:fillRef>
-          <a:effectRef idx="0">
-            <a:schemeClr val="accent1"/>
-          </a:effectRef>
-          <a:fontRef idx="minor">
-            <a:schemeClr val="lt1"/>
-          </a:fontRef>
-        </p:style>
-        <p:txBody>
-          <a:bodyPr rtlCol="0" anchor="ctr"/>
-          <a:lstStyle/>
-          <a:p>
-            <a:pPr algn="ctr"/>
-            <a:endParaRPr lang="en-NL"/>
-          </a:p>
-        </p:txBody>
-      </p:sp>
-    </p:spTree>
-    <p:extLst>
-      <p:ext uri="{BB962C8B-B14F-4D97-AF65-F5344CB8AC3E}">
-        <p14:creationId xmlns:p14="http://schemas.microsoft.com/office/powerpoint/2010/main" val="2955084820"/>
-      </p:ext>
-    </p:extLst>
-  </p:cSld>
-  <p:clrMapOvr>
-    <a:masterClrMapping/>
-  </p:clrMapOvr>
-</p:sld>
-</file>
-
-<file path=ppt/slides/slide30.xml><?xml version="1.0" encoding="utf-8"?>
+<file path=ppt/slides/slide28.xml><?xml version="1.0" encoding="utf-8"?>
 <p:sld xmlns:a="http://schemas.openxmlformats.org/drawingml/2006/main" xmlns:r="http://schemas.openxmlformats.org/officeDocument/2006/relationships" xmlns:p="http://schemas.openxmlformats.org/presentationml/2006/main">
   <p:cSld>
     <p:spTree>
@@ -11108,7 +9517,7 @@
 </p:sld>
 </file>
 
-<file path=ppt/slides/slide31.xml><?xml version="1.0" encoding="utf-8"?>
+<file path=ppt/slides/slide29.xml><?xml version="1.0" encoding="utf-8"?>
 <p:sld xmlns:a="http://schemas.openxmlformats.org/drawingml/2006/main" xmlns:r="http://schemas.openxmlformats.org/officeDocument/2006/relationships" xmlns:p="http://schemas.openxmlformats.org/presentationml/2006/main">
   <p:cSld>
     <p:spTree>
@@ -11418,7 +9827,998 @@
 </p:sld>
 </file>
 
-<file path=ppt/slides/slide32.xml><?xml version="1.0" encoding="utf-8"?>
+<file path=ppt/slides/slide3.xml><?xml version="1.0" encoding="utf-8"?>
+<p:sld xmlns:a="http://schemas.openxmlformats.org/drawingml/2006/main" xmlns:r="http://schemas.openxmlformats.org/officeDocument/2006/relationships" xmlns:p="http://schemas.openxmlformats.org/presentationml/2006/main">
+  <p:cSld>
+    <p:spTree>
+      <p:nvGrpSpPr>
+        <p:cNvPr id="1" name=""/>
+        <p:cNvGrpSpPr/>
+        <p:nvPr/>
+      </p:nvGrpSpPr>
+      <p:grpSpPr>
+        <a:xfrm>
+          <a:off x="0" y="0"/>
+          <a:ext cx="0" cy="0"/>
+          <a:chOff x="0" y="0"/>
+          <a:chExt cx="0" cy="0"/>
+        </a:xfrm>
+      </p:grpSpPr>
+      <p:sp>
+        <p:nvSpPr>
+          <p:cNvPr id="14" name="Rounded Rectangle 13">
+            <a:extLst>
+              <a:ext uri="{FF2B5EF4-FFF2-40B4-BE49-F238E27FC236}">
+                <a16:creationId xmlns:a16="http://schemas.microsoft.com/office/drawing/2014/main" id="{D8656E71-C2B4-0F4F-93C2-2FE01E15243E}"/>
+              </a:ext>
+            </a:extLst>
+          </p:cNvPr>
+          <p:cNvSpPr/>
+          <p:nvPr/>
+        </p:nvSpPr>
+        <p:spPr>
+          <a:xfrm>
+            <a:off x="0" y="0"/>
+            <a:ext cx="7559675" cy="5327650"/>
+          </a:xfrm>
+          <a:prstGeom prst="roundRect">
+            <a:avLst>
+              <a:gd name="adj" fmla="val 0"/>
+            </a:avLst>
+          </a:prstGeom>
+          <a:solidFill>
+            <a:srgbClr val="DE8445"/>
+          </a:solidFill>
+          <a:ln>
+            <a:noFill/>
+          </a:ln>
+        </p:spPr>
+        <p:style>
+          <a:lnRef idx="2">
+            <a:schemeClr val="accent1">
+              <a:shade val="50000"/>
+            </a:schemeClr>
+          </a:lnRef>
+          <a:fillRef idx="1">
+            <a:schemeClr val="accent1"/>
+          </a:fillRef>
+          <a:effectRef idx="0">
+            <a:schemeClr val="accent1"/>
+          </a:effectRef>
+          <a:fontRef idx="minor">
+            <a:schemeClr val="lt1"/>
+          </a:fontRef>
+        </p:style>
+        <p:txBody>
+          <a:bodyPr rtlCol="0" anchor="ctr"/>
+          <a:lstStyle/>
+          <a:p>
+            <a:pPr algn="ctr"/>
+            <a:r>
+              <a:rPr lang="en-GB" dirty="0"/>
+              <a:t>Reveals the value that the product delivers to customers, today</a:t>
+            </a:r>
+            <a:endParaRPr lang="en-NL" dirty="0"/>
+          </a:p>
+        </p:txBody>
+      </p:sp>
+      <p:sp>
+        <p:nvSpPr>
+          <p:cNvPr id="15" name="Rectangle 14">
+            <a:extLst>
+              <a:ext uri="{FF2B5EF4-FFF2-40B4-BE49-F238E27FC236}">
+                <a16:creationId xmlns:a16="http://schemas.microsoft.com/office/drawing/2014/main" id="{F07C9767-773C-644A-A638-0001139EE025}"/>
+              </a:ext>
+            </a:extLst>
+          </p:cNvPr>
+          <p:cNvSpPr/>
+          <p:nvPr/>
+        </p:nvSpPr>
+        <p:spPr>
+          <a:xfrm>
+            <a:off x="654576" y="629685"/>
+            <a:ext cx="6326488" cy="3992292"/>
+          </a:xfrm>
+          <a:prstGeom prst="rect">
+            <a:avLst/>
+          </a:prstGeom>
+          <a:blipFill>
+            <a:blip r:embed="rId2"/>
+            <a:stretch>
+              <a:fillRect/>
+            </a:stretch>
+          </a:blipFill>
+          <a:ln w="76200">
+            <a:solidFill>
+              <a:schemeClr val="tx1"/>
+            </a:solidFill>
+          </a:ln>
+        </p:spPr>
+        <p:style>
+          <a:lnRef idx="2">
+            <a:schemeClr val="accent1">
+              <a:shade val="50000"/>
+            </a:schemeClr>
+          </a:lnRef>
+          <a:fillRef idx="1">
+            <a:schemeClr val="accent1"/>
+          </a:fillRef>
+          <a:effectRef idx="0">
+            <a:schemeClr val="accent1"/>
+          </a:effectRef>
+          <a:fontRef idx="minor">
+            <a:schemeClr val="lt1"/>
+          </a:fontRef>
+        </p:style>
+        <p:txBody>
+          <a:bodyPr rtlCol="0" anchor="ctr"/>
+          <a:lstStyle/>
+          <a:p>
+            <a:endParaRPr lang="en-NL" sz="9600">
+              <a:latin typeface="Marvel" pitchFamily="2" charset="0"/>
+            </a:endParaRPr>
+          </a:p>
+        </p:txBody>
+      </p:sp>
+      <p:sp>
+        <p:nvSpPr>
+          <p:cNvPr id="17" name="TextBox 16">
+            <a:extLst>
+              <a:ext uri="{FF2B5EF4-FFF2-40B4-BE49-F238E27FC236}">
+                <a16:creationId xmlns:a16="http://schemas.microsoft.com/office/drawing/2014/main" id="{E287ED43-6E86-FA4F-94F4-5B177664B785}"/>
+              </a:ext>
+            </a:extLst>
+          </p:cNvPr>
+          <p:cNvSpPr txBox="1"/>
+          <p:nvPr/>
+        </p:nvSpPr>
+        <p:spPr>
+          <a:xfrm>
+            <a:off x="1092134" y="1887167"/>
+            <a:ext cx="5451371" cy="1477328"/>
+          </a:xfrm>
+          <a:prstGeom prst="rect">
+            <a:avLst/>
+          </a:prstGeom>
+          <a:noFill/>
+        </p:spPr>
+        <p:txBody>
+          <a:bodyPr wrap="square" rtlCol="0">
+            <a:spAutoFit/>
+          </a:bodyPr>
+          <a:lstStyle/>
+          <a:p>
+            <a:pPr algn="ctr"/>
+            <a:r>
+              <a:rPr lang="en-NL" sz="9000" dirty="0">
+                <a:latin typeface="Marvel" pitchFamily="2" charset="0"/>
+              </a:rPr>
+              <a:t>CURRENT VALUE</a:t>
+            </a:r>
+          </a:p>
+        </p:txBody>
+      </p:sp>
+      <p:sp>
+        <p:nvSpPr>
+          <p:cNvPr id="2" name="TextBox 1">
+            <a:extLst>
+              <a:ext uri="{FF2B5EF4-FFF2-40B4-BE49-F238E27FC236}">
+                <a16:creationId xmlns:a16="http://schemas.microsoft.com/office/drawing/2014/main" id="{40491A28-9097-6F43-9DB2-81A447868F1E}"/>
+              </a:ext>
+            </a:extLst>
+          </p:cNvPr>
+          <p:cNvSpPr txBox="1"/>
+          <p:nvPr/>
+        </p:nvSpPr>
+        <p:spPr>
+          <a:xfrm>
+            <a:off x="2527241" y="3029919"/>
+            <a:ext cx="2581155" cy="246221"/>
+          </a:xfrm>
+          <a:prstGeom prst="rect">
+            <a:avLst/>
+          </a:prstGeom>
+          <a:noFill/>
+        </p:spPr>
+        <p:txBody>
+          <a:bodyPr wrap="none" rtlCol="0">
+            <a:spAutoFit/>
+          </a:bodyPr>
+          <a:lstStyle/>
+          <a:p>
+            <a:pPr algn="ctr"/>
+            <a:r>
+              <a:rPr lang="en-GB" sz="1000" dirty="0">
+                <a:solidFill>
+                  <a:schemeClr val="bg1">
+                    <a:lumMod val="50000"/>
+                  </a:schemeClr>
+                </a:solidFill>
+                <a:latin typeface="Ubuntu" panose="020B0504030602030204" pitchFamily="34" charset="0"/>
+              </a:rPr>
+              <a:t>The value that the product delivers today</a:t>
+            </a:r>
+            <a:endParaRPr lang="en-NL" sz="1000" dirty="0">
+              <a:solidFill>
+                <a:schemeClr val="bg1">
+                  <a:lumMod val="50000"/>
+                </a:schemeClr>
+              </a:solidFill>
+              <a:latin typeface="Ubuntu" panose="020B0504030602030204" pitchFamily="34" charset="0"/>
+            </a:endParaRPr>
+          </a:p>
+        </p:txBody>
+      </p:sp>
+      <p:sp>
+        <p:nvSpPr>
+          <p:cNvPr id="9" name="Rounded Rectangle 8">
+            <a:extLst>
+              <a:ext uri="{FF2B5EF4-FFF2-40B4-BE49-F238E27FC236}">
+                <a16:creationId xmlns:a16="http://schemas.microsoft.com/office/drawing/2014/main" id="{80A414F0-FCE5-2E45-A339-248A82CA3769}"/>
+              </a:ext>
+            </a:extLst>
+          </p:cNvPr>
+          <p:cNvSpPr/>
+          <p:nvPr/>
+        </p:nvSpPr>
+        <p:spPr>
+          <a:xfrm>
+            <a:off x="-205353" y="769750"/>
+            <a:ext cx="410705" cy="410705"/>
+          </a:xfrm>
+          <a:prstGeom prst="roundRect">
+            <a:avLst/>
+          </a:prstGeom>
+          <a:solidFill>
+            <a:schemeClr val="bg2"/>
+          </a:solidFill>
+          <a:ln>
+            <a:solidFill>
+              <a:schemeClr val="bg2"/>
+            </a:solidFill>
+          </a:ln>
+        </p:spPr>
+        <p:style>
+          <a:lnRef idx="2">
+            <a:schemeClr val="accent1">
+              <a:shade val="50000"/>
+            </a:schemeClr>
+          </a:lnRef>
+          <a:fillRef idx="1">
+            <a:schemeClr val="accent1"/>
+          </a:fillRef>
+          <a:effectRef idx="0">
+            <a:schemeClr val="accent1"/>
+          </a:effectRef>
+          <a:fontRef idx="minor">
+            <a:schemeClr val="lt1"/>
+          </a:fontRef>
+        </p:style>
+        <p:txBody>
+          <a:bodyPr rtlCol="0" anchor="ctr"/>
+          <a:lstStyle/>
+          <a:p>
+            <a:pPr algn="ctr"/>
+            <a:endParaRPr lang="en-NL"/>
+          </a:p>
+        </p:txBody>
+      </p:sp>
+      <p:sp>
+        <p:nvSpPr>
+          <p:cNvPr id="10" name="Rounded Rectangle 9">
+            <a:extLst>
+              <a:ext uri="{FF2B5EF4-FFF2-40B4-BE49-F238E27FC236}">
+                <a16:creationId xmlns:a16="http://schemas.microsoft.com/office/drawing/2014/main" id="{2333F93C-0F67-C146-84E2-9B869646EE60}"/>
+              </a:ext>
+            </a:extLst>
+          </p:cNvPr>
+          <p:cNvSpPr/>
+          <p:nvPr/>
+        </p:nvSpPr>
+        <p:spPr>
+          <a:xfrm>
+            <a:off x="-186093" y="1325099"/>
+            <a:ext cx="410705" cy="410705"/>
+          </a:xfrm>
+          <a:prstGeom prst="roundRect">
+            <a:avLst/>
+          </a:prstGeom>
+          <a:solidFill>
+            <a:schemeClr val="bg2"/>
+          </a:solidFill>
+          <a:ln>
+            <a:solidFill>
+              <a:schemeClr val="bg2"/>
+            </a:solidFill>
+          </a:ln>
+        </p:spPr>
+        <p:style>
+          <a:lnRef idx="2">
+            <a:schemeClr val="accent1">
+              <a:shade val="50000"/>
+            </a:schemeClr>
+          </a:lnRef>
+          <a:fillRef idx="1">
+            <a:schemeClr val="accent1"/>
+          </a:fillRef>
+          <a:effectRef idx="0">
+            <a:schemeClr val="accent1"/>
+          </a:effectRef>
+          <a:fontRef idx="minor">
+            <a:schemeClr val="lt1"/>
+          </a:fontRef>
+        </p:style>
+        <p:txBody>
+          <a:bodyPr rtlCol="0" anchor="ctr"/>
+          <a:lstStyle/>
+          <a:p>
+            <a:pPr algn="ctr"/>
+            <a:endParaRPr lang="en-NL"/>
+          </a:p>
+        </p:txBody>
+      </p:sp>
+      <p:sp>
+        <p:nvSpPr>
+          <p:cNvPr id="11" name="Rounded Rectangle 10">
+            <a:extLst>
+              <a:ext uri="{FF2B5EF4-FFF2-40B4-BE49-F238E27FC236}">
+                <a16:creationId xmlns:a16="http://schemas.microsoft.com/office/drawing/2014/main" id="{AA9F6613-2A28-7048-A742-95677A05CBD2}"/>
+              </a:ext>
+            </a:extLst>
+          </p:cNvPr>
+          <p:cNvSpPr/>
+          <p:nvPr/>
+        </p:nvSpPr>
+        <p:spPr>
+          <a:xfrm>
+            <a:off x="-205353" y="1880462"/>
+            <a:ext cx="410705" cy="410705"/>
+          </a:xfrm>
+          <a:prstGeom prst="roundRect">
+            <a:avLst/>
+          </a:prstGeom>
+          <a:solidFill>
+            <a:schemeClr val="bg2"/>
+          </a:solidFill>
+          <a:ln>
+            <a:solidFill>
+              <a:schemeClr val="bg2"/>
+            </a:solidFill>
+          </a:ln>
+        </p:spPr>
+        <p:style>
+          <a:lnRef idx="2">
+            <a:schemeClr val="accent1">
+              <a:shade val="50000"/>
+            </a:schemeClr>
+          </a:lnRef>
+          <a:fillRef idx="1">
+            <a:schemeClr val="accent1"/>
+          </a:fillRef>
+          <a:effectRef idx="0">
+            <a:schemeClr val="accent1"/>
+          </a:effectRef>
+          <a:fontRef idx="minor">
+            <a:schemeClr val="lt1"/>
+          </a:fontRef>
+        </p:style>
+        <p:txBody>
+          <a:bodyPr rtlCol="0" anchor="ctr"/>
+          <a:lstStyle/>
+          <a:p>
+            <a:pPr algn="ctr"/>
+            <a:endParaRPr lang="en-NL"/>
+          </a:p>
+        </p:txBody>
+      </p:sp>
+      <p:sp>
+        <p:nvSpPr>
+          <p:cNvPr id="12" name="Rounded Rectangle 11">
+            <a:extLst>
+              <a:ext uri="{FF2B5EF4-FFF2-40B4-BE49-F238E27FC236}">
+                <a16:creationId xmlns:a16="http://schemas.microsoft.com/office/drawing/2014/main" id="{2035461B-5D95-774C-8E4D-3CB256D762EA}"/>
+              </a:ext>
+            </a:extLst>
+          </p:cNvPr>
+          <p:cNvSpPr/>
+          <p:nvPr/>
+        </p:nvSpPr>
+        <p:spPr>
+          <a:xfrm>
+            <a:off x="-228076" y="2435818"/>
+            <a:ext cx="410705" cy="410705"/>
+          </a:xfrm>
+          <a:prstGeom prst="roundRect">
+            <a:avLst/>
+          </a:prstGeom>
+          <a:solidFill>
+            <a:schemeClr val="bg2"/>
+          </a:solidFill>
+          <a:ln>
+            <a:solidFill>
+              <a:schemeClr val="bg2"/>
+            </a:solidFill>
+          </a:ln>
+        </p:spPr>
+        <p:style>
+          <a:lnRef idx="2">
+            <a:schemeClr val="accent1">
+              <a:shade val="50000"/>
+            </a:schemeClr>
+          </a:lnRef>
+          <a:fillRef idx="1">
+            <a:schemeClr val="accent1"/>
+          </a:fillRef>
+          <a:effectRef idx="0">
+            <a:schemeClr val="accent1"/>
+          </a:effectRef>
+          <a:fontRef idx="minor">
+            <a:schemeClr val="lt1"/>
+          </a:fontRef>
+        </p:style>
+        <p:txBody>
+          <a:bodyPr rtlCol="0" anchor="ctr"/>
+          <a:lstStyle/>
+          <a:p>
+            <a:pPr algn="ctr"/>
+            <a:endParaRPr lang="en-NL"/>
+          </a:p>
+        </p:txBody>
+      </p:sp>
+      <p:sp>
+        <p:nvSpPr>
+          <p:cNvPr id="13" name="Rounded Rectangle 12">
+            <a:extLst>
+              <a:ext uri="{FF2B5EF4-FFF2-40B4-BE49-F238E27FC236}">
+                <a16:creationId xmlns:a16="http://schemas.microsoft.com/office/drawing/2014/main" id="{F78111FD-544B-3749-B4C7-6C0601A72685}"/>
+              </a:ext>
+            </a:extLst>
+          </p:cNvPr>
+          <p:cNvSpPr/>
+          <p:nvPr/>
+        </p:nvSpPr>
+        <p:spPr>
+          <a:xfrm>
+            <a:off x="-199978" y="2991174"/>
+            <a:ext cx="410705" cy="410705"/>
+          </a:xfrm>
+          <a:prstGeom prst="roundRect">
+            <a:avLst/>
+          </a:prstGeom>
+          <a:solidFill>
+            <a:schemeClr val="bg2"/>
+          </a:solidFill>
+          <a:ln>
+            <a:solidFill>
+              <a:schemeClr val="bg2"/>
+            </a:solidFill>
+          </a:ln>
+        </p:spPr>
+        <p:style>
+          <a:lnRef idx="2">
+            <a:schemeClr val="accent1">
+              <a:shade val="50000"/>
+            </a:schemeClr>
+          </a:lnRef>
+          <a:fillRef idx="1">
+            <a:schemeClr val="accent1"/>
+          </a:fillRef>
+          <a:effectRef idx="0">
+            <a:schemeClr val="accent1"/>
+          </a:effectRef>
+          <a:fontRef idx="minor">
+            <a:schemeClr val="lt1"/>
+          </a:fontRef>
+        </p:style>
+        <p:txBody>
+          <a:bodyPr rtlCol="0" anchor="ctr"/>
+          <a:lstStyle/>
+          <a:p>
+            <a:pPr algn="ctr"/>
+            <a:endParaRPr lang="en-NL"/>
+          </a:p>
+        </p:txBody>
+      </p:sp>
+      <p:sp>
+        <p:nvSpPr>
+          <p:cNvPr id="16" name="Rounded Rectangle 15">
+            <a:extLst>
+              <a:ext uri="{FF2B5EF4-FFF2-40B4-BE49-F238E27FC236}">
+                <a16:creationId xmlns:a16="http://schemas.microsoft.com/office/drawing/2014/main" id="{74B1E9C1-F51F-E349-A7D6-273F919A86DE}"/>
+              </a:ext>
+            </a:extLst>
+          </p:cNvPr>
+          <p:cNvSpPr/>
+          <p:nvPr/>
+        </p:nvSpPr>
+        <p:spPr>
+          <a:xfrm>
+            <a:off x="-205353" y="3546530"/>
+            <a:ext cx="410705" cy="410705"/>
+          </a:xfrm>
+          <a:prstGeom prst="roundRect">
+            <a:avLst/>
+          </a:prstGeom>
+          <a:solidFill>
+            <a:schemeClr val="bg2"/>
+          </a:solidFill>
+          <a:ln>
+            <a:solidFill>
+              <a:schemeClr val="bg2"/>
+            </a:solidFill>
+          </a:ln>
+        </p:spPr>
+        <p:style>
+          <a:lnRef idx="2">
+            <a:schemeClr val="accent1">
+              <a:shade val="50000"/>
+            </a:schemeClr>
+          </a:lnRef>
+          <a:fillRef idx="1">
+            <a:schemeClr val="accent1"/>
+          </a:fillRef>
+          <a:effectRef idx="0">
+            <a:schemeClr val="accent1"/>
+          </a:effectRef>
+          <a:fontRef idx="minor">
+            <a:schemeClr val="lt1"/>
+          </a:fontRef>
+        </p:style>
+        <p:txBody>
+          <a:bodyPr rtlCol="0" anchor="ctr"/>
+          <a:lstStyle/>
+          <a:p>
+            <a:pPr algn="ctr"/>
+            <a:endParaRPr lang="en-NL"/>
+          </a:p>
+        </p:txBody>
+      </p:sp>
+      <p:sp>
+        <p:nvSpPr>
+          <p:cNvPr id="18" name="Rounded Rectangle 17">
+            <a:extLst>
+              <a:ext uri="{FF2B5EF4-FFF2-40B4-BE49-F238E27FC236}">
+                <a16:creationId xmlns:a16="http://schemas.microsoft.com/office/drawing/2014/main" id="{6BB192FA-7562-6C45-B5B6-0487D9CB90FC}"/>
+              </a:ext>
+            </a:extLst>
+          </p:cNvPr>
+          <p:cNvSpPr/>
+          <p:nvPr/>
+        </p:nvSpPr>
+        <p:spPr>
+          <a:xfrm>
+            <a:off x="-199426" y="4101886"/>
+            <a:ext cx="410705" cy="410705"/>
+          </a:xfrm>
+          <a:prstGeom prst="roundRect">
+            <a:avLst/>
+          </a:prstGeom>
+          <a:solidFill>
+            <a:schemeClr val="bg2"/>
+          </a:solidFill>
+          <a:ln>
+            <a:solidFill>
+              <a:schemeClr val="bg2"/>
+            </a:solidFill>
+          </a:ln>
+        </p:spPr>
+        <p:style>
+          <a:lnRef idx="2">
+            <a:schemeClr val="accent1">
+              <a:shade val="50000"/>
+            </a:schemeClr>
+          </a:lnRef>
+          <a:fillRef idx="1">
+            <a:schemeClr val="accent1"/>
+          </a:fillRef>
+          <a:effectRef idx="0">
+            <a:schemeClr val="accent1"/>
+          </a:effectRef>
+          <a:fontRef idx="minor">
+            <a:schemeClr val="lt1"/>
+          </a:fontRef>
+        </p:style>
+        <p:txBody>
+          <a:bodyPr rtlCol="0" anchor="ctr"/>
+          <a:lstStyle/>
+          <a:p>
+            <a:pPr algn="ctr"/>
+            <a:endParaRPr lang="en-NL"/>
+          </a:p>
+        </p:txBody>
+      </p:sp>
+      <p:sp>
+        <p:nvSpPr>
+          <p:cNvPr id="19" name="Rounded Rectangle 18">
+            <a:extLst>
+              <a:ext uri="{FF2B5EF4-FFF2-40B4-BE49-F238E27FC236}">
+                <a16:creationId xmlns:a16="http://schemas.microsoft.com/office/drawing/2014/main" id="{DFF58212-847B-D248-84DE-5532419AD67A}"/>
+              </a:ext>
+            </a:extLst>
+          </p:cNvPr>
+          <p:cNvSpPr/>
+          <p:nvPr/>
+        </p:nvSpPr>
+        <p:spPr>
+          <a:xfrm>
+            <a:off x="7348208" y="769746"/>
+            <a:ext cx="410705" cy="410705"/>
+          </a:xfrm>
+          <a:prstGeom prst="roundRect">
+            <a:avLst/>
+          </a:prstGeom>
+          <a:solidFill>
+            <a:schemeClr val="bg2"/>
+          </a:solidFill>
+          <a:ln>
+            <a:solidFill>
+              <a:schemeClr val="bg2"/>
+            </a:solidFill>
+          </a:ln>
+        </p:spPr>
+        <p:style>
+          <a:lnRef idx="2">
+            <a:schemeClr val="accent1">
+              <a:shade val="50000"/>
+            </a:schemeClr>
+          </a:lnRef>
+          <a:fillRef idx="1">
+            <a:schemeClr val="accent1"/>
+          </a:fillRef>
+          <a:effectRef idx="0">
+            <a:schemeClr val="accent1"/>
+          </a:effectRef>
+          <a:fontRef idx="minor">
+            <a:schemeClr val="lt1"/>
+          </a:fontRef>
+        </p:style>
+        <p:txBody>
+          <a:bodyPr rtlCol="0" anchor="ctr"/>
+          <a:lstStyle/>
+          <a:p>
+            <a:pPr algn="ctr"/>
+            <a:endParaRPr lang="en-NL"/>
+          </a:p>
+        </p:txBody>
+      </p:sp>
+      <p:sp>
+        <p:nvSpPr>
+          <p:cNvPr id="20" name="Rounded Rectangle 19">
+            <a:extLst>
+              <a:ext uri="{FF2B5EF4-FFF2-40B4-BE49-F238E27FC236}">
+                <a16:creationId xmlns:a16="http://schemas.microsoft.com/office/drawing/2014/main" id="{8C0CF75B-D58A-4840-8464-3D74529F5933}"/>
+              </a:ext>
+            </a:extLst>
+          </p:cNvPr>
+          <p:cNvSpPr/>
+          <p:nvPr/>
+        </p:nvSpPr>
+        <p:spPr>
+          <a:xfrm>
+            <a:off x="7348208" y="1325100"/>
+            <a:ext cx="410705" cy="410705"/>
+          </a:xfrm>
+          <a:prstGeom prst="roundRect">
+            <a:avLst/>
+          </a:prstGeom>
+          <a:solidFill>
+            <a:schemeClr val="bg2"/>
+          </a:solidFill>
+          <a:ln>
+            <a:solidFill>
+              <a:schemeClr val="bg2"/>
+            </a:solidFill>
+          </a:ln>
+        </p:spPr>
+        <p:style>
+          <a:lnRef idx="2">
+            <a:schemeClr val="accent1">
+              <a:shade val="50000"/>
+            </a:schemeClr>
+          </a:lnRef>
+          <a:fillRef idx="1">
+            <a:schemeClr val="accent1"/>
+          </a:fillRef>
+          <a:effectRef idx="0">
+            <a:schemeClr val="accent1"/>
+          </a:effectRef>
+          <a:fontRef idx="minor">
+            <a:schemeClr val="lt1"/>
+          </a:fontRef>
+        </p:style>
+        <p:txBody>
+          <a:bodyPr rtlCol="0" anchor="ctr"/>
+          <a:lstStyle/>
+          <a:p>
+            <a:pPr algn="ctr"/>
+            <a:endParaRPr lang="en-NL"/>
+          </a:p>
+        </p:txBody>
+      </p:sp>
+      <p:sp>
+        <p:nvSpPr>
+          <p:cNvPr id="21" name="Rounded Rectangle 20">
+            <a:extLst>
+              <a:ext uri="{FF2B5EF4-FFF2-40B4-BE49-F238E27FC236}">
+                <a16:creationId xmlns:a16="http://schemas.microsoft.com/office/drawing/2014/main" id="{66339E88-CF46-694D-8472-C7F78C4EBDDB}"/>
+              </a:ext>
+            </a:extLst>
+          </p:cNvPr>
+          <p:cNvSpPr/>
+          <p:nvPr/>
+        </p:nvSpPr>
+        <p:spPr>
+          <a:xfrm>
+            <a:off x="7348396" y="1880460"/>
+            <a:ext cx="410705" cy="410705"/>
+          </a:xfrm>
+          <a:prstGeom prst="roundRect">
+            <a:avLst/>
+          </a:prstGeom>
+          <a:solidFill>
+            <a:schemeClr val="bg2"/>
+          </a:solidFill>
+          <a:ln>
+            <a:solidFill>
+              <a:schemeClr val="bg2"/>
+            </a:solidFill>
+          </a:ln>
+        </p:spPr>
+        <p:style>
+          <a:lnRef idx="2">
+            <a:schemeClr val="accent1">
+              <a:shade val="50000"/>
+            </a:schemeClr>
+          </a:lnRef>
+          <a:fillRef idx="1">
+            <a:schemeClr val="accent1"/>
+          </a:fillRef>
+          <a:effectRef idx="0">
+            <a:schemeClr val="accent1"/>
+          </a:effectRef>
+          <a:fontRef idx="minor">
+            <a:schemeClr val="lt1"/>
+          </a:fontRef>
+        </p:style>
+        <p:txBody>
+          <a:bodyPr rtlCol="0" anchor="ctr"/>
+          <a:lstStyle/>
+          <a:p>
+            <a:pPr algn="ctr"/>
+            <a:endParaRPr lang="en-NL"/>
+          </a:p>
+        </p:txBody>
+      </p:sp>
+      <p:sp>
+        <p:nvSpPr>
+          <p:cNvPr id="22" name="Rounded Rectangle 21">
+            <a:extLst>
+              <a:ext uri="{FF2B5EF4-FFF2-40B4-BE49-F238E27FC236}">
+                <a16:creationId xmlns:a16="http://schemas.microsoft.com/office/drawing/2014/main" id="{EE08CE49-2BDF-7E47-93A6-34A667AEB601}"/>
+              </a:ext>
+            </a:extLst>
+          </p:cNvPr>
+          <p:cNvSpPr/>
+          <p:nvPr/>
+        </p:nvSpPr>
+        <p:spPr>
+          <a:xfrm>
+            <a:off x="7348208" y="2435817"/>
+            <a:ext cx="410705" cy="410705"/>
+          </a:xfrm>
+          <a:prstGeom prst="roundRect">
+            <a:avLst/>
+          </a:prstGeom>
+          <a:solidFill>
+            <a:schemeClr val="bg2"/>
+          </a:solidFill>
+          <a:ln>
+            <a:solidFill>
+              <a:schemeClr val="bg2"/>
+            </a:solidFill>
+          </a:ln>
+        </p:spPr>
+        <p:style>
+          <a:lnRef idx="2">
+            <a:schemeClr val="accent1">
+              <a:shade val="50000"/>
+            </a:schemeClr>
+          </a:lnRef>
+          <a:fillRef idx="1">
+            <a:schemeClr val="accent1"/>
+          </a:fillRef>
+          <a:effectRef idx="0">
+            <a:schemeClr val="accent1"/>
+          </a:effectRef>
+          <a:fontRef idx="minor">
+            <a:schemeClr val="lt1"/>
+          </a:fontRef>
+        </p:style>
+        <p:txBody>
+          <a:bodyPr rtlCol="0" anchor="ctr"/>
+          <a:lstStyle/>
+          <a:p>
+            <a:pPr algn="ctr"/>
+            <a:endParaRPr lang="en-NL"/>
+          </a:p>
+        </p:txBody>
+      </p:sp>
+      <p:sp>
+        <p:nvSpPr>
+          <p:cNvPr id="23" name="Rounded Rectangle 22">
+            <a:extLst>
+              <a:ext uri="{FF2B5EF4-FFF2-40B4-BE49-F238E27FC236}">
+                <a16:creationId xmlns:a16="http://schemas.microsoft.com/office/drawing/2014/main" id="{0B4B9A8D-960F-1A49-BC4D-3FC55095C91E}"/>
+              </a:ext>
+            </a:extLst>
+          </p:cNvPr>
+          <p:cNvSpPr/>
+          <p:nvPr/>
+        </p:nvSpPr>
+        <p:spPr>
+          <a:xfrm>
+            <a:off x="7348208" y="2991173"/>
+            <a:ext cx="410705" cy="410705"/>
+          </a:xfrm>
+          <a:prstGeom prst="roundRect">
+            <a:avLst/>
+          </a:prstGeom>
+          <a:solidFill>
+            <a:schemeClr val="bg2"/>
+          </a:solidFill>
+          <a:ln>
+            <a:solidFill>
+              <a:schemeClr val="bg2"/>
+            </a:solidFill>
+          </a:ln>
+        </p:spPr>
+        <p:style>
+          <a:lnRef idx="2">
+            <a:schemeClr val="accent1">
+              <a:shade val="50000"/>
+            </a:schemeClr>
+          </a:lnRef>
+          <a:fillRef idx="1">
+            <a:schemeClr val="accent1"/>
+          </a:fillRef>
+          <a:effectRef idx="0">
+            <a:schemeClr val="accent1"/>
+          </a:effectRef>
+          <a:fontRef idx="minor">
+            <a:schemeClr val="lt1"/>
+          </a:fontRef>
+        </p:style>
+        <p:txBody>
+          <a:bodyPr rtlCol="0" anchor="ctr"/>
+          <a:lstStyle/>
+          <a:p>
+            <a:pPr algn="ctr"/>
+            <a:endParaRPr lang="en-NL"/>
+          </a:p>
+        </p:txBody>
+      </p:sp>
+      <p:sp>
+        <p:nvSpPr>
+          <p:cNvPr id="24" name="Rounded Rectangle 23">
+            <a:extLst>
+              <a:ext uri="{FF2B5EF4-FFF2-40B4-BE49-F238E27FC236}">
+                <a16:creationId xmlns:a16="http://schemas.microsoft.com/office/drawing/2014/main" id="{90B90E96-DA65-3844-A895-A8E4275F2E9E}"/>
+              </a:ext>
+            </a:extLst>
+          </p:cNvPr>
+          <p:cNvSpPr/>
+          <p:nvPr/>
+        </p:nvSpPr>
+        <p:spPr>
+          <a:xfrm>
+            <a:off x="7348208" y="3546526"/>
+            <a:ext cx="410705" cy="410705"/>
+          </a:xfrm>
+          <a:prstGeom prst="roundRect">
+            <a:avLst/>
+          </a:prstGeom>
+          <a:solidFill>
+            <a:schemeClr val="bg2"/>
+          </a:solidFill>
+          <a:ln>
+            <a:solidFill>
+              <a:schemeClr val="bg2"/>
+            </a:solidFill>
+          </a:ln>
+        </p:spPr>
+        <p:style>
+          <a:lnRef idx="2">
+            <a:schemeClr val="accent1">
+              <a:shade val="50000"/>
+            </a:schemeClr>
+          </a:lnRef>
+          <a:fillRef idx="1">
+            <a:schemeClr val="accent1"/>
+          </a:fillRef>
+          <a:effectRef idx="0">
+            <a:schemeClr val="accent1"/>
+          </a:effectRef>
+          <a:fontRef idx="minor">
+            <a:schemeClr val="lt1"/>
+          </a:fontRef>
+        </p:style>
+        <p:txBody>
+          <a:bodyPr rtlCol="0" anchor="ctr"/>
+          <a:lstStyle/>
+          <a:p>
+            <a:pPr algn="ctr"/>
+            <a:endParaRPr lang="en-NL"/>
+          </a:p>
+        </p:txBody>
+      </p:sp>
+      <p:sp>
+        <p:nvSpPr>
+          <p:cNvPr id="25" name="Rounded Rectangle 24">
+            <a:extLst>
+              <a:ext uri="{FF2B5EF4-FFF2-40B4-BE49-F238E27FC236}">
+                <a16:creationId xmlns:a16="http://schemas.microsoft.com/office/drawing/2014/main" id="{5950A2A1-25A0-624E-8059-D651F019971A}"/>
+              </a:ext>
+            </a:extLst>
+          </p:cNvPr>
+          <p:cNvSpPr/>
+          <p:nvPr/>
+        </p:nvSpPr>
+        <p:spPr>
+          <a:xfrm>
+            <a:off x="7348207" y="4101879"/>
+            <a:ext cx="410705" cy="410705"/>
+          </a:xfrm>
+          <a:prstGeom prst="roundRect">
+            <a:avLst/>
+          </a:prstGeom>
+          <a:solidFill>
+            <a:schemeClr val="bg2"/>
+          </a:solidFill>
+          <a:ln>
+            <a:solidFill>
+              <a:schemeClr val="bg2"/>
+            </a:solidFill>
+          </a:ln>
+        </p:spPr>
+        <p:style>
+          <a:lnRef idx="2">
+            <a:schemeClr val="accent1">
+              <a:shade val="50000"/>
+            </a:schemeClr>
+          </a:lnRef>
+          <a:fillRef idx="1">
+            <a:schemeClr val="accent1"/>
+          </a:fillRef>
+          <a:effectRef idx="0">
+            <a:schemeClr val="accent1"/>
+          </a:effectRef>
+          <a:fontRef idx="minor">
+            <a:schemeClr val="lt1"/>
+          </a:fontRef>
+        </p:style>
+        <p:txBody>
+          <a:bodyPr rtlCol="0" anchor="ctr"/>
+          <a:lstStyle/>
+          <a:p>
+            <a:pPr algn="ctr"/>
+            <a:endParaRPr lang="en-NL"/>
+          </a:p>
+        </p:txBody>
+      </p:sp>
+    </p:spTree>
+    <p:extLst>
+      <p:ext uri="{BB962C8B-B14F-4D97-AF65-F5344CB8AC3E}">
+        <p14:creationId xmlns:p14="http://schemas.microsoft.com/office/powerpoint/2010/main" val="2955084820"/>
+      </p:ext>
+    </p:extLst>
+  </p:cSld>
+  <p:clrMapOvr>
+    <a:masterClrMapping/>
+  </p:clrMapOvr>
+</p:sld>
+</file>
+
+<file path=ppt/slides/slide30.xml><?xml version="1.0" encoding="utf-8"?>
 <p:sld xmlns:a="http://schemas.openxmlformats.org/drawingml/2006/main" xmlns:r="http://schemas.openxmlformats.org/officeDocument/2006/relationships" xmlns:p="http://schemas.openxmlformats.org/presentationml/2006/main">
   <p:cSld>
     <p:spTree>
@@ -11587,7 +10987,7 @@
 </p:sld>
 </file>
 
-<file path=ppt/slides/slide33.xml><?xml version="1.0" encoding="utf-8"?>
+<file path=ppt/slides/slide31.xml><?xml version="1.0" encoding="utf-8"?>
 <p:sld xmlns:a="http://schemas.openxmlformats.org/drawingml/2006/main" xmlns:r="http://schemas.openxmlformats.org/officeDocument/2006/relationships" xmlns:p="http://schemas.openxmlformats.org/presentationml/2006/main">
   <p:cSld>
     <p:spTree>
@@ -11895,7 +11295,7 @@
 </p:sld>
 </file>
 
-<file path=ppt/slides/slide34.xml><?xml version="1.0" encoding="utf-8"?>
+<file path=ppt/slides/slide32.xml><?xml version="1.0" encoding="utf-8"?>
 <p:sld xmlns:a="http://schemas.openxmlformats.org/drawingml/2006/main" xmlns:r="http://schemas.openxmlformats.org/officeDocument/2006/relationships" xmlns:p="http://schemas.openxmlformats.org/presentationml/2006/main">
   <p:cSld>
     <p:spTree>
@@ -12064,7 +11464,7 @@
 </p:sld>
 </file>
 
-<file path=ppt/slides/slide35.xml><?xml version="1.0" encoding="utf-8"?>
+<file path=ppt/slides/slide33.xml><?xml version="1.0" encoding="utf-8"?>
 <p:sld xmlns:a="http://schemas.openxmlformats.org/drawingml/2006/main" xmlns:r="http://schemas.openxmlformats.org/officeDocument/2006/relationships" xmlns:p="http://schemas.openxmlformats.org/presentationml/2006/main">
   <p:cSld>
     <p:spTree>
@@ -12384,7 +11784,7 @@
 </p:sld>
 </file>
 
-<file path=ppt/slides/slide36.xml><?xml version="1.0" encoding="utf-8"?>
+<file path=ppt/slides/slide34.xml><?xml version="1.0" encoding="utf-8"?>
 <p:sld xmlns:a="http://schemas.openxmlformats.org/drawingml/2006/main" xmlns:r="http://schemas.openxmlformats.org/officeDocument/2006/relationships" xmlns:p="http://schemas.openxmlformats.org/presentationml/2006/main">
   <p:cSld>
     <p:spTree>
@@ -12553,7 +11953,7 @@
 </p:sld>
 </file>
 
-<file path=ppt/slides/slide37.xml><?xml version="1.0" encoding="utf-8"?>
+<file path=ppt/slides/slide35.xml><?xml version="1.0" encoding="utf-8"?>
 <p:sld xmlns:a="http://schemas.openxmlformats.org/drawingml/2006/main" xmlns:r="http://schemas.openxmlformats.org/officeDocument/2006/relationships" xmlns:p="http://schemas.openxmlformats.org/presentationml/2006/main">
   <p:cSld>
     <p:spTree>
@@ -12873,7 +12273,7 @@
 </p:sld>
 </file>
 
-<file path=ppt/slides/slide38.xml><?xml version="1.0" encoding="utf-8"?>
+<file path=ppt/slides/slide36.xml><?xml version="1.0" encoding="utf-8"?>
 <p:sld xmlns:a="http://schemas.openxmlformats.org/drawingml/2006/main" xmlns:r="http://schemas.openxmlformats.org/officeDocument/2006/relationships" xmlns:p="http://schemas.openxmlformats.org/presentationml/2006/main">
   <p:cSld>
     <p:spTree>
@@ -13042,7 +12442,7 @@
 </p:sld>
 </file>
 
-<file path=ppt/slides/slide39.xml><?xml version="1.0" encoding="utf-8"?>
+<file path=ppt/slides/slide37.xml><?xml version="1.0" encoding="utf-8"?>
 <p:sld xmlns:a="http://schemas.openxmlformats.org/drawingml/2006/main" xmlns:r="http://schemas.openxmlformats.org/officeDocument/2006/relationships" xmlns:p="http://schemas.openxmlformats.org/presentationml/2006/main">
   <p:cSld>
     <p:spTree>
@@ -13362,7 +12762,7 @@
 </p:sld>
 </file>
 
-<file path=ppt/slides/slide4.xml><?xml version="1.0" encoding="utf-8"?>
+<file path=ppt/slides/slide38.xml><?xml version="1.0" encoding="utf-8"?>
 <p:sld xmlns:a="http://schemas.openxmlformats.org/drawingml/2006/main" xmlns:r="http://schemas.openxmlformats.org/officeDocument/2006/relationships" xmlns:p="http://schemas.openxmlformats.org/presentationml/2006/main">
   <p:cSld>
     <p:spTree>
@@ -13521,175 +12921,6 @@
     </p:spTree>
     <p:extLst>
       <p:ext uri="{BB962C8B-B14F-4D97-AF65-F5344CB8AC3E}">
-        <p14:creationId xmlns:p14="http://schemas.microsoft.com/office/powerpoint/2010/main" val="3385344708"/>
-      </p:ext>
-    </p:extLst>
-  </p:cSld>
-  <p:clrMapOvr>
-    <a:masterClrMapping/>
-  </p:clrMapOvr>
-</p:sld>
-</file>
-
-<file path=ppt/slides/slide40.xml><?xml version="1.0" encoding="utf-8"?>
-<p:sld xmlns:a="http://schemas.openxmlformats.org/drawingml/2006/main" xmlns:r="http://schemas.openxmlformats.org/officeDocument/2006/relationships" xmlns:p="http://schemas.openxmlformats.org/presentationml/2006/main">
-  <p:cSld>
-    <p:spTree>
-      <p:nvGrpSpPr>
-        <p:cNvPr id="1" name=""/>
-        <p:cNvGrpSpPr/>
-        <p:nvPr/>
-      </p:nvGrpSpPr>
-      <p:grpSpPr>
-        <a:xfrm>
-          <a:off x="0" y="0"/>
-          <a:ext cx="0" cy="0"/>
-          <a:chOff x="0" y="0"/>
-          <a:chExt cx="0" cy="0"/>
-        </a:xfrm>
-      </p:grpSpPr>
-      <p:sp>
-        <p:nvSpPr>
-          <p:cNvPr id="2" name="Title 1">
-            <a:extLst>
-              <a:ext uri="{FF2B5EF4-FFF2-40B4-BE49-F238E27FC236}">
-                <a16:creationId xmlns:a16="http://schemas.microsoft.com/office/drawing/2014/main" id="{CFCDF3DA-1D3D-E743-8E21-6B353B4D96A4}"/>
-              </a:ext>
-            </a:extLst>
-          </p:cNvPr>
-          <p:cNvSpPr>
-            <a:spLocks noGrp="1"/>
-          </p:cNvSpPr>
-          <p:nvPr>
-            <p:ph type="title"/>
-          </p:nvPr>
-        </p:nvSpPr>
-        <p:spPr/>
-        <p:txBody>
-          <a:bodyPr/>
-          <a:lstStyle/>
-          <a:p>
-            <a:endParaRPr lang="en-NL"/>
-          </a:p>
-        </p:txBody>
-      </p:sp>
-      <p:sp>
-        <p:nvSpPr>
-          <p:cNvPr id="3" name="Content Placeholder 2">
-            <a:extLst>
-              <a:ext uri="{FF2B5EF4-FFF2-40B4-BE49-F238E27FC236}">
-                <a16:creationId xmlns:a16="http://schemas.microsoft.com/office/drawing/2014/main" id="{40A525DA-CA85-AD48-8A85-52A75E1E5317}"/>
-              </a:ext>
-            </a:extLst>
-          </p:cNvPr>
-          <p:cNvSpPr>
-            <a:spLocks noGrp="1"/>
-          </p:cNvSpPr>
-          <p:nvPr>
-            <p:ph idx="1"/>
-          </p:nvPr>
-        </p:nvSpPr>
-        <p:spPr/>
-        <p:txBody>
-          <a:bodyPr/>
-          <a:lstStyle/>
-          <a:p>
-            <a:endParaRPr lang="en-NL"/>
-          </a:p>
-        </p:txBody>
-      </p:sp>
-      <p:sp>
-        <p:nvSpPr>
-          <p:cNvPr id="4" name="Rounded Rectangle 3">
-            <a:extLst>
-              <a:ext uri="{FF2B5EF4-FFF2-40B4-BE49-F238E27FC236}">
-                <a16:creationId xmlns:a16="http://schemas.microsoft.com/office/drawing/2014/main" id="{6B890BB6-3544-1A4E-A833-93135A597BB4}"/>
-              </a:ext>
-            </a:extLst>
-          </p:cNvPr>
-          <p:cNvSpPr/>
-          <p:nvPr/>
-        </p:nvSpPr>
-        <p:spPr>
-          <a:xfrm>
-            <a:off x="0" y="0"/>
-            <a:ext cx="7559675" cy="5327650"/>
-          </a:xfrm>
-          <a:prstGeom prst="roundRect">
-            <a:avLst>
-              <a:gd name="adj" fmla="val 0"/>
-            </a:avLst>
-          </a:prstGeom>
-          <a:blipFill>
-            <a:blip r:embed="rId2"/>
-            <a:stretch>
-              <a:fillRect/>
-            </a:stretch>
-          </a:blipFill>
-          <a:ln>
-            <a:solidFill>
-              <a:schemeClr val="bg2"/>
-            </a:solidFill>
-          </a:ln>
-        </p:spPr>
-        <p:style>
-          <a:lnRef idx="2">
-            <a:schemeClr val="accent1">
-              <a:shade val="50000"/>
-            </a:schemeClr>
-          </a:lnRef>
-          <a:fillRef idx="1">
-            <a:schemeClr val="accent1"/>
-          </a:fillRef>
-          <a:effectRef idx="0">
-            <a:schemeClr val="accent1"/>
-          </a:effectRef>
-          <a:fontRef idx="minor">
-            <a:schemeClr val="lt1"/>
-          </a:fontRef>
-        </p:style>
-        <p:txBody>
-          <a:bodyPr rtlCol="0" anchor="ctr"/>
-          <a:lstStyle/>
-          <a:p>
-            <a:pPr algn="ctr"/>
-            <a:endParaRPr lang="en-NL"/>
-          </a:p>
-        </p:txBody>
-      </p:sp>
-      <p:pic>
-        <p:nvPicPr>
-          <p:cNvPr id="5" name="Picture 4" descr="A picture containing food, drawing&#10;&#10;Description automatically generated">
-            <a:extLst>
-              <a:ext uri="{FF2B5EF4-FFF2-40B4-BE49-F238E27FC236}">
-                <a16:creationId xmlns:a16="http://schemas.microsoft.com/office/drawing/2014/main" id="{27611709-3190-2A4B-BCE4-4D329000A8EB}"/>
-              </a:ext>
-            </a:extLst>
-          </p:cNvPr>
-          <p:cNvPicPr>
-            <a:picLocks noChangeAspect="1"/>
-          </p:cNvPicPr>
-          <p:nvPr/>
-        </p:nvPicPr>
-        <p:blipFill>
-          <a:blip r:embed="rId3"/>
-          <a:stretch>
-            <a:fillRect/>
-          </a:stretch>
-        </p:blipFill>
-        <p:spPr>
-          <a:xfrm>
-            <a:off x="350837" y="-765175"/>
-            <a:ext cx="6858000" cy="6858000"/>
-          </a:xfrm>
-          <a:prstGeom prst="rect">
-            <a:avLst/>
-          </a:prstGeom>
-        </p:spPr>
-      </p:pic>
-    </p:spTree>
-    <p:extLst>
-      <p:ext uri="{BB962C8B-B14F-4D97-AF65-F5344CB8AC3E}">
         <p14:creationId xmlns:p14="http://schemas.microsoft.com/office/powerpoint/2010/main" val="3744384798"/>
       </p:ext>
     </p:extLst>
@@ -13700,7 +12931,7 @@
 </p:sld>
 </file>
 
-<file path=ppt/slides/slide41.xml><?xml version="1.0" encoding="utf-8"?>
+<file path=ppt/slides/slide39.xml><?xml version="1.0" encoding="utf-8"?>
 <p:sld xmlns:a="http://schemas.openxmlformats.org/drawingml/2006/main" xmlns:r="http://schemas.openxmlformats.org/officeDocument/2006/relationships" xmlns:p="http://schemas.openxmlformats.org/presentationml/2006/main">
   <p:cSld>
     <p:spTree>
@@ -14020,7 +13251,7 @@
 </p:sld>
 </file>
 
-<file path=ppt/slides/slide42.xml><?xml version="1.0" encoding="utf-8"?>
+<file path=ppt/slides/slide4.xml><?xml version="1.0" encoding="utf-8"?>
 <p:sld xmlns:a="http://schemas.openxmlformats.org/drawingml/2006/main" xmlns:r="http://schemas.openxmlformats.org/officeDocument/2006/relationships" xmlns:p="http://schemas.openxmlformats.org/presentationml/2006/main">
   <p:cSld>
     <p:spTree>
@@ -14179,6 +13410,175 @@
     </p:spTree>
     <p:extLst>
       <p:ext uri="{BB962C8B-B14F-4D97-AF65-F5344CB8AC3E}">
+        <p14:creationId xmlns:p14="http://schemas.microsoft.com/office/powerpoint/2010/main" val="3385344708"/>
+      </p:ext>
+    </p:extLst>
+  </p:cSld>
+  <p:clrMapOvr>
+    <a:masterClrMapping/>
+  </p:clrMapOvr>
+</p:sld>
+</file>
+
+<file path=ppt/slides/slide40.xml><?xml version="1.0" encoding="utf-8"?>
+<p:sld xmlns:a="http://schemas.openxmlformats.org/drawingml/2006/main" xmlns:r="http://schemas.openxmlformats.org/officeDocument/2006/relationships" xmlns:p="http://schemas.openxmlformats.org/presentationml/2006/main">
+  <p:cSld>
+    <p:spTree>
+      <p:nvGrpSpPr>
+        <p:cNvPr id="1" name=""/>
+        <p:cNvGrpSpPr/>
+        <p:nvPr/>
+      </p:nvGrpSpPr>
+      <p:grpSpPr>
+        <a:xfrm>
+          <a:off x="0" y="0"/>
+          <a:ext cx="0" cy="0"/>
+          <a:chOff x="0" y="0"/>
+          <a:chExt cx="0" cy="0"/>
+        </a:xfrm>
+      </p:grpSpPr>
+      <p:sp>
+        <p:nvSpPr>
+          <p:cNvPr id="2" name="Title 1">
+            <a:extLst>
+              <a:ext uri="{FF2B5EF4-FFF2-40B4-BE49-F238E27FC236}">
+                <a16:creationId xmlns:a16="http://schemas.microsoft.com/office/drawing/2014/main" id="{CFCDF3DA-1D3D-E743-8E21-6B353B4D96A4}"/>
+              </a:ext>
+            </a:extLst>
+          </p:cNvPr>
+          <p:cNvSpPr>
+            <a:spLocks noGrp="1"/>
+          </p:cNvSpPr>
+          <p:nvPr>
+            <p:ph type="title"/>
+          </p:nvPr>
+        </p:nvSpPr>
+        <p:spPr/>
+        <p:txBody>
+          <a:bodyPr/>
+          <a:lstStyle/>
+          <a:p>
+            <a:endParaRPr lang="en-NL"/>
+          </a:p>
+        </p:txBody>
+      </p:sp>
+      <p:sp>
+        <p:nvSpPr>
+          <p:cNvPr id="3" name="Content Placeholder 2">
+            <a:extLst>
+              <a:ext uri="{FF2B5EF4-FFF2-40B4-BE49-F238E27FC236}">
+                <a16:creationId xmlns:a16="http://schemas.microsoft.com/office/drawing/2014/main" id="{40A525DA-CA85-AD48-8A85-52A75E1E5317}"/>
+              </a:ext>
+            </a:extLst>
+          </p:cNvPr>
+          <p:cNvSpPr>
+            <a:spLocks noGrp="1"/>
+          </p:cNvSpPr>
+          <p:nvPr>
+            <p:ph idx="1"/>
+          </p:nvPr>
+        </p:nvSpPr>
+        <p:spPr/>
+        <p:txBody>
+          <a:bodyPr/>
+          <a:lstStyle/>
+          <a:p>
+            <a:endParaRPr lang="en-NL"/>
+          </a:p>
+        </p:txBody>
+      </p:sp>
+      <p:sp>
+        <p:nvSpPr>
+          <p:cNvPr id="4" name="Rounded Rectangle 3">
+            <a:extLst>
+              <a:ext uri="{FF2B5EF4-FFF2-40B4-BE49-F238E27FC236}">
+                <a16:creationId xmlns:a16="http://schemas.microsoft.com/office/drawing/2014/main" id="{6B890BB6-3544-1A4E-A833-93135A597BB4}"/>
+              </a:ext>
+            </a:extLst>
+          </p:cNvPr>
+          <p:cNvSpPr/>
+          <p:nvPr/>
+        </p:nvSpPr>
+        <p:spPr>
+          <a:xfrm>
+            <a:off x="0" y="0"/>
+            <a:ext cx="7559675" cy="5327650"/>
+          </a:xfrm>
+          <a:prstGeom prst="roundRect">
+            <a:avLst>
+              <a:gd name="adj" fmla="val 0"/>
+            </a:avLst>
+          </a:prstGeom>
+          <a:blipFill>
+            <a:blip r:embed="rId2"/>
+            <a:stretch>
+              <a:fillRect/>
+            </a:stretch>
+          </a:blipFill>
+          <a:ln>
+            <a:solidFill>
+              <a:schemeClr val="bg2"/>
+            </a:solidFill>
+          </a:ln>
+        </p:spPr>
+        <p:style>
+          <a:lnRef idx="2">
+            <a:schemeClr val="accent1">
+              <a:shade val="50000"/>
+            </a:schemeClr>
+          </a:lnRef>
+          <a:fillRef idx="1">
+            <a:schemeClr val="accent1"/>
+          </a:fillRef>
+          <a:effectRef idx="0">
+            <a:schemeClr val="accent1"/>
+          </a:effectRef>
+          <a:fontRef idx="minor">
+            <a:schemeClr val="lt1"/>
+          </a:fontRef>
+        </p:style>
+        <p:txBody>
+          <a:bodyPr rtlCol="0" anchor="ctr"/>
+          <a:lstStyle/>
+          <a:p>
+            <a:pPr algn="ctr"/>
+            <a:endParaRPr lang="en-NL"/>
+          </a:p>
+        </p:txBody>
+      </p:sp>
+      <p:pic>
+        <p:nvPicPr>
+          <p:cNvPr id="5" name="Picture 4" descr="A picture containing food, drawing&#10;&#10;Description automatically generated">
+            <a:extLst>
+              <a:ext uri="{FF2B5EF4-FFF2-40B4-BE49-F238E27FC236}">
+                <a16:creationId xmlns:a16="http://schemas.microsoft.com/office/drawing/2014/main" id="{27611709-3190-2A4B-BCE4-4D329000A8EB}"/>
+              </a:ext>
+            </a:extLst>
+          </p:cNvPr>
+          <p:cNvPicPr>
+            <a:picLocks noChangeAspect="1"/>
+          </p:cNvPicPr>
+          <p:nvPr/>
+        </p:nvPicPr>
+        <p:blipFill>
+          <a:blip r:embed="rId3"/>
+          <a:stretch>
+            <a:fillRect/>
+          </a:stretch>
+        </p:blipFill>
+        <p:spPr>
+          <a:xfrm>
+            <a:off x="350837" y="-765175"/>
+            <a:ext cx="6858000" cy="6858000"/>
+          </a:xfrm>
+          <a:prstGeom prst="rect">
+            <a:avLst/>
+          </a:prstGeom>
+        </p:spPr>
+      </p:pic>
+    </p:spTree>
+    <p:extLst>
+      <p:ext uri="{BB962C8B-B14F-4D97-AF65-F5344CB8AC3E}">
         <p14:creationId xmlns:p14="http://schemas.microsoft.com/office/powerpoint/2010/main" val="2772869711"/>
       </p:ext>
     </p:extLst>
@@ -14189,7 +13589,7 @@
 </p:sld>
 </file>
 
-<file path=ppt/slides/slide43.xml><?xml version="1.0" encoding="utf-8"?>
+<file path=ppt/slides/slide41.xml><?xml version="1.0" encoding="utf-8"?>
 <p:sld xmlns:a="http://schemas.openxmlformats.org/drawingml/2006/main" xmlns:r="http://schemas.openxmlformats.org/officeDocument/2006/relationships" xmlns:p="http://schemas.openxmlformats.org/presentationml/2006/main">
   <p:cSld>
     <p:spTree>
@@ -14535,7 +13935,7 @@
 </p:sld>
 </file>
 
-<file path=ppt/slides/slide44.xml><?xml version="1.0" encoding="utf-8"?>
+<file path=ppt/slides/slide42.xml><?xml version="1.0" encoding="utf-8"?>
 <p:sld xmlns:a="http://schemas.openxmlformats.org/drawingml/2006/main" xmlns:r="http://schemas.openxmlformats.org/officeDocument/2006/relationships" xmlns:p="http://schemas.openxmlformats.org/presentationml/2006/main">
   <p:cSld>
     <p:spTree>
@@ -14704,7 +14104,7 @@
 </p:sld>
 </file>
 
-<file path=ppt/slides/slide45.xml><?xml version="1.0" encoding="utf-8"?>
+<file path=ppt/slides/slide43.xml><?xml version="1.0" encoding="utf-8"?>
 <p:sld xmlns:a="http://schemas.openxmlformats.org/drawingml/2006/main" xmlns:r="http://schemas.openxmlformats.org/officeDocument/2006/relationships" xmlns:p="http://schemas.openxmlformats.org/presentationml/2006/main">
   <p:cSld>
     <p:spTree>
@@ -15024,7 +14424,7 @@
 </p:sld>
 </file>
 
-<file path=ppt/slides/slide46.xml><?xml version="1.0" encoding="utf-8"?>
+<file path=ppt/slides/slide44.xml><?xml version="1.0" encoding="utf-8"?>
 <p:sld xmlns:a="http://schemas.openxmlformats.org/drawingml/2006/main" xmlns:r="http://schemas.openxmlformats.org/officeDocument/2006/relationships" xmlns:p="http://schemas.openxmlformats.org/presentationml/2006/main">
   <p:cSld>
     <p:spTree>
@@ -15193,7 +14593,7 @@
 </p:sld>
 </file>
 
-<file path=ppt/slides/slide47.xml><?xml version="1.0" encoding="utf-8"?>
+<file path=ppt/slides/slide45.xml><?xml version="1.0" encoding="utf-8"?>
 <p:sld xmlns:a="http://schemas.openxmlformats.org/drawingml/2006/main" xmlns:r="http://schemas.openxmlformats.org/officeDocument/2006/relationships" xmlns:p="http://schemas.openxmlformats.org/presentationml/2006/main">
   <p:cSld>
     <p:spTree>
@@ -15513,7 +14913,7 @@
 </p:sld>
 </file>
 
-<file path=ppt/slides/slide48.xml><?xml version="1.0" encoding="utf-8"?>
+<file path=ppt/slides/slide46.xml><?xml version="1.0" encoding="utf-8"?>
 <p:sld xmlns:a="http://schemas.openxmlformats.org/drawingml/2006/main" xmlns:r="http://schemas.openxmlformats.org/officeDocument/2006/relationships" xmlns:p="http://schemas.openxmlformats.org/presentationml/2006/main">
   <p:cSld>
     <p:spTree>
@@ -15682,7 +15082,7 @@
 </p:sld>
 </file>
 
-<file path=ppt/slides/slide49.xml><?xml version="1.0" encoding="utf-8"?>
+<file path=ppt/slides/slide47.xml><?xml version="1.0" encoding="utf-8"?>
 <p:sld xmlns:a="http://schemas.openxmlformats.org/drawingml/2006/main" xmlns:r="http://schemas.openxmlformats.org/officeDocument/2006/relationships" xmlns:p="http://schemas.openxmlformats.org/presentationml/2006/main">
   <p:cSld>
     <p:spTree>
@@ -16002,1081 +15402,7 @@
 </p:sld>
 </file>
 
-<file path=ppt/slides/slide5.xml><?xml version="1.0" encoding="utf-8"?>
-<p:sld xmlns:a="http://schemas.openxmlformats.org/drawingml/2006/main" xmlns:r="http://schemas.openxmlformats.org/officeDocument/2006/relationships" xmlns:p="http://schemas.openxmlformats.org/presentationml/2006/main">
-  <p:cSld>
-    <p:spTree>
-      <p:nvGrpSpPr>
-        <p:cNvPr id="1" name=""/>
-        <p:cNvGrpSpPr/>
-        <p:nvPr/>
-      </p:nvGrpSpPr>
-      <p:grpSpPr>
-        <a:xfrm>
-          <a:off x="0" y="0"/>
-          <a:ext cx="0" cy="0"/>
-          <a:chOff x="0" y="0"/>
-          <a:chExt cx="0" cy="0"/>
-        </a:xfrm>
-      </p:grpSpPr>
-      <p:sp>
-        <p:nvSpPr>
-          <p:cNvPr id="2" name="Title 1">
-            <a:extLst>
-              <a:ext uri="{FF2B5EF4-FFF2-40B4-BE49-F238E27FC236}">
-                <a16:creationId xmlns:a16="http://schemas.microsoft.com/office/drawing/2014/main" id="{A50B3240-90A9-2045-9B24-092DEDC3A4FB}"/>
-              </a:ext>
-            </a:extLst>
-          </p:cNvPr>
-          <p:cNvSpPr>
-            <a:spLocks noGrp="1"/>
-          </p:cNvSpPr>
-          <p:nvPr>
-            <p:ph type="title"/>
-          </p:nvPr>
-        </p:nvSpPr>
-        <p:spPr/>
-        <p:txBody>
-          <a:bodyPr/>
-          <a:lstStyle/>
-          <a:p>
-            <a:endParaRPr lang="en-NL"/>
-          </a:p>
-        </p:txBody>
-      </p:sp>
-      <p:sp>
-        <p:nvSpPr>
-          <p:cNvPr id="3" name="Content Placeholder 2">
-            <a:extLst>
-              <a:ext uri="{FF2B5EF4-FFF2-40B4-BE49-F238E27FC236}">
-                <a16:creationId xmlns:a16="http://schemas.microsoft.com/office/drawing/2014/main" id="{EE6F52F0-3A96-5E4D-B754-B812A863C0BF}"/>
-              </a:ext>
-            </a:extLst>
-          </p:cNvPr>
-          <p:cNvSpPr>
-            <a:spLocks noGrp="1"/>
-          </p:cNvSpPr>
-          <p:nvPr>
-            <p:ph idx="1"/>
-          </p:nvPr>
-        </p:nvSpPr>
-        <p:spPr/>
-        <p:txBody>
-          <a:bodyPr/>
-          <a:lstStyle/>
-          <a:p>
-            <a:endParaRPr lang="en-NL"/>
-          </a:p>
-        </p:txBody>
-      </p:sp>
-      <p:sp>
-        <p:nvSpPr>
-          <p:cNvPr id="4" name="Rounded Rectangle 3">
-            <a:extLst>
-              <a:ext uri="{FF2B5EF4-FFF2-40B4-BE49-F238E27FC236}">
-                <a16:creationId xmlns:a16="http://schemas.microsoft.com/office/drawing/2014/main" id="{C878E023-EBA1-A649-9F84-9426DC737CAD}"/>
-              </a:ext>
-            </a:extLst>
-          </p:cNvPr>
-          <p:cNvSpPr/>
-          <p:nvPr/>
-        </p:nvSpPr>
-        <p:spPr>
-          <a:xfrm>
-            <a:off x="0" y="0"/>
-            <a:ext cx="7559675" cy="5327650"/>
-          </a:xfrm>
-          <a:prstGeom prst="roundRect">
-            <a:avLst>
-              <a:gd name="adj" fmla="val 0"/>
-            </a:avLst>
-          </a:prstGeom>
-          <a:solidFill>
-            <a:srgbClr val="DE8445"/>
-          </a:solidFill>
-          <a:ln>
-            <a:noFill/>
-          </a:ln>
-        </p:spPr>
-        <p:style>
-          <a:lnRef idx="2">
-            <a:schemeClr val="accent1">
-              <a:shade val="50000"/>
-            </a:schemeClr>
-          </a:lnRef>
-          <a:fillRef idx="1">
-            <a:schemeClr val="accent1"/>
-          </a:fillRef>
-          <a:effectRef idx="0">
-            <a:schemeClr val="accent1"/>
-          </a:effectRef>
-          <a:fontRef idx="minor">
-            <a:schemeClr val="lt1"/>
-          </a:fontRef>
-        </p:style>
-        <p:txBody>
-          <a:bodyPr rtlCol="0" anchor="ctr"/>
-          <a:lstStyle/>
-          <a:p>
-            <a:pPr algn="ctr"/>
-            <a:endParaRPr lang="en-NL" dirty="0"/>
-          </a:p>
-        </p:txBody>
-      </p:sp>
-      <p:sp>
-        <p:nvSpPr>
-          <p:cNvPr id="5" name="Rectangle 4">
-            <a:extLst>
-              <a:ext uri="{FF2B5EF4-FFF2-40B4-BE49-F238E27FC236}">
-                <a16:creationId xmlns:a16="http://schemas.microsoft.com/office/drawing/2014/main" id="{1F46A24F-F843-6F43-B798-8E0A66AEBE9A}"/>
-              </a:ext>
-            </a:extLst>
-          </p:cNvPr>
-          <p:cNvSpPr/>
-          <p:nvPr/>
-        </p:nvSpPr>
-        <p:spPr>
-          <a:xfrm>
-            <a:off x="654576" y="629685"/>
-            <a:ext cx="6326488" cy="3992292"/>
-          </a:xfrm>
-          <a:prstGeom prst="rect">
-            <a:avLst/>
-          </a:prstGeom>
-          <a:blipFill>
-            <a:blip r:embed="rId2"/>
-            <a:stretch>
-              <a:fillRect/>
-            </a:stretch>
-          </a:blipFill>
-          <a:ln w="38100" cmpd="sng">
-            <a:solidFill>
-              <a:schemeClr val="tx1"/>
-            </a:solidFill>
-            <a:prstDash val="solid"/>
-          </a:ln>
-        </p:spPr>
-        <p:style>
-          <a:lnRef idx="2">
-            <a:schemeClr val="accent1">
-              <a:shade val="50000"/>
-            </a:schemeClr>
-          </a:lnRef>
-          <a:fillRef idx="1">
-            <a:schemeClr val="accent1"/>
-          </a:fillRef>
-          <a:effectRef idx="0">
-            <a:schemeClr val="accent1"/>
-          </a:effectRef>
-          <a:fontRef idx="minor">
-            <a:schemeClr val="lt1"/>
-          </a:fontRef>
-        </p:style>
-        <p:txBody>
-          <a:bodyPr rtlCol="0" anchor="ctr"/>
-          <a:lstStyle/>
-          <a:p>
-            <a:endParaRPr lang="en-NL" sz="9600">
-              <a:latin typeface="Marvel" pitchFamily="2" charset="0"/>
-            </a:endParaRPr>
-          </a:p>
-        </p:txBody>
-      </p:sp>
-      <p:sp>
-        <p:nvSpPr>
-          <p:cNvPr id="7" name="TextBox 6">
-            <a:extLst>
-              <a:ext uri="{FF2B5EF4-FFF2-40B4-BE49-F238E27FC236}">
-                <a16:creationId xmlns:a16="http://schemas.microsoft.com/office/drawing/2014/main" id="{DB3D77AE-9792-C547-90E9-C96C9012A78D}"/>
-              </a:ext>
-            </a:extLst>
-          </p:cNvPr>
-          <p:cNvSpPr txBox="1"/>
-          <p:nvPr/>
-        </p:nvSpPr>
-        <p:spPr>
-          <a:xfrm>
-            <a:off x="1154265" y="1964111"/>
-            <a:ext cx="5451371" cy="1323439"/>
-          </a:xfrm>
-          <a:prstGeom prst="rect">
-            <a:avLst/>
-          </a:prstGeom>
-          <a:noFill/>
-        </p:spPr>
-        <p:txBody>
-          <a:bodyPr wrap="square" rtlCol="0">
-            <a:spAutoFit/>
-          </a:bodyPr>
-          <a:lstStyle/>
-          <a:p>
-            <a:pPr algn="ctr"/>
-            <a:r>
-              <a:rPr lang="en-NL" sz="8000" dirty="0">
-                <a:latin typeface="Marvel" pitchFamily="2" charset="0"/>
-              </a:rPr>
-              <a:t>UNREALIZED VALUE</a:t>
-            </a:r>
-          </a:p>
-        </p:txBody>
-      </p:sp>
-      <p:sp>
-        <p:nvSpPr>
-          <p:cNvPr id="8" name="TextBox 7">
-            <a:extLst>
-              <a:ext uri="{FF2B5EF4-FFF2-40B4-BE49-F238E27FC236}">
-                <a16:creationId xmlns:a16="http://schemas.microsoft.com/office/drawing/2014/main" id="{ED283D89-81C5-A942-931B-F37B88051625}"/>
-              </a:ext>
-            </a:extLst>
-          </p:cNvPr>
-          <p:cNvSpPr txBox="1"/>
-          <p:nvPr/>
-        </p:nvSpPr>
-        <p:spPr>
-          <a:xfrm>
-            <a:off x="1826342" y="2992265"/>
-            <a:ext cx="4107215" cy="400110"/>
-          </a:xfrm>
-          <a:prstGeom prst="rect">
-            <a:avLst/>
-          </a:prstGeom>
-          <a:noFill/>
-        </p:spPr>
-        <p:txBody>
-          <a:bodyPr wrap="none" rtlCol="0">
-            <a:spAutoFit/>
-          </a:bodyPr>
-          <a:lstStyle/>
-          <a:p>
-            <a:pPr algn="ctr"/>
-            <a:r>
-              <a:rPr lang="en-GB" sz="1000" dirty="0">
-                <a:solidFill>
-                  <a:schemeClr val="bg1">
-                    <a:lumMod val="50000"/>
-                  </a:schemeClr>
-                </a:solidFill>
-                <a:latin typeface="Ubuntu" panose="020B0504030602030204" pitchFamily="34" charset="0"/>
-              </a:rPr>
-              <a:t>The potential future value that </a:t>
-            </a:r>
-            <a:r>
-              <a:rPr lang="en-GB" sz="1000" i="1" dirty="0">
-                <a:solidFill>
-                  <a:schemeClr val="bg1">
-                    <a:lumMod val="50000"/>
-                  </a:schemeClr>
-                </a:solidFill>
-                <a:latin typeface="Ubuntu" panose="020B0504030602030204" pitchFamily="34" charset="0"/>
-              </a:rPr>
-              <a:t>could be</a:t>
-            </a:r>
-            <a:r>
-              <a:rPr lang="en-GB" sz="1000" dirty="0">
-                <a:solidFill>
-                  <a:schemeClr val="bg1">
-                    <a:lumMod val="50000"/>
-                  </a:schemeClr>
-                </a:solidFill>
-                <a:latin typeface="Ubuntu" panose="020B0504030602030204" pitchFamily="34" charset="0"/>
-              </a:rPr>
-              <a:t> realized </a:t>
-            </a:r>
-          </a:p>
-          <a:p>
-            <a:pPr algn="ctr"/>
-            <a:r>
-              <a:rPr lang="en-GB" sz="1000" dirty="0">
-                <a:solidFill>
-                  <a:schemeClr val="bg1">
-                    <a:lumMod val="50000"/>
-                  </a:schemeClr>
-                </a:solidFill>
-                <a:latin typeface="Ubuntu" panose="020B0504030602030204" pitchFamily="34" charset="0"/>
-              </a:rPr>
-              <a:t>if the organization met the needs of all potential customers or users</a:t>
-            </a:r>
-            <a:endParaRPr lang="en-NL" sz="1000" dirty="0">
-              <a:solidFill>
-                <a:schemeClr val="bg1">
-                  <a:lumMod val="50000"/>
-                </a:schemeClr>
-              </a:solidFill>
-              <a:latin typeface="Ubuntu" panose="020B0504030602030204" pitchFamily="34" charset="0"/>
-            </a:endParaRPr>
-          </a:p>
-        </p:txBody>
-      </p:sp>
-      <p:sp>
-        <p:nvSpPr>
-          <p:cNvPr id="24" name="Hexagon 23">
-            <a:extLst>
-              <a:ext uri="{FF2B5EF4-FFF2-40B4-BE49-F238E27FC236}">
-                <a16:creationId xmlns:a16="http://schemas.microsoft.com/office/drawing/2014/main" id="{B77BC908-5A71-5648-86F4-1DD501B1A47A}"/>
-              </a:ext>
-            </a:extLst>
-          </p:cNvPr>
-          <p:cNvSpPr/>
-          <p:nvPr/>
-        </p:nvSpPr>
-        <p:spPr>
-          <a:xfrm>
-            <a:off x="-263472" y="887581"/>
-            <a:ext cx="526943" cy="425834"/>
-          </a:xfrm>
-          <a:prstGeom prst="hexagon">
-            <a:avLst/>
-          </a:prstGeom>
-          <a:solidFill>
-            <a:schemeClr val="bg2"/>
-          </a:solidFill>
-          <a:ln>
-            <a:solidFill>
-              <a:schemeClr val="bg2"/>
-            </a:solidFill>
-          </a:ln>
-        </p:spPr>
-        <p:style>
-          <a:lnRef idx="2">
-            <a:schemeClr val="accent1">
-              <a:shade val="50000"/>
-            </a:schemeClr>
-          </a:lnRef>
-          <a:fillRef idx="1">
-            <a:schemeClr val="accent1"/>
-          </a:fillRef>
-          <a:effectRef idx="0">
-            <a:schemeClr val="accent1"/>
-          </a:effectRef>
-          <a:fontRef idx="minor">
-            <a:schemeClr val="lt1"/>
-          </a:fontRef>
-        </p:style>
-        <p:txBody>
-          <a:bodyPr rtlCol="0" anchor="ctr"/>
-          <a:lstStyle/>
-          <a:p>
-            <a:pPr algn="ctr"/>
-            <a:endParaRPr lang="en-NL"/>
-          </a:p>
-        </p:txBody>
-      </p:sp>
-      <p:sp>
-        <p:nvSpPr>
-          <p:cNvPr id="25" name="Hexagon 24">
-            <a:extLst>
-              <a:ext uri="{FF2B5EF4-FFF2-40B4-BE49-F238E27FC236}">
-                <a16:creationId xmlns:a16="http://schemas.microsoft.com/office/drawing/2014/main" id="{CA52172E-44FE-964B-8A80-395B31A859C7}"/>
-              </a:ext>
-            </a:extLst>
-          </p:cNvPr>
-          <p:cNvSpPr/>
-          <p:nvPr/>
-        </p:nvSpPr>
-        <p:spPr>
-          <a:xfrm>
-            <a:off x="-267574" y="1402464"/>
-            <a:ext cx="526943" cy="425834"/>
-          </a:xfrm>
-          <a:prstGeom prst="hexagon">
-            <a:avLst/>
-          </a:prstGeom>
-          <a:solidFill>
-            <a:schemeClr val="bg2"/>
-          </a:solidFill>
-          <a:ln>
-            <a:solidFill>
-              <a:schemeClr val="bg2"/>
-            </a:solidFill>
-          </a:ln>
-        </p:spPr>
-        <p:style>
-          <a:lnRef idx="2">
-            <a:schemeClr val="accent1">
-              <a:shade val="50000"/>
-            </a:schemeClr>
-          </a:lnRef>
-          <a:fillRef idx="1">
-            <a:schemeClr val="accent1"/>
-          </a:fillRef>
-          <a:effectRef idx="0">
-            <a:schemeClr val="accent1"/>
-          </a:effectRef>
-          <a:fontRef idx="minor">
-            <a:schemeClr val="lt1"/>
-          </a:fontRef>
-        </p:style>
-        <p:txBody>
-          <a:bodyPr rtlCol="0" anchor="ctr"/>
-          <a:lstStyle/>
-          <a:p>
-            <a:pPr algn="ctr"/>
-            <a:endParaRPr lang="en-NL"/>
-          </a:p>
-        </p:txBody>
-      </p:sp>
-      <p:sp>
-        <p:nvSpPr>
-          <p:cNvPr id="26" name="Hexagon 25">
-            <a:extLst>
-              <a:ext uri="{FF2B5EF4-FFF2-40B4-BE49-F238E27FC236}">
-                <a16:creationId xmlns:a16="http://schemas.microsoft.com/office/drawing/2014/main" id="{08EC8FA2-7049-534E-A372-EC6A91A4CE79}"/>
-              </a:ext>
-            </a:extLst>
-          </p:cNvPr>
-          <p:cNvSpPr/>
-          <p:nvPr/>
-        </p:nvSpPr>
-        <p:spPr>
-          <a:xfrm>
-            <a:off x="-267574" y="1917347"/>
-            <a:ext cx="526943" cy="425834"/>
-          </a:xfrm>
-          <a:prstGeom prst="hexagon">
-            <a:avLst/>
-          </a:prstGeom>
-          <a:solidFill>
-            <a:schemeClr val="bg2"/>
-          </a:solidFill>
-          <a:ln>
-            <a:solidFill>
-              <a:schemeClr val="bg2"/>
-            </a:solidFill>
-          </a:ln>
-        </p:spPr>
-        <p:style>
-          <a:lnRef idx="2">
-            <a:schemeClr val="accent1">
-              <a:shade val="50000"/>
-            </a:schemeClr>
-          </a:lnRef>
-          <a:fillRef idx="1">
-            <a:schemeClr val="accent1"/>
-          </a:fillRef>
-          <a:effectRef idx="0">
-            <a:schemeClr val="accent1"/>
-          </a:effectRef>
-          <a:fontRef idx="minor">
-            <a:schemeClr val="lt1"/>
-          </a:fontRef>
-        </p:style>
-        <p:txBody>
-          <a:bodyPr rtlCol="0" anchor="ctr"/>
-          <a:lstStyle/>
-          <a:p>
-            <a:pPr algn="ctr"/>
-            <a:endParaRPr lang="en-NL"/>
-          </a:p>
-        </p:txBody>
-      </p:sp>
-      <p:sp>
-        <p:nvSpPr>
-          <p:cNvPr id="27" name="Hexagon 26">
-            <a:extLst>
-              <a:ext uri="{FF2B5EF4-FFF2-40B4-BE49-F238E27FC236}">
-                <a16:creationId xmlns:a16="http://schemas.microsoft.com/office/drawing/2014/main" id="{718BA15D-DE98-8D43-9A3F-36F37A37AF2D}"/>
-              </a:ext>
-            </a:extLst>
-          </p:cNvPr>
-          <p:cNvSpPr/>
-          <p:nvPr/>
-        </p:nvSpPr>
-        <p:spPr>
-          <a:xfrm>
-            <a:off x="-271676" y="2432230"/>
-            <a:ext cx="526943" cy="425834"/>
-          </a:xfrm>
-          <a:prstGeom prst="hexagon">
-            <a:avLst/>
-          </a:prstGeom>
-          <a:solidFill>
-            <a:schemeClr val="bg2"/>
-          </a:solidFill>
-          <a:ln>
-            <a:solidFill>
-              <a:schemeClr val="bg2"/>
-            </a:solidFill>
-          </a:ln>
-        </p:spPr>
-        <p:style>
-          <a:lnRef idx="2">
-            <a:schemeClr val="accent1">
-              <a:shade val="50000"/>
-            </a:schemeClr>
-          </a:lnRef>
-          <a:fillRef idx="1">
-            <a:schemeClr val="accent1"/>
-          </a:fillRef>
-          <a:effectRef idx="0">
-            <a:schemeClr val="accent1"/>
-          </a:effectRef>
-          <a:fontRef idx="minor">
-            <a:schemeClr val="lt1"/>
-          </a:fontRef>
-        </p:style>
-        <p:txBody>
-          <a:bodyPr rtlCol="0" anchor="ctr"/>
-          <a:lstStyle/>
-          <a:p>
-            <a:pPr algn="ctr"/>
-            <a:endParaRPr lang="en-NL"/>
-          </a:p>
-        </p:txBody>
-      </p:sp>
-      <p:sp>
-        <p:nvSpPr>
-          <p:cNvPr id="28" name="Hexagon 27">
-            <a:extLst>
-              <a:ext uri="{FF2B5EF4-FFF2-40B4-BE49-F238E27FC236}">
-                <a16:creationId xmlns:a16="http://schemas.microsoft.com/office/drawing/2014/main" id="{5EF61F84-17B4-324C-9CD3-E07B3D18F12C}"/>
-              </a:ext>
-            </a:extLst>
-          </p:cNvPr>
-          <p:cNvSpPr/>
-          <p:nvPr/>
-        </p:nvSpPr>
-        <p:spPr>
-          <a:xfrm>
-            <a:off x="-269625" y="2949651"/>
-            <a:ext cx="526943" cy="425834"/>
-          </a:xfrm>
-          <a:prstGeom prst="hexagon">
-            <a:avLst/>
-          </a:prstGeom>
-          <a:solidFill>
-            <a:schemeClr val="bg2"/>
-          </a:solidFill>
-          <a:ln>
-            <a:solidFill>
-              <a:schemeClr val="bg2"/>
-            </a:solidFill>
-          </a:ln>
-        </p:spPr>
-        <p:style>
-          <a:lnRef idx="2">
-            <a:schemeClr val="accent1">
-              <a:shade val="50000"/>
-            </a:schemeClr>
-          </a:lnRef>
-          <a:fillRef idx="1">
-            <a:schemeClr val="accent1"/>
-          </a:fillRef>
-          <a:effectRef idx="0">
-            <a:schemeClr val="accent1"/>
-          </a:effectRef>
-          <a:fontRef idx="minor">
-            <a:schemeClr val="lt1"/>
-          </a:fontRef>
-        </p:style>
-        <p:txBody>
-          <a:bodyPr rtlCol="0" anchor="ctr"/>
-          <a:lstStyle/>
-          <a:p>
-            <a:pPr algn="ctr"/>
-            <a:endParaRPr lang="en-NL"/>
-          </a:p>
-        </p:txBody>
-      </p:sp>
-      <p:sp>
-        <p:nvSpPr>
-          <p:cNvPr id="29" name="Hexagon 28">
-            <a:extLst>
-              <a:ext uri="{FF2B5EF4-FFF2-40B4-BE49-F238E27FC236}">
-                <a16:creationId xmlns:a16="http://schemas.microsoft.com/office/drawing/2014/main" id="{6099D7E0-C13A-7847-84ED-EA0C5524E554}"/>
-              </a:ext>
-            </a:extLst>
-          </p:cNvPr>
-          <p:cNvSpPr/>
-          <p:nvPr/>
-        </p:nvSpPr>
-        <p:spPr>
-          <a:xfrm>
-            <a:off x="-273727" y="3464534"/>
-            <a:ext cx="526943" cy="425834"/>
-          </a:xfrm>
-          <a:prstGeom prst="hexagon">
-            <a:avLst/>
-          </a:prstGeom>
-          <a:solidFill>
-            <a:schemeClr val="bg2"/>
-          </a:solidFill>
-          <a:ln>
-            <a:solidFill>
-              <a:schemeClr val="bg2"/>
-            </a:solidFill>
-          </a:ln>
-        </p:spPr>
-        <p:style>
-          <a:lnRef idx="2">
-            <a:schemeClr val="accent1">
-              <a:shade val="50000"/>
-            </a:schemeClr>
-          </a:lnRef>
-          <a:fillRef idx="1">
-            <a:schemeClr val="accent1"/>
-          </a:fillRef>
-          <a:effectRef idx="0">
-            <a:schemeClr val="accent1"/>
-          </a:effectRef>
-          <a:fontRef idx="minor">
-            <a:schemeClr val="lt1"/>
-          </a:fontRef>
-        </p:style>
-        <p:txBody>
-          <a:bodyPr rtlCol="0" anchor="ctr"/>
-          <a:lstStyle/>
-          <a:p>
-            <a:pPr algn="ctr"/>
-            <a:endParaRPr lang="en-NL"/>
-          </a:p>
-        </p:txBody>
-      </p:sp>
-      <p:sp>
-        <p:nvSpPr>
-          <p:cNvPr id="30" name="Hexagon 29">
-            <a:extLst>
-              <a:ext uri="{FF2B5EF4-FFF2-40B4-BE49-F238E27FC236}">
-                <a16:creationId xmlns:a16="http://schemas.microsoft.com/office/drawing/2014/main" id="{920910FA-5581-F04C-9A39-2A4938FE8099}"/>
-              </a:ext>
-            </a:extLst>
-          </p:cNvPr>
-          <p:cNvSpPr/>
-          <p:nvPr/>
-        </p:nvSpPr>
-        <p:spPr>
-          <a:xfrm>
-            <a:off x="-263472" y="3976879"/>
-            <a:ext cx="526943" cy="425834"/>
-          </a:xfrm>
-          <a:prstGeom prst="hexagon">
-            <a:avLst/>
-          </a:prstGeom>
-          <a:solidFill>
-            <a:schemeClr val="bg2"/>
-          </a:solidFill>
-          <a:ln>
-            <a:solidFill>
-              <a:schemeClr val="bg2"/>
-            </a:solidFill>
-          </a:ln>
-        </p:spPr>
-        <p:style>
-          <a:lnRef idx="2">
-            <a:schemeClr val="accent1">
-              <a:shade val="50000"/>
-            </a:schemeClr>
-          </a:lnRef>
-          <a:fillRef idx="1">
-            <a:schemeClr val="accent1"/>
-          </a:fillRef>
-          <a:effectRef idx="0">
-            <a:schemeClr val="accent1"/>
-          </a:effectRef>
-          <a:fontRef idx="minor">
-            <a:schemeClr val="lt1"/>
-          </a:fontRef>
-        </p:style>
-        <p:txBody>
-          <a:bodyPr rtlCol="0" anchor="ctr"/>
-          <a:lstStyle/>
-          <a:p>
-            <a:pPr algn="ctr"/>
-            <a:endParaRPr lang="en-NL"/>
-          </a:p>
-        </p:txBody>
-      </p:sp>
-      <p:sp>
-        <p:nvSpPr>
-          <p:cNvPr id="31" name="Hexagon 30">
-            <a:extLst>
-              <a:ext uri="{FF2B5EF4-FFF2-40B4-BE49-F238E27FC236}">
-                <a16:creationId xmlns:a16="http://schemas.microsoft.com/office/drawing/2014/main" id="{8BBDE08F-BA25-4943-9CD6-08F91133CB36}"/>
-              </a:ext>
-            </a:extLst>
-          </p:cNvPr>
-          <p:cNvSpPr/>
-          <p:nvPr/>
-        </p:nvSpPr>
-        <p:spPr>
-          <a:xfrm>
-            <a:off x="7276165" y="887581"/>
-            <a:ext cx="526943" cy="425834"/>
-          </a:xfrm>
-          <a:prstGeom prst="hexagon">
-            <a:avLst/>
-          </a:prstGeom>
-          <a:solidFill>
-            <a:schemeClr val="bg2"/>
-          </a:solidFill>
-          <a:ln>
-            <a:solidFill>
-              <a:schemeClr val="bg2"/>
-            </a:solidFill>
-          </a:ln>
-        </p:spPr>
-        <p:style>
-          <a:lnRef idx="2">
-            <a:schemeClr val="accent1">
-              <a:shade val="50000"/>
-            </a:schemeClr>
-          </a:lnRef>
-          <a:fillRef idx="1">
-            <a:schemeClr val="accent1"/>
-          </a:fillRef>
-          <a:effectRef idx="0">
-            <a:schemeClr val="accent1"/>
-          </a:effectRef>
-          <a:fontRef idx="minor">
-            <a:schemeClr val="lt1"/>
-          </a:fontRef>
-        </p:style>
-        <p:txBody>
-          <a:bodyPr rtlCol="0" anchor="ctr"/>
-          <a:lstStyle/>
-          <a:p>
-            <a:pPr algn="ctr"/>
-            <a:endParaRPr lang="en-NL"/>
-          </a:p>
-        </p:txBody>
-      </p:sp>
-      <p:sp>
-        <p:nvSpPr>
-          <p:cNvPr id="32" name="Hexagon 31">
-            <a:extLst>
-              <a:ext uri="{FF2B5EF4-FFF2-40B4-BE49-F238E27FC236}">
-                <a16:creationId xmlns:a16="http://schemas.microsoft.com/office/drawing/2014/main" id="{1FBA123F-FD40-8849-9469-AF75E6B929B7}"/>
-              </a:ext>
-            </a:extLst>
-          </p:cNvPr>
-          <p:cNvSpPr/>
-          <p:nvPr/>
-        </p:nvSpPr>
-        <p:spPr>
-          <a:xfrm>
-            <a:off x="7272063" y="1402464"/>
-            <a:ext cx="526943" cy="425834"/>
-          </a:xfrm>
-          <a:prstGeom prst="hexagon">
-            <a:avLst/>
-          </a:prstGeom>
-          <a:solidFill>
-            <a:schemeClr val="bg2"/>
-          </a:solidFill>
-          <a:ln>
-            <a:solidFill>
-              <a:schemeClr val="bg2"/>
-            </a:solidFill>
-          </a:ln>
-        </p:spPr>
-        <p:style>
-          <a:lnRef idx="2">
-            <a:schemeClr val="accent1">
-              <a:shade val="50000"/>
-            </a:schemeClr>
-          </a:lnRef>
-          <a:fillRef idx="1">
-            <a:schemeClr val="accent1"/>
-          </a:fillRef>
-          <a:effectRef idx="0">
-            <a:schemeClr val="accent1"/>
-          </a:effectRef>
-          <a:fontRef idx="minor">
-            <a:schemeClr val="lt1"/>
-          </a:fontRef>
-        </p:style>
-        <p:txBody>
-          <a:bodyPr rtlCol="0" anchor="ctr"/>
-          <a:lstStyle/>
-          <a:p>
-            <a:pPr algn="ctr"/>
-            <a:endParaRPr lang="en-NL"/>
-          </a:p>
-        </p:txBody>
-      </p:sp>
-      <p:sp>
-        <p:nvSpPr>
-          <p:cNvPr id="33" name="Hexagon 32">
-            <a:extLst>
-              <a:ext uri="{FF2B5EF4-FFF2-40B4-BE49-F238E27FC236}">
-                <a16:creationId xmlns:a16="http://schemas.microsoft.com/office/drawing/2014/main" id="{A5F73996-9447-1848-B658-78DFF6A9C779}"/>
-              </a:ext>
-            </a:extLst>
-          </p:cNvPr>
-          <p:cNvSpPr/>
-          <p:nvPr/>
-        </p:nvSpPr>
-        <p:spPr>
-          <a:xfrm>
-            <a:off x="7272063" y="1917347"/>
-            <a:ext cx="526943" cy="425834"/>
-          </a:xfrm>
-          <a:prstGeom prst="hexagon">
-            <a:avLst/>
-          </a:prstGeom>
-          <a:solidFill>
-            <a:schemeClr val="bg2"/>
-          </a:solidFill>
-          <a:ln>
-            <a:solidFill>
-              <a:schemeClr val="bg2"/>
-            </a:solidFill>
-          </a:ln>
-        </p:spPr>
-        <p:style>
-          <a:lnRef idx="2">
-            <a:schemeClr val="accent1">
-              <a:shade val="50000"/>
-            </a:schemeClr>
-          </a:lnRef>
-          <a:fillRef idx="1">
-            <a:schemeClr val="accent1"/>
-          </a:fillRef>
-          <a:effectRef idx="0">
-            <a:schemeClr val="accent1"/>
-          </a:effectRef>
-          <a:fontRef idx="minor">
-            <a:schemeClr val="lt1"/>
-          </a:fontRef>
-        </p:style>
-        <p:txBody>
-          <a:bodyPr rtlCol="0" anchor="ctr"/>
-          <a:lstStyle/>
-          <a:p>
-            <a:pPr algn="ctr"/>
-            <a:endParaRPr lang="en-NL"/>
-          </a:p>
-        </p:txBody>
-      </p:sp>
-      <p:sp>
-        <p:nvSpPr>
-          <p:cNvPr id="34" name="Hexagon 33">
-            <a:extLst>
-              <a:ext uri="{FF2B5EF4-FFF2-40B4-BE49-F238E27FC236}">
-                <a16:creationId xmlns:a16="http://schemas.microsoft.com/office/drawing/2014/main" id="{275693F2-68C2-3E4F-BA5E-B253F0E64904}"/>
-              </a:ext>
-            </a:extLst>
-          </p:cNvPr>
-          <p:cNvSpPr/>
-          <p:nvPr/>
-        </p:nvSpPr>
-        <p:spPr>
-          <a:xfrm>
-            <a:off x="7267961" y="2432230"/>
-            <a:ext cx="526943" cy="425834"/>
-          </a:xfrm>
-          <a:prstGeom prst="hexagon">
-            <a:avLst/>
-          </a:prstGeom>
-          <a:solidFill>
-            <a:schemeClr val="bg2"/>
-          </a:solidFill>
-          <a:ln>
-            <a:solidFill>
-              <a:schemeClr val="bg2"/>
-            </a:solidFill>
-          </a:ln>
-        </p:spPr>
-        <p:style>
-          <a:lnRef idx="2">
-            <a:schemeClr val="accent1">
-              <a:shade val="50000"/>
-            </a:schemeClr>
-          </a:lnRef>
-          <a:fillRef idx="1">
-            <a:schemeClr val="accent1"/>
-          </a:fillRef>
-          <a:effectRef idx="0">
-            <a:schemeClr val="accent1"/>
-          </a:effectRef>
-          <a:fontRef idx="minor">
-            <a:schemeClr val="lt1"/>
-          </a:fontRef>
-        </p:style>
-        <p:txBody>
-          <a:bodyPr rtlCol="0" anchor="ctr"/>
-          <a:lstStyle/>
-          <a:p>
-            <a:pPr algn="ctr"/>
-            <a:endParaRPr lang="en-NL"/>
-          </a:p>
-        </p:txBody>
-      </p:sp>
-      <p:sp>
-        <p:nvSpPr>
-          <p:cNvPr id="35" name="Hexagon 34">
-            <a:extLst>
-              <a:ext uri="{FF2B5EF4-FFF2-40B4-BE49-F238E27FC236}">
-                <a16:creationId xmlns:a16="http://schemas.microsoft.com/office/drawing/2014/main" id="{0037A2A0-8D75-B940-835C-26E592882C69}"/>
-              </a:ext>
-            </a:extLst>
-          </p:cNvPr>
-          <p:cNvSpPr/>
-          <p:nvPr/>
-        </p:nvSpPr>
-        <p:spPr>
-          <a:xfrm>
-            <a:off x="7270012" y="2949651"/>
-            <a:ext cx="526943" cy="425834"/>
-          </a:xfrm>
-          <a:prstGeom prst="hexagon">
-            <a:avLst/>
-          </a:prstGeom>
-          <a:solidFill>
-            <a:schemeClr val="bg2"/>
-          </a:solidFill>
-          <a:ln>
-            <a:solidFill>
-              <a:schemeClr val="bg2"/>
-            </a:solidFill>
-          </a:ln>
-        </p:spPr>
-        <p:style>
-          <a:lnRef idx="2">
-            <a:schemeClr val="accent1">
-              <a:shade val="50000"/>
-            </a:schemeClr>
-          </a:lnRef>
-          <a:fillRef idx="1">
-            <a:schemeClr val="accent1"/>
-          </a:fillRef>
-          <a:effectRef idx="0">
-            <a:schemeClr val="accent1"/>
-          </a:effectRef>
-          <a:fontRef idx="minor">
-            <a:schemeClr val="lt1"/>
-          </a:fontRef>
-        </p:style>
-        <p:txBody>
-          <a:bodyPr rtlCol="0" anchor="ctr"/>
-          <a:lstStyle/>
-          <a:p>
-            <a:pPr algn="ctr"/>
-            <a:endParaRPr lang="en-NL"/>
-          </a:p>
-        </p:txBody>
-      </p:sp>
-      <p:sp>
-        <p:nvSpPr>
-          <p:cNvPr id="36" name="Hexagon 35">
-            <a:extLst>
-              <a:ext uri="{FF2B5EF4-FFF2-40B4-BE49-F238E27FC236}">
-                <a16:creationId xmlns:a16="http://schemas.microsoft.com/office/drawing/2014/main" id="{34ABA7B3-653A-E24D-B127-F6F5AEBE2C7B}"/>
-              </a:ext>
-            </a:extLst>
-          </p:cNvPr>
-          <p:cNvSpPr/>
-          <p:nvPr/>
-        </p:nvSpPr>
-        <p:spPr>
-          <a:xfrm>
-            <a:off x="7265910" y="3464534"/>
-            <a:ext cx="526943" cy="425834"/>
-          </a:xfrm>
-          <a:prstGeom prst="hexagon">
-            <a:avLst/>
-          </a:prstGeom>
-          <a:solidFill>
-            <a:schemeClr val="bg2"/>
-          </a:solidFill>
-          <a:ln>
-            <a:solidFill>
-              <a:schemeClr val="bg2"/>
-            </a:solidFill>
-          </a:ln>
-        </p:spPr>
-        <p:style>
-          <a:lnRef idx="2">
-            <a:schemeClr val="accent1">
-              <a:shade val="50000"/>
-            </a:schemeClr>
-          </a:lnRef>
-          <a:fillRef idx="1">
-            <a:schemeClr val="accent1"/>
-          </a:fillRef>
-          <a:effectRef idx="0">
-            <a:schemeClr val="accent1"/>
-          </a:effectRef>
-          <a:fontRef idx="minor">
-            <a:schemeClr val="lt1"/>
-          </a:fontRef>
-        </p:style>
-        <p:txBody>
-          <a:bodyPr rtlCol="0" anchor="ctr"/>
-          <a:lstStyle/>
-          <a:p>
-            <a:pPr algn="ctr"/>
-            <a:endParaRPr lang="en-NL"/>
-          </a:p>
-        </p:txBody>
-      </p:sp>
-      <p:sp>
-        <p:nvSpPr>
-          <p:cNvPr id="37" name="Hexagon 36">
-            <a:extLst>
-              <a:ext uri="{FF2B5EF4-FFF2-40B4-BE49-F238E27FC236}">
-                <a16:creationId xmlns:a16="http://schemas.microsoft.com/office/drawing/2014/main" id="{980F8705-E6AE-3E4B-9146-F98BFFE8E753}"/>
-              </a:ext>
-            </a:extLst>
-          </p:cNvPr>
-          <p:cNvSpPr/>
-          <p:nvPr/>
-        </p:nvSpPr>
-        <p:spPr>
-          <a:xfrm>
-            <a:off x="7276165" y="3976879"/>
-            <a:ext cx="526943" cy="425834"/>
-          </a:xfrm>
-          <a:prstGeom prst="hexagon">
-            <a:avLst/>
-          </a:prstGeom>
-          <a:solidFill>
-            <a:schemeClr val="bg2"/>
-          </a:solidFill>
-          <a:ln>
-            <a:solidFill>
-              <a:schemeClr val="bg2"/>
-            </a:solidFill>
-          </a:ln>
-        </p:spPr>
-        <p:style>
-          <a:lnRef idx="2">
-            <a:schemeClr val="accent1">
-              <a:shade val="50000"/>
-            </a:schemeClr>
-          </a:lnRef>
-          <a:fillRef idx="1">
-            <a:schemeClr val="accent1"/>
-          </a:fillRef>
-          <a:effectRef idx="0">
-            <a:schemeClr val="accent1"/>
-          </a:effectRef>
-          <a:fontRef idx="minor">
-            <a:schemeClr val="lt1"/>
-          </a:fontRef>
-        </p:style>
-        <p:txBody>
-          <a:bodyPr rtlCol="0" anchor="ctr"/>
-          <a:lstStyle/>
-          <a:p>
-            <a:pPr algn="ctr"/>
-            <a:endParaRPr lang="en-NL"/>
-          </a:p>
-        </p:txBody>
-      </p:sp>
-    </p:spTree>
-    <p:extLst>
-      <p:ext uri="{BB962C8B-B14F-4D97-AF65-F5344CB8AC3E}">
-        <p14:creationId xmlns:p14="http://schemas.microsoft.com/office/powerpoint/2010/main" val="3863189371"/>
-      </p:ext>
-    </p:extLst>
-  </p:cSld>
-  <p:clrMapOvr>
-    <a:masterClrMapping/>
-  </p:clrMapOvr>
-</p:sld>
-</file>
-
-<file path=ppt/slides/slide50.xml><?xml version="1.0" encoding="utf-8"?>
+<file path=ppt/slides/slide48.xml><?xml version="1.0" encoding="utf-8"?>
 <p:sld xmlns:a="http://schemas.openxmlformats.org/drawingml/2006/main" xmlns:r="http://schemas.openxmlformats.org/officeDocument/2006/relationships" xmlns:p="http://schemas.openxmlformats.org/presentationml/2006/main">
   <p:cSld>
     <p:spTree>
@@ -17245,7 +15571,7 @@
 </p:sld>
 </file>
 
-<file path=ppt/slides/slide51.xml><?xml version="1.0" encoding="utf-8"?>
+<file path=ppt/slides/slide49.xml><?xml version="1.0" encoding="utf-8"?>
 <p:sld xmlns:a="http://schemas.openxmlformats.org/drawingml/2006/main" xmlns:r="http://schemas.openxmlformats.org/officeDocument/2006/relationships" xmlns:p="http://schemas.openxmlformats.org/presentationml/2006/main">
   <p:cSld>
     <p:spTree>
@@ -17553,7 +15879,1081 @@
 </p:sld>
 </file>
 
-<file path=ppt/slides/slide52.xml><?xml version="1.0" encoding="utf-8"?>
+<file path=ppt/slides/slide5.xml><?xml version="1.0" encoding="utf-8"?>
+<p:sld xmlns:a="http://schemas.openxmlformats.org/drawingml/2006/main" xmlns:r="http://schemas.openxmlformats.org/officeDocument/2006/relationships" xmlns:p="http://schemas.openxmlformats.org/presentationml/2006/main">
+  <p:cSld>
+    <p:spTree>
+      <p:nvGrpSpPr>
+        <p:cNvPr id="1" name=""/>
+        <p:cNvGrpSpPr/>
+        <p:nvPr/>
+      </p:nvGrpSpPr>
+      <p:grpSpPr>
+        <a:xfrm>
+          <a:off x="0" y="0"/>
+          <a:ext cx="0" cy="0"/>
+          <a:chOff x="0" y="0"/>
+          <a:chExt cx="0" cy="0"/>
+        </a:xfrm>
+      </p:grpSpPr>
+      <p:sp>
+        <p:nvSpPr>
+          <p:cNvPr id="2" name="Title 1">
+            <a:extLst>
+              <a:ext uri="{FF2B5EF4-FFF2-40B4-BE49-F238E27FC236}">
+                <a16:creationId xmlns:a16="http://schemas.microsoft.com/office/drawing/2014/main" id="{A50B3240-90A9-2045-9B24-092DEDC3A4FB}"/>
+              </a:ext>
+            </a:extLst>
+          </p:cNvPr>
+          <p:cNvSpPr>
+            <a:spLocks noGrp="1"/>
+          </p:cNvSpPr>
+          <p:nvPr>
+            <p:ph type="title"/>
+          </p:nvPr>
+        </p:nvSpPr>
+        <p:spPr/>
+        <p:txBody>
+          <a:bodyPr/>
+          <a:lstStyle/>
+          <a:p>
+            <a:endParaRPr lang="en-NL"/>
+          </a:p>
+        </p:txBody>
+      </p:sp>
+      <p:sp>
+        <p:nvSpPr>
+          <p:cNvPr id="3" name="Content Placeholder 2">
+            <a:extLst>
+              <a:ext uri="{FF2B5EF4-FFF2-40B4-BE49-F238E27FC236}">
+                <a16:creationId xmlns:a16="http://schemas.microsoft.com/office/drawing/2014/main" id="{EE6F52F0-3A96-5E4D-B754-B812A863C0BF}"/>
+              </a:ext>
+            </a:extLst>
+          </p:cNvPr>
+          <p:cNvSpPr>
+            <a:spLocks noGrp="1"/>
+          </p:cNvSpPr>
+          <p:nvPr>
+            <p:ph idx="1"/>
+          </p:nvPr>
+        </p:nvSpPr>
+        <p:spPr/>
+        <p:txBody>
+          <a:bodyPr/>
+          <a:lstStyle/>
+          <a:p>
+            <a:endParaRPr lang="en-NL"/>
+          </a:p>
+        </p:txBody>
+      </p:sp>
+      <p:sp>
+        <p:nvSpPr>
+          <p:cNvPr id="4" name="Rounded Rectangle 3">
+            <a:extLst>
+              <a:ext uri="{FF2B5EF4-FFF2-40B4-BE49-F238E27FC236}">
+                <a16:creationId xmlns:a16="http://schemas.microsoft.com/office/drawing/2014/main" id="{C878E023-EBA1-A649-9F84-9426DC737CAD}"/>
+              </a:ext>
+            </a:extLst>
+          </p:cNvPr>
+          <p:cNvSpPr/>
+          <p:nvPr/>
+        </p:nvSpPr>
+        <p:spPr>
+          <a:xfrm>
+            <a:off x="0" y="0"/>
+            <a:ext cx="7559675" cy="5327650"/>
+          </a:xfrm>
+          <a:prstGeom prst="roundRect">
+            <a:avLst>
+              <a:gd name="adj" fmla="val 0"/>
+            </a:avLst>
+          </a:prstGeom>
+          <a:solidFill>
+            <a:srgbClr val="DE8445"/>
+          </a:solidFill>
+          <a:ln>
+            <a:noFill/>
+          </a:ln>
+        </p:spPr>
+        <p:style>
+          <a:lnRef idx="2">
+            <a:schemeClr val="accent1">
+              <a:shade val="50000"/>
+            </a:schemeClr>
+          </a:lnRef>
+          <a:fillRef idx="1">
+            <a:schemeClr val="accent1"/>
+          </a:fillRef>
+          <a:effectRef idx="0">
+            <a:schemeClr val="accent1"/>
+          </a:effectRef>
+          <a:fontRef idx="minor">
+            <a:schemeClr val="lt1"/>
+          </a:fontRef>
+        </p:style>
+        <p:txBody>
+          <a:bodyPr rtlCol="0" anchor="ctr"/>
+          <a:lstStyle/>
+          <a:p>
+            <a:pPr algn="ctr"/>
+            <a:endParaRPr lang="en-NL" dirty="0"/>
+          </a:p>
+        </p:txBody>
+      </p:sp>
+      <p:sp>
+        <p:nvSpPr>
+          <p:cNvPr id="5" name="Rectangle 4">
+            <a:extLst>
+              <a:ext uri="{FF2B5EF4-FFF2-40B4-BE49-F238E27FC236}">
+                <a16:creationId xmlns:a16="http://schemas.microsoft.com/office/drawing/2014/main" id="{1F46A24F-F843-6F43-B798-8E0A66AEBE9A}"/>
+              </a:ext>
+            </a:extLst>
+          </p:cNvPr>
+          <p:cNvSpPr/>
+          <p:nvPr/>
+        </p:nvSpPr>
+        <p:spPr>
+          <a:xfrm>
+            <a:off x="654576" y="629685"/>
+            <a:ext cx="6326488" cy="3992292"/>
+          </a:xfrm>
+          <a:prstGeom prst="rect">
+            <a:avLst/>
+          </a:prstGeom>
+          <a:blipFill>
+            <a:blip r:embed="rId2"/>
+            <a:stretch>
+              <a:fillRect/>
+            </a:stretch>
+          </a:blipFill>
+          <a:ln w="38100" cmpd="sng">
+            <a:solidFill>
+              <a:schemeClr val="tx1"/>
+            </a:solidFill>
+            <a:prstDash val="solid"/>
+          </a:ln>
+        </p:spPr>
+        <p:style>
+          <a:lnRef idx="2">
+            <a:schemeClr val="accent1">
+              <a:shade val="50000"/>
+            </a:schemeClr>
+          </a:lnRef>
+          <a:fillRef idx="1">
+            <a:schemeClr val="accent1"/>
+          </a:fillRef>
+          <a:effectRef idx="0">
+            <a:schemeClr val="accent1"/>
+          </a:effectRef>
+          <a:fontRef idx="minor">
+            <a:schemeClr val="lt1"/>
+          </a:fontRef>
+        </p:style>
+        <p:txBody>
+          <a:bodyPr rtlCol="0" anchor="ctr"/>
+          <a:lstStyle/>
+          <a:p>
+            <a:endParaRPr lang="en-NL" sz="9600">
+              <a:latin typeface="Marvel" pitchFamily="2" charset="0"/>
+            </a:endParaRPr>
+          </a:p>
+        </p:txBody>
+      </p:sp>
+      <p:sp>
+        <p:nvSpPr>
+          <p:cNvPr id="7" name="TextBox 6">
+            <a:extLst>
+              <a:ext uri="{FF2B5EF4-FFF2-40B4-BE49-F238E27FC236}">
+                <a16:creationId xmlns:a16="http://schemas.microsoft.com/office/drawing/2014/main" id="{DB3D77AE-9792-C547-90E9-C96C9012A78D}"/>
+              </a:ext>
+            </a:extLst>
+          </p:cNvPr>
+          <p:cNvSpPr txBox="1"/>
+          <p:nvPr/>
+        </p:nvSpPr>
+        <p:spPr>
+          <a:xfrm>
+            <a:off x="1154265" y="1964111"/>
+            <a:ext cx="5451371" cy="1323439"/>
+          </a:xfrm>
+          <a:prstGeom prst="rect">
+            <a:avLst/>
+          </a:prstGeom>
+          <a:noFill/>
+        </p:spPr>
+        <p:txBody>
+          <a:bodyPr wrap="square" rtlCol="0">
+            <a:spAutoFit/>
+          </a:bodyPr>
+          <a:lstStyle/>
+          <a:p>
+            <a:pPr algn="ctr"/>
+            <a:r>
+              <a:rPr lang="en-NL" sz="8000" dirty="0">
+                <a:latin typeface="Marvel" pitchFamily="2" charset="0"/>
+              </a:rPr>
+              <a:t>UNREALIZED VALUE</a:t>
+            </a:r>
+          </a:p>
+        </p:txBody>
+      </p:sp>
+      <p:sp>
+        <p:nvSpPr>
+          <p:cNvPr id="8" name="TextBox 7">
+            <a:extLst>
+              <a:ext uri="{FF2B5EF4-FFF2-40B4-BE49-F238E27FC236}">
+                <a16:creationId xmlns:a16="http://schemas.microsoft.com/office/drawing/2014/main" id="{ED283D89-81C5-A942-931B-F37B88051625}"/>
+              </a:ext>
+            </a:extLst>
+          </p:cNvPr>
+          <p:cNvSpPr txBox="1"/>
+          <p:nvPr/>
+        </p:nvSpPr>
+        <p:spPr>
+          <a:xfrm>
+            <a:off x="1826342" y="2992265"/>
+            <a:ext cx="4107215" cy="400110"/>
+          </a:xfrm>
+          <a:prstGeom prst="rect">
+            <a:avLst/>
+          </a:prstGeom>
+          <a:noFill/>
+        </p:spPr>
+        <p:txBody>
+          <a:bodyPr wrap="none" rtlCol="0">
+            <a:spAutoFit/>
+          </a:bodyPr>
+          <a:lstStyle/>
+          <a:p>
+            <a:pPr algn="ctr"/>
+            <a:r>
+              <a:rPr lang="en-GB" sz="1000" dirty="0">
+                <a:solidFill>
+                  <a:schemeClr val="bg1">
+                    <a:lumMod val="50000"/>
+                  </a:schemeClr>
+                </a:solidFill>
+                <a:latin typeface="Ubuntu" panose="020B0504030602030204" pitchFamily="34" charset="0"/>
+              </a:rPr>
+              <a:t>The potential future value that </a:t>
+            </a:r>
+            <a:r>
+              <a:rPr lang="en-GB" sz="1000" i="1" dirty="0">
+                <a:solidFill>
+                  <a:schemeClr val="bg1">
+                    <a:lumMod val="50000"/>
+                  </a:schemeClr>
+                </a:solidFill>
+                <a:latin typeface="Ubuntu" panose="020B0504030602030204" pitchFamily="34" charset="0"/>
+              </a:rPr>
+              <a:t>could be</a:t>
+            </a:r>
+            <a:r>
+              <a:rPr lang="en-GB" sz="1000" dirty="0">
+                <a:solidFill>
+                  <a:schemeClr val="bg1">
+                    <a:lumMod val="50000"/>
+                  </a:schemeClr>
+                </a:solidFill>
+                <a:latin typeface="Ubuntu" panose="020B0504030602030204" pitchFamily="34" charset="0"/>
+              </a:rPr>
+              <a:t> realized </a:t>
+            </a:r>
+          </a:p>
+          <a:p>
+            <a:pPr algn="ctr"/>
+            <a:r>
+              <a:rPr lang="en-GB" sz="1000" dirty="0">
+                <a:solidFill>
+                  <a:schemeClr val="bg1">
+                    <a:lumMod val="50000"/>
+                  </a:schemeClr>
+                </a:solidFill>
+                <a:latin typeface="Ubuntu" panose="020B0504030602030204" pitchFamily="34" charset="0"/>
+              </a:rPr>
+              <a:t>if the organization met the needs of all potential customers or users</a:t>
+            </a:r>
+            <a:endParaRPr lang="en-NL" sz="1000" dirty="0">
+              <a:solidFill>
+                <a:schemeClr val="bg1">
+                  <a:lumMod val="50000"/>
+                </a:schemeClr>
+              </a:solidFill>
+              <a:latin typeface="Ubuntu" panose="020B0504030602030204" pitchFamily="34" charset="0"/>
+            </a:endParaRPr>
+          </a:p>
+        </p:txBody>
+      </p:sp>
+      <p:sp>
+        <p:nvSpPr>
+          <p:cNvPr id="24" name="Hexagon 23">
+            <a:extLst>
+              <a:ext uri="{FF2B5EF4-FFF2-40B4-BE49-F238E27FC236}">
+                <a16:creationId xmlns:a16="http://schemas.microsoft.com/office/drawing/2014/main" id="{B77BC908-5A71-5648-86F4-1DD501B1A47A}"/>
+              </a:ext>
+            </a:extLst>
+          </p:cNvPr>
+          <p:cNvSpPr/>
+          <p:nvPr/>
+        </p:nvSpPr>
+        <p:spPr>
+          <a:xfrm>
+            <a:off x="-263472" y="887581"/>
+            <a:ext cx="526943" cy="425834"/>
+          </a:xfrm>
+          <a:prstGeom prst="hexagon">
+            <a:avLst/>
+          </a:prstGeom>
+          <a:solidFill>
+            <a:schemeClr val="bg2"/>
+          </a:solidFill>
+          <a:ln>
+            <a:solidFill>
+              <a:schemeClr val="bg2"/>
+            </a:solidFill>
+          </a:ln>
+        </p:spPr>
+        <p:style>
+          <a:lnRef idx="2">
+            <a:schemeClr val="accent1">
+              <a:shade val="50000"/>
+            </a:schemeClr>
+          </a:lnRef>
+          <a:fillRef idx="1">
+            <a:schemeClr val="accent1"/>
+          </a:fillRef>
+          <a:effectRef idx="0">
+            <a:schemeClr val="accent1"/>
+          </a:effectRef>
+          <a:fontRef idx="minor">
+            <a:schemeClr val="lt1"/>
+          </a:fontRef>
+        </p:style>
+        <p:txBody>
+          <a:bodyPr rtlCol="0" anchor="ctr"/>
+          <a:lstStyle/>
+          <a:p>
+            <a:pPr algn="ctr"/>
+            <a:endParaRPr lang="en-NL"/>
+          </a:p>
+        </p:txBody>
+      </p:sp>
+      <p:sp>
+        <p:nvSpPr>
+          <p:cNvPr id="25" name="Hexagon 24">
+            <a:extLst>
+              <a:ext uri="{FF2B5EF4-FFF2-40B4-BE49-F238E27FC236}">
+                <a16:creationId xmlns:a16="http://schemas.microsoft.com/office/drawing/2014/main" id="{CA52172E-44FE-964B-8A80-395B31A859C7}"/>
+              </a:ext>
+            </a:extLst>
+          </p:cNvPr>
+          <p:cNvSpPr/>
+          <p:nvPr/>
+        </p:nvSpPr>
+        <p:spPr>
+          <a:xfrm>
+            <a:off x="-267574" y="1402464"/>
+            <a:ext cx="526943" cy="425834"/>
+          </a:xfrm>
+          <a:prstGeom prst="hexagon">
+            <a:avLst/>
+          </a:prstGeom>
+          <a:solidFill>
+            <a:schemeClr val="bg2"/>
+          </a:solidFill>
+          <a:ln>
+            <a:solidFill>
+              <a:schemeClr val="bg2"/>
+            </a:solidFill>
+          </a:ln>
+        </p:spPr>
+        <p:style>
+          <a:lnRef idx="2">
+            <a:schemeClr val="accent1">
+              <a:shade val="50000"/>
+            </a:schemeClr>
+          </a:lnRef>
+          <a:fillRef idx="1">
+            <a:schemeClr val="accent1"/>
+          </a:fillRef>
+          <a:effectRef idx="0">
+            <a:schemeClr val="accent1"/>
+          </a:effectRef>
+          <a:fontRef idx="minor">
+            <a:schemeClr val="lt1"/>
+          </a:fontRef>
+        </p:style>
+        <p:txBody>
+          <a:bodyPr rtlCol="0" anchor="ctr"/>
+          <a:lstStyle/>
+          <a:p>
+            <a:pPr algn="ctr"/>
+            <a:endParaRPr lang="en-NL"/>
+          </a:p>
+        </p:txBody>
+      </p:sp>
+      <p:sp>
+        <p:nvSpPr>
+          <p:cNvPr id="26" name="Hexagon 25">
+            <a:extLst>
+              <a:ext uri="{FF2B5EF4-FFF2-40B4-BE49-F238E27FC236}">
+                <a16:creationId xmlns:a16="http://schemas.microsoft.com/office/drawing/2014/main" id="{08EC8FA2-7049-534E-A372-EC6A91A4CE79}"/>
+              </a:ext>
+            </a:extLst>
+          </p:cNvPr>
+          <p:cNvSpPr/>
+          <p:nvPr/>
+        </p:nvSpPr>
+        <p:spPr>
+          <a:xfrm>
+            <a:off x="-267574" y="1917347"/>
+            <a:ext cx="526943" cy="425834"/>
+          </a:xfrm>
+          <a:prstGeom prst="hexagon">
+            <a:avLst/>
+          </a:prstGeom>
+          <a:solidFill>
+            <a:schemeClr val="bg2"/>
+          </a:solidFill>
+          <a:ln>
+            <a:solidFill>
+              <a:schemeClr val="bg2"/>
+            </a:solidFill>
+          </a:ln>
+        </p:spPr>
+        <p:style>
+          <a:lnRef idx="2">
+            <a:schemeClr val="accent1">
+              <a:shade val="50000"/>
+            </a:schemeClr>
+          </a:lnRef>
+          <a:fillRef idx="1">
+            <a:schemeClr val="accent1"/>
+          </a:fillRef>
+          <a:effectRef idx="0">
+            <a:schemeClr val="accent1"/>
+          </a:effectRef>
+          <a:fontRef idx="minor">
+            <a:schemeClr val="lt1"/>
+          </a:fontRef>
+        </p:style>
+        <p:txBody>
+          <a:bodyPr rtlCol="0" anchor="ctr"/>
+          <a:lstStyle/>
+          <a:p>
+            <a:pPr algn="ctr"/>
+            <a:endParaRPr lang="en-NL"/>
+          </a:p>
+        </p:txBody>
+      </p:sp>
+      <p:sp>
+        <p:nvSpPr>
+          <p:cNvPr id="27" name="Hexagon 26">
+            <a:extLst>
+              <a:ext uri="{FF2B5EF4-FFF2-40B4-BE49-F238E27FC236}">
+                <a16:creationId xmlns:a16="http://schemas.microsoft.com/office/drawing/2014/main" id="{718BA15D-DE98-8D43-9A3F-36F37A37AF2D}"/>
+              </a:ext>
+            </a:extLst>
+          </p:cNvPr>
+          <p:cNvSpPr/>
+          <p:nvPr/>
+        </p:nvSpPr>
+        <p:spPr>
+          <a:xfrm>
+            <a:off x="-271676" y="2432230"/>
+            <a:ext cx="526943" cy="425834"/>
+          </a:xfrm>
+          <a:prstGeom prst="hexagon">
+            <a:avLst/>
+          </a:prstGeom>
+          <a:solidFill>
+            <a:schemeClr val="bg2"/>
+          </a:solidFill>
+          <a:ln>
+            <a:solidFill>
+              <a:schemeClr val="bg2"/>
+            </a:solidFill>
+          </a:ln>
+        </p:spPr>
+        <p:style>
+          <a:lnRef idx="2">
+            <a:schemeClr val="accent1">
+              <a:shade val="50000"/>
+            </a:schemeClr>
+          </a:lnRef>
+          <a:fillRef idx="1">
+            <a:schemeClr val="accent1"/>
+          </a:fillRef>
+          <a:effectRef idx="0">
+            <a:schemeClr val="accent1"/>
+          </a:effectRef>
+          <a:fontRef idx="minor">
+            <a:schemeClr val="lt1"/>
+          </a:fontRef>
+        </p:style>
+        <p:txBody>
+          <a:bodyPr rtlCol="0" anchor="ctr"/>
+          <a:lstStyle/>
+          <a:p>
+            <a:pPr algn="ctr"/>
+            <a:endParaRPr lang="en-NL"/>
+          </a:p>
+        </p:txBody>
+      </p:sp>
+      <p:sp>
+        <p:nvSpPr>
+          <p:cNvPr id="28" name="Hexagon 27">
+            <a:extLst>
+              <a:ext uri="{FF2B5EF4-FFF2-40B4-BE49-F238E27FC236}">
+                <a16:creationId xmlns:a16="http://schemas.microsoft.com/office/drawing/2014/main" id="{5EF61F84-17B4-324C-9CD3-E07B3D18F12C}"/>
+              </a:ext>
+            </a:extLst>
+          </p:cNvPr>
+          <p:cNvSpPr/>
+          <p:nvPr/>
+        </p:nvSpPr>
+        <p:spPr>
+          <a:xfrm>
+            <a:off x="-269625" y="2949651"/>
+            <a:ext cx="526943" cy="425834"/>
+          </a:xfrm>
+          <a:prstGeom prst="hexagon">
+            <a:avLst/>
+          </a:prstGeom>
+          <a:solidFill>
+            <a:schemeClr val="bg2"/>
+          </a:solidFill>
+          <a:ln>
+            <a:solidFill>
+              <a:schemeClr val="bg2"/>
+            </a:solidFill>
+          </a:ln>
+        </p:spPr>
+        <p:style>
+          <a:lnRef idx="2">
+            <a:schemeClr val="accent1">
+              <a:shade val="50000"/>
+            </a:schemeClr>
+          </a:lnRef>
+          <a:fillRef idx="1">
+            <a:schemeClr val="accent1"/>
+          </a:fillRef>
+          <a:effectRef idx="0">
+            <a:schemeClr val="accent1"/>
+          </a:effectRef>
+          <a:fontRef idx="minor">
+            <a:schemeClr val="lt1"/>
+          </a:fontRef>
+        </p:style>
+        <p:txBody>
+          <a:bodyPr rtlCol="0" anchor="ctr"/>
+          <a:lstStyle/>
+          <a:p>
+            <a:pPr algn="ctr"/>
+            <a:endParaRPr lang="en-NL"/>
+          </a:p>
+        </p:txBody>
+      </p:sp>
+      <p:sp>
+        <p:nvSpPr>
+          <p:cNvPr id="29" name="Hexagon 28">
+            <a:extLst>
+              <a:ext uri="{FF2B5EF4-FFF2-40B4-BE49-F238E27FC236}">
+                <a16:creationId xmlns:a16="http://schemas.microsoft.com/office/drawing/2014/main" id="{6099D7E0-C13A-7847-84ED-EA0C5524E554}"/>
+              </a:ext>
+            </a:extLst>
+          </p:cNvPr>
+          <p:cNvSpPr/>
+          <p:nvPr/>
+        </p:nvSpPr>
+        <p:spPr>
+          <a:xfrm>
+            <a:off x="-273727" y="3464534"/>
+            <a:ext cx="526943" cy="425834"/>
+          </a:xfrm>
+          <a:prstGeom prst="hexagon">
+            <a:avLst/>
+          </a:prstGeom>
+          <a:solidFill>
+            <a:schemeClr val="bg2"/>
+          </a:solidFill>
+          <a:ln>
+            <a:solidFill>
+              <a:schemeClr val="bg2"/>
+            </a:solidFill>
+          </a:ln>
+        </p:spPr>
+        <p:style>
+          <a:lnRef idx="2">
+            <a:schemeClr val="accent1">
+              <a:shade val="50000"/>
+            </a:schemeClr>
+          </a:lnRef>
+          <a:fillRef idx="1">
+            <a:schemeClr val="accent1"/>
+          </a:fillRef>
+          <a:effectRef idx="0">
+            <a:schemeClr val="accent1"/>
+          </a:effectRef>
+          <a:fontRef idx="minor">
+            <a:schemeClr val="lt1"/>
+          </a:fontRef>
+        </p:style>
+        <p:txBody>
+          <a:bodyPr rtlCol="0" anchor="ctr"/>
+          <a:lstStyle/>
+          <a:p>
+            <a:pPr algn="ctr"/>
+            <a:endParaRPr lang="en-NL"/>
+          </a:p>
+        </p:txBody>
+      </p:sp>
+      <p:sp>
+        <p:nvSpPr>
+          <p:cNvPr id="30" name="Hexagon 29">
+            <a:extLst>
+              <a:ext uri="{FF2B5EF4-FFF2-40B4-BE49-F238E27FC236}">
+                <a16:creationId xmlns:a16="http://schemas.microsoft.com/office/drawing/2014/main" id="{920910FA-5581-F04C-9A39-2A4938FE8099}"/>
+              </a:ext>
+            </a:extLst>
+          </p:cNvPr>
+          <p:cNvSpPr/>
+          <p:nvPr/>
+        </p:nvSpPr>
+        <p:spPr>
+          <a:xfrm>
+            <a:off x="-263472" y="3976879"/>
+            <a:ext cx="526943" cy="425834"/>
+          </a:xfrm>
+          <a:prstGeom prst="hexagon">
+            <a:avLst/>
+          </a:prstGeom>
+          <a:solidFill>
+            <a:schemeClr val="bg2"/>
+          </a:solidFill>
+          <a:ln>
+            <a:solidFill>
+              <a:schemeClr val="bg2"/>
+            </a:solidFill>
+          </a:ln>
+        </p:spPr>
+        <p:style>
+          <a:lnRef idx="2">
+            <a:schemeClr val="accent1">
+              <a:shade val="50000"/>
+            </a:schemeClr>
+          </a:lnRef>
+          <a:fillRef idx="1">
+            <a:schemeClr val="accent1"/>
+          </a:fillRef>
+          <a:effectRef idx="0">
+            <a:schemeClr val="accent1"/>
+          </a:effectRef>
+          <a:fontRef idx="minor">
+            <a:schemeClr val="lt1"/>
+          </a:fontRef>
+        </p:style>
+        <p:txBody>
+          <a:bodyPr rtlCol="0" anchor="ctr"/>
+          <a:lstStyle/>
+          <a:p>
+            <a:pPr algn="ctr"/>
+            <a:endParaRPr lang="en-NL"/>
+          </a:p>
+        </p:txBody>
+      </p:sp>
+      <p:sp>
+        <p:nvSpPr>
+          <p:cNvPr id="31" name="Hexagon 30">
+            <a:extLst>
+              <a:ext uri="{FF2B5EF4-FFF2-40B4-BE49-F238E27FC236}">
+                <a16:creationId xmlns:a16="http://schemas.microsoft.com/office/drawing/2014/main" id="{8BBDE08F-BA25-4943-9CD6-08F91133CB36}"/>
+              </a:ext>
+            </a:extLst>
+          </p:cNvPr>
+          <p:cNvSpPr/>
+          <p:nvPr/>
+        </p:nvSpPr>
+        <p:spPr>
+          <a:xfrm>
+            <a:off x="7276165" y="887581"/>
+            <a:ext cx="526943" cy="425834"/>
+          </a:xfrm>
+          <a:prstGeom prst="hexagon">
+            <a:avLst/>
+          </a:prstGeom>
+          <a:solidFill>
+            <a:schemeClr val="bg2"/>
+          </a:solidFill>
+          <a:ln>
+            <a:solidFill>
+              <a:schemeClr val="bg2"/>
+            </a:solidFill>
+          </a:ln>
+        </p:spPr>
+        <p:style>
+          <a:lnRef idx="2">
+            <a:schemeClr val="accent1">
+              <a:shade val="50000"/>
+            </a:schemeClr>
+          </a:lnRef>
+          <a:fillRef idx="1">
+            <a:schemeClr val="accent1"/>
+          </a:fillRef>
+          <a:effectRef idx="0">
+            <a:schemeClr val="accent1"/>
+          </a:effectRef>
+          <a:fontRef idx="minor">
+            <a:schemeClr val="lt1"/>
+          </a:fontRef>
+        </p:style>
+        <p:txBody>
+          <a:bodyPr rtlCol="0" anchor="ctr"/>
+          <a:lstStyle/>
+          <a:p>
+            <a:pPr algn="ctr"/>
+            <a:endParaRPr lang="en-NL"/>
+          </a:p>
+        </p:txBody>
+      </p:sp>
+      <p:sp>
+        <p:nvSpPr>
+          <p:cNvPr id="32" name="Hexagon 31">
+            <a:extLst>
+              <a:ext uri="{FF2B5EF4-FFF2-40B4-BE49-F238E27FC236}">
+                <a16:creationId xmlns:a16="http://schemas.microsoft.com/office/drawing/2014/main" id="{1FBA123F-FD40-8849-9469-AF75E6B929B7}"/>
+              </a:ext>
+            </a:extLst>
+          </p:cNvPr>
+          <p:cNvSpPr/>
+          <p:nvPr/>
+        </p:nvSpPr>
+        <p:spPr>
+          <a:xfrm>
+            <a:off x="7272063" y="1402464"/>
+            <a:ext cx="526943" cy="425834"/>
+          </a:xfrm>
+          <a:prstGeom prst="hexagon">
+            <a:avLst/>
+          </a:prstGeom>
+          <a:solidFill>
+            <a:schemeClr val="bg2"/>
+          </a:solidFill>
+          <a:ln>
+            <a:solidFill>
+              <a:schemeClr val="bg2"/>
+            </a:solidFill>
+          </a:ln>
+        </p:spPr>
+        <p:style>
+          <a:lnRef idx="2">
+            <a:schemeClr val="accent1">
+              <a:shade val="50000"/>
+            </a:schemeClr>
+          </a:lnRef>
+          <a:fillRef idx="1">
+            <a:schemeClr val="accent1"/>
+          </a:fillRef>
+          <a:effectRef idx="0">
+            <a:schemeClr val="accent1"/>
+          </a:effectRef>
+          <a:fontRef idx="minor">
+            <a:schemeClr val="lt1"/>
+          </a:fontRef>
+        </p:style>
+        <p:txBody>
+          <a:bodyPr rtlCol="0" anchor="ctr"/>
+          <a:lstStyle/>
+          <a:p>
+            <a:pPr algn="ctr"/>
+            <a:endParaRPr lang="en-NL"/>
+          </a:p>
+        </p:txBody>
+      </p:sp>
+      <p:sp>
+        <p:nvSpPr>
+          <p:cNvPr id="33" name="Hexagon 32">
+            <a:extLst>
+              <a:ext uri="{FF2B5EF4-FFF2-40B4-BE49-F238E27FC236}">
+                <a16:creationId xmlns:a16="http://schemas.microsoft.com/office/drawing/2014/main" id="{A5F73996-9447-1848-B658-78DFF6A9C779}"/>
+              </a:ext>
+            </a:extLst>
+          </p:cNvPr>
+          <p:cNvSpPr/>
+          <p:nvPr/>
+        </p:nvSpPr>
+        <p:spPr>
+          <a:xfrm>
+            <a:off x="7272063" y="1917347"/>
+            <a:ext cx="526943" cy="425834"/>
+          </a:xfrm>
+          <a:prstGeom prst="hexagon">
+            <a:avLst/>
+          </a:prstGeom>
+          <a:solidFill>
+            <a:schemeClr val="bg2"/>
+          </a:solidFill>
+          <a:ln>
+            <a:solidFill>
+              <a:schemeClr val="bg2"/>
+            </a:solidFill>
+          </a:ln>
+        </p:spPr>
+        <p:style>
+          <a:lnRef idx="2">
+            <a:schemeClr val="accent1">
+              <a:shade val="50000"/>
+            </a:schemeClr>
+          </a:lnRef>
+          <a:fillRef idx="1">
+            <a:schemeClr val="accent1"/>
+          </a:fillRef>
+          <a:effectRef idx="0">
+            <a:schemeClr val="accent1"/>
+          </a:effectRef>
+          <a:fontRef idx="minor">
+            <a:schemeClr val="lt1"/>
+          </a:fontRef>
+        </p:style>
+        <p:txBody>
+          <a:bodyPr rtlCol="0" anchor="ctr"/>
+          <a:lstStyle/>
+          <a:p>
+            <a:pPr algn="ctr"/>
+            <a:endParaRPr lang="en-NL"/>
+          </a:p>
+        </p:txBody>
+      </p:sp>
+      <p:sp>
+        <p:nvSpPr>
+          <p:cNvPr id="34" name="Hexagon 33">
+            <a:extLst>
+              <a:ext uri="{FF2B5EF4-FFF2-40B4-BE49-F238E27FC236}">
+                <a16:creationId xmlns:a16="http://schemas.microsoft.com/office/drawing/2014/main" id="{275693F2-68C2-3E4F-BA5E-B253F0E64904}"/>
+              </a:ext>
+            </a:extLst>
+          </p:cNvPr>
+          <p:cNvSpPr/>
+          <p:nvPr/>
+        </p:nvSpPr>
+        <p:spPr>
+          <a:xfrm>
+            <a:off x="7267961" y="2432230"/>
+            <a:ext cx="526943" cy="425834"/>
+          </a:xfrm>
+          <a:prstGeom prst="hexagon">
+            <a:avLst/>
+          </a:prstGeom>
+          <a:solidFill>
+            <a:schemeClr val="bg2"/>
+          </a:solidFill>
+          <a:ln>
+            <a:solidFill>
+              <a:schemeClr val="bg2"/>
+            </a:solidFill>
+          </a:ln>
+        </p:spPr>
+        <p:style>
+          <a:lnRef idx="2">
+            <a:schemeClr val="accent1">
+              <a:shade val="50000"/>
+            </a:schemeClr>
+          </a:lnRef>
+          <a:fillRef idx="1">
+            <a:schemeClr val="accent1"/>
+          </a:fillRef>
+          <a:effectRef idx="0">
+            <a:schemeClr val="accent1"/>
+          </a:effectRef>
+          <a:fontRef idx="minor">
+            <a:schemeClr val="lt1"/>
+          </a:fontRef>
+        </p:style>
+        <p:txBody>
+          <a:bodyPr rtlCol="0" anchor="ctr"/>
+          <a:lstStyle/>
+          <a:p>
+            <a:pPr algn="ctr"/>
+            <a:endParaRPr lang="en-NL"/>
+          </a:p>
+        </p:txBody>
+      </p:sp>
+      <p:sp>
+        <p:nvSpPr>
+          <p:cNvPr id="35" name="Hexagon 34">
+            <a:extLst>
+              <a:ext uri="{FF2B5EF4-FFF2-40B4-BE49-F238E27FC236}">
+                <a16:creationId xmlns:a16="http://schemas.microsoft.com/office/drawing/2014/main" id="{0037A2A0-8D75-B940-835C-26E592882C69}"/>
+              </a:ext>
+            </a:extLst>
+          </p:cNvPr>
+          <p:cNvSpPr/>
+          <p:nvPr/>
+        </p:nvSpPr>
+        <p:spPr>
+          <a:xfrm>
+            <a:off x="7270012" y="2949651"/>
+            <a:ext cx="526943" cy="425834"/>
+          </a:xfrm>
+          <a:prstGeom prst="hexagon">
+            <a:avLst/>
+          </a:prstGeom>
+          <a:solidFill>
+            <a:schemeClr val="bg2"/>
+          </a:solidFill>
+          <a:ln>
+            <a:solidFill>
+              <a:schemeClr val="bg2"/>
+            </a:solidFill>
+          </a:ln>
+        </p:spPr>
+        <p:style>
+          <a:lnRef idx="2">
+            <a:schemeClr val="accent1">
+              <a:shade val="50000"/>
+            </a:schemeClr>
+          </a:lnRef>
+          <a:fillRef idx="1">
+            <a:schemeClr val="accent1"/>
+          </a:fillRef>
+          <a:effectRef idx="0">
+            <a:schemeClr val="accent1"/>
+          </a:effectRef>
+          <a:fontRef idx="minor">
+            <a:schemeClr val="lt1"/>
+          </a:fontRef>
+        </p:style>
+        <p:txBody>
+          <a:bodyPr rtlCol="0" anchor="ctr"/>
+          <a:lstStyle/>
+          <a:p>
+            <a:pPr algn="ctr"/>
+            <a:endParaRPr lang="en-NL"/>
+          </a:p>
+        </p:txBody>
+      </p:sp>
+      <p:sp>
+        <p:nvSpPr>
+          <p:cNvPr id="36" name="Hexagon 35">
+            <a:extLst>
+              <a:ext uri="{FF2B5EF4-FFF2-40B4-BE49-F238E27FC236}">
+                <a16:creationId xmlns:a16="http://schemas.microsoft.com/office/drawing/2014/main" id="{34ABA7B3-653A-E24D-B127-F6F5AEBE2C7B}"/>
+              </a:ext>
+            </a:extLst>
+          </p:cNvPr>
+          <p:cNvSpPr/>
+          <p:nvPr/>
+        </p:nvSpPr>
+        <p:spPr>
+          <a:xfrm>
+            <a:off x="7265910" y="3464534"/>
+            <a:ext cx="526943" cy="425834"/>
+          </a:xfrm>
+          <a:prstGeom prst="hexagon">
+            <a:avLst/>
+          </a:prstGeom>
+          <a:solidFill>
+            <a:schemeClr val="bg2"/>
+          </a:solidFill>
+          <a:ln>
+            <a:solidFill>
+              <a:schemeClr val="bg2"/>
+            </a:solidFill>
+          </a:ln>
+        </p:spPr>
+        <p:style>
+          <a:lnRef idx="2">
+            <a:schemeClr val="accent1">
+              <a:shade val="50000"/>
+            </a:schemeClr>
+          </a:lnRef>
+          <a:fillRef idx="1">
+            <a:schemeClr val="accent1"/>
+          </a:fillRef>
+          <a:effectRef idx="0">
+            <a:schemeClr val="accent1"/>
+          </a:effectRef>
+          <a:fontRef idx="minor">
+            <a:schemeClr val="lt1"/>
+          </a:fontRef>
+        </p:style>
+        <p:txBody>
+          <a:bodyPr rtlCol="0" anchor="ctr"/>
+          <a:lstStyle/>
+          <a:p>
+            <a:pPr algn="ctr"/>
+            <a:endParaRPr lang="en-NL"/>
+          </a:p>
+        </p:txBody>
+      </p:sp>
+      <p:sp>
+        <p:nvSpPr>
+          <p:cNvPr id="37" name="Hexagon 36">
+            <a:extLst>
+              <a:ext uri="{FF2B5EF4-FFF2-40B4-BE49-F238E27FC236}">
+                <a16:creationId xmlns:a16="http://schemas.microsoft.com/office/drawing/2014/main" id="{980F8705-E6AE-3E4B-9146-F98BFFE8E753}"/>
+              </a:ext>
+            </a:extLst>
+          </p:cNvPr>
+          <p:cNvSpPr/>
+          <p:nvPr/>
+        </p:nvSpPr>
+        <p:spPr>
+          <a:xfrm>
+            <a:off x="7276165" y="3976879"/>
+            <a:ext cx="526943" cy="425834"/>
+          </a:xfrm>
+          <a:prstGeom prst="hexagon">
+            <a:avLst/>
+          </a:prstGeom>
+          <a:solidFill>
+            <a:schemeClr val="bg2"/>
+          </a:solidFill>
+          <a:ln>
+            <a:solidFill>
+              <a:schemeClr val="bg2"/>
+            </a:solidFill>
+          </a:ln>
+        </p:spPr>
+        <p:style>
+          <a:lnRef idx="2">
+            <a:schemeClr val="accent1">
+              <a:shade val="50000"/>
+            </a:schemeClr>
+          </a:lnRef>
+          <a:fillRef idx="1">
+            <a:schemeClr val="accent1"/>
+          </a:fillRef>
+          <a:effectRef idx="0">
+            <a:schemeClr val="accent1"/>
+          </a:effectRef>
+          <a:fontRef idx="minor">
+            <a:schemeClr val="lt1"/>
+          </a:fontRef>
+        </p:style>
+        <p:txBody>
+          <a:bodyPr rtlCol="0" anchor="ctr"/>
+          <a:lstStyle/>
+          <a:p>
+            <a:pPr algn="ctr"/>
+            <a:endParaRPr lang="en-NL"/>
+          </a:p>
+        </p:txBody>
+      </p:sp>
+    </p:spTree>
+    <p:extLst>
+      <p:ext uri="{BB962C8B-B14F-4D97-AF65-F5344CB8AC3E}">
+        <p14:creationId xmlns:p14="http://schemas.microsoft.com/office/powerpoint/2010/main" val="3863189371"/>
+      </p:ext>
+    </p:extLst>
+  </p:cSld>
+  <p:clrMapOvr>
+    <a:masterClrMapping/>
+  </p:clrMapOvr>
+</p:sld>
+</file>
+
+<file path=ppt/slides/slide50.xml><?xml version="1.0" encoding="utf-8"?>
 <p:sld xmlns:a="http://schemas.openxmlformats.org/drawingml/2006/main" xmlns:r="http://schemas.openxmlformats.org/officeDocument/2006/relationships" xmlns:p="http://schemas.openxmlformats.org/presentationml/2006/main">
   <p:cSld>
     <p:spTree>
@@ -17722,7 +17122,7 @@
 </p:sld>
 </file>
 
-<file path=ppt/slides/slide53.xml><?xml version="1.0" encoding="utf-8"?>
+<file path=ppt/slides/slide51.xml><?xml version="1.0" encoding="utf-8"?>
 <p:sld xmlns:a="http://schemas.openxmlformats.org/drawingml/2006/main" xmlns:r="http://schemas.openxmlformats.org/officeDocument/2006/relationships" xmlns:p="http://schemas.openxmlformats.org/presentationml/2006/main">
   <p:cSld>
     <p:spTree>
@@ -18030,7 +17430,7 @@
 </p:sld>
 </file>
 
-<file path=ppt/slides/slide54.xml><?xml version="1.0" encoding="utf-8"?>
+<file path=ppt/slides/slide52.xml><?xml version="1.0" encoding="utf-8"?>
 <p:sld xmlns:a="http://schemas.openxmlformats.org/drawingml/2006/main" xmlns:r="http://schemas.openxmlformats.org/officeDocument/2006/relationships" xmlns:p="http://schemas.openxmlformats.org/presentationml/2006/main">
   <p:cSld>
     <p:spTree>
@@ -18199,7 +17599,7 @@
 </p:sld>
 </file>
 
-<file path=ppt/slides/slide55.xml><?xml version="1.0" encoding="utf-8"?>
+<file path=ppt/slides/slide53.xml><?xml version="1.0" encoding="utf-8"?>
 <p:sld xmlns:a="http://schemas.openxmlformats.org/drawingml/2006/main" xmlns:r="http://schemas.openxmlformats.org/officeDocument/2006/relationships" xmlns:p="http://schemas.openxmlformats.org/presentationml/2006/main">
   <p:cSld>
     <p:spTree>
@@ -18519,7 +17919,7 @@
 </p:sld>
 </file>
 
-<file path=ppt/slides/slide56.xml><?xml version="1.0" encoding="utf-8"?>
+<file path=ppt/slides/slide54.xml><?xml version="1.0" encoding="utf-8"?>
 <p:sld xmlns:a="http://schemas.openxmlformats.org/drawingml/2006/main" xmlns:r="http://schemas.openxmlformats.org/officeDocument/2006/relationships" xmlns:p="http://schemas.openxmlformats.org/presentationml/2006/main">
   <p:cSld>
     <p:spTree>
@@ -18688,7 +18088,7 @@
 </p:sld>
 </file>
 
-<file path=ppt/slides/slide57.xml><?xml version="1.0" encoding="utf-8"?>
+<file path=ppt/slides/slide55.xml><?xml version="1.0" encoding="utf-8"?>
 <p:sld xmlns:a="http://schemas.openxmlformats.org/drawingml/2006/main" xmlns:r="http://schemas.openxmlformats.org/officeDocument/2006/relationships" xmlns:p="http://schemas.openxmlformats.org/presentationml/2006/main">
   <p:cSld>
     <p:spTree>
@@ -18996,7 +18396,7 @@
 </p:sld>
 </file>
 
-<file path=ppt/slides/slide58.xml><?xml version="1.0" encoding="utf-8"?>
+<file path=ppt/slides/slide56.xml><?xml version="1.0" encoding="utf-8"?>
 <p:sld xmlns:a="http://schemas.openxmlformats.org/drawingml/2006/main" xmlns:r="http://schemas.openxmlformats.org/officeDocument/2006/relationships" xmlns:p="http://schemas.openxmlformats.org/presentationml/2006/main">
   <p:cSld>
     <p:spTree>
@@ -19156,6 +18556,297 @@
     <p:extLst>
       <p:ext uri="{BB962C8B-B14F-4D97-AF65-F5344CB8AC3E}">
         <p14:creationId xmlns:p14="http://schemas.microsoft.com/office/powerpoint/2010/main" val="141956057"/>
+      </p:ext>
+    </p:extLst>
+  </p:cSld>
+  <p:clrMapOvr>
+    <a:masterClrMapping/>
+  </p:clrMapOvr>
+</p:sld>
+</file>
+
+<file path=ppt/slides/slide57.xml><?xml version="1.0" encoding="utf-8"?>
+<p:sld xmlns:a="http://schemas.openxmlformats.org/drawingml/2006/main" xmlns:r="http://schemas.openxmlformats.org/officeDocument/2006/relationships" xmlns:p="http://schemas.openxmlformats.org/presentationml/2006/main">
+  <p:cSld>
+    <p:spTree>
+      <p:nvGrpSpPr>
+        <p:cNvPr id="1" name=""/>
+        <p:cNvGrpSpPr/>
+        <p:nvPr/>
+      </p:nvGrpSpPr>
+      <p:grpSpPr>
+        <a:xfrm>
+          <a:off x="0" y="0"/>
+          <a:ext cx="0" cy="0"/>
+          <a:chOff x="0" y="0"/>
+          <a:chExt cx="0" cy="0"/>
+        </a:xfrm>
+      </p:grpSpPr>
+      <p:sp>
+        <p:nvSpPr>
+          <p:cNvPr id="7" name="Rounded Rectangle 6">
+            <a:extLst>
+              <a:ext uri="{FF2B5EF4-FFF2-40B4-BE49-F238E27FC236}">
+                <a16:creationId xmlns:a16="http://schemas.microsoft.com/office/drawing/2014/main" id="{B3DC599D-AD1B-104D-B158-5C2A6823AC16}"/>
+              </a:ext>
+            </a:extLst>
+          </p:cNvPr>
+          <p:cNvSpPr/>
+          <p:nvPr/>
+        </p:nvSpPr>
+        <p:spPr>
+          <a:xfrm>
+            <a:off x="0" y="0"/>
+            <a:ext cx="7559675" cy="5327650"/>
+          </a:xfrm>
+          <a:prstGeom prst="roundRect">
+            <a:avLst>
+              <a:gd name="adj" fmla="val 0"/>
+            </a:avLst>
+          </a:prstGeom>
+          <a:solidFill>
+            <a:srgbClr val="FFC2E8"/>
+          </a:solidFill>
+          <a:ln>
+            <a:noFill/>
+          </a:ln>
+        </p:spPr>
+        <p:style>
+          <a:lnRef idx="2">
+            <a:schemeClr val="accent1">
+              <a:shade val="50000"/>
+            </a:schemeClr>
+          </a:lnRef>
+          <a:fillRef idx="1">
+            <a:schemeClr val="accent1"/>
+          </a:fillRef>
+          <a:effectRef idx="0">
+            <a:schemeClr val="accent1"/>
+          </a:effectRef>
+          <a:fontRef idx="minor">
+            <a:schemeClr val="lt1"/>
+          </a:fontRef>
+        </p:style>
+        <p:txBody>
+          <a:bodyPr rtlCol="0" anchor="ctr"/>
+          <a:lstStyle/>
+          <a:p>
+            <a:pPr algn="ctr"/>
+            <a:endParaRPr lang="en-NL"/>
+          </a:p>
+        </p:txBody>
+      </p:sp>
+      <p:sp>
+        <p:nvSpPr>
+          <p:cNvPr id="6" name="TextBox 5">
+            <a:extLst>
+              <a:ext uri="{FF2B5EF4-FFF2-40B4-BE49-F238E27FC236}">
+                <a16:creationId xmlns:a16="http://schemas.microsoft.com/office/drawing/2014/main" id="{009EAD6C-D563-D744-AFCA-AE8CA95E6630}"/>
+              </a:ext>
+            </a:extLst>
+          </p:cNvPr>
+          <p:cNvSpPr txBox="1"/>
+          <p:nvPr/>
+        </p:nvSpPr>
+        <p:spPr>
+          <a:xfrm>
+            <a:off x="329715" y="1463496"/>
+            <a:ext cx="6900243" cy="2400657"/>
+          </a:xfrm>
+          <a:prstGeom prst="rect">
+            <a:avLst/>
+          </a:prstGeom>
+          <a:noFill/>
+        </p:spPr>
+        <p:txBody>
+          <a:bodyPr wrap="square" rtlCol="0">
+            <a:spAutoFit/>
+          </a:bodyPr>
+          <a:lstStyle/>
+          <a:p>
+            <a:pPr algn="ctr"/>
+            <a:r>
+              <a:rPr lang="en-NL" sz="5000" b="1" dirty="0">
+                <a:latin typeface="Ubuntu" panose="020B0504030602030204" pitchFamily="34" charset="0"/>
+              </a:rPr>
+              <a:t>Don’t measure Output. Measure Outcomes</a:t>
+            </a:r>
+          </a:p>
+        </p:txBody>
+      </p:sp>
+    </p:spTree>
+    <p:extLst>
+      <p:ext uri="{BB962C8B-B14F-4D97-AF65-F5344CB8AC3E}">
+        <p14:creationId xmlns:p14="http://schemas.microsoft.com/office/powerpoint/2010/main" val="3384980287"/>
+      </p:ext>
+    </p:extLst>
+  </p:cSld>
+  <p:clrMapOvr>
+    <a:masterClrMapping/>
+  </p:clrMapOvr>
+</p:sld>
+</file>
+
+<file path=ppt/slides/slide58.xml><?xml version="1.0" encoding="utf-8"?>
+<p:sld xmlns:a="http://schemas.openxmlformats.org/drawingml/2006/main" xmlns:r="http://schemas.openxmlformats.org/officeDocument/2006/relationships" xmlns:p="http://schemas.openxmlformats.org/presentationml/2006/main">
+  <p:cSld>
+    <p:spTree>
+      <p:nvGrpSpPr>
+        <p:cNvPr id="1" name=""/>
+        <p:cNvGrpSpPr/>
+        <p:nvPr/>
+      </p:nvGrpSpPr>
+      <p:grpSpPr>
+        <a:xfrm>
+          <a:off x="0" y="0"/>
+          <a:ext cx="0" cy="0"/>
+          <a:chOff x="0" y="0"/>
+          <a:chExt cx="0" cy="0"/>
+        </a:xfrm>
+      </p:grpSpPr>
+      <p:sp>
+        <p:nvSpPr>
+          <p:cNvPr id="2" name="Title 1">
+            <a:extLst>
+              <a:ext uri="{FF2B5EF4-FFF2-40B4-BE49-F238E27FC236}">
+                <a16:creationId xmlns:a16="http://schemas.microsoft.com/office/drawing/2014/main" id="{CFCDF3DA-1D3D-E743-8E21-6B353B4D96A4}"/>
+              </a:ext>
+            </a:extLst>
+          </p:cNvPr>
+          <p:cNvSpPr>
+            <a:spLocks noGrp="1"/>
+          </p:cNvSpPr>
+          <p:nvPr>
+            <p:ph type="title"/>
+          </p:nvPr>
+        </p:nvSpPr>
+        <p:spPr/>
+        <p:txBody>
+          <a:bodyPr/>
+          <a:lstStyle/>
+          <a:p>
+            <a:endParaRPr lang="en-NL"/>
+          </a:p>
+        </p:txBody>
+      </p:sp>
+      <p:sp>
+        <p:nvSpPr>
+          <p:cNvPr id="3" name="Content Placeholder 2">
+            <a:extLst>
+              <a:ext uri="{FF2B5EF4-FFF2-40B4-BE49-F238E27FC236}">
+                <a16:creationId xmlns:a16="http://schemas.microsoft.com/office/drawing/2014/main" id="{40A525DA-CA85-AD48-8A85-52A75E1E5317}"/>
+              </a:ext>
+            </a:extLst>
+          </p:cNvPr>
+          <p:cNvSpPr>
+            <a:spLocks noGrp="1"/>
+          </p:cNvSpPr>
+          <p:nvPr>
+            <p:ph idx="1"/>
+          </p:nvPr>
+        </p:nvSpPr>
+        <p:spPr/>
+        <p:txBody>
+          <a:bodyPr/>
+          <a:lstStyle/>
+          <a:p>
+            <a:endParaRPr lang="en-NL"/>
+          </a:p>
+        </p:txBody>
+      </p:sp>
+      <p:sp>
+        <p:nvSpPr>
+          <p:cNvPr id="4" name="Rounded Rectangle 3">
+            <a:extLst>
+              <a:ext uri="{FF2B5EF4-FFF2-40B4-BE49-F238E27FC236}">
+                <a16:creationId xmlns:a16="http://schemas.microsoft.com/office/drawing/2014/main" id="{6B890BB6-3544-1A4E-A833-93135A597BB4}"/>
+              </a:ext>
+            </a:extLst>
+          </p:cNvPr>
+          <p:cNvSpPr/>
+          <p:nvPr/>
+        </p:nvSpPr>
+        <p:spPr>
+          <a:xfrm>
+            <a:off x="0" y="0"/>
+            <a:ext cx="7559675" cy="5327650"/>
+          </a:xfrm>
+          <a:prstGeom prst="roundRect">
+            <a:avLst>
+              <a:gd name="adj" fmla="val 0"/>
+            </a:avLst>
+          </a:prstGeom>
+          <a:blipFill>
+            <a:blip r:embed="rId2"/>
+            <a:stretch>
+              <a:fillRect/>
+            </a:stretch>
+          </a:blipFill>
+          <a:ln>
+            <a:solidFill>
+              <a:schemeClr val="bg2"/>
+            </a:solidFill>
+          </a:ln>
+        </p:spPr>
+        <p:style>
+          <a:lnRef idx="2">
+            <a:schemeClr val="accent1">
+              <a:shade val="50000"/>
+            </a:schemeClr>
+          </a:lnRef>
+          <a:fillRef idx="1">
+            <a:schemeClr val="accent1"/>
+          </a:fillRef>
+          <a:effectRef idx="0">
+            <a:schemeClr val="accent1"/>
+          </a:effectRef>
+          <a:fontRef idx="minor">
+            <a:schemeClr val="lt1"/>
+          </a:fontRef>
+        </p:style>
+        <p:txBody>
+          <a:bodyPr rtlCol="0" anchor="ctr"/>
+          <a:lstStyle/>
+          <a:p>
+            <a:pPr algn="ctr"/>
+            <a:endParaRPr lang="en-NL"/>
+          </a:p>
+        </p:txBody>
+      </p:sp>
+      <p:pic>
+        <p:nvPicPr>
+          <p:cNvPr id="5" name="Picture 4" descr="A picture containing food, drawing&#10;&#10;Description automatically generated">
+            <a:extLst>
+              <a:ext uri="{FF2B5EF4-FFF2-40B4-BE49-F238E27FC236}">
+                <a16:creationId xmlns:a16="http://schemas.microsoft.com/office/drawing/2014/main" id="{27611709-3190-2A4B-BCE4-4D329000A8EB}"/>
+              </a:ext>
+            </a:extLst>
+          </p:cNvPr>
+          <p:cNvPicPr>
+            <a:picLocks noChangeAspect="1"/>
+          </p:cNvPicPr>
+          <p:nvPr/>
+        </p:nvPicPr>
+        <p:blipFill>
+          <a:blip r:embed="rId3"/>
+          <a:stretch>
+            <a:fillRect/>
+          </a:stretch>
+        </p:blipFill>
+        <p:spPr>
+          <a:xfrm>
+            <a:off x="350837" y="-765175"/>
+            <a:ext cx="6858000" cy="6858000"/>
+          </a:xfrm>
+          <a:prstGeom prst="rect">
+            <a:avLst/>
+          </a:prstGeom>
+        </p:spPr>
+      </p:pic>
+    </p:spTree>
+    <p:extLst>
+      <p:ext uri="{BB962C8B-B14F-4D97-AF65-F5344CB8AC3E}">
+        <p14:creationId xmlns:p14="http://schemas.microsoft.com/office/powerpoint/2010/main" val="609235282"/>
       </p:ext>
     </p:extLst>
   </p:cSld>
@@ -19266,10 +18957,10 @@
           <a:p>
             <a:pPr algn="ctr"/>
             <a:r>
-              <a:rPr lang="en-NL" sz="5000" b="1" dirty="0">
+              <a:rPr lang="en-NL" sz="5000" b="1">
                 <a:latin typeface="Ubuntu" panose="020B0504030602030204" pitchFamily="34" charset="0"/>
               </a:rPr>
-              <a:t>Don’t measure Output. Measure Outcomes</a:t>
+              <a:t>It’s not about the Metrics, but about the Conversation</a:t>
             </a:r>
           </a:p>
         </p:txBody>
@@ -19277,7 +18968,7 @@
     </p:spTree>
     <p:extLst>
       <p:ext uri="{BB962C8B-B14F-4D97-AF65-F5344CB8AC3E}">
-        <p14:creationId xmlns:p14="http://schemas.microsoft.com/office/powerpoint/2010/main" val="3384980287"/>
+        <p14:creationId xmlns:p14="http://schemas.microsoft.com/office/powerpoint/2010/main" val="3864524999"/>
       </p:ext>
     </p:extLst>
   </p:cSld>
@@ -19615,7 +19306,7 @@
     </p:spTree>
     <p:extLst>
       <p:ext uri="{BB962C8B-B14F-4D97-AF65-F5344CB8AC3E}">
-        <p14:creationId xmlns:p14="http://schemas.microsoft.com/office/powerpoint/2010/main" val="609235282"/>
+        <p14:creationId xmlns:p14="http://schemas.microsoft.com/office/powerpoint/2010/main" val="2834202860"/>
       </p:ext>
     </p:extLst>
   </p:cSld>
@@ -19710,8 +19401,8 @@
         </p:nvSpPr>
         <p:spPr>
           <a:xfrm>
-            <a:off x="329715" y="1463496"/>
-            <a:ext cx="6900243" cy="2400657"/>
+            <a:off x="329715" y="1078775"/>
+            <a:ext cx="6900243" cy="3170099"/>
           </a:xfrm>
           <a:prstGeom prst="rect">
             <a:avLst/>
@@ -19726,10 +19417,40 @@
           <a:p>
             <a:pPr algn="ctr"/>
             <a:r>
-              <a:rPr lang="en-NL" sz="5000" b="1">
+              <a:rPr lang="en-NL" sz="5000" dirty="0">
                 <a:latin typeface="Ubuntu" panose="020B0504030602030204" pitchFamily="34" charset="0"/>
               </a:rPr>
-              <a:t>It’s not about the Metrics, but about the Conversation</a:t>
+              <a:t>Learn more about</a:t>
+            </a:r>
+            <a:r>
+              <a:rPr lang="en-NL" sz="5000" b="1" dirty="0">
+                <a:latin typeface="Ubuntu" panose="020B0504030602030204" pitchFamily="34" charset="0"/>
+              </a:rPr>
+              <a:t> </a:t>
+            </a:r>
+          </a:p>
+          <a:p>
+            <a:pPr algn="ctr"/>
+            <a:r>
+              <a:rPr lang="en-NL" sz="5000" b="1" dirty="0">
+                <a:latin typeface="Ubuntu" panose="020B0504030602030204" pitchFamily="34" charset="0"/>
+              </a:rPr>
+              <a:t>Evidence Based Management </a:t>
+            </a:r>
+            <a:r>
+              <a:rPr lang="en-NL" sz="5000" dirty="0">
+                <a:latin typeface="Ubuntu" panose="020B0504030602030204" pitchFamily="34" charset="0"/>
+              </a:rPr>
+              <a:t>at</a:t>
+            </a:r>
+          </a:p>
+          <a:p>
+            <a:pPr algn="ctr"/>
+            <a:r>
+              <a:rPr lang="en-NL" sz="5000" dirty="0">
+                <a:latin typeface="Ubuntu" panose="020B0504030602030204" pitchFamily="34" charset="0"/>
+              </a:rPr>
+              <a:t>http://scrum.org/EBM</a:t>
             </a:r>
           </a:p>
         </p:txBody>
@@ -19737,7 +19458,7 @@
     </p:spTree>
     <p:extLst>
       <p:ext uri="{BB962C8B-B14F-4D97-AF65-F5344CB8AC3E}">
-        <p14:creationId xmlns:p14="http://schemas.microsoft.com/office/powerpoint/2010/main" val="3864524999"/>
+        <p14:creationId xmlns:p14="http://schemas.microsoft.com/office/powerpoint/2010/main" val="1377554222"/>
       </p:ext>
     </p:extLst>
   </p:cSld>
@@ -19906,7 +19627,7 @@
     </p:spTree>
     <p:extLst>
       <p:ext uri="{BB962C8B-B14F-4D97-AF65-F5344CB8AC3E}">
-        <p14:creationId xmlns:p14="http://schemas.microsoft.com/office/powerpoint/2010/main" val="2834202860"/>
+        <p14:creationId xmlns:p14="http://schemas.microsoft.com/office/powerpoint/2010/main" val="1817486122"/>
       </p:ext>
     </p:extLst>
   </p:cSld>
@@ -19935,327 +19656,6 @@
       </p:grpSpPr>
       <p:sp>
         <p:nvSpPr>
-          <p:cNvPr id="7" name="Rounded Rectangle 6">
-            <a:extLst>
-              <a:ext uri="{FF2B5EF4-FFF2-40B4-BE49-F238E27FC236}">
-                <a16:creationId xmlns:a16="http://schemas.microsoft.com/office/drawing/2014/main" id="{B3DC599D-AD1B-104D-B158-5C2A6823AC16}"/>
-              </a:ext>
-            </a:extLst>
-          </p:cNvPr>
-          <p:cNvSpPr/>
-          <p:nvPr/>
-        </p:nvSpPr>
-        <p:spPr>
-          <a:xfrm>
-            <a:off x="0" y="0"/>
-            <a:ext cx="7559675" cy="5327650"/>
-          </a:xfrm>
-          <a:prstGeom prst="roundRect">
-            <a:avLst>
-              <a:gd name="adj" fmla="val 0"/>
-            </a:avLst>
-          </a:prstGeom>
-          <a:solidFill>
-            <a:srgbClr val="FFC2E8"/>
-          </a:solidFill>
-          <a:ln>
-            <a:noFill/>
-          </a:ln>
-        </p:spPr>
-        <p:style>
-          <a:lnRef idx="2">
-            <a:schemeClr val="accent1">
-              <a:shade val="50000"/>
-            </a:schemeClr>
-          </a:lnRef>
-          <a:fillRef idx="1">
-            <a:schemeClr val="accent1"/>
-          </a:fillRef>
-          <a:effectRef idx="0">
-            <a:schemeClr val="accent1"/>
-          </a:effectRef>
-          <a:fontRef idx="minor">
-            <a:schemeClr val="lt1"/>
-          </a:fontRef>
-        </p:style>
-        <p:txBody>
-          <a:bodyPr rtlCol="0" anchor="ctr"/>
-          <a:lstStyle/>
-          <a:p>
-            <a:pPr algn="ctr"/>
-            <a:endParaRPr lang="en-NL"/>
-          </a:p>
-        </p:txBody>
-      </p:sp>
-      <p:sp>
-        <p:nvSpPr>
-          <p:cNvPr id="6" name="TextBox 5">
-            <a:extLst>
-              <a:ext uri="{FF2B5EF4-FFF2-40B4-BE49-F238E27FC236}">
-                <a16:creationId xmlns:a16="http://schemas.microsoft.com/office/drawing/2014/main" id="{009EAD6C-D563-D744-AFCA-AE8CA95E6630}"/>
-              </a:ext>
-            </a:extLst>
-          </p:cNvPr>
-          <p:cNvSpPr txBox="1"/>
-          <p:nvPr/>
-        </p:nvSpPr>
-        <p:spPr>
-          <a:xfrm>
-            <a:off x="329715" y="1078775"/>
-            <a:ext cx="6900243" cy="3170099"/>
-          </a:xfrm>
-          <a:prstGeom prst="rect">
-            <a:avLst/>
-          </a:prstGeom>
-          <a:noFill/>
-        </p:spPr>
-        <p:txBody>
-          <a:bodyPr wrap="square" rtlCol="0">
-            <a:spAutoFit/>
-          </a:bodyPr>
-          <a:lstStyle/>
-          <a:p>
-            <a:pPr algn="ctr"/>
-            <a:r>
-              <a:rPr lang="en-NL" sz="5000" dirty="0">
-                <a:latin typeface="Ubuntu" panose="020B0504030602030204" pitchFamily="34" charset="0"/>
-              </a:rPr>
-              <a:t>Learn more about</a:t>
-            </a:r>
-            <a:r>
-              <a:rPr lang="en-NL" sz="5000" b="1" dirty="0">
-                <a:latin typeface="Ubuntu" panose="020B0504030602030204" pitchFamily="34" charset="0"/>
-              </a:rPr>
-              <a:t> </a:t>
-            </a:r>
-          </a:p>
-          <a:p>
-            <a:pPr algn="ctr"/>
-            <a:r>
-              <a:rPr lang="en-NL" sz="5000" b="1" dirty="0">
-                <a:latin typeface="Ubuntu" panose="020B0504030602030204" pitchFamily="34" charset="0"/>
-              </a:rPr>
-              <a:t>Evidence Based Management </a:t>
-            </a:r>
-            <a:r>
-              <a:rPr lang="en-NL" sz="5000" dirty="0">
-                <a:latin typeface="Ubuntu" panose="020B0504030602030204" pitchFamily="34" charset="0"/>
-              </a:rPr>
-              <a:t>at</a:t>
-            </a:r>
-          </a:p>
-          <a:p>
-            <a:pPr algn="ctr"/>
-            <a:r>
-              <a:rPr lang="en-NL" sz="5000" dirty="0">
-                <a:latin typeface="Ubuntu" panose="020B0504030602030204" pitchFamily="34" charset="0"/>
-              </a:rPr>
-              <a:t>http://scrum.org/EBM</a:t>
-            </a:r>
-          </a:p>
-        </p:txBody>
-      </p:sp>
-    </p:spTree>
-    <p:extLst>
-      <p:ext uri="{BB962C8B-B14F-4D97-AF65-F5344CB8AC3E}">
-        <p14:creationId xmlns:p14="http://schemas.microsoft.com/office/powerpoint/2010/main" val="1377554222"/>
-      </p:ext>
-    </p:extLst>
-  </p:cSld>
-  <p:clrMapOvr>
-    <a:masterClrMapping/>
-  </p:clrMapOvr>
-</p:sld>
-</file>
-
-<file path=ppt/slides/slide64.xml><?xml version="1.0" encoding="utf-8"?>
-<p:sld xmlns:a="http://schemas.openxmlformats.org/drawingml/2006/main" xmlns:r="http://schemas.openxmlformats.org/officeDocument/2006/relationships" xmlns:p="http://schemas.openxmlformats.org/presentationml/2006/main">
-  <p:cSld>
-    <p:spTree>
-      <p:nvGrpSpPr>
-        <p:cNvPr id="1" name=""/>
-        <p:cNvGrpSpPr/>
-        <p:nvPr/>
-      </p:nvGrpSpPr>
-      <p:grpSpPr>
-        <a:xfrm>
-          <a:off x="0" y="0"/>
-          <a:ext cx="0" cy="0"/>
-          <a:chOff x="0" y="0"/>
-          <a:chExt cx="0" cy="0"/>
-        </a:xfrm>
-      </p:grpSpPr>
-      <p:sp>
-        <p:nvSpPr>
-          <p:cNvPr id="2" name="Title 1">
-            <a:extLst>
-              <a:ext uri="{FF2B5EF4-FFF2-40B4-BE49-F238E27FC236}">
-                <a16:creationId xmlns:a16="http://schemas.microsoft.com/office/drawing/2014/main" id="{CFCDF3DA-1D3D-E743-8E21-6B353B4D96A4}"/>
-              </a:ext>
-            </a:extLst>
-          </p:cNvPr>
-          <p:cNvSpPr>
-            <a:spLocks noGrp="1"/>
-          </p:cNvSpPr>
-          <p:nvPr>
-            <p:ph type="title"/>
-          </p:nvPr>
-        </p:nvSpPr>
-        <p:spPr/>
-        <p:txBody>
-          <a:bodyPr/>
-          <a:lstStyle/>
-          <a:p>
-            <a:endParaRPr lang="en-NL"/>
-          </a:p>
-        </p:txBody>
-      </p:sp>
-      <p:sp>
-        <p:nvSpPr>
-          <p:cNvPr id="3" name="Content Placeholder 2">
-            <a:extLst>
-              <a:ext uri="{FF2B5EF4-FFF2-40B4-BE49-F238E27FC236}">
-                <a16:creationId xmlns:a16="http://schemas.microsoft.com/office/drawing/2014/main" id="{40A525DA-CA85-AD48-8A85-52A75E1E5317}"/>
-              </a:ext>
-            </a:extLst>
-          </p:cNvPr>
-          <p:cNvSpPr>
-            <a:spLocks noGrp="1"/>
-          </p:cNvSpPr>
-          <p:nvPr>
-            <p:ph idx="1"/>
-          </p:nvPr>
-        </p:nvSpPr>
-        <p:spPr/>
-        <p:txBody>
-          <a:bodyPr/>
-          <a:lstStyle/>
-          <a:p>
-            <a:endParaRPr lang="en-NL"/>
-          </a:p>
-        </p:txBody>
-      </p:sp>
-      <p:sp>
-        <p:nvSpPr>
-          <p:cNvPr id="4" name="Rounded Rectangle 3">
-            <a:extLst>
-              <a:ext uri="{FF2B5EF4-FFF2-40B4-BE49-F238E27FC236}">
-                <a16:creationId xmlns:a16="http://schemas.microsoft.com/office/drawing/2014/main" id="{6B890BB6-3544-1A4E-A833-93135A597BB4}"/>
-              </a:ext>
-            </a:extLst>
-          </p:cNvPr>
-          <p:cNvSpPr/>
-          <p:nvPr/>
-        </p:nvSpPr>
-        <p:spPr>
-          <a:xfrm>
-            <a:off x="0" y="0"/>
-            <a:ext cx="7559675" cy="5327650"/>
-          </a:xfrm>
-          <a:prstGeom prst="roundRect">
-            <a:avLst>
-              <a:gd name="adj" fmla="val 0"/>
-            </a:avLst>
-          </a:prstGeom>
-          <a:blipFill>
-            <a:blip r:embed="rId2"/>
-            <a:stretch>
-              <a:fillRect/>
-            </a:stretch>
-          </a:blipFill>
-          <a:ln>
-            <a:solidFill>
-              <a:schemeClr val="bg2"/>
-            </a:solidFill>
-          </a:ln>
-        </p:spPr>
-        <p:style>
-          <a:lnRef idx="2">
-            <a:schemeClr val="accent1">
-              <a:shade val="50000"/>
-            </a:schemeClr>
-          </a:lnRef>
-          <a:fillRef idx="1">
-            <a:schemeClr val="accent1"/>
-          </a:fillRef>
-          <a:effectRef idx="0">
-            <a:schemeClr val="accent1"/>
-          </a:effectRef>
-          <a:fontRef idx="minor">
-            <a:schemeClr val="lt1"/>
-          </a:fontRef>
-        </p:style>
-        <p:txBody>
-          <a:bodyPr rtlCol="0" anchor="ctr"/>
-          <a:lstStyle/>
-          <a:p>
-            <a:pPr algn="ctr"/>
-            <a:endParaRPr lang="en-NL"/>
-          </a:p>
-        </p:txBody>
-      </p:sp>
-      <p:pic>
-        <p:nvPicPr>
-          <p:cNvPr id="5" name="Picture 4" descr="A picture containing food, drawing&#10;&#10;Description automatically generated">
-            <a:extLst>
-              <a:ext uri="{FF2B5EF4-FFF2-40B4-BE49-F238E27FC236}">
-                <a16:creationId xmlns:a16="http://schemas.microsoft.com/office/drawing/2014/main" id="{27611709-3190-2A4B-BCE4-4D329000A8EB}"/>
-              </a:ext>
-            </a:extLst>
-          </p:cNvPr>
-          <p:cNvPicPr>
-            <a:picLocks noChangeAspect="1"/>
-          </p:cNvPicPr>
-          <p:nvPr/>
-        </p:nvPicPr>
-        <p:blipFill>
-          <a:blip r:embed="rId3"/>
-          <a:stretch>
-            <a:fillRect/>
-          </a:stretch>
-        </p:blipFill>
-        <p:spPr>
-          <a:xfrm>
-            <a:off x="350837" y="-765175"/>
-            <a:ext cx="6858000" cy="6858000"/>
-          </a:xfrm>
-          <a:prstGeom prst="rect">
-            <a:avLst/>
-          </a:prstGeom>
-        </p:spPr>
-      </p:pic>
-    </p:spTree>
-    <p:extLst>
-      <p:ext uri="{BB962C8B-B14F-4D97-AF65-F5344CB8AC3E}">
-        <p14:creationId xmlns:p14="http://schemas.microsoft.com/office/powerpoint/2010/main" val="1817486122"/>
-      </p:ext>
-    </p:extLst>
-  </p:cSld>
-  <p:clrMapOvr>
-    <a:masterClrMapping/>
-  </p:clrMapOvr>
-</p:sld>
-</file>
-
-<file path=ppt/slides/slide65.xml><?xml version="1.0" encoding="utf-8"?>
-<p:sld xmlns:a="http://schemas.openxmlformats.org/drawingml/2006/main" xmlns:r="http://schemas.openxmlformats.org/officeDocument/2006/relationships" xmlns:p="http://schemas.openxmlformats.org/presentationml/2006/main">
-  <p:cSld>
-    <p:spTree>
-      <p:nvGrpSpPr>
-        <p:cNvPr id="1" name=""/>
-        <p:cNvGrpSpPr/>
-        <p:nvPr/>
-      </p:nvGrpSpPr>
-      <p:grpSpPr>
-        <a:xfrm>
-          <a:off x="0" y="0"/>
-          <a:ext cx="0" cy="0"/>
-          <a:chOff x="0" y="0"/>
-          <a:chExt cx="0" cy="0"/>
-        </a:xfrm>
-      </p:grpSpPr>
-      <p:sp>
-        <p:nvSpPr>
           <p:cNvPr id="6" name="TextBox 5">
             <a:extLst>
               <a:ext uri="{FF2B5EF4-FFF2-40B4-BE49-F238E27FC236}">
@@ -20471,7 +19871,7 @@
 </p:sld>
 </file>
 
-<file path=ppt/slides/slide66.xml><?xml version="1.0" encoding="utf-8"?>
+<file path=ppt/slides/slide64.xml><?xml version="1.0" encoding="utf-8"?>
 <p:sld xmlns:a="http://schemas.openxmlformats.org/drawingml/2006/main" xmlns:r="http://schemas.openxmlformats.org/officeDocument/2006/relationships" xmlns:p="http://schemas.openxmlformats.org/presentationml/2006/main">
   <p:cSld>
     <p:spTree>

--- a/Measuring Outcome v2 - 2020 update.pptx
+++ b/Measuring Outcome v2 - 2020 update.pptx
@@ -5,7 +5,7 @@
     <p:sldMasterId id="2147483660" r:id="rId1"/>
   </p:sldMasterIdLst>
   <p:notesMasterIdLst>
-    <p:notesMasterId r:id="rId66"/>
+    <p:notesMasterId r:id="rId67"/>
   </p:notesMasterIdLst>
   <p:sldIdLst>
     <p:sldId id="256" r:id="rId2"/>
@@ -71,38 +71,39 @@
     <p:sldId id="335" r:id="rId62"/>
     <p:sldId id="333" r:id="rId63"/>
     <p:sldId id="356" r:id="rId64"/>
-    <p:sldId id="351" r:id="rId65"/>
+    <p:sldId id="359" r:id="rId65"/>
+    <p:sldId id="351" r:id="rId66"/>
   </p:sldIdLst>
   <p:sldSz cx="7559675" cy="5327650"/>
   <p:notesSz cx="6858000" cy="9144000"/>
   <p:embeddedFontLst>
     <p:embeddedFont>
       <p:font typeface="Calibri" panose="020F0502020204030204" pitchFamily="34" charset="0"/>
-      <p:regular r:id="rId67"/>
-      <p:bold r:id="rId67"/>
-      <p:italic r:id="rId67"/>
-      <p:boldItalic r:id="rId67"/>
+      <p:regular r:id="rId68"/>
+      <p:bold r:id="rId68"/>
+      <p:italic r:id="rId68"/>
+      <p:boldItalic r:id="rId68"/>
     </p:embeddedFont>
     <p:embeddedFont>
       <p:font typeface="Calibri Light" panose="020F0302020204030204" pitchFamily="34" charset="0"/>
-      <p:regular r:id="rId67"/>
-      <p:italic r:id="rId67"/>
+      <p:regular r:id="rId68"/>
+      <p:italic r:id="rId68"/>
     </p:embeddedFont>
     <p:embeddedFont>
       <p:font typeface="Marvel" pitchFamily="2" charset="0"/>
-      <p:regular r:id="rId67"/>
+      <p:regular r:id="rId68"/>
     </p:embeddedFont>
     <p:embeddedFont>
       <p:font typeface="Ubuntu" panose="020B0504030602030204" pitchFamily="34" charset="0"/>
-      <p:regular r:id="rId67"/>
-      <p:bold r:id="rId67"/>
-      <p:italic r:id="rId67"/>
-      <p:boldItalic r:id="rId67"/>
+      <p:regular r:id="rId68"/>
+      <p:bold r:id="rId68"/>
+      <p:italic r:id="rId68"/>
+      <p:boldItalic r:id="rId68"/>
     </p:embeddedFont>
     <p:embeddedFont>
       <p:font typeface="Ubuntu Light" panose="020B0304030602030204" pitchFamily="34" charset="0"/>
-      <p:regular r:id="rId67"/>
-      <p:italic r:id="rId67"/>
+      <p:regular r:id="rId68"/>
+      <p:italic r:id="rId68"/>
     </p:embeddedFont>
   </p:embeddedFontLst>
   <p:defaultTextStyle>
@@ -940,6 +941,90 @@
     <p:extLst>
       <p:ext uri="{BB962C8B-B14F-4D97-AF65-F5344CB8AC3E}">
         <p14:creationId xmlns:p14="http://schemas.microsoft.com/office/powerpoint/2010/main" val="855045261"/>
+      </p:ext>
+    </p:extLst>
+  </p:cSld>
+  <p:clrMapOvr>
+    <a:masterClrMapping/>
+  </p:clrMapOvr>
+</p:notes>
+</file>
+
+<file path=ppt/notesSlides/notesSlide4.xml><?xml version="1.0" encoding="utf-8"?>
+<p:notes xmlns:a="http://schemas.openxmlformats.org/drawingml/2006/main" xmlns:r="http://schemas.openxmlformats.org/officeDocument/2006/relationships" xmlns:p="http://schemas.openxmlformats.org/presentationml/2006/main">
+  <p:cSld>
+    <p:spTree>
+      <p:nvGrpSpPr>
+        <p:cNvPr id="1" name=""/>
+        <p:cNvGrpSpPr/>
+        <p:nvPr/>
+      </p:nvGrpSpPr>
+      <p:grpSpPr>
+        <a:xfrm>
+          <a:off x="0" y="0"/>
+          <a:ext cx="0" cy="0"/>
+          <a:chOff x="0" y="0"/>
+          <a:chExt cx="0" cy="0"/>
+        </a:xfrm>
+      </p:grpSpPr>
+      <p:sp>
+        <p:nvSpPr>
+          <p:cNvPr id="2" name="Slide Image Placeholder 1"/>
+          <p:cNvSpPr>
+            <a:spLocks noGrp="1" noRot="1" noChangeAspect="1"/>
+          </p:cNvSpPr>
+          <p:nvPr>
+            <p:ph type="sldImg"/>
+          </p:nvPr>
+        </p:nvSpPr>
+        <p:spPr/>
+      </p:sp>
+      <p:sp>
+        <p:nvSpPr>
+          <p:cNvPr id="3" name="Notes Placeholder 2"/>
+          <p:cNvSpPr>
+            <a:spLocks noGrp="1"/>
+          </p:cNvSpPr>
+          <p:nvPr>
+            <p:ph type="body" idx="1"/>
+          </p:nvPr>
+        </p:nvSpPr>
+        <p:spPr/>
+        <p:txBody>
+          <a:bodyPr/>
+          <a:lstStyle/>
+          <a:p>
+            <a:endParaRPr lang="en-NL" dirty="0"/>
+          </a:p>
+        </p:txBody>
+      </p:sp>
+      <p:sp>
+        <p:nvSpPr>
+          <p:cNvPr id="4" name="Slide Number Placeholder 3"/>
+          <p:cNvSpPr>
+            <a:spLocks noGrp="1"/>
+          </p:cNvSpPr>
+          <p:nvPr>
+            <p:ph type="sldNum" sz="quarter" idx="5"/>
+          </p:nvPr>
+        </p:nvSpPr>
+        <p:spPr/>
+        <p:txBody>
+          <a:bodyPr/>
+          <a:lstStyle/>
+          <a:p>
+            <a:fld id="{240114D0-54EC-2541-891C-414F49E4331F}" type="slidenum">
+              <a:rPr lang="en-NL" smtClean="0"/>
+              <a:t>64</a:t>
+            </a:fld>
+            <a:endParaRPr lang="en-NL"/>
+          </a:p>
+        </p:txBody>
+      </p:sp>
+    </p:spTree>
+    <p:extLst>
+      <p:ext uri="{BB962C8B-B14F-4D97-AF65-F5344CB8AC3E}">
+        <p14:creationId xmlns:p14="http://schemas.microsoft.com/office/powerpoint/2010/main" val="3488779904"/>
       </p:ext>
     </p:extLst>
   </p:cSld>
@@ -19872,6 +19957,297 @@
 </file>
 
 <file path=ppt/slides/slide64.xml><?xml version="1.0" encoding="utf-8"?>
+<p:sld xmlns:a="http://schemas.openxmlformats.org/drawingml/2006/main" xmlns:r="http://schemas.openxmlformats.org/officeDocument/2006/relationships" xmlns:p="http://schemas.openxmlformats.org/presentationml/2006/main">
+  <p:cSld>
+    <p:spTree>
+      <p:nvGrpSpPr>
+        <p:cNvPr id="1" name=""/>
+        <p:cNvGrpSpPr/>
+        <p:nvPr/>
+      </p:nvGrpSpPr>
+      <p:grpSpPr>
+        <a:xfrm>
+          <a:off x="0" y="0"/>
+          <a:ext cx="0" cy="0"/>
+          <a:chOff x="0" y="0"/>
+          <a:chExt cx="0" cy="0"/>
+        </a:xfrm>
+      </p:grpSpPr>
+      <p:sp>
+        <p:nvSpPr>
+          <p:cNvPr id="6" name="TextBox 5">
+            <a:extLst>
+              <a:ext uri="{FF2B5EF4-FFF2-40B4-BE49-F238E27FC236}">
+                <a16:creationId xmlns:a16="http://schemas.microsoft.com/office/drawing/2014/main" id="{009EAD6C-D563-D744-AFCA-AE8CA95E6630}"/>
+              </a:ext>
+            </a:extLst>
+          </p:cNvPr>
+          <p:cNvSpPr txBox="1"/>
+          <p:nvPr/>
+        </p:nvSpPr>
+        <p:spPr>
+          <a:xfrm>
+            <a:off x="571688" y="173949"/>
+            <a:ext cx="6416298" cy="400110"/>
+          </a:xfrm>
+          <a:prstGeom prst="rect">
+            <a:avLst/>
+          </a:prstGeom>
+          <a:noFill/>
+        </p:spPr>
+        <p:txBody>
+          <a:bodyPr wrap="square" rtlCol="0">
+            <a:spAutoFit/>
+          </a:bodyPr>
+          <a:lstStyle/>
+          <a:p>
+            <a:pPr algn="ctr"/>
+            <a:r>
+              <a:rPr lang="en-NL" sz="2000" b="1" dirty="0">
+                <a:latin typeface="Ubuntu" panose="020B0504030602030204" pitchFamily="34" charset="0"/>
+              </a:rPr>
+              <a:t>EBM Example Key Value Measures cheat sheet</a:t>
+            </a:r>
+            <a:endParaRPr lang="en-NL" sz="2000" dirty="0">
+              <a:latin typeface="Ubuntu" panose="020B0504030602030204" pitchFamily="34" charset="0"/>
+            </a:endParaRPr>
+          </a:p>
+        </p:txBody>
+      </p:sp>
+      <p:sp>
+        <p:nvSpPr>
+          <p:cNvPr id="8" name="TextBox 7">
+            <a:extLst>
+              <a:ext uri="{FF2B5EF4-FFF2-40B4-BE49-F238E27FC236}">
+                <a16:creationId xmlns:a16="http://schemas.microsoft.com/office/drawing/2014/main" id="{CBB6441C-A641-EE43-B9CA-553BCAFDDCAF}"/>
+              </a:ext>
+            </a:extLst>
+          </p:cNvPr>
+          <p:cNvSpPr txBox="1"/>
+          <p:nvPr/>
+        </p:nvSpPr>
+        <p:spPr>
+          <a:xfrm>
+            <a:off x="3501215" y="4821023"/>
+            <a:ext cx="3810078" cy="200055"/>
+          </a:xfrm>
+          <a:prstGeom prst="rect">
+            <a:avLst/>
+          </a:prstGeom>
+          <a:noFill/>
+        </p:spPr>
+        <p:txBody>
+          <a:bodyPr wrap="square" rtlCol="0">
+            <a:spAutoFit/>
+          </a:bodyPr>
+          <a:lstStyle/>
+          <a:p>
+            <a:pPr algn="r"/>
+            <a:r>
+              <a:rPr lang="en-NL" sz="700" dirty="0">
+                <a:solidFill>
+                  <a:schemeClr val="bg1">
+                    <a:lumMod val="65000"/>
+                  </a:schemeClr>
+                </a:solidFill>
+                <a:latin typeface="Ubuntu" panose="020B0504030602030204" pitchFamily="34" charset="0"/>
+              </a:rPr>
+              <a:t>Source: EBM guide 2020, http://scrum.org/EBM</a:t>
+            </a:r>
+          </a:p>
+        </p:txBody>
+      </p:sp>
+      <p:pic>
+        <p:nvPicPr>
+          <p:cNvPr id="2" name="Picture 1">
+            <a:extLst>
+              <a:ext uri="{FF2B5EF4-FFF2-40B4-BE49-F238E27FC236}">
+                <a16:creationId xmlns:a16="http://schemas.microsoft.com/office/drawing/2014/main" id="{98D7C774-BF2E-CC4D-BF85-02ACACF240A5}"/>
+              </a:ext>
+            </a:extLst>
+          </p:cNvPr>
+          <p:cNvPicPr>
+            <a:picLocks noChangeAspect="1"/>
+          </p:cNvPicPr>
+          <p:nvPr/>
+        </p:nvPicPr>
+        <p:blipFill>
+          <a:blip r:embed="rId3"/>
+          <a:stretch>
+            <a:fillRect/>
+          </a:stretch>
+        </p:blipFill>
+        <p:spPr>
+          <a:xfrm>
+            <a:off x="105196" y="608420"/>
+            <a:ext cx="2470989" cy="1467150"/>
+          </a:xfrm>
+          <a:prstGeom prst="rect">
+            <a:avLst/>
+          </a:prstGeom>
+        </p:spPr>
+      </p:pic>
+      <p:pic>
+        <p:nvPicPr>
+          <p:cNvPr id="3" name="Picture 2">
+            <a:extLst>
+              <a:ext uri="{FF2B5EF4-FFF2-40B4-BE49-F238E27FC236}">
+                <a16:creationId xmlns:a16="http://schemas.microsoft.com/office/drawing/2014/main" id="{E7304A80-7961-AE46-9A97-8B282091533D}"/>
+              </a:ext>
+            </a:extLst>
+          </p:cNvPr>
+          <p:cNvPicPr>
+            <a:picLocks noChangeAspect="1"/>
+          </p:cNvPicPr>
+          <p:nvPr/>
+        </p:nvPicPr>
+        <p:blipFill rotWithShape="1">
+          <a:blip r:embed="rId4"/>
+          <a:srcRect/>
+          <a:stretch/>
+        </p:blipFill>
+        <p:spPr>
+          <a:xfrm>
+            <a:off x="105195" y="2104911"/>
+            <a:ext cx="2470989" cy="1077019"/>
+          </a:xfrm>
+          <a:prstGeom prst="rect">
+            <a:avLst/>
+          </a:prstGeom>
+        </p:spPr>
+      </p:pic>
+      <p:pic>
+        <p:nvPicPr>
+          <p:cNvPr id="4" name="Picture 3">
+            <a:extLst>
+              <a:ext uri="{FF2B5EF4-FFF2-40B4-BE49-F238E27FC236}">
+                <a16:creationId xmlns:a16="http://schemas.microsoft.com/office/drawing/2014/main" id="{612791FE-02B2-E845-A5C1-033DD92A85C0}"/>
+              </a:ext>
+            </a:extLst>
+          </p:cNvPr>
+          <p:cNvPicPr>
+            <a:picLocks noChangeAspect="1"/>
+          </p:cNvPicPr>
+          <p:nvPr/>
+        </p:nvPicPr>
+        <p:blipFill>
+          <a:blip r:embed="rId5"/>
+          <a:stretch>
+            <a:fillRect/>
+          </a:stretch>
+        </p:blipFill>
+        <p:spPr>
+          <a:xfrm>
+            <a:off x="2576185" y="603400"/>
+            <a:ext cx="2470989" cy="3458558"/>
+          </a:xfrm>
+          <a:prstGeom prst="rect">
+            <a:avLst/>
+          </a:prstGeom>
+        </p:spPr>
+      </p:pic>
+      <p:pic>
+        <p:nvPicPr>
+          <p:cNvPr id="5" name="Picture 4">
+            <a:extLst>
+              <a:ext uri="{FF2B5EF4-FFF2-40B4-BE49-F238E27FC236}">
+                <a16:creationId xmlns:a16="http://schemas.microsoft.com/office/drawing/2014/main" id="{B25B9DC0-E698-B44B-9BD1-7DF86B3BB8C6}"/>
+              </a:ext>
+            </a:extLst>
+          </p:cNvPr>
+          <p:cNvPicPr>
+            <a:picLocks noChangeAspect="1"/>
+          </p:cNvPicPr>
+          <p:nvPr/>
+        </p:nvPicPr>
+        <p:blipFill rotWithShape="1">
+          <a:blip r:embed="rId6"/>
+          <a:srcRect t="2737"/>
+          <a:stretch/>
+        </p:blipFill>
+        <p:spPr>
+          <a:xfrm>
+            <a:off x="2576185" y="4014320"/>
+            <a:ext cx="2470990" cy="896230"/>
+          </a:xfrm>
+          <a:prstGeom prst="rect">
+            <a:avLst/>
+          </a:prstGeom>
+        </p:spPr>
+      </p:pic>
+      <p:pic>
+        <p:nvPicPr>
+          <p:cNvPr id="7" name="Picture 6">
+            <a:extLst>
+              <a:ext uri="{FF2B5EF4-FFF2-40B4-BE49-F238E27FC236}">
+                <a16:creationId xmlns:a16="http://schemas.microsoft.com/office/drawing/2014/main" id="{C69F27A3-6639-C149-A1C8-2FBC23880A79}"/>
+              </a:ext>
+            </a:extLst>
+          </p:cNvPr>
+          <p:cNvPicPr>
+            <a:picLocks noChangeAspect="1"/>
+          </p:cNvPicPr>
+          <p:nvPr/>
+        </p:nvPicPr>
+        <p:blipFill>
+          <a:blip r:embed="rId7"/>
+          <a:stretch>
+            <a:fillRect/>
+          </a:stretch>
+        </p:blipFill>
+        <p:spPr>
+          <a:xfrm>
+            <a:off x="5047173" y="591357"/>
+            <a:ext cx="2407306" cy="2319037"/>
+          </a:xfrm>
+          <a:prstGeom prst="rect">
+            <a:avLst/>
+          </a:prstGeom>
+        </p:spPr>
+      </p:pic>
+      <p:pic>
+        <p:nvPicPr>
+          <p:cNvPr id="10" name="Picture 9">
+            <a:extLst>
+              <a:ext uri="{FF2B5EF4-FFF2-40B4-BE49-F238E27FC236}">
+                <a16:creationId xmlns:a16="http://schemas.microsoft.com/office/drawing/2014/main" id="{5665FA40-5696-9548-A234-DD32383B8FD2}"/>
+              </a:ext>
+            </a:extLst>
+          </p:cNvPr>
+          <p:cNvPicPr>
+            <a:picLocks noChangeAspect="1"/>
+          </p:cNvPicPr>
+          <p:nvPr/>
+        </p:nvPicPr>
+        <p:blipFill rotWithShape="1">
+          <a:blip r:embed="rId8"/>
+          <a:srcRect t="2357"/>
+          <a:stretch/>
+        </p:blipFill>
+        <p:spPr>
+          <a:xfrm>
+            <a:off x="5055312" y="2888363"/>
+            <a:ext cx="2399168" cy="1640223"/>
+          </a:xfrm>
+          <a:prstGeom prst="rect">
+            <a:avLst/>
+          </a:prstGeom>
+        </p:spPr>
+      </p:pic>
+    </p:spTree>
+    <p:extLst>
+      <p:ext uri="{BB962C8B-B14F-4D97-AF65-F5344CB8AC3E}">
+        <p14:creationId xmlns:p14="http://schemas.microsoft.com/office/powerpoint/2010/main" val="2915057737"/>
+      </p:ext>
+    </p:extLst>
+  </p:cSld>
+  <p:clrMapOvr>
+    <a:masterClrMapping/>
+  </p:clrMapOvr>
+</p:sld>
+</file>
+
+<file path=ppt/slides/slide65.xml><?xml version="1.0" encoding="utf-8"?>
 <p:sld xmlns:a="http://schemas.openxmlformats.org/drawingml/2006/main" xmlns:r="http://schemas.openxmlformats.org/officeDocument/2006/relationships" xmlns:p="http://schemas.openxmlformats.org/presentationml/2006/main">
   <p:cSld>
     <p:spTree>

--- a/Measuring Outcome v2 - 2020 update.pptx
+++ b/Measuring Outcome v2 - 2020 update.pptx
@@ -5,7 +5,7 @@
     <p:sldMasterId id="2147483660" r:id="rId1"/>
   </p:sldMasterIdLst>
   <p:notesMasterIdLst>
-    <p:notesMasterId r:id="rId67"/>
+    <p:notesMasterId r:id="rId68"/>
   </p:notesMasterIdLst>
   <p:sldIdLst>
     <p:sldId id="256" r:id="rId2"/>
@@ -26,84 +26,85 @@
     <p:sldId id="303" r:id="rId17"/>
     <p:sldId id="306" r:id="rId18"/>
     <p:sldId id="307" r:id="rId19"/>
-    <p:sldId id="308" r:id="rId20"/>
-    <p:sldId id="309" r:id="rId21"/>
-    <p:sldId id="310" r:id="rId22"/>
-    <p:sldId id="311" r:id="rId23"/>
-    <p:sldId id="312" r:id="rId24"/>
-    <p:sldId id="313" r:id="rId25"/>
-    <p:sldId id="314" r:id="rId26"/>
-    <p:sldId id="315" r:id="rId27"/>
-    <p:sldId id="316" r:id="rId28"/>
-    <p:sldId id="317" r:id="rId29"/>
-    <p:sldId id="318" r:id="rId30"/>
-    <p:sldId id="319" r:id="rId31"/>
-    <p:sldId id="320" r:id="rId32"/>
-    <p:sldId id="321" r:id="rId33"/>
-    <p:sldId id="322" r:id="rId34"/>
-    <p:sldId id="323" r:id="rId35"/>
-    <p:sldId id="324" r:id="rId36"/>
-    <p:sldId id="325" r:id="rId37"/>
-    <p:sldId id="326" r:id="rId38"/>
-    <p:sldId id="327" r:id="rId39"/>
-    <p:sldId id="337" r:id="rId40"/>
-    <p:sldId id="338" r:id="rId41"/>
-    <p:sldId id="339" r:id="rId42"/>
-    <p:sldId id="340" r:id="rId43"/>
-    <p:sldId id="341" r:id="rId44"/>
-    <p:sldId id="342" r:id="rId45"/>
-    <p:sldId id="343" r:id="rId46"/>
-    <p:sldId id="344" r:id="rId47"/>
-    <p:sldId id="352" r:id="rId48"/>
-    <p:sldId id="353" r:id="rId49"/>
-    <p:sldId id="354" r:id="rId50"/>
-    <p:sldId id="355" r:id="rId51"/>
-    <p:sldId id="357" r:id="rId52"/>
-    <p:sldId id="358" r:id="rId53"/>
-    <p:sldId id="345" r:id="rId54"/>
-    <p:sldId id="346" r:id="rId55"/>
-    <p:sldId id="347" r:id="rId56"/>
-    <p:sldId id="348" r:id="rId57"/>
-    <p:sldId id="328" r:id="rId58"/>
-    <p:sldId id="329" r:id="rId59"/>
-    <p:sldId id="334" r:id="rId60"/>
-    <p:sldId id="331" r:id="rId61"/>
-    <p:sldId id="335" r:id="rId62"/>
-    <p:sldId id="333" r:id="rId63"/>
-    <p:sldId id="356" r:id="rId64"/>
-    <p:sldId id="359" r:id="rId65"/>
-    <p:sldId id="351" r:id="rId66"/>
+    <p:sldId id="360" r:id="rId20"/>
+    <p:sldId id="361" r:id="rId21"/>
+    <p:sldId id="308" r:id="rId22"/>
+    <p:sldId id="309" r:id="rId23"/>
+    <p:sldId id="310" r:id="rId24"/>
+    <p:sldId id="311" r:id="rId25"/>
+    <p:sldId id="312" r:id="rId26"/>
+    <p:sldId id="313" r:id="rId27"/>
+    <p:sldId id="314" r:id="rId28"/>
+    <p:sldId id="315" r:id="rId29"/>
+    <p:sldId id="316" r:id="rId30"/>
+    <p:sldId id="317" r:id="rId31"/>
+    <p:sldId id="318" r:id="rId32"/>
+    <p:sldId id="319" r:id="rId33"/>
+    <p:sldId id="320" r:id="rId34"/>
+    <p:sldId id="321" r:id="rId35"/>
+    <p:sldId id="322" r:id="rId36"/>
+    <p:sldId id="323" r:id="rId37"/>
+    <p:sldId id="324" r:id="rId38"/>
+    <p:sldId id="325" r:id="rId39"/>
+    <p:sldId id="326" r:id="rId40"/>
+    <p:sldId id="327" r:id="rId41"/>
+    <p:sldId id="337" r:id="rId42"/>
+    <p:sldId id="338" r:id="rId43"/>
+    <p:sldId id="339" r:id="rId44"/>
+    <p:sldId id="340" r:id="rId45"/>
+    <p:sldId id="341" r:id="rId46"/>
+    <p:sldId id="342" r:id="rId47"/>
+    <p:sldId id="343" r:id="rId48"/>
+    <p:sldId id="344" r:id="rId49"/>
+    <p:sldId id="352" r:id="rId50"/>
+    <p:sldId id="353" r:id="rId51"/>
+    <p:sldId id="354" r:id="rId52"/>
+    <p:sldId id="355" r:id="rId53"/>
+    <p:sldId id="357" r:id="rId54"/>
+    <p:sldId id="358" r:id="rId55"/>
+    <p:sldId id="345" r:id="rId56"/>
+    <p:sldId id="346" r:id="rId57"/>
+    <p:sldId id="347" r:id="rId58"/>
+    <p:sldId id="348" r:id="rId59"/>
+    <p:sldId id="328" r:id="rId60"/>
+    <p:sldId id="329" r:id="rId61"/>
+    <p:sldId id="334" r:id="rId62"/>
+    <p:sldId id="331" r:id="rId63"/>
+    <p:sldId id="335" r:id="rId64"/>
+    <p:sldId id="333" r:id="rId65"/>
+    <p:sldId id="359" r:id="rId66"/>
+    <p:sldId id="351" r:id="rId67"/>
   </p:sldIdLst>
   <p:sldSz cx="7559675" cy="5327650"/>
   <p:notesSz cx="6858000" cy="9144000"/>
   <p:embeddedFontLst>
     <p:embeddedFont>
       <p:font typeface="Calibri" panose="020F0502020204030204" pitchFamily="34" charset="0"/>
-      <p:regular r:id="rId68"/>
-      <p:bold r:id="rId68"/>
-      <p:italic r:id="rId68"/>
-      <p:boldItalic r:id="rId68"/>
+      <p:regular r:id="rId69"/>
+      <p:bold r:id="rId69"/>
+      <p:italic r:id="rId69"/>
+      <p:boldItalic r:id="rId69"/>
     </p:embeddedFont>
     <p:embeddedFont>
       <p:font typeface="Calibri Light" panose="020F0302020204030204" pitchFamily="34" charset="0"/>
-      <p:regular r:id="rId68"/>
-      <p:italic r:id="rId68"/>
+      <p:regular r:id="rId69"/>
+      <p:italic r:id="rId69"/>
     </p:embeddedFont>
     <p:embeddedFont>
       <p:font typeface="Marvel" pitchFamily="2" charset="0"/>
-      <p:regular r:id="rId68"/>
+      <p:regular r:id="rId69"/>
     </p:embeddedFont>
     <p:embeddedFont>
       <p:font typeface="Ubuntu" panose="020B0504030602030204" pitchFamily="34" charset="0"/>
-      <p:regular r:id="rId68"/>
-      <p:bold r:id="rId68"/>
-      <p:italic r:id="rId68"/>
-      <p:boldItalic r:id="rId68"/>
+      <p:regular r:id="rId69"/>
+      <p:bold r:id="rId69"/>
+      <p:italic r:id="rId69"/>
+      <p:boldItalic r:id="rId69"/>
     </p:embeddedFont>
     <p:embeddedFont>
       <p:font typeface="Ubuntu Light" panose="020B0304030602030204" pitchFamily="34" charset="0"/>
-      <p:regular r:id="rId68"/>
-      <p:italic r:id="rId68"/>
+      <p:regular r:id="rId69"/>
+      <p:italic r:id="rId69"/>
     </p:embeddedFont>
   </p:embeddedFontLst>
   <p:defaultTextStyle>
@@ -847,7 +848,7 @@
           <a:p>
             <a:fld id="{240114D0-54EC-2541-891C-414F49E4331F}" type="slidenum">
               <a:rPr lang="en-NL" smtClean="0"/>
-              <a:t>19</a:t>
+              <a:t>21</a:t>
             </a:fld>
             <a:endParaRPr lang="en-NL"/>
           </a:p>
@@ -931,91 +932,7 @@
           <a:p>
             <a:fld id="{240114D0-54EC-2541-891C-414F49E4331F}" type="slidenum">
               <a:rPr lang="en-NL" smtClean="0"/>
-              <a:t>63</a:t>
-            </a:fld>
-            <a:endParaRPr lang="en-NL"/>
-          </a:p>
-        </p:txBody>
-      </p:sp>
-    </p:spTree>
-    <p:extLst>
-      <p:ext uri="{BB962C8B-B14F-4D97-AF65-F5344CB8AC3E}">
-        <p14:creationId xmlns:p14="http://schemas.microsoft.com/office/powerpoint/2010/main" val="855045261"/>
-      </p:ext>
-    </p:extLst>
-  </p:cSld>
-  <p:clrMapOvr>
-    <a:masterClrMapping/>
-  </p:clrMapOvr>
-</p:notes>
-</file>
-
-<file path=ppt/notesSlides/notesSlide4.xml><?xml version="1.0" encoding="utf-8"?>
-<p:notes xmlns:a="http://schemas.openxmlformats.org/drawingml/2006/main" xmlns:r="http://schemas.openxmlformats.org/officeDocument/2006/relationships" xmlns:p="http://schemas.openxmlformats.org/presentationml/2006/main">
-  <p:cSld>
-    <p:spTree>
-      <p:nvGrpSpPr>
-        <p:cNvPr id="1" name=""/>
-        <p:cNvGrpSpPr/>
-        <p:nvPr/>
-      </p:nvGrpSpPr>
-      <p:grpSpPr>
-        <a:xfrm>
-          <a:off x="0" y="0"/>
-          <a:ext cx="0" cy="0"/>
-          <a:chOff x="0" y="0"/>
-          <a:chExt cx="0" cy="0"/>
-        </a:xfrm>
-      </p:grpSpPr>
-      <p:sp>
-        <p:nvSpPr>
-          <p:cNvPr id="2" name="Slide Image Placeholder 1"/>
-          <p:cNvSpPr>
-            <a:spLocks noGrp="1" noRot="1" noChangeAspect="1"/>
-          </p:cNvSpPr>
-          <p:nvPr>
-            <p:ph type="sldImg"/>
-          </p:nvPr>
-        </p:nvSpPr>
-        <p:spPr/>
-      </p:sp>
-      <p:sp>
-        <p:nvSpPr>
-          <p:cNvPr id="3" name="Notes Placeholder 2"/>
-          <p:cNvSpPr>
-            <a:spLocks noGrp="1"/>
-          </p:cNvSpPr>
-          <p:nvPr>
-            <p:ph type="body" idx="1"/>
-          </p:nvPr>
-        </p:nvSpPr>
-        <p:spPr/>
-        <p:txBody>
-          <a:bodyPr/>
-          <a:lstStyle/>
-          <a:p>
-            <a:endParaRPr lang="en-NL" dirty="0"/>
-          </a:p>
-        </p:txBody>
-      </p:sp>
-      <p:sp>
-        <p:nvSpPr>
-          <p:cNvPr id="4" name="Slide Number Placeholder 3"/>
-          <p:cNvSpPr>
-            <a:spLocks noGrp="1"/>
-          </p:cNvSpPr>
-          <p:nvPr>
-            <p:ph type="sldNum" sz="quarter" idx="5"/>
-          </p:nvPr>
-        </p:nvSpPr>
-        <p:spPr/>
-        <p:txBody>
-          <a:bodyPr/>
-          <a:lstStyle/>
-          <a:p>
-            <a:fld id="{240114D0-54EC-2541-891C-414F49E4331F}" type="slidenum">
-              <a:rPr lang="en-NL" smtClean="0"/>
-              <a:t>64</a:t>
+              <a:t>65</a:t>
             </a:fld>
             <a:endParaRPr lang="en-NL"/>
           </a:p>
@@ -6459,6 +6376,1213 @@
           <p:cNvPr id="4" name="Rounded Rectangle 3">
             <a:extLst>
               <a:ext uri="{FF2B5EF4-FFF2-40B4-BE49-F238E27FC236}">
+                <a16:creationId xmlns:a16="http://schemas.microsoft.com/office/drawing/2014/main" id="{B9B0176D-8477-D44A-A402-C85E22A76856}"/>
+              </a:ext>
+            </a:extLst>
+          </p:cNvPr>
+          <p:cNvSpPr/>
+          <p:nvPr/>
+        </p:nvSpPr>
+        <p:spPr>
+          <a:xfrm>
+            <a:off x="0" y="0"/>
+            <a:ext cx="7559675" cy="5327650"/>
+          </a:xfrm>
+          <a:prstGeom prst="roundRect">
+            <a:avLst>
+              <a:gd name="adj" fmla="val 0"/>
+            </a:avLst>
+          </a:prstGeom>
+          <a:solidFill>
+            <a:schemeClr val="accent6">
+              <a:lumMod val="50000"/>
+            </a:schemeClr>
+          </a:solidFill>
+          <a:ln>
+            <a:noFill/>
+          </a:ln>
+        </p:spPr>
+        <p:style>
+          <a:lnRef idx="2">
+            <a:schemeClr val="accent1">
+              <a:shade val="50000"/>
+            </a:schemeClr>
+          </a:lnRef>
+          <a:fillRef idx="1">
+            <a:schemeClr val="accent1"/>
+          </a:fillRef>
+          <a:effectRef idx="0">
+            <a:schemeClr val="accent1"/>
+          </a:effectRef>
+          <a:fontRef idx="minor">
+            <a:schemeClr val="lt1"/>
+          </a:fontRef>
+        </p:style>
+        <p:txBody>
+          <a:bodyPr rtlCol="0" anchor="ctr"/>
+          <a:lstStyle/>
+          <a:p>
+            <a:pPr algn="ctr"/>
+            <a:endParaRPr lang="en-NL"/>
+          </a:p>
+        </p:txBody>
+      </p:sp>
+      <p:grpSp>
+        <p:nvGrpSpPr>
+          <p:cNvPr id="2" name="Group 1">
+            <a:extLst>
+              <a:ext uri="{FF2B5EF4-FFF2-40B4-BE49-F238E27FC236}">
+                <a16:creationId xmlns:a16="http://schemas.microsoft.com/office/drawing/2014/main" id="{1A1F9E67-0CB7-3043-8A6B-89CC77B3ED88}"/>
+              </a:ext>
+            </a:extLst>
+          </p:cNvPr>
+          <p:cNvGrpSpPr/>
+          <p:nvPr/>
+        </p:nvGrpSpPr>
+        <p:grpSpPr>
+          <a:xfrm>
+            <a:off x="883471" y="1112864"/>
+            <a:ext cx="5792732" cy="3101922"/>
+            <a:chOff x="829226" y="959764"/>
+            <a:chExt cx="5792732" cy="3101922"/>
+          </a:xfrm>
+        </p:grpSpPr>
+        <p:sp>
+          <p:nvSpPr>
+            <p:cNvPr id="6" name="TextBox 5">
+              <a:extLst>
+                <a:ext uri="{FF2B5EF4-FFF2-40B4-BE49-F238E27FC236}">
+                  <a16:creationId xmlns:a16="http://schemas.microsoft.com/office/drawing/2014/main" id="{009EAD6C-D563-D744-AFCA-AE8CA95E6630}"/>
+                </a:ext>
+              </a:extLst>
+            </p:cNvPr>
+            <p:cNvSpPr txBox="1"/>
+            <p:nvPr/>
+          </p:nvSpPr>
+          <p:spPr>
+            <a:xfrm>
+              <a:off x="829226" y="959764"/>
+              <a:ext cx="5792732" cy="2400657"/>
+            </a:xfrm>
+            <a:prstGeom prst="rect">
+              <a:avLst/>
+            </a:prstGeom>
+            <a:noFill/>
+          </p:spPr>
+          <p:txBody>
+            <a:bodyPr wrap="square" rtlCol="0">
+              <a:spAutoFit/>
+            </a:bodyPr>
+            <a:lstStyle/>
+            <a:p>
+              <a:pPr algn="ctr"/>
+              <a:r>
+                <a:rPr lang="en-GB" sz="5000" b="1">
+                  <a:solidFill>
+                    <a:schemeClr val="bg1"/>
+                  </a:solidFill>
+                  <a:latin typeface="Ubuntu" panose="020B0504030602030204" pitchFamily="34" charset="0"/>
+                </a:rPr>
+                <a:t>Desired Customer Experience or satisfaction</a:t>
+              </a:r>
+              <a:endParaRPr lang="en-NL" sz="5000" b="1" dirty="0">
+                <a:solidFill>
+                  <a:schemeClr val="bg1"/>
+                </a:solidFill>
+                <a:latin typeface="Ubuntu" panose="020B0504030602030204" pitchFamily="34" charset="0"/>
+              </a:endParaRPr>
+            </a:p>
+          </p:txBody>
+        </p:sp>
+        <p:sp>
+          <p:nvSpPr>
+            <p:cNvPr id="10" name="Diamond 9">
+              <a:extLst>
+                <a:ext uri="{FF2B5EF4-FFF2-40B4-BE49-F238E27FC236}">
+                  <a16:creationId xmlns:a16="http://schemas.microsoft.com/office/drawing/2014/main" id="{392BA732-7DF8-5D4A-9CB0-55CB6DD4B7FB}"/>
+                </a:ext>
+              </a:extLst>
+            </p:cNvPr>
+            <p:cNvSpPr/>
+            <p:nvPr/>
+          </p:nvSpPr>
+          <p:spPr>
+            <a:xfrm>
+              <a:off x="2800663" y="3511496"/>
+              <a:ext cx="550190" cy="550190"/>
+            </a:xfrm>
+            <a:prstGeom prst="diamond">
+              <a:avLst/>
+            </a:prstGeom>
+            <a:solidFill>
+              <a:schemeClr val="bg1"/>
+            </a:solidFill>
+            <a:ln>
+              <a:solidFill>
+                <a:schemeClr val="bg1"/>
+              </a:solidFill>
+            </a:ln>
+          </p:spPr>
+          <p:style>
+            <a:lnRef idx="2">
+              <a:schemeClr val="accent1">
+                <a:shade val="50000"/>
+              </a:schemeClr>
+            </a:lnRef>
+            <a:fillRef idx="1">
+              <a:schemeClr val="accent1"/>
+            </a:fillRef>
+            <a:effectRef idx="0">
+              <a:schemeClr val="accent1"/>
+            </a:effectRef>
+            <a:fontRef idx="minor">
+              <a:schemeClr val="lt1"/>
+            </a:fontRef>
+          </p:style>
+          <p:txBody>
+            <a:bodyPr rtlCol="0" anchor="ctr"/>
+            <a:lstStyle/>
+            <a:p>
+              <a:pPr algn="ctr"/>
+              <a:endParaRPr lang="en-NL"/>
+            </a:p>
+          </p:txBody>
+        </p:sp>
+        <p:sp>
+          <p:nvSpPr>
+            <p:cNvPr id="11" name="Diamond 10">
+              <a:extLst>
+                <a:ext uri="{FF2B5EF4-FFF2-40B4-BE49-F238E27FC236}">
+                  <a16:creationId xmlns:a16="http://schemas.microsoft.com/office/drawing/2014/main" id="{D9761866-CBBC-5F41-84C3-51BA1D745FC4}"/>
+                </a:ext>
+              </a:extLst>
+            </p:cNvPr>
+            <p:cNvSpPr/>
+            <p:nvPr/>
+          </p:nvSpPr>
+          <p:spPr>
+            <a:xfrm>
+              <a:off x="3450497" y="3501724"/>
+              <a:ext cx="550190" cy="550190"/>
+            </a:xfrm>
+            <a:prstGeom prst="diamond">
+              <a:avLst/>
+            </a:prstGeom>
+            <a:solidFill>
+              <a:schemeClr val="bg1"/>
+            </a:solidFill>
+            <a:ln>
+              <a:solidFill>
+                <a:schemeClr val="bg1"/>
+              </a:solidFill>
+            </a:ln>
+          </p:spPr>
+          <p:style>
+            <a:lnRef idx="2">
+              <a:schemeClr val="accent1">
+                <a:shade val="50000"/>
+              </a:schemeClr>
+            </a:lnRef>
+            <a:fillRef idx="1">
+              <a:schemeClr val="accent1"/>
+            </a:fillRef>
+            <a:effectRef idx="0">
+              <a:schemeClr val="accent1"/>
+            </a:effectRef>
+            <a:fontRef idx="minor">
+              <a:schemeClr val="lt1"/>
+            </a:fontRef>
+          </p:style>
+          <p:txBody>
+            <a:bodyPr rtlCol="0" anchor="ctr"/>
+            <a:lstStyle/>
+            <a:p>
+              <a:pPr algn="ctr"/>
+              <a:endParaRPr lang="en-NL"/>
+            </a:p>
+          </p:txBody>
+        </p:sp>
+        <p:sp>
+          <p:nvSpPr>
+            <p:cNvPr id="12" name="Diamond 11">
+              <a:extLst>
+                <a:ext uri="{FF2B5EF4-FFF2-40B4-BE49-F238E27FC236}">
+                  <a16:creationId xmlns:a16="http://schemas.microsoft.com/office/drawing/2014/main" id="{5C4F5AEB-3821-BC4F-84CF-C543394E18F8}"/>
+                </a:ext>
+              </a:extLst>
+            </p:cNvPr>
+            <p:cNvSpPr/>
+            <p:nvPr/>
+          </p:nvSpPr>
+          <p:spPr>
+            <a:xfrm>
+              <a:off x="4100331" y="3501724"/>
+              <a:ext cx="550190" cy="550190"/>
+            </a:xfrm>
+            <a:prstGeom prst="diamond">
+              <a:avLst/>
+            </a:prstGeom>
+            <a:solidFill>
+              <a:schemeClr val="bg1"/>
+            </a:solidFill>
+            <a:ln>
+              <a:solidFill>
+                <a:schemeClr val="bg1"/>
+              </a:solidFill>
+            </a:ln>
+          </p:spPr>
+          <p:style>
+            <a:lnRef idx="2">
+              <a:schemeClr val="accent1">
+                <a:shade val="50000"/>
+              </a:schemeClr>
+            </a:lnRef>
+            <a:fillRef idx="1">
+              <a:schemeClr val="accent1"/>
+            </a:fillRef>
+            <a:effectRef idx="0">
+              <a:schemeClr val="accent1"/>
+            </a:effectRef>
+            <a:fontRef idx="minor">
+              <a:schemeClr val="lt1"/>
+            </a:fontRef>
+          </p:style>
+          <p:txBody>
+            <a:bodyPr rtlCol="0" anchor="ctr"/>
+            <a:lstStyle/>
+            <a:p>
+              <a:pPr algn="ctr"/>
+              <a:endParaRPr lang="en-NL"/>
+            </a:p>
+          </p:txBody>
+        </p:sp>
+      </p:grpSp>
+    </p:spTree>
+    <p:extLst>
+      <p:ext uri="{BB962C8B-B14F-4D97-AF65-F5344CB8AC3E}">
+        <p14:creationId xmlns:p14="http://schemas.microsoft.com/office/powerpoint/2010/main" val="1125791633"/>
+      </p:ext>
+    </p:extLst>
+  </p:cSld>
+  <p:clrMapOvr>
+    <a:masterClrMapping/>
+  </p:clrMapOvr>
+</p:sld>
+</file>
+
+<file path=ppt/slides/slide2.xml><?xml version="1.0" encoding="utf-8"?>
+<p:sld xmlns:a="http://schemas.openxmlformats.org/drawingml/2006/main" xmlns:r="http://schemas.openxmlformats.org/officeDocument/2006/relationships" xmlns:p="http://schemas.openxmlformats.org/presentationml/2006/main">
+  <p:cSld>
+    <p:spTree>
+      <p:nvGrpSpPr>
+        <p:cNvPr id="1" name=""/>
+        <p:cNvGrpSpPr/>
+        <p:nvPr/>
+      </p:nvGrpSpPr>
+      <p:grpSpPr>
+        <a:xfrm>
+          <a:off x="0" y="0"/>
+          <a:ext cx="0" cy="0"/>
+          <a:chOff x="0" y="0"/>
+          <a:chExt cx="0" cy="0"/>
+        </a:xfrm>
+      </p:grpSpPr>
+      <p:sp>
+        <p:nvSpPr>
+          <p:cNvPr id="10" name="Rectangle 9">
+            <a:extLst>
+              <a:ext uri="{FF2B5EF4-FFF2-40B4-BE49-F238E27FC236}">
+                <a16:creationId xmlns:a16="http://schemas.microsoft.com/office/drawing/2014/main" id="{A57AEBD6-367D-D941-98BD-0EEFF9B8D9C8}"/>
+              </a:ext>
+            </a:extLst>
+          </p:cNvPr>
+          <p:cNvSpPr/>
+          <p:nvPr/>
+        </p:nvSpPr>
+        <p:spPr>
+          <a:xfrm>
+            <a:off x="-1" y="0"/>
+            <a:ext cx="7559675" cy="5327650"/>
+          </a:xfrm>
+          <a:prstGeom prst="rect">
+            <a:avLst/>
+          </a:prstGeom>
+          <a:solidFill>
+            <a:srgbClr val="DE8445"/>
+          </a:solidFill>
+          <a:ln>
+            <a:solidFill>
+              <a:srgbClr val="DE8445"/>
+            </a:solidFill>
+          </a:ln>
+        </p:spPr>
+        <p:style>
+          <a:lnRef idx="2">
+            <a:schemeClr val="accent1">
+              <a:shade val="50000"/>
+            </a:schemeClr>
+          </a:lnRef>
+          <a:fillRef idx="1">
+            <a:schemeClr val="accent1"/>
+          </a:fillRef>
+          <a:effectRef idx="0">
+            <a:schemeClr val="accent1"/>
+          </a:effectRef>
+          <a:fontRef idx="minor">
+            <a:schemeClr val="lt1"/>
+          </a:fontRef>
+        </p:style>
+        <p:txBody>
+          <a:bodyPr rtlCol="0" anchor="ctr"/>
+          <a:lstStyle/>
+          <a:p>
+            <a:pPr algn="ctr"/>
+            <a:endParaRPr lang="en-NL" sz="3700">
+              <a:solidFill>
+                <a:schemeClr val="tx1"/>
+              </a:solidFill>
+            </a:endParaRPr>
+          </a:p>
+        </p:txBody>
+      </p:sp>
+      <p:pic>
+        <p:nvPicPr>
+          <p:cNvPr id="15" name="Picture 14">
+            <a:extLst>
+              <a:ext uri="{FF2B5EF4-FFF2-40B4-BE49-F238E27FC236}">
+                <a16:creationId xmlns:a16="http://schemas.microsoft.com/office/drawing/2014/main" id="{789A4496-9FBC-704F-B2C1-D5C1E9DB312E}"/>
+              </a:ext>
+            </a:extLst>
+          </p:cNvPr>
+          <p:cNvPicPr>
+            <a:picLocks noChangeAspect="1"/>
+          </p:cNvPicPr>
+          <p:nvPr/>
+        </p:nvPicPr>
+        <p:blipFill>
+          <a:blip r:embed="rId3"/>
+          <a:stretch>
+            <a:fillRect/>
+          </a:stretch>
+        </p:blipFill>
+        <p:spPr>
+          <a:xfrm>
+            <a:off x="4991437" y="3324877"/>
+            <a:ext cx="1377557" cy="570453"/>
+          </a:xfrm>
+          <a:prstGeom prst="rect">
+            <a:avLst/>
+          </a:prstGeom>
+        </p:spPr>
+      </p:pic>
+      <p:pic>
+        <p:nvPicPr>
+          <p:cNvPr id="16" name="Picture 15" descr="A picture containing food, drawing&#10;&#10;Description automatically generated">
+            <a:extLst>
+              <a:ext uri="{FF2B5EF4-FFF2-40B4-BE49-F238E27FC236}">
+                <a16:creationId xmlns:a16="http://schemas.microsoft.com/office/drawing/2014/main" id="{5BFC205A-19C7-9F49-929A-165FFE6218EB}"/>
+              </a:ext>
+            </a:extLst>
+          </p:cNvPr>
+          <p:cNvPicPr>
+            <a:picLocks noChangeAspect="1"/>
+          </p:cNvPicPr>
+          <p:nvPr/>
+        </p:nvPicPr>
+        <p:blipFill>
+          <a:blip r:embed="rId4"/>
+          <a:stretch>
+            <a:fillRect/>
+          </a:stretch>
+        </p:blipFill>
+        <p:spPr>
+          <a:xfrm>
+            <a:off x="4555669" y="-324090"/>
+            <a:ext cx="2268599" cy="2232403"/>
+          </a:xfrm>
+          <a:prstGeom prst="rect">
+            <a:avLst/>
+          </a:prstGeom>
+        </p:spPr>
+      </p:pic>
+      <p:sp>
+        <p:nvSpPr>
+          <p:cNvPr id="17" name="Rectangle 16">
+            <a:extLst>
+              <a:ext uri="{FF2B5EF4-FFF2-40B4-BE49-F238E27FC236}">
+                <a16:creationId xmlns:a16="http://schemas.microsoft.com/office/drawing/2014/main" id="{1CFD67FC-EB16-7E4E-B8D4-767E78D204CB}"/>
+              </a:ext>
+            </a:extLst>
+          </p:cNvPr>
+          <p:cNvSpPr/>
+          <p:nvPr/>
+        </p:nvSpPr>
+        <p:spPr>
+          <a:xfrm>
+            <a:off x="4029052" y="1366749"/>
+            <a:ext cx="3305328" cy="2169825"/>
+          </a:xfrm>
+          <a:prstGeom prst="rect">
+            <a:avLst/>
+          </a:prstGeom>
+        </p:spPr>
+        <p:txBody>
+          <a:bodyPr wrap="square">
+            <a:spAutoFit/>
+          </a:bodyPr>
+          <a:lstStyle/>
+          <a:p>
+            <a:pPr algn="ctr"/>
+            <a:r>
+              <a:rPr lang="en-GB" sz="900" b="1" dirty="0">
+                <a:solidFill>
+                  <a:schemeClr val="bg1"/>
+                </a:solidFill>
+                <a:latin typeface="Ubuntu Light" panose="020B0304030602030204" pitchFamily="34" charset="0"/>
+              </a:rPr>
+              <a:t>Scrum</a:t>
+            </a:r>
+            <a:r>
+              <a:rPr lang="en-GB" sz="900" dirty="0">
+                <a:solidFill>
+                  <a:schemeClr val="bg1"/>
+                </a:solidFill>
+                <a:latin typeface="Ubuntu Light" panose="020B0304030602030204" pitchFamily="34" charset="0"/>
+              </a:rPr>
+              <a:t> </a:t>
+            </a:r>
+            <a:r>
+              <a:rPr lang="en-GB" sz="900" b="1" dirty="0">
+                <a:solidFill>
+                  <a:schemeClr val="bg1"/>
+                </a:solidFill>
+                <a:latin typeface="Ubuntu Light" panose="020B0304030602030204" pitchFamily="34" charset="0"/>
+              </a:rPr>
+              <a:t>Facilitators</a:t>
+            </a:r>
+            <a:r>
+              <a:rPr lang="en-GB" sz="900" dirty="0">
+                <a:solidFill>
+                  <a:schemeClr val="bg1"/>
+                </a:solidFill>
+                <a:latin typeface="Ubuntu Light" panose="020B0304030602030204" pitchFamily="34" charset="0"/>
+              </a:rPr>
+              <a:t> is a Dutch-based training organization on a mission to help professionals become awesome Scrum facilitators. A Scrum Facilitator can be a Scrum Master, Product Owner, developer or  leader. Great Scrum Facilitators understand the Scrum values &amp; principles and use these to effectively implement Scrum with their teams and organizations.</a:t>
+            </a:r>
+          </a:p>
+          <a:p>
+            <a:pPr algn="ctr"/>
+            <a:endParaRPr lang="en-GB" sz="900" dirty="0">
+              <a:solidFill>
+                <a:schemeClr val="bg1"/>
+              </a:solidFill>
+              <a:latin typeface="Ubuntu Light" panose="020B0304030602030204" pitchFamily="34" charset="0"/>
+            </a:endParaRPr>
+          </a:p>
+          <a:p>
+            <a:pPr algn="ctr"/>
+            <a:r>
+              <a:rPr lang="en-GB" sz="900" b="1" dirty="0">
+                <a:solidFill>
+                  <a:schemeClr val="bg1"/>
+                </a:solidFill>
+                <a:latin typeface="Ubuntu Light" panose="020B0304030602030204" pitchFamily="34" charset="0"/>
+              </a:rPr>
+              <a:t>Scrum Facilitators is a Scrum.org partner</a:t>
+            </a:r>
+            <a:r>
+              <a:rPr lang="en-GB" sz="900" dirty="0">
+                <a:solidFill>
+                  <a:schemeClr val="bg1"/>
+                </a:solidFill>
+                <a:latin typeface="Ubuntu Light" panose="020B0304030602030204" pitchFamily="34" charset="0"/>
+              </a:rPr>
+              <a:t>. Our classes are accredited, always up-to-date, fun, super interactive and always facilitated by two trainers to maximize your learning objectives. Our trainers are </a:t>
+            </a:r>
+            <a:r>
+              <a:rPr lang="en-GB" sz="900" b="1" dirty="0">
+                <a:solidFill>
+                  <a:schemeClr val="bg1"/>
+                </a:solidFill>
+                <a:latin typeface="Ubuntu Light" panose="020B0304030602030204" pitchFamily="34" charset="0"/>
+              </a:rPr>
+              <a:t>seasoned experts </a:t>
+            </a:r>
+            <a:r>
+              <a:rPr lang="en-GB" sz="900" dirty="0">
+                <a:solidFill>
+                  <a:schemeClr val="bg1"/>
+                </a:solidFill>
+                <a:latin typeface="Ubuntu Light" panose="020B0304030602030204" pitchFamily="34" charset="0"/>
+              </a:rPr>
+              <a:t>and </a:t>
+            </a:r>
+            <a:r>
+              <a:rPr lang="en-GB" sz="900" b="1" dirty="0">
+                <a:solidFill>
+                  <a:schemeClr val="bg1"/>
+                </a:solidFill>
+                <a:latin typeface="Ubuntu Light" panose="020B0304030602030204" pitchFamily="34" charset="0"/>
+              </a:rPr>
+              <a:t>Scrum.org certified </a:t>
+            </a:r>
+            <a:r>
+              <a:rPr lang="en-GB" sz="900" dirty="0">
+                <a:solidFill>
+                  <a:schemeClr val="bg1"/>
+                </a:solidFill>
+                <a:latin typeface="Ubuntu Light" panose="020B0304030602030204" pitchFamily="34" charset="0"/>
+              </a:rPr>
+              <a:t>Professional Scrum Trainers with substantial real life experience in various settings.</a:t>
+            </a:r>
+          </a:p>
+          <a:p>
+            <a:pPr algn="ctr"/>
+            <a:endParaRPr lang="en-GB" sz="900" dirty="0">
+              <a:solidFill>
+                <a:schemeClr val="bg1"/>
+              </a:solidFill>
+              <a:latin typeface="Ubuntu Light" panose="020B0304030602030204" pitchFamily="34" charset="0"/>
+            </a:endParaRPr>
+          </a:p>
+        </p:txBody>
+      </p:sp>
+      <p:sp>
+        <p:nvSpPr>
+          <p:cNvPr id="18" name="TextBox 17">
+            <a:extLst>
+              <a:ext uri="{FF2B5EF4-FFF2-40B4-BE49-F238E27FC236}">
+                <a16:creationId xmlns:a16="http://schemas.microsoft.com/office/drawing/2014/main" id="{6F943A64-0EE7-0746-8785-BA4ACC104E94}"/>
+              </a:ext>
+            </a:extLst>
+          </p:cNvPr>
+          <p:cNvSpPr txBox="1"/>
+          <p:nvPr/>
+        </p:nvSpPr>
+        <p:spPr>
+          <a:xfrm>
+            <a:off x="123986" y="729912"/>
+            <a:ext cx="3572360" cy="1015663"/>
+          </a:xfrm>
+          <a:prstGeom prst="rect">
+            <a:avLst/>
+          </a:prstGeom>
+          <a:noFill/>
+        </p:spPr>
+        <p:txBody>
+          <a:bodyPr wrap="square" rtlCol="0">
+            <a:spAutoFit/>
+          </a:bodyPr>
+          <a:lstStyle/>
+          <a:p>
+            <a:pPr algn="ctr"/>
+            <a:r>
+              <a:rPr lang="en-GB" sz="1000" dirty="0">
+                <a:solidFill>
+                  <a:schemeClr val="bg1"/>
+                </a:solidFill>
+                <a:latin typeface="Ubuntu" panose="020B0504030602030204" pitchFamily="34" charset="0"/>
+              </a:rPr>
+              <a:t>This game is based on Evidence Based Management (EBM). EBM is an empirical framework organizations can use to help measure the (perceived) product value, and the way they deliver their product(s). The measurements can be inspected to help maximize product value and improve the way of working.</a:t>
+            </a:r>
+            <a:endParaRPr lang="en-NL" sz="1000" dirty="0">
+              <a:latin typeface="Ubuntu" panose="020B0504030602030204" pitchFamily="34" charset="0"/>
+            </a:endParaRPr>
+          </a:p>
+        </p:txBody>
+      </p:sp>
+      <p:sp>
+        <p:nvSpPr>
+          <p:cNvPr id="20" name="TextBox 19">
+            <a:extLst>
+              <a:ext uri="{FF2B5EF4-FFF2-40B4-BE49-F238E27FC236}">
+                <a16:creationId xmlns:a16="http://schemas.microsoft.com/office/drawing/2014/main" id="{CF06092E-B2A6-EB41-86F4-7148929817BE}"/>
+              </a:ext>
+            </a:extLst>
+          </p:cNvPr>
+          <p:cNvSpPr txBox="1"/>
+          <p:nvPr/>
+        </p:nvSpPr>
+        <p:spPr>
+          <a:xfrm>
+            <a:off x="213612" y="1837558"/>
+            <a:ext cx="3305328" cy="2862322"/>
+          </a:xfrm>
+          <a:prstGeom prst="rect">
+            <a:avLst/>
+          </a:prstGeom>
+          <a:noFill/>
+        </p:spPr>
+        <p:txBody>
+          <a:bodyPr wrap="square" rtlCol="0">
+            <a:spAutoFit/>
+          </a:bodyPr>
+          <a:lstStyle/>
+          <a:p>
+            <a:pPr marL="228600" indent="-228600">
+              <a:buFont typeface="+mj-lt"/>
+              <a:buAutoNum type="arabicPeriod"/>
+            </a:pPr>
+            <a:r>
+              <a:rPr lang="en-GB" sz="900" dirty="0">
+                <a:solidFill>
+                  <a:schemeClr val="bg1"/>
+                </a:solidFill>
+                <a:latin typeface="Ubuntu Light" panose="020B0304030602030204" pitchFamily="34" charset="0"/>
+              </a:rPr>
+              <a:t>As a Scrum Facilitator, put the four Key Value Areas (KVAs) in a row on the floor (Current Value, Time to Market, Ability to Innovate and Unrealized Value). Explain each KVA to the participants.</a:t>
+            </a:r>
+          </a:p>
+          <a:p>
+            <a:pPr marL="228600" indent="-228600">
+              <a:buFont typeface="+mj-lt"/>
+              <a:buAutoNum type="arabicPeriod"/>
+            </a:pPr>
+            <a:r>
+              <a:rPr lang="en-GB" sz="900" dirty="0">
+                <a:solidFill>
+                  <a:schemeClr val="bg1"/>
+                </a:solidFill>
+                <a:latin typeface="Ubuntu Light" panose="020B0304030602030204" pitchFamily="34" charset="0"/>
+              </a:rPr>
+              <a:t>Form two groups and hand one group the green Key Value Measures cards (KVMs) and the other group the remaining purple KVMs.</a:t>
+            </a:r>
+          </a:p>
+          <a:p>
+            <a:pPr marL="228600" indent="-228600">
+              <a:buFont typeface="+mj-lt"/>
+              <a:buAutoNum type="arabicPeriod"/>
+            </a:pPr>
+            <a:r>
+              <a:rPr lang="en-GB" sz="900" dirty="0">
+                <a:solidFill>
+                  <a:schemeClr val="bg1"/>
+                </a:solidFill>
+                <a:latin typeface="Ubuntu Light" panose="020B0304030602030204" pitchFamily="34" charset="0"/>
+              </a:rPr>
+              <a:t>Step 1: Invite the group(s) to discuss and put the KVMs under the correct KVA.</a:t>
+            </a:r>
+          </a:p>
+          <a:p>
+            <a:pPr marL="228600" indent="-228600">
+              <a:buFont typeface="+mj-lt"/>
+              <a:buAutoNum type="arabicPeriod"/>
+            </a:pPr>
+            <a:r>
+              <a:rPr lang="en-GB" sz="900" dirty="0">
+                <a:solidFill>
+                  <a:schemeClr val="bg1"/>
+                </a:solidFill>
+                <a:latin typeface="Ubuntu Light" panose="020B0304030602030204" pitchFamily="34" charset="0"/>
+              </a:rPr>
+              <a:t>Step 2: Invite both groups to discuss their results and adapt their cards. Make sure by the end of this round, the KVM cards are under the correct KVA. </a:t>
+            </a:r>
+          </a:p>
+          <a:p>
+            <a:pPr marL="228600" indent="-228600">
+              <a:buFont typeface="+mj-lt"/>
+              <a:buAutoNum type="arabicPeriod"/>
+            </a:pPr>
+            <a:r>
+              <a:rPr lang="en-GB" sz="900" dirty="0">
+                <a:solidFill>
+                  <a:schemeClr val="bg1"/>
+                </a:solidFill>
+                <a:latin typeface="Ubuntu Light" panose="020B0304030602030204" pitchFamily="34" charset="0"/>
+              </a:rPr>
+              <a:t>Step 3: Invite the participants to individually look at the KVMs and select one KVM that caught their attention. (A non-EBM KVM may also be chosen at this point)</a:t>
+            </a:r>
+          </a:p>
+          <a:p>
+            <a:pPr marL="228600" indent="-228600">
+              <a:buFont typeface="+mj-lt"/>
+              <a:buAutoNum type="arabicPeriod"/>
+            </a:pPr>
+            <a:r>
+              <a:rPr lang="en-GB" sz="900" dirty="0">
+                <a:solidFill>
+                  <a:schemeClr val="bg1"/>
+                </a:solidFill>
+                <a:latin typeface="Ubuntu Light" panose="020B0304030602030204" pitchFamily="34" charset="0"/>
+              </a:rPr>
+              <a:t>Step 4: Invite the participants into groups of four. Ask each participant to explain why they chose their particular KVM and collaborate on how to implement it. (In case of non-EBM measures, pay attention that these are not vanity metrics and discuss the potential pitfalls)</a:t>
+            </a:r>
+            <a:endParaRPr lang="en-NL" sz="900" dirty="0">
+              <a:solidFill>
+                <a:schemeClr val="bg1"/>
+              </a:solidFill>
+              <a:latin typeface="Ubuntu Light" panose="020B0304030602030204" pitchFamily="34" charset="0"/>
+            </a:endParaRPr>
+          </a:p>
+        </p:txBody>
+      </p:sp>
+      <p:sp>
+        <p:nvSpPr>
+          <p:cNvPr id="21" name="TextBox 20">
+            <a:extLst>
+              <a:ext uri="{FF2B5EF4-FFF2-40B4-BE49-F238E27FC236}">
+                <a16:creationId xmlns:a16="http://schemas.microsoft.com/office/drawing/2014/main" id="{198E9943-4F58-D344-BF0A-1E1F4F8AC017}"/>
+              </a:ext>
+            </a:extLst>
+          </p:cNvPr>
+          <p:cNvSpPr txBox="1"/>
+          <p:nvPr/>
+        </p:nvSpPr>
+        <p:spPr>
+          <a:xfrm>
+            <a:off x="4294481" y="3895330"/>
+            <a:ext cx="2771468" cy="738664"/>
+          </a:xfrm>
+          <a:prstGeom prst="rect">
+            <a:avLst/>
+          </a:prstGeom>
+          <a:noFill/>
+        </p:spPr>
+        <p:txBody>
+          <a:bodyPr wrap="square" rtlCol="0">
+            <a:spAutoFit/>
+          </a:bodyPr>
+          <a:lstStyle/>
+          <a:p>
+            <a:pPr algn="ctr"/>
+            <a:r>
+              <a:rPr lang="en-NL" sz="700" dirty="0">
+                <a:solidFill>
+                  <a:schemeClr val="bg1"/>
+                </a:solidFill>
+                <a:latin typeface="Ubuntu Light" panose="020B0304030602030204" pitchFamily="34" charset="0"/>
+              </a:rPr>
+              <a:t>Based on the 2020 EBM Guide. Learn about Evidence-Based Management (EBM) </a:t>
+            </a:r>
+            <a:r>
+              <a:rPr lang="en-GB" sz="700" dirty="0">
+                <a:solidFill>
+                  <a:schemeClr val="bg1"/>
+                </a:solidFill>
+                <a:latin typeface="Ubuntu Light" panose="020B0304030602030204" pitchFamily="34" charset="0"/>
+              </a:rPr>
+              <a:t>at </a:t>
+            </a:r>
+            <a:r>
+              <a:rPr lang="en-GB" sz="700" dirty="0">
+                <a:solidFill>
+                  <a:schemeClr val="bg1"/>
+                </a:solidFill>
+                <a:latin typeface="Ubuntu Light" panose="020B0304030602030204" pitchFamily="34" charset="0"/>
+                <a:hlinkClick r:id="rId5"/>
+              </a:rPr>
+              <a:t>http://s</a:t>
+            </a:r>
+            <a:r>
+              <a:rPr lang="en-NL" sz="700" dirty="0">
+                <a:solidFill>
+                  <a:schemeClr val="bg1"/>
+                </a:solidFill>
+                <a:latin typeface="Ubuntu Light" panose="020B0304030602030204" pitchFamily="34" charset="0"/>
+                <a:hlinkClick r:id="rId5"/>
+              </a:rPr>
+              <a:t>crum.org/EBM</a:t>
+            </a:r>
+            <a:endParaRPr lang="en-NL" sz="700" dirty="0">
+              <a:solidFill>
+                <a:schemeClr val="bg1"/>
+              </a:solidFill>
+              <a:latin typeface="Ubuntu Light" panose="020B0304030602030204" pitchFamily="34" charset="0"/>
+            </a:endParaRPr>
+          </a:p>
+          <a:p>
+            <a:pPr algn="ctr"/>
+            <a:endParaRPr lang="en-NL" sz="700" dirty="0">
+              <a:solidFill>
+                <a:schemeClr val="bg1"/>
+              </a:solidFill>
+              <a:latin typeface="Ubuntu Light" panose="020B0304030602030204" pitchFamily="34" charset="0"/>
+            </a:endParaRPr>
+          </a:p>
+          <a:p>
+            <a:pPr algn="ctr"/>
+            <a:r>
+              <a:rPr lang="en-GB" sz="700" dirty="0">
+                <a:solidFill>
+                  <a:schemeClr val="bg1"/>
+                </a:solidFill>
+                <a:latin typeface="Ubuntu Light" panose="020B0304030602030204" pitchFamily="34" charset="0"/>
+              </a:rPr>
+              <a:t>The Measuring Outcome game (v2) is licensed under </a:t>
+            </a:r>
+          </a:p>
+          <a:p>
+            <a:pPr algn="ctr"/>
+            <a:r>
+              <a:rPr lang="en-GB" sz="700" dirty="0">
+                <a:solidFill>
+                  <a:schemeClr val="bg1"/>
+                </a:solidFill>
+                <a:latin typeface="Ubuntu Light" panose="020B0304030602030204" pitchFamily="34" charset="0"/>
+              </a:rPr>
+              <a:t>CC BY-NC-SA 4.0</a:t>
+            </a:r>
+          </a:p>
+          <a:p>
+            <a:pPr algn="ctr"/>
+            <a:r>
+              <a:rPr lang="en-GB" sz="700" dirty="0">
+                <a:solidFill>
+                  <a:schemeClr val="bg1">
+                    <a:lumMod val="75000"/>
+                  </a:schemeClr>
+                </a:solidFill>
+                <a:latin typeface="Ubuntu Light" panose="020B0304030602030204" pitchFamily="34" charset="0"/>
+              </a:rPr>
+              <a:t>By Scrum Facilitators</a:t>
+            </a:r>
+          </a:p>
+        </p:txBody>
+      </p:sp>
+      <p:grpSp>
+        <p:nvGrpSpPr>
+          <p:cNvPr id="2" name="Group 1">
+            <a:extLst>
+              <a:ext uri="{FF2B5EF4-FFF2-40B4-BE49-F238E27FC236}">
+                <a16:creationId xmlns:a16="http://schemas.microsoft.com/office/drawing/2014/main" id="{E86EE5EF-4E07-9D4A-8C2D-83F385087044}"/>
+              </a:ext>
+            </a:extLst>
+          </p:cNvPr>
+          <p:cNvGrpSpPr/>
+          <p:nvPr/>
+        </p:nvGrpSpPr>
+        <p:grpSpPr>
+          <a:xfrm>
+            <a:off x="-232456" y="161565"/>
+            <a:ext cx="3909016" cy="665950"/>
+            <a:chOff x="-77476" y="76326"/>
+            <a:chExt cx="3909016" cy="665950"/>
+          </a:xfrm>
+        </p:grpSpPr>
+        <p:sp>
+          <p:nvSpPr>
+            <p:cNvPr id="19" name="TextBox 18">
+              <a:extLst>
+                <a:ext uri="{FF2B5EF4-FFF2-40B4-BE49-F238E27FC236}">
+                  <a16:creationId xmlns:a16="http://schemas.microsoft.com/office/drawing/2014/main" id="{595EE125-EFCC-F14F-8498-A6CD8EEF0F59}"/>
+                </a:ext>
+              </a:extLst>
+            </p:cNvPr>
+            <p:cNvSpPr txBox="1"/>
+            <p:nvPr/>
+          </p:nvSpPr>
+          <p:spPr>
+            <a:xfrm>
+              <a:off x="-77476" y="76326"/>
+              <a:ext cx="3909016" cy="664926"/>
+            </a:xfrm>
+            <a:prstGeom prst="rect">
+              <a:avLst/>
+            </a:prstGeom>
+            <a:noFill/>
+          </p:spPr>
+          <p:txBody>
+            <a:bodyPr wrap="square" rtlCol="0">
+              <a:spAutoFit/>
+            </a:bodyPr>
+            <a:lstStyle/>
+            <a:p>
+              <a:pPr algn="ctr"/>
+              <a:r>
+                <a:rPr lang="en-NL" sz="3700" b="1" dirty="0">
+                  <a:latin typeface="Marvel" pitchFamily="2" charset="0"/>
+                </a:rPr>
+                <a:t>FACILITATE THE GAM</a:t>
+              </a:r>
+            </a:p>
+          </p:txBody>
+        </p:sp>
+        <p:sp>
+          <p:nvSpPr>
+            <p:cNvPr id="24" name="TextBox 23">
+              <a:extLst>
+                <a:ext uri="{FF2B5EF4-FFF2-40B4-BE49-F238E27FC236}">
+                  <a16:creationId xmlns:a16="http://schemas.microsoft.com/office/drawing/2014/main" id="{9D817926-FA1D-B346-9D51-472AADB3F438}"/>
+                </a:ext>
+              </a:extLst>
+            </p:cNvPr>
+            <p:cNvSpPr txBox="1"/>
+            <p:nvPr/>
+          </p:nvSpPr>
+          <p:spPr>
+            <a:xfrm>
+              <a:off x="3221873" y="77350"/>
+              <a:ext cx="249747" cy="664926"/>
+            </a:xfrm>
+            <a:prstGeom prst="rect">
+              <a:avLst/>
+            </a:prstGeom>
+            <a:noFill/>
+          </p:spPr>
+          <p:txBody>
+            <a:bodyPr wrap="square" rtlCol="0">
+              <a:spAutoFit/>
+            </a:bodyPr>
+            <a:lstStyle/>
+            <a:p>
+              <a:pPr algn="ctr"/>
+              <a:r>
+                <a:rPr lang="en-NL" sz="3700" b="1" dirty="0">
+                  <a:latin typeface="Marvel" pitchFamily="2" charset="0"/>
+                </a:rPr>
+                <a:t>E</a:t>
+              </a:r>
+            </a:p>
+          </p:txBody>
+        </p:sp>
+      </p:grpSp>
+      <p:cxnSp>
+        <p:nvCxnSpPr>
+          <p:cNvPr id="4" name="Straight Connector 3">
+            <a:extLst>
+              <a:ext uri="{FF2B5EF4-FFF2-40B4-BE49-F238E27FC236}">
+                <a16:creationId xmlns:a16="http://schemas.microsoft.com/office/drawing/2014/main" id="{68785FFA-7409-D846-8C87-4C5E3E391542}"/>
+              </a:ext>
+            </a:extLst>
+          </p:cNvPr>
+          <p:cNvCxnSpPr/>
+          <p:nvPr/>
+        </p:nvCxnSpPr>
+        <p:spPr>
+          <a:xfrm>
+            <a:off x="3779837" y="255722"/>
+            <a:ext cx="0" cy="4680488"/>
+          </a:xfrm>
+          <a:prstGeom prst="line">
+            <a:avLst/>
+          </a:prstGeom>
+          <a:ln w="12700">
+            <a:solidFill>
+              <a:schemeClr val="bg1">
+                <a:lumMod val="75000"/>
+              </a:schemeClr>
+            </a:solidFill>
+          </a:ln>
+        </p:spPr>
+        <p:style>
+          <a:lnRef idx="1">
+            <a:schemeClr val="accent1"/>
+          </a:lnRef>
+          <a:fillRef idx="0">
+            <a:schemeClr val="accent1"/>
+          </a:fillRef>
+          <a:effectRef idx="0">
+            <a:schemeClr val="accent1"/>
+          </a:effectRef>
+          <a:fontRef idx="minor">
+            <a:schemeClr val="tx1"/>
+          </a:fontRef>
+        </p:style>
+      </p:cxnSp>
+    </p:spTree>
+    <p:extLst>
+      <p:ext uri="{BB962C8B-B14F-4D97-AF65-F5344CB8AC3E}">
+        <p14:creationId xmlns:p14="http://schemas.microsoft.com/office/powerpoint/2010/main" val="959106489"/>
+      </p:ext>
+    </p:extLst>
+  </p:cSld>
+  <p:clrMapOvr>
+    <a:masterClrMapping/>
+  </p:clrMapOvr>
+</p:sld>
+</file>
+
+<file path=ppt/slides/slide20.xml><?xml version="1.0" encoding="utf-8"?>
+<p:sld xmlns:a="http://schemas.openxmlformats.org/drawingml/2006/main" xmlns:r="http://schemas.openxmlformats.org/officeDocument/2006/relationships" xmlns:p="http://schemas.openxmlformats.org/presentationml/2006/main">
+  <p:cSld>
+    <p:spTree>
+      <p:nvGrpSpPr>
+        <p:cNvPr id="1" name=""/>
+        <p:cNvGrpSpPr/>
+        <p:nvPr/>
+      </p:nvGrpSpPr>
+      <p:grpSpPr>
+        <a:xfrm>
+          <a:off x="0" y="0"/>
+          <a:ext cx="0" cy="0"/>
+          <a:chOff x="0" y="0"/>
+          <a:chExt cx="0" cy="0"/>
+        </a:xfrm>
+      </p:grpSpPr>
+      <p:sp>
+        <p:nvSpPr>
+          <p:cNvPr id="2" name="Title 1">
+            <a:extLst>
+              <a:ext uri="{FF2B5EF4-FFF2-40B4-BE49-F238E27FC236}">
+                <a16:creationId xmlns:a16="http://schemas.microsoft.com/office/drawing/2014/main" id="{CFCDF3DA-1D3D-E743-8E21-6B353B4D96A4}"/>
+              </a:ext>
+            </a:extLst>
+          </p:cNvPr>
+          <p:cNvSpPr>
+            <a:spLocks noGrp="1"/>
+          </p:cNvSpPr>
+          <p:nvPr>
+            <p:ph type="title"/>
+          </p:nvPr>
+        </p:nvSpPr>
+        <p:spPr/>
+        <p:txBody>
+          <a:bodyPr/>
+          <a:lstStyle/>
+          <a:p>
+            <a:endParaRPr lang="en-NL"/>
+          </a:p>
+        </p:txBody>
+      </p:sp>
+      <p:sp>
+        <p:nvSpPr>
+          <p:cNvPr id="3" name="Content Placeholder 2">
+            <a:extLst>
+              <a:ext uri="{FF2B5EF4-FFF2-40B4-BE49-F238E27FC236}">
+                <a16:creationId xmlns:a16="http://schemas.microsoft.com/office/drawing/2014/main" id="{40A525DA-CA85-AD48-8A85-52A75E1E5317}"/>
+              </a:ext>
+            </a:extLst>
+          </p:cNvPr>
+          <p:cNvSpPr>
+            <a:spLocks noGrp="1"/>
+          </p:cNvSpPr>
+          <p:nvPr>
+            <p:ph idx="1"/>
+          </p:nvPr>
+        </p:nvSpPr>
+        <p:spPr/>
+        <p:txBody>
+          <a:bodyPr/>
+          <a:lstStyle/>
+          <a:p>
+            <a:endParaRPr lang="en-NL"/>
+          </a:p>
+        </p:txBody>
+      </p:sp>
+      <p:sp>
+        <p:nvSpPr>
+          <p:cNvPr id="4" name="Rounded Rectangle 3">
+            <a:extLst>
+              <a:ext uri="{FF2B5EF4-FFF2-40B4-BE49-F238E27FC236}">
+                <a16:creationId xmlns:a16="http://schemas.microsoft.com/office/drawing/2014/main" id="{6B890BB6-3544-1A4E-A833-93135A597BB4}"/>
+              </a:ext>
+            </a:extLst>
+          </p:cNvPr>
+          <p:cNvSpPr/>
+          <p:nvPr/>
+        </p:nvSpPr>
+        <p:spPr>
+          <a:xfrm>
+            <a:off x="0" y="0"/>
+            <a:ext cx="7559675" cy="5327650"/>
+          </a:xfrm>
+          <a:prstGeom prst="roundRect">
+            <a:avLst>
+              <a:gd name="adj" fmla="val 0"/>
+            </a:avLst>
+          </a:prstGeom>
+          <a:blipFill>
+            <a:blip r:embed="rId2"/>
+            <a:stretch>
+              <a:fillRect/>
+            </a:stretch>
+          </a:blipFill>
+          <a:ln>
+            <a:solidFill>
+              <a:schemeClr val="bg2"/>
+            </a:solidFill>
+          </a:ln>
+        </p:spPr>
+        <p:style>
+          <a:lnRef idx="2">
+            <a:schemeClr val="accent1">
+              <a:shade val="50000"/>
+            </a:schemeClr>
+          </a:lnRef>
+          <a:fillRef idx="1">
+            <a:schemeClr val="accent1"/>
+          </a:fillRef>
+          <a:effectRef idx="0">
+            <a:schemeClr val="accent1"/>
+          </a:effectRef>
+          <a:fontRef idx="minor">
+            <a:schemeClr val="lt1"/>
+          </a:fontRef>
+        </p:style>
+        <p:txBody>
+          <a:bodyPr rtlCol="0" anchor="ctr"/>
+          <a:lstStyle/>
+          <a:p>
+            <a:pPr algn="ctr"/>
+            <a:endParaRPr lang="en-NL"/>
+          </a:p>
+        </p:txBody>
+      </p:sp>
+      <p:pic>
+        <p:nvPicPr>
+          <p:cNvPr id="5" name="Picture 4" descr="A picture containing food, drawing&#10;&#10;Description automatically generated">
+            <a:extLst>
+              <a:ext uri="{FF2B5EF4-FFF2-40B4-BE49-F238E27FC236}">
+                <a16:creationId xmlns:a16="http://schemas.microsoft.com/office/drawing/2014/main" id="{27611709-3190-2A4B-BCE4-4D329000A8EB}"/>
+              </a:ext>
+            </a:extLst>
+          </p:cNvPr>
+          <p:cNvPicPr>
+            <a:picLocks noChangeAspect="1"/>
+          </p:cNvPicPr>
+          <p:nvPr/>
+        </p:nvPicPr>
+        <p:blipFill>
+          <a:blip r:embed="rId3"/>
+          <a:stretch>
+            <a:fillRect/>
+          </a:stretch>
+        </p:blipFill>
+        <p:spPr>
+          <a:xfrm>
+            <a:off x="350837" y="-765175"/>
+            <a:ext cx="6858000" cy="6858000"/>
+          </a:xfrm>
+          <a:prstGeom prst="rect">
+            <a:avLst/>
+          </a:prstGeom>
+        </p:spPr>
+      </p:pic>
+    </p:spTree>
+    <p:extLst>
+      <p:ext uri="{BB962C8B-B14F-4D97-AF65-F5344CB8AC3E}">
+        <p14:creationId xmlns:p14="http://schemas.microsoft.com/office/powerpoint/2010/main" val="1141450521"/>
+      </p:ext>
+    </p:extLst>
+  </p:cSld>
+  <p:clrMapOvr>
+    <a:masterClrMapping/>
+  </p:clrMapOvr>
+</p:sld>
+</file>
+
+<file path=ppt/slides/slide21.xml><?xml version="1.0" encoding="utf-8"?>
+<p:sld xmlns:a="http://schemas.openxmlformats.org/drawingml/2006/main" xmlns:r="http://schemas.openxmlformats.org/officeDocument/2006/relationships" xmlns:p="http://schemas.openxmlformats.org/presentationml/2006/main">
+  <p:cSld>
+    <p:spTree>
+      <p:nvGrpSpPr>
+        <p:cNvPr id="1" name=""/>
+        <p:cNvGrpSpPr/>
+        <p:nvPr/>
+      </p:nvGrpSpPr>
+      <p:grpSpPr>
+        <a:xfrm>
+          <a:off x="0" y="0"/>
+          <a:ext cx="0" cy="0"/>
+          <a:chOff x="0" y="0"/>
+          <a:chExt cx="0" cy="0"/>
+        </a:xfrm>
+      </p:grpSpPr>
+      <p:sp>
+        <p:nvSpPr>
+          <p:cNvPr id="4" name="Rounded Rectangle 3">
+            <a:extLst>
+              <a:ext uri="{FF2B5EF4-FFF2-40B4-BE49-F238E27FC236}">
                 <a16:creationId xmlns:a16="http://schemas.microsoft.com/office/drawing/2014/main" id="{04CB84C5-9CEF-0B4C-A30F-8552B621ACE1}"/>
               </a:ext>
             </a:extLst>
@@ -6747,729 +7871,7 @@
 </p:sld>
 </file>
 
-<file path=ppt/slides/slide2.xml><?xml version="1.0" encoding="utf-8"?>
-<p:sld xmlns:a="http://schemas.openxmlformats.org/drawingml/2006/main" xmlns:r="http://schemas.openxmlformats.org/officeDocument/2006/relationships" xmlns:p="http://schemas.openxmlformats.org/presentationml/2006/main">
-  <p:cSld>
-    <p:spTree>
-      <p:nvGrpSpPr>
-        <p:cNvPr id="1" name=""/>
-        <p:cNvGrpSpPr/>
-        <p:nvPr/>
-      </p:nvGrpSpPr>
-      <p:grpSpPr>
-        <a:xfrm>
-          <a:off x="0" y="0"/>
-          <a:ext cx="0" cy="0"/>
-          <a:chOff x="0" y="0"/>
-          <a:chExt cx="0" cy="0"/>
-        </a:xfrm>
-      </p:grpSpPr>
-      <p:sp>
-        <p:nvSpPr>
-          <p:cNvPr id="10" name="Rectangle 9">
-            <a:extLst>
-              <a:ext uri="{FF2B5EF4-FFF2-40B4-BE49-F238E27FC236}">
-                <a16:creationId xmlns:a16="http://schemas.microsoft.com/office/drawing/2014/main" id="{A57AEBD6-367D-D941-98BD-0EEFF9B8D9C8}"/>
-              </a:ext>
-            </a:extLst>
-          </p:cNvPr>
-          <p:cNvSpPr/>
-          <p:nvPr/>
-        </p:nvSpPr>
-        <p:spPr>
-          <a:xfrm>
-            <a:off x="-1" y="0"/>
-            <a:ext cx="7559675" cy="5327650"/>
-          </a:xfrm>
-          <a:prstGeom prst="rect">
-            <a:avLst/>
-          </a:prstGeom>
-          <a:solidFill>
-            <a:srgbClr val="DE8445"/>
-          </a:solidFill>
-          <a:ln>
-            <a:solidFill>
-              <a:srgbClr val="DE8445"/>
-            </a:solidFill>
-          </a:ln>
-        </p:spPr>
-        <p:style>
-          <a:lnRef idx="2">
-            <a:schemeClr val="accent1">
-              <a:shade val="50000"/>
-            </a:schemeClr>
-          </a:lnRef>
-          <a:fillRef idx="1">
-            <a:schemeClr val="accent1"/>
-          </a:fillRef>
-          <a:effectRef idx="0">
-            <a:schemeClr val="accent1"/>
-          </a:effectRef>
-          <a:fontRef idx="minor">
-            <a:schemeClr val="lt1"/>
-          </a:fontRef>
-        </p:style>
-        <p:txBody>
-          <a:bodyPr rtlCol="0" anchor="ctr"/>
-          <a:lstStyle/>
-          <a:p>
-            <a:pPr algn="ctr"/>
-            <a:endParaRPr lang="en-NL" sz="3700">
-              <a:solidFill>
-                <a:schemeClr val="tx1"/>
-              </a:solidFill>
-            </a:endParaRPr>
-          </a:p>
-        </p:txBody>
-      </p:sp>
-      <p:pic>
-        <p:nvPicPr>
-          <p:cNvPr id="15" name="Picture 14">
-            <a:extLst>
-              <a:ext uri="{FF2B5EF4-FFF2-40B4-BE49-F238E27FC236}">
-                <a16:creationId xmlns:a16="http://schemas.microsoft.com/office/drawing/2014/main" id="{789A4496-9FBC-704F-B2C1-D5C1E9DB312E}"/>
-              </a:ext>
-            </a:extLst>
-          </p:cNvPr>
-          <p:cNvPicPr>
-            <a:picLocks noChangeAspect="1"/>
-          </p:cNvPicPr>
-          <p:nvPr/>
-        </p:nvPicPr>
-        <p:blipFill>
-          <a:blip r:embed="rId3"/>
-          <a:stretch>
-            <a:fillRect/>
-          </a:stretch>
-        </p:blipFill>
-        <p:spPr>
-          <a:xfrm>
-            <a:off x="4991437" y="3324877"/>
-            <a:ext cx="1377557" cy="570453"/>
-          </a:xfrm>
-          <a:prstGeom prst="rect">
-            <a:avLst/>
-          </a:prstGeom>
-        </p:spPr>
-      </p:pic>
-      <p:pic>
-        <p:nvPicPr>
-          <p:cNvPr id="16" name="Picture 15" descr="A picture containing food, drawing&#10;&#10;Description automatically generated">
-            <a:extLst>
-              <a:ext uri="{FF2B5EF4-FFF2-40B4-BE49-F238E27FC236}">
-                <a16:creationId xmlns:a16="http://schemas.microsoft.com/office/drawing/2014/main" id="{5BFC205A-19C7-9F49-929A-165FFE6218EB}"/>
-              </a:ext>
-            </a:extLst>
-          </p:cNvPr>
-          <p:cNvPicPr>
-            <a:picLocks noChangeAspect="1"/>
-          </p:cNvPicPr>
-          <p:nvPr/>
-        </p:nvPicPr>
-        <p:blipFill>
-          <a:blip r:embed="rId4"/>
-          <a:stretch>
-            <a:fillRect/>
-          </a:stretch>
-        </p:blipFill>
-        <p:spPr>
-          <a:xfrm>
-            <a:off x="4555669" y="-324090"/>
-            <a:ext cx="2268599" cy="2232403"/>
-          </a:xfrm>
-          <a:prstGeom prst="rect">
-            <a:avLst/>
-          </a:prstGeom>
-        </p:spPr>
-      </p:pic>
-      <p:sp>
-        <p:nvSpPr>
-          <p:cNvPr id="17" name="Rectangle 16">
-            <a:extLst>
-              <a:ext uri="{FF2B5EF4-FFF2-40B4-BE49-F238E27FC236}">
-                <a16:creationId xmlns:a16="http://schemas.microsoft.com/office/drawing/2014/main" id="{1CFD67FC-EB16-7E4E-B8D4-767E78D204CB}"/>
-              </a:ext>
-            </a:extLst>
-          </p:cNvPr>
-          <p:cNvSpPr/>
-          <p:nvPr/>
-        </p:nvSpPr>
-        <p:spPr>
-          <a:xfrm>
-            <a:off x="4029052" y="1366749"/>
-            <a:ext cx="3305328" cy="2169825"/>
-          </a:xfrm>
-          <a:prstGeom prst="rect">
-            <a:avLst/>
-          </a:prstGeom>
-        </p:spPr>
-        <p:txBody>
-          <a:bodyPr wrap="square">
-            <a:spAutoFit/>
-          </a:bodyPr>
-          <a:lstStyle/>
-          <a:p>
-            <a:pPr algn="ctr"/>
-            <a:r>
-              <a:rPr lang="en-GB" sz="900" b="1" dirty="0">
-                <a:solidFill>
-                  <a:schemeClr val="bg1"/>
-                </a:solidFill>
-                <a:latin typeface="Ubuntu Light" panose="020B0304030602030204" pitchFamily="34" charset="0"/>
-              </a:rPr>
-              <a:t>Scrum</a:t>
-            </a:r>
-            <a:r>
-              <a:rPr lang="en-GB" sz="900" dirty="0">
-                <a:solidFill>
-                  <a:schemeClr val="bg1"/>
-                </a:solidFill>
-                <a:latin typeface="Ubuntu Light" panose="020B0304030602030204" pitchFamily="34" charset="0"/>
-              </a:rPr>
-              <a:t> </a:t>
-            </a:r>
-            <a:r>
-              <a:rPr lang="en-GB" sz="900" b="1" dirty="0">
-                <a:solidFill>
-                  <a:schemeClr val="bg1"/>
-                </a:solidFill>
-                <a:latin typeface="Ubuntu Light" panose="020B0304030602030204" pitchFamily="34" charset="0"/>
-              </a:rPr>
-              <a:t>Facilitators</a:t>
-            </a:r>
-            <a:r>
-              <a:rPr lang="en-GB" sz="900" dirty="0">
-                <a:solidFill>
-                  <a:schemeClr val="bg1"/>
-                </a:solidFill>
-                <a:latin typeface="Ubuntu Light" panose="020B0304030602030204" pitchFamily="34" charset="0"/>
-              </a:rPr>
-              <a:t> is a Dutch-based training organization on a mission to help professionals become awesome Scrum facilitators. A Scrum Facilitator can be a Scrum Master, Product Owner, developer or  leader. Great Scrum Facilitators understand the Scrum values &amp; principles and use these to effectively implement Scrum with their teams and organizations.</a:t>
-            </a:r>
-          </a:p>
-          <a:p>
-            <a:pPr algn="ctr"/>
-            <a:endParaRPr lang="en-GB" sz="900" dirty="0">
-              <a:solidFill>
-                <a:schemeClr val="bg1"/>
-              </a:solidFill>
-              <a:latin typeface="Ubuntu Light" panose="020B0304030602030204" pitchFamily="34" charset="0"/>
-            </a:endParaRPr>
-          </a:p>
-          <a:p>
-            <a:pPr algn="ctr"/>
-            <a:r>
-              <a:rPr lang="en-GB" sz="900" b="1" dirty="0">
-                <a:solidFill>
-                  <a:schemeClr val="bg1"/>
-                </a:solidFill>
-                <a:latin typeface="Ubuntu Light" panose="020B0304030602030204" pitchFamily="34" charset="0"/>
-              </a:rPr>
-              <a:t>Scrum Facilitators is a Scrum.org partner</a:t>
-            </a:r>
-            <a:r>
-              <a:rPr lang="en-GB" sz="900" dirty="0">
-                <a:solidFill>
-                  <a:schemeClr val="bg1"/>
-                </a:solidFill>
-                <a:latin typeface="Ubuntu Light" panose="020B0304030602030204" pitchFamily="34" charset="0"/>
-              </a:rPr>
-              <a:t>. Our classes are accredited, always up-to-date, fun, super interactive and always facilitated by two trainers to maximize your learning objectives. Our trainers are </a:t>
-            </a:r>
-            <a:r>
-              <a:rPr lang="en-GB" sz="900" b="1" dirty="0">
-                <a:solidFill>
-                  <a:schemeClr val="bg1"/>
-                </a:solidFill>
-                <a:latin typeface="Ubuntu Light" panose="020B0304030602030204" pitchFamily="34" charset="0"/>
-              </a:rPr>
-              <a:t>seasoned experts </a:t>
-            </a:r>
-            <a:r>
-              <a:rPr lang="en-GB" sz="900" dirty="0">
-                <a:solidFill>
-                  <a:schemeClr val="bg1"/>
-                </a:solidFill>
-                <a:latin typeface="Ubuntu Light" panose="020B0304030602030204" pitchFamily="34" charset="0"/>
-              </a:rPr>
-              <a:t>and </a:t>
-            </a:r>
-            <a:r>
-              <a:rPr lang="en-GB" sz="900" b="1" dirty="0">
-                <a:solidFill>
-                  <a:schemeClr val="bg1"/>
-                </a:solidFill>
-                <a:latin typeface="Ubuntu Light" panose="020B0304030602030204" pitchFamily="34" charset="0"/>
-              </a:rPr>
-              <a:t>Scrum.org certified </a:t>
-            </a:r>
-            <a:r>
-              <a:rPr lang="en-GB" sz="900" dirty="0">
-                <a:solidFill>
-                  <a:schemeClr val="bg1"/>
-                </a:solidFill>
-                <a:latin typeface="Ubuntu Light" panose="020B0304030602030204" pitchFamily="34" charset="0"/>
-              </a:rPr>
-              <a:t>Professional Scrum Trainers with substantial real life experience in various settings.</a:t>
-            </a:r>
-          </a:p>
-          <a:p>
-            <a:pPr algn="ctr"/>
-            <a:endParaRPr lang="en-GB" sz="900" dirty="0">
-              <a:solidFill>
-                <a:schemeClr val="bg1"/>
-              </a:solidFill>
-              <a:latin typeface="Ubuntu Light" panose="020B0304030602030204" pitchFamily="34" charset="0"/>
-            </a:endParaRPr>
-          </a:p>
-        </p:txBody>
-      </p:sp>
-      <p:sp>
-        <p:nvSpPr>
-          <p:cNvPr id="18" name="TextBox 17">
-            <a:extLst>
-              <a:ext uri="{FF2B5EF4-FFF2-40B4-BE49-F238E27FC236}">
-                <a16:creationId xmlns:a16="http://schemas.microsoft.com/office/drawing/2014/main" id="{6F943A64-0EE7-0746-8785-BA4ACC104E94}"/>
-              </a:ext>
-            </a:extLst>
-          </p:cNvPr>
-          <p:cNvSpPr txBox="1"/>
-          <p:nvPr/>
-        </p:nvSpPr>
-        <p:spPr>
-          <a:xfrm>
-            <a:off x="123986" y="729912"/>
-            <a:ext cx="3572360" cy="1015663"/>
-          </a:xfrm>
-          <a:prstGeom prst="rect">
-            <a:avLst/>
-          </a:prstGeom>
-          <a:noFill/>
-        </p:spPr>
-        <p:txBody>
-          <a:bodyPr wrap="square" rtlCol="0">
-            <a:spAutoFit/>
-          </a:bodyPr>
-          <a:lstStyle/>
-          <a:p>
-            <a:pPr algn="ctr"/>
-            <a:r>
-              <a:rPr lang="en-GB" sz="1000" dirty="0">
-                <a:solidFill>
-                  <a:schemeClr val="bg1"/>
-                </a:solidFill>
-                <a:latin typeface="Ubuntu" panose="020B0504030602030204" pitchFamily="34" charset="0"/>
-              </a:rPr>
-              <a:t>This game is based on Evidence Based Management (EBM). EBM is an empirical framework organizations can use to help measure the (perceived) product value, and the way they deliver their product(s). The measurements can be inspected to help maximize product value and improve the way of working.</a:t>
-            </a:r>
-            <a:endParaRPr lang="en-NL" sz="1000" dirty="0">
-              <a:latin typeface="Ubuntu" panose="020B0504030602030204" pitchFamily="34" charset="0"/>
-            </a:endParaRPr>
-          </a:p>
-        </p:txBody>
-      </p:sp>
-      <p:sp>
-        <p:nvSpPr>
-          <p:cNvPr id="20" name="TextBox 19">
-            <a:extLst>
-              <a:ext uri="{FF2B5EF4-FFF2-40B4-BE49-F238E27FC236}">
-                <a16:creationId xmlns:a16="http://schemas.microsoft.com/office/drawing/2014/main" id="{CF06092E-B2A6-EB41-86F4-7148929817BE}"/>
-              </a:ext>
-            </a:extLst>
-          </p:cNvPr>
-          <p:cNvSpPr txBox="1"/>
-          <p:nvPr/>
-        </p:nvSpPr>
-        <p:spPr>
-          <a:xfrm>
-            <a:off x="213612" y="1837558"/>
-            <a:ext cx="3305328" cy="2862322"/>
-          </a:xfrm>
-          <a:prstGeom prst="rect">
-            <a:avLst/>
-          </a:prstGeom>
-          <a:noFill/>
-        </p:spPr>
-        <p:txBody>
-          <a:bodyPr wrap="square" rtlCol="0">
-            <a:spAutoFit/>
-          </a:bodyPr>
-          <a:lstStyle/>
-          <a:p>
-            <a:pPr marL="228600" indent="-228600">
-              <a:buFont typeface="+mj-lt"/>
-              <a:buAutoNum type="arabicPeriod"/>
-            </a:pPr>
-            <a:r>
-              <a:rPr lang="en-GB" sz="900" dirty="0">
-                <a:solidFill>
-                  <a:schemeClr val="bg1"/>
-                </a:solidFill>
-                <a:latin typeface="Ubuntu Light" panose="020B0304030602030204" pitchFamily="34" charset="0"/>
-              </a:rPr>
-              <a:t>As a Scrum Facilitator, put the four Key Value Areas (KVAs) in a row on the floor (Current Value, Time to Market, Ability to Innovate and Unrealized Value). Explain each KVA to the participants.</a:t>
-            </a:r>
-          </a:p>
-          <a:p>
-            <a:pPr marL="228600" indent="-228600">
-              <a:buFont typeface="+mj-lt"/>
-              <a:buAutoNum type="arabicPeriod"/>
-            </a:pPr>
-            <a:r>
-              <a:rPr lang="en-GB" sz="900" dirty="0">
-                <a:solidFill>
-                  <a:schemeClr val="bg1"/>
-                </a:solidFill>
-                <a:latin typeface="Ubuntu Light" panose="020B0304030602030204" pitchFamily="34" charset="0"/>
-              </a:rPr>
-              <a:t>Form two groups and hand one group the green Key Value Measures cards (KVMs) and the other group the remaining purple KVMs.</a:t>
-            </a:r>
-          </a:p>
-          <a:p>
-            <a:pPr marL="228600" indent="-228600">
-              <a:buFont typeface="+mj-lt"/>
-              <a:buAutoNum type="arabicPeriod"/>
-            </a:pPr>
-            <a:r>
-              <a:rPr lang="en-GB" sz="900" dirty="0">
-                <a:solidFill>
-                  <a:schemeClr val="bg1"/>
-                </a:solidFill>
-                <a:latin typeface="Ubuntu Light" panose="020B0304030602030204" pitchFamily="34" charset="0"/>
-              </a:rPr>
-              <a:t>Step 1: Invite the group(s) to discuss and put the KVMs under the correct KVA.</a:t>
-            </a:r>
-          </a:p>
-          <a:p>
-            <a:pPr marL="228600" indent="-228600">
-              <a:buFont typeface="+mj-lt"/>
-              <a:buAutoNum type="arabicPeriod"/>
-            </a:pPr>
-            <a:r>
-              <a:rPr lang="en-GB" sz="900" dirty="0">
-                <a:solidFill>
-                  <a:schemeClr val="bg1"/>
-                </a:solidFill>
-                <a:latin typeface="Ubuntu Light" panose="020B0304030602030204" pitchFamily="34" charset="0"/>
-              </a:rPr>
-              <a:t>Step 2: Invite both groups to discuss their results and adapt their cards. Make sure by the end of this round, the KVM cards are under the correct KVA. </a:t>
-            </a:r>
-          </a:p>
-          <a:p>
-            <a:pPr marL="228600" indent="-228600">
-              <a:buFont typeface="+mj-lt"/>
-              <a:buAutoNum type="arabicPeriod"/>
-            </a:pPr>
-            <a:r>
-              <a:rPr lang="en-GB" sz="900" dirty="0">
-                <a:solidFill>
-                  <a:schemeClr val="bg1"/>
-                </a:solidFill>
-                <a:latin typeface="Ubuntu Light" panose="020B0304030602030204" pitchFamily="34" charset="0"/>
-              </a:rPr>
-              <a:t>Step 3: Invite the participants to individually look at the KVMs and select one KVM that caught their attention. (A non-EBM KVM may also be chosen at this point)</a:t>
-            </a:r>
-          </a:p>
-          <a:p>
-            <a:pPr marL="228600" indent="-228600">
-              <a:buFont typeface="+mj-lt"/>
-              <a:buAutoNum type="arabicPeriod"/>
-            </a:pPr>
-            <a:r>
-              <a:rPr lang="en-GB" sz="900" dirty="0">
-                <a:solidFill>
-                  <a:schemeClr val="bg1"/>
-                </a:solidFill>
-                <a:latin typeface="Ubuntu Light" panose="020B0304030602030204" pitchFamily="34" charset="0"/>
-              </a:rPr>
-              <a:t>Step 4: Invite the participants into groups of four. Ask each participant to explain why they chose their particular KVM and collaborate on how to implement it. (In case of non-EBM measures, pay attention that these are not vanity metrics and discuss the potential pitfalls)</a:t>
-            </a:r>
-            <a:endParaRPr lang="en-NL" sz="900" dirty="0">
-              <a:solidFill>
-                <a:schemeClr val="bg1"/>
-              </a:solidFill>
-              <a:latin typeface="Ubuntu Light" panose="020B0304030602030204" pitchFamily="34" charset="0"/>
-            </a:endParaRPr>
-          </a:p>
-        </p:txBody>
-      </p:sp>
-      <p:sp>
-        <p:nvSpPr>
-          <p:cNvPr id="21" name="TextBox 20">
-            <a:extLst>
-              <a:ext uri="{FF2B5EF4-FFF2-40B4-BE49-F238E27FC236}">
-                <a16:creationId xmlns:a16="http://schemas.microsoft.com/office/drawing/2014/main" id="{198E9943-4F58-D344-BF0A-1E1F4F8AC017}"/>
-              </a:ext>
-            </a:extLst>
-          </p:cNvPr>
-          <p:cNvSpPr txBox="1"/>
-          <p:nvPr/>
-        </p:nvSpPr>
-        <p:spPr>
-          <a:xfrm>
-            <a:off x="4294481" y="3895330"/>
-            <a:ext cx="2771468" cy="738664"/>
-          </a:xfrm>
-          <a:prstGeom prst="rect">
-            <a:avLst/>
-          </a:prstGeom>
-          <a:noFill/>
-        </p:spPr>
-        <p:txBody>
-          <a:bodyPr wrap="square" rtlCol="0">
-            <a:spAutoFit/>
-          </a:bodyPr>
-          <a:lstStyle/>
-          <a:p>
-            <a:pPr algn="ctr"/>
-            <a:r>
-              <a:rPr lang="en-NL" sz="700" dirty="0">
-                <a:solidFill>
-                  <a:schemeClr val="bg1"/>
-                </a:solidFill>
-                <a:latin typeface="Ubuntu Light" panose="020B0304030602030204" pitchFamily="34" charset="0"/>
-              </a:rPr>
-              <a:t>Based on the 2020 EBM Guide. Learn about Evidence-Based Management (EBM) </a:t>
-            </a:r>
-            <a:r>
-              <a:rPr lang="en-GB" sz="700" dirty="0">
-                <a:solidFill>
-                  <a:schemeClr val="bg1"/>
-                </a:solidFill>
-                <a:latin typeface="Ubuntu Light" panose="020B0304030602030204" pitchFamily="34" charset="0"/>
-              </a:rPr>
-              <a:t>at </a:t>
-            </a:r>
-            <a:r>
-              <a:rPr lang="en-GB" sz="700" dirty="0">
-                <a:solidFill>
-                  <a:schemeClr val="bg1"/>
-                </a:solidFill>
-                <a:latin typeface="Ubuntu Light" panose="020B0304030602030204" pitchFamily="34" charset="0"/>
-                <a:hlinkClick r:id="rId5"/>
-              </a:rPr>
-              <a:t>http://s</a:t>
-            </a:r>
-            <a:r>
-              <a:rPr lang="en-NL" sz="700" dirty="0">
-                <a:solidFill>
-                  <a:schemeClr val="bg1"/>
-                </a:solidFill>
-                <a:latin typeface="Ubuntu Light" panose="020B0304030602030204" pitchFamily="34" charset="0"/>
-                <a:hlinkClick r:id="rId5"/>
-              </a:rPr>
-              <a:t>crum.org/EBM</a:t>
-            </a:r>
-            <a:endParaRPr lang="en-NL" sz="700" dirty="0">
-              <a:solidFill>
-                <a:schemeClr val="bg1"/>
-              </a:solidFill>
-              <a:latin typeface="Ubuntu Light" panose="020B0304030602030204" pitchFamily="34" charset="0"/>
-            </a:endParaRPr>
-          </a:p>
-          <a:p>
-            <a:pPr algn="ctr"/>
-            <a:endParaRPr lang="en-NL" sz="700" dirty="0">
-              <a:solidFill>
-                <a:schemeClr val="bg1"/>
-              </a:solidFill>
-              <a:latin typeface="Ubuntu Light" panose="020B0304030602030204" pitchFamily="34" charset="0"/>
-            </a:endParaRPr>
-          </a:p>
-          <a:p>
-            <a:pPr algn="ctr"/>
-            <a:r>
-              <a:rPr lang="en-GB" sz="700" dirty="0">
-                <a:solidFill>
-                  <a:schemeClr val="bg1"/>
-                </a:solidFill>
-                <a:latin typeface="Ubuntu Light" panose="020B0304030602030204" pitchFamily="34" charset="0"/>
-              </a:rPr>
-              <a:t>The Measuring Outcome game (v2) is licensed under </a:t>
-            </a:r>
-          </a:p>
-          <a:p>
-            <a:pPr algn="ctr"/>
-            <a:r>
-              <a:rPr lang="en-GB" sz="700" dirty="0">
-                <a:solidFill>
-                  <a:schemeClr val="bg1"/>
-                </a:solidFill>
-                <a:latin typeface="Ubuntu Light" panose="020B0304030602030204" pitchFamily="34" charset="0"/>
-              </a:rPr>
-              <a:t>CC BY-NC-SA 4.0</a:t>
-            </a:r>
-          </a:p>
-          <a:p>
-            <a:pPr algn="ctr"/>
-            <a:r>
-              <a:rPr lang="en-GB" sz="700" dirty="0">
-                <a:solidFill>
-                  <a:schemeClr val="bg1">
-                    <a:lumMod val="75000"/>
-                  </a:schemeClr>
-                </a:solidFill>
-                <a:latin typeface="Ubuntu Light" panose="020B0304030602030204" pitchFamily="34" charset="0"/>
-              </a:rPr>
-              <a:t>By Scrum Facilitators</a:t>
-            </a:r>
-          </a:p>
-        </p:txBody>
-      </p:sp>
-      <p:grpSp>
-        <p:nvGrpSpPr>
-          <p:cNvPr id="2" name="Group 1">
-            <a:extLst>
-              <a:ext uri="{FF2B5EF4-FFF2-40B4-BE49-F238E27FC236}">
-                <a16:creationId xmlns:a16="http://schemas.microsoft.com/office/drawing/2014/main" id="{E86EE5EF-4E07-9D4A-8C2D-83F385087044}"/>
-              </a:ext>
-            </a:extLst>
-          </p:cNvPr>
-          <p:cNvGrpSpPr/>
-          <p:nvPr/>
-        </p:nvGrpSpPr>
-        <p:grpSpPr>
-          <a:xfrm>
-            <a:off x="-232456" y="161565"/>
-            <a:ext cx="3909016" cy="665950"/>
-            <a:chOff x="-77476" y="76326"/>
-            <a:chExt cx="3909016" cy="665950"/>
-          </a:xfrm>
-        </p:grpSpPr>
-        <p:sp>
-          <p:nvSpPr>
-            <p:cNvPr id="19" name="TextBox 18">
-              <a:extLst>
-                <a:ext uri="{FF2B5EF4-FFF2-40B4-BE49-F238E27FC236}">
-                  <a16:creationId xmlns:a16="http://schemas.microsoft.com/office/drawing/2014/main" id="{595EE125-EFCC-F14F-8498-A6CD8EEF0F59}"/>
-                </a:ext>
-              </a:extLst>
-            </p:cNvPr>
-            <p:cNvSpPr txBox="1"/>
-            <p:nvPr/>
-          </p:nvSpPr>
-          <p:spPr>
-            <a:xfrm>
-              <a:off x="-77476" y="76326"/>
-              <a:ext cx="3909016" cy="664926"/>
-            </a:xfrm>
-            <a:prstGeom prst="rect">
-              <a:avLst/>
-            </a:prstGeom>
-            <a:noFill/>
-          </p:spPr>
-          <p:txBody>
-            <a:bodyPr wrap="square" rtlCol="0">
-              <a:spAutoFit/>
-            </a:bodyPr>
-            <a:lstStyle/>
-            <a:p>
-              <a:pPr algn="ctr"/>
-              <a:r>
-                <a:rPr lang="en-NL" sz="3700" b="1" dirty="0">
-                  <a:latin typeface="Marvel" pitchFamily="2" charset="0"/>
-                </a:rPr>
-                <a:t>FACILITATE THE GAM</a:t>
-              </a:r>
-            </a:p>
-          </p:txBody>
-        </p:sp>
-        <p:sp>
-          <p:nvSpPr>
-            <p:cNvPr id="24" name="TextBox 23">
-              <a:extLst>
-                <a:ext uri="{FF2B5EF4-FFF2-40B4-BE49-F238E27FC236}">
-                  <a16:creationId xmlns:a16="http://schemas.microsoft.com/office/drawing/2014/main" id="{9D817926-FA1D-B346-9D51-472AADB3F438}"/>
-                </a:ext>
-              </a:extLst>
-            </p:cNvPr>
-            <p:cNvSpPr txBox="1"/>
-            <p:nvPr/>
-          </p:nvSpPr>
-          <p:spPr>
-            <a:xfrm>
-              <a:off x="3221873" y="77350"/>
-              <a:ext cx="249747" cy="664926"/>
-            </a:xfrm>
-            <a:prstGeom prst="rect">
-              <a:avLst/>
-            </a:prstGeom>
-            <a:noFill/>
-          </p:spPr>
-          <p:txBody>
-            <a:bodyPr wrap="square" rtlCol="0">
-              <a:spAutoFit/>
-            </a:bodyPr>
-            <a:lstStyle/>
-            <a:p>
-              <a:pPr algn="ctr"/>
-              <a:r>
-                <a:rPr lang="en-NL" sz="3700" b="1" dirty="0">
-                  <a:latin typeface="Marvel" pitchFamily="2" charset="0"/>
-                </a:rPr>
-                <a:t>E</a:t>
-              </a:r>
-            </a:p>
-          </p:txBody>
-        </p:sp>
-      </p:grpSp>
-      <p:cxnSp>
-        <p:nvCxnSpPr>
-          <p:cNvPr id="4" name="Straight Connector 3">
-            <a:extLst>
-              <a:ext uri="{FF2B5EF4-FFF2-40B4-BE49-F238E27FC236}">
-                <a16:creationId xmlns:a16="http://schemas.microsoft.com/office/drawing/2014/main" id="{68785FFA-7409-D846-8C87-4C5E3E391542}"/>
-              </a:ext>
-            </a:extLst>
-          </p:cNvPr>
-          <p:cNvCxnSpPr/>
-          <p:nvPr/>
-        </p:nvCxnSpPr>
-        <p:spPr>
-          <a:xfrm>
-            <a:off x="3779837" y="255722"/>
-            <a:ext cx="0" cy="4680488"/>
-          </a:xfrm>
-          <a:prstGeom prst="line">
-            <a:avLst/>
-          </a:prstGeom>
-          <a:ln w="12700">
-            <a:solidFill>
-              <a:schemeClr val="bg1">
-                <a:lumMod val="75000"/>
-              </a:schemeClr>
-            </a:solidFill>
-          </a:ln>
-        </p:spPr>
-        <p:style>
-          <a:lnRef idx="1">
-            <a:schemeClr val="accent1"/>
-          </a:lnRef>
-          <a:fillRef idx="0">
-            <a:schemeClr val="accent1"/>
-          </a:fillRef>
-          <a:effectRef idx="0">
-            <a:schemeClr val="accent1"/>
-          </a:effectRef>
-          <a:fontRef idx="minor">
-            <a:schemeClr val="tx1"/>
-          </a:fontRef>
-        </p:style>
-      </p:cxnSp>
-    </p:spTree>
-    <p:extLst>
-      <p:ext uri="{BB962C8B-B14F-4D97-AF65-F5344CB8AC3E}">
-        <p14:creationId xmlns:p14="http://schemas.microsoft.com/office/powerpoint/2010/main" val="959106489"/>
-      </p:ext>
-    </p:extLst>
-  </p:cSld>
-  <p:clrMapOvr>
-    <a:masterClrMapping/>
-  </p:clrMapOvr>
-</p:sld>
-</file>
-
-<file path=ppt/slides/slide20.xml><?xml version="1.0" encoding="utf-8"?>
+<file path=ppt/slides/slide22.xml><?xml version="1.0" encoding="utf-8"?>
 <p:sld xmlns:a="http://schemas.openxmlformats.org/drawingml/2006/main" xmlns:r="http://schemas.openxmlformats.org/officeDocument/2006/relationships" xmlns:p="http://schemas.openxmlformats.org/presentationml/2006/main">
   <p:cSld>
     <p:spTree>
@@ -7638,7 +8040,7 @@
 </p:sld>
 </file>
 
-<file path=ppt/slides/slide21.xml><?xml version="1.0" encoding="utf-8"?>
+<file path=ppt/slides/slide23.xml><?xml version="1.0" encoding="utf-8"?>
 <p:sld xmlns:a="http://schemas.openxmlformats.org/drawingml/2006/main" xmlns:r="http://schemas.openxmlformats.org/officeDocument/2006/relationships" xmlns:p="http://schemas.openxmlformats.org/presentationml/2006/main">
   <p:cSld>
     <p:spTree>
@@ -7948,7 +8350,7 @@
 </p:sld>
 </file>
 
-<file path=ppt/slides/slide22.xml><?xml version="1.0" encoding="utf-8"?>
+<file path=ppt/slides/slide24.xml><?xml version="1.0" encoding="utf-8"?>
 <p:sld xmlns:a="http://schemas.openxmlformats.org/drawingml/2006/main" xmlns:r="http://schemas.openxmlformats.org/officeDocument/2006/relationships" xmlns:p="http://schemas.openxmlformats.org/presentationml/2006/main">
   <p:cSld>
     <p:spTree>
@@ -8117,7 +8519,7 @@
 </p:sld>
 </file>
 
-<file path=ppt/slides/slide23.xml><?xml version="1.0" encoding="utf-8"?>
+<file path=ppt/slides/slide25.xml><?xml version="1.0" encoding="utf-8"?>
 <p:sld xmlns:a="http://schemas.openxmlformats.org/drawingml/2006/main" xmlns:r="http://schemas.openxmlformats.org/officeDocument/2006/relationships" xmlns:p="http://schemas.openxmlformats.org/presentationml/2006/main">
   <p:cSld>
     <p:spTree>
@@ -8451,7 +8853,7 @@
 </p:sld>
 </file>
 
-<file path=ppt/slides/slide24.xml><?xml version="1.0" encoding="utf-8"?>
+<file path=ppt/slides/slide26.xml><?xml version="1.0" encoding="utf-8"?>
 <p:sld xmlns:a="http://schemas.openxmlformats.org/drawingml/2006/main" xmlns:r="http://schemas.openxmlformats.org/officeDocument/2006/relationships" xmlns:p="http://schemas.openxmlformats.org/presentationml/2006/main">
   <p:cSld>
     <p:spTree>
@@ -8620,7 +9022,7 @@
 </p:sld>
 </file>
 
-<file path=ppt/slides/slide25.xml><?xml version="1.0" encoding="utf-8"?>
+<file path=ppt/slides/slide27.xml><?xml version="1.0" encoding="utf-8"?>
 <p:sld xmlns:a="http://schemas.openxmlformats.org/drawingml/2006/main" xmlns:r="http://schemas.openxmlformats.org/officeDocument/2006/relationships" xmlns:p="http://schemas.openxmlformats.org/presentationml/2006/main">
   <p:cSld>
     <p:spTree>
@@ -8942,7 +9344,7 @@
 </p:sld>
 </file>
 
-<file path=ppt/slides/slide26.xml><?xml version="1.0" encoding="utf-8"?>
+<file path=ppt/slides/slide28.xml><?xml version="1.0" encoding="utf-8"?>
 <p:sld xmlns:a="http://schemas.openxmlformats.org/drawingml/2006/main" xmlns:r="http://schemas.openxmlformats.org/officeDocument/2006/relationships" xmlns:p="http://schemas.openxmlformats.org/presentationml/2006/main">
   <p:cSld>
     <p:spTree>
@@ -9111,7 +9513,7 @@
 </p:sld>
 </file>
 
-<file path=ppt/slides/slide27.xml><?xml version="1.0" encoding="utf-8"?>
+<file path=ppt/slides/slide29.xml><?xml version="1.0" encoding="utf-8"?>
 <p:sld xmlns:a="http://schemas.openxmlformats.org/drawingml/2006/main" xmlns:r="http://schemas.openxmlformats.org/officeDocument/2006/relationships" xmlns:p="http://schemas.openxmlformats.org/presentationml/2006/main">
   <p:cSld>
     <p:spTree>
@@ -9433,7 +9835,998 @@
 </p:sld>
 </file>
 
-<file path=ppt/slides/slide28.xml><?xml version="1.0" encoding="utf-8"?>
+<file path=ppt/slides/slide3.xml><?xml version="1.0" encoding="utf-8"?>
+<p:sld xmlns:a="http://schemas.openxmlformats.org/drawingml/2006/main" xmlns:r="http://schemas.openxmlformats.org/officeDocument/2006/relationships" xmlns:p="http://schemas.openxmlformats.org/presentationml/2006/main">
+  <p:cSld>
+    <p:spTree>
+      <p:nvGrpSpPr>
+        <p:cNvPr id="1" name=""/>
+        <p:cNvGrpSpPr/>
+        <p:nvPr/>
+      </p:nvGrpSpPr>
+      <p:grpSpPr>
+        <a:xfrm>
+          <a:off x="0" y="0"/>
+          <a:ext cx="0" cy="0"/>
+          <a:chOff x="0" y="0"/>
+          <a:chExt cx="0" cy="0"/>
+        </a:xfrm>
+      </p:grpSpPr>
+      <p:sp>
+        <p:nvSpPr>
+          <p:cNvPr id="14" name="Rounded Rectangle 13">
+            <a:extLst>
+              <a:ext uri="{FF2B5EF4-FFF2-40B4-BE49-F238E27FC236}">
+                <a16:creationId xmlns:a16="http://schemas.microsoft.com/office/drawing/2014/main" id="{D8656E71-C2B4-0F4F-93C2-2FE01E15243E}"/>
+              </a:ext>
+            </a:extLst>
+          </p:cNvPr>
+          <p:cNvSpPr/>
+          <p:nvPr/>
+        </p:nvSpPr>
+        <p:spPr>
+          <a:xfrm>
+            <a:off x="0" y="0"/>
+            <a:ext cx="7559675" cy="5327650"/>
+          </a:xfrm>
+          <a:prstGeom prst="roundRect">
+            <a:avLst>
+              <a:gd name="adj" fmla="val 0"/>
+            </a:avLst>
+          </a:prstGeom>
+          <a:solidFill>
+            <a:srgbClr val="DE8445"/>
+          </a:solidFill>
+          <a:ln>
+            <a:noFill/>
+          </a:ln>
+        </p:spPr>
+        <p:style>
+          <a:lnRef idx="2">
+            <a:schemeClr val="accent1">
+              <a:shade val="50000"/>
+            </a:schemeClr>
+          </a:lnRef>
+          <a:fillRef idx="1">
+            <a:schemeClr val="accent1"/>
+          </a:fillRef>
+          <a:effectRef idx="0">
+            <a:schemeClr val="accent1"/>
+          </a:effectRef>
+          <a:fontRef idx="minor">
+            <a:schemeClr val="lt1"/>
+          </a:fontRef>
+        </p:style>
+        <p:txBody>
+          <a:bodyPr rtlCol="0" anchor="ctr"/>
+          <a:lstStyle/>
+          <a:p>
+            <a:pPr algn="ctr"/>
+            <a:r>
+              <a:rPr lang="en-GB" dirty="0"/>
+              <a:t>Reveals the value that the product delivers to customers, today</a:t>
+            </a:r>
+            <a:endParaRPr lang="en-NL" dirty="0"/>
+          </a:p>
+        </p:txBody>
+      </p:sp>
+      <p:sp>
+        <p:nvSpPr>
+          <p:cNvPr id="15" name="Rectangle 14">
+            <a:extLst>
+              <a:ext uri="{FF2B5EF4-FFF2-40B4-BE49-F238E27FC236}">
+                <a16:creationId xmlns:a16="http://schemas.microsoft.com/office/drawing/2014/main" id="{F07C9767-773C-644A-A638-0001139EE025}"/>
+              </a:ext>
+            </a:extLst>
+          </p:cNvPr>
+          <p:cNvSpPr/>
+          <p:nvPr/>
+        </p:nvSpPr>
+        <p:spPr>
+          <a:xfrm>
+            <a:off x="654576" y="629685"/>
+            <a:ext cx="6326488" cy="3992292"/>
+          </a:xfrm>
+          <a:prstGeom prst="rect">
+            <a:avLst/>
+          </a:prstGeom>
+          <a:blipFill>
+            <a:blip r:embed="rId2"/>
+            <a:stretch>
+              <a:fillRect/>
+            </a:stretch>
+          </a:blipFill>
+          <a:ln w="76200">
+            <a:solidFill>
+              <a:schemeClr val="tx1"/>
+            </a:solidFill>
+          </a:ln>
+        </p:spPr>
+        <p:style>
+          <a:lnRef idx="2">
+            <a:schemeClr val="accent1">
+              <a:shade val="50000"/>
+            </a:schemeClr>
+          </a:lnRef>
+          <a:fillRef idx="1">
+            <a:schemeClr val="accent1"/>
+          </a:fillRef>
+          <a:effectRef idx="0">
+            <a:schemeClr val="accent1"/>
+          </a:effectRef>
+          <a:fontRef idx="minor">
+            <a:schemeClr val="lt1"/>
+          </a:fontRef>
+        </p:style>
+        <p:txBody>
+          <a:bodyPr rtlCol="0" anchor="ctr"/>
+          <a:lstStyle/>
+          <a:p>
+            <a:endParaRPr lang="en-NL" sz="9600">
+              <a:latin typeface="Marvel" pitchFamily="2" charset="0"/>
+            </a:endParaRPr>
+          </a:p>
+        </p:txBody>
+      </p:sp>
+      <p:sp>
+        <p:nvSpPr>
+          <p:cNvPr id="17" name="TextBox 16">
+            <a:extLst>
+              <a:ext uri="{FF2B5EF4-FFF2-40B4-BE49-F238E27FC236}">
+                <a16:creationId xmlns:a16="http://schemas.microsoft.com/office/drawing/2014/main" id="{E287ED43-6E86-FA4F-94F4-5B177664B785}"/>
+              </a:ext>
+            </a:extLst>
+          </p:cNvPr>
+          <p:cNvSpPr txBox="1"/>
+          <p:nvPr/>
+        </p:nvSpPr>
+        <p:spPr>
+          <a:xfrm>
+            <a:off x="1092134" y="1887167"/>
+            <a:ext cx="5451371" cy="1477328"/>
+          </a:xfrm>
+          <a:prstGeom prst="rect">
+            <a:avLst/>
+          </a:prstGeom>
+          <a:noFill/>
+        </p:spPr>
+        <p:txBody>
+          <a:bodyPr wrap="square" rtlCol="0">
+            <a:spAutoFit/>
+          </a:bodyPr>
+          <a:lstStyle/>
+          <a:p>
+            <a:pPr algn="ctr"/>
+            <a:r>
+              <a:rPr lang="en-NL" sz="9000" dirty="0">
+                <a:latin typeface="Marvel" pitchFamily="2" charset="0"/>
+              </a:rPr>
+              <a:t>CURRENT VALUE</a:t>
+            </a:r>
+          </a:p>
+        </p:txBody>
+      </p:sp>
+      <p:sp>
+        <p:nvSpPr>
+          <p:cNvPr id="2" name="TextBox 1">
+            <a:extLst>
+              <a:ext uri="{FF2B5EF4-FFF2-40B4-BE49-F238E27FC236}">
+                <a16:creationId xmlns:a16="http://schemas.microsoft.com/office/drawing/2014/main" id="{40491A28-9097-6F43-9DB2-81A447868F1E}"/>
+              </a:ext>
+            </a:extLst>
+          </p:cNvPr>
+          <p:cNvSpPr txBox="1"/>
+          <p:nvPr/>
+        </p:nvSpPr>
+        <p:spPr>
+          <a:xfrm>
+            <a:off x="2527241" y="3029919"/>
+            <a:ext cx="2581155" cy="246221"/>
+          </a:xfrm>
+          <a:prstGeom prst="rect">
+            <a:avLst/>
+          </a:prstGeom>
+          <a:noFill/>
+        </p:spPr>
+        <p:txBody>
+          <a:bodyPr wrap="none" rtlCol="0">
+            <a:spAutoFit/>
+          </a:bodyPr>
+          <a:lstStyle/>
+          <a:p>
+            <a:pPr algn="ctr"/>
+            <a:r>
+              <a:rPr lang="en-GB" sz="1000" dirty="0">
+                <a:solidFill>
+                  <a:schemeClr val="bg1">
+                    <a:lumMod val="50000"/>
+                  </a:schemeClr>
+                </a:solidFill>
+                <a:latin typeface="Ubuntu" panose="020B0504030602030204" pitchFamily="34" charset="0"/>
+              </a:rPr>
+              <a:t>The value that the product delivers today</a:t>
+            </a:r>
+            <a:endParaRPr lang="en-NL" sz="1000" dirty="0">
+              <a:solidFill>
+                <a:schemeClr val="bg1">
+                  <a:lumMod val="50000"/>
+                </a:schemeClr>
+              </a:solidFill>
+              <a:latin typeface="Ubuntu" panose="020B0504030602030204" pitchFamily="34" charset="0"/>
+            </a:endParaRPr>
+          </a:p>
+        </p:txBody>
+      </p:sp>
+      <p:sp>
+        <p:nvSpPr>
+          <p:cNvPr id="9" name="Rounded Rectangle 8">
+            <a:extLst>
+              <a:ext uri="{FF2B5EF4-FFF2-40B4-BE49-F238E27FC236}">
+                <a16:creationId xmlns:a16="http://schemas.microsoft.com/office/drawing/2014/main" id="{80A414F0-FCE5-2E45-A339-248A82CA3769}"/>
+              </a:ext>
+            </a:extLst>
+          </p:cNvPr>
+          <p:cNvSpPr/>
+          <p:nvPr/>
+        </p:nvSpPr>
+        <p:spPr>
+          <a:xfrm>
+            <a:off x="-205353" y="769750"/>
+            <a:ext cx="410705" cy="410705"/>
+          </a:xfrm>
+          <a:prstGeom prst="roundRect">
+            <a:avLst/>
+          </a:prstGeom>
+          <a:solidFill>
+            <a:schemeClr val="bg2"/>
+          </a:solidFill>
+          <a:ln>
+            <a:solidFill>
+              <a:schemeClr val="bg2"/>
+            </a:solidFill>
+          </a:ln>
+        </p:spPr>
+        <p:style>
+          <a:lnRef idx="2">
+            <a:schemeClr val="accent1">
+              <a:shade val="50000"/>
+            </a:schemeClr>
+          </a:lnRef>
+          <a:fillRef idx="1">
+            <a:schemeClr val="accent1"/>
+          </a:fillRef>
+          <a:effectRef idx="0">
+            <a:schemeClr val="accent1"/>
+          </a:effectRef>
+          <a:fontRef idx="minor">
+            <a:schemeClr val="lt1"/>
+          </a:fontRef>
+        </p:style>
+        <p:txBody>
+          <a:bodyPr rtlCol="0" anchor="ctr"/>
+          <a:lstStyle/>
+          <a:p>
+            <a:pPr algn="ctr"/>
+            <a:endParaRPr lang="en-NL"/>
+          </a:p>
+        </p:txBody>
+      </p:sp>
+      <p:sp>
+        <p:nvSpPr>
+          <p:cNvPr id="10" name="Rounded Rectangle 9">
+            <a:extLst>
+              <a:ext uri="{FF2B5EF4-FFF2-40B4-BE49-F238E27FC236}">
+                <a16:creationId xmlns:a16="http://schemas.microsoft.com/office/drawing/2014/main" id="{2333F93C-0F67-C146-84E2-9B869646EE60}"/>
+              </a:ext>
+            </a:extLst>
+          </p:cNvPr>
+          <p:cNvSpPr/>
+          <p:nvPr/>
+        </p:nvSpPr>
+        <p:spPr>
+          <a:xfrm>
+            <a:off x="-186093" y="1325099"/>
+            <a:ext cx="410705" cy="410705"/>
+          </a:xfrm>
+          <a:prstGeom prst="roundRect">
+            <a:avLst/>
+          </a:prstGeom>
+          <a:solidFill>
+            <a:schemeClr val="bg2"/>
+          </a:solidFill>
+          <a:ln>
+            <a:solidFill>
+              <a:schemeClr val="bg2"/>
+            </a:solidFill>
+          </a:ln>
+        </p:spPr>
+        <p:style>
+          <a:lnRef idx="2">
+            <a:schemeClr val="accent1">
+              <a:shade val="50000"/>
+            </a:schemeClr>
+          </a:lnRef>
+          <a:fillRef idx="1">
+            <a:schemeClr val="accent1"/>
+          </a:fillRef>
+          <a:effectRef idx="0">
+            <a:schemeClr val="accent1"/>
+          </a:effectRef>
+          <a:fontRef idx="minor">
+            <a:schemeClr val="lt1"/>
+          </a:fontRef>
+        </p:style>
+        <p:txBody>
+          <a:bodyPr rtlCol="0" anchor="ctr"/>
+          <a:lstStyle/>
+          <a:p>
+            <a:pPr algn="ctr"/>
+            <a:endParaRPr lang="en-NL"/>
+          </a:p>
+        </p:txBody>
+      </p:sp>
+      <p:sp>
+        <p:nvSpPr>
+          <p:cNvPr id="11" name="Rounded Rectangle 10">
+            <a:extLst>
+              <a:ext uri="{FF2B5EF4-FFF2-40B4-BE49-F238E27FC236}">
+                <a16:creationId xmlns:a16="http://schemas.microsoft.com/office/drawing/2014/main" id="{AA9F6613-2A28-7048-A742-95677A05CBD2}"/>
+              </a:ext>
+            </a:extLst>
+          </p:cNvPr>
+          <p:cNvSpPr/>
+          <p:nvPr/>
+        </p:nvSpPr>
+        <p:spPr>
+          <a:xfrm>
+            <a:off x="-205353" y="1880462"/>
+            <a:ext cx="410705" cy="410705"/>
+          </a:xfrm>
+          <a:prstGeom prst="roundRect">
+            <a:avLst/>
+          </a:prstGeom>
+          <a:solidFill>
+            <a:schemeClr val="bg2"/>
+          </a:solidFill>
+          <a:ln>
+            <a:solidFill>
+              <a:schemeClr val="bg2"/>
+            </a:solidFill>
+          </a:ln>
+        </p:spPr>
+        <p:style>
+          <a:lnRef idx="2">
+            <a:schemeClr val="accent1">
+              <a:shade val="50000"/>
+            </a:schemeClr>
+          </a:lnRef>
+          <a:fillRef idx="1">
+            <a:schemeClr val="accent1"/>
+          </a:fillRef>
+          <a:effectRef idx="0">
+            <a:schemeClr val="accent1"/>
+          </a:effectRef>
+          <a:fontRef idx="minor">
+            <a:schemeClr val="lt1"/>
+          </a:fontRef>
+        </p:style>
+        <p:txBody>
+          <a:bodyPr rtlCol="0" anchor="ctr"/>
+          <a:lstStyle/>
+          <a:p>
+            <a:pPr algn="ctr"/>
+            <a:endParaRPr lang="en-NL"/>
+          </a:p>
+        </p:txBody>
+      </p:sp>
+      <p:sp>
+        <p:nvSpPr>
+          <p:cNvPr id="12" name="Rounded Rectangle 11">
+            <a:extLst>
+              <a:ext uri="{FF2B5EF4-FFF2-40B4-BE49-F238E27FC236}">
+                <a16:creationId xmlns:a16="http://schemas.microsoft.com/office/drawing/2014/main" id="{2035461B-5D95-774C-8E4D-3CB256D762EA}"/>
+              </a:ext>
+            </a:extLst>
+          </p:cNvPr>
+          <p:cNvSpPr/>
+          <p:nvPr/>
+        </p:nvSpPr>
+        <p:spPr>
+          <a:xfrm>
+            <a:off x="-228076" y="2435818"/>
+            <a:ext cx="410705" cy="410705"/>
+          </a:xfrm>
+          <a:prstGeom prst="roundRect">
+            <a:avLst/>
+          </a:prstGeom>
+          <a:solidFill>
+            <a:schemeClr val="bg2"/>
+          </a:solidFill>
+          <a:ln>
+            <a:solidFill>
+              <a:schemeClr val="bg2"/>
+            </a:solidFill>
+          </a:ln>
+        </p:spPr>
+        <p:style>
+          <a:lnRef idx="2">
+            <a:schemeClr val="accent1">
+              <a:shade val="50000"/>
+            </a:schemeClr>
+          </a:lnRef>
+          <a:fillRef idx="1">
+            <a:schemeClr val="accent1"/>
+          </a:fillRef>
+          <a:effectRef idx="0">
+            <a:schemeClr val="accent1"/>
+          </a:effectRef>
+          <a:fontRef idx="minor">
+            <a:schemeClr val="lt1"/>
+          </a:fontRef>
+        </p:style>
+        <p:txBody>
+          <a:bodyPr rtlCol="0" anchor="ctr"/>
+          <a:lstStyle/>
+          <a:p>
+            <a:pPr algn="ctr"/>
+            <a:endParaRPr lang="en-NL"/>
+          </a:p>
+        </p:txBody>
+      </p:sp>
+      <p:sp>
+        <p:nvSpPr>
+          <p:cNvPr id="13" name="Rounded Rectangle 12">
+            <a:extLst>
+              <a:ext uri="{FF2B5EF4-FFF2-40B4-BE49-F238E27FC236}">
+                <a16:creationId xmlns:a16="http://schemas.microsoft.com/office/drawing/2014/main" id="{F78111FD-544B-3749-B4C7-6C0601A72685}"/>
+              </a:ext>
+            </a:extLst>
+          </p:cNvPr>
+          <p:cNvSpPr/>
+          <p:nvPr/>
+        </p:nvSpPr>
+        <p:spPr>
+          <a:xfrm>
+            <a:off x="-199978" y="2991174"/>
+            <a:ext cx="410705" cy="410705"/>
+          </a:xfrm>
+          <a:prstGeom prst="roundRect">
+            <a:avLst/>
+          </a:prstGeom>
+          <a:solidFill>
+            <a:schemeClr val="bg2"/>
+          </a:solidFill>
+          <a:ln>
+            <a:solidFill>
+              <a:schemeClr val="bg2"/>
+            </a:solidFill>
+          </a:ln>
+        </p:spPr>
+        <p:style>
+          <a:lnRef idx="2">
+            <a:schemeClr val="accent1">
+              <a:shade val="50000"/>
+            </a:schemeClr>
+          </a:lnRef>
+          <a:fillRef idx="1">
+            <a:schemeClr val="accent1"/>
+          </a:fillRef>
+          <a:effectRef idx="0">
+            <a:schemeClr val="accent1"/>
+          </a:effectRef>
+          <a:fontRef idx="minor">
+            <a:schemeClr val="lt1"/>
+          </a:fontRef>
+        </p:style>
+        <p:txBody>
+          <a:bodyPr rtlCol="0" anchor="ctr"/>
+          <a:lstStyle/>
+          <a:p>
+            <a:pPr algn="ctr"/>
+            <a:endParaRPr lang="en-NL"/>
+          </a:p>
+        </p:txBody>
+      </p:sp>
+      <p:sp>
+        <p:nvSpPr>
+          <p:cNvPr id="16" name="Rounded Rectangle 15">
+            <a:extLst>
+              <a:ext uri="{FF2B5EF4-FFF2-40B4-BE49-F238E27FC236}">
+                <a16:creationId xmlns:a16="http://schemas.microsoft.com/office/drawing/2014/main" id="{74B1E9C1-F51F-E349-A7D6-273F919A86DE}"/>
+              </a:ext>
+            </a:extLst>
+          </p:cNvPr>
+          <p:cNvSpPr/>
+          <p:nvPr/>
+        </p:nvSpPr>
+        <p:spPr>
+          <a:xfrm>
+            <a:off x="-205353" y="3546530"/>
+            <a:ext cx="410705" cy="410705"/>
+          </a:xfrm>
+          <a:prstGeom prst="roundRect">
+            <a:avLst/>
+          </a:prstGeom>
+          <a:solidFill>
+            <a:schemeClr val="bg2"/>
+          </a:solidFill>
+          <a:ln>
+            <a:solidFill>
+              <a:schemeClr val="bg2"/>
+            </a:solidFill>
+          </a:ln>
+        </p:spPr>
+        <p:style>
+          <a:lnRef idx="2">
+            <a:schemeClr val="accent1">
+              <a:shade val="50000"/>
+            </a:schemeClr>
+          </a:lnRef>
+          <a:fillRef idx="1">
+            <a:schemeClr val="accent1"/>
+          </a:fillRef>
+          <a:effectRef idx="0">
+            <a:schemeClr val="accent1"/>
+          </a:effectRef>
+          <a:fontRef idx="minor">
+            <a:schemeClr val="lt1"/>
+          </a:fontRef>
+        </p:style>
+        <p:txBody>
+          <a:bodyPr rtlCol="0" anchor="ctr"/>
+          <a:lstStyle/>
+          <a:p>
+            <a:pPr algn="ctr"/>
+            <a:endParaRPr lang="en-NL"/>
+          </a:p>
+        </p:txBody>
+      </p:sp>
+      <p:sp>
+        <p:nvSpPr>
+          <p:cNvPr id="18" name="Rounded Rectangle 17">
+            <a:extLst>
+              <a:ext uri="{FF2B5EF4-FFF2-40B4-BE49-F238E27FC236}">
+                <a16:creationId xmlns:a16="http://schemas.microsoft.com/office/drawing/2014/main" id="{6BB192FA-7562-6C45-B5B6-0487D9CB90FC}"/>
+              </a:ext>
+            </a:extLst>
+          </p:cNvPr>
+          <p:cNvSpPr/>
+          <p:nvPr/>
+        </p:nvSpPr>
+        <p:spPr>
+          <a:xfrm>
+            <a:off x="-199426" y="4101886"/>
+            <a:ext cx="410705" cy="410705"/>
+          </a:xfrm>
+          <a:prstGeom prst="roundRect">
+            <a:avLst/>
+          </a:prstGeom>
+          <a:solidFill>
+            <a:schemeClr val="bg2"/>
+          </a:solidFill>
+          <a:ln>
+            <a:solidFill>
+              <a:schemeClr val="bg2"/>
+            </a:solidFill>
+          </a:ln>
+        </p:spPr>
+        <p:style>
+          <a:lnRef idx="2">
+            <a:schemeClr val="accent1">
+              <a:shade val="50000"/>
+            </a:schemeClr>
+          </a:lnRef>
+          <a:fillRef idx="1">
+            <a:schemeClr val="accent1"/>
+          </a:fillRef>
+          <a:effectRef idx="0">
+            <a:schemeClr val="accent1"/>
+          </a:effectRef>
+          <a:fontRef idx="minor">
+            <a:schemeClr val="lt1"/>
+          </a:fontRef>
+        </p:style>
+        <p:txBody>
+          <a:bodyPr rtlCol="0" anchor="ctr"/>
+          <a:lstStyle/>
+          <a:p>
+            <a:pPr algn="ctr"/>
+            <a:endParaRPr lang="en-NL"/>
+          </a:p>
+        </p:txBody>
+      </p:sp>
+      <p:sp>
+        <p:nvSpPr>
+          <p:cNvPr id="19" name="Rounded Rectangle 18">
+            <a:extLst>
+              <a:ext uri="{FF2B5EF4-FFF2-40B4-BE49-F238E27FC236}">
+                <a16:creationId xmlns:a16="http://schemas.microsoft.com/office/drawing/2014/main" id="{DFF58212-847B-D248-84DE-5532419AD67A}"/>
+              </a:ext>
+            </a:extLst>
+          </p:cNvPr>
+          <p:cNvSpPr/>
+          <p:nvPr/>
+        </p:nvSpPr>
+        <p:spPr>
+          <a:xfrm>
+            <a:off x="7348208" y="769746"/>
+            <a:ext cx="410705" cy="410705"/>
+          </a:xfrm>
+          <a:prstGeom prst="roundRect">
+            <a:avLst/>
+          </a:prstGeom>
+          <a:solidFill>
+            <a:schemeClr val="bg2"/>
+          </a:solidFill>
+          <a:ln>
+            <a:solidFill>
+              <a:schemeClr val="bg2"/>
+            </a:solidFill>
+          </a:ln>
+        </p:spPr>
+        <p:style>
+          <a:lnRef idx="2">
+            <a:schemeClr val="accent1">
+              <a:shade val="50000"/>
+            </a:schemeClr>
+          </a:lnRef>
+          <a:fillRef idx="1">
+            <a:schemeClr val="accent1"/>
+          </a:fillRef>
+          <a:effectRef idx="0">
+            <a:schemeClr val="accent1"/>
+          </a:effectRef>
+          <a:fontRef idx="minor">
+            <a:schemeClr val="lt1"/>
+          </a:fontRef>
+        </p:style>
+        <p:txBody>
+          <a:bodyPr rtlCol="0" anchor="ctr"/>
+          <a:lstStyle/>
+          <a:p>
+            <a:pPr algn="ctr"/>
+            <a:endParaRPr lang="en-NL"/>
+          </a:p>
+        </p:txBody>
+      </p:sp>
+      <p:sp>
+        <p:nvSpPr>
+          <p:cNvPr id="20" name="Rounded Rectangle 19">
+            <a:extLst>
+              <a:ext uri="{FF2B5EF4-FFF2-40B4-BE49-F238E27FC236}">
+                <a16:creationId xmlns:a16="http://schemas.microsoft.com/office/drawing/2014/main" id="{8C0CF75B-D58A-4840-8464-3D74529F5933}"/>
+              </a:ext>
+            </a:extLst>
+          </p:cNvPr>
+          <p:cNvSpPr/>
+          <p:nvPr/>
+        </p:nvSpPr>
+        <p:spPr>
+          <a:xfrm>
+            <a:off x="7348208" y="1325100"/>
+            <a:ext cx="410705" cy="410705"/>
+          </a:xfrm>
+          <a:prstGeom prst="roundRect">
+            <a:avLst/>
+          </a:prstGeom>
+          <a:solidFill>
+            <a:schemeClr val="bg2"/>
+          </a:solidFill>
+          <a:ln>
+            <a:solidFill>
+              <a:schemeClr val="bg2"/>
+            </a:solidFill>
+          </a:ln>
+        </p:spPr>
+        <p:style>
+          <a:lnRef idx="2">
+            <a:schemeClr val="accent1">
+              <a:shade val="50000"/>
+            </a:schemeClr>
+          </a:lnRef>
+          <a:fillRef idx="1">
+            <a:schemeClr val="accent1"/>
+          </a:fillRef>
+          <a:effectRef idx="0">
+            <a:schemeClr val="accent1"/>
+          </a:effectRef>
+          <a:fontRef idx="minor">
+            <a:schemeClr val="lt1"/>
+          </a:fontRef>
+        </p:style>
+        <p:txBody>
+          <a:bodyPr rtlCol="0" anchor="ctr"/>
+          <a:lstStyle/>
+          <a:p>
+            <a:pPr algn="ctr"/>
+            <a:endParaRPr lang="en-NL"/>
+          </a:p>
+        </p:txBody>
+      </p:sp>
+      <p:sp>
+        <p:nvSpPr>
+          <p:cNvPr id="21" name="Rounded Rectangle 20">
+            <a:extLst>
+              <a:ext uri="{FF2B5EF4-FFF2-40B4-BE49-F238E27FC236}">
+                <a16:creationId xmlns:a16="http://schemas.microsoft.com/office/drawing/2014/main" id="{66339E88-CF46-694D-8472-C7F78C4EBDDB}"/>
+              </a:ext>
+            </a:extLst>
+          </p:cNvPr>
+          <p:cNvSpPr/>
+          <p:nvPr/>
+        </p:nvSpPr>
+        <p:spPr>
+          <a:xfrm>
+            <a:off x="7348396" y="1880460"/>
+            <a:ext cx="410705" cy="410705"/>
+          </a:xfrm>
+          <a:prstGeom prst="roundRect">
+            <a:avLst/>
+          </a:prstGeom>
+          <a:solidFill>
+            <a:schemeClr val="bg2"/>
+          </a:solidFill>
+          <a:ln>
+            <a:solidFill>
+              <a:schemeClr val="bg2"/>
+            </a:solidFill>
+          </a:ln>
+        </p:spPr>
+        <p:style>
+          <a:lnRef idx="2">
+            <a:schemeClr val="accent1">
+              <a:shade val="50000"/>
+            </a:schemeClr>
+          </a:lnRef>
+          <a:fillRef idx="1">
+            <a:schemeClr val="accent1"/>
+          </a:fillRef>
+          <a:effectRef idx="0">
+            <a:schemeClr val="accent1"/>
+          </a:effectRef>
+          <a:fontRef idx="minor">
+            <a:schemeClr val="lt1"/>
+          </a:fontRef>
+        </p:style>
+        <p:txBody>
+          <a:bodyPr rtlCol="0" anchor="ctr"/>
+          <a:lstStyle/>
+          <a:p>
+            <a:pPr algn="ctr"/>
+            <a:endParaRPr lang="en-NL"/>
+          </a:p>
+        </p:txBody>
+      </p:sp>
+      <p:sp>
+        <p:nvSpPr>
+          <p:cNvPr id="22" name="Rounded Rectangle 21">
+            <a:extLst>
+              <a:ext uri="{FF2B5EF4-FFF2-40B4-BE49-F238E27FC236}">
+                <a16:creationId xmlns:a16="http://schemas.microsoft.com/office/drawing/2014/main" id="{EE08CE49-2BDF-7E47-93A6-34A667AEB601}"/>
+              </a:ext>
+            </a:extLst>
+          </p:cNvPr>
+          <p:cNvSpPr/>
+          <p:nvPr/>
+        </p:nvSpPr>
+        <p:spPr>
+          <a:xfrm>
+            <a:off x="7348208" y="2435817"/>
+            <a:ext cx="410705" cy="410705"/>
+          </a:xfrm>
+          <a:prstGeom prst="roundRect">
+            <a:avLst/>
+          </a:prstGeom>
+          <a:solidFill>
+            <a:schemeClr val="bg2"/>
+          </a:solidFill>
+          <a:ln>
+            <a:solidFill>
+              <a:schemeClr val="bg2"/>
+            </a:solidFill>
+          </a:ln>
+        </p:spPr>
+        <p:style>
+          <a:lnRef idx="2">
+            <a:schemeClr val="accent1">
+              <a:shade val="50000"/>
+            </a:schemeClr>
+          </a:lnRef>
+          <a:fillRef idx="1">
+            <a:schemeClr val="accent1"/>
+          </a:fillRef>
+          <a:effectRef idx="0">
+            <a:schemeClr val="accent1"/>
+          </a:effectRef>
+          <a:fontRef idx="minor">
+            <a:schemeClr val="lt1"/>
+          </a:fontRef>
+        </p:style>
+        <p:txBody>
+          <a:bodyPr rtlCol="0" anchor="ctr"/>
+          <a:lstStyle/>
+          <a:p>
+            <a:pPr algn="ctr"/>
+            <a:endParaRPr lang="en-NL"/>
+          </a:p>
+        </p:txBody>
+      </p:sp>
+      <p:sp>
+        <p:nvSpPr>
+          <p:cNvPr id="23" name="Rounded Rectangle 22">
+            <a:extLst>
+              <a:ext uri="{FF2B5EF4-FFF2-40B4-BE49-F238E27FC236}">
+                <a16:creationId xmlns:a16="http://schemas.microsoft.com/office/drawing/2014/main" id="{0B4B9A8D-960F-1A49-BC4D-3FC55095C91E}"/>
+              </a:ext>
+            </a:extLst>
+          </p:cNvPr>
+          <p:cNvSpPr/>
+          <p:nvPr/>
+        </p:nvSpPr>
+        <p:spPr>
+          <a:xfrm>
+            <a:off x="7348208" y="2991173"/>
+            <a:ext cx="410705" cy="410705"/>
+          </a:xfrm>
+          <a:prstGeom prst="roundRect">
+            <a:avLst/>
+          </a:prstGeom>
+          <a:solidFill>
+            <a:schemeClr val="bg2"/>
+          </a:solidFill>
+          <a:ln>
+            <a:solidFill>
+              <a:schemeClr val="bg2"/>
+            </a:solidFill>
+          </a:ln>
+        </p:spPr>
+        <p:style>
+          <a:lnRef idx="2">
+            <a:schemeClr val="accent1">
+              <a:shade val="50000"/>
+            </a:schemeClr>
+          </a:lnRef>
+          <a:fillRef idx="1">
+            <a:schemeClr val="accent1"/>
+          </a:fillRef>
+          <a:effectRef idx="0">
+            <a:schemeClr val="accent1"/>
+          </a:effectRef>
+          <a:fontRef idx="minor">
+            <a:schemeClr val="lt1"/>
+          </a:fontRef>
+        </p:style>
+        <p:txBody>
+          <a:bodyPr rtlCol="0" anchor="ctr"/>
+          <a:lstStyle/>
+          <a:p>
+            <a:pPr algn="ctr"/>
+            <a:endParaRPr lang="en-NL"/>
+          </a:p>
+        </p:txBody>
+      </p:sp>
+      <p:sp>
+        <p:nvSpPr>
+          <p:cNvPr id="24" name="Rounded Rectangle 23">
+            <a:extLst>
+              <a:ext uri="{FF2B5EF4-FFF2-40B4-BE49-F238E27FC236}">
+                <a16:creationId xmlns:a16="http://schemas.microsoft.com/office/drawing/2014/main" id="{90B90E96-DA65-3844-A895-A8E4275F2E9E}"/>
+              </a:ext>
+            </a:extLst>
+          </p:cNvPr>
+          <p:cNvSpPr/>
+          <p:nvPr/>
+        </p:nvSpPr>
+        <p:spPr>
+          <a:xfrm>
+            <a:off x="7348208" y="3546526"/>
+            <a:ext cx="410705" cy="410705"/>
+          </a:xfrm>
+          <a:prstGeom prst="roundRect">
+            <a:avLst/>
+          </a:prstGeom>
+          <a:solidFill>
+            <a:schemeClr val="bg2"/>
+          </a:solidFill>
+          <a:ln>
+            <a:solidFill>
+              <a:schemeClr val="bg2"/>
+            </a:solidFill>
+          </a:ln>
+        </p:spPr>
+        <p:style>
+          <a:lnRef idx="2">
+            <a:schemeClr val="accent1">
+              <a:shade val="50000"/>
+            </a:schemeClr>
+          </a:lnRef>
+          <a:fillRef idx="1">
+            <a:schemeClr val="accent1"/>
+          </a:fillRef>
+          <a:effectRef idx="0">
+            <a:schemeClr val="accent1"/>
+          </a:effectRef>
+          <a:fontRef idx="minor">
+            <a:schemeClr val="lt1"/>
+          </a:fontRef>
+        </p:style>
+        <p:txBody>
+          <a:bodyPr rtlCol="0" anchor="ctr"/>
+          <a:lstStyle/>
+          <a:p>
+            <a:pPr algn="ctr"/>
+            <a:endParaRPr lang="en-NL"/>
+          </a:p>
+        </p:txBody>
+      </p:sp>
+      <p:sp>
+        <p:nvSpPr>
+          <p:cNvPr id="25" name="Rounded Rectangle 24">
+            <a:extLst>
+              <a:ext uri="{FF2B5EF4-FFF2-40B4-BE49-F238E27FC236}">
+                <a16:creationId xmlns:a16="http://schemas.microsoft.com/office/drawing/2014/main" id="{5950A2A1-25A0-624E-8059-D651F019971A}"/>
+              </a:ext>
+            </a:extLst>
+          </p:cNvPr>
+          <p:cNvSpPr/>
+          <p:nvPr/>
+        </p:nvSpPr>
+        <p:spPr>
+          <a:xfrm>
+            <a:off x="7348207" y="4101879"/>
+            <a:ext cx="410705" cy="410705"/>
+          </a:xfrm>
+          <a:prstGeom prst="roundRect">
+            <a:avLst/>
+          </a:prstGeom>
+          <a:solidFill>
+            <a:schemeClr val="bg2"/>
+          </a:solidFill>
+          <a:ln>
+            <a:solidFill>
+              <a:schemeClr val="bg2"/>
+            </a:solidFill>
+          </a:ln>
+        </p:spPr>
+        <p:style>
+          <a:lnRef idx="2">
+            <a:schemeClr val="accent1">
+              <a:shade val="50000"/>
+            </a:schemeClr>
+          </a:lnRef>
+          <a:fillRef idx="1">
+            <a:schemeClr val="accent1"/>
+          </a:fillRef>
+          <a:effectRef idx="0">
+            <a:schemeClr val="accent1"/>
+          </a:effectRef>
+          <a:fontRef idx="minor">
+            <a:schemeClr val="lt1"/>
+          </a:fontRef>
+        </p:style>
+        <p:txBody>
+          <a:bodyPr rtlCol="0" anchor="ctr"/>
+          <a:lstStyle/>
+          <a:p>
+            <a:pPr algn="ctr"/>
+            <a:endParaRPr lang="en-NL"/>
+          </a:p>
+        </p:txBody>
+      </p:sp>
+    </p:spTree>
+    <p:extLst>
+      <p:ext uri="{BB962C8B-B14F-4D97-AF65-F5344CB8AC3E}">
+        <p14:creationId xmlns:p14="http://schemas.microsoft.com/office/powerpoint/2010/main" val="2955084820"/>
+      </p:ext>
+    </p:extLst>
+  </p:cSld>
+  <p:clrMapOvr>
+    <a:masterClrMapping/>
+  </p:clrMapOvr>
+</p:sld>
+</file>
+
+<file path=ppt/slides/slide30.xml><?xml version="1.0" encoding="utf-8"?>
 <p:sld xmlns:a="http://schemas.openxmlformats.org/drawingml/2006/main" xmlns:r="http://schemas.openxmlformats.org/officeDocument/2006/relationships" xmlns:p="http://schemas.openxmlformats.org/presentationml/2006/main">
   <p:cSld>
     <p:spTree>
@@ -9602,7 +10995,7 @@
 </p:sld>
 </file>
 
-<file path=ppt/slides/slide29.xml><?xml version="1.0" encoding="utf-8"?>
+<file path=ppt/slides/slide31.xml><?xml version="1.0" encoding="utf-8"?>
 <p:sld xmlns:a="http://schemas.openxmlformats.org/drawingml/2006/main" xmlns:r="http://schemas.openxmlformats.org/officeDocument/2006/relationships" xmlns:p="http://schemas.openxmlformats.org/presentationml/2006/main">
   <p:cSld>
     <p:spTree>
@@ -9912,998 +11305,7 @@
 </p:sld>
 </file>
 
-<file path=ppt/slides/slide3.xml><?xml version="1.0" encoding="utf-8"?>
-<p:sld xmlns:a="http://schemas.openxmlformats.org/drawingml/2006/main" xmlns:r="http://schemas.openxmlformats.org/officeDocument/2006/relationships" xmlns:p="http://schemas.openxmlformats.org/presentationml/2006/main">
-  <p:cSld>
-    <p:spTree>
-      <p:nvGrpSpPr>
-        <p:cNvPr id="1" name=""/>
-        <p:cNvGrpSpPr/>
-        <p:nvPr/>
-      </p:nvGrpSpPr>
-      <p:grpSpPr>
-        <a:xfrm>
-          <a:off x="0" y="0"/>
-          <a:ext cx="0" cy="0"/>
-          <a:chOff x="0" y="0"/>
-          <a:chExt cx="0" cy="0"/>
-        </a:xfrm>
-      </p:grpSpPr>
-      <p:sp>
-        <p:nvSpPr>
-          <p:cNvPr id="14" name="Rounded Rectangle 13">
-            <a:extLst>
-              <a:ext uri="{FF2B5EF4-FFF2-40B4-BE49-F238E27FC236}">
-                <a16:creationId xmlns:a16="http://schemas.microsoft.com/office/drawing/2014/main" id="{D8656E71-C2B4-0F4F-93C2-2FE01E15243E}"/>
-              </a:ext>
-            </a:extLst>
-          </p:cNvPr>
-          <p:cNvSpPr/>
-          <p:nvPr/>
-        </p:nvSpPr>
-        <p:spPr>
-          <a:xfrm>
-            <a:off x="0" y="0"/>
-            <a:ext cx="7559675" cy="5327650"/>
-          </a:xfrm>
-          <a:prstGeom prst="roundRect">
-            <a:avLst>
-              <a:gd name="adj" fmla="val 0"/>
-            </a:avLst>
-          </a:prstGeom>
-          <a:solidFill>
-            <a:srgbClr val="DE8445"/>
-          </a:solidFill>
-          <a:ln>
-            <a:noFill/>
-          </a:ln>
-        </p:spPr>
-        <p:style>
-          <a:lnRef idx="2">
-            <a:schemeClr val="accent1">
-              <a:shade val="50000"/>
-            </a:schemeClr>
-          </a:lnRef>
-          <a:fillRef idx="1">
-            <a:schemeClr val="accent1"/>
-          </a:fillRef>
-          <a:effectRef idx="0">
-            <a:schemeClr val="accent1"/>
-          </a:effectRef>
-          <a:fontRef idx="minor">
-            <a:schemeClr val="lt1"/>
-          </a:fontRef>
-        </p:style>
-        <p:txBody>
-          <a:bodyPr rtlCol="0" anchor="ctr"/>
-          <a:lstStyle/>
-          <a:p>
-            <a:pPr algn="ctr"/>
-            <a:r>
-              <a:rPr lang="en-GB" dirty="0"/>
-              <a:t>Reveals the value that the product delivers to customers, today</a:t>
-            </a:r>
-            <a:endParaRPr lang="en-NL" dirty="0"/>
-          </a:p>
-        </p:txBody>
-      </p:sp>
-      <p:sp>
-        <p:nvSpPr>
-          <p:cNvPr id="15" name="Rectangle 14">
-            <a:extLst>
-              <a:ext uri="{FF2B5EF4-FFF2-40B4-BE49-F238E27FC236}">
-                <a16:creationId xmlns:a16="http://schemas.microsoft.com/office/drawing/2014/main" id="{F07C9767-773C-644A-A638-0001139EE025}"/>
-              </a:ext>
-            </a:extLst>
-          </p:cNvPr>
-          <p:cNvSpPr/>
-          <p:nvPr/>
-        </p:nvSpPr>
-        <p:spPr>
-          <a:xfrm>
-            <a:off x="654576" y="629685"/>
-            <a:ext cx="6326488" cy="3992292"/>
-          </a:xfrm>
-          <a:prstGeom prst="rect">
-            <a:avLst/>
-          </a:prstGeom>
-          <a:blipFill>
-            <a:blip r:embed="rId2"/>
-            <a:stretch>
-              <a:fillRect/>
-            </a:stretch>
-          </a:blipFill>
-          <a:ln w="76200">
-            <a:solidFill>
-              <a:schemeClr val="tx1"/>
-            </a:solidFill>
-          </a:ln>
-        </p:spPr>
-        <p:style>
-          <a:lnRef idx="2">
-            <a:schemeClr val="accent1">
-              <a:shade val="50000"/>
-            </a:schemeClr>
-          </a:lnRef>
-          <a:fillRef idx="1">
-            <a:schemeClr val="accent1"/>
-          </a:fillRef>
-          <a:effectRef idx="0">
-            <a:schemeClr val="accent1"/>
-          </a:effectRef>
-          <a:fontRef idx="minor">
-            <a:schemeClr val="lt1"/>
-          </a:fontRef>
-        </p:style>
-        <p:txBody>
-          <a:bodyPr rtlCol="0" anchor="ctr"/>
-          <a:lstStyle/>
-          <a:p>
-            <a:endParaRPr lang="en-NL" sz="9600">
-              <a:latin typeface="Marvel" pitchFamily="2" charset="0"/>
-            </a:endParaRPr>
-          </a:p>
-        </p:txBody>
-      </p:sp>
-      <p:sp>
-        <p:nvSpPr>
-          <p:cNvPr id="17" name="TextBox 16">
-            <a:extLst>
-              <a:ext uri="{FF2B5EF4-FFF2-40B4-BE49-F238E27FC236}">
-                <a16:creationId xmlns:a16="http://schemas.microsoft.com/office/drawing/2014/main" id="{E287ED43-6E86-FA4F-94F4-5B177664B785}"/>
-              </a:ext>
-            </a:extLst>
-          </p:cNvPr>
-          <p:cNvSpPr txBox="1"/>
-          <p:nvPr/>
-        </p:nvSpPr>
-        <p:spPr>
-          <a:xfrm>
-            <a:off x="1092134" y="1887167"/>
-            <a:ext cx="5451371" cy="1477328"/>
-          </a:xfrm>
-          <a:prstGeom prst="rect">
-            <a:avLst/>
-          </a:prstGeom>
-          <a:noFill/>
-        </p:spPr>
-        <p:txBody>
-          <a:bodyPr wrap="square" rtlCol="0">
-            <a:spAutoFit/>
-          </a:bodyPr>
-          <a:lstStyle/>
-          <a:p>
-            <a:pPr algn="ctr"/>
-            <a:r>
-              <a:rPr lang="en-NL" sz="9000" dirty="0">
-                <a:latin typeface="Marvel" pitchFamily="2" charset="0"/>
-              </a:rPr>
-              <a:t>CURRENT VALUE</a:t>
-            </a:r>
-          </a:p>
-        </p:txBody>
-      </p:sp>
-      <p:sp>
-        <p:nvSpPr>
-          <p:cNvPr id="2" name="TextBox 1">
-            <a:extLst>
-              <a:ext uri="{FF2B5EF4-FFF2-40B4-BE49-F238E27FC236}">
-                <a16:creationId xmlns:a16="http://schemas.microsoft.com/office/drawing/2014/main" id="{40491A28-9097-6F43-9DB2-81A447868F1E}"/>
-              </a:ext>
-            </a:extLst>
-          </p:cNvPr>
-          <p:cNvSpPr txBox="1"/>
-          <p:nvPr/>
-        </p:nvSpPr>
-        <p:spPr>
-          <a:xfrm>
-            <a:off x="2527241" y="3029919"/>
-            <a:ext cx="2581155" cy="246221"/>
-          </a:xfrm>
-          <a:prstGeom prst="rect">
-            <a:avLst/>
-          </a:prstGeom>
-          <a:noFill/>
-        </p:spPr>
-        <p:txBody>
-          <a:bodyPr wrap="none" rtlCol="0">
-            <a:spAutoFit/>
-          </a:bodyPr>
-          <a:lstStyle/>
-          <a:p>
-            <a:pPr algn="ctr"/>
-            <a:r>
-              <a:rPr lang="en-GB" sz="1000" dirty="0">
-                <a:solidFill>
-                  <a:schemeClr val="bg1">
-                    <a:lumMod val="50000"/>
-                  </a:schemeClr>
-                </a:solidFill>
-                <a:latin typeface="Ubuntu" panose="020B0504030602030204" pitchFamily="34" charset="0"/>
-              </a:rPr>
-              <a:t>The value that the product delivers today</a:t>
-            </a:r>
-            <a:endParaRPr lang="en-NL" sz="1000" dirty="0">
-              <a:solidFill>
-                <a:schemeClr val="bg1">
-                  <a:lumMod val="50000"/>
-                </a:schemeClr>
-              </a:solidFill>
-              <a:latin typeface="Ubuntu" panose="020B0504030602030204" pitchFamily="34" charset="0"/>
-            </a:endParaRPr>
-          </a:p>
-        </p:txBody>
-      </p:sp>
-      <p:sp>
-        <p:nvSpPr>
-          <p:cNvPr id="9" name="Rounded Rectangle 8">
-            <a:extLst>
-              <a:ext uri="{FF2B5EF4-FFF2-40B4-BE49-F238E27FC236}">
-                <a16:creationId xmlns:a16="http://schemas.microsoft.com/office/drawing/2014/main" id="{80A414F0-FCE5-2E45-A339-248A82CA3769}"/>
-              </a:ext>
-            </a:extLst>
-          </p:cNvPr>
-          <p:cNvSpPr/>
-          <p:nvPr/>
-        </p:nvSpPr>
-        <p:spPr>
-          <a:xfrm>
-            <a:off x="-205353" y="769750"/>
-            <a:ext cx="410705" cy="410705"/>
-          </a:xfrm>
-          <a:prstGeom prst="roundRect">
-            <a:avLst/>
-          </a:prstGeom>
-          <a:solidFill>
-            <a:schemeClr val="bg2"/>
-          </a:solidFill>
-          <a:ln>
-            <a:solidFill>
-              <a:schemeClr val="bg2"/>
-            </a:solidFill>
-          </a:ln>
-        </p:spPr>
-        <p:style>
-          <a:lnRef idx="2">
-            <a:schemeClr val="accent1">
-              <a:shade val="50000"/>
-            </a:schemeClr>
-          </a:lnRef>
-          <a:fillRef idx="1">
-            <a:schemeClr val="accent1"/>
-          </a:fillRef>
-          <a:effectRef idx="0">
-            <a:schemeClr val="accent1"/>
-          </a:effectRef>
-          <a:fontRef idx="minor">
-            <a:schemeClr val="lt1"/>
-          </a:fontRef>
-        </p:style>
-        <p:txBody>
-          <a:bodyPr rtlCol="0" anchor="ctr"/>
-          <a:lstStyle/>
-          <a:p>
-            <a:pPr algn="ctr"/>
-            <a:endParaRPr lang="en-NL"/>
-          </a:p>
-        </p:txBody>
-      </p:sp>
-      <p:sp>
-        <p:nvSpPr>
-          <p:cNvPr id="10" name="Rounded Rectangle 9">
-            <a:extLst>
-              <a:ext uri="{FF2B5EF4-FFF2-40B4-BE49-F238E27FC236}">
-                <a16:creationId xmlns:a16="http://schemas.microsoft.com/office/drawing/2014/main" id="{2333F93C-0F67-C146-84E2-9B869646EE60}"/>
-              </a:ext>
-            </a:extLst>
-          </p:cNvPr>
-          <p:cNvSpPr/>
-          <p:nvPr/>
-        </p:nvSpPr>
-        <p:spPr>
-          <a:xfrm>
-            <a:off x="-186093" y="1325099"/>
-            <a:ext cx="410705" cy="410705"/>
-          </a:xfrm>
-          <a:prstGeom prst="roundRect">
-            <a:avLst/>
-          </a:prstGeom>
-          <a:solidFill>
-            <a:schemeClr val="bg2"/>
-          </a:solidFill>
-          <a:ln>
-            <a:solidFill>
-              <a:schemeClr val="bg2"/>
-            </a:solidFill>
-          </a:ln>
-        </p:spPr>
-        <p:style>
-          <a:lnRef idx="2">
-            <a:schemeClr val="accent1">
-              <a:shade val="50000"/>
-            </a:schemeClr>
-          </a:lnRef>
-          <a:fillRef idx="1">
-            <a:schemeClr val="accent1"/>
-          </a:fillRef>
-          <a:effectRef idx="0">
-            <a:schemeClr val="accent1"/>
-          </a:effectRef>
-          <a:fontRef idx="minor">
-            <a:schemeClr val="lt1"/>
-          </a:fontRef>
-        </p:style>
-        <p:txBody>
-          <a:bodyPr rtlCol="0" anchor="ctr"/>
-          <a:lstStyle/>
-          <a:p>
-            <a:pPr algn="ctr"/>
-            <a:endParaRPr lang="en-NL"/>
-          </a:p>
-        </p:txBody>
-      </p:sp>
-      <p:sp>
-        <p:nvSpPr>
-          <p:cNvPr id="11" name="Rounded Rectangle 10">
-            <a:extLst>
-              <a:ext uri="{FF2B5EF4-FFF2-40B4-BE49-F238E27FC236}">
-                <a16:creationId xmlns:a16="http://schemas.microsoft.com/office/drawing/2014/main" id="{AA9F6613-2A28-7048-A742-95677A05CBD2}"/>
-              </a:ext>
-            </a:extLst>
-          </p:cNvPr>
-          <p:cNvSpPr/>
-          <p:nvPr/>
-        </p:nvSpPr>
-        <p:spPr>
-          <a:xfrm>
-            <a:off x="-205353" y="1880462"/>
-            <a:ext cx="410705" cy="410705"/>
-          </a:xfrm>
-          <a:prstGeom prst="roundRect">
-            <a:avLst/>
-          </a:prstGeom>
-          <a:solidFill>
-            <a:schemeClr val="bg2"/>
-          </a:solidFill>
-          <a:ln>
-            <a:solidFill>
-              <a:schemeClr val="bg2"/>
-            </a:solidFill>
-          </a:ln>
-        </p:spPr>
-        <p:style>
-          <a:lnRef idx="2">
-            <a:schemeClr val="accent1">
-              <a:shade val="50000"/>
-            </a:schemeClr>
-          </a:lnRef>
-          <a:fillRef idx="1">
-            <a:schemeClr val="accent1"/>
-          </a:fillRef>
-          <a:effectRef idx="0">
-            <a:schemeClr val="accent1"/>
-          </a:effectRef>
-          <a:fontRef idx="minor">
-            <a:schemeClr val="lt1"/>
-          </a:fontRef>
-        </p:style>
-        <p:txBody>
-          <a:bodyPr rtlCol="0" anchor="ctr"/>
-          <a:lstStyle/>
-          <a:p>
-            <a:pPr algn="ctr"/>
-            <a:endParaRPr lang="en-NL"/>
-          </a:p>
-        </p:txBody>
-      </p:sp>
-      <p:sp>
-        <p:nvSpPr>
-          <p:cNvPr id="12" name="Rounded Rectangle 11">
-            <a:extLst>
-              <a:ext uri="{FF2B5EF4-FFF2-40B4-BE49-F238E27FC236}">
-                <a16:creationId xmlns:a16="http://schemas.microsoft.com/office/drawing/2014/main" id="{2035461B-5D95-774C-8E4D-3CB256D762EA}"/>
-              </a:ext>
-            </a:extLst>
-          </p:cNvPr>
-          <p:cNvSpPr/>
-          <p:nvPr/>
-        </p:nvSpPr>
-        <p:spPr>
-          <a:xfrm>
-            <a:off x="-228076" y="2435818"/>
-            <a:ext cx="410705" cy="410705"/>
-          </a:xfrm>
-          <a:prstGeom prst="roundRect">
-            <a:avLst/>
-          </a:prstGeom>
-          <a:solidFill>
-            <a:schemeClr val="bg2"/>
-          </a:solidFill>
-          <a:ln>
-            <a:solidFill>
-              <a:schemeClr val="bg2"/>
-            </a:solidFill>
-          </a:ln>
-        </p:spPr>
-        <p:style>
-          <a:lnRef idx="2">
-            <a:schemeClr val="accent1">
-              <a:shade val="50000"/>
-            </a:schemeClr>
-          </a:lnRef>
-          <a:fillRef idx="1">
-            <a:schemeClr val="accent1"/>
-          </a:fillRef>
-          <a:effectRef idx="0">
-            <a:schemeClr val="accent1"/>
-          </a:effectRef>
-          <a:fontRef idx="minor">
-            <a:schemeClr val="lt1"/>
-          </a:fontRef>
-        </p:style>
-        <p:txBody>
-          <a:bodyPr rtlCol="0" anchor="ctr"/>
-          <a:lstStyle/>
-          <a:p>
-            <a:pPr algn="ctr"/>
-            <a:endParaRPr lang="en-NL"/>
-          </a:p>
-        </p:txBody>
-      </p:sp>
-      <p:sp>
-        <p:nvSpPr>
-          <p:cNvPr id="13" name="Rounded Rectangle 12">
-            <a:extLst>
-              <a:ext uri="{FF2B5EF4-FFF2-40B4-BE49-F238E27FC236}">
-                <a16:creationId xmlns:a16="http://schemas.microsoft.com/office/drawing/2014/main" id="{F78111FD-544B-3749-B4C7-6C0601A72685}"/>
-              </a:ext>
-            </a:extLst>
-          </p:cNvPr>
-          <p:cNvSpPr/>
-          <p:nvPr/>
-        </p:nvSpPr>
-        <p:spPr>
-          <a:xfrm>
-            <a:off x="-199978" y="2991174"/>
-            <a:ext cx="410705" cy="410705"/>
-          </a:xfrm>
-          <a:prstGeom prst="roundRect">
-            <a:avLst/>
-          </a:prstGeom>
-          <a:solidFill>
-            <a:schemeClr val="bg2"/>
-          </a:solidFill>
-          <a:ln>
-            <a:solidFill>
-              <a:schemeClr val="bg2"/>
-            </a:solidFill>
-          </a:ln>
-        </p:spPr>
-        <p:style>
-          <a:lnRef idx="2">
-            <a:schemeClr val="accent1">
-              <a:shade val="50000"/>
-            </a:schemeClr>
-          </a:lnRef>
-          <a:fillRef idx="1">
-            <a:schemeClr val="accent1"/>
-          </a:fillRef>
-          <a:effectRef idx="0">
-            <a:schemeClr val="accent1"/>
-          </a:effectRef>
-          <a:fontRef idx="minor">
-            <a:schemeClr val="lt1"/>
-          </a:fontRef>
-        </p:style>
-        <p:txBody>
-          <a:bodyPr rtlCol="0" anchor="ctr"/>
-          <a:lstStyle/>
-          <a:p>
-            <a:pPr algn="ctr"/>
-            <a:endParaRPr lang="en-NL"/>
-          </a:p>
-        </p:txBody>
-      </p:sp>
-      <p:sp>
-        <p:nvSpPr>
-          <p:cNvPr id="16" name="Rounded Rectangle 15">
-            <a:extLst>
-              <a:ext uri="{FF2B5EF4-FFF2-40B4-BE49-F238E27FC236}">
-                <a16:creationId xmlns:a16="http://schemas.microsoft.com/office/drawing/2014/main" id="{74B1E9C1-F51F-E349-A7D6-273F919A86DE}"/>
-              </a:ext>
-            </a:extLst>
-          </p:cNvPr>
-          <p:cNvSpPr/>
-          <p:nvPr/>
-        </p:nvSpPr>
-        <p:spPr>
-          <a:xfrm>
-            <a:off x="-205353" y="3546530"/>
-            <a:ext cx="410705" cy="410705"/>
-          </a:xfrm>
-          <a:prstGeom prst="roundRect">
-            <a:avLst/>
-          </a:prstGeom>
-          <a:solidFill>
-            <a:schemeClr val="bg2"/>
-          </a:solidFill>
-          <a:ln>
-            <a:solidFill>
-              <a:schemeClr val="bg2"/>
-            </a:solidFill>
-          </a:ln>
-        </p:spPr>
-        <p:style>
-          <a:lnRef idx="2">
-            <a:schemeClr val="accent1">
-              <a:shade val="50000"/>
-            </a:schemeClr>
-          </a:lnRef>
-          <a:fillRef idx="1">
-            <a:schemeClr val="accent1"/>
-          </a:fillRef>
-          <a:effectRef idx="0">
-            <a:schemeClr val="accent1"/>
-          </a:effectRef>
-          <a:fontRef idx="minor">
-            <a:schemeClr val="lt1"/>
-          </a:fontRef>
-        </p:style>
-        <p:txBody>
-          <a:bodyPr rtlCol="0" anchor="ctr"/>
-          <a:lstStyle/>
-          <a:p>
-            <a:pPr algn="ctr"/>
-            <a:endParaRPr lang="en-NL"/>
-          </a:p>
-        </p:txBody>
-      </p:sp>
-      <p:sp>
-        <p:nvSpPr>
-          <p:cNvPr id="18" name="Rounded Rectangle 17">
-            <a:extLst>
-              <a:ext uri="{FF2B5EF4-FFF2-40B4-BE49-F238E27FC236}">
-                <a16:creationId xmlns:a16="http://schemas.microsoft.com/office/drawing/2014/main" id="{6BB192FA-7562-6C45-B5B6-0487D9CB90FC}"/>
-              </a:ext>
-            </a:extLst>
-          </p:cNvPr>
-          <p:cNvSpPr/>
-          <p:nvPr/>
-        </p:nvSpPr>
-        <p:spPr>
-          <a:xfrm>
-            <a:off x="-199426" y="4101886"/>
-            <a:ext cx="410705" cy="410705"/>
-          </a:xfrm>
-          <a:prstGeom prst="roundRect">
-            <a:avLst/>
-          </a:prstGeom>
-          <a:solidFill>
-            <a:schemeClr val="bg2"/>
-          </a:solidFill>
-          <a:ln>
-            <a:solidFill>
-              <a:schemeClr val="bg2"/>
-            </a:solidFill>
-          </a:ln>
-        </p:spPr>
-        <p:style>
-          <a:lnRef idx="2">
-            <a:schemeClr val="accent1">
-              <a:shade val="50000"/>
-            </a:schemeClr>
-          </a:lnRef>
-          <a:fillRef idx="1">
-            <a:schemeClr val="accent1"/>
-          </a:fillRef>
-          <a:effectRef idx="0">
-            <a:schemeClr val="accent1"/>
-          </a:effectRef>
-          <a:fontRef idx="minor">
-            <a:schemeClr val="lt1"/>
-          </a:fontRef>
-        </p:style>
-        <p:txBody>
-          <a:bodyPr rtlCol="0" anchor="ctr"/>
-          <a:lstStyle/>
-          <a:p>
-            <a:pPr algn="ctr"/>
-            <a:endParaRPr lang="en-NL"/>
-          </a:p>
-        </p:txBody>
-      </p:sp>
-      <p:sp>
-        <p:nvSpPr>
-          <p:cNvPr id="19" name="Rounded Rectangle 18">
-            <a:extLst>
-              <a:ext uri="{FF2B5EF4-FFF2-40B4-BE49-F238E27FC236}">
-                <a16:creationId xmlns:a16="http://schemas.microsoft.com/office/drawing/2014/main" id="{DFF58212-847B-D248-84DE-5532419AD67A}"/>
-              </a:ext>
-            </a:extLst>
-          </p:cNvPr>
-          <p:cNvSpPr/>
-          <p:nvPr/>
-        </p:nvSpPr>
-        <p:spPr>
-          <a:xfrm>
-            <a:off x="7348208" y="769746"/>
-            <a:ext cx="410705" cy="410705"/>
-          </a:xfrm>
-          <a:prstGeom prst="roundRect">
-            <a:avLst/>
-          </a:prstGeom>
-          <a:solidFill>
-            <a:schemeClr val="bg2"/>
-          </a:solidFill>
-          <a:ln>
-            <a:solidFill>
-              <a:schemeClr val="bg2"/>
-            </a:solidFill>
-          </a:ln>
-        </p:spPr>
-        <p:style>
-          <a:lnRef idx="2">
-            <a:schemeClr val="accent1">
-              <a:shade val="50000"/>
-            </a:schemeClr>
-          </a:lnRef>
-          <a:fillRef idx="1">
-            <a:schemeClr val="accent1"/>
-          </a:fillRef>
-          <a:effectRef idx="0">
-            <a:schemeClr val="accent1"/>
-          </a:effectRef>
-          <a:fontRef idx="minor">
-            <a:schemeClr val="lt1"/>
-          </a:fontRef>
-        </p:style>
-        <p:txBody>
-          <a:bodyPr rtlCol="0" anchor="ctr"/>
-          <a:lstStyle/>
-          <a:p>
-            <a:pPr algn="ctr"/>
-            <a:endParaRPr lang="en-NL"/>
-          </a:p>
-        </p:txBody>
-      </p:sp>
-      <p:sp>
-        <p:nvSpPr>
-          <p:cNvPr id="20" name="Rounded Rectangle 19">
-            <a:extLst>
-              <a:ext uri="{FF2B5EF4-FFF2-40B4-BE49-F238E27FC236}">
-                <a16:creationId xmlns:a16="http://schemas.microsoft.com/office/drawing/2014/main" id="{8C0CF75B-D58A-4840-8464-3D74529F5933}"/>
-              </a:ext>
-            </a:extLst>
-          </p:cNvPr>
-          <p:cNvSpPr/>
-          <p:nvPr/>
-        </p:nvSpPr>
-        <p:spPr>
-          <a:xfrm>
-            <a:off x="7348208" y="1325100"/>
-            <a:ext cx="410705" cy="410705"/>
-          </a:xfrm>
-          <a:prstGeom prst="roundRect">
-            <a:avLst/>
-          </a:prstGeom>
-          <a:solidFill>
-            <a:schemeClr val="bg2"/>
-          </a:solidFill>
-          <a:ln>
-            <a:solidFill>
-              <a:schemeClr val="bg2"/>
-            </a:solidFill>
-          </a:ln>
-        </p:spPr>
-        <p:style>
-          <a:lnRef idx="2">
-            <a:schemeClr val="accent1">
-              <a:shade val="50000"/>
-            </a:schemeClr>
-          </a:lnRef>
-          <a:fillRef idx="1">
-            <a:schemeClr val="accent1"/>
-          </a:fillRef>
-          <a:effectRef idx="0">
-            <a:schemeClr val="accent1"/>
-          </a:effectRef>
-          <a:fontRef idx="minor">
-            <a:schemeClr val="lt1"/>
-          </a:fontRef>
-        </p:style>
-        <p:txBody>
-          <a:bodyPr rtlCol="0" anchor="ctr"/>
-          <a:lstStyle/>
-          <a:p>
-            <a:pPr algn="ctr"/>
-            <a:endParaRPr lang="en-NL"/>
-          </a:p>
-        </p:txBody>
-      </p:sp>
-      <p:sp>
-        <p:nvSpPr>
-          <p:cNvPr id="21" name="Rounded Rectangle 20">
-            <a:extLst>
-              <a:ext uri="{FF2B5EF4-FFF2-40B4-BE49-F238E27FC236}">
-                <a16:creationId xmlns:a16="http://schemas.microsoft.com/office/drawing/2014/main" id="{66339E88-CF46-694D-8472-C7F78C4EBDDB}"/>
-              </a:ext>
-            </a:extLst>
-          </p:cNvPr>
-          <p:cNvSpPr/>
-          <p:nvPr/>
-        </p:nvSpPr>
-        <p:spPr>
-          <a:xfrm>
-            <a:off x="7348396" y="1880460"/>
-            <a:ext cx="410705" cy="410705"/>
-          </a:xfrm>
-          <a:prstGeom prst="roundRect">
-            <a:avLst/>
-          </a:prstGeom>
-          <a:solidFill>
-            <a:schemeClr val="bg2"/>
-          </a:solidFill>
-          <a:ln>
-            <a:solidFill>
-              <a:schemeClr val="bg2"/>
-            </a:solidFill>
-          </a:ln>
-        </p:spPr>
-        <p:style>
-          <a:lnRef idx="2">
-            <a:schemeClr val="accent1">
-              <a:shade val="50000"/>
-            </a:schemeClr>
-          </a:lnRef>
-          <a:fillRef idx="1">
-            <a:schemeClr val="accent1"/>
-          </a:fillRef>
-          <a:effectRef idx="0">
-            <a:schemeClr val="accent1"/>
-          </a:effectRef>
-          <a:fontRef idx="minor">
-            <a:schemeClr val="lt1"/>
-          </a:fontRef>
-        </p:style>
-        <p:txBody>
-          <a:bodyPr rtlCol="0" anchor="ctr"/>
-          <a:lstStyle/>
-          <a:p>
-            <a:pPr algn="ctr"/>
-            <a:endParaRPr lang="en-NL"/>
-          </a:p>
-        </p:txBody>
-      </p:sp>
-      <p:sp>
-        <p:nvSpPr>
-          <p:cNvPr id="22" name="Rounded Rectangle 21">
-            <a:extLst>
-              <a:ext uri="{FF2B5EF4-FFF2-40B4-BE49-F238E27FC236}">
-                <a16:creationId xmlns:a16="http://schemas.microsoft.com/office/drawing/2014/main" id="{EE08CE49-2BDF-7E47-93A6-34A667AEB601}"/>
-              </a:ext>
-            </a:extLst>
-          </p:cNvPr>
-          <p:cNvSpPr/>
-          <p:nvPr/>
-        </p:nvSpPr>
-        <p:spPr>
-          <a:xfrm>
-            <a:off x="7348208" y="2435817"/>
-            <a:ext cx="410705" cy="410705"/>
-          </a:xfrm>
-          <a:prstGeom prst="roundRect">
-            <a:avLst/>
-          </a:prstGeom>
-          <a:solidFill>
-            <a:schemeClr val="bg2"/>
-          </a:solidFill>
-          <a:ln>
-            <a:solidFill>
-              <a:schemeClr val="bg2"/>
-            </a:solidFill>
-          </a:ln>
-        </p:spPr>
-        <p:style>
-          <a:lnRef idx="2">
-            <a:schemeClr val="accent1">
-              <a:shade val="50000"/>
-            </a:schemeClr>
-          </a:lnRef>
-          <a:fillRef idx="1">
-            <a:schemeClr val="accent1"/>
-          </a:fillRef>
-          <a:effectRef idx="0">
-            <a:schemeClr val="accent1"/>
-          </a:effectRef>
-          <a:fontRef idx="minor">
-            <a:schemeClr val="lt1"/>
-          </a:fontRef>
-        </p:style>
-        <p:txBody>
-          <a:bodyPr rtlCol="0" anchor="ctr"/>
-          <a:lstStyle/>
-          <a:p>
-            <a:pPr algn="ctr"/>
-            <a:endParaRPr lang="en-NL"/>
-          </a:p>
-        </p:txBody>
-      </p:sp>
-      <p:sp>
-        <p:nvSpPr>
-          <p:cNvPr id="23" name="Rounded Rectangle 22">
-            <a:extLst>
-              <a:ext uri="{FF2B5EF4-FFF2-40B4-BE49-F238E27FC236}">
-                <a16:creationId xmlns:a16="http://schemas.microsoft.com/office/drawing/2014/main" id="{0B4B9A8D-960F-1A49-BC4D-3FC55095C91E}"/>
-              </a:ext>
-            </a:extLst>
-          </p:cNvPr>
-          <p:cNvSpPr/>
-          <p:nvPr/>
-        </p:nvSpPr>
-        <p:spPr>
-          <a:xfrm>
-            <a:off x="7348208" y="2991173"/>
-            <a:ext cx="410705" cy="410705"/>
-          </a:xfrm>
-          <a:prstGeom prst="roundRect">
-            <a:avLst/>
-          </a:prstGeom>
-          <a:solidFill>
-            <a:schemeClr val="bg2"/>
-          </a:solidFill>
-          <a:ln>
-            <a:solidFill>
-              <a:schemeClr val="bg2"/>
-            </a:solidFill>
-          </a:ln>
-        </p:spPr>
-        <p:style>
-          <a:lnRef idx="2">
-            <a:schemeClr val="accent1">
-              <a:shade val="50000"/>
-            </a:schemeClr>
-          </a:lnRef>
-          <a:fillRef idx="1">
-            <a:schemeClr val="accent1"/>
-          </a:fillRef>
-          <a:effectRef idx="0">
-            <a:schemeClr val="accent1"/>
-          </a:effectRef>
-          <a:fontRef idx="minor">
-            <a:schemeClr val="lt1"/>
-          </a:fontRef>
-        </p:style>
-        <p:txBody>
-          <a:bodyPr rtlCol="0" anchor="ctr"/>
-          <a:lstStyle/>
-          <a:p>
-            <a:pPr algn="ctr"/>
-            <a:endParaRPr lang="en-NL"/>
-          </a:p>
-        </p:txBody>
-      </p:sp>
-      <p:sp>
-        <p:nvSpPr>
-          <p:cNvPr id="24" name="Rounded Rectangle 23">
-            <a:extLst>
-              <a:ext uri="{FF2B5EF4-FFF2-40B4-BE49-F238E27FC236}">
-                <a16:creationId xmlns:a16="http://schemas.microsoft.com/office/drawing/2014/main" id="{90B90E96-DA65-3844-A895-A8E4275F2E9E}"/>
-              </a:ext>
-            </a:extLst>
-          </p:cNvPr>
-          <p:cNvSpPr/>
-          <p:nvPr/>
-        </p:nvSpPr>
-        <p:spPr>
-          <a:xfrm>
-            <a:off x="7348208" y="3546526"/>
-            <a:ext cx="410705" cy="410705"/>
-          </a:xfrm>
-          <a:prstGeom prst="roundRect">
-            <a:avLst/>
-          </a:prstGeom>
-          <a:solidFill>
-            <a:schemeClr val="bg2"/>
-          </a:solidFill>
-          <a:ln>
-            <a:solidFill>
-              <a:schemeClr val="bg2"/>
-            </a:solidFill>
-          </a:ln>
-        </p:spPr>
-        <p:style>
-          <a:lnRef idx="2">
-            <a:schemeClr val="accent1">
-              <a:shade val="50000"/>
-            </a:schemeClr>
-          </a:lnRef>
-          <a:fillRef idx="1">
-            <a:schemeClr val="accent1"/>
-          </a:fillRef>
-          <a:effectRef idx="0">
-            <a:schemeClr val="accent1"/>
-          </a:effectRef>
-          <a:fontRef idx="minor">
-            <a:schemeClr val="lt1"/>
-          </a:fontRef>
-        </p:style>
-        <p:txBody>
-          <a:bodyPr rtlCol="0" anchor="ctr"/>
-          <a:lstStyle/>
-          <a:p>
-            <a:pPr algn="ctr"/>
-            <a:endParaRPr lang="en-NL"/>
-          </a:p>
-        </p:txBody>
-      </p:sp>
-      <p:sp>
-        <p:nvSpPr>
-          <p:cNvPr id="25" name="Rounded Rectangle 24">
-            <a:extLst>
-              <a:ext uri="{FF2B5EF4-FFF2-40B4-BE49-F238E27FC236}">
-                <a16:creationId xmlns:a16="http://schemas.microsoft.com/office/drawing/2014/main" id="{5950A2A1-25A0-624E-8059-D651F019971A}"/>
-              </a:ext>
-            </a:extLst>
-          </p:cNvPr>
-          <p:cNvSpPr/>
-          <p:nvPr/>
-        </p:nvSpPr>
-        <p:spPr>
-          <a:xfrm>
-            <a:off x="7348207" y="4101879"/>
-            <a:ext cx="410705" cy="410705"/>
-          </a:xfrm>
-          <a:prstGeom prst="roundRect">
-            <a:avLst/>
-          </a:prstGeom>
-          <a:solidFill>
-            <a:schemeClr val="bg2"/>
-          </a:solidFill>
-          <a:ln>
-            <a:solidFill>
-              <a:schemeClr val="bg2"/>
-            </a:solidFill>
-          </a:ln>
-        </p:spPr>
-        <p:style>
-          <a:lnRef idx="2">
-            <a:schemeClr val="accent1">
-              <a:shade val="50000"/>
-            </a:schemeClr>
-          </a:lnRef>
-          <a:fillRef idx="1">
-            <a:schemeClr val="accent1"/>
-          </a:fillRef>
-          <a:effectRef idx="0">
-            <a:schemeClr val="accent1"/>
-          </a:effectRef>
-          <a:fontRef idx="minor">
-            <a:schemeClr val="lt1"/>
-          </a:fontRef>
-        </p:style>
-        <p:txBody>
-          <a:bodyPr rtlCol="0" anchor="ctr"/>
-          <a:lstStyle/>
-          <a:p>
-            <a:pPr algn="ctr"/>
-            <a:endParaRPr lang="en-NL"/>
-          </a:p>
-        </p:txBody>
-      </p:sp>
-    </p:spTree>
-    <p:extLst>
-      <p:ext uri="{BB962C8B-B14F-4D97-AF65-F5344CB8AC3E}">
-        <p14:creationId xmlns:p14="http://schemas.microsoft.com/office/powerpoint/2010/main" val="2955084820"/>
-      </p:ext>
-    </p:extLst>
-  </p:cSld>
-  <p:clrMapOvr>
-    <a:masterClrMapping/>
-  </p:clrMapOvr>
-</p:sld>
-</file>
-
-<file path=ppt/slides/slide30.xml><?xml version="1.0" encoding="utf-8"?>
+<file path=ppt/slides/slide32.xml><?xml version="1.0" encoding="utf-8"?>
 <p:sld xmlns:a="http://schemas.openxmlformats.org/drawingml/2006/main" xmlns:r="http://schemas.openxmlformats.org/officeDocument/2006/relationships" xmlns:p="http://schemas.openxmlformats.org/presentationml/2006/main">
   <p:cSld>
     <p:spTree>
@@ -11072,7 +11474,7 @@
 </p:sld>
 </file>
 
-<file path=ppt/slides/slide31.xml><?xml version="1.0" encoding="utf-8"?>
+<file path=ppt/slides/slide33.xml><?xml version="1.0" encoding="utf-8"?>
 <p:sld xmlns:a="http://schemas.openxmlformats.org/drawingml/2006/main" xmlns:r="http://schemas.openxmlformats.org/officeDocument/2006/relationships" xmlns:p="http://schemas.openxmlformats.org/presentationml/2006/main">
   <p:cSld>
     <p:spTree>
@@ -11380,7 +11782,7 @@
 </p:sld>
 </file>
 
-<file path=ppt/slides/slide32.xml><?xml version="1.0" encoding="utf-8"?>
+<file path=ppt/slides/slide34.xml><?xml version="1.0" encoding="utf-8"?>
 <p:sld xmlns:a="http://schemas.openxmlformats.org/drawingml/2006/main" xmlns:r="http://schemas.openxmlformats.org/officeDocument/2006/relationships" xmlns:p="http://schemas.openxmlformats.org/presentationml/2006/main">
   <p:cSld>
     <p:spTree>
@@ -11549,7 +11951,7 @@
 </p:sld>
 </file>
 
-<file path=ppt/slides/slide33.xml><?xml version="1.0" encoding="utf-8"?>
+<file path=ppt/slides/slide35.xml><?xml version="1.0" encoding="utf-8"?>
 <p:sld xmlns:a="http://schemas.openxmlformats.org/drawingml/2006/main" xmlns:r="http://schemas.openxmlformats.org/officeDocument/2006/relationships" xmlns:p="http://schemas.openxmlformats.org/presentationml/2006/main">
   <p:cSld>
     <p:spTree>
@@ -11869,7 +12271,7 @@
 </p:sld>
 </file>
 
-<file path=ppt/slides/slide34.xml><?xml version="1.0" encoding="utf-8"?>
+<file path=ppt/slides/slide36.xml><?xml version="1.0" encoding="utf-8"?>
 <p:sld xmlns:a="http://schemas.openxmlformats.org/drawingml/2006/main" xmlns:r="http://schemas.openxmlformats.org/officeDocument/2006/relationships" xmlns:p="http://schemas.openxmlformats.org/presentationml/2006/main">
   <p:cSld>
     <p:spTree>
@@ -12038,7 +12440,7 @@
 </p:sld>
 </file>
 
-<file path=ppt/slides/slide35.xml><?xml version="1.0" encoding="utf-8"?>
+<file path=ppt/slides/slide37.xml><?xml version="1.0" encoding="utf-8"?>
 <p:sld xmlns:a="http://schemas.openxmlformats.org/drawingml/2006/main" xmlns:r="http://schemas.openxmlformats.org/officeDocument/2006/relationships" xmlns:p="http://schemas.openxmlformats.org/presentationml/2006/main">
   <p:cSld>
     <p:spTree>
@@ -12358,7 +12760,7 @@
 </p:sld>
 </file>
 
-<file path=ppt/slides/slide36.xml><?xml version="1.0" encoding="utf-8"?>
+<file path=ppt/slides/slide38.xml><?xml version="1.0" encoding="utf-8"?>
 <p:sld xmlns:a="http://schemas.openxmlformats.org/drawingml/2006/main" xmlns:r="http://schemas.openxmlformats.org/officeDocument/2006/relationships" xmlns:p="http://schemas.openxmlformats.org/presentationml/2006/main">
   <p:cSld>
     <p:spTree>
@@ -12527,7 +12929,7 @@
 </p:sld>
 </file>
 
-<file path=ppt/slides/slide37.xml><?xml version="1.0" encoding="utf-8"?>
+<file path=ppt/slides/slide39.xml><?xml version="1.0" encoding="utf-8"?>
 <p:sld xmlns:a="http://schemas.openxmlformats.org/drawingml/2006/main" xmlns:r="http://schemas.openxmlformats.org/officeDocument/2006/relationships" xmlns:p="http://schemas.openxmlformats.org/presentationml/2006/main">
   <p:cSld>
     <p:spTree>
@@ -12847,7 +13249,7 @@
 </p:sld>
 </file>
 
-<file path=ppt/slides/slide38.xml><?xml version="1.0" encoding="utf-8"?>
+<file path=ppt/slides/slide4.xml><?xml version="1.0" encoding="utf-8"?>
 <p:sld xmlns:a="http://schemas.openxmlformats.org/drawingml/2006/main" xmlns:r="http://schemas.openxmlformats.org/officeDocument/2006/relationships" xmlns:p="http://schemas.openxmlformats.org/presentationml/2006/main">
   <p:cSld>
     <p:spTree>
@@ -13006,6 +13408,175 @@
     </p:spTree>
     <p:extLst>
       <p:ext uri="{BB962C8B-B14F-4D97-AF65-F5344CB8AC3E}">
+        <p14:creationId xmlns:p14="http://schemas.microsoft.com/office/powerpoint/2010/main" val="3385344708"/>
+      </p:ext>
+    </p:extLst>
+  </p:cSld>
+  <p:clrMapOvr>
+    <a:masterClrMapping/>
+  </p:clrMapOvr>
+</p:sld>
+</file>
+
+<file path=ppt/slides/slide40.xml><?xml version="1.0" encoding="utf-8"?>
+<p:sld xmlns:a="http://schemas.openxmlformats.org/drawingml/2006/main" xmlns:r="http://schemas.openxmlformats.org/officeDocument/2006/relationships" xmlns:p="http://schemas.openxmlformats.org/presentationml/2006/main">
+  <p:cSld>
+    <p:spTree>
+      <p:nvGrpSpPr>
+        <p:cNvPr id="1" name=""/>
+        <p:cNvGrpSpPr/>
+        <p:nvPr/>
+      </p:nvGrpSpPr>
+      <p:grpSpPr>
+        <a:xfrm>
+          <a:off x="0" y="0"/>
+          <a:ext cx="0" cy="0"/>
+          <a:chOff x="0" y="0"/>
+          <a:chExt cx="0" cy="0"/>
+        </a:xfrm>
+      </p:grpSpPr>
+      <p:sp>
+        <p:nvSpPr>
+          <p:cNvPr id="2" name="Title 1">
+            <a:extLst>
+              <a:ext uri="{FF2B5EF4-FFF2-40B4-BE49-F238E27FC236}">
+                <a16:creationId xmlns:a16="http://schemas.microsoft.com/office/drawing/2014/main" id="{CFCDF3DA-1D3D-E743-8E21-6B353B4D96A4}"/>
+              </a:ext>
+            </a:extLst>
+          </p:cNvPr>
+          <p:cNvSpPr>
+            <a:spLocks noGrp="1"/>
+          </p:cNvSpPr>
+          <p:nvPr>
+            <p:ph type="title"/>
+          </p:nvPr>
+        </p:nvSpPr>
+        <p:spPr/>
+        <p:txBody>
+          <a:bodyPr/>
+          <a:lstStyle/>
+          <a:p>
+            <a:endParaRPr lang="en-NL"/>
+          </a:p>
+        </p:txBody>
+      </p:sp>
+      <p:sp>
+        <p:nvSpPr>
+          <p:cNvPr id="3" name="Content Placeholder 2">
+            <a:extLst>
+              <a:ext uri="{FF2B5EF4-FFF2-40B4-BE49-F238E27FC236}">
+                <a16:creationId xmlns:a16="http://schemas.microsoft.com/office/drawing/2014/main" id="{40A525DA-CA85-AD48-8A85-52A75E1E5317}"/>
+              </a:ext>
+            </a:extLst>
+          </p:cNvPr>
+          <p:cNvSpPr>
+            <a:spLocks noGrp="1"/>
+          </p:cNvSpPr>
+          <p:nvPr>
+            <p:ph idx="1"/>
+          </p:nvPr>
+        </p:nvSpPr>
+        <p:spPr/>
+        <p:txBody>
+          <a:bodyPr/>
+          <a:lstStyle/>
+          <a:p>
+            <a:endParaRPr lang="en-NL"/>
+          </a:p>
+        </p:txBody>
+      </p:sp>
+      <p:sp>
+        <p:nvSpPr>
+          <p:cNvPr id="4" name="Rounded Rectangle 3">
+            <a:extLst>
+              <a:ext uri="{FF2B5EF4-FFF2-40B4-BE49-F238E27FC236}">
+                <a16:creationId xmlns:a16="http://schemas.microsoft.com/office/drawing/2014/main" id="{6B890BB6-3544-1A4E-A833-93135A597BB4}"/>
+              </a:ext>
+            </a:extLst>
+          </p:cNvPr>
+          <p:cNvSpPr/>
+          <p:nvPr/>
+        </p:nvSpPr>
+        <p:spPr>
+          <a:xfrm>
+            <a:off x="0" y="0"/>
+            <a:ext cx="7559675" cy="5327650"/>
+          </a:xfrm>
+          <a:prstGeom prst="roundRect">
+            <a:avLst>
+              <a:gd name="adj" fmla="val 0"/>
+            </a:avLst>
+          </a:prstGeom>
+          <a:blipFill>
+            <a:blip r:embed="rId2"/>
+            <a:stretch>
+              <a:fillRect/>
+            </a:stretch>
+          </a:blipFill>
+          <a:ln>
+            <a:solidFill>
+              <a:schemeClr val="bg2"/>
+            </a:solidFill>
+          </a:ln>
+        </p:spPr>
+        <p:style>
+          <a:lnRef idx="2">
+            <a:schemeClr val="accent1">
+              <a:shade val="50000"/>
+            </a:schemeClr>
+          </a:lnRef>
+          <a:fillRef idx="1">
+            <a:schemeClr val="accent1"/>
+          </a:fillRef>
+          <a:effectRef idx="0">
+            <a:schemeClr val="accent1"/>
+          </a:effectRef>
+          <a:fontRef idx="minor">
+            <a:schemeClr val="lt1"/>
+          </a:fontRef>
+        </p:style>
+        <p:txBody>
+          <a:bodyPr rtlCol="0" anchor="ctr"/>
+          <a:lstStyle/>
+          <a:p>
+            <a:pPr algn="ctr"/>
+            <a:endParaRPr lang="en-NL"/>
+          </a:p>
+        </p:txBody>
+      </p:sp>
+      <p:pic>
+        <p:nvPicPr>
+          <p:cNvPr id="5" name="Picture 4" descr="A picture containing food, drawing&#10;&#10;Description automatically generated">
+            <a:extLst>
+              <a:ext uri="{FF2B5EF4-FFF2-40B4-BE49-F238E27FC236}">
+                <a16:creationId xmlns:a16="http://schemas.microsoft.com/office/drawing/2014/main" id="{27611709-3190-2A4B-BCE4-4D329000A8EB}"/>
+              </a:ext>
+            </a:extLst>
+          </p:cNvPr>
+          <p:cNvPicPr>
+            <a:picLocks noChangeAspect="1"/>
+          </p:cNvPicPr>
+          <p:nvPr/>
+        </p:nvPicPr>
+        <p:blipFill>
+          <a:blip r:embed="rId3"/>
+          <a:stretch>
+            <a:fillRect/>
+          </a:stretch>
+        </p:blipFill>
+        <p:spPr>
+          <a:xfrm>
+            <a:off x="350837" y="-765175"/>
+            <a:ext cx="6858000" cy="6858000"/>
+          </a:xfrm>
+          <a:prstGeom prst="rect">
+            <a:avLst/>
+          </a:prstGeom>
+        </p:spPr>
+      </p:pic>
+    </p:spTree>
+    <p:extLst>
+      <p:ext uri="{BB962C8B-B14F-4D97-AF65-F5344CB8AC3E}">
         <p14:creationId xmlns:p14="http://schemas.microsoft.com/office/powerpoint/2010/main" val="3744384798"/>
       </p:ext>
     </p:extLst>
@@ -13016,7 +13587,7 @@
 </p:sld>
 </file>
 
-<file path=ppt/slides/slide39.xml><?xml version="1.0" encoding="utf-8"?>
+<file path=ppt/slides/slide41.xml><?xml version="1.0" encoding="utf-8"?>
 <p:sld xmlns:a="http://schemas.openxmlformats.org/drawingml/2006/main" xmlns:r="http://schemas.openxmlformats.org/officeDocument/2006/relationships" xmlns:p="http://schemas.openxmlformats.org/presentationml/2006/main">
   <p:cSld>
     <p:spTree>
@@ -13336,7 +13907,7 @@
 </p:sld>
 </file>
 
-<file path=ppt/slides/slide4.xml><?xml version="1.0" encoding="utf-8"?>
+<file path=ppt/slides/slide42.xml><?xml version="1.0" encoding="utf-8"?>
 <p:sld xmlns:a="http://schemas.openxmlformats.org/drawingml/2006/main" xmlns:r="http://schemas.openxmlformats.org/officeDocument/2006/relationships" xmlns:p="http://schemas.openxmlformats.org/presentationml/2006/main">
   <p:cSld>
     <p:spTree>
@@ -13495,175 +14066,6 @@
     </p:spTree>
     <p:extLst>
       <p:ext uri="{BB962C8B-B14F-4D97-AF65-F5344CB8AC3E}">
-        <p14:creationId xmlns:p14="http://schemas.microsoft.com/office/powerpoint/2010/main" val="3385344708"/>
-      </p:ext>
-    </p:extLst>
-  </p:cSld>
-  <p:clrMapOvr>
-    <a:masterClrMapping/>
-  </p:clrMapOvr>
-</p:sld>
-</file>
-
-<file path=ppt/slides/slide40.xml><?xml version="1.0" encoding="utf-8"?>
-<p:sld xmlns:a="http://schemas.openxmlformats.org/drawingml/2006/main" xmlns:r="http://schemas.openxmlformats.org/officeDocument/2006/relationships" xmlns:p="http://schemas.openxmlformats.org/presentationml/2006/main">
-  <p:cSld>
-    <p:spTree>
-      <p:nvGrpSpPr>
-        <p:cNvPr id="1" name=""/>
-        <p:cNvGrpSpPr/>
-        <p:nvPr/>
-      </p:nvGrpSpPr>
-      <p:grpSpPr>
-        <a:xfrm>
-          <a:off x="0" y="0"/>
-          <a:ext cx="0" cy="0"/>
-          <a:chOff x="0" y="0"/>
-          <a:chExt cx="0" cy="0"/>
-        </a:xfrm>
-      </p:grpSpPr>
-      <p:sp>
-        <p:nvSpPr>
-          <p:cNvPr id="2" name="Title 1">
-            <a:extLst>
-              <a:ext uri="{FF2B5EF4-FFF2-40B4-BE49-F238E27FC236}">
-                <a16:creationId xmlns:a16="http://schemas.microsoft.com/office/drawing/2014/main" id="{CFCDF3DA-1D3D-E743-8E21-6B353B4D96A4}"/>
-              </a:ext>
-            </a:extLst>
-          </p:cNvPr>
-          <p:cNvSpPr>
-            <a:spLocks noGrp="1"/>
-          </p:cNvSpPr>
-          <p:nvPr>
-            <p:ph type="title"/>
-          </p:nvPr>
-        </p:nvSpPr>
-        <p:spPr/>
-        <p:txBody>
-          <a:bodyPr/>
-          <a:lstStyle/>
-          <a:p>
-            <a:endParaRPr lang="en-NL"/>
-          </a:p>
-        </p:txBody>
-      </p:sp>
-      <p:sp>
-        <p:nvSpPr>
-          <p:cNvPr id="3" name="Content Placeholder 2">
-            <a:extLst>
-              <a:ext uri="{FF2B5EF4-FFF2-40B4-BE49-F238E27FC236}">
-                <a16:creationId xmlns:a16="http://schemas.microsoft.com/office/drawing/2014/main" id="{40A525DA-CA85-AD48-8A85-52A75E1E5317}"/>
-              </a:ext>
-            </a:extLst>
-          </p:cNvPr>
-          <p:cNvSpPr>
-            <a:spLocks noGrp="1"/>
-          </p:cNvSpPr>
-          <p:nvPr>
-            <p:ph idx="1"/>
-          </p:nvPr>
-        </p:nvSpPr>
-        <p:spPr/>
-        <p:txBody>
-          <a:bodyPr/>
-          <a:lstStyle/>
-          <a:p>
-            <a:endParaRPr lang="en-NL"/>
-          </a:p>
-        </p:txBody>
-      </p:sp>
-      <p:sp>
-        <p:nvSpPr>
-          <p:cNvPr id="4" name="Rounded Rectangle 3">
-            <a:extLst>
-              <a:ext uri="{FF2B5EF4-FFF2-40B4-BE49-F238E27FC236}">
-                <a16:creationId xmlns:a16="http://schemas.microsoft.com/office/drawing/2014/main" id="{6B890BB6-3544-1A4E-A833-93135A597BB4}"/>
-              </a:ext>
-            </a:extLst>
-          </p:cNvPr>
-          <p:cNvSpPr/>
-          <p:nvPr/>
-        </p:nvSpPr>
-        <p:spPr>
-          <a:xfrm>
-            <a:off x="0" y="0"/>
-            <a:ext cx="7559675" cy="5327650"/>
-          </a:xfrm>
-          <a:prstGeom prst="roundRect">
-            <a:avLst>
-              <a:gd name="adj" fmla="val 0"/>
-            </a:avLst>
-          </a:prstGeom>
-          <a:blipFill>
-            <a:blip r:embed="rId2"/>
-            <a:stretch>
-              <a:fillRect/>
-            </a:stretch>
-          </a:blipFill>
-          <a:ln>
-            <a:solidFill>
-              <a:schemeClr val="bg2"/>
-            </a:solidFill>
-          </a:ln>
-        </p:spPr>
-        <p:style>
-          <a:lnRef idx="2">
-            <a:schemeClr val="accent1">
-              <a:shade val="50000"/>
-            </a:schemeClr>
-          </a:lnRef>
-          <a:fillRef idx="1">
-            <a:schemeClr val="accent1"/>
-          </a:fillRef>
-          <a:effectRef idx="0">
-            <a:schemeClr val="accent1"/>
-          </a:effectRef>
-          <a:fontRef idx="minor">
-            <a:schemeClr val="lt1"/>
-          </a:fontRef>
-        </p:style>
-        <p:txBody>
-          <a:bodyPr rtlCol="0" anchor="ctr"/>
-          <a:lstStyle/>
-          <a:p>
-            <a:pPr algn="ctr"/>
-            <a:endParaRPr lang="en-NL"/>
-          </a:p>
-        </p:txBody>
-      </p:sp>
-      <p:pic>
-        <p:nvPicPr>
-          <p:cNvPr id="5" name="Picture 4" descr="A picture containing food, drawing&#10;&#10;Description automatically generated">
-            <a:extLst>
-              <a:ext uri="{FF2B5EF4-FFF2-40B4-BE49-F238E27FC236}">
-                <a16:creationId xmlns:a16="http://schemas.microsoft.com/office/drawing/2014/main" id="{27611709-3190-2A4B-BCE4-4D329000A8EB}"/>
-              </a:ext>
-            </a:extLst>
-          </p:cNvPr>
-          <p:cNvPicPr>
-            <a:picLocks noChangeAspect="1"/>
-          </p:cNvPicPr>
-          <p:nvPr/>
-        </p:nvPicPr>
-        <p:blipFill>
-          <a:blip r:embed="rId3"/>
-          <a:stretch>
-            <a:fillRect/>
-          </a:stretch>
-        </p:blipFill>
-        <p:spPr>
-          <a:xfrm>
-            <a:off x="350837" y="-765175"/>
-            <a:ext cx="6858000" cy="6858000"/>
-          </a:xfrm>
-          <a:prstGeom prst="rect">
-            <a:avLst/>
-          </a:prstGeom>
-        </p:spPr>
-      </p:pic>
-    </p:spTree>
-    <p:extLst>
-      <p:ext uri="{BB962C8B-B14F-4D97-AF65-F5344CB8AC3E}">
         <p14:creationId xmlns:p14="http://schemas.microsoft.com/office/powerpoint/2010/main" val="2772869711"/>
       </p:ext>
     </p:extLst>
@@ -13674,7 +14076,7 @@
 </p:sld>
 </file>
 
-<file path=ppt/slides/slide41.xml><?xml version="1.0" encoding="utf-8"?>
+<file path=ppt/slides/slide43.xml><?xml version="1.0" encoding="utf-8"?>
 <p:sld xmlns:a="http://schemas.openxmlformats.org/drawingml/2006/main" xmlns:r="http://schemas.openxmlformats.org/officeDocument/2006/relationships" xmlns:p="http://schemas.openxmlformats.org/presentationml/2006/main">
   <p:cSld>
     <p:spTree>
@@ -14020,7 +14422,7 @@
 </p:sld>
 </file>
 
-<file path=ppt/slides/slide42.xml><?xml version="1.0" encoding="utf-8"?>
+<file path=ppt/slides/slide44.xml><?xml version="1.0" encoding="utf-8"?>
 <p:sld xmlns:a="http://schemas.openxmlformats.org/drawingml/2006/main" xmlns:r="http://schemas.openxmlformats.org/officeDocument/2006/relationships" xmlns:p="http://schemas.openxmlformats.org/presentationml/2006/main">
   <p:cSld>
     <p:spTree>
@@ -14189,7 +14591,7 @@
 </p:sld>
 </file>
 
-<file path=ppt/slides/slide43.xml><?xml version="1.0" encoding="utf-8"?>
+<file path=ppt/slides/slide45.xml><?xml version="1.0" encoding="utf-8"?>
 <p:sld xmlns:a="http://schemas.openxmlformats.org/drawingml/2006/main" xmlns:r="http://schemas.openxmlformats.org/officeDocument/2006/relationships" xmlns:p="http://schemas.openxmlformats.org/presentationml/2006/main">
   <p:cSld>
     <p:spTree>
@@ -14509,7 +14911,7 @@
 </p:sld>
 </file>
 
-<file path=ppt/slides/slide44.xml><?xml version="1.0" encoding="utf-8"?>
+<file path=ppt/slides/slide46.xml><?xml version="1.0" encoding="utf-8"?>
 <p:sld xmlns:a="http://schemas.openxmlformats.org/drawingml/2006/main" xmlns:r="http://schemas.openxmlformats.org/officeDocument/2006/relationships" xmlns:p="http://schemas.openxmlformats.org/presentationml/2006/main">
   <p:cSld>
     <p:spTree>
@@ -14678,7 +15080,7 @@
 </p:sld>
 </file>
 
-<file path=ppt/slides/slide45.xml><?xml version="1.0" encoding="utf-8"?>
+<file path=ppt/slides/slide47.xml><?xml version="1.0" encoding="utf-8"?>
 <p:sld xmlns:a="http://schemas.openxmlformats.org/drawingml/2006/main" xmlns:r="http://schemas.openxmlformats.org/officeDocument/2006/relationships" xmlns:p="http://schemas.openxmlformats.org/presentationml/2006/main">
   <p:cSld>
     <p:spTree>
@@ -14998,7 +15400,7 @@
 </p:sld>
 </file>
 
-<file path=ppt/slides/slide46.xml><?xml version="1.0" encoding="utf-8"?>
+<file path=ppt/slides/slide48.xml><?xml version="1.0" encoding="utf-8"?>
 <p:sld xmlns:a="http://schemas.openxmlformats.org/drawingml/2006/main" xmlns:r="http://schemas.openxmlformats.org/officeDocument/2006/relationships" xmlns:p="http://schemas.openxmlformats.org/presentationml/2006/main">
   <p:cSld>
     <p:spTree>
@@ -15167,7 +15569,7 @@
 </p:sld>
 </file>
 
-<file path=ppt/slides/slide47.xml><?xml version="1.0" encoding="utf-8"?>
+<file path=ppt/slides/slide49.xml><?xml version="1.0" encoding="utf-8"?>
 <p:sld xmlns:a="http://schemas.openxmlformats.org/drawingml/2006/main" xmlns:r="http://schemas.openxmlformats.org/officeDocument/2006/relationships" xmlns:p="http://schemas.openxmlformats.org/presentationml/2006/main">
   <p:cSld>
     <p:spTree>
@@ -15487,7 +15889,1081 @@
 </p:sld>
 </file>
 
-<file path=ppt/slides/slide48.xml><?xml version="1.0" encoding="utf-8"?>
+<file path=ppt/slides/slide5.xml><?xml version="1.0" encoding="utf-8"?>
+<p:sld xmlns:a="http://schemas.openxmlformats.org/drawingml/2006/main" xmlns:r="http://schemas.openxmlformats.org/officeDocument/2006/relationships" xmlns:p="http://schemas.openxmlformats.org/presentationml/2006/main">
+  <p:cSld>
+    <p:spTree>
+      <p:nvGrpSpPr>
+        <p:cNvPr id="1" name=""/>
+        <p:cNvGrpSpPr/>
+        <p:nvPr/>
+      </p:nvGrpSpPr>
+      <p:grpSpPr>
+        <a:xfrm>
+          <a:off x="0" y="0"/>
+          <a:ext cx="0" cy="0"/>
+          <a:chOff x="0" y="0"/>
+          <a:chExt cx="0" cy="0"/>
+        </a:xfrm>
+      </p:grpSpPr>
+      <p:sp>
+        <p:nvSpPr>
+          <p:cNvPr id="2" name="Title 1">
+            <a:extLst>
+              <a:ext uri="{FF2B5EF4-FFF2-40B4-BE49-F238E27FC236}">
+                <a16:creationId xmlns:a16="http://schemas.microsoft.com/office/drawing/2014/main" id="{A50B3240-90A9-2045-9B24-092DEDC3A4FB}"/>
+              </a:ext>
+            </a:extLst>
+          </p:cNvPr>
+          <p:cNvSpPr>
+            <a:spLocks noGrp="1"/>
+          </p:cNvSpPr>
+          <p:nvPr>
+            <p:ph type="title"/>
+          </p:nvPr>
+        </p:nvSpPr>
+        <p:spPr/>
+        <p:txBody>
+          <a:bodyPr/>
+          <a:lstStyle/>
+          <a:p>
+            <a:endParaRPr lang="en-NL"/>
+          </a:p>
+        </p:txBody>
+      </p:sp>
+      <p:sp>
+        <p:nvSpPr>
+          <p:cNvPr id="3" name="Content Placeholder 2">
+            <a:extLst>
+              <a:ext uri="{FF2B5EF4-FFF2-40B4-BE49-F238E27FC236}">
+                <a16:creationId xmlns:a16="http://schemas.microsoft.com/office/drawing/2014/main" id="{EE6F52F0-3A96-5E4D-B754-B812A863C0BF}"/>
+              </a:ext>
+            </a:extLst>
+          </p:cNvPr>
+          <p:cNvSpPr>
+            <a:spLocks noGrp="1"/>
+          </p:cNvSpPr>
+          <p:nvPr>
+            <p:ph idx="1"/>
+          </p:nvPr>
+        </p:nvSpPr>
+        <p:spPr/>
+        <p:txBody>
+          <a:bodyPr/>
+          <a:lstStyle/>
+          <a:p>
+            <a:endParaRPr lang="en-NL"/>
+          </a:p>
+        </p:txBody>
+      </p:sp>
+      <p:sp>
+        <p:nvSpPr>
+          <p:cNvPr id="4" name="Rounded Rectangle 3">
+            <a:extLst>
+              <a:ext uri="{FF2B5EF4-FFF2-40B4-BE49-F238E27FC236}">
+                <a16:creationId xmlns:a16="http://schemas.microsoft.com/office/drawing/2014/main" id="{C878E023-EBA1-A649-9F84-9426DC737CAD}"/>
+              </a:ext>
+            </a:extLst>
+          </p:cNvPr>
+          <p:cNvSpPr/>
+          <p:nvPr/>
+        </p:nvSpPr>
+        <p:spPr>
+          <a:xfrm>
+            <a:off x="0" y="0"/>
+            <a:ext cx="7559675" cy="5327650"/>
+          </a:xfrm>
+          <a:prstGeom prst="roundRect">
+            <a:avLst>
+              <a:gd name="adj" fmla="val 0"/>
+            </a:avLst>
+          </a:prstGeom>
+          <a:solidFill>
+            <a:srgbClr val="DE8445"/>
+          </a:solidFill>
+          <a:ln>
+            <a:noFill/>
+          </a:ln>
+        </p:spPr>
+        <p:style>
+          <a:lnRef idx="2">
+            <a:schemeClr val="accent1">
+              <a:shade val="50000"/>
+            </a:schemeClr>
+          </a:lnRef>
+          <a:fillRef idx="1">
+            <a:schemeClr val="accent1"/>
+          </a:fillRef>
+          <a:effectRef idx="0">
+            <a:schemeClr val="accent1"/>
+          </a:effectRef>
+          <a:fontRef idx="minor">
+            <a:schemeClr val="lt1"/>
+          </a:fontRef>
+        </p:style>
+        <p:txBody>
+          <a:bodyPr rtlCol="0" anchor="ctr"/>
+          <a:lstStyle/>
+          <a:p>
+            <a:pPr algn="ctr"/>
+            <a:endParaRPr lang="en-NL" dirty="0"/>
+          </a:p>
+        </p:txBody>
+      </p:sp>
+      <p:sp>
+        <p:nvSpPr>
+          <p:cNvPr id="5" name="Rectangle 4">
+            <a:extLst>
+              <a:ext uri="{FF2B5EF4-FFF2-40B4-BE49-F238E27FC236}">
+                <a16:creationId xmlns:a16="http://schemas.microsoft.com/office/drawing/2014/main" id="{1F46A24F-F843-6F43-B798-8E0A66AEBE9A}"/>
+              </a:ext>
+            </a:extLst>
+          </p:cNvPr>
+          <p:cNvSpPr/>
+          <p:nvPr/>
+        </p:nvSpPr>
+        <p:spPr>
+          <a:xfrm>
+            <a:off x="654576" y="629685"/>
+            <a:ext cx="6326488" cy="3992292"/>
+          </a:xfrm>
+          <a:prstGeom prst="rect">
+            <a:avLst/>
+          </a:prstGeom>
+          <a:blipFill>
+            <a:blip r:embed="rId2"/>
+            <a:stretch>
+              <a:fillRect/>
+            </a:stretch>
+          </a:blipFill>
+          <a:ln w="38100" cmpd="sng">
+            <a:solidFill>
+              <a:schemeClr val="tx1"/>
+            </a:solidFill>
+            <a:prstDash val="solid"/>
+          </a:ln>
+        </p:spPr>
+        <p:style>
+          <a:lnRef idx="2">
+            <a:schemeClr val="accent1">
+              <a:shade val="50000"/>
+            </a:schemeClr>
+          </a:lnRef>
+          <a:fillRef idx="1">
+            <a:schemeClr val="accent1"/>
+          </a:fillRef>
+          <a:effectRef idx="0">
+            <a:schemeClr val="accent1"/>
+          </a:effectRef>
+          <a:fontRef idx="minor">
+            <a:schemeClr val="lt1"/>
+          </a:fontRef>
+        </p:style>
+        <p:txBody>
+          <a:bodyPr rtlCol="0" anchor="ctr"/>
+          <a:lstStyle/>
+          <a:p>
+            <a:endParaRPr lang="en-NL" sz="9600">
+              <a:latin typeface="Marvel" pitchFamily="2" charset="0"/>
+            </a:endParaRPr>
+          </a:p>
+        </p:txBody>
+      </p:sp>
+      <p:sp>
+        <p:nvSpPr>
+          <p:cNvPr id="7" name="TextBox 6">
+            <a:extLst>
+              <a:ext uri="{FF2B5EF4-FFF2-40B4-BE49-F238E27FC236}">
+                <a16:creationId xmlns:a16="http://schemas.microsoft.com/office/drawing/2014/main" id="{DB3D77AE-9792-C547-90E9-C96C9012A78D}"/>
+              </a:ext>
+            </a:extLst>
+          </p:cNvPr>
+          <p:cNvSpPr txBox="1"/>
+          <p:nvPr/>
+        </p:nvSpPr>
+        <p:spPr>
+          <a:xfrm>
+            <a:off x="1154265" y="1964111"/>
+            <a:ext cx="5451371" cy="1323439"/>
+          </a:xfrm>
+          <a:prstGeom prst="rect">
+            <a:avLst/>
+          </a:prstGeom>
+          <a:noFill/>
+        </p:spPr>
+        <p:txBody>
+          <a:bodyPr wrap="square" rtlCol="0">
+            <a:spAutoFit/>
+          </a:bodyPr>
+          <a:lstStyle/>
+          <a:p>
+            <a:pPr algn="ctr"/>
+            <a:r>
+              <a:rPr lang="en-NL" sz="8000" dirty="0">
+                <a:latin typeface="Marvel" pitchFamily="2" charset="0"/>
+              </a:rPr>
+              <a:t>UNREALIZED VALUE</a:t>
+            </a:r>
+          </a:p>
+        </p:txBody>
+      </p:sp>
+      <p:sp>
+        <p:nvSpPr>
+          <p:cNvPr id="8" name="TextBox 7">
+            <a:extLst>
+              <a:ext uri="{FF2B5EF4-FFF2-40B4-BE49-F238E27FC236}">
+                <a16:creationId xmlns:a16="http://schemas.microsoft.com/office/drawing/2014/main" id="{ED283D89-81C5-A942-931B-F37B88051625}"/>
+              </a:ext>
+            </a:extLst>
+          </p:cNvPr>
+          <p:cNvSpPr txBox="1"/>
+          <p:nvPr/>
+        </p:nvSpPr>
+        <p:spPr>
+          <a:xfrm>
+            <a:off x="1826342" y="2992265"/>
+            <a:ext cx="4107215" cy="400110"/>
+          </a:xfrm>
+          <a:prstGeom prst="rect">
+            <a:avLst/>
+          </a:prstGeom>
+          <a:noFill/>
+        </p:spPr>
+        <p:txBody>
+          <a:bodyPr wrap="none" rtlCol="0">
+            <a:spAutoFit/>
+          </a:bodyPr>
+          <a:lstStyle/>
+          <a:p>
+            <a:pPr algn="ctr"/>
+            <a:r>
+              <a:rPr lang="en-GB" sz="1000" dirty="0">
+                <a:solidFill>
+                  <a:schemeClr val="bg1">
+                    <a:lumMod val="50000"/>
+                  </a:schemeClr>
+                </a:solidFill>
+                <a:latin typeface="Ubuntu" panose="020B0504030602030204" pitchFamily="34" charset="0"/>
+              </a:rPr>
+              <a:t>The potential future value that </a:t>
+            </a:r>
+            <a:r>
+              <a:rPr lang="en-GB" sz="1000" i="1" dirty="0">
+                <a:solidFill>
+                  <a:schemeClr val="bg1">
+                    <a:lumMod val="50000"/>
+                  </a:schemeClr>
+                </a:solidFill>
+                <a:latin typeface="Ubuntu" panose="020B0504030602030204" pitchFamily="34" charset="0"/>
+              </a:rPr>
+              <a:t>could be</a:t>
+            </a:r>
+            <a:r>
+              <a:rPr lang="en-GB" sz="1000" dirty="0">
+                <a:solidFill>
+                  <a:schemeClr val="bg1">
+                    <a:lumMod val="50000"/>
+                  </a:schemeClr>
+                </a:solidFill>
+                <a:latin typeface="Ubuntu" panose="020B0504030602030204" pitchFamily="34" charset="0"/>
+              </a:rPr>
+              <a:t> realized </a:t>
+            </a:r>
+          </a:p>
+          <a:p>
+            <a:pPr algn="ctr"/>
+            <a:r>
+              <a:rPr lang="en-GB" sz="1000" dirty="0">
+                <a:solidFill>
+                  <a:schemeClr val="bg1">
+                    <a:lumMod val="50000"/>
+                  </a:schemeClr>
+                </a:solidFill>
+                <a:latin typeface="Ubuntu" panose="020B0504030602030204" pitchFamily="34" charset="0"/>
+              </a:rPr>
+              <a:t>if the organization met the needs of all potential customers or users</a:t>
+            </a:r>
+            <a:endParaRPr lang="en-NL" sz="1000" dirty="0">
+              <a:solidFill>
+                <a:schemeClr val="bg1">
+                  <a:lumMod val="50000"/>
+                </a:schemeClr>
+              </a:solidFill>
+              <a:latin typeface="Ubuntu" panose="020B0504030602030204" pitchFamily="34" charset="0"/>
+            </a:endParaRPr>
+          </a:p>
+        </p:txBody>
+      </p:sp>
+      <p:sp>
+        <p:nvSpPr>
+          <p:cNvPr id="24" name="Hexagon 23">
+            <a:extLst>
+              <a:ext uri="{FF2B5EF4-FFF2-40B4-BE49-F238E27FC236}">
+                <a16:creationId xmlns:a16="http://schemas.microsoft.com/office/drawing/2014/main" id="{B77BC908-5A71-5648-86F4-1DD501B1A47A}"/>
+              </a:ext>
+            </a:extLst>
+          </p:cNvPr>
+          <p:cNvSpPr/>
+          <p:nvPr/>
+        </p:nvSpPr>
+        <p:spPr>
+          <a:xfrm>
+            <a:off x="-263472" y="887581"/>
+            <a:ext cx="526943" cy="425834"/>
+          </a:xfrm>
+          <a:prstGeom prst="hexagon">
+            <a:avLst/>
+          </a:prstGeom>
+          <a:solidFill>
+            <a:schemeClr val="bg2"/>
+          </a:solidFill>
+          <a:ln>
+            <a:solidFill>
+              <a:schemeClr val="bg2"/>
+            </a:solidFill>
+          </a:ln>
+        </p:spPr>
+        <p:style>
+          <a:lnRef idx="2">
+            <a:schemeClr val="accent1">
+              <a:shade val="50000"/>
+            </a:schemeClr>
+          </a:lnRef>
+          <a:fillRef idx="1">
+            <a:schemeClr val="accent1"/>
+          </a:fillRef>
+          <a:effectRef idx="0">
+            <a:schemeClr val="accent1"/>
+          </a:effectRef>
+          <a:fontRef idx="minor">
+            <a:schemeClr val="lt1"/>
+          </a:fontRef>
+        </p:style>
+        <p:txBody>
+          <a:bodyPr rtlCol="0" anchor="ctr"/>
+          <a:lstStyle/>
+          <a:p>
+            <a:pPr algn="ctr"/>
+            <a:endParaRPr lang="en-NL"/>
+          </a:p>
+        </p:txBody>
+      </p:sp>
+      <p:sp>
+        <p:nvSpPr>
+          <p:cNvPr id="25" name="Hexagon 24">
+            <a:extLst>
+              <a:ext uri="{FF2B5EF4-FFF2-40B4-BE49-F238E27FC236}">
+                <a16:creationId xmlns:a16="http://schemas.microsoft.com/office/drawing/2014/main" id="{CA52172E-44FE-964B-8A80-395B31A859C7}"/>
+              </a:ext>
+            </a:extLst>
+          </p:cNvPr>
+          <p:cNvSpPr/>
+          <p:nvPr/>
+        </p:nvSpPr>
+        <p:spPr>
+          <a:xfrm>
+            <a:off x="-267574" y="1402464"/>
+            <a:ext cx="526943" cy="425834"/>
+          </a:xfrm>
+          <a:prstGeom prst="hexagon">
+            <a:avLst/>
+          </a:prstGeom>
+          <a:solidFill>
+            <a:schemeClr val="bg2"/>
+          </a:solidFill>
+          <a:ln>
+            <a:solidFill>
+              <a:schemeClr val="bg2"/>
+            </a:solidFill>
+          </a:ln>
+        </p:spPr>
+        <p:style>
+          <a:lnRef idx="2">
+            <a:schemeClr val="accent1">
+              <a:shade val="50000"/>
+            </a:schemeClr>
+          </a:lnRef>
+          <a:fillRef idx="1">
+            <a:schemeClr val="accent1"/>
+          </a:fillRef>
+          <a:effectRef idx="0">
+            <a:schemeClr val="accent1"/>
+          </a:effectRef>
+          <a:fontRef idx="minor">
+            <a:schemeClr val="lt1"/>
+          </a:fontRef>
+        </p:style>
+        <p:txBody>
+          <a:bodyPr rtlCol="0" anchor="ctr"/>
+          <a:lstStyle/>
+          <a:p>
+            <a:pPr algn="ctr"/>
+            <a:endParaRPr lang="en-NL"/>
+          </a:p>
+        </p:txBody>
+      </p:sp>
+      <p:sp>
+        <p:nvSpPr>
+          <p:cNvPr id="26" name="Hexagon 25">
+            <a:extLst>
+              <a:ext uri="{FF2B5EF4-FFF2-40B4-BE49-F238E27FC236}">
+                <a16:creationId xmlns:a16="http://schemas.microsoft.com/office/drawing/2014/main" id="{08EC8FA2-7049-534E-A372-EC6A91A4CE79}"/>
+              </a:ext>
+            </a:extLst>
+          </p:cNvPr>
+          <p:cNvSpPr/>
+          <p:nvPr/>
+        </p:nvSpPr>
+        <p:spPr>
+          <a:xfrm>
+            <a:off x="-267574" y="1917347"/>
+            <a:ext cx="526943" cy="425834"/>
+          </a:xfrm>
+          <a:prstGeom prst="hexagon">
+            <a:avLst/>
+          </a:prstGeom>
+          <a:solidFill>
+            <a:schemeClr val="bg2"/>
+          </a:solidFill>
+          <a:ln>
+            <a:solidFill>
+              <a:schemeClr val="bg2"/>
+            </a:solidFill>
+          </a:ln>
+        </p:spPr>
+        <p:style>
+          <a:lnRef idx="2">
+            <a:schemeClr val="accent1">
+              <a:shade val="50000"/>
+            </a:schemeClr>
+          </a:lnRef>
+          <a:fillRef idx="1">
+            <a:schemeClr val="accent1"/>
+          </a:fillRef>
+          <a:effectRef idx="0">
+            <a:schemeClr val="accent1"/>
+          </a:effectRef>
+          <a:fontRef idx="minor">
+            <a:schemeClr val="lt1"/>
+          </a:fontRef>
+        </p:style>
+        <p:txBody>
+          <a:bodyPr rtlCol="0" anchor="ctr"/>
+          <a:lstStyle/>
+          <a:p>
+            <a:pPr algn="ctr"/>
+            <a:endParaRPr lang="en-NL"/>
+          </a:p>
+        </p:txBody>
+      </p:sp>
+      <p:sp>
+        <p:nvSpPr>
+          <p:cNvPr id="27" name="Hexagon 26">
+            <a:extLst>
+              <a:ext uri="{FF2B5EF4-FFF2-40B4-BE49-F238E27FC236}">
+                <a16:creationId xmlns:a16="http://schemas.microsoft.com/office/drawing/2014/main" id="{718BA15D-DE98-8D43-9A3F-36F37A37AF2D}"/>
+              </a:ext>
+            </a:extLst>
+          </p:cNvPr>
+          <p:cNvSpPr/>
+          <p:nvPr/>
+        </p:nvSpPr>
+        <p:spPr>
+          <a:xfrm>
+            <a:off x="-271676" y="2432230"/>
+            <a:ext cx="526943" cy="425834"/>
+          </a:xfrm>
+          <a:prstGeom prst="hexagon">
+            <a:avLst/>
+          </a:prstGeom>
+          <a:solidFill>
+            <a:schemeClr val="bg2"/>
+          </a:solidFill>
+          <a:ln>
+            <a:solidFill>
+              <a:schemeClr val="bg2"/>
+            </a:solidFill>
+          </a:ln>
+        </p:spPr>
+        <p:style>
+          <a:lnRef idx="2">
+            <a:schemeClr val="accent1">
+              <a:shade val="50000"/>
+            </a:schemeClr>
+          </a:lnRef>
+          <a:fillRef idx="1">
+            <a:schemeClr val="accent1"/>
+          </a:fillRef>
+          <a:effectRef idx="0">
+            <a:schemeClr val="accent1"/>
+          </a:effectRef>
+          <a:fontRef idx="minor">
+            <a:schemeClr val="lt1"/>
+          </a:fontRef>
+        </p:style>
+        <p:txBody>
+          <a:bodyPr rtlCol="0" anchor="ctr"/>
+          <a:lstStyle/>
+          <a:p>
+            <a:pPr algn="ctr"/>
+            <a:endParaRPr lang="en-NL"/>
+          </a:p>
+        </p:txBody>
+      </p:sp>
+      <p:sp>
+        <p:nvSpPr>
+          <p:cNvPr id="28" name="Hexagon 27">
+            <a:extLst>
+              <a:ext uri="{FF2B5EF4-FFF2-40B4-BE49-F238E27FC236}">
+                <a16:creationId xmlns:a16="http://schemas.microsoft.com/office/drawing/2014/main" id="{5EF61F84-17B4-324C-9CD3-E07B3D18F12C}"/>
+              </a:ext>
+            </a:extLst>
+          </p:cNvPr>
+          <p:cNvSpPr/>
+          <p:nvPr/>
+        </p:nvSpPr>
+        <p:spPr>
+          <a:xfrm>
+            <a:off x="-269625" y="2949651"/>
+            <a:ext cx="526943" cy="425834"/>
+          </a:xfrm>
+          <a:prstGeom prst="hexagon">
+            <a:avLst/>
+          </a:prstGeom>
+          <a:solidFill>
+            <a:schemeClr val="bg2"/>
+          </a:solidFill>
+          <a:ln>
+            <a:solidFill>
+              <a:schemeClr val="bg2"/>
+            </a:solidFill>
+          </a:ln>
+        </p:spPr>
+        <p:style>
+          <a:lnRef idx="2">
+            <a:schemeClr val="accent1">
+              <a:shade val="50000"/>
+            </a:schemeClr>
+          </a:lnRef>
+          <a:fillRef idx="1">
+            <a:schemeClr val="accent1"/>
+          </a:fillRef>
+          <a:effectRef idx="0">
+            <a:schemeClr val="accent1"/>
+          </a:effectRef>
+          <a:fontRef idx="minor">
+            <a:schemeClr val="lt1"/>
+          </a:fontRef>
+        </p:style>
+        <p:txBody>
+          <a:bodyPr rtlCol="0" anchor="ctr"/>
+          <a:lstStyle/>
+          <a:p>
+            <a:pPr algn="ctr"/>
+            <a:endParaRPr lang="en-NL"/>
+          </a:p>
+        </p:txBody>
+      </p:sp>
+      <p:sp>
+        <p:nvSpPr>
+          <p:cNvPr id="29" name="Hexagon 28">
+            <a:extLst>
+              <a:ext uri="{FF2B5EF4-FFF2-40B4-BE49-F238E27FC236}">
+                <a16:creationId xmlns:a16="http://schemas.microsoft.com/office/drawing/2014/main" id="{6099D7E0-C13A-7847-84ED-EA0C5524E554}"/>
+              </a:ext>
+            </a:extLst>
+          </p:cNvPr>
+          <p:cNvSpPr/>
+          <p:nvPr/>
+        </p:nvSpPr>
+        <p:spPr>
+          <a:xfrm>
+            <a:off x="-273727" y="3464534"/>
+            <a:ext cx="526943" cy="425834"/>
+          </a:xfrm>
+          <a:prstGeom prst="hexagon">
+            <a:avLst/>
+          </a:prstGeom>
+          <a:solidFill>
+            <a:schemeClr val="bg2"/>
+          </a:solidFill>
+          <a:ln>
+            <a:solidFill>
+              <a:schemeClr val="bg2"/>
+            </a:solidFill>
+          </a:ln>
+        </p:spPr>
+        <p:style>
+          <a:lnRef idx="2">
+            <a:schemeClr val="accent1">
+              <a:shade val="50000"/>
+            </a:schemeClr>
+          </a:lnRef>
+          <a:fillRef idx="1">
+            <a:schemeClr val="accent1"/>
+          </a:fillRef>
+          <a:effectRef idx="0">
+            <a:schemeClr val="accent1"/>
+          </a:effectRef>
+          <a:fontRef idx="minor">
+            <a:schemeClr val="lt1"/>
+          </a:fontRef>
+        </p:style>
+        <p:txBody>
+          <a:bodyPr rtlCol="0" anchor="ctr"/>
+          <a:lstStyle/>
+          <a:p>
+            <a:pPr algn="ctr"/>
+            <a:endParaRPr lang="en-NL"/>
+          </a:p>
+        </p:txBody>
+      </p:sp>
+      <p:sp>
+        <p:nvSpPr>
+          <p:cNvPr id="30" name="Hexagon 29">
+            <a:extLst>
+              <a:ext uri="{FF2B5EF4-FFF2-40B4-BE49-F238E27FC236}">
+                <a16:creationId xmlns:a16="http://schemas.microsoft.com/office/drawing/2014/main" id="{920910FA-5581-F04C-9A39-2A4938FE8099}"/>
+              </a:ext>
+            </a:extLst>
+          </p:cNvPr>
+          <p:cNvSpPr/>
+          <p:nvPr/>
+        </p:nvSpPr>
+        <p:spPr>
+          <a:xfrm>
+            <a:off x="-263472" y="3976879"/>
+            <a:ext cx="526943" cy="425834"/>
+          </a:xfrm>
+          <a:prstGeom prst="hexagon">
+            <a:avLst/>
+          </a:prstGeom>
+          <a:solidFill>
+            <a:schemeClr val="bg2"/>
+          </a:solidFill>
+          <a:ln>
+            <a:solidFill>
+              <a:schemeClr val="bg2"/>
+            </a:solidFill>
+          </a:ln>
+        </p:spPr>
+        <p:style>
+          <a:lnRef idx="2">
+            <a:schemeClr val="accent1">
+              <a:shade val="50000"/>
+            </a:schemeClr>
+          </a:lnRef>
+          <a:fillRef idx="1">
+            <a:schemeClr val="accent1"/>
+          </a:fillRef>
+          <a:effectRef idx="0">
+            <a:schemeClr val="accent1"/>
+          </a:effectRef>
+          <a:fontRef idx="minor">
+            <a:schemeClr val="lt1"/>
+          </a:fontRef>
+        </p:style>
+        <p:txBody>
+          <a:bodyPr rtlCol="0" anchor="ctr"/>
+          <a:lstStyle/>
+          <a:p>
+            <a:pPr algn="ctr"/>
+            <a:endParaRPr lang="en-NL"/>
+          </a:p>
+        </p:txBody>
+      </p:sp>
+      <p:sp>
+        <p:nvSpPr>
+          <p:cNvPr id="31" name="Hexagon 30">
+            <a:extLst>
+              <a:ext uri="{FF2B5EF4-FFF2-40B4-BE49-F238E27FC236}">
+                <a16:creationId xmlns:a16="http://schemas.microsoft.com/office/drawing/2014/main" id="{8BBDE08F-BA25-4943-9CD6-08F91133CB36}"/>
+              </a:ext>
+            </a:extLst>
+          </p:cNvPr>
+          <p:cNvSpPr/>
+          <p:nvPr/>
+        </p:nvSpPr>
+        <p:spPr>
+          <a:xfrm>
+            <a:off x="7276165" y="887581"/>
+            <a:ext cx="526943" cy="425834"/>
+          </a:xfrm>
+          <a:prstGeom prst="hexagon">
+            <a:avLst/>
+          </a:prstGeom>
+          <a:solidFill>
+            <a:schemeClr val="bg2"/>
+          </a:solidFill>
+          <a:ln>
+            <a:solidFill>
+              <a:schemeClr val="bg2"/>
+            </a:solidFill>
+          </a:ln>
+        </p:spPr>
+        <p:style>
+          <a:lnRef idx="2">
+            <a:schemeClr val="accent1">
+              <a:shade val="50000"/>
+            </a:schemeClr>
+          </a:lnRef>
+          <a:fillRef idx="1">
+            <a:schemeClr val="accent1"/>
+          </a:fillRef>
+          <a:effectRef idx="0">
+            <a:schemeClr val="accent1"/>
+          </a:effectRef>
+          <a:fontRef idx="minor">
+            <a:schemeClr val="lt1"/>
+          </a:fontRef>
+        </p:style>
+        <p:txBody>
+          <a:bodyPr rtlCol="0" anchor="ctr"/>
+          <a:lstStyle/>
+          <a:p>
+            <a:pPr algn="ctr"/>
+            <a:endParaRPr lang="en-NL"/>
+          </a:p>
+        </p:txBody>
+      </p:sp>
+      <p:sp>
+        <p:nvSpPr>
+          <p:cNvPr id="32" name="Hexagon 31">
+            <a:extLst>
+              <a:ext uri="{FF2B5EF4-FFF2-40B4-BE49-F238E27FC236}">
+                <a16:creationId xmlns:a16="http://schemas.microsoft.com/office/drawing/2014/main" id="{1FBA123F-FD40-8849-9469-AF75E6B929B7}"/>
+              </a:ext>
+            </a:extLst>
+          </p:cNvPr>
+          <p:cNvSpPr/>
+          <p:nvPr/>
+        </p:nvSpPr>
+        <p:spPr>
+          <a:xfrm>
+            <a:off x="7272063" y="1402464"/>
+            <a:ext cx="526943" cy="425834"/>
+          </a:xfrm>
+          <a:prstGeom prst="hexagon">
+            <a:avLst/>
+          </a:prstGeom>
+          <a:solidFill>
+            <a:schemeClr val="bg2"/>
+          </a:solidFill>
+          <a:ln>
+            <a:solidFill>
+              <a:schemeClr val="bg2"/>
+            </a:solidFill>
+          </a:ln>
+        </p:spPr>
+        <p:style>
+          <a:lnRef idx="2">
+            <a:schemeClr val="accent1">
+              <a:shade val="50000"/>
+            </a:schemeClr>
+          </a:lnRef>
+          <a:fillRef idx="1">
+            <a:schemeClr val="accent1"/>
+          </a:fillRef>
+          <a:effectRef idx="0">
+            <a:schemeClr val="accent1"/>
+          </a:effectRef>
+          <a:fontRef idx="minor">
+            <a:schemeClr val="lt1"/>
+          </a:fontRef>
+        </p:style>
+        <p:txBody>
+          <a:bodyPr rtlCol="0" anchor="ctr"/>
+          <a:lstStyle/>
+          <a:p>
+            <a:pPr algn="ctr"/>
+            <a:endParaRPr lang="en-NL"/>
+          </a:p>
+        </p:txBody>
+      </p:sp>
+      <p:sp>
+        <p:nvSpPr>
+          <p:cNvPr id="33" name="Hexagon 32">
+            <a:extLst>
+              <a:ext uri="{FF2B5EF4-FFF2-40B4-BE49-F238E27FC236}">
+                <a16:creationId xmlns:a16="http://schemas.microsoft.com/office/drawing/2014/main" id="{A5F73996-9447-1848-B658-78DFF6A9C779}"/>
+              </a:ext>
+            </a:extLst>
+          </p:cNvPr>
+          <p:cNvSpPr/>
+          <p:nvPr/>
+        </p:nvSpPr>
+        <p:spPr>
+          <a:xfrm>
+            <a:off x="7272063" y="1917347"/>
+            <a:ext cx="526943" cy="425834"/>
+          </a:xfrm>
+          <a:prstGeom prst="hexagon">
+            <a:avLst/>
+          </a:prstGeom>
+          <a:solidFill>
+            <a:schemeClr val="bg2"/>
+          </a:solidFill>
+          <a:ln>
+            <a:solidFill>
+              <a:schemeClr val="bg2"/>
+            </a:solidFill>
+          </a:ln>
+        </p:spPr>
+        <p:style>
+          <a:lnRef idx="2">
+            <a:schemeClr val="accent1">
+              <a:shade val="50000"/>
+            </a:schemeClr>
+          </a:lnRef>
+          <a:fillRef idx="1">
+            <a:schemeClr val="accent1"/>
+          </a:fillRef>
+          <a:effectRef idx="0">
+            <a:schemeClr val="accent1"/>
+          </a:effectRef>
+          <a:fontRef idx="minor">
+            <a:schemeClr val="lt1"/>
+          </a:fontRef>
+        </p:style>
+        <p:txBody>
+          <a:bodyPr rtlCol="0" anchor="ctr"/>
+          <a:lstStyle/>
+          <a:p>
+            <a:pPr algn="ctr"/>
+            <a:endParaRPr lang="en-NL"/>
+          </a:p>
+        </p:txBody>
+      </p:sp>
+      <p:sp>
+        <p:nvSpPr>
+          <p:cNvPr id="34" name="Hexagon 33">
+            <a:extLst>
+              <a:ext uri="{FF2B5EF4-FFF2-40B4-BE49-F238E27FC236}">
+                <a16:creationId xmlns:a16="http://schemas.microsoft.com/office/drawing/2014/main" id="{275693F2-68C2-3E4F-BA5E-B253F0E64904}"/>
+              </a:ext>
+            </a:extLst>
+          </p:cNvPr>
+          <p:cNvSpPr/>
+          <p:nvPr/>
+        </p:nvSpPr>
+        <p:spPr>
+          <a:xfrm>
+            <a:off x="7267961" y="2432230"/>
+            <a:ext cx="526943" cy="425834"/>
+          </a:xfrm>
+          <a:prstGeom prst="hexagon">
+            <a:avLst/>
+          </a:prstGeom>
+          <a:solidFill>
+            <a:schemeClr val="bg2"/>
+          </a:solidFill>
+          <a:ln>
+            <a:solidFill>
+              <a:schemeClr val="bg2"/>
+            </a:solidFill>
+          </a:ln>
+        </p:spPr>
+        <p:style>
+          <a:lnRef idx="2">
+            <a:schemeClr val="accent1">
+              <a:shade val="50000"/>
+            </a:schemeClr>
+          </a:lnRef>
+          <a:fillRef idx="1">
+            <a:schemeClr val="accent1"/>
+          </a:fillRef>
+          <a:effectRef idx="0">
+            <a:schemeClr val="accent1"/>
+          </a:effectRef>
+          <a:fontRef idx="minor">
+            <a:schemeClr val="lt1"/>
+          </a:fontRef>
+        </p:style>
+        <p:txBody>
+          <a:bodyPr rtlCol="0" anchor="ctr"/>
+          <a:lstStyle/>
+          <a:p>
+            <a:pPr algn="ctr"/>
+            <a:endParaRPr lang="en-NL"/>
+          </a:p>
+        </p:txBody>
+      </p:sp>
+      <p:sp>
+        <p:nvSpPr>
+          <p:cNvPr id="35" name="Hexagon 34">
+            <a:extLst>
+              <a:ext uri="{FF2B5EF4-FFF2-40B4-BE49-F238E27FC236}">
+                <a16:creationId xmlns:a16="http://schemas.microsoft.com/office/drawing/2014/main" id="{0037A2A0-8D75-B940-835C-26E592882C69}"/>
+              </a:ext>
+            </a:extLst>
+          </p:cNvPr>
+          <p:cNvSpPr/>
+          <p:nvPr/>
+        </p:nvSpPr>
+        <p:spPr>
+          <a:xfrm>
+            <a:off x="7270012" y="2949651"/>
+            <a:ext cx="526943" cy="425834"/>
+          </a:xfrm>
+          <a:prstGeom prst="hexagon">
+            <a:avLst/>
+          </a:prstGeom>
+          <a:solidFill>
+            <a:schemeClr val="bg2"/>
+          </a:solidFill>
+          <a:ln>
+            <a:solidFill>
+              <a:schemeClr val="bg2"/>
+            </a:solidFill>
+          </a:ln>
+        </p:spPr>
+        <p:style>
+          <a:lnRef idx="2">
+            <a:schemeClr val="accent1">
+              <a:shade val="50000"/>
+            </a:schemeClr>
+          </a:lnRef>
+          <a:fillRef idx="1">
+            <a:schemeClr val="accent1"/>
+          </a:fillRef>
+          <a:effectRef idx="0">
+            <a:schemeClr val="accent1"/>
+          </a:effectRef>
+          <a:fontRef idx="minor">
+            <a:schemeClr val="lt1"/>
+          </a:fontRef>
+        </p:style>
+        <p:txBody>
+          <a:bodyPr rtlCol="0" anchor="ctr"/>
+          <a:lstStyle/>
+          <a:p>
+            <a:pPr algn="ctr"/>
+            <a:endParaRPr lang="en-NL"/>
+          </a:p>
+        </p:txBody>
+      </p:sp>
+      <p:sp>
+        <p:nvSpPr>
+          <p:cNvPr id="36" name="Hexagon 35">
+            <a:extLst>
+              <a:ext uri="{FF2B5EF4-FFF2-40B4-BE49-F238E27FC236}">
+                <a16:creationId xmlns:a16="http://schemas.microsoft.com/office/drawing/2014/main" id="{34ABA7B3-653A-E24D-B127-F6F5AEBE2C7B}"/>
+              </a:ext>
+            </a:extLst>
+          </p:cNvPr>
+          <p:cNvSpPr/>
+          <p:nvPr/>
+        </p:nvSpPr>
+        <p:spPr>
+          <a:xfrm>
+            <a:off x="7265910" y="3464534"/>
+            <a:ext cx="526943" cy="425834"/>
+          </a:xfrm>
+          <a:prstGeom prst="hexagon">
+            <a:avLst/>
+          </a:prstGeom>
+          <a:solidFill>
+            <a:schemeClr val="bg2"/>
+          </a:solidFill>
+          <a:ln>
+            <a:solidFill>
+              <a:schemeClr val="bg2"/>
+            </a:solidFill>
+          </a:ln>
+        </p:spPr>
+        <p:style>
+          <a:lnRef idx="2">
+            <a:schemeClr val="accent1">
+              <a:shade val="50000"/>
+            </a:schemeClr>
+          </a:lnRef>
+          <a:fillRef idx="1">
+            <a:schemeClr val="accent1"/>
+          </a:fillRef>
+          <a:effectRef idx="0">
+            <a:schemeClr val="accent1"/>
+          </a:effectRef>
+          <a:fontRef idx="minor">
+            <a:schemeClr val="lt1"/>
+          </a:fontRef>
+        </p:style>
+        <p:txBody>
+          <a:bodyPr rtlCol="0" anchor="ctr"/>
+          <a:lstStyle/>
+          <a:p>
+            <a:pPr algn="ctr"/>
+            <a:endParaRPr lang="en-NL"/>
+          </a:p>
+        </p:txBody>
+      </p:sp>
+      <p:sp>
+        <p:nvSpPr>
+          <p:cNvPr id="37" name="Hexagon 36">
+            <a:extLst>
+              <a:ext uri="{FF2B5EF4-FFF2-40B4-BE49-F238E27FC236}">
+                <a16:creationId xmlns:a16="http://schemas.microsoft.com/office/drawing/2014/main" id="{980F8705-E6AE-3E4B-9146-F98BFFE8E753}"/>
+              </a:ext>
+            </a:extLst>
+          </p:cNvPr>
+          <p:cNvSpPr/>
+          <p:nvPr/>
+        </p:nvSpPr>
+        <p:spPr>
+          <a:xfrm>
+            <a:off x="7276165" y="3976879"/>
+            <a:ext cx="526943" cy="425834"/>
+          </a:xfrm>
+          <a:prstGeom prst="hexagon">
+            <a:avLst/>
+          </a:prstGeom>
+          <a:solidFill>
+            <a:schemeClr val="bg2"/>
+          </a:solidFill>
+          <a:ln>
+            <a:solidFill>
+              <a:schemeClr val="bg2"/>
+            </a:solidFill>
+          </a:ln>
+        </p:spPr>
+        <p:style>
+          <a:lnRef idx="2">
+            <a:schemeClr val="accent1">
+              <a:shade val="50000"/>
+            </a:schemeClr>
+          </a:lnRef>
+          <a:fillRef idx="1">
+            <a:schemeClr val="accent1"/>
+          </a:fillRef>
+          <a:effectRef idx="0">
+            <a:schemeClr val="accent1"/>
+          </a:effectRef>
+          <a:fontRef idx="minor">
+            <a:schemeClr val="lt1"/>
+          </a:fontRef>
+        </p:style>
+        <p:txBody>
+          <a:bodyPr rtlCol="0" anchor="ctr"/>
+          <a:lstStyle/>
+          <a:p>
+            <a:pPr algn="ctr"/>
+            <a:endParaRPr lang="en-NL"/>
+          </a:p>
+        </p:txBody>
+      </p:sp>
+    </p:spTree>
+    <p:extLst>
+      <p:ext uri="{BB962C8B-B14F-4D97-AF65-F5344CB8AC3E}">
+        <p14:creationId xmlns:p14="http://schemas.microsoft.com/office/powerpoint/2010/main" val="3863189371"/>
+      </p:ext>
+    </p:extLst>
+  </p:cSld>
+  <p:clrMapOvr>
+    <a:masterClrMapping/>
+  </p:clrMapOvr>
+</p:sld>
+</file>
+
+<file path=ppt/slides/slide50.xml><?xml version="1.0" encoding="utf-8"?>
 <p:sld xmlns:a="http://schemas.openxmlformats.org/drawingml/2006/main" xmlns:r="http://schemas.openxmlformats.org/officeDocument/2006/relationships" xmlns:p="http://schemas.openxmlformats.org/presentationml/2006/main">
   <p:cSld>
     <p:spTree>
@@ -15656,7 +17132,7 @@
 </p:sld>
 </file>
 
-<file path=ppt/slides/slide49.xml><?xml version="1.0" encoding="utf-8"?>
+<file path=ppt/slides/slide51.xml><?xml version="1.0" encoding="utf-8"?>
 <p:sld xmlns:a="http://schemas.openxmlformats.org/drawingml/2006/main" xmlns:r="http://schemas.openxmlformats.org/officeDocument/2006/relationships" xmlns:p="http://schemas.openxmlformats.org/presentationml/2006/main">
   <p:cSld>
     <p:spTree>
@@ -15964,1081 +17440,7 @@
 </p:sld>
 </file>
 
-<file path=ppt/slides/slide5.xml><?xml version="1.0" encoding="utf-8"?>
-<p:sld xmlns:a="http://schemas.openxmlformats.org/drawingml/2006/main" xmlns:r="http://schemas.openxmlformats.org/officeDocument/2006/relationships" xmlns:p="http://schemas.openxmlformats.org/presentationml/2006/main">
-  <p:cSld>
-    <p:spTree>
-      <p:nvGrpSpPr>
-        <p:cNvPr id="1" name=""/>
-        <p:cNvGrpSpPr/>
-        <p:nvPr/>
-      </p:nvGrpSpPr>
-      <p:grpSpPr>
-        <a:xfrm>
-          <a:off x="0" y="0"/>
-          <a:ext cx="0" cy="0"/>
-          <a:chOff x="0" y="0"/>
-          <a:chExt cx="0" cy="0"/>
-        </a:xfrm>
-      </p:grpSpPr>
-      <p:sp>
-        <p:nvSpPr>
-          <p:cNvPr id="2" name="Title 1">
-            <a:extLst>
-              <a:ext uri="{FF2B5EF4-FFF2-40B4-BE49-F238E27FC236}">
-                <a16:creationId xmlns:a16="http://schemas.microsoft.com/office/drawing/2014/main" id="{A50B3240-90A9-2045-9B24-092DEDC3A4FB}"/>
-              </a:ext>
-            </a:extLst>
-          </p:cNvPr>
-          <p:cNvSpPr>
-            <a:spLocks noGrp="1"/>
-          </p:cNvSpPr>
-          <p:nvPr>
-            <p:ph type="title"/>
-          </p:nvPr>
-        </p:nvSpPr>
-        <p:spPr/>
-        <p:txBody>
-          <a:bodyPr/>
-          <a:lstStyle/>
-          <a:p>
-            <a:endParaRPr lang="en-NL"/>
-          </a:p>
-        </p:txBody>
-      </p:sp>
-      <p:sp>
-        <p:nvSpPr>
-          <p:cNvPr id="3" name="Content Placeholder 2">
-            <a:extLst>
-              <a:ext uri="{FF2B5EF4-FFF2-40B4-BE49-F238E27FC236}">
-                <a16:creationId xmlns:a16="http://schemas.microsoft.com/office/drawing/2014/main" id="{EE6F52F0-3A96-5E4D-B754-B812A863C0BF}"/>
-              </a:ext>
-            </a:extLst>
-          </p:cNvPr>
-          <p:cNvSpPr>
-            <a:spLocks noGrp="1"/>
-          </p:cNvSpPr>
-          <p:nvPr>
-            <p:ph idx="1"/>
-          </p:nvPr>
-        </p:nvSpPr>
-        <p:spPr/>
-        <p:txBody>
-          <a:bodyPr/>
-          <a:lstStyle/>
-          <a:p>
-            <a:endParaRPr lang="en-NL"/>
-          </a:p>
-        </p:txBody>
-      </p:sp>
-      <p:sp>
-        <p:nvSpPr>
-          <p:cNvPr id="4" name="Rounded Rectangle 3">
-            <a:extLst>
-              <a:ext uri="{FF2B5EF4-FFF2-40B4-BE49-F238E27FC236}">
-                <a16:creationId xmlns:a16="http://schemas.microsoft.com/office/drawing/2014/main" id="{C878E023-EBA1-A649-9F84-9426DC737CAD}"/>
-              </a:ext>
-            </a:extLst>
-          </p:cNvPr>
-          <p:cNvSpPr/>
-          <p:nvPr/>
-        </p:nvSpPr>
-        <p:spPr>
-          <a:xfrm>
-            <a:off x="0" y="0"/>
-            <a:ext cx="7559675" cy="5327650"/>
-          </a:xfrm>
-          <a:prstGeom prst="roundRect">
-            <a:avLst>
-              <a:gd name="adj" fmla="val 0"/>
-            </a:avLst>
-          </a:prstGeom>
-          <a:solidFill>
-            <a:srgbClr val="DE8445"/>
-          </a:solidFill>
-          <a:ln>
-            <a:noFill/>
-          </a:ln>
-        </p:spPr>
-        <p:style>
-          <a:lnRef idx="2">
-            <a:schemeClr val="accent1">
-              <a:shade val="50000"/>
-            </a:schemeClr>
-          </a:lnRef>
-          <a:fillRef idx="1">
-            <a:schemeClr val="accent1"/>
-          </a:fillRef>
-          <a:effectRef idx="0">
-            <a:schemeClr val="accent1"/>
-          </a:effectRef>
-          <a:fontRef idx="minor">
-            <a:schemeClr val="lt1"/>
-          </a:fontRef>
-        </p:style>
-        <p:txBody>
-          <a:bodyPr rtlCol="0" anchor="ctr"/>
-          <a:lstStyle/>
-          <a:p>
-            <a:pPr algn="ctr"/>
-            <a:endParaRPr lang="en-NL" dirty="0"/>
-          </a:p>
-        </p:txBody>
-      </p:sp>
-      <p:sp>
-        <p:nvSpPr>
-          <p:cNvPr id="5" name="Rectangle 4">
-            <a:extLst>
-              <a:ext uri="{FF2B5EF4-FFF2-40B4-BE49-F238E27FC236}">
-                <a16:creationId xmlns:a16="http://schemas.microsoft.com/office/drawing/2014/main" id="{1F46A24F-F843-6F43-B798-8E0A66AEBE9A}"/>
-              </a:ext>
-            </a:extLst>
-          </p:cNvPr>
-          <p:cNvSpPr/>
-          <p:nvPr/>
-        </p:nvSpPr>
-        <p:spPr>
-          <a:xfrm>
-            <a:off x="654576" y="629685"/>
-            <a:ext cx="6326488" cy="3992292"/>
-          </a:xfrm>
-          <a:prstGeom prst="rect">
-            <a:avLst/>
-          </a:prstGeom>
-          <a:blipFill>
-            <a:blip r:embed="rId2"/>
-            <a:stretch>
-              <a:fillRect/>
-            </a:stretch>
-          </a:blipFill>
-          <a:ln w="38100" cmpd="sng">
-            <a:solidFill>
-              <a:schemeClr val="tx1"/>
-            </a:solidFill>
-            <a:prstDash val="solid"/>
-          </a:ln>
-        </p:spPr>
-        <p:style>
-          <a:lnRef idx="2">
-            <a:schemeClr val="accent1">
-              <a:shade val="50000"/>
-            </a:schemeClr>
-          </a:lnRef>
-          <a:fillRef idx="1">
-            <a:schemeClr val="accent1"/>
-          </a:fillRef>
-          <a:effectRef idx="0">
-            <a:schemeClr val="accent1"/>
-          </a:effectRef>
-          <a:fontRef idx="minor">
-            <a:schemeClr val="lt1"/>
-          </a:fontRef>
-        </p:style>
-        <p:txBody>
-          <a:bodyPr rtlCol="0" anchor="ctr"/>
-          <a:lstStyle/>
-          <a:p>
-            <a:endParaRPr lang="en-NL" sz="9600">
-              <a:latin typeface="Marvel" pitchFamily="2" charset="0"/>
-            </a:endParaRPr>
-          </a:p>
-        </p:txBody>
-      </p:sp>
-      <p:sp>
-        <p:nvSpPr>
-          <p:cNvPr id="7" name="TextBox 6">
-            <a:extLst>
-              <a:ext uri="{FF2B5EF4-FFF2-40B4-BE49-F238E27FC236}">
-                <a16:creationId xmlns:a16="http://schemas.microsoft.com/office/drawing/2014/main" id="{DB3D77AE-9792-C547-90E9-C96C9012A78D}"/>
-              </a:ext>
-            </a:extLst>
-          </p:cNvPr>
-          <p:cNvSpPr txBox="1"/>
-          <p:nvPr/>
-        </p:nvSpPr>
-        <p:spPr>
-          <a:xfrm>
-            <a:off x="1154265" y="1964111"/>
-            <a:ext cx="5451371" cy="1323439"/>
-          </a:xfrm>
-          <a:prstGeom prst="rect">
-            <a:avLst/>
-          </a:prstGeom>
-          <a:noFill/>
-        </p:spPr>
-        <p:txBody>
-          <a:bodyPr wrap="square" rtlCol="0">
-            <a:spAutoFit/>
-          </a:bodyPr>
-          <a:lstStyle/>
-          <a:p>
-            <a:pPr algn="ctr"/>
-            <a:r>
-              <a:rPr lang="en-NL" sz="8000" dirty="0">
-                <a:latin typeface="Marvel" pitchFamily="2" charset="0"/>
-              </a:rPr>
-              <a:t>UNREALIZED VALUE</a:t>
-            </a:r>
-          </a:p>
-        </p:txBody>
-      </p:sp>
-      <p:sp>
-        <p:nvSpPr>
-          <p:cNvPr id="8" name="TextBox 7">
-            <a:extLst>
-              <a:ext uri="{FF2B5EF4-FFF2-40B4-BE49-F238E27FC236}">
-                <a16:creationId xmlns:a16="http://schemas.microsoft.com/office/drawing/2014/main" id="{ED283D89-81C5-A942-931B-F37B88051625}"/>
-              </a:ext>
-            </a:extLst>
-          </p:cNvPr>
-          <p:cNvSpPr txBox="1"/>
-          <p:nvPr/>
-        </p:nvSpPr>
-        <p:spPr>
-          <a:xfrm>
-            <a:off x="1826342" y="2992265"/>
-            <a:ext cx="4107215" cy="400110"/>
-          </a:xfrm>
-          <a:prstGeom prst="rect">
-            <a:avLst/>
-          </a:prstGeom>
-          <a:noFill/>
-        </p:spPr>
-        <p:txBody>
-          <a:bodyPr wrap="none" rtlCol="0">
-            <a:spAutoFit/>
-          </a:bodyPr>
-          <a:lstStyle/>
-          <a:p>
-            <a:pPr algn="ctr"/>
-            <a:r>
-              <a:rPr lang="en-GB" sz="1000" dirty="0">
-                <a:solidFill>
-                  <a:schemeClr val="bg1">
-                    <a:lumMod val="50000"/>
-                  </a:schemeClr>
-                </a:solidFill>
-                <a:latin typeface="Ubuntu" panose="020B0504030602030204" pitchFamily="34" charset="0"/>
-              </a:rPr>
-              <a:t>The potential future value that </a:t>
-            </a:r>
-            <a:r>
-              <a:rPr lang="en-GB" sz="1000" i="1" dirty="0">
-                <a:solidFill>
-                  <a:schemeClr val="bg1">
-                    <a:lumMod val="50000"/>
-                  </a:schemeClr>
-                </a:solidFill>
-                <a:latin typeface="Ubuntu" panose="020B0504030602030204" pitchFamily="34" charset="0"/>
-              </a:rPr>
-              <a:t>could be</a:t>
-            </a:r>
-            <a:r>
-              <a:rPr lang="en-GB" sz="1000" dirty="0">
-                <a:solidFill>
-                  <a:schemeClr val="bg1">
-                    <a:lumMod val="50000"/>
-                  </a:schemeClr>
-                </a:solidFill>
-                <a:latin typeface="Ubuntu" panose="020B0504030602030204" pitchFamily="34" charset="0"/>
-              </a:rPr>
-              <a:t> realized </a:t>
-            </a:r>
-          </a:p>
-          <a:p>
-            <a:pPr algn="ctr"/>
-            <a:r>
-              <a:rPr lang="en-GB" sz="1000" dirty="0">
-                <a:solidFill>
-                  <a:schemeClr val="bg1">
-                    <a:lumMod val="50000"/>
-                  </a:schemeClr>
-                </a:solidFill>
-                <a:latin typeface="Ubuntu" panose="020B0504030602030204" pitchFamily="34" charset="0"/>
-              </a:rPr>
-              <a:t>if the organization met the needs of all potential customers or users</a:t>
-            </a:r>
-            <a:endParaRPr lang="en-NL" sz="1000" dirty="0">
-              <a:solidFill>
-                <a:schemeClr val="bg1">
-                  <a:lumMod val="50000"/>
-                </a:schemeClr>
-              </a:solidFill>
-              <a:latin typeface="Ubuntu" panose="020B0504030602030204" pitchFamily="34" charset="0"/>
-            </a:endParaRPr>
-          </a:p>
-        </p:txBody>
-      </p:sp>
-      <p:sp>
-        <p:nvSpPr>
-          <p:cNvPr id="24" name="Hexagon 23">
-            <a:extLst>
-              <a:ext uri="{FF2B5EF4-FFF2-40B4-BE49-F238E27FC236}">
-                <a16:creationId xmlns:a16="http://schemas.microsoft.com/office/drawing/2014/main" id="{B77BC908-5A71-5648-86F4-1DD501B1A47A}"/>
-              </a:ext>
-            </a:extLst>
-          </p:cNvPr>
-          <p:cNvSpPr/>
-          <p:nvPr/>
-        </p:nvSpPr>
-        <p:spPr>
-          <a:xfrm>
-            <a:off x="-263472" y="887581"/>
-            <a:ext cx="526943" cy="425834"/>
-          </a:xfrm>
-          <a:prstGeom prst="hexagon">
-            <a:avLst/>
-          </a:prstGeom>
-          <a:solidFill>
-            <a:schemeClr val="bg2"/>
-          </a:solidFill>
-          <a:ln>
-            <a:solidFill>
-              <a:schemeClr val="bg2"/>
-            </a:solidFill>
-          </a:ln>
-        </p:spPr>
-        <p:style>
-          <a:lnRef idx="2">
-            <a:schemeClr val="accent1">
-              <a:shade val="50000"/>
-            </a:schemeClr>
-          </a:lnRef>
-          <a:fillRef idx="1">
-            <a:schemeClr val="accent1"/>
-          </a:fillRef>
-          <a:effectRef idx="0">
-            <a:schemeClr val="accent1"/>
-          </a:effectRef>
-          <a:fontRef idx="minor">
-            <a:schemeClr val="lt1"/>
-          </a:fontRef>
-        </p:style>
-        <p:txBody>
-          <a:bodyPr rtlCol="0" anchor="ctr"/>
-          <a:lstStyle/>
-          <a:p>
-            <a:pPr algn="ctr"/>
-            <a:endParaRPr lang="en-NL"/>
-          </a:p>
-        </p:txBody>
-      </p:sp>
-      <p:sp>
-        <p:nvSpPr>
-          <p:cNvPr id="25" name="Hexagon 24">
-            <a:extLst>
-              <a:ext uri="{FF2B5EF4-FFF2-40B4-BE49-F238E27FC236}">
-                <a16:creationId xmlns:a16="http://schemas.microsoft.com/office/drawing/2014/main" id="{CA52172E-44FE-964B-8A80-395B31A859C7}"/>
-              </a:ext>
-            </a:extLst>
-          </p:cNvPr>
-          <p:cNvSpPr/>
-          <p:nvPr/>
-        </p:nvSpPr>
-        <p:spPr>
-          <a:xfrm>
-            <a:off x="-267574" y="1402464"/>
-            <a:ext cx="526943" cy="425834"/>
-          </a:xfrm>
-          <a:prstGeom prst="hexagon">
-            <a:avLst/>
-          </a:prstGeom>
-          <a:solidFill>
-            <a:schemeClr val="bg2"/>
-          </a:solidFill>
-          <a:ln>
-            <a:solidFill>
-              <a:schemeClr val="bg2"/>
-            </a:solidFill>
-          </a:ln>
-        </p:spPr>
-        <p:style>
-          <a:lnRef idx="2">
-            <a:schemeClr val="accent1">
-              <a:shade val="50000"/>
-            </a:schemeClr>
-          </a:lnRef>
-          <a:fillRef idx="1">
-            <a:schemeClr val="accent1"/>
-          </a:fillRef>
-          <a:effectRef idx="0">
-            <a:schemeClr val="accent1"/>
-          </a:effectRef>
-          <a:fontRef idx="minor">
-            <a:schemeClr val="lt1"/>
-          </a:fontRef>
-        </p:style>
-        <p:txBody>
-          <a:bodyPr rtlCol="0" anchor="ctr"/>
-          <a:lstStyle/>
-          <a:p>
-            <a:pPr algn="ctr"/>
-            <a:endParaRPr lang="en-NL"/>
-          </a:p>
-        </p:txBody>
-      </p:sp>
-      <p:sp>
-        <p:nvSpPr>
-          <p:cNvPr id="26" name="Hexagon 25">
-            <a:extLst>
-              <a:ext uri="{FF2B5EF4-FFF2-40B4-BE49-F238E27FC236}">
-                <a16:creationId xmlns:a16="http://schemas.microsoft.com/office/drawing/2014/main" id="{08EC8FA2-7049-534E-A372-EC6A91A4CE79}"/>
-              </a:ext>
-            </a:extLst>
-          </p:cNvPr>
-          <p:cNvSpPr/>
-          <p:nvPr/>
-        </p:nvSpPr>
-        <p:spPr>
-          <a:xfrm>
-            <a:off x="-267574" y="1917347"/>
-            <a:ext cx="526943" cy="425834"/>
-          </a:xfrm>
-          <a:prstGeom prst="hexagon">
-            <a:avLst/>
-          </a:prstGeom>
-          <a:solidFill>
-            <a:schemeClr val="bg2"/>
-          </a:solidFill>
-          <a:ln>
-            <a:solidFill>
-              <a:schemeClr val="bg2"/>
-            </a:solidFill>
-          </a:ln>
-        </p:spPr>
-        <p:style>
-          <a:lnRef idx="2">
-            <a:schemeClr val="accent1">
-              <a:shade val="50000"/>
-            </a:schemeClr>
-          </a:lnRef>
-          <a:fillRef idx="1">
-            <a:schemeClr val="accent1"/>
-          </a:fillRef>
-          <a:effectRef idx="0">
-            <a:schemeClr val="accent1"/>
-          </a:effectRef>
-          <a:fontRef idx="minor">
-            <a:schemeClr val="lt1"/>
-          </a:fontRef>
-        </p:style>
-        <p:txBody>
-          <a:bodyPr rtlCol="0" anchor="ctr"/>
-          <a:lstStyle/>
-          <a:p>
-            <a:pPr algn="ctr"/>
-            <a:endParaRPr lang="en-NL"/>
-          </a:p>
-        </p:txBody>
-      </p:sp>
-      <p:sp>
-        <p:nvSpPr>
-          <p:cNvPr id="27" name="Hexagon 26">
-            <a:extLst>
-              <a:ext uri="{FF2B5EF4-FFF2-40B4-BE49-F238E27FC236}">
-                <a16:creationId xmlns:a16="http://schemas.microsoft.com/office/drawing/2014/main" id="{718BA15D-DE98-8D43-9A3F-36F37A37AF2D}"/>
-              </a:ext>
-            </a:extLst>
-          </p:cNvPr>
-          <p:cNvSpPr/>
-          <p:nvPr/>
-        </p:nvSpPr>
-        <p:spPr>
-          <a:xfrm>
-            <a:off x="-271676" y="2432230"/>
-            <a:ext cx="526943" cy="425834"/>
-          </a:xfrm>
-          <a:prstGeom prst="hexagon">
-            <a:avLst/>
-          </a:prstGeom>
-          <a:solidFill>
-            <a:schemeClr val="bg2"/>
-          </a:solidFill>
-          <a:ln>
-            <a:solidFill>
-              <a:schemeClr val="bg2"/>
-            </a:solidFill>
-          </a:ln>
-        </p:spPr>
-        <p:style>
-          <a:lnRef idx="2">
-            <a:schemeClr val="accent1">
-              <a:shade val="50000"/>
-            </a:schemeClr>
-          </a:lnRef>
-          <a:fillRef idx="1">
-            <a:schemeClr val="accent1"/>
-          </a:fillRef>
-          <a:effectRef idx="0">
-            <a:schemeClr val="accent1"/>
-          </a:effectRef>
-          <a:fontRef idx="minor">
-            <a:schemeClr val="lt1"/>
-          </a:fontRef>
-        </p:style>
-        <p:txBody>
-          <a:bodyPr rtlCol="0" anchor="ctr"/>
-          <a:lstStyle/>
-          <a:p>
-            <a:pPr algn="ctr"/>
-            <a:endParaRPr lang="en-NL"/>
-          </a:p>
-        </p:txBody>
-      </p:sp>
-      <p:sp>
-        <p:nvSpPr>
-          <p:cNvPr id="28" name="Hexagon 27">
-            <a:extLst>
-              <a:ext uri="{FF2B5EF4-FFF2-40B4-BE49-F238E27FC236}">
-                <a16:creationId xmlns:a16="http://schemas.microsoft.com/office/drawing/2014/main" id="{5EF61F84-17B4-324C-9CD3-E07B3D18F12C}"/>
-              </a:ext>
-            </a:extLst>
-          </p:cNvPr>
-          <p:cNvSpPr/>
-          <p:nvPr/>
-        </p:nvSpPr>
-        <p:spPr>
-          <a:xfrm>
-            <a:off x="-269625" y="2949651"/>
-            <a:ext cx="526943" cy="425834"/>
-          </a:xfrm>
-          <a:prstGeom prst="hexagon">
-            <a:avLst/>
-          </a:prstGeom>
-          <a:solidFill>
-            <a:schemeClr val="bg2"/>
-          </a:solidFill>
-          <a:ln>
-            <a:solidFill>
-              <a:schemeClr val="bg2"/>
-            </a:solidFill>
-          </a:ln>
-        </p:spPr>
-        <p:style>
-          <a:lnRef idx="2">
-            <a:schemeClr val="accent1">
-              <a:shade val="50000"/>
-            </a:schemeClr>
-          </a:lnRef>
-          <a:fillRef idx="1">
-            <a:schemeClr val="accent1"/>
-          </a:fillRef>
-          <a:effectRef idx="0">
-            <a:schemeClr val="accent1"/>
-          </a:effectRef>
-          <a:fontRef idx="minor">
-            <a:schemeClr val="lt1"/>
-          </a:fontRef>
-        </p:style>
-        <p:txBody>
-          <a:bodyPr rtlCol="0" anchor="ctr"/>
-          <a:lstStyle/>
-          <a:p>
-            <a:pPr algn="ctr"/>
-            <a:endParaRPr lang="en-NL"/>
-          </a:p>
-        </p:txBody>
-      </p:sp>
-      <p:sp>
-        <p:nvSpPr>
-          <p:cNvPr id="29" name="Hexagon 28">
-            <a:extLst>
-              <a:ext uri="{FF2B5EF4-FFF2-40B4-BE49-F238E27FC236}">
-                <a16:creationId xmlns:a16="http://schemas.microsoft.com/office/drawing/2014/main" id="{6099D7E0-C13A-7847-84ED-EA0C5524E554}"/>
-              </a:ext>
-            </a:extLst>
-          </p:cNvPr>
-          <p:cNvSpPr/>
-          <p:nvPr/>
-        </p:nvSpPr>
-        <p:spPr>
-          <a:xfrm>
-            <a:off x="-273727" y="3464534"/>
-            <a:ext cx="526943" cy="425834"/>
-          </a:xfrm>
-          <a:prstGeom prst="hexagon">
-            <a:avLst/>
-          </a:prstGeom>
-          <a:solidFill>
-            <a:schemeClr val="bg2"/>
-          </a:solidFill>
-          <a:ln>
-            <a:solidFill>
-              <a:schemeClr val="bg2"/>
-            </a:solidFill>
-          </a:ln>
-        </p:spPr>
-        <p:style>
-          <a:lnRef idx="2">
-            <a:schemeClr val="accent1">
-              <a:shade val="50000"/>
-            </a:schemeClr>
-          </a:lnRef>
-          <a:fillRef idx="1">
-            <a:schemeClr val="accent1"/>
-          </a:fillRef>
-          <a:effectRef idx="0">
-            <a:schemeClr val="accent1"/>
-          </a:effectRef>
-          <a:fontRef idx="minor">
-            <a:schemeClr val="lt1"/>
-          </a:fontRef>
-        </p:style>
-        <p:txBody>
-          <a:bodyPr rtlCol="0" anchor="ctr"/>
-          <a:lstStyle/>
-          <a:p>
-            <a:pPr algn="ctr"/>
-            <a:endParaRPr lang="en-NL"/>
-          </a:p>
-        </p:txBody>
-      </p:sp>
-      <p:sp>
-        <p:nvSpPr>
-          <p:cNvPr id="30" name="Hexagon 29">
-            <a:extLst>
-              <a:ext uri="{FF2B5EF4-FFF2-40B4-BE49-F238E27FC236}">
-                <a16:creationId xmlns:a16="http://schemas.microsoft.com/office/drawing/2014/main" id="{920910FA-5581-F04C-9A39-2A4938FE8099}"/>
-              </a:ext>
-            </a:extLst>
-          </p:cNvPr>
-          <p:cNvSpPr/>
-          <p:nvPr/>
-        </p:nvSpPr>
-        <p:spPr>
-          <a:xfrm>
-            <a:off x="-263472" y="3976879"/>
-            <a:ext cx="526943" cy="425834"/>
-          </a:xfrm>
-          <a:prstGeom prst="hexagon">
-            <a:avLst/>
-          </a:prstGeom>
-          <a:solidFill>
-            <a:schemeClr val="bg2"/>
-          </a:solidFill>
-          <a:ln>
-            <a:solidFill>
-              <a:schemeClr val="bg2"/>
-            </a:solidFill>
-          </a:ln>
-        </p:spPr>
-        <p:style>
-          <a:lnRef idx="2">
-            <a:schemeClr val="accent1">
-              <a:shade val="50000"/>
-            </a:schemeClr>
-          </a:lnRef>
-          <a:fillRef idx="1">
-            <a:schemeClr val="accent1"/>
-          </a:fillRef>
-          <a:effectRef idx="0">
-            <a:schemeClr val="accent1"/>
-          </a:effectRef>
-          <a:fontRef idx="minor">
-            <a:schemeClr val="lt1"/>
-          </a:fontRef>
-        </p:style>
-        <p:txBody>
-          <a:bodyPr rtlCol="0" anchor="ctr"/>
-          <a:lstStyle/>
-          <a:p>
-            <a:pPr algn="ctr"/>
-            <a:endParaRPr lang="en-NL"/>
-          </a:p>
-        </p:txBody>
-      </p:sp>
-      <p:sp>
-        <p:nvSpPr>
-          <p:cNvPr id="31" name="Hexagon 30">
-            <a:extLst>
-              <a:ext uri="{FF2B5EF4-FFF2-40B4-BE49-F238E27FC236}">
-                <a16:creationId xmlns:a16="http://schemas.microsoft.com/office/drawing/2014/main" id="{8BBDE08F-BA25-4943-9CD6-08F91133CB36}"/>
-              </a:ext>
-            </a:extLst>
-          </p:cNvPr>
-          <p:cNvSpPr/>
-          <p:nvPr/>
-        </p:nvSpPr>
-        <p:spPr>
-          <a:xfrm>
-            <a:off x="7276165" y="887581"/>
-            <a:ext cx="526943" cy="425834"/>
-          </a:xfrm>
-          <a:prstGeom prst="hexagon">
-            <a:avLst/>
-          </a:prstGeom>
-          <a:solidFill>
-            <a:schemeClr val="bg2"/>
-          </a:solidFill>
-          <a:ln>
-            <a:solidFill>
-              <a:schemeClr val="bg2"/>
-            </a:solidFill>
-          </a:ln>
-        </p:spPr>
-        <p:style>
-          <a:lnRef idx="2">
-            <a:schemeClr val="accent1">
-              <a:shade val="50000"/>
-            </a:schemeClr>
-          </a:lnRef>
-          <a:fillRef idx="1">
-            <a:schemeClr val="accent1"/>
-          </a:fillRef>
-          <a:effectRef idx="0">
-            <a:schemeClr val="accent1"/>
-          </a:effectRef>
-          <a:fontRef idx="minor">
-            <a:schemeClr val="lt1"/>
-          </a:fontRef>
-        </p:style>
-        <p:txBody>
-          <a:bodyPr rtlCol="0" anchor="ctr"/>
-          <a:lstStyle/>
-          <a:p>
-            <a:pPr algn="ctr"/>
-            <a:endParaRPr lang="en-NL"/>
-          </a:p>
-        </p:txBody>
-      </p:sp>
-      <p:sp>
-        <p:nvSpPr>
-          <p:cNvPr id="32" name="Hexagon 31">
-            <a:extLst>
-              <a:ext uri="{FF2B5EF4-FFF2-40B4-BE49-F238E27FC236}">
-                <a16:creationId xmlns:a16="http://schemas.microsoft.com/office/drawing/2014/main" id="{1FBA123F-FD40-8849-9469-AF75E6B929B7}"/>
-              </a:ext>
-            </a:extLst>
-          </p:cNvPr>
-          <p:cNvSpPr/>
-          <p:nvPr/>
-        </p:nvSpPr>
-        <p:spPr>
-          <a:xfrm>
-            <a:off x="7272063" y="1402464"/>
-            <a:ext cx="526943" cy="425834"/>
-          </a:xfrm>
-          <a:prstGeom prst="hexagon">
-            <a:avLst/>
-          </a:prstGeom>
-          <a:solidFill>
-            <a:schemeClr val="bg2"/>
-          </a:solidFill>
-          <a:ln>
-            <a:solidFill>
-              <a:schemeClr val="bg2"/>
-            </a:solidFill>
-          </a:ln>
-        </p:spPr>
-        <p:style>
-          <a:lnRef idx="2">
-            <a:schemeClr val="accent1">
-              <a:shade val="50000"/>
-            </a:schemeClr>
-          </a:lnRef>
-          <a:fillRef idx="1">
-            <a:schemeClr val="accent1"/>
-          </a:fillRef>
-          <a:effectRef idx="0">
-            <a:schemeClr val="accent1"/>
-          </a:effectRef>
-          <a:fontRef idx="minor">
-            <a:schemeClr val="lt1"/>
-          </a:fontRef>
-        </p:style>
-        <p:txBody>
-          <a:bodyPr rtlCol="0" anchor="ctr"/>
-          <a:lstStyle/>
-          <a:p>
-            <a:pPr algn="ctr"/>
-            <a:endParaRPr lang="en-NL"/>
-          </a:p>
-        </p:txBody>
-      </p:sp>
-      <p:sp>
-        <p:nvSpPr>
-          <p:cNvPr id="33" name="Hexagon 32">
-            <a:extLst>
-              <a:ext uri="{FF2B5EF4-FFF2-40B4-BE49-F238E27FC236}">
-                <a16:creationId xmlns:a16="http://schemas.microsoft.com/office/drawing/2014/main" id="{A5F73996-9447-1848-B658-78DFF6A9C779}"/>
-              </a:ext>
-            </a:extLst>
-          </p:cNvPr>
-          <p:cNvSpPr/>
-          <p:nvPr/>
-        </p:nvSpPr>
-        <p:spPr>
-          <a:xfrm>
-            <a:off x="7272063" y="1917347"/>
-            <a:ext cx="526943" cy="425834"/>
-          </a:xfrm>
-          <a:prstGeom prst="hexagon">
-            <a:avLst/>
-          </a:prstGeom>
-          <a:solidFill>
-            <a:schemeClr val="bg2"/>
-          </a:solidFill>
-          <a:ln>
-            <a:solidFill>
-              <a:schemeClr val="bg2"/>
-            </a:solidFill>
-          </a:ln>
-        </p:spPr>
-        <p:style>
-          <a:lnRef idx="2">
-            <a:schemeClr val="accent1">
-              <a:shade val="50000"/>
-            </a:schemeClr>
-          </a:lnRef>
-          <a:fillRef idx="1">
-            <a:schemeClr val="accent1"/>
-          </a:fillRef>
-          <a:effectRef idx="0">
-            <a:schemeClr val="accent1"/>
-          </a:effectRef>
-          <a:fontRef idx="minor">
-            <a:schemeClr val="lt1"/>
-          </a:fontRef>
-        </p:style>
-        <p:txBody>
-          <a:bodyPr rtlCol="0" anchor="ctr"/>
-          <a:lstStyle/>
-          <a:p>
-            <a:pPr algn="ctr"/>
-            <a:endParaRPr lang="en-NL"/>
-          </a:p>
-        </p:txBody>
-      </p:sp>
-      <p:sp>
-        <p:nvSpPr>
-          <p:cNvPr id="34" name="Hexagon 33">
-            <a:extLst>
-              <a:ext uri="{FF2B5EF4-FFF2-40B4-BE49-F238E27FC236}">
-                <a16:creationId xmlns:a16="http://schemas.microsoft.com/office/drawing/2014/main" id="{275693F2-68C2-3E4F-BA5E-B253F0E64904}"/>
-              </a:ext>
-            </a:extLst>
-          </p:cNvPr>
-          <p:cNvSpPr/>
-          <p:nvPr/>
-        </p:nvSpPr>
-        <p:spPr>
-          <a:xfrm>
-            <a:off x="7267961" y="2432230"/>
-            <a:ext cx="526943" cy="425834"/>
-          </a:xfrm>
-          <a:prstGeom prst="hexagon">
-            <a:avLst/>
-          </a:prstGeom>
-          <a:solidFill>
-            <a:schemeClr val="bg2"/>
-          </a:solidFill>
-          <a:ln>
-            <a:solidFill>
-              <a:schemeClr val="bg2"/>
-            </a:solidFill>
-          </a:ln>
-        </p:spPr>
-        <p:style>
-          <a:lnRef idx="2">
-            <a:schemeClr val="accent1">
-              <a:shade val="50000"/>
-            </a:schemeClr>
-          </a:lnRef>
-          <a:fillRef idx="1">
-            <a:schemeClr val="accent1"/>
-          </a:fillRef>
-          <a:effectRef idx="0">
-            <a:schemeClr val="accent1"/>
-          </a:effectRef>
-          <a:fontRef idx="minor">
-            <a:schemeClr val="lt1"/>
-          </a:fontRef>
-        </p:style>
-        <p:txBody>
-          <a:bodyPr rtlCol="0" anchor="ctr"/>
-          <a:lstStyle/>
-          <a:p>
-            <a:pPr algn="ctr"/>
-            <a:endParaRPr lang="en-NL"/>
-          </a:p>
-        </p:txBody>
-      </p:sp>
-      <p:sp>
-        <p:nvSpPr>
-          <p:cNvPr id="35" name="Hexagon 34">
-            <a:extLst>
-              <a:ext uri="{FF2B5EF4-FFF2-40B4-BE49-F238E27FC236}">
-                <a16:creationId xmlns:a16="http://schemas.microsoft.com/office/drawing/2014/main" id="{0037A2A0-8D75-B940-835C-26E592882C69}"/>
-              </a:ext>
-            </a:extLst>
-          </p:cNvPr>
-          <p:cNvSpPr/>
-          <p:nvPr/>
-        </p:nvSpPr>
-        <p:spPr>
-          <a:xfrm>
-            <a:off x="7270012" y="2949651"/>
-            <a:ext cx="526943" cy="425834"/>
-          </a:xfrm>
-          <a:prstGeom prst="hexagon">
-            <a:avLst/>
-          </a:prstGeom>
-          <a:solidFill>
-            <a:schemeClr val="bg2"/>
-          </a:solidFill>
-          <a:ln>
-            <a:solidFill>
-              <a:schemeClr val="bg2"/>
-            </a:solidFill>
-          </a:ln>
-        </p:spPr>
-        <p:style>
-          <a:lnRef idx="2">
-            <a:schemeClr val="accent1">
-              <a:shade val="50000"/>
-            </a:schemeClr>
-          </a:lnRef>
-          <a:fillRef idx="1">
-            <a:schemeClr val="accent1"/>
-          </a:fillRef>
-          <a:effectRef idx="0">
-            <a:schemeClr val="accent1"/>
-          </a:effectRef>
-          <a:fontRef idx="minor">
-            <a:schemeClr val="lt1"/>
-          </a:fontRef>
-        </p:style>
-        <p:txBody>
-          <a:bodyPr rtlCol="0" anchor="ctr"/>
-          <a:lstStyle/>
-          <a:p>
-            <a:pPr algn="ctr"/>
-            <a:endParaRPr lang="en-NL"/>
-          </a:p>
-        </p:txBody>
-      </p:sp>
-      <p:sp>
-        <p:nvSpPr>
-          <p:cNvPr id="36" name="Hexagon 35">
-            <a:extLst>
-              <a:ext uri="{FF2B5EF4-FFF2-40B4-BE49-F238E27FC236}">
-                <a16:creationId xmlns:a16="http://schemas.microsoft.com/office/drawing/2014/main" id="{34ABA7B3-653A-E24D-B127-F6F5AEBE2C7B}"/>
-              </a:ext>
-            </a:extLst>
-          </p:cNvPr>
-          <p:cNvSpPr/>
-          <p:nvPr/>
-        </p:nvSpPr>
-        <p:spPr>
-          <a:xfrm>
-            <a:off x="7265910" y="3464534"/>
-            <a:ext cx="526943" cy="425834"/>
-          </a:xfrm>
-          <a:prstGeom prst="hexagon">
-            <a:avLst/>
-          </a:prstGeom>
-          <a:solidFill>
-            <a:schemeClr val="bg2"/>
-          </a:solidFill>
-          <a:ln>
-            <a:solidFill>
-              <a:schemeClr val="bg2"/>
-            </a:solidFill>
-          </a:ln>
-        </p:spPr>
-        <p:style>
-          <a:lnRef idx="2">
-            <a:schemeClr val="accent1">
-              <a:shade val="50000"/>
-            </a:schemeClr>
-          </a:lnRef>
-          <a:fillRef idx="1">
-            <a:schemeClr val="accent1"/>
-          </a:fillRef>
-          <a:effectRef idx="0">
-            <a:schemeClr val="accent1"/>
-          </a:effectRef>
-          <a:fontRef idx="minor">
-            <a:schemeClr val="lt1"/>
-          </a:fontRef>
-        </p:style>
-        <p:txBody>
-          <a:bodyPr rtlCol="0" anchor="ctr"/>
-          <a:lstStyle/>
-          <a:p>
-            <a:pPr algn="ctr"/>
-            <a:endParaRPr lang="en-NL"/>
-          </a:p>
-        </p:txBody>
-      </p:sp>
-      <p:sp>
-        <p:nvSpPr>
-          <p:cNvPr id="37" name="Hexagon 36">
-            <a:extLst>
-              <a:ext uri="{FF2B5EF4-FFF2-40B4-BE49-F238E27FC236}">
-                <a16:creationId xmlns:a16="http://schemas.microsoft.com/office/drawing/2014/main" id="{980F8705-E6AE-3E4B-9146-F98BFFE8E753}"/>
-              </a:ext>
-            </a:extLst>
-          </p:cNvPr>
-          <p:cNvSpPr/>
-          <p:nvPr/>
-        </p:nvSpPr>
-        <p:spPr>
-          <a:xfrm>
-            <a:off x="7276165" y="3976879"/>
-            <a:ext cx="526943" cy="425834"/>
-          </a:xfrm>
-          <a:prstGeom prst="hexagon">
-            <a:avLst/>
-          </a:prstGeom>
-          <a:solidFill>
-            <a:schemeClr val="bg2"/>
-          </a:solidFill>
-          <a:ln>
-            <a:solidFill>
-              <a:schemeClr val="bg2"/>
-            </a:solidFill>
-          </a:ln>
-        </p:spPr>
-        <p:style>
-          <a:lnRef idx="2">
-            <a:schemeClr val="accent1">
-              <a:shade val="50000"/>
-            </a:schemeClr>
-          </a:lnRef>
-          <a:fillRef idx="1">
-            <a:schemeClr val="accent1"/>
-          </a:fillRef>
-          <a:effectRef idx="0">
-            <a:schemeClr val="accent1"/>
-          </a:effectRef>
-          <a:fontRef idx="minor">
-            <a:schemeClr val="lt1"/>
-          </a:fontRef>
-        </p:style>
-        <p:txBody>
-          <a:bodyPr rtlCol="0" anchor="ctr"/>
-          <a:lstStyle/>
-          <a:p>
-            <a:pPr algn="ctr"/>
-            <a:endParaRPr lang="en-NL"/>
-          </a:p>
-        </p:txBody>
-      </p:sp>
-    </p:spTree>
-    <p:extLst>
-      <p:ext uri="{BB962C8B-B14F-4D97-AF65-F5344CB8AC3E}">
-        <p14:creationId xmlns:p14="http://schemas.microsoft.com/office/powerpoint/2010/main" val="3863189371"/>
-      </p:ext>
-    </p:extLst>
-  </p:cSld>
-  <p:clrMapOvr>
-    <a:masterClrMapping/>
-  </p:clrMapOvr>
-</p:sld>
-</file>
-
-<file path=ppt/slides/slide50.xml><?xml version="1.0" encoding="utf-8"?>
+<file path=ppt/slides/slide52.xml><?xml version="1.0" encoding="utf-8"?>
 <p:sld xmlns:a="http://schemas.openxmlformats.org/drawingml/2006/main" xmlns:r="http://schemas.openxmlformats.org/officeDocument/2006/relationships" xmlns:p="http://schemas.openxmlformats.org/presentationml/2006/main">
   <p:cSld>
     <p:spTree>
@@ -17207,7 +17609,7 @@
 </p:sld>
 </file>
 
-<file path=ppt/slides/slide51.xml><?xml version="1.0" encoding="utf-8"?>
+<file path=ppt/slides/slide53.xml><?xml version="1.0" encoding="utf-8"?>
 <p:sld xmlns:a="http://schemas.openxmlformats.org/drawingml/2006/main" xmlns:r="http://schemas.openxmlformats.org/officeDocument/2006/relationships" xmlns:p="http://schemas.openxmlformats.org/presentationml/2006/main">
   <p:cSld>
     <p:spTree>
@@ -17515,7 +17917,7 @@
 </p:sld>
 </file>
 
-<file path=ppt/slides/slide52.xml><?xml version="1.0" encoding="utf-8"?>
+<file path=ppt/slides/slide54.xml><?xml version="1.0" encoding="utf-8"?>
 <p:sld xmlns:a="http://schemas.openxmlformats.org/drawingml/2006/main" xmlns:r="http://schemas.openxmlformats.org/officeDocument/2006/relationships" xmlns:p="http://schemas.openxmlformats.org/presentationml/2006/main">
   <p:cSld>
     <p:spTree>
@@ -17684,7 +18086,7 @@
 </p:sld>
 </file>
 
-<file path=ppt/slides/slide53.xml><?xml version="1.0" encoding="utf-8"?>
+<file path=ppt/slides/slide55.xml><?xml version="1.0" encoding="utf-8"?>
 <p:sld xmlns:a="http://schemas.openxmlformats.org/drawingml/2006/main" xmlns:r="http://schemas.openxmlformats.org/officeDocument/2006/relationships" xmlns:p="http://schemas.openxmlformats.org/presentationml/2006/main">
   <p:cSld>
     <p:spTree>
@@ -18004,7 +18406,7 @@
 </p:sld>
 </file>
 
-<file path=ppt/slides/slide54.xml><?xml version="1.0" encoding="utf-8"?>
+<file path=ppt/slides/slide56.xml><?xml version="1.0" encoding="utf-8"?>
 <p:sld xmlns:a="http://schemas.openxmlformats.org/drawingml/2006/main" xmlns:r="http://schemas.openxmlformats.org/officeDocument/2006/relationships" xmlns:p="http://schemas.openxmlformats.org/presentationml/2006/main">
   <p:cSld>
     <p:spTree>
@@ -18173,7 +18575,7 @@
 </p:sld>
 </file>
 
-<file path=ppt/slides/slide55.xml><?xml version="1.0" encoding="utf-8"?>
+<file path=ppt/slides/slide57.xml><?xml version="1.0" encoding="utf-8"?>
 <p:sld xmlns:a="http://schemas.openxmlformats.org/drawingml/2006/main" xmlns:r="http://schemas.openxmlformats.org/officeDocument/2006/relationships" xmlns:p="http://schemas.openxmlformats.org/presentationml/2006/main">
   <p:cSld>
     <p:spTree>
@@ -18481,7 +18883,7 @@
 </p:sld>
 </file>
 
-<file path=ppt/slides/slide56.xml><?xml version="1.0" encoding="utf-8"?>
+<file path=ppt/slides/slide58.xml><?xml version="1.0" encoding="utf-8"?>
 <p:sld xmlns:a="http://schemas.openxmlformats.org/drawingml/2006/main" xmlns:r="http://schemas.openxmlformats.org/officeDocument/2006/relationships" xmlns:p="http://schemas.openxmlformats.org/presentationml/2006/main">
   <p:cSld>
     <p:spTree>
@@ -18641,297 +19043,6 @@
     <p:extLst>
       <p:ext uri="{BB962C8B-B14F-4D97-AF65-F5344CB8AC3E}">
         <p14:creationId xmlns:p14="http://schemas.microsoft.com/office/powerpoint/2010/main" val="141956057"/>
-      </p:ext>
-    </p:extLst>
-  </p:cSld>
-  <p:clrMapOvr>
-    <a:masterClrMapping/>
-  </p:clrMapOvr>
-</p:sld>
-</file>
-
-<file path=ppt/slides/slide57.xml><?xml version="1.0" encoding="utf-8"?>
-<p:sld xmlns:a="http://schemas.openxmlformats.org/drawingml/2006/main" xmlns:r="http://schemas.openxmlformats.org/officeDocument/2006/relationships" xmlns:p="http://schemas.openxmlformats.org/presentationml/2006/main">
-  <p:cSld>
-    <p:spTree>
-      <p:nvGrpSpPr>
-        <p:cNvPr id="1" name=""/>
-        <p:cNvGrpSpPr/>
-        <p:nvPr/>
-      </p:nvGrpSpPr>
-      <p:grpSpPr>
-        <a:xfrm>
-          <a:off x="0" y="0"/>
-          <a:ext cx="0" cy="0"/>
-          <a:chOff x="0" y="0"/>
-          <a:chExt cx="0" cy="0"/>
-        </a:xfrm>
-      </p:grpSpPr>
-      <p:sp>
-        <p:nvSpPr>
-          <p:cNvPr id="7" name="Rounded Rectangle 6">
-            <a:extLst>
-              <a:ext uri="{FF2B5EF4-FFF2-40B4-BE49-F238E27FC236}">
-                <a16:creationId xmlns:a16="http://schemas.microsoft.com/office/drawing/2014/main" id="{B3DC599D-AD1B-104D-B158-5C2A6823AC16}"/>
-              </a:ext>
-            </a:extLst>
-          </p:cNvPr>
-          <p:cNvSpPr/>
-          <p:nvPr/>
-        </p:nvSpPr>
-        <p:spPr>
-          <a:xfrm>
-            <a:off x="0" y="0"/>
-            <a:ext cx="7559675" cy="5327650"/>
-          </a:xfrm>
-          <a:prstGeom prst="roundRect">
-            <a:avLst>
-              <a:gd name="adj" fmla="val 0"/>
-            </a:avLst>
-          </a:prstGeom>
-          <a:solidFill>
-            <a:srgbClr val="FFC2E8"/>
-          </a:solidFill>
-          <a:ln>
-            <a:noFill/>
-          </a:ln>
-        </p:spPr>
-        <p:style>
-          <a:lnRef idx="2">
-            <a:schemeClr val="accent1">
-              <a:shade val="50000"/>
-            </a:schemeClr>
-          </a:lnRef>
-          <a:fillRef idx="1">
-            <a:schemeClr val="accent1"/>
-          </a:fillRef>
-          <a:effectRef idx="0">
-            <a:schemeClr val="accent1"/>
-          </a:effectRef>
-          <a:fontRef idx="minor">
-            <a:schemeClr val="lt1"/>
-          </a:fontRef>
-        </p:style>
-        <p:txBody>
-          <a:bodyPr rtlCol="0" anchor="ctr"/>
-          <a:lstStyle/>
-          <a:p>
-            <a:pPr algn="ctr"/>
-            <a:endParaRPr lang="en-NL"/>
-          </a:p>
-        </p:txBody>
-      </p:sp>
-      <p:sp>
-        <p:nvSpPr>
-          <p:cNvPr id="6" name="TextBox 5">
-            <a:extLst>
-              <a:ext uri="{FF2B5EF4-FFF2-40B4-BE49-F238E27FC236}">
-                <a16:creationId xmlns:a16="http://schemas.microsoft.com/office/drawing/2014/main" id="{009EAD6C-D563-D744-AFCA-AE8CA95E6630}"/>
-              </a:ext>
-            </a:extLst>
-          </p:cNvPr>
-          <p:cNvSpPr txBox="1"/>
-          <p:nvPr/>
-        </p:nvSpPr>
-        <p:spPr>
-          <a:xfrm>
-            <a:off x="329715" y="1463496"/>
-            <a:ext cx="6900243" cy="2400657"/>
-          </a:xfrm>
-          <a:prstGeom prst="rect">
-            <a:avLst/>
-          </a:prstGeom>
-          <a:noFill/>
-        </p:spPr>
-        <p:txBody>
-          <a:bodyPr wrap="square" rtlCol="0">
-            <a:spAutoFit/>
-          </a:bodyPr>
-          <a:lstStyle/>
-          <a:p>
-            <a:pPr algn="ctr"/>
-            <a:r>
-              <a:rPr lang="en-NL" sz="5000" b="1" dirty="0">
-                <a:latin typeface="Ubuntu" panose="020B0504030602030204" pitchFamily="34" charset="0"/>
-              </a:rPr>
-              <a:t>Don’t measure Output. Measure Outcomes</a:t>
-            </a:r>
-          </a:p>
-        </p:txBody>
-      </p:sp>
-    </p:spTree>
-    <p:extLst>
-      <p:ext uri="{BB962C8B-B14F-4D97-AF65-F5344CB8AC3E}">
-        <p14:creationId xmlns:p14="http://schemas.microsoft.com/office/powerpoint/2010/main" val="3384980287"/>
-      </p:ext>
-    </p:extLst>
-  </p:cSld>
-  <p:clrMapOvr>
-    <a:masterClrMapping/>
-  </p:clrMapOvr>
-</p:sld>
-</file>
-
-<file path=ppt/slides/slide58.xml><?xml version="1.0" encoding="utf-8"?>
-<p:sld xmlns:a="http://schemas.openxmlformats.org/drawingml/2006/main" xmlns:r="http://schemas.openxmlformats.org/officeDocument/2006/relationships" xmlns:p="http://schemas.openxmlformats.org/presentationml/2006/main">
-  <p:cSld>
-    <p:spTree>
-      <p:nvGrpSpPr>
-        <p:cNvPr id="1" name=""/>
-        <p:cNvGrpSpPr/>
-        <p:nvPr/>
-      </p:nvGrpSpPr>
-      <p:grpSpPr>
-        <a:xfrm>
-          <a:off x="0" y="0"/>
-          <a:ext cx="0" cy="0"/>
-          <a:chOff x="0" y="0"/>
-          <a:chExt cx="0" cy="0"/>
-        </a:xfrm>
-      </p:grpSpPr>
-      <p:sp>
-        <p:nvSpPr>
-          <p:cNvPr id="2" name="Title 1">
-            <a:extLst>
-              <a:ext uri="{FF2B5EF4-FFF2-40B4-BE49-F238E27FC236}">
-                <a16:creationId xmlns:a16="http://schemas.microsoft.com/office/drawing/2014/main" id="{CFCDF3DA-1D3D-E743-8E21-6B353B4D96A4}"/>
-              </a:ext>
-            </a:extLst>
-          </p:cNvPr>
-          <p:cNvSpPr>
-            <a:spLocks noGrp="1"/>
-          </p:cNvSpPr>
-          <p:nvPr>
-            <p:ph type="title"/>
-          </p:nvPr>
-        </p:nvSpPr>
-        <p:spPr/>
-        <p:txBody>
-          <a:bodyPr/>
-          <a:lstStyle/>
-          <a:p>
-            <a:endParaRPr lang="en-NL"/>
-          </a:p>
-        </p:txBody>
-      </p:sp>
-      <p:sp>
-        <p:nvSpPr>
-          <p:cNvPr id="3" name="Content Placeholder 2">
-            <a:extLst>
-              <a:ext uri="{FF2B5EF4-FFF2-40B4-BE49-F238E27FC236}">
-                <a16:creationId xmlns:a16="http://schemas.microsoft.com/office/drawing/2014/main" id="{40A525DA-CA85-AD48-8A85-52A75E1E5317}"/>
-              </a:ext>
-            </a:extLst>
-          </p:cNvPr>
-          <p:cNvSpPr>
-            <a:spLocks noGrp="1"/>
-          </p:cNvSpPr>
-          <p:nvPr>
-            <p:ph idx="1"/>
-          </p:nvPr>
-        </p:nvSpPr>
-        <p:spPr/>
-        <p:txBody>
-          <a:bodyPr/>
-          <a:lstStyle/>
-          <a:p>
-            <a:endParaRPr lang="en-NL"/>
-          </a:p>
-        </p:txBody>
-      </p:sp>
-      <p:sp>
-        <p:nvSpPr>
-          <p:cNvPr id="4" name="Rounded Rectangle 3">
-            <a:extLst>
-              <a:ext uri="{FF2B5EF4-FFF2-40B4-BE49-F238E27FC236}">
-                <a16:creationId xmlns:a16="http://schemas.microsoft.com/office/drawing/2014/main" id="{6B890BB6-3544-1A4E-A833-93135A597BB4}"/>
-              </a:ext>
-            </a:extLst>
-          </p:cNvPr>
-          <p:cNvSpPr/>
-          <p:nvPr/>
-        </p:nvSpPr>
-        <p:spPr>
-          <a:xfrm>
-            <a:off x="0" y="0"/>
-            <a:ext cx="7559675" cy="5327650"/>
-          </a:xfrm>
-          <a:prstGeom prst="roundRect">
-            <a:avLst>
-              <a:gd name="adj" fmla="val 0"/>
-            </a:avLst>
-          </a:prstGeom>
-          <a:blipFill>
-            <a:blip r:embed="rId2"/>
-            <a:stretch>
-              <a:fillRect/>
-            </a:stretch>
-          </a:blipFill>
-          <a:ln>
-            <a:solidFill>
-              <a:schemeClr val="bg2"/>
-            </a:solidFill>
-          </a:ln>
-        </p:spPr>
-        <p:style>
-          <a:lnRef idx="2">
-            <a:schemeClr val="accent1">
-              <a:shade val="50000"/>
-            </a:schemeClr>
-          </a:lnRef>
-          <a:fillRef idx="1">
-            <a:schemeClr val="accent1"/>
-          </a:fillRef>
-          <a:effectRef idx="0">
-            <a:schemeClr val="accent1"/>
-          </a:effectRef>
-          <a:fontRef idx="minor">
-            <a:schemeClr val="lt1"/>
-          </a:fontRef>
-        </p:style>
-        <p:txBody>
-          <a:bodyPr rtlCol="0" anchor="ctr"/>
-          <a:lstStyle/>
-          <a:p>
-            <a:pPr algn="ctr"/>
-            <a:endParaRPr lang="en-NL"/>
-          </a:p>
-        </p:txBody>
-      </p:sp>
-      <p:pic>
-        <p:nvPicPr>
-          <p:cNvPr id="5" name="Picture 4" descr="A picture containing food, drawing&#10;&#10;Description automatically generated">
-            <a:extLst>
-              <a:ext uri="{FF2B5EF4-FFF2-40B4-BE49-F238E27FC236}">
-                <a16:creationId xmlns:a16="http://schemas.microsoft.com/office/drawing/2014/main" id="{27611709-3190-2A4B-BCE4-4D329000A8EB}"/>
-              </a:ext>
-            </a:extLst>
-          </p:cNvPr>
-          <p:cNvPicPr>
-            <a:picLocks noChangeAspect="1"/>
-          </p:cNvPicPr>
-          <p:nvPr/>
-        </p:nvPicPr>
-        <p:blipFill>
-          <a:blip r:embed="rId3"/>
-          <a:stretch>
-            <a:fillRect/>
-          </a:stretch>
-        </p:blipFill>
-        <p:spPr>
-          <a:xfrm>
-            <a:off x="350837" y="-765175"/>
-            <a:ext cx="6858000" cy="6858000"/>
-          </a:xfrm>
-          <a:prstGeom prst="rect">
-            <a:avLst/>
-          </a:prstGeom>
-        </p:spPr>
-      </p:pic>
-    </p:spTree>
-    <p:extLst>
-      <p:ext uri="{BB962C8B-B14F-4D97-AF65-F5344CB8AC3E}">
-        <p14:creationId xmlns:p14="http://schemas.microsoft.com/office/powerpoint/2010/main" val="609235282"/>
       </p:ext>
     </p:extLst>
   </p:cSld>
@@ -19042,10 +19153,10 @@
           <a:p>
             <a:pPr algn="ctr"/>
             <a:r>
-              <a:rPr lang="en-NL" sz="5000" b="1">
+              <a:rPr lang="en-NL" sz="5000" b="1" dirty="0">
                 <a:latin typeface="Ubuntu" panose="020B0504030602030204" pitchFamily="34" charset="0"/>
               </a:rPr>
-              <a:t>It’s not about the Metrics, but about the Conversation</a:t>
+              <a:t>Don’t measure Output. Measure Outcomes</a:t>
             </a:r>
           </a:p>
         </p:txBody>
@@ -19053,7 +19164,7 @@
     </p:spTree>
     <p:extLst>
       <p:ext uri="{BB962C8B-B14F-4D97-AF65-F5344CB8AC3E}">
-        <p14:creationId xmlns:p14="http://schemas.microsoft.com/office/powerpoint/2010/main" val="3864524999"/>
+        <p14:creationId xmlns:p14="http://schemas.microsoft.com/office/powerpoint/2010/main" val="3384980287"/>
       </p:ext>
     </p:extLst>
   </p:cSld>
@@ -19391,7 +19502,7 @@
     </p:spTree>
     <p:extLst>
       <p:ext uri="{BB962C8B-B14F-4D97-AF65-F5344CB8AC3E}">
-        <p14:creationId xmlns:p14="http://schemas.microsoft.com/office/powerpoint/2010/main" val="2834202860"/>
+        <p14:creationId xmlns:p14="http://schemas.microsoft.com/office/powerpoint/2010/main" val="609235282"/>
       </p:ext>
     </p:extLst>
   </p:cSld>
@@ -19486,8 +19597,8 @@
         </p:nvSpPr>
         <p:spPr>
           <a:xfrm>
-            <a:off x="329715" y="1078775"/>
-            <a:ext cx="6900243" cy="3170099"/>
+            <a:off x="329715" y="1463496"/>
+            <a:ext cx="6900243" cy="2400657"/>
           </a:xfrm>
           <a:prstGeom prst="rect">
             <a:avLst/>
@@ -19502,40 +19613,10 @@
           <a:p>
             <a:pPr algn="ctr"/>
             <a:r>
-              <a:rPr lang="en-NL" sz="5000" dirty="0">
+              <a:rPr lang="en-NL" sz="5000" b="1">
                 <a:latin typeface="Ubuntu" panose="020B0504030602030204" pitchFamily="34" charset="0"/>
               </a:rPr>
-              <a:t>Learn more about</a:t>
-            </a:r>
-            <a:r>
-              <a:rPr lang="en-NL" sz="5000" b="1" dirty="0">
-                <a:latin typeface="Ubuntu" panose="020B0504030602030204" pitchFamily="34" charset="0"/>
-              </a:rPr>
-              <a:t> </a:t>
-            </a:r>
-          </a:p>
-          <a:p>
-            <a:pPr algn="ctr"/>
-            <a:r>
-              <a:rPr lang="en-NL" sz="5000" b="1" dirty="0">
-                <a:latin typeface="Ubuntu" panose="020B0504030602030204" pitchFamily="34" charset="0"/>
-              </a:rPr>
-              <a:t>Evidence Based Management </a:t>
-            </a:r>
-            <a:r>
-              <a:rPr lang="en-NL" sz="5000" dirty="0">
-                <a:latin typeface="Ubuntu" panose="020B0504030602030204" pitchFamily="34" charset="0"/>
-              </a:rPr>
-              <a:t>at</a:t>
-            </a:r>
-          </a:p>
-          <a:p>
-            <a:pPr algn="ctr"/>
-            <a:r>
-              <a:rPr lang="en-NL" sz="5000" dirty="0">
-                <a:latin typeface="Ubuntu" panose="020B0504030602030204" pitchFamily="34" charset="0"/>
-              </a:rPr>
-              <a:t>http://scrum.org/EBM</a:t>
+              <a:t>It’s not about the Metrics, but about the Conversation</a:t>
             </a:r>
           </a:p>
         </p:txBody>
@@ -19543,7 +19624,7 @@
     </p:spTree>
     <p:extLst>
       <p:ext uri="{BB962C8B-B14F-4D97-AF65-F5344CB8AC3E}">
-        <p14:creationId xmlns:p14="http://schemas.microsoft.com/office/powerpoint/2010/main" val="1377554222"/>
+        <p14:creationId xmlns:p14="http://schemas.microsoft.com/office/powerpoint/2010/main" val="3864524999"/>
       </p:ext>
     </p:extLst>
   </p:cSld>
@@ -19712,7 +19793,7 @@
     </p:spTree>
     <p:extLst>
       <p:ext uri="{BB962C8B-B14F-4D97-AF65-F5344CB8AC3E}">
-        <p14:creationId xmlns:p14="http://schemas.microsoft.com/office/powerpoint/2010/main" val="1817486122"/>
+        <p14:creationId xmlns:p14="http://schemas.microsoft.com/office/powerpoint/2010/main" val="2834202860"/>
       </p:ext>
     </p:extLst>
   </p:cSld>
@@ -19741,6 +19822,60 @@
       </p:grpSpPr>
       <p:sp>
         <p:nvSpPr>
+          <p:cNvPr id="7" name="Rounded Rectangle 6">
+            <a:extLst>
+              <a:ext uri="{FF2B5EF4-FFF2-40B4-BE49-F238E27FC236}">
+                <a16:creationId xmlns:a16="http://schemas.microsoft.com/office/drawing/2014/main" id="{B3DC599D-AD1B-104D-B158-5C2A6823AC16}"/>
+              </a:ext>
+            </a:extLst>
+          </p:cNvPr>
+          <p:cNvSpPr/>
+          <p:nvPr/>
+        </p:nvSpPr>
+        <p:spPr>
+          <a:xfrm>
+            <a:off x="0" y="0"/>
+            <a:ext cx="7559675" cy="5327650"/>
+          </a:xfrm>
+          <a:prstGeom prst="roundRect">
+            <a:avLst>
+              <a:gd name="adj" fmla="val 0"/>
+            </a:avLst>
+          </a:prstGeom>
+          <a:solidFill>
+            <a:srgbClr val="FFC2E8"/>
+          </a:solidFill>
+          <a:ln>
+            <a:noFill/>
+          </a:ln>
+        </p:spPr>
+        <p:style>
+          <a:lnRef idx="2">
+            <a:schemeClr val="accent1">
+              <a:shade val="50000"/>
+            </a:schemeClr>
+          </a:lnRef>
+          <a:fillRef idx="1">
+            <a:schemeClr val="accent1"/>
+          </a:fillRef>
+          <a:effectRef idx="0">
+            <a:schemeClr val="accent1"/>
+          </a:effectRef>
+          <a:fontRef idx="minor">
+            <a:schemeClr val="lt1"/>
+          </a:fontRef>
+        </p:style>
+        <p:txBody>
+          <a:bodyPr rtlCol="0" anchor="ctr"/>
+          <a:lstStyle/>
+          <a:p>
+            <a:pPr algn="ctr"/>
+            <a:endParaRPr lang="en-NL"/>
+          </a:p>
+        </p:txBody>
+      </p:sp>
+      <p:sp>
+        <p:nvSpPr>
           <p:cNvPr id="6" name="TextBox 5">
             <a:extLst>
               <a:ext uri="{FF2B5EF4-FFF2-40B4-BE49-F238E27FC236}">
@@ -19753,8 +19888,8 @@
         </p:nvSpPr>
         <p:spPr>
           <a:xfrm>
-            <a:off x="433485" y="173949"/>
-            <a:ext cx="6416298" cy="400110"/>
+            <a:off x="329715" y="1078775"/>
+            <a:ext cx="6900243" cy="3170099"/>
           </a:xfrm>
           <a:prstGeom prst="rect">
             <a:avLst/>
@@ -19769,184 +19904,48 @@
           <a:p>
             <a:pPr algn="ctr"/>
             <a:r>
-              <a:rPr lang="en-NL" sz="2000" b="1" dirty="0">
+              <a:rPr lang="en-NL" sz="5000" dirty="0">
                 <a:latin typeface="Ubuntu" panose="020B0504030602030204" pitchFamily="34" charset="0"/>
               </a:rPr>
-              <a:t>EBM suggested cheat sheet</a:t>
+              <a:t>Learn more about</a:t>
             </a:r>
-            <a:endParaRPr lang="en-NL" sz="2000" dirty="0">
-              <a:latin typeface="Ubuntu" panose="020B0504030602030204" pitchFamily="34" charset="0"/>
-            </a:endParaRPr>
-          </a:p>
-        </p:txBody>
-      </p:sp>
-      <p:sp>
-        <p:nvSpPr>
-          <p:cNvPr id="8" name="TextBox 7">
-            <a:extLst>
-              <a:ext uri="{FF2B5EF4-FFF2-40B4-BE49-F238E27FC236}">
-                <a16:creationId xmlns:a16="http://schemas.microsoft.com/office/drawing/2014/main" id="{CBB6441C-A641-EE43-B9CA-553BCAFDDCAF}"/>
-              </a:ext>
-            </a:extLst>
-          </p:cNvPr>
-          <p:cNvSpPr txBox="1"/>
-          <p:nvPr/>
-        </p:nvSpPr>
-        <p:spPr>
-          <a:xfrm>
-            <a:off x="3501215" y="4821023"/>
-            <a:ext cx="3810078" cy="200055"/>
-          </a:xfrm>
-          <a:prstGeom prst="rect">
-            <a:avLst/>
-          </a:prstGeom>
-          <a:noFill/>
-        </p:spPr>
-        <p:txBody>
-          <a:bodyPr wrap="square" rtlCol="0">
-            <a:spAutoFit/>
-          </a:bodyPr>
-          <a:lstStyle/>
-          <a:p>
-            <a:pPr algn="r"/>
             <a:r>
-              <a:rPr lang="en-NL" sz="700" dirty="0">
-                <a:solidFill>
-                  <a:schemeClr val="bg1">
-                    <a:lumMod val="65000"/>
-                  </a:schemeClr>
-                </a:solidFill>
+              <a:rPr lang="en-NL" sz="5000" b="1" dirty="0">
                 <a:latin typeface="Ubuntu" panose="020B0504030602030204" pitchFamily="34" charset="0"/>
               </a:rPr>
-              <a:t>Source: EBM guide, http://scrum.org/EBM</a:t>
+              <a:t> </a:t>
             </a:r>
           </a:p>
-        </p:txBody>
-      </p:sp>
-      <p:pic>
-        <p:nvPicPr>
-          <p:cNvPr id="9" name="Picture 8" descr="A screenshot of a cell phone&#10;&#10;Description automatically generated">
-            <a:extLst>
-              <a:ext uri="{FF2B5EF4-FFF2-40B4-BE49-F238E27FC236}">
-                <a16:creationId xmlns:a16="http://schemas.microsoft.com/office/drawing/2014/main" id="{B9D75A12-8D57-1D4E-AB48-B43CCF0C51EF}"/>
-              </a:ext>
-            </a:extLst>
-          </p:cNvPr>
-          <p:cNvPicPr>
-            <a:picLocks noChangeAspect="1"/>
-          </p:cNvPicPr>
-          <p:nvPr/>
-        </p:nvPicPr>
-        <p:blipFill>
-          <a:blip r:embed="rId3"/>
-          <a:stretch>
-            <a:fillRect/>
-          </a:stretch>
-        </p:blipFill>
-        <p:spPr>
-          <a:xfrm>
-            <a:off x="160984" y="3468669"/>
-            <a:ext cx="3541363" cy="1619985"/>
-          </a:xfrm>
-          <a:prstGeom prst="rect">
-            <a:avLst/>
-          </a:prstGeom>
-        </p:spPr>
-      </p:pic>
-      <p:pic>
-        <p:nvPicPr>
-          <p:cNvPr id="11" name="Picture 10" descr="A screenshot of a cell phone&#10;&#10;Description automatically generated">
-            <a:extLst>
-              <a:ext uri="{FF2B5EF4-FFF2-40B4-BE49-F238E27FC236}">
-                <a16:creationId xmlns:a16="http://schemas.microsoft.com/office/drawing/2014/main" id="{DEED4AB1-FB9F-6540-BB0C-BCEA676A36F3}"/>
-              </a:ext>
-            </a:extLst>
-          </p:cNvPr>
-          <p:cNvPicPr>
-            <a:picLocks noChangeAspect="1"/>
-          </p:cNvPicPr>
-          <p:nvPr/>
-        </p:nvPicPr>
-        <p:blipFill>
-          <a:blip r:embed="rId4"/>
-          <a:stretch>
-            <a:fillRect/>
-          </a:stretch>
-        </p:blipFill>
-        <p:spPr>
-          <a:xfrm>
-            <a:off x="234481" y="652043"/>
-            <a:ext cx="3467866" cy="2738642"/>
-          </a:xfrm>
-          <a:prstGeom prst="rect">
-            <a:avLst/>
-          </a:prstGeom>
-        </p:spPr>
-      </p:pic>
-      <p:pic>
-        <p:nvPicPr>
-          <p:cNvPr id="13" name="Picture 12" descr="A screenshot of a social media post&#10;&#10;Description automatically generated">
-            <a:extLst>
-              <a:ext uri="{FF2B5EF4-FFF2-40B4-BE49-F238E27FC236}">
-                <a16:creationId xmlns:a16="http://schemas.microsoft.com/office/drawing/2014/main" id="{AFE0C25F-91C9-5D48-B2A3-7EEADD78195E}"/>
-              </a:ext>
-            </a:extLst>
-          </p:cNvPr>
-          <p:cNvPicPr>
-            <a:picLocks noChangeAspect="1"/>
-          </p:cNvPicPr>
-          <p:nvPr/>
-        </p:nvPicPr>
-        <p:blipFill>
-          <a:blip r:embed="rId5"/>
-          <a:stretch>
-            <a:fillRect/>
-          </a:stretch>
-        </p:blipFill>
-        <p:spPr>
-          <a:xfrm>
-            <a:off x="3641634" y="652043"/>
-            <a:ext cx="3669659" cy="3248182"/>
-          </a:xfrm>
-          <a:prstGeom prst="rect">
-            <a:avLst/>
-          </a:prstGeom>
-        </p:spPr>
-      </p:pic>
-      <p:pic>
-        <p:nvPicPr>
-          <p:cNvPr id="15" name="Picture 14" descr="A screenshot of a cell phone&#10;&#10;Description automatically generated">
-            <a:extLst>
-              <a:ext uri="{FF2B5EF4-FFF2-40B4-BE49-F238E27FC236}">
-                <a16:creationId xmlns:a16="http://schemas.microsoft.com/office/drawing/2014/main" id="{8860B376-714B-B14D-8396-DA0BFF861E68}"/>
-              </a:ext>
-            </a:extLst>
-          </p:cNvPr>
-          <p:cNvPicPr>
-            <a:picLocks noChangeAspect="1"/>
-          </p:cNvPicPr>
-          <p:nvPr/>
-        </p:nvPicPr>
-        <p:blipFill>
-          <a:blip r:embed="rId6"/>
-          <a:stretch>
-            <a:fillRect/>
-          </a:stretch>
-        </p:blipFill>
-        <p:spPr>
-          <a:xfrm>
-            <a:off x="3671351" y="3943357"/>
-            <a:ext cx="3628531" cy="810090"/>
-          </a:xfrm>
-          <a:prstGeom prst="rect">
-            <a:avLst/>
-          </a:prstGeom>
-        </p:spPr>
-      </p:pic>
+          <a:p>
+            <a:pPr algn="ctr"/>
+            <a:r>
+              <a:rPr lang="en-NL" sz="5000" b="1" dirty="0">
+                <a:latin typeface="Ubuntu" panose="020B0504030602030204" pitchFamily="34" charset="0"/>
+              </a:rPr>
+              <a:t>Evidence Based Management </a:t>
+            </a:r>
+            <a:r>
+              <a:rPr lang="en-NL" sz="5000" dirty="0">
+                <a:latin typeface="Ubuntu" panose="020B0504030602030204" pitchFamily="34" charset="0"/>
+              </a:rPr>
+              <a:t>at</a:t>
+            </a:r>
+          </a:p>
+          <a:p>
+            <a:pPr algn="ctr"/>
+            <a:r>
+              <a:rPr lang="en-NL" sz="5000" dirty="0">
+                <a:latin typeface="Ubuntu" panose="020B0504030602030204" pitchFamily="34" charset="0"/>
+              </a:rPr>
+              <a:t>http://scrum.org/EBM</a:t>
+            </a:r>
+          </a:p>
+        </p:txBody>
+      </p:sp>
     </p:spTree>
     <p:extLst>
       <p:ext uri="{BB962C8B-B14F-4D97-AF65-F5344CB8AC3E}">
-        <p14:creationId xmlns:p14="http://schemas.microsoft.com/office/powerpoint/2010/main" val="3452776893"/>
+        <p14:creationId xmlns:p14="http://schemas.microsoft.com/office/powerpoint/2010/main" val="1377554222"/>
       </p:ext>
     </p:extLst>
   </p:cSld>
@@ -19975,6 +19974,175 @@
       </p:grpSpPr>
       <p:sp>
         <p:nvSpPr>
+          <p:cNvPr id="2" name="Title 1">
+            <a:extLst>
+              <a:ext uri="{FF2B5EF4-FFF2-40B4-BE49-F238E27FC236}">
+                <a16:creationId xmlns:a16="http://schemas.microsoft.com/office/drawing/2014/main" id="{CFCDF3DA-1D3D-E743-8E21-6B353B4D96A4}"/>
+              </a:ext>
+            </a:extLst>
+          </p:cNvPr>
+          <p:cNvSpPr>
+            <a:spLocks noGrp="1"/>
+          </p:cNvSpPr>
+          <p:nvPr>
+            <p:ph type="title"/>
+          </p:nvPr>
+        </p:nvSpPr>
+        <p:spPr/>
+        <p:txBody>
+          <a:bodyPr/>
+          <a:lstStyle/>
+          <a:p>
+            <a:endParaRPr lang="en-NL"/>
+          </a:p>
+        </p:txBody>
+      </p:sp>
+      <p:sp>
+        <p:nvSpPr>
+          <p:cNvPr id="3" name="Content Placeholder 2">
+            <a:extLst>
+              <a:ext uri="{FF2B5EF4-FFF2-40B4-BE49-F238E27FC236}">
+                <a16:creationId xmlns:a16="http://schemas.microsoft.com/office/drawing/2014/main" id="{40A525DA-CA85-AD48-8A85-52A75E1E5317}"/>
+              </a:ext>
+            </a:extLst>
+          </p:cNvPr>
+          <p:cNvSpPr>
+            <a:spLocks noGrp="1"/>
+          </p:cNvSpPr>
+          <p:nvPr>
+            <p:ph idx="1"/>
+          </p:nvPr>
+        </p:nvSpPr>
+        <p:spPr/>
+        <p:txBody>
+          <a:bodyPr/>
+          <a:lstStyle/>
+          <a:p>
+            <a:endParaRPr lang="en-NL"/>
+          </a:p>
+        </p:txBody>
+      </p:sp>
+      <p:sp>
+        <p:nvSpPr>
+          <p:cNvPr id="4" name="Rounded Rectangle 3">
+            <a:extLst>
+              <a:ext uri="{FF2B5EF4-FFF2-40B4-BE49-F238E27FC236}">
+                <a16:creationId xmlns:a16="http://schemas.microsoft.com/office/drawing/2014/main" id="{6B890BB6-3544-1A4E-A833-93135A597BB4}"/>
+              </a:ext>
+            </a:extLst>
+          </p:cNvPr>
+          <p:cNvSpPr/>
+          <p:nvPr/>
+        </p:nvSpPr>
+        <p:spPr>
+          <a:xfrm>
+            <a:off x="0" y="0"/>
+            <a:ext cx="7559675" cy="5327650"/>
+          </a:xfrm>
+          <a:prstGeom prst="roundRect">
+            <a:avLst>
+              <a:gd name="adj" fmla="val 0"/>
+            </a:avLst>
+          </a:prstGeom>
+          <a:blipFill>
+            <a:blip r:embed="rId2"/>
+            <a:stretch>
+              <a:fillRect/>
+            </a:stretch>
+          </a:blipFill>
+          <a:ln>
+            <a:solidFill>
+              <a:schemeClr val="bg2"/>
+            </a:solidFill>
+          </a:ln>
+        </p:spPr>
+        <p:style>
+          <a:lnRef idx="2">
+            <a:schemeClr val="accent1">
+              <a:shade val="50000"/>
+            </a:schemeClr>
+          </a:lnRef>
+          <a:fillRef idx="1">
+            <a:schemeClr val="accent1"/>
+          </a:fillRef>
+          <a:effectRef idx="0">
+            <a:schemeClr val="accent1"/>
+          </a:effectRef>
+          <a:fontRef idx="minor">
+            <a:schemeClr val="lt1"/>
+          </a:fontRef>
+        </p:style>
+        <p:txBody>
+          <a:bodyPr rtlCol="0" anchor="ctr"/>
+          <a:lstStyle/>
+          <a:p>
+            <a:pPr algn="ctr"/>
+            <a:endParaRPr lang="en-NL"/>
+          </a:p>
+        </p:txBody>
+      </p:sp>
+      <p:pic>
+        <p:nvPicPr>
+          <p:cNvPr id="5" name="Picture 4" descr="A picture containing food, drawing&#10;&#10;Description automatically generated">
+            <a:extLst>
+              <a:ext uri="{FF2B5EF4-FFF2-40B4-BE49-F238E27FC236}">
+                <a16:creationId xmlns:a16="http://schemas.microsoft.com/office/drawing/2014/main" id="{27611709-3190-2A4B-BCE4-4D329000A8EB}"/>
+              </a:ext>
+            </a:extLst>
+          </p:cNvPr>
+          <p:cNvPicPr>
+            <a:picLocks noChangeAspect="1"/>
+          </p:cNvPicPr>
+          <p:nvPr/>
+        </p:nvPicPr>
+        <p:blipFill>
+          <a:blip r:embed="rId3"/>
+          <a:stretch>
+            <a:fillRect/>
+          </a:stretch>
+        </p:blipFill>
+        <p:spPr>
+          <a:xfrm>
+            <a:off x="350837" y="-765175"/>
+            <a:ext cx="6858000" cy="6858000"/>
+          </a:xfrm>
+          <a:prstGeom prst="rect">
+            <a:avLst/>
+          </a:prstGeom>
+        </p:spPr>
+      </p:pic>
+    </p:spTree>
+    <p:extLst>
+      <p:ext uri="{BB962C8B-B14F-4D97-AF65-F5344CB8AC3E}">
+        <p14:creationId xmlns:p14="http://schemas.microsoft.com/office/powerpoint/2010/main" val="1817486122"/>
+      </p:ext>
+    </p:extLst>
+  </p:cSld>
+  <p:clrMapOvr>
+    <a:masterClrMapping/>
+  </p:clrMapOvr>
+</p:sld>
+</file>
+
+<file path=ppt/slides/slide65.xml><?xml version="1.0" encoding="utf-8"?>
+<p:sld xmlns:a="http://schemas.openxmlformats.org/drawingml/2006/main" xmlns:r="http://schemas.openxmlformats.org/officeDocument/2006/relationships" xmlns:p="http://schemas.openxmlformats.org/presentationml/2006/main">
+  <p:cSld>
+    <p:spTree>
+      <p:nvGrpSpPr>
+        <p:cNvPr id="1" name=""/>
+        <p:cNvGrpSpPr/>
+        <p:nvPr/>
+      </p:nvGrpSpPr>
+      <p:grpSpPr>
+        <a:xfrm>
+          <a:off x="0" y="0"/>
+          <a:ext cx="0" cy="0"/>
+          <a:chOff x="0" y="0"/>
+          <a:chExt cx="0" cy="0"/>
+        </a:xfrm>
+      </p:grpSpPr>
+      <p:sp>
+        <p:nvSpPr>
           <p:cNvPr id="6" name="TextBox 5">
             <a:extLst>
               <a:ext uri="{FF2B5EF4-FFF2-40B4-BE49-F238E27FC236}">
@@ -20079,7 +20247,7 @@
         </p:blipFill>
         <p:spPr>
           <a:xfrm>
-            <a:off x="105196" y="608420"/>
+            <a:off x="105196" y="602633"/>
             <a:ext cx="2470989" cy="1467150"/>
           </a:xfrm>
           <a:prstGeom prst="rect">
@@ -20197,8 +20365,8 @@
         </p:blipFill>
         <p:spPr>
           <a:xfrm>
-            <a:off x="5047173" y="591357"/>
-            <a:ext cx="2407306" cy="2319037"/>
+            <a:off x="5047173" y="591358"/>
+            <a:ext cx="2366272" cy="2279508"/>
           </a:xfrm>
           <a:prstGeom prst="rect">
             <a:avLst/>
@@ -20226,8 +20394,8 @@
         </p:blipFill>
         <p:spPr>
           <a:xfrm>
-            <a:off x="5055312" y="2888363"/>
-            <a:ext cx="2399168" cy="1640223"/>
+            <a:off x="5049525" y="2853640"/>
+            <a:ext cx="2358273" cy="1612265"/>
           </a:xfrm>
           <a:prstGeom prst="rect">
             <a:avLst/>
@@ -20247,7 +20415,7 @@
 </p:sld>
 </file>
 
-<file path=ppt/slides/slide65.xml><?xml version="1.0" encoding="utf-8"?>
+<file path=ppt/slides/slide66.xml><?xml version="1.0" encoding="utf-8"?>
 <p:sld xmlns:a="http://schemas.openxmlformats.org/drawingml/2006/main" xmlns:r="http://schemas.openxmlformats.org/officeDocument/2006/relationships" xmlns:p="http://schemas.openxmlformats.org/presentationml/2006/main">
   <p:cSld>
     <p:spTree>

--- a/Measuring Outcome v2 - 2020 update.pptx
+++ b/Measuring Outcome v2 - 2020 update.pptx
@@ -5,7 +5,7 @@
     <p:sldMasterId id="2147483660" r:id="rId1"/>
   </p:sldMasterIdLst>
   <p:notesMasterIdLst>
-    <p:notesMasterId r:id="rId68"/>
+    <p:notesMasterId r:id="rId70"/>
   </p:notesMasterIdLst>
   <p:sldIdLst>
     <p:sldId id="256" r:id="rId2"/>
@@ -24,87 +24,89 @@
     <p:sldId id="301" r:id="rId15"/>
     <p:sldId id="302" r:id="rId16"/>
     <p:sldId id="303" r:id="rId17"/>
-    <p:sldId id="306" r:id="rId18"/>
-    <p:sldId id="307" r:id="rId19"/>
-    <p:sldId id="360" r:id="rId20"/>
-    <p:sldId id="361" r:id="rId21"/>
-    <p:sldId id="308" r:id="rId22"/>
-    <p:sldId id="309" r:id="rId23"/>
-    <p:sldId id="310" r:id="rId24"/>
-    <p:sldId id="311" r:id="rId25"/>
-    <p:sldId id="312" r:id="rId26"/>
-    <p:sldId id="313" r:id="rId27"/>
-    <p:sldId id="314" r:id="rId28"/>
-    <p:sldId id="315" r:id="rId29"/>
-    <p:sldId id="316" r:id="rId30"/>
-    <p:sldId id="317" r:id="rId31"/>
-    <p:sldId id="318" r:id="rId32"/>
-    <p:sldId id="319" r:id="rId33"/>
-    <p:sldId id="320" r:id="rId34"/>
-    <p:sldId id="321" r:id="rId35"/>
-    <p:sldId id="322" r:id="rId36"/>
-    <p:sldId id="323" r:id="rId37"/>
-    <p:sldId id="324" r:id="rId38"/>
-    <p:sldId id="325" r:id="rId39"/>
-    <p:sldId id="326" r:id="rId40"/>
-    <p:sldId id="327" r:id="rId41"/>
-    <p:sldId id="337" r:id="rId42"/>
-    <p:sldId id="338" r:id="rId43"/>
-    <p:sldId id="339" r:id="rId44"/>
-    <p:sldId id="340" r:id="rId45"/>
-    <p:sldId id="341" r:id="rId46"/>
-    <p:sldId id="342" r:id="rId47"/>
-    <p:sldId id="343" r:id="rId48"/>
-    <p:sldId id="344" r:id="rId49"/>
-    <p:sldId id="352" r:id="rId50"/>
-    <p:sldId id="353" r:id="rId51"/>
-    <p:sldId id="354" r:id="rId52"/>
-    <p:sldId id="355" r:id="rId53"/>
-    <p:sldId id="357" r:id="rId54"/>
-    <p:sldId id="358" r:id="rId55"/>
-    <p:sldId id="345" r:id="rId56"/>
-    <p:sldId id="346" r:id="rId57"/>
-    <p:sldId id="347" r:id="rId58"/>
-    <p:sldId id="348" r:id="rId59"/>
-    <p:sldId id="328" r:id="rId60"/>
-    <p:sldId id="329" r:id="rId61"/>
-    <p:sldId id="334" r:id="rId62"/>
-    <p:sldId id="331" r:id="rId63"/>
-    <p:sldId id="335" r:id="rId64"/>
-    <p:sldId id="333" r:id="rId65"/>
-    <p:sldId id="359" r:id="rId66"/>
-    <p:sldId id="351" r:id="rId67"/>
+    <p:sldId id="362" r:id="rId18"/>
+    <p:sldId id="363" r:id="rId19"/>
+    <p:sldId id="306" r:id="rId20"/>
+    <p:sldId id="307" r:id="rId21"/>
+    <p:sldId id="360" r:id="rId22"/>
+    <p:sldId id="361" r:id="rId23"/>
+    <p:sldId id="308" r:id="rId24"/>
+    <p:sldId id="309" r:id="rId25"/>
+    <p:sldId id="310" r:id="rId26"/>
+    <p:sldId id="311" r:id="rId27"/>
+    <p:sldId id="312" r:id="rId28"/>
+    <p:sldId id="313" r:id="rId29"/>
+    <p:sldId id="314" r:id="rId30"/>
+    <p:sldId id="315" r:id="rId31"/>
+    <p:sldId id="316" r:id="rId32"/>
+    <p:sldId id="317" r:id="rId33"/>
+    <p:sldId id="318" r:id="rId34"/>
+    <p:sldId id="319" r:id="rId35"/>
+    <p:sldId id="320" r:id="rId36"/>
+    <p:sldId id="321" r:id="rId37"/>
+    <p:sldId id="322" r:id="rId38"/>
+    <p:sldId id="323" r:id="rId39"/>
+    <p:sldId id="324" r:id="rId40"/>
+    <p:sldId id="325" r:id="rId41"/>
+    <p:sldId id="326" r:id="rId42"/>
+    <p:sldId id="327" r:id="rId43"/>
+    <p:sldId id="337" r:id="rId44"/>
+    <p:sldId id="338" r:id="rId45"/>
+    <p:sldId id="339" r:id="rId46"/>
+    <p:sldId id="340" r:id="rId47"/>
+    <p:sldId id="341" r:id="rId48"/>
+    <p:sldId id="342" r:id="rId49"/>
+    <p:sldId id="343" r:id="rId50"/>
+    <p:sldId id="344" r:id="rId51"/>
+    <p:sldId id="352" r:id="rId52"/>
+    <p:sldId id="353" r:id="rId53"/>
+    <p:sldId id="354" r:id="rId54"/>
+    <p:sldId id="355" r:id="rId55"/>
+    <p:sldId id="357" r:id="rId56"/>
+    <p:sldId id="358" r:id="rId57"/>
+    <p:sldId id="345" r:id="rId58"/>
+    <p:sldId id="346" r:id="rId59"/>
+    <p:sldId id="347" r:id="rId60"/>
+    <p:sldId id="348" r:id="rId61"/>
+    <p:sldId id="328" r:id="rId62"/>
+    <p:sldId id="329" r:id="rId63"/>
+    <p:sldId id="334" r:id="rId64"/>
+    <p:sldId id="331" r:id="rId65"/>
+    <p:sldId id="335" r:id="rId66"/>
+    <p:sldId id="333" r:id="rId67"/>
+    <p:sldId id="359" r:id="rId68"/>
+    <p:sldId id="351" r:id="rId69"/>
   </p:sldIdLst>
   <p:sldSz cx="7559675" cy="5327650"/>
   <p:notesSz cx="6858000" cy="9144000"/>
   <p:embeddedFontLst>
     <p:embeddedFont>
       <p:font typeface="Calibri" panose="020F0502020204030204" pitchFamily="34" charset="0"/>
-      <p:regular r:id="rId69"/>
-      <p:bold r:id="rId69"/>
-      <p:italic r:id="rId69"/>
-      <p:boldItalic r:id="rId69"/>
+      <p:regular r:id="rId71"/>
+      <p:bold r:id="rId71"/>
+      <p:italic r:id="rId71"/>
+      <p:boldItalic r:id="rId71"/>
     </p:embeddedFont>
     <p:embeddedFont>
       <p:font typeface="Calibri Light" panose="020F0302020204030204" pitchFamily="34" charset="0"/>
-      <p:regular r:id="rId69"/>
-      <p:italic r:id="rId69"/>
+      <p:regular r:id="rId71"/>
+      <p:italic r:id="rId71"/>
     </p:embeddedFont>
     <p:embeddedFont>
       <p:font typeface="Marvel" pitchFamily="2" charset="0"/>
-      <p:regular r:id="rId69"/>
+      <p:regular r:id="rId71"/>
     </p:embeddedFont>
     <p:embeddedFont>
       <p:font typeface="Ubuntu" panose="020B0504030602030204" pitchFamily="34" charset="0"/>
-      <p:regular r:id="rId69"/>
-      <p:bold r:id="rId69"/>
-      <p:italic r:id="rId69"/>
-      <p:boldItalic r:id="rId69"/>
+      <p:regular r:id="rId71"/>
+      <p:bold r:id="rId71"/>
+      <p:italic r:id="rId71"/>
+      <p:boldItalic r:id="rId71"/>
     </p:embeddedFont>
     <p:embeddedFont>
       <p:font typeface="Ubuntu Light" panose="020B0304030602030204" pitchFamily="34" charset="0"/>
-      <p:regular r:id="rId69"/>
-      <p:italic r:id="rId69"/>
+      <p:regular r:id="rId71"/>
+      <p:italic r:id="rId71"/>
     </p:embeddedFont>
   </p:embeddedFontLst>
   <p:defaultTextStyle>
@@ -848,7 +850,7 @@
           <a:p>
             <a:fld id="{240114D0-54EC-2541-891C-414F49E4331F}" type="slidenum">
               <a:rPr lang="en-NL" smtClean="0"/>
-              <a:t>21</a:t>
+              <a:t>23</a:t>
             </a:fld>
             <a:endParaRPr lang="en-NL"/>
           </a:p>
@@ -932,7 +934,7 @@
           <a:p>
             <a:fld id="{240114D0-54EC-2541-891C-414F49E4331F}" type="slidenum">
               <a:rPr lang="en-NL" smtClean="0"/>
-              <a:t>65</a:t>
+              <a:t>67</a:t>
             </a:fld>
             <a:endParaRPr lang="en-NL"/>
           </a:p>
@@ -5844,6 +5846,503 @@
       </p:grpSpPr>
       <p:sp>
         <p:nvSpPr>
+          <p:cNvPr id="4" name="Rounded Rectangle 3">
+            <a:extLst>
+              <a:ext uri="{FF2B5EF4-FFF2-40B4-BE49-F238E27FC236}">
+                <a16:creationId xmlns:a16="http://schemas.microsoft.com/office/drawing/2014/main" id="{09B185FE-3AE0-CE40-B1F3-D555FE49D8BB}"/>
+              </a:ext>
+            </a:extLst>
+          </p:cNvPr>
+          <p:cNvSpPr/>
+          <p:nvPr/>
+        </p:nvSpPr>
+        <p:spPr>
+          <a:xfrm>
+            <a:off x="-1" y="0"/>
+            <a:ext cx="7559675" cy="5327650"/>
+          </a:xfrm>
+          <a:prstGeom prst="roundRect">
+            <a:avLst>
+              <a:gd name="adj" fmla="val 0"/>
+            </a:avLst>
+          </a:prstGeom>
+          <a:solidFill>
+            <a:schemeClr val="accent6">
+              <a:lumMod val="50000"/>
+            </a:schemeClr>
+          </a:solidFill>
+          <a:ln>
+            <a:noFill/>
+          </a:ln>
+        </p:spPr>
+        <p:style>
+          <a:lnRef idx="2">
+            <a:schemeClr val="accent1">
+              <a:shade val="50000"/>
+            </a:schemeClr>
+          </a:lnRef>
+          <a:fillRef idx="1">
+            <a:schemeClr val="accent1"/>
+          </a:fillRef>
+          <a:effectRef idx="0">
+            <a:schemeClr val="accent1"/>
+          </a:effectRef>
+          <a:fontRef idx="minor">
+            <a:schemeClr val="lt1"/>
+          </a:fontRef>
+        </p:style>
+        <p:txBody>
+          <a:bodyPr rtlCol="0" anchor="ctr"/>
+          <a:lstStyle/>
+          <a:p>
+            <a:pPr algn="ctr"/>
+            <a:endParaRPr lang="en-NL"/>
+          </a:p>
+        </p:txBody>
+      </p:sp>
+      <p:grpSp>
+        <p:nvGrpSpPr>
+          <p:cNvPr id="2" name="Group 1">
+            <a:extLst>
+              <a:ext uri="{FF2B5EF4-FFF2-40B4-BE49-F238E27FC236}">
+                <a16:creationId xmlns:a16="http://schemas.microsoft.com/office/drawing/2014/main" id="{8311C672-BAD9-D34A-A5E4-8584946AEAE2}"/>
+              </a:ext>
+            </a:extLst>
+          </p:cNvPr>
+          <p:cNvGrpSpPr/>
+          <p:nvPr/>
+        </p:nvGrpSpPr>
+        <p:grpSpPr>
+          <a:xfrm>
+            <a:off x="883470" y="1512188"/>
+            <a:ext cx="5792732" cy="2303274"/>
+            <a:chOff x="883470" y="1463944"/>
+            <a:chExt cx="5792732" cy="2303274"/>
+          </a:xfrm>
+        </p:grpSpPr>
+        <p:sp>
+          <p:nvSpPr>
+            <p:cNvPr id="6" name="TextBox 5">
+              <a:extLst>
+                <a:ext uri="{FF2B5EF4-FFF2-40B4-BE49-F238E27FC236}">
+                  <a16:creationId xmlns:a16="http://schemas.microsoft.com/office/drawing/2014/main" id="{009EAD6C-D563-D744-AFCA-AE8CA95E6630}"/>
+                </a:ext>
+              </a:extLst>
+            </p:cNvPr>
+            <p:cNvSpPr txBox="1"/>
+            <p:nvPr/>
+          </p:nvSpPr>
+          <p:spPr>
+            <a:xfrm>
+              <a:off x="883470" y="1463944"/>
+              <a:ext cx="5792732" cy="1631216"/>
+            </a:xfrm>
+            <a:prstGeom prst="rect">
+              <a:avLst/>
+            </a:prstGeom>
+            <a:noFill/>
+          </p:spPr>
+          <p:txBody>
+            <a:bodyPr wrap="square" rtlCol="0">
+              <a:spAutoFit/>
+            </a:bodyPr>
+            <a:lstStyle/>
+            <a:p>
+              <a:pPr algn="ctr"/>
+              <a:r>
+                <a:rPr lang="en-GB" sz="5000" b="1">
+                  <a:solidFill>
+                    <a:schemeClr val="bg1"/>
+                  </a:solidFill>
+                  <a:latin typeface="Ubuntu" panose="020B0504030602030204" pitchFamily="34" charset="0"/>
+                </a:rPr>
+                <a:t>Change </a:t>
+              </a:r>
+            </a:p>
+            <a:p>
+              <a:pPr algn="ctr"/>
+              <a:r>
+                <a:rPr lang="en-GB" sz="5000" b="1">
+                  <a:solidFill>
+                    <a:schemeClr val="bg1"/>
+                  </a:solidFill>
+                  <a:latin typeface="Ubuntu" panose="020B0504030602030204" pitchFamily="34" charset="0"/>
+                </a:rPr>
+                <a:t>Failure Rate</a:t>
+              </a:r>
+              <a:endParaRPr lang="en-NL" sz="5000" b="1" dirty="0">
+                <a:solidFill>
+                  <a:schemeClr val="bg1"/>
+                </a:solidFill>
+                <a:latin typeface="Ubuntu" panose="020B0504030602030204" pitchFamily="34" charset="0"/>
+              </a:endParaRPr>
+            </a:p>
+          </p:txBody>
+        </p:sp>
+        <p:sp>
+          <p:nvSpPr>
+            <p:cNvPr id="10" name="Diamond 9">
+              <a:extLst>
+                <a:ext uri="{FF2B5EF4-FFF2-40B4-BE49-F238E27FC236}">
+                  <a16:creationId xmlns:a16="http://schemas.microsoft.com/office/drawing/2014/main" id="{BF9EC923-CD52-C143-91C2-D0C47844DA3B}"/>
+                </a:ext>
+              </a:extLst>
+            </p:cNvPr>
+            <p:cNvSpPr/>
+            <p:nvPr/>
+          </p:nvSpPr>
+          <p:spPr>
+            <a:xfrm>
+              <a:off x="2854907" y="3217028"/>
+              <a:ext cx="550190" cy="550190"/>
+            </a:xfrm>
+            <a:prstGeom prst="diamond">
+              <a:avLst/>
+            </a:prstGeom>
+            <a:solidFill>
+              <a:schemeClr val="bg1"/>
+            </a:solidFill>
+            <a:ln>
+              <a:solidFill>
+                <a:schemeClr val="bg1"/>
+              </a:solidFill>
+            </a:ln>
+          </p:spPr>
+          <p:style>
+            <a:lnRef idx="2">
+              <a:schemeClr val="accent1">
+                <a:shade val="50000"/>
+              </a:schemeClr>
+            </a:lnRef>
+            <a:fillRef idx="1">
+              <a:schemeClr val="accent1"/>
+            </a:fillRef>
+            <a:effectRef idx="0">
+              <a:schemeClr val="accent1"/>
+            </a:effectRef>
+            <a:fontRef idx="minor">
+              <a:schemeClr val="lt1"/>
+            </a:fontRef>
+          </p:style>
+          <p:txBody>
+            <a:bodyPr rtlCol="0" anchor="ctr"/>
+            <a:lstStyle/>
+            <a:p>
+              <a:pPr algn="ctr"/>
+              <a:endParaRPr lang="en-NL"/>
+            </a:p>
+          </p:txBody>
+        </p:sp>
+        <p:sp>
+          <p:nvSpPr>
+            <p:cNvPr id="11" name="Diamond 10">
+              <a:extLst>
+                <a:ext uri="{FF2B5EF4-FFF2-40B4-BE49-F238E27FC236}">
+                  <a16:creationId xmlns:a16="http://schemas.microsoft.com/office/drawing/2014/main" id="{111DB0A3-F75A-2748-9280-944CA77FD465}"/>
+                </a:ext>
+              </a:extLst>
+            </p:cNvPr>
+            <p:cNvSpPr/>
+            <p:nvPr/>
+          </p:nvSpPr>
+          <p:spPr>
+            <a:xfrm>
+              <a:off x="3504741" y="3207256"/>
+              <a:ext cx="550190" cy="550190"/>
+            </a:xfrm>
+            <a:prstGeom prst="diamond">
+              <a:avLst/>
+            </a:prstGeom>
+            <a:solidFill>
+              <a:schemeClr val="bg1"/>
+            </a:solidFill>
+            <a:ln>
+              <a:solidFill>
+                <a:schemeClr val="bg1"/>
+              </a:solidFill>
+            </a:ln>
+          </p:spPr>
+          <p:style>
+            <a:lnRef idx="2">
+              <a:schemeClr val="accent1">
+                <a:shade val="50000"/>
+              </a:schemeClr>
+            </a:lnRef>
+            <a:fillRef idx="1">
+              <a:schemeClr val="accent1"/>
+            </a:fillRef>
+            <a:effectRef idx="0">
+              <a:schemeClr val="accent1"/>
+            </a:effectRef>
+            <a:fontRef idx="minor">
+              <a:schemeClr val="lt1"/>
+            </a:fontRef>
+          </p:style>
+          <p:txBody>
+            <a:bodyPr rtlCol="0" anchor="ctr"/>
+            <a:lstStyle/>
+            <a:p>
+              <a:pPr algn="ctr"/>
+              <a:endParaRPr lang="en-NL"/>
+            </a:p>
+          </p:txBody>
+        </p:sp>
+        <p:sp>
+          <p:nvSpPr>
+            <p:cNvPr id="12" name="Diamond 11">
+              <a:extLst>
+                <a:ext uri="{FF2B5EF4-FFF2-40B4-BE49-F238E27FC236}">
+                  <a16:creationId xmlns:a16="http://schemas.microsoft.com/office/drawing/2014/main" id="{6EFDAF4A-11F8-4547-896A-43CC96CEB33D}"/>
+                </a:ext>
+              </a:extLst>
+            </p:cNvPr>
+            <p:cNvSpPr/>
+            <p:nvPr/>
+          </p:nvSpPr>
+          <p:spPr>
+            <a:xfrm>
+              <a:off x="4154575" y="3207256"/>
+              <a:ext cx="550190" cy="550190"/>
+            </a:xfrm>
+            <a:prstGeom prst="diamond">
+              <a:avLst/>
+            </a:prstGeom>
+            <a:solidFill>
+              <a:schemeClr val="bg1"/>
+            </a:solidFill>
+            <a:ln>
+              <a:solidFill>
+                <a:schemeClr val="bg1"/>
+              </a:solidFill>
+            </a:ln>
+          </p:spPr>
+          <p:style>
+            <a:lnRef idx="2">
+              <a:schemeClr val="accent1">
+                <a:shade val="50000"/>
+              </a:schemeClr>
+            </a:lnRef>
+            <a:fillRef idx="1">
+              <a:schemeClr val="accent1"/>
+            </a:fillRef>
+            <a:effectRef idx="0">
+              <a:schemeClr val="accent1"/>
+            </a:effectRef>
+            <a:fontRef idx="minor">
+              <a:schemeClr val="lt1"/>
+            </a:fontRef>
+          </p:style>
+          <p:txBody>
+            <a:bodyPr rtlCol="0" anchor="ctr"/>
+            <a:lstStyle/>
+            <a:p>
+              <a:pPr algn="ctr"/>
+              <a:endParaRPr lang="en-NL"/>
+            </a:p>
+          </p:txBody>
+        </p:sp>
+      </p:grpSp>
+    </p:spTree>
+    <p:extLst>
+      <p:ext uri="{BB962C8B-B14F-4D97-AF65-F5344CB8AC3E}">
+        <p14:creationId xmlns:p14="http://schemas.microsoft.com/office/powerpoint/2010/main" val="1733299417"/>
+      </p:ext>
+    </p:extLst>
+  </p:cSld>
+  <p:clrMapOvr>
+    <a:masterClrMapping/>
+  </p:clrMapOvr>
+</p:sld>
+</file>
+
+<file path=ppt/slides/slide18.xml><?xml version="1.0" encoding="utf-8"?>
+<p:sld xmlns:a="http://schemas.openxmlformats.org/drawingml/2006/main" xmlns:r="http://schemas.openxmlformats.org/officeDocument/2006/relationships" xmlns:p="http://schemas.openxmlformats.org/presentationml/2006/main">
+  <p:cSld>
+    <p:spTree>
+      <p:nvGrpSpPr>
+        <p:cNvPr id="1" name=""/>
+        <p:cNvGrpSpPr/>
+        <p:nvPr/>
+      </p:nvGrpSpPr>
+      <p:grpSpPr>
+        <a:xfrm>
+          <a:off x="0" y="0"/>
+          <a:ext cx="0" cy="0"/>
+          <a:chOff x="0" y="0"/>
+          <a:chExt cx="0" cy="0"/>
+        </a:xfrm>
+      </p:grpSpPr>
+      <p:sp>
+        <p:nvSpPr>
+          <p:cNvPr id="2" name="Title 1">
+            <a:extLst>
+              <a:ext uri="{FF2B5EF4-FFF2-40B4-BE49-F238E27FC236}">
+                <a16:creationId xmlns:a16="http://schemas.microsoft.com/office/drawing/2014/main" id="{CFCDF3DA-1D3D-E743-8E21-6B353B4D96A4}"/>
+              </a:ext>
+            </a:extLst>
+          </p:cNvPr>
+          <p:cNvSpPr>
+            <a:spLocks noGrp="1"/>
+          </p:cNvSpPr>
+          <p:nvPr>
+            <p:ph type="title"/>
+          </p:nvPr>
+        </p:nvSpPr>
+        <p:spPr/>
+        <p:txBody>
+          <a:bodyPr/>
+          <a:lstStyle/>
+          <a:p>
+            <a:endParaRPr lang="en-NL"/>
+          </a:p>
+        </p:txBody>
+      </p:sp>
+      <p:sp>
+        <p:nvSpPr>
+          <p:cNvPr id="3" name="Content Placeholder 2">
+            <a:extLst>
+              <a:ext uri="{FF2B5EF4-FFF2-40B4-BE49-F238E27FC236}">
+                <a16:creationId xmlns:a16="http://schemas.microsoft.com/office/drawing/2014/main" id="{40A525DA-CA85-AD48-8A85-52A75E1E5317}"/>
+              </a:ext>
+            </a:extLst>
+          </p:cNvPr>
+          <p:cNvSpPr>
+            <a:spLocks noGrp="1"/>
+          </p:cNvSpPr>
+          <p:nvPr>
+            <p:ph idx="1"/>
+          </p:nvPr>
+        </p:nvSpPr>
+        <p:spPr/>
+        <p:txBody>
+          <a:bodyPr/>
+          <a:lstStyle/>
+          <a:p>
+            <a:endParaRPr lang="en-NL"/>
+          </a:p>
+        </p:txBody>
+      </p:sp>
+      <p:sp>
+        <p:nvSpPr>
+          <p:cNvPr id="4" name="Rounded Rectangle 3">
+            <a:extLst>
+              <a:ext uri="{FF2B5EF4-FFF2-40B4-BE49-F238E27FC236}">
+                <a16:creationId xmlns:a16="http://schemas.microsoft.com/office/drawing/2014/main" id="{6B890BB6-3544-1A4E-A833-93135A597BB4}"/>
+              </a:ext>
+            </a:extLst>
+          </p:cNvPr>
+          <p:cNvSpPr/>
+          <p:nvPr/>
+        </p:nvSpPr>
+        <p:spPr>
+          <a:xfrm>
+            <a:off x="0" y="0"/>
+            <a:ext cx="7559675" cy="5327650"/>
+          </a:xfrm>
+          <a:prstGeom prst="roundRect">
+            <a:avLst>
+              <a:gd name="adj" fmla="val 0"/>
+            </a:avLst>
+          </a:prstGeom>
+          <a:blipFill>
+            <a:blip r:embed="rId2"/>
+            <a:stretch>
+              <a:fillRect/>
+            </a:stretch>
+          </a:blipFill>
+          <a:ln>
+            <a:solidFill>
+              <a:schemeClr val="bg2"/>
+            </a:solidFill>
+          </a:ln>
+        </p:spPr>
+        <p:style>
+          <a:lnRef idx="2">
+            <a:schemeClr val="accent1">
+              <a:shade val="50000"/>
+            </a:schemeClr>
+          </a:lnRef>
+          <a:fillRef idx="1">
+            <a:schemeClr val="accent1"/>
+          </a:fillRef>
+          <a:effectRef idx="0">
+            <a:schemeClr val="accent1"/>
+          </a:effectRef>
+          <a:fontRef idx="minor">
+            <a:schemeClr val="lt1"/>
+          </a:fontRef>
+        </p:style>
+        <p:txBody>
+          <a:bodyPr rtlCol="0" anchor="ctr"/>
+          <a:lstStyle/>
+          <a:p>
+            <a:pPr algn="ctr"/>
+            <a:endParaRPr lang="en-NL"/>
+          </a:p>
+        </p:txBody>
+      </p:sp>
+      <p:pic>
+        <p:nvPicPr>
+          <p:cNvPr id="5" name="Picture 4" descr="A picture containing food, drawing&#10;&#10;Description automatically generated">
+            <a:extLst>
+              <a:ext uri="{FF2B5EF4-FFF2-40B4-BE49-F238E27FC236}">
+                <a16:creationId xmlns:a16="http://schemas.microsoft.com/office/drawing/2014/main" id="{27611709-3190-2A4B-BCE4-4D329000A8EB}"/>
+              </a:ext>
+            </a:extLst>
+          </p:cNvPr>
+          <p:cNvPicPr>
+            <a:picLocks noChangeAspect="1"/>
+          </p:cNvPicPr>
+          <p:nvPr/>
+        </p:nvPicPr>
+        <p:blipFill>
+          <a:blip r:embed="rId3"/>
+          <a:stretch>
+            <a:fillRect/>
+          </a:stretch>
+        </p:blipFill>
+        <p:spPr>
+          <a:xfrm>
+            <a:off x="350837" y="-765175"/>
+            <a:ext cx="6858000" cy="6858000"/>
+          </a:xfrm>
+          <a:prstGeom prst="rect">
+            <a:avLst/>
+          </a:prstGeom>
+        </p:spPr>
+      </p:pic>
+    </p:spTree>
+    <p:extLst>
+      <p:ext uri="{BB962C8B-B14F-4D97-AF65-F5344CB8AC3E}">
+        <p14:creationId xmlns:p14="http://schemas.microsoft.com/office/powerpoint/2010/main" val="783597385"/>
+      </p:ext>
+    </p:extLst>
+  </p:cSld>
+  <p:clrMapOvr>
+    <a:masterClrMapping/>
+  </p:clrMapOvr>
+</p:sld>
+</file>
+
+<file path=ppt/slides/slide19.xml><?xml version="1.0" encoding="utf-8"?>
+<p:sld xmlns:a="http://schemas.openxmlformats.org/drawingml/2006/main" xmlns:r="http://schemas.openxmlformats.org/officeDocument/2006/relationships" xmlns:p="http://schemas.openxmlformats.org/presentationml/2006/main">
+  <p:cSld>
+    <p:spTree>
+      <p:nvGrpSpPr>
+        <p:cNvPr id="1" name=""/>
+        <p:cNvGrpSpPr/>
+        <p:nvPr/>
+      </p:nvGrpSpPr>
+      <p:grpSpPr>
+        <a:xfrm>
+          <a:off x="0" y="0"/>
+          <a:ext cx="0" cy="0"/>
+          <a:chOff x="0" y="0"/>
+          <a:chExt cx="0" cy="0"/>
+        </a:xfrm>
+      </p:grpSpPr>
+      <p:sp>
+        <p:nvSpPr>
           <p:cNvPr id="5" name="Rounded Rectangle 4">
             <a:extLst>
               <a:ext uri="{FF2B5EF4-FFF2-40B4-BE49-F238E27FC236}">
@@ -6185,7 +6684,729 @@
 </p:sld>
 </file>
 
-<file path=ppt/slides/slide18.xml><?xml version="1.0" encoding="utf-8"?>
+<file path=ppt/slides/slide2.xml><?xml version="1.0" encoding="utf-8"?>
+<p:sld xmlns:a="http://schemas.openxmlformats.org/drawingml/2006/main" xmlns:r="http://schemas.openxmlformats.org/officeDocument/2006/relationships" xmlns:p="http://schemas.openxmlformats.org/presentationml/2006/main">
+  <p:cSld>
+    <p:spTree>
+      <p:nvGrpSpPr>
+        <p:cNvPr id="1" name=""/>
+        <p:cNvGrpSpPr/>
+        <p:nvPr/>
+      </p:nvGrpSpPr>
+      <p:grpSpPr>
+        <a:xfrm>
+          <a:off x="0" y="0"/>
+          <a:ext cx="0" cy="0"/>
+          <a:chOff x="0" y="0"/>
+          <a:chExt cx="0" cy="0"/>
+        </a:xfrm>
+      </p:grpSpPr>
+      <p:sp>
+        <p:nvSpPr>
+          <p:cNvPr id="10" name="Rectangle 9">
+            <a:extLst>
+              <a:ext uri="{FF2B5EF4-FFF2-40B4-BE49-F238E27FC236}">
+                <a16:creationId xmlns:a16="http://schemas.microsoft.com/office/drawing/2014/main" id="{A57AEBD6-367D-D941-98BD-0EEFF9B8D9C8}"/>
+              </a:ext>
+            </a:extLst>
+          </p:cNvPr>
+          <p:cNvSpPr/>
+          <p:nvPr/>
+        </p:nvSpPr>
+        <p:spPr>
+          <a:xfrm>
+            <a:off x="-1" y="0"/>
+            <a:ext cx="7559675" cy="5327650"/>
+          </a:xfrm>
+          <a:prstGeom prst="rect">
+            <a:avLst/>
+          </a:prstGeom>
+          <a:solidFill>
+            <a:srgbClr val="DE8445"/>
+          </a:solidFill>
+          <a:ln>
+            <a:solidFill>
+              <a:srgbClr val="DE8445"/>
+            </a:solidFill>
+          </a:ln>
+        </p:spPr>
+        <p:style>
+          <a:lnRef idx="2">
+            <a:schemeClr val="accent1">
+              <a:shade val="50000"/>
+            </a:schemeClr>
+          </a:lnRef>
+          <a:fillRef idx="1">
+            <a:schemeClr val="accent1"/>
+          </a:fillRef>
+          <a:effectRef idx="0">
+            <a:schemeClr val="accent1"/>
+          </a:effectRef>
+          <a:fontRef idx="minor">
+            <a:schemeClr val="lt1"/>
+          </a:fontRef>
+        </p:style>
+        <p:txBody>
+          <a:bodyPr rtlCol="0" anchor="ctr"/>
+          <a:lstStyle/>
+          <a:p>
+            <a:pPr algn="ctr"/>
+            <a:endParaRPr lang="en-NL" sz="3700">
+              <a:solidFill>
+                <a:schemeClr val="tx1"/>
+              </a:solidFill>
+            </a:endParaRPr>
+          </a:p>
+        </p:txBody>
+      </p:sp>
+      <p:pic>
+        <p:nvPicPr>
+          <p:cNvPr id="15" name="Picture 14">
+            <a:extLst>
+              <a:ext uri="{FF2B5EF4-FFF2-40B4-BE49-F238E27FC236}">
+                <a16:creationId xmlns:a16="http://schemas.microsoft.com/office/drawing/2014/main" id="{789A4496-9FBC-704F-B2C1-D5C1E9DB312E}"/>
+              </a:ext>
+            </a:extLst>
+          </p:cNvPr>
+          <p:cNvPicPr>
+            <a:picLocks noChangeAspect="1"/>
+          </p:cNvPicPr>
+          <p:nvPr/>
+        </p:nvPicPr>
+        <p:blipFill>
+          <a:blip r:embed="rId3"/>
+          <a:stretch>
+            <a:fillRect/>
+          </a:stretch>
+        </p:blipFill>
+        <p:spPr>
+          <a:xfrm>
+            <a:off x="4991437" y="3324877"/>
+            <a:ext cx="1377557" cy="570453"/>
+          </a:xfrm>
+          <a:prstGeom prst="rect">
+            <a:avLst/>
+          </a:prstGeom>
+        </p:spPr>
+      </p:pic>
+      <p:pic>
+        <p:nvPicPr>
+          <p:cNvPr id="16" name="Picture 15" descr="A picture containing food, drawing&#10;&#10;Description automatically generated">
+            <a:extLst>
+              <a:ext uri="{FF2B5EF4-FFF2-40B4-BE49-F238E27FC236}">
+                <a16:creationId xmlns:a16="http://schemas.microsoft.com/office/drawing/2014/main" id="{5BFC205A-19C7-9F49-929A-165FFE6218EB}"/>
+              </a:ext>
+            </a:extLst>
+          </p:cNvPr>
+          <p:cNvPicPr>
+            <a:picLocks noChangeAspect="1"/>
+          </p:cNvPicPr>
+          <p:nvPr/>
+        </p:nvPicPr>
+        <p:blipFill>
+          <a:blip r:embed="rId4"/>
+          <a:stretch>
+            <a:fillRect/>
+          </a:stretch>
+        </p:blipFill>
+        <p:spPr>
+          <a:xfrm>
+            <a:off x="4555669" y="-324090"/>
+            <a:ext cx="2268599" cy="2232403"/>
+          </a:xfrm>
+          <a:prstGeom prst="rect">
+            <a:avLst/>
+          </a:prstGeom>
+        </p:spPr>
+      </p:pic>
+      <p:sp>
+        <p:nvSpPr>
+          <p:cNvPr id="17" name="Rectangle 16">
+            <a:extLst>
+              <a:ext uri="{FF2B5EF4-FFF2-40B4-BE49-F238E27FC236}">
+                <a16:creationId xmlns:a16="http://schemas.microsoft.com/office/drawing/2014/main" id="{1CFD67FC-EB16-7E4E-B8D4-767E78D204CB}"/>
+              </a:ext>
+            </a:extLst>
+          </p:cNvPr>
+          <p:cNvSpPr/>
+          <p:nvPr/>
+        </p:nvSpPr>
+        <p:spPr>
+          <a:xfrm>
+            <a:off x="4029052" y="1366749"/>
+            <a:ext cx="3305328" cy="2169825"/>
+          </a:xfrm>
+          <a:prstGeom prst="rect">
+            <a:avLst/>
+          </a:prstGeom>
+        </p:spPr>
+        <p:txBody>
+          <a:bodyPr wrap="square">
+            <a:spAutoFit/>
+          </a:bodyPr>
+          <a:lstStyle/>
+          <a:p>
+            <a:pPr algn="ctr"/>
+            <a:r>
+              <a:rPr lang="en-GB" sz="900" b="1" dirty="0">
+                <a:solidFill>
+                  <a:schemeClr val="bg1"/>
+                </a:solidFill>
+                <a:latin typeface="Ubuntu Light" panose="020B0304030602030204" pitchFamily="34" charset="0"/>
+              </a:rPr>
+              <a:t>Scrum</a:t>
+            </a:r>
+            <a:r>
+              <a:rPr lang="en-GB" sz="900" dirty="0">
+                <a:solidFill>
+                  <a:schemeClr val="bg1"/>
+                </a:solidFill>
+                <a:latin typeface="Ubuntu Light" panose="020B0304030602030204" pitchFamily="34" charset="0"/>
+              </a:rPr>
+              <a:t> </a:t>
+            </a:r>
+            <a:r>
+              <a:rPr lang="en-GB" sz="900" b="1" dirty="0">
+                <a:solidFill>
+                  <a:schemeClr val="bg1"/>
+                </a:solidFill>
+                <a:latin typeface="Ubuntu Light" panose="020B0304030602030204" pitchFamily="34" charset="0"/>
+              </a:rPr>
+              <a:t>Facilitators</a:t>
+            </a:r>
+            <a:r>
+              <a:rPr lang="en-GB" sz="900" dirty="0">
+                <a:solidFill>
+                  <a:schemeClr val="bg1"/>
+                </a:solidFill>
+                <a:latin typeface="Ubuntu Light" panose="020B0304030602030204" pitchFamily="34" charset="0"/>
+              </a:rPr>
+              <a:t> is a Dutch-based training organization on a mission to help professionals become awesome Scrum facilitators. A Scrum Facilitator can be a Scrum Master, Product Owner, developer or  leader. Great Scrum Facilitators understand the Scrum values &amp; principles and use these to effectively implement Scrum with their teams and organizations.</a:t>
+            </a:r>
+          </a:p>
+          <a:p>
+            <a:pPr algn="ctr"/>
+            <a:endParaRPr lang="en-GB" sz="900" dirty="0">
+              <a:solidFill>
+                <a:schemeClr val="bg1"/>
+              </a:solidFill>
+              <a:latin typeface="Ubuntu Light" panose="020B0304030602030204" pitchFamily="34" charset="0"/>
+            </a:endParaRPr>
+          </a:p>
+          <a:p>
+            <a:pPr algn="ctr"/>
+            <a:r>
+              <a:rPr lang="en-GB" sz="900" b="1" dirty="0">
+                <a:solidFill>
+                  <a:schemeClr val="bg1"/>
+                </a:solidFill>
+                <a:latin typeface="Ubuntu Light" panose="020B0304030602030204" pitchFamily="34" charset="0"/>
+              </a:rPr>
+              <a:t>Scrum Facilitators is a Scrum.org partner</a:t>
+            </a:r>
+            <a:r>
+              <a:rPr lang="en-GB" sz="900" dirty="0">
+                <a:solidFill>
+                  <a:schemeClr val="bg1"/>
+                </a:solidFill>
+                <a:latin typeface="Ubuntu Light" panose="020B0304030602030204" pitchFamily="34" charset="0"/>
+              </a:rPr>
+              <a:t>. Our classes are accredited, always up-to-date, fun, super interactive and always facilitated by two trainers to maximize your learning objectives. Our trainers are </a:t>
+            </a:r>
+            <a:r>
+              <a:rPr lang="en-GB" sz="900" b="1" dirty="0">
+                <a:solidFill>
+                  <a:schemeClr val="bg1"/>
+                </a:solidFill>
+                <a:latin typeface="Ubuntu Light" panose="020B0304030602030204" pitchFamily="34" charset="0"/>
+              </a:rPr>
+              <a:t>seasoned experts </a:t>
+            </a:r>
+            <a:r>
+              <a:rPr lang="en-GB" sz="900" dirty="0">
+                <a:solidFill>
+                  <a:schemeClr val="bg1"/>
+                </a:solidFill>
+                <a:latin typeface="Ubuntu Light" panose="020B0304030602030204" pitchFamily="34" charset="0"/>
+              </a:rPr>
+              <a:t>and </a:t>
+            </a:r>
+            <a:r>
+              <a:rPr lang="en-GB" sz="900" b="1" dirty="0">
+                <a:solidFill>
+                  <a:schemeClr val="bg1"/>
+                </a:solidFill>
+                <a:latin typeface="Ubuntu Light" panose="020B0304030602030204" pitchFamily="34" charset="0"/>
+              </a:rPr>
+              <a:t>Scrum.org certified </a:t>
+            </a:r>
+            <a:r>
+              <a:rPr lang="en-GB" sz="900" dirty="0">
+                <a:solidFill>
+                  <a:schemeClr val="bg1"/>
+                </a:solidFill>
+                <a:latin typeface="Ubuntu Light" panose="020B0304030602030204" pitchFamily="34" charset="0"/>
+              </a:rPr>
+              <a:t>Professional Scrum Trainers with substantial real life experience in various settings.</a:t>
+            </a:r>
+          </a:p>
+          <a:p>
+            <a:pPr algn="ctr"/>
+            <a:endParaRPr lang="en-GB" sz="900" dirty="0">
+              <a:solidFill>
+                <a:schemeClr val="bg1"/>
+              </a:solidFill>
+              <a:latin typeface="Ubuntu Light" panose="020B0304030602030204" pitchFamily="34" charset="0"/>
+            </a:endParaRPr>
+          </a:p>
+        </p:txBody>
+      </p:sp>
+      <p:sp>
+        <p:nvSpPr>
+          <p:cNvPr id="18" name="TextBox 17">
+            <a:extLst>
+              <a:ext uri="{FF2B5EF4-FFF2-40B4-BE49-F238E27FC236}">
+                <a16:creationId xmlns:a16="http://schemas.microsoft.com/office/drawing/2014/main" id="{6F943A64-0EE7-0746-8785-BA4ACC104E94}"/>
+              </a:ext>
+            </a:extLst>
+          </p:cNvPr>
+          <p:cNvSpPr txBox="1"/>
+          <p:nvPr/>
+        </p:nvSpPr>
+        <p:spPr>
+          <a:xfrm>
+            <a:off x="123986" y="729912"/>
+            <a:ext cx="3572360" cy="1015663"/>
+          </a:xfrm>
+          <a:prstGeom prst="rect">
+            <a:avLst/>
+          </a:prstGeom>
+          <a:noFill/>
+        </p:spPr>
+        <p:txBody>
+          <a:bodyPr wrap="square" rtlCol="0">
+            <a:spAutoFit/>
+          </a:bodyPr>
+          <a:lstStyle/>
+          <a:p>
+            <a:pPr algn="ctr"/>
+            <a:r>
+              <a:rPr lang="en-GB" sz="1000" dirty="0">
+                <a:solidFill>
+                  <a:schemeClr val="bg1"/>
+                </a:solidFill>
+                <a:latin typeface="Ubuntu" panose="020B0504030602030204" pitchFamily="34" charset="0"/>
+              </a:rPr>
+              <a:t>This game is based on Evidence Based Management (EBM). EBM is an empirical framework organizations can use to help measure the (perceived) product value, and the way they deliver their product(s). The measurements can be inspected to help maximize product value and improve the way of working.</a:t>
+            </a:r>
+            <a:endParaRPr lang="en-NL" sz="1000" dirty="0">
+              <a:latin typeface="Ubuntu" panose="020B0504030602030204" pitchFamily="34" charset="0"/>
+            </a:endParaRPr>
+          </a:p>
+        </p:txBody>
+      </p:sp>
+      <p:sp>
+        <p:nvSpPr>
+          <p:cNvPr id="20" name="TextBox 19">
+            <a:extLst>
+              <a:ext uri="{FF2B5EF4-FFF2-40B4-BE49-F238E27FC236}">
+                <a16:creationId xmlns:a16="http://schemas.microsoft.com/office/drawing/2014/main" id="{CF06092E-B2A6-EB41-86F4-7148929817BE}"/>
+              </a:ext>
+            </a:extLst>
+          </p:cNvPr>
+          <p:cNvSpPr txBox="1"/>
+          <p:nvPr/>
+        </p:nvSpPr>
+        <p:spPr>
+          <a:xfrm>
+            <a:off x="213612" y="1837558"/>
+            <a:ext cx="3305328" cy="2862322"/>
+          </a:xfrm>
+          <a:prstGeom prst="rect">
+            <a:avLst/>
+          </a:prstGeom>
+          <a:noFill/>
+        </p:spPr>
+        <p:txBody>
+          <a:bodyPr wrap="square" rtlCol="0">
+            <a:spAutoFit/>
+          </a:bodyPr>
+          <a:lstStyle/>
+          <a:p>
+            <a:pPr marL="228600" indent="-228600">
+              <a:buFont typeface="+mj-lt"/>
+              <a:buAutoNum type="arabicPeriod"/>
+            </a:pPr>
+            <a:r>
+              <a:rPr lang="en-GB" sz="900" dirty="0">
+                <a:solidFill>
+                  <a:schemeClr val="bg1"/>
+                </a:solidFill>
+                <a:latin typeface="Ubuntu Light" panose="020B0304030602030204" pitchFamily="34" charset="0"/>
+              </a:rPr>
+              <a:t>As a Scrum Facilitator, put the four Key Value Areas (KVAs) in a row on the floor (Current Value, Time to Market, Ability to Innovate and Unrealized Value). Explain each KVA to the participants.</a:t>
+            </a:r>
+          </a:p>
+          <a:p>
+            <a:pPr marL="228600" indent="-228600">
+              <a:buFont typeface="+mj-lt"/>
+              <a:buAutoNum type="arabicPeriod"/>
+            </a:pPr>
+            <a:r>
+              <a:rPr lang="en-GB" sz="900" dirty="0">
+                <a:solidFill>
+                  <a:schemeClr val="bg1"/>
+                </a:solidFill>
+                <a:latin typeface="Ubuntu Light" panose="020B0304030602030204" pitchFamily="34" charset="0"/>
+              </a:rPr>
+              <a:t>Form two groups and hand one group the green Key Value Measures cards (KVMs) and the other group the remaining purple KVMs.</a:t>
+            </a:r>
+          </a:p>
+          <a:p>
+            <a:pPr marL="228600" indent="-228600">
+              <a:buFont typeface="+mj-lt"/>
+              <a:buAutoNum type="arabicPeriod"/>
+            </a:pPr>
+            <a:r>
+              <a:rPr lang="en-GB" sz="900" dirty="0">
+                <a:solidFill>
+                  <a:schemeClr val="bg1"/>
+                </a:solidFill>
+                <a:latin typeface="Ubuntu Light" panose="020B0304030602030204" pitchFamily="34" charset="0"/>
+              </a:rPr>
+              <a:t>Step 1: Invite the group(s) to discuss and put the KVMs under the correct KVA.</a:t>
+            </a:r>
+          </a:p>
+          <a:p>
+            <a:pPr marL="228600" indent="-228600">
+              <a:buFont typeface="+mj-lt"/>
+              <a:buAutoNum type="arabicPeriod"/>
+            </a:pPr>
+            <a:r>
+              <a:rPr lang="en-GB" sz="900" dirty="0">
+                <a:solidFill>
+                  <a:schemeClr val="bg1"/>
+                </a:solidFill>
+                <a:latin typeface="Ubuntu Light" panose="020B0304030602030204" pitchFamily="34" charset="0"/>
+              </a:rPr>
+              <a:t>Step 2: Invite both groups to discuss their results and adapt their cards. Make sure by the end of this round, the KVM cards are under the correct KVA. </a:t>
+            </a:r>
+          </a:p>
+          <a:p>
+            <a:pPr marL="228600" indent="-228600">
+              <a:buFont typeface="+mj-lt"/>
+              <a:buAutoNum type="arabicPeriod"/>
+            </a:pPr>
+            <a:r>
+              <a:rPr lang="en-GB" sz="900" dirty="0">
+                <a:solidFill>
+                  <a:schemeClr val="bg1"/>
+                </a:solidFill>
+                <a:latin typeface="Ubuntu Light" panose="020B0304030602030204" pitchFamily="34" charset="0"/>
+              </a:rPr>
+              <a:t>Step 3: Invite the participants to individually look at the KVMs and select one KVM that caught their attention. (A non-EBM KVM may also be chosen at this point)</a:t>
+            </a:r>
+          </a:p>
+          <a:p>
+            <a:pPr marL="228600" indent="-228600">
+              <a:buFont typeface="+mj-lt"/>
+              <a:buAutoNum type="arabicPeriod"/>
+            </a:pPr>
+            <a:r>
+              <a:rPr lang="en-GB" sz="900" dirty="0">
+                <a:solidFill>
+                  <a:schemeClr val="bg1"/>
+                </a:solidFill>
+                <a:latin typeface="Ubuntu Light" panose="020B0304030602030204" pitchFamily="34" charset="0"/>
+              </a:rPr>
+              <a:t>Step 4: Invite the participants into groups of four. Ask each participant to explain why they chose their particular KVM and collaborate on how to implement it. (In case of non-EBM measures, pay attention that these are not vanity metrics and discuss the potential pitfalls)</a:t>
+            </a:r>
+            <a:endParaRPr lang="en-NL" sz="900" dirty="0">
+              <a:solidFill>
+                <a:schemeClr val="bg1"/>
+              </a:solidFill>
+              <a:latin typeface="Ubuntu Light" panose="020B0304030602030204" pitchFamily="34" charset="0"/>
+            </a:endParaRPr>
+          </a:p>
+        </p:txBody>
+      </p:sp>
+      <p:sp>
+        <p:nvSpPr>
+          <p:cNvPr id="21" name="TextBox 20">
+            <a:extLst>
+              <a:ext uri="{FF2B5EF4-FFF2-40B4-BE49-F238E27FC236}">
+                <a16:creationId xmlns:a16="http://schemas.microsoft.com/office/drawing/2014/main" id="{198E9943-4F58-D344-BF0A-1E1F4F8AC017}"/>
+              </a:ext>
+            </a:extLst>
+          </p:cNvPr>
+          <p:cNvSpPr txBox="1"/>
+          <p:nvPr/>
+        </p:nvSpPr>
+        <p:spPr>
+          <a:xfrm>
+            <a:off x="4294481" y="3895330"/>
+            <a:ext cx="2771468" cy="738664"/>
+          </a:xfrm>
+          <a:prstGeom prst="rect">
+            <a:avLst/>
+          </a:prstGeom>
+          <a:noFill/>
+        </p:spPr>
+        <p:txBody>
+          <a:bodyPr wrap="square" rtlCol="0">
+            <a:spAutoFit/>
+          </a:bodyPr>
+          <a:lstStyle/>
+          <a:p>
+            <a:pPr algn="ctr"/>
+            <a:r>
+              <a:rPr lang="en-NL" sz="700" dirty="0">
+                <a:solidFill>
+                  <a:schemeClr val="bg1"/>
+                </a:solidFill>
+                <a:latin typeface="Ubuntu Light" panose="020B0304030602030204" pitchFamily="34" charset="0"/>
+              </a:rPr>
+              <a:t>Based on the 2020 EBM Guide. Learn about Evidence-Based Management (EBM) </a:t>
+            </a:r>
+            <a:r>
+              <a:rPr lang="en-GB" sz="700" dirty="0">
+                <a:solidFill>
+                  <a:schemeClr val="bg1"/>
+                </a:solidFill>
+                <a:latin typeface="Ubuntu Light" panose="020B0304030602030204" pitchFamily="34" charset="0"/>
+              </a:rPr>
+              <a:t>at </a:t>
+            </a:r>
+            <a:r>
+              <a:rPr lang="en-GB" sz="700" dirty="0">
+                <a:solidFill>
+                  <a:schemeClr val="bg1"/>
+                </a:solidFill>
+                <a:latin typeface="Ubuntu Light" panose="020B0304030602030204" pitchFamily="34" charset="0"/>
+                <a:hlinkClick r:id="rId5"/>
+              </a:rPr>
+              <a:t>http://s</a:t>
+            </a:r>
+            <a:r>
+              <a:rPr lang="en-NL" sz="700" dirty="0">
+                <a:solidFill>
+                  <a:schemeClr val="bg1"/>
+                </a:solidFill>
+                <a:latin typeface="Ubuntu Light" panose="020B0304030602030204" pitchFamily="34" charset="0"/>
+                <a:hlinkClick r:id="rId5"/>
+              </a:rPr>
+              <a:t>crum.org/EBM</a:t>
+            </a:r>
+            <a:endParaRPr lang="en-NL" sz="700" dirty="0">
+              <a:solidFill>
+                <a:schemeClr val="bg1"/>
+              </a:solidFill>
+              <a:latin typeface="Ubuntu Light" panose="020B0304030602030204" pitchFamily="34" charset="0"/>
+            </a:endParaRPr>
+          </a:p>
+          <a:p>
+            <a:pPr algn="ctr"/>
+            <a:endParaRPr lang="en-NL" sz="700" dirty="0">
+              <a:solidFill>
+                <a:schemeClr val="bg1"/>
+              </a:solidFill>
+              <a:latin typeface="Ubuntu Light" panose="020B0304030602030204" pitchFamily="34" charset="0"/>
+            </a:endParaRPr>
+          </a:p>
+          <a:p>
+            <a:pPr algn="ctr"/>
+            <a:r>
+              <a:rPr lang="en-GB" sz="700" dirty="0">
+                <a:solidFill>
+                  <a:schemeClr val="bg1"/>
+                </a:solidFill>
+                <a:latin typeface="Ubuntu Light" panose="020B0304030602030204" pitchFamily="34" charset="0"/>
+              </a:rPr>
+              <a:t>The Measuring Outcome game (v2) is licensed under </a:t>
+            </a:r>
+          </a:p>
+          <a:p>
+            <a:pPr algn="ctr"/>
+            <a:r>
+              <a:rPr lang="en-GB" sz="700" dirty="0">
+                <a:solidFill>
+                  <a:schemeClr val="bg1"/>
+                </a:solidFill>
+                <a:latin typeface="Ubuntu Light" panose="020B0304030602030204" pitchFamily="34" charset="0"/>
+              </a:rPr>
+              <a:t>CC BY-NC-SA 4.0</a:t>
+            </a:r>
+          </a:p>
+          <a:p>
+            <a:pPr algn="ctr"/>
+            <a:r>
+              <a:rPr lang="en-GB" sz="700" dirty="0">
+                <a:solidFill>
+                  <a:schemeClr val="bg1">
+                    <a:lumMod val="75000"/>
+                  </a:schemeClr>
+                </a:solidFill>
+                <a:latin typeface="Ubuntu Light" panose="020B0304030602030204" pitchFamily="34" charset="0"/>
+              </a:rPr>
+              <a:t>By Scrum Facilitators</a:t>
+            </a:r>
+          </a:p>
+        </p:txBody>
+      </p:sp>
+      <p:grpSp>
+        <p:nvGrpSpPr>
+          <p:cNvPr id="2" name="Group 1">
+            <a:extLst>
+              <a:ext uri="{FF2B5EF4-FFF2-40B4-BE49-F238E27FC236}">
+                <a16:creationId xmlns:a16="http://schemas.microsoft.com/office/drawing/2014/main" id="{E86EE5EF-4E07-9D4A-8C2D-83F385087044}"/>
+              </a:ext>
+            </a:extLst>
+          </p:cNvPr>
+          <p:cNvGrpSpPr/>
+          <p:nvPr/>
+        </p:nvGrpSpPr>
+        <p:grpSpPr>
+          <a:xfrm>
+            <a:off x="-232456" y="161565"/>
+            <a:ext cx="3909016" cy="665950"/>
+            <a:chOff x="-77476" y="76326"/>
+            <a:chExt cx="3909016" cy="665950"/>
+          </a:xfrm>
+        </p:grpSpPr>
+        <p:sp>
+          <p:nvSpPr>
+            <p:cNvPr id="19" name="TextBox 18">
+              <a:extLst>
+                <a:ext uri="{FF2B5EF4-FFF2-40B4-BE49-F238E27FC236}">
+                  <a16:creationId xmlns:a16="http://schemas.microsoft.com/office/drawing/2014/main" id="{595EE125-EFCC-F14F-8498-A6CD8EEF0F59}"/>
+                </a:ext>
+              </a:extLst>
+            </p:cNvPr>
+            <p:cNvSpPr txBox="1"/>
+            <p:nvPr/>
+          </p:nvSpPr>
+          <p:spPr>
+            <a:xfrm>
+              <a:off x="-77476" y="76326"/>
+              <a:ext cx="3909016" cy="664926"/>
+            </a:xfrm>
+            <a:prstGeom prst="rect">
+              <a:avLst/>
+            </a:prstGeom>
+            <a:noFill/>
+          </p:spPr>
+          <p:txBody>
+            <a:bodyPr wrap="square" rtlCol="0">
+              <a:spAutoFit/>
+            </a:bodyPr>
+            <a:lstStyle/>
+            <a:p>
+              <a:pPr algn="ctr"/>
+              <a:r>
+                <a:rPr lang="en-NL" sz="3700" b="1" dirty="0">
+                  <a:latin typeface="Marvel" pitchFamily="2" charset="0"/>
+                </a:rPr>
+                <a:t>FACILITATE THE GAM</a:t>
+              </a:r>
+            </a:p>
+          </p:txBody>
+        </p:sp>
+        <p:sp>
+          <p:nvSpPr>
+            <p:cNvPr id="24" name="TextBox 23">
+              <a:extLst>
+                <a:ext uri="{FF2B5EF4-FFF2-40B4-BE49-F238E27FC236}">
+                  <a16:creationId xmlns:a16="http://schemas.microsoft.com/office/drawing/2014/main" id="{9D817926-FA1D-B346-9D51-472AADB3F438}"/>
+                </a:ext>
+              </a:extLst>
+            </p:cNvPr>
+            <p:cNvSpPr txBox="1"/>
+            <p:nvPr/>
+          </p:nvSpPr>
+          <p:spPr>
+            <a:xfrm>
+              <a:off x="3221873" y="77350"/>
+              <a:ext cx="249747" cy="664926"/>
+            </a:xfrm>
+            <a:prstGeom prst="rect">
+              <a:avLst/>
+            </a:prstGeom>
+            <a:noFill/>
+          </p:spPr>
+          <p:txBody>
+            <a:bodyPr wrap="square" rtlCol="0">
+              <a:spAutoFit/>
+            </a:bodyPr>
+            <a:lstStyle/>
+            <a:p>
+              <a:pPr algn="ctr"/>
+              <a:r>
+                <a:rPr lang="en-NL" sz="3700" b="1" dirty="0">
+                  <a:latin typeface="Marvel" pitchFamily="2" charset="0"/>
+                </a:rPr>
+                <a:t>E</a:t>
+              </a:r>
+            </a:p>
+          </p:txBody>
+        </p:sp>
+      </p:grpSp>
+      <p:cxnSp>
+        <p:nvCxnSpPr>
+          <p:cNvPr id="4" name="Straight Connector 3">
+            <a:extLst>
+              <a:ext uri="{FF2B5EF4-FFF2-40B4-BE49-F238E27FC236}">
+                <a16:creationId xmlns:a16="http://schemas.microsoft.com/office/drawing/2014/main" id="{68785FFA-7409-D846-8C87-4C5E3E391542}"/>
+              </a:ext>
+            </a:extLst>
+          </p:cNvPr>
+          <p:cNvCxnSpPr/>
+          <p:nvPr/>
+        </p:nvCxnSpPr>
+        <p:spPr>
+          <a:xfrm>
+            <a:off x="3779837" y="255722"/>
+            <a:ext cx="0" cy="4680488"/>
+          </a:xfrm>
+          <a:prstGeom prst="line">
+            <a:avLst/>
+          </a:prstGeom>
+          <a:ln w="12700">
+            <a:solidFill>
+              <a:schemeClr val="bg1">
+                <a:lumMod val="75000"/>
+              </a:schemeClr>
+            </a:solidFill>
+          </a:ln>
+        </p:spPr>
+        <p:style>
+          <a:lnRef idx="1">
+            <a:schemeClr val="accent1"/>
+          </a:lnRef>
+          <a:fillRef idx="0">
+            <a:schemeClr val="accent1"/>
+          </a:fillRef>
+          <a:effectRef idx="0">
+            <a:schemeClr val="accent1"/>
+          </a:effectRef>
+          <a:fontRef idx="minor">
+            <a:schemeClr val="tx1"/>
+          </a:fontRef>
+        </p:style>
+      </p:cxnSp>
+    </p:spTree>
+    <p:extLst>
+      <p:ext uri="{BB962C8B-B14F-4D97-AF65-F5344CB8AC3E}">
+        <p14:creationId xmlns:p14="http://schemas.microsoft.com/office/powerpoint/2010/main" val="959106489"/>
+      </p:ext>
+    </p:extLst>
+  </p:cSld>
+  <p:clrMapOvr>
+    <a:masterClrMapping/>
+  </p:clrMapOvr>
+</p:sld>
+</file>
+
+<file path=ppt/slides/slide20.xml><?xml version="1.0" encoding="utf-8"?>
 <p:sld xmlns:a="http://schemas.openxmlformats.org/drawingml/2006/main" xmlns:r="http://schemas.openxmlformats.org/officeDocument/2006/relationships" xmlns:p="http://schemas.openxmlformats.org/presentationml/2006/main">
   <p:cSld>
     <p:spTree>
@@ -6354,7 +7575,7 @@
 </p:sld>
 </file>
 
-<file path=ppt/slides/slide19.xml><?xml version="1.0" encoding="utf-8"?>
+<file path=ppt/slides/slide21.xml><?xml version="1.0" encoding="utf-8"?>
 <p:sld xmlns:a="http://schemas.openxmlformats.org/drawingml/2006/main" xmlns:r="http://schemas.openxmlformats.org/officeDocument/2006/relationships" xmlns:p="http://schemas.openxmlformats.org/presentationml/2006/main">
   <p:cSld>
     <p:spTree>
@@ -6477,7 +7698,7 @@
             <a:p>
               <a:pPr algn="ctr"/>
               <a:r>
-                <a:rPr lang="en-GB" sz="5000" b="1">
+                <a:rPr lang="en-GB" sz="5000" b="1" dirty="0">
                   <a:solidFill>
                     <a:schemeClr val="bg1"/>
                   </a:solidFill>
@@ -6670,729 +7891,7 @@
 </p:sld>
 </file>
 
-<file path=ppt/slides/slide2.xml><?xml version="1.0" encoding="utf-8"?>
-<p:sld xmlns:a="http://schemas.openxmlformats.org/drawingml/2006/main" xmlns:r="http://schemas.openxmlformats.org/officeDocument/2006/relationships" xmlns:p="http://schemas.openxmlformats.org/presentationml/2006/main">
-  <p:cSld>
-    <p:spTree>
-      <p:nvGrpSpPr>
-        <p:cNvPr id="1" name=""/>
-        <p:cNvGrpSpPr/>
-        <p:nvPr/>
-      </p:nvGrpSpPr>
-      <p:grpSpPr>
-        <a:xfrm>
-          <a:off x="0" y="0"/>
-          <a:ext cx="0" cy="0"/>
-          <a:chOff x="0" y="0"/>
-          <a:chExt cx="0" cy="0"/>
-        </a:xfrm>
-      </p:grpSpPr>
-      <p:sp>
-        <p:nvSpPr>
-          <p:cNvPr id="10" name="Rectangle 9">
-            <a:extLst>
-              <a:ext uri="{FF2B5EF4-FFF2-40B4-BE49-F238E27FC236}">
-                <a16:creationId xmlns:a16="http://schemas.microsoft.com/office/drawing/2014/main" id="{A57AEBD6-367D-D941-98BD-0EEFF9B8D9C8}"/>
-              </a:ext>
-            </a:extLst>
-          </p:cNvPr>
-          <p:cNvSpPr/>
-          <p:nvPr/>
-        </p:nvSpPr>
-        <p:spPr>
-          <a:xfrm>
-            <a:off x="-1" y="0"/>
-            <a:ext cx="7559675" cy="5327650"/>
-          </a:xfrm>
-          <a:prstGeom prst="rect">
-            <a:avLst/>
-          </a:prstGeom>
-          <a:solidFill>
-            <a:srgbClr val="DE8445"/>
-          </a:solidFill>
-          <a:ln>
-            <a:solidFill>
-              <a:srgbClr val="DE8445"/>
-            </a:solidFill>
-          </a:ln>
-        </p:spPr>
-        <p:style>
-          <a:lnRef idx="2">
-            <a:schemeClr val="accent1">
-              <a:shade val="50000"/>
-            </a:schemeClr>
-          </a:lnRef>
-          <a:fillRef idx="1">
-            <a:schemeClr val="accent1"/>
-          </a:fillRef>
-          <a:effectRef idx="0">
-            <a:schemeClr val="accent1"/>
-          </a:effectRef>
-          <a:fontRef idx="minor">
-            <a:schemeClr val="lt1"/>
-          </a:fontRef>
-        </p:style>
-        <p:txBody>
-          <a:bodyPr rtlCol="0" anchor="ctr"/>
-          <a:lstStyle/>
-          <a:p>
-            <a:pPr algn="ctr"/>
-            <a:endParaRPr lang="en-NL" sz="3700">
-              <a:solidFill>
-                <a:schemeClr val="tx1"/>
-              </a:solidFill>
-            </a:endParaRPr>
-          </a:p>
-        </p:txBody>
-      </p:sp>
-      <p:pic>
-        <p:nvPicPr>
-          <p:cNvPr id="15" name="Picture 14">
-            <a:extLst>
-              <a:ext uri="{FF2B5EF4-FFF2-40B4-BE49-F238E27FC236}">
-                <a16:creationId xmlns:a16="http://schemas.microsoft.com/office/drawing/2014/main" id="{789A4496-9FBC-704F-B2C1-D5C1E9DB312E}"/>
-              </a:ext>
-            </a:extLst>
-          </p:cNvPr>
-          <p:cNvPicPr>
-            <a:picLocks noChangeAspect="1"/>
-          </p:cNvPicPr>
-          <p:nvPr/>
-        </p:nvPicPr>
-        <p:blipFill>
-          <a:blip r:embed="rId3"/>
-          <a:stretch>
-            <a:fillRect/>
-          </a:stretch>
-        </p:blipFill>
-        <p:spPr>
-          <a:xfrm>
-            <a:off x="4991437" y="3324877"/>
-            <a:ext cx="1377557" cy="570453"/>
-          </a:xfrm>
-          <a:prstGeom prst="rect">
-            <a:avLst/>
-          </a:prstGeom>
-        </p:spPr>
-      </p:pic>
-      <p:pic>
-        <p:nvPicPr>
-          <p:cNvPr id="16" name="Picture 15" descr="A picture containing food, drawing&#10;&#10;Description automatically generated">
-            <a:extLst>
-              <a:ext uri="{FF2B5EF4-FFF2-40B4-BE49-F238E27FC236}">
-                <a16:creationId xmlns:a16="http://schemas.microsoft.com/office/drawing/2014/main" id="{5BFC205A-19C7-9F49-929A-165FFE6218EB}"/>
-              </a:ext>
-            </a:extLst>
-          </p:cNvPr>
-          <p:cNvPicPr>
-            <a:picLocks noChangeAspect="1"/>
-          </p:cNvPicPr>
-          <p:nvPr/>
-        </p:nvPicPr>
-        <p:blipFill>
-          <a:blip r:embed="rId4"/>
-          <a:stretch>
-            <a:fillRect/>
-          </a:stretch>
-        </p:blipFill>
-        <p:spPr>
-          <a:xfrm>
-            <a:off x="4555669" y="-324090"/>
-            <a:ext cx="2268599" cy="2232403"/>
-          </a:xfrm>
-          <a:prstGeom prst="rect">
-            <a:avLst/>
-          </a:prstGeom>
-        </p:spPr>
-      </p:pic>
-      <p:sp>
-        <p:nvSpPr>
-          <p:cNvPr id="17" name="Rectangle 16">
-            <a:extLst>
-              <a:ext uri="{FF2B5EF4-FFF2-40B4-BE49-F238E27FC236}">
-                <a16:creationId xmlns:a16="http://schemas.microsoft.com/office/drawing/2014/main" id="{1CFD67FC-EB16-7E4E-B8D4-767E78D204CB}"/>
-              </a:ext>
-            </a:extLst>
-          </p:cNvPr>
-          <p:cNvSpPr/>
-          <p:nvPr/>
-        </p:nvSpPr>
-        <p:spPr>
-          <a:xfrm>
-            <a:off x="4029052" y="1366749"/>
-            <a:ext cx="3305328" cy="2169825"/>
-          </a:xfrm>
-          <a:prstGeom prst="rect">
-            <a:avLst/>
-          </a:prstGeom>
-        </p:spPr>
-        <p:txBody>
-          <a:bodyPr wrap="square">
-            <a:spAutoFit/>
-          </a:bodyPr>
-          <a:lstStyle/>
-          <a:p>
-            <a:pPr algn="ctr"/>
-            <a:r>
-              <a:rPr lang="en-GB" sz="900" b="1" dirty="0">
-                <a:solidFill>
-                  <a:schemeClr val="bg1"/>
-                </a:solidFill>
-                <a:latin typeface="Ubuntu Light" panose="020B0304030602030204" pitchFamily="34" charset="0"/>
-              </a:rPr>
-              <a:t>Scrum</a:t>
-            </a:r>
-            <a:r>
-              <a:rPr lang="en-GB" sz="900" dirty="0">
-                <a:solidFill>
-                  <a:schemeClr val="bg1"/>
-                </a:solidFill>
-                <a:latin typeface="Ubuntu Light" panose="020B0304030602030204" pitchFamily="34" charset="0"/>
-              </a:rPr>
-              <a:t> </a:t>
-            </a:r>
-            <a:r>
-              <a:rPr lang="en-GB" sz="900" b="1" dirty="0">
-                <a:solidFill>
-                  <a:schemeClr val="bg1"/>
-                </a:solidFill>
-                <a:latin typeface="Ubuntu Light" panose="020B0304030602030204" pitchFamily="34" charset="0"/>
-              </a:rPr>
-              <a:t>Facilitators</a:t>
-            </a:r>
-            <a:r>
-              <a:rPr lang="en-GB" sz="900" dirty="0">
-                <a:solidFill>
-                  <a:schemeClr val="bg1"/>
-                </a:solidFill>
-                <a:latin typeface="Ubuntu Light" panose="020B0304030602030204" pitchFamily="34" charset="0"/>
-              </a:rPr>
-              <a:t> is a Dutch-based training organization on a mission to help professionals become awesome Scrum facilitators. A Scrum Facilitator can be a Scrum Master, Product Owner, developer or  leader. Great Scrum Facilitators understand the Scrum values &amp; principles and use these to effectively implement Scrum with their teams and organizations.</a:t>
-            </a:r>
-          </a:p>
-          <a:p>
-            <a:pPr algn="ctr"/>
-            <a:endParaRPr lang="en-GB" sz="900" dirty="0">
-              <a:solidFill>
-                <a:schemeClr val="bg1"/>
-              </a:solidFill>
-              <a:latin typeface="Ubuntu Light" panose="020B0304030602030204" pitchFamily="34" charset="0"/>
-            </a:endParaRPr>
-          </a:p>
-          <a:p>
-            <a:pPr algn="ctr"/>
-            <a:r>
-              <a:rPr lang="en-GB" sz="900" b="1" dirty="0">
-                <a:solidFill>
-                  <a:schemeClr val="bg1"/>
-                </a:solidFill>
-                <a:latin typeface="Ubuntu Light" panose="020B0304030602030204" pitchFamily="34" charset="0"/>
-              </a:rPr>
-              <a:t>Scrum Facilitators is a Scrum.org partner</a:t>
-            </a:r>
-            <a:r>
-              <a:rPr lang="en-GB" sz="900" dirty="0">
-                <a:solidFill>
-                  <a:schemeClr val="bg1"/>
-                </a:solidFill>
-                <a:latin typeface="Ubuntu Light" panose="020B0304030602030204" pitchFamily="34" charset="0"/>
-              </a:rPr>
-              <a:t>. Our classes are accredited, always up-to-date, fun, super interactive and always facilitated by two trainers to maximize your learning objectives. Our trainers are </a:t>
-            </a:r>
-            <a:r>
-              <a:rPr lang="en-GB" sz="900" b="1" dirty="0">
-                <a:solidFill>
-                  <a:schemeClr val="bg1"/>
-                </a:solidFill>
-                <a:latin typeface="Ubuntu Light" panose="020B0304030602030204" pitchFamily="34" charset="0"/>
-              </a:rPr>
-              <a:t>seasoned experts </a:t>
-            </a:r>
-            <a:r>
-              <a:rPr lang="en-GB" sz="900" dirty="0">
-                <a:solidFill>
-                  <a:schemeClr val="bg1"/>
-                </a:solidFill>
-                <a:latin typeface="Ubuntu Light" panose="020B0304030602030204" pitchFamily="34" charset="0"/>
-              </a:rPr>
-              <a:t>and </a:t>
-            </a:r>
-            <a:r>
-              <a:rPr lang="en-GB" sz="900" b="1" dirty="0">
-                <a:solidFill>
-                  <a:schemeClr val="bg1"/>
-                </a:solidFill>
-                <a:latin typeface="Ubuntu Light" panose="020B0304030602030204" pitchFamily="34" charset="0"/>
-              </a:rPr>
-              <a:t>Scrum.org certified </a:t>
-            </a:r>
-            <a:r>
-              <a:rPr lang="en-GB" sz="900" dirty="0">
-                <a:solidFill>
-                  <a:schemeClr val="bg1"/>
-                </a:solidFill>
-                <a:latin typeface="Ubuntu Light" panose="020B0304030602030204" pitchFamily="34" charset="0"/>
-              </a:rPr>
-              <a:t>Professional Scrum Trainers with substantial real life experience in various settings.</a:t>
-            </a:r>
-          </a:p>
-          <a:p>
-            <a:pPr algn="ctr"/>
-            <a:endParaRPr lang="en-GB" sz="900" dirty="0">
-              <a:solidFill>
-                <a:schemeClr val="bg1"/>
-              </a:solidFill>
-              <a:latin typeface="Ubuntu Light" panose="020B0304030602030204" pitchFamily="34" charset="0"/>
-            </a:endParaRPr>
-          </a:p>
-        </p:txBody>
-      </p:sp>
-      <p:sp>
-        <p:nvSpPr>
-          <p:cNvPr id="18" name="TextBox 17">
-            <a:extLst>
-              <a:ext uri="{FF2B5EF4-FFF2-40B4-BE49-F238E27FC236}">
-                <a16:creationId xmlns:a16="http://schemas.microsoft.com/office/drawing/2014/main" id="{6F943A64-0EE7-0746-8785-BA4ACC104E94}"/>
-              </a:ext>
-            </a:extLst>
-          </p:cNvPr>
-          <p:cNvSpPr txBox="1"/>
-          <p:nvPr/>
-        </p:nvSpPr>
-        <p:spPr>
-          <a:xfrm>
-            <a:off x="123986" y="729912"/>
-            <a:ext cx="3572360" cy="1015663"/>
-          </a:xfrm>
-          <a:prstGeom prst="rect">
-            <a:avLst/>
-          </a:prstGeom>
-          <a:noFill/>
-        </p:spPr>
-        <p:txBody>
-          <a:bodyPr wrap="square" rtlCol="0">
-            <a:spAutoFit/>
-          </a:bodyPr>
-          <a:lstStyle/>
-          <a:p>
-            <a:pPr algn="ctr"/>
-            <a:r>
-              <a:rPr lang="en-GB" sz="1000" dirty="0">
-                <a:solidFill>
-                  <a:schemeClr val="bg1"/>
-                </a:solidFill>
-                <a:latin typeface="Ubuntu" panose="020B0504030602030204" pitchFamily="34" charset="0"/>
-              </a:rPr>
-              <a:t>This game is based on Evidence Based Management (EBM). EBM is an empirical framework organizations can use to help measure the (perceived) product value, and the way they deliver their product(s). The measurements can be inspected to help maximize product value and improve the way of working.</a:t>
-            </a:r>
-            <a:endParaRPr lang="en-NL" sz="1000" dirty="0">
-              <a:latin typeface="Ubuntu" panose="020B0504030602030204" pitchFamily="34" charset="0"/>
-            </a:endParaRPr>
-          </a:p>
-        </p:txBody>
-      </p:sp>
-      <p:sp>
-        <p:nvSpPr>
-          <p:cNvPr id="20" name="TextBox 19">
-            <a:extLst>
-              <a:ext uri="{FF2B5EF4-FFF2-40B4-BE49-F238E27FC236}">
-                <a16:creationId xmlns:a16="http://schemas.microsoft.com/office/drawing/2014/main" id="{CF06092E-B2A6-EB41-86F4-7148929817BE}"/>
-              </a:ext>
-            </a:extLst>
-          </p:cNvPr>
-          <p:cNvSpPr txBox="1"/>
-          <p:nvPr/>
-        </p:nvSpPr>
-        <p:spPr>
-          <a:xfrm>
-            <a:off x="213612" y="1837558"/>
-            <a:ext cx="3305328" cy="2862322"/>
-          </a:xfrm>
-          <a:prstGeom prst="rect">
-            <a:avLst/>
-          </a:prstGeom>
-          <a:noFill/>
-        </p:spPr>
-        <p:txBody>
-          <a:bodyPr wrap="square" rtlCol="0">
-            <a:spAutoFit/>
-          </a:bodyPr>
-          <a:lstStyle/>
-          <a:p>
-            <a:pPr marL="228600" indent="-228600">
-              <a:buFont typeface="+mj-lt"/>
-              <a:buAutoNum type="arabicPeriod"/>
-            </a:pPr>
-            <a:r>
-              <a:rPr lang="en-GB" sz="900" dirty="0">
-                <a:solidFill>
-                  <a:schemeClr val="bg1"/>
-                </a:solidFill>
-                <a:latin typeface="Ubuntu Light" panose="020B0304030602030204" pitchFamily="34" charset="0"/>
-              </a:rPr>
-              <a:t>As a Scrum Facilitator, put the four Key Value Areas (KVAs) in a row on the floor (Current Value, Time to Market, Ability to Innovate and Unrealized Value). Explain each KVA to the participants.</a:t>
-            </a:r>
-          </a:p>
-          <a:p>
-            <a:pPr marL="228600" indent="-228600">
-              <a:buFont typeface="+mj-lt"/>
-              <a:buAutoNum type="arabicPeriod"/>
-            </a:pPr>
-            <a:r>
-              <a:rPr lang="en-GB" sz="900" dirty="0">
-                <a:solidFill>
-                  <a:schemeClr val="bg1"/>
-                </a:solidFill>
-                <a:latin typeface="Ubuntu Light" panose="020B0304030602030204" pitchFamily="34" charset="0"/>
-              </a:rPr>
-              <a:t>Form two groups and hand one group the green Key Value Measures cards (KVMs) and the other group the remaining purple KVMs.</a:t>
-            </a:r>
-          </a:p>
-          <a:p>
-            <a:pPr marL="228600" indent="-228600">
-              <a:buFont typeface="+mj-lt"/>
-              <a:buAutoNum type="arabicPeriod"/>
-            </a:pPr>
-            <a:r>
-              <a:rPr lang="en-GB" sz="900" dirty="0">
-                <a:solidFill>
-                  <a:schemeClr val="bg1"/>
-                </a:solidFill>
-                <a:latin typeface="Ubuntu Light" panose="020B0304030602030204" pitchFamily="34" charset="0"/>
-              </a:rPr>
-              <a:t>Step 1: Invite the group(s) to discuss and put the KVMs under the correct KVA.</a:t>
-            </a:r>
-          </a:p>
-          <a:p>
-            <a:pPr marL="228600" indent="-228600">
-              <a:buFont typeface="+mj-lt"/>
-              <a:buAutoNum type="arabicPeriod"/>
-            </a:pPr>
-            <a:r>
-              <a:rPr lang="en-GB" sz="900" dirty="0">
-                <a:solidFill>
-                  <a:schemeClr val="bg1"/>
-                </a:solidFill>
-                <a:latin typeface="Ubuntu Light" panose="020B0304030602030204" pitchFamily="34" charset="0"/>
-              </a:rPr>
-              <a:t>Step 2: Invite both groups to discuss their results and adapt their cards. Make sure by the end of this round, the KVM cards are under the correct KVA. </a:t>
-            </a:r>
-          </a:p>
-          <a:p>
-            <a:pPr marL="228600" indent="-228600">
-              <a:buFont typeface="+mj-lt"/>
-              <a:buAutoNum type="arabicPeriod"/>
-            </a:pPr>
-            <a:r>
-              <a:rPr lang="en-GB" sz="900" dirty="0">
-                <a:solidFill>
-                  <a:schemeClr val="bg1"/>
-                </a:solidFill>
-                <a:latin typeface="Ubuntu Light" panose="020B0304030602030204" pitchFamily="34" charset="0"/>
-              </a:rPr>
-              <a:t>Step 3: Invite the participants to individually look at the KVMs and select one KVM that caught their attention. (A non-EBM KVM may also be chosen at this point)</a:t>
-            </a:r>
-          </a:p>
-          <a:p>
-            <a:pPr marL="228600" indent="-228600">
-              <a:buFont typeface="+mj-lt"/>
-              <a:buAutoNum type="arabicPeriod"/>
-            </a:pPr>
-            <a:r>
-              <a:rPr lang="en-GB" sz="900" dirty="0">
-                <a:solidFill>
-                  <a:schemeClr val="bg1"/>
-                </a:solidFill>
-                <a:latin typeface="Ubuntu Light" panose="020B0304030602030204" pitchFamily="34" charset="0"/>
-              </a:rPr>
-              <a:t>Step 4: Invite the participants into groups of four. Ask each participant to explain why they chose their particular KVM and collaborate on how to implement it. (In case of non-EBM measures, pay attention that these are not vanity metrics and discuss the potential pitfalls)</a:t>
-            </a:r>
-            <a:endParaRPr lang="en-NL" sz="900" dirty="0">
-              <a:solidFill>
-                <a:schemeClr val="bg1"/>
-              </a:solidFill>
-              <a:latin typeface="Ubuntu Light" panose="020B0304030602030204" pitchFamily="34" charset="0"/>
-            </a:endParaRPr>
-          </a:p>
-        </p:txBody>
-      </p:sp>
-      <p:sp>
-        <p:nvSpPr>
-          <p:cNvPr id="21" name="TextBox 20">
-            <a:extLst>
-              <a:ext uri="{FF2B5EF4-FFF2-40B4-BE49-F238E27FC236}">
-                <a16:creationId xmlns:a16="http://schemas.microsoft.com/office/drawing/2014/main" id="{198E9943-4F58-D344-BF0A-1E1F4F8AC017}"/>
-              </a:ext>
-            </a:extLst>
-          </p:cNvPr>
-          <p:cNvSpPr txBox="1"/>
-          <p:nvPr/>
-        </p:nvSpPr>
-        <p:spPr>
-          <a:xfrm>
-            <a:off x="4294481" y="3895330"/>
-            <a:ext cx="2771468" cy="738664"/>
-          </a:xfrm>
-          <a:prstGeom prst="rect">
-            <a:avLst/>
-          </a:prstGeom>
-          <a:noFill/>
-        </p:spPr>
-        <p:txBody>
-          <a:bodyPr wrap="square" rtlCol="0">
-            <a:spAutoFit/>
-          </a:bodyPr>
-          <a:lstStyle/>
-          <a:p>
-            <a:pPr algn="ctr"/>
-            <a:r>
-              <a:rPr lang="en-NL" sz="700" dirty="0">
-                <a:solidFill>
-                  <a:schemeClr val="bg1"/>
-                </a:solidFill>
-                <a:latin typeface="Ubuntu Light" panose="020B0304030602030204" pitchFamily="34" charset="0"/>
-              </a:rPr>
-              <a:t>Based on the 2020 EBM Guide. Learn about Evidence-Based Management (EBM) </a:t>
-            </a:r>
-            <a:r>
-              <a:rPr lang="en-GB" sz="700" dirty="0">
-                <a:solidFill>
-                  <a:schemeClr val="bg1"/>
-                </a:solidFill>
-                <a:latin typeface="Ubuntu Light" panose="020B0304030602030204" pitchFamily="34" charset="0"/>
-              </a:rPr>
-              <a:t>at </a:t>
-            </a:r>
-            <a:r>
-              <a:rPr lang="en-GB" sz="700" dirty="0">
-                <a:solidFill>
-                  <a:schemeClr val="bg1"/>
-                </a:solidFill>
-                <a:latin typeface="Ubuntu Light" panose="020B0304030602030204" pitchFamily="34" charset="0"/>
-                <a:hlinkClick r:id="rId5"/>
-              </a:rPr>
-              <a:t>http://s</a:t>
-            </a:r>
-            <a:r>
-              <a:rPr lang="en-NL" sz="700" dirty="0">
-                <a:solidFill>
-                  <a:schemeClr val="bg1"/>
-                </a:solidFill>
-                <a:latin typeface="Ubuntu Light" panose="020B0304030602030204" pitchFamily="34" charset="0"/>
-                <a:hlinkClick r:id="rId5"/>
-              </a:rPr>
-              <a:t>crum.org/EBM</a:t>
-            </a:r>
-            <a:endParaRPr lang="en-NL" sz="700" dirty="0">
-              <a:solidFill>
-                <a:schemeClr val="bg1"/>
-              </a:solidFill>
-              <a:latin typeface="Ubuntu Light" panose="020B0304030602030204" pitchFamily="34" charset="0"/>
-            </a:endParaRPr>
-          </a:p>
-          <a:p>
-            <a:pPr algn="ctr"/>
-            <a:endParaRPr lang="en-NL" sz="700" dirty="0">
-              <a:solidFill>
-                <a:schemeClr val="bg1"/>
-              </a:solidFill>
-              <a:latin typeface="Ubuntu Light" panose="020B0304030602030204" pitchFamily="34" charset="0"/>
-            </a:endParaRPr>
-          </a:p>
-          <a:p>
-            <a:pPr algn="ctr"/>
-            <a:r>
-              <a:rPr lang="en-GB" sz="700" dirty="0">
-                <a:solidFill>
-                  <a:schemeClr val="bg1"/>
-                </a:solidFill>
-                <a:latin typeface="Ubuntu Light" panose="020B0304030602030204" pitchFamily="34" charset="0"/>
-              </a:rPr>
-              <a:t>The Measuring Outcome game (v2) is licensed under </a:t>
-            </a:r>
-          </a:p>
-          <a:p>
-            <a:pPr algn="ctr"/>
-            <a:r>
-              <a:rPr lang="en-GB" sz="700" dirty="0">
-                <a:solidFill>
-                  <a:schemeClr val="bg1"/>
-                </a:solidFill>
-                <a:latin typeface="Ubuntu Light" panose="020B0304030602030204" pitchFamily="34" charset="0"/>
-              </a:rPr>
-              <a:t>CC BY-NC-SA 4.0</a:t>
-            </a:r>
-          </a:p>
-          <a:p>
-            <a:pPr algn="ctr"/>
-            <a:r>
-              <a:rPr lang="en-GB" sz="700" dirty="0">
-                <a:solidFill>
-                  <a:schemeClr val="bg1">
-                    <a:lumMod val="75000"/>
-                  </a:schemeClr>
-                </a:solidFill>
-                <a:latin typeface="Ubuntu Light" panose="020B0304030602030204" pitchFamily="34" charset="0"/>
-              </a:rPr>
-              <a:t>By Scrum Facilitators</a:t>
-            </a:r>
-          </a:p>
-        </p:txBody>
-      </p:sp>
-      <p:grpSp>
-        <p:nvGrpSpPr>
-          <p:cNvPr id="2" name="Group 1">
-            <a:extLst>
-              <a:ext uri="{FF2B5EF4-FFF2-40B4-BE49-F238E27FC236}">
-                <a16:creationId xmlns:a16="http://schemas.microsoft.com/office/drawing/2014/main" id="{E86EE5EF-4E07-9D4A-8C2D-83F385087044}"/>
-              </a:ext>
-            </a:extLst>
-          </p:cNvPr>
-          <p:cNvGrpSpPr/>
-          <p:nvPr/>
-        </p:nvGrpSpPr>
-        <p:grpSpPr>
-          <a:xfrm>
-            <a:off x="-232456" y="161565"/>
-            <a:ext cx="3909016" cy="665950"/>
-            <a:chOff x="-77476" y="76326"/>
-            <a:chExt cx="3909016" cy="665950"/>
-          </a:xfrm>
-        </p:grpSpPr>
-        <p:sp>
-          <p:nvSpPr>
-            <p:cNvPr id="19" name="TextBox 18">
-              <a:extLst>
-                <a:ext uri="{FF2B5EF4-FFF2-40B4-BE49-F238E27FC236}">
-                  <a16:creationId xmlns:a16="http://schemas.microsoft.com/office/drawing/2014/main" id="{595EE125-EFCC-F14F-8498-A6CD8EEF0F59}"/>
-                </a:ext>
-              </a:extLst>
-            </p:cNvPr>
-            <p:cNvSpPr txBox="1"/>
-            <p:nvPr/>
-          </p:nvSpPr>
-          <p:spPr>
-            <a:xfrm>
-              <a:off x="-77476" y="76326"/>
-              <a:ext cx="3909016" cy="664926"/>
-            </a:xfrm>
-            <a:prstGeom prst="rect">
-              <a:avLst/>
-            </a:prstGeom>
-            <a:noFill/>
-          </p:spPr>
-          <p:txBody>
-            <a:bodyPr wrap="square" rtlCol="0">
-              <a:spAutoFit/>
-            </a:bodyPr>
-            <a:lstStyle/>
-            <a:p>
-              <a:pPr algn="ctr"/>
-              <a:r>
-                <a:rPr lang="en-NL" sz="3700" b="1" dirty="0">
-                  <a:latin typeface="Marvel" pitchFamily="2" charset="0"/>
-                </a:rPr>
-                <a:t>FACILITATE THE GAM</a:t>
-              </a:r>
-            </a:p>
-          </p:txBody>
-        </p:sp>
-        <p:sp>
-          <p:nvSpPr>
-            <p:cNvPr id="24" name="TextBox 23">
-              <a:extLst>
-                <a:ext uri="{FF2B5EF4-FFF2-40B4-BE49-F238E27FC236}">
-                  <a16:creationId xmlns:a16="http://schemas.microsoft.com/office/drawing/2014/main" id="{9D817926-FA1D-B346-9D51-472AADB3F438}"/>
-                </a:ext>
-              </a:extLst>
-            </p:cNvPr>
-            <p:cNvSpPr txBox="1"/>
-            <p:nvPr/>
-          </p:nvSpPr>
-          <p:spPr>
-            <a:xfrm>
-              <a:off x="3221873" y="77350"/>
-              <a:ext cx="249747" cy="664926"/>
-            </a:xfrm>
-            <a:prstGeom prst="rect">
-              <a:avLst/>
-            </a:prstGeom>
-            <a:noFill/>
-          </p:spPr>
-          <p:txBody>
-            <a:bodyPr wrap="square" rtlCol="0">
-              <a:spAutoFit/>
-            </a:bodyPr>
-            <a:lstStyle/>
-            <a:p>
-              <a:pPr algn="ctr"/>
-              <a:r>
-                <a:rPr lang="en-NL" sz="3700" b="1" dirty="0">
-                  <a:latin typeface="Marvel" pitchFamily="2" charset="0"/>
-                </a:rPr>
-                <a:t>E</a:t>
-              </a:r>
-            </a:p>
-          </p:txBody>
-        </p:sp>
-      </p:grpSp>
-      <p:cxnSp>
-        <p:nvCxnSpPr>
-          <p:cNvPr id="4" name="Straight Connector 3">
-            <a:extLst>
-              <a:ext uri="{FF2B5EF4-FFF2-40B4-BE49-F238E27FC236}">
-                <a16:creationId xmlns:a16="http://schemas.microsoft.com/office/drawing/2014/main" id="{68785FFA-7409-D846-8C87-4C5E3E391542}"/>
-              </a:ext>
-            </a:extLst>
-          </p:cNvPr>
-          <p:cNvCxnSpPr/>
-          <p:nvPr/>
-        </p:nvCxnSpPr>
-        <p:spPr>
-          <a:xfrm>
-            <a:off x="3779837" y="255722"/>
-            <a:ext cx="0" cy="4680488"/>
-          </a:xfrm>
-          <a:prstGeom prst="line">
-            <a:avLst/>
-          </a:prstGeom>
-          <a:ln w="12700">
-            <a:solidFill>
-              <a:schemeClr val="bg1">
-                <a:lumMod val="75000"/>
-              </a:schemeClr>
-            </a:solidFill>
-          </a:ln>
-        </p:spPr>
-        <p:style>
-          <a:lnRef idx="1">
-            <a:schemeClr val="accent1"/>
-          </a:lnRef>
-          <a:fillRef idx="0">
-            <a:schemeClr val="accent1"/>
-          </a:fillRef>
-          <a:effectRef idx="0">
-            <a:schemeClr val="accent1"/>
-          </a:effectRef>
-          <a:fontRef idx="minor">
-            <a:schemeClr val="tx1"/>
-          </a:fontRef>
-        </p:style>
-      </p:cxnSp>
-    </p:spTree>
-    <p:extLst>
-      <p:ext uri="{BB962C8B-B14F-4D97-AF65-F5344CB8AC3E}">
-        <p14:creationId xmlns:p14="http://schemas.microsoft.com/office/powerpoint/2010/main" val="959106489"/>
-      </p:ext>
-    </p:extLst>
-  </p:cSld>
-  <p:clrMapOvr>
-    <a:masterClrMapping/>
-  </p:clrMapOvr>
-</p:sld>
-</file>
-
-<file path=ppt/slides/slide20.xml><?xml version="1.0" encoding="utf-8"?>
+<file path=ppt/slides/slide22.xml><?xml version="1.0" encoding="utf-8"?>
 <p:sld xmlns:a="http://schemas.openxmlformats.org/drawingml/2006/main" xmlns:r="http://schemas.openxmlformats.org/officeDocument/2006/relationships" xmlns:p="http://schemas.openxmlformats.org/presentationml/2006/main">
   <p:cSld>
     <p:spTree>
@@ -7561,7 +8060,7 @@
 </p:sld>
 </file>
 
-<file path=ppt/slides/slide21.xml><?xml version="1.0" encoding="utf-8"?>
+<file path=ppt/slides/slide23.xml><?xml version="1.0" encoding="utf-8"?>
 <p:sld xmlns:a="http://schemas.openxmlformats.org/drawingml/2006/main" xmlns:r="http://schemas.openxmlformats.org/officeDocument/2006/relationships" xmlns:p="http://schemas.openxmlformats.org/presentationml/2006/main">
   <p:cSld>
     <p:spTree>
@@ -7871,7 +8370,7 @@
 </p:sld>
 </file>
 
-<file path=ppt/slides/slide22.xml><?xml version="1.0" encoding="utf-8"?>
+<file path=ppt/slides/slide24.xml><?xml version="1.0" encoding="utf-8"?>
 <p:sld xmlns:a="http://schemas.openxmlformats.org/drawingml/2006/main" xmlns:r="http://schemas.openxmlformats.org/officeDocument/2006/relationships" xmlns:p="http://schemas.openxmlformats.org/presentationml/2006/main">
   <p:cSld>
     <p:spTree>
@@ -8040,7 +8539,7 @@
 </p:sld>
 </file>
 
-<file path=ppt/slides/slide23.xml><?xml version="1.0" encoding="utf-8"?>
+<file path=ppt/slides/slide25.xml><?xml version="1.0" encoding="utf-8"?>
 <p:sld xmlns:a="http://schemas.openxmlformats.org/drawingml/2006/main" xmlns:r="http://schemas.openxmlformats.org/officeDocument/2006/relationships" xmlns:p="http://schemas.openxmlformats.org/presentationml/2006/main">
   <p:cSld>
     <p:spTree>
@@ -8350,7 +8849,7 @@
 </p:sld>
 </file>
 
-<file path=ppt/slides/slide24.xml><?xml version="1.0" encoding="utf-8"?>
+<file path=ppt/slides/slide26.xml><?xml version="1.0" encoding="utf-8"?>
 <p:sld xmlns:a="http://schemas.openxmlformats.org/drawingml/2006/main" xmlns:r="http://schemas.openxmlformats.org/officeDocument/2006/relationships" xmlns:p="http://schemas.openxmlformats.org/presentationml/2006/main">
   <p:cSld>
     <p:spTree>
@@ -8519,7 +9018,7 @@
 </p:sld>
 </file>
 
-<file path=ppt/slides/slide25.xml><?xml version="1.0" encoding="utf-8"?>
+<file path=ppt/slides/slide27.xml><?xml version="1.0" encoding="utf-8"?>
 <p:sld xmlns:a="http://schemas.openxmlformats.org/drawingml/2006/main" xmlns:r="http://schemas.openxmlformats.org/officeDocument/2006/relationships" xmlns:p="http://schemas.openxmlformats.org/presentationml/2006/main">
   <p:cSld>
     <p:spTree>
@@ -8853,7 +9352,7 @@
 </p:sld>
 </file>
 
-<file path=ppt/slides/slide26.xml><?xml version="1.0" encoding="utf-8"?>
+<file path=ppt/slides/slide28.xml><?xml version="1.0" encoding="utf-8"?>
 <p:sld xmlns:a="http://schemas.openxmlformats.org/drawingml/2006/main" xmlns:r="http://schemas.openxmlformats.org/officeDocument/2006/relationships" xmlns:p="http://schemas.openxmlformats.org/presentationml/2006/main">
   <p:cSld>
     <p:spTree>
@@ -9022,7 +9521,7 @@
 </p:sld>
 </file>
 
-<file path=ppt/slides/slide27.xml><?xml version="1.0" encoding="utf-8"?>
+<file path=ppt/slides/slide29.xml><?xml version="1.0" encoding="utf-8"?>
 <p:sld xmlns:a="http://schemas.openxmlformats.org/drawingml/2006/main" xmlns:r="http://schemas.openxmlformats.org/officeDocument/2006/relationships" xmlns:p="http://schemas.openxmlformats.org/presentationml/2006/main">
   <p:cSld>
     <p:spTree>
@@ -9344,7 +9843,998 @@
 </p:sld>
 </file>
 
-<file path=ppt/slides/slide28.xml><?xml version="1.0" encoding="utf-8"?>
+<file path=ppt/slides/slide3.xml><?xml version="1.0" encoding="utf-8"?>
+<p:sld xmlns:a="http://schemas.openxmlformats.org/drawingml/2006/main" xmlns:r="http://schemas.openxmlformats.org/officeDocument/2006/relationships" xmlns:p="http://schemas.openxmlformats.org/presentationml/2006/main">
+  <p:cSld>
+    <p:spTree>
+      <p:nvGrpSpPr>
+        <p:cNvPr id="1" name=""/>
+        <p:cNvGrpSpPr/>
+        <p:nvPr/>
+      </p:nvGrpSpPr>
+      <p:grpSpPr>
+        <a:xfrm>
+          <a:off x="0" y="0"/>
+          <a:ext cx="0" cy="0"/>
+          <a:chOff x="0" y="0"/>
+          <a:chExt cx="0" cy="0"/>
+        </a:xfrm>
+      </p:grpSpPr>
+      <p:sp>
+        <p:nvSpPr>
+          <p:cNvPr id="14" name="Rounded Rectangle 13">
+            <a:extLst>
+              <a:ext uri="{FF2B5EF4-FFF2-40B4-BE49-F238E27FC236}">
+                <a16:creationId xmlns:a16="http://schemas.microsoft.com/office/drawing/2014/main" id="{D8656E71-C2B4-0F4F-93C2-2FE01E15243E}"/>
+              </a:ext>
+            </a:extLst>
+          </p:cNvPr>
+          <p:cNvSpPr/>
+          <p:nvPr/>
+        </p:nvSpPr>
+        <p:spPr>
+          <a:xfrm>
+            <a:off x="0" y="0"/>
+            <a:ext cx="7559675" cy="5327650"/>
+          </a:xfrm>
+          <a:prstGeom prst="roundRect">
+            <a:avLst>
+              <a:gd name="adj" fmla="val 0"/>
+            </a:avLst>
+          </a:prstGeom>
+          <a:solidFill>
+            <a:srgbClr val="DE8445"/>
+          </a:solidFill>
+          <a:ln>
+            <a:noFill/>
+          </a:ln>
+        </p:spPr>
+        <p:style>
+          <a:lnRef idx="2">
+            <a:schemeClr val="accent1">
+              <a:shade val="50000"/>
+            </a:schemeClr>
+          </a:lnRef>
+          <a:fillRef idx="1">
+            <a:schemeClr val="accent1"/>
+          </a:fillRef>
+          <a:effectRef idx="0">
+            <a:schemeClr val="accent1"/>
+          </a:effectRef>
+          <a:fontRef idx="minor">
+            <a:schemeClr val="lt1"/>
+          </a:fontRef>
+        </p:style>
+        <p:txBody>
+          <a:bodyPr rtlCol="0" anchor="ctr"/>
+          <a:lstStyle/>
+          <a:p>
+            <a:pPr algn="ctr"/>
+            <a:r>
+              <a:rPr lang="en-GB" dirty="0"/>
+              <a:t>Reveals the value that the product delivers to customers, today</a:t>
+            </a:r>
+            <a:endParaRPr lang="en-NL" dirty="0"/>
+          </a:p>
+        </p:txBody>
+      </p:sp>
+      <p:sp>
+        <p:nvSpPr>
+          <p:cNvPr id="15" name="Rectangle 14">
+            <a:extLst>
+              <a:ext uri="{FF2B5EF4-FFF2-40B4-BE49-F238E27FC236}">
+                <a16:creationId xmlns:a16="http://schemas.microsoft.com/office/drawing/2014/main" id="{F07C9767-773C-644A-A638-0001139EE025}"/>
+              </a:ext>
+            </a:extLst>
+          </p:cNvPr>
+          <p:cNvSpPr/>
+          <p:nvPr/>
+        </p:nvSpPr>
+        <p:spPr>
+          <a:xfrm>
+            <a:off x="654576" y="629685"/>
+            <a:ext cx="6326488" cy="3992292"/>
+          </a:xfrm>
+          <a:prstGeom prst="rect">
+            <a:avLst/>
+          </a:prstGeom>
+          <a:blipFill>
+            <a:blip r:embed="rId2"/>
+            <a:stretch>
+              <a:fillRect/>
+            </a:stretch>
+          </a:blipFill>
+          <a:ln w="76200">
+            <a:solidFill>
+              <a:schemeClr val="tx1"/>
+            </a:solidFill>
+          </a:ln>
+        </p:spPr>
+        <p:style>
+          <a:lnRef idx="2">
+            <a:schemeClr val="accent1">
+              <a:shade val="50000"/>
+            </a:schemeClr>
+          </a:lnRef>
+          <a:fillRef idx="1">
+            <a:schemeClr val="accent1"/>
+          </a:fillRef>
+          <a:effectRef idx="0">
+            <a:schemeClr val="accent1"/>
+          </a:effectRef>
+          <a:fontRef idx="minor">
+            <a:schemeClr val="lt1"/>
+          </a:fontRef>
+        </p:style>
+        <p:txBody>
+          <a:bodyPr rtlCol="0" anchor="ctr"/>
+          <a:lstStyle/>
+          <a:p>
+            <a:endParaRPr lang="en-NL" sz="9600">
+              <a:latin typeface="Marvel" pitchFamily="2" charset="0"/>
+            </a:endParaRPr>
+          </a:p>
+        </p:txBody>
+      </p:sp>
+      <p:sp>
+        <p:nvSpPr>
+          <p:cNvPr id="17" name="TextBox 16">
+            <a:extLst>
+              <a:ext uri="{FF2B5EF4-FFF2-40B4-BE49-F238E27FC236}">
+                <a16:creationId xmlns:a16="http://schemas.microsoft.com/office/drawing/2014/main" id="{E287ED43-6E86-FA4F-94F4-5B177664B785}"/>
+              </a:ext>
+            </a:extLst>
+          </p:cNvPr>
+          <p:cNvSpPr txBox="1"/>
+          <p:nvPr/>
+        </p:nvSpPr>
+        <p:spPr>
+          <a:xfrm>
+            <a:off x="1092134" y="1887167"/>
+            <a:ext cx="5451371" cy="1477328"/>
+          </a:xfrm>
+          <a:prstGeom prst="rect">
+            <a:avLst/>
+          </a:prstGeom>
+          <a:noFill/>
+        </p:spPr>
+        <p:txBody>
+          <a:bodyPr wrap="square" rtlCol="0">
+            <a:spAutoFit/>
+          </a:bodyPr>
+          <a:lstStyle/>
+          <a:p>
+            <a:pPr algn="ctr"/>
+            <a:r>
+              <a:rPr lang="en-NL" sz="9000" dirty="0">
+                <a:latin typeface="Marvel" pitchFamily="2" charset="0"/>
+              </a:rPr>
+              <a:t>CURRENT VALUE</a:t>
+            </a:r>
+          </a:p>
+        </p:txBody>
+      </p:sp>
+      <p:sp>
+        <p:nvSpPr>
+          <p:cNvPr id="2" name="TextBox 1">
+            <a:extLst>
+              <a:ext uri="{FF2B5EF4-FFF2-40B4-BE49-F238E27FC236}">
+                <a16:creationId xmlns:a16="http://schemas.microsoft.com/office/drawing/2014/main" id="{40491A28-9097-6F43-9DB2-81A447868F1E}"/>
+              </a:ext>
+            </a:extLst>
+          </p:cNvPr>
+          <p:cNvSpPr txBox="1"/>
+          <p:nvPr/>
+        </p:nvSpPr>
+        <p:spPr>
+          <a:xfrm>
+            <a:off x="2527241" y="3029919"/>
+            <a:ext cx="2581155" cy="246221"/>
+          </a:xfrm>
+          <a:prstGeom prst="rect">
+            <a:avLst/>
+          </a:prstGeom>
+          <a:noFill/>
+        </p:spPr>
+        <p:txBody>
+          <a:bodyPr wrap="none" rtlCol="0">
+            <a:spAutoFit/>
+          </a:bodyPr>
+          <a:lstStyle/>
+          <a:p>
+            <a:pPr algn="ctr"/>
+            <a:r>
+              <a:rPr lang="en-GB" sz="1000" dirty="0">
+                <a:solidFill>
+                  <a:schemeClr val="bg1">
+                    <a:lumMod val="50000"/>
+                  </a:schemeClr>
+                </a:solidFill>
+                <a:latin typeface="Ubuntu" panose="020B0504030602030204" pitchFamily="34" charset="0"/>
+              </a:rPr>
+              <a:t>The value that the product delivers today</a:t>
+            </a:r>
+            <a:endParaRPr lang="en-NL" sz="1000" dirty="0">
+              <a:solidFill>
+                <a:schemeClr val="bg1">
+                  <a:lumMod val="50000"/>
+                </a:schemeClr>
+              </a:solidFill>
+              <a:latin typeface="Ubuntu" panose="020B0504030602030204" pitchFamily="34" charset="0"/>
+            </a:endParaRPr>
+          </a:p>
+        </p:txBody>
+      </p:sp>
+      <p:sp>
+        <p:nvSpPr>
+          <p:cNvPr id="9" name="Rounded Rectangle 8">
+            <a:extLst>
+              <a:ext uri="{FF2B5EF4-FFF2-40B4-BE49-F238E27FC236}">
+                <a16:creationId xmlns:a16="http://schemas.microsoft.com/office/drawing/2014/main" id="{80A414F0-FCE5-2E45-A339-248A82CA3769}"/>
+              </a:ext>
+            </a:extLst>
+          </p:cNvPr>
+          <p:cNvSpPr/>
+          <p:nvPr/>
+        </p:nvSpPr>
+        <p:spPr>
+          <a:xfrm>
+            <a:off x="-205353" y="769750"/>
+            <a:ext cx="410705" cy="410705"/>
+          </a:xfrm>
+          <a:prstGeom prst="roundRect">
+            <a:avLst/>
+          </a:prstGeom>
+          <a:solidFill>
+            <a:schemeClr val="bg2"/>
+          </a:solidFill>
+          <a:ln>
+            <a:solidFill>
+              <a:schemeClr val="bg2"/>
+            </a:solidFill>
+          </a:ln>
+        </p:spPr>
+        <p:style>
+          <a:lnRef idx="2">
+            <a:schemeClr val="accent1">
+              <a:shade val="50000"/>
+            </a:schemeClr>
+          </a:lnRef>
+          <a:fillRef idx="1">
+            <a:schemeClr val="accent1"/>
+          </a:fillRef>
+          <a:effectRef idx="0">
+            <a:schemeClr val="accent1"/>
+          </a:effectRef>
+          <a:fontRef idx="minor">
+            <a:schemeClr val="lt1"/>
+          </a:fontRef>
+        </p:style>
+        <p:txBody>
+          <a:bodyPr rtlCol="0" anchor="ctr"/>
+          <a:lstStyle/>
+          <a:p>
+            <a:pPr algn="ctr"/>
+            <a:endParaRPr lang="en-NL"/>
+          </a:p>
+        </p:txBody>
+      </p:sp>
+      <p:sp>
+        <p:nvSpPr>
+          <p:cNvPr id="10" name="Rounded Rectangle 9">
+            <a:extLst>
+              <a:ext uri="{FF2B5EF4-FFF2-40B4-BE49-F238E27FC236}">
+                <a16:creationId xmlns:a16="http://schemas.microsoft.com/office/drawing/2014/main" id="{2333F93C-0F67-C146-84E2-9B869646EE60}"/>
+              </a:ext>
+            </a:extLst>
+          </p:cNvPr>
+          <p:cNvSpPr/>
+          <p:nvPr/>
+        </p:nvSpPr>
+        <p:spPr>
+          <a:xfrm>
+            <a:off x="-186093" y="1325099"/>
+            <a:ext cx="410705" cy="410705"/>
+          </a:xfrm>
+          <a:prstGeom prst="roundRect">
+            <a:avLst/>
+          </a:prstGeom>
+          <a:solidFill>
+            <a:schemeClr val="bg2"/>
+          </a:solidFill>
+          <a:ln>
+            <a:solidFill>
+              <a:schemeClr val="bg2"/>
+            </a:solidFill>
+          </a:ln>
+        </p:spPr>
+        <p:style>
+          <a:lnRef idx="2">
+            <a:schemeClr val="accent1">
+              <a:shade val="50000"/>
+            </a:schemeClr>
+          </a:lnRef>
+          <a:fillRef idx="1">
+            <a:schemeClr val="accent1"/>
+          </a:fillRef>
+          <a:effectRef idx="0">
+            <a:schemeClr val="accent1"/>
+          </a:effectRef>
+          <a:fontRef idx="minor">
+            <a:schemeClr val="lt1"/>
+          </a:fontRef>
+        </p:style>
+        <p:txBody>
+          <a:bodyPr rtlCol="0" anchor="ctr"/>
+          <a:lstStyle/>
+          <a:p>
+            <a:pPr algn="ctr"/>
+            <a:endParaRPr lang="en-NL"/>
+          </a:p>
+        </p:txBody>
+      </p:sp>
+      <p:sp>
+        <p:nvSpPr>
+          <p:cNvPr id="11" name="Rounded Rectangle 10">
+            <a:extLst>
+              <a:ext uri="{FF2B5EF4-FFF2-40B4-BE49-F238E27FC236}">
+                <a16:creationId xmlns:a16="http://schemas.microsoft.com/office/drawing/2014/main" id="{AA9F6613-2A28-7048-A742-95677A05CBD2}"/>
+              </a:ext>
+            </a:extLst>
+          </p:cNvPr>
+          <p:cNvSpPr/>
+          <p:nvPr/>
+        </p:nvSpPr>
+        <p:spPr>
+          <a:xfrm>
+            <a:off x="-205353" y="1880462"/>
+            <a:ext cx="410705" cy="410705"/>
+          </a:xfrm>
+          <a:prstGeom prst="roundRect">
+            <a:avLst/>
+          </a:prstGeom>
+          <a:solidFill>
+            <a:schemeClr val="bg2"/>
+          </a:solidFill>
+          <a:ln>
+            <a:solidFill>
+              <a:schemeClr val="bg2"/>
+            </a:solidFill>
+          </a:ln>
+        </p:spPr>
+        <p:style>
+          <a:lnRef idx="2">
+            <a:schemeClr val="accent1">
+              <a:shade val="50000"/>
+            </a:schemeClr>
+          </a:lnRef>
+          <a:fillRef idx="1">
+            <a:schemeClr val="accent1"/>
+          </a:fillRef>
+          <a:effectRef idx="0">
+            <a:schemeClr val="accent1"/>
+          </a:effectRef>
+          <a:fontRef idx="minor">
+            <a:schemeClr val="lt1"/>
+          </a:fontRef>
+        </p:style>
+        <p:txBody>
+          <a:bodyPr rtlCol="0" anchor="ctr"/>
+          <a:lstStyle/>
+          <a:p>
+            <a:pPr algn="ctr"/>
+            <a:endParaRPr lang="en-NL"/>
+          </a:p>
+        </p:txBody>
+      </p:sp>
+      <p:sp>
+        <p:nvSpPr>
+          <p:cNvPr id="12" name="Rounded Rectangle 11">
+            <a:extLst>
+              <a:ext uri="{FF2B5EF4-FFF2-40B4-BE49-F238E27FC236}">
+                <a16:creationId xmlns:a16="http://schemas.microsoft.com/office/drawing/2014/main" id="{2035461B-5D95-774C-8E4D-3CB256D762EA}"/>
+              </a:ext>
+            </a:extLst>
+          </p:cNvPr>
+          <p:cNvSpPr/>
+          <p:nvPr/>
+        </p:nvSpPr>
+        <p:spPr>
+          <a:xfrm>
+            <a:off x="-228076" y="2435818"/>
+            <a:ext cx="410705" cy="410705"/>
+          </a:xfrm>
+          <a:prstGeom prst="roundRect">
+            <a:avLst/>
+          </a:prstGeom>
+          <a:solidFill>
+            <a:schemeClr val="bg2"/>
+          </a:solidFill>
+          <a:ln>
+            <a:solidFill>
+              <a:schemeClr val="bg2"/>
+            </a:solidFill>
+          </a:ln>
+        </p:spPr>
+        <p:style>
+          <a:lnRef idx="2">
+            <a:schemeClr val="accent1">
+              <a:shade val="50000"/>
+            </a:schemeClr>
+          </a:lnRef>
+          <a:fillRef idx="1">
+            <a:schemeClr val="accent1"/>
+          </a:fillRef>
+          <a:effectRef idx="0">
+            <a:schemeClr val="accent1"/>
+          </a:effectRef>
+          <a:fontRef idx="minor">
+            <a:schemeClr val="lt1"/>
+          </a:fontRef>
+        </p:style>
+        <p:txBody>
+          <a:bodyPr rtlCol="0" anchor="ctr"/>
+          <a:lstStyle/>
+          <a:p>
+            <a:pPr algn="ctr"/>
+            <a:endParaRPr lang="en-NL"/>
+          </a:p>
+        </p:txBody>
+      </p:sp>
+      <p:sp>
+        <p:nvSpPr>
+          <p:cNvPr id="13" name="Rounded Rectangle 12">
+            <a:extLst>
+              <a:ext uri="{FF2B5EF4-FFF2-40B4-BE49-F238E27FC236}">
+                <a16:creationId xmlns:a16="http://schemas.microsoft.com/office/drawing/2014/main" id="{F78111FD-544B-3749-B4C7-6C0601A72685}"/>
+              </a:ext>
+            </a:extLst>
+          </p:cNvPr>
+          <p:cNvSpPr/>
+          <p:nvPr/>
+        </p:nvSpPr>
+        <p:spPr>
+          <a:xfrm>
+            <a:off x="-199978" y="2991174"/>
+            <a:ext cx="410705" cy="410705"/>
+          </a:xfrm>
+          <a:prstGeom prst="roundRect">
+            <a:avLst/>
+          </a:prstGeom>
+          <a:solidFill>
+            <a:schemeClr val="bg2"/>
+          </a:solidFill>
+          <a:ln>
+            <a:solidFill>
+              <a:schemeClr val="bg2"/>
+            </a:solidFill>
+          </a:ln>
+        </p:spPr>
+        <p:style>
+          <a:lnRef idx="2">
+            <a:schemeClr val="accent1">
+              <a:shade val="50000"/>
+            </a:schemeClr>
+          </a:lnRef>
+          <a:fillRef idx="1">
+            <a:schemeClr val="accent1"/>
+          </a:fillRef>
+          <a:effectRef idx="0">
+            <a:schemeClr val="accent1"/>
+          </a:effectRef>
+          <a:fontRef idx="minor">
+            <a:schemeClr val="lt1"/>
+          </a:fontRef>
+        </p:style>
+        <p:txBody>
+          <a:bodyPr rtlCol="0" anchor="ctr"/>
+          <a:lstStyle/>
+          <a:p>
+            <a:pPr algn="ctr"/>
+            <a:endParaRPr lang="en-NL"/>
+          </a:p>
+        </p:txBody>
+      </p:sp>
+      <p:sp>
+        <p:nvSpPr>
+          <p:cNvPr id="16" name="Rounded Rectangle 15">
+            <a:extLst>
+              <a:ext uri="{FF2B5EF4-FFF2-40B4-BE49-F238E27FC236}">
+                <a16:creationId xmlns:a16="http://schemas.microsoft.com/office/drawing/2014/main" id="{74B1E9C1-F51F-E349-A7D6-273F919A86DE}"/>
+              </a:ext>
+            </a:extLst>
+          </p:cNvPr>
+          <p:cNvSpPr/>
+          <p:nvPr/>
+        </p:nvSpPr>
+        <p:spPr>
+          <a:xfrm>
+            <a:off x="-205353" y="3546530"/>
+            <a:ext cx="410705" cy="410705"/>
+          </a:xfrm>
+          <a:prstGeom prst="roundRect">
+            <a:avLst/>
+          </a:prstGeom>
+          <a:solidFill>
+            <a:schemeClr val="bg2"/>
+          </a:solidFill>
+          <a:ln>
+            <a:solidFill>
+              <a:schemeClr val="bg2"/>
+            </a:solidFill>
+          </a:ln>
+        </p:spPr>
+        <p:style>
+          <a:lnRef idx="2">
+            <a:schemeClr val="accent1">
+              <a:shade val="50000"/>
+            </a:schemeClr>
+          </a:lnRef>
+          <a:fillRef idx="1">
+            <a:schemeClr val="accent1"/>
+          </a:fillRef>
+          <a:effectRef idx="0">
+            <a:schemeClr val="accent1"/>
+          </a:effectRef>
+          <a:fontRef idx="minor">
+            <a:schemeClr val="lt1"/>
+          </a:fontRef>
+        </p:style>
+        <p:txBody>
+          <a:bodyPr rtlCol="0" anchor="ctr"/>
+          <a:lstStyle/>
+          <a:p>
+            <a:pPr algn="ctr"/>
+            <a:endParaRPr lang="en-NL"/>
+          </a:p>
+        </p:txBody>
+      </p:sp>
+      <p:sp>
+        <p:nvSpPr>
+          <p:cNvPr id="18" name="Rounded Rectangle 17">
+            <a:extLst>
+              <a:ext uri="{FF2B5EF4-FFF2-40B4-BE49-F238E27FC236}">
+                <a16:creationId xmlns:a16="http://schemas.microsoft.com/office/drawing/2014/main" id="{6BB192FA-7562-6C45-B5B6-0487D9CB90FC}"/>
+              </a:ext>
+            </a:extLst>
+          </p:cNvPr>
+          <p:cNvSpPr/>
+          <p:nvPr/>
+        </p:nvSpPr>
+        <p:spPr>
+          <a:xfrm>
+            <a:off x="-199426" y="4101886"/>
+            <a:ext cx="410705" cy="410705"/>
+          </a:xfrm>
+          <a:prstGeom prst="roundRect">
+            <a:avLst/>
+          </a:prstGeom>
+          <a:solidFill>
+            <a:schemeClr val="bg2"/>
+          </a:solidFill>
+          <a:ln>
+            <a:solidFill>
+              <a:schemeClr val="bg2"/>
+            </a:solidFill>
+          </a:ln>
+        </p:spPr>
+        <p:style>
+          <a:lnRef idx="2">
+            <a:schemeClr val="accent1">
+              <a:shade val="50000"/>
+            </a:schemeClr>
+          </a:lnRef>
+          <a:fillRef idx="1">
+            <a:schemeClr val="accent1"/>
+          </a:fillRef>
+          <a:effectRef idx="0">
+            <a:schemeClr val="accent1"/>
+          </a:effectRef>
+          <a:fontRef idx="minor">
+            <a:schemeClr val="lt1"/>
+          </a:fontRef>
+        </p:style>
+        <p:txBody>
+          <a:bodyPr rtlCol="0" anchor="ctr"/>
+          <a:lstStyle/>
+          <a:p>
+            <a:pPr algn="ctr"/>
+            <a:endParaRPr lang="en-NL"/>
+          </a:p>
+        </p:txBody>
+      </p:sp>
+      <p:sp>
+        <p:nvSpPr>
+          <p:cNvPr id="19" name="Rounded Rectangle 18">
+            <a:extLst>
+              <a:ext uri="{FF2B5EF4-FFF2-40B4-BE49-F238E27FC236}">
+                <a16:creationId xmlns:a16="http://schemas.microsoft.com/office/drawing/2014/main" id="{DFF58212-847B-D248-84DE-5532419AD67A}"/>
+              </a:ext>
+            </a:extLst>
+          </p:cNvPr>
+          <p:cNvSpPr/>
+          <p:nvPr/>
+        </p:nvSpPr>
+        <p:spPr>
+          <a:xfrm>
+            <a:off x="7348208" y="769746"/>
+            <a:ext cx="410705" cy="410705"/>
+          </a:xfrm>
+          <a:prstGeom prst="roundRect">
+            <a:avLst/>
+          </a:prstGeom>
+          <a:solidFill>
+            <a:schemeClr val="bg2"/>
+          </a:solidFill>
+          <a:ln>
+            <a:solidFill>
+              <a:schemeClr val="bg2"/>
+            </a:solidFill>
+          </a:ln>
+        </p:spPr>
+        <p:style>
+          <a:lnRef idx="2">
+            <a:schemeClr val="accent1">
+              <a:shade val="50000"/>
+            </a:schemeClr>
+          </a:lnRef>
+          <a:fillRef idx="1">
+            <a:schemeClr val="accent1"/>
+          </a:fillRef>
+          <a:effectRef idx="0">
+            <a:schemeClr val="accent1"/>
+          </a:effectRef>
+          <a:fontRef idx="minor">
+            <a:schemeClr val="lt1"/>
+          </a:fontRef>
+        </p:style>
+        <p:txBody>
+          <a:bodyPr rtlCol="0" anchor="ctr"/>
+          <a:lstStyle/>
+          <a:p>
+            <a:pPr algn="ctr"/>
+            <a:endParaRPr lang="en-NL"/>
+          </a:p>
+        </p:txBody>
+      </p:sp>
+      <p:sp>
+        <p:nvSpPr>
+          <p:cNvPr id="20" name="Rounded Rectangle 19">
+            <a:extLst>
+              <a:ext uri="{FF2B5EF4-FFF2-40B4-BE49-F238E27FC236}">
+                <a16:creationId xmlns:a16="http://schemas.microsoft.com/office/drawing/2014/main" id="{8C0CF75B-D58A-4840-8464-3D74529F5933}"/>
+              </a:ext>
+            </a:extLst>
+          </p:cNvPr>
+          <p:cNvSpPr/>
+          <p:nvPr/>
+        </p:nvSpPr>
+        <p:spPr>
+          <a:xfrm>
+            <a:off x="7348208" y="1325100"/>
+            <a:ext cx="410705" cy="410705"/>
+          </a:xfrm>
+          <a:prstGeom prst="roundRect">
+            <a:avLst/>
+          </a:prstGeom>
+          <a:solidFill>
+            <a:schemeClr val="bg2"/>
+          </a:solidFill>
+          <a:ln>
+            <a:solidFill>
+              <a:schemeClr val="bg2"/>
+            </a:solidFill>
+          </a:ln>
+        </p:spPr>
+        <p:style>
+          <a:lnRef idx="2">
+            <a:schemeClr val="accent1">
+              <a:shade val="50000"/>
+            </a:schemeClr>
+          </a:lnRef>
+          <a:fillRef idx="1">
+            <a:schemeClr val="accent1"/>
+          </a:fillRef>
+          <a:effectRef idx="0">
+            <a:schemeClr val="accent1"/>
+          </a:effectRef>
+          <a:fontRef idx="minor">
+            <a:schemeClr val="lt1"/>
+          </a:fontRef>
+        </p:style>
+        <p:txBody>
+          <a:bodyPr rtlCol="0" anchor="ctr"/>
+          <a:lstStyle/>
+          <a:p>
+            <a:pPr algn="ctr"/>
+            <a:endParaRPr lang="en-NL"/>
+          </a:p>
+        </p:txBody>
+      </p:sp>
+      <p:sp>
+        <p:nvSpPr>
+          <p:cNvPr id="21" name="Rounded Rectangle 20">
+            <a:extLst>
+              <a:ext uri="{FF2B5EF4-FFF2-40B4-BE49-F238E27FC236}">
+                <a16:creationId xmlns:a16="http://schemas.microsoft.com/office/drawing/2014/main" id="{66339E88-CF46-694D-8472-C7F78C4EBDDB}"/>
+              </a:ext>
+            </a:extLst>
+          </p:cNvPr>
+          <p:cNvSpPr/>
+          <p:nvPr/>
+        </p:nvSpPr>
+        <p:spPr>
+          <a:xfrm>
+            <a:off x="7348396" y="1880460"/>
+            <a:ext cx="410705" cy="410705"/>
+          </a:xfrm>
+          <a:prstGeom prst="roundRect">
+            <a:avLst/>
+          </a:prstGeom>
+          <a:solidFill>
+            <a:schemeClr val="bg2"/>
+          </a:solidFill>
+          <a:ln>
+            <a:solidFill>
+              <a:schemeClr val="bg2"/>
+            </a:solidFill>
+          </a:ln>
+        </p:spPr>
+        <p:style>
+          <a:lnRef idx="2">
+            <a:schemeClr val="accent1">
+              <a:shade val="50000"/>
+            </a:schemeClr>
+          </a:lnRef>
+          <a:fillRef idx="1">
+            <a:schemeClr val="accent1"/>
+          </a:fillRef>
+          <a:effectRef idx="0">
+            <a:schemeClr val="accent1"/>
+          </a:effectRef>
+          <a:fontRef idx="minor">
+            <a:schemeClr val="lt1"/>
+          </a:fontRef>
+        </p:style>
+        <p:txBody>
+          <a:bodyPr rtlCol="0" anchor="ctr"/>
+          <a:lstStyle/>
+          <a:p>
+            <a:pPr algn="ctr"/>
+            <a:endParaRPr lang="en-NL"/>
+          </a:p>
+        </p:txBody>
+      </p:sp>
+      <p:sp>
+        <p:nvSpPr>
+          <p:cNvPr id="22" name="Rounded Rectangle 21">
+            <a:extLst>
+              <a:ext uri="{FF2B5EF4-FFF2-40B4-BE49-F238E27FC236}">
+                <a16:creationId xmlns:a16="http://schemas.microsoft.com/office/drawing/2014/main" id="{EE08CE49-2BDF-7E47-93A6-34A667AEB601}"/>
+              </a:ext>
+            </a:extLst>
+          </p:cNvPr>
+          <p:cNvSpPr/>
+          <p:nvPr/>
+        </p:nvSpPr>
+        <p:spPr>
+          <a:xfrm>
+            <a:off x="7348208" y="2435817"/>
+            <a:ext cx="410705" cy="410705"/>
+          </a:xfrm>
+          <a:prstGeom prst="roundRect">
+            <a:avLst/>
+          </a:prstGeom>
+          <a:solidFill>
+            <a:schemeClr val="bg2"/>
+          </a:solidFill>
+          <a:ln>
+            <a:solidFill>
+              <a:schemeClr val="bg2"/>
+            </a:solidFill>
+          </a:ln>
+        </p:spPr>
+        <p:style>
+          <a:lnRef idx="2">
+            <a:schemeClr val="accent1">
+              <a:shade val="50000"/>
+            </a:schemeClr>
+          </a:lnRef>
+          <a:fillRef idx="1">
+            <a:schemeClr val="accent1"/>
+          </a:fillRef>
+          <a:effectRef idx="0">
+            <a:schemeClr val="accent1"/>
+          </a:effectRef>
+          <a:fontRef idx="minor">
+            <a:schemeClr val="lt1"/>
+          </a:fontRef>
+        </p:style>
+        <p:txBody>
+          <a:bodyPr rtlCol="0" anchor="ctr"/>
+          <a:lstStyle/>
+          <a:p>
+            <a:pPr algn="ctr"/>
+            <a:endParaRPr lang="en-NL"/>
+          </a:p>
+        </p:txBody>
+      </p:sp>
+      <p:sp>
+        <p:nvSpPr>
+          <p:cNvPr id="23" name="Rounded Rectangle 22">
+            <a:extLst>
+              <a:ext uri="{FF2B5EF4-FFF2-40B4-BE49-F238E27FC236}">
+                <a16:creationId xmlns:a16="http://schemas.microsoft.com/office/drawing/2014/main" id="{0B4B9A8D-960F-1A49-BC4D-3FC55095C91E}"/>
+              </a:ext>
+            </a:extLst>
+          </p:cNvPr>
+          <p:cNvSpPr/>
+          <p:nvPr/>
+        </p:nvSpPr>
+        <p:spPr>
+          <a:xfrm>
+            <a:off x="7348208" y="2991173"/>
+            <a:ext cx="410705" cy="410705"/>
+          </a:xfrm>
+          <a:prstGeom prst="roundRect">
+            <a:avLst/>
+          </a:prstGeom>
+          <a:solidFill>
+            <a:schemeClr val="bg2"/>
+          </a:solidFill>
+          <a:ln>
+            <a:solidFill>
+              <a:schemeClr val="bg2"/>
+            </a:solidFill>
+          </a:ln>
+        </p:spPr>
+        <p:style>
+          <a:lnRef idx="2">
+            <a:schemeClr val="accent1">
+              <a:shade val="50000"/>
+            </a:schemeClr>
+          </a:lnRef>
+          <a:fillRef idx="1">
+            <a:schemeClr val="accent1"/>
+          </a:fillRef>
+          <a:effectRef idx="0">
+            <a:schemeClr val="accent1"/>
+          </a:effectRef>
+          <a:fontRef idx="minor">
+            <a:schemeClr val="lt1"/>
+          </a:fontRef>
+        </p:style>
+        <p:txBody>
+          <a:bodyPr rtlCol="0" anchor="ctr"/>
+          <a:lstStyle/>
+          <a:p>
+            <a:pPr algn="ctr"/>
+            <a:endParaRPr lang="en-NL"/>
+          </a:p>
+        </p:txBody>
+      </p:sp>
+      <p:sp>
+        <p:nvSpPr>
+          <p:cNvPr id="24" name="Rounded Rectangle 23">
+            <a:extLst>
+              <a:ext uri="{FF2B5EF4-FFF2-40B4-BE49-F238E27FC236}">
+                <a16:creationId xmlns:a16="http://schemas.microsoft.com/office/drawing/2014/main" id="{90B90E96-DA65-3844-A895-A8E4275F2E9E}"/>
+              </a:ext>
+            </a:extLst>
+          </p:cNvPr>
+          <p:cNvSpPr/>
+          <p:nvPr/>
+        </p:nvSpPr>
+        <p:spPr>
+          <a:xfrm>
+            <a:off x="7348208" y="3546526"/>
+            <a:ext cx="410705" cy="410705"/>
+          </a:xfrm>
+          <a:prstGeom prst="roundRect">
+            <a:avLst/>
+          </a:prstGeom>
+          <a:solidFill>
+            <a:schemeClr val="bg2"/>
+          </a:solidFill>
+          <a:ln>
+            <a:solidFill>
+              <a:schemeClr val="bg2"/>
+            </a:solidFill>
+          </a:ln>
+        </p:spPr>
+        <p:style>
+          <a:lnRef idx="2">
+            <a:schemeClr val="accent1">
+              <a:shade val="50000"/>
+            </a:schemeClr>
+          </a:lnRef>
+          <a:fillRef idx="1">
+            <a:schemeClr val="accent1"/>
+          </a:fillRef>
+          <a:effectRef idx="0">
+            <a:schemeClr val="accent1"/>
+          </a:effectRef>
+          <a:fontRef idx="minor">
+            <a:schemeClr val="lt1"/>
+          </a:fontRef>
+        </p:style>
+        <p:txBody>
+          <a:bodyPr rtlCol="0" anchor="ctr"/>
+          <a:lstStyle/>
+          <a:p>
+            <a:pPr algn="ctr"/>
+            <a:endParaRPr lang="en-NL"/>
+          </a:p>
+        </p:txBody>
+      </p:sp>
+      <p:sp>
+        <p:nvSpPr>
+          <p:cNvPr id="25" name="Rounded Rectangle 24">
+            <a:extLst>
+              <a:ext uri="{FF2B5EF4-FFF2-40B4-BE49-F238E27FC236}">
+                <a16:creationId xmlns:a16="http://schemas.microsoft.com/office/drawing/2014/main" id="{5950A2A1-25A0-624E-8059-D651F019971A}"/>
+              </a:ext>
+            </a:extLst>
+          </p:cNvPr>
+          <p:cNvSpPr/>
+          <p:nvPr/>
+        </p:nvSpPr>
+        <p:spPr>
+          <a:xfrm>
+            <a:off x="7348207" y="4101879"/>
+            <a:ext cx="410705" cy="410705"/>
+          </a:xfrm>
+          <a:prstGeom prst="roundRect">
+            <a:avLst/>
+          </a:prstGeom>
+          <a:solidFill>
+            <a:schemeClr val="bg2"/>
+          </a:solidFill>
+          <a:ln>
+            <a:solidFill>
+              <a:schemeClr val="bg2"/>
+            </a:solidFill>
+          </a:ln>
+        </p:spPr>
+        <p:style>
+          <a:lnRef idx="2">
+            <a:schemeClr val="accent1">
+              <a:shade val="50000"/>
+            </a:schemeClr>
+          </a:lnRef>
+          <a:fillRef idx="1">
+            <a:schemeClr val="accent1"/>
+          </a:fillRef>
+          <a:effectRef idx="0">
+            <a:schemeClr val="accent1"/>
+          </a:effectRef>
+          <a:fontRef idx="minor">
+            <a:schemeClr val="lt1"/>
+          </a:fontRef>
+        </p:style>
+        <p:txBody>
+          <a:bodyPr rtlCol="0" anchor="ctr"/>
+          <a:lstStyle/>
+          <a:p>
+            <a:pPr algn="ctr"/>
+            <a:endParaRPr lang="en-NL"/>
+          </a:p>
+        </p:txBody>
+      </p:sp>
+    </p:spTree>
+    <p:extLst>
+      <p:ext uri="{BB962C8B-B14F-4D97-AF65-F5344CB8AC3E}">
+        <p14:creationId xmlns:p14="http://schemas.microsoft.com/office/powerpoint/2010/main" val="2955084820"/>
+      </p:ext>
+    </p:extLst>
+  </p:cSld>
+  <p:clrMapOvr>
+    <a:masterClrMapping/>
+  </p:clrMapOvr>
+</p:sld>
+</file>
+
+<file path=ppt/slides/slide30.xml><?xml version="1.0" encoding="utf-8"?>
 <p:sld xmlns:a="http://schemas.openxmlformats.org/drawingml/2006/main" xmlns:r="http://schemas.openxmlformats.org/officeDocument/2006/relationships" xmlns:p="http://schemas.openxmlformats.org/presentationml/2006/main">
   <p:cSld>
     <p:spTree>
@@ -9513,7 +11003,7 @@
 </p:sld>
 </file>
 
-<file path=ppt/slides/slide29.xml><?xml version="1.0" encoding="utf-8"?>
+<file path=ppt/slides/slide31.xml><?xml version="1.0" encoding="utf-8"?>
 <p:sld xmlns:a="http://schemas.openxmlformats.org/drawingml/2006/main" xmlns:r="http://schemas.openxmlformats.org/officeDocument/2006/relationships" xmlns:p="http://schemas.openxmlformats.org/presentationml/2006/main">
   <p:cSld>
     <p:spTree>
@@ -9835,998 +11325,7 @@
 </p:sld>
 </file>
 
-<file path=ppt/slides/slide3.xml><?xml version="1.0" encoding="utf-8"?>
-<p:sld xmlns:a="http://schemas.openxmlformats.org/drawingml/2006/main" xmlns:r="http://schemas.openxmlformats.org/officeDocument/2006/relationships" xmlns:p="http://schemas.openxmlformats.org/presentationml/2006/main">
-  <p:cSld>
-    <p:spTree>
-      <p:nvGrpSpPr>
-        <p:cNvPr id="1" name=""/>
-        <p:cNvGrpSpPr/>
-        <p:nvPr/>
-      </p:nvGrpSpPr>
-      <p:grpSpPr>
-        <a:xfrm>
-          <a:off x="0" y="0"/>
-          <a:ext cx="0" cy="0"/>
-          <a:chOff x="0" y="0"/>
-          <a:chExt cx="0" cy="0"/>
-        </a:xfrm>
-      </p:grpSpPr>
-      <p:sp>
-        <p:nvSpPr>
-          <p:cNvPr id="14" name="Rounded Rectangle 13">
-            <a:extLst>
-              <a:ext uri="{FF2B5EF4-FFF2-40B4-BE49-F238E27FC236}">
-                <a16:creationId xmlns:a16="http://schemas.microsoft.com/office/drawing/2014/main" id="{D8656E71-C2B4-0F4F-93C2-2FE01E15243E}"/>
-              </a:ext>
-            </a:extLst>
-          </p:cNvPr>
-          <p:cNvSpPr/>
-          <p:nvPr/>
-        </p:nvSpPr>
-        <p:spPr>
-          <a:xfrm>
-            <a:off x="0" y="0"/>
-            <a:ext cx="7559675" cy="5327650"/>
-          </a:xfrm>
-          <a:prstGeom prst="roundRect">
-            <a:avLst>
-              <a:gd name="adj" fmla="val 0"/>
-            </a:avLst>
-          </a:prstGeom>
-          <a:solidFill>
-            <a:srgbClr val="DE8445"/>
-          </a:solidFill>
-          <a:ln>
-            <a:noFill/>
-          </a:ln>
-        </p:spPr>
-        <p:style>
-          <a:lnRef idx="2">
-            <a:schemeClr val="accent1">
-              <a:shade val="50000"/>
-            </a:schemeClr>
-          </a:lnRef>
-          <a:fillRef idx="1">
-            <a:schemeClr val="accent1"/>
-          </a:fillRef>
-          <a:effectRef idx="0">
-            <a:schemeClr val="accent1"/>
-          </a:effectRef>
-          <a:fontRef idx="minor">
-            <a:schemeClr val="lt1"/>
-          </a:fontRef>
-        </p:style>
-        <p:txBody>
-          <a:bodyPr rtlCol="0" anchor="ctr"/>
-          <a:lstStyle/>
-          <a:p>
-            <a:pPr algn="ctr"/>
-            <a:r>
-              <a:rPr lang="en-GB" dirty="0"/>
-              <a:t>Reveals the value that the product delivers to customers, today</a:t>
-            </a:r>
-            <a:endParaRPr lang="en-NL" dirty="0"/>
-          </a:p>
-        </p:txBody>
-      </p:sp>
-      <p:sp>
-        <p:nvSpPr>
-          <p:cNvPr id="15" name="Rectangle 14">
-            <a:extLst>
-              <a:ext uri="{FF2B5EF4-FFF2-40B4-BE49-F238E27FC236}">
-                <a16:creationId xmlns:a16="http://schemas.microsoft.com/office/drawing/2014/main" id="{F07C9767-773C-644A-A638-0001139EE025}"/>
-              </a:ext>
-            </a:extLst>
-          </p:cNvPr>
-          <p:cNvSpPr/>
-          <p:nvPr/>
-        </p:nvSpPr>
-        <p:spPr>
-          <a:xfrm>
-            <a:off x="654576" y="629685"/>
-            <a:ext cx="6326488" cy="3992292"/>
-          </a:xfrm>
-          <a:prstGeom prst="rect">
-            <a:avLst/>
-          </a:prstGeom>
-          <a:blipFill>
-            <a:blip r:embed="rId2"/>
-            <a:stretch>
-              <a:fillRect/>
-            </a:stretch>
-          </a:blipFill>
-          <a:ln w="76200">
-            <a:solidFill>
-              <a:schemeClr val="tx1"/>
-            </a:solidFill>
-          </a:ln>
-        </p:spPr>
-        <p:style>
-          <a:lnRef idx="2">
-            <a:schemeClr val="accent1">
-              <a:shade val="50000"/>
-            </a:schemeClr>
-          </a:lnRef>
-          <a:fillRef idx="1">
-            <a:schemeClr val="accent1"/>
-          </a:fillRef>
-          <a:effectRef idx="0">
-            <a:schemeClr val="accent1"/>
-          </a:effectRef>
-          <a:fontRef idx="minor">
-            <a:schemeClr val="lt1"/>
-          </a:fontRef>
-        </p:style>
-        <p:txBody>
-          <a:bodyPr rtlCol="0" anchor="ctr"/>
-          <a:lstStyle/>
-          <a:p>
-            <a:endParaRPr lang="en-NL" sz="9600">
-              <a:latin typeface="Marvel" pitchFamily="2" charset="0"/>
-            </a:endParaRPr>
-          </a:p>
-        </p:txBody>
-      </p:sp>
-      <p:sp>
-        <p:nvSpPr>
-          <p:cNvPr id="17" name="TextBox 16">
-            <a:extLst>
-              <a:ext uri="{FF2B5EF4-FFF2-40B4-BE49-F238E27FC236}">
-                <a16:creationId xmlns:a16="http://schemas.microsoft.com/office/drawing/2014/main" id="{E287ED43-6E86-FA4F-94F4-5B177664B785}"/>
-              </a:ext>
-            </a:extLst>
-          </p:cNvPr>
-          <p:cNvSpPr txBox="1"/>
-          <p:nvPr/>
-        </p:nvSpPr>
-        <p:spPr>
-          <a:xfrm>
-            <a:off x="1092134" y="1887167"/>
-            <a:ext cx="5451371" cy="1477328"/>
-          </a:xfrm>
-          <a:prstGeom prst="rect">
-            <a:avLst/>
-          </a:prstGeom>
-          <a:noFill/>
-        </p:spPr>
-        <p:txBody>
-          <a:bodyPr wrap="square" rtlCol="0">
-            <a:spAutoFit/>
-          </a:bodyPr>
-          <a:lstStyle/>
-          <a:p>
-            <a:pPr algn="ctr"/>
-            <a:r>
-              <a:rPr lang="en-NL" sz="9000" dirty="0">
-                <a:latin typeface="Marvel" pitchFamily="2" charset="0"/>
-              </a:rPr>
-              <a:t>CURRENT VALUE</a:t>
-            </a:r>
-          </a:p>
-        </p:txBody>
-      </p:sp>
-      <p:sp>
-        <p:nvSpPr>
-          <p:cNvPr id="2" name="TextBox 1">
-            <a:extLst>
-              <a:ext uri="{FF2B5EF4-FFF2-40B4-BE49-F238E27FC236}">
-                <a16:creationId xmlns:a16="http://schemas.microsoft.com/office/drawing/2014/main" id="{40491A28-9097-6F43-9DB2-81A447868F1E}"/>
-              </a:ext>
-            </a:extLst>
-          </p:cNvPr>
-          <p:cNvSpPr txBox="1"/>
-          <p:nvPr/>
-        </p:nvSpPr>
-        <p:spPr>
-          <a:xfrm>
-            <a:off x="2527241" y="3029919"/>
-            <a:ext cx="2581155" cy="246221"/>
-          </a:xfrm>
-          <a:prstGeom prst="rect">
-            <a:avLst/>
-          </a:prstGeom>
-          <a:noFill/>
-        </p:spPr>
-        <p:txBody>
-          <a:bodyPr wrap="none" rtlCol="0">
-            <a:spAutoFit/>
-          </a:bodyPr>
-          <a:lstStyle/>
-          <a:p>
-            <a:pPr algn="ctr"/>
-            <a:r>
-              <a:rPr lang="en-GB" sz="1000" dirty="0">
-                <a:solidFill>
-                  <a:schemeClr val="bg1">
-                    <a:lumMod val="50000"/>
-                  </a:schemeClr>
-                </a:solidFill>
-                <a:latin typeface="Ubuntu" panose="020B0504030602030204" pitchFamily="34" charset="0"/>
-              </a:rPr>
-              <a:t>The value that the product delivers today</a:t>
-            </a:r>
-            <a:endParaRPr lang="en-NL" sz="1000" dirty="0">
-              <a:solidFill>
-                <a:schemeClr val="bg1">
-                  <a:lumMod val="50000"/>
-                </a:schemeClr>
-              </a:solidFill>
-              <a:latin typeface="Ubuntu" panose="020B0504030602030204" pitchFamily="34" charset="0"/>
-            </a:endParaRPr>
-          </a:p>
-        </p:txBody>
-      </p:sp>
-      <p:sp>
-        <p:nvSpPr>
-          <p:cNvPr id="9" name="Rounded Rectangle 8">
-            <a:extLst>
-              <a:ext uri="{FF2B5EF4-FFF2-40B4-BE49-F238E27FC236}">
-                <a16:creationId xmlns:a16="http://schemas.microsoft.com/office/drawing/2014/main" id="{80A414F0-FCE5-2E45-A339-248A82CA3769}"/>
-              </a:ext>
-            </a:extLst>
-          </p:cNvPr>
-          <p:cNvSpPr/>
-          <p:nvPr/>
-        </p:nvSpPr>
-        <p:spPr>
-          <a:xfrm>
-            <a:off x="-205353" y="769750"/>
-            <a:ext cx="410705" cy="410705"/>
-          </a:xfrm>
-          <a:prstGeom prst="roundRect">
-            <a:avLst/>
-          </a:prstGeom>
-          <a:solidFill>
-            <a:schemeClr val="bg2"/>
-          </a:solidFill>
-          <a:ln>
-            <a:solidFill>
-              <a:schemeClr val="bg2"/>
-            </a:solidFill>
-          </a:ln>
-        </p:spPr>
-        <p:style>
-          <a:lnRef idx="2">
-            <a:schemeClr val="accent1">
-              <a:shade val="50000"/>
-            </a:schemeClr>
-          </a:lnRef>
-          <a:fillRef idx="1">
-            <a:schemeClr val="accent1"/>
-          </a:fillRef>
-          <a:effectRef idx="0">
-            <a:schemeClr val="accent1"/>
-          </a:effectRef>
-          <a:fontRef idx="minor">
-            <a:schemeClr val="lt1"/>
-          </a:fontRef>
-        </p:style>
-        <p:txBody>
-          <a:bodyPr rtlCol="0" anchor="ctr"/>
-          <a:lstStyle/>
-          <a:p>
-            <a:pPr algn="ctr"/>
-            <a:endParaRPr lang="en-NL"/>
-          </a:p>
-        </p:txBody>
-      </p:sp>
-      <p:sp>
-        <p:nvSpPr>
-          <p:cNvPr id="10" name="Rounded Rectangle 9">
-            <a:extLst>
-              <a:ext uri="{FF2B5EF4-FFF2-40B4-BE49-F238E27FC236}">
-                <a16:creationId xmlns:a16="http://schemas.microsoft.com/office/drawing/2014/main" id="{2333F93C-0F67-C146-84E2-9B869646EE60}"/>
-              </a:ext>
-            </a:extLst>
-          </p:cNvPr>
-          <p:cNvSpPr/>
-          <p:nvPr/>
-        </p:nvSpPr>
-        <p:spPr>
-          <a:xfrm>
-            <a:off x="-186093" y="1325099"/>
-            <a:ext cx="410705" cy="410705"/>
-          </a:xfrm>
-          <a:prstGeom prst="roundRect">
-            <a:avLst/>
-          </a:prstGeom>
-          <a:solidFill>
-            <a:schemeClr val="bg2"/>
-          </a:solidFill>
-          <a:ln>
-            <a:solidFill>
-              <a:schemeClr val="bg2"/>
-            </a:solidFill>
-          </a:ln>
-        </p:spPr>
-        <p:style>
-          <a:lnRef idx="2">
-            <a:schemeClr val="accent1">
-              <a:shade val="50000"/>
-            </a:schemeClr>
-          </a:lnRef>
-          <a:fillRef idx="1">
-            <a:schemeClr val="accent1"/>
-          </a:fillRef>
-          <a:effectRef idx="0">
-            <a:schemeClr val="accent1"/>
-          </a:effectRef>
-          <a:fontRef idx="minor">
-            <a:schemeClr val="lt1"/>
-          </a:fontRef>
-        </p:style>
-        <p:txBody>
-          <a:bodyPr rtlCol="0" anchor="ctr"/>
-          <a:lstStyle/>
-          <a:p>
-            <a:pPr algn="ctr"/>
-            <a:endParaRPr lang="en-NL"/>
-          </a:p>
-        </p:txBody>
-      </p:sp>
-      <p:sp>
-        <p:nvSpPr>
-          <p:cNvPr id="11" name="Rounded Rectangle 10">
-            <a:extLst>
-              <a:ext uri="{FF2B5EF4-FFF2-40B4-BE49-F238E27FC236}">
-                <a16:creationId xmlns:a16="http://schemas.microsoft.com/office/drawing/2014/main" id="{AA9F6613-2A28-7048-A742-95677A05CBD2}"/>
-              </a:ext>
-            </a:extLst>
-          </p:cNvPr>
-          <p:cNvSpPr/>
-          <p:nvPr/>
-        </p:nvSpPr>
-        <p:spPr>
-          <a:xfrm>
-            <a:off x="-205353" y="1880462"/>
-            <a:ext cx="410705" cy="410705"/>
-          </a:xfrm>
-          <a:prstGeom prst="roundRect">
-            <a:avLst/>
-          </a:prstGeom>
-          <a:solidFill>
-            <a:schemeClr val="bg2"/>
-          </a:solidFill>
-          <a:ln>
-            <a:solidFill>
-              <a:schemeClr val="bg2"/>
-            </a:solidFill>
-          </a:ln>
-        </p:spPr>
-        <p:style>
-          <a:lnRef idx="2">
-            <a:schemeClr val="accent1">
-              <a:shade val="50000"/>
-            </a:schemeClr>
-          </a:lnRef>
-          <a:fillRef idx="1">
-            <a:schemeClr val="accent1"/>
-          </a:fillRef>
-          <a:effectRef idx="0">
-            <a:schemeClr val="accent1"/>
-          </a:effectRef>
-          <a:fontRef idx="minor">
-            <a:schemeClr val="lt1"/>
-          </a:fontRef>
-        </p:style>
-        <p:txBody>
-          <a:bodyPr rtlCol="0" anchor="ctr"/>
-          <a:lstStyle/>
-          <a:p>
-            <a:pPr algn="ctr"/>
-            <a:endParaRPr lang="en-NL"/>
-          </a:p>
-        </p:txBody>
-      </p:sp>
-      <p:sp>
-        <p:nvSpPr>
-          <p:cNvPr id="12" name="Rounded Rectangle 11">
-            <a:extLst>
-              <a:ext uri="{FF2B5EF4-FFF2-40B4-BE49-F238E27FC236}">
-                <a16:creationId xmlns:a16="http://schemas.microsoft.com/office/drawing/2014/main" id="{2035461B-5D95-774C-8E4D-3CB256D762EA}"/>
-              </a:ext>
-            </a:extLst>
-          </p:cNvPr>
-          <p:cNvSpPr/>
-          <p:nvPr/>
-        </p:nvSpPr>
-        <p:spPr>
-          <a:xfrm>
-            <a:off x="-228076" y="2435818"/>
-            <a:ext cx="410705" cy="410705"/>
-          </a:xfrm>
-          <a:prstGeom prst="roundRect">
-            <a:avLst/>
-          </a:prstGeom>
-          <a:solidFill>
-            <a:schemeClr val="bg2"/>
-          </a:solidFill>
-          <a:ln>
-            <a:solidFill>
-              <a:schemeClr val="bg2"/>
-            </a:solidFill>
-          </a:ln>
-        </p:spPr>
-        <p:style>
-          <a:lnRef idx="2">
-            <a:schemeClr val="accent1">
-              <a:shade val="50000"/>
-            </a:schemeClr>
-          </a:lnRef>
-          <a:fillRef idx="1">
-            <a:schemeClr val="accent1"/>
-          </a:fillRef>
-          <a:effectRef idx="0">
-            <a:schemeClr val="accent1"/>
-          </a:effectRef>
-          <a:fontRef idx="minor">
-            <a:schemeClr val="lt1"/>
-          </a:fontRef>
-        </p:style>
-        <p:txBody>
-          <a:bodyPr rtlCol="0" anchor="ctr"/>
-          <a:lstStyle/>
-          <a:p>
-            <a:pPr algn="ctr"/>
-            <a:endParaRPr lang="en-NL"/>
-          </a:p>
-        </p:txBody>
-      </p:sp>
-      <p:sp>
-        <p:nvSpPr>
-          <p:cNvPr id="13" name="Rounded Rectangle 12">
-            <a:extLst>
-              <a:ext uri="{FF2B5EF4-FFF2-40B4-BE49-F238E27FC236}">
-                <a16:creationId xmlns:a16="http://schemas.microsoft.com/office/drawing/2014/main" id="{F78111FD-544B-3749-B4C7-6C0601A72685}"/>
-              </a:ext>
-            </a:extLst>
-          </p:cNvPr>
-          <p:cNvSpPr/>
-          <p:nvPr/>
-        </p:nvSpPr>
-        <p:spPr>
-          <a:xfrm>
-            <a:off x="-199978" y="2991174"/>
-            <a:ext cx="410705" cy="410705"/>
-          </a:xfrm>
-          <a:prstGeom prst="roundRect">
-            <a:avLst/>
-          </a:prstGeom>
-          <a:solidFill>
-            <a:schemeClr val="bg2"/>
-          </a:solidFill>
-          <a:ln>
-            <a:solidFill>
-              <a:schemeClr val="bg2"/>
-            </a:solidFill>
-          </a:ln>
-        </p:spPr>
-        <p:style>
-          <a:lnRef idx="2">
-            <a:schemeClr val="accent1">
-              <a:shade val="50000"/>
-            </a:schemeClr>
-          </a:lnRef>
-          <a:fillRef idx="1">
-            <a:schemeClr val="accent1"/>
-          </a:fillRef>
-          <a:effectRef idx="0">
-            <a:schemeClr val="accent1"/>
-          </a:effectRef>
-          <a:fontRef idx="minor">
-            <a:schemeClr val="lt1"/>
-          </a:fontRef>
-        </p:style>
-        <p:txBody>
-          <a:bodyPr rtlCol="0" anchor="ctr"/>
-          <a:lstStyle/>
-          <a:p>
-            <a:pPr algn="ctr"/>
-            <a:endParaRPr lang="en-NL"/>
-          </a:p>
-        </p:txBody>
-      </p:sp>
-      <p:sp>
-        <p:nvSpPr>
-          <p:cNvPr id="16" name="Rounded Rectangle 15">
-            <a:extLst>
-              <a:ext uri="{FF2B5EF4-FFF2-40B4-BE49-F238E27FC236}">
-                <a16:creationId xmlns:a16="http://schemas.microsoft.com/office/drawing/2014/main" id="{74B1E9C1-F51F-E349-A7D6-273F919A86DE}"/>
-              </a:ext>
-            </a:extLst>
-          </p:cNvPr>
-          <p:cNvSpPr/>
-          <p:nvPr/>
-        </p:nvSpPr>
-        <p:spPr>
-          <a:xfrm>
-            <a:off x="-205353" y="3546530"/>
-            <a:ext cx="410705" cy="410705"/>
-          </a:xfrm>
-          <a:prstGeom prst="roundRect">
-            <a:avLst/>
-          </a:prstGeom>
-          <a:solidFill>
-            <a:schemeClr val="bg2"/>
-          </a:solidFill>
-          <a:ln>
-            <a:solidFill>
-              <a:schemeClr val="bg2"/>
-            </a:solidFill>
-          </a:ln>
-        </p:spPr>
-        <p:style>
-          <a:lnRef idx="2">
-            <a:schemeClr val="accent1">
-              <a:shade val="50000"/>
-            </a:schemeClr>
-          </a:lnRef>
-          <a:fillRef idx="1">
-            <a:schemeClr val="accent1"/>
-          </a:fillRef>
-          <a:effectRef idx="0">
-            <a:schemeClr val="accent1"/>
-          </a:effectRef>
-          <a:fontRef idx="minor">
-            <a:schemeClr val="lt1"/>
-          </a:fontRef>
-        </p:style>
-        <p:txBody>
-          <a:bodyPr rtlCol="0" anchor="ctr"/>
-          <a:lstStyle/>
-          <a:p>
-            <a:pPr algn="ctr"/>
-            <a:endParaRPr lang="en-NL"/>
-          </a:p>
-        </p:txBody>
-      </p:sp>
-      <p:sp>
-        <p:nvSpPr>
-          <p:cNvPr id="18" name="Rounded Rectangle 17">
-            <a:extLst>
-              <a:ext uri="{FF2B5EF4-FFF2-40B4-BE49-F238E27FC236}">
-                <a16:creationId xmlns:a16="http://schemas.microsoft.com/office/drawing/2014/main" id="{6BB192FA-7562-6C45-B5B6-0487D9CB90FC}"/>
-              </a:ext>
-            </a:extLst>
-          </p:cNvPr>
-          <p:cNvSpPr/>
-          <p:nvPr/>
-        </p:nvSpPr>
-        <p:spPr>
-          <a:xfrm>
-            <a:off x="-199426" y="4101886"/>
-            <a:ext cx="410705" cy="410705"/>
-          </a:xfrm>
-          <a:prstGeom prst="roundRect">
-            <a:avLst/>
-          </a:prstGeom>
-          <a:solidFill>
-            <a:schemeClr val="bg2"/>
-          </a:solidFill>
-          <a:ln>
-            <a:solidFill>
-              <a:schemeClr val="bg2"/>
-            </a:solidFill>
-          </a:ln>
-        </p:spPr>
-        <p:style>
-          <a:lnRef idx="2">
-            <a:schemeClr val="accent1">
-              <a:shade val="50000"/>
-            </a:schemeClr>
-          </a:lnRef>
-          <a:fillRef idx="1">
-            <a:schemeClr val="accent1"/>
-          </a:fillRef>
-          <a:effectRef idx="0">
-            <a:schemeClr val="accent1"/>
-          </a:effectRef>
-          <a:fontRef idx="minor">
-            <a:schemeClr val="lt1"/>
-          </a:fontRef>
-        </p:style>
-        <p:txBody>
-          <a:bodyPr rtlCol="0" anchor="ctr"/>
-          <a:lstStyle/>
-          <a:p>
-            <a:pPr algn="ctr"/>
-            <a:endParaRPr lang="en-NL"/>
-          </a:p>
-        </p:txBody>
-      </p:sp>
-      <p:sp>
-        <p:nvSpPr>
-          <p:cNvPr id="19" name="Rounded Rectangle 18">
-            <a:extLst>
-              <a:ext uri="{FF2B5EF4-FFF2-40B4-BE49-F238E27FC236}">
-                <a16:creationId xmlns:a16="http://schemas.microsoft.com/office/drawing/2014/main" id="{DFF58212-847B-D248-84DE-5532419AD67A}"/>
-              </a:ext>
-            </a:extLst>
-          </p:cNvPr>
-          <p:cNvSpPr/>
-          <p:nvPr/>
-        </p:nvSpPr>
-        <p:spPr>
-          <a:xfrm>
-            <a:off x="7348208" y="769746"/>
-            <a:ext cx="410705" cy="410705"/>
-          </a:xfrm>
-          <a:prstGeom prst="roundRect">
-            <a:avLst/>
-          </a:prstGeom>
-          <a:solidFill>
-            <a:schemeClr val="bg2"/>
-          </a:solidFill>
-          <a:ln>
-            <a:solidFill>
-              <a:schemeClr val="bg2"/>
-            </a:solidFill>
-          </a:ln>
-        </p:spPr>
-        <p:style>
-          <a:lnRef idx="2">
-            <a:schemeClr val="accent1">
-              <a:shade val="50000"/>
-            </a:schemeClr>
-          </a:lnRef>
-          <a:fillRef idx="1">
-            <a:schemeClr val="accent1"/>
-          </a:fillRef>
-          <a:effectRef idx="0">
-            <a:schemeClr val="accent1"/>
-          </a:effectRef>
-          <a:fontRef idx="minor">
-            <a:schemeClr val="lt1"/>
-          </a:fontRef>
-        </p:style>
-        <p:txBody>
-          <a:bodyPr rtlCol="0" anchor="ctr"/>
-          <a:lstStyle/>
-          <a:p>
-            <a:pPr algn="ctr"/>
-            <a:endParaRPr lang="en-NL"/>
-          </a:p>
-        </p:txBody>
-      </p:sp>
-      <p:sp>
-        <p:nvSpPr>
-          <p:cNvPr id="20" name="Rounded Rectangle 19">
-            <a:extLst>
-              <a:ext uri="{FF2B5EF4-FFF2-40B4-BE49-F238E27FC236}">
-                <a16:creationId xmlns:a16="http://schemas.microsoft.com/office/drawing/2014/main" id="{8C0CF75B-D58A-4840-8464-3D74529F5933}"/>
-              </a:ext>
-            </a:extLst>
-          </p:cNvPr>
-          <p:cNvSpPr/>
-          <p:nvPr/>
-        </p:nvSpPr>
-        <p:spPr>
-          <a:xfrm>
-            <a:off x="7348208" y="1325100"/>
-            <a:ext cx="410705" cy="410705"/>
-          </a:xfrm>
-          <a:prstGeom prst="roundRect">
-            <a:avLst/>
-          </a:prstGeom>
-          <a:solidFill>
-            <a:schemeClr val="bg2"/>
-          </a:solidFill>
-          <a:ln>
-            <a:solidFill>
-              <a:schemeClr val="bg2"/>
-            </a:solidFill>
-          </a:ln>
-        </p:spPr>
-        <p:style>
-          <a:lnRef idx="2">
-            <a:schemeClr val="accent1">
-              <a:shade val="50000"/>
-            </a:schemeClr>
-          </a:lnRef>
-          <a:fillRef idx="1">
-            <a:schemeClr val="accent1"/>
-          </a:fillRef>
-          <a:effectRef idx="0">
-            <a:schemeClr val="accent1"/>
-          </a:effectRef>
-          <a:fontRef idx="minor">
-            <a:schemeClr val="lt1"/>
-          </a:fontRef>
-        </p:style>
-        <p:txBody>
-          <a:bodyPr rtlCol="0" anchor="ctr"/>
-          <a:lstStyle/>
-          <a:p>
-            <a:pPr algn="ctr"/>
-            <a:endParaRPr lang="en-NL"/>
-          </a:p>
-        </p:txBody>
-      </p:sp>
-      <p:sp>
-        <p:nvSpPr>
-          <p:cNvPr id="21" name="Rounded Rectangle 20">
-            <a:extLst>
-              <a:ext uri="{FF2B5EF4-FFF2-40B4-BE49-F238E27FC236}">
-                <a16:creationId xmlns:a16="http://schemas.microsoft.com/office/drawing/2014/main" id="{66339E88-CF46-694D-8472-C7F78C4EBDDB}"/>
-              </a:ext>
-            </a:extLst>
-          </p:cNvPr>
-          <p:cNvSpPr/>
-          <p:nvPr/>
-        </p:nvSpPr>
-        <p:spPr>
-          <a:xfrm>
-            <a:off x="7348396" y="1880460"/>
-            <a:ext cx="410705" cy="410705"/>
-          </a:xfrm>
-          <a:prstGeom prst="roundRect">
-            <a:avLst/>
-          </a:prstGeom>
-          <a:solidFill>
-            <a:schemeClr val="bg2"/>
-          </a:solidFill>
-          <a:ln>
-            <a:solidFill>
-              <a:schemeClr val="bg2"/>
-            </a:solidFill>
-          </a:ln>
-        </p:spPr>
-        <p:style>
-          <a:lnRef idx="2">
-            <a:schemeClr val="accent1">
-              <a:shade val="50000"/>
-            </a:schemeClr>
-          </a:lnRef>
-          <a:fillRef idx="1">
-            <a:schemeClr val="accent1"/>
-          </a:fillRef>
-          <a:effectRef idx="0">
-            <a:schemeClr val="accent1"/>
-          </a:effectRef>
-          <a:fontRef idx="minor">
-            <a:schemeClr val="lt1"/>
-          </a:fontRef>
-        </p:style>
-        <p:txBody>
-          <a:bodyPr rtlCol="0" anchor="ctr"/>
-          <a:lstStyle/>
-          <a:p>
-            <a:pPr algn="ctr"/>
-            <a:endParaRPr lang="en-NL"/>
-          </a:p>
-        </p:txBody>
-      </p:sp>
-      <p:sp>
-        <p:nvSpPr>
-          <p:cNvPr id="22" name="Rounded Rectangle 21">
-            <a:extLst>
-              <a:ext uri="{FF2B5EF4-FFF2-40B4-BE49-F238E27FC236}">
-                <a16:creationId xmlns:a16="http://schemas.microsoft.com/office/drawing/2014/main" id="{EE08CE49-2BDF-7E47-93A6-34A667AEB601}"/>
-              </a:ext>
-            </a:extLst>
-          </p:cNvPr>
-          <p:cNvSpPr/>
-          <p:nvPr/>
-        </p:nvSpPr>
-        <p:spPr>
-          <a:xfrm>
-            <a:off x="7348208" y="2435817"/>
-            <a:ext cx="410705" cy="410705"/>
-          </a:xfrm>
-          <a:prstGeom prst="roundRect">
-            <a:avLst/>
-          </a:prstGeom>
-          <a:solidFill>
-            <a:schemeClr val="bg2"/>
-          </a:solidFill>
-          <a:ln>
-            <a:solidFill>
-              <a:schemeClr val="bg2"/>
-            </a:solidFill>
-          </a:ln>
-        </p:spPr>
-        <p:style>
-          <a:lnRef idx="2">
-            <a:schemeClr val="accent1">
-              <a:shade val="50000"/>
-            </a:schemeClr>
-          </a:lnRef>
-          <a:fillRef idx="1">
-            <a:schemeClr val="accent1"/>
-          </a:fillRef>
-          <a:effectRef idx="0">
-            <a:schemeClr val="accent1"/>
-          </a:effectRef>
-          <a:fontRef idx="minor">
-            <a:schemeClr val="lt1"/>
-          </a:fontRef>
-        </p:style>
-        <p:txBody>
-          <a:bodyPr rtlCol="0" anchor="ctr"/>
-          <a:lstStyle/>
-          <a:p>
-            <a:pPr algn="ctr"/>
-            <a:endParaRPr lang="en-NL"/>
-          </a:p>
-        </p:txBody>
-      </p:sp>
-      <p:sp>
-        <p:nvSpPr>
-          <p:cNvPr id="23" name="Rounded Rectangle 22">
-            <a:extLst>
-              <a:ext uri="{FF2B5EF4-FFF2-40B4-BE49-F238E27FC236}">
-                <a16:creationId xmlns:a16="http://schemas.microsoft.com/office/drawing/2014/main" id="{0B4B9A8D-960F-1A49-BC4D-3FC55095C91E}"/>
-              </a:ext>
-            </a:extLst>
-          </p:cNvPr>
-          <p:cNvSpPr/>
-          <p:nvPr/>
-        </p:nvSpPr>
-        <p:spPr>
-          <a:xfrm>
-            <a:off x="7348208" y="2991173"/>
-            <a:ext cx="410705" cy="410705"/>
-          </a:xfrm>
-          <a:prstGeom prst="roundRect">
-            <a:avLst/>
-          </a:prstGeom>
-          <a:solidFill>
-            <a:schemeClr val="bg2"/>
-          </a:solidFill>
-          <a:ln>
-            <a:solidFill>
-              <a:schemeClr val="bg2"/>
-            </a:solidFill>
-          </a:ln>
-        </p:spPr>
-        <p:style>
-          <a:lnRef idx="2">
-            <a:schemeClr val="accent1">
-              <a:shade val="50000"/>
-            </a:schemeClr>
-          </a:lnRef>
-          <a:fillRef idx="1">
-            <a:schemeClr val="accent1"/>
-          </a:fillRef>
-          <a:effectRef idx="0">
-            <a:schemeClr val="accent1"/>
-          </a:effectRef>
-          <a:fontRef idx="minor">
-            <a:schemeClr val="lt1"/>
-          </a:fontRef>
-        </p:style>
-        <p:txBody>
-          <a:bodyPr rtlCol="0" anchor="ctr"/>
-          <a:lstStyle/>
-          <a:p>
-            <a:pPr algn="ctr"/>
-            <a:endParaRPr lang="en-NL"/>
-          </a:p>
-        </p:txBody>
-      </p:sp>
-      <p:sp>
-        <p:nvSpPr>
-          <p:cNvPr id="24" name="Rounded Rectangle 23">
-            <a:extLst>
-              <a:ext uri="{FF2B5EF4-FFF2-40B4-BE49-F238E27FC236}">
-                <a16:creationId xmlns:a16="http://schemas.microsoft.com/office/drawing/2014/main" id="{90B90E96-DA65-3844-A895-A8E4275F2E9E}"/>
-              </a:ext>
-            </a:extLst>
-          </p:cNvPr>
-          <p:cNvSpPr/>
-          <p:nvPr/>
-        </p:nvSpPr>
-        <p:spPr>
-          <a:xfrm>
-            <a:off x="7348208" y="3546526"/>
-            <a:ext cx="410705" cy="410705"/>
-          </a:xfrm>
-          <a:prstGeom prst="roundRect">
-            <a:avLst/>
-          </a:prstGeom>
-          <a:solidFill>
-            <a:schemeClr val="bg2"/>
-          </a:solidFill>
-          <a:ln>
-            <a:solidFill>
-              <a:schemeClr val="bg2"/>
-            </a:solidFill>
-          </a:ln>
-        </p:spPr>
-        <p:style>
-          <a:lnRef idx="2">
-            <a:schemeClr val="accent1">
-              <a:shade val="50000"/>
-            </a:schemeClr>
-          </a:lnRef>
-          <a:fillRef idx="1">
-            <a:schemeClr val="accent1"/>
-          </a:fillRef>
-          <a:effectRef idx="0">
-            <a:schemeClr val="accent1"/>
-          </a:effectRef>
-          <a:fontRef idx="minor">
-            <a:schemeClr val="lt1"/>
-          </a:fontRef>
-        </p:style>
-        <p:txBody>
-          <a:bodyPr rtlCol="0" anchor="ctr"/>
-          <a:lstStyle/>
-          <a:p>
-            <a:pPr algn="ctr"/>
-            <a:endParaRPr lang="en-NL"/>
-          </a:p>
-        </p:txBody>
-      </p:sp>
-      <p:sp>
-        <p:nvSpPr>
-          <p:cNvPr id="25" name="Rounded Rectangle 24">
-            <a:extLst>
-              <a:ext uri="{FF2B5EF4-FFF2-40B4-BE49-F238E27FC236}">
-                <a16:creationId xmlns:a16="http://schemas.microsoft.com/office/drawing/2014/main" id="{5950A2A1-25A0-624E-8059-D651F019971A}"/>
-              </a:ext>
-            </a:extLst>
-          </p:cNvPr>
-          <p:cNvSpPr/>
-          <p:nvPr/>
-        </p:nvSpPr>
-        <p:spPr>
-          <a:xfrm>
-            <a:off x="7348207" y="4101879"/>
-            <a:ext cx="410705" cy="410705"/>
-          </a:xfrm>
-          <a:prstGeom prst="roundRect">
-            <a:avLst/>
-          </a:prstGeom>
-          <a:solidFill>
-            <a:schemeClr val="bg2"/>
-          </a:solidFill>
-          <a:ln>
-            <a:solidFill>
-              <a:schemeClr val="bg2"/>
-            </a:solidFill>
-          </a:ln>
-        </p:spPr>
-        <p:style>
-          <a:lnRef idx="2">
-            <a:schemeClr val="accent1">
-              <a:shade val="50000"/>
-            </a:schemeClr>
-          </a:lnRef>
-          <a:fillRef idx="1">
-            <a:schemeClr val="accent1"/>
-          </a:fillRef>
-          <a:effectRef idx="0">
-            <a:schemeClr val="accent1"/>
-          </a:effectRef>
-          <a:fontRef idx="minor">
-            <a:schemeClr val="lt1"/>
-          </a:fontRef>
-        </p:style>
-        <p:txBody>
-          <a:bodyPr rtlCol="0" anchor="ctr"/>
-          <a:lstStyle/>
-          <a:p>
-            <a:pPr algn="ctr"/>
-            <a:endParaRPr lang="en-NL"/>
-          </a:p>
-        </p:txBody>
-      </p:sp>
-    </p:spTree>
-    <p:extLst>
-      <p:ext uri="{BB962C8B-B14F-4D97-AF65-F5344CB8AC3E}">
-        <p14:creationId xmlns:p14="http://schemas.microsoft.com/office/powerpoint/2010/main" val="2955084820"/>
-      </p:ext>
-    </p:extLst>
-  </p:cSld>
-  <p:clrMapOvr>
-    <a:masterClrMapping/>
-  </p:clrMapOvr>
-</p:sld>
-</file>
-
-<file path=ppt/slides/slide30.xml><?xml version="1.0" encoding="utf-8"?>
+<file path=ppt/slides/slide32.xml><?xml version="1.0" encoding="utf-8"?>
 <p:sld xmlns:a="http://schemas.openxmlformats.org/drawingml/2006/main" xmlns:r="http://schemas.openxmlformats.org/officeDocument/2006/relationships" xmlns:p="http://schemas.openxmlformats.org/presentationml/2006/main">
   <p:cSld>
     <p:spTree>
@@ -10995,7 +11494,7 @@
 </p:sld>
 </file>
 
-<file path=ppt/slides/slide31.xml><?xml version="1.0" encoding="utf-8"?>
+<file path=ppt/slides/slide33.xml><?xml version="1.0" encoding="utf-8"?>
 <p:sld xmlns:a="http://schemas.openxmlformats.org/drawingml/2006/main" xmlns:r="http://schemas.openxmlformats.org/officeDocument/2006/relationships" xmlns:p="http://schemas.openxmlformats.org/presentationml/2006/main">
   <p:cSld>
     <p:spTree>
@@ -11305,7 +11804,7 @@
 </p:sld>
 </file>
 
-<file path=ppt/slides/slide32.xml><?xml version="1.0" encoding="utf-8"?>
+<file path=ppt/slides/slide34.xml><?xml version="1.0" encoding="utf-8"?>
 <p:sld xmlns:a="http://schemas.openxmlformats.org/drawingml/2006/main" xmlns:r="http://schemas.openxmlformats.org/officeDocument/2006/relationships" xmlns:p="http://schemas.openxmlformats.org/presentationml/2006/main">
   <p:cSld>
     <p:spTree>
@@ -11474,7 +11973,7 @@
 </p:sld>
 </file>
 
-<file path=ppt/slides/slide33.xml><?xml version="1.0" encoding="utf-8"?>
+<file path=ppt/slides/slide35.xml><?xml version="1.0" encoding="utf-8"?>
 <p:sld xmlns:a="http://schemas.openxmlformats.org/drawingml/2006/main" xmlns:r="http://schemas.openxmlformats.org/officeDocument/2006/relationships" xmlns:p="http://schemas.openxmlformats.org/presentationml/2006/main">
   <p:cSld>
     <p:spTree>
@@ -11782,7 +12281,7 @@
 </p:sld>
 </file>
 
-<file path=ppt/slides/slide34.xml><?xml version="1.0" encoding="utf-8"?>
+<file path=ppt/slides/slide36.xml><?xml version="1.0" encoding="utf-8"?>
 <p:sld xmlns:a="http://schemas.openxmlformats.org/drawingml/2006/main" xmlns:r="http://schemas.openxmlformats.org/officeDocument/2006/relationships" xmlns:p="http://schemas.openxmlformats.org/presentationml/2006/main">
   <p:cSld>
     <p:spTree>
@@ -11951,7 +12450,7 @@
 </p:sld>
 </file>
 
-<file path=ppt/slides/slide35.xml><?xml version="1.0" encoding="utf-8"?>
+<file path=ppt/slides/slide37.xml><?xml version="1.0" encoding="utf-8"?>
 <p:sld xmlns:a="http://schemas.openxmlformats.org/drawingml/2006/main" xmlns:r="http://schemas.openxmlformats.org/officeDocument/2006/relationships" xmlns:p="http://schemas.openxmlformats.org/presentationml/2006/main">
   <p:cSld>
     <p:spTree>
@@ -12271,7 +12770,7 @@
 </p:sld>
 </file>
 
-<file path=ppt/slides/slide36.xml><?xml version="1.0" encoding="utf-8"?>
+<file path=ppt/slides/slide38.xml><?xml version="1.0" encoding="utf-8"?>
 <p:sld xmlns:a="http://schemas.openxmlformats.org/drawingml/2006/main" xmlns:r="http://schemas.openxmlformats.org/officeDocument/2006/relationships" xmlns:p="http://schemas.openxmlformats.org/presentationml/2006/main">
   <p:cSld>
     <p:spTree>
@@ -12440,7 +12939,7 @@
 </p:sld>
 </file>
 
-<file path=ppt/slides/slide37.xml><?xml version="1.0" encoding="utf-8"?>
+<file path=ppt/slides/slide39.xml><?xml version="1.0" encoding="utf-8"?>
 <p:sld xmlns:a="http://schemas.openxmlformats.org/drawingml/2006/main" xmlns:r="http://schemas.openxmlformats.org/officeDocument/2006/relationships" xmlns:p="http://schemas.openxmlformats.org/presentationml/2006/main">
   <p:cSld>
     <p:spTree>
@@ -12760,7 +13259,7 @@
 </p:sld>
 </file>
 
-<file path=ppt/slides/slide38.xml><?xml version="1.0" encoding="utf-8"?>
+<file path=ppt/slides/slide4.xml><?xml version="1.0" encoding="utf-8"?>
 <p:sld xmlns:a="http://schemas.openxmlformats.org/drawingml/2006/main" xmlns:r="http://schemas.openxmlformats.org/officeDocument/2006/relationships" xmlns:p="http://schemas.openxmlformats.org/presentationml/2006/main">
   <p:cSld>
     <p:spTree>
@@ -12919,6 +13418,175 @@
     </p:spTree>
     <p:extLst>
       <p:ext uri="{BB962C8B-B14F-4D97-AF65-F5344CB8AC3E}">
+        <p14:creationId xmlns:p14="http://schemas.microsoft.com/office/powerpoint/2010/main" val="3385344708"/>
+      </p:ext>
+    </p:extLst>
+  </p:cSld>
+  <p:clrMapOvr>
+    <a:masterClrMapping/>
+  </p:clrMapOvr>
+</p:sld>
+</file>
+
+<file path=ppt/slides/slide40.xml><?xml version="1.0" encoding="utf-8"?>
+<p:sld xmlns:a="http://schemas.openxmlformats.org/drawingml/2006/main" xmlns:r="http://schemas.openxmlformats.org/officeDocument/2006/relationships" xmlns:p="http://schemas.openxmlformats.org/presentationml/2006/main">
+  <p:cSld>
+    <p:spTree>
+      <p:nvGrpSpPr>
+        <p:cNvPr id="1" name=""/>
+        <p:cNvGrpSpPr/>
+        <p:nvPr/>
+      </p:nvGrpSpPr>
+      <p:grpSpPr>
+        <a:xfrm>
+          <a:off x="0" y="0"/>
+          <a:ext cx="0" cy="0"/>
+          <a:chOff x="0" y="0"/>
+          <a:chExt cx="0" cy="0"/>
+        </a:xfrm>
+      </p:grpSpPr>
+      <p:sp>
+        <p:nvSpPr>
+          <p:cNvPr id="2" name="Title 1">
+            <a:extLst>
+              <a:ext uri="{FF2B5EF4-FFF2-40B4-BE49-F238E27FC236}">
+                <a16:creationId xmlns:a16="http://schemas.microsoft.com/office/drawing/2014/main" id="{CFCDF3DA-1D3D-E743-8E21-6B353B4D96A4}"/>
+              </a:ext>
+            </a:extLst>
+          </p:cNvPr>
+          <p:cNvSpPr>
+            <a:spLocks noGrp="1"/>
+          </p:cNvSpPr>
+          <p:nvPr>
+            <p:ph type="title"/>
+          </p:nvPr>
+        </p:nvSpPr>
+        <p:spPr/>
+        <p:txBody>
+          <a:bodyPr/>
+          <a:lstStyle/>
+          <a:p>
+            <a:endParaRPr lang="en-NL"/>
+          </a:p>
+        </p:txBody>
+      </p:sp>
+      <p:sp>
+        <p:nvSpPr>
+          <p:cNvPr id="3" name="Content Placeholder 2">
+            <a:extLst>
+              <a:ext uri="{FF2B5EF4-FFF2-40B4-BE49-F238E27FC236}">
+                <a16:creationId xmlns:a16="http://schemas.microsoft.com/office/drawing/2014/main" id="{40A525DA-CA85-AD48-8A85-52A75E1E5317}"/>
+              </a:ext>
+            </a:extLst>
+          </p:cNvPr>
+          <p:cNvSpPr>
+            <a:spLocks noGrp="1"/>
+          </p:cNvSpPr>
+          <p:nvPr>
+            <p:ph idx="1"/>
+          </p:nvPr>
+        </p:nvSpPr>
+        <p:spPr/>
+        <p:txBody>
+          <a:bodyPr/>
+          <a:lstStyle/>
+          <a:p>
+            <a:endParaRPr lang="en-NL"/>
+          </a:p>
+        </p:txBody>
+      </p:sp>
+      <p:sp>
+        <p:nvSpPr>
+          <p:cNvPr id="4" name="Rounded Rectangle 3">
+            <a:extLst>
+              <a:ext uri="{FF2B5EF4-FFF2-40B4-BE49-F238E27FC236}">
+                <a16:creationId xmlns:a16="http://schemas.microsoft.com/office/drawing/2014/main" id="{6B890BB6-3544-1A4E-A833-93135A597BB4}"/>
+              </a:ext>
+            </a:extLst>
+          </p:cNvPr>
+          <p:cNvSpPr/>
+          <p:nvPr/>
+        </p:nvSpPr>
+        <p:spPr>
+          <a:xfrm>
+            <a:off x="0" y="0"/>
+            <a:ext cx="7559675" cy="5327650"/>
+          </a:xfrm>
+          <a:prstGeom prst="roundRect">
+            <a:avLst>
+              <a:gd name="adj" fmla="val 0"/>
+            </a:avLst>
+          </a:prstGeom>
+          <a:blipFill>
+            <a:blip r:embed="rId2"/>
+            <a:stretch>
+              <a:fillRect/>
+            </a:stretch>
+          </a:blipFill>
+          <a:ln>
+            <a:solidFill>
+              <a:schemeClr val="bg2"/>
+            </a:solidFill>
+          </a:ln>
+        </p:spPr>
+        <p:style>
+          <a:lnRef idx="2">
+            <a:schemeClr val="accent1">
+              <a:shade val="50000"/>
+            </a:schemeClr>
+          </a:lnRef>
+          <a:fillRef idx="1">
+            <a:schemeClr val="accent1"/>
+          </a:fillRef>
+          <a:effectRef idx="0">
+            <a:schemeClr val="accent1"/>
+          </a:effectRef>
+          <a:fontRef idx="minor">
+            <a:schemeClr val="lt1"/>
+          </a:fontRef>
+        </p:style>
+        <p:txBody>
+          <a:bodyPr rtlCol="0" anchor="ctr"/>
+          <a:lstStyle/>
+          <a:p>
+            <a:pPr algn="ctr"/>
+            <a:endParaRPr lang="en-NL"/>
+          </a:p>
+        </p:txBody>
+      </p:sp>
+      <p:pic>
+        <p:nvPicPr>
+          <p:cNvPr id="5" name="Picture 4" descr="A picture containing food, drawing&#10;&#10;Description automatically generated">
+            <a:extLst>
+              <a:ext uri="{FF2B5EF4-FFF2-40B4-BE49-F238E27FC236}">
+                <a16:creationId xmlns:a16="http://schemas.microsoft.com/office/drawing/2014/main" id="{27611709-3190-2A4B-BCE4-4D329000A8EB}"/>
+              </a:ext>
+            </a:extLst>
+          </p:cNvPr>
+          <p:cNvPicPr>
+            <a:picLocks noChangeAspect="1"/>
+          </p:cNvPicPr>
+          <p:nvPr/>
+        </p:nvPicPr>
+        <p:blipFill>
+          <a:blip r:embed="rId3"/>
+          <a:stretch>
+            <a:fillRect/>
+          </a:stretch>
+        </p:blipFill>
+        <p:spPr>
+          <a:xfrm>
+            <a:off x="350837" y="-765175"/>
+            <a:ext cx="6858000" cy="6858000"/>
+          </a:xfrm>
+          <a:prstGeom prst="rect">
+            <a:avLst/>
+          </a:prstGeom>
+        </p:spPr>
+      </p:pic>
+    </p:spTree>
+    <p:extLst>
+      <p:ext uri="{BB962C8B-B14F-4D97-AF65-F5344CB8AC3E}">
         <p14:creationId xmlns:p14="http://schemas.microsoft.com/office/powerpoint/2010/main" val="3114052562"/>
       </p:ext>
     </p:extLst>
@@ -12929,7 +13597,7 @@
 </p:sld>
 </file>
 
-<file path=ppt/slides/slide39.xml><?xml version="1.0" encoding="utf-8"?>
+<file path=ppt/slides/slide41.xml><?xml version="1.0" encoding="utf-8"?>
 <p:sld xmlns:a="http://schemas.openxmlformats.org/drawingml/2006/main" xmlns:r="http://schemas.openxmlformats.org/officeDocument/2006/relationships" xmlns:p="http://schemas.openxmlformats.org/presentationml/2006/main">
   <p:cSld>
     <p:spTree>
@@ -13249,7 +13917,7 @@
 </p:sld>
 </file>
 
-<file path=ppt/slides/slide4.xml><?xml version="1.0" encoding="utf-8"?>
+<file path=ppt/slides/slide42.xml><?xml version="1.0" encoding="utf-8"?>
 <p:sld xmlns:a="http://schemas.openxmlformats.org/drawingml/2006/main" xmlns:r="http://schemas.openxmlformats.org/officeDocument/2006/relationships" xmlns:p="http://schemas.openxmlformats.org/presentationml/2006/main">
   <p:cSld>
     <p:spTree>
@@ -13408,175 +14076,6 @@
     </p:spTree>
     <p:extLst>
       <p:ext uri="{BB962C8B-B14F-4D97-AF65-F5344CB8AC3E}">
-        <p14:creationId xmlns:p14="http://schemas.microsoft.com/office/powerpoint/2010/main" val="3385344708"/>
-      </p:ext>
-    </p:extLst>
-  </p:cSld>
-  <p:clrMapOvr>
-    <a:masterClrMapping/>
-  </p:clrMapOvr>
-</p:sld>
-</file>
-
-<file path=ppt/slides/slide40.xml><?xml version="1.0" encoding="utf-8"?>
-<p:sld xmlns:a="http://schemas.openxmlformats.org/drawingml/2006/main" xmlns:r="http://schemas.openxmlformats.org/officeDocument/2006/relationships" xmlns:p="http://schemas.openxmlformats.org/presentationml/2006/main">
-  <p:cSld>
-    <p:spTree>
-      <p:nvGrpSpPr>
-        <p:cNvPr id="1" name=""/>
-        <p:cNvGrpSpPr/>
-        <p:nvPr/>
-      </p:nvGrpSpPr>
-      <p:grpSpPr>
-        <a:xfrm>
-          <a:off x="0" y="0"/>
-          <a:ext cx="0" cy="0"/>
-          <a:chOff x="0" y="0"/>
-          <a:chExt cx="0" cy="0"/>
-        </a:xfrm>
-      </p:grpSpPr>
-      <p:sp>
-        <p:nvSpPr>
-          <p:cNvPr id="2" name="Title 1">
-            <a:extLst>
-              <a:ext uri="{FF2B5EF4-FFF2-40B4-BE49-F238E27FC236}">
-                <a16:creationId xmlns:a16="http://schemas.microsoft.com/office/drawing/2014/main" id="{CFCDF3DA-1D3D-E743-8E21-6B353B4D96A4}"/>
-              </a:ext>
-            </a:extLst>
-          </p:cNvPr>
-          <p:cNvSpPr>
-            <a:spLocks noGrp="1"/>
-          </p:cNvSpPr>
-          <p:nvPr>
-            <p:ph type="title"/>
-          </p:nvPr>
-        </p:nvSpPr>
-        <p:spPr/>
-        <p:txBody>
-          <a:bodyPr/>
-          <a:lstStyle/>
-          <a:p>
-            <a:endParaRPr lang="en-NL"/>
-          </a:p>
-        </p:txBody>
-      </p:sp>
-      <p:sp>
-        <p:nvSpPr>
-          <p:cNvPr id="3" name="Content Placeholder 2">
-            <a:extLst>
-              <a:ext uri="{FF2B5EF4-FFF2-40B4-BE49-F238E27FC236}">
-                <a16:creationId xmlns:a16="http://schemas.microsoft.com/office/drawing/2014/main" id="{40A525DA-CA85-AD48-8A85-52A75E1E5317}"/>
-              </a:ext>
-            </a:extLst>
-          </p:cNvPr>
-          <p:cNvSpPr>
-            <a:spLocks noGrp="1"/>
-          </p:cNvSpPr>
-          <p:nvPr>
-            <p:ph idx="1"/>
-          </p:nvPr>
-        </p:nvSpPr>
-        <p:spPr/>
-        <p:txBody>
-          <a:bodyPr/>
-          <a:lstStyle/>
-          <a:p>
-            <a:endParaRPr lang="en-NL"/>
-          </a:p>
-        </p:txBody>
-      </p:sp>
-      <p:sp>
-        <p:nvSpPr>
-          <p:cNvPr id="4" name="Rounded Rectangle 3">
-            <a:extLst>
-              <a:ext uri="{FF2B5EF4-FFF2-40B4-BE49-F238E27FC236}">
-                <a16:creationId xmlns:a16="http://schemas.microsoft.com/office/drawing/2014/main" id="{6B890BB6-3544-1A4E-A833-93135A597BB4}"/>
-              </a:ext>
-            </a:extLst>
-          </p:cNvPr>
-          <p:cNvSpPr/>
-          <p:nvPr/>
-        </p:nvSpPr>
-        <p:spPr>
-          <a:xfrm>
-            <a:off x="0" y="0"/>
-            <a:ext cx="7559675" cy="5327650"/>
-          </a:xfrm>
-          <a:prstGeom prst="roundRect">
-            <a:avLst>
-              <a:gd name="adj" fmla="val 0"/>
-            </a:avLst>
-          </a:prstGeom>
-          <a:blipFill>
-            <a:blip r:embed="rId2"/>
-            <a:stretch>
-              <a:fillRect/>
-            </a:stretch>
-          </a:blipFill>
-          <a:ln>
-            <a:solidFill>
-              <a:schemeClr val="bg2"/>
-            </a:solidFill>
-          </a:ln>
-        </p:spPr>
-        <p:style>
-          <a:lnRef idx="2">
-            <a:schemeClr val="accent1">
-              <a:shade val="50000"/>
-            </a:schemeClr>
-          </a:lnRef>
-          <a:fillRef idx="1">
-            <a:schemeClr val="accent1"/>
-          </a:fillRef>
-          <a:effectRef idx="0">
-            <a:schemeClr val="accent1"/>
-          </a:effectRef>
-          <a:fontRef idx="minor">
-            <a:schemeClr val="lt1"/>
-          </a:fontRef>
-        </p:style>
-        <p:txBody>
-          <a:bodyPr rtlCol="0" anchor="ctr"/>
-          <a:lstStyle/>
-          <a:p>
-            <a:pPr algn="ctr"/>
-            <a:endParaRPr lang="en-NL"/>
-          </a:p>
-        </p:txBody>
-      </p:sp>
-      <p:pic>
-        <p:nvPicPr>
-          <p:cNvPr id="5" name="Picture 4" descr="A picture containing food, drawing&#10;&#10;Description automatically generated">
-            <a:extLst>
-              <a:ext uri="{FF2B5EF4-FFF2-40B4-BE49-F238E27FC236}">
-                <a16:creationId xmlns:a16="http://schemas.microsoft.com/office/drawing/2014/main" id="{27611709-3190-2A4B-BCE4-4D329000A8EB}"/>
-              </a:ext>
-            </a:extLst>
-          </p:cNvPr>
-          <p:cNvPicPr>
-            <a:picLocks noChangeAspect="1"/>
-          </p:cNvPicPr>
-          <p:nvPr/>
-        </p:nvPicPr>
-        <p:blipFill>
-          <a:blip r:embed="rId3"/>
-          <a:stretch>
-            <a:fillRect/>
-          </a:stretch>
-        </p:blipFill>
-        <p:spPr>
-          <a:xfrm>
-            <a:off x="350837" y="-765175"/>
-            <a:ext cx="6858000" cy="6858000"/>
-          </a:xfrm>
-          <a:prstGeom prst="rect">
-            <a:avLst/>
-          </a:prstGeom>
-        </p:spPr>
-      </p:pic>
-    </p:spTree>
-    <p:extLst>
-      <p:ext uri="{BB962C8B-B14F-4D97-AF65-F5344CB8AC3E}">
         <p14:creationId xmlns:p14="http://schemas.microsoft.com/office/powerpoint/2010/main" val="3744384798"/>
       </p:ext>
     </p:extLst>
@@ -13587,7 +14086,7 @@
 </p:sld>
 </file>
 
-<file path=ppt/slides/slide41.xml><?xml version="1.0" encoding="utf-8"?>
+<file path=ppt/slides/slide43.xml><?xml version="1.0" encoding="utf-8"?>
 <p:sld xmlns:a="http://schemas.openxmlformats.org/drawingml/2006/main" xmlns:r="http://schemas.openxmlformats.org/officeDocument/2006/relationships" xmlns:p="http://schemas.openxmlformats.org/presentationml/2006/main">
   <p:cSld>
     <p:spTree>
@@ -13907,7 +14406,7 @@
 </p:sld>
 </file>
 
-<file path=ppt/slides/slide42.xml><?xml version="1.0" encoding="utf-8"?>
+<file path=ppt/slides/slide44.xml><?xml version="1.0" encoding="utf-8"?>
 <p:sld xmlns:a="http://schemas.openxmlformats.org/drawingml/2006/main" xmlns:r="http://schemas.openxmlformats.org/officeDocument/2006/relationships" xmlns:p="http://schemas.openxmlformats.org/presentationml/2006/main">
   <p:cSld>
     <p:spTree>
@@ -14076,7 +14575,7 @@
 </p:sld>
 </file>
 
-<file path=ppt/slides/slide43.xml><?xml version="1.0" encoding="utf-8"?>
+<file path=ppt/slides/slide45.xml><?xml version="1.0" encoding="utf-8"?>
 <p:sld xmlns:a="http://schemas.openxmlformats.org/drawingml/2006/main" xmlns:r="http://schemas.openxmlformats.org/officeDocument/2006/relationships" xmlns:p="http://schemas.openxmlformats.org/presentationml/2006/main">
   <p:cSld>
     <p:spTree>
@@ -14422,7 +14921,7 @@
 </p:sld>
 </file>
 
-<file path=ppt/slides/slide44.xml><?xml version="1.0" encoding="utf-8"?>
+<file path=ppt/slides/slide46.xml><?xml version="1.0" encoding="utf-8"?>
 <p:sld xmlns:a="http://schemas.openxmlformats.org/drawingml/2006/main" xmlns:r="http://schemas.openxmlformats.org/officeDocument/2006/relationships" xmlns:p="http://schemas.openxmlformats.org/presentationml/2006/main">
   <p:cSld>
     <p:spTree>
@@ -14591,7 +15090,7 @@
 </p:sld>
 </file>
 
-<file path=ppt/slides/slide45.xml><?xml version="1.0" encoding="utf-8"?>
+<file path=ppt/slides/slide47.xml><?xml version="1.0" encoding="utf-8"?>
 <p:sld xmlns:a="http://schemas.openxmlformats.org/drawingml/2006/main" xmlns:r="http://schemas.openxmlformats.org/officeDocument/2006/relationships" xmlns:p="http://schemas.openxmlformats.org/presentationml/2006/main">
   <p:cSld>
     <p:spTree>
@@ -14911,7 +15410,7 @@
 </p:sld>
 </file>
 
-<file path=ppt/slides/slide46.xml><?xml version="1.0" encoding="utf-8"?>
+<file path=ppt/slides/slide48.xml><?xml version="1.0" encoding="utf-8"?>
 <p:sld xmlns:a="http://schemas.openxmlformats.org/drawingml/2006/main" xmlns:r="http://schemas.openxmlformats.org/officeDocument/2006/relationships" xmlns:p="http://schemas.openxmlformats.org/presentationml/2006/main">
   <p:cSld>
     <p:spTree>
@@ -15080,7 +15579,7 @@
 </p:sld>
 </file>
 
-<file path=ppt/slides/slide47.xml><?xml version="1.0" encoding="utf-8"?>
+<file path=ppt/slides/slide49.xml><?xml version="1.0" encoding="utf-8"?>
 <p:sld xmlns:a="http://schemas.openxmlformats.org/drawingml/2006/main" xmlns:r="http://schemas.openxmlformats.org/officeDocument/2006/relationships" xmlns:p="http://schemas.openxmlformats.org/presentationml/2006/main">
   <p:cSld>
     <p:spTree>
@@ -15400,7 +15899,1081 @@
 </p:sld>
 </file>
 
-<file path=ppt/slides/slide48.xml><?xml version="1.0" encoding="utf-8"?>
+<file path=ppt/slides/slide5.xml><?xml version="1.0" encoding="utf-8"?>
+<p:sld xmlns:a="http://schemas.openxmlformats.org/drawingml/2006/main" xmlns:r="http://schemas.openxmlformats.org/officeDocument/2006/relationships" xmlns:p="http://schemas.openxmlformats.org/presentationml/2006/main">
+  <p:cSld>
+    <p:spTree>
+      <p:nvGrpSpPr>
+        <p:cNvPr id="1" name=""/>
+        <p:cNvGrpSpPr/>
+        <p:nvPr/>
+      </p:nvGrpSpPr>
+      <p:grpSpPr>
+        <a:xfrm>
+          <a:off x="0" y="0"/>
+          <a:ext cx="0" cy="0"/>
+          <a:chOff x="0" y="0"/>
+          <a:chExt cx="0" cy="0"/>
+        </a:xfrm>
+      </p:grpSpPr>
+      <p:sp>
+        <p:nvSpPr>
+          <p:cNvPr id="2" name="Title 1">
+            <a:extLst>
+              <a:ext uri="{FF2B5EF4-FFF2-40B4-BE49-F238E27FC236}">
+                <a16:creationId xmlns:a16="http://schemas.microsoft.com/office/drawing/2014/main" id="{A50B3240-90A9-2045-9B24-092DEDC3A4FB}"/>
+              </a:ext>
+            </a:extLst>
+          </p:cNvPr>
+          <p:cNvSpPr>
+            <a:spLocks noGrp="1"/>
+          </p:cNvSpPr>
+          <p:nvPr>
+            <p:ph type="title"/>
+          </p:nvPr>
+        </p:nvSpPr>
+        <p:spPr/>
+        <p:txBody>
+          <a:bodyPr/>
+          <a:lstStyle/>
+          <a:p>
+            <a:endParaRPr lang="en-NL"/>
+          </a:p>
+        </p:txBody>
+      </p:sp>
+      <p:sp>
+        <p:nvSpPr>
+          <p:cNvPr id="3" name="Content Placeholder 2">
+            <a:extLst>
+              <a:ext uri="{FF2B5EF4-FFF2-40B4-BE49-F238E27FC236}">
+                <a16:creationId xmlns:a16="http://schemas.microsoft.com/office/drawing/2014/main" id="{EE6F52F0-3A96-5E4D-B754-B812A863C0BF}"/>
+              </a:ext>
+            </a:extLst>
+          </p:cNvPr>
+          <p:cNvSpPr>
+            <a:spLocks noGrp="1"/>
+          </p:cNvSpPr>
+          <p:nvPr>
+            <p:ph idx="1"/>
+          </p:nvPr>
+        </p:nvSpPr>
+        <p:spPr/>
+        <p:txBody>
+          <a:bodyPr/>
+          <a:lstStyle/>
+          <a:p>
+            <a:endParaRPr lang="en-NL"/>
+          </a:p>
+        </p:txBody>
+      </p:sp>
+      <p:sp>
+        <p:nvSpPr>
+          <p:cNvPr id="4" name="Rounded Rectangle 3">
+            <a:extLst>
+              <a:ext uri="{FF2B5EF4-FFF2-40B4-BE49-F238E27FC236}">
+                <a16:creationId xmlns:a16="http://schemas.microsoft.com/office/drawing/2014/main" id="{C878E023-EBA1-A649-9F84-9426DC737CAD}"/>
+              </a:ext>
+            </a:extLst>
+          </p:cNvPr>
+          <p:cNvSpPr/>
+          <p:nvPr/>
+        </p:nvSpPr>
+        <p:spPr>
+          <a:xfrm>
+            <a:off x="0" y="0"/>
+            <a:ext cx="7559675" cy="5327650"/>
+          </a:xfrm>
+          <a:prstGeom prst="roundRect">
+            <a:avLst>
+              <a:gd name="adj" fmla="val 0"/>
+            </a:avLst>
+          </a:prstGeom>
+          <a:solidFill>
+            <a:srgbClr val="DE8445"/>
+          </a:solidFill>
+          <a:ln>
+            <a:noFill/>
+          </a:ln>
+        </p:spPr>
+        <p:style>
+          <a:lnRef idx="2">
+            <a:schemeClr val="accent1">
+              <a:shade val="50000"/>
+            </a:schemeClr>
+          </a:lnRef>
+          <a:fillRef idx="1">
+            <a:schemeClr val="accent1"/>
+          </a:fillRef>
+          <a:effectRef idx="0">
+            <a:schemeClr val="accent1"/>
+          </a:effectRef>
+          <a:fontRef idx="minor">
+            <a:schemeClr val="lt1"/>
+          </a:fontRef>
+        </p:style>
+        <p:txBody>
+          <a:bodyPr rtlCol="0" anchor="ctr"/>
+          <a:lstStyle/>
+          <a:p>
+            <a:pPr algn="ctr"/>
+            <a:endParaRPr lang="en-NL" dirty="0"/>
+          </a:p>
+        </p:txBody>
+      </p:sp>
+      <p:sp>
+        <p:nvSpPr>
+          <p:cNvPr id="5" name="Rectangle 4">
+            <a:extLst>
+              <a:ext uri="{FF2B5EF4-FFF2-40B4-BE49-F238E27FC236}">
+                <a16:creationId xmlns:a16="http://schemas.microsoft.com/office/drawing/2014/main" id="{1F46A24F-F843-6F43-B798-8E0A66AEBE9A}"/>
+              </a:ext>
+            </a:extLst>
+          </p:cNvPr>
+          <p:cNvSpPr/>
+          <p:nvPr/>
+        </p:nvSpPr>
+        <p:spPr>
+          <a:xfrm>
+            <a:off x="654576" y="629685"/>
+            <a:ext cx="6326488" cy="3992292"/>
+          </a:xfrm>
+          <a:prstGeom prst="rect">
+            <a:avLst/>
+          </a:prstGeom>
+          <a:blipFill>
+            <a:blip r:embed="rId2"/>
+            <a:stretch>
+              <a:fillRect/>
+            </a:stretch>
+          </a:blipFill>
+          <a:ln w="38100" cmpd="sng">
+            <a:solidFill>
+              <a:schemeClr val="tx1"/>
+            </a:solidFill>
+            <a:prstDash val="solid"/>
+          </a:ln>
+        </p:spPr>
+        <p:style>
+          <a:lnRef idx="2">
+            <a:schemeClr val="accent1">
+              <a:shade val="50000"/>
+            </a:schemeClr>
+          </a:lnRef>
+          <a:fillRef idx="1">
+            <a:schemeClr val="accent1"/>
+          </a:fillRef>
+          <a:effectRef idx="0">
+            <a:schemeClr val="accent1"/>
+          </a:effectRef>
+          <a:fontRef idx="minor">
+            <a:schemeClr val="lt1"/>
+          </a:fontRef>
+        </p:style>
+        <p:txBody>
+          <a:bodyPr rtlCol="0" anchor="ctr"/>
+          <a:lstStyle/>
+          <a:p>
+            <a:endParaRPr lang="en-NL" sz="9600">
+              <a:latin typeface="Marvel" pitchFamily="2" charset="0"/>
+            </a:endParaRPr>
+          </a:p>
+        </p:txBody>
+      </p:sp>
+      <p:sp>
+        <p:nvSpPr>
+          <p:cNvPr id="7" name="TextBox 6">
+            <a:extLst>
+              <a:ext uri="{FF2B5EF4-FFF2-40B4-BE49-F238E27FC236}">
+                <a16:creationId xmlns:a16="http://schemas.microsoft.com/office/drawing/2014/main" id="{DB3D77AE-9792-C547-90E9-C96C9012A78D}"/>
+              </a:ext>
+            </a:extLst>
+          </p:cNvPr>
+          <p:cNvSpPr txBox="1"/>
+          <p:nvPr/>
+        </p:nvSpPr>
+        <p:spPr>
+          <a:xfrm>
+            <a:off x="1154265" y="1964111"/>
+            <a:ext cx="5451371" cy="1323439"/>
+          </a:xfrm>
+          <a:prstGeom prst="rect">
+            <a:avLst/>
+          </a:prstGeom>
+          <a:noFill/>
+        </p:spPr>
+        <p:txBody>
+          <a:bodyPr wrap="square" rtlCol="0">
+            <a:spAutoFit/>
+          </a:bodyPr>
+          <a:lstStyle/>
+          <a:p>
+            <a:pPr algn="ctr"/>
+            <a:r>
+              <a:rPr lang="en-NL" sz="8000" dirty="0">
+                <a:latin typeface="Marvel" pitchFamily="2" charset="0"/>
+              </a:rPr>
+              <a:t>UNREALIZED VALUE</a:t>
+            </a:r>
+          </a:p>
+        </p:txBody>
+      </p:sp>
+      <p:sp>
+        <p:nvSpPr>
+          <p:cNvPr id="8" name="TextBox 7">
+            <a:extLst>
+              <a:ext uri="{FF2B5EF4-FFF2-40B4-BE49-F238E27FC236}">
+                <a16:creationId xmlns:a16="http://schemas.microsoft.com/office/drawing/2014/main" id="{ED283D89-81C5-A942-931B-F37B88051625}"/>
+              </a:ext>
+            </a:extLst>
+          </p:cNvPr>
+          <p:cNvSpPr txBox="1"/>
+          <p:nvPr/>
+        </p:nvSpPr>
+        <p:spPr>
+          <a:xfrm>
+            <a:off x="1826342" y="2992265"/>
+            <a:ext cx="4107215" cy="400110"/>
+          </a:xfrm>
+          <a:prstGeom prst="rect">
+            <a:avLst/>
+          </a:prstGeom>
+          <a:noFill/>
+        </p:spPr>
+        <p:txBody>
+          <a:bodyPr wrap="none" rtlCol="0">
+            <a:spAutoFit/>
+          </a:bodyPr>
+          <a:lstStyle/>
+          <a:p>
+            <a:pPr algn="ctr"/>
+            <a:r>
+              <a:rPr lang="en-GB" sz="1000" dirty="0">
+                <a:solidFill>
+                  <a:schemeClr val="bg1">
+                    <a:lumMod val="50000"/>
+                  </a:schemeClr>
+                </a:solidFill>
+                <a:latin typeface="Ubuntu" panose="020B0504030602030204" pitchFamily="34" charset="0"/>
+              </a:rPr>
+              <a:t>The potential future value that </a:t>
+            </a:r>
+            <a:r>
+              <a:rPr lang="en-GB" sz="1000" i="1" dirty="0">
+                <a:solidFill>
+                  <a:schemeClr val="bg1">
+                    <a:lumMod val="50000"/>
+                  </a:schemeClr>
+                </a:solidFill>
+                <a:latin typeface="Ubuntu" panose="020B0504030602030204" pitchFamily="34" charset="0"/>
+              </a:rPr>
+              <a:t>could be</a:t>
+            </a:r>
+            <a:r>
+              <a:rPr lang="en-GB" sz="1000" dirty="0">
+                <a:solidFill>
+                  <a:schemeClr val="bg1">
+                    <a:lumMod val="50000"/>
+                  </a:schemeClr>
+                </a:solidFill>
+                <a:latin typeface="Ubuntu" panose="020B0504030602030204" pitchFamily="34" charset="0"/>
+              </a:rPr>
+              <a:t> realized </a:t>
+            </a:r>
+          </a:p>
+          <a:p>
+            <a:pPr algn="ctr"/>
+            <a:r>
+              <a:rPr lang="en-GB" sz="1000" dirty="0">
+                <a:solidFill>
+                  <a:schemeClr val="bg1">
+                    <a:lumMod val="50000"/>
+                  </a:schemeClr>
+                </a:solidFill>
+                <a:latin typeface="Ubuntu" panose="020B0504030602030204" pitchFamily="34" charset="0"/>
+              </a:rPr>
+              <a:t>if the organization met the needs of all potential customers or users</a:t>
+            </a:r>
+            <a:endParaRPr lang="en-NL" sz="1000" dirty="0">
+              <a:solidFill>
+                <a:schemeClr val="bg1">
+                  <a:lumMod val="50000"/>
+                </a:schemeClr>
+              </a:solidFill>
+              <a:latin typeface="Ubuntu" panose="020B0504030602030204" pitchFamily="34" charset="0"/>
+            </a:endParaRPr>
+          </a:p>
+        </p:txBody>
+      </p:sp>
+      <p:sp>
+        <p:nvSpPr>
+          <p:cNvPr id="24" name="Hexagon 23">
+            <a:extLst>
+              <a:ext uri="{FF2B5EF4-FFF2-40B4-BE49-F238E27FC236}">
+                <a16:creationId xmlns:a16="http://schemas.microsoft.com/office/drawing/2014/main" id="{B77BC908-5A71-5648-86F4-1DD501B1A47A}"/>
+              </a:ext>
+            </a:extLst>
+          </p:cNvPr>
+          <p:cNvSpPr/>
+          <p:nvPr/>
+        </p:nvSpPr>
+        <p:spPr>
+          <a:xfrm>
+            <a:off x="-263472" y="887581"/>
+            <a:ext cx="526943" cy="425834"/>
+          </a:xfrm>
+          <a:prstGeom prst="hexagon">
+            <a:avLst/>
+          </a:prstGeom>
+          <a:solidFill>
+            <a:schemeClr val="bg2"/>
+          </a:solidFill>
+          <a:ln>
+            <a:solidFill>
+              <a:schemeClr val="bg2"/>
+            </a:solidFill>
+          </a:ln>
+        </p:spPr>
+        <p:style>
+          <a:lnRef idx="2">
+            <a:schemeClr val="accent1">
+              <a:shade val="50000"/>
+            </a:schemeClr>
+          </a:lnRef>
+          <a:fillRef idx="1">
+            <a:schemeClr val="accent1"/>
+          </a:fillRef>
+          <a:effectRef idx="0">
+            <a:schemeClr val="accent1"/>
+          </a:effectRef>
+          <a:fontRef idx="minor">
+            <a:schemeClr val="lt1"/>
+          </a:fontRef>
+        </p:style>
+        <p:txBody>
+          <a:bodyPr rtlCol="0" anchor="ctr"/>
+          <a:lstStyle/>
+          <a:p>
+            <a:pPr algn="ctr"/>
+            <a:endParaRPr lang="en-NL"/>
+          </a:p>
+        </p:txBody>
+      </p:sp>
+      <p:sp>
+        <p:nvSpPr>
+          <p:cNvPr id="25" name="Hexagon 24">
+            <a:extLst>
+              <a:ext uri="{FF2B5EF4-FFF2-40B4-BE49-F238E27FC236}">
+                <a16:creationId xmlns:a16="http://schemas.microsoft.com/office/drawing/2014/main" id="{CA52172E-44FE-964B-8A80-395B31A859C7}"/>
+              </a:ext>
+            </a:extLst>
+          </p:cNvPr>
+          <p:cNvSpPr/>
+          <p:nvPr/>
+        </p:nvSpPr>
+        <p:spPr>
+          <a:xfrm>
+            <a:off x="-267574" y="1402464"/>
+            <a:ext cx="526943" cy="425834"/>
+          </a:xfrm>
+          <a:prstGeom prst="hexagon">
+            <a:avLst/>
+          </a:prstGeom>
+          <a:solidFill>
+            <a:schemeClr val="bg2"/>
+          </a:solidFill>
+          <a:ln>
+            <a:solidFill>
+              <a:schemeClr val="bg2"/>
+            </a:solidFill>
+          </a:ln>
+        </p:spPr>
+        <p:style>
+          <a:lnRef idx="2">
+            <a:schemeClr val="accent1">
+              <a:shade val="50000"/>
+            </a:schemeClr>
+          </a:lnRef>
+          <a:fillRef idx="1">
+            <a:schemeClr val="accent1"/>
+          </a:fillRef>
+          <a:effectRef idx="0">
+            <a:schemeClr val="accent1"/>
+          </a:effectRef>
+          <a:fontRef idx="minor">
+            <a:schemeClr val="lt1"/>
+          </a:fontRef>
+        </p:style>
+        <p:txBody>
+          <a:bodyPr rtlCol="0" anchor="ctr"/>
+          <a:lstStyle/>
+          <a:p>
+            <a:pPr algn="ctr"/>
+            <a:endParaRPr lang="en-NL"/>
+          </a:p>
+        </p:txBody>
+      </p:sp>
+      <p:sp>
+        <p:nvSpPr>
+          <p:cNvPr id="26" name="Hexagon 25">
+            <a:extLst>
+              <a:ext uri="{FF2B5EF4-FFF2-40B4-BE49-F238E27FC236}">
+                <a16:creationId xmlns:a16="http://schemas.microsoft.com/office/drawing/2014/main" id="{08EC8FA2-7049-534E-A372-EC6A91A4CE79}"/>
+              </a:ext>
+            </a:extLst>
+          </p:cNvPr>
+          <p:cNvSpPr/>
+          <p:nvPr/>
+        </p:nvSpPr>
+        <p:spPr>
+          <a:xfrm>
+            <a:off x="-267574" y="1917347"/>
+            <a:ext cx="526943" cy="425834"/>
+          </a:xfrm>
+          <a:prstGeom prst="hexagon">
+            <a:avLst/>
+          </a:prstGeom>
+          <a:solidFill>
+            <a:schemeClr val="bg2"/>
+          </a:solidFill>
+          <a:ln>
+            <a:solidFill>
+              <a:schemeClr val="bg2"/>
+            </a:solidFill>
+          </a:ln>
+        </p:spPr>
+        <p:style>
+          <a:lnRef idx="2">
+            <a:schemeClr val="accent1">
+              <a:shade val="50000"/>
+            </a:schemeClr>
+          </a:lnRef>
+          <a:fillRef idx="1">
+            <a:schemeClr val="accent1"/>
+          </a:fillRef>
+          <a:effectRef idx="0">
+            <a:schemeClr val="accent1"/>
+          </a:effectRef>
+          <a:fontRef idx="minor">
+            <a:schemeClr val="lt1"/>
+          </a:fontRef>
+        </p:style>
+        <p:txBody>
+          <a:bodyPr rtlCol="0" anchor="ctr"/>
+          <a:lstStyle/>
+          <a:p>
+            <a:pPr algn="ctr"/>
+            <a:endParaRPr lang="en-NL"/>
+          </a:p>
+        </p:txBody>
+      </p:sp>
+      <p:sp>
+        <p:nvSpPr>
+          <p:cNvPr id="27" name="Hexagon 26">
+            <a:extLst>
+              <a:ext uri="{FF2B5EF4-FFF2-40B4-BE49-F238E27FC236}">
+                <a16:creationId xmlns:a16="http://schemas.microsoft.com/office/drawing/2014/main" id="{718BA15D-DE98-8D43-9A3F-36F37A37AF2D}"/>
+              </a:ext>
+            </a:extLst>
+          </p:cNvPr>
+          <p:cNvSpPr/>
+          <p:nvPr/>
+        </p:nvSpPr>
+        <p:spPr>
+          <a:xfrm>
+            <a:off x="-271676" y="2432230"/>
+            <a:ext cx="526943" cy="425834"/>
+          </a:xfrm>
+          <a:prstGeom prst="hexagon">
+            <a:avLst/>
+          </a:prstGeom>
+          <a:solidFill>
+            <a:schemeClr val="bg2"/>
+          </a:solidFill>
+          <a:ln>
+            <a:solidFill>
+              <a:schemeClr val="bg2"/>
+            </a:solidFill>
+          </a:ln>
+        </p:spPr>
+        <p:style>
+          <a:lnRef idx="2">
+            <a:schemeClr val="accent1">
+              <a:shade val="50000"/>
+            </a:schemeClr>
+          </a:lnRef>
+          <a:fillRef idx="1">
+            <a:schemeClr val="accent1"/>
+          </a:fillRef>
+          <a:effectRef idx="0">
+            <a:schemeClr val="accent1"/>
+          </a:effectRef>
+          <a:fontRef idx="minor">
+            <a:schemeClr val="lt1"/>
+          </a:fontRef>
+        </p:style>
+        <p:txBody>
+          <a:bodyPr rtlCol="0" anchor="ctr"/>
+          <a:lstStyle/>
+          <a:p>
+            <a:pPr algn="ctr"/>
+            <a:endParaRPr lang="en-NL"/>
+          </a:p>
+        </p:txBody>
+      </p:sp>
+      <p:sp>
+        <p:nvSpPr>
+          <p:cNvPr id="28" name="Hexagon 27">
+            <a:extLst>
+              <a:ext uri="{FF2B5EF4-FFF2-40B4-BE49-F238E27FC236}">
+                <a16:creationId xmlns:a16="http://schemas.microsoft.com/office/drawing/2014/main" id="{5EF61F84-17B4-324C-9CD3-E07B3D18F12C}"/>
+              </a:ext>
+            </a:extLst>
+          </p:cNvPr>
+          <p:cNvSpPr/>
+          <p:nvPr/>
+        </p:nvSpPr>
+        <p:spPr>
+          <a:xfrm>
+            <a:off x="-269625" y="2949651"/>
+            <a:ext cx="526943" cy="425834"/>
+          </a:xfrm>
+          <a:prstGeom prst="hexagon">
+            <a:avLst/>
+          </a:prstGeom>
+          <a:solidFill>
+            <a:schemeClr val="bg2"/>
+          </a:solidFill>
+          <a:ln>
+            <a:solidFill>
+              <a:schemeClr val="bg2"/>
+            </a:solidFill>
+          </a:ln>
+        </p:spPr>
+        <p:style>
+          <a:lnRef idx="2">
+            <a:schemeClr val="accent1">
+              <a:shade val="50000"/>
+            </a:schemeClr>
+          </a:lnRef>
+          <a:fillRef idx="1">
+            <a:schemeClr val="accent1"/>
+          </a:fillRef>
+          <a:effectRef idx="0">
+            <a:schemeClr val="accent1"/>
+          </a:effectRef>
+          <a:fontRef idx="minor">
+            <a:schemeClr val="lt1"/>
+          </a:fontRef>
+        </p:style>
+        <p:txBody>
+          <a:bodyPr rtlCol="0" anchor="ctr"/>
+          <a:lstStyle/>
+          <a:p>
+            <a:pPr algn="ctr"/>
+            <a:endParaRPr lang="en-NL"/>
+          </a:p>
+        </p:txBody>
+      </p:sp>
+      <p:sp>
+        <p:nvSpPr>
+          <p:cNvPr id="29" name="Hexagon 28">
+            <a:extLst>
+              <a:ext uri="{FF2B5EF4-FFF2-40B4-BE49-F238E27FC236}">
+                <a16:creationId xmlns:a16="http://schemas.microsoft.com/office/drawing/2014/main" id="{6099D7E0-C13A-7847-84ED-EA0C5524E554}"/>
+              </a:ext>
+            </a:extLst>
+          </p:cNvPr>
+          <p:cNvSpPr/>
+          <p:nvPr/>
+        </p:nvSpPr>
+        <p:spPr>
+          <a:xfrm>
+            <a:off x="-273727" y="3464534"/>
+            <a:ext cx="526943" cy="425834"/>
+          </a:xfrm>
+          <a:prstGeom prst="hexagon">
+            <a:avLst/>
+          </a:prstGeom>
+          <a:solidFill>
+            <a:schemeClr val="bg2"/>
+          </a:solidFill>
+          <a:ln>
+            <a:solidFill>
+              <a:schemeClr val="bg2"/>
+            </a:solidFill>
+          </a:ln>
+        </p:spPr>
+        <p:style>
+          <a:lnRef idx="2">
+            <a:schemeClr val="accent1">
+              <a:shade val="50000"/>
+            </a:schemeClr>
+          </a:lnRef>
+          <a:fillRef idx="1">
+            <a:schemeClr val="accent1"/>
+          </a:fillRef>
+          <a:effectRef idx="0">
+            <a:schemeClr val="accent1"/>
+          </a:effectRef>
+          <a:fontRef idx="minor">
+            <a:schemeClr val="lt1"/>
+          </a:fontRef>
+        </p:style>
+        <p:txBody>
+          <a:bodyPr rtlCol="0" anchor="ctr"/>
+          <a:lstStyle/>
+          <a:p>
+            <a:pPr algn="ctr"/>
+            <a:endParaRPr lang="en-NL"/>
+          </a:p>
+        </p:txBody>
+      </p:sp>
+      <p:sp>
+        <p:nvSpPr>
+          <p:cNvPr id="30" name="Hexagon 29">
+            <a:extLst>
+              <a:ext uri="{FF2B5EF4-FFF2-40B4-BE49-F238E27FC236}">
+                <a16:creationId xmlns:a16="http://schemas.microsoft.com/office/drawing/2014/main" id="{920910FA-5581-F04C-9A39-2A4938FE8099}"/>
+              </a:ext>
+            </a:extLst>
+          </p:cNvPr>
+          <p:cNvSpPr/>
+          <p:nvPr/>
+        </p:nvSpPr>
+        <p:spPr>
+          <a:xfrm>
+            <a:off x="-263472" y="3976879"/>
+            <a:ext cx="526943" cy="425834"/>
+          </a:xfrm>
+          <a:prstGeom prst="hexagon">
+            <a:avLst/>
+          </a:prstGeom>
+          <a:solidFill>
+            <a:schemeClr val="bg2"/>
+          </a:solidFill>
+          <a:ln>
+            <a:solidFill>
+              <a:schemeClr val="bg2"/>
+            </a:solidFill>
+          </a:ln>
+        </p:spPr>
+        <p:style>
+          <a:lnRef idx="2">
+            <a:schemeClr val="accent1">
+              <a:shade val="50000"/>
+            </a:schemeClr>
+          </a:lnRef>
+          <a:fillRef idx="1">
+            <a:schemeClr val="accent1"/>
+          </a:fillRef>
+          <a:effectRef idx="0">
+            <a:schemeClr val="accent1"/>
+          </a:effectRef>
+          <a:fontRef idx="minor">
+            <a:schemeClr val="lt1"/>
+          </a:fontRef>
+        </p:style>
+        <p:txBody>
+          <a:bodyPr rtlCol="0" anchor="ctr"/>
+          <a:lstStyle/>
+          <a:p>
+            <a:pPr algn="ctr"/>
+            <a:endParaRPr lang="en-NL"/>
+          </a:p>
+        </p:txBody>
+      </p:sp>
+      <p:sp>
+        <p:nvSpPr>
+          <p:cNvPr id="31" name="Hexagon 30">
+            <a:extLst>
+              <a:ext uri="{FF2B5EF4-FFF2-40B4-BE49-F238E27FC236}">
+                <a16:creationId xmlns:a16="http://schemas.microsoft.com/office/drawing/2014/main" id="{8BBDE08F-BA25-4943-9CD6-08F91133CB36}"/>
+              </a:ext>
+            </a:extLst>
+          </p:cNvPr>
+          <p:cNvSpPr/>
+          <p:nvPr/>
+        </p:nvSpPr>
+        <p:spPr>
+          <a:xfrm>
+            <a:off x="7276165" y="887581"/>
+            <a:ext cx="526943" cy="425834"/>
+          </a:xfrm>
+          <a:prstGeom prst="hexagon">
+            <a:avLst/>
+          </a:prstGeom>
+          <a:solidFill>
+            <a:schemeClr val="bg2"/>
+          </a:solidFill>
+          <a:ln>
+            <a:solidFill>
+              <a:schemeClr val="bg2"/>
+            </a:solidFill>
+          </a:ln>
+        </p:spPr>
+        <p:style>
+          <a:lnRef idx="2">
+            <a:schemeClr val="accent1">
+              <a:shade val="50000"/>
+            </a:schemeClr>
+          </a:lnRef>
+          <a:fillRef idx="1">
+            <a:schemeClr val="accent1"/>
+          </a:fillRef>
+          <a:effectRef idx="0">
+            <a:schemeClr val="accent1"/>
+          </a:effectRef>
+          <a:fontRef idx="minor">
+            <a:schemeClr val="lt1"/>
+          </a:fontRef>
+        </p:style>
+        <p:txBody>
+          <a:bodyPr rtlCol="0" anchor="ctr"/>
+          <a:lstStyle/>
+          <a:p>
+            <a:pPr algn="ctr"/>
+            <a:endParaRPr lang="en-NL"/>
+          </a:p>
+        </p:txBody>
+      </p:sp>
+      <p:sp>
+        <p:nvSpPr>
+          <p:cNvPr id="32" name="Hexagon 31">
+            <a:extLst>
+              <a:ext uri="{FF2B5EF4-FFF2-40B4-BE49-F238E27FC236}">
+                <a16:creationId xmlns:a16="http://schemas.microsoft.com/office/drawing/2014/main" id="{1FBA123F-FD40-8849-9469-AF75E6B929B7}"/>
+              </a:ext>
+            </a:extLst>
+          </p:cNvPr>
+          <p:cNvSpPr/>
+          <p:nvPr/>
+        </p:nvSpPr>
+        <p:spPr>
+          <a:xfrm>
+            <a:off x="7272063" y="1402464"/>
+            <a:ext cx="526943" cy="425834"/>
+          </a:xfrm>
+          <a:prstGeom prst="hexagon">
+            <a:avLst/>
+          </a:prstGeom>
+          <a:solidFill>
+            <a:schemeClr val="bg2"/>
+          </a:solidFill>
+          <a:ln>
+            <a:solidFill>
+              <a:schemeClr val="bg2"/>
+            </a:solidFill>
+          </a:ln>
+        </p:spPr>
+        <p:style>
+          <a:lnRef idx="2">
+            <a:schemeClr val="accent1">
+              <a:shade val="50000"/>
+            </a:schemeClr>
+          </a:lnRef>
+          <a:fillRef idx="1">
+            <a:schemeClr val="accent1"/>
+          </a:fillRef>
+          <a:effectRef idx="0">
+            <a:schemeClr val="accent1"/>
+          </a:effectRef>
+          <a:fontRef idx="minor">
+            <a:schemeClr val="lt1"/>
+          </a:fontRef>
+        </p:style>
+        <p:txBody>
+          <a:bodyPr rtlCol="0" anchor="ctr"/>
+          <a:lstStyle/>
+          <a:p>
+            <a:pPr algn="ctr"/>
+            <a:endParaRPr lang="en-NL"/>
+          </a:p>
+        </p:txBody>
+      </p:sp>
+      <p:sp>
+        <p:nvSpPr>
+          <p:cNvPr id="33" name="Hexagon 32">
+            <a:extLst>
+              <a:ext uri="{FF2B5EF4-FFF2-40B4-BE49-F238E27FC236}">
+                <a16:creationId xmlns:a16="http://schemas.microsoft.com/office/drawing/2014/main" id="{A5F73996-9447-1848-B658-78DFF6A9C779}"/>
+              </a:ext>
+            </a:extLst>
+          </p:cNvPr>
+          <p:cNvSpPr/>
+          <p:nvPr/>
+        </p:nvSpPr>
+        <p:spPr>
+          <a:xfrm>
+            <a:off x="7272063" y="1917347"/>
+            <a:ext cx="526943" cy="425834"/>
+          </a:xfrm>
+          <a:prstGeom prst="hexagon">
+            <a:avLst/>
+          </a:prstGeom>
+          <a:solidFill>
+            <a:schemeClr val="bg2"/>
+          </a:solidFill>
+          <a:ln>
+            <a:solidFill>
+              <a:schemeClr val="bg2"/>
+            </a:solidFill>
+          </a:ln>
+        </p:spPr>
+        <p:style>
+          <a:lnRef idx="2">
+            <a:schemeClr val="accent1">
+              <a:shade val="50000"/>
+            </a:schemeClr>
+          </a:lnRef>
+          <a:fillRef idx="1">
+            <a:schemeClr val="accent1"/>
+          </a:fillRef>
+          <a:effectRef idx="0">
+            <a:schemeClr val="accent1"/>
+          </a:effectRef>
+          <a:fontRef idx="minor">
+            <a:schemeClr val="lt1"/>
+          </a:fontRef>
+        </p:style>
+        <p:txBody>
+          <a:bodyPr rtlCol="0" anchor="ctr"/>
+          <a:lstStyle/>
+          <a:p>
+            <a:pPr algn="ctr"/>
+            <a:endParaRPr lang="en-NL"/>
+          </a:p>
+        </p:txBody>
+      </p:sp>
+      <p:sp>
+        <p:nvSpPr>
+          <p:cNvPr id="34" name="Hexagon 33">
+            <a:extLst>
+              <a:ext uri="{FF2B5EF4-FFF2-40B4-BE49-F238E27FC236}">
+                <a16:creationId xmlns:a16="http://schemas.microsoft.com/office/drawing/2014/main" id="{275693F2-68C2-3E4F-BA5E-B253F0E64904}"/>
+              </a:ext>
+            </a:extLst>
+          </p:cNvPr>
+          <p:cNvSpPr/>
+          <p:nvPr/>
+        </p:nvSpPr>
+        <p:spPr>
+          <a:xfrm>
+            <a:off x="7267961" y="2432230"/>
+            <a:ext cx="526943" cy="425834"/>
+          </a:xfrm>
+          <a:prstGeom prst="hexagon">
+            <a:avLst/>
+          </a:prstGeom>
+          <a:solidFill>
+            <a:schemeClr val="bg2"/>
+          </a:solidFill>
+          <a:ln>
+            <a:solidFill>
+              <a:schemeClr val="bg2"/>
+            </a:solidFill>
+          </a:ln>
+        </p:spPr>
+        <p:style>
+          <a:lnRef idx="2">
+            <a:schemeClr val="accent1">
+              <a:shade val="50000"/>
+            </a:schemeClr>
+          </a:lnRef>
+          <a:fillRef idx="1">
+            <a:schemeClr val="accent1"/>
+          </a:fillRef>
+          <a:effectRef idx="0">
+            <a:schemeClr val="accent1"/>
+          </a:effectRef>
+          <a:fontRef idx="minor">
+            <a:schemeClr val="lt1"/>
+          </a:fontRef>
+        </p:style>
+        <p:txBody>
+          <a:bodyPr rtlCol="0" anchor="ctr"/>
+          <a:lstStyle/>
+          <a:p>
+            <a:pPr algn="ctr"/>
+            <a:endParaRPr lang="en-NL"/>
+          </a:p>
+        </p:txBody>
+      </p:sp>
+      <p:sp>
+        <p:nvSpPr>
+          <p:cNvPr id="35" name="Hexagon 34">
+            <a:extLst>
+              <a:ext uri="{FF2B5EF4-FFF2-40B4-BE49-F238E27FC236}">
+                <a16:creationId xmlns:a16="http://schemas.microsoft.com/office/drawing/2014/main" id="{0037A2A0-8D75-B940-835C-26E592882C69}"/>
+              </a:ext>
+            </a:extLst>
+          </p:cNvPr>
+          <p:cNvSpPr/>
+          <p:nvPr/>
+        </p:nvSpPr>
+        <p:spPr>
+          <a:xfrm>
+            <a:off x="7270012" y="2949651"/>
+            <a:ext cx="526943" cy="425834"/>
+          </a:xfrm>
+          <a:prstGeom prst="hexagon">
+            <a:avLst/>
+          </a:prstGeom>
+          <a:solidFill>
+            <a:schemeClr val="bg2"/>
+          </a:solidFill>
+          <a:ln>
+            <a:solidFill>
+              <a:schemeClr val="bg2"/>
+            </a:solidFill>
+          </a:ln>
+        </p:spPr>
+        <p:style>
+          <a:lnRef idx="2">
+            <a:schemeClr val="accent1">
+              <a:shade val="50000"/>
+            </a:schemeClr>
+          </a:lnRef>
+          <a:fillRef idx="1">
+            <a:schemeClr val="accent1"/>
+          </a:fillRef>
+          <a:effectRef idx="0">
+            <a:schemeClr val="accent1"/>
+          </a:effectRef>
+          <a:fontRef idx="minor">
+            <a:schemeClr val="lt1"/>
+          </a:fontRef>
+        </p:style>
+        <p:txBody>
+          <a:bodyPr rtlCol="0" anchor="ctr"/>
+          <a:lstStyle/>
+          <a:p>
+            <a:pPr algn="ctr"/>
+            <a:endParaRPr lang="en-NL"/>
+          </a:p>
+        </p:txBody>
+      </p:sp>
+      <p:sp>
+        <p:nvSpPr>
+          <p:cNvPr id="36" name="Hexagon 35">
+            <a:extLst>
+              <a:ext uri="{FF2B5EF4-FFF2-40B4-BE49-F238E27FC236}">
+                <a16:creationId xmlns:a16="http://schemas.microsoft.com/office/drawing/2014/main" id="{34ABA7B3-653A-E24D-B127-F6F5AEBE2C7B}"/>
+              </a:ext>
+            </a:extLst>
+          </p:cNvPr>
+          <p:cNvSpPr/>
+          <p:nvPr/>
+        </p:nvSpPr>
+        <p:spPr>
+          <a:xfrm>
+            <a:off x="7265910" y="3464534"/>
+            <a:ext cx="526943" cy="425834"/>
+          </a:xfrm>
+          <a:prstGeom prst="hexagon">
+            <a:avLst/>
+          </a:prstGeom>
+          <a:solidFill>
+            <a:schemeClr val="bg2"/>
+          </a:solidFill>
+          <a:ln>
+            <a:solidFill>
+              <a:schemeClr val="bg2"/>
+            </a:solidFill>
+          </a:ln>
+        </p:spPr>
+        <p:style>
+          <a:lnRef idx="2">
+            <a:schemeClr val="accent1">
+              <a:shade val="50000"/>
+            </a:schemeClr>
+          </a:lnRef>
+          <a:fillRef idx="1">
+            <a:schemeClr val="accent1"/>
+          </a:fillRef>
+          <a:effectRef idx="0">
+            <a:schemeClr val="accent1"/>
+          </a:effectRef>
+          <a:fontRef idx="minor">
+            <a:schemeClr val="lt1"/>
+          </a:fontRef>
+        </p:style>
+        <p:txBody>
+          <a:bodyPr rtlCol="0" anchor="ctr"/>
+          <a:lstStyle/>
+          <a:p>
+            <a:pPr algn="ctr"/>
+            <a:endParaRPr lang="en-NL"/>
+          </a:p>
+        </p:txBody>
+      </p:sp>
+      <p:sp>
+        <p:nvSpPr>
+          <p:cNvPr id="37" name="Hexagon 36">
+            <a:extLst>
+              <a:ext uri="{FF2B5EF4-FFF2-40B4-BE49-F238E27FC236}">
+                <a16:creationId xmlns:a16="http://schemas.microsoft.com/office/drawing/2014/main" id="{980F8705-E6AE-3E4B-9146-F98BFFE8E753}"/>
+              </a:ext>
+            </a:extLst>
+          </p:cNvPr>
+          <p:cNvSpPr/>
+          <p:nvPr/>
+        </p:nvSpPr>
+        <p:spPr>
+          <a:xfrm>
+            <a:off x="7276165" y="3976879"/>
+            <a:ext cx="526943" cy="425834"/>
+          </a:xfrm>
+          <a:prstGeom prst="hexagon">
+            <a:avLst/>
+          </a:prstGeom>
+          <a:solidFill>
+            <a:schemeClr val="bg2"/>
+          </a:solidFill>
+          <a:ln>
+            <a:solidFill>
+              <a:schemeClr val="bg2"/>
+            </a:solidFill>
+          </a:ln>
+        </p:spPr>
+        <p:style>
+          <a:lnRef idx="2">
+            <a:schemeClr val="accent1">
+              <a:shade val="50000"/>
+            </a:schemeClr>
+          </a:lnRef>
+          <a:fillRef idx="1">
+            <a:schemeClr val="accent1"/>
+          </a:fillRef>
+          <a:effectRef idx="0">
+            <a:schemeClr val="accent1"/>
+          </a:effectRef>
+          <a:fontRef idx="minor">
+            <a:schemeClr val="lt1"/>
+          </a:fontRef>
+        </p:style>
+        <p:txBody>
+          <a:bodyPr rtlCol="0" anchor="ctr"/>
+          <a:lstStyle/>
+          <a:p>
+            <a:pPr algn="ctr"/>
+            <a:endParaRPr lang="en-NL"/>
+          </a:p>
+        </p:txBody>
+      </p:sp>
+    </p:spTree>
+    <p:extLst>
+      <p:ext uri="{BB962C8B-B14F-4D97-AF65-F5344CB8AC3E}">
+        <p14:creationId xmlns:p14="http://schemas.microsoft.com/office/powerpoint/2010/main" val="3863189371"/>
+      </p:ext>
+    </p:extLst>
+  </p:cSld>
+  <p:clrMapOvr>
+    <a:masterClrMapping/>
+  </p:clrMapOvr>
+</p:sld>
+</file>
+
+<file path=ppt/slides/slide50.xml><?xml version="1.0" encoding="utf-8"?>
 <p:sld xmlns:a="http://schemas.openxmlformats.org/drawingml/2006/main" xmlns:r="http://schemas.openxmlformats.org/officeDocument/2006/relationships" xmlns:p="http://schemas.openxmlformats.org/presentationml/2006/main">
   <p:cSld>
     <p:spTree>
@@ -15569,7 +17142,7 @@
 </p:sld>
 </file>
 
-<file path=ppt/slides/slide49.xml><?xml version="1.0" encoding="utf-8"?>
+<file path=ppt/slides/slide51.xml><?xml version="1.0" encoding="utf-8"?>
 <p:sld xmlns:a="http://schemas.openxmlformats.org/drawingml/2006/main" xmlns:r="http://schemas.openxmlformats.org/officeDocument/2006/relationships" xmlns:p="http://schemas.openxmlformats.org/presentationml/2006/main">
   <p:cSld>
     <p:spTree>
@@ -15889,1081 +17462,7 @@
 </p:sld>
 </file>
 
-<file path=ppt/slides/slide5.xml><?xml version="1.0" encoding="utf-8"?>
-<p:sld xmlns:a="http://schemas.openxmlformats.org/drawingml/2006/main" xmlns:r="http://schemas.openxmlformats.org/officeDocument/2006/relationships" xmlns:p="http://schemas.openxmlformats.org/presentationml/2006/main">
-  <p:cSld>
-    <p:spTree>
-      <p:nvGrpSpPr>
-        <p:cNvPr id="1" name=""/>
-        <p:cNvGrpSpPr/>
-        <p:nvPr/>
-      </p:nvGrpSpPr>
-      <p:grpSpPr>
-        <a:xfrm>
-          <a:off x="0" y="0"/>
-          <a:ext cx="0" cy="0"/>
-          <a:chOff x="0" y="0"/>
-          <a:chExt cx="0" cy="0"/>
-        </a:xfrm>
-      </p:grpSpPr>
-      <p:sp>
-        <p:nvSpPr>
-          <p:cNvPr id="2" name="Title 1">
-            <a:extLst>
-              <a:ext uri="{FF2B5EF4-FFF2-40B4-BE49-F238E27FC236}">
-                <a16:creationId xmlns:a16="http://schemas.microsoft.com/office/drawing/2014/main" id="{A50B3240-90A9-2045-9B24-092DEDC3A4FB}"/>
-              </a:ext>
-            </a:extLst>
-          </p:cNvPr>
-          <p:cNvSpPr>
-            <a:spLocks noGrp="1"/>
-          </p:cNvSpPr>
-          <p:nvPr>
-            <p:ph type="title"/>
-          </p:nvPr>
-        </p:nvSpPr>
-        <p:spPr/>
-        <p:txBody>
-          <a:bodyPr/>
-          <a:lstStyle/>
-          <a:p>
-            <a:endParaRPr lang="en-NL"/>
-          </a:p>
-        </p:txBody>
-      </p:sp>
-      <p:sp>
-        <p:nvSpPr>
-          <p:cNvPr id="3" name="Content Placeholder 2">
-            <a:extLst>
-              <a:ext uri="{FF2B5EF4-FFF2-40B4-BE49-F238E27FC236}">
-                <a16:creationId xmlns:a16="http://schemas.microsoft.com/office/drawing/2014/main" id="{EE6F52F0-3A96-5E4D-B754-B812A863C0BF}"/>
-              </a:ext>
-            </a:extLst>
-          </p:cNvPr>
-          <p:cNvSpPr>
-            <a:spLocks noGrp="1"/>
-          </p:cNvSpPr>
-          <p:nvPr>
-            <p:ph idx="1"/>
-          </p:nvPr>
-        </p:nvSpPr>
-        <p:spPr/>
-        <p:txBody>
-          <a:bodyPr/>
-          <a:lstStyle/>
-          <a:p>
-            <a:endParaRPr lang="en-NL"/>
-          </a:p>
-        </p:txBody>
-      </p:sp>
-      <p:sp>
-        <p:nvSpPr>
-          <p:cNvPr id="4" name="Rounded Rectangle 3">
-            <a:extLst>
-              <a:ext uri="{FF2B5EF4-FFF2-40B4-BE49-F238E27FC236}">
-                <a16:creationId xmlns:a16="http://schemas.microsoft.com/office/drawing/2014/main" id="{C878E023-EBA1-A649-9F84-9426DC737CAD}"/>
-              </a:ext>
-            </a:extLst>
-          </p:cNvPr>
-          <p:cNvSpPr/>
-          <p:nvPr/>
-        </p:nvSpPr>
-        <p:spPr>
-          <a:xfrm>
-            <a:off x="0" y="0"/>
-            <a:ext cx="7559675" cy="5327650"/>
-          </a:xfrm>
-          <a:prstGeom prst="roundRect">
-            <a:avLst>
-              <a:gd name="adj" fmla="val 0"/>
-            </a:avLst>
-          </a:prstGeom>
-          <a:solidFill>
-            <a:srgbClr val="DE8445"/>
-          </a:solidFill>
-          <a:ln>
-            <a:noFill/>
-          </a:ln>
-        </p:spPr>
-        <p:style>
-          <a:lnRef idx="2">
-            <a:schemeClr val="accent1">
-              <a:shade val="50000"/>
-            </a:schemeClr>
-          </a:lnRef>
-          <a:fillRef idx="1">
-            <a:schemeClr val="accent1"/>
-          </a:fillRef>
-          <a:effectRef idx="0">
-            <a:schemeClr val="accent1"/>
-          </a:effectRef>
-          <a:fontRef idx="minor">
-            <a:schemeClr val="lt1"/>
-          </a:fontRef>
-        </p:style>
-        <p:txBody>
-          <a:bodyPr rtlCol="0" anchor="ctr"/>
-          <a:lstStyle/>
-          <a:p>
-            <a:pPr algn="ctr"/>
-            <a:endParaRPr lang="en-NL" dirty="0"/>
-          </a:p>
-        </p:txBody>
-      </p:sp>
-      <p:sp>
-        <p:nvSpPr>
-          <p:cNvPr id="5" name="Rectangle 4">
-            <a:extLst>
-              <a:ext uri="{FF2B5EF4-FFF2-40B4-BE49-F238E27FC236}">
-                <a16:creationId xmlns:a16="http://schemas.microsoft.com/office/drawing/2014/main" id="{1F46A24F-F843-6F43-B798-8E0A66AEBE9A}"/>
-              </a:ext>
-            </a:extLst>
-          </p:cNvPr>
-          <p:cNvSpPr/>
-          <p:nvPr/>
-        </p:nvSpPr>
-        <p:spPr>
-          <a:xfrm>
-            <a:off x="654576" y="629685"/>
-            <a:ext cx="6326488" cy="3992292"/>
-          </a:xfrm>
-          <a:prstGeom prst="rect">
-            <a:avLst/>
-          </a:prstGeom>
-          <a:blipFill>
-            <a:blip r:embed="rId2"/>
-            <a:stretch>
-              <a:fillRect/>
-            </a:stretch>
-          </a:blipFill>
-          <a:ln w="38100" cmpd="sng">
-            <a:solidFill>
-              <a:schemeClr val="tx1"/>
-            </a:solidFill>
-            <a:prstDash val="solid"/>
-          </a:ln>
-        </p:spPr>
-        <p:style>
-          <a:lnRef idx="2">
-            <a:schemeClr val="accent1">
-              <a:shade val="50000"/>
-            </a:schemeClr>
-          </a:lnRef>
-          <a:fillRef idx="1">
-            <a:schemeClr val="accent1"/>
-          </a:fillRef>
-          <a:effectRef idx="0">
-            <a:schemeClr val="accent1"/>
-          </a:effectRef>
-          <a:fontRef idx="minor">
-            <a:schemeClr val="lt1"/>
-          </a:fontRef>
-        </p:style>
-        <p:txBody>
-          <a:bodyPr rtlCol="0" anchor="ctr"/>
-          <a:lstStyle/>
-          <a:p>
-            <a:endParaRPr lang="en-NL" sz="9600">
-              <a:latin typeface="Marvel" pitchFamily="2" charset="0"/>
-            </a:endParaRPr>
-          </a:p>
-        </p:txBody>
-      </p:sp>
-      <p:sp>
-        <p:nvSpPr>
-          <p:cNvPr id="7" name="TextBox 6">
-            <a:extLst>
-              <a:ext uri="{FF2B5EF4-FFF2-40B4-BE49-F238E27FC236}">
-                <a16:creationId xmlns:a16="http://schemas.microsoft.com/office/drawing/2014/main" id="{DB3D77AE-9792-C547-90E9-C96C9012A78D}"/>
-              </a:ext>
-            </a:extLst>
-          </p:cNvPr>
-          <p:cNvSpPr txBox="1"/>
-          <p:nvPr/>
-        </p:nvSpPr>
-        <p:spPr>
-          <a:xfrm>
-            <a:off x="1154265" y="1964111"/>
-            <a:ext cx="5451371" cy="1323439"/>
-          </a:xfrm>
-          <a:prstGeom prst="rect">
-            <a:avLst/>
-          </a:prstGeom>
-          <a:noFill/>
-        </p:spPr>
-        <p:txBody>
-          <a:bodyPr wrap="square" rtlCol="0">
-            <a:spAutoFit/>
-          </a:bodyPr>
-          <a:lstStyle/>
-          <a:p>
-            <a:pPr algn="ctr"/>
-            <a:r>
-              <a:rPr lang="en-NL" sz="8000" dirty="0">
-                <a:latin typeface="Marvel" pitchFamily="2" charset="0"/>
-              </a:rPr>
-              <a:t>UNREALIZED VALUE</a:t>
-            </a:r>
-          </a:p>
-        </p:txBody>
-      </p:sp>
-      <p:sp>
-        <p:nvSpPr>
-          <p:cNvPr id="8" name="TextBox 7">
-            <a:extLst>
-              <a:ext uri="{FF2B5EF4-FFF2-40B4-BE49-F238E27FC236}">
-                <a16:creationId xmlns:a16="http://schemas.microsoft.com/office/drawing/2014/main" id="{ED283D89-81C5-A942-931B-F37B88051625}"/>
-              </a:ext>
-            </a:extLst>
-          </p:cNvPr>
-          <p:cNvSpPr txBox="1"/>
-          <p:nvPr/>
-        </p:nvSpPr>
-        <p:spPr>
-          <a:xfrm>
-            <a:off x="1826342" y="2992265"/>
-            <a:ext cx="4107215" cy="400110"/>
-          </a:xfrm>
-          <a:prstGeom prst="rect">
-            <a:avLst/>
-          </a:prstGeom>
-          <a:noFill/>
-        </p:spPr>
-        <p:txBody>
-          <a:bodyPr wrap="none" rtlCol="0">
-            <a:spAutoFit/>
-          </a:bodyPr>
-          <a:lstStyle/>
-          <a:p>
-            <a:pPr algn="ctr"/>
-            <a:r>
-              <a:rPr lang="en-GB" sz="1000" dirty="0">
-                <a:solidFill>
-                  <a:schemeClr val="bg1">
-                    <a:lumMod val="50000"/>
-                  </a:schemeClr>
-                </a:solidFill>
-                <a:latin typeface="Ubuntu" panose="020B0504030602030204" pitchFamily="34" charset="0"/>
-              </a:rPr>
-              <a:t>The potential future value that </a:t>
-            </a:r>
-            <a:r>
-              <a:rPr lang="en-GB" sz="1000" i="1" dirty="0">
-                <a:solidFill>
-                  <a:schemeClr val="bg1">
-                    <a:lumMod val="50000"/>
-                  </a:schemeClr>
-                </a:solidFill>
-                <a:latin typeface="Ubuntu" panose="020B0504030602030204" pitchFamily="34" charset="0"/>
-              </a:rPr>
-              <a:t>could be</a:t>
-            </a:r>
-            <a:r>
-              <a:rPr lang="en-GB" sz="1000" dirty="0">
-                <a:solidFill>
-                  <a:schemeClr val="bg1">
-                    <a:lumMod val="50000"/>
-                  </a:schemeClr>
-                </a:solidFill>
-                <a:latin typeface="Ubuntu" panose="020B0504030602030204" pitchFamily="34" charset="0"/>
-              </a:rPr>
-              <a:t> realized </a:t>
-            </a:r>
-          </a:p>
-          <a:p>
-            <a:pPr algn="ctr"/>
-            <a:r>
-              <a:rPr lang="en-GB" sz="1000" dirty="0">
-                <a:solidFill>
-                  <a:schemeClr val="bg1">
-                    <a:lumMod val="50000"/>
-                  </a:schemeClr>
-                </a:solidFill>
-                <a:latin typeface="Ubuntu" panose="020B0504030602030204" pitchFamily="34" charset="0"/>
-              </a:rPr>
-              <a:t>if the organization met the needs of all potential customers or users</a:t>
-            </a:r>
-            <a:endParaRPr lang="en-NL" sz="1000" dirty="0">
-              <a:solidFill>
-                <a:schemeClr val="bg1">
-                  <a:lumMod val="50000"/>
-                </a:schemeClr>
-              </a:solidFill>
-              <a:latin typeface="Ubuntu" panose="020B0504030602030204" pitchFamily="34" charset="0"/>
-            </a:endParaRPr>
-          </a:p>
-        </p:txBody>
-      </p:sp>
-      <p:sp>
-        <p:nvSpPr>
-          <p:cNvPr id="24" name="Hexagon 23">
-            <a:extLst>
-              <a:ext uri="{FF2B5EF4-FFF2-40B4-BE49-F238E27FC236}">
-                <a16:creationId xmlns:a16="http://schemas.microsoft.com/office/drawing/2014/main" id="{B77BC908-5A71-5648-86F4-1DD501B1A47A}"/>
-              </a:ext>
-            </a:extLst>
-          </p:cNvPr>
-          <p:cNvSpPr/>
-          <p:nvPr/>
-        </p:nvSpPr>
-        <p:spPr>
-          <a:xfrm>
-            <a:off x="-263472" y="887581"/>
-            <a:ext cx="526943" cy="425834"/>
-          </a:xfrm>
-          <a:prstGeom prst="hexagon">
-            <a:avLst/>
-          </a:prstGeom>
-          <a:solidFill>
-            <a:schemeClr val="bg2"/>
-          </a:solidFill>
-          <a:ln>
-            <a:solidFill>
-              <a:schemeClr val="bg2"/>
-            </a:solidFill>
-          </a:ln>
-        </p:spPr>
-        <p:style>
-          <a:lnRef idx="2">
-            <a:schemeClr val="accent1">
-              <a:shade val="50000"/>
-            </a:schemeClr>
-          </a:lnRef>
-          <a:fillRef idx="1">
-            <a:schemeClr val="accent1"/>
-          </a:fillRef>
-          <a:effectRef idx="0">
-            <a:schemeClr val="accent1"/>
-          </a:effectRef>
-          <a:fontRef idx="minor">
-            <a:schemeClr val="lt1"/>
-          </a:fontRef>
-        </p:style>
-        <p:txBody>
-          <a:bodyPr rtlCol="0" anchor="ctr"/>
-          <a:lstStyle/>
-          <a:p>
-            <a:pPr algn="ctr"/>
-            <a:endParaRPr lang="en-NL"/>
-          </a:p>
-        </p:txBody>
-      </p:sp>
-      <p:sp>
-        <p:nvSpPr>
-          <p:cNvPr id="25" name="Hexagon 24">
-            <a:extLst>
-              <a:ext uri="{FF2B5EF4-FFF2-40B4-BE49-F238E27FC236}">
-                <a16:creationId xmlns:a16="http://schemas.microsoft.com/office/drawing/2014/main" id="{CA52172E-44FE-964B-8A80-395B31A859C7}"/>
-              </a:ext>
-            </a:extLst>
-          </p:cNvPr>
-          <p:cNvSpPr/>
-          <p:nvPr/>
-        </p:nvSpPr>
-        <p:spPr>
-          <a:xfrm>
-            <a:off x="-267574" y="1402464"/>
-            <a:ext cx="526943" cy="425834"/>
-          </a:xfrm>
-          <a:prstGeom prst="hexagon">
-            <a:avLst/>
-          </a:prstGeom>
-          <a:solidFill>
-            <a:schemeClr val="bg2"/>
-          </a:solidFill>
-          <a:ln>
-            <a:solidFill>
-              <a:schemeClr val="bg2"/>
-            </a:solidFill>
-          </a:ln>
-        </p:spPr>
-        <p:style>
-          <a:lnRef idx="2">
-            <a:schemeClr val="accent1">
-              <a:shade val="50000"/>
-            </a:schemeClr>
-          </a:lnRef>
-          <a:fillRef idx="1">
-            <a:schemeClr val="accent1"/>
-          </a:fillRef>
-          <a:effectRef idx="0">
-            <a:schemeClr val="accent1"/>
-          </a:effectRef>
-          <a:fontRef idx="minor">
-            <a:schemeClr val="lt1"/>
-          </a:fontRef>
-        </p:style>
-        <p:txBody>
-          <a:bodyPr rtlCol="0" anchor="ctr"/>
-          <a:lstStyle/>
-          <a:p>
-            <a:pPr algn="ctr"/>
-            <a:endParaRPr lang="en-NL"/>
-          </a:p>
-        </p:txBody>
-      </p:sp>
-      <p:sp>
-        <p:nvSpPr>
-          <p:cNvPr id="26" name="Hexagon 25">
-            <a:extLst>
-              <a:ext uri="{FF2B5EF4-FFF2-40B4-BE49-F238E27FC236}">
-                <a16:creationId xmlns:a16="http://schemas.microsoft.com/office/drawing/2014/main" id="{08EC8FA2-7049-534E-A372-EC6A91A4CE79}"/>
-              </a:ext>
-            </a:extLst>
-          </p:cNvPr>
-          <p:cNvSpPr/>
-          <p:nvPr/>
-        </p:nvSpPr>
-        <p:spPr>
-          <a:xfrm>
-            <a:off x="-267574" y="1917347"/>
-            <a:ext cx="526943" cy="425834"/>
-          </a:xfrm>
-          <a:prstGeom prst="hexagon">
-            <a:avLst/>
-          </a:prstGeom>
-          <a:solidFill>
-            <a:schemeClr val="bg2"/>
-          </a:solidFill>
-          <a:ln>
-            <a:solidFill>
-              <a:schemeClr val="bg2"/>
-            </a:solidFill>
-          </a:ln>
-        </p:spPr>
-        <p:style>
-          <a:lnRef idx="2">
-            <a:schemeClr val="accent1">
-              <a:shade val="50000"/>
-            </a:schemeClr>
-          </a:lnRef>
-          <a:fillRef idx="1">
-            <a:schemeClr val="accent1"/>
-          </a:fillRef>
-          <a:effectRef idx="0">
-            <a:schemeClr val="accent1"/>
-          </a:effectRef>
-          <a:fontRef idx="minor">
-            <a:schemeClr val="lt1"/>
-          </a:fontRef>
-        </p:style>
-        <p:txBody>
-          <a:bodyPr rtlCol="0" anchor="ctr"/>
-          <a:lstStyle/>
-          <a:p>
-            <a:pPr algn="ctr"/>
-            <a:endParaRPr lang="en-NL"/>
-          </a:p>
-        </p:txBody>
-      </p:sp>
-      <p:sp>
-        <p:nvSpPr>
-          <p:cNvPr id="27" name="Hexagon 26">
-            <a:extLst>
-              <a:ext uri="{FF2B5EF4-FFF2-40B4-BE49-F238E27FC236}">
-                <a16:creationId xmlns:a16="http://schemas.microsoft.com/office/drawing/2014/main" id="{718BA15D-DE98-8D43-9A3F-36F37A37AF2D}"/>
-              </a:ext>
-            </a:extLst>
-          </p:cNvPr>
-          <p:cNvSpPr/>
-          <p:nvPr/>
-        </p:nvSpPr>
-        <p:spPr>
-          <a:xfrm>
-            <a:off x="-271676" y="2432230"/>
-            <a:ext cx="526943" cy="425834"/>
-          </a:xfrm>
-          <a:prstGeom prst="hexagon">
-            <a:avLst/>
-          </a:prstGeom>
-          <a:solidFill>
-            <a:schemeClr val="bg2"/>
-          </a:solidFill>
-          <a:ln>
-            <a:solidFill>
-              <a:schemeClr val="bg2"/>
-            </a:solidFill>
-          </a:ln>
-        </p:spPr>
-        <p:style>
-          <a:lnRef idx="2">
-            <a:schemeClr val="accent1">
-              <a:shade val="50000"/>
-            </a:schemeClr>
-          </a:lnRef>
-          <a:fillRef idx="1">
-            <a:schemeClr val="accent1"/>
-          </a:fillRef>
-          <a:effectRef idx="0">
-            <a:schemeClr val="accent1"/>
-          </a:effectRef>
-          <a:fontRef idx="minor">
-            <a:schemeClr val="lt1"/>
-          </a:fontRef>
-        </p:style>
-        <p:txBody>
-          <a:bodyPr rtlCol="0" anchor="ctr"/>
-          <a:lstStyle/>
-          <a:p>
-            <a:pPr algn="ctr"/>
-            <a:endParaRPr lang="en-NL"/>
-          </a:p>
-        </p:txBody>
-      </p:sp>
-      <p:sp>
-        <p:nvSpPr>
-          <p:cNvPr id="28" name="Hexagon 27">
-            <a:extLst>
-              <a:ext uri="{FF2B5EF4-FFF2-40B4-BE49-F238E27FC236}">
-                <a16:creationId xmlns:a16="http://schemas.microsoft.com/office/drawing/2014/main" id="{5EF61F84-17B4-324C-9CD3-E07B3D18F12C}"/>
-              </a:ext>
-            </a:extLst>
-          </p:cNvPr>
-          <p:cNvSpPr/>
-          <p:nvPr/>
-        </p:nvSpPr>
-        <p:spPr>
-          <a:xfrm>
-            <a:off x="-269625" y="2949651"/>
-            <a:ext cx="526943" cy="425834"/>
-          </a:xfrm>
-          <a:prstGeom prst="hexagon">
-            <a:avLst/>
-          </a:prstGeom>
-          <a:solidFill>
-            <a:schemeClr val="bg2"/>
-          </a:solidFill>
-          <a:ln>
-            <a:solidFill>
-              <a:schemeClr val="bg2"/>
-            </a:solidFill>
-          </a:ln>
-        </p:spPr>
-        <p:style>
-          <a:lnRef idx="2">
-            <a:schemeClr val="accent1">
-              <a:shade val="50000"/>
-            </a:schemeClr>
-          </a:lnRef>
-          <a:fillRef idx="1">
-            <a:schemeClr val="accent1"/>
-          </a:fillRef>
-          <a:effectRef idx="0">
-            <a:schemeClr val="accent1"/>
-          </a:effectRef>
-          <a:fontRef idx="minor">
-            <a:schemeClr val="lt1"/>
-          </a:fontRef>
-        </p:style>
-        <p:txBody>
-          <a:bodyPr rtlCol="0" anchor="ctr"/>
-          <a:lstStyle/>
-          <a:p>
-            <a:pPr algn="ctr"/>
-            <a:endParaRPr lang="en-NL"/>
-          </a:p>
-        </p:txBody>
-      </p:sp>
-      <p:sp>
-        <p:nvSpPr>
-          <p:cNvPr id="29" name="Hexagon 28">
-            <a:extLst>
-              <a:ext uri="{FF2B5EF4-FFF2-40B4-BE49-F238E27FC236}">
-                <a16:creationId xmlns:a16="http://schemas.microsoft.com/office/drawing/2014/main" id="{6099D7E0-C13A-7847-84ED-EA0C5524E554}"/>
-              </a:ext>
-            </a:extLst>
-          </p:cNvPr>
-          <p:cNvSpPr/>
-          <p:nvPr/>
-        </p:nvSpPr>
-        <p:spPr>
-          <a:xfrm>
-            <a:off x="-273727" y="3464534"/>
-            <a:ext cx="526943" cy="425834"/>
-          </a:xfrm>
-          <a:prstGeom prst="hexagon">
-            <a:avLst/>
-          </a:prstGeom>
-          <a:solidFill>
-            <a:schemeClr val="bg2"/>
-          </a:solidFill>
-          <a:ln>
-            <a:solidFill>
-              <a:schemeClr val="bg2"/>
-            </a:solidFill>
-          </a:ln>
-        </p:spPr>
-        <p:style>
-          <a:lnRef idx="2">
-            <a:schemeClr val="accent1">
-              <a:shade val="50000"/>
-            </a:schemeClr>
-          </a:lnRef>
-          <a:fillRef idx="1">
-            <a:schemeClr val="accent1"/>
-          </a:fillRef>
-          <a:effectRef idx="0">
-            <a:schemeClr val="accent1"/>
-          </a:effectRef>
-          <a:fontRef idx="minor">
-            <a:schemeClr val="lt1"/>
-          </a:fontRef>
-        </p:style>
-        <p:txBody>
-          <a:bodyPr rtlCol="0" anchor="ctr"/>
-          <a:lstStyle/>
-          <a:p>
-            <a:pPr algn="ctr"/>
-            <a:endParaRPr lang="en-NL"/>
-          </a:p>
-        </p:txBody>
-      </p:sp>
-      <p:sp>
-        <p:nvSpPr>
-          <p:cNvPr id="30" name="Hexagon 29">
-            <a:extLst>
-              <a:ext uri="{FF2B5EF4-FFF2-40B4-BE49-F238E27FC236}">
-                <a16:creationId xmlns:a16="http://schemas.microsoft.com/office/drawing/2014/main" id="{920910FA-5581-F04C-9A39-2A4938FE8099}"/>
-              </a:ext>
-            </a:extLst>
-          </p:cNvPr>
-          <p:cNvSpPr/>
-          <p:nvPr/>
-        </p:nvSpPr>
-        <p:spPr>
-          <a:xfrm>
-            <a:off x="-263472" y="3976879"/>
-            <a:ext cx="526943" cy="425834"/>
-          </a:xfrm>
-          <a:prstGeom prst="hexagon">
-            <a:avLst/>
-          </a:prstGeom>
-          <a:solidFill>
-            <a:schemeClr val="bg2"/>
-          </a:solidFill>
-          <a:ln>
-            <a:solidFill>
-              <a:schemeClr val="bg2"/>
-            </a:solidFill>
-          </a:ln>
-        </p:spPr>
-        <p:style>
-          <a:lnRef idx="2">
-            <a:schemeClr val="accent1">
-              <a:shade val="50000"/>
-            </a:schemeClr>
-          </a:lnRef>
-          <a:fillRef idx="1">
-            <a:schemeClr val="accent1"/>
-          </a:fillRef>
-          <a:effectRef idx="0">
-            <a:schemeClr val="accent1"/>
-          </a:effectRef>
-          <a:fontRef idx="minor">
-            <a:schemeClr val="lt1"/>
-          </a:fontRef>
-        </p:style>
-        <p:txBody>
-          <a:bodyPr rtlCol="0" anchor="ctr"/>
-          <a:lstStyle/>
-          <a:p>
-            <a:pPr algn="ctr"/>
-            <a:endParaRPr lang="en-NL"/>
-          </a:p>
-        </p:txBody>
-      </p:sp>
-      <p:sp>
-        <p:nvSpPr>
-          <p:cNvPr id="31" name="Hexagon 30">
-            <a:extLst>
-              <a:ext uri="{FF2B5EF4-FFF2-40B4-BE49-F238E27FC236}">
-                <a16:creationId xmlns:a16="http://schemas.microsoft.com/office/drawing/2014/main" id="{8BBDE08F-BA25-4943-9CD6-08F91133CB36}"/>
-              </a:ext>
-            </a:extLst>
-          </p:cNvPr>
-          <p:cNvSpPr/>
-          <p:nvPr/>
-        </p:nvSpPr>
-        <p:spPr>
-          <a:xfrm>
-            <a:off x="7276165" y="887581"/>
-            <a:ext cx="526943" cy="425834"/>
-          </a:xfrm>
-          <a:prstGeom prst="hexagon">
-            <a:avLst/>
-          </a:prstGeom>
-          <a:solidFill>
-            <a:schemeClr val="bg2"/>
-          </a:solidFill>
-          <a:ln>
-            <a:solidFill>
-              <a:schemeClr val="bg2"/>
-            </a:solidFill>
-          </a:ln>
-        </p:spPr>
-        <p:style>
-          <a:lnRef idx="2">
-            <a:schemeClr val="accent1">
-              <a:shade val="50000"/>
-            </a:schemeClr>
-          </a:lnRef>
-          <a:fillRef idx="1">
-            <a:schemeClr val="accent1"/>
-          </a:fillRef>
-          <a:effectRef idx="0">
-            <a:schemeClr val="accent1"/>
-          </a:effectRef>
-          <a:fontRef idx="minor">
-            <a:schemeClr val="lt1"/>
-          </a:fontRef>
-        </p:style>
-        <p:txBody>
-          <a:bodyPr rtlCol="0" anchor="ctr"/>
-          <a:lstStyle/>
-          <a:p>
-            <a:pPr algn="ctr"/>
-            <a:endParaRPr lang="en-NL"/>
-          </a:p>
-        </p:txBody>
-      </p:sp>
-      <p:sp>
-        <p:nvSpPr>
-          <p:cNvPr id="32" name="Hexagon 31">
-            <a:extLst>
-              <a:ext uri="{FF2B5EF4-FFF2-40B4-BE49-F238E27FC236}">
-                <a16:creationId xmlns:a16="http://schemas.microsoft.com/office/drawing/2014/main" id="{1FBA123F-FD40-8849-9469-AF75E6B929B7}"/>
-              </a:ext>
-            </a:extLst>
-          </p:cNvPr>
-          <p:cNvSpPr/>
-          <p:nvPr/>
-        </p:nvSpPr>
-        <p:spPr>
-          <a:xfrm>
-            <a:off x="7272063" y="1402464"/>
-            <a:ext cx="526943" cy="425834"/>
-          </a:xfrm>
-          <a:prstGeom prst="hexagon">
-            <a:avLst/>
-          </a:prstGeom>
-          <a:solidFill>
-            <a:schemeClr val="bg2"/>
-          </a:solidFill>
-          <a:ln>
-            <a:solidFill>
-              <a:schemeClr val="bg2"/>
-            </a:solidFill>
-          </a:ln>
-        </p:spPr>
-        <p:style>
-          <a:lnRef idx="2">
-            <a:schemeClr val="accent1">
-              <a:shade val="50000"/>
-            </a:schemeClr>
-          </a:lnRef>
-          <a:fillRef idx="1">
-            <a:schemeClr val="accent1"/>
-          </a:fillRef>
-          <a:effectRef idx="0">
-            <a:schemeClr val="accent1"/>
-          </a:effectRef>
-          <a:fontRef idx="minor">
-            <a:schemeClr val="lt1"/>
-          </a:fontRef>
-        </p:style>
-        <p:txBody>
-          <a:bodyPr rtlCol="0" anchor="ctr"/>
-          <a:lstStyle/>
-          <a:p>
-            <a:pPr algn="ctr"/>
-            <a:endParaRPr lang="en-NL"/>
-          </a:p>
-        </p:txBody>
-      </p:sp>
-      <p:sp>
-        <p:nvSpPr>
-          <p:cNvPr id="33" name="Hexagon 32">
-            <a:extLst>
-              <a:ext uri="{FF2B5EF4-FFF2-40B4-BE49-F238E27FC236}">
-                <a16:creationId xmlns:a16="http://schemas.microsoft.com/office/drawing/2014/main" id="{A5F73996-9447-1848-B658-78DFF6A9C779}"/>
-              </a:ext>
-            </a:extLst>
-          </p:cNvPr>
-          <p:cNvSpPr/>
-          <p:nvPr/>
-        </p:nvSpPr>
-        <p:spPr>
-          <a:xfrm>
-            <a:off x="7272063" y="1917347"/>
-            <a:ext cx="526943" cy="425834"/>
-          </a:xfrm>
-          <a:prstGeom prst="hexagon">
-            <a:avLst/>
-          </a:prstGeom>
-          <a:solidFill>
-            <a:schemeClr val="bg2"/>
-          </a:solidFill>
-          <a:ln>
-            <a:solidFill>
-              <a:schemeClr val="bg2"/>
-            </a:solidFill>
-          </a:ln>
-        </p:spPr>
-        <p:style>
-          <a:lnRef idx="2">
-            <a:schemeClr val="accent1">
-              <a:shade val="50000"/>
-            </a:schemeClr>
-          </a:lnRef>
-          <a:fillRef idx="1">
-            <a:schemeClr val="accent1"/>
-          </a:fillRef>
-          <a:effectRef idx="0">
-            <a:schemeClr val="accent1"/>
-          </a:effectRef>
-          <a:fontRef idx="minor">
-            <a:schemeClr val="lt1"/>
-          </a:fontRef>
-        </p:style>
-        <p:txBody>
-          <a:bodyPr rtlCol="0" anchor="ctr"/>
-          <a:lstStyle/>
-          <a:p>
-            <a:pPr algn="ctr"/>
-            <a:endParaRPr lang="en-NL"/>
-          </a:p>
-        </p:txBody>
-      </p:sp>
-      <p:sp>
-        <p:nvSpPr>
-          <p:cNvPr id="34" name="Hexagon 33">
-            <a:extLst>
-              <a:ext uri="{FF2B5EF4-FFF2-40B4-BE49-F238E27FC236}">
-                <a16:creationId xmlns:a16="http://schemas.microsoft.com/office/drawing/2014/main" id="{275693F2-68C2-3E4F-BA5E-B253F0E64904}"/>
-              </a:ext>
-            </a:extLst>
-          </p:cNvPr>
-          <p:cNvSpPr/>
-          <p:nvPr/>
-        </p:nvSpPr>
-        <p:spPr>
-          <a:xfrm>
-            <a:off x="7267961" y="2432230"/>
-            <a:ext cx="526943" cy="425834"/>
-          </a:xfrm>
-          <a:prstGeom prst="hexagon">
-            <a:avLst/>
-          </a:prstGeom>
-          <a:solidFill>
-            <a:schemeClr val="bg2"/>
-          </a:solidFill>
-          <a:ln>
-            <a:solidFill>
-              <a:schemeClr val="bg2"/>
-            </a:solidFill>
-          </a:ln>
-        </p:spPr>
-        <p:style>
-          <a:lnRef idx="2">
-            <a:schemeClr val="accent1">
-              <a:shade val="50000"/>
-            </a:schemeClr>
-          </a:lnRef>
-          <a:fillRef idx="1">
-            <a:schemeClr val="accent1"/>
-          </a:fillRef>
-          <a:effectRef idx="0">
-            <a:schemeClr val="accent1"/>
-          </a:effectRef>
-          <a:fontRef idx="minor">
-            <a:schemeClr val="lt1"/>
-          </a:fontRef>
-        </p:style>
-        <p:txBody>
-          <a:bodyPr rtlCol="0" anchor="ctr"/>
-          <a:lstStyle/>
-          <a:p>
-            <a:pPr algn="ctr"/>
-            <a:endParaRPr lang="en-NL"/>
-          </a:p>
-        </p:txBody>
-      </p:sp>
-      <p:sp>
-        <p:nvSpPr>
-          <p:cNvPr id="35" name="Hexagon 34">
-            <a:extLst>
-              <a:ext uri="{FF2B5EF4-FFF2-40B4-BE49-F238E27FC236}">
-                <a16:creationId xmlns:a16="http://schemas.microsoft.com/office/drawing/2014/main" id="{0037A2A0-8D75-B940-835C-26E592882C69}"/>
-              </a:ext>
-            </a:extLst>
-          </p:cNvPr>
-          <p:cNvSpPr/>
-          <p:nvPr/>
-        </p:nvSpPr>
-        <p:spPr>
-          <a:xfrm>
-            <a:off x="7270012" y="2949651"/>
-            <a:ext cx="526943" cy="425834"/>
-          </a:xfrm>
-          <a:prstGeom prst="hexagon">
-            <a:avLst/>
-          </a:prstGeom>
-          <a:solidFill>
-            <a:schemeClr val="bg2"/>
-          </a:solidFill>
-          <a:ln>
-            <a:solidFill>
-              <a:schemeClr val="bg2"/>
-            </a:solidFill>
-          </a:ln>
-        </p:spPr>
-        <p:style>
-          <a:lnRef idx="2">
-            <a:schemeClr val="accent1">
-              <a:shade val="50000"/>
-            </a:schemeClr>
-          </a:lnRef>
-          <a:fillRef idx="1">
-            <a:schemeClr val="accent1"/>
-          </a:fillRef>
-          <a:effectRef idx="0">
-            <a:schemeClr val="accent1"/>
-          </a:effectRef>
-          <a:fontRef idx="minor">
-            <a:schemeClr val="lt1"/>
-          </a:fontRef>
-        </p:style>
-        <p:txBody>
-          <a:bodyPr rtlCol="0" anchor="ctr"/>
-          <a:lstStyle/>
-          <a:p>
-            <a:pPr algn="ctr"/>
-            <a:endParaRPr lang="en-NL"/>
-          </a:p>
-        </p:txBody>
-      </p:sp>
-      <p:sp>
-        <p:nvSpPr>
-          <p:cNvPr id="36" name="Hexagon 35">
-            <a:extLst>
-              <a:ext uri="{FF2B5EF4-FFF2-40B4-BE49-F238E27FC236}">
-                <a16:creationId xmlns:a16="http://schemas.microsoft.com/office/drawing/2014/main" id="{34ABA7B3-653A-E24D-B127-F6F5AEBE2C7B}"/>
-              </a:ext>
-            </a:extLst>
-          </p:cNvPr>
-          <p:cNvSpPr/>
-          <p:nvPr/>
-        </p:nvSpPr>
-        <p:spPr>
-          <a:xfrm>
-            <a:off x="7265910" y="3464534"/>
-            <a:ext cx="526943" cy="425834"/>
-          </a:xfrm>
-          <a:prstGeom prst="hexagon">
-            <a:avLst/>
-          </a:prstGeom>
-          <a:solidFill>
-            <a:schemeClr val="bg2"/>
-          </a:solidFill>
-          <a:ln>
-            <a:solidFill>
-              <a:schemeClr val="bg2"/>
-            </a:solidFill>
-          </a:ln>
-        </p:spPr>
-        <p:style>
-          <a:lnRef idx="2">
-            <a:schemeClr val="accent1">
-              <a:shade val="50000"/>
-            </a:schemeClr>
-          </a:lnRef>
-          <a:fillRef idx="1">
-            <a:schemeClr val="accent1"/>
-          </a:fillRef>
-          <a:effectRef idx="0">
-            <a:schemeClr val="accent1"/>
-          </a:effectRef>
-          <a:fontRef idx="minor">
-            <a:schemeClr val="lt1"/>
-          </a:fontRef>
-        </p:style>
-        <p:txBody>
-          <a:bodyPr rtlCol="0" anchor="ctr"/>
-          <a:lstStyle/>
-          <a:p>
-            <a:pPr algn="ctr"/>
-            <a:endParaRPr lang="en-NL"/>
-          </a:p>
-        </p:txBody>
-      </p:sp>
-      <p:sp>
-        <p:nvSpPr>
-          <p:cNvPr id="37" name="Hexagon 36">
-            <a:extLst>
-              <a:ext uri="{FF2B5EF4-FFF2-40B4-BE49-F238E27FC236}">
-                <a16:creationId xmlns:a16="http://schemas.microsoft.com/office/drawing/2014/main" id="{980F8705-E6AE-3E4B-9146-F98BFFE8E753}"/>
-              </a:ext>
-            </a:extLst>
-          </p:cNvPr>
-          <p:cNvSpPr/>
-          <p:nvPr/>
-        </p:nvSpPr>
-        <p:spPr>
-          <a:xfrm>
-            <a:off x="7276165" y="3976879"/>
-            <a:ext cx="526943" cy="425834"/>
-          </a:xfrm>
-          <a:prstGeom prst="hexagon">
-            <a:avLst/>
-          </a:prstGeom>
-          <a:solidFill>
-            <a:schemeClr val="bg2"/>
-          </a:solidFill>
-          <a:ln>
-            <a:solidFill>
-              <a:schemeClr val="bg2"/>
-            </a:solidFill>
-          </a:ln>
-        </p:spPr>
-        <p:style>
-          <a:lnRef idx="2">
-            <a:schemeClr val="accent1">
-              <a:shade val="50000"/>
-            </a:schemeClr>
-          </a:lnRef>
-          <a:fillRef idx="1">
-            <a:schemeClr val="accent1"/>
-          </a:fillRef>
-          <a:effectRef idx="0">
-            <a:schemeClr val="accent1"/>
-          </a:effectRef>
-          <a:fontRef idx="minor">
-            <a:schemeClr val="lt1"/>
-          </a:fontRef>
-        </p:style>
-        <p:txBody>
-          <a:bodyPr rtlCol="0" anchor="ctr"/>
-          <a:lstStyle/>
-          <a:p>
-            <a:pPr algn="ctr"/>
-            <a:endParaRPr lang="en-NL"/>
-          </a:p>
-        </p:txBody>
-      </p:sp>
-    </p:spTree>
-    <p:extLst>
-      <p:ext uri="{BB962C8B-B14F-4D97-AF65-F5344CB8AC3E}">
-        <p14:creationId xmlns:p14="http://schemas.microsoft.com/office/powerpoint/2010/main" val="3863189371"/>
-      </p:ext>
-    </p:extLst>
-  </p:cSld>
-  <p:clrMapOvr>
-    <a:masterClrMapping/>
-  </p:clrMapOvr>
-</p:sld>
-</file>
-
-<file path=ppt/slides/slide50.xml><?xml version="1.0" encoding="utf-8"?>
+<file path=ppt/slides/slide52.xml><?xml version="1.0" encoding="utf-8"?>
 <p:sld xmlns:a="http://schemas.openxmlformats.org/drawingml/2006/main" xmlns:r="http://schemas.openxmlformats.org/officeDocument/2006/relationships" xmlns:p="http://schemas.openxmlformats.org/presentationml/2006/main">
   <p:cSld>
     <p:spTree>
@@ -17132,7 +17631,7 @@
 </p:sld>
 </file>
 
-<file path=ppt/slides/slide51.xml><?xml version="1.0" encoding="utf-8"?>
+<file path=ppt/slides/slide53.xml><?xml version="1.0" encoding="utf-8"?>
 <p:sld xmlns:a="http://schemas.openxmlformats.org/drawingml/2006/main" xmlns:r="http://schemas.openxmlformats.org/officeDocument/2006/relationships" xmlns:p="http://schemas.openxmlformats.org/presentationml/2006/main">
   <p:cSld>
     <p:spTree>
@@ -17440,7 +17939,7 @@
 </p:sld>
 </file>
 
-<file path=ppt/slides/slide52.xml><?xml version="1.0" encoding="utf-8"?>
+<file path=ppt/slides/slide54.xml><?xml version="1.0" encoding="utf-8"?>
 <p:sld xmlns:a="http://schemas.openxmlformats.org/drawingml/2006/main" xmlns:r="http://schemas.openxmlformats.org/officeDocument/2006/relationships" xmlns:p="http://schemas.openxmlformats.org/presentationml/2006/main">
   <p:cSld>
     <p:spTree>
@@ -17609,7 +18108,7 @@
 </p:sld>
 </file>
 
-<file path=ppt/slides/slide53.xml><?xml version="1.0" encoding="utf-8"?>
+<file path=ppt/slides/slide55.xml><?xml version="1.0" encoding="utf-8"?>
 <p:sld xmlns:a="http://schemas.openxmlformats.org/drawingml/2006/main" xmlns:r="http://schemas.openxmlformats.org/officeDocument/2006/relationships" xmlns:p="http://schemas.openxmlformats.org/presentationml/2006/main">
   <p:cSld>
     <p:spTree>
@@ -17917,7 +18416,7 @@
 </p:sld>
 </file>
 
-<file path=ppt/slides/slide54.xml><?xml version="1.0" encoding="utf-8"?>
+<file path=ppt/slides/slide56.xml><?xml version="1.0" encoding="utf-8"?>
 <p:sld xmlns:a="http://schemas.openxmlformats.org/drawingml/2006/main" xmlns:r="http://schemas.openxmlformats.org/officeDocument/2006/relationships" xmlns:p="http://schemas.openxmlformats.org/presentationml/2006/main">
   <p:cSld>
     <p:spTree>
@@ -18086,7 +18585,7 @@
 </p:sld>
 </file>
 
-<file path=ppt/slides/slide55.xml><?xml version="1.0" encoding="utf-8"?>
+<file path=ppt/slides/slide57.xml><?xml version="1.0" encoding="utf-8"?>
 <p:sld xmlns:a="http://schemas.openxmlformats.org/drawingml/2006/main" xmlns:r="http://schemas.openxmlformats.org/officeDocument/2006/relationships" xmlns:p="http://schemas.openxmlformats.org/presentationml/2006/main">
   <p:cSld>
     <p:spTree>
@@ -18406,7 +18905,7 @@
 </p:sld>
 </file>
 
-<file path=ppt/slides/slide56.xml><?xml version="1.0" encoding="utf-8"?>
+<file path=ppt/slides/slide58.xml><?xml version="1.0" encoding="utf-8"?>
 <p:sld xmlns:a="http://schemas.openxmlformats.org/drawingml/2006/main" xmlns:r="http://schemas.openxmlformats.org/officeDocument/2006/relationships" xmlns:p="http://schemas.openxmlformats.org/presentationml/2006/main">
   <p:cSld>
     <p:spTree>
@@ -18575,7 +19074,7 @@
 </p:sld>
 </file>
 
-<file path=ppt/slides/slide57.xml><?xml version="1.0" encoding="utf-8"?>
+<file path=ppt/slides/slide59.xml><?xml version="1.0" encoding="utf-8"?>
 <p:sld xmlns:a="http://schemas.openxmlformats.org/drawingml/2006/main" xmlns:r="http://schemas.openxmlformats.org/officeDocument/2006/relationships" xmlns:p="http://schemas.openxmlformats.org/presentationml/2006/main">
   <p:cSld>
     <p:spTree>
@@ -18883,297 +19382,6 @@
 </p:sld>
 </file>
 
-<file path=ppt/slides/slide58.xml><?xml version="1.0" encoding="utf-8"?>
-<p:sld xmlns:a="http://schemas.openxmlformats.org/drawingml/2006/main" xmlns:r="http://schemas.openxmlformats.org/officeDocument/2006/relationships" xmlns:p="http://schemas.openxmlformats.org/presentationml/2006/main">
-  <p:cSld>
-    <p:spTree>
-      <p:nvGrpSpPr>
-        <p:cNvPr id="1" name=""/>
-        <p:cNvGrpSpPr/>
-        <p:nvPr/>
-      </p:nvGrpSpPr>
-      <p:grpSpPr>
-        <a:xfrm>
-          <a:off x="0" y="0"/>
-          <a:ext cx="0" cy="0"/>
-          <a:chOff x="0" y="0"/>
-          <a:chExt cx="0" cy="0"/>
-        </a:xfrm>
-      </p:grpSpPr>
-      <p:sp>
-        <p:nvSpPr>
-          <p:cNvPr id="2" name="Title 1">
-            <a:extLst>
-              <a:ext uri="{FF2B5EF4-FFF2-40B4-BE49-F238E27FC236}">
-                <a16:creationId xmlns:a16="http://schemas.microsoft.com/office/drawing/2014/main" id="{CFCDF3DA-1D3D-E743-8E21-6B353B4D96A4}"/>
-              </a:ext>
-            </a:extLst>
-          </p:cNvPr>
-          <p:cNvSpPr>
-            <a:spLocks noGrp="1"/>
-          </p:cNvSpPr>
-          <p:nvPr>
-            <p:ph type="title"/>
-          </p:nvPr>
-        </p:nvSpPr>
-        <p:spPr/>
-        <p:txBody>
-          <a:bodyPr/>
-          <a:lstStyle/>
-          <a:p>
-            <a:endParaRPr lang="en-NL"/>
-          </a:p>
-        </p:txBody>
-      </p:sp>
-      <p:sp>
-        <p:nvSpPr>
-          <p:cNvPr id="3" name="Content Placeholder 2">
-            <a:extLst>
-              <a:ext uri="{FF2B5EF4-FFF2-40B4-BE49-F238E27FC236}">
-                <a16:creationId xmlns:a16="http://schemas.microsoft.com/office/drawing/2014/main" id="{40A525DA-CA85-AD48-8A85-52A75E1E5317}"/>
-              </a:ext>
-            </a:extLst>
-          </p:cNvPr>
-          <p:cNvSpPr>
-            <a:spLocks noGrp="1"/>
-          </p:cNvSpPr>
-          <p:nvPr>
-            <p:ph idx="1"/>
-          </p:nvPr>
-        </p:nvSpPr>
-        <p:spPr/>
-        <p:txBody>
-          <a:bodyPr/>
-          <a:lstStyle/>
-          <a:p>
-            <a:endParaRPr lang="en-NL"/>
-          </a:p>
-        </p:txBody>
-      </p:sp>
-      <p:sp>
-        <p:nvSpPr>
-          <p:cNvPr id="4" name="Rounded Rectangle 3">
-            <a:extLst>
-              <a:ext uri="{FF2B5EF4-FFF2-40B4-BE49-F238E27FC236}">
-                <a16:creationId xmlns:a16="http://schemas.microsoft.com/office/drawing/2014/main" id="{6B890BB6-3544-1A4E-A833-93135A597BB4}"/>
-              </a:ext>
-            </a:extLst>
-          </p:cNvPr>
-          <p:cNvSpPr/>
-          <p:nvPr/>
-        </p:nvSpPr>
-        <p:spPr>
-          <a:xfrm>
-            <a:off x="0" y="0"/>
-            <a:ext cx="7559675" cy="5327650"/>
-          </a:xfrm>
-          <a:prstGeom prst="roundRect">
-            <a:avLst>
-              <a:gd name="adj" fmla="val 0"/>
-            </a:avLst>
-          </a:prstGeom>
-          <a:blipFill>
-            <a:blip r:embed="rId2"/>
-            <a:stretch>
-              <a:fillRect/>
-            </a:stretch>
-          </a:blipFill>
-          <a:ln>
-            <a:solidFill>
-              <a:schemeClr val="bg2"/>
-            </a:solidFill>
-          </a:ln>
-        </p:spPr>
-        <p:style>
-          <a:lnRef idx="2">
-            <a:schemeClr val="accent1">
-              <a:shade val="50000"/>
-            </a:schemeClr>
-          </a:lnRef>
-          <a:fillRef idx="1">
-            <a:schemeClr val="accent1"/>
-          </a:fillRef>
-          <a:effectRef idx="0">
-            <a:schemeClr val="accent1"/>
-          </a:effectRef>
-          <a:fontRef idx="minor">
-            <a:schemeClr val="lt1"/>
-          </a:fontRef>
-        </p:style>
-        <p:txBody>
-          <a:bodyPr rtlCol="0" anchor="ctr"/>
-          <a:lstStyle/>
-          <a:p>
-            <a:pPr algn="ctr"/>
-            <a:endParaRPr lang="en-NL"/>
-          </a:p>
-        </p:txBody>
-      </p:sp>
-      <p:pic>
-        <p:nvPicPr>
-          <p:cNvPr id="5" name="Picture 4" descr="A picture containing food, drawing&#10;&#10;Description automatically generated">
-            <a:extLst>
-              <a:ext uri="{FF2B5EF4-FFF2-40B4-BE49-F238E27FC236}">
-                <a16:creationId xmlns:a16="http://schemas.microsoft.com/office/drawing/2014/main" id="{27611709-3190-2A4B-BCE4-4D329000A8EB}"/>
-              </a:ext>
-            </a:extLst>
-          </p:cNvPr>
-          <p:cNvPicPr>
-            <a:picLocks noChangeAspect="1"/>
-          </p:cNvPicPr>
-          <p:nvPr/>
-        </p:nvPicPr>
-        <p:blipFill>
-          <a:blip r:embed="rId3"/>
-          <a:stretch>
-            <a:fillRect/>
-          </a:stretch>
-        </p:blipFill>
-        <p:spPr>
-          <a:xfrm>
-            <a:off x="350837" y="-765175"/>
-            <a:ext cx="6858000" cy="6858000"/>
-          </a:xfrm>
-          <a:prstGeom prst="rect">
-            <a:avLst/>
-          </a:prstGeom>
-        </p:spPr>
-      </p:pic>
-    </p:spTree>
-    <p:extLst>
-      <p:ext uri="{BB962C8B-B14F-4D97-AF65-F5344CB8AC3E}">
-        <p14:creationId xmlns:p14="http://schemas.microsoft.com/office/powerpoint/2010/main" val="141956057"/>
-      </p:ext>
-    </p:extLst>
-  </p:cSld>
-  <p:clrMapOvr>
-    <a:masterClrMapping/>
-  </p:clrMapOvr>
-</p:sld>
-</file>
-
-<file path=ppt/slides/slide59.xml><?xml version="1.0" encoding="utf-8"?>
-<p:sld xmlns:a="http://schemas.openxmlformats.org/drawingml/2006/main" xmlns:r="http://schemas.openxmlformats.org/officeDocument/2006/relationships" xmlns:p="http://schemas.openxmlformats.org/presentationml/2006/main">
-  <p:cSld>
-    <p:spTree>
-      <p:nvGrpSpPr>
-        <p:cNvPr id="1" name=""/>
-        <p:cNvGrpSpPr/>
-        <p:nvPr/>
-      </p:nvGrpSpPr>
-      <p:grpSpPr>
-        <a:xfrm>
-          <a:off x="0" y="0"/>
-          <a:ext cx="0" cy="0"/>
-          <a:chOff x="0" y="0"/>
-          <a:chExt cx="0" cy="0"/>
-        </a:xfrm>
-      </p:grpSpPr>
-      <p:sp>
-        <p:nvSpPr>
-          <p:cNvPr id="7" name="Rounded Rectangle 6">
-            <a:extLst>
-              <a:ext uri="{FF2B5EF4-FFF2-40B4-BE49-F238E27FC236}">
-                <a16:creationId xmlns:a16="http://schemas.microsoft.com/office/drawing/2014/main" id="{B3DC599D-AD1B-104D-B158-5C2A6823AC16}"/>
-              </a:ext>
-            </a:extLst>
-          </p:cNvPr>
-          <p:cNvSpPr/>
-          <p:nvPr/>
-        </p:nvSpPr>
-        <p:spPr>
-          <a:xfrm>
-            <a:off x="0" y="0"/>
-            <a:ext cx="7559675" cy="5327650"/>
-          </a:xfrm>
-          <a:prstGeom prst="roundRect">
-            <a:avLst>
-              <a:gd name="adj" fmla="val 0"/>
-            </a:avLst>
-          </a:prstGeom>
-          <a:solidFill>
-            <a:srgbClr val="FFC2E8"/>
-          </a:solidFill>
-          <a:ln>
-            <a:noFill/>
-          </a:ln>
-        </p:spPr>
-        <p:style>
-          <a:lnRef idx="2">
-            <a:schemeClr val="accent1">
-              <a:shade val="50000"/>
-            </a:schemeClr>
-          </a:lnRef>
-          <a:fillRef idx="1">
-            <a:schemeClr val="accent1"/>
-          </a:fillRef>
-          <a:effectRef idx="0">
-            <a:schemeClr val="accent1"/>
-          </a:effectRef>
-          <a:fontRef idx="minor">
-            <a:schemeClr val="lt1"/>
-          </a:fontRef>
-        </p:style>
-        <p:txBody>
-          <a:bodyPr rtlCol="0" anchor="ctr"/>
-          <a:lstStyle/>
-          <a:p>
-            <a:pPr algn="ctr"/>
-            <a:endParaRPr lang="en-NL"/>
-          </a:p>
-        </p:txBody>
-      </p:sp>
-      <p:sp>
-        <p:nvSpPr>
-          <p:cNvPr id="6" name="TextBox 5">
-            <a:extLst>
-              <a:ext uri="{FF2B5EF4-FFF2-40B4-BE49-F238E27FC236}">
-                <a16:creationId xmlns:a16="http://schemas.microsoft.com/office/drawing/2014/main" id="{009EAD6C-D563-D744-AFCA-AE8CA95E6630}"/>
-              </a:ext>
-            </a:extLst>
-          </p:cNvPr>
-          <p:cNvSpPr txBox="1"/>
-          <p:nvPr/>
-        </p:nvSpPr>
-        <p:spPr>
-          <a:xfrm>
-            <a:off x="329715" y="1463496"/>
-            <a:ext cx="6900243" cy="2400657"/>
-          </a:xfrm>
-          <a:prstGeom prst="rect">
-            <a:avLst/>
-          </a:prstGeom>
-          <a:noFill/>
-        </p:spPr>
-        <p:txBody>
-          <a:bodyPr wrap="square" rtlCol="0">
-            <a:spAutoFit/>
-          </a:bodyPr>
-          <a:lstStyle/>
-          <a:p>
-            <a:pPr algn="ctr"/>
-            <a:r>
-              <a:rPr lang="en-NL" sz="5000" b="1" dirty="0">
-                <a:latin typeface="Ubuntu" panose="020B0504030602030204" pitchFamily="34" charset="0"/>
-              </a:rPr>
-              <a:t>Don’t measure Output. Measure Outcomes</a:t>
-            </a:r>
-          </a:p>
-        </p:txBody>
-      </p:sp>
-    </p:spTree>
-    <p:extLst>
-      <p:ext uri="{BB962C8B-B14F-4D97-AF65-F5344CB8AC3E}">
-        <p14:creationId xmlns:p14="http://schemas.microsoft.com/office/powerpoint/2010/main" val="3384980287"/>
-      </p:ext>
-    </p:extLst>
-  </p:cSld>
-  <p:clrMapOvr>
-    <a:masterClrMapping/>
-  </p:clrMapOvr>
-</p:sld>
-</file>
-
 <file path=ppt/slides/slide6.xml><?xml version="1.0" encoding="utf-8"?>
 <p:sld xmlns:a="http://schemas.openxmlformats.org/drawingml/2006/main" xmlns:r="http://schemas.openxmlformats.org/officeDocument/2006/relationships" xmlns:p="http://schemas.openxmlformats.org/presentationml/2006/main">
   <p:cSld>
@@ -19502,7 +19710,7 @@
     </p:spTree>
     <p:extLst>
       <p:ext uri="{BB962C8B-B14F-4D97-AF65-F5344CB8AC3E}">
-        <p14:creationId xmlns:p14="http://schemas.microsoft.com/office/powerpoint/2010/main" val="609235282"/>
+        <p14:creationId xmlns:p14="http://schemas.microsoft.com/office/powerpoint/2010/main" val="141956057"/>
       </p:ext>
     </p:extLst>
   </p:cSld>
@@ -19613,10 +19821,10 @@
           <a:p>
             <a:pPr algn="ctr"/>
             <a:r>
-              <a:rPr lang="en-NL" sz="5000" b="1">
+              <a:rPr lang="en-NL" sz="5000" b="1" dirty="0">
                 <a:latin typeface="Ubuntu" panose="020B0504030602030204" pitchFamily="34" charset="0"/>
               </a:rPr>
-              <a:t>It’s not about the Metrics, but about the Conversation</a:t>
+              <a:t>Don’t measure Output. Measure Outcomes</a:t>
             </a:r>
           </a:p>
         </p:txBody>
@@ -19624,7 +19832,7 @@
     </p:spTree>
     <p:extLst>
       <p:ext uri="{BB962C8B-B14F-4D97-AF65-F5344CB8AC3E}">
-        <p14:creationId xmlns:p14="http://schemas.microsoft.com/office/powerpoint/2010/main" val="3864524999"/>
+        <p14:creationId xmlns:p14="http://schemas.microsoft.com/office/powerpoint/2010/main" val="3384980287"/>
       </p:ext>
     </p:extLst>
   </p:cSld>
@@ -19793,7 +20001,7 @@
     </p:spTree>
     <p:extLst>
       <p:ext uri="{BB962C8B-B14F-4D97-AF65-F5344CB8AC3E}">
-        <p14:creationId xmlns:p14="http://schemas.microsoft.com/office/powerpoint/2010/main" val="2834202860"/>
+        <p14:creationId xmlns:p14="http://schemas.microsoft.com/office/powerpoint/2010/main" val="609235282"/>
       </p:ext>
     </p:extLst>
   </p:cSld>
@@ -19888,8 +20096,8 @@
         </p:nvSpPr>
         <p:spPr>
           <a:xfrm>
-            <a:off x="329715" y="1078775"/>
-            <a:ext cx="6900243" cy="3170099"/>
+            <a:off x="329715" y="1463496"/>
+            <a:ext cx="6900243" cy="2400657"/>
           </a:xfrm>
           <a:prstGeom prst="rect">
             <a:avLst/>
@@ -19904,40 +20112,10 @@
           <a:p>
             <a:pPr algn="ctr"/>
             <a:r>
-              <a:rPr lang="en-NL" sz="5000" dirty="0">
+              <a:rPr lang="en-NL" sz="5000" b="1">
                 <a:latin typeface="Ubuntu" panose="020B0504030602030204" pitchFamily="34" charset="0"/>
               </a:rPr>
-              <a:t>Learn more about</a:t>
-            </a:r>
-            <a:r>
-              <a:rPr lang="en-NL" sz="5000" b="1" dirty="0">
-                <a:latin typeface="Ubuntu" panose="020B0504030602030204" pitchFamily="34" charset="0"/>
-              </a:rPr>
-              <a:t> </a:t>
-            </a:r>
-          </a:p>
-          <a:p>
-            <a:pPr algn="ctr"/>
-            <a:r>
-              <a:rPr lang="en-NL" sz="5000" b="1" dirty="0">
-                <a:latin typeface="Ubuntu" panose="020B0504030602030204" pitchFamily="34" charset="0"/>
-              </a:rPr>
-              <a:t>Evidence Based Management </a:t>
-            </a:r>
-            <a:r>
-              <a:rPr lang="en-NL" sz="5000" dirty="0">
-                <a:latin typeface="Ubuntu" panose="020B0504030602030204" pitchFamily="34" charset="0"/>
-              </a:rPr>
-              <a:t>at</a:t>
-            </a:r>
-          </a:p>
-          <a:p>
-            <a:pPr algn="ctr"/>
-            <a:r>
-              <a:rPr lang="en-NL" sz="5000" dirty="0">
-                <a:latin typeface="Ubuntu" panose="020B0504030602030204" pitchFamily="34" charset="0"/>
-              </a:rPr>
-              <a:t>http://scrum.org/EBM</a:t>
+              <a:t>It’s not about the Metrics, but about the Conversation</a:t>
             </a:r>
           </a:p>
         </p:txBody>
@@ -19945,7 +20123,7 @@
     </p:spTree>
     <p:extLst>
       <p:ext uri="{BB962C8B-B14F-4D97-AF65-F5344CB8AC3E}">
-        <p14:creationId xmlns:p14="http://schemas.microsoft.com/office/powerpoint/2010/main" val="1377554222"/>
+        <p14:creationId xmlns:p14="http://schemas.microsoft.com/office/powerpoint/2010/main" val="3864524999"/>
       </p:ext>
     </p:extLst>
   </p:cSld>
@@ -20114,7 +20292,7 @@
     </p:spTree>
     <p:extLst>
       <p:ext uri="{BB962C8B-B14F-4D97-AF65-F5344CB8AC3E}">
-        <p14:creationId xmlns:p14="http://schemas.microsoft.com/office/powerpoint/2010/main" val="1817486122"/>
+        <p14:creationId xmlns:p14="http://schemas.microsoft.com/office/powerpoint/2010/main" val="2834202860"/>
       </p:ext>
     </p:extLst>
   </p:cSld>
@@ -20143,6 +20321,327 @@
       </p:grpSpPr>
       <p:sp>
         <p:nvSpPr>
+          <p:cNvPr id="7" name="Rounded Rectangle 6">
+            <a:extLst>
+              <a:ext uri="{FF2B5EF4-FFF2-40B4-BE49-F238E27FC236}">
+                <a16:creationId xmlns:a16="http://schemas.microsoft.com/office/drawing/2014/main" id="{B3DC599D-AD1B-104D-B158-5C2A6823AC16}"/>
+              </a:ext>
+            </a:extLst>
+          </p:cNvPr>
+          <p:cNvSpPr/>
+          <p:nvPr/>
+        </p:nvSpPr>
+        <p:spPr>
+          <a:xfrm>
+            <a:off x="0" y="0"/>
+            <a:ext cx="7559675" cy="5327650"/>
+          </a:xfrm>
+          <a:prstGeom prst="roundRect">
+            <a:avLst>
+              <a:gd name="adj" fmla="val 0"/>
+            </a:avLst>
+          </a:prstGeom>
+          <a:solidFill>
+            <a:srgbClr val="FFC2E8"/>
+          </a:solidFill>
+          <a:ln>
+            <a:noFill/>
+          </a:ln>
+        </p:spPr>
+        <p:style>
+          <a:lnRef idx="2">
+            <a:schemeClr val="accent1">
+              <a:shade val="50000"/>
+            </a:schemeClr>
+          </a:lnRef>
+          <a:fillRef idx="1">
+            <a:schemeClr val="accent1"/>
+          </a:fillRef>
+          <a:effectRef idx="0">
+            <a:schemeClr val="accent1"/>
+          </a:effectRef>
+          <a:fontRef idx="minor">
+            <a:schemeClr val="lt1"/>
+          </a:fontRef>
+        </p:style>
+        <p:txBody>
+          <a:bodyPr rtlCol="0" anchor="ctr"/>
+          <a:lstStyle/>
+          <a:p>
+            <a:pPr algn="ctr"/>
+            <a:endParaRPr lang="en-NL"/>
+          </a:p>
+        </p:txBody>
+      </p:sp>
+      <p:sp>
+        <p:nvSpPr>
+          <p:cNvPr id="6" name="TextBox 5">
+            <a:extLst>
+              <a:ext uri="{FF2B5EF4-FFF2-40B4-BE49-F238E27FC236}">
+                <a16:creationId xmlns:a16="http://schemas.microsoft.com/office/drawing/2014/main" id="{009EAD6C-D563-D744-AFCA-AE8CA95E6630}"/>
+              </a:ext>
+            </a:extLst>
+          </p:cNvPr>
+          <p:cNvSpPr txBox="1"/>
+          <p:nvPr/>
+        </p:nvSpPr>
+        <p:spPr>
+          <a:xfrm>
+            <a:off x="329715" y="1078775"/>
+            <a:ext cx="6900243" cy="3170099"/>
+          </a:xfrm>
+          <a:prstGeom prst="rect">
+            <a:avLst/>
+          </a:prstGeom>
+          <a:noFill/>
+        </p:spPr>
+        <p:txBody>
+          <a:bodyPr wrap="square" rtlCol="0">
+            <a:spAutoFit/>
+          </a:bodyPr>
+          <a:lstStyle/>
+          <a:p>
+            <a:pPr algn="ctr"/>
+            <a:r>
+              <a:rPr lang="en-NL" sz="5000" dirty="0">
+                <a:latin typeface="Ubuntu" panose="020B0504030602030204" pitchFamily="34" charset="0"/>
+              </a:rPr>
+              <a:t>Learn more about</a:t>
+            </a:r>
+            <a:r>
+              <a:rPr lang="en-NL" sz="5000" b="1" dirty="0">
+                <a:latin typeface="Ubuntu" panose="020B0504030602030204" pitchFamily="34" charset="0"/>
+              </a:rPr>
+              <a:t> </a:t>
+            </a:r>
+          </a:p>
+          <a:p>
+            <a:pPr algn="ctr"/>
+            <a:r>
+              <a:rPr lang="en-NL" sz="5000" b="1" dirty="0">
+                <a:latin typeface="Ubuntu" panose="020B0504030602030204" pitchFamily="34" charset="0"/>
+              </a:rPr>
+              <a:t>Evidence Based Management </a:t>
+            </a:r>
+            <a:r>
+              <a:rPr lang="en-NL" sz="5000" dirty="0">
+                <a:latin typeface="Ubuntu" panose="020B0504030602030204" pitchFamily="34" charset="0"/>
+              </a:rPr>
+              <a:t>at</a:t>
+            </a:r>
+          </a:p>
+          <a:p>
+            <a:pPr algn="ctr"/>
+            <a:r>
+              <a:rPr lang="en-NL" sz="5000" dirty="0">
+                <a:latin typeface="Ubuntu" panose="020B0504030602030204" pitchFamily="34" charset="0"/>
+              </a:rPr>
+              <a:t>http://scrum.org/EBM</a:t>
+            </a:r>
+          </a:p>
+        </p:txBody>
+      </p:sp>
+    </p:spTree>
+    <p:extLst>
+      <p:ext uri="{BB962C8B-B14F-4D97-AF65-F5344CB8AC3E}">
+        <p14:creationId xmlns:p14="http://schemas.microsoft.com/office/powerpoint/2010/main" val="1377554222"/>
+      </p:ext>
+    </p:extLst>
+  </p:cSld>
+  <p:clrMapOvr>
+    <a:masterClrMapping/>
+  </p:clrMapOvr>
+</p:sld>
+</file>
+
+<file path=ppt/slides/slide66.xml><?xml version="1.0" encoding="utf-8"?>
+<p:sld xmlns:a="http://schemas.openxmlformats.org/drawingml/2006/main" xmlns:r="http://schemas.openxmlformats.org/officeDocument/2006/relationships" xmlns:p="http://schemas.openxmlformats.org/presentationml/2006/main">
+  <p:cSld>
+    <p:spTree>
+      <p:nvGrpSpPr>
+        <p:cNvPr id="1" name=""/>
+        <p:cNvGrpSpPr/>
+        <p:nvPr/>
+      </p:nvGrpSpPr>
+      <p:grpSpPr>
+        <a:xfrm>
+          <a:off x="0" y="0"/>
+          <a:ext cx="0" cy="0"/>
+          <a:chOff x="0" y="0"/>
+          <a:chExt cx="0" cy="0"/>
+        </a:xfrm>
+      </p:grpSpPr>
+      <p:sp>
+        <p:nvSpPr>
+          <p:cNvPr id="2" name="Title 1">
+            <a:extLst>
+              <a:ext uri="{FF2B5EF4-FFF2-40B4-BE49-F238E27FC236}">
+                <a16:creationId xmlns:a16="http://schemas.microsoft.com/office/drawing/2014/main" id="{CFCDF3DA-1D3D-E743-8E21-6B353B4D96A4}"/>
+              </a:ext>
+            </a:extLst>
+          </p:cNvPr>
+          <p:cNvSpPr>
+            <a:spLocks noGrp="1"/>
+          </p:cNvSpPr>
+          <p:nvPr>
+            <p:ph type="title"/>
+          </p:nvPr>
+        </p:nvSpPr>
+        <p:spPr/>
+        <p:txBody>
+          <a:bodyPr/>
+          <a:lstStyle/>
+          <a:p>
+            <a:endParaRPr lang="en-NL"/>
+          </a:p>
+        </p:txBody>
+      </p:sp>
+      <p:sp>
+        <p:nvSpPr>
+          <p:cNvPr id="3" name="Content Placeholder 2">
+            <a:extLst>
+              <a:ext uri="{FF2B5EF4-FFF2-40B4-BE49-F238E27FC236}">
+                <a16:creationId xmlns:a16="http://schemas.microsoft.com/office/drawing/2014/main" id="{40A525DA-CA85-AD48-8A85-52A75E1E5317}"/>
+              </a:ext>
+            </a:extLst>
+          </p:cNvPr>
+          <p:cNvSpPr>
+            <a:spLocks noGrp="1"/>
+          </p:cNvSpPr>
+          <p:nvPr>
+            <p:ph idx="1"/>
+          </p:nvPr>
+        </p:nvSpPr>
+        <p:spPr/>
+        <p:txBody>
+          <a:bodyPr/>
+          <a:lstStyle/>
+          <a:p>
+            <a:endParaRPr lang="en-NL"/>
+          </a:p>
+        </p:txBody>
+      </p:sp>
+      <p:sp>
+        <p:nvSpPr>
+          <p:cNvPr id="4" name="Rounded Rectangle 3">
+            <a:extLst>
+              <a:ext uri="{FF2B5EF4-FFF2-40B4-BE49-F238E27FC236}">
+                <a16:creationId xmlns:a16="http://schemas.microsoft.com/office/drawing/2014/main" id="{6B890BB6-3544-1A4E-A833-93135A597BB4}"/>
+              </a:ext>
+            </a:extLst>
+          </p:cNvPr>
+          <p:cNvSpPr/>
+          <p:nvPr/>
+        </p:nvSpPr>
+        <p:spPr>
+          <a:xfrm>
+            <a:off x="0" y="0"/>
+            <a:ext cx="7559675" cy="5327650"/>
+          </a:xfrm>
+          <a:prstGeom prst="roundRect">
+            <a:avLst>
+              <a:gd name="adj" fmla="val 0"/>
+            </a:avLst>
+          </a:prstGeom>
+          <a:blipFill>
+            <a:blip r:embed="rId2"/>
+            <a:stretch>
+              <a:fillRect/>
+            </a:stretch>
+          </a:blipFill>
+          <a:ln>
+            <a:solidFill>
+              <a:schemeClr val="bg2"/>
+            </a:solidFill>
+          </a:ln>
+        </p:spPr>
+        <p:style>
+          <a:lnRef idx="2">
+            <a:schemeClr val="accent1">
+              <a:shade val="50000"/>
+            </a:schemeClr>
+          </a:lnRef>
+          <a:fillRef idx="1">
+            <a:schemeClr val="accent1"/>
+          </a:fillRef>
+          <a:effectRef idx="0">
+            <a:schemeClr val="accent1"/>
+          </a:effectRef>
+          <a:fontRef idx="minor">
+            <a:schemeClr val="lt1"/>
+          </a:fontRef>
+        </p:style>
+        <p:txBody>
+          <a:bodyPr rtlCol="0" anchor="ctr"/>
+          <a:lstStyle/>
+          <a:p>
+            <a:pPr algn="ctr"/>
+            <a:endParaRPr lang="en-NL"/>
+          </a:p>
+        </p:txBody>
+      </p:sp>
+      <p:pic>
+        <p:nvPicPr>
+          <p:cNvPr id="5" name="Picture 4" descr="A picture containing food, drawing&#10;&#10;Description automatically generated">
+            <a:extLst>
+              <a:ext uri="{FF2B5EF4-FFF2-40B4-BE49-F238E27FC236}">
+                <a16:creationId xmlns:a16="http://schemas.microsoft.com/office/drawing/2014/main" id="{27611709-3190-2A4B-BCE4-4D329000A8EB}"/>
+              </a:ext>
+            </a:extLst>
+          </p:cNvPr>
+          <p:cNvPicPr>
+            <a:picLocks noChangeAspect="1"/>
+          </p:cNvPicPr>
+          <p:nvPr/>
+        </p:nvPicPr>
+        <p:blipFill>
+          <a:blip r:embed="rId3"/>
+          <a:stretch>
+            <a:fillRect/>
+          </a:stretch>
+        </p:blipFill>
+        <p:spPr>
+          <a:xfrm>
+            <a:off x="350837" y="-765175"/>
+            <a:ext cx="6858000" cy="6858000"/>
+          </a:xfrm>
+          <a:prstGeom prst="rect">
+            <a:avLst/>
+          </a:prstGeom>
+        </p:spPr>
+      </p:pic>
+    </p:spTree>
+    <p:extLst>
+      <p:ext uri="{BB962C8B-B14F-4D97-AF65-F5344CB8AC3E}">
+        <p14:creationId xmlns:p14="http://schemas.microsoft.com/office/powerpoint/2010/main" val="1817486122"/>
+      </p:ext>
+    </p:extLst>
+  </p:cSld>
+  <p:clrMapOvr>
+    <a:masterClrMapping/>
+  </p:clrMapOvr>
+</p:sld>
+</file>
+
+<file path=ppt/slides/slide67.xml><?xml version="1.0" encoding="utf-8"?>
+<p:sld xmlns:a="http://schemas.openxmlformats.org/drawingml/2006/main" xmlns:r="http://schemas.openxmlformats.org/officeDocument/2006/relationships" xmlns:p="http://schemas.openxmlformats.org/presentationml/2006/main">
+  <p:cSld>
+    <p:spTree>
+      <p:nvGrpSpPr>
+        <p:cNvPr id="1" name=""/>
+        <p:cNvGrpSpPr/>
+        <p:nvPr/>
+      </p:nvGrpSpPr>
+      <p:grpSpPr>
+        <a:xfrm>
+          <a:off x="0" y="0"/>
+          <a:ext cx="0" cy="0"/>
+          <a:chOff x="0" y="0"/>
+          <a:chExt cx="0" cy="0"/>
+        </a:xfrm>
+      </p:grpSpPr>
+      <p:sp>
+        <p:nvSpPr>
           <p:cNvPr id="6" name="TextBox 5">
             <a:extLst>
               <a:ext uri="{FF2B5EF4-FFF2-40B4-BE49-F238E27FC236}">
@@ -20415,7 +20914,7 @@
 </p:sld>
 </file>
 
-<file path=ppt/slides/slide66.xml><?xml version="1.0" encoding="utf-8"?>
+<file path=ppt/slides/slide68.xml><?xml version="1.0" encoding="utf-8"?>
 <p:sld xmlns:a="http://schemas.openxmlformats.org/drawingml/2006/main" xmlns:r="http://schemas.openxmlformats.org/officeDocument/2006/relationships" xmlns:p="http://schemas.openxmlformats.org/presentationml/2006/main">
   <p:cSld>
     <p:spTree>

--- a/Measuring Outcome v2 - 2020 update.pptx
+++ b/Measuring Outcome v2 - 2020 update.pptx
@@ -5,7 +5,7 @@
     <p:sldMasterId id="2147483660" r:id="rId1"/>
   </p:sldMasterIdLst>
   <p:notesMasterIdLst>
-    <p:notesMasterId r:id="rId70"/>
+    <p:notesMasterId r:id="rId72"/>
   </p:notesMasterIdLst>
   <p:sldIdLst>
     <p:sldId id="256" r:id="rId2"/>
@@ -36,77 +36,79 @@
     <p:sldId id="311" r:id="rId27"/>
     <p:sldId id="312" r:id="rId28"/>
     <p:sldId id="313" r:id="rId29"/>
-    <p:sldId id="314" r:id="rId30"/>
-    <p:sldId id="315" r:id="rId31"/>
-    <p:sldId id="316" r:id="rId32"/>
-    <p:sldId id="317" r:id="rId33"/>
-    <p:sldId id="318" r:id="rId34"/>
-    <p:sldId id="319" r:id="rId35"/>
-    <p:sldId id="320" r:id="rId36"/>
-    <p:sldId id="321" r:id="rId37"/>
-    <p:sldId id="322" r:id="rId38"/>
-    <p:sldId id="323" r:id="rId39"/>
-    <p:sldId id="324" r:id="rId40"/>
-    <p:sldId id="325" r:id="rId41"/>
-    <p:sldId id="326" r:id="rId42"/>
-    <p:sldId id="327" r:id="rId43"/>
-    <p:sldId id="337" r:id="rId44"/>
-    <p:sldId id="338" r:id="rId45"/>
-    <p:sldId id="339" r:id="rId46"/>
-    <p:sldId id="340" r:id="rId47"/>
-    <p:sldId id="341" r:id="rId48"/>
-    <p:sldId id="342" r:id="rId49"/>
-    <p:sldId id="343" r:id="rId50"/>
-    <p:sldId id="344" r:id="rId51"/>
-    <p:sldId id="352" r:id="rId52"/>
-    <p:sldId id="353" r:id="rId53"/>
-    <p:sldId id="354" r:id="rId54"/>
-    <p:sldId id="355" r:id="rId55"/>
-    <p:sldId id="357" r:id="rId56"/>
-    <p:sldId id="358" r:id="rId57"/>
-    <p:sldId id="345" r:id="rId58"/>
-    <p:sldId id="346" r:id="rId59"/>
-    <p:sldId id="347" r:id="rId60"/>
-    <p:sldId id="348" r:id="rId61"/>
-    <p:sldId id="328" r:id="rId62"/>
-    <p:sldId id="329" r:id="rId63"/>
-    <p:sldId id="334" r:id="rId64"/>
-    <p:sldId id="331" r:id="rId65"/>
-    <p:sldId id="335" r:id="rId66"/>
-    <p:sldId id="333" r:id="rId67"/>
-    <p:sldId id="359" r:id="rId68"/>
-    <p:sldId id="351" r:id="rId69"/>
+    <p:sldId id="364" r:id="rId30"/>
+    <p:sldId id="365" r:id="rId31"/>
+    <p:sldId id="314" r:id="rId32"/>
+    <p:sldId id="315" r:id="rId33"/>
+    <p:sldId id="316" r:id="rId34"/>
+    <p:sldId id="317" r:id="rId35"/>
+    <p:sldId id="318" r:id="rId36"/>
+    <p:sldId id="319" r:id="rId37"/>
+    <p:sldId id="320" r:id="rId38"/>
+    <p:sldId id="321" r:id="rId39"/>
+    <p:sldId id="322" r:id="rId40"/>
+    <p:sldId id="323" r:id="rId41"/>
+    <p:sldId id="324" r:id="rId42"/>
+    <p:sldId id="325" r:id="rId43"/>
+    <p:sldId id="326" r:id="rId44"/>
+    <p:sldId id="327" r:id="rId45"/>
+    <p:sldId id="337" r:id="rId46"/>
+    <p:sldId id="338" r:id="rId47"/>
+    <p:sldId id="339" r:id="rId48"/>
+    <p:sldId id="340" r:id="rId49"/>
+    <p:sldId id="341" r:id="rId50"/>
+    <p:sldId id="342" r:id="rId51"/>
+    <p:sldId id="343" r:id="rId52"/>
+    <p:sldId id="344" r:id="rId53"/>
+    <p:sldId id="352" r:id="rId54"/>
+    <p:sldId id="353" r:id="rId55"/>
+    <p:sldId id="354" r:id="rId56"/>
+    <p:sldId id="355" r:id="rId57"/>
+    <p:sldId id="357" r:id="rId58"/>
+    <p:sldId id="358" r:id="rId59"/>
+    <p:sldId id="345" r:id="rId60"/>
+    <p:sldId id="346" r:id="rId61"/>
+    <p:sldId id="347" r:id="rId62"/>
+    <p:sldId id="348" r:id="rId63"/>
+    <p:sldId id="328" r:id="rId64"/>
+    <p:sldId id="329" r:id="rId65"/>
+    <p:sldId id="334" r:id="rId66"/>
+    <p:sldId id="331" r:id="rId67"/>
+    <p:sldId id="335" r:id="rId68"/>
+    <p:sldId id="333" r:id="rId69"/>
+    <p:sldId id="359" r:id="rId70"/>
+    <p:sldId id="351" r:id="rId71"/>
   </p:sldIdLst>
   <p:sldSz cx="7559675" cy="5327650"/>
   <p:notesSz cx="6858000" cy="9144000"/>
   <p:embeddedFontLst>
     <p:embeddedFont>
       <p:font typeface="Calibri" panose="020F0502020204030204" pitchFamily="34" charset="0"/>
-      <p:regular r:id="rId71"/>
-      <p:bold r:id="rId71"/>
-      <p:italic r:id="rId71"/>
-      <p:boldItalic r:id="rId71"/>
+      <p:regular r:id="rId73"/>
+      <p:bold r:id="rId73"/>
+      <p:italic r:id="rId73"/>
+      <p:boldItalic r:id="rId73"/>
     </p:embeddedFont>
     <p:embeddedFont>
       <p:font typeface="Calibri Light" panose="020F0302020204030204" pitchFamily="34" charset="0"/>
-      <p:regular r:id="rId71"/>
-      <p:italic r:id="rId71"/>
+      <p:regular r:id="rId73"/>
+      <p:italic r:id="rId73"/>
     </p:embeddedFont>
     <p:embeddedFont>
       <p:font typeface="Marvel" pitchFamily="2" charset="0"/>
-      <p:regular r:id="rId71"/>
+      <p:regular r:id="rId73"/>
     </p:embeddedFont>
     <p:embeddedFont>
       <p:font typeface="Ubuntu" panose="020B0504030602030204" pitchFamily="34" charset="0"/>
-      <p:regular r:id="rId71"/>
-      <p:bold r:id="rId71"/>
-      <p:italic r:id="rId71"/>
-      <p:boldItalic r:id="rId71"/>
+      <p:regular r:id="rId73"/>
+      <p:bold r:id="rId73"/>
+      <p:italic r:id="rId73"/>
+      <p:boldItalic r:id="rId73"/>
     </p:embeddedFont>
     <p:embeddedFont>
       <p:font typeface="Ubuntu Light" panose="020B0304030602030204" pitchFamily="34" charset="0"/>
-      <p:regular r:id="rId71"/>
-      <p:italic r:id="rId71"/>
+      <p:regular r:id="rId73"/>
+      <p:italic r:id="rId73"/>
     </p:embeddedFont>
   </p:embeddedFontLst>
   <p:defaultTextStyle>
@@ -934,7 +936,7 @@
           <a:p>
             <a:fld id="{240114D0-54EC-2541-891C-414F49E4331F}" type="slidenum">
               <a:rPr lang="en-NL" smtClean="0"/>
-              <a:t>67</a:t>
+              <a:t>69</a:t>
             </a:fld>
             <a:endParaRPr lang="en-NL"/>
           </a:p>
@@ -5950,7 +5952,7 @@
             <a:p>
               <a:pPr algn="ctr"/>
               <a:r>
-                <a:rPr lang="en-GB" sz="5000" b="1">
+                <a:rPr lang="en-GB" sz="5000" b="1" dirty="0">
                   <a:solidFill>
                     <a:schemeClr val="bg1"/>
                   </a:solidFill>
@@ -5962,7 +5964,7 @@
             <a:p>
               <a:pPr algn="ctr"/>
               <a:r>
-                <a:rPr lang="en-GB" sz="5000" b="1">
+                <a:rPr lang="en-GB" sz="5000" b="1" dirty="0">
                   <a:solidFill>
                     <a:schemeClr val="bg1"/>
                   </a:solidFill>
@@ -9543,6 +9545,1494 @@
           <p:cNvPr id="4" name="Rounded Rectangle 3">
             <a:extLst>
               <a:ext uri="{FF2B5EF4-FFF2-40B4-BE49-F238E27FC236}">
+                <a16:creationId xmlns:a16="http://schemas.microsoft.com/office/drawing/2014/main" id="{09B185FE-3AE0-CE40-B1F3-D555FE49D8BB}"/>
+              </a:ext>
+            </a:extLst>
+          </p:cNvPr>
+          <p:cNvSpPr/>
+          <p:nvPr/>
+        </p:nvSpPr>
+        <p:spPr>
+          <a:xfrm>
+            <a:off x="-1" y="0"/>
+            <a:ext cx="7559675" cy="5327650"/>
+          </a:xfrm>
+          <a:prstGeom prst="roundRect">
+            <a:avLst>
+              <a:gd name="adj" fmla="val 0"/>
+            </a:avLst>
+          </a:prstGeom>
+          <a:solidFill>
+            <a:schemeClr val="accent6">
+              <a:lumMod val="50000"/>
+            </a:schemeClr>
+          </a:solidFill>
+          <a:ln>
+            <a:noFill/>
+          </a:ln>
+        </p:spPr>
+        <p:style>
+          <a:lnRef idx="2">
+            <a:schemeClr val="accent1">
+              <a:shade val="50000"/>
+            </a:schemeClr>
+          </a:lnRef>
+          <a:fillRef idx="1">
+            <a:schemeClr val="accent1"/>
+          </a:fillRef>
+          <a:effectRef idx="0">
+            <a:schemeClr val="accent1"/>
+          </a:effectRef>
+          <a:fontRef idx="minor">
+            <a:schemeClr val="lt1"/>
+          </a:fontRef>
+        </p:style>
+        <p:txBody>
+          <a:bodyPr rtlCol="0" anchor="ctr"/>
+          <a:lstStyle/>
+          <a:p>
+            <a:pPr algn="ctr"/>
+            <a:endParaRPr lang="en-NL"/>
+          </a:p>
+        </p:txBody>
+      </p:sp>
+      <p:grpSp>
+        <p:nvGrpSpPr>
+          <p:cNvPr id="2" name="Group 1">
+            <a:extLst>
+              <a:ext uri="{FF2B5EF4-FFF2-40B4-BE49-F238E27FC236}">
+                <a16:creationId xmlns:a16="http://schemas.microsoft.com/office/drawing/2014/main" id="{8311C672-BAD9-D34A-A5E4-8584946AEAE2}"/>
+              </a:ext>
+            </a:extLst>
+          </p:cNvPr>
+          <p:cNvGrpSpPr/>
+          <p:nvPr/>
+        </p:nvGrpSpPr>
+        <p:grpSpPr>
+          <a:xfrm>
+            <a:off x="883470" y="1512188"/>
+            <a:ext cx="5792732" cy="2303274"/>
+            <a:chOff x="883470" y="1463944"/>
+            <a:chExt cx="5792732" cy="2303274"/>
+          </a:xfrm>
+        </p:grpSpPr>
+        <p:sp>
+          <p:nvSpPr>
+            <p:cNvPr id="6" name="TextBox 5">
+              <a:extLst>
+                <a:ext uri="{FF2B5EF4-FFF2-40B4-BE49-F238E27FC236}">
+                  <a16:creationId xmlns:a16="http://schemas.microsoft.com/office/drawing/2014/main" id="{009EAD6C-D563-D744-AFCA-AE8CA95E6630}"/>
+                </a:ext>
+              </a:extLst>
+            </p:cNvPr>
+            <p:cNvSpPr txBox="1"/>
+            <p:nvPr/>
+          </p:nvSpPr>
+          <p:spPr>
+            <a:xfrm>
+              <a:off x="883470" y="1463944"/>
+              <a:ext cx="5792732" cy="1631216"/>
+            </a:xfrm>
+            <a:prstGeom prst="rect">
+              <a:avLst/>
+            </a:prstGeom>
+            <a:noFill/>
+          </p:spPr>
+          <p:txBody>
+            <a:bodyPr wrap="square" rtlCol="0">
+              <a:spAutoFit/>
+            </a:bodyPr>
+            <a:lstStyle/>
+            <a:p>
+              <a:pPr algn="ctr"/>
+              <a:r>
+                <a:rPr lang="en-GB" sz="5000" b="1">
+                  <a:solidFill>
+                    <a:schemeClr val="bg1"/>
+                  </a:solidFill>
+                  <a:latin typeface="Ubuntu" panose="020B0504030602030204" pitchFamily="34" charset="0"/>
+                </a:rPr>
+                <a:t> Lead Time </a:t>
+              </a:r>
+            </a:p>
+            <a:p>
+              <a:pPr algn="ctr"/>
+              <a:r>
+                <a:rPr lang="en-GB" sz="5000" b="1">
+                  <a:solidFill>
+                    <a:schemeClr val="bg1"/>
+                  </a:solidFill>
+                  <a:latin typeface="Ubuntu" panose="020B0504030602030204" pitchFamily="34" charset="0"/>
+                </a:rPr>
+                <a:t>for Changes</a:t>
+              </a:r>
+              <a:endParaRPr lang="en-NL" sz="5000" b="1" dirty="0">
+                <a:solidFill>
+                  <a:schemeClr val="bg1"/>
+                </a:solidFill>
+                <a:latin typeface="Ubuntu" panose="020B0504030602030204" pitchFamily="34" charset="0"/>
+              </a:endParaRPr>
+            </a:p>
+          </p:txBody>
+        </p:sp>
+        <p:sp>
+          <p:nvSpPr>
+            <p:cNvPr id="10" name="Diamond 9">
+              <a:extLst>
+                <a:ext uri="{FF2B5EF4-FFF2-40B4-BE49-F238E27FC236}">
+                  <a16:creationId xmlns:a16="http://schemas.microsoft.com/office/drawing/2014/main" id="{BF9EC923-CD52-C143-91C2-D0C47844DA3B}"/>
+                </a:ext>
+              </a:extLst>
+            </p:cNvPr>
+            <p:cNvSpPr/>
+            <p:nvPr/>
+          </p:nvSpPr>
+          <p:spPr>
+            <a:xfrm>
+              <a:off x="2854907" y="3217028"/>
+              <a:ext cx="550190" cy="550190"/>
+            </a:xfrm>
+            <a:prstGeom prst="diamond">
+              <a:avLst/>
+            </a:prstGeom>
+            <a:solidFill>
+              <a:schemeClr val="bg1"/>
+            </a:solidFill>
+            <a:ln>
+              <a:solidFill>
+                <a:schemeClr val="bg1"/>
+              </a:solidFill>
+            </a:ln>
+          </p:spPr>
+          <p:style>
+            <a:lnRef idx="2">
+              <a:schemeClr val="accent1">
+                <a:shade val="50000"/>
+              </a:schemeClr>
+            </a:lnRef>
+            <a:fillRef idx="1">
+              <a:schemeClr val="accent1"/>
+            </a:fillRef>
+            <a:effectRef idx="0">
+              <a:schemeClr val="accent1"/>
+            </a:effectRef>
+            <a:fontRef idx="minor">
+              <a:schemeClr val="lt1"/>
+            </a:fontRef>
+          </p:style>
+          <p:txBody>
+            <a:bodyPr rtlCol="0" anchor="ctr"/>
+            <a:lstStyle/>
+            <a:p>
+              <a:pPr algn="ctr"/>
+              <a:endParaRPr lang="en-NL"/>
+            </a:p>
+          </p:txBody>
+        </p:sp>
+        <p:sp>
+          <p:nvSpPr>
+            <p:cNvPr id="11" name="Diamond 10">
+              <a:extLst>
+                <a:ext uri="{FF2B5EF4-FFF2-40B4-BE49-F238E27FC236}">
+                  <a16:creationId xmlns:a16="http://schemas.microsoft.com/office/drawing/2014/main" id="{111DB0A3-F75A-2748-9280-944CA77FD465}"/>
+                </a:ext>
+              </a:extLst>
+            </p:cNvPr>
+            <p:cNvSpPr/>
+            <p:nvPr/>
+          </p:nvSpPr>
+          <p:spPr>
+            <a:xfrm>
+              <a:off x="3504741" y="3207256"/>
+              <a:ext cx="550190" cy="550190"/>
+            </a:xfrm>
+            <a:prstGeom prst="diamond">
+              <a:avLst/>
+            </a:prstGeom>
+            <a:solidFill>
+              <a:schemeClr val="bg1"/>
+            </a:solidFill>
+            <a:ln>
+              <a:solidFill>
+                <a:schemeClr val="bg1"/>
+              </a:solidFill>
+            </a:ln>
+          </p:spPr>
+          <p:style>
+            <a:lnRef idx="2">
+              <a:schemeClr val="accent1">
+                <a:shade val="50000"/>
+              </a:schemeClr>
+            </a:lnRef>
+            <a:fillRef idx="1">
+              <a:schemeClr val="accent1"/>
+            </a:fillRef>
+            <a:effectRef idx="0">
+              <a:schemeClr val="accent1"/>
+            </a:effectRef>
+            <a:fontRef idx="minor">
+              <a:schemeClr val="lt1"/>
+            </a:fontRef>
+          </p:style>
+          <p:txBody>
+            <a:bodyPr rtlCol="0" anchor="ctr"/>
+            <a:lstStyle/>
+            <a:p>
+              <a:pPr algn="ctr"/>
+              <a:endParaRPr lang="en-NL"/>
+            </a:p>
+          </p:txBody>
+        </p:sp>
+        <p:sp>
+          <p:nvSpPr>
+            <p:cNvPr id="12" name="Diamond 11">
+              <a:extLst>
+                <a:ext uri="{FF2B5EF4-FFF2-40B4-BE49-F238E27FC236}">
+                  <a16:creationId xmlns:a16="http://schemas.microsoft.com/office/drawing/2014/main" id="{6EFDAF4A-11F8-4547-896A-43CC96CEB33D}"/>
+                </a:ext>
+              </a:extLst>
+            </p:cNvPr>
+            <p:cNvSpPr/>
+            <p:nvPr/>
+          </p:nvSpPr>
+          <p:spPr>
+            <a:xfrm>
+              <a:off x="4154575" y="3207256"/>
+              <a:ext cx="550190" cy="550190"/>
+            </a:xfrm>
+            <a:prstGeom prst="diamond">
+              <a:avLst/>
+            </a:prstGeom>
+            <a:solidFill>
+              <a:schemeClr val="bg1"/>
+            </a:solidFill>
+            <a:ln>
+              <a:solidFill>
+                <a:schemeClr val="bg1"/>
+              </a:solidFill>
+            </a:ln>
+          </p:spPr>
+          <p:style>
+            <a:lnRef idx="2">
+              <a:schemeClr val="accent1">
+                <a:shade val="50000"/>
+              </a:schemeClr>
+            </a:lnRef>
+            <a:fillRef idx="1">
+              <a:schemeClr val="accent1"/>
+            </a:fillRef>
+            <a:effectRef idx="0">
+              <a:schemeClr val="accent1"/>
+            </a:effectRef>
+            <a:fontRef idx="minor">
+              <a:schemeClr val="lt1"/>
+            </a:fontRef>
+          </p:style>
+          <p:txBody>
+            <a:bodyPr rtlCol="0" anchor="ctr"/>
+            <a:lstStyle/>
+            <a:p>
+              <a:pPr algn="ctr"/>
+              <a:endParaRPr lang="en-NL"/>
+            </a:p>
+          </p:txBody>
+        </p:sp>
+      </p:grpSp>
+    </p:spTree>
+    <p:extLst>
+      <p:ext uri="{BB962C8B-B14F-4D97-AF65-F5344CB8AC3E}">
+        <p14:creationId xmlns:p14="http://schemas.microsoft.com/office/powerpoint/2010/main" val="2299964044"/>
+      </p:ext>
+    </p:extLst>
+  </p:cSld>
+  <p:clrMapOvr>
+    <a:masterClrMapping/>
+  </p:clrMapOvr>
+</p:sld>
+</file>
+
+<file path=ppt/slides/slide3.xml><?xml version="1.0" encoding="utf-8"?>
+<p:sld xmlns:a="http://schemas.openxmlformats.org/drawingml/2006/main" xmlns:r="http://schemas.openxmlformats.org/officeDocument/2006/relationships" xmlns:p="http://schemas.openxmlformats.org/presentationml/2006/main">
+  <p:cSld>
+    <p:spTree>
+      <p:nvGrpSpPr>
+        <p:cNvPr id="1" name=""/>
+        <p:cNvGrpSpPr/>
+        <p:nvPr/>
+      </p:nvGrpSpPr>
+      <p:grpSpPr>
+        <a:xfrm>
+          <a:off x="0" y="0"/>
+          <a:ext cx="0" cy="0"/>
+          <a:chOff x="0" y="0"/>
+          <a:chExt cx="0" cy="0"/>
+        </a:xfrm>
+      </p:grpSpPr>
+      <p:sp>
+        <p:nvSpPr>
+          <p:cNvPr id="14" name="Rounded Rectangle 13">
+            <a:extLst>
+              <a:ext uri="{FF2B5EF4-FFF2-40B4-BE49-F238E27FC236}">
+                <a16:creationId xmlns:a16="http://schemas.microsoft.com/office/drawing/2014/main" id="{D8656E71-C2B4-0F4F-93C2-2FE01E15243E}"/>
+              </a:ext>
+            </a:extLst>
+          </p:cNvPr>
+          <p:cNvSpPr/>
+          <p:nvPr/>
+        </p:nvSpPr>
+        <p:spPr>
+          <a:xfrm>
+            <a:off x="0" y="0"/>
+            <a:ext cx="7559675" cy="5327650"/>
+          </a:xfrm>
+          <a:prstGeom prst="roundRect">
+            <a:avLst>
+              <a:gd name="adj" fmla="val 0"/>
+            </a:avLst>
+          </a:prstGeom>
+          <a:solidFill>
+            <a:srgbClr val="DE8445"/>
+          </a:solidFill>
+          <a:ln>
+            <a:noFill/>
+          </a:ln>
+        </p:spPr>
+        <p:style>
+          <a:lnRef idx="2">
+            <a:schemeClr val="accent1">
+              <a:shade val="50000"/>
+            </a:schemeClr>
+          </a:lnRef>
+          <a:fillRef idx="1">
+            <a:schemeClr val="accent1"/>
+          </a:fillRef>
+          <a:effectRef idx="0">
+            <a:schemeClr val="accent1"/>
+          </a:effectRef>
+          <a:fontRef idx="minor">
+            <a:schemeClr val="lt1"/>
+          </a:fontRef>
+        </p:style>
+        <p:txBody>
+          <a:bodyPr rtlCol="0" anchor="ctr"/>
+          <a:lstStyle/>
+          <a:p>
+            <a:pPr algn="ctr"/>
+            <a:r>
+              <a:rPr lang="en-GB" dirty="0"/>
+              <a:t>Reveals the value that the product delivers to customers, today</a:t>
+            </a:r>
+            <a:endParaRPr lang="en-NL" dirty="0"/>
+          </a:p>
+        </p:txBody>
+      </p:sp>
+      <p:sp>
+        <p:nvSpPr>
+          <p:cNvPr id="15" name="Rectangle 14">
+            <a:extLst>
+              <a:ext uri="{FF2B5EF4-FFF2-40B4-BE49-F238E27FC236}">
+                <a16:creationId xmlns:a16="http://schemas.microsoft.com/office/drawing/2014/main" id="{F07C9767-773C-644A-A638-0001139EE025}"/>
+              </a:ext>
+            </a:extLst>
+          </p:cNvPr>
+          <p:cNvSpPr/>
+          <p:nvPr/>
+        </p:nvSpPr>
+        <p:spPr>
+          <a:xfrm>
+            <a:off x="654576" y="629685"/>
+            <a:ext cx="6326488" cy="3992292"/>
+          </a:xfrm>
+          <a:prstGeom prst="rect">
+            <a:avLst/>
+          </a:prstGeom>
+          <a:blipFill>
+            <a:blip r:embed="rId2"/>
+            <a:stretch>
+              <a:fillRect/>
+            </a:stretch>
+          </a:blipFill>
+          <a:ln w="76200">
+            <a:solidFill>
+              <a:schemeClr val="tx1"/>
+            </a:solidFill>
+          </a:ln>
+        </p:spPr>
+        <p:style>
+          <a:lnRef idx="2">
+            <a:schemeClr val="accent1">
+              <a:shade val="50000"/>
+            </a:schemeClr>
+          </a:lnRef>
+          <a:fillRef idx="1">
+            <a:schemeClr val="accent1"/>
+          </a:fillRef>
+          <a:effectRef idx="0">
+            <a:schemeClr val="accent1"/>
+          </a:effectRef>
+          <a:fontRef idx="minor">
+            <a:schemeClr val="lt1"/>
+          </a:fontRef>
+        </p:style>
+        <p:txBody>
+          <a:bodyPr rtlCol="0" anchor="ctr"/>
+          <a:lstStyle/>
+          <a:p>
+            <a:endParaRPr lang="en-NL" sz="9600">
+              <a:latin typeface="Marvel" pitchFamily="2" charset="0"/>
+            </a:endParaRPr>
+          </a:p>
+        </p:txBody>
+      </p:sp>
+      <p:sp>
+        <p:nvSpPr>
+          <p:cNvPr id="17" name="TextBox 16">
+            <a:extLst>
+              <a:ext uri="{FF2B5EF4-FFF2-40B4-BE49-F238E27FC236}">
+                <a16:creationId xmlns:a16="http://schemas.microsoft.com/office/drawing/2014/main" id="{E287ED43-6E86-FA4F-94F4-5B177664B785}"/>
+              </a:ext>
+            </a:extLst>
+          </p:cNvPr>
+          <p:cNvSpPr txBox="1"/>
+          <p:nvPr/>
+        </p:nvSpPr>
+        <p:spPr>
+          <a:xfrm>
+            <a:off x="1092134" y="1887167"/>
+            <a:ext cx="5451371" cy="1477328"/>
+          </a:xfrm>
+          <a:prstGeom prst="rect">
+            <a:avLst/>
+          </a:prstGeom>
+          <a:noFill/>
+        </p:spPr>
+        <p:txBody>
+          <a:bodyPr wrap="square" rtlCol="0">
+            <a:spAutoFit/>
+          </a:bodyPr>
+          <a:lstStyle/>
+          <a:p>
+            <a:pPr algn="ctr"/>
+            <a:r>
+              <a:rPr lang="en-NL" sz="9000" dirty="0">
+                <a:latin typeface="Marvel" pitchFamily="2" charset="0"/>
+              </a:rPr>
+              <a:t>CURRENT VALUE</a:t>
+            </a:r>
+          </a:p>
+        </p:txBody>
+      </p:sp>
+      <p:sp>
+        <p:nvSpPr>
+          <p:cNvPr id="2" name="TextBox 1">
+            <a:extLst>
+              <a:ext uri="{FF2B5EF4-FFF2-40B4-BE49-F238E27FC236}">
+                <a16:creationId xmlns:a16="http://schemas.microsoft.com/office/drawing/2014/main" id="{40491A28-9097-6F43-9DB2-81A447868F1E}"/>
+              </a:ext>
+            </a:extLst>
+          </p:cNvPr>
+          <p:cNvSpPr txBox="1"/>
+          <p:nvPr/>
+        </p:nvSpPr>
+        <p:spPr>
+          <a:xfrm>
+            <a:off x="2527241" y="3029919"/>
+            <a:ext cx="2581155" cy="246221"/>
+          </a:xfrm>
+          <a:prstGeom prst="rect">
+            <a:avLst/>
+          </a:prstGeom>
+          <a:noFill/>
+        </p:spPr>
+        <p:txBody>
+          <a:bodyPr wrap="none" rtlCol="0">
+            <a:spAutoFit/>
+          </a:bodyPr>
+          <a:lstStyle/>
+          <a:p>
+            <a:pPr algn="ctr"/>
+            <a:r>
+              <a:rPr lang="en-GB" sz="1000" dirty="0">
+                <a:solidFill>
+                  <a:schemeClr val="bg1">
+                    <a:lumMod val="50000"/>
+                  </a:schemeClr>
+                </a:solidFill>
+                <a:latin typeface="Ubuntu" panose="020B0504030602030204" pitchFamily="34" charset="0"/>
+              </a:rPr>
+              <a:t>The value that the product delivers today</a:t>
+            </a:r>
+            <a:endParaRPr lang="en-NL" sz="1000" dirty="0">
+              <a:solidFill>
+                <a:schemeClr val="bg1">
+                  <a:lumMod val="50000"/>
+                </a:schemeClr>
+              </a:solidFill>
+              <a:latin typeface="Ubuntu" panose="020B0504030602030204" pitchFamily="34" charset="0"/>
+            </a:endParaRPr>
+          </a:p>
+        </p:txBody>
+      </p:sp>
+      <p:sp>
+        <p:nvSpPr>
+          <p:cNvPr id="9" name="Rounded Rectangle 8">
+            <a:extLst>
+              <a:ext uri="{FF2B5EF4-FFF2-40B4-BE49-F238E27FC236}">
+                <a16:creationId xmlns:a16="http://schemas.microsoft.com/office/drawing/2014/main" id="{80A414F0-FCE5-2E45-A339-248A82CA3769}"/>
+              </a:ext>
+            </a:extLst>
+          </p:cNvPr>
+          <p:cNvSpPr/>
+          <p:nvPr/>
+        </p:nvSpPr>
+        <p:spPr>
+          <a:xfrm>
+            <a:off x="-205353" y="769750"/>
+            <a:ext cx="410705" cy="410705"/>
+          </a:xfrm>
+          <a:prstGeom prst="roundRect">
+            <a:avLst/>
+          </a:prstGeom>
+          <a:solidFill>
+            <a:schemeClr val="bg2"/>
+          </a:solidFill>
+          <a:ln>
+            <a:solidFill>
+              <a:schemeClr val="bg2"/>
+            </a:solidFill>
+          </a:ln>
+        </p:spPr>
+        <p:style>
+          <a:lnRef idx="2">
+            <a:schemeClr val="accent1">
+              <a:shade val="50000"/>
+            </a:schemeClr>
+          </a:lnRef>
+          <a:fillRef idx="1">
+            <a:schemeClr val="accent1"/>
+          </a:fillRef>
+          <a:effectRef idx="0">
+            <a:schemeClr val="accent1"/>
+          </a:effectRef>
+          <a:fontRef idx="minor">
+            <a:schemeClr val="lt1"/>
+          </a:fontRef>
+        </p:style>
+        <p:txBody>
+          <a:bodyPr rtlCol="0" anchor="ctr"/>
+          <a:lstStyle/>
+          <a:p>
+            <a:pPr algn="ctr"/>
+            <a:endParaRPr lang="en-NL"/>
+          </a:p>
+        </p:txBody>
+      </p:sp>
+      <p:sp>
+        <p:nvSpPr>
+          <p:cNvPr id="10" name="Rounded Rectangle 9">
+            <a:extLst>
+              <a:ext uri="{FF2B5EF4-FFF2-40B4-BE49-F238E27FC236}">
+                <a16:creationId xmlns:a16="http://schemas.microsoft.com/office/drawing/2014/main" id="{2333F93C-0F67-C146-84E2-9B869646EE60}"/>
+              </a:ext>
+            </a:extLst>
+          </p:cNvPr>
+          <p:cNvSpPr/>
+          <p:nvPr/>
+        </p:nvSpPr>
+        <p:spPr>
+          <a:xfrm>
+            <a:off x="-186093" y="1325099"/>
+            <a:ext cx="410705" cy="410705"/>
+          </a:xfrm>
+          <a:prstGeom prst="roundRect">
+            <a:avLst/>
+          </a:prstGeom>
+          <a:solidFill>
+            <a:schemeClr val="bg2"/>
+          </a:solidFill>
+          <a:ln>
+            <a:solidFill>
+              <a:schemeClr val="bg2"/>
+            </a:solidFill>
+          </a:ln>
+        </p:spPr>
+        <p:style>
+          <a:lnRef idx="2">
+            <a:schemeClr val="accent1">
+              <a:shade val="50000"/>
+            </a:schemeClr>
+          </a:lnRef>
+          <a:fillRef idx="1">
+            <a:schemeClr val="accent1"/>
+          </a:fillRef>
+          <a:effectRef idx="0">
+            <a:schemeClr val="accent1"/>
+          </a:effectRef>
+          <a:fontRef idx="minor">
+            <a:schemeClr val="lt1"/>
+          </a:fontRef>
+        </p:style>
+        <p:txBody>
+          <a:bodyPr rtlCol="0" anchor="ctr"/>
+          <a:lstStyle/>
+          <a:p>
+            <a:pPr algn="ctr"/>
+            <a:endParaRPr lang="en-NL"/>
+          </a:p>
+        </p:txBody>
+      </p:sp>
+      <p:sp>
+        <p:nvSpPr>
+          <p:cNvPr id="11" name="Rounded Rectangle 10">
+            <a:extLst>
+              <a:ext uri="{FF2B5EF4-FFF2-40B4-BE49-F238E27FC236}">
+                <a16:creationId xmlns:a16="http://schemas.microsoft.com/office/drawing/2014/main" id="{AA9F6613-2A28-7048-A742-95677A05CBD2}"/>
+              </a:ext>
+            </a:extLst>
+          </p:cNvPr>
+          <p:cNvSpPr/>
+          <p:nvPr/>
+        </p:nvSpPr>
+        <p:spPr>
+          <a:xfrm>
+            <a:off x="-205353" y="1880462"/>
+            <a:ext cx="410705" cy="410705"/>
+          </a:xfrm>
+          <a:prstGeom prst="roundRect">
+            <a:avLst/>
+          </a:prstGeom>
+          <a:solidFill>
+            <a:schemeClr val="bg2"/>
+          </a:solidFill>
+          <a:ln>
+            <a:solidFill>
+              <a:schemeClr val="bg2"/>
+            </a:solidFill>
+          </a:ln>
+        </p:spPr>
+        <p:style>
+          <a:lnRef idx="2">
+            <a:schemeClr val="accent1">
+              <a:shade val="50000"/>
+            </a:schemeClr>
+          </a:lnRef>
+          <a:fillRef idx="1">
+            <a:schemeClr val="accent1"/>
+          </a:fillRef>
+          <a:effectRef idx="0">
+            <a:schemeClr val="accent1"/>
+          </a:effectRef>
+          <a:fontRef idx="minor">
+            <a:schemeClr val="lt1"/>
+          </a:fontRef>
+        </p:style>
+        <p:txBody>
+          <a:bodyPr rtlCol="0" anchor="ctr"/>
+          <a:lstStyle/>
+          <a:p>
+            <a:pPr algn="ctr"/>
+            <a:endParaRPr lang="en-NL"/>
+          </a:p>
+        </p:txBody>
+      </p:sp>
+      <p:sp>
+        <p:nvSpPr>
+          <p:cNvPr id="12" name="Rounded Rectangle 11">
+            <a:extLst>
+              <a:ext uri="{FF2B5EF4-FFF2-40B4-BE49-F238E27FC236}">
+                <a16:creationId xmlns:a16="http://schemas.microsoft.com/office/drawing/2014/main" id="{2035461B-5D95-774C-8E4D-3CB256D762EA}"/>
+              </a:ext>
+            </a:extLst>
+          </p:cNvPr>
+          <p:cNvSpPr/>
+          <p:nvPr/>
+        </p:nvSpPr>
+        <p:spPr>
+          <a:xfrm>
+            <a:off x="-228076" y="2435818"/>
+            <a:ext cx="410705" cy="410705"/>
+          </a:xfrm>
+          <a:prstGeom prst="roundRect">
+            <a:avLst/>
+          </a:prstGeom>
+          <a:solidFill>
+            <a:schemeClr val="bg2"/>
+          </a:solidFill>
+          <a:ln>
+            <a:solidFill>
+              <a:schemeClr val="bg2"/>
+            </a:solidFill>
+          </a:ln>
+        </p:spPr>
+        <p:style>
+          <a:lnRef idx="2">
+            <a:schemeClr val="accent1">
+              <a:shade val="50000"/>
+            </a:schemeClr>
+          </a:lnRef>
+          <a:fillRef idx="1">
+            <a:schemeClr val="accent1"/>
+          </a:fillRef>
+          <a:effectRef idx="0">
+            <a:schemeClr val="accent1"/>
+          </a:effectRef>
+          <a:fontRef idx="minor">
+            <a:schemeClr val="lt1"/>
+          </a:fontRef>
+        </p:style>
+        <p:txBody>
+          <a:bodyPr rtlCol="0" anchor="ctr"/>
+          <a:lstStyle/>
+          <a:p>
+            <a:pPr algn="ctr"/>
+            <a:endParaRPr lang="en-NL"/>
+          </a:p>
+        </p:txBody>
+      </p:sp>
+      <p:sp>
+        <p:nvSpPr>
+          <p:cNvPr id="13" name="Rounded Rectangle 12">
+            <a:extLst>
+              <a:ext uri="{FF2B5EF4-FFF2-40B4-BE49-F238E27FC236}">
+                <a16:creationId xmlns:a16="http://schemas.microsoft.com/office/drawing/2014/main" id="{F78111FD-544B-3749-B4C7-6C0601A72685}"/>
+              </a:ext>
+            </a:extLst>
+          </p:cNvPr>
+          <p:cNvSpPr/>
+          <p:nvPr/>
+        </p:nvSpPr>
+        <p:spPr>
+          <a:xfrm>
+            <a:off x="-199978" y="2991174"/>
+            <a:ext cx="410705" cy="410705"/>
+          </a:xfrm>
+          <a:prstGeom prst="roundRect">
+            <a:avLst/>
+          </a:prstGeom>
+          <a:solidFill>
+            <a:schemeClr val="bg2"/>
+          </a:solidFill>
+          <a:ln>
+            <a:solidFill>
+              <a:schemeClr val="bg2"/>
+            </a:solidFill>
+          </a:ln>
+        </p:spPr>
+        <p:style>
+          <a:lnRef idx="2">
+            <a:schemeClr val="accent1">
+              <a:shade val="50000"/>
+            </a:schemeClr>
+          </a:lnRef>
+          <a:fillRef idx="1">
+            <a:schemeClr val="accent1"/>
+          </a:fillRef>
+          <a:effectRef idx="0">
+            <a:schemeClr val="accent1"/>
+          </a:effectRef>
+          <a:fontRef idx="minor">
+            <a:schemeClr val="lt1"/>
+          </a:fontRef>
+        </p:style>
+        <p:txBody>
+          <a:bodyPr rtlCol="0" anchor="ctr"/>
+          <a:lstStyle/>
+          <a:p>
+            <a:pPr algn="ctr"/>
+            <a:endParaRPr lang="en-NL"/>
+          </a:p>
+        </p:txBody>
+      </p:sp>
+      <p:sp>
+        <p:nvSpPr>
+          <p:cNvPr id="16" name="Rounded Rectangle 15">
+            <a:extLst>
+              <a:ext uri="{FF2B5EF4-FFF2-40B4-BE49-F238E27FC236}">
+                <a16:creationId xmlns:a16="http://schemas.microsoft.com/office/drawing/2014/main" id="{74B1E9C1-F51F-E349-A7D6-273F919A86DE}"/>
+              </a:ext>
+            </a:extLst>
+          </p:cNvPr>
+          <p:cNvSpPr/>
+          <p:nvPr/>
+        </p:nvSpPr>
+        <p:spPr>
+          <a:xfrm>
+            <a:off x="-205353" y="3546530"/>
+            <a:ext cx="410705" cy="410705"/>
+          </a:xfrm>
+          <a:prstGeom prst="roundRect">
+            <a:avLst/>
+          </a:prstGeom>
+          <a:solidFill>
+            <a:schemeClr val="bg2"/>
+          </a:solidFill>
+          <a:ln>
+            <a:solidFill>
+              <a:schemeClr val="bg2"/>
+            </a:solidFill>
+          </a:ln>
+        </p:spPr>
+        <p:style>
+          <a:lnRef idx="2">
+            <a:schemeClr val="accent1">
+              <a:shade val="50000"/>
+            </a:schemeClr>
+          </a:lnRef>
+          <a:fillRef idx="1">
+            <a:schemeClr val="accent1"/>
+          </a:fillRef>
+          <a:effectRef idx="0">
+            <a:schemeClr val="accent1"/>
+          </a:effectRef>
+          <a:fontRef idx="minor">
+            <a:schemeClr val="lt1"/>
+          </a:fontRef>
+        </p:style>
+        <p:txBody>
+          <a:bodyPr rtlCol="0" anchor="ctr"/>
+          <a:lstStyle/>
+          <a:p>
+            <a:pPr algn="ctr"/>
+            <a:endParaRPr lang="en-NL"/>
+          </a:p>
+        </p:txBody>
+      </p:sp>
+      <p:sp>
+        <p:nvSpPr>
+          <p:cNvPr id="18" name="Rounded Rectangle 17">
+            <a:extLst>
+              <a:ext uri="{FF2B5EF4-FFF2-40B4-BE49-F238E27FC236}">
+                <a16:creationId xmlns:a16="http://schemas.microsoft.com/office/drawing/2014/main" id="{6BB192FA-7562-6C45-B5B6-0487D9CB90FC}"/>
+              </a:ext>
+            </a:extLst>
+          </p:cNvPr>
+          <p:cNvSpPr/>
+          <p:nvPr/>
+        </p:nvSpPr>
+        <p:spPr>
+          <a:xfrm>
+            <a:off x="-199426" y="4101886"/>
+            <a:ext cx="410705" cy="410705"/>
+          </a:xfrm>
+          <a:prstGeom prst="roundRect">
+            <a:avLst/>
+          </a:prstGeom>
+          <a:solidFill>
+            <a:schemeClr val="bg2"/>
+          </a:solidFill>
+          <a:ln>
+            <a:solidFill>
+              <a:schemeClr val="bg2"/>
+            </a:solidFill>
+          </a:ln>
+        </p:spPr>
+        <p:style>
+          <a:lnRef idx="2">
+            <a:schemeClr val="accent1">
+              <a:shade val="50000"/>
+            </a:schemeClr>
+          </a:lnRef>
+          <a:fillRef idx="1">
+            <a:schemeClr val="accent1"/>
+          </a:fillRef>
+          <a:effectRef idx="0">
+            <a:schemeClr val="accent1"/>
+          </a:effectRef>
+          <a:fontRef idx="minor">
+            <a:schemeClr val="lt1"/>
+          </a:fontRef>
+        </p:style>
+        <p:txBody>
+          <a:bodyPr rtlCol="0" anchor="ctr"/>
+          <a:lstStyle/>
+          <a:p>
+            <a:pPr algn="ctr"/>
+            <a:endParaRPr lang="en-NL"/>
+          </a:p>
+        </p:txBody>
+      </p:sp>
+      <p:sp>
+        <p:nvSpPr>
+          <p:cNvPr id="19" name="Rounded Rectangle 18">
+            <a:extLst>
+              <a:ext uri="{FF2B5EF4-FFF2-40B4-BE49-F238E27FC236}">
+                <a16:creationId xmlns:a16="http://schemas.microsoft.com/office/drawing/2014/main" id="{DFF58212-847B-D248-84DE-5532419AD67A}"/>
+              </a:ext>
+            </a:extLst>
+          </p:cNvPr>
+          <p:cNvSpPr/>
+          <p:nvPr/>
+        </p:nvSpPr>
+        <p:spPr>
+          <a:xfrm>
+            <a:off x="7348208" y="769746"/>
+            <a:ext cx="410705" cy="410705"/>
+          </a:xfrm>
+          <a:prstGeom prst="roundRect">
+            <a:avLst/>
+          </a:prstGeom>
+          <a:solidFill>
+            <a:schemeClr val="bg2"/>
+          </a:solidFill>
+          <a:ln>
+            <a:solidFill>
+              <a:schemeClr val="bg2"/>
+            </a:solidFill>
+          </a:ln>
+        </p:spPr>
+        <p:style>
+          <a:lnRef idx="2">
+            <a:schemeClr val="accent1">
+              <a:shade val="50000"/>
+            </a:schemeClr>
+          </a:lnRef>
+          <a:fillRef idx="1">
+            <a:schemeClr val="accent1"/>
+          </a:fillRef>
+          <a:effectRef idx="0">
+            <a:schemeClr val="accent1"/>
+          </a:effectRef>
+          <a:fontRef idx="minor">
+            <a:schemeClr val="lt1"/>
+          </a:fontRef>
+        </p:style>
+        <p:txBody>
+          <a:bodyPr rtlCol="0" anchor="ctr"/>
+          <a:lstStyle/>
+          <a:p>
+            <a:pPr algn="ctr"/>
+            <a:endParaRPr lang="en-NL"/>
+          </a:p>
+        </p:txBody>
+      </p:sp>
+      <p:sp>
+        <p:nvSpPr>
+          <p:cNvPr id="20" name="Rounded Rectangle 19">
+            <a:extLst>
+              <a:ext uri="{FF2B5EF4-FFF2-40B4-BE49-F238E27FC236}">
+                <a16:creationId xmlns:a16="http://schemas.microsoft.com/office/drawing/2014/main" id="{8C0CF75B-D58A-4840-8464-3D74529F5933}"/>
+              </a:ext>
+            </a:extLst>
+          </p:cNvPr>
+          <p:cNvSpPr/>
+          <p:nvPr/>
+        </p:nvSpPr>
+        <p:spPr>
+          <a:xfrm>
+            <a:off x="7348208" y="1325100"/>
+            <a:ext cx="410705" cy="410705"/>
+          </a:xfrm>
+          <a:prstGeom prst="roundRect">
+            <a:avLst/>
+          </a:prstGeom>
+          <a:solidFill>
+            <a:schemeClr val="bg2"/>
+          </a:solidFill>
+          <a:ln>
+            <a:solidFill>
+              <a:schemeClr val="bg2"/>
+            </a:solidFill>
+          </a:ln>
+        </p:spPr>
+        <p:style>
+          <a:lnRef idx="2">
+            <a:schemeClr val="accent1">
+              <a:shade val="50000"/>
+            </a:schemeClr>
+          </a:lnRef>
+          <a:fillRef idx="1">
+            <a:schemeClr val="accent1"/>
+          </a:fillRef>
+          <a:effectRef idx="0">
+            <a:schemeClr val="accent1"/>
+          </a:effectRef>
+          <a:fontRef idx="minor">
+            <a:schemeClr val="lt1"/>
+          </a:fontRef>
+        </p:style>
+        <p:txBody>
+          <a:bodyPr rtlCol="0" anchor="ctr"/>
+          <a:lstStyle/>
+          <a:p>
+            <a:pPr algn="ctr"/>
+            <a:endParaRPr lang="en-NL"/>
+          </a:p>
+        </p:txBody>
+      </p:sp>
+      <p:sp>
+        <p:nvSpPr>
+          <p:cNvPr id="21" name="Rounded Rectangle 20">
+            <a:extLst>
+              <a:ext uri="{FF2B5EF4-FFF2-40B4-BE49-F238E27FC236}">
+                <a16:creationId xmlns:a16="http://schemas.microsoft.com/office/drawing/2014/main" id="{66339E88-CF46-694D-8472-C7F78C4EBDDB}"/>
+              </a:ext>
+            </a:extLst>
+          </p:cNvPr>
+          <p:cNvSpPr/>
+          <p:nvPr/>
+        </p:nvSpPr>
+        <p:spPr>
+          <a:xfrm>
+            <a:off x="7348396" y="1880460"/>
+            <a:ext cx="410705" cy="410705"/>
+          </a:xfrm>
+          <a:prstGeom prst="roundRect">
+            <a:avLst/>
+          </a:prstGeom>
+          <a:solidFill>
+            <a:schemeClr val="bg2"/>
+          </a:solidFill>
+          <a:ln>
+            <a:solidFill>
+              <a:schemeClr val="bg2"/>
+            </a:solidFill>
+          </a:ln>
+        </p:spPr>
+        <p:style>
+          <a:lnRef idx="2">
+            <a:schemeClr val="accent1">
+              <a:shade val="50000"/>
+            </a:schemeClr>
+          </a:lnRef>
+          <a:fillRef idx="1">
+            <a:schemeClr val="accent1"/>
+          </a:fillRef>
+          <a:effectRef idx="0">
+            <a:schemeClr val="accent1"/>
+          </a:effectRef>
+          <a:fontRef idx="minor">
+            <a:schemeClr val="lt1"/>
+          </a:fontRef>
+        </p:style>
+        <p:txBody>
+          <a:bodyPr rtlCol="0" anchor="ctr"/>
+          <a:lstStyle/>
+          <a:p>
+            <a:pPr algn="ctr"/>
+            <a:endParaRPr lang="en-NL"/>
+          </a:p>
+        </p:txBody>
+      </p:sp>
+      <p:sp>
+        <p:nvSpPr>
+          <p:cNvPr id="22" name="Rounded Rectangle 21">
+            <a:extLst>
+              <a:ext uri="{FF2B5EF4-FFF2-40B4-BE49-F238E27FC236}">
+                <a16:creationId xmlns:a16="http://schemas.microsoft.com/office/drawing/2014/main" id="{EE08CE49-2BDF-7E47-93A6-34A667AEB601}"/>
+              </a:ext>
+            </a:extLst>
+          </p:cNvPr>
+          <p:cNvSpPr/>
+          <p:nvPr/>
+        </p:nvSpPr>
+        <p:spPr>
+          <a:xfrm>
+            <a:off x="7348208" y="2435817"/>
+            <a:ext cx="410705" cy="410705"/>
+          </a:xfrm>
+          <a:prstGeom prst="roundRect">
+            <a:avLst/>
+          </a:prstGeom>
+          <a:solidFill>
+            <a:schemeClr val="bg2"/>
+          </a:solidFill>
+          <a:ln>
+            <a:solidFill>
+              <a:schemeClr val="bg2"/>
+            </a:solidFill>
+          </a:ln>
+        </p:spPr>
+        <p:style>
+          <a:lnRef idx="2">
+            <a:schemeClr val="accent1">
+              <a:shade val="50000"/>
+            </a:schemeClr>
+          </a:lnRef>
+          <a:fillRef idx="1">
+            <a:schemeClr val="accent1"/>
+          </a:fillRef>
+          <a:effectRef idx="0">
+            <a:schemeClr val="accent1"/>
+          </a:effectRef>
+          <a:fontRef idx="minor">
+            <a:schemeClr val="lt1"/>
+          </a:fontRef>
+        </p:style>
+        <p:txBody>
+          <a:bodyPr rtlCol="0" anchor="ctr"/>
+          <a:lstStyle/>
+          <a:p>
+            <a:pPr algn="ctr"/>
+            <a:endParaRPr lang="en-NL"/>
+          </a:p>
+        </p:txBody>
+      </p:sp>
+      <p:sp>
+        <p:nvSpPr>
+          <p:cNvPr id="23" name="Rounded Rectangle 22">
+            <a:extLst>
+              <a:ext uri="{FF2B5EF4-FFF2-40B4-BE49-F238E27FC236}">
+                <a16:creationId xmlns:a16="http://schemas.microsoft.com/office/drawing/2014/main" id="{0B4B9A8D-960F-1A49-BC4D-3FC55095C91E}"/>
+              </a:ext>
+            </a:extLst>
+          </p:cNvPr>
+          <p:cNvSpPr/>
+          <p:nvPr/>
+        </p:nvSpPr>
+        <p:spPr>
+          <a:xfrm>
+            <a:off x="7348208" y="2991173"/>
+            <a:ext cx="410705" cy="410705"/>
+          </a:xfrm>
+          <a:prstGeom prst="roundRect">
+            <a:avLst/>
+          </a:prstGeom>
+          <a:solidFill>
+            <a:schemeClr val="bg2"/>
+          </a:solidFill>
+          <a:ln>
+            <a:solidFill>
+              <a:schemeClr val="bg2"/>
+            </a:solidFill>
+          </a:ln>
+        </p:spPr>
+        <p:style>
+          <a:lnRef idx="2">
+            <a:schemeClr val="accent1">
+              <a:shade val="50000"/>
+            </a:schemeClr>
+          </a:lnRef>
+          <a:fillRef idx="1">
+            <a:schemeClr val="accent1"/>
+          </a:fillRef>
+          <a:effectRef idx="0">
+            <a:schemeClr val="accent1"/>
+          </a:effectRef>
+          <a:fontRef idx="minor">
+            <a:schemeClr val="lt1"/>
+          </a:fontRef>
+        </p:style>
+        <p:txBody>
+          <a:bodyPr rtlCol="0" anchor="ctr"/>
+          <a:lstStyle/>
+          <a:p>
+            <a:pPr algn="ctr"/>
+            <a:endParaRPr lang="en-NL"/>
+          </a:p>
+        </p:txBody>
+      </p:sp>
+      <p:sp>
+        <p:nvSpPr>
+          <p:cNvPr id="24" name="Rounded Rectangle 23">
+            <a:extLst>
+              <a:ext uri="{FF2B5EF4-FFF2-40B4-BE49-F238E27FC236}">
+                <a16:creationId xmlns:a16="http://schemas.microsoft.com/office/drawing/2014/main" id="{90B90E96-DA65-3844-A895-A8E4275F2E9E}"/>
+              </a:ext>
+            </a:extLst>
+          </p:cNvPr>
+          <p:cNvSpPr/>
+          <p:nvPr/>
+        </p:nvSpPr>
+        <p:spPr>
+          <a:xfrm>
+            <a:off x="7348208" y="3546526"/>
+            <a:ext cx="410705" cy="410705"/>
+          </a:xfrm>
+          <a:prstGeom prst="roundRect">
+            <a:avLst/>
+          </a:prstGeom>
+          <a:solidFill>
+            <a:schemeClr val="bg2"/>
+          </a:solidFill>
+          <a:ln>
+            <a:solidFill>
+              <a:schemeClr val="bg2"/>
+            </a:solidFill>
+          </a:ln>
+        </p:spPr>
+        <p:style>
+          <a:lnRef idx="2">
+            <a:schemeClr val="accent1">
+              <a:shade val="50000"/>
+            </a:schemeClr>
+          </a:lnRef>
+          <a:fillRef idx="1">
+            <a:schemeClr val="accent1"/>
+          </a:fillRef>
+          <a:effectRef idx="0">
+            <a:schemeClr val="accent1"/>
+          </a:effectRef>
+          <a:fontRef idx="minor">
+            <a:schemeClr val="lt1"/>
+          </a:fontRef>
+        </p:style>
+        <p:txBody>
+          <a:bodyPr rtlCol="0" anchor="ctr"/>
+          <a:lstStyle/>
+          <a:p>
+            <a:pPr algn="ctr"/>
+            <a:endParaRPr lang="en-NL"/>
+          </a:p>
+        </p:txBody>
+      </p:sp>
+      <p:sp>
+        <p:nvSpPr>
+          <p:cNvPr id="25" name="Rounded Rectangle 24">
+            <a:extLst>
+              <a:ext uri="{FF2B5EF4-FFF2-40B4-BE49-F238E27FC236}">
+                <a16:creationId xmlns:a16="http://schemas.microsoft.com/office/drawing/2014/main" id="{5950A2A1-25A0-624E-8059-D651F019971A}"/>
+              </a:ext>
+            </a:extLst>
+          </p:cNvPr>
+          <p:cNvSpPr/>
+          <p:nvPr/>
+        </p:nvSpPr>
+        <p:spPr>
+          <a:xfrm>
+            <a:off x="7348207" y="4101879"/>
+            <a:ext cx="410705" cy="410705"/>
+          </a:xfrm>
+          <a:prstGeom prst="roundRect">
+            <a:avLst/>
+          </a:prstGeom>
+          <a:solidFill>
+            <a:schemeClr val="bg2"/>
+          </a:solidFill>
+          <a:ln>
+            <a:solidFill>
+              <a:schemeClr val="bg2"/>
+            </a:solidFill>
+          </a:ln>
+        </p:spPr>
+        <p:style>
+          <a:lnRef idx="2">
+            <a:schemeClr val="accent1">
+              <a:shade val="50000"/>
+            </a:schemeClr>
+          </a:lnRef>
+          <a:fillRef idx="1">
+            <a:schemeClr val="accent1"/>
+          </a:fillRef>
+          <a:effectRef idx="0">
+            <a:schemeClr val="accent1"/>
+          </a:effectRef>
+          <a:fontRef idx="minor">
+            <a:schemeClr val="lt1"/>
+          </a:fontRef>
+        </p:style>
+        <p:txBody>
+          <a:bodyPr rtlCol="0" anchor="ctr"/>
+          <a:lstStyle/>
+          <a:p>
+            <a:pPr algn="ctr"/>
+            <a:endParaRPr lang="en-NL"/>
+          </a:p>
+        </p:txBody>
+      </p:sp>
+    </p:spTree>
+    <p:extLst>
+      <p:ext uri="{BB962C8B-B14F-4D97-AF65-F5344CB8AC3E}">
+        <p14:creationId xmlns:p14="http://schemas.microsoft.com/office/powerpoint/2010/main" val="2955084820"/>
+      </p:ext>
+    </p:extLst>
+  </p:cSld>
+  <p:clrMapOvr>
+    <a:masterClrMapping/>
+  </p:clrMapOvr>
+</p:sld>
+</file>
+
+<file path=ppt/slides/slide30.xml><?xml version="1.0" encoding="utf-8"?>
+<p:sld xmlns:a="http://schemas.openxmlformats.org/drawingml/2006/main" xmlns:r="http://schemas.openxmlformats.org/officeDocument/2006/relationships" xmlns:p="http://schemas.openxmlformats.org/presentationml/2006/main">
+  <p:cSld>
+    <p:spTree>
+      <p:nvGrpSpPr>
+        <p:cNvPr id="1" name=""/>
+        <p:cNvGrpSpPr/>
+        <p:nvPr/>
+      </p:nvGrpSpPr>
+      <p:grpSpPr>
+        <a:xfrm>
+          <a:off x="0" y="0"/>
+          <a:ext cx="0" cy="0"/>
+          <a:chOff x="0" y="0"/>
+          <a:chExt cx="0" cy="0"/>
+        </a:xfrm>
+      </p:grpSpPr>
+      <p:sp>
+        <p:nvSpPr>
+          <p:cNvPr id="2" name="Title 1">
+            <a:extLst>
+              <a:ext uri="{FF2B5EF4-FFF2-40B4-BE49-F238E27FC236}">
+                <a16:creationId xmlns:a16="http://schemas.microsoft.com/office/drawing/2014/main" id="{CFCDF3DA-1D3D-E743-8E21-6B353B4D96A4}"/>
+              </a:ext>
+            </a:extLst>
+          </p:cNvPr>
+          <p:cNvSpPr>
+            <a:spLocks noGrp="1"/>
+          </p:cNvSpPr>
+          <p:nvPr>
+            <p:ph type="title"/>
+          </p:nvPr>
+        </p:nvSpPr>
+        <p:spPr/>
+        <p:txBody>
+          <a:bodyPr/>
+          <a:lstStyle/>
+          <a:p>
+            <a:endParaRPr lang="en-NL"/>
+          </a:p>
+        </p:txBody>
+      </p:sp>
+      <p:sp>
+        <p:nvSpPr>
+          <p:cNvPr id="3" name="Content Placeholder 2">
+            <a:extLst>
+              <a:ext uri="{FF2B5EF4-FFF2-40B4-BE49-F238E27FC236}">
+                <a16:creationId xmlns:a16="http://schemas.microsoft.com/office/drawing/2014/main" id="{40A525DA-CA85-AD48-8A85-52A75E1E5317}"/>
+              </a:ext>
+            </a:extLst>
+          </p:cNvPr>
+          <p:cNvSpPr>
+            <a:spLocks noGrp="1"/>
+          </p:cNvSpPr>
+          <p:nvPr>
+            <p:ph idx="1"/>
+          </p:nvPr>
+        </p:nvSpPr>
+        <p:spPr/>
+        <p:txBody>
+          <a:bodyPr/>
+          <a:lstStyle/>
+          <a:p>
+            <a:endParaRPr lang="en-NL"/>
+          </a:p>
+        </p:txBody>
+      </p:sp>
+      <p:sp>
+        <p:nvSpPr>
+          <p:cNvPr id="4" name="Rounded Rectangle 3">
+            <a:extLst>
+              <a:ext uri="{FF2B5EF4-FFF2-40B4-BE49-F238E27FC236}">
+                <a16:creationId xmlns:a16="http://schemas.microsoft.com/office/drawing/2014/main" id="{6B890BB6-3544-1A4E-A833-93135A597BB4}"/>
+              </a:ext>
+            </a:extLst>
+          </p:cNvPr>
+          <p:cNvSpPr/>
+          <p:nvPr/>
+        </p:nvSpPr>
+        <p:spPr>
+          <a:xfrm>
+            <a:off x="0" y="0"/>
+            <a:ext cx="7559675" cy="5327650"/>
+          </a:xfrm>
+          <a:prstGeom prst="roundRect">
+            <a:avLst>
+              <a:gd name="adj" fmla="val 0"/>
+            </a:avLst>
+          </a:prstGeom>
+          <a:blipFill>
+            <a:blip r:embed="rId2"/>
+            <a:stretch>
+              <a:fillRect/>
+            </a:stretch>
+          </a:blipFill>
+          <a:ln>
+            <a:solidFill>
+              <a:schemeClr val="bg2"/>
+            </a:solidFill>
+          </a:ln>
+        </p:spPr>
+        <p:style>
+          <a:lnRef idx="2">
+            <a:schemeClr val="accent1">
+              <a:shade val="50000"/>
+            </a:schemeClr>
+          </a:lnRef>
+          <a:fillRef idx="1">
+            <a:schemeClr val="accent1"/>
+          </a:fillRef>
+          <a:effectRef idx="0">
+            <a:schemeClr val="accent1"/>
+          </a:effectRef>
+          <a:fontRef idx="minor">
+            <a:schemeClr val="lt1"/>
+          </a:fontRef>
+        </p:style>
+        <p:txBody>
+          <a:bodyPr rtlCol="0" anchor="ctr"/>
+          <a:lstStyle/>
+          <a:p>
+            <a:pPr algn="ctr"/>
+            <a:endParaRPr lang="en-NL"/>
+          </a:p>
+        </p:txBody>
+      </p:sp>
+      <p:pic>
+        <p:nvPicPr>
+          <p:cNvPr id="5" name="Picture 4" descr="A picture containing food, drawing&#10;&#10;Description automatically generated">
+            <a:extLst>
+              <a:ext uri="{FF2B5EF4-FFF2-40B4-BE49-F238E27FC236}">
+                <a16:creationId xmlns:a16="http://schemas.microsoft.com/office/drawing/2014/main" id="{27611709-3190-2A4B-BCE4-4D329000A8EB}"/>
+              </a:ext>
+            </a:extLst>
+          </p:cNvPr>
+          <p:cNvPicPr>
+            <a:picLocks noChangeAspect="1"/>
+          </p:cNvPicPr>
+          <p:nvPr/>
+        </p:nvPicPr>
+        <p:blipFill>
+          <a:blip r:embed="rId3"/>
+          <a:stretch>
+            <a:fillRect/>
+          </a:stretch>
+        </p:blipFill>
+        <p:spPr>
+          <a:xfrm>
+            <a:off x="350837" y="-765175"/>
+            <a:ext cx="6858000" cy="6858000"/>
+          </a:xfrm>
+          <a:prstGeom prst="rect">
+            <a:avLst/>
+          </a:prstGeom>
+        </p:spPr>
+      </p:pic>
+    </p:spTree>
+    <p:extLst>
+      <p:ext uri="{BB962C8B-B14F-4D97-AF65-F5344CB8AC3E}">
+        <p14:creationId xmlns:p14="http://schemas.microsoft.com/office/powerpoint/2010/main" val="105422063"/>
+      </p:ext>
+    </p:extLst>
+  </p:cSld>
+  <p:clrMapOvr>
+    <a:masterClrMapping/>
+  </p:clrMapOvr>
+</p:sld>
+</file>
+
+<file path=ppt/slides/slide31.xml><?xml version="1.0" encoding="utf-8"?>
+<p:sld xmlns:a="http://schemas.openxmlformats.org/drawingml/2006/main" xmlns:r="http://schemas.openxmlformats.org/officeDocument/2006/relationships" xmlns:p="http://schemas.openxmlformats.org/presentationml/2006/main">
+  <p:cSld>
+    <p:spTree>
+      <p:nvGrpSpPr>
+        <p:cNvPr id="1" name=""/>
+        <p:cNvGrpSpPr/>
+        <p:nvPr/>
+      </p:nvGrpSpPr>
+      <p:grpSpPr>
+        <a:xfrm>
+          <a:off x="0" y="0"/>
+          <a:ext cx="0" cy="0"/>
+          <a:chOff x="0" y="0"/>
+          <a:chExt cx="0" cy="0"/>
+        </a:xfrm>
+      </p:grpSpPr>
+      <p:sp>
+        <p:nvSpPr>
+          <p:cNvPr id="4" name="Rounded Rectangle 3">
+            <a:extLst>
+              <a:ext uri="{FF2B5EF4-FFF2-40B4-BE49-F238E27FC236}">
                 <a16:creationId xmlns:a16="http://schemas.microsoft.com/office/drawing/2014/main" id="{6F0B7119-46D6-934D-A10A-C31C38512583}"/>
               </a:ext>
             </a:extLst>
@@ -9843,998 +11333,7 @@
 </p:sld>
 </file>
 
-<file path=ppt/slides/slide3.xml><?xml version="1.0" encoding="utf-8"?>
-<p:sld xmlns:a="http://schemas.openxmlformats.org/drawingml/2006/main" xmlns:r="http://schemas.openxmlformats.org/officeDocument/2006/relationships" xmlns:p="http://schemas.openxmlformats.org/presentationml/2006/main">
-  <p:cSld>
-    <p:spTree>
-      <p:nvGrpSpPr>
-        <p:cNvPr id="1" name=""/>
-        <p:cNvGrpSpPr/>
-        <p:nvPr/>
-      </p:nvGrpSpPr>
-      <p:grpSpPr>
-        <a:xfrm>
-          <a:off x="0" y="0"/>
-          <a:ext cx="0" cy="0"/>
-          <a:chOff x="0" y="0"/>
-          <a:chExt cx="0" cy="0"/>
-        </a:xfrm>
-      </p:grpSpPr>
-      <p:sp>
-        <p:nvSpPr>
-          <p:cNvPr id="14" name="Rounded Rectangle 13">
-            <a:extLst>
-              <a:ext uri="{FF2B5EF4-FFF2-40B4-BE49-F238E27FC236}">
-                <a16:creationId xmlns:a16="http://schemas.microsoft.com/office/drawing/2014/main" id="{D8656E71-C2B4-0F4F-93C2-2FE01E15243E}"/>
-              </a:ext>
-            </a:extLst>
-          </p:cNvPr>
-          <p:cNvSpPr/>
-          <p:nvPr/>
-        </p:nvSpPr>
-        <p:spPr>
-          <a:xfrm>
-            <a:off x="0" y="0"/>
-            <a:ext cx="7559675" cy="5327650"/>
-          </a:xfrm>
-          <a:prstGeom prst="roundRect">
-            <a:avLst>
-              <a:gd name="adj" fmla="val 0"/>
-            </a:avLst>
-          </a:prstGeom>
-          <a:solidFill>
-            <a:srgbClr val="DE8445"/>
-          </a:solidFill>
-          <a:ln>
-            <a:noFill/>
-          </a:ln>
-        </p:spPr>
-        <p:style>
-          <a:lnRef idx="2">
-            <a:schemeClr val="accent1">
-              <a:shade val="50000"/>
-            </a:schemeClr>
-          </a:lnRef>
-          <a:fillRef idx="1">
-            <a:schemeClr val="accent1"/>
-          </a:fillRef>
-          <a:effectRef idx="0">
-            <a:schemeClr val="accent1"/>
-          </a:effectRef>
-          <a:fontRef idx="minor">
-            <a:schemeClr val="lt1"/>
-          </a:fontRef>
-        </p:style>
-        <p:txBody>
-          <a:bodyPr rtlCol="0" anchor="ctr"/>
-          <a:lstStyle/>
-          <a:p>
-            <a:pPr algn="ctr"/>
-            <a:r>
-              <a:rPr lang="en-GB" dirty="0"/>
-              <a:t>Reveals the value that the product delivers to customers, today</a:t>
-            </a:r>
-            <a:endParaRPr lang="en-NL" dirty="0"/>
-          </a:p>
-        </p:txBody>
-      </p:sp>
-      <p:sp>
-        <p:nvSpPr>
-          <p:cNvPr id="15" name="Rectangle 14">
-            <a:extLst>
-              <a:ext uri="{FF2B5EF4-FFF2-40B4-BE49-F238E27FC236}">
-                <a16:creationId xmlns:a16="http://schemas.microsoft.com/office/drawing/2014/main" id="{F07C9767-773C-644A-A638-0001139EE025}"/>
-              </a:ext>
-            </a:extLst>
-          </p:cNvPr>
-          <p:cNvSpPr/>
-          <p:nvPr/>
-        </p:nvSpPr>
-        <p:spPr>
-          <a:xfrm>
-            <a:off x="654576" y="629685"/>
-            <a:ext cx="6326488" cy="3992292"/>
-          </a:xfrm>
-          <a:prstGeom prst="rect">
-            <a:avLst/>
-          </a:prstGeom>
-          <a:blipFill>
-            <a:blip r:embed="rId2"/>
-            <a:stretch>
-              <a:fillRect/>
-            </a:stretch>
-          </a:blipFill>
-          <a:ln w="76200">
-            <a:solidFill>
-              <a:schemeClr val="tx1"/>
-            </a:solidFill>
-          </a:ln>
-        </p:spPr>
-        <p:style>
-          <a:lnRef idx="2">
-            <a:schemeClr val="accent1">
-              <a:shade val="50000"/>
-            </a:schemeClr>
-          </a:lnRef>
-          <a:fillRef idx="1">
-            <a:schemeClr val="accent1"/>
-          </a:fillRef>
-          <a:effectRef idx="0">
-            <a:schemeClr val="accent1"/>
-          </a:effectRef>
-          <a:fontRef idx="minor">
-            <a:schemeClr val="lt1"/>
-          </a:fontRef>
-        </p:style>
-        <p:txBody>
-          <a:bodyPr rtlCol="0" anchor="ctr"/>
-          <a:lstStyle/>
-          <a:p>
-            <a:endParaRPr lang="en-NL" sz="9600">
-              <a:latin typeface="Marvel" pitchFamily="2" charset="0"/>
-            </a:endParaRPr>
-          </a:p>
-        </p:txBody>
-      </p:sp>
-      <p:sp>
-        <p:nvSpPr>
-          <p:cNvPr id="17" name="TextBox 16">
-            <a:extLst>
-              <a:ext uri="{FF2B5EF4-FFF2-40B4-BE49-F238E27FC236}">
-                <a16:creationId xmlns:a16="http://schemas.microsoft.com/office/drawing/2014/main" id="{E287ED43-6E86-FA4F-94F4-5B177664B785}"/>
-              </a:ext>
-            </a:extLst>
-          </p:cNvPr>
-          <p:cNvSpPr txBox="1"/>
-          <p:nvPr/>
-        </p:nvSpPr>
-        <p:spPr>
-          <a:xfrm>
-            <a:off x="1092134" y="1887167"/>
-            <a:ext cx="5451371" cy="1477328"/>
-          </a:xfrm>
-          <a:prstGeom prst="rect">
-            <a:avLst/>
-          </a:prstGeom>
-          <a:noFill/>
-        </p:spPr>
-        <p:txBody>
-          <a:bodyPr wrap="square" rtlCol="0">
-            <a:spAutoFit/>
-          </a:bodyPr>
-          <a:lstStyle/>
-          <a:p>
-            <a:pPr algn="ctr"/>
-            <a:r>
-              <a:rPr lang="en-NL" sz="9000" dirty="0">
-                <a:latin typeface="Marvel" pitchFamily="2" charset="0"/>
-              </a:rPr>
-              <a:t>CURRENT VALUE</a:t>
-            </a:r>
-          </a:p>
-        </p:txBody>
-      </p:sp>
-      <p:sp>
-        <p:nvSpPr>
-          <p:cNvPr id="2" name="TextBox 1">
-            <a:extLst>
-              <a:ext uri="{FF2B5EF4-FFF2-40B4-BE49-F238E27FC236}">
-                <a16:creationId xmlns:a16="http://schemas.microsoft.com/office/drawing/2014/main" id="{40491A28-9097-6F43-9DB2-81A447868F1E}"/>
-              </a:ext>
-            </a:extLst>
-          </p:cNvPr>
-          <p:cNvSpPr txBox="1"/>
-          <p:nvPr/>
-        </p:nvSpPr>
-        <p:spPr>
-          <a:xfrm>
-            <a:off x="2527241" y="3029919"/>
-            <a:ext cx="2581155" cy="246221"/>
-          </a:xfrm>
-          <a:prstGeom prst="rect">
-            <a:avLst/>
-          </a:prstGeom>
-          <a:noFill/>
-        </p:spPr>
-        <p:txBody>
-          <a:bodyPr wrap="none" rtlCol="0">
-            <a:spAutoFit/>
-          </a:bodyPr>
-          <a:lstStyle/>
-          <a:p>
-            <a:pPr algn="ctr"/>
-            <a:r>
-              <a:rPr lang="en-GB" sz="1000" dirty="0">
-                <a:solidFill>
-                  <a:schemeClr val="bg1">
-                    <a:lumMod val="50000"/>
-                  </a:schemeClr>
-                </a:solidFill>
-                <a:latin typeface="Ubuntu" panose="020B0504030602030204" pitchFamily="34" charset="0"/>
-              </a:rPr>
-              <a:t>The value that the product delivers today</a:t>
-            </a:r>
-            <a:endParaRPr lang="en-NL" sz="1000" dirty="0">
-              <a:solidFill>
-                <a:schemeClr val="bg1">
-                  <a:lumMod val="50000"/>
-                </a:schemeClr>
-              </a:solidFill>
-              <a:latin typeface="Ubuntu" panose="020B0504030602030204" pitchFamily="34" charset="0"/>
-            </a:endParaRPr>
-          </a:p>
-        </p:txBody>
-      </p:sp>
-      <p:sp>
-        <p:nvSpPr>
-          <p:cNvPr id="9" name="Rounded Rectangle 8">
-            <a:extLst>
-              <a:ext uri="{FF2B5EF4-FFF2-40B4-BE49-F238E27FC236}">
-                <a16:creationId xmlns:a16="http://schemas.microsoft.com/office/drawing/2014/main" id="{80A414F0-FCE5-2E45-A339-248A82CA3769}"/>
-              </a:ext>
-            </a:extLst>
-          </p:cNvPr>
-          <p:cNvSpPr/>
-          <p:nvPr/>
-        </p:nvSpPr>
-        <p:spPr>
-          <a:xfrm>
-            <a:off x="-205353" y="769750"/>
-            <a:ext cx="410705" cy="410705"/>
-          </a:xfrm>
-          <a:prstGeom prst="roundRect">
-            <a:avLst/>
-          </a:prstGeom>
-          <a:solidFill>
-            <a:schemeClr val="bg2"/>
-          </a:solidFill>
-          <a:ln>
-            <a:solidFill>
-              <a:schemeClr val="bg2"/>
-            </a:solidFill>
-          </a:ln>
-        </p:spPr>
-        <p:style>
-          <a:lnRef idx="2">
-            <a:schemeClr val="accent1">
-              <a:shade val="50000"/>
-            </a:schemeClr>
-          </a:lnRef>
-          <a:fillRef idx="1">
-            <a:schemeClr val="accent1"/>
-          </a:fillRef>
-          <a:effectRef idx="0">
-            <a:schemeClr val="accent1"/>
-          </a:effectRef>
-          <a:fontRef idx="minor">
-            <a:schemeClr val="lt1"/>
-          </a:fontRef>
-        </p:style>
-        <p:txBody>
-          <a:bodyPr rtlCol="0" anchor="ctr"/>
-          <a:lstStyle/>
-          <a:p>
-            <a:pPr algn="ctr"/>
-            <a:endParaRPr lang="en-NL"/>
-          </a:p>
-        </p:txBody>
-      </p:sp>
-      <p:sp>
-        <p:nvSpPr>
-          <p:cNvPr id="10" name="Rounded Rectangle 9">
-            <a:extLst>
-              <a:ext uri="{FF2B5EF4-FFF2-40B4-BE49-F238E27FC236}">
-                <a16:creationId xmlns:a16="http://schemas.microsoft.com/office/drawing/2014/main" id="{2333F93C-0F67-C146-84E2-9B869646EE60}"/>
-              </a:ext>
-            </a:extLst>
-          </p:cNvPr>
-          <p:cNvSpPr/>
-          <p:nvPr/>
-        </p:nvSpPr>
-        <p:spPr>
-          <a:xfrm>
-            <a:off x="-186093" y="1325099"/>
-            <a:ext cx="410705" cy="410705"/>
-          </a:xfrm>
-          <a:prstGeom prst="roundRect">
-            <a:avLst/>
-          </a:prstGeom>
-          <a:solidFill>
-            <a:schemeClr val="bg2"/>
-          </a:solidFill>
-          <a:ln>
-            <a:solidFill>
-              <a:schemeClr val="bg2"/>
-            </a:solidFill>
-          </a:ln>
-        </p:spPr>
-        <p:style>
-          <a:lnRef idx="2">
-            <a:schemeClr val="accent1">
-              <a:shade val="50000"/>
-            </a:schemeClr>
-          </a:lnRef>
-          <a:fillRef idx="1">
-            <a:schemeClr val="accent1"/>
-          </a:fillRef>
-          <a:effectRef idx="0">
-            <a:schemeClr val="accent1"/>
-          </a:effectRef>
-          <a:fontRef idx="minor">
-            <a:schemeClr val="lt1"/>
-          </a:fontRef>
-        </p:style>
-        <p:txBody>
-          <a:bodyPr rtlCol="0" anchor="ctr"/>
-          <a:lstStyle/>
-          <a:p>
-            <a:pPr algn="ctr"/>
-            <a:endParaRPr lang="en-NL"/>
-          </a:p>
-        </p:txBody>
-      </p:sp>
-      <p:sp>
-        <p:nvSpPr>
-          <p:cNvPr id="11" name="Rounded Rectangle 10">
-            <a:extLst>
-              <a:ext uri="{FF2B5EF4-FFF2-40B4-BE49-F238E27FC236}">
-                <a16:creationId xmlns:a16="http://schemas.microsoft.com/office/drawing/2014/main" id="{AA9F6613-2A28-7048-A742-95677A05CBD2}"/>
-              </a:ext>
-            </a:extLst>
-          </p:cNvPr>
-          <p:cNvSpPr/>
-          <p:nvPr/>
-        </p:nvSpPr>
-        <p:spPr>
-          <a:xfrm>
-            <a:off x="-205353" y="1880462"/>
-            <a:ext cx="410705" cy="410705"/>
-          </a:xfrm>
-          <a:prstGeom prst="roundRect">
-            <a:avLst/>
-          </a:prstGeom>
-          <a:solidFill>
-            <a:schemeClr val="bg2"/>
-          </a:solidFill>
-          <a:ln>
-            <a:solidFill>
-              <a:schemeClr val="bg2"/>
-            </a:solidFill>
-          </a:ln>
-        </p:spPr>
-        <p:style>
-          <a:lnRef idx="2">
-            <a:schemeClr val="accent1">
-              <a:shade val="50000"/>
-            </a:schemeClr>
-          </a:lnRef>
-          <a:fillRef idx="1">
-            <a:schemeClr val="accent1"/>
-          </a:fillRef>
-          <a:effectRef idx="0">
-            <a:schemeClr val="accent1"/>
-          </a:effectRef>
-          <a:fontRef idx="minor">
-            <a:schemeClr val="lt1"/>
-          </a:fontRef>
-        </p:style>
-        <p:txBody>
-          <a:bodyPr rtlCol="0" anchor="ctr"/>
-          <a:lstStyle/>
-          <a:p>
-            <a:pPr algn="ctr"/>
-            <a:endParaRPr lang="en-NL"/>
-          </a:p>
-        </p:txBody>
-      </p:sp>
-      <p:sp>
-        <p:nvSpPr>
-          <p:cNvPr id="12" name="Rounded Rectangle 11">
-            <a:extLst>
-              <a:ext uri="{FF2B5EF4-FFF2-40B4-BE49-F238E27FC236}">
-                <a16:creationId xmlns:a16="http://schemas.microsoft.com/office/drawing/2014/main" id="{2035461B-5D95-774C-8E4D-3CB256D762EA}"/>
-              </a:ext>
-            </a:extLst>
-          </p:cNvPr>
-          <p:cNvSpPr/>
-          <p:nvPr/>
-        </p:nvSpPr>
-        <p:spPr>
-          <a:xfrm>
-            <a:off x="-228076" y="2435818"/>
-            <a:ext cx="410705" cy="410705"/>
-          </a:xfrm>
-          <a:prstGeom prst="roundRect">
-            <a:avLst/>
-          </a:prstGeom>
-          <a:solidFill>
-            <a:schemeClr val="bg2"/>
-          </a:solidFill>
-          <a:ln>
-            <a:solidFill>
-              <a:schemeClr val="bg2"/>
-            </a:solidFill>
-          </a:ln>
-        </p:spPr>
-        <p:style>
-          <a:lnRef idx="2">
-            <a:schemeClr val="accent1">
-              <a:shade val="50000"/>
-            </a:schemeClr>
-          </a:lnRef>
-          <a:fillRef idx="1">
-            <a:schemeClr val="accent1"/>
-          </a:fillRef>
-          <a:effectRef idx="0">
-            <a:schemeClr val="accent1"/>
-          </a:effectRef>
-          <a:fontRef idx="minor">
-            <a:schemeClr val="lt1"/>
-          </a:fontRef>
-        </p:style>
-        <p:txBody>
-          <a:bodyPr rtlCol="0" anchor="ctr"/>
-          <a:lstStyle/>
-          <a:p>
-            <a:pPr algn="ctr"/>
-            <a:endParaRPr lang="en-NL"/>
-          </a:p>
-        </p:txBody>
-      </p:sp>
-      <p:sp>
-        <p:nvSpPr>
-          <p:cNvPr id="13" name="Rounded Rectangle 12">
-            <a:extLst>
-              <a:ext uri="{FF2B5EF4-FFF2-40B4-BE49-F238E27FC236}">
-                <a16:creationId xmlns:a16="http://schemas.microsoft.com/office/drawing/2014/main" id="{F78111FD-544B-3749-B4C7-6C0601A72685}"/>
-              </a:ext>
-            </a:extLst>
-          </p:cNvPr>
-          <p:cNvSpPr/>
-          <p:nvPr/>
-        </p:nvSpPr>
-        <p:spPr>
-          <a:xfrm>
-            <a:off x="-199978" y="2991174"/>
-            <a:ext cx="410705" cy="410705"/>
-          </a:xfrm>
-          <a:prstGeom prst="roundRect">
-            <a:avLst/>
-          </a:prstGeom>
-          <a:solidFill>
-            <a:schemeClr val="bg2"/>
-          </a:solidFill>
-          <a:ln>
-            <a:solidFill>
-              <a:schemeClr val="bg2"/>
-            </a:solidFill>
-          </a:ln>
-        </p:spPr>
-        <p:style>
-          <a:lnRef idx="2">
-            <a:schemeClr val="accent1">
-              <a:shade val="50000"/>
-            </a:schemeClr>
-          </a:lnRef>
-          <a:fillRef idx="1">
-            <a:schemeClr val="accent1"/>
-          </a:fillRef>
-          <a:effectRef idx="0">
-            <a:schemeClr val="accent1"/>
-          </a:effectRef>
-          <a:fontRef idx="minor">
-            <a:schemeClr val="lt1"/>
-          </a:fontRef>
-        </p:style>
-        <p:txBody>
-          <a:bodyPr rtlCol="0" anchor="ctr"/>
-          <a:lstStyle/>
-          <a:p>
-            <a:pPr algn="ctr"/>
-            <a:endParaRPr lang="en-NL"/>
-          </a:p>
-        </p:txBody>
-      </p:sp>
-      <p:sp>
-        <p:nvSpPr>
-          <p:cNvPr id="16" name="Rounded Rectangle 15">
-            <a:extLst>
-              <a:ext uri="{FF2B5EF4-FFF2-40B4-BE49-F238E27FC236}">
-                <a16:creationId xmlns:a16="http://schemas.microsoft.com/office/drawing/2014/main" id="{74B1E9C1-F51F-E349-A7D6-273F919A86DE}"/>
-              </a:ext>
-            </a:extLst>
-          </p:cNvPr>
-          <p:cNvSpPr/>
-          <p:nvPr/>
-        </p:nvSpPr>
-        <p:spPr>
-          <a:xfrm>
-            <a:off x="-205353" y="3546530"/>
-            <a:ext cx="410705" cy="410705"/>
-          </a:xfrm>
-          <a:prstGeom prst="roundRect">
-            <a:avLst/>
-          </a:prstGeom>
-          <a:solidFill>
-            <a:schemeClr val="bg2"/>
-          </a:solidFill>
-          <a:ln>
-            <a:solidFill>
-              <a:schemeClr val="bg2"/>
-            </a:solidFill>
-          </a:ln>
-        </p:spPr>
-        <p:style>
-          <a:lnRef idx="2">
-            <a:schemeClr val="accent1">
-              <a:shade val="50000"/>
-            </a:schemeClr>
-          </a:lnRef>
-          <a:fillRef idx="1">
-            <a:schemeClr val="accent1"/>
-          </a:fillRef>
-          <a:effectRef idx="0">
-            <a:schemeClr val="accent1"/>
-          </a:effectRef>
-          <a:fontRef idx="minor">
-            <a:schemeClr val="lt1"/>
-          </a:fontRef>
-        </p:style>
-        <p:txBody>
-          <a:bodyPr rtlCol="0" anchor="ctr"/>
-          <a:lstStyle/>
-          <a:p>
-            <a:pPr algn="ctr"/>
-            <a:endParaRPr lang="en-NL"/>
-          </a:p>
-        </p:txBody>
-      </p:sp>
-      <p:sp>
-        <p:nvSpPr>
-          <p:cNvPr id="18" name="Rounded Rectangle 17">
-            <a:extLst>
-              <a:ext uri="{FF2B5EF4-FFF2-40B4-BE49-F238E27FC236}">
-                <a16:creationId xmlns:a16="http://schemas.microsoft.com/office/drawing/2014/main" id="{6BB192FA-7562-6C45-B5B6-0487D9CB90FC}"/>
-              </a:ext>
-            </a:extLst>
-          </p:cNvPr>
-          <p:cNvSpPr/>
-          <p:nvPr/>
-        </p:nvSpPr>
-        <p:spPr>
-          <a:xfrm>
-            <a:off x="-199426" y="4101886"/>
-            <a:ext cx="410705" cy="410705"/>
-          </a:xfrm>
-          <a:prstGeom prst="roundRect">
-            <a:avLst/>
-          </a:prstGeom>
-          <a:solidFill>
-            <a:schemeClr val="bg2"/>
-          </a:solidFill>
-          <a:ln>
-            <a:solidFill>
-              <a:schemeClr val="bg2"/>
-            </a:solidFill>
-          </a:ln>
-        </p:spPr>
-        <p:style>
-          <a:lnRef idx="2">
-            <a:schemeClr val="accent1">
-              <a:shade val="50000"/>
-            </a:schemeClr>
-          </a:lnRef>
-          <a:fillRef idx="1">
-            <a:schemeClr val="accent1"/>
-          </a:fillRef>
-          <a:effectRef idx="0">
-            <a:schemeClr val="accent1"/>
-          </a:effectRef>
-          <a:fontRef idx="minor">
-            <a:schemeClr val="lt1"/>
-          </a:fontRef>
-        </p:style>
-        <p:txBody>
-          <a:bodyPr rtlCol="0" anchor="ctr"/>
-          <a:lstStyle/>
-          <a:p>
-            <a:pPr algn="ctr"/>
-            <a:endParaRPr lang="en-NL"/>
-          </a:p>
-        </p:txBody>
-      </p:sp>
-      <p:sp>
-        <p:nvSpPr>
-          <p:cNvPr id="19" name="Rounded Rectangle 18">
-            <a:extLst>
-              <a:ext uri="{FF2B5EF4-FFF2-40B4-BE49-F238E27FC236}">
-                <a16:creationId xmlns:a16="http://schemas.microsoft.com/office/drawing/2014/main" id="{DFF58212-847B-D248-84DE-5532419AD67A}"/>
-              </a:ext>
-            </a:extLst>
-          </p:cNvPr>
-          <p:cNvSpPr/>
-          <p:nvPr/>
-        </p:nvSpPr>
-        <p:spPr>
-          <a:xfrm>
-            <a:off x="7348208" y="769746"/>
-            <a:ext cx="410705" cy="410705"/>
-          </a:xfrm>
-          <a:prstGeom prst="roundRect">
-            <a:avLst/>
-          </a:prstGeom>
-          <a:solidFill>
-            <a:schemeClr val="bg2"/>
-          </a:solidFill>
-          <a:ln>
-            <a:solidFill>
-              <a:schemeClr val="bg2"/>
-            </a:solidFill>
-          </a:ln>
-        </p:spPr>
-        <p:style>
-          <a:lnRef idx="2">
-            <a:schemeClr val="accent1">
-              <a:shade val="50000"/>
-            </a:schemeClr>
-          </a:lnRef>
-          <a:fillRef idx="1">
-            <a:schemeClr val="accent1"/>
-          </a:fillRef>
-          <a:effectRef idx="0">
-            <a:schemeClr val="accent1"/>
-          </a:effectRef>
-          <a:fontRef idx="minor">
-            <a:schemeClr val="lt1"/>
-          </a:fontRef>
-        </p:style>
-        <p:txBody>
-          <a:bodyPr rtlCol="0" anchor="ctr"/>
-          <a:lstStyle/>
-          <a:p>
-            <a:pPr algn="ctr"/>
-            <a:endParaRPr lang="en-NL"/>
-          </a:p>
-        </p:txBody>
-      </p:sp>
-      <p:sp>
-        <p:nvSpPr>
-          <p:cNvPr id="20" name="Rounded Rectangle 19">
-            <a:extLst>
-              <a:ext uri="{FF2B5EF4-FFF2-40B4-BE49-F238E27FC236}">
-                <a16:creationId xmlns:a16="http://schemas.microsoft.com/office/drawing/2014/main" id="{8C0CF75B-D58A-4840-8464-3D74529F5933}"/>
-              </a:ext>
-            </a:extLst>
-          </p:cNvPr>
-          <p:cNvSpPr/>
-          <p:nvPr/>
-        </p:nvSpPr>
-        <p:spPr>
-          <a:xfrm>
-            <a:off x="7348208" y="1325100"/>
-            <a:ext cx="410705" cy="410705"/>
-          </a:xfrm>
-          <a:prstGeom prst="roundRect">
-            <a:avLst/>
-          </a:prstGeom>
-          <a:solidFill>
-            <a:schemeClr val="bg2"/>
-          </a:solidFill>
-          <a:ln>
-            <a:solidFill>
-              <a:schemeClr val="bg2"/>
-            </a:solidFill>
-          </a:ln>
-        </p:spPr>
-        <p:style>
-          <a:lnRef idx="2">
-            <a:schemeClr val="accent1">
-              <a:shade val="50000"/>
-            </a:schemeClr>
-          </a:lnRef>
-          <a:fillRef idx="1">
-            <a:schemeClr val="accent1"/>
-          </a:fillRef>
-          <a:effectRef idx="0">
-            <a:schemeClr val="accent1"/>
-          </a:effectRef>
-          <a:fontRef idx="minor">
-            <a:schemeClr val="lt1"/>
-          </a:fontRef>
-        </p:style>
-        <p:txBody>
-          <a:bodyPr rtlCol="0" anchor="ctr"/>
-          <a:lstStyle/>
-          <a:p>
-            <a:pPr algn="ctr"/>
-            <a:endParaRPr lang="en-NL"/>
-          </a:p>
-        </p:txBody>
-      </p:sp>
-      <p:sp>
-        <p:nvSpPr>
-          <p:cNvPr id="21" name="Rounded Rectangle 20">
-            <a:extLst>
-              <a:ext uri="{FF2B5EF4-FFF2-40B4-BE49-F238E27FC236}">
-                <a16:creationId xmlns:a16="http://schemas.microsoft.com/office/drawing/2014/main" id="{66339E88-CF46-694D-8472-C7F78C4EBDDB}"/>
-              </a:ext>
-            </a:extLst>
-          </p:cNvPr>
-          <p:cNvSpPr/>
-          <p:nvPr/>
-        </p:nvSpPr>
-        <p:spPr>
-          <a:xfrm>
-            <a:off x="7348396" y="1880460"/>
-            <a:ext cx="410705" cy="410705"/>
-          </a:xfrm>
-          <a:prstGeom prst="roundRect">
-            <a:avLst/>
-          </a:prstGeom>
-          <a:solidFill>
-            <a:schemeClr val="bg2"/>
-          </a:solidFill>
-          <a:ln>
-            <a:solidFill>
-              <a:schemeClr val="bg2"/>
-            </a:solidFill>
-          </a:ln>
-        </p:spPr>
-        <p:style>
-          <a:lnRef idx="2">
-            <a:schemeClr val="accent1">
-              <a:shade val="50000"/>
-            </a:schemeClr>
-          </a:lnRef>
-          <a:fillRef idx="1">
-            <a:schemeClr val="accent1"/>
-          </a:fillRef>
-          <a:effectRef idx="0">
-            <a:schemeClr val="accent1"/>
-          </a:effectRef>
-          <a:fontRef idx="minor">
-            <a:schemeClr val="lt1"/>
-          </a:fontRef>
-        </p:style>
-        <p:txBody>
-          <a:bodyPr rtlCol="0" anchor="ctr"/>
-          <a:lstStyle/>
-          <a:p>
-            <a:pPr algn="ctr"/>
-            <a:endParaRPr lang="en-NL"/>
-          </a:p>
-        </p:txBody>
-      </p:sp>
-      <p:sp>
-        <p:nvSpPr>
-          <p:cNvPr id="22" name="Rounded Rectangle 21">
-            <a:extLst>
-              <a:ext uri="{FF2B5EF4-FFF2-40B4-BE49-F238E27FC236}">
-                <a16:creationId xmlns:a16="http://schemas.microsoft.com/office/drawing/2014/main" id="{EE08CE49-2BDF-7E47-93A6-34A667AEB601}"/>
-              </a:ext>
-            </a:extLst>
-          </p:cNvPr>
-          <p:cNvSpPr/>
-          <p:nvPr/>
-        </p:nvSpPr>
-        <p:spPr>
-          <a:xfrm>
-            <a:off x="7348208" y="2435817"/>
-            <a:ext cx="410705" cy="410705"/>
-          </a:xfrm>
-          <a:prstGeom prst="roundRect">
-            <a:avLst/>
-          </a:prstGeom>
-          <a:solidFill>
-            <a:schemeClr val="bg2"/>
-          </a:solidFill>
-          <a:ln>
-            <a:solidFill>
-              <a:schemeClr val="bg2"/>
-            </a:solidFill>
-          </a:ln>
-        </p:spPr>
-        <p:style>
-          <a:lnRef idx="2">
-            <a:schemeClr val="accent1">
-              <a:shade val="50000"/>
-            </a:schemeClr>
-          </a:lnRef>
-          <a:fillRef idx="1">
-            <a:schemeClr val="accent1"/>
-          </a:fillRef>
-          <a:effectRef idx="0">
-            <a:schemeClr val="accent1"/>
-          </a:effectRef>
-          <a:fontRef idx="minor">
-            <a:schemeClr val="lt1"/>
-          </a:fontRef>
-        </p:style>
-        <p:txBody>
-          <a:bodyPr rtlCol="0" anchor="ctr"/>
-          <a:lstStyle/>
-          <a:p>
-            <a:pPr algn="ctr"/>
-            <a:endParaRPr lang="en-NL"/>
-          </a:p>
-        </p:txBody>
-      </p:sp>
-      <p:sp>
-        <p:nvSpPr>
-          <p:cNvPr id="23" name="Rounded Rectangle 22">
-            <a:extLst>
-              <a:ext uri="{FF2B5EF4-FFF2-40B4-BE49-F238E27FC236}">
-                <a16:creationId xmlns:a16="http://schemas.microsoft.com/office/drawing/2014/main" id="{0B4B9A8D-960F-1A49-BC4D-3FC55095C91E}"/>
-              </a:ext>
-            </a:extLst>
-          </p:cNvPr>
-          <p:cNvSpPr/>
-          <p:nvPr/>
-        </p:nvSpPr>
-        <p:spPr>
-          <a:xfrm>
-            <a:off x="7348208" y="2991173"/>
-            <a:ext cx="410705" cy="410705"/>
-          </a:xfrm>
-          <a:prstGeom prst="roundRect">
-            <a:avLst/>
-          </a:prstGeom>
-          <a:solidFill>
-            <a:schemeClr val="bg2"/>
-          </a:solidFill>
-          <a:ln>
-            <a:solidFill>
-              <a:schemeClr val="bg2"/>
-            </a:solidFill>
-          </a:ln>
-        </p:spPr>
-        <p:style>
-          <a:lnRef idx="2">
-            <a:schemeClr val="accent1">
-              <a:shade val="50000"/>
-            </a:schemeClr>
-          </a:lnRef>
-          <a:fillRef idx="1">
-            <a:schemeClr val="accent1"/>
-          </a:fillRef>
-          <a:effectRef idx="0">
-            <a:schemeClr val="accent1"/>
-          </a:effectRef>
-          <a:fontRef idx="minor">
-            <a:schemeClr val="lt1"/>
-          </a:fontRef>
-        </p:style>
-        <p:txBody>
-          <a:bodyPr rtlCol="0" anchor="ctr"/>
-          <a:lstStyle/>
-          <a:p>
-            <a:pPr algn="ctr"/>
-            <a:endParaRPr lang="en-NL"/>
-          </a:p>
-        </p:txBody>
-      </p:sp>
-      <p:sp>
-        <p:nvSpPr>
-          <p:cNvPr id="24" name="Rounded Rectangle 23">
-            <a:extLst>
-              <a:ext uri="{FF2B5EF4-FFF2-40B4-BE49-F238E27FC236}">
-                <a16:creationId xmlns:a16="http://schemas.microsoft.com/office/drawing/2014/main" id="{90B90E96-DA65-3844-A895-A8E4275F2E9E}"/>
-              </a:ext>
-            </a:extLst>
-          </p:cNvPr>
-          <p:cNvSpPr/>
-          <p:nvPr/>
-        </p:nvSpPr>
-        <p:spPr>
-          <a:xfrm>
-            <a:off x="7348208" y="3546526"/>
-            <a:ext cx="410705" cy="410705"/>
-          </a:xfrm>
-          <a:prstGeom prst="roundRect">
-            <a:avLst/>
-          </a:prstGeom>
-          <a:solidFill>
-            <a:schemeClr val="bg2"/>
-          </a:solidFill>
-          <a:ln>
-            <a:solidFill>
-              <a:schemeClr val="bg2"/>
-            </a:solidFill>
-          </a:ln>
-        </p:spPr>
-        <p:style>
-          <a:lnRef idx="2">
-            <a:schemeClr val="accent1">
-              <a:shade val="50000"/>
-            </a:schemeClr>
-          </a:lnRef>
-          <a:fillRef idx="1">
-            <a:schemeClr val="accent1"/>
-          </a:fillRef>
-          <a:effectRef idx="0">
-            <a:schemeClr val="accent1"/>
-          </a:effectRef>
-          <a:fontRef idx="minor">
-            <a:schemeClr val="lt1"/>
-          </a:fontRef>
-        </p:style>
-        <p:txBody>
-          <a:bodyPr rtlCol="0" anchor="ctr"/>
-          <a:lstStyle/>
-          <a:p>
-            <a:pPr algn="ctr"/>
-            <a:endParaRPr lang="en-NL"/>
-          </a:p>
-        </p:txBody>
-      </p:sp>
-      <p:sp>
-        <p:nvSpPr>
-          <p:cNvPr id="25" name="Rounded Rectangle 24">
-            <a:extLst>
-              <a:ext uri="{FF2B5EF4-FFF2-40B4-BE49-F238E27FC236}">
-                <a16:creationId xmlns:a16="http://schemas.microsoft.com/office/drawing/2014/main" id="{5950A2A1-25A0-624E-8059-D651F019971A}"/>
-              </a:ext>
-            </a:extLst>
-          </p:cNvPr>
-          <p:cNvSpPr/>
-          <p:nvPr/>
-        </p:nvSpPr>
-        <p:spPr>
-          <a:xfrm>
-            <a:off x="7348207" y="4101879"/>
-            <a:ext cx="410705" cy="410705"/>
-          </a:xfrm>
-          <a:prstGeom prst="roundRect">
-            <a:avLst/>
-          </a:prstGeom>
-          <a:solidFill>
-            <a:schemeClr val="bg2"/>
-          </a:solidFill>
-          <a:ln>
-            <a:solidFill>
-              <a:schemeClr val="bg2"/>
-            </a:solidFill>
-          </a:ln>
-        </p:spPr>
-        <p:style>
-          <a:lnRef idx="2">
-            <a:schemeClr val="accent1">
-              <a:shade val="50000"/>
-            </a:schemeClr>
-          </a:lnRef>
-          <a:fillRef idx="1">
-            <a:schemeClr val="accent1"/>
-          </a:fillRef>
-          <a:effectRef idx="0">
-            <a:schemeClr val="accent1"/>
-          </a:effectRef>
-          <a:fontRef idx="minor">
-            <a:schemeClr val="lt1"/>
-          </a:fontRef>
-        </p:style>
-        <p:txBody>
-          <a:bodyPr rtlCol="0" anchor="ctr"/>
-          <a:lstStyle/>
-          <a:p>
-            <a:pPr algn="ctr"/>
-            <a:endParaRPr lang="en-NL"/>
-          </a:p>
-        </p:txBody>
-      </p:sp>
-    </p:spTree>
-    <p:extLst>
-      <p:ext uri="{BB962C8B-B14F-4D97-AF65-F5344CB8AC3E}">
-        <p14:creationId xmlns:p14="http://schemas.microsoft.com/office/powerpoint/2010/main" val="2955084820"/>
-      </p:ext>
-    </p:extLst>
-  </p:cSld>
-  <p:clrMapOvr>
-    <a:masterClrMapping/>
-  </p:clrMapOvr>
-</p:sld>
-</file>
-
-<file path=ppt/slides/slide30.xml><?xml version="1.0" encoding="utf-8"?>
+<file path=ppt/slides/slide32.xml><?xml version="1.0" encoding="utf-8"?>
 <p:sld xmlns:a="http://schemas.openxmlformats.org/drawingml/2006/main" xmlns:r="http://schemas.openxmlformats.org/officeDocument/2006/relationships" xmlns:p="http://schemas.openxmlformats.org/presentationml/2006/main">
   <p:cSld>
     <p:spTree>
@@ -11003,7 +11502,7 @@
 </p:sld>
 </file>
 
-<file path=ppt/slides/slide31.xml><?xml version="1.0" encoding="utf-8"?>
+<file path=ppt/slides/slide33.xml><?xml version="1.0" encoding="utf-8"?>
 <p:sld xmlns:a="http://schemas.openxmlformats.org/drawingml/2006/main" xmlns:r="http://schemas.openxmlformats.org/officeDocument/2006/relationships" xmlns:p="http://schemas.openxmlformats.org/presentationml/2006/main">
   <p:cSld>
     <p:spTree>
@@ -11325,7 +11824,7 @@
 </p:sld>
 </file>
 
-<file path=ppt/slides/slide32.xml><?xml version="1.0" encoding="utf-8"?>
+<file path=ppt/slides/slide34.xml><?xml version="1.0" encoding="utf-8"?>
 <p:sld xmlns:a="http://schemas.openxmlformats.org/drawingml/2006/main" xmlns:r="http://schemas.openxmlformats.org/officeDocument/2006/relationships" xmlns:p="http://schemas.openxmlformats.org/presentationml/2006/main">
   <p:cSld>
     <p:spTree>
@@ -11494,7 +11993,7 @@
 </p:sld>
 </file>
 
-<file path=ppt/slides/slide33.xml><?xml version="1.0" encoding="utf-8"?>
+<file path=ppt/slides/slide35.xml><?xml version="1.0" encoding="utf-8"?>
 <p:sld xmlns:a="http://schemas.openxmlformats.org/drawingml/2006/main" xmlns:r="http://schemas.openxmlformats.org/officeDocument/2006/relationships" xmlns:p="http://schemas.openxmlformats.org/presentationml/2006/main">
   <p:cSld>
     <p:spTree>
@@ -11804,7 +12303,7 @@
 </p:sld>
 </file>
 
-<file path=ppt/slides/slide34.xml><?xml version="1.0" encoding="utf-8"?>
+<file path=ppt/slides/slide36.xml><?xml version="1.0" encoding="utf-8"?>
 <p:sld xmlns:a="http://schemas.openxmlformats.org/drawingml/2006/main" xmlns:r="http://schemas.openxmlformats.org/officeDocument/2006/relationships" xmlns:p="http://schemas.openxmlformats.org/presentationml/2006/main">
   <p:cSld>
     <p:spTree>
@@ -11973,7 +12472,7 @@
 </p:sld>
 </file>
 
-<file path=ppt/slides/slide35.xml><?xml version="1.0" encoding="utf-8"?>
+<file path=ppt/slides/slide37.xml><?xml version="1.0" encoding="utf-8"?>
 <p:sld xmlns:a="http://schemas.openxmlformats.org/drawingml/2006/main" xmlns:r="http://schemas.openxmlformats.org/officeDocument/2006/relationships" xmlns:p="http://schemas.openxmlformats.org/presentationml/2006/main">
   <p:cSld>
     <p:spTree>
@@ -12281,7 +12780,7 @@
 </p:sld>
 </file>
 
-<file path=ppt/slides/slide36.xml><?xml version="1.0" encoding="utf-8"?>
+<file path=ppt/slides/slide38.xml><?xml version="1.0" encoding="utf-8"?>
 <p:sld xmlns:a="http://schemas.openxmlformats.org/drawingml/2006/main" xmlns:r="http://schemas.openxmlformats.org/officeDocument/2006/relationships" xmlns:p="http://schemas.openxmlformats.org/presentationml/2006/main">
   <p:cSld>
     <p:spTree>
@@ -12450,7 +12949,7 @@
 </p:sld>
 </file>
 
-<file path=ppt/slides/slide37.xml><?xml version="1.0" encoding="utf-8"?>
+<file path=ppt/slides/slide39.xml><?xml version="1.0" encoding="utf-8"?>
 <p:sld xmlns:a="http://schemas.openxmlformats.org/drawingml/2006/main" xmlns:r="http://schemas.openxmlformats.org/officeDocument/2006/relationships" xmlns:p="http://schemas.openxmlformats.org/presentationml/2006/main">
   <p:cSld>
     <p:spTree>
@@ -12770,7 +13269,7 @@
 </p:sld>
 </file>
 
-<file path=ppt/slides/slide38.xml><?xml version="1.0" encoding="utf-8"?>
+<file path=ppt/slides/slide4.xml><?xml version="1.0" encoding="utf-8"?>
 <p:sld xmlns:a="http://schemas.openxmlformats.org/drawingml/2006/main" xmlns:r="http://schemas.openxmlformats.org/officeDocument/2006/relationships" xmlns:p="http://schemas.openxmlformats.org/presentationml/2006/main">
   <p:cSld>
     <p:spTree>
@@ -12929,6 +13428,175 @@
     </p:spTree>
     <p:extLst>
       <p:ext uri="{BB962C8B-B14F-4D97-AF65-F5344CB8AC3E}">
+        <p14:creationId xmlns:p14="http://schemas.microsoft.com/office/powerpoint/2010/main" val="3385344708"/>
+      </p:ext>
+    </p:extLst>
+  </p:cSld>
+  <p:clrMapOvr>
+    <a:masterClrMapping/>
+  </p:clrMapOvr>
+</p:sld>
+</file>
+
+<file path=ppt/slides/slide40.xml><?xml version="1.0" encoding="utf-8"?>
+<p:sld xmlns:a="http://schemas.openxmlformats.org/drawingml/2006/main" xmlns:r="http://schemas.openxmlformats.org/officeDocument/2006/relationships" xmlns:p="http://schemas.openxmlformats.org/presentationml/2006/main">
+  <p:cSld>
+    <p:spTree>
+      <p:nvGrpSpPr>
+        <p:cNvPr id="1" name=""/>
+        <p:cNvGrpSpPr/>
+        <p:nvPr/>
+      </p:nvGrpSpPr>
+      <p:grpSpPr>
+        <a:xfrm>
+          <a:off x="0" y="0"/>
+          <a:ext cx="0" cy="0"/>
+          <a:chOff x="0" y="0"/>
+          <a:chExt cx="0" cy="0"/>
+        </a:xfrm>
+      </p:grpSpPr>
+      <p:sp>
+        <p:nvSpPr>
+          <p:cNvPr id="2" name="Title 1">
+            <a:extLst>
+              <a:ext uri="{FF2B5EF4-FFF2-40B4-BE49-F238E27FC236}">
+                <a16:creationId xmlns:a16="http://schemas.microsoft.com/office/drawing/2014/main" id="{CFCDF3DA-1D3D-E743-8E21-6B353B4D96A4}"/>
+              </a:ext>
+            </a:extLst>
+          </p:cNvPr>
+          <p:cNvSpPr>
+            <a:spLocks noGrp="1"/>
+          </p:cNvSpPr>
+          <p:nvPr>
+            <p:ph type="title"/>
+          </p:nvPr>
+        </p:nvSpPr>
+        <p:spPr/>
+        <p:txBody>
+          <a:bodyPr/>
+          <a:lstStyle/>
+          <a:p>
+            <a:endParaRPr lang="en-NL"/>
+          </a:p>
+        </p:txBody>
+      </p:sp>
+      <p:sp>
+        <p:nvSpPr>
+          <p:cNvPr id="3" name="Content Placeholder 2">
+            <a:extLst>
+              <a:ext uri="{FF2B5EF4-FFF2-40B4-BE49-F238E27FC236}">
+                <a16:creationId xmlns:a16="http://schemas.microsoft.com/office/drawing/2014/main" id="{40A525DA-CA85-AD48-8A85-52A75E1E5317}"/>
+              </a:ext>
+            </a:extLst>
+          </p:cNvPr>
+          <p:cNvSpPr>
+            <a:spLocks noGrp="1"/>
+          </p:cNvSpPr>
+          <p:nvPr>
+            <p:ph idx="1"/>
+          </p:nvPr>
+        </p:nvSpPr>
+        <p:spPr/>
+        <p:txBody>
+          <a:bodyPr/>
+          <a:lstStyle/>
+          <a:p>
+            <a:endParaRPr lang="en-NL"/>
+          </a:p>
+        </p:txBody>
+      </p:sp>
+      <p:sp>
+        <p:nvSpPr>
+          <p:cNvPr id="4" name="Rounded Rectangle 3">
+            <a:extLst>
+              <a:ext uri="{FF2B5EF4-FFF2-40B4-BE49-F238E27FC236}">
+                <a16:creationId xmlns:a16="http://schemas.microsoft.com/office/drawing/2014/main" id="{6B890BB6-3544-1A4E-A833-93135A597BB4}"/>
+              </a:ext>
+            </a:extLst>
+          </p:cNvPr>
+          <p:cNvSpPr/>
+          <p:nvPr/>
+        </p:nvSpPr>
+        <p:spPr>
+          <a:xfrm>
+            <a:off x="0" y="0"/>
+            <a:ext cx="7559675" cy="5327650"/>
+          </a:xfrm>
+          <a:prstGeom prst="roundRect">
+            <a:avLst>
+              <a:gd name="adj" fmla="val 0"/>
+            </a:avLst>
+          </a:prstGeom>
+          <a:blipFill>
+            <a:blip r:embed="rId2"/>
+            <a:stretch>
+              <a:fillRect/>
+            </a:stretch>
+          </a:blipFill>
+          <a:ln>
+            <a:solidFill>
+              <a:schemeClr val="bg2"/>
+            </a:solidFill>
+          </a:ln>
+        </p:spPr>
+        <p:style>
+          <a:lnRef idx="2">
+            <a:schemeClr val="accent1">
+              <a:shade val="50000"/>
+            </a:schemeClr>
+          </a:lnRef>
+          <a:fillRef idx="1">
+            <a:schemeClr val="accent1"/>
+          </a:fillRef>
+          <a:effectRef idx="0">
+            <a:schemeClr val="accent1"/>
+          </a:effectRef>
+          <a:fontRef idx="minor">
+            <a:schemeClr val="lt1"/>
+          </a:fontRef>
+        </p:style>
+        <p:txBody>
+          <a:bodyPr rtlCol="0" anchor="ctr"/>
+          <a:lstStyle/>
+          <a:p>
+            <a:pPr algn="ctr"/>
+            <a:endParaRPr lang="en-NL"/>
+          </a:p>
+        </p:txBody>
+      </p:sp>
+      <p:pic>
+        <p:nvPicPr>
+          <p:cNvPr id="5" name="Picture 4" descr="A picture containing food, drawing&#10;&#10;Description automatically generated">
+            <a:extLst>
+              <a:ext uri="{FF2B5EF4-FFF2-40B4-BE49-F238E27FC236}">
+                <a16:creationId xmlns:a16="http://schemas.microsoft.com/office/drawing/2014/main" id="{27611709-3190-2A4B-BCE4-4D329000A8EB}"/>
+              </a:ext>
+            </a:extLst>
+          </p:cNvPr>
+          <p:cNvPicPr>
+            <a:picLocks noChangeAspect="1"/>
+          </p:cNvPicPr>
+          <p:nvPr/>
+        </p:nvPicPr>
+        <p:blipFill>
+          <a:blip r:embed="rId3"/>
+          <a:stretch>
+            <a:fillRect/>
+          </a:stretch>
+        </p:blipFill>
+        <p:spPr>
+          <a:xfrm>
+            <a:off x="350837" y="-765175"/>
+            <a:ext cx="6858000" cy="6858000"/>
+          </a:xfrm>
+          <a:prstGeom prst="rect">
+            <a:avLst/>
+          </a:prstGeom>
+        </p:spPr>
+      </p:pic>
+    </p:spTree>
+    <p:extLst>
+      <p:ext uri="{BB962C8B-B14F-4D97-AF65-F5344CB8AC3E}">
         <p14:creationId xmlns:p14="http://schemas.microsoft.com/office/powerpoint/2010/main" val="580889871"/>
       </p:ext>
     </p:extLst>
@@ -12939,7 +13607,7 @@
 </p:sld>
 </file>
 
-<file path=ppt/slides/slide39.xml><?xml version="1.0" encoding="utf-8"?>
+<file path=ppt/slides/slide41.xml><?xml version="1.0" encoding="utf-8"?>
 <p:sld xmlns:a="http://schemas.openxmlformats.org/drawingml/2006/main" xmlns:r="http://schemas.openxmlformats.org/officeDocument/2006/relationships" xmlns:p="http://schemas.openxmlformats.org/presentationml/2006/main">
   <p:cSld>
     <p:spTree>
@@ -13259,7 +13927,7 @@
 </p:sld>
 </file>
 
-<file path=ppt/slides/slide4.xml><?xml version="1.0" encoding="utf-8"?>
+<file path=ppt/slides/slide42.xml><?xml version="1.0" encoding="utf-8"?>
 <p:sld xmlns:a="http://schemas.openxmlformats.org/drawingml/2006/main" xmlns:r="http://schemas.openxmlformats.org/officeDocument/2006/relationships" xmlns:p="http://schemas.openxmlformats.org/presentationml/2006/main">
   <p:cSld>
     <p:spTree>
@@ -13418,175 +14086,6 @@
     </p:spTree>
     <p:extLst>
       <p:ext uri="{BB962C8B-B14F-4D97-AF65-F5344CB8AC3E}">
-        <p14:creationId xmlns:p14="http://schemas.microsoft.com/office/powerpoint/2010/main" val="3385344708"/>
-      </p:ext>
-    </p:extLst>
-  </p:cSld>
-  <p:clrMapOvr>
-    <a:masterClrMapping/>
-  </p:clrMapOvr>
-</p:sld>
-</file>
-
-<file path=ppt/slides/slide40.xml><?xml version="1.0" encoding="utf-8"?>
-<p:sld xmlns:a="http://schemas.openxmlformats.org/drawingml/2006/main" xmlns:r="http://schemas.openxmlformats.org/officeDocument/2006/relationships" xmlns:p="http://schemas.openxmlformats.org/presentationml/2006/main">
-  <p:cSld>
-    <p:spTree>
-      <p:nvGrpSpPr>
-        <p:cNvPr id="1" name=""/>
-        <p:cNvGrpSpPr/>
-        <p:nvPr/>
-      </p:nvGrpSpPr>
-      <p:grpSpPr>
-        <a:xfrm>
-          <a:off x="0" y="0"/>
-          <a:ext cx="0" cy="0"/>
-          <a:chOff x="0" y="0"/>
-          <a:chExt cx="0" cy="0"/>
-        </a:xfrm>
-      </p:grpSpPr>
-      <p:sp>
-        <p:nvSpPr>
-          <p:cNvPr id="2" name="Title 1">
-            <a:extLst>
-              <a:ext uri="{FF2B5EF4-FFF2-40B4-BE49-F238E27FC236}">
-                <a16:creationId xmlns:a16="http://schemas.microsoft.com/office/drawing/2014/main" id="{CFCDF3DA-1D3D-E743-8E21-6B353B4D96A4}"/>
-              </a:ext>
-            </a:extLst>
-          </p:cNvPr>
-          <p:cNvSpPr>
-            <a:spLocks noGrp="1"/>
-          </p:cNvSpPr>
-          <p:nvPr>
-            <p:ph type="title"/>
-          </p:nvPr>
-        </p:nvSpPr>
-        <p:spPr/>
-        <p:txBody>
-          <a:bodyPr/>
-          <a:lstStyle/>
-          <a:p>
-            <a:endParaRPr lang="en-NL"/>
-          </a:p>
-        </p:txBody>
-      </p:sp>
-      <p:sp>
-        <p:nvSpPr>
-          <p:cNvPr id="3" name="Content Placeholder 2">
-            <a:extLst>
-              <a:ext uri="{FF2B5EF4-FFF2-40B4-BE49-F238E27FC236}">
-                <a16:creationId xmlns:a16="http://schemas.microsoft.com/office/drawing/2014/main" id="{40A525DA-CA85-AD48-8A85-52A75E1E5317}"/>
-              </a:ext>
-            </a:extLst>
-          </p:cNvPr>
-          <p:cNvSpPr>
-            <a:spLocks noGrp="1"/>
-          </p:cNvSpPr>
-          <p:nvPr>
-            <p:ph idx="1"/>
-          </p:nvPr>
-        </p:nvSpPr>
-        <p:spPr/>
-        <p:txBody>
-          <a:bodyPr/>
-          <a:lstStyle/>
-          <a:p>
-            <a:endParaRPr lang="en-NL"/>
-          </a:p>
-        </p:txBody>
-      </p:sp>
-      <p:sp>
-        <p:nvSpPr>
-          <p:cNvPr id="4" name="Rounded Rectangle 3">
-            <a:extLst>
-              <a:ext uri="{FF2B5EF4-FFF2-40B4-BE49-F238E27FC236}">
-                <a16:creationId xmlns:a16="http://schemas.microsoft.com/office/drawing/2014/main" id="{6B890BB6-3544-1A4E-A833-93135A597BB4}"/>
-              </a:ext>
-            </a:extLst>
-          </p:cNvPr>
-          <p:cNvSpPr/>
-          <p:nvPr/>
-        </p:nvSpPr>
-        <p:spPr>
-          <a:xfrm>
-            <a:off x="0" y="0"/>
-            <a:ext cx="7559675" cy="5327650"/>
-          </a:xfrm>
-          <a:prstGeom prst="roundRect">
-            <a:avLst>
-              <a:gd name="adj" fmla="val 0"/>
-            </a:avLst>
-          </a:prstGeom>
-          <a:blipFill>
-            <a:blip r:embed="rId2"/>
-            <a:stretch>
-              <a:fillRect/>
-            </a:stretch>
-          </a:blipFill>
-          <a:ln>
-            <a:solidFill>
-              <a:schemeClr val="bg2"/>
-            </a:solidFill>
-          </a:ln>
-        </p:spPr>
-        <p:style>
-          <a:lnRef idx="2">
-            <a:schemeClr val="accent1">
-              <a:shade val="50000"/>
-            </a:schemeClr>
-          </a:lnRef>
-          <a:fillRef idx="1">
-            <a:schemeClr val="accent1"/>
-          </a:fillRef>
-          <a:effectRef idx="0">
-            <a:schemeClr val="accent1"/>
-          </a:effectRef>
-          <a:fontRef idx="minor">
-            <a:schemeClr val="lt1"/>
-          </a:fontRef>
-        </p:style>
-        <p:txBody>
-          <a:bodyPr rtlCol="0" anchor="ctr"/>
-          <a:lstStyle/>
-          <a:p>
-            <a:pPr algn="ctr"/>
-            <a:endParaRPr lang="en-NL"/>
-          </a:p>
-        </p:txBody>
-      </p:sp>
-      <p:pic>
-        <p:nvPicPr>
-          <p:cNvPr id="5" name="Picture 4" descr="A picture containing food, drawing&#10;&#10;Description automatically generated">
-            <a:extLst>
-              <a:ext uri="{FF2B5EF4-FFF2-40B4-BE49-F238E27FC236}">
-                <a16:creationId xmlns:a16="http://schemas.microsoft.com/office/drawing/2014/main" id="{27611709-3190-2A4B-BCE4-4D329000A8EB}"/>
-              </a:ext>
-            </a:extLst>
-          </p:cNvPr>
-          <p:cNvPicPr>
-            <a:picLocks noChangeAspect="1"/>
-          </p:cNvPicPr>
-          <p:nvPr/>
-        </p:nvPicPr>
-        <p:blipFill>
-          <a:blip r:embed="rId3"/>
-          <a:stretch>
-            <a:fillRect/>
-          </a:stretch>
-        </p:blipFill>
-        <p:spPr>
-          <a:xfrm>
-            <a:off x="350837" y="-765175"/>
-            <a:ext cx="6858000" cy="6858000"/>
-          </a:xfrm>
-          <a:prstGeom prst="rect">
-            <a:avLst/>
-          </a:prstGeom>
-        </p:spPr>
-      </p:pic>
-    </p:spTree>
-    <p:extLst>
-      <p:ext uri="{BB962C8B-B14F-4D97-AF65-F5344CB8AC3E}">
         <p14:creationId xmlns:p14="http://schemas.microsoft.com/office/powerpoint/2010/main" val="3114052562"/>
       </p:ext>
     </p:extLst>
@@ -13597,7 +14096,7 @@
 </p:sld>
 </file>
 
-<file path=ppt/slides/slide41.xml><?xml version="1.0" encoding="utf-8"?>
+<file path=ppt/slides/slide43.xml><?xml version="1.0" encoding="utf-8"?>
 <p:sld xmlns:a="http://schemas.openxmlformats.org/drawingml/2006/main" xmlns:r="http://schemas.openxmlformats.org/officeDocument/2006/relationships" xmlns:p="http://schemas.openxmlformats.org/presentationml/2006/main">
   <p:cSld>
     <p:spTree>
@@ -13917,7 +14416,7 @@
 </p:sld>
 </file>
 
-<file path=ppt/slides/slide42.xml><?xml version="1.0" encoding="utf-8"?>
+<file path=ppt/slides/slide44.xml><?xml version="1.0" encoding="utf-8"?>
 <p:sld xmlns:a="http://schemas.openxmlformats.org/drawingml/2006/main" xmlns:r="http://schemas.openxmlformats.org/officeDocument/2006/relationships" xmlns:p="http://schemas.openxmlformats.org/presentationml/2006/main">
   <p:cSld>
     <p:spTree>
@@ -14086,7 +14585,7 @@
 </p:sld>
 </file>
 
-<file path=ppt/slides/slide43.xml><?xml version="1.0" encoding="utf-8"?>
+<file path=ppt/slides/slide45.xml><?xml version="1.0" encoding="utf-8"?>
 <p:sld xmlns:a="http://schemas.openxmlformats.org/drawingml/2006/main" xmlns:r="http://schemas.openxmlformats.org/officeDocument/2006/relationships" xmlns:p="http://schemas.openxmlformats.org/presentationml/2006/main">
   <p:cSld>
     <p:spTree>
@@ -14406,7 +14905,7 @@
 </p:sld>
 </file>
 
-<file path=ppt/slides/slide44.xml><?xml version="1.0" encoding="utf-8"?>
+<file path=ppt/slides/slide46.xml><?xml version="1.0" encoding="utf-8"?>
 <p:sld xmlns:a="http://schemas.openxmlformats.org/drawingml/2006/main" xmlns:r="http://schemas.openxmlformats.org/officeDocument/2006/relationships" xmlns:p="http://schemas.openxmlformats.org/presentationml/2006/main">
   <p:cSld>
     <p:spTree>
@@ -14575,7 +15074,7 @@
 </p:sld>
 </file>
 
-<file path=ppt/slides/slide45.xml><?xml version="1.0" encoding="utf-8"?>
+<file path=ppt/slides/slide47.xml><?xml version="1.0" encoding="utf-8"?>
 <p:sld xmlns:a="http://schemas.openxmlformats.org/drawingml/2006/main" xmlns:r="http://schemas.openxmlformats.org/officeDocument/2006/relationships" xmlns:p="http://schemas.openxmlformats.org/presentationml/2006/main">
   <p:cSld>
     <p:spTree>
@@ -14921,7 +15420,7 @@
 </p:sld>
 </file>
 
-<file path=ppt/slides/slide46.xml><?xml version="1.0" encoding="utf-8"?>
+<file path=ppt/slides/slide48.xml><?xml version="1.0" encoding="utf-8"?>
 <p:sld xmlns:a="http://schemas.openxmlformats.org/drawingml/2006/main" xmlns:r="http://schemas.openxmlformats.org/officeDocument/2006/relationships" xmlns:p="http://schemas.openxmlformats.org/presentationml/2006/main">
   <p:cSld>
     <p:spTree>
@@ -15090,7 +15589,7 @@
 </p:sld>
 </file>
 
-<file path=ppt/slides/slide47.xml><?xml version="1.0" encoding="utf-8"?>
+<file path=ppt/slides/slide49.xml><?xml version="1.0" encoding="utf-8"?>
 <p:sld xmlns:a="http://schemas.openxmlformats.org/drawingml/2006/main" xmlns:r="http://schemas.openxmlformats.org/officeDocument/2006/relationships" xmlns:p="http://schemas.openxmlformats.org/presentationml/2006/main">
   <p:cSld>
     <p:spTree>
@@ -15410,7 +15909,1081 @@
 </p:sld>
 </file>
 
-<file path=ppt/slides/slide48.xml><?xml version="1.0" encoding="utf-8"?>
+<file path=ppt/slides/slide5.xml><?xml version="1.0" encoding="utf-8"?>
+<p:sld xmlns:a="http://schemas.openxmlformats.org/drawingml/2006/main" xmlns:r="http://schemas.openxmlformats.org/officeDocument/2006/relationships" xmlns:p="http://schemas.openxmlformats.org/presentationml/2006/main">
+  <p:cSld>
+    <p:spTree>
+      <p:nvGrpSpPr>
+        <p:cNvPr id="1" name=""/>
+        <p:cNvGrpSpPr/>
+        <p:nvPr/>
+      </p:nvGrpSpPr>
+      <p:grpSpPr>
+        <a:xfrm>
+          <a:off x="0" y="0"/>
+          <a:ext cx="0" cy="0"/>
+          <a:chOff x="0" y="0"/>
+          <a:chExt cx="0" cy="0"/>
+        </a:xfrm>
+      </p:grpSpPr>
+      <p:sp>
+        <p:nvSpPr>
+          <p:cNvPr id="2" name="Title 1">
+            <a:extLst>
+              <a:ext uri="{FF2B5EF4-FFF2-40B4-BE49-F238E27FC236}">
+                <a16:creationId xmlns:a16="http://schemas.microsoft.com/office/drawing/2014/main" id="{A50B3240-90A9-2045-9B24-092DEDC3A4FB}"/>
+              </a:ext>
+            </a:extLst>
+          </p:cNvPr>
+          <p:cNvSpPr>
+            <a:spLocks noGrp="1"/>
+          </p:cNvSpPr>
+          <p:nvPr>
+            <p:ph type="title"/>
+          </p:nvPr>
+        </p:nvSpPr>
+        <p:spPr/>
+        <p:txBody>
+          <a:bodyPr/>
+          <a:lstStyle/>
+          <a:p>
+            <a:endParaRPr lang="en-NL"/>
+          </a:p>
+        </p:txBody>
+      </p:sp>
+      <p:sp>
+        <p:nvSpPr>
+          <p:cNvPr id="3" name="Content Placeholder 2">
+            <a:extLst>
+              <a:ext uri="{FF2B5EF4-FFF2-40B4-BE49-F238E27FC236}">
+                <a16:creationId xmlns:a16="http://schemas.microsoft.com/office/drawing/2014/main" id="{EE6F52F0-3A96-5E4D-B754-B812A863C0BF}"/>
+              </a:ext>
+            </a:extLst>
+          </p:cNvPr>
+          <p:cNvSpPr>
+            <a:spLocks noGrp="1"/>
+          </p:cNvSpPr>
+          <p:nvPr>
+            <p:ph idx="1"/>
+          </p:nvPr>
+        </p:nvSpPr>
+        <p:spPr/>
+        <p:txBody>
+          <a:bodyPr/>
+          <a:lstStyle/>
+          <a:p>
+            <a:endParaRPr lang="en-NL"/>
+          </a:p>
+        </p:txBody>
+      </p:sp>
+      <p:sp>
+        <p:nvSpPr>
+          <p:cNvPr id="4" name="Rounded Rectangle 3">
+            <a:extLst>
+              <a:ext uri="{FF2B5EF4-FFF2-40B4-BE49-F238E27FC236}">
+                <a16:creationId xmlns:a16="http://schemas.microsoft.com/office/drawing/2014/main" id="{C878E023-EBA1-A649-9F84-9426DC737CAD}"/>
+              </a:ext>
+            </a:extLst>
+          </p:cNvPr>
+          <p:cNvSpPr/>
+          <p:nvPr/>
+        </p:nvSpPr>
+        <p:spPr>
+          <a:xfrm>
+            <a:off x="0" y="0"/>
+            <a:ext cx="7559675" cy="5327650"/>
+          </a:xfrm>
+          <a:prstGeom prst="roundRect">
+            <a:avLst>
+              <a:gd name="adj" fmla="val 0"/>
+            </a:avLst>
+          </a:prstGeom>
+          <a:solidFill>
+            <a:srgbClr val="DE8445"/>
+          </a:solidFill>
+          <a:ln>
+            <a:noFill/>
+          </a:ln>
+        </p:spPr>
+        <p:style>
+          <a:lnRef idx="2">
+            <a:schemeClr val="accent1">
+              <a:shade val="50000"/>
+            </a:schemeClr>
+          </a:lnRef>
+          <a:fillRef idx="1">
+            <a:schemeClr val="accent1"/>
+          </a:fillRef>
+          <a:effectRef idx="0">
+            <a:schemeClr val="accent1"/>
+          </a:effectRef>
+          <a:fontRef idx="minor">
+            <a:schemeClr val="lt1"/>
+          </a:fontRef>
+        </p:style>
+        <p:txBody>
+          <a:bodyPr rtlCol="0" anchor="ctr"/>
+          <a:lstStyle/>
+          <a:p>
+            <a:pPr algn="ctr"/>
+            <a:endParaRPr lang="en-NL" dirty="0"/>
+          </a:p>
+        </p:txBody>
+      </p:sp>
+      <p:sp>
+        <p:nvSpPr>
+          <p:cNvPr id="5" name="Rectangle 4">
+            <a:extLst>
+              <a:ext uri="{FF2B5EF4-FFF2-40B4-BE49-F238E27FC236}">
+                <a16:creationId xmlns:a16="http://schemas.microsoft.com/office/drawing/2014/main" id="{1F46A24F-F843-6F43-B798-8E0A66AEBE9A}"/>
+              </a:ext>
+            </a:extLst>
+          </p:cNvPr>
+          <p:cNvSpPr/>
+          <p:nvPr/>
+        </p:nvSpPr>
+        <p:spPr>
+          <a:xfrm>
+            <a:off x="654576" y="629685"/>
+            <a:ext cx="6326488" cy="3992292"/>
+          </a:xfrm>
+          <a:prstGeom prst="rect">
+            <a:avLst/>
+          </a:prstGeom>
+          <a:blipFill>
+            <a:blip r:embed="rId2"/>
+            <a:stretch>
+              <a:fillRect/>
+            </a:stretch>
+          </a:blipFill>
+          <a:ln w="38100" cmpd="sng">
+            <a:solidFill>
+              <a:schemeClr val="tx1"/>
+            </a:solidFill>
+            <a:prstDash val="solid"/>
+          </a:ln>
+        </p:spPr>
+        <p:style>
+          <a:lnRef idx="2">
+            <a:schemeClr val="accent1">
+              <a:shade val="50000"/>
+            </a:schemeClr>
+          </a:lnRef>
+          <a:fillRef idx="1">
+            <a:schemeClr val="accent1"/>
+          </a:fillRef>
+          <a:effectRef idx="0">
+            <a:schemeClr val="accent1"/>
+          </a:effectRef>
+          <a:fontRef idx="minor">
+            <a:schemeClr val="lt1"/>
+          </a:fontRef>
+        </p:style>
+        <p:txBody>
+          <a:bodyPr rtlCol="0" anchor="ctr"/>
+          <a:lstStyle/>
+          <a:p>
+            <a:endParaRPr lang="en-NL" sz="9600">
+              <a:latin typeface="Marvel" pitchFamily="2" charset="0"/>
+            </a:endParaRPr>
+          </a:p>
+        </p:txBody>
+      </p:sp>
+      <p:sp>
+        <p:nvSpPr>
+          <p:cNvPr id="7" name="TextBox 6">
+            <a:extLst>
+              <a:ext uri="{FF2B5EF4-FFF2-40B4-BE49-F238E27FC236}">
+                <a16:creationId xmlns:a16="http://schemas.microsoft.com/office/drawing/2014/main" id="{DB3D77AE-9792-C547-90E9-C96C9012A78D}"/>
+              </a:ext>
+            </a:extLst>
+          </p:cNvPr>
+          <p:cNvSpPr txBox="1"/>
+          <p:nvPr/>
+        </p:nvSpPr>
+        <p:spPr>
+          <a:xfrm>
+            <a:off x="1154265" y="1964111"/>
+            <a:ext cx="5451371" cy="1323439"/>
+          </a:xfrm>
+          <a:prstGeom prst="rect">
+            <a:avLst/>
+          </a:prstGeom>
+          <a:noFill/>
+        </p:spPr>
+        <p:txBody>
+          <a:bodyPr wrap="square" rtlCol="0">
+            <a:spAutoFit/>
+          </a:bodyPr>
+          <a:lstStyle/>
+          <a:p>
+            <a:pPr algn="ctr"/>
+            <a:r>
+              <a:rPr lang="en-NL" sz="8000" dirty="0">
+                <a:latin typeface="Marvel" pitchFamily="2" charset="0"/>
+              </a:rPr>
+              <a:t>UNREALIZED VALUE</a:t>
+            </a:r>
+          </a:p>
+        </p:txBody>
+      </p:sp>
+      <p:sp>
+        <p:nvSpPr>
+          <p:cNvPr id="8" name="TextBox 7">
+            <a:extLst>
+              <a:ext uri="{FF2B5EF4-FFF2-40B4-BE49-F238E27FC236}">
+                <a16:creationId xmlns:a16="http://schemas.microsoft.com/office/drawing/2014/main" id="{ED283D89-81C5-A942-931B-F37B88051625}"/>
+              </a:ext>
+            </a:extLst>
+          </p:cNvPr>
+          <p:cNvSpPr txBox="1"/>
+          <p:nvPr/>
+        </p:nvSpPr>
+        <p:spPr>
+          <a:xfrm>
+            <a:off x="1826342" y="2992265"/>
+            <a:ext cx="4107215" cy="400110"/>
+          </a:xfrm>
+          <a:prstGeom prst="rect">
+            <a:avLst/>
+          </a:prstGeom>
+          <a:noFill/>
+        </p:spPr>
+        <p:txBody>
+          <a:bodyPr wrap="none" rtlCol="0">
+            <a:spAutoFit/>
+          </a:bodyPr>
+          <a:lstStyle/>
+          <a:p>
+            <a:pPr algn="ctr"/>
+            <a:r>
+              <a:rPr lang="en-GB" sz="1000" dirty="0">
+                <a:solidFill>
+                  <a:schemeClr val="bg1">
+                    <a:lumMod val="50000"/>
+                  </a:schemeClr>
+                </a:solidFill>
+                <a:latin typeface="Ubuntu" panose="020B0504030602030204" pitchFamily="34" charset="0"/>
+              </a:rPr>
+              <a:t>The potential future value that </a:t>
+            </a:r>
+            <a:r>
+              <a:rPr lang="en-GB" sz="1000" i="1" dirty="0">
+                <a:solidFill>
+                  <a:schemeClr val="bg1">
+                    <a:lumMod val="50000"/>
+                  </a:schemeClr>
+                </a:solidFill>
+                <a:latin typeface="Ubuntu" panose="020B0504030602030204" pitchFamily="34" charset="0"/>
+              </a:rPr>
+              <a:t>could be</a:t>
+            </a:r>
+            <a:r>
+              <a:rPr lang="en-GB" sz="1000" dirty="0">
+                <a:solidFill>
+                  <a:schemeClr val="bg1">
+                    <a:lumMod val="50000"/>
+                  </a:schemeClr>
+                </a:solidFill>
+                <a:latin typeface="Ubuntu" panose="020B0504030602030204" pitchFamily="34" charset="0"/>
+              </a:rPr>
+              <a:t> realized </a:t>
+            </a:r>
+          </a:p>
+          <a:p>
+            <a:pPr algn="ctr"/>
+            <a:r>
+              <a:rPr lang="en-GB" sz="1000" dirty="0">
+                <a:solidFill>
+                  <a:schemeClr val="bg1">
+                    <a:lumMod val="50000"/>
+                  </a:schemeClr>
+                </a:solidFill>
+                <a:latin typeface="Ubuntu" panose="020B0504030602030204" pitchFamily="34" charset="0"/>
+              </a:rPr>
+              <a:t>if the organization met the needs of all potential customers or users</a:t>
+            </a:r>
+            <a:endParaRPr lang="en-NL" sz="1000" dirty="0">
+              <a:solidFill>
+                <a:schemeClr val="bg1">
+                  <a:lumMod val="50000"/>
+                </a:schemeClr>
+              </a:solidFill>
+              <a:latin typeface="Ubuntu" panose="020B0504030602030204" pitchFamily="34" charset="0"/>
+            </a:endParaRPr>
+          </a:p>
+        </p:txBody>
+      </p:sp>
+      <p:sp>
+        <p:nvSpPr>
+          <p:cNvPr id="24" name="Hexagon 23">
+            <a:extLst>
+              <a:ext uri="{FF2B5EF4-FFF2-40B4-BE49-F238E27FC236}">
+                <a16:creationId xmlns:a16="http://schemas.microsoft.com/office/drawing/2014/main" id="{B77BC908-5A71-5648-86F4-1DD501B1A47A}"/>
+              </a:ext>
+            </a:extLst>
+          </p:cNvPr>
+          <p:cNvSpPr/>
+          <p:nvPr/>
+        </p:nvSpPr>
+        <p:spPr>
+          <a:xfrm>
+            <a:off x="-263472" y="887581"/>
+            <a:ext cx="526943" cy="425834"/>
+          </a:xfrm>
+          <a:prstGeom prst="hexagon">
+            <a:avLst/>
+          </a:prstGeom>
+          <a:solidFill>
+            <a:schemeClr val="bg2"/>
+          </a:solidFill>
+          <a:ln>
+            <a:solidFill>
+              <a:schemeClr val="bg2"/>
+            </a:solidFill>
+          </a:ln>
+        </p:spPr>
+        <p:style>
+          <a:lnRef idx="2">
+            <a:schemeClr val="accent1">
+              <a:shade val="50000"/>
+            </a:schemeClr>
+          </a:lnRef>
+          <a:fillRef idx="1">
+            <a:schemeClr val="accent1"/>
+          </a:fillRef>
+          <a:effectRef idx="0">
+            <a:schemeClr val="accent1"/>
+          </a:effectRef>
+          <a:fontRef idx="minor">
+            <a:schemeClr val="lt1"/>
+          </a:fontRef>
+        </p:style>
+        <p:txBody>
+          <a:bodyPr rtlCol="0" anchor="ctr"/>
+          <a:lstStyle/>
+          <a:p>
+            <a:pPr algn="ctr"/>
+            <a:endParaRPr lang="en-NL"/>
+          </a:p>
+        </p:txBody>
+      </p:sp>
+      <p:sp>
+        <p:nvSpPr>
+          <p:cNvPr id="25" name="Hexagon 24">
+            <a:extLst>
+              <a:ext uri="{FF2B5EF4-FFF2-40B4-BE49-F238E27FC236}">
+                <a16:creationId xmlns:a16="http://schemas.microsoft.com/office/drawing/2014/main" id="{CA52172E-44FE-964B-8A80-395B31A859C7}"/>
+              </a:ext>
+            </a:extLst>
+          </p:cNvPr>
+          <p:cNvSpPr/>
+          <p:nvPr/>
+        </p:nvSpPr>
+        <p:spPr>
+          <a:xfrm>
+            <a:off x="-267574" y="1402464"/>
+            <a:ext cx="526943" cy="425834"/>
+          </a:xfrm>
+          <a:prstGeom prst="hexagon">
+            <a:avLst/>
+          </a:prstGeom>
+          <a:solidFill>
+            <a:schemeClr val="bg2"/>
+          </a:solidFill>
+          <a:ln>
+            <a:solidFill>
+              <a:schemeClr val="bg2"/>
+            </a:solidFill>
+          </a:ln>
+        </p:spPr>
+        <p:style>
+          <a:lnRef idx="2">
+            <a:schemeClr val="accent1">
+              <a:shade val="50000"/>
+            </a:schemeClr>
+          </a:lnRef>
+          <a:fillRef idx="1">
+            <a:schemeClr val="accent1"/>
+          </a:fillRef>
+          <a:effectRef idx="0">
+            <a:schemeClr val="accent1"/>
+          </a:effectRef>
+          <a:fontRef idx="minor">
+            <a:schemeClr val="lt1"/>
+          </a:fontRef>
+        </p:style>
+        <p:txBody>
+          <a:bodyPr rtlCol="0" anchor="ctr"/>
+          <a:lstStyle/>
+          <a:p>
+            <a:pPr algn="ctr"/>
+            <a:endParaRPr lang="en-NL"/>
+          </a:p>
+        </p:txBody>
+      </p:sp>
+      <p:sp>
+        <p:nvSpPr>
+          <p:cNvPr id="26" name="Hexagon 25">
+            <a:extLst>
+              <a:ext uri="{FF2B5EF4-FFF2-40B4-BE49-F238E27FC236}">
+                <a16:creationId xmlns:a16="http://schemas.microsoft.com/office/drawing/2014/main" id="{08EC8FA2-7049-534E-A372-EC6A91A4CE79}"/>
+              </a:ext>
+            </a:extLst>
+          </p:cNvPr>
+          <p:cNvSpPr/>
+          <p:nvPr/>
+        </p:nvSpPr>
+        <p:spPr>
+          <a:xfrm>
+            <a:off x="-267574" y="1917347"/>
+            <a:ext cx="526943" cy="425834"/>
+          </a:xfrm>
+          <a:prstGeom prst="hexagon">
+            <a:avLst/>
+          </a:prstGeom>
+          <a:solidFill>
+            <a:schemeClr val="bg2"/>
+          </a:solidFill>
+          <a:ln>
+            <a:solidFill>
+              <a:schemeClr val="bg2"/>
+            </a:solidFill>
+          </a:ln>
+        </p:spPr>
+        <p:style>
+          <a:lnRef idx="2">
+            <a:schemeClr val="accent1">
+              <a:shade val="50000"/>
+            </a:schemeClr>
+          </a:lnRef>
+          <a:fillRef idx="1">
+            <a:schemeClr val="accent1"/>
+          </a:fillRef>
+          <a:effectRef idx="0">
+            <a:schemeClr val="accent1"/>
+          </a:effectRef>
+          <a:fontRef idx="minor">
+            <a:schemeClr val="lt1"/>
+          </a:fontRef>
+        </p:style>
+        <p:txBody>
+          <a:bodyPr rtlCol="0" anchor="ctr"/>
+          <a:lstStyle/>
+          <a:p>
+            <a:pPr algn="ctr"/>
+            <a:endParaRPr lang="en-NL"/>
+          </a:p>
+        </p:txBody>
+      </p:sp>
+      <p:sp>
+        <p:nvSpPr>
+          <p:cNvPr id="27" name="Hexagon 26">
+            <a:extLst>
+              <a:ext uri="{FF2B5EF4-FFF2-40B4-BE49-F238E27FC236}">
+                <a16:creationId xmlns:a16="http://schemas.microsoft.com/office/drawing/2014/main" id="{718BA15D-DE98-8D43-9A3F-36F37A37AF2D}"/>
+              </a:ext>
+            </a:extLst>
+          </p:cNvPr>
+          <p:cNvSpPr/>
+          <p:nvPr/>
+        </p:nvSpPr>
+        <p:spPr>
+          <a:xfrm>
+            <a:off x="-271676" y="2432230"/>
+            <a:ext cx="526943" cy="425834"/>
+          </a:xfrm>
+          <a:prstGeom prst="hexagon">
+            <a:avLst/>
+          </a:prstGeom>
+          <a:solidFill>
+            <a:schemeClr val="bg2"/>
+          </a:solidFill>
+          <a:ln>
+            <a:solidFill>
+              <a:schemeClr val="bg2"/>
+            </a:solidFill>
+          </a:ln>
+        </p:spPr>
+        <p:style>
+          <a:lnRef idx="2">
+            <a:schemeClr val="accent1">
+              <a:shade val="50000"/>
+            </a:schemeClr>
+          </a:lnRef>
+          <a:fillRef idx="1">
+            <a:schemeClr val="accent1"/>
+          </a:fillRef>
+          <a:effectRef idx="0">
+            <a:schemeClr val="accent1"/>
+          </a:effectRef>
+          <a:fontRef idx="minor">
+            <a:schemeClr val="lt1"/>
+          </a:fontRef>
+        </p:style>
+        <p:txBody>
+          <a:bodyPr rtlCol="0" anchor="ctr"/>
+          <a:lstStyle/>
+          <a:p>
+            <a:pPr algn="ctr"/>
+            <a:endParaRPr lang="en-NL"/>
+          </a:p>
+        </p:txBody>
+      </p:sp>
+      <p:sp>
+        <p:nvSpPr>
+          <p:cNvPr id="28" name="Hexagon 27">
+            <a:extLst>
+              <a:ext uri="{FF2B5EF4-FFF2-40B4-BE49-F238E27FC236}">
+                <a16:creationId xmlns:a16="http://schemas.microsoft.com/office/drawing/2014/main" id="{5EF61F84-17B4-324C-9CD3-E07B3D18F12C}"/>
+              </a:ext>
+            </a:extLst>
+          </p:cNvPr>
+          <p:cNvSpPr/>
+          <p:nvPr/>
+        </p:nvSpPr>
+        <p:spPr>
+          <a:xfrm>
+            <a:off x="-269625" y="2949651"/>
+            <a:ext cx="526943" cy="425834"/>
+          </a:xfrm>
+          <a:prstGeom prst="hexagon">
+            <a:avLst/>
+          </a:prstGeom>
+          <a:solidFill>
+            <a:schemeClr val="bg2"/>
+          </a:solidFill>
+          <a:ln>
+            <a:solidFill>
+              <a:schemeClr val="bg2"/>
+            </a:solidFill>
+          </a:ln>
+        </p:spPr>
+        <p:style>
+          <a:lnRef idx="2">
+            <a:schemeClr val="accent1">
+              <a:shade val="50000"/>
+            </a:schemeClr>
+          </a:lnRef>
+          <a:fillRef idx="1">
+            <a:schemeClr val="accent1"/>
+          </a:fillRef>
+          <a:effectRef idx="0">
+            <a:schemeClr val="accent1"/>
+          </a:effectRef>
+          <a:fontRef idx="minor">
+            <a:schemeClr val="lt1"/>
+          </a:fontRef>
+        </p:style>
+        <p:txBody>
+          <a:bodyPr rtlCol="0" anchor="ctr"/>
+          <a:lstStyle/>
+          <a:p>
+            <a:pPr algn="ctr"/>
+            <a:endParaRPr lang="en-NL"/>
+          </a:p>
+        </p:txBody>
+      </p:sp>
+      <p:sp>
+        <p:nvSpPr>
+          <p:cNvPr id="29" name="Hexagon 28">
+            <a:extLst>
+              <a:ext uri="{FF2B5EF4-FFF2-40B4-BE49-F238E27FC236}">
+                <a16:creationId xmlns:a16="http://schemas.microsoft.com/office/drawing/2014/main" id="{6099D7E0-C13A-7847-84ED-EA0C5524E554}"/>
+              </a:ext>
+            </a:extLst>
+          </p:cNvPr>
+          <p:cNvSpPr/>
+          <p:nvPr/>
+        </p:nvSpPr>
+        <p:spPr>
+          <a:xfrm>
+            <a:off x="-273727" y="3464534"/>
+            <a:ext cx="526943" cy="425834"/>
+          </a:xfrm>
+          <a:prstGeom prst="hexagon">
+            <a:avLst/>
+          </a:prstGeom>
+          <a:solidFill>
+            <a:schemeClr val="bg2"/>
+          </a:solidFill>
+          <a:ln>
+            <a:solidFill>
+              <a:schemeClr val="bg2"/>
+            </a:solidFill>
+          </a:ln>
+        </p:spPr>
+        <p:style>
+          <a:lnRef idx="2">
+            <a:schemeClr val="accent1">
+              <a:shade val="50000"/>
+            </a:schemeClr>
+          </a:lnRef>
+          <a:fillRef idx="1">
+            <a:schemeClr val="accent1"/>
+          </a:fillRef>
+          <a:effectRef idx="0">
+            <a:schemeClr val="accent1"/>
+          </a:effectRef>
+          <a:fontRef idx="minor">
+            <a:schemeClr val="lt1"/>
+          </a:fontRef>
+        </p:style>
+        <p:txBody>
+          <a:bodyPr rtlCol="0" anchor="ctr"/>
+          <a:lstStyle/>
+          <a:p>
+            <a:pPr algn="ctr"/>
+            <a:endParaRPr lang="en-NL"/>
+          </a:p>
+        </p:txBody>
+      </p:sp>
+      <p:sp>
+        <p:nvSpPr>
+          <p:cNvPr id="30" name="Hexagon 29">
+            <a:extLst>
+              <a:ext uri="{FF2B5EF4-FFF2-40B4-BE49-F238E27FC236}">
+                <a16:creationId xmlns:a16="http://schemas.microsoft.com/office/drawing/2014/main" id="{920910FA-5581-F04C-9A39-2A4938FE8099}"/>
+              </a:ext>
+            </a:extLst>
+          </p:cNvPr>
+          <p:cNvSpPr/>
+          <p:nvPr/>
+        </p:nvSpPr>
+        <p:spPr>
+          <a:xfrm>
+            <a:off x="-263472" y="3976879"/>
+            <a:ext cx="526943" cy="425834"/>
+          </a:xfrm>
+          <a:prstGeom prst="hexagon">
+            <a:avLst/>
+          </a:prstGeom>
+          <a:solidFill>
+            <a:schemeClr val="bg2"/>
+          </a:solidFill>
+          <a:ln>
+            <a:solidFill>
+              <a:schemeClr val="bg2"/>
+            </a:solidFill>
+          </a:ln>
+        </p:spPr>
+        <p:style>
+          <a:lnRef idx="2">
+            <a:schemeClr val="accent1">
+              <a:shade val="50000"/>
+            </a:schemeClr>
+          </a:lnRef>
+          <a:fillRef idx="1">
+            <a:schemeClr val="accent1"/>
+          </a:fillRef>
+          <a:effectRef idx="0">
+            <a:schemeClr val="accent1"/>
+          </a:effectRef>
+          <a:fontRef idx="minor">
+            <a:schemeClr val="lt1"/>
+          </a:fontRef>
+        </p:style>
+        <p:txBody>
+          <a:bodyPr rtlCol="0" anchor="ctr"/>
+          <a:lstStyle/>
+          <a:p>
+            <a:pPr algn="ctr"/>
+            <a:endParaRPr lang="en-NL"/>
+          </a:p>
+        </p:txBody>
+      </p:sp>
+      <p:sp>
+        <p:nvSpPr>
+          <p:cNvPr id="31" name="Hexagon 30">
+            <a:extLst>
+              <a:ext uri="{FF2B5EF4-FFF2-40B4-BE49-F238E27FC236}">
+                <a16:creationId xmlns:a16="http://schemas.microsoft.com/office/drawing/2014/main" id="{8BBDE08F-BA25-4943-9CD6-08F91133CB36}"/>
+              </a:ext>
+            </a:extLst>
+          </p:cNvPr>
+          <p:cNvSpPr/>
+          <p:nvPr/>
+        </p:nvSpPr>
+        <p:spPr>
+          <a:xfrm>
+            <a:off x="7276165" y="887581"/>
+            <a:ext cx="526943" cy="425834"/>
+          </a:xfrm>
+          <a:prstGeom prst="hexagon">
+            <a:avLst/>
+          </a:prstGeom>
+          <a:solidFill>
+            <a:schemeClr val="bg2"/>
+          </a:solidFill>
+          <a:ln>
+            <a:solidFill>
+              <a:schemeClr val="bg2"/>
+            </a:solidFill>
+          </a:ln>
+        </p:spPr>
+        <p:style>
+          <a:lnRef idx="2">
+            <a:schemeClr val="accent1">
+              <a:shade val="50000"/>
+            </a:schemeClr>
+          </a:lnRef>
+          <a:fillRef idx="1">
+            <a:schemeClr val="accent1"/>
+          </a:fillRef>
+          <a:effectRef idx="0">
+            <a:schemeClr val="accent1"/>
+          </a:effectRef>
+          <a:fontRef idx="minor">
+            <a:schemeClr val="lt1"/>
+          </a:fontRef>
+        </p:style>
+        <p:txBody>
+          <a:bodyPr rtlCol="0" anchor="ctr"/>
+          <a:lstStyle/>
+          <a:p>
+            <a:pPr algn="ctr"/>
+            <a:endParaRPr lang="en-NL"/>
+          </a:p>
+        </p:txBody>
+      </p:sp>
+      <p:sp>
+        <p:nvSpPr>
+          <p:cNvPr id="32" name="Hexagon 31">
+            <a:extLst>
+              <a:ext uri="{FF2B5EF4-FFF2-40B4-BE49-F238E27FC236}">
+                <a16:creationId xmlns:a16="http://schemas.microsoft.com/office/drawing/2014/main" id="{1FBA123F-FD40-8849-9469-AF75E6B929B7}"/>
+              </a:ext>
+            </a:extLst>
+          </p:cNvPr>
+          <p:cNvSpPr/>
+          <p:nvPr/>
+        </p:nvSpPr>
+        <p:spPr>
+          <a:xfrm>
+            <a:off x="7272063" y="1402464"/>
+            <a:ext cx="526943" cy="425834"/>
+          </a:xfrm>
+          <a:prstGeom prst="hexagon">
+            <a:avLst/>
+          </a:prstGeom>
+          <a:solidFill>
+            <a:schemeClr val="bg2"/>
+          </a:solidFill>
+          <a:ln>
+            <a:solidFill>
+              <a:schemeClr val="bg2"/>
+            </a:solidFill>
+          </a:ln>
+        </p:spPr>
+        <p:style>
+          <a:lnRef idx="2">
+            <a:schemeClr val="accent1">
+              <a:shade val="50000"/>
+            </a:schemeClr>
+          </a:lnRef>
+          <a:fillRef idx="1">
+            <a:schemeClr val="accent1"/>
+          </a:fillRef>
+          <a:effectRef idx="0">
+            <a:schemeClr val="accent1"/>
+          </a:effectRef>
+          <a:fontRef idx="minor">
+            <a:schemeClr val="lt1"/>
+          </a:fontRef>
+        </p:style>
+        <p:txBody>
+          <a:bodyPr rtlCol="0" anchor="ctr"/>
+          <a:lstStyle/>
+          <a:p>
+            <a:pPr algn="ctr"/>
+            <a:endParaRPr lang="en-NL"/>
+          </a:p>
+        </p:txBody>
+      </p:sp>
+      <p:sp>
+        <p:nvSpPr>
+          <p:cNvPr id="33" name="Hexagon 32">
+            <a:extLst>
+              <a:ext uri="{FF2B5EF4-FFF2-40B4-BE49-F238E27FC236}">
+                <a16:creationId xmlns:a16="http://schemas.microsoft.com/office/drawing/2014/main" id="{A5F73996-9447-1848-B658-78DFF6A9C779}"/>
+              </a:ext>
+            </a:extLst>
+          </p:cNvPr>
+          <p:cNvSpPr/>
+          <p:nvPr/>
+        </p:nvSpPr>
+        <p:spPr>
+          <a:xfrm>
+            <a:off x="7272063" y="1917347"/>
+            <a:ext cx="526943" cy="425834"/>
+          </a:xfrm>
+          <a:prstGeom prst="hexagon">
+            <a:avLst/>
+          </a:prstGeom>
+          <a:solidFill>
+            <a:schemeClr val="bg2"/>
+          </a:solidFill>
+          <a:ln>
+            <a:solidFill>
+              <a:schemeClr val="bg2"/>
+            </a:solidFill>
+          </a:ln>
+        </p:spPr>
+        <p:style>
+          <a:lnRef idx="2">
+            <a:schemeClr val="accent1">
+              <a:shade val="50000"/>
+            </a:schemeClr>
+          </a:lnRef>
+          <a:fillRef idx="1">
+            <a:schemeClr val="accent1"/>
+          </a:fillRef>
+          <a:effectRef idx="0">
+            <a:schemeClr val="accent1"/>
+          </a:effectRef>
+          <a:fontRef idx="minor">
+            <a:schemeClr val="lt1"/>
+          </a:fontRef>
+        </p:style>
+        <p:txBody>
+          <a:bodyPr rtlCol="0" anchor="ctr"/>
+          <a:lstStyle/>
+          <a:p>
+            <a:pPr algn="ctr"/>
+            <a:endParaRPr lang="en-NL"/>
+          </a:p>
+        </p:txBody>
+      </p:sp>
+      <p:sp>
+        <p:nvSpPr>
+          <p:cNvPr id="34" name="Hexagon 33">
+            <a:extLst>
+              <a:ext uri="{FF2B5EF4-FFF2-40B4-BE49-F238E27FC236}">
+                <a16:creationId xmlns:a16="http://schemas.microsoft.com/office/drawing/2014/main" id="{275693F2-68C2-3E4F-BA5E-B253F0E64904}"/>
+              </a:ext>
+            </a:extLst>
+          </p:cNvPr>
+          <p:cNvSpPr/>
+          <p:nvPr/>
+        </p:nvSpPr>
+        <p:spPr>
+          <a:xfrm>
+            <a:off x="7267961" y="2432230"/>
+            <a:ext cx="526943" cy="425834"/>
+          </a:xfrm>
+          <a:prstGeom prst="hexagon">
+            <a:avLst/>
+          </a:prstGeom>
+          <a:solidFill>
+            <a:schemeClr val="bg2"/>
+          </a:solidFill>
+          <a:ln>
+            <a:solidFill>
+              <a:schemeClr val="bg2"/>
+            </a:solidFill>
+          </a:ln>
+        </p:spPr>
+        <p:style>
+          <a:lnRef idx="2">
+            <a:schemeClr val="accent1">
+              <a:shade val="50000"/>
+            </a:schemeClr>
+          </a:lnRef>
+          <a:fillRef idx="1">
+            <a:schemeClr val="accent1"/>
+          </a:fillRef>
+          <a:effectRef idx="0">
+            <a:schemeClr val="accent1"/>
+          </a:effectRef>
+          <a:fontRef idx="minor">
+            <a:schemeClr val="lt1"/>
+          </a:fontRef>
+        </p:style>
+        <p:txBody>
+          <a:bodyPr rtlCol="0" anchor="ctr"/>
+          <a:lstStyle/>
+          <a:p>
+            <a:pPr algn="ctr"/>
+            <a:endParaRPr lang="en-NL"/>
+          </a:p>
+        </p:txBody>
+      </p:sp>
+      <p:sp>
+        <p:nvSpPr>
+          <p:cNvPr id="35" name="Hexagon 34">
+            <a:extLst>
+              <a:ext uri="{FF2B5EF4-FFF2-40B4-BE49-F238E27FC236}">
+                <a16:creationId xmlns:a16="http://schemas.microsoft.com/office/drawing/2014/main" id="{0037A2A0-8D75-B940-835C-26E592882C69}"/>
+              </a:ext>
+            </a:extLst>
+          </p:cNvPr>
+          <p:cNvSpPr/>
+          <p:nvPr/>
+        </p:nvSpPr>
+        <p:spPr>
+          <a:xfrm>
+            <a:off x="7270012" y="2949651"/>
+            <a:ext cx="526943" cy="425834"/>
+          </a:xfrm>
+          <a:prstGeom prst="hexagon">
+            <a:avLst/>
+          </a:prstGeom>
+          <a:solidFill>
+            <a:schemeClr val="bg2"/>
+          </a:solidFill>
+          <a:ln>
+            <a:solidFill>
+              <a:schemeClr val="bg2"/>
+            </a:solidFill>
+          </a:ln>
+        </p:spPr>
+        <p:style>
+          <a:lnRef idx="2">
+            <a:schemeClr val="accent1">
+              <a:shade val="50000"/>
+            </a:schemeClr>
+          </a:lnRef>
+          <a:fillRef idx="1">
+            <a:schemeClr val="accent1"/>
+          </a:fillRef>
+          <a:effectRef idx="0">
+            <a:schemeClr val="accent1"/>
+          </a:effectRef>
+          <a:fontRef idx="minor">
+            <a:schemeClr val="lt1"/>
+          </a:fontRef>
+        </p:style>
+        <p:txBody>
+          <a:bodyPr rtlCol="0" anchor="ctr"/>
+          <a:lstStyle/>
+          <a:p>
+            <a:pPr algn="ctr"/>
+            <a:endParaRPr lang="en-NL"/>
+          </a:p>
+        </p:txBody>
+      </p:sp>
+      <p:sp>
+        <p:nvSpPr>
+          <p:cNvPr id="36" name="Hexagon 35">
+            <a:extLst>
+              <a:ext uri="{FF2B5EF4-FFF2-40B4-BE49-F238E27FC236}">
+                <a16:creationId xmlns:a16="http://schemas.microsoft.com/office/drawing/2014/main" id="{34ABA7B3-653A-E24D-B127-F6F5AEBE2C7B}"/>
+              </a:ext>
+            </a:extLst>
+          </p:cNvPr>
+          <p:cNvSpPr/>
+          <p:nvPr/>
+        </p:nvSpPr>
+        <p:spPr>
+          <a:xfrm>
+            <a:off x="7265910" y="3464534"/>
+            <a:ext cx="526943" cy="425834"/>
+          </a:xfrm>
+          <a:prstGeom prst="hexagon">
+            <a:avLst/>
+          </a:prstGeom>
+          <a:solidFill>
+            <a:schemeClr val="bg2"/>
+          </a:solidFill>
+          <a:ln>
+            <a:solidFill>
+              <a:schemeClr val="bg2"/>
+            </a:solidFill>
+          </a:ln>
+        </p:spPr>
+        <p:style>
+          <a:lnRef idx="2">
+            <a:schemeClr val="accent1">
+              <a:shade val="50000"/>
+            </a:schemeClr>
+          </a:lnRef>
+          <a:fillRef idx="1">
+            <a:schemeClr val="accent1"/>
+          </a:fillRef>
+          <a:effectRef idx="0">
+            <a:schemeClr val="accent1"/>
+          </a:effectRef>
+          <a:fontRef idx="minor">
+            <a:schemeClr val="lt1"/>
+          </a:fontRef>
+        </p:style>
+        <p:txBody>
+          <a:bodyPr rtlCol="0" anchor="ctr"/>
+          <a:lstStyle/>
+          <a:p>
+            <a:pPr algn="ctr"/>
+            <a:endParaRPr lang="en-NL"/>
+          </a:p>
+        </p:txBody>
+      </p:sp>
+      <p:sp>
+        <p:nvSpPr>
+          <p:cNvPr id="37" name="Hexagon 36">
+            <a:extLst>
+              <a:ext uri="{FF2B5EF4-FFF2-40B4-BE49-F238E27FC236}">
+                <a16:creationId xmlns:a16="http://schemas.microsoft.com/office/drawing/2014/main" id="{980F8705-E6AE-3E4B-9146-F98BFFE8E753}"/>
+              </a:ext>
+            </a:extLst>
+          </p:cNvPr>
+          <p:cNvSpPr/>
+          <p:nvPr/>
+        </p:nvSpPr>
+        <p:spPr>
+          <a:xfrm>
+            <a:off x="7276165" y="3976879"/>
+            <a:ext cx="526943" cy="425834"/>
+          </a:xfrm>
+          <a:prstGeom prst="hexagon">
+            <a:avLst/>
+          </a:prstGeom>
+          <a:solidFill>
+            <a:schemeClr val="bg2"/>
+          </a:solidFill>
+          <a:ln>
+            <a:solidFill>
+              <a:schemeClr val="bg2"/>
+            </a:solidFill>
+          </a:ln>
+        </p:spPr>
+        <p:style>
+          <a:lnRef idx="2">
+            <a:schemeClr val="accent1">
+              <a:shade val="50000"/>
+            </a:schemeClr>
+          </a:lnRef>
+          <a:fillRef idx="1">
+            <a:schemeClr val="accent1"/>
+          </a:fillRef>
+          <a:effectRef idx="0">
+            <a:schemeClr val="accent1"/>
+          </a:effectRef>
+          <a:fontRef idx="minor">
+            <a:schemeClr val="lt1"/>
+          </a:fontRef>
+        </p:style>
+        <p:txBody>
+          <a:bodyPr rtlCol="0" anchor="ctr"/>
+          <a:lstStyle/>
+          <a:p>
+            <a:pPr algn="ctr"/>
+            <a:endParaRPr lang="en-NL"/>
+          </a:p>
+        </p:txBody>
+      </p:sp>
+    </p:spTree>
+    <p:extLst>
+      <p:ext uri="{BB962C8B-B14F-4D97-AF65-F5344CB8AC3E}">
+        <p14:creationId xmlns:p14="http://schemas.microsoft.com/office/powerpoint/2010/main" val="3863189371"/>
+      </p:ext>
+    </p:extLst>
+  </p:cSld>
+  <p:clrMapOvr>
+    <a:masterClrMapping/>
+  </p:clrMapOvr>
+</p:sld>
+</file>
+
+<file path=ppt/slides/slide50.xml><?xml version="1.0" encoding="utf-8"?>
 <p:sld xmlns:a="http://schemas.openxmlformats.org/drawingml/2006/main" xmlns:r="http://schemas.openxmlformats.org/officeDocument/2006/relationships" xmlns:p="http://schemas.openxmlformats.org/presentationml/2006/main">
   <p:cSld>
     <p:spTree>
@@ -15579,7 +17152,7 @@
 </p:sld>
 </file>
 
-<file path=ppt/slides/slide49.xml><?xml version="1.0" encoding="utf-8"?>
+<file path=ppt/slides/slide51.xml><?xml version="1.0" encoding="utf-8"?>
 <p:sld xmlns:a="http://schemas.openxmlformats.org/drawingml/2006/main" xmlns:r="http://schemas.openxmlformats.org/officeDocument/2006/relationships" xmlns:p="http://schemas.openxmlformats.org/presentationml/2006/main">
   <p:cSld>
     <p:spTree>
@@ -15899,1081 +17472,7 @@
 </p:sld>
 </file>
 
-<file path=ppt/slides/slide5.xml><?xml version="1.0" encoding="utf-8"?>
-<p:sld xmlns:a="http://schemas.openxmlformats.org/drawingml/2006/main" xmlns:r="http://schemas.openxmlformats.org/officeDocument/2006/relationships" xmlns:p="http://schemas.openxmlformats.org/presentationml/2006/main">
-  <p:cSld>
-    <p:spTree>
-      <p:nvGrpSpPr>
-        <p:cNvPr id="1" name=""/>
-        <p:cNvGrpSpPr/>
-        <p:nvPr/>
-      </p:nvGrpSpPr>
-      <p:grpSpPr>
-        <a:xfrm>
-          <a:off x="0" y="0"/>
-          <a:ext cx="0" cy="0"/>
-          <a:chOff x="0" y="0"/>
-          <a:chExt cx="0" cy="0"/>
-        </a:xfrm>
-      </p:grpSpPr>
-      <p:sp>
-        <p:nvSpPr>
-          <p:cNvPr id="2" name="Title 1">
-            <a:extLst>
-              <a:ext uri="{FF2B5EF4-FFF2-40B4-BE49-F238E27FC236}">
-                <a16:creationId xmlns:a16="http://schemas.microsoft.com/office/drawing/2014/main" id="{A50B3240-90A9-2045-9B24-092DEDC3A4FB}"/>
-              </a:ext>
-            </a:extLst>
-          </p:cNvPr>
-          <p:cNvSpPr>
-            <a:spLocks noGrp="1"/>
-          </p:cNvSpPr>
-          <p:nvPr>
-            <p:ph type="title"/>
-          </p:nvPr>
-        </p:nvSpPr>
-        <p:spPr/>
-        <p:txBody>
-          <a:bodyPr/>
-          <a:lstStyle/>
-          <a:p>
-            <a:endParaRPr lang="en-NL"/>
-          </a:p>
-        </p:txBody>
-      </p:sp>
-      <p:sp>
-        <p:nvSpPr>
-          <p:cNvPr id="3" name="Content Placeholder 2">
-            <a:extLst>
-              <a:ext uri="{FF2B5EF4-FFF2-40B4-BE49-F238E27FC236}">
-                <a16:creationId xmlns:a16="http://schemas.microsoft.com/office/drawing/2014/main" id="{EE6F52F0-3A96-5E4D-B754-B812A863C0BF}"/>
-              </a:ext>
-            </a:extLst>
-          </p:cNvPr>
-          <p:cNvSpPr>
-            <a:spLocks noGrp="1"/>
-          </p:cNvSpPr>
-          <p:nvPr>
-            <p:ph idx="1"/>
-          </p:nvPr>
-        </p:nvSpPr>
-        <p:spPr/>
-        <p:txBody>
-          <a:bodyPr/>
-          <a:lstStyle/>
-          <a:p>
-            <a:endParaRPr lang="en-NL"/>
-          </a:p>
-        </p:txBody>
-      </p:sp>
-      <p:sp>
-        <p:nvSpPr>
-          <p:cNvPr id="4" name="Rounded Rectangle 3">
-            <a:extLst>
-              <a:ext uri="{FF2B5EF4-FFF2-40B4-BE49-F238E27FC236}">
-                <a16:creationId xmlns:a16="http://schemas.microsoft.com/office/drawing/2014/main" id="{C878E023-EBA1-A649-9F84-9426DC737CAD}"/>
-              </a:ext>
-            </a:extLst>
-          </p:cNvPr>
-          <p:cNvSpPr/>
-          <p:nvPr/>
-        </p:nvSpPr>
-        <p:spPr>
-          <a:xfrm>
-            <a:off x="0" y="0"/>
-            <a:ext cx="7559675" cy="5327650"/>
-          </a:xfrm>
-          <a:prstGeom prst="roundRect">
-            <a:avLst>
-              <a:gd name="adj" fmla="val 0"/>
-            </a:avLst>
-          </a:prstGeom>
-          <a:solidFill>
-            <a:srgbClr val="DE8445"/>
-          </a:solidFill>
-          <a:ln>
-            <a:noFill/>
-          </a:ln>
-        </p:spPr>
-        <p:style>
-          <a:lnRef idx="2">
-            <a:schemeClr val="accent1">
-              <a:shade val="50000"/>
-            </a:schemeClr>
-          </a:lnRef>
-          <a:fillRef idx="1">
-            <a:schemeClr val="accent1"/>
-          </a:fillRef>
-          <a:effectRef idx="0">
-            <a:schemeClr val="accent1"/>
-          </a:effectRef>
-          <a:fontRef idx="minor">
-            <a:schemeClr val="lt1"/>
-          </a:fontRef>
-        </p:style>
-        <p:txBody>
-          <a:bodyPr rtlCol="0" anchor="ctr"/>
-          <a:lstStyle/>
-          <a:p>
-            <a:pPr algn="ctr"/>
-            <a:endParaRPr lang="en-NL" dirty="0"/>
-          </a:p>
-        </p:txBody>
-      </p:sp>
-      <p:sp>
-        <p:nvSpPr>
-          <p:cNvPr id="5" name="Rectangle 4">
-            <a:extLst>
-              <a:ext uri="{FF2B5EF4-FFF2-40B4-BE49-F238E27FC236}">
-                <a16:creationId xmlns:a16="http://schemas.microsoft.com/office/drawing/2014/main" id="{1F46A24F-F843-6F43-B798-8E0A66AEBE9A}"/>
-              </a:ext>
-            </a:extLst>
-          </p:cNvPr>
-          <p:cNvSpPr/>
-          <p:nvPr/>
-        </p:nvSpPr>
-        <p:spPr>
-          <a:xfrm>
-            <a:off x="654576" y="629685"/>
-            <a:ext cx="6326488" cy="3992292"/>
-          </a:xfrm>
-          <a:prstGeom prst="rect">
-            <a:avLst/>
-          </a:prstGeom>
-          <a:blipFill>
-            <a:blip r:embed="rId2"/>
-            <a:stretch>
-              <a:fillRect/>
-            </a:stretch>
-          </a:blipFill>
-          <a:ln w="38100" cmpd="sng">
-            <a:solidFill>
-              <a:schemeClr val="tx1"/>
-            </a:solidFill>
-            <a:prstDash val="solid"/>
-          </a:ln>
-        </p:spPr>
-        <p:style>
-          <a:lnRef idx="2">
-            <a:schemeClr val="accent1">
-              <a:shade val="50000"/>
-            </a:schemeClr>
-          </a:lnRef>
-          <a:fillRef idx="1">
-            <a:schemeClr val="accent1"/>
-          </a:fillRef>
-          <a:effectRef idx="0">
-            <a:schemeClr val="accent1"/>
-          </a:effectRef>
-          <a:fontRef idx="minor">
-            <a:schemeClr val="lt1"/>
-          </a:fontRef>
-        </p:style>
-        <p:txBody>
-          <a:bodyPr rtlCol="0" anchor="ctr"/>
-          <a:lstStyle/>
-          <a:p>
-            <a:endParaRPr lang="en-NL" sz="9600">
-              <a:latin typeface="Marvel" pitchFamily="2" charset="0"/>
-            </a:endParaRPr>
-          </a:p>
-        </p:txBody>
-      </p:sp>
-      <p:sp>
-        <p:nvSpPr>
-          <p:cNvPr id="7" name="TextBox 6">
-            <a:extLst>
-              <a:ext uri="{FF2B5EF4-FFF2-40B4-BE49-F238E27FC236}">
-                <a16:creationId xmlns:a16="http://schemas.microsoft.com/office/drawing/2014/main" id="{DB3D77AE-9792-C547-90E9-C96C9012A78D}"/>
-              </a:ext>
-            </a:extLst>
-          </p:cNvPr>
-          <p:cNvSpPr txBox="1"/>
-          <p:nvPr/>
-        </p:nvSpPr>
-        <p:spPr>
-          <a:xfrm>
-            <a:off x="1154265" y="1964111"/>
-            <a:ext cx="5451371" cy="1323439"/>
-          </a:xfrm>
-          <a:prstGeom prst="rect">
-            <a:avLst/>
-          </a:prstGeom>
-          <a:noFill/>
-        </p:spPr>
-        <p:txBody>
-          <a:bodyPr wrap="square" rtlCol="0">
-            <a:spAutoFit/>
-          </a:bodyPr>
-          <a:lstStyle/>
-          <a:p>
-            <a:pPr algn="ctr"/>
-            <a:r>
-              <a:rPr lang="en-NL" sz="8000" dirty="0">
-                <a:latin typeface="Marvel" pitchFamily="2" charset="0"/>
-              </a:rPr>
-              <a:t>UNREALIZED VALUE</a:t>
-            </a:r>
-          </a:p>
-        </p:txBody>
-      </p:sp>
-      <p:sp>
-        <p:nvSpPr>
-          <p:cNvPr id="8" name="TextBox 7">
-            <a:extLst>
-              <a:ext uri="{FF2B5EF4-FFF2-40B4-BE49-F238E27FC236}">
-                <a16:creationId xmlns:a16="http://schemas.microsoft.com/office/drawing/2014/main" id="{ED283D89-81C5-A942-931B-F37B88051625}"/>
-              </a:ext>
-            </a:extLst>
-          </p:cNvPr>
-          <p:cNvSpPr txBox="1"/>
-          <p:nvPr/>
-        </p:nvSpPr>
-        <p:spPr>
-          <a:xfrm>
-            <a:off x="1826342" y="2992265"/>
-            <a:ext cx="4107215" cy="400110"/>
-          </a:xfrm>
-          <a:prstGeom prst="rect">
-            <a:avLst/>
-          </a:prstGeom>
-          <a:noFill/>
-        </p:spPr>
-        <p:txBody>
-          <a:bodyPr wrap="none" rtlCol="0">
-            <a:spAutoFit/>
-          </a:bodyPr>
-          <a:lstStyle/>
-          <a:p>
-            <a:pPr algn="ctr"/>
-            <a:r>
-              <a:rPr lang="en-GB" sz="1000" dirty="0">
-                <a:solidFill>
-                  <a:schemeClr val="bg1">
-                    <a:lumMod val="50000"/>
-                  </a:schemeClr>
-                </a:solidFill>
-                <a:latin typeface="Ubuntu" panose="020B0504030602030204" pitchFamily="34" charset="0"/>
-              </a:rPr>
-              <a:t>The potential future value that </a:t>
-            </a:r>
-            <a:r>
-              <a:rPr lang="en-GB" sz="1000" i="1" dirty="0">
-                <a:solidFill>
-                  <a:schemeClr val="bg1">
-                    <a:lumMod val="50000"/>
-                  </a:schemeClr>
-                </a:solidFill>
-                <a:latin typeface="Ubuntu" panose="020B0504030602030204" pitchFamily="34" charset="0"/>
-              </a:rPr>
-              <a:t>could be</a:t>
-            </a:r>
-            <a:r>
-              <a:rPr lang="en-GB" sz="1000" dirty="0">
-                <a:solidFill>
-                  <a:schemeClr val="bg1">
-                    <a:lumMod val="50000"/>
-                  </a:schemeClr>
-                </a:solidFill>
-                <a:latin typeface="Ubuntu" panose="020B0504030602030204" pitchFamily="34" charset="0"/>
-              </a:rPr>
-              <a:t> realized </a:t>
-            </a:r>
-          </a:p>
-          <a:p>
-            <a:pPr algn="ctr"/>
-            <a:r>
-              <a:rPr lang="en-GB" sz="1000" dirty="0">
-                <a:solidFill>
-                  <a:schemeClr val="bg1">
-                    <a:lumMod val="50000"/>
-                  </a:schemeClr>
-                </a:solidFill>
-                <a:latin typeface="Ubuntu" panose="020B0504030602030204" pitchFamily="34" charset="0"/>
-              </a:rPr>
-              <a:t>if the organization met the needs of all potential customers or users</a:t>
-            </a:r>
-            <a:endParaRPr lang="en-NL" sz="1000" dirty="0">
-              <a:solidFill>
-                <a:schemeClr val="bg1">
-                  <a:lumMod val="50000"/>
-                </a:schemeClr>
-              </a:solidFill>
-              <a:latin typeface="Ubuntu" panose="020B0504030602030204" pitchFamily="34" charset="0"/>
-            </a:endParaRPr>
-          </a:p>
-        </p:txBody>
-      </p:sp>
-      <p:sp>
-        <p:nvSpPr>
-          <p:cNvPr id="24" name="Hexagon 23">
-            <a:extLst>
-              <a:ext uri="{FF2B5EF4-FFF2-40B4-BE49-F238E27FC236}">
-                <a16:creationId xmlns:a16="http://schemas.microsoft.com/office/drawing/2014/main" id="{B77BC908-5A71-5648-86F4-1DD501B1A47A}"/>
-              </a:ext>
-            </a:extLst>
-          </p:cNvPr>
-          <p:cNvSpPr/>
-          <p:nvPr/>
-        </p:nvSpPr>
-        <p:spPr>
-          <a:xfrm>
-            <a:off x="-263472" y="887581"/>
-            <a:ext cx="526943" cy="425834"/>
-          </a:xfrm>
-          <a:prstGeom prst="hexagon">
-            <a:avLst/>
-          </a:prstGeom>
-          <a:solidFill>
-            <a:schemeClr val="bg2"/>
-          </a:solidFill>
-          <a:ln>
-            <a:solidFill>
-              <a:schemeClr val="bg2"/>
-            </a:solidFill>
-          </a:ln>
-        </p:spPr>
-        <p:style>
-          <a:lnRef idx="2">
-            <a:schemeClr val="accent1">
-              <a:shade val="50000"/>
-            </a:schemeClr>
-          </a:lnRef>
-          <a:fillRef idx="1">
-            <a:schemeClr val="accent1"/>
-          </a:fillRef>
-          <a:effectRef idx="0">
-            <a:schemeClr val="accent1"/>
-          </a:effectRef>
-          <a:fontRef idx="minor">
-            <a:schemeClr val="lt1"/>
-          </a:fontRef>
-        </p:style>
-        <p:txBody>
-          <a:bodyPr rtlCol="0" anchor="ctr"/>
-          <a:lstStyle/>
-          <a:p>
-            <a:pPr algn="ctr"/>
-            <a:endParaRPr lang="en-NL"/>
-          </a:p>
-        </p:txBody>
-      </p:sp>
-      <p:sp>
-        <p:nvSpPr>
-          <p:cNvPr id="25" name="Hexagon 24">
-            <a:extLst>
-              <a:ext uri="{FF2B5EF4-FFF2-40B4-BE49-F238E27FC236}">
-                <a16:creationId xmlns:a16="http://schemas.microsoft.com/office/drawing/2014/main" id="{CA52172E-44FE-964B-8A80-395B31A859C7}"/>
-              </a:ext>
-            </a:extLst>
-          </p:cNvPr>
-          <p:cNvSpPr/>
-          <p:nvPr/>
-        </p:nvSpPr>
-        <p:spPr>
-          <a:xfrm>
-            <a:off x="-267574" y="1402464"/>
-            <a:ext cx="526943" cy="425834"/>
-          </a:xfrm>
-          <a:prstGeom prst="hexagon">
-            <a:avLst/>
-          </a:prstGeom>
-          <a:solidFill>
-            <a:schemeClr val="bg2"/>
-          </a:solidFill>
-          <a:ln>
-            <a:solidFill>
-              <a:schemeClr val="bg2"/>
-            </a:solidFill>
-          </a:ln>
-        </p:spPr>
-        <p:style>
-          <a:lnRef idx="2">
-            <a:schemeClr val="accent1">
-              <a:shade val="50000"/>
-            </a:schemeClr>
-          </a:lnRef>
-          <a:fillRef idx="1">
-            <a:schemeClr val="accent1"/>
-          </a:fillRef>
-          <a:effectRef idx="0">
-            <a:schemeClr val="accent1"/>
-          </a:effectRef>
-          <a:fontRef idx="minor">
-            <a:schemeClr val="lt1"/>
-          </a:fontRef>
-        </p:style>
-        <p:txBody>
-          <a:bodyPr rtlCol="0" anchor="ctr"/>
-          <a:lstStyle/>
-          <a:p>
-            <a:pPr algn="ctr"/>
-            <a:endParaRPr lang="en-NL"/>
-          </a:p>
-        </p:txBody>
-      </p:sp>
-      <p:sp>
-        <p:nvSpPr>
-          <p:cNvPr id="26" name="Hexagon 25">
-            <a:extLst>
-              <a:ext uri="{FF2B5EF4-FFF2-40B4-BE49-F238E27FC236}">
-                <a16:creationId xmlns:a16="http://schemas.microsoft.com/office/drawing/2014/main" id="{08EC8FA2-7049-534E-A372-EC6A91A4CE79}"/>
-              </a:ext>
-            </a:extLst>
-          </p:cNvPr>
-          <p:cNvSpPr/>
-          <p:nvPr/>
-        </p:nvSpPr>
-        <p:spPr>
-          <a:xfrm>
-            <a:off x="-267574" y="1917347"/>
-            <a:ext cx="526943" cy="425834"/>
-          </a:xfrm>
-          <a:prstGeom prst="hexagon">
-            <a:avLst/>
-          </a:prstGeom>
-          <a:solidFill>
-            <a:schemeClr val="bg2"/>
-          </a:solidFill>
-          <a:ln>
-            <a:solidFill>
-              <a:schemeClr val="bg2"/>
-            </a:solidFill>
-          </a:ln>
-        </p:spPr>
-        <p:style>
-          <a:lnRef idx="2">
-            <a:schemeClr val="accent1">
-              <a:shade val="50000"/>
-            </a:schemeClr>
-          </a:lnRef>
-          <a:fillRef idx="1">
-            <a:schemeClr val="accent1"/>
-          </a:fillRef>
-          <a:effectRef idx="0">
-            <a:schemeClr val="accent1"/>
-          </a:effectRef>
-          <a:fontRef idx="minor">
-            <a:schemeClr val="lt1"/>
-          </a:fontRef>
-        </p:style>
-        <p:txBody>
-          <a:bodyPr rtlCol="0" anchor="ctr"/>
-          <a:lstStyle/>
-          <a:p>
-            <a:pPr algn="ctr"/>
-            <a:endParaRPr lang="en-NL"/>
-          </a:p>
-        </p:txBody>
-      </p:sp>
-      <p:sp>
-        <p:nvSpPr>
-          <p:cNvPr id="27" name="Hexagon 26">
-            <a:extLst>
-              <a:ext uri="{FF2B5EF4-FFF2-40B4-BE49-F238E27FC236}">
-                <a16:creationId xmlns:a16="http://schemas.microsoft.com/office/drawing/2014/main" id="{718BA15D-DE98-8D43-9A3F-36F37A37AF2D}"/>
-              </a:ext>
-            </a:extLst>
-          </p:cNvPr>
-          <p:cNvSpPr/>
-          <p:nvPr/>
-        </p:nvSpPr>
-        <p:spPr>
-          <a:xfrm>
-            <a:off x="-271676" y="2432230"/>
-            <a:ext cx="526943" cy="425834"/>
-          </a:xfrm>
-          <a:prstGeom prst="hexagon">
-            <a:avLst/>
-          </a:prstGeom>
-          <a:solidFill>
-            <a:schemeClr val="bg2"/>
-          </a:solidFill>
-          <a:ln>
-            <a:solidFill>
-              <a:schemeClr val="bg2"/>
-            </a:solidFill>
-          </a:ln>
-        </p:spPr>
-        <p:style>
-          <a:lnRef idx="2">
-            <a:schemeClr val="accent1">
-              <a:shade val="50000"/>
-            </a:schemeClr>
-          </a:lnRef>
-          <a:fillRef idx="1">
-            <a:schemeClr val="accent1"/>
-          </a:fillRef>
-          <a:effectRef idx="0">
-            <a:schemeClr val="accent1"/>
-          </a:effectRef>
-          <a:fontRef idx="minor">
-            <a:schemeClr val="lt1"/>
-          </a:fontRef>
-        </p:style>
-        <p:txBody>
-          <a:bodyPr rtlCol="0" anchor="ctr"/>
-          <a:lstStyle/>
-          <a:p>
-            <a:pPr algn="ctr"/>
-            <a:endParaRPr lang="en-NL"/>
-          </a:p>
-        </p:txBody>
-      </p:sp>
-      <p:sp>
-        <p:nvSpPr>
-          <p:cNvPr id="28" name="Hexagon 27">
-            <a:extLst>
-              <a:ext uri="{FF2B5EF4-FFF2-40B4-BE49-F238E27FC236}">
-                <a16:creationId xmlns:a16="http://schemas.microsoft.com/office/drawing/2014/main" id="{5EF61F84-17B4-324C-9CD3-E07B3D18F12C}"/>
-              </a:ext>
-            </a:extLst>
-          </p:cNvPr>
-          <p:cNvSpPr/>
-          <p:nvPr/>
-        </p:nvSpPr>
-        <p:spPr>
-          <a:xfrm>
-            <a:off x="-269625" y="2949651"/>
-            <a:ext cx="526943" cy="425834"/>
-          </a:xfrm>
-          <a:prstGeom prst="hexagon">
-            <a:avLst/>
-          </a:prstGeom>
-          <a:solidFill>
-            <a:schemeClr val="bg2"/>
-          </a:solidFill>
-          <a:ln>
-            <a:solidFill>
-              <a:schemeClr val="bg2"/>
-            </a:solidFill>
-          </a:ln>
-        </p:spPr>
-        <p:style>
-          <a:lnRef idx="2">
-            <a:schemeClr val="accent1">
-              <a:shade val="50000"/>
-            </a:schemeClr>
-          </a:lnRef>
-          <a:fillRef idx="1">
-            <a:schemeClr val="accent1"/>
-          </a:fillRef>
-          <a:effectRef idx="0">
-            <a:schemeClr val="accent1"/>
-          </a:effectRef>
-          <a:fontRef idx="minor">
-            <a:schemeClr val="lt1"/>
-          </a:fontRef>
-        </p:style>
-        <p:txBody>
-          <a:bodyPr rtlCol="0" anchor="ctr"/>
-          <a:lstStyle/>
-          <a:p>
-            <a:pPr algn="ctr"/>
-            <a:endParaRPr lang="en-NL"/>
-          </a:p>
-        </p:txBody>
-      </p:sp>
-      <p:sp>
-        <p:nvSpPr>
-          <p:cNvPr id="29" name="Hexagon 28">
-            <a:extLst>
-              <a:ext uri="{FF2B5EF4-FFF2-40B4-BE49-F238E27FC236}">
-                <a16:creationId xmlns:a16="http://schemas.microsoft.com/office/drawing/2014/main" id="{6099D7E0-C13A-7847-84ED-EA0C5524E554}"/>
-              </a:ext>
-            </a:extLst>
-          </p:cNvPr>
-          <p:cNvSpPr/>
-          <p:nvPr/>
-        </p:nvSpPr>
-        <p:spPr>
-          <a:xfrm>
-            <a:off x="-273727" y="3464534"/>
-            <a:ext cx="526943" cy="425834"/>
-          </a:xfrm>
-          <a:prstGeom prst="hexagon">
-            <a:avLst/>
-          </a:prstGeom>
-          <a:solidFill>
-            <a:schemeClr val="bg2"/>
-          </a:solidFill>
-          <a:ln>
-            <a:solidFill>
-              <a:schemeClr val="bg2"/>
-            </a:solidFill>
-          </a:ln>
-        </p:spPr>
-        <p:style>
-          <a:lnRef idx="2">
-            <a:schemeClr val="accent1">
-              <a:shade val="50000"/>
-            </a:schemeClr>
-          </a:lnRef>
-          <a:fillRef idx="1">
-            <a:schemeClr val="accent1"/>
-          </a:fillRef>
-          <a:effectRef idx="0">
-            <a:schemeClr val="accent1"/>
-          </a:effectRef>
-          <a:fontRef idx="minor">
-            <a:schemeClr val="lt1"/>
-          </a:fontRef>
-        </p:style>
-        <p:txBody>
-          <a:bodyPr rtlCol="0" anchor="ctr"/>
-          <a:lstStyle/>
-          <a:p>
-            <a:pPr algn="ctr"/>
-            <a:endParaRPr lang="en-NL"/>
-          </a:p>
-        </p:txBody>
-      </p:sp>
-      <p:sp>
-        <p:nvSpPr>
-          <p:cNvPr id="30" name="Hexagon 29">
-            <a:extLst>
-              <a:ext uri="{FF2B5EF4-FFF2-40B4-BE49-F238E27FC236}">
-                <a16:creationId xmlns:a16="http://schemas.microsoft.com/office/drawing/2014/main" id="{920910FA-5581-F04C-9A39-2A4938FE8099}"/>
-              </a:ext>
-            </a:extLst>
-          </p:cNvPr>
-          <p:cNvSpPr/>
-          <p:nvPr/>
-        </p:nvSpPr>
-        <p:spPr>
-          <a:xfrm>
-            <a:off x="-263472" y="3976879"/>
-            <a:ext cx="526943" cy="425834"/>
-          </a:xfrm>
-          <a:prstGeom prst="hexagon">
-            <a:avLst/>
-          </a:prstGeom>
-          <a:solidFill>
-            <a:schemeClr val="bg2"/>
-          </a:solidFill>
-          <a:ln>
-            <a:solidFill>
-              <a:schemeClr val="bg2"/>
-            </a:solidFill>
-          </a:ln>
-        </p:spPr>
-        <p:style>
-          <a:lnRef idx="2">
-            <a:schemeClr val="accent1">
-              <a:shade val="50000"/>
-            </a:schemeClr>
-          </a:lnRef>
-          <a:fillRef idx="1">
-            <a:schemeClr val="accent1"/>
-          </a:fillRef>
-          <a:effectRef idx="0">
-            <a:schemeClr val="accent1"/>
-          </a:effectRef>
-          <a:fontRef idx="minor">
-            <a:schemeClr val="lt1"/>
-          </a:fontRef>
-        </p:style>
-        <p:txBody>
-          <a:bodyPr rtlCol="0" anchor="ctr"/>
-          <a:lstStyle/>
-          <a:p>
-            <a:pPr algn="ctr"/>
-            <a:endParaRPr lang="en-NL"/>
-          </a:p>
-        </p:txBody>
-      </p:sp>
-      <p:sp>
-        <p:nvSpPr>
-          <p:cNvPr id="31" name="Hexagon 30">
-            <a:extLst>
-              <a:ext uri="{FF2B5EF4-FFF2-40B4-BE49-F238E27FC236}">
-                <a16:creationId xmlns:a16="http://schemas.microsoft.com/office/drawing/2014/main" id="{8BBDE08F-BA25-4943-9CD6-08F91133CB36}"/>
-              </a:ext>
-            </a:extLst>
-          </p:cNvPr>
-          <p:cNvSpPr/>
-          <p:nvPr/>
-        </p:nvSpPr>
-        <p:spPr>
-          <a:xfrm>
-            <a:off x="7276165" y="887581"/>
-            <a:ext cx="526943" cy="425834"/>
-          </a:xfrm>
-          <a:prstGeom prst="hexagon">
-            <a:avLst/>
-          </a:prstGeom>
-          <a:solidFill>
-            <a:schemeClr val="bg2"/>
-          </a:solidFill>
-          <a:ln>
-            <a:solidFill>
-              <a:schemeClr val="bg2"/>
-            </a:solidFill>
-          </a:ln>
-        </p:spPr>
-        <p:style>
-          <a:lnRef idx="2">
-            <a:schemeClr val="accent1">
-              <a:shade val="50000"/>
-            </a:schemeClr>
-          </a:lnRef>
-          <a:fillRef idx="1">
-            <a:schemeClr val="accent1"/>
-          </a:fillRef>
-          <a:effectRef idx="0">
-            <a:schemeClr val="accent1"/>
-          </a:effectRef>
-          <a:fontRef idx="minor">
-            <a:schemeClr val="lt1"/>
-          </a:fontRef>
-        </p:style>
-        <p:txBody>
-          <a:bodyPr rtlCol="0" anchor="ctr"/>
-          <a:lstStyle/>
-          <a:p>
-            <a:pPr algn="ctr"/>
-            <a:endParaRPr lang="en-NL"/>
-          </a:p>
-        </p:txBody>
-      </p:sp>
-      <p:sp>
-        <p:nvSpPr>
-          <p:cNvPr id="32" name="Hexagon 31">
-            <a:extLst>
-              <a:ext uri="{FF2B5EF4-FFF2-40B4-BE49-F238E27FC236}">
-                <a16:creationId xmlns:a16="http://schemas.microsoft.com/office/drawing/2014/main" id="{1FBA123F-FD40-8849-9469-AF75E6B929B7}"/>
-              </a:ext>
-            </a:extLst>
-          </p:cNvPr>
-          <p:cNvSpPr/>
-          <p:nvPr/>
-        </p:nvSpPr>
-        <p:spPr>
-          <a:xfrm>
-            <a:off x="7272063" y="1402464"/>
-            <a:ext cx="526943" cy="425834"/>
-          </a:xfrm>
-          <a:prstGeom prst="hexagon">
-            <a:avLst/>
-          </a:prstGeom>
-          <a:solidFill>
-            <a:schemeClr val="bg2"/>
-          </a:solidFill>
-          <a:ln>
-            <a:solidFill>
-              <a:schemeClr val="bg2"/>
-            </a:solidFill>
-          </a:ln>
-        </p:spPr>
-        <p:style>
-          <a:lnRef idx="2">
-            <a:schemeClr val="accent1">
-              <a:shade val="50000"/>
-            </a:schemeClr>
-          </a:lnRef>
-          <a:fillRef idx="1">
-            <a:schemeClr val="accent1"/>
-          </a:fillRef>
-          <a:effectRef idx="0">
-            <a:schemeClr val="accent1"/>
-          </a:effectRef>
-          <a:fontRef idx="minor">
-            <a:schemeClr val="lt1"/>
-          </a:fontRef>
-        </p:style>
-        <p:txBody>
-          <a:bodyPr rtlCol="0" anchor="ctr"/>
-          <a:lstStyle/>
-          <a:p>
-            <a:pPr algn="ctr"/>
-            <a:endParaRPr lang="en-NL"/>
-          </a:p>
-        </p:txBody>
-      </p:sp>
-      <p:sp>
-        <p:nvSpPr>
-          <p:cNvPr id="33" name="Hexagon 32">
-            <a:extLst>
-              <a:ext uri="{FF2B5EF4-FFF2-40B4-BE49-F238E27FC236}">
-                <a16:creationId xmlns:a16="http://schemas.microsoft.com/office/drawing/2014/main" id="{A5F73996-9447-1848-B658-78DFF6A9C779}"/>
-              </a:ext>
-            </a:extLst>
-          </p:cNvPr>
-          <p:cNvSpPr/>
-          <p:nvPr/>
-        </p:nvSpPr>
-        <p:spPr>
-          <a:xfrm>
-            <a:off x="7272063" y="1917347"/>
-            <a:ext cx="526943" cy="425834"/>
-          </a:xfrm>
-          <a:prstGeom prst="hexagon">
-            <a:avLst/>
-          </a:prstGeom>
-          <a:solidFill>
-            <a:schemeClr val="bg2"/>
-          </a:solidFill>
-          <a:ln>
-            <a:solidFill>
-              <a:schemeClr val="bg2"/>
-            </a:solidFill>
-          </a:ln>
-        </p:spPr>
-        <p:style>
-          <a:lnRef idx="2">
-            <a:schemeClr val="accent1">
-              <a:shade val="50000"/>
-            </a:schemeClr>
-          </a:lnRef>
-          <a:fillRef idx="1">
-            <a:schemeClr val="accent1"/>
-          </a:fillRef>
-          <a:effectRef idx="0">
-            <a:schemeClr val="accent1"/>
-          </a:effectRef>
-          <a:fontRef idx="minor">
-            <a:schemeClr val="lt1"/>
-          </a:fontRef>
-        </p:style>
-        <p:txBody>
-          <a:bodyPr rtlCol="0" anchor="ctr"/>
-          <a:lstStyle/>
-          <a:p>
-            <a:pPr algn="ctr"/>
-            <a:endParaRPr lang="en-NL"/>
-          </a:p>
-        </p:txBody>
-      </p:sp>
-      <p:sp>
-        <p:nvSpPr>
-          <p:cNvPr id="34" name="Hexagon 33">
-            <a:extLst>
-              <a:ext uri="{FF2B5EF4-FFF2-40B4-BE49-F238E27FC236}">
-                <a16:creationId xmlns:a16="http://schemas.microsoft.com/office/drawing/2014/main" id="{275693F2-68C2-3E4F-BA5E-B253F0E64904}"/>
-              </a:ext>
-            </a:extLst>
-          </p:cNvPr>
-          <p:cNvSpPr/>
-          <p:nvPr/>
-        </p:nvSpPr>
-        <p:spPr>
-          <a:xfrm>
-            <a:off x="7267961" y="2432230"/>
-            <a:ext cx="526943" cy="425834"/>
-          </a:xfrm>
-          <a:prstGeom prst="hexagon">
-            <a:avLst/>
-          </a:prstGeom>
-          <a:solidFill>
-            <a:schemeClr val="bg2"/>
-          </a:solidFill>
-          <a:ln>
-            <a:solidFill>
-              <a:schemeClr val="bg2"/>
-            </a:solidFill>
-          </a:ln>
-        </p:spPr>
-        <p:style>
-          <a:lnRef idx="2">
-            <a:schemeClr val="accent1">
-              <a:shade val="50000"/>
-            </a:schemeClr>
-          </a:lnRef>
-          <a:fillRef idx="1">
-            <a:schemeClr val="accent1"/>
-          </a:fillRef>
-          <a:effectRef idx="0">
-            <a:schemeClr val="accent1"/>
-          </a:effectRef>
-          <a:fontRef idx="minor">
-            <a:schemeClr val="lt1"/>
-          </a:fontRef>
-        </p:style>
-        <p:txBody>
-          <a:bodyPr rtlCol="0" anchor="ctr"/>
-          <a:lstStyle/>
-          <a:p>
-            <a:pPr algn="ctr"/>
-            <a:endParaRPr lang="en-NL"/>
-          </a:p>
-        </p:txBody>
-      </p:sp>
-      <p:sp>
-        <p:nvSpPr>
-          <p:cNvPr id="35" name="Hexagon 34">
-            <a:extLst>
-              <a:ext uri="{FF2B5EF4-FFF2-40B4-BE49-F238E27FC236}">
-                <a16:creationId xmlns:a16="http://schemas.microsoft.com/office/drawing/2014/main" id="{0037A2A0-8D75-B940-835C-26E592882C69}"/>
-              </a:ext>
-            </a:extLst>
-          </p:cNvPr>
-          <p:cNvSpPr/>
-          <p:nvPr/>
-        </p:nvSpPr>
-        <p:spPr>
-          <a:xfrm>
-            <a:off x="7270012" y="2949651"/>
-            <a:ext cx="526943" cy="425834"/>
-          </a:xfrm>
-          <a:prstGeom prst="hexagon">
-            <a:avLst/>
-          </a:prstGeom>
-          <a:solidFill>
-            <a:schemeClr val="bg2"/>
-          </a:solidFill>
-          <a:ln>
-            <a:solidFill>
-              <a:schemeClr val="bg2"/>
-            </a:solidFill>
-          </a:ln>
-        </p:spPr>
-        <p:style>
-          <a:lnRef idx="2">
-            <a:schemeClr val="accent1">
-              <a:shade val="50000"/>
-            </a:schemeClr>
-          </a:lnRef>
-          <a:fillRef idx="1">
-            <a:schemeClr val="accent1"/>
-          </a:fillRef>
-          <a:effectRef idx="0">
-            <a:schemeClr val="accent1"/>
-          </a:effectRef>
-          <a:fontRef idx="minor">
-            <a:schemeClr val="lt1"/>
-          </a:fontRef>
-        </p:style>
-        <p:txBody>
-          <a:bodyPr rtlCol="0" anchor="ctr"/>
-          <a:lstStyle/>
-          <a:p>
-            <a:pPr algn="ctr"/>
-            <a:endParaRPr lang="en-NL"/>
-          </a:p>
-        </p:txBody>
-      </p:sp>
-      <p:sp>
-        <p:nvSpPr>
-          <p:cNvPr id="36" name="Hexagon 35">
-            <a:extLst>
-              <a:ext uri="{FF2B5EF4-FFF2-40B4-BE49-F238E27FC236}">
-                <a16:creationId xmlns:a16="http://schemas.microsoft.com/office/drawing/2014/main" id="{34ABA7B3-653A-E24D-B127-F6F5AEBE2C7B}"/>
-              </a:ext>
-            </a:extLst>
-          </p:cNvPr>
-          <p:cNvSpPr/>
-          <p:nvPr/>
-        </p:nvSpPr>
-        <p:spPr>
-          <a:xfrm>
-            <a:off x="7265910" y="3464534"/>
-            <a:ext cx="526943" cy="425834"/>
-          </a:xfrm>
-          <a:prstGeom prst="hexagon">
-            <a:avLst/>
-          </a:prstGeom>
-          <a:solidFill>
-            <a:schemeClr val="bg2"/>
-          </a:solidFill>
-          <a:ln>
-            <a:solidFill>
-              <a:schemeClr val="bg2"/>
-            </a:solidFill>
-          </a:ln>
-        </p:spPr>
-        <p:style>
-          <a:lnRef idx="2">
-            <a:schemeClr val="accent1">
-              <a:shade val="50000"/>
-            </a:schemeClr>
-          </a:lnRef>
-          <a:fillRef idx="1">
-            <a:schemeClr val="accent1"/>
-          </a:fillRef>
-          <a:effectRef idx="0">
-            <a:schemeClr val="accent1"/>
-          </a:effectRef>
-          <a:fontRef idx="minor">
-            <a:schemeClr val="lt1"/>
-          </a:fontRef>
-        </p:style>
-        <p:txBody>
-          <a:bodyPr rtlCol="0" anchor="ctr"/>
-          <a:lstStyle/>
-          <a:p>
-            <a:pPr algn="ctr"/>
-            <a:endParaRPr lang="en-NL"/>
-          </a:p>
-        </p:txBody>
-      </p:sp>
-      <p:sp>
-        <p:nvSpPr>
-          <p:cNvPr id="37" name="Hexagon 36">
-            <a:extLst>
-              <a:ext uri="{FF2B5EF4-FFF2-40B4-BE49-F238E27FC236}">
-                <a16:creationId xmlns:a16="http://schemas.microsoft.com/office/drawing/2014/main" id="{980F8705-E6AE-3E4B-9146-F98BFFE8E753}"/>
-              </a:ext>
-            </a:extLst>
-          </p:cNvPr>
-          <p:cNvSpPr/>
-          <p:nvPr/>
-        </p:nvSpPr>
-        <p:spPr>
-          <a:xfrm>
-            <a:off x="7276165" y="3976879"/>
-            <a:ext cx="526943" cy="425834"/>
-          </a:xfrm>
-          <a:prstGeom prst="hexagon">
-            <a:avLst/>
-          </a:prstGeom>
-          <a:solidFill>
-            <a:schemeClr val="bg2"/>
-          </a:solidFill>
-          <a:ln>
-            <a:solidFill>
-              <a:schemeClr val="bg2"/>
-            </a:solidFill>
-          </a:ln>
-        </p:spPr>
-        <p:style>
-          <a:lnRef idx="2">
-            <a:schemeClr val="accent1">
-              <a:shade val="50000"/>
-            </a:schemeClr>
-          </a:lnRef>
-          <a:fillRef idx="1">
-            <a:schemeClr val="accent1"/>
-          </a:fillRef>
-          <a:effectRef idx="0">
-            <a:schemeClr val="accent1"/>
-          </a:effectRef>
-          <a:fontRef idx="minor">
-            <a:schemeClr val="lt1"/>
-          </a:fontRef>
-        </p:style>
-        <p:txBody>
-          <a:bodyPr rtlCol="0" anchor="ctr"/>
-          <a:lstStyle/>
-          <a:p>
-            <a:pPr algn="ctr"/>
-            <a:endParaRPr lang="en-NL"/>
-          </a:p>
-        </p:txBody>
-      </p:sp>
-    </p:spTree>
-    <p:extLst>
-      <p:ext uri="{BB962C8B-B14F-4D97-AF65-F5344CB8AC3E}">
-        <p14:creationId xmlns:p14="http://schemas.microsoft.com/office/powerpoint/2010/main" val="3863189371"/>
-      </p:ext>
-    </p:extLst>
-  </p:cSld>
-  <p:clrMapOvr>
-    <a:masterClrMapping/>
-  </p:clrMapOvr>
-</p:sld>
-</file>
-
-<file path=ppt/slides/slide50.xml><?xml version="1.0" encoding="utf-8"?>
+<file path=ppt/slides/slide52.xml><?xml version="1.0" encoding="utf-8"?>
 <p:sld xmlns:a="http://schemas.openxmlformats.org/drawingml/2006/main" xmlns:r="http://schemas.openxmlformats.org/officeDocument/2006/relationships" xmlns:p="http://schemas.openxmlformats.org/presentationml/2006/main">
   <p:cSld>
     <p:spTree>
@@ -17142,7 +17641,7 @@
 </p:sld>
 </file>
 
-<file path=ppt/slides/slide51.xml><?xml version="1.0" encoding="utf-8"?>
+<file path=ppt/slides/slide53.xml><?xml version="1.0" encoding="utf-8"?>
 <p:sld xmlns:a="http://schemas.openxmlformats.org/drawingml/2006/main" xmlns:r="http://schemas.openxmlformats.org/officeDocument/2006/relationships" xmlns:p="http://schemas.openxmlformats.org/presentationml/2006/main">
   <p:cSld>
     <p:spTree>
@@ -17462,7 +17961,7 @@
 </p:sld>
 </file>
 
-<file path=ppt/slides/slide52.xml><?xml version="1.0" encoding="utf-8"?>
+<file path=ppt/slides/slide54.xml><?xml version="1.0" encoding="utf-8"?>
 <p:sld xmlns:a="http://schemas.openxmlformats.org/drawingml/2006/main" xmlns:r="http://schemas.openxmlformats.org/officeDocument/2006/relationships" xmlns:p="http://schemas.openxmlformats.org/presentationml/2006/main">
   <p:cSld>
     <p:spTree>
@@ -17631,7 +18130,7 @@
 </p:sld>
 </file>
 
-<file path=ppt/slides/slide53.xml><?xml version="1.0" encoding="utf-8"?>
+<file path=ppt/slides/slide55.xml><?xml version="1.0" encoding="utf-8"?>
 <p:sld xmlns:a="http://schemas.openxmlformats.org/drawingml/2006/main" xmlns:r="http://schemas.openxmlformats.org/officeDocument/2006/relationships" xmlns:p="http://schemas.openxmlformats.org/presentationml/2006/main">
   <p:cSld>
     <p:spTree>
@@ -17939,7 +18438,7 @@
 </p:sld>
 </file>
 
-<file path=ppt/slides/slide54.xml><?xml version="1.0" encoding="utf-8"?>
+<file path=ppt/slides/slide56.xml><?xml version="1.0" encoding="utf-8"?>
 <p:sld xmlns:a="http://schemas.openxmlformats.org/drawingml/2006/main" xmlns:r="http://schemas.openxmlformats.org/officeDocument/2006/relationships" xmlns:p="http://schemas.openxmlformats.org/presentationml/2006/main">
   <p:cSld>
     <p:spTree>
@@ -18108,7 +18607,7 @@
 </p:sld>
 </file>
 
-<file path=ppt/slides/slide55.xml><?xml version="1.0" encoding="utf-8"?>
+<file path=ppt/slides/slide57.xml><?xml version="1.0" encoding="utf-8"?>
 <p:sld xmlns:a="http://schemas.openxmlformats.org/drawingml/2006/main" xmlns:r="http://schemas.openxmlformats.org/officeDocument/2006/relationships" xmlns:p="http://schemas.openxmlformats.org/presentationml/2006/main">
   <p:cSld>
     <p:spTree>
@@ -18416,7 +18915,7 @@
 </p:sld>
 </file>
 
-<file path=ppt/slides/slide56.xml><?xml version="1.0" encoding="utf-8"?>
+<file path=ppt/slides/slide58.xml><?xml version="1.0" encoding="utf-8"?>
 <p:sld xmlns:a="http://schemas.openxmlformats.org/drawingml/2006/main" xmlns:r="http://schemas.openxmlformats.org/officeDocument/2006/relationships" xmlns:p="http://schemas.openxmlformats.org/presentationml/2006/main">
   <p:cSld>
     <p:spTree>
@@ -18585,7 +19084,7 @@
 </p:sld>
 </file>
 
-<file path=ppt/slides/slide57.xml><?xml version="1.0" encoding="utf-8"?>
+<file path=ppt/slides/slide59.xml><?xml version="1.0" encoding="utf-8"?>
 <p:sld xmlns:a="http://schemas.openxmlformats.org/drawingml/2006/main" xmlns:r="http://schemas.openxmlformats.org/officeDocument/2006/relationships" xmlns:p="http://schemas.openxmlformats.org/presentationml/2006/main">
   <p:cSld>
     <p:spTree>
@@ -18905,7 +19404,7 @@
 </p:sld>
 </file>
 
-<file path=ppt/slides/slide58.xml><?xml version="1.0" encoding="utf-8"?>
+<file path=ppt/slides/slide6.xml><?xml version="1.0" encoding="utf-8"?>
 <p:sld xmlns:a="http://schemas.openxmlformats.org/drawingml/2006/main" xmlns:r="http://schemas.openxmlformats.org/officeDocument/2006/relationships" xmlns:p="http://schemas.openxmlformats.org/presentationml/2006/main">
   <p:cSld>
     <p:spTree>
@@ -19064,6 +19563,175 @@
     </p:spTree>
     <p:extLst>
       <p:ext uri="{BB962C8B-B14F-4D97-AF65-F5344CB8AC3E}">
+        <p14:creationId xmlns:p14="http://schemas.microsoft.com/office/powerpoint/2010/main" val="1452892043"/>
+      </p:ext>
+    </p:extLst>
+  </p:cSld>
+  <p:clrMapOvr>
+    <a:masterClrMapping/>
+  </p:clrMapOvr>
+</p:sld>
+</file>
+
+<file path=ppt/slides/slide60.xml><?xml version="1.0" encoding="utf-8"?>
+<p:sld xmlns:a="http://schemas.openxmlformats.org/drawingml/2006/main" xmlns:r="http://schemas.openxmlformats.org/officeDocument/2006/relationships" xmlns:p="http://schemas.openxmlformats.org/presentationml/2006/main">
+  <p:cSld>
+    <p:spTree>
+      <p:nvGrpSpPr>
+        <p:cNvPr id="1" name=""/>
+        <p:cNvGrpSpPr/>
+        <p:nvPr/>
+      </p:nvGrpSpPr>
+      <p:grpSpPr>
+        <a:xfrm>
+          <a:off x="0" y="0"/>
+          <a:ext cx="0" cy="0"/>
+          <a:chOff x="0" y="0"/>
+          <a:chExt cx="0" cy="0"/>
+        </a:xfrm>
+      </p:grpSpPr>
+      <p:sp>
+        <p:nvSpPr>
+          <p:cNvPr id="2" name="Title 1">
+            <a:extLst>
+              <a:ext uri="{FF2B5EF4-FFF2-40B4-BE49-F238E27FC236}">
+                <a16:creationId xmlns:a16="http://schemas.microsoft.com/office/drawing/2014/main" id="{CFCDF3DA-1D3D-E743-8E21-6B353B4D96A4}"/>
+              </a:ext>
+            </a:extLst>
+          </p:cNvPr>
+          <p:cNvSpPr>
+            <a:spLocks noGrp="1"/>
+          </p:cNvSpPr>
+          <p:nvPr>
+            <p:ph type="title"/>
+          </p:nvPr>
+        </p:nvSpPr>
+        <p:spPr/>
+        <p:txBody>
+          <a:bodyPr/>
+          <a:lstStyle/>
+          <a:p>
+            <a:endParaRPr lang="en-NL"/>
+          </a:p>
+        </p:txBody>
+      </p:sp>
+      <p:sp>
+        <p:nvSpPr>
+          <p:cNvPr id="3" name="Content Placeholder 2">
+            <a:extLst>
+              <a:ext uri="{FF2B5EF4-FFF2-40B4-BE49-F238E27FC236}">
+                <a16:creationId xmlns:a16="http://schemas.microsoft.com/office/drawing/2014/main" id="{40A525DA-CA85-AD48-8A85-52A75E1E5317}"/>
+              </a:ext>
+            </a:extLst>
+          </p:cNvPr>
+          <p:cNvSpPr>
+            <a:spLocks noGrp="1"/>
+          </p:cNvSpPr>
+          <p:nvPr>
+            <p:ph idx="1"/>
+          </p:nvPr>
+        </p:nvSpPr>
+        <p:spPr/>
+        <p:txBody>
+          <a:bodyPr/>
+          <a:lstStyle/>
+          <a:p>
+            <a:endParaRPr lang="en-NL"/>
+          </a:p>
+        </p:txBody>
+      </p:sp>
+      <p:sp>
+        <p:nvSpPr>
+          <p:cNvPr id="4" name="Rounded Rectangle 3">
+            <a:extLst>
+              <a:ext uri="{FF2B5EF4-FFF2-40B4-BE49-F238E27FC236}">
+                <a16:creationId xmlns:a16="http://schemas.microsoft.com/office/drawing/2014/main" id="{6B890BB6-3544-1A4E-A833-93135A597BB4}"/>
+              </a:ext>
+            </a:extLst>
+          </p:cNvPr>
+          <p:cNvSpPr/>
+          <p:nvPr/>
+        </p:nvSpPr>
+        <p:spPr>
+          <a:xfrm>
+            <a:off x="0" y="0"/>
+            <a:ext cx="7559675" cy="5327650"/>
+          </a:xfrm>
+          <a:prstGeom prst="roundRect">
+            <a:avLst>
+              <a:gd name="adj" fmla="val 0"/>
+            </a:avLst>
+          </a:prstGeom>
+          <a:blipFill>
+            <a:blip r:embed="rId2"/>
+            <a:stretch>
+              <a:fillRect/>
+            </a:stretch>
+          </a:blipFill>
+          <a:ln>
+            <a:solidFill>
+              <a:schemeClr val="bg2"/>
+            </a:solidFill>
+          </a:ln>
+        </p:spPr>
+        <p:style>
+          <a:lnRef idx="2">
+            <a:schemeClr val="accent1">
+              <a:shade val="50000"/>
+            </a:schemeClr>
+          </a:lnRef>
+          <a:fillRef idx="1">
+            <a:schemeClr val="accent1"/>
+          </a:fillRef>
+          <a:effectRef idx="0">
+            <a:schemeClr val="accent1"/>
+          </a:effectRef>
+          <a:fontRef idx="minor">
+            <a:schemeClr val="lt1"/>
+          </a:fontRef>
+        </p:style>
+        <p:txBody>
+          <a:bodyPr rtlCol="0" anchor="ctr"/>
+          <a:lstStyle/>
+          <a:p>
+            <a:pPr algn="ctr"/>
+            <a:endParaRPr lang="en-NL"/>
+          </a:p>
+        </p:txBody>
+      </p:sp>
+      <p:pic>
+        <p:nvPicPr>
+          <p:cNvPr id="5" name="Picture 4" descr="A picture containing food, drawing&#10;&#10;Description automatically generated">
+            <a:extLst>
+              <a:ext uri="{FF2B5EF4-FFF2-40B4-BE49-F238E27FC236}">
+                <a16:creationId xmlns:a16="http://schemas.microsoft.com/office/drawing/2014/main" id="{27611709-3190-2A4B-BCE4-4D329000A8EB}"/>
+              </a:ext>
+            </a:extLst>
+          </p:cNvPr>
+          <p:cNvPicPr>
+            <a:picLocks noChangeAspect="1"/>
+          </p:cNvPicPr>
+          <p:nvPr/>
+        </p:nvPicPr>
+        <p:blipFill>
+          <a:blip r:embed="rId3"/>
+          <a:stretch>
+            <a:fillRect/>
+          </a:stretch>
+        </p:blipFill>
+        <p:spPr>
+          <a:xfrm>
+            <a:off x="350837" y="-765175"/>
+            <a:ext cx="6858000" cy="6858000"/>
+          </a:xfrm>
+          <a:prstGeom prst="rect">
+            <a:avLst/>
+          </a:prstGeom>
+        </p:spPr>
+      </p:pic>
+    </p:spTree>
+    <p:extLst>
+      <p:ext uri="{BB962C8B-B14F-4D97-AF65-F5344CB8AC3E}">
         <p14:creationId xmlns:p14="http://schemas.microsoft.com/office/powerpoint/2010/main" val="2602691406"/>
       </p:ext>
     </p:extLst>
@@ -19074,7 +19742,7 @@
 </p:sld>
 </file>
 
-<file path=ppt/slides/slide59.xml><?xml version="1.0" encoding="utf-8"?>
+<file path=ppt/slides/slide61.xml><?xml version="1.0" encoding="utf-8"?>
 <p:sld xmlns:a="http://schemas.openxmlformats.org/drawingml/2006/main" xmlns:r="http://schemas.openxmlformats.org/officeDocument/2006/relationships" xmlns:p="http://schemas.openxmlformats.org/presentationml/2006/main">
   <p:cSld>
     <p:spTree>
@@ -19382,7 +20050,7 @@
 </p:sld>
 </file>
 
-<file path=ppt/slides/slide6.xml><?xml version="1.0" encoding="utf-8"?>
+<file path=ppt/slides/slide62.xml><?xml version="1.0" encoding="utf-8"?>
 <p:sld xmlns:a="http://schemas.openxmlformats.org/drawingml/2006/main" xmlns:r="http://schemas.openxmlformats.org/officeDocument/2006/relationships" xmlns:p="http://schemas.openxmlformats.org/presentationml/2006/main">
   <p:cSld>
     <p:spTree>
@@ -19541,467 +20209,7 @@
     </p:spTree>
     <p:extLst>
       <p:ext uri="{BB962C8B-B14F-4D97-AF65-F5344CB8AC3E}">
-        <p14:creationId xmlns:p14="http://schemas.microsoft.com/office/powerpoint/2010/main" val="1452892043"/>
-      </p:ext>
-    </p:extLst>
-  </p:cSld>
-  <p:clrMapOvr>
-    <a:masterClrMapping/>
-  </p:clrMapOvr>
-</p:sld>
-</file>
-
-<file path=ppt/slides/slide60.xml><?xml version="1.0" encoding="utf-8"?>
-<p:sld xmlns:a="http://schemas.openxmlformats.org/drawingml/2006/main" xmlns:r="http://schemas.openxmlformats.org/officeDocument/2006/relationships" xmlns:p="http://schemas.openxmlformats.org/presentationml/2006/main">
-  <p:cSld>
-    <p:spTree>
-      <p:nvGrpSpPr>
-        <p:cNvPr id="1" name=""/>
-        <p:cNvGrpSpPr/>
-        <p:nvPr/>
-      </p:nvGrpSpPr>
-      <p:grpSpPr>
-        <a:xfrm>
-          <a:off x="0" y="0"/>
-          <a:ext cx="0" cy="0"/>
-          <a:chOff x="0" y="0"/>
-          <a:chExt cx="0" cy="0"/>
-        </a:xfrm>
-      </p:grpSpPr>
-      <p:sp>
-        <p:nvSpPr>
-          <p:cNvPr id="2" name="Title 1">
-            <a:extLst>
-              <a:ext uri="{FF2B5EF4-FFF2-40B4-BE49-F238E27FC236}">
-                <a16:creationId xmlns:a16="http://schemas.microsoft.com/office/drawing/2014/main" id="{CFCDF3DA-1D3D-E743-8E21-6B353B4D96A4}"/>
-              </a:ext>
-            </a:extLst>
-          </p:cNvPr>
-          <p:cNvSpPr>
-            <a:spLocks noGrp="1"/>
-          </p:cNvSpPr>
-          <p:nvPr>
-            <p:ph type="title"/>
-          </p:nvPr>
-        </p:nvSpPr>
-        <p:spPr/>
-        <p:txBody>
-          <a:bodyPr/>
-          <a:lstStyle/>
-          <a:p>
-            <a:endParaRPr lang="en-NL"/>
-          </a:p>
-        </p:txBody>
-      </p:sp>
-      <p:sp>
-        <p:nvSpPr>
-          <p:cNvPr id="3" name="Content Placeholder 2">
-            <a:extLst>
-              <a:ext uri="{FF2B5EF4-FFF2-40B4-BE49-F238E27FC236}">
-                <a16:creationId xmlns:a16="http://schemas.microsoft.com/office/drawing/2014/main" id="{40A525DA-CA85-AD48-8A85-52A75E1E5317}"/>
-              </a:ext>
-            </a:extLst>
-          </p:cNvPr>
-          <p:cNvSpPr>
-            <a:spLocks noGrp="1"/>
-          </p:cNvSpPr>
-          <p:nvPr>
-            <p:ph idx="1"/>
-          </p:nvPr>
-        </p:nvSpPr>
-        <p:spPr/>
-        <p:txBody>
-          <a:bodyPr/>
-          <a:lstStyle/>
-          <a:p>
-            <a:endParaRPr lang="en-NL"/>
-          </a:p>
-        </p:txBody>
-      </p:sp>
-      <p:sp>
-        <p:nvSpPr>
-          <p:cNvPr id="4" name="Rounded Rectangle 3">
-            <a:extLst>
-              <a:ext uri="{FF2B5EF4-FFF2-40B4-BE49-F238E27FC236}">
-                <a16:creationId xmlns:a16="http://schemas.microsoft.com/office/drawing/2014/main" id="{6B890BB6-3544-1A4E-A833-93135A597BB4}"/>
-              </a:ext>
-            </a:extLst>
-          </p:cNvPr>
-          <p:cNvSpPr/>
-          <p:nvPr/>
-        </p:nvSpPr>
-        <p:spPr>
-          <a:xfrm>
-            <a:off x="0" y="0"/>
-            <a:ext cx="7559675" cy="5327650"/>
-          </a:xfrm>
-          <a:prstGeom prst="roundRect">
-            <a:avLst>
-              <a:gd name="adj" fmla="val 0"/>
-            </a:avLst>
-          </a:prstGeom>
-          <a:blipFill>
-            <a:blip r:embed="rId2"/>
-            <a:stretch>
-              <a:fillRect/>
-            </a:stretch>
-          </a:blipFill>
-          <a:ln>
-            <a:solidFill>
-              <a:schemeClr val="bg2"/>
-            </a:solidFill>
-          </a:ln>
-        </p:spPr>
-        <p:style>
-          <a:lnRef idx="2">
-            <a:schemeClr val="accent1">
-              <a:shade val="50000"/>
-            </a:schemeClr>
-          </a:lnRef>
-          <a:fillRef idx="1">
-            <a:schemeClr val="accent1"/>
-          </a:fillRef>
-          <a:effectRef idx="0">
-            <a:schemeClr val="accent1"/>
-          </a:effectRef>
-          <a:fontRef idx="minor">
-            <a:schemeClr val="lt1"/>
-          </a:fontRef>
-        </p:style>
-        <p:txBody>
-          <a:bodyPr rtlCol="0" anchor="ctr"/>
-          <a:lstStyle/>
-          <a:p>
-            <a:pPr algn="ctr"/>
-            <a:endParaRPr lang="en-NL"/>
-          </a:p>
-        </p:txBody>
-      </p:sp>
-      <p:pic>
-        <p:nvPicPr>
-          <p:cNvPr id="5" name="Picture 4" descr="A picture containing food, drawing&#10;&#10;Description automatically generated">
-            <a:extLst>
-              <a:ext uri="{FF2B5EF4-FFF2-40B4-BE49-F238E27FC236}">
-                <a16:creationId xmlns:a16="http://schemas.microsoft.com/office/drawing/2014/main" id="{27611709-3190-2A4B-BCE4-4D329000A8EB}"/>
-              </a:ext>
-            </a:extLst>
-          </p:cNvPr>
-          <p:cNvPicPr>
-            <a:picLocks noChangeAspect="1"/>
-          </p:cNvPicPr>
-          <p:nvPr/>
-        </p:nvPicPr>
-        <p:blipFill>
-          <a:blip r:embed="rId3"/>
-          <a:stretch>
-            <a:fillRect/>
-          </a:stretch>
-        </p:blipFill>
-        <p:spPr>
-          <a:xfrm>
-            <a:off x="350837" y="-765175"/>
-            <a:ext cx="6858000" cy="6858000"/>
-          </a:xfrm>
-          <a:prstGeom prst="rect">
-            <a:avLst/>
-          </a:prstGeom>
-        </p:spPr>
-      </p:pic>
-    </p:spTree>
-    <p:extLst>
-      <p:ext uri="{BB962C8B-B14F-4D97-AF65-F5344CB8AC3E}">
         <p14:creationId xmlns:p14="http://schemas.microsoft.com/office/powerpoint/2010/main" val="141956057"/>
-      </p:ext>
-    </p:extLst>
-  </p:cSld>
-  <p:clrMapOvr>
-    <a:masterClrMapping/>
-  </p:clrMapOvr>
-</p:sld>
-</file>
-
-<file path=ppt/slides/slide61.xml><?xml version="1.0" encoding="utf-8"?>
-<p:sld xmlns:a="http://schemas.openxmlformats.org/drawingml/2006/main" xmlns:r="http://schemas.openxmlformats.org/officeDocument/2006/relationships" xmlns:p="http://schemas.openxmlformats.org/presentationml/2006/main">
-  <p:cSld>
-    <p:spTree>
-      <p:nvGrpSpPr>
-        <p:cNvPr id="1" name=""/>
-        <p:cNvGrpSpPr/>
-        <p:nvPr/>
-      </p:nvGrpSpPr>
-      <p:grpSpPr>
-        <a:xfrm>
-          <a:off x="0" y="0"/>
-          <a:ext cx="0" cy="0"/>
-          <a:chOff x="0" y="0"/>
-          <a:chExt cx="0" cy="0"/>
-        </a:xfrm>
-      </p:grpSpPr>
-      <p:sp>
-        <p:nvSpPr>
-          <p:cNvPr id="7" name="Rounded Rectangle 6">
-            <a:extLst>
-              <a:ext uri="{FF2B5EF4-FFF2-40B4-BE49-F238E27FC236}">
-                <a16:creationId xmlns:a16="http://schemas.microsoft.com/office/drawing/2014/main" id="{B3DC599D-AD1B-104D-B158-5C2A6823AC16}"/>
-              </a:ext>
-            </a:extLst>
-          </p:cNvPr>
-          <p:cNvSpPr/>
-          <p:nvPr/>
-        </p:nvSpPr>
-        <p:spPr>
-          <a:xfrm>
-            <a:off x="0" y="0"/>
-            <a:ext cx="7559675" cy="5327650"/>
-          </a:xfrm>
-          <a:prstGeom prst="roundRect">
-            <a:avLst>
-              <a:gd name="adj" fmla="val 0"/>
-            </a:avLst>
-          </a:prstGeom>
-          <a:solidFill>
-            <a:srgbClr val="FFC2E8"/>
-          </a:solidFill>
-          <a:ln>
-            <a:noFill/>
-          </a:ln>
-        </p:spPr>
-        <p:style>
-          <a:lnRef idx="2">
-            <a:schemeClr val="accent1">
-              <a:shade val="50000"/>
-            </a:schemeClr>
-          </a:lnRef>
-          <a:fillRef idx="1">
-            <a:schemeClr val="accent1"/>
-          </a:fillRef>
-          <a:effectRef idx="0">
-            <a:schemeClr val="accent1"/>
-          </a:effectRef>
-          <a:fontRef idx="minor">
-            <a:schemeClr val="lt1"/>
-          </a:fontRef>
-        </p:style>
-        <p:txBody>
-          <a:bodyPr rtlCol="0" anchor="ctr"/>
-          <a:lstStyle/>
-          <a:p>
-            <a:pPr algn="ctr"/>
-            <a:endParaRPr lang="en-NL"/>
-          </a:p>
-        </p:txBody>
-      </p:sp>
-      <p:sp>
-        <p:nvSpPr>
-          <p:cNvPr id="6" name="TextBox 5">
-            <a:extLst>
-              <a:ext uri="{FF2B5EF4-FFF2-40B4-BE49-F238E27FC236}">
-                <a16:creationId xmlns:a16="http://schemas.microsoft.com/office/drawing/2014/main" id="{009EAD6C-D563-D744-AFCA-AE8CA95E6630}"/>
-              </a:ext>
-            </a:extLst>
-          </p:cNvPr>
-          <p:cNvSpPr txBox="1"/>
-          <p:nvPr/>
-        </p:nvSpPr>
-        <p:spPr>
-          <a:xfrm>
-            <a:off x="329715" y="1463496"/>
-            <a:ext cx="6900243" cy="2400657"/>
-          </a:xfrm>
-          <a:prstGeom prst="rect">
-            <a:avLst/>
-          </a:prstGeom>
-          <a:noFill/>
-        </p:spPr>
-        <p:txBody>
-          <a:bodyPr wrap="square" rtlCol="0">
-            <a:spAutoFit/>
-          </a:bodyPr>
-          <a:lstStyle/>
-          <a:p>
-            <a:pPr algn="ctr"/>
-            <a:r>
-              <a:rPr lang="en-NL" sz="5000" b="1" dirty="0">
-                <a:latin typeface="Ubuntu" panose="020B0504030602030204" pitchFamily="34" charset="0"/>
-              </a:rPr>
-              <a:t>Don’t measure Output. Measure Outcomes</a:t>
-            </a:r>
-          </a:p>
-        </p:txBody>
-      </p:sp>
-    </p:spTree>
-    <p:extLst>
-      <p:ext uri="{BB962C8B-B14F-4D97-AF65-F5344CB8AC3E}">
-        <p14:creationId xmlns:p14="http://schemas.microsoft.com/office/powerpoint/2010/main" val="3384980287"/>
-      </p:ext>
-    </p:extLst>
-  </p:cSld>
-  <p:clrMapOvr>
-    <a:masterClrMapping/>
-  </p:clrMapOvr>
-</p:sld>
-</file>
-
-<file path=ppt/slides/slide62.xml><?xml version="1.0" encoding="utf-8"?>
-<p:sld xmlns:a="http://schemas.openxmlformats.org/drawingml/2006/main" xmlns:r="http://schemas.openxmlformats.org/officeDocument/2006/relationships" xmlns:p="http://schemas.openxmlformats.org/presentationml/2006/main">
-  <p:cSld>
-    <p:spTree>
-      <p:nvGrpSpPr>
-        <p:cNvPr id="1" name=""/>
-        <p:cNvGrpSpPr/>
-        <p:nvPr/>
-      </p:nvGrpSpPr>
-      <p:grpSpPr>
-        <a:xfrm>
-          <a:off x="0" y="0"/>
-          <a:ext cx="0" cy="0"/>
-          <a:chOff x="0" y="0"/>
-          <a:chExt cx="0" cy="0"/>
-        </a:xfrm>
-      </p:grpSpPr>
-      <p:sp>
-        <p:nvSpPr>
-          <p:cNvPr id="2" name="Title 1">
-            <a:extLst>
-              <a:ext uri="{FF2B5EF4-FFF2-40B4-BE49-F238E27FC236}">
-                <a16:creationId xmlns:a16="http://schemas.microsoft.com/office/drawing/2014/main" id="{CFCDF3DA-1D3D-E743-8E21-6B353B4D96A4}"/>
-              </a:ext>
-            </a:extLst>
-          </p:cNvPr>
-          <p:cNvSpPr>
-            <a:spLocks noGrp="1"/>
-          </p:cNvSpPr>
-          <p:nvPr>
-            <p:ph type="title"/>
-          </p:nvPr>
-        </p:nvSpPr>
-        <p:spPr/>
-        <p:txBody>
-          <a:bodyPr/>
-          <a:lstStyle/>
-          <a:p>
-            <a:endParaRPr lang="en-NL"/>
-          </a:p>
-        </p:txBody>
-      </p:sp>
-      <p:sp>
-        <p:nvSpPr>
-          <p:cNvPr id="3" name="Content Placeholder 2">
-            <a:extLst>
-              <a:ext uri="{FF2B5EF4-FFF2-40B4-BE49-F238E27FC236}">
-                <a16:creationId xmlns:a16="http://schemas.microsoft.com/office/drawing/2014/main" id="{40A525DA-CA85-AD48-8A85-52A75E1E5317}"/>
-              </a:ext>
-            </a:extLst>
-          </p:cNvPr>
-          <p:cNvSpPr>
-            <a:spLocks noGrp="1"/>
-          </p:cNvSpPr>
-          <p:nvPr>
-            <p:ph idx="1"/>
-          </p:nvPr>
-        </p:nvSpPr>
-        <p:spPr/>
-        <p:txBody>
-          <a:bodyPr/>
-          <a:lstStyle/>
-          <a:p>
-            <a:endParaRPr lang="en-NL"/>
-          </a:p>
-        </p:txBody>
-      </p:sp>
-      <p:sp>
-        <p:nvSpPr>
-          <p:cNvPr id="4" name="Rounded Rectangle 3">
-            <a:extLst>
-              <a:ext uri="{FF2B5EF4-FFF2-40B4-BE49-F238E27FC236}">
-                <a16:creationId xmlns:a16="http://schemas.microsoft.com/office/drawing/2014/main" id="{6B890BB6-3544-1A4E-A833-93135A597BB4}"/>
-              </a:ext>
-            </a:extLst>
-          </p:cNvPr>
-          <p:cNvSpPr/>
-          <p:nvPr/>
-        </p:nvSpPr>
-        <p:spPr>
-          <a:xfrm>
-            <a:off x="0" y="0"/>
-            <a:ext cx="7559675" cy="5327650"/>
-          </a:xfrm>
-          <a:prstGeom prst="roundRect">
-            <a:avLst>
-              <a:gd name="adj" fmla="val 0"/>
-            </a:avLst>
-          </a:prstGeom>
-          <a:blipFill>
-            <a:blip r:embed="rId2"/>
-            <a:stretch>
-              <a:fillRect/>
-            </a:stretch>
-          </a:blipFill>
-          <a:ln>
-            <a:solidFill>
-              <a:schemeClr val="bg2"/>
-            </a:solidFill>
-          </a:ln>
-        </p:spPr>
-        <p:style>
-          <a:lnRef idx="2">
-            <a:schemeClr val="accent1">
-              <a:shade val="50000"/>
-            </a:schemeClr>
-          </a:lnRef>
-          <a:fillRef idx="1">
-            <a:schemeClr val="accent1"/>
-          </a:fillRef>
-          <a:effectRef idx="0">
-            <a:schemeClr val="accent1"/>
-          </a:effectRef>
-          <a:fontRef idx="minor">
-            <a:schemeClr val="lt1"/>
-          </a:fontRef>
-        </p:style>
-        <p:txBody>
-          <a:bodyPr rtlCol="0" anchor="ctr"/>
-          <a:lstStyle/>
-          <a:p>
-            <a:pPr algn="ctr"/>
-            <a:endParaRPr lang="en-NL"/>
-          </a:p>
-        </p:txBody>
-      </p:sp>
-      <p:pic>
-        <p:nvPicPr>
-          <p:cNvPr id="5" name="Picture 4" descr="A picture containing food, drawing&#10;&#10;Description automatically generated">
-            <a:extLst>
-              <a:ext uri="{FF2B5EF4-FFF2-40B4-BE49-F238E27FC236}">
-                <a16:creationId xmlns:a16="http://schemas.microsoft.com/office/drawing/2014/main" id="{27611709-3190-2A4B-BCE4-4D329000A8EB}"/>
-              </a:ext>
-            </a:extLst>
-          </p:cNvPr>
-          <p:cNvPicPr>
-            <a:picLocks noChangeAspect="1"/>
-          </p:cNvPicPr>
-          <p:nvPr/>
-        </p:nvPicPr>
-        <p:blipFill>
-          <a:blip r:embed="rId3"/>
-          <a:stretch>
-            <a:fillRect/>
-          </a:stretch>
-        </p:blipFill>
-        <p:spPr>
-          <a:xfrm>
-            <a:off x="350837" y="-765175"/>
-            <a:ext cx="6858000" cy="6858000"/>
-          </a:xfrm>
-          <a:prstGeom prst="rect">
-            <a:avLst/>
-          </a:prstGeom>
-        </p:spPr>
-      </p:pic>
-    </p:spTree>
-    <p:extLst>
-      <p:ext uri="{BB962C8B-B14F-4D97-AF65-F5344CB8AC3E}">
-        <p14:creationId xmlns:p14="http://schemas.microsoft.com/office/powerpoint/2010/main" val="609235282"/>
       </p:ext>
     </p:extLst>
   </p:cSld>
@@ -20112,10 +20320,10 @@
           <a:p>
             <a:pPr algn="ctr"/>
             <a:r>
-              <a:rPr lang="en-NL" sz="5000" b="1">
+              <a:rPr lang="en-NL" sz="5000" b="1" dirty="0">
                 <a:latin typeface="Ubuntu" panose="020B0504030602030204" pitchFamily="34" charset="0"/>
               </a:rPr>
-              <a:t>It’s not about the Metrics, but about the Conversation</a:t>
+              <a:t>Don’t measure Output. Measure Outcomes</a:t>
             </a:r>
           </a:p>
         </p:txBody>
@@ -20123,7 +20331,7 @@
     </p:spTree>
     <p:extLst>
       <p:ext uri="{BB962C8B-B14F-4D97-AF65-F5344CB8AC3E}">
-        <p14:creationId xmlns:p14="http://schemas.microsoft.com/office/powerpoint/2010/main" val="3864524999"/>
+        <p14:creationId xmlns:p14="http://schemas.microsoft.com/office/powerpoint/2010/main" val="3384980287"/>
       </p:ext>
     </p:extLst>
   </p:cSld>
@@ -20292,7 +20500,7 @@
     </p:spTree>
     <p:extLst>
       <p:ext uri="{BB962C8B-B14F-4D97-AF65-F5344CB8AC3E}">
-        <p14:creationId xmlns:p14="http://schemas.microsoft.com/office/powerpoint/2010/main" val="2834202860"/>
+        <p14:creationId xmlns:p14="http://schemas.microsoft.com/office/powerpoint/2010/main" val="609235282"/>
       </p:ext>
     </p:extLst>
   </p:cSld>
@@ -20387,8 +20595,8 @@
         </p:nvSpPr>
         <p:spPr>
           <a:xfrm>
-            <a:off x="329715" y="1078775"/>
-            <a:ext cx="6900243" cy="3170099"/>
+            <a:off x="329715" y="1463496"/>
+            <a:ext cx="6900243" cy="2400657"/>
           </a:xfrm>
           <a:prstGeom prst="rect">
             <a:avLst/>
@@ -20403,40 +20611,10 @@
           <a:p>
             <a:pPr algn="ctr"/>
             <a:r>
-              <a:rPr lang="en-NL" sz="5000" dirty="0">
+              <a:rPr lang="en-NL" sz="5000" b="1">
                 <a:latin typeface="Ubuntu" panose="020B0504030602030204" pitchFamily="34" charset="0"/>
               </a:rPr>
-              <a:t>Learn more about</a:t>
-            </a:r>
-            <a:r>
-              <a:rPr lang="en-NL" sz="5000" b="1" dirty="0">
-                <a:latin typeface="Ubuntu" panose="020B0504030602030204" pitchFamily="34" charset="0"/>
-              </a:rPr>
-              <a:t> </a:t>
-            </a:r>
-          </a:p>
-          <a:p>
-            <a:pPr algn="ctr"/>
-            <a:r>
-              <a:rPr lang="en-NL" sz="5000" b="1" dirty="0">
-                <a:latin typeface="Ubuntu" panose="020B0504030602030204" pitchFamily="34" charset="0"/>
-              </a:rPr>
-              <a:t>Evidence Based Management </a:t>
-            </a:r>
-            <a:r>
-              <a:rPr lang="en-NL" sz="5000" dirty="0">
-                <a:latin typeface="Ubuntu" panose="020B0504030602030204" pitchFamily="34" charset="0"/>
-              </a:rPr>
-              <a:t>at</a:t>
-            </a:r>
-          </a:p>
-          <a:p>
-            <a:pPr algn="ctr"/>
-            <a:r>
-              <a:rPr lang="en-NL" sz="5000" dirty="0">
-                <a:latin typeface="Ubuntu" panose="020B0504030602030204" pitchFamily="34" charset="0"/>
-              </a:rPr>
-              <a:t>http://scrum.org/EBM</a:t>
+              <a:t>It’s not about the Metrics, but about the Conversation</a:t>
             </a:r>
           </a:p>
         </p:txBody>
@@ -20444,7 +20622,7 @@
     </p:spTree>
     <p:extLst>
       <p:ext uri="{BB962C8B-B14F-4D97-AF65-F5344CB8AC3E}">
-        <p14:creationId xmlns:p14="http://schemas.microsoft.com/office/powerpoint/2010/main" val="1377554222"/>
+        <p14:creationId xmlns:p14="http://schemas.microsoft.com/office/powerpoint/2010/main" val="3864524999"/>
       </p:ext>
     </p:extLst>
   </p:cSld>
@@ -20613,7 +20791,7 @@
     </p:spTree>
     <p:extLst>
       <p:ext uri="{BB962C8B-B14F-4D97-AF65-F5344CB8AC3E}">
-        <p14:creationId xmlns:p14="http://schemas.microsoft.com/office/powerpoint/2010/main" val="1817486122"/>
+        <p14:creationId xmlns:p14="http://schemas.microsoft.com/office/powerpoint/2010/main" val="2834202860"/>
       </p:ext>
     </p:extLst>
   </p:cSld>
@@ -20642,6 +20820,60 @@
       </p:grpSpPr>
       <p:sp>
         <p:nvSpPr>
+          <p:cNvPr id="7" name="Rounded Rectangle 6">
+            <a:extLst>
+              <a:ext uri="{FF2B5EF4-FFF2-40B4-BE49-F238E27FC236}">
+                <a16:creationId xmlns:a16="http://schemas.microsoft.com/office/drawing/2014/main" id="{B3DC599D-AD1B-104D-B158-5C2A6823AC16}"/>
+              </a:ext>
+            </a:extLst>
+          </p:cNvPr>
+          <p:cNvSpPr/>
+          <p:nvPr/>
+        </p:nvSpPr>
+        <p:spPr>
+          <a:xfrm>
+            <a:off x="0" y="0"/>
+            <a:ext cx="7559675" cy="5327650"/>
+          </a:xfrm>
+          <a:prstGeom prst="roundRect">
+            <a:avLst>
+              <a:gd name="adj" fmla="val 0"/>
+            </a:avLst>
+          </a:prstGeom>
+          <a:solidFill>
+            <a:srgbClr val="FFC2E8"/>
+          </a:solidFill>
+          <a:ln>
+            <a:noFill/>
+          </a:ln>
+        </p:spPr>
+        <p:style>
+          <a:lnRef idx="2">
+            <a:schemeClr val="accent1">
+              <a:shade val="50000"/>
+            </a:schemeClr>
+          </a:lnRef>
+          <a:fillRef idx="1">
+            <a:schemeClr val="accent1"/>
+          </a:fillRef>
+          <a:effectRef idx="0">
+            <a:schemeClr val="accent1"/>
+          </a:effectRef>
+          <a:fontRef idx="minor">
+            <a:schemeClr val="lt1"/>
+          </a:fontRef>
+        </p:style>
+        <p:txBody>
+          <a:bodyPr rtlCol="0" anchor="ctr"/>
+          <a:lstStyle/>
+          <a:p>
+            <a:pPr algn="ctr"/>
+            <a:endParaRPr lang="en-NL"/>
+          </a:p>
+        </p:txBody>
+      </p:sp>
+      <p:sp>
+        <p:nvSpPr>
           <p:cNvPr id="6" name="TextBox 5">
             <a:extLst>
               <a:ext uri="{FF2B5EF4-FFF2-40B4-BE49-F238E27FC236}">
@@ -20654,8 +20886,8 @@
         </p:nvSpPr>
         <p:spPr>
           <a:xfrm>
-            <a:off x="571688" y="173949"/>
-            <a:ext cx="6416298" cy="400110"/>
+            <a:off x="329715" y="1078775"/>
+            <a:ext cx="6900243" cy="3170099"/>
           </a:xfrm>
           <a:prstGeom prst="rect">
             <a:avLst/>
@@ -20670,241 +20902,48 @@
           <a:p>
             <a:pPr algn="ctr"/>
             <a:r>
-              <a:rPr lang="en-NL" sz="2000" b="1" dirty="0">
+              <a:rPr lang="en-NL" sz="5000" dirty="0">
                 <a:latin typeface="Ubuntu" panose="020B0504030602030204" pitchFamily="34" charset="0"/>
               </a:rPr>
-              <a:t>EBM Example Key Value Measures cheat sheet</a:t>
+              <a:t>Learn more about</a:t>
             </a:r>
-            <a:endParaRPr lang="en-NL" sz="2000" dirty="0">
-              <a:latin typeface="Ubuntu" panose="020B0504030602030204" pitchFamily="34" charset="0"/>
-            </a:endParaRPr>
-          </a:p>
-        </p:txBody>
-      </p:sp>
-      <p:sp>
-        <p:nvSpPr>
-          <p:cNvPr id="8" name="TextBox 7">
-            <a:extLst>
-              <a:ext uri="{FF2B5EF4-FFF2-40B4-BE49-F238E27FC236}">
-                <a16:creationId xmlns:a16="http://schemas.microsoft.com/office/drawing/2014/main" id="{CBB6441C-A641-EE43-B9CA-553BCAFDDCAF}"/>
-              </a:ext>
-            </a:extLst>
-          </p:cNvPr>
-          <p:cNvSpPr txBox="1"/>
-          <p:nvPr/>
-        </p:nvSpPr>
-        <p:spPr>
-          <a:xfrm>
-            <a:off x="3501215" y="4821023"/>
-            <a:ext cx="3810078" cy="200055"/>
-          </a:xfrm>
-          <a:prstGeom prst="rect">
-            <a:avLst/>
-          </a:prstGeom>
-          <a:noFill/>
-        </p:spPr>
-        <p:txBody>
-          <a:bodyPr wrap="square" rtlCol="0">
-            <a:spAutoFit/>
-          </a:bodyPr>
-          <a:lstStyle/>
-          <a:p>
-            <a:pPr algn="r"/>
             <a:r>
-              <a:rPr lang="en-NL" sz="700" dirty="0">
-                <a:solidFill>
-                  <a:schemeClr val="bg1">
-                    <a:lumMod val="65000"/>
-                  </a:schemeClr>
-                </a:solidFill>
+              <a:rPr lang="en-NL" sz="5000" b="1" dirty="0">
                 <a:latin typeface="Ubuntu" panose="020B0504030602030204" pitchFamily="34" charset="0"/>
               </a:rPr>
-              <a:t>Source: EBM guide 2020, http://scrum.org/EBM</a:t>
+              <a:t> </a:t>
             </a:r>
           </a:p>
-        </p:txBody>
-      </p:sp>
-      <p:pic>
-        <p:nvPicPr>
-          <p:cNvPr id="2" name="Picture 1">
-            <a:extLst>
-              <a:ext uri="{FF2B5EF4-FFF2-40B4-BE49-F238E27FC236}">
-                <a16:creationId xmlns:a16="http://schemas.microsoft.com/office/drawing/2014/main" id="{98D7C774-BF2E-CC4D-BF85-02ACACF240A5}"/>
-              </a:ext>
-            </a:extLst>
-          </p:cNvPr>
-          <p:cNvPicPr>
-            <a:picLocks noChangeAspect="1"/>
-          </p:cNvPicPr>
-          <p:nvPr/>
-        </p:nvPicPr>
-        <p:blipFill>
-          <a:blip r:embed="rId3"/>
-          <a:stretch>
-            <a:fillRect/>
-          </a:stretch>
-        </p:blipFill>
-        <p:spPr>
-          <a:xfrm>
-            <a:off x="105196" y="602633"/>
-            <a:ext cx="2470989" cy="1467150"/>
-          </a:xfrm>
-          <a:prstGeom prst="rect">
-            <a:avLst/>
-          </a:prstGeom>
-        </p:spPr>
-      </p:pic>
-      <p:pic>
-        <p:nvPicPr>
-          <p:cNvPr id="3" name="Picture 2">
-            <a:extLst>
-              <a:ext uri="{FF2B5EF4-FFF2-40B4-BE49-F238E27FC236}">
-                <a16:creationId xmlns:a16="http://schemas.microsoft.com/office/drawing/2014/main" id="{E7304A80-7961-AE46-9A97-8B282091533D}"/>
-              </a:ext>
-            </a:extLst>
-          </p:cNvPr>
-          <p:cNvPicPr>
-            <a:picLocks noChangeAspect="1"/>
-          </p:cNvPicPr>
-          <p:nvPr/>
-        </p:nvPicPr>
-        <p:blipFill rotWithShape="1">
-          <a:blip r:embed="rId4"/>
-          <a:srcRect/>
-          <a:stretch/>
-        </p:blipFill>
-        <p:spPr>
-          <a:xfrm>
-            <a:off x="105195" y="2104911"/>
-            <a:ext cx="2470989" cy="1077019"/>
-          </a:xfrm>
-          <a:prstGeom prst="rect">
-            <a:avLst/>
-          </a:prstGeom>
-        </p:spPr>
-      </p:pic>
-      <p:pic>
-        <p:nvPicPr>
-          <p:cNvPr id="4" name="Picture 3">
-            <a:extLst>
-              <a:ext uri="{FF2B5EF4-FFF2-40B4-BE49-F238E27FC236}">
-                <a16:creationId xmlns:a16="http://schemas.microsoft.com/office/drawing/2014/main" id="{612791FE-02B2-E845-A5C1-033DD92A85C0}"/>
-              </a:ext>
-            </a:extLst>
-          </p:cNvPr>
-          <p:cNvPicPr>
-            <a:picLocks noChangeAspect="1"/>
-          </p:cNvPicPr>
-          <p:nvPr/>
-        </p:nvPicPr>
-        <p:blipFill>
-          <a:blip r:embed="rId5"/>
-          <a:stretch>
-            <a:fillRect/>
-          </a:stretch>
-        </p:blipFill>
-        <p:spPr>
-          <a:xfrm>
-            <a:off x="2576185" y="603400"/>
-            <a:ext cx="2470989" cy="3458558"/>
-          </a:xfrm>
-          <a:prstGeom prst="rect">
-            <a:avLst/>
-          </a:prstGeom>
-        </p:spPr>
-      </p:pic>
-      <p:pic>
-        <p:nvPicPr>
-          <p:cNvPr id="5" name="Picture 4">
-            <a:extLst>
-              <a:ext uri="{FF2B5EF4-FFF2-40B4-BE49-F238E27FC236}">
-                <a16:creationId xmlns:a16="http://schemas.microsoft.com/office/drawing/2014/main" id="{B25B9DC0-E698-B44B-9BD1-7DF86B3BB8C6}"/>
-              </a:ext>
-            </a:extLst>
-          </p:cNvPr>
-          <p:cNvPicPr>
-            <a:picLocks noChangeAspect="1"/>
-          </p:cNvPicPr>
-          <p:nvPr/>
-        </p:nvPicPr>
-        <p:blipFill rotWithShape="1">
-          <a:blip r:embed="rId6"/>
-          <a:srcRect t="2737"/>
-          <a:stretch/>
-        </p:blipFill>
-        <p:spPr>
-          <a:xfrm>
-            <a:off x="2576185" y="4014320"/>
-            <a:ext cx="2470990" cy="896230"/>
-          </a:xfrm>
-          <a:prstGeom prst="rect">
-            <a:avLst/>
-          </a:prstGeom>
-        </p:spPr>
-      </p:pic>
-      <p:pic>
-        <p:nvPicPr>
-          <p:cNvPr id="7" name="Picture 6">
-            <a:extLst>
-              <a:ext uri="{FF2B5EF4-FFF2-40B4-BE49-F238E27FC236}">
-                <a16:creationId xmlns:a16="http://schemas.microsoft.com/office/drawing/2014/main" id="{C69F27A3-6639-C149-A1C8-2FBC23880A79}"/>
-              </a:ext>
-            </a:extLst>
-          </p:cNvPr>
-          <p:cNvPicPr>
-            <a:picLocks noChangeAspect="1"/>
-          </p:cNvPicPr>
-          <p:nvPr/>
-        </p:nvPicPr>
-        <p:blipFill>
-          <a:blip r:embed="rId7"/>
-          <a:stretch>
-            <a:fillRect/>
-          </a:stretch>
-        </p:blipFill>
-        <p:spPr>
-          <a:xfrm>
-            <a:off x="5047173" y="591358"/>
-            <a:ext cx="2366272" cy="2279508"/>
-          </a:xfrm>
-          <a:prstGeom prst="rect">
-            <a:avLst/>
-          </a:prstGeom>
-        </p:spPr>
-      </p:pic>
-      <p:pic>
-        <p:nvPicPr>
-          <p:cNvPr id="10" name="Picture 9">
-            <a:extLst>
-              <a:ext uri="{FF2B5EF4-FFF2-40B4-BE49-F238E27FC236}">
-                <a16:creationId xmlns:a16="http://schemas.microsoft.com/office/drawing/2014/main" id="{5665FA40-5696-9548-A234-DD32383B8FD2}"/>
-              </a:ext>
-            </a:extLst>
-          </p:cNvPr>
-          <p:cNvPicPr>
-            <a:picLocks noChangeAspect="1"/>
-          </p:cNvPicPr>
-          <p:nvPr/>
-        </p:nvPicPr>
-        <p:blipFill rotWithShape="1">
-          <a:blip r:embed="rId8"/>
-          <a:srcRect t="2357"/>
-          <a:stretch/>
-        </p:blipFill>
-        <p:spPr>
-          <a:xfrm>
-            <a:off x="5049525" y="2853640"/>
-            <a:ext cx="2358273" cy="1612265"/>
-          </a:xfrm>
-          <a:prstGeom prst="rect">
-            <a:avLst/>
-          </a:prstGeom>
-        </p:spPr>
-      </p:pic>
+          <a:p>
+            <a:pPr algn="ctr"/>
+            <a:r>
+              <a:rPr lang="en-NL" sz="5000" b="1" dirty="0">
+                <a:latin typeface="Ubuntu" panose="020B0504030602030204" pitchFamily="34" charset="0"/>
+              </a:rPr>
+              <a:t>Evidence Based Management </a:t>
+            </a:r>
+            <a:r>
+              <a:rPr lang="en-NL" sz="5000" dirty="0">
+                <a:latin typeface="Ubuntu" panose="020B0504030602030204" pitchFamily="34" charset="0"/>
+              </a:rPr>
+              <a:t>at</a:t>
+            </a:r>
+          </a:p>
+          <a:p>
+            <a:pPr algn="ctr"/>
+            <a:r>
+              <a:rPr lang="en-NL" sz="5000" dirty="0">
+                <a:latin typeface="Ubuntu" panose="020B0504030602030204" pitchFamily="34" charset="0"/>
+              </a:rPr>
+              <a:t>http://scrum.org/EBM</a:t>
+            </a:r>
+          </a:p>
+        </p:txBody>
+      </p:sp>
     </p:spTree>
     <p:extLst>
       <p:ext uri="{BB962C8B-B14F-4D97-AF65-F5344CB8AC3E}">
-        <p14:creationId xmlns:p14="http://schemas.microsoft.com/office/powerpoint/2010/main" val="2915057737"/>
+        <p14:creationId xmlns:p14="http://schemas.microsoft.com/office/powerpoint/2010/main" val="1377554222"/>
       </p:ext>
     </p:extLst>
   </p:cSld>
@@ -21073,7 +21112,298 @@
     </p:spTree>
     <p:extLst>
       <p:ext uri="{BB962C8B-B14F-4D97-AF65-F5344CB8AC3E}">
-        <p14:creationId xmlns:p14="http://schemas.microsoft.com/office/powerpoint/2010/main" val="865937290"/>
+        <p14:creationId xmlns:p14="http://schemas.microsoft.com/office/powerpoint/2010/main" val="1817486122"/>
+      </p:ext>
+    </p:extLst>
+  </p:cSld>
+  <p:clrMapOvr>
+    <a:masterClrMapping/>
+  </p:clrMapOvr>
+</p:sld>
+</file>
+
+<file path=ppt/slides/slide69.xml><?xml version="1.0" encoding="utf-8"?>
+<p:sld xmlns:a="http://schemas.openxmlformats.org/drawingml/2006/main" xmlns:r="http://schemas.openxmlformats.org/officeDocument/2006/relationships" xmlns:p="http://schemas.openxmlformats.org/presentationml/2006/main">
+  <p:cSld>
+    <p:spTree>
+      <p:nvGrpSpPr>
+        <p:cNvPr id="1" name=""/>
+        <p:cNvGrpSpPr/>
+        <p:nvPr/>
+      </p:nvGrpSpPr>
+      <p:grpSpPr>
+        <a:xfrm>
+          <a:off x="0" y="0"/>
+          <a:ext cx="0" cy="0"/>
+          <a:chOff x="0" y="0"/>
+          <a:chExt cx="0" cy="0"/>
+        </a:xfrm>
+      </p:grpSpPr>
+      <p:sp>
+        <p:nvSpPr>
+          <p:cNvPr id="6" name="TextBox 5">
+            <a:extLst>
+              <a:ext uri="{FF2B5EF4-FFF2-40B4-BE49-F238E27FC236}">
+                <a16:creationId xmlns:a16="http://schemas.microsoft.com/office/drawing/2014/main" id="{009EAD6C-D563-D744-AFCA-AE8CA95E6630}"/>
+              </a:ext>
+            </a:extLst>
+          </p:cNvPr>
+          <p:cNvSpPr txBox="1"/>
+          <p:nvPr/>
+        </p:nvSpPr>
+        <p:spPr>
+          <a:xfrm>
+            <a:off x="571688" y="173949"/>
+            <a:ext cx="6416298" cy="400110"/>
+          </a:xfrm>
+          <a:prstGeom prst="rect">
+            <a:avLst/>
+          </a:prstGeom>
+          <a:noFill/>
+        </p:spPr>
+        <p:txBody>
+          <a:bodyPr wrap="square" rtlCol="0">
+            <a:spAutoFit/>
+          </a:bodyPr>
+          <a:lstStyle/>
+          <a:p>
+            <a:pPr algn="ctr"/>
+            <a:r>
+              <a:rPr lang="en-NL" sz="2000" b="1" dirty="0">
+                <a:latin typeface="Ubuntu" panose="020B0504030602030204" pitchFamily="34" charset="0"/>
+              </a:rPr>
+              <a:t>EBM Example Key Value Measures cheat sheet</a:t>
+            </a:r>
+            <a:endParaRPr lang="en-NL" sz="2000" dirty="0">
+              <a:latin typeface="Ubuntu" panose="020B0504030602030204" pitchFamily="34" charset="0"/>
+            </a:endParaRPr>
+          </a:p>
+        </p:txBody>
+      </p:sp>
+      <p:sp>
+        <p:nvSpPr>
+          <p:cNvPr id="8" name="TextBox 7">
+            <a:extLst>
+              <a:ext uri="{FF2B5EF4-FFF2-40B4-BE49-F238E27FC236}">
+                <a16:creationId xmlns:a16="http://schemas.microsoft.com/office/drawing/2014/main" id="{CBB6441C-A641-EE43-B9CA-553BCAFDDCAF}"/>
+              </a:ext>
+            </a:extLst>
+          </p:cNvPr>
+          <p:cNvSpPr txBox="1"/>
+          <p:nvPr/>
+        </p:nvSpPr>
+        <p:spPr>
+          <a:xfrm>
+            <a:off x="3501215" y="4821023"/>
+            <a:ext cx="3810078" cy="200055"/>
+          </a:xfrm>
+          <a:prstGeom prst="rect">
+            <a:avLst/>
+          </a:prstGeom>
+          <a:noFill/>
+        </p:spPr>
+        <p:txBody>
+          <a:bodyPr wrap="square" rtlCol="0">
+            <a:spAutoFit/>
+          </a:bodyPr>
+          <a:lstStyle/>
+          <a:p>
+            <a:pPr algn="r"/>
+            <a:r>
+              <a:rPr lang="en-NL" sz="700" dirty="0">
+                <a:solidFill>
+                  <a:schemeClr val="bg1">
+                    <a:lumMod val="65000"/>
+                  </a:schemeClr>
+                </a:solidFill>
+                <a:latin typeface="Ubuntu" panose="020B0504030602030204" pitchFamily="34" charset="0"/>
+              </a:rPr>
+              <a:t>Source: EBM guide 2020, http://scrum.org/EBM</a:t>
+            </a:r>
+          </a:p>
+        </p:txBody>
+      </p:sp>
+      <p:pic>
+        <p:nvPicPr>
+          <p:cNvPr id="2" name="Picture 1">
+            <a:extLst>
+              <a:ext uri="{FF2B5EF4-FFF2-40B4-BE49-F238E27FC236}">
+                <a16:creationId xmlns:a16="http://schemas.microsoft.com/office/drawing/2014/main" id="{98D7C774-BF2E-CC4D-BF85-02ACACF240A5}"/>
+              </a:ext>
+            </a:extLst>
+          </p:cNvPr>
+          <p:cNvPicPr>
+            <a:picLocks noChangeAspect="1"/>
+          </p:cNvPicPr>
+          <p:nvPr/>
+        </p:nvPicPr>
+        <p:blipFill>
+          <a:blip r:embed="rId3"/>
+          <a:stretch>
+            <a:fillRect/>
+          </a:stretch>
+        </p:blipFill>
+        <p:spPr>
+          <a:xfrm>
+            <a:off x="105196" y="602633"/>
+            <a:ext cx="2470989" cy="1467150"/>
+          </a:xfrm>
+          <a:prstGeom prst="rect">
+            <a:avLst/>
+          </a:prstGeom>
+        </p:spPr>
+      </p:pic>
+      <p:pic>
+        <p:nvPicPr>
+          <p:cNvPr id="3" name="Picture 2">
+            <a:extLst>
+              <a:ext uri="{FF2B5EF4-FFF2-40B4-BE49-F238E27FC236}">
+                <a16:creationId xmlns:a16="http://schemas.microsoft.com/office/drawing/2014/main" id="{E7304A80-7961-AE46-9A97-8B282091533D}"/>
+              </a:ext>
+            </a:extLst>
+          </p:cNvPr>
+          <p:cNvPicPr>
+            <a:picLocks noChangeAspect="1"/>
+          </p:cNvPicPr>
+          <p:nvPr/>
+        </p:nvPicPr>
+        <p:blipFill rotWithShape="1">
+          <a:blip r:embed="rId4"/>
+          <a:srcRect/>
+          <a:stretch/>
+        </p:blipFill>
+        <p:spPr>
+          <a:xfrm>
+            <a:off x="105195" y="2104911"/>
+            <a:ext cx="2470989" cy="1077019"/>
+          </a:xfrm>
+          <a:prstGeom prst="rect">
+            <a:avLst/>
+          </a:prstGeom>
+        </p:spPr>
+      </p:pic>
+      <p:pic>
+        <p:nvPicPr>
+          <p:cNvPr id="4" name="Picture 3">
+            <a:extLst>
+              <a:ext uri="{FF2B5EF4-FFF2-40B4-BE49-F238E27FC236}">
+                <a16:creationId xmlns:a16="http://schemas.microsoft.com/office/drawing/2014/main" id="{612791FE-02B2-E845-A5C1-033DD92A85C0}"/>
+              </a:ext>
+            </a:extLst>
+          </p:cNvPr>
+          <p:cNvPicPr>
+            <a:picLocks noChangeAspect="1"/>
+          </p:cNvPicPr>
+          <p:nvPr/>
+        </p:nvPicPr>
+        <p:blipFill>
+          <a:blip r:embed="rId5"/>
+          <a:stretch>
+            <a:fillRect/>
+          </a:stretch>
+        </p:blipFill>
+        <p:spPr>
+          <a:xfrm>
+            <a:off x="2576185" y="603400"/>
+            <a:ext cx="2470989" cy="3458558"/>
+          </a:xfrm>
+          <a:prstGeom prst="rect">
+            <a:avLst/>
+          </a:prstGeom>
+        </p:spPr>
+      </p:pic>
+      <p:pic>
+        <p:nvPicPr>
+          <p:cNvPr id="5" name="Picture 4">
+            <a:extLst>
+              <a:ext uri="{FF2B5EF4-FFF2-40B4-BE49-F238E27FC236}">
+                <a16:creationId xmlns:a16="http://schemas.microsoft.com/office/drawing/2014/main" id="{B25B9DC0-E698-B44B-9BD1-7DF86B3BB8C6}"/>
+              </a:ext>
+            </a:extLst>
+          </p:cNvPr>
+          <p:cNvPicPr>
+            <a:picLocks noChangeAspect="1"/>
+          </p:cNvPicPr>
+          <p:nvPr/>
+        </p:nvPicPr>
+        <p:blipFill rotWithShape="1">
+          <a:blip r:embed="rId6"/>
+          <a:srcRect t="2737"/>
+          <a:stretch/>
+        </p:blipFill>
+        <p:spPr>
+          <a:xfrm>
+            <a:off x="2576185" y="4014320"/>
+            <a:ext cx="2470990" cy="896230"/>
+          </a:xfrm>
+          <a:prstGeom prst="rect">
+            <a:avLst/>
+          </a:prstGeom>
+        </p:spPr>
+      </p:pic>
+      <p:pic>
+        <p:nvPicPr>
+          <p:cNvPr id="7" name="Picture 6">
+            <a:extLst>
+              <a:ext uri="{FF2B5EF4-FFF2-40B4-BE49-F238E27FC236}">
+                <a16:creationId xmlns:a16="http://schemas.microsoft.com/office/drawing/2014/main" id="{C69F27A3-6639-C149-A1C8-2FBC23880A79}"/>
+              </a:ext>
+            </a:extLst>
+          </p:cNvPr>
+          <p:cNvPicPr>
+            <a:picLocks noChangeAspect="1"/>
+          </p:cNvPicPr>
+          <p:nvPr/>
+        </p:nvPicPr>
+        <p:blipFill>
+          <a:blip r:embed="rId7"/>
+          <a:stretch>
+            <a:fillRect/>
+          </a:stretch>
+        </p:blipFill>
+        <p:spPr>
+          <a:xfrm>
+            <a:off x="5047173" y="591358"/>
+            <a:ext cx="2366272" cy="2279508"/>
+          </a:xfrm>
+          <a:prstGeom prst="rect">
+            <a:avLst/>
+          </a:prstGeom>
+        </p:spPr>
+      </p:pic>
+      <p:pic>
+        <p:nvPicPr>
+          <p:cNvPr id="10" name="Picture 9">
+            <a:extLst>
+              <a:ext uri="{FF2B5EF4-FFF2-40B4-BE49-F238E27FC236}">
+                <a16:creationId xmlns:a16="http://schemas.microsoft.com/office/drawing/2014/main" id="{5665FA40-5696-9548-A234-DD32383B8FD2}"/>
+              </a:ext>
+            </a:extLst>
+          </p:cNvPr>
+          <p:cNvPicPr>
+            <a:picLocks noChangeAspect="1"/>
+          </p:cNvPicPr>
+          <p:nvPr/>
+        </p:nvPicPr>
+        <p:blipFill rotWithShape="1">
+          <a:blip r:embed="rId8"/>
+          <a:srcRect t="2357"/>
+          <a:stretch/>
+        </p:blipFill>
+        <p:spPr>
+          <a:xfrm>
+            <a:off x="5049525" y="2853640"/>
+            <a:ext cx="2358273" cy="1612265"/>
+          </a:xfrm>
+          <a:prstGeom prst="rect">
+            <a:avLst/>
+          </a:prstGeom>
+        </p:spPr>
+      </p:pic>
+    </p:spTree>
+    <p:extLst>
+      <p:ext uri="{BB962C8B-B14F-4D97-AF65-F5344CB8AC3E}">
+        <p14:creationId xmlns:p14="http://schemas.microsoft.com/office/powerpoint/2010/main" val="2915057737"/>
       </p:ext>
     </p:extLst>
   </p:cSld>
@@ -22113,6 +22443,175 @@
     <p:extLst>
       <p:ext uri="{BB962C8B-B14F-4D97-AF65-F5344CB8AC3E}">
         <p14:creationId xmlns:p14="http://schemas.microsoft.com/office/powerpoint/2010/main" val="3404348971"/>
+      </p:ext>
+    </p:extLst>
+  </p:cSld>
+  <p:clrMapOvr>
+    <a:masterClrMapping/>
+  </p:clrMapOvr>
+</p:sld>
+</file>
+
+<file path=ppt/slides/slide70.xml><?xml version="1.0" encoding="utf-8"?>
+<p:sld xmlns:a="http://schemas.openxmlformats.org/drawingml/2006/main" xmlns:r="http://schemas.openxmlformats.org/officeDocument/2006/relationships" xmlns:p="http://schemas.openxmlformats.org/presentationml/2006/main">
+  <p:cSld>
+    <p:spTree>
+      <p:nvGrpSpPr>
+        <p:cNvPr id="1" name=""/>
+        <p:cNvGrpSpPr/>
+        <p:nvPr/>
+      </p:nvGrpSpPr>
+      <p:grpSpPr>
+        <a:xfrm>
+          <a:off x="0" y="0"/>
+          <a:ext cx="0" cy="0"/>
+          <a:chOff x="0" y="0"/>
+          <a:chExt cx="0" cy="0"/>
+        </a:xfrm>
+      </p:grpSpPr>
+      <p:sp>
+        <p:nvSpPr>
+          <p:cNvPr id="2" name="Title 1">
+            <a:extLst>
+              <a:ext uri="{FF2B5EF4-FFF2-40B4-BE49-F238E27FC236}">
+                <a16:creationId xmlns:a16="http://schemas.microsoft.com/office/drawing/2014/main" id="{CFCDF3DA-1D3D-E743-8E21-6B353B4D96A4}"/>
+              </a:ext>
+            </a:extLst>
+          </p:cNvPr>
+          <p:cNvSpPr>
+            <a:spLocks noGrp="1"/>
+          </p:cNvSpPr>
+          <p:nvPr>
+            <p:ph type="title"/>
+          </p:nvPr>
+        </p:nvSpPr>
+        <p:spPr/>
+        <p:txBody>
+          <a:bodyPr/>
+          <a:lstStyle/>
+          <a:p>
+            <a:endParaRPr lang="en-NL"/>
+          </a:p>
+        </p:txBody>
+      </p:sp>
+      <p:sp>
+        <p:nvSpPr>
+          <p:cNvPr id="3" name="Content Placeholder 2">
+            <a:extLst>
+              <a:ext uri="{FF2B5EF4-FFF2-40B4-BE49-F238E27FC236}">
+                <a16:creationId xmlns:a16="http://schemas.microsoft.com/office/drawing/2014/main" id="{40A525DA-CA85-AD48-8A85-52A75E1E5317}"/>
+              </a:ext>
+            </a:extLst>
+          </p:cNvPr>
+          <p:cNvSpPr>
+            <a:spLocks noGrp="1"/>
+          </p:cNvSpPr>
+          <p:nvPr>
+            <p:ph idx="1"/>
+          </p:nvPr>
+        </p:nvSpPr>
+        <p:spPr/>
+        <p:txBody>
+          <a:bodyPr/>
+          <a:lstStyle/>
+          <a:p>
+            <a:endParaRPr lang="en-NL"/>
+          </a:p>
+        </p:txBody>
+      </p:sp>
+      <p:sp>
+        <p:nvSpPr>
+          <p:cNvPr id="4" name="Rounded Rectangle 3">
+            <a:extLst>
+              <a:ext uri="{FF2B5EF4-FFF2-40B4-BE49-F238E27FC236}">
+                <a16:creationId xmlns:a16="http://schemas.microsoft.com/office/drawing/2014/main" id="{6B890BB6-3544-1A4E-A833-93135A597BB4}"/>
+              </a:ext>
+            </a:extLst>
+          </p:cNvPr>
+          <p:cNvSpPr/>
+          <p:nvPr/>
+        </p:nvSpPr>
+        <p:spPr>
+          <a:xfrm>
+            <a:off x="0" y="0"/>
+            <a:ext cx="7559675" cy="5327650"/>
+          </a:xfrm>
+          <a:prstGeom prst="roundRect">
+            <a:avLst>
+              <a:gd name="adj" fmla="val 0"/>
+            </a:avLst>
+          </a:prstGeom>
+          <a:blipFill>
+            <a:blip r:embed="rId2"/>
+            <a:stretch>
+              <a:fillRect/>
+            </a:stretch>
+          </a:blipFill>
+          <a:ln>
+            <a:solidFill>
+              <a:schemeClr val="bg2"/>
+            </a:solidFill>
+          </a:ln>
+        </p:spPr>
+        <p:style>
+          <a:lnRef idx="2">
+            <a:schemeClr val="accent1">
+              <a:shade val="50000"/>
+            </a:schemeClr>
+          </a:lnRef>
+          <a:fillRef idx="1">
+            <a:schemeClr val="accent1"/>
+          </a:fillRef>
+          <a:effectRef idx="0">
+            <a:schemeClr val="accent1"/>
+          </a:effectRef>
+          <a:fontRef idx="minor">
+            <a:schemeClr val="lt1"/>
+          </a:fontRef>
+        </p:style>
+        <p:txBody>
+          <a:bodyPr rtlCol="0" anchor="ctr"/>
+          <a:lstStyle/>
+          <a:p>
+            <a:pPr algn="ctr"/>
+            <a:endParaRPr lang="en-NL"/>
+          </a:p>
+        </p:txBody>
+      </p:sp>
+      <p:pic>
+        <p:nvPicPr>
+          <p:cNvPr id="5" name="Picture 4" descr="A picture containing food, drawing&#10;&#10;Description automatically generated">
+            <a:extLst>
+              <a:ext uri="{FF2B5EF4-FFF2-40B4-BE49-F238E27FC236}">
+                <a16:creationId xmlns:a16="http://schemas.microsoft.com/office/drawing/2014/main" id="{27611709-3190-2A4B-BCE4-4D329000A8EB}"/>
+              </a:ext>
+            </a:extLst>
+          </p:cNvPr>
+          <p:cNvPicPr>
+            <a:picLocks noChangeAspect="1"/>
+          </p:cNvPicPr>
+          <p:nvPr/>
+        </p:nvPicPr>
+        <p:blipFill>
+          <a:blip r:embed="rId3"/>
+          <a:stretch>
+            <a:fillRect/>
+          </a:stretch>
+        </p:blipFill>
+        <p:spPr>
+          <a:xfrm>
+            <a:off x="350837" y="-765175"/>
+            <a:ext cx="6858000" cy="6858000"/>
+          </a:xfrm>
+          <a:prstGeom prst="rect">
+            <a:avLst/>
+          </a:prstGeom>
+        </p:spPr>
+      </p:pic>
+    </p:spTree>
+    <p:extLst>
+      <p:ext uri="{BB962C8B-B14F-4D97-AF65-F5344CB8AC3E}">
+        <p14:creationId xmlns:p14="http://schemas.microsoft.com/office/powerpoint/2010/main" val="865937290"/>
       </p:ext>
     </p:extLst>
   </p:cSld>

--- a/Measuring Outcome v2 - 2020 update.pptx
+++ b/Measuring Outcome v2 - 2020 update.pptx
@@ -5,7 +5,7 @@
     <p:sldMasterId id="2147483660" r:id="rId1"/>
   </p:sldMasterIdLst>
   <p:notesMasterIdLst>
-    <p:notesMasterId r:id="rId72"/>
+    <p:notesMasterId r:id="rId74"/>
   </p:notesMasterIdLst>
   <p:sldIdLst>
     <p:sldId id="256" r:id="rId2"/>
@@ -30,85 +30,87 @@
     <p:sldId id="307" r:id="rId21"/>
     <p:sldId id="360" r:id="rId22"/>
     <p:sldId id="361" r:id="rId23"/>
-    <p:sldId id="308" r:id="rId24"/>
-    <p:sldId id="309" r:id="rId25"/>
-    <p:sldId id="310" r:id="rId26"/>
-    <p:sldId id="311" r:id="rId27"/>
-    <p:sldId id="312" r:id="rId28"/>
-    <p:sldId id="313" r:id="rId29"/>
-    <p:sldId id="364" r:id="rId30"/>
-    <p:sldId id="365" r:id="rId31"/>
-    <p:sldId id="314" r:id="rId32"/>
-    <p:sldId id="315" r:id="rId33"/>
-    <p:sldId id="316" r:id="rId34"/>
-    <p:sldId id="317" r:id="rId35"/>
-    <p:sldId id="318" r:id="rId36"/>
-    <p:sldId id="319" r:id="rId37"/>
-    <p:sldId id="320" r:id="rId38"/>
-    <p:sldId id="321" r:id="rId39"/>
-    <p:sldId id="322" r:id="rId40"/>
-    <p:sldId id="323" r:id="rId41"/>
-    <p:sldId id="324" r:id="rId42"/>
-    <p:sldId id="325" r:id="rId43"/>
-    <p:sldId id="326" r:id="rId44"/>
-    <p:sldId id="327" r:id="rId45"/>
-    <p:sldId id="337" r:id="rId46"/>
-    <p:sldId id="338" r:id="rId47"/>
-    <p:sldId id="339" r:id="rId48"/>
-    <p:sldId id="340" r:id="rId49"/>
-    <p:sldId id="341" r:id="rId50"/>
-    <p:sldId id="342" r:id="rId51"/>
-    <p:sldId id="343" r:id="rId52"/>
-    <p:sldId id="344" r:id="rId53"/>
-    <p:sldId id="352" r:id="rId54"/>
-    <p:sldId id="353" r:id="rId55"/>
-    <p:sldId id="354" r:id="rId56"/>
-    <p:sldId id="355" r:id="rId57"/>
-    <p:sldId id="357" r:id="rId58"/>
-    <p:sldId id="358" r:id="rId59"/>
-    <p:sldId id="345" r:id="rId60"/>
-    <p:sldId id="346" r:id="rId61"/>
-    <p:sldId id="347" r:id="rId62"/>
-    <p:sldId id="348" r:id="rId63"/>
-    <p:sldId id="328" r:id="rId64"/>
-    <p:sldId id="329" r:id="rId65"/>
-    <p:sldId id="334" r:id="rId66"/>
-    <p:sldId id="331" r:id="rId67"/>
-    <p:sldId id="335" r:id="rId68"/>
-    <p:sldId id="333" r:id="rId69"/>
-    <p:sldId id="359" r:id="rId70"/>
-    <p:sldId id="351" r:id="rId71"/>
+    <p:sldId id="366" r:id="rId24"/>
+    <p:sldId id="367" r:id="rId25"/>
+    <p:sldId id="308" r:id="rId26"/>
+    <p:sldId id="309" r:id="rId27"/>
+    <p:sldId id="310" r:id="rId28"/>
+    <p:sldId id="311" r:id="rId29"/>
+    <p:sldId id="312" r:id="rId30"/>
+    <p:sldId id="313" r:id="rId31"/>
+    <p:sldId id="364" r:id="rId32"/>
+    <p:sldId id="365" r:id="rId33"/>
+    <p:sldId id="314" r:id="rId34"/>
+    <p:sldId id="315" r:id="rId35"/>
+    <p:sldId id="316" r:id="rId36"/>
+    <p:sldId id="317" r:id="rId37"/>
+    <p:sldId id="318" r:id="rId38"/>
+    <p:sldId id="319" r:id="rId39"/>
+    <p:sldId id="320" r:id="rId40"/>
+    <p:sldId id="321" r:id="rId41"/>
+    <p:sldId id="322" r:id="rId42"/>
+    <p:sldId id="323" r:id="rId43"/>
+    <p:sldId id="324" r:id="rId44"/>
+    <p:sldId id="325" r:id="rId45"/>
+    <p:sldId id="326" r:id="rId46"/>
+    <p:sldId id="327" r:id="rId47"/>
+    <p:sldId id="337" r:id="rId48"/>
+    <p:sldId id="338" r:id="rId49"/>
+    <p:sldId id="339" r:id="rId50"/>
+    <p:sldId id="340" r:id="rId51"/>
+    <p:sldId id="341" r:id="rId52"/>
+    <p:sldId id="342" r:id="rId53"/>
+    <p:sldId id="343" r:id="rId54"/>
+    <p:sldId id="344" r:id="rId55"/>
+    <p:sldId id="352" r:id="rId56"/>
+    <p:sldId id="353" r:id="rId57"/>
+    <p:sldId id="354" r:id="rId58"/>
+    <p:sldId id="355" r:id="rId59"/>
+    <p:sldId id="357" r:id="rId60"/>
+    <p:sldId id="358" r:id="rId61"/>
+    <p:sldId id="345" r:id="rId62"/>
+    <p:sldId id="346" r:id="rId63"/>
+    <p:sldId id="347" r:id="rId64"/>
+    <p:sldId id="348" r:id="rId65"/>
+    <p:sldId id="328" r:id="rId66"/>
+    <p:sldId id="329" r:id="rId67"/>
+    <p:sldId id="334" r:id="rId68"/>
+    <p:sldId id="331" r:id="rId69"/>
+    <p:sldId id="335" r:id="rId70"/>
+    <p:sldId id="333" r:id="rId71"/>
+    <p:sldId id="359" r:id="rId72"/>
+    <p:sldId id="351" r:id="rId73"/>
   </p:sldIdLst>
   <p:sldSz cx="7559675" cy="5327650"/>
   <p:notesSz cx="6858000" cy="9144000"/>
   <p:embeddedFontLst>
     <p:embeddedFont>
       <p:font typeface="Calibri" panose="020F0502020204030204" pitchFamily="34" charset="0"/>
-      <p:regular r:id="rId73"/>
-      <p:bold r:id="rId73"/>
-      <p:italic r:id="rId73"/>
-      <p:boldItalic r:id="rId73"/>
+      <p:regular r:id="rId75"/>
+      <p:bold r:id="rId75"/>
+      <p:italic r:id="rId75"/>
+      <p:boldItalic r:id="rId75"/>
     </p:embeddedFont>
     <p:embeddedFont>
       <p:font typeface="Calibri Light" panose="020F0302020204030204" pitchFamily="34" charset="0"/>
-      <p:regular r:id="rId73"/>
-      <p:italic r:id="rId73"/>
+      <p:regular r:id="rId75"/>
+      <p:italic r:id="rId75"/>
     </p:embeddedFont>
     <p:embeddedFont>
       <p:font typeface="Marvel" pitchFamily="2" charset="0"/>
-      <p:regular r:id="rId73"/>
+      <p:regular r:id="rId75"/>
     </p:embeddedFont>
     <p:embeddedFont>
       <p:font typeface="Ubuntu" panose="020B0504030602030204" pitchFamily="34" charset="0"/>
-      <p:regular r:id="rId73"/>
-      <p:bold r:id="rId73"/>
-      <p:italic r:id="rId73"/>
-      <p:boldItalic r:id="rId73"/>
+      <p:regular r:id="rId75"/>
+      <p:bold r:id="rId75"/>
+      <p:italic r:id="rId75"/>
+      <p:boldItalic r:id="rId75"/>
     </p:embeddedFont>
     <p:embeddedFont>
       <p:font typeface="Ubuntu Light" panose="020B0304030602030204" pitchFamily="34" charset="0"/>
-      <p:regular r:id="rId73"/>
-      <p:italic r:id="rId73"/>
+      <p:regular r:id="rId75"/>
+      <p:italic r:id="rId75"/>
     </p:embeddedFont>
   </p:embeddedFontLst>
   <p:defaultTextStyle>
@@ -861,7 +863,7 @@
     </p:spTree>
     <p:extLst>
       <p:ext uri="{BB962C8B-B14F-4D97-AF65-F5344CB8AC3E}">
-        <p14:creationId xmlns:p14="http://schemas.microsoft.com/office/powerpoint/2010/main" val="211584228"/>
+        <p14:creationId xmlns:p14="http://schemas.microsoft.com/office/powerpoint/2010/main" val="926685030"/>
       </p:ext>
     </p:extLst>
   </p:cSld>
@@ -936,7 +938,91 @@
           <a:p>
             <a:fld id="{240114D0-54EC-2541-891C-414F49E4331F}" type="slidenum">
               <a:rPr lang="en-NL" smtClean="0"/>
-              <a:t>69</a:t>
+              <a:t>25</a:t>
+            </a:fld>
+            <a:endParaRPr lang="en-NL"/>
+          </a:p>
+        </p:txBody>
+      </p:sp>
+    </p:spTree>
+    <p:extLst>
+      <p:ext uri="{BB962C8B-B14F-4D97-AF65-F5344CB8AC3E}">
+        <p14:creationId xmlns:p14="http://schemas.microsoft.com/office/powerpoint/2010/main" val="211584228"/>
+      </p:ext>
+    </p:extLst>
+  </p:cSld>
+  <p:clrMapOvr>
+    <a:masterClrMapping/>
+  </p:clrMapOvr>
+</p:notes>
+</file>
+
+<file path=ppt/notesSlides/notesSlide4.xml><?xml version="1.0" encoding="utf-8"?>
+<p:notes xmlns:a="http://schemas.openxmlformats.org/drawingml/2006/main" xmlns:r="http://schemas.openxmlformats.org/officeDocument/2006/relationships" xmlns:p="http://schemas.openxmlformats.org/presentationml/2006/main">
+  <p:cSld>
+    <p:spTree>
+      <p:nvGrpSpPr>
+        <p:cNvPr id="1" name=""/>
+        <p:cNvGrpSpPr/>
+        <p:nvPr/>
+      </p:nvGrpSpPr>
+      <p:grpSpPr>
+        <a:xfrm>
+          <a:off x="0" y="0"/>
+          <a:ext cx="0" cy="0"/>
+          <a:chOff x="0" y="0"/>
+          <a:chExt cx="0" cy="0"/>
+        </a:xfrm>
+      </p:grpSpPr>
+      <p:sp>
+        <p:nvSpPr>
+          <p:cNvPr id="2" name="Slide Image Placeholder 1"/>
+          <p:cNvSpPr>
+            <a:spLocks noGrp="1" noRot="1" noChangeAspect="1"/>
+          </p:cNvSpPr>
+          <p:nvPr>
+            <p:ph type="sldImg"/>
+          </p:nvPr>
+        </p:nvSpPr>
+        <p:spPr/>
+      </p:sp>
+      <p:sp>
+        <p:nvSpPr>
+          <p:cNvPr id="3" name="Notes Placeholder 2"/>
+          <p:cNvSpPr>
+            <a:spLocks noGrp="1"/>
+          </p:cNvSpPr>
+          <p:nvPr>
+            <p:ph type="body" idx="1"/>
+          </p:nvPr>
+        </p:nvSpPr>
+        <p:spPr/>
+        <p:txBody>
+          <a:bodyPr/>
+          <a:lstStyle/>
+          <a:p>
+            <a:endParaRPr lang="en-NL" dirty="0"/>
+          </a:p>
+        </p:txBody>
+      </p:sp>
+      <p:sp>
+        <p:nvSpPr>
+          <p:cNvPr id="4" name="Slide Number Placeholder 3"/>
+          <p:cNvSpPr>
+            <a:spLocks noGrp="1"/>
+          </p:cNvSpPr>
+          <p:nvPr>
+            <p:ph type="sldNum" sz="quarter" idx="5"/>
+          </p:nvPr>
+        </p:nvSpPr>
+        <p:spPr/>
+        <p:txBody>
+          <a:bodyPr/>
+          <a:lstStyle/>
+          <a:p>
+            <a:fld id="{240114D0-54EC-2541-891C-414F49E4331F}" type="slidenum">
+              <a:rPr lang="en-NL" smtClean="0"/>
+              <a:t>71</a:t>
             </a:fld>
             <a:endParaRPr lang="en-NL"/>
           </a:p>
@@ -8185,6 +8271,491 @@
             <a:p>
               <a:pPr algn="ctr"/>
               <a:r>
+                <a:rPr lang="en-GB" sz="5000" b="1">
+                  <a:solidFill>
+                    <a:schemeClr val="bg1"/>
+                  </a:solidFill>
+                  <a:latin typeface="Ubuntu" panose="020B0504030602030204" pitchFamily="34" charset="0"/>
+                </a:rPr>
+                <a:t>Time to remove Impediment</a:t>
+              </a:r>
+              <a:endParaRPr lang="en-NL" sz="5000" b="1" dirty="0">
+                <a:solidFill>
+                  <a:schemeClr val="bg1"/>
+                </a:solidFill>
+                <a:latin typeface="Ubuntu" panose="020B0504030602030204" pitchFamily="34" charset="0"/>
+              </a:endParaRPr>
+            </a:p>
+          </p:txBody>
+        </p:sp>
+        <p:sp>
+          <p:nvSpPr>
+            <p:cNvPr id="10" name="Diamond 9">
+              <a:extLst>
+                <a:ext uri="{FF2B5EF4-FFF2-40B4-BE49-F238E27FC236}">
+                  <a16:creationId xmlns:a16="http://schemas.microsoft.com/office/drawing/2014/main" id="{04B27ABF-7C40-D04C-9ECC-6FE20656663A}"/>
+                </a:ext>
+              </a:extLst>
+            </p:cNvPr>
+            <p:cNvSpPr/>
+            <p:nvPr/>
+          </p:nvSpPr>
+          <p:spPr>
+            <a:xfrm>
+              <a:off x="2854907" y="3217028"/>
+              <a:ext cx="550190" cy="550190"/>
+            </a:xfrm>
+            <a:prstGeom prst="diamond">
+              <a:avLst/>
+            </a:prstGeom>
+            <a:solidFill>
+              <a:schemeClr val="bg1"/>
+            </a:solidFill>
+            <a:ln>
+              <a:solidFill>
+                <a:schemeClr val="bg1"/>
+              </a:solidFill>
+            </a:ln>
+          </p:spPr>
+          <p:style>
+            <a:lnRef idx="2">
+              <a:schemeClr val="accent1">
+                <a:shade val="50000"/>
+              </a:schemeClr>
+            </a:lnRef>
+            <a:fillRef idx="1">
+              <a:schemeClr val="accent1"/>
+            </a:fillRef>
+            <a:effectRef idx="0">
+              <a:schemeClr val="accent1"/>
+            </a:effectRef>
+            <a:fontRef idx="minor">
+              <a:schemeClr val="lt1"/>
+            </a:fontRef>
+          </p:style>
+          <p:txBody>
+            <a:bodyPr rtlCol="0" anchor="ctr"/>
+            <a:lstStyle/>
+            <a:p>
+              <a:pPr algn="ctr"/>
+              <a:endParaRPr lang="en-NL"/>
+            </a:p>
+          </p:txBody>
+        </p:sp>
+        <p:sp>
+          <p:nvSpPr>
+            <p:cNvPr id="11" name="Diamond 10">
+              <a:extLst>
+                <a:ext uri="{FF2B5EF4-FFF2-40B4-BE49-F238E27FC236}">
+                  <a16:creationId xmlns:a16="http://schemas.microsoft.com/office/drawing/2014/main" id="{B8C10F54-C87D-5744-8035-A30366556BF7}"/>
+                </a:ext>
+              </a:extLst>
+            </p:cNvPr>
+            <p:cNvSpPr/>
+            <p:nvPr/>
+          </p:nvSpPr>
+          <p:spPr>
+            <a:xfrm>
+              <a:off x="3504741" y="3207256"/>
+              <a:ext cx="550190" cy="550190"/>
+            </a:xfrm>
+            <a:prstGeom prst="diamond">
+              <a:avLst/>
+            </a:prstGeom>
+            <a:solidFill>
+              <a:schemeClr val="bg1"/>
+            </a:solidFill>
+            <a:ln>
+              <a:solidFill>
+                <a:schemeClr val="bg1"/>
+              </a:solidFill>
+            </a:ln>
+          </p:spPr>
+          <p:style>
+            <a:lnRef idx="2">
+              <a:schemeClr val="accent1">
+                <a:shade val="50000"/>
+              </a:schemeClr>
+            </a:lnRef>
+            <a:fillRef idx="1">
+              <a:schemeClr val="accent1"/>
+            </a:fillRef>
+            <a:effectRef idx="0">
+              <a:schemeClr val="accent1"/>
+            </a:effectRef>
+            <a:fontRef idx="minor">
+              <a:schemeClr val="lt1"/>
+            </a:fontRef>
+          </p:style>
+          <p:txBody>
+            <a:bodyPr rtlCol="0" anchor="ctr"/>
+            <a:lstStyle/>
+            <a:p>
+              <a:pPr algn="ctr"/>
+              <a:endParaRPr lang="en-NL"/>
+            </a:p>
+          </p:txBody>
+        </p:sp>
+        <p:sp>
+          <p:nvSpPr>
+            <p:cNvPr id="12" name="Diamond 11">
+              <a:extLst>
+                <a:ext uri="{FF2B5EF4-FFF2-40B4-BE49-F238E27FC236}">
+                  <a16:creationId xmlns:a16="http://schemas.microsoft.com/office/drawing/2014/main" id="{22FBFC88-2C68-704D-8F06-5F3A682456FE}"/>
+                </a:ext>
+              </a:extLst>
+            </p:cNvPr>
+            <p:cNvSpPr/>
+            <p:nvPr/>
+          </p:nvSpPr>
+          <p:spPr>
+            <a:xfrm>
+              <a:off x="4154575" y="3207256"/>
+              <a:ext cx="550190" cy="550190"/>
+            </a:xfrm>
+            <a:prstGeom prst="diamond">
+              <a:avLst/>
+            </a:prstGeom>
+            <a:solidFill>
+              <a:schemeClr val="bg1"/>
+            </a:solidFill>
+            <a:ln>
+              <a:solidFill>
+                <a:schemeClr val="bg1"/>
+              </a:solidFill>
+            </a:ln>
+          </p:spPr>
+          <p:style>
+            <a:lnRef idx="2">
+              <a:schemeClr val="accent1">
+                <a:shade val="50000"/>
+              </a:schemeClr>
+            </a:lnRef>
+            <a:fillRef idx="1">
+              <a:schemeClr val="accent1"/>
+            </a:fillRef>
+            <a:effectRef idx="0">
+              <a:schemeClr val="accent1"/>
+            </a:effectRef>
+            <a:fontRef idx="minor">
+              <a:schemeClr val="lt1"/>
+            </a:fontRef>
+          </p:style>
+          <p:txBody>
+            <a:bodyPr rtlCol="0" anchor="ctr"/>
+            <a:lstStyle/>
+            <a:p>
+              <a:pPr algn="ctr"/>
+              <a:endParaRPr lang="en-NL"/>
+            </a:p>
+          </p:txBody>
+        </p:sp>
+      </p:grpSp>
+    </p:spTree>
+    <p:extLst>
+      <p:ext uri="{BB962C8B-B14F-4D97-AF65-F5344CB8AC3E}">
+        <p14:creationId xmlns:p14="http://schemas.microsoft.com/office/powerpoint/2010/main" val="2494178614"/>
+      </p:ext>
+    </p:extLst>
+  </p:cSld>
+  <p:clrMapOvr>
+    <a:masterClrMapping/>
+  </p:clrMapOvr>
+</p:sld>
+</file>
+
+<file path=ppt/slides/slide24.xml><?xml version="1.0" encoding="utf-8"?>
+<p:sld xmlns:a="http://schemas.openxmlformats.org/drawingml/2006/main" xmlns:r="http://schemas.openxmlformats.org/officeDocument/2006/relationships" xmlns:p="http://schemas.openxmlformats.org/presentationml/2006/main">
+  <p:cSld>
+    <p:spTree>
+      <p:nvGrpSpPr>
+        <p:cNvPr id="1" name=""/>
+        <p:cNvGrpSpPr/>
+        <p:nvPr/>
+      </p:nvGrpSpPr>
+      <p:grpSpPr>
+        <a:xfrm>
+          <a:off x="0" y="0"/>
+          <a:ext cx="0" cy="0"/>
+          <a:chOff x="0" y="0"/>
+          <a:chExt cx="0" cy="0"/>
+        </a:xfrm>
+      </p:grpSpPr>
+      <p:sp>
+        <p:nvSpPr>
+          <p:cNvPr id="2" name="Title 1">
+            <a:extLst>
+              <a:ext uri="{FF2B5EF4-FFF2-40B4-BE49-F238E27FC236}">
+                <a16:creationId xmlns:a16="http://schemas.microsoft.com/office/drawing/2014/main" id="{CFCDF3DA-1D3D-E743-8E21-6B353B4D96A4}"/>
+              </a:ext>
+            </a:extLst>
+          </p:cNvPr>
+          <p:cNvSpPr>
+            <a:spLocks noGrp="1"/>
+          </p:cNvSpPr>
+          <p:nvPr>
+            <p:ph type="title"/>
+          </p:nvPr>
+        </p:nvSpPr>
+        <p:spPr/>
+        <p:txBody>
+          <a:bodyPr/>
+          <a:lstStyle/>
+          <a:p>
+            <a:endParaRPr lang="en-NL"/>
+          </a:p>
+        </p:txBody>
+      </p:sp>
+      <p:sp>
+        <p:nvSpPr>
+          <p:cNvPr id="3" name="Content Placeholder 2">
+            <a:extLst>
+              <a:ext uri="{FF2B5EF4-FFF2-40B4-BE49-F238E27FC236}">
+                <a16:creationId xmlns:a16="http://schemas.microsoft.com/office/drawing/2014/main" id="{40A525DA-CA85-AD48-8A85-52A75E1E5317}"/>
+              </a:ext>
+            </a:extLst>
+          </p:cNvPr>
+          <p:cNvSpPr>
+            <a:spLocks noGrp="1"/>
+          </p:cNvSpPr>
+          <p:nvPr>
+            <p:ph idx="1"/>
+          </p:nvPr>
+        </p:nvSpPr>
+        <p:spPr/>
+        <p:txBody>
+          <a:bodyPr/>
+          <a:lstStyle/>
+          <a:p>
+            <a:endParaRPr lang="en-NL"/>
+          </a:p>
+        </p:txBody>
+      </p:sp>
+      <p:sp>
+        <p:nvSpPr>
+          <p:cNvPr id="4" name="Rounded Rectangle 3">
+            <a:extLst>
+              <a:ext uri="{FF2B5EF4-FFF2-40B4-BE49-F238E27FC236}">
+                <a16:creationId xmlns:a16="http://schemas.microsoft.com/office/drawing/2014/main" id="{6B890BB6-3544-1A4E-A833-93135A597BB4}"/>
+              </a:ext>
+            </a:extLst>
+          </p:cNvPr>
+          <p:cNvSpPr/>
+          <p:nvPr/>
+        </p:nvSpPr>
+        <p:spPr>
+          <a:xfrm>
+            <a:off x="0" y="0"/>
+            <a:ext cx="7559675" cy="5327650"/>
+          </a:xfrm>
+          <a:prstGeom prst="roundRect">
+            <a:avLst>
+              <a:gd name="adj" fmla="val 0"/>
+            </a:avLst>
+          </a:prstGeom>
+          <a:blipFill>
+            <a:blip r:embed="rId2"/>
+            <a:stretch>
+              <a:fillRect/>
+            </a:stretch>
+          </a:blipFill>
+          <a:ln>
+            <a:solidFill>
+              <a:schemeClr val="bg2"/>
+            </a:solidFill>
+          </a:ln>
+        </p:spPr>
+        <p:style>
+          <a:lnRef idx="2">
+            <a:schemeClr val="accent1">
+              <a:shade val="50000"/>
+            </a:schemeClr>
+          </a:lnRef>
+          <a:fillRef idx="1">
+            <a:schemeClr val="accent1"/>
+          </a:fillRef>
+          <a:effectRef idx="0">
+            <a:schemeClr val="accent1"/>
+          </a:effectRef>
+          <a:fontRef idx="minor">
+            <a:schemeClr val="lt1"/>
+          </a:fontRef>
+        </p:style>
+        <p:txBody>
+          <a:bodyPr rtlCol="0" anchor="ctr"/>
+          <a:lstStyle/>
+          <a:p>
+            <a:pPr algn="ctr"/>
+            <a:endParaRPr lang="en-NL"/>
+          </a:p>
+        </p:txBody>
+      </p:sp>
+      <p:pic>
+        <p:nvPicPr>
+          <p:cNvPr id="5" name="Picture 4" descr="A picture containing food, drawing&#10;&#10;Description automatically generated">
+            <a:extLst>
+              <a:ext uri="{FF2B5EF4-FFF2-40B4-BE49-F238E27FC236}">
+                <a16:creationId xmlns:a16="http://schemas.microsoft.com/office/drawing/2014/main" id="{27611709-3190-2A4B-BCE4-4D329000A8EB}"/>
+              </a:ext>
+            </a:extLst>
+          </p:cNvPr>
+          <p:cNvPicPr>
+            <a:picLocks noChangeAspect="1"/>
+          </p:cNvPicPr>
+          <p:nvPr/>
+        </p:nvPicPr>
+        <p:blipFill>
+          <a:blip r:embed="rId3"/>
+          <a:stretch>
+            <a:fillRect/>
+          </a:stretch>
+        </p:blipFill>
+        <p:spPr>
+          <a:xfrm>
+            <a:off x="350837" y="-765175"/>
+            <a:ext cx="6858000" cy="6858000"/>
+          </a:xfrm>
+          <a:prstGeom prst="rect">
+            <a:avLst/>
+          </a:prstGeom>
+        </p:spPr>
+      </p:pic>
+    </p:spTree>
+    <p:extLst>
+      <p:ext uri="{BB962C8B-B14F-4D97-AF65-F5344CB8AC3E}">
+        <p14:creationId xmlns:p14="http://schemas.microsoft.com/office/powerpoint/2010/main" val="809521278"/>
+      </p:ext>
+    </p:extLst>
+  </p:cSld>
+  <p:clrMapOvr>
+    <a:masterClrMapping/>
+  </p:clrMapOvr>
+</p:sld>
+</file>
+
+<file path=ppt/slides/slide25.xml><?xml version="1.0" encoding="utf-8"?>
+<p:sld xmlns:a="http://schemas.openxmlformats.org/drawingml/2006/main" xmlns:r="http://schemas.openxmlformats.org/officeDocument/2006/relationships" xmlns:p="http://schemas.openxmlformats.org/presentationml/2006/main">
+  <p:cSld>
+    <p:spTree>
+      <p:nvGrpSpPr>
+        <p:cNvPr id="1" name=""/>
+        <p:cNvGrpSpPr/>
+        <p:nvPr/>
+      </p:nvGrpSpPr>
+      <p:grpSpPr>
+        <a:xfrm>
+          <a:off x="0" y="0"/>
+          <a:ext cx="0" cy="0"/>
+          <a:chOff x="0" y="0"/>
+          <a:chExt cx="0" cy="0"/>
+        </a:xfrm>
+      </p:grpSpPr>
+      <p:sp>
+        <p:nvSpPr>
+          <p:cNvPr id="4" name="Rounded Rectangle 3">
+            <a:extLst>
+              <a:ext uri="{FF2B5EF4-FFF2-40B4-BE49-F238E27FC236}">
+                <a16:creationId xmlns:a16="http://schemas.microsoft.com/office/drawing/2014/main" id="{04CB84C5-9CEF-0B4C-A30F-8552B621ACE1}"/>
+              </a:ext>
+            </a:extLst>
+          </p:cNvPr>
+          <p:cNvSpPr/>
+          <p:nvPr/>
+        </p:nvSpPr>
+        <p:spPr>
+          <a:xfrm>
+            <a:off x="0" y="0"/>
+            <a:ext cx="7559675" cy="5327650"/>
+          </a:xfrm>
+          <a:prstGeom prst="roundRect">
+            <a:avLst>
+              <a:gd name="adj" fmla="val 0"/>
+            </a:avLst>
+          </a:prstGeom>
+          <a:solidFill>
+            <a:schemeClr val="accent6">
+              <a:lumMod val="50000"/>
+            </a:schemeClr>
+          </a:solidFill>
+          <a:ln>
+            <a:noFill/>
+          </a:ln>
+        </p:spPr>
+        <p:style>
+          <a:lnRef idx="2">
+            <a:schemeClr val="accent1">
+              <a:shade val="50000"/>
+            </a:schemeClr>
+          </a:lnRef>
+          <a:fillRef idx="1">
+            <a:schemeClr val="accent1"/>
+          </a:fillRef>
+          <a:effectRef idx="0">
+            <a:schemeClr val="accent1"/>
+          </a:effectRef>
+          <a:fontRef idx="minor">
+            <a:schemeClr val="lt1"/>
+          </a:fontRef>
+        </p:style>
+        <p:txBody>
+          <a:bodyPr rtlCol="0" anchor="ctr"/>
+          <a:lstStyle/>
+          <a:p>
+            <a:pPr algn="ctr"/>
+            <a:endParaRPr lang="en-NL"/>
+          </a:p>
+        </p:txBody>
+      </p:sp>
+      <p:grpSp>
+        <p:nvGrpSpPr>
+          <p:cNvPr id="2" name="Group 1">
+            <a:extLst>
+              <a:ext uri="{FF2B5EF4-FFF2-40B4-BE49-F238E27FC236}">
+                <a16:creationId xmlns:a16="http://schemas.microsoft.com/office/drawing/2014/main" id="{6D474F51-8CD4-BE40-BB2E-BC1101989427}"/>
+              </a:ext>
+            </a:extLst>
+          </p:cNvPr>
+          <p:cNvGrpSpPr/>
+          <p:nvPr/>
+        </p:nvGrpSpPr>
+        <p:grpSpPr>
+          <a:xfrm>
+            <a:off x="712956" y="1432609"/>
+            <a:ext cx="6133762" cy="2462432"/>
+            <a:chOff x="712955" y="1304786"/>
+            <a:chExt cx="6133762" cy="2462432"/>
+          </a:xfrm>
+        </p:grpSpPr>
+        <p:sp>
+          <p:nvSpPr>
+            <p:cNvPr id="6" name="TextBox 5">
+              <a:extLst>
+                <a:ext uri="{FF2B5EF4-FFF2-40B4-BE49-F238E27FC236}">
+                  <a16:creationId xmlns:a16="http://schemas.microsoft.com/office/drawing/2014/main" id="{009EAD6C-D563-D744-AFCA-AE8CA95E6630}"/>
+                </a:ext>
+              </a:extLst>
+            </p:cNvPr>
+            <p:cNvSpPr txBox="1"/>
+            <p:nvPr/>
+          </p:nvSpPr>
+          <p:spPr>
+            <a:xfrm>
+              <a:off x="712955" y="1304786"/>
+              <a:ext cx="6133762" cy="1631216"/>
+            </a:xfrm>
+            <a:prstGeom prst="rect">
+              <a:avLst/>
+            </a:prstGeom>
+            <a:noFill/>
+          </p:spPr>
+          <p:txBody>
+            <a:bodyPr wrap="square" rtlCol="0">
+              <a:spAutoFit/>
+            </a:bodyPr>
+            <a:lstStyle/>
+            <a:p>
+              <a:pPr algn="ctr"/>
+              <a:r>
                 <a:rPr lang="en-NL" sz="5000" b="1" dirty="0">
                   <a:solidFill>
                     <a:schemeClr val="bg1"/>
@@ -8372,7 +8943,7 @@
 </p:sld>
 </file>
 
-<file path=ppt/slides/slide24.xml><?xml version="1.0" encoding="utf-8"?>
+<file path=ppt/slides/slide26.xml><?xml version="1.0" encoding="utf-8"?>
 <p:sld xmlns:a="http://schemas.openxmlformats.org/drawingml/2006/main" xmlns:r="http://schemas.openxmlformats.org/officeDocument/2006/relationships" xmlns:p="http://schemas.openxmlformats.org/presentationml/2006/main">
   <p:cSld>
     <p:spTree>
@@ -8541,7 +9112,7 @@
 </p:sld>
 </file>
 
-<file path=ppt/slides/slide25.xml><?xml version="1.0" encoding="utf-8"?>
+<file path=ppt/slides/slide27.xml><?xml version="1.0" encoding="utf-8"?>
 <p:sld xmlns:a="http://schemas.openxmlformats.org/drawingml/2006/main" xmlns:r="http://schemas.openxmlformats.org/officeDocument/2006/relationships" xmlns:p="http://schemas.openxmlformats.org/presentationml/2006/main">
   <p:cSld>
     <p:spTree>
@@ -8851,7 +9422,7 @@
 </p:sld>
 </file>
 
-<file path=ppt/slides/slide26.xml><?xml version="1.0" encoding="utf-8"?>
+<file path=ppt/slides/slide28.xml><?xml version="1.0" encoding="utf-8"?>
 <p:sld xmlns:a="http://schemas.openxmlformats.org/drawingml/2006/main" xmlns:r="http://schemas.openxmlformats.org/officeDocument/2006/relationships" xmlns:p="http://schemas.openxmlformats.org/presentationml/2006/main">
   <p:cSld>
     <p:spTree>
@@ -9020,7 +9591,7 @@
 </p:sld>
 </file>
 
-<file path=ppt/slides/slide27.xml><?xml version="1.0" encoding="utf-8"?>
+<file path=ppt/slides/slide29.xml><?xml version="1.0" encoding="utf-8"?>
 <p:sld xmlns:a="http://schemas.openxmlformats.org/drawingml/2006/main" xmlns:r="http://schemas.openxmlformats.org/officeDocument/2006/relationships" xmlns:p="http://schemas.openxmlformats.org/presentationml/2006/main">
   <p:cSld>
     <p:spTree>
@@ -9354,7 +9925,998 @@
 </p:sld>
 </file>
 
-<file path=ppt/slides/slide28.xml><?xml version="1.0" encoding="utf-8"?>
+<file path=ppt/slides/slide3.xml><?xml version="1.0" encoding="utf-8"?>
+<p:sld xmlns:a="http://schemas.openxmlformats.org/drawingml/2006/main" xmlns:r="http://schemas.openxmlformats.org/officeDocument/2006/relationships" xmlns:p="http://schemas.openxmlformats.org/presentationml/2006/main">
+  <p:cSld>
+    <p:spTree>
+      <p:nvGrpSpPr>
+        <p:cNvPr id="1" name=""/>
+        <p:cNvGrpSpPr/>
+        <p:nvPr/>
+      </p:nvGrpSpPr>
+      <p:grpSpPr>
+        <a:xfrm>
+          <a:off x="0" y="0"/>
+          <a:ext cx="0" cy="0"/>
+          <a:chOff x="0" y="0"/>
+          <a:chExt cx="0" cy="0"/>
+        </a:xfrm>
+      </p:grpSpPr>
+      <p:sp>
+        <p:nvSpPr>
+          <p:cNvPr id="14" name="Rounded Rectangle 13">
+            <a:extLst>
+              <a:ext uri="{FF2B5EF4-FFF2-40B4-BE49-F238E27FC236}">
+                <a16:creationId xmlns:a16="http://schemas.microsoft.com/office/drawing/2014/main" id="{D8656E71-C2B4-0F4F-93C2-2FE01E15243E}"/>
+              </a:ext>
+            </a:extLst>
+          </p:cNvPr>
+          <p:cNvSpPr/>
+          <p:nvPr/>
+        </p:nvSpPr>
+        <p:spPr>
+          <a:xfrm>
+            <a:off x="0" y="0"/>
+            <a:ext cx="7559675" cy="5327650"/>
+          </a:xfrm>
+          <a:prstGeom prst="roundRect">
+            <a:avLst>
+              <a:gd name="adj" fmla="val 0"/>
+            </a:avLst>
+          </a:prstGeom>
+          <a:solidFill>
+            <a:srgbClr val="DE8445"/>
+          </a:solidFill>
+          <a:ln>
+            <a:noFill/>
+          </a:ln>
+        </p:spPr>
+        <p:style>
+          <a:lnRef idx="2">
+            <a:schemeClr val="accent1">
+              <a:shade val="50000"/>
+            </a:schemeClr>
+          </a:lnRef>
+          <a:fillRef idx="1">
+            <a:schemeClr val="accent1"/>
+          </a:fillRef>
+          <a:effectRef idx="0">
+            <a:schemeClr val="accent1"/>
+          </a:effectRef>
+          <a:fontRef idx="minor">
+            <a:schemeClr val="lt1"/>
+          </a:fontRef>
+        </p:style>
+        <p:txBody>
+          <a:bodyPr rtlCol="0" anchor="ctr"/>
+          <a:lstStyle/>
+          <a:p>
+            <a:pPr algn="ctr"/>
+            <a:r>
+              <a:rPr lang="en-GB" dirty="0"/>
+              <a:t>Reveals the value that the product delivers to customers, today</a:t>
+            </a:r>
+            <a:endParaRPr lang="en-NL" dirty="0"/>
+          </a:p>
+        </p:txBody>
+      </p:sp>
+      <p:sp>
+        <p:nvSpPr>
+          <p:cNvPr id="15" name="Rectangle 14">
+            <a:extLst>
+              <a:ext uri="{FF2B5EF4-FFF2-40B4-BE49-F238E27FC236}">
+                <a16:creationId xmlns:a16="http://schemas.microsoft.com/office/drawing/2014/main" id="{F07C9767-773C-644A-A638-0001139EE025}"/>
+              </a:ext>
+            </a:extLst>
+          </p:cNvPr>
+          <p:cNvSpPr/>
+          <p:nvPr/>
+        </p:nvSpPr>
+        <p:spPr>
+          <a:xfrm>
+            <a:off x="654576" y="629685"/>
+            <a:ext cx="6326488" cy="3992292"/>
+          </a:xfrm>
+          <a:prstGeom prst="rect">
+            <a:avLst/>
+          </a:prstGeom>
+          <a:blipFill>
+            <a:blip r:embed="rId2"/>
+            <a:stretch>
+              <a:fillRect/>
+            </a:stretch>
+          </a:blipFill>
+          <a:ln w="76200">
+            <a:solidFill>
+              <a:schemeClr val="tx1"/>
+            </a:solidFill>
+          </a:ln>
+        </p:spPr>
+        <p:style>
+          <a:lnRef idx="2">
+            <a:schemeClr val="accent1">
+              <a:shade val="50000"/>
+            </a:schemeClr>
+          </a:lnRef>
+          <a:fillRef idx="1">
+            <a:schemeClr val="accent1"/>
+          </a:fillRef>
+          <a:effectRef idx="0">
+            <a:schemeClr val="accent1"/>
+          </a:effectRef>
+          <a:fontRef idx="minor">
+            <a:schemeClr val="lt1"/>
+          </a:fontRef>
+        </p:style>
+        <p:txBody>
+          <a:bodyPr rtlCol="0" anchor="ctr"/>
+          <a:lstStyle/>
+          <a:p>
+            <a:endParaRPr lang="en-NL" sz="9600">
+              <a:latin typeface="Marvel" pitchFamily="2" charset="0"/>
+            </a:endParaRPr>
+          </a:p>
+        </p:txBody>
+      </p:sp>
+      <p:sp>
+        <p:nvSpPr>
+          <p:cNvPr id="17" name="TextBox 16">
+            <a:extLst>
+              <a:ext uri="{FF2B5EF4-FFF2-40B4-BE49-F238E27FC236}">
+                <a16:creationId xmlns:a16="http://schemas.microsoft.com/office/drawing/2014/main" id="{E287ED43-6E86-FA4F-94F4-5B177664B785}"/>
+              </a:ext>
+            </a:extLst>
+          </p:cNvPr>
+          <p:cNvSpPr txBox="1"/>
+          <p:nvPr/>
+        </p:nvSpPr>
+        <p:spPr>
+          <a:xfrm>
+            <a:off x="1092134" y="1887167"/>
+            <a:ext cx="5451371" cy="1477328"/>
+          </a:xfrm>
+          <a:prstGeom prst="rect">
+            <a:avLst/>
+          </a:prstGeom>
+          <a:noFill/>
+        </p:spPr>
+        <p:txBody>
+          <a:bodyPr wrap="square" rtlCol="0">
+            <a:spAutoFit/>
+          </a:bodyPr>
+          <a:lstStyle/>
+          <a:p>
+            <a:pPr algn="ctr"/>
+            <a:r>
+              <a:rPr lang="en-NL" sz="9000" dirty="0">
+                <a:latin typeface="Marvel" pitchFamily="2" charset="0"/>
+              </a:rPr>
+              <a:t>CURRENT VALUE</a:t>
+            </a:r>
+          </a:p>
+        </p:txBody>
+      </p:sp>
+      <p:sp>
+        <p:nvSpPr>
+          <p:cNvPr id="2" name="TextBox 1">
+            <a:extLst>
+              <a:ext uri="{FF2B5EF4-FFF2-40B4-BE49-F238E27FC236}">
+                <a16:creationId xmlns:a16="http://schemas.microsoft.com/office/drawing/2014/main" id="{40491A28-9097-6F43-9DB2-81A447868F1E}"/>
+              </a:ext>
+            </a:extLst>
+          </p:cNvPr>
+          <p:cNvSpPr txBox="1"/>
+          <p:nvPr/>
+        </p:nvSpPr>
+        <p:spPr>
+          <a:xfrm>
+            <a:off x="2527241" y="3029919"/>
+            <a:ext cx="2581155" cy="246221"/>
+          </a:xfrm>
+          <a:prstGeom prst="rect">
+            <a:avLst/>
+          </a:prstGeom>
+          <a:noFill/>
+        </p:spPr>
+        <p:txBody>
+          <a:bodyPr wrap="none" rtlCol="0">
+            <a:spAutoFit/>
+          </a:bodyPr>
+          <a:lstStyle/>
+          <a:p>
+            <a:pPr algn="ctr"/>
+            <a:r>
+              <a:rPr lang="en-GB" sz="1000" dirty="0">
+                <a:solidFill>
+                  <a:schemeClr val="bg1">
+                    <a:lumMod val="50000"/>
+                  </a:schemeClr>
+                </a:solidFill>
+                <a:latin typeface="Ubuntu" panose="020B0504030602030204" pitchFamily="34" charset="0"/>
+              </a:rPr>
+              <a:t>The value that the product delivers today</a:t>
+            </a:r>
+            <a:endParaRPr lang="en-NL" sz="1000" dirty="0">
+              <a:solidFill>
+                <a:schemeClr val="bg1">
+                  <a:lumMod val="50000"/>
+                </a:schemeClr>
+              </a:solidFill>
+              <a:latin typeface="Ubuntu" panose="020B0504030602030204" pitchFamily="34" charset="0"/>
+            </a:endParaRPr>
+          </a:p>
+        </p:txBody>
+      </p:sp>
+      <p:sp>
+        <p:nvSpPr>
+          <p:cNvPr id="9" name="Rounded Rectangle 8">
+            <a:extLst>
+              <a:ext uri="{FF2B5EF4-FFF2-40B4-BE49-F238E27FC236}">
+                <a16:creationId xmlns:a16="http://schemas.microsoft.com/office/drawing/2014/main" id="{80A414F0-FCE5-2E45-A339-248A82CA3769}"/>
+              </a:ext>
+            </a:extLst>
+          </p:cNvPr>
+          <p:cNvSpPr/>
+          <p:nvPr/>
+        </p:nvSpPr>
+        <p:spPr>
+          <a:xfrm>
+            <a:off x="-205353" y="769750"/>
+            <a:ext cx="410705" cy="410705"/>
+          </a:xfrm>
+          <a:prstGeom prst="roundRect">
+            <a:avLst/>
+          </a:prstGeom>
+          <a:solidFill>
+            <a:schemeClr val="bg2"/>
+          </a:solidFill>
+          <a:ln>
+            <a:solidFill>
+              <a:schemeClr val="bg2"/>
+            </a:solidFill>
+          </a:ln>
+        </p:spPr>
+        <p:style>
+          <a:lnRef idx="2">
+            <a:schemeClr val="accent1">
+              <a:shade val="50000"/>
+            </a:schemeClr>
+          </a:lnRef>
+          <a:fillRef idx="1">
+            <a:schemeClr val="accent1"/>
+          </a:fillRef>
+          <a:effectRef idx="0">
+            <a:schemeClr val="accent1"/>
+          </a:effectRef>
+          <a:fontRef idx="minor">
+            <a:schemeClr val="lt1"/>
+          </a:fontRef>
+        </p:style>
+        <p:txBody>
+          <a:bodyPr rtlCol="0" anchor="ctr"/>
+          <a:lstStyle/>
+          <a:p>
+            <a:pPr algn="ctr"/>
+            <a:endParaRPr lang="en-NL"/>
+          </a:p>
+        </p:txBody>
+      </p:sp>
+      <p:sp>
+        <p:nvSpPr>
+          <p:cNvPr id="10" name="Rounded Rectangle 9">
+            <a:extLst>
+              <a:ext uri="{FF2B5EF4-FFF2-40B4-BE49-F238E27FC236}">
+                <a16:creationId xmlns:a16="http://schemas.microsoft.com/office/drawing/2014/main" id="{2333F93C-0F67-C146-84E2-9B869646EE60}"/>
+              </a:ext>
+            </a:extLst>
+          </p:cNvPr>
+          <p:cNvSpPr/>
+          <p:nvPr/>
+        </p:nvSpPr>
+        <p:spPr>
+          <a:xfrm>
+            <a:off x="-186093" y="1325099"/>
+            <a:ext cx="410705" cy="410705"/>
+          </a:xfrm>
+          <a:prstGeom prst="roundRect">
+            <a:avLst/>
+          </a:prstGeom>
+          <a:solidFill>
+            <a:schemeClr val="bg2"/>
+          </a:solidFill>
+          <a:ln>
+            <a:solidFill>
+              <a:schemeClr val="bg2"/>
+            </a:solidFill>
+          </a:ln>
+        </p:spPr>
+        <p:style>
+          <a:lnRef idx="2">
+            <a:schemeClr val="accent1">
+              <a:shade val="50000"/>
+            </a:schemeClr>
+          </a:lnRef>
+          <a:fillRef idx="1">
+            <a:schemeClr val="accent1"/>
+          </a:fillRef>
+          <a:effectRef idx="0">
+            <a:schemeClr val="accent1"/>
+          </a:effectRef>
+          <a:fontRef idx="minor">
+            <a:schemeClr val="lt1"/>
+          </a:fontRef>
+        </p:style>
+        <p:txBody>
+          <a:bodyPr rtlCol="0" anchor="ctr"/>
+          <a:lstStyle/>
+          <a:p>
+            <a:pPr algn="ctr"/>
+            <a:endParaRPr lang="en-NL"/>
+          </a:p>
+        </p:txBody>
+      </p:sp>
+      <p:sp>
+        <p:nvSpPr>
+          <p:cNvPr id="11" name="Rounded Rectangle 10">
+            <a:extLst>
+              <a:ext uri="{FF2B5EF4-FFF2-40B4-BE49-F238E27FC236}">
+                <a16:creationId xmlns:a16="http://schemas.microsoft.com/office/drawing/2014/main" id="{AA9F6613-2A28-7048-A742-95677A05CBD2}"/>
+              </a:ext>
+            </a:extLst>
+          </p:cNvPr>
+          <p:cNvSpPr/>
+          <p:nvPr/>
+        </p:nvSpPr>
+        <p:spPr>
+          <a:xfrm>
+            <a:off x="-205353" y="1880462"/>
+            <a:ext cx="410705" cy="410705"/>
+          </a:xfrm>
+          <a:prstGeom prst="roundRect">
+            <a:avLst/>
+          </a:prstGeom>
+          <a:solidFill>
+            <a:schemeClr val="bg2"/>
+          </a:solidFill>
+          <a:ln>
+            <a:solidFill>
+              <a:schemeClr val="bg2"/>
+            </a:solidFill>
+          </a:ln>
+        </p:spPr>
+        <p:style>
+          <a:lnRef idx="2">
+            <a:schemeClr val="accent1">
+              <a:shade val="50000"/>
+            </a:schemeClr>
+          </a:lnRef>
+          <a:fillRef idx="1">
+            <a:schemeClr val="accent1"/>
+          </a:fillRef>
+          <a:effectRef idx="0">
+            <a:schemeClr val="accent1"/>
+          </a:effectRef>
+          <a:fontRef idx="minor">
+            <a:schemeClr val="lt1"/>
+          </a:fontRef>
+        </p:style>
+        <p:txBody>
+          <a:bodyPr rtlCol="0" anchor="ctr"/>
+          <a:lstStyle/>
+          <a:p>
+            <a:pPr algn="ctr"/>
+            <a:endParaRPr lang="en-NL"/>
+          </a:p>
+        </p:txBody>
+      </p:sp>
+      <p:sp>
+        <p:nvSpPr>
+          <p:cNvPr id="12" name="Rounded Rectangle 11">
+            <a:extLst>
+              <a:ext uri="{FF2B5EF4-FFF2-40B4-BE49-F238E27FC236}">
+                <a16:creationId xmlns:a16="http://schemas.microsoft.com/office/drawing/2014/main" id="{2035461B-5D95-774C-8E4D-3CB256D762EA}"/>
+              </a:ext>
+            </a:extLst>
+          </p:cNvPr>
+          <p:cNvSpPr/>
+          <p:nvPr/>
+        </p:nvSpPr>
+        <p:spPr>
+          <a:xfrm>
+            <a:off x="-228076" y="2435818"/>
+            <a:ext cx="410705" cy="410705"/>
+          </a:xfrm>
+          <a:prstGeom prst="roundRect">
+            <a:avLst/>
+          </a:prstGeom>
+          <a:solidFill>
+            <a:schemeClr val="bg2"/>
+          </a:solidFill>
+          <a:ln>
+            <a:solidFill>
+              <a:schemeClr val="bg2"/>
+            </a:solidFill>
+          </a:ln>
+        </p:spPr>
+        <p:style>
+          <a:lnRef idx="2">
+            <a:schemeClr val="accent1">
+              <a:shade val="50000"/>
+            </a:schemeClr>
+          </a:lnRef>
+          <a:fillRef idx="1">
+            <a:schemeClr val="accent1"/>
+          </a:fillRef>
+          <a:effectRef idx="0">
+            <a:schemeClr val="accent1"/>
+          </a:effectRef>
+          <a:fontRef idx="minor">
+            <a:schemeClr val="lt1"/>
+          </a:fontRef>
+        </p:style>
+        <p:txBody>
+          <a:bodyPr rtlCol="0" anchor="ctr"/>
+          <a:lstStyle/>
+          <a:p>
+            <a:pPr algn="ctr"/>
+            <a:endParaRPr lang="en-NL"/>
+          </a:p>
+        </p:txBody>
+      </p:sp>
+      <p:sp>
+        <p:nvSpPr>
+          <p:cNvPr id="13" name="Rounded Rectangle 12">
+            <a:extLst>
+              <a:ext uri="{FF2B5EF4-FFF2-40B4-BE49-F238E27FC236}">
+                <a16:creationId xmlns:a16="http://schemas.microsoft.com/office/drawing/2014/main" id="{F78111FD-544B-3749-B4C7-6C0601A72685}"/>
+              </a:ext>
+            </a:extLst>
+          </p:cNvPr>
+          <p:cNvSpPr/>
+          <p:nvPr/>
+        </p:nvSpPr>
+        <p:spPr>
+          <a:xfrm>
+            <a:off x="-199978" y="2991174"/>
+            <a:ext cx="410705" cy="410705"/>
+          </a:xfrm>
+          <a:prstGeom prst="roundRect">
+            <a:avLst/>
+          </a:prstGeom>
+          <a:solidFill>
+            <a:schemeClr val="bg2"/>
+          </a:solidFill>
+          <a:ln>
+            <a:solidFill>
+              <a:schemeClr val="bg2"/>
+            </a:solidFill>
+          </a:ln>
+        </p:spPr>
+        <p:style>
+          <a:lnRef idx="2">
+            <a:schemeClr val="accent1">
+              <a:shade val="50000"/>
+            </a:schemeClr>
+          </a:lnRef>
+          <a:fillRef idx="1">
+            <a:schemeClr val="accent1"/>
+          </a:fillRef>
+          <a:effectRef idx="0">
+            <a:schemeClr val="accent1"/>
+          </a:effectRef>
+          <a:fontRef idx="minor">
+            <a:schemeClr val="lt1"/>
+          </a:fontRef>
+        </p:style>
+        <p:txBody>
+          <a:bodyPr rtlCol="0" anchor="ctr"/>
+          <a:lstStyle/>
+          <a:p>
+            <a:pPr algn="ctr"/>
+            <a:endParaRPr lang="en-NL"/>
+          </a:p>
+        </p:txBody>
+      </p:sp>
+      <p:sp>
+        <p:nvSpPr>
+          <p:cNvPr id="16" name="Rounded Rectangle 15">
+            <a:extLst>
+              <a:ext uri="{FF2B5EF4-FFF2-40B4-BE49-F238E27FC236}">
+                <a16:creationId xmlns:a16="http://schemas.microsoft.com/office/drawing/2014/main" id="{74B1E9C1-F51F-E349-A7D6-273F919A86DE}"/>
+              </a:ext>
+            </a:extLst>
+          </p:cNvPr>
+          <p:cNvSpPr/>
+          <p:nvPr/>
+        </p:nvSpPr>
+        <p:spPr>
+          <a:xfrm>
+            <a:off x="-205353" y="3546530"/>
+            <a:ext cx="410705" cy="410705"/>
+          </a:xfrm>
+          <a:prstGeom prst="roundRect">
+            <a:avLst/>
+          </a:prstGeom>
+          <a:solidFill>
+            <a:schemeClr val="bg2"/>
+          </a:solidFill>
+          <a:ln>
+            <a:solidFill>
+              <a:schemeClr val="bg2"/>
+            </a:solidFill>
+          </a:ln>
+        </p:spPr>
+        <p:style>
+          <a:lnRef idx="2">
+            <a:schemeClr val="accent1">
+              <a:shade val="50000"/>
+            </a:schemeClr>
+          </a:lnRef>
+          <a:fillRef idx="1">
+            <a:schemeClr val="accent1"/>
+          </a:fillRef>
+          <a:effectRef idx="0">
+            <a:schemeClr val="accent1"/>
+          </a:effectRef>
+          <a:fontRef idx="minor">
+            <a:schemeClr val="lt1"/>
+          </a:fontRef>
+        </p:style>
+        <p:txBody>
+          <a:bodyPr rtlCol="0" anchor="ctr"/>
+          <a:lstStyle/>
+          <a:p>
+            <a:pPr algn="ctr"/>
+            <a:endParaRPr lang="en-NL"/>
+          </a:p>
+        </p:txBody>
+      </p:sp>
+      <p:sp>
+        <p:nvSpPr>
+          <p:cNvPr id="18" name="Rounded Rectangle 17">
+            <a:extLst>
+              <a:ext uri="{FF2B5EF4-FFF2-40B4-BE49-F238E27FC236}">
+                <a16:creationId xmlns:a16="http://schemas.microsoft.com/office/drawing/2014/main" id="{6BB192FA-7562-6C45-B5B6-0487D9CB90FC}"/>
+              </a:ext>
+            </a:extLst>
+          </p:cNvPr>
+          <p:cNvSpPr/>
+          <p:nvPr/>
+        </p:nvSpPr>
+        <p:spPr>
+          <a:xfrm>
+            <a:off x="-199426" y="4101886"/>
+            <a:ext cx="410705" cy="410705"/>
+          </a:xfrm>
+          <a:prstGeom prst="roundRect">
+            <a:avLst/>
+          </a:prstGeom>
+          <a:solidFill>
+            <a:schemeClr val="bg2"/>
+          </a:solidFill>
+          <a:ln>
+            <a:solidFill>
+              <a:schemeClr val="bg2"/>
+            </a:solidFill>
+          </a:ln>
+        </p:spPr>
+        <p:style>
+          <a:lnRef idx="2">
+            <a:schemeClr val="accent1">
+              <a:shade val="50000"/>
+            </a:schemeClr>
+          </a:lnRef>
+          <a:fillRef idx="1">
+            <a:schemeClr val="accent1"/>
+          </a:fillRef>
+          <a:effectRef idx="0">
+            <a:schemeClr val="accent1"/>
+          </a:effectRef>
+          <a:fontRef idx="minor">
+            <a:schemeClr val="lt1"/>
+          </a:fontRef>
+        </p:style>
+        <p:txBody>
+          <a:bodyPr rtlCol="0" anchor="ctr"/>
+          <a:lstStyle/>
+          <a:p>
+            <a:pPr algn="ctr"/>
+            <a:endParaRPr lang="en-NL"/>
+          </a:p>
+        </p:txBody>
+      </p:sp>
+      <p:sp>
+        <p:nvSpPr>
+          <p:cNvPr id="19" name="Rounded Rectangle 18">
+            <a:extLst>
+              <a:ext uri="{FF2B5EF4-FFF2-40B4-BE49-F238E27FC236}">
+                <a16:creationId xmlns:a16="http://schemas.microsoft.com/office/drawing/2014/main" id="{DFF58212-847B-D248-84DE-5532419AD67A}"/>
+              </a:ext>
+            </a:extLst>
+          </p:cNvPr>
+          <p:cNvSpPr/>
+          <p:nvPr/>
+        </p:nvSpPr>
+        <p:spPr>
+          <a:xfrm>
+            <a:off x="7348208" y="769746"/>
+            <a:ext cx="410705" cy="410705"/>
+          </a:xfrm>
+          <a:prstGeom prst="roundRect">
+            <a:avLst/>
+          </a:prstGeom>
+          <a:solidFill>
+            <a:schemeClr val="bg2"/>
+          </a:solidFill>
+          <a:ln>
+            <a:solidFill>
+              <a:schemeClr val="bg2"/>
+            </a:solidFill>
+          </a:ln>
+        </p:spPr>
+        <p:style>
+          <a:lnRef idx="2">
+            <a:schemeClr val="accent1">
+              <a:shade val="50000"/>
+            </a:schemeClr>
+          </a:lnRef>
+          <a:fillRef idx="1">
+            <a:schemeClr val="accent1"/>
+          </a:fillRef>
+          <a:effectRef idx="0">
+            <a:schemeClr val="accent1"/>
+          </a:effectRef>
+          <a:fontRef idx="minor">
+            <a:schemeClr val="lt1"/>
+          </a:fontRef>
+        </p:style>
+        <p:txBody>
+          <a:bodyPr rtlCol="0" anchor="ctr"/>
+          <a:lstStyle/>
+          <a:p>
+            <a:pPr algn="ctr"/>
+            <a:endParaRPr lang="en-NL"/>
+          </a:p>
+        </p:txBody>
+      </p:sp>
+      <p:sp>
+        <p:nvSpPr>
+          <p:cNvPr id="20" name="Rounded Rectangle 19">
+            <a:extLst>
+              <a:ext uri="{FF2B5EF4-FFF2-40B4-BE49-F238E27FC236}">
+                <a16:creationId xmlns:a16="http://schemas.microsoft.com/office/drawing/2014/main" id="{8C0CF75B-D58A-4840-8464-3D74529F5933}"/>
+              </a:ext>
+            </a:extLst>
+          </p:cNvPr>
+          <p:cNvSpPr/>
+          <p:nvPr/>
+        </p:nvSpPr>
+        <p:spPr>
+          <a:xfrm>
+            <a:off x="7348208" y="1325100"/>
+            <a:ext cx="410705" cy="410705"/>
+          </a:xfrm>
+          <a:prstGeom prst="roundRect">
+            <a:avLst/>
+          </a:prstGeom>
+          <a:solidFill>
+            <a:schemeClr val="bg2"/>
+          </a:solidFill>
+          <a:ln>
+            <a:solidFill>
+              <a:schemeClr val="bg2"/>
+            </a:solidFill>
+          </a:ln>
+        </p:spPr>
+        <p:style>
+          <a:lnRef idx="2">
+            <a:schemeClr val="accent1">
+              <a:shade val="50000"/>
+            </a:schemeClr>
+          </a:lnRef>
+          <a:fillRef idx="1">
+            <a:schemeClr val="accent1"/>
+          </a:fillRef>
+          <a:effectRef idx="0">
+            <a:schemeClr val="accent1"/>
+          </a:effectRef>
+          <a:fontRef idx="minor">
+            <a:schemeClr val="lt1"/>
+          </a:fontRef>
+        </p:style>
+        <p:txBody>
+          <a:bodyPr rtlCol="0" anchor="ctr"/>
+          <a:lstStyle/>
+          <a:p>
+            <a:pPr algn="ctr"/>
+            <a:endParaRPr lang="en-NL"/>
+          </a:p>
+        </p:txBody>
+      </p:sp>
+      <p:sp>
+        <p:nvSpPr>
+          <p:cNvPr id="21" name="Rounded Rectangle 20">
+            <a:extLst>
+              <a:ext uri="{FF2B5EF4-FFF2-40B4-BE49-F238E27FC236}">
+                <a16:creationId xmlns:a16="http://schemas.microsoft.com/office/drawing/2014/main" id="{66339E88-CF46-694D-8472-C7F78C4EBDDB}"/>
+              </a:ext>
+            </a:extLst>
+          </p:cNvPr>
+          <p:cNvSpPr/>
+          <p:nvPr/>
+        </p:nvSpPr>
+        <p:spPr>
+          <a:xfrm>
+            <a:off x="7348396" y="1880460"/>
+            <a:ext cx="410705" cy="410705"/>
+          </a:xfrm>
+          <a:prstGeom prst="roundRect">
+            <a:avLst/>
+          </a:prstGeom>
+          <a:solidFill>
+            <a:schemeClr val="bg2"/>
+          </a:solidFill>
+          <a:ln>
+            <a:solidFill>
+              <a:schemeClr val="bg2"/>
+            </a:solidFill>
+          </a:ln>
+        </p:spPr>
+        <p:style>
+          <a:lnRef idx="2">
+            <a:schemeClr val="accent1">
+              <a:shade val="50000"/>
+            </a:schemeClr>
+          </a:lnRef>
+          <a:fillRef idx="1">
+            <a:schemeClr val="accent1"/>
+          </a:fillRef>
+          <a:effectRef idx="0">
+            <a:schemeClr val="accent1"/>
+          </a:effectRef>
+          <a:fontRef idx="minor">
+            <a:schemeClr val="lt1"/>
+          </a:fontRef>
+        </p:style>
+        <p:txBody>
+          <a:bodyPr rtlCol="0" anchor="ctr"/>
+          <a:lstStyle/>
+          <a:p>
+            <a:pPr algn="ctr"/>
+            <a:endParaRPr lang="en-NL"/>
+          </a:p>
+        </p:txBody>
+      </p:sp>
+      <p:sp>
+        <p:nvSpPr>
+          <p:cNvPr id="22" name="Rounded Rectangle 21">
+            <a:extLst>
+              <a:ext uri="{FF2B5EF4-FFF2-40B4-BE49-F238E27FC236}">
+                <a16:creationId xmlns:a16="http://schemas.microsoft.com/office/drawing/2014/main" id="{EE08CE49-2BDF-7E47-93A6-34A667AEB601}"/>
+              </a:ext>
+            </a:extLst>
+          </p:cNvPr>
+          <p:cNvSpPr/>
+          <p:nvPr/>
+        </p:nvSpPr>
+        <p:spPr>
+          <a:xfrm>
+            <a:off x="7348208" y="2435817"/>
+            <a:ext cx="410705" cy="410705"/>
+          </a:xfrm>
+          <a:prstGeom prst="roundRect">
+            <a:avLst/>
+          </a:prstGeom>
+          <a:solidFill>
+            <a:schemeClr val="bg2"/>
+          </a:solidFill>
+          <a:ln>
+            <a:solidFill>
+              <a:schemeClr val="bg2"/>
+            </a:solidFill>
+          </a:ln>
+        </p:spPr>
+        <p:style>
+          <a:lnRef idx="2">
+            <a:schemeClr val="accent1">
+              <a:shade val="50000"/>
+            </a:schemeClr>
+          </a:lnRef>
+          <a:fillRef idx="1">
+            <a:schemeClr val="accent1"/>
+          </a:fillRef>
+          <a:effectRef idx="0">
+            <a:schemeClr val="accent1"/>
+          </a:effectRef>
+          <a:fontRef idx="minor">
+            <a:schemeClr val="lt1"/>
+          </a:fontRef>
+        </p:style>
+        <p:txBody>
+          <a:bodyPr rtlCol="0" anchor="ctr"/>
+          <a:lstStyle/>
+          <a:p>
+            <a:pPr algn="ctr"/>
+            <a:endParaRPr lang="en-NL"/>
+          </a:p>
+        </p:txBody>
+      </p:sp>
+      <p:sp>
+        <p:nvSpPr>
+          <p:cNvPr id="23" name="Rounded Rectangle 22">
+            <a:extLst>
+              <a:ext uri="{FF2B5EF4-FFF2-40B4-BE49-F238E27FC236}">
+                <a16:creationId xmlns:a16="http://schemas.microsoft.com/office/drawing/2014/main" id="{0B4B9A8D-960F-1A49-BC4D-3FC55095C91E}"/>
+              </a:ext>
+            </a:extLst>
+          </p:cNvPr>
+          <p:cNvSpPr/>
+          <p:nvPr/>
+        </p:nvSpPr>
+        <p:spPr>
+          <a:xfrm>
+            <a:off x="7348208" y="2991173"/>
+            <a:ext cx="410705" cy="410705"/>
+          </a:xfrm>
+          <a:prstGeom prst="roundRect">
+            <a:avLst/>
+          </a:prstGeom>
+          <a:solidFill>
+            <a:schemeClr val="bg2"/>
+          </a:solidFill>
+          <a:ln>
+            <a:solidFill>
+              <a:schemeClr val="bg2"/>
+            </a:solidFill>
+          </a:ln>
+        </p:spPr>
+        <p:style>
+          <a:lnRef idx="2">
+            <a:schemeClr val="accent1">
+              <a:shade val="50000"/>
+            </a:schemeClr>
+          </a:lnRef>
+          <a:fillRef idx="1">
+            <a:schemeClr val="accent1"/>
+          </a:fillRef>
+          <a:effectRef idx="0">
+            <a:schemeClr val="accent1"/>
+          </a:effectRef>
+          <a:fontRef idx="minor">
+            <a:schemeClr val="lt1"/>
+          </a:fontRef>
+        </p:style>
+        <p:txBody>
+          <a:bodyPr rtlCol="0" anchor="ctr"/>
+          <a:lstStyle/>
+          <a:p>
+            <a:pPr algn="ctr"/>
+            <a:endParaRPr lang="en-NL"/>
+          </a:p>
+        </p:txBody>
+      </p:sp>
+      <p:sp>
+        <p:nvSpPr>
+          <p:cNvPr id="24" name="Rounded Rectangle 23">
+            <a:extLst>
+              <a:ext uri="{FF2B5EF4-FFF2-40B4-BE49-F238E27FC236}">
+                <a16:creationId xmlns:a16="http://schemas.microsoft.com/office/drawing/2014/main" id="{90B90E96-DA65-3844-A895-A8E4275F2E9E}"/>
+              </a:ext>
+            </a:extLst>
+          </p:cNvPr>
+          <p:cNvSpPr/>
+          <p:nvPr/>
+        </p:nvSpPr>
+        <p:spPr>
+          <a:xfrm>
+            <a:off x="7348208" y="3546526"/>
+            <a:ext cx="410705" cy="410705"/>
+          </a:xfrm>
+          <a:prstGeom prst="roundRect">
+            <a:avLst/>
+          </a:prstGeom>
+          <a:solidFill>
+            <a:schemeClr val="bg2"/>
+          </a:solidFill>
+          <a:ln>
+            <a:solidFill>
+              <a:schemeClr val="bg2"/>
+            </a:solidFill>
+          </a:ln>
+        </p:spPr>
+        <p:style>
+          <a:lnRef idx="2">
+            <a:schemeClr val="accent1">
+              <a:shade val="50000"/>
+            </a:schemeClr>
+          </a:lnRef>
+          <a:fillRef idx="1">
+            <a:schemeClr val="accent1"/>
+          </a:fillRef>
+          <a:effectRef idx="0">
+            <a:schemeClr val="accent1"/>
+          </a:effectRef>
+          <a:fontRef idx="minor">
+            <a:schemeClr val="lt1"/>
+          </a:fontRef>
+        </p:style>
+        <p:txBody>
+          <a:bodyPr rtlCol="0" anchor="ctr"/>
+          <a:lstStyle/>
+          <a:p>
+            <a:pPr algn="ctr"/>
+            <a:endParaRPr lang="en-NL"/>
+          </a:p>
+        </p:txBody>
+      </p:sp>
+      <p:sp>
+        <p:nvSpPr>
+          <p:cNvPr id="25" name="Rounded Rectangle 24">
+            <a:extLst>
+              <a:ext uri="{FF2B5EF4-FFF2-40B4-BE49-F238E27FC236}">
+                <a16:creationId xmlns:a16="http://schemas.microsoft.com/office/drawing/2014/main" id="{5950A2A1-25A0-624E-8059-D651F019971A}"/>
+              </a:ext>
+            </a:extLst>
+          </p:cNvPr>
+          <p:cNvSpPr/>
+          <p:nvPr/>
+        </p:nvSpPr>
+        <p:spPr>
+          <a:xfrm>
+            <a:off x="7348207" y="4101879"/>
+            <a:ext cx="410705" cy="410705"/>
+          </a:xfrm>
+          <a:prstGeom prst="roundRect">
+            <a:avLst/>
+          </a:prstGeom>
+          <a:solidFill>
+            <a:schemeClr val="bg2"/>
+          </a:solidFill>
+          <a:ln>
+            <a:solidFill>
+              <a:schemeClr val="bg2"/>
+            </a:solidFill>
+          </a:ln>
+        </p:spPr>
+        <p:style>
+          <a:lnRef idx="2">
+            <a:schemeClr val="accent1">
+              <a:shade val="50000"/>
+            </a:schemeClr>
+          </a:lnRef>
+          <a:fillRef idx="1">
+            <a:schemeClr val="accent1"/>
+          </a:fillRef>
+          <a:effectRef idx="0">
+            <a:schemeClr val="accent1"/>
+          </a:effectRef>
+          <a:fontRef idx="minor">
+            <a:schemeClr val="lt1"/>
+          </a:fontRef>
+        </p:style>
+        <p:txBody>
+          <a:bodyPr rtlCol="0" anchor="ctr"/>
+          <a:lstStyle/>
+          <a:p>
+            <a:pPr algn="ctr"/>
+            <a:endParaRPr lang="en-NL"/>
+          </a:p>
+        </p:txBody>
+      </p:sp>
+    </p:spTree>
+    <p:extLst>
+      <p:ext uri="{BB962C8B-B14F-4D97-AF65-F5344CB8AC3E}">
+        <p14:creationId xmlns:p14="http://schemas.microsoft.com/office/powerpoint/2010/main" val="2955084820"/>
+      </p:ext>
+    </p:extLst>
+  </p:cSld>
+  <p:clrMapOvr>
+    <a:masterClrMapping/>
+  </p:clrMapOvr>
+</p:sld>
+</file>
+
+<file path=ppt/slides/slide30.xml><?xml version="1.0" encoding="utf-8"?>
 <p:sld xmlns:a="http://schemas.openxmlformats.org/drawingml/2006/main" xmlns:r="http://schemas.openxmlformats.org/officeDocument/2006/relationships" xmlns:p="http://schemas.openxmlformats.org/presentationml/2006/main">
   <p:cSld>
     <p:spTree>
@@ -9523,7 +11085,7 @@
 </p:sld>
 </file>
 
-<file path=ppt/slides/slide29.xml><?xml version="1.0" encoding="utf-8"?>
+<file path=ppt/slides/slide31.xml><?xml version="1.0" encoding="utf-8"?>
 <p:sld xmlns:a="http://schemas.openxmlformats.org/drawingml/2006/main" xmlns:r="http://schemas.openxmlformats.org/officeDocument/2006/relationships" xmlns:p="http://schemas.openxmlformats.org/presentationml/2006/main">
   <p:cSld>
     <p:spTree>
@@ -9646,7 +11208,7 @@
             <a:p>
               <a:pPr algn="ctr"/>
               <a:r>
-                <a:rPr lang="en-GB" sz="5000" b="1">
+                <a:rPr lang="en-GB" sz="5000" b="1" dirty="0">
                   <a:solidFill>
                     <a:schemeClr val="bg1"/>
                   </a:solidFill>
@@ -9658,7 +11220,7 @@
             <a:p>
               <a:pPr algn="ctr"/>
               <a:r>
-                <a:rPr lang="en-GB" sz="5000" b="1">
+                <a:rPr lang="en-GB" sz="5000" b="1" dirty="0">
                   <a:solidFill>
                     <a:schemeClr val="bg1"/>
                   </a:solidFill>
@@ -9851,998 +11413,7 @@
 </p:sld>
 </file>
 
-<file path=ppt/slides/slide3.xml><?xml version="1.0" encoding="utf-8"?>
-<p:sld xmlns:a="http://schemas.openxmlformats.org/drawingml/2006/main" xmlns:r="http://schemas.openxmlformats.org/officeDocument/2006/relationships" xmlns:p="http://schemas.openxmlformats.org/presentationml/2006/main">
-  <p:cSld>
-    <p:spTree>
-      <p:nvGrpSpPr>
-        <p:cNvPr id="1" name=""/>
-        <p:cNvGrpSpPr/>
-        <p:nvPr/>
-      </p:nvGrpSpPr>
-      <p:grpSpPr>
-        <a:xfrm>
-          <a:off x="0" y="0"/>
-          <a:ext cx="0" cy="0"/>
-          <a:chOff x="0" y="0"/>
-          <a:chExt cx="0" cy="0"/>
-        </a:xfrm>
-      </p:grpSpPr>
-      <p:sp>
-        <p:nvSpPr>
-          <p:cNvPr id="14" name="Rounded Rectangle 13">
-            <a:extLst>
-              <a:ext uri="{FF2B5EF4-FFF2-40B4-BE49-F238E27FC236}">
-                <a16:creationId xmlns:a16="http://schemas.microsoft.com/office/drawing/2014/main" id="{D8656E71-C2B4-0F4F-93C2-2FE01E15243E}"/>
-              </a:ext>
-            </a:extLst>
-          </p:cNvPr>
-          <p:cNvSpPr/>
-          <p:nvPr/>
-        </p:nvSpPr>
-        <p:spPr>
-          <a:xfrm>
-            <a:off x="0" y="0"/>
-            <a:ext cx="7559675" cy="5327650"/>
-          </a:xfrm>
-          <a:prstGeom prst="roundRect">
-            <a:avLst>
-              <a:gd name="adj" fmla="val 0"/>
-            </a:avLst>
-          </a:prstGeom>
-          <a:solidFill>
-            <a:srgbClr val="DE8445"/>
-          </a:solidFill>
-          <a:ln>
-            <a:noFill/>
-          </a:ln>
-        </p:spPr>
-        <p:style>
-          <a:lnRef idx="2">
-            <a:schemeClr val="accent1">
-              <a:shade val="50000"/>
-            </a:schemeClr>
-          </a:lnRef>
-          <a:fillRef idx="1">
-            <a:schemeClr val="accent1"/>
-          </a:fillRef>
-          <a:effectRef idx="0">
-            <a:schemeClr val="accent1"/>
-          </a:effectRef>
-          <a:fontRef idx="minor">
-            <a:schemeClr val="lt1"/>
-          </a:fontRef>
-        </p:style>
-        <p:txBody>
-          <a:bodyPr rtlCol="0" anchor="ctr"/>
-          <a:lstStyle/>
-          <a:p>
-            <a:pPr algn="ctr"/>
-            <a:r>
-              <a:rPr lang="en-GB" dirty="0"/>
-              <a:t>Reveals the value that the product delivers to customers, today</a:t>
-            </a:r>
-            <a:endParaRPr lang="en-NL" dirty="0"/>
-          </a:p>
-        </p:txBody>
-      </p:sp>
-      <p:sp>
-        <p:nvSpPr>
-          <p:cNvPr id="15" name="Rectangle 14">
-            <a:extLst>
-              <a:ext uri="{FF2B5EF4-FFF2-40B4-BE49-F238E27FC236}">
-                <a16:creationId xmlns:a16="http://schemas.microsoft.com/office/drawing/2014/main" id="{F07C9767-773C-644A-A638-0001139EE025}"/>
-              </a:ext>
-            </a:extLst>
-          </p:cNvPr>
-          <p:cNvSpPr/>
-          <p:nvPr/>
-        </p:nvSpPr>
-        <p:spPr>
-          <a:xfrm>
-            <a:off x="654576" y="629685"/>
-            <a:ext cx="6326488" cy="3992292"/>
-          </a:xfrm>
-          <a:prstGeom prst="rect">
-            <a:avLst/>
-          </a:prstGeom>
-          <a:blipFill>
-            <a:blip r:embed="rId2"/>
-            <a:stretch>
-              <a:fillRect/>
-            </a:stretch>
-          </a:blipFill>
-          <a:ln w="76200">
-            <a:solidFill>
-              <a:schemeClr val="tx1"/>
-            </a:solidFill>
-          </a:ln>
-        </p:spPr>
-        <p:style>
-          <a:lnRef idx="2">
-            <a:schemeClr val="accent1">
-              <a:shade val="50000"/>
-            </a:schemeClr>
-          </a:lnRef>
-          <a:fillRef idx="1">
-            <a:schemeClr val="accent1"/>
-          </a:fillRef>
-          <a:effectRef idx="0">
-            <a:schemeClr val="accent1"/>
-          </a:effectRef>
-          <a:fontRef idx="minor">
-            <a:schemeClr val="lt1"/>
-          </a:fontRef>
-        </p:style>
-        <p:txBody>
-          <a:bodyPr rtlCol="0" anchor="ctr"/>
-          <a:lstStyle/>
-          <a:p>
-            <a:endParaRPr lang="en-NL" sz="9600">
-              <a:latin typeface="Marvel" pitchFamily="2" charset="0"/>
-            </a:endParaRPr>
-          </a:p>
-        </p:txBody>
-      </p:sp>
-      <p:sp>
-        <p:nvSpPr>
-          <p:cNvPr id="17" name="TextBox 16">
-            <a:extLst>
-              <a:ext uri="{FF2B5EF4-FFF2-40B4-BE49-F238E27FC236}">
-                <a16:creationId xmlns:a16="http://schemas.microsoft.com/office/drawing/2014/main" id="{E287ED43-6E86-FA4F-94F4-5B177664B785}"/>
-              </a:ext>
-            </a:extLst>
-          </p:cNvPr>
-          <p:cNvSpPr txBox="1"/>
-          <p:nvPr/>
-        </p:nvSpPr>
-        <p:spPr>
-          <a:xfrm>
-            <a:off x="1092134" y="1887167"/>
-            <a:ext cx="5451371" cy="1477328"/>
-          </a:xfrm>
-          <a:prstGeom prst="rect">
-            <a:avLst/>
-          </a:prstGeom>
-          <a:noFill/>
-        </p:spPr>
-        <p:txBody>
-          <a:bodyPr wrap="square" rtlCol="0">
-            <a:spAutoFit/>
-          </a:bodyPr>
-          <a:lstStyle/>
-          <a:p>
-            <a:pPr algn="ctr"/>
-            <a:r>
-              <a:rPr lang="en-NL" sz="9000" dirty="0">
-                <a:latin typeface="Marvel" pitchFamily="2" charset="0"/>
-              </a:rPr>
-              <a:t>CURRENT VALUE</a:t>
-            </a:r>
-          </a:p>
-        </p:txBody>
-      </p:sp>
-      <p:sp>
-        <p:nvSpPr>
-          <p:cNvPr id="2" name="TextBox 1">
-            <a:extLst>
-              <a:ext uri="{FF2B5EF4-FFF2-40B4-BE49-F238E27FC236}">
-                <a16:creationId xmlns:a16="http://schemas.microsoft.com/office/drawing/2014/main" id="{40491A28-9097-6F43-9DB2-81A447868F1E}"/>
-              </a:ext>
-            </a:extLst>
-          </p:cNvPr>
-          <p:cNvSpPr txBox="1"/>
-          <p:nvPr/>
-        </p:nvSpPr>
-        <p:spPr>
-          <a:xfrm>
-            <a:off x="2527241" y="3029919"/>
-            <a:ext cx="2581155" cy="246221"/>
-          </a:xfrm>
-          <a:prstGeom prst="rect">
-            <a:avLst/>
-          </a:prstGeom>
-          <a:noFill/>
-        </p:spPr>
-        <p:txBody>
-          <a:bodyPr wrap="none" rtlCol="0">
-            <a:spAutoFit/>
-          </a:bodyPr>
-          <a:lstStyle/>
-          <a:p>
-            <a:pPr algn="ctr"/>
-            <a:r>
-              <a:rPr lang="en-GB" sz="1000" dirty="0">
-                <a:solidFill>
-                  <a:schemeClr val="bg1">
-                    <a:lumMod val="50000"/>
-                  </a:schemeClr>
-                </a:solidFill>
-                <a:latin typeface="Ubuntu" panose="020B0504030602030204" pitchFamily="34" charset="0"/>
-              </a:rPr>
-              <a:t>The value that the product delivers today</a:t>
-            </a:r>
-            <a:endParaRPr lang="en-NL" sz="1000" dirty="0">
-              <a:solidFill>
-                <a:schemeClr val="bg1">
-                  <a:lumMod val="50000"/>
-                </a:schemeClr>
-              </a:solidFill>
-              <a:latin typeface="Ubuntu" panose="020B0504030602030204" pitchFamily="34" charset="0"/>
-            </a:endParaRPr>
-          </a:p>
-        </p:txBody>
-      </p:sp>
-      <p:sp>
-        <p:nvSpPr>
-          <p:cNvPr id="9" name="Rounded Rectangle 8">
-            <a:extLst>
-              <a:ext uri="{FF2B5EF4-FFF2-40B4-BE49-F238E27FC236}">
-                <a16:creationId xmlns:a16="http://schemas.microsoft.com/office/drawing/2014/main" id="{80A414F0-FCE5-2E45-A339-248A82CA3769}"/>
-              </a:ext>
-            </a:extLst>
-          </p:cNvPr>
-          <p:cNvSpPr/>
-          <p:nvPr/>
-        </p:nvSpPr>
-        <p:spPr>
-          <a:xfrm>
-            <a:off x="-205353" y="769750"/>
-            <a:ext cx="410705" cy="410705"/>
-          </a:xfrm>
-          <a:prstGeom prst="roundRect">
-            <a:avLst/>
-          </a:prstGeom>
-          <a:solidFill>
-            <a:schemeClr val="bg2"/>
-          </a:solidFill>
-          <a:ln>
-            <a:solidFill>
-              <a:schemeClr val="bg2"/>
-            </a:solidFill>
-          </a:ln>
-        </p:spPr>
-        <p:style>
-          <a:lnRef idx="2">
-            <a:schemeClr val="accent1">
-              <a:shade val="50000"/>
-            </a:schemeClr>
-          </a:lnRef>
-          <a:fillRef idx="1">
-            <a:schemeClr val="accent1"/>
-          </a:fillRef>
-          <a:effectRef idx="0">
-            <a:schemeClr val="accent1"/>
-          </a:effectRef>
-          <a:fontRef idx="minor">
-            <a:schemeClr val="lt1"/>
-          </a:fontRef>
-        </p:style>
-        <p:txBody>
-          <a:bodyPr rtlCol="0" anchor="ctr"/>
-          <a:lstStyle/>
-          <a:p>
-            <a:pPr algn="ctr"/>
-            <a:endParaRPr lang="en-NL"/>
-          </a:p>
-        </p:txBody>
-      </p:sp>
-      <p:sp>
-        <p:nvSpPr>
-          <p:cNvPr id="10" name="Rounded Rectangle 9">
-            <a:extLst>
-              <a:ext uri="{FF2B5EF4-FFF2-40B4-BE49-F238E27FC236}">
-                <a16:creationId xmlns:a16="http://schemas.microsoft.com/office/drawing/2014/main" id="{2333F93C-0F67-C146-84E2-9B869646EE60}"/>
-              </a:ext>
-            </a:extLst>
-          </p:cNvPr>
-          <p:cNvSpPr/>
-          <p:nvPr/>
-        </p:nvSpPr>
-        <p:spPr>
-          <a:xfrm>
-            <a:off x="-186093" y="1325099"/>
-            <a:ext cx="410705" cy="410705"/>
-          </a:xfrm>
-          <a:prstGeom prst="roundRect">
-            <a:avLst/>
-          </a:prstGeom>
-          <a:solidFill>
-            <a:schemeClr val="bg2"/>
-          </a:solidFill>
-          <a:ln>
-            <a:solidFill>
-              <a:schemeClr val="bg2"/>
-            </a:solidFill>
-          </a:ln>
-        </p:spPr>
-        <p:style>
-          <a:lnRef idx="2">
-            <a:schemeClr val="accent1">
-              <a:shade val="50000"/>
-            </a:schemeClr>
-          </a:lnRef>
-          <a:fillRef idx="1">
-            <a:schemeClr val="accent1"/>
-          </a:fillRef>
-          <a:effectRef idx="0">
-            <a:schemeClr val="accent1"/>
-          </a:effectRef>
-          <a:fontRef idx="minor">
-            <a:schemeClr val="lt1"/>
-          </a:fontRef>
-        </p:style>
-        <p:txBody>
-          <a:bodyPr rtlCol="0" anchor="ctr"/>
-          <a:lstStyle/>
-          <a:p>
-            <a:pPr algn="ctr"/>
-            <a:endParaRPr lang="en-NL"/>
-          </a:p>
-        </p:txBody>
-      </p:sp>
-      <p:sp>
-        <p:nvSpPr>
-          <p:cNvPr id="11" name="Rounded Rectangle 10">
-            <a:extLst>
-              <a:ext uri="{FF2B5EF4-FFF2-40B4-BE49-F238E27FC236}">
-                <a16:creationId xmlns:a16="http://schemas.microsoft.com/office/drawing/2014/main" id="{AA9F6613-2A28-7048-A742-95677A05CBD2}"/>
-              </a:ext>
-            </a:extLst>
-          </p:cNvPr>
-          <p:cNvSpPr/>
-          <p:nvPr/>
-        </p:nvSpPr>
-        <p:spPr>
-          <a:xfrm>
-            <a:off x="-205353" y="1880462"/>
-            <a:ext cx="410705" cy="410705"/>
-          </a:xfrm>
-          <a:prstGeom prst="roundRect">
-            <a:avLst/>
-          </a:prstGeom>
-          <a:solidFill>
-            <a:schemeClr val="bg2"/>
-          </a:solidFill>
-          <a:ln>
-            <a:solidFill>
-              <a:schemeClr val="bg2"/>
-            </a:solidFill>
-          </a:ln>
-        </p:spPr>
-        <p:style>
-          <a:lnRef idx="2">
-            <a:schemeClr val="accent1">
-              <a:shade val="50000"/>
-            </a:schemeClr>
-          </a:lnRef>
-          <a:fillRef idx="1">
-            <a:schemeClr val="accent1"/>
-          </a:fillRef>
-          <a:effectRef idx="0">
-            <a:schemeClr val="accent1"/>
-          </a:effectRef>
-          <a:fontRef idx="minor">
-            <a:schemeClr val="lt1"/>
-          </a:fontRef>
-        </p:style>
-        <p:txBody>
-          <a:bodyPr rtlCol="0" anchor="ctr"/>
-          <a:lstStyle/>
-          <a:p>
-            <a:pPr algn="ctr"/>
-            <a:endParaRPr lang="en-NL"/>
-          </a:p>
-        </p:txBody>
-      </p:sp>
-      <p:sp>
-        <p:nvSpPr>
-          <p:cNvPr id="12" name="Rounded Rectangle 11">
-            <a:extLst>
-              <a:ext uri="{FF2B5EF4-FFF2-40B4-BE49-F238E27FC236}">
-                <a16:creationId xmlns:a16="http://schemas.microsoft.com/office/drawing/2014/main" id="{2035461B-5D95-774C-8E4D-3CB256D762EA}"/>
-              </a:ext>
-            </a:extLst>
-          </p:cNvPr>
-          <p:cNvSpPr/>
-          <p:nvPr/>
-        </p:nvSpPr>
-        <p:spPr>
-          <a:xfrm>
-            <a:off x="-228076" y="2435818"/>
-            <a:ext cx="410705" cy="410705"/>
-          </a:xfrm>
-          <a:prstGeom prst="roundRect">
-            <a:avLst/>
-          </a:prstGeom>
-          <a:solidFill>
-            <a:schemeClr val="bg2"/>
-          </a:solidFill>
-          <a:ln>
-            <a:solidFill>
-              <a:schemeClr val="bg2"/>
-            </a:solidFill>
-          </a:ln>
-        </p:spPr>
-        <p:style>
-          <a:lnRef idx="2">
-            <a:schemeClr val="accent1">
-              <a:shade val="50000"/>
-            </a:schemeClr>
-          </a:lnRef>
-          <a:fillRef idx="1">
-            <a:schemeClr val="accent1"/>
-          </a:fillRef>
-          <a:effectRef idx="0">
-            <a:schemeClr val="accent1"/>
-          </a:effectRef>
-          <a:fontRef idx="minor">
-            <a:schemeClr val="lt1"/>
-          </a:fontRef>
-        </p:style>
-        <p:txBody>
-          <a:bodyPr rtlCol="0" anchor="ctr"/>
-          <a:lstStyle/>
-          <a:p>
-            <a:pPr algn="ctr"/>
-            <a:endParaRPr lang="en-NL"/>
-          </a:p>
-        </p:txBody>
-      </p:sp>
-      <p:sp>
-        <p:nvSpPr>
-          <p:cNvPr id="13" name="Rounded Rectangle 12">
-            <a:extLst>
-              <a:ext uri="{FF2B5EF4-FFF2-40B4-BE49-F238E27FC236}">
-                <a16:creationId xmlns:a16="http://schemas.microsoft.com/office/drawing/2014/main" id="{F78111FD-544B-3749-B4C7-6C0601A72685}"/>
-              </a:ext>
-            </a:extLst>
-          </p:cNvPr>
-          <p:cNvSpPr/>
-          <p:nvPr/>
-        </p:nvSpPr>
-        <p:spPr>
-          <a:xfrm>
-            <a:off x="-199978" y="2991174"/>
-            <a:ext cx="410705" cy="410705"/>
-          </a:xfrm>
-          <a:prstGeom prst="roundRect">
-            <a:avLst/>
-          </a:prstGeom>
-          <a:solidFill>
-            <a:schemeClr val="bg2"/>
-          </a:solidFill>
-          <a:ln>
-            <a:solidFill>
-              <a:schemeClr val="bg2"/>
-            </a:solidFill>
-          </a:ln>
-        </p:spPr>
-        <p:style>
-          <a:lnRef idx="2">
-            <a:schemeClr val="accent1">
-              <a:shade val="50000"/>
-            </a:schemeClr>
-          </a:lnRef>
-          <a:fillRef idx="1">
-            <a:schemeClr val="accent1"/>
-          </a:fillRef>
-          <a:effectRef idx="0">
-            <a:schemeClr val="accent1"/>
-          </a:effectRef>
-          <a:fontRef idx="minor">
-            <a:schemeClr val="lt1"/>
-          </a:fontRef>
-        </p:style>
-        <p:txBody>
-          <a:bodyPr rtlCol="0" anchor="ctr"/>
-          <a:lstStyle/>
-          <a:p>
-            <a:pPr algn="ctr"/>
-            <a:endParaRPr lang="en-NL"/>
-          </a:p>
-        </p:txBody>
-      </p:sp>
-      <p:sp>
-        <p:nvSpPr>
-          <p:cNvPr id="16" name="Rounded Rectangle 15">
-            <a:extLst>
-              <a:ext uri="{FF2B5EF4-FFF2-40B4-BE49-F238E27FC236}">
-                <a16:creationId xmlns:a16="http://schemas.microsoft.com/office/drawing/2014/main" id="{74B1E9C1-F51F-E349-A7D6-273F919A86DE}"/>
-              </a:ext>
-            </a:extLst>
-          </p:cNvPr>
-          <p:cNvSpPr/>
-          <p:nvPr/>
-        </p:nvSpPr>
-        <p:spPr>
-          <a:xfrm>
-            <a:off x="-205353" y="3546530"/>
-            <a:ext cx="410705" cy="410705"/>
-          </a:xfrm>
-          <a:prstGeom prst="roundRect">
-            <a:avLst/>
-          </a:prstGeom>
-          <a:solidFill>
-            <a:schemeClr val="bg2"/>
-          </a:solidFill>
-          <a:ln>
-            <a:solidFill>
-              <a:schemeClr val="bg2"/>
-            </a:solidFill>
-          </a:ln>
-        </p:spPr>
-        <p:style>
-          <a:lnRef idx="2">
-            <a:schemeClr val="accent1">
-              <a:shade val="50000"/>
-            </a:schemeClr>
-          </a:lnRef>
-          <a:fillRef idx="1">
-            <a:schemeClr val="accent1"/>
-          </a:fillRef>
-          <a:effectRef idx="0">
-            <a:schemeClr val="accent1"/>
-          </a:effectRef>
-          <a:fontRef idx="minor">
-            <a:schemeClr val="lt1"/>
-          </a:fontRef>
-        </p:style>
-        <p:txBody>
-          <a:bodyPr rtlCol="0" anchor="ctr"/>
-          <a:lstStyle/>
-          <a:p>
-            <a:pPr algn="ctr"/>
-            <a:endParaRPr lang="en-NL"/>
-          </a:p>
-        </p:txBody>
-      </p:sp>
-      <p:sp>
-        <p:nvSpPr>
-          <p:cNvPr id="18" name="Rounded Rectangle 17">
-            <a:extLst>
-              <a:ext uri="{FF2B5EF4-FFF2-40B4-BE49-F238E27FC236}">
-                <a16:creationId xmlns:a16="http://schemas.microsoft.com/office/drawing/2014/main" id="{6BB192FA-7562-6C45-B5B6-0487D9CB90FC}"/>
-              </a:ext>
-            </a:extLst>
-          </p:cNvPr>
-          <p:cNvSpPr/>
-          <p:nvPr/>
-        </p:nvSpPr>
-        <p:spPr>
-          <a:xfrm>
-            <a:off x="-199426" y="4101886"/>
-            <a:ext cx="410705" cy="410705"/>
-          </a:xfrm>
-          <a:prstGeom prst="roundRect">
-            <a:avLst/>
-          </a:prstGeom>
-          <a:solidFill>
-            <a:schemeClr val="bg2"/>
-          </a:solidFill>
-          <a:ln>
-            <a:solidFill>
-              <a:schemeClr val="bg2"/>
-            </a:solidFill>
-          </a:ln>
-        </p:spPr>
-        <p:style>
-          <a:lnRef idx="2">
-            <a:schemeClr val="accent1">
-              <a:shade val="50000"/>
-            </a:schemeClr>
-          </a:lnRef>
-          <a:fillRef idx="1">
-            <a:schemeClr val="accent1"/>
-          </a:fillRef>
-          <a:effectRef idx="0">
-            <a:schemeClr val="accent1"/>
-          </a:effectRef>
-          <a:fontRef idx="minor">
-            <a:schemeClr val="lt1"/>
-          </a:fontRef>
-        </p:style>
-        <p:txBody>
-          <a:bodyPr rtlCol="0" anchor="ctr"/>
-          <a:lstStyle/>
-          <a:p>
-            <a:pPr algn="ctr"/>
-            <a:endParaRPr lang="en-NL"/>
-          </a:p>
-        </p:txBody>
-      </p:sp>
-      <p:sp>
-        <p:nvSpPr>
-          <p:cNvPr id="19" name="Rounded Rectangle 18">
-            <a:extLst>
-              <a:ext uri="{FF2B5EF4-FFF2-40B4-BE49-F238E27FC236}">
-                <a16:creationId xmlns:a16="http://schemas.microsoft.com/office/drawing/2014/main" id="{DFF58212-847B-D248-84DE-5532419AD67A}"/>
-              </a:ext>
-            </a:extLst>
-          </p:cNvPr>
-          <p:cNvSpPr/>
-          <p:nvPr/>
-        </p:nvSpPr>
-        <p:spPr>
-          <a:xfrm>
-            <a:off x="7348208" y="769746"/>
-            <a:ext cx="410705" cy="410705"/>
-          </a:xfrm>
-          <a:prstGeom prst="roundRect">
-            <a:avLst/>
-          </a:prstGeom>
-          <a:solidFill>
-            <a:schemeClr val="bg2"/>
-          </a:solidFill>
-          <a:ln>
-            <a:solidFill>
-              <a:schemeClr val="bg2"/>
-            </a:solidFill>
-          </a:ln>
-        </p:spPr>
-        <p:style>
-          <a:lnRef idx="2">
-            <a:schemeClr val="accent1">
-              <a:shade val="50000"/>
-            </a:schemeClr>
-          </a:lnRef>
-          <a:fillRef idx="1">
-            <a:schemeClr val="accent1"/>
-          </a:fillRef>
-          <a:effectRef idx="0">
-            <a:schemeClr val="accent1"/>
-          </a:effectRef>
-          <a:fontRef idx="minor">
-            <a:schemeClr val="lt1"/>
-          </a:fontRef>
-        </p:style>
-        <p:txBody>
-          <a:bodyPr rtlCol="0" anchor="ctr"/>
-          <a:lstStyle/>
-          <a:p>
-            <a:pPr algn="ctr"/>
-            <a:endParaRPr lang="en-NL"/>
-          </a:p>
-        </p:txBody>
-      </p:sp>
-      <p:sp>
-        <p:nvSpPr>
-          <p:cNvPr id="20" name="Rounded Rectangle 19">
-            <a:extLst>
-              <a:ext uri="{FF2B5EF4-FFF2-40B4-BE49-F238E27FC236}">
-                <a16:creationId xmlns:a16="http://schemas.microsoft.com/office/drawing/2014/main" id="{8C0CF75B-D58A-4840-8464-3D74529F5933}"/>
-              </a:ext>
-            </a:extLst>
-          </p:cNvPr>
-          <p:cNvSpPr/>
-          <p:nvPr/>
-        </p:nvSpPr>
-        <p:spPr>
-          <a:xfrm>
-            <a:off x="7348208" y="1325100"/>
-            <a:ext cx="410705" cy="410705"/>
-          </a:xfrm>
-          <a:prstGeom prst="roundRect">
-            <a:avLst/>
-          </a:prstGeom>
-          <a:solidFill>
-            <a:schemeClr val="bg2"/>
-          </a:solidFill>
-          <a:ln>
-            <a:solidFill>
-              <a:schemeClr val="bg2"/>
-            </a:solidFill>
-          </a:ln>
-        </p:spPr>
-        <p:style>
-          <a:lnRef idx="2">
-            <a:schemeClr val="accent1">
-              <a:shade val="50000"/>
-            </a:schemeClr>
-          </a:lnRef>
-          <a:fillRef idx="1">
-            <a:schemeClr val="accent1"/>
-          </a:fillRef>
-          <a:effectRef idx="0">
-            <a:schemeClr val="accent1"/>
-          </a:effectRef>
-          <a:fontRef idx="minor">
-            <a:schemeClr val="lt1"/>
-          </a:fontRef>
-        </p:style>
-        <p:txBody>
-          <a:bodyPr rtlCol="0" anchor="ctr"/>
-          <a:lstStyle/>
-          <a:p>
-            <a:pPr algn="ctr"/>
-            <a:endParaRPr lang="en-NL"/>
-          </a:p>
-        </p:txBody>
-      </p:sp>
-      <p:sp>
-        <p:nvSpPr>
-          <p:cNvPr id="21" name="Rounded Rectangle 20">
-            <a:extLst>
-              <a:ext uri="{FF2B5EF4-FFF2-40B4-BE49-F238E27FC236}">
-                <a16:creationId xmlns:a16="http://schemas.microsoft.com/office/drawing/2014/main" id="{66339E88-CF46-694D-8472-C7F78C4EBDDB}"/>
-              </a:ext>
-            </a:extLst>
-          </p:cNvPr>
-          <p:cNvSpPr/>
-          <p:nvPr/>
-        </p:nvSpPr>
-        <p:spPr>
-          <a:xfrm>
-            <a:off x="7348396" y="1880460"/>
-            <a:ext cx="410705" cy="410705"/>
-          </a:xfrm>
-          <a:prstGeom prst="roundRect">
-            <a:avLst/>
-          </a:prstGeom>
-          <a:solidFill>
-            <a:schemeClr val="bg2"/>
-          </a:solidFill>
-          <a:ln>
-            <a:solidFill>
-              <a:schemeClr val="bg2"/>
-            </a:solidFill>
-          </a:ln>
-        </p:spPr>
-        <p:style>
-          <a:lnRef idx="2">
-            <a:schemeClr val="accent1">
-              <a:shade val="50000"/>
-            </a:schemeClr>
-          </a:lnRef>
-          <a:fillRef idx="1">
-            <a:schemeClr val="accent1"/>
-          </a:fillRef>
-          <a:effectRef idx="0">
-            <a:schemeClr val="accent1"/>
-          </a:effectRef>
-          <a:fontRef idx="minor">
-            <a:schemeClr val="lt1"/>
-          </a:fontRef>
-        </p:style>
-        <p:txBody>
-          <a:bodyPr rtlCol="0" anchor="ctr"/>
-          <a:lstStyle/>
-          <a:p>
-            <a:pPr algn="ctr"/>
-            <a:endParaRPr lang="en-NL"/>
-          </a:p>
-        </p:txBody>
-      </p:sp>
-      <p:sp>
-        <p:nvSpPr>
-          <p:cNvPr id="22" name="Rounded Rectangle 21">
-            <a:extLst>
-              <a:ext uri="{FF2B5EF4-FFF2-40B4-BE49-F238E27FC236}">
-                <a16:creationId xmlns:a16="http://schemas.microsoft.com/office/drawing/2014/main" id="{EE08CE49-2BDF-7E47-93A6-34A667AEB601}"/>
-              </a:ext>
-            </a:extLst>
-          </p:cNvPr>
-          <p:cNvSpPr/>
-          <p:nvPr/>
-        </p:nvSpPr>
-        <p:spPr>
-          <a:xfrm>
-            <a:off x="7348208" y="2435817"/>
-            <a:ext cx="410705" cy="410705"/>
-          </a:xfrm>
-          <a:prstGeom prst="roundRect">
-            <a:avLst/>
-          </a:prstGeom>
-          <a:solidFill>
-            <a:schemeClr val="bg2"/>
-          </a:solidFill>
-          <a:ln>
-            <a:solidFill>
-              <a:schemeClr val="bg2"/>
-            </a:solidFill>
-          </a:ln>
-        </p:spPr>
-        <p:style>
-          <a:lnRef idx="2">
-            <a:schemeClr val="accent1">
-              <a:shade val="50000"/>
-            </a:schemeClr>
-          </a:lnRef>
-          <a:fillRef idx="1">
-            <a:schemeClr val="accent1"/>
-          </a:fillRef>
-          <a:effectRef idx="0">
-            <a:schemeClr val="accent1"/>
-          </a:effectRef>
-          <a:fontRef idx="minor">
-            <a:schemeClr val="lt1"/>
-          </a:fontRef>
-        </p:style>
-        <p:txBody>
-          <a:bodyPr rtlCol="0" anchor="ctr"/>
-          <a:lstStyle/>
-          <a:p>
-            <a:pPr algn="ctr"/>
-            <a:endParaRPr lang="en-NL"/>
-          </a:p>
-        </p:txBody>
-      </p:sp>
-      <p:sp>
-        <p:nvSpPr>
-          <p:cNvPr id="23" name="Rounded Rectangle 22">
-            <a:extLst>
-              <a:ext uri="{FF2B5EF4-FFF2-40B4-BE49-F238E27FC236}">
-                <a16:creationId xmlns:a16="http://schemas.microsoft.com/office/drawing/2014/main" id="{0B4B9A8D-960F-1A49-BC4D-3FC55095C91E}"/>
-              </a:ext>
-            </a:extLst>
-          </p:cNvPr>
-          <p:cNvSpPr/>
-          <p:nvPr/>
-        </p:nvSpPr>
-        <p:spPr>
-          <a:xfrm>
-            <a:off x="7348208" y="2991173"/>
-            <a:ext cx="410705" cy="410705"/>
-          </a:xfrm>
-          <a:prstGeom prst="roundRect">
-            <a:avLst/>
-          </a:prstGeom>
-          <a:solidFill>
-            <a:schemeClr val="bg2"/>
-          </a:solidFill>
-          <a:ln>
-            <a:solidFill>
-              <a:schemeClr val="bg2"/>
-            </a:solidFill>
-          </a:ln>
-        </p:spPr>
-        <p:style>
-          <a:lnRef idx="2">
-            <a:schemeClr val="accent1">
-              <a:shade val="50000"/>
-            </a:schemeClr>
-          </a:lnRef>
-          <a:fillRef idx="1">
-            <a:schemeClr val="accent1"/>
-          </a:fillRef>
-          <a:effectRef idx="0">
-            <a:schemeClr val="accent1"/>
-          </a:effectRef>
-          <a:fontRef idx="minor">
-            <a:schemeClr val="lt1"/>
-          </a:fontRef>
-        </p:style>
-        <p:txBody>
-          <a:bodyPr rtlCol="0" anchor="ctr"/>
-          <a:lstStyle/>
-          <a:p>
-            <a:pPr algn="ctr"/>
-            <a:endParaRPr lang="en-NL"/>
-          </a:p>
-        </p:txBody>
-      </p:sp>
-      <p:sp>
-        <p:nvSpPr>
-          <p:cNvPr id="24" name="Rounded Rectangle 23">
-            <a:extLst>
-              <a:ext uri="{FF2B5EF4-FFF2-40B4-BE49-F238E27FC236}">
-                <a16:creationId xmlns:a16="http://schemas.microsoft.com/office/drawing/2014/main" id="{90B90E96-DA65-3844-A895-A8E4275F2E9E}"/>
-              </a:ext>
-            </a:extLst>
-          </p:cNvPr>
-          <p:cNvSpPr/>
-          <p:nvPr/>
-        </p:nvSpPr>
-        <p:spPr>
-          <a:xfrm>
-            <a:off x="7348208" y="3546526"/>
-            <a:ext cx="410705" cy="410705"/>
-          </a:xfrm>
-          <a:prstGeom prst="roundRect">
-            <a:avLst/>
-          </a:prstGeom>
-          <a:solidFill>
-            <a:schemeClr val="bg2"/>
-          </a:solidFill>
-          <a:ln>
-            <a:solidFill>
-              <a:schemeClr val="bg2"/>
-            </a:solidFill>
-          </a:ln>
-        </p:spPr>
-        <p:style>
-          <a:lnRef idx="2">
-            <a:schemeClr val="accent1">
-              <a:shade val="50000"/>
-            </a:schemeClr>
-          </a:lnRef>
-          <a:fillRef idx="1">
-            <a:schemeClr val="accent1"/>
-          </a:fillRef>
-          <a:effectRef idx="0">
-            <a:schemeClr val="accent1"/>
-          </a:effectRef>
-          <a:fontRef idx="minor">
-            <a:schemeClr val="lt1"/>
-          </a:fontRef>
-        </p:style>
-        <p:txBody>
-          <a:bodyPr rtlCol="0" anchor="ctr"/>
-          <a:lstStyle/>
-          <a:p>
-            <a:pPr algn="ctr"/>
-            <a:endParaRPr lang="en-NL"/>
-          </a:p>
-        </p:txBody>
-      </p:sp>
-      <p:sp>
-        <p:nvSpPr>
-          <p:cNvPr id="25" name="Rounded Rectangle 24">
-            <a:extLst>
-              <a:ext uri="{FF2B5EF4-FFF2-40B4-BE49-F238E27FC236}">
-                <a16:creationId xmlns:a16="http://schemas.microsoft.com/office/drawing/2014/main" id="{5950A2A1-25A0-624E-8059-D651F019971A}"/>
-              </a:ext>
-            </a:extLst>
-          </p:cNvPr>
-          <p:cNvSpPr/>
-          <p:nvPr/>
-        </p:nvSpPr>
-        <p:spPr>
-          <a:xfrm>
-            <a:off x="7348207" y="4101879"/>
-            <a:ext cx="410705" cy="410705"/>
-          </a:xfrm>
-          <a:prstGeom prst="roundRect">
-            <a:avLst/>
-          </a:prstGeom>
-          <a:solidFill>
-            <a:schemeClr val="bg2"/>
-          </a:solidFill>
-          <a:ln>
-            <a:solidFill>
-              <a:schemeClr val="bg2"/>
-            </a:solidFill>
-          </a:ln>
-        </p:spPr>
-        <p:style>
-          <a:lnRef idx="2">
-            <a:schemeClr val="accent1">
-              <a:shade val="50000"/>
-            </a:schemeClr>
-          </a:lnRef>
-          <a:fillRef idx="1">
-            <a:schemeClr val="accent1"/>
-          </a:fillRef>
-          <a:effectRef idx="0">
-            <a:schemeClr val="accent1"/>
-          </a:effectRef>
-          <a:fontRef idx="minor">
-            <a:schemeClr val="lt1"/>
-          </a:fontRef>
-        </p:style>
-        <p:txBody>
-          <a:bodyPr rtlCol="0" anchor="ctr"/>
-          <a:lstStyle/>
-          <a:p>
-            <a:pPr algn="ctr"/>
-            <a:endParaRPr lang="en-NL"/>
-          </a:p>
-        </p:txBody>
-      </p:sp>
-    </p:spTree>
-    <p:extLst>
-      <p:ext uri="{BB962C8B-B14F-4D97-AF65-F5344CB8AC3E}">
-        <p14:creationId xmlns:p14="http://schemas.microsoft.com/office/powerpoint/2010/main" val="2955084820"/>
-      </p:ext>
-    </p:extLst>
-  </p:cSld>
-  <p:clrMapOvr>
-    <a:masterClrMapping/>
-  </p:clrMapOvr>
-</p:sld>
-</file>
-
-<file path=ppt/slides/slide30.xml><?xml version="1.0" encoding="utf-8"?>
+<file path=ppt/slides/slide32.xml><?xml version="1.0" encoding="utf-8"?>
 <p:sld xmlns:a="http://schemas.openxmlformats.org/drawingml/2006/main" xmlns:r="http://schemas.openxmlformats.org/officeDocument/2006/relationships" xmlns:p="http://schemas.openxmlformats.org/presentationml/2006/main">
   <p:cSld>
     <p:spTree>
@@ -11011,7 +11582,7 @@
 </p:sld>
 </file>
 
-<file path=ppt/slides/slide31.xml><?xml version="1.0" encoding="utf-8"?>
+<file path=ppt/slides/slide33.xml><?xml version="1.0" encoding="utf-8"?>
 <p:sld xmlns:a="http://schemas.openxmlformats.org/drawingml/2006/main" xmlns:r="http://schemas.openxmlformats.org/officeDocument/2006/relationships" xmlns:p="http://schemas.openxmlformats.org/presentationml/2006/main">
   <p:cSld>
     <p:spTree>
@@ -11333,7 +11904,7 @@
 </p:sld>
 </file>
 
-<file path=ppt/slides/slide32.xml><?xml version="1.0" encoding="utf-8"?>
+<file path=ppt/slides/slide34.xml><?xml version="1.0" encoding="utf-8"?>
 <p:sld xmlns:a="http://schemas.openxmlformats.org/drawingml/2006/main" xmlns:r="http://schemas.openxmlformats.org/officeDocument/2006/relationships" xmlns:p="http://schemas.openxmlformats.org/presentationml/2006/main">
   <p:cSld>
     <p:spTree>
@@ -11502,7 +12073,7 @@
 </p:sld>
 </file>
 
-<file path=ppt/slides/slide33.xml><?xml version="1.0" encoding="utf-8"?>
+<file path=ppt/slides/slide35.xml><?xml version="1.0" encoding="utf-8"?>
 <p:sld xmlns:a="http://schemas.openxmlformats.org/drawingml/2006/main" xmlns:r="http://schemas.openxmlformats.org/officeDocument/2006/relationships" xmlns:p="http://schemas.openxmlformats.org/presentationml/2006/main">
   <p:cSld>
     <p:spTree>
@@ -11824,7 +12395,7 @@
 </p:sld>
 </file>
 
-<file path=ppt/slides/slide34.xml><?xml version="1.0" encoding="utf-8"?>
+<file path=ppt/slides/slide36.xml><?xml version="1.0" encoding="utf-8"?>
 <p:sld xmlns:a="http://schemas.openxmlformats.org/drawingml/2006/main" xmlns:r="http://schemas.openxmlformats.org/officeDocument/2006/relationships" xmlns:p="http://schemas.openxmlformats.org/presentationml/2006/main">
   <p:cSld>
     <p:spTree>
@@ -11993,7 +12564,7 @@
 </p:sld>
 </file>
 
-<file path=ppt/slides/slide35.xml><?xml version="1.0" encoding="utf-8"?>
+<file path=ppt/slides/slide37.xml><?xml version="1.0" encoding="utf-8"?>
 <p:sld xmlns:a="http://schemas.openxmlformats.org/drawingml/2006/main" xmlns:r="http://schemas.openxmlformats.org/officeDocument/2006/relationships" xmlns:p="http://schemas.openxmlformats.org/presentationml/2006/main">
   <p:cSld>
     <p:spTree>
@@ -12303,7 +12874,7 @@
 </p:sld>
 </file>
 
-<file path=ppt/slides/slide36.xml><?xml version="1.0" encoding="utf-8"?>
+<file path=ppt/slides/slide38.xml><?xml version="1.0" encoding="utf-8"?>
 <p:sld xmlns:a="http://schemas.openxmlformats.org/drawingml/2006/main" xmlns:r="http://schemas.openxmlformats.org/officeDocument/2006/relationships" xmlns:p="http://schemas.openxmlformats.org/presentationml/2006/main">
   <p:cSld>
     <p:spTree>
@@ -12472,7 +13043,7 @@
 </p:sld>
 </file>
 
-<file path=ppt/slides/slide37.xml><?xml version="1.0" encoding="utf-8"?>
+<file path=ppt/slides/slide39.xml><?xml version="1.0" encoding="utf-8"?>
 <p:sld xmlns:a="http://schemas.openxmlformats.org/drawingml/2006/main" xmlns:r="http://schemas.openxmlformats.org/officeDocument/2006/relationships" xmlns:p="http://schemas.openxmlformats.org/presentationml/2006/main">
   <p:cSld>
     <p:spTree>
@@ -12780,7 +13351,7 @@
 </p:sld>
 </file>
 
-<file path=ppt/slides/slide38.xml><?xml version="1.0" encoding="utf-8"?>
+<file path=ppt/slides/slide4.xml><?xml version="1.0" encoding="utf-8"?>
 <p:sld xmlns:a="http://schemas.openxmlformats.org/drawingml/2006/main" xmlns:r="http://schemas.openxmlformats.org/officeDocument/2006/relationships" xmlns:p="http://schemas.openxmlformats.org/presentationml/2006/main">
   <p:cSld>
     <p:spTree>
@@ -12939,6 +13510,175 @@
     </p:spTree>
     <p:extLst>
       <p:ext uri="{BB962C8B-B14F-4D97-AF65-F5344CB8AC3E}">
+        <p14:creationId xmlns:p14="http://schemas.microsoft.com/office/powerpoint/2010/main" val="3385344708"/>
+      </p:ext>
+    </p:extLst>
+  </p:cSld>
+  <p:clrMapOvr>
+    <a:masterClrMapping/>
+  </p:clrMapOvr>
+</p:sld>
+</file>
+
+<file path=ppt/slides/slide40.xml><?xml version="1.0" encoding="utf-8"?>
+<p:sld xmlns:a="http://schemas.openxmlformats.org/drawingml/2006/main" xmlns:r="http://schemas.openxmlformats.org/officeDocument/2006/relationships" xmlns:p="http://schemas.openxmlformats.org/presentationml/2006/main">
+  <p:cSld>
+    <p:spTree>
+      <p:nvGrpSpPr>
+        <p:cNvPr id="1" name=""/>
+        <p:cNvGrpSpPr/>
+        <p:nvPr/>
+      </p:nvGrpSpPr>
+      <p:grpSpPr>
+        <a:xfrm>
+          <a:off x="0" y="0"/>
+          <a:ext cx="0" cy="0"/>
+          <a:chOff x="0" y="0"/>
+          <a:chExt cx="0" cy="0"/>
+        </a:xfrm>
+      </p:grpSpPr>
+      <p:sp>
+        <p:nvSpPr>
+          <p:cNvPr id="2" name="Title 1">
+            <a:extLst>
+              <a:ext uri="{FF2B5EF4-FFF2-40B4-BE49-F238E27FC236}">
+                <a16:creationId xmlns:a16="http://schemas.microsoft.com/office/drawing/2014/main" id="{CFCDF3DA-1D3D-E743-8E21-6B353B4D96A4}"/>
+              </a:ext>
+            </a:extLst>
+          </p:cNvPr>
+          <p:cNvSpPr>
+            <a:spLocks noGrp="1"/>
+          </p:cNvSpPr>
+          <p:nvPr>
+            <p:ph type="title"/>
+          </p:nvPr>
+        </p:nvSpPr>
+        <p:spPr/>
+        <p:txBody>
+          <a:bodyPr/>
+          <a:lstStyle/>
+          <a:p>
+            <a:endParaRPr lang="en-NL"/>
+          </a:p>
+        </p:txBody>
+      </p:sp>
+      <p:sp>
+        <p:nvSpPr>
+          <p:cNvPr id="3" name="Content Placeholder 2">
+            <a:extLst>
+              <a:ext uri="{FF2B5EF4-FFF2-40B4-BE49-F238E27FC236}">
+                <a16:creationId xmlns:a16="http://schemas.microsoft.com/office/drawing/2014/main" id="{40A525DA-CA85-AD48-8A85-52A75E1E5317}"/>
+              </a:ext>
+            </a:extLst>
+          </p:cNvPr>
+          <p:cNvSpPr>
+            <a:spLocks noGrp="1"/>
+          </p:cNvSpPr>
+          <p:nvPr>
+            <p:ph idx="1"/>
+          </p:nvPr>
+        </p:nvSpPr>
+        <p:spPr/>
+        <p:txBody>
+          <a:bodyPr/>
+          <a:lstStyle/>
+          <a:p>
+            <a:endParaRPr lang="en-NL"/>
+          </a:p>
+        </p:txBody>
+      </p:sp>
+      <p:sp>
+        <p:nvSpPr>
+          <p:cNvPr id="4" name="Rounded Rectangle 3">
+            <a:extLst>
+              <a:ext uri="{FF2B5EF4-FFF2-40B4-BE49-F238E27FC236}">
+                <a16:creationId xmlns:a16="http://schemas.microsoft.com/office/drawing/2014/main" id="{6B890BB6-3544-1A4E-A833-93135A597BB4}"/>
+              </a:ext>
+            </a:extLst>
+          </p:cNvPr>
+          <p:cNvSpPr/>
+          <p:nvPr/>
+        </p:nvSpPr>
+        <p:spPr>
+          <a:xfrm>
+            <a:off x="0" y="0"/>
+            <a:ext cx="7559675" cy="5327650"/>
+          </a:xfrm>
+          <a:prstGeom prst="roundRect">
+            <a:avLst>
+              <a:gd name="adj" fmla="val 0"/>
+            </a:avLst>
+          </a:prstGeom>
+          <a:blipFill>
+            <a:blip r:embed="rId2"/>
+            <a:stretch>
+              <a:fillRect/>
+            </a:stretch>
+          </a:blipFill>
+          <a:ln>
+            <a:solidFill>
+              <a:schemeClr val="bg2"/>
+            </a:solidFill>
+          </a:ln>
+        </p:spPr>
+        <p:style>
+          <a:lnRef idx="2">
+            <a:schemeClr val="accent1">
+              <a:shade val="50000"/>
+            </a:schemeClr>
+          </a:lnRef>
+          <a:fillRef idx="1">
+            <a:schemeClr val="accent1"/>
+          </a:fillRef>
+          <a:effectRef idx="0">
+            <a:schemeClr val="accent1"/>
+          </a:effectRef>
+          <a:fontRef idx="minor">
+            <a:schemeClr val="lt1"/>
+          </a:fontRef>
+        </p:style>
+        <p:txBody>
+          <a:bodyPr rtlCol="0" anchor="ctr"/>
+          <a:lstStyle/>
+          <a:p>
+            <a:pPr algn="ctr"/>
+            <a:endParaRPr lang="en-NL"/>
+          </a:p>
+        </p:txBody>
+      </p:sp>
+      <p:pic>
+        <p:nvPicPr>
+          <p:cNvPr id="5" name="Picture 4" descr="A picture containing food, drawing&#10;&#10;Description automatically generated">
+            <a:extLst>
+              <a:ext uri="{FF2B5EF4-FFF2-40B4-BE49-F238E27FC236}">
+                <a16:creationId xmlns:a16="http://schemas.microsoft.com/office/drawing/2014/main" id="{27611709-3190-2A4B-BCE4-4D329000A8EB}"/>
+              </a:ext>
+            </a:extLst>
+          </p:cNvPr>
+          <p:cNvPicPr>
+            <a:picLocks noChangeAspect="1"/>
+          </p:cNvPicPr>
+          <p:nvPr/>
+        </p:nvPicPr>
+        <p:blipFill>
+          <a:blip r:embed="rId3"/>
+          <a:stretch>
+            <a:fillRect/>
+          </a:stretch>
+        </p:blipFill>
+        <p:spPr>
+          <a:xfrm>
+            <a:off x="350837" y="-765175"/>
+            <a:ext cx="6858000" cy="6858000"/>
+          </a:xfrm>
+          <a:prstGeom prst="rect">
+            <a:avLst/>
+          </a:prstGeom>
+        </p:spPr>
+      </p:pic>
+    </p:spTree>
+    <p:extLst>
+      <p:ext uri="{BB962C8B-B14F-4D97-AF65-F5344CB8AC3E}">
         <p14:creationId xmlns:p14="http://schemas.microsoft.com/office/powerpoint/2010/main" val="160330387"/>
       </p:ext>
     </p:extLst>
@@ -12949,7 +13689,7 @@
 </p:sld>
 </file>
 
-<file path=ppt/slides/slide39.xml><?xml version="1.0" encoding="utf-8"?>
+<file path=ppt/slides/slide41.xml><?xml version="1.0" encoding="utf-8"?>
 <p:sld xmlns:a="http://schemas.openxmlformats.org/drawingml/2006/main" xmlns:r="http://schemas.openxmlformats.org/officeDocument/2006/relationships" xmlns:p="http://schemas.openxmlformats.org/presentationml/2006/main">
   <p:cSld>
     <p:spTree>
@@ -13269,7 +14009,7 @@
 </p:sld>
 </file>
 
-<file path=ppt/slides/slide4.xml><?xml version="1.0" encoding="utf-8"?>
+<file path=ppt/slides/slide42.xml><?xml version="1.0" encoding="utf-8"?>
 <p:sld xmlns:a="http://schemas.openxmlformats.org/drawingml/2006/main" xmlns:r="http://schemas.openxmlformats.org/officeDocument/2006/relationships" xmlns:p="http://schemas.openxmlformats.org/presentationml/2006/main">
   <p:cSld>
     <p:spTree>
@@ -13428,175 +14168,6 @@
     </p:spTree>
     <p:extLst>
       <p:ext uri="{BB962C8B-B14F-4D97-AF65-F5344CB8AC3E}">
-        <p14:creationId xmlns:p14="http://schemas.microsoft.com/office/powerpoint/2010/main" val="3385344708"/>
-      </p:ext>
-    </p:extLst>
-  </p:cSld>
-  <p:clrMapOvr>
-    <a:masterClrMapping/>
-  </p:clrMapOvr>
-</p:sld>
-</file>
-
-<file path=ppt/slides/slide40.xml><?xml version="1.0" encoding="utf-8"?>
-<p:sld xmlns:a="http://schemas.openxmlformats.org/drawingml/2006/main" xmlns:r="http://schemas.openxmlformats.org/officeDocument/2006/relationships" xmlns:p="http://schemas.openxmlformats.org/presentationml/2006/main">
-  <p:cSld>
-    <p:spTree>
-      <p:nvGrpSpPr>
-        <p:cNvPr id="1" name=""/>
-        <p:cNvGrpSpPr/>
-        <p:nvPr/>
-      </p:nvGrpSpPr>
-      <p:grpSpPr>
-        <a:xfrm>
-          <a:off x="0" y="0"/>
-          <a:ext cx="0" cy="0"/>
-          <a:chOff x="0" y="0"/>
-          <a:chExt cx="0" cy="0"/>
-        </a:xfrm>
-      </p:grpSpPr>
-      <p:sp>
-        <p:nvSpPr>
-          <p:cNvPr id="2" name="Title 1">
-            <a:extLst>
-              <a:ext uri="{FF2B5EF4-FFF2-40B4-BE49-F238E27FC236}">
-                <a16:creationId xmlns:a16="http://schemas.microsoft.com/office/drawing/2014/main" id="{CFCDF3DA-1D3D-E743-8E21-6B353B4D96A4}"/>
-              </a:ext>
-            </a:extLst>
-          </p:cNvPr>
-          <p:cNvSpPr>
-            <a:spLocks noGrp="1"/>
-          </p:cNvSpPr>
-          <p:nvPr>
-            <p:ph type="title"/>
-          </p:nvPr>
-        </p:nvSpPr>
-        <p:spPr/>
-        <p:txBody>
-          <a:bodyPr/>
-          <a:lstStyle/>
-          <a:p>
-            <a:endParaRPr lang="en-NL"/>
-          </a:p>
-        </p:txBody>
-      </p:sp>
-      <p:sp>
-        <p:nvSpPr>
-          <p:cNvPr id="3" name="Content Placeholder 2">
-            <a:extLst>
-              <a:ext uri="{FF2B5EF4-FFF2-40B4-BE49-F238E27FC236}">
-                <a16:creationId xmlns:a16="http://schemas.microsoft.com/office/drawing/2014/main" id="{40A525DA-CA85-AD48-8A85-52A75E1E5317}"/>
-              </a:ext>
-            </a:extLst>
-          </p:cNvPr>
-          <p:cNvSpPr>
-            <a:spLocks noGrp="1"/>
-          </p:cNvSpPr>
-          <p:nvPr>
-            <p:ph idx="1"/>
-          </p:nvPr>
-        </p:nvSpPr>
-        <p:spPr/>
-        <p:txBody>
-          <a:bodyPr/>
-          <a:lstStyle/>
-          <a:p>
-            <a:endParaRPr lang="en-NL"/>
-          </a:p>
-        </p:txBody>
-      </p:sp>
-      <p:sp>
-        <p:nvSpPr>
-          <p:cNvPr id="4" name="Rounded Rectangle 3">
-            <a:extLst>
-              <a:ext uri="{FF2B5EF4-FFF2-40B4-BE49-F238E27FC236}">
-                <a16:creationId xmlns:a16="http://schemas.microsoft.com/office/drawing/2014/main" id="{6B890BB6-3544-1A4E-A833-93135A597BB4}"/>
-              </a:ext>
-            </a:extLst>
-          </p:cNvPr>
-          <p:cNvSpPr/>
-          <p:nvPr/>
-        </p:nvSpPr>
-        <p:spPr>
-          <a:xfrm>
-            <a:off x="0" y="0"/>
-            <a:ext cx="7559675" cy="5327650"/>
-          </a:xfrm>
-          <a:prstGeom prst="roundRect">
-            <a:avLst>
-              <a:gd name="adj" fmla="val 0"/>
-            </a:avLst>
-          </a:prstGeom>
-          <a:blipFill>
-            <a:blip r:embed="rId2"/>
-            <a:stretch>
-              <a:fillRect/>
-            </a:stretch>
-          </a:blipFill>
-          <a:ln>
-            <a:solidFill>
-              <a:schemeClr val="bg2"/>
-            </a:solidFill>
-          </a:ln>
-        </p:spPr>
-        <p:style>
-          <a:lnRef idx="2">
-            <a:schemeClr val="accent1">
-              <a:shade val="50000"/>
-            </a:schemeClr>
-          </a:lnRef>
-          <a:fillRef idx="1">
-            <a:schemeClr val="accent1"/>
-          </a:fillRef>
-          <a:effectRef idx="0">
-            <a:schemeClr val="accent1"/>
-          </a:effectRef>
-          <a:fontRef idx="minor">
-            <a:schemeClr val="lt1"/>
-          </a:fontRef>
-        </p:style>
-        <p:txBody>
-          <a:bodyPr rtlCol="0" anchor="ctr"/>
-          <a:lstStyle/>
-          <a:p>
-            <a:pPr algn="ctr"/>
-            <a:endParaRPr lang="en-NL"/>
-          </a:p>
-        </p:txBody>
-      </p:sp>
-      <p:pic>
-        <p:nvPicPr>
-          <p:cNvPr id="5" name="Picture 4" descr="A picture containing food, drawing&#10;&#10;Description automatically generated">
-            <a:extLst>
-              <a:ext uri="{FF2B5EF4-FFF2-40B4-BE49-F238E27FC236}">
-                <a16:creationId xmlns:a16="http://schemas.microsoft.com/office/drawing/2014/main" id="{27611709-3190-2A4B-BCE4-4D329000A8EB}"/>
-              </a:ext>
-            </a:extLst>
-          </p:cNvPr>
-          <p:cNvPicPr>
-            <a:picLocks noChangeAspect="1"/>
-          </p:cNvPicPr>
-          <p:nvPr/>
-        </p:nvPicPr>
-        <p:blipFill>
-          <a:blip r:embed="rId3"/>
-          <a:stretch>
-            <a:fillRect/>
-          </a:stretch>
-        </p:blipFill>
-        <p:spPr>
-          <a:xfrm>
-            <a:off x="350837" y="-765175"/>
-            <a:ext cx="6858000" cy="6858000"/>
-          </a:xfrm>
-          <a:prstGeom prst="rect">
-            <a:avLst/>
-          </a:prstGeom>
-        </p:spPr>
-      </p:pic>
-    </p:spTree>
-    <p:extLst>
-      <p:ext uri="{BB962C8B-B14F-4D97-AF65-F5344CB8AC3E}">
         <p14:creationId xmlns:p14="http://schemas.microsoft.com/office/powerpoint/2010/main" val="580889871"/>
       </p:ext>
     </p:extLst>
@@ -13607,7 +14178,7 @@
 </p:sld>
 </file>
 
-<file path=ppt/slides/slide41.xml><?xml version="1.0" encoding="utf-8"?>
+<file path=ppt/slides/slide43.xml><?xml version="1.0" encoding="utf-8"?>
 <p:sld xmlns:a="http://schemas.openxmlformats.org/drawingml/2006/main" xmlns:r="http://schemas.openxmlformats.org/officeDocument/2006/relationships" xmlns:p="http://schemas.openxmlformats.org/presentationml/2006/main">
   <p:cSld>
     <p:spTree>
@@ -13927,7 +14498,7 @@
 </p:sld>
 </file>
 
-<file path=ppt/slides/slide42.xml><?xml version="1.0" encoding="utf-8"?>
+<file path=ppt/slides/slide44.xml><?xml version="1.0" encoding="utf-8"?>
 <p:sld xmlns:a="http://schemas.openxmlformats.org/drawingml/2006/main" xmlns:r="http://schemas.openxmlformats.org/officeDocument/2006/relationships" xmlns:p="http://schemas.openxmlformats.org/presentationml/2006/main">
   <p:cSld>
     <p:spTree>
@@ -14096,7 +14667,7 @@
 </p:sld>
 </file>
 
-<file path=ppt/slides/slide43.xml><?xml version="1.0" encoding="utf-8"?>
+<file path=ppt/slides/slide45.xml><?xml version="1.0" encoding="utf-8"?>
 <p:sld xmlns:a="http://schemas.openxmlformats.org/drawingml/2006/main" xmlns:r="http://schemas.openxmlformats.org/officeDocument/2006/relationships" xmlns:p="http://schemas.openxmlformats.org/presentationml/2006/main">
   <p:cSld>
     <p:spTree>
@@ -14416,7 +14987,7 @@
 </p:sld>
 </file>
 
-<file path=ppt/slides/slide44.xml><?xml version="1.0" encoding="utf-8"?>
+<file path=ppt/slides/slide46.xml><?xml version="1.0" encoding="utf-8"?>
 <p:sld xmlns:a="http://schemas.openxmlformats.org/drawingml/2006/main" xmlns:r="http://schemas.openxmlformats.org/officeDocument/2006/relationships" xmlns:p="http://schemas.openxmlformats.org/presentationml/2006/main">
   <p:cSld>
     <p:spTree>
@@ -14585,7 +15156,7 @@
 </p:sld>
 </file>
 
-<file path=ppt/slides/slide45.xml><?xml version="1.0" encoding="utf-8"?>
+<file path=ppt/slides/slide47.xml><?xml version="1.0" encoding="utf-8"?>
 <p:sld xmlns:a="http://schemas.openxmlformats.org/drawingml/2006/main" xmlns:r="http://schemas.openxmlformats.org/officeDocument/2006/relationships" xmlns:p="http://schemas.openxmlformats.org/presentationml/2006/main">
   <p:cSld>
     <p:spTree>
@@ -14905,7 +15476,7 @@
 </p:sld>
 </file>
 
-<file path=ppt/slides/slide46.xml><?xml version="1.0" encoding="utf-8"?>
+<file path=ppt/slides/slide48.xml><?xml version="1.0" encoding="utf-8"?>
 <p:sld xmlns:a="http://schemas.openxmlformats.org/drawingml/2006/main" xmlns:r="http://schemas.openxmlformats.org/officeDocument/2006/relationships" xmlns:p="http://schemas.openxmlformats.org/presentationml/2006/main">
   <p:cSld>
     <p:spTree>
@@ -15074,7 +15645,7 @@
 </p:sld>
 </file>
 
-<file path=ppt/slides/slide47.xml><?xml version="1.0" encoding="utf-8"?>
+<file path=ppt/slides/slide49.xml><?xml version="1.0" encoding="utf-8"?>
 <p:sld xmlns:a="http://schemas.openxmlformats.org/drawingml/2006/main" xmlns:r="http://schemas.openxmlformats.org/officeDocument/2006/relationships" xmlns:p="http://schemas.openxmlformats.org/presentationml/2006/main">
   <p:cSld>
     <p:spTree>
@@ -15420,7 +15991,1081 @@
 </p:sld>
 </file>
 
-<file path=ppt/slides/slide48.xml><?xml version="1.0" encoding="utf-8"?>
+<file path=ppt/slides/slide5.xml><?xml version="1.0" encoding="utf-8"?>
+<p:sld xmlns:a="http://schemas.openxmlformats.org/drawingml/2006/main" xmlns:r="http://schemas.openxmlformats.org/officeDocument/2006/relationships" xmlns:p="http://schemas.openxmlformats.org/presentationml/2006/main">
+  <p:cSld>
+    <p:spTree>
+      <p:nvGrpSpPr>
+        <p:cNvPr id="1" name=""/>
+        <p:cNvGrpSpPr/>
+        <p:nvPr/>
+      </p:nvGrpSpPr>
+      <p:grpSpPr>
+        <a:xfrm>
+          <a:off x="0" y="0"/>
+          <a:ext cx="0" cy="0"/>
+          <a:chOff x="0" y="0"/>
+          <a:chExt cx="0" cy="0"/>
+        </a:xfrm>
+      </p:grpSpPr>
+      <p:sp>
+        <p:nvSpPr>
+          <p:cNvPr id="2" name="Title 1">
+            <a:extLst>
+              <a:ext uri="{FF2B5EF4-FFF2-40B4-BE49-F238E27FC236}">
+                <a16:creationId xmlns:a16="http://schemas.microsoft.com/office/drawing/2014/main" id="{A50B3240-90A9-2045-9B24-092DEDC3A4FB}"/>
+              </a:ext>
+            </a:extLst>
+          </p:cNvPr>
+          <p:cNvSpPr>
+            <a:spLocks noGrp="1"/>
+          </p:cNvSpPr>
+          <p:nvPr>
+            <p:ph type="title"/>
+          </p:nvPr>
+        </p:nvSpPr>
+        <p:spPr/>
+        <p:txBody>
+          <a:bodyPr/>
+          <a:lstStyle/>
+          <a:p>
+            <a:endParaRPr lang="en-NL"/>
+          </a:p>
+        </p:txBody>
+      </p:sp>
+      <p:sp>
+        <p:nvSpPr>
+          <p:cNvPr id="3" name="Content Placeholder 2">
+            <a:extLst>
+              <a:ext uri="{FF2B5EF4-FFF2-40B4-BE49-F238E27FC236}">
+                <a16:creationId xmlns:a16="http://schemas.microsoft.com/office/drawing/2014/main" id="{EE6F52F0-3A96-5E4D-B754-B812A863C0BF}"/>
+              </a:ext>
+            </a:extLst>
+          </p:cNvPr>
+          <p:cNvSpPr>
+            <a:spLocks noGrp="1"/>
+          </p:cNvSpPr>
+          <p:nvPr>
+            <p:ph idx="1"/>
+          </p:nvPr>
+        </p:nvSpPr>
+        <p:spPr/>
+        <p:txBody>
+          <a:bodyPr/>
+          <a:lstStyle/>
+          <a:p>
+            <a:endParaRPr lang="en-NL"/>
+          </a:p>
+        </p:txBody>
+      </p:sp>
+      <p:sp>
+        <p:nvSpPr>
+          <p:cNvPr id="4" name="Rounded Rectangle 3">
+            <a:extLst>
+              <a:ext uri="{FF2B5EF4-FFF2-40B4-BE49-F238E27FC236}">
+                <a16:creationId xmlns:a16="http://schemas.microsoft.com/office/drawing/2014/main" id="{C878E023-EBA1-A649-9F84-9426DC737CAD}"/>
+              </a:ext>
+            </a:extLst>
+          </p:cNvPr>
+          <p:cNvSpPr/>
+          <p:nvPr/>
+        </p:nvSpPr>
+        <p:spPr>
+          <a:xfrm>
+            <a:off x="0" y="0"/>
+            <a:ext cx="7559675" cy="5327650"/>
+          </a:xfrm>
+          <a:prstGeom prst="roundRect">
+            <a:avLst>
+              <a:gd name="adj" fmla="val 0"/>
+            </a:avLst>
+          </a:prstGeom>
+          <a:solidFill>
+            <a:srgbClr val="DE8445"/>
+          </a:solidFill>
+          <a:ln>
+            <a:noFill/>
+          </a:ln>
+        </p:spPr>
+        <p:style>
+          <a:lnRef idx="2">
+            <a:schemeClr val="accent1">
+              <a:shade val="50000"/>
+            </a:schemeClr>
+          </a:lnRef>
+          <a:fillRef idx="1">
+            <a:schemeClr val="accent1"/>
+          </a:fillRef>
+          <a:effectRef idx="0">
+            <a:schemeClr val="accent1"/>
+          </a:effectRef>
+          <a:fontRef idx="minor">
+            <a:schemeClr val="lt1"/>
+          </a:fontRef>
+        </p:style>
+        <p:txBody>
+          <a:bodyPr rtlCol="0" anchor="ctr"/>
+          <a:lstStyle/>
+          <a:p>
+            <a:pPr algn="ctr"/>
+            <a:endParaRPr lang="en-NL" dirty="0"/>
+          </a:p>
+        </p:txBody>
+      </p:sp>
+      <p:sp>
+        <p:nvSpPr>
+          <p:cNvPr id="5" name="Rectangle 4">
+            <a:extLst>
+              <a:ext uri="{FF2B5EF4-FFF2-40B4-BE49-F238E27FC236}">
+                <a16:creationId xmlns:a16="http://schemas.microsoft.com/office/drawing/2014/main" id="{1F46A24F-F843-6F43-B798-8E0A66AEBE9A}"/>
+              </a:ext>
+            </a:extLst>
+          </p:cNvPr>
+          <p:cNvSpPr/>
+          <p:nvPr/>
+        </p:nvSpPr>
+        <p:spPr>
+          <a:xfrm>
+            <a:off x="654576" y="629685"/>
+            <a:ext cx="6326488" cy="3992292"/>
+          </a:xfrm>
+          <a:prstGeom prst="rect">
+            <a:avLst/>
+          </a:prstGeom>
+          <a:blipFill>
+            <a:blip r:embed="rId2"/>
+            <a:stretch>
+              <a:fillRect/>
+            </a:stretch>
+          </a:blipFill>
+          <a:ln w="38100" cmpd="sng">
+            <a:solidFill>
+              <a:schemeClr val="tx1"/>
+            </a:solidFill>
+            <a:prstDash val="solid"/>
+          </a:ln>
+        </p:spPr>
+        <p:style>
+          <a:lnRef idx="2">
+            <a:schemeClr val="accent1">
+              <a:shade val="50000"/>
+            </a:schemeClr>
+          </a:lnRef>
+          <a:fillRef idx="1">
+            <a:schemeClr val="accent1"/>
+          </a:fillRef>
+          <a:effectRef idx="0">
+            <a:schemeClr val="accent1"/>
+          </a:effectRef>
+          <a:fontRef idx="minor">
+            <a:schemeClr val="lt1"/>
+          </a:fontRef>
+        </p:style>
+        <p:txBody>
+          <a:bodyPr rtlCol="0" anchor="ctr"/>
+          <a:lstStyle/>
+          <a:p>
+            <a:endParaRPr lang="en-NL" sz="9600">
+              <a:latin typeface="Marvel" pitchFamily="2" charset="0"/>
+            </a:endParaRPr>
+          </a:p>
+        </p:txBody>
+      </p:sp>
+      <p:sp>
+        <p:nvSpPr>
+          <p:cNvPr id="7" name="TextBox 6">
+            <a:extLst>
+              <a:ext uri="{FF2B5EF4-FFF2-40B4-BE49-F238E27FC236}">
+                <a16:creationId xmlns:a16="http://schemas.microsoft.com/office/drawing/2014/main" id="{DB3D77AE-9792-C547-90E9-C96C9012A78D}"/>
+              </a:ext>
+            </a:extLst>
+          </p:cNvPr>
+          <p:cNvSpPr txBox="1"/>
+          <p:nvPr/>
+        </p:nvSpPr>
+        <p:spPr>
+          <a:xfrm>
+            <a:off x="1154265" y="1964111"/>
+            <a:ext cx="5451371" cy="1323439"/>
+          </a:xfrm>
+          <a:prstGeom prst="rect">
+            <a:avLst/>
+          </a:prstGeom>
+          <a:noFill/>
+        </p:spPr>
+        <p:txBody>
+          <a:bodyPr wrap="square" rtlCol="0">
+            <a:spAutoFit/>
+          </a:bodyPr>
+          <a:lstStyle/>
+          <a:p>
+            <a:pPr algn="ctr"/>
+            <a:r>
+              <a:rPr lang="en-NL" sz="8000" dirty="0">
+                <a:latin typeface="Marvel" pitchFamily="2" charset="0"/>
+              </a:rPr>
+              <a:t>UNREALIZED VALUE</a:t>
+            </a:r>
+          </a:p>
+        </p:txBody>
+      </p:sp>
+      <p:sp>
+        <p:nvSpPr>
+          <p:cNvPr id="8" name="TextBox 7">
+            <a:extLst>
+              <a:ext uri="{FF2B5EF4-FFF2-40B4-BE49-F238E27FC236}">
+                <a16:creationId xmlns:a16="http://schemas.microsoft.com/office/drawing/2014/main" id="{ED283D89-81C5-A942-931B-F37B88051625}"/>
+              </a:ext>
+            </a:extLst>
+          </p:cNvPr>
+          <p:cNvSpPr txBox="1"/>
+          <p:nvPr/>
+        </p:nvSpPr>
+        <p:spPr>
+          <a:xfrm>
+            <a:off x="1826342" y="2992265"/>
+            <a:ext cx="4107215" cy="400110"/>
+          </a:xfrm>
+          <a:prstGeom prst="rect">
+            <a:avLst/>
+          </a:prstGeom>
+          <a:noFill/>
+        </p:spPr>
+        <p:txBody>
+          <a:bodyPr wrap="none" rtlCol="0">
+            <a:spAutoFit/>
+          </a:bodyPr>
+          <a:lstStyle/>
+          <a:p>
+            <a:pPr algn="ctr"/>
+            <a:r>
+              <a:rPr lang="en-GB" sz="1000" dirty="0">
+                <a:solidFill>
+                  <a:schemeClr val="bg1">
+                    <a:lumMod val="50000"/>
+                  </a:schemeClr>
+                </a:solidFill>
+                <a:latin typeface="Ubuntu" panose="020B0504030602030204" pitchFamily="34" charset="0"/>
+              </a:rPr>
+              <a:t>The potential future value that </a:t>
+            </a:r>
+            <a:r>
+              <a:rPr lang="en-GB" sz="1000" i="1" dirty="0">
+                <a:solidFill>
+                  <a:schemeClr val="bg1">
+                    <a:lumMod val="50000"/>
+                  </a:schemeClr>
+                </a:solidFill>
+                <a:latin typeface="Ubuntu" panose="020B0504030602030204" pitchFamily="34" charset="0"/>
+              </a:rPr>
+              <a:t>could be</a:t>
+            </a:r>
+            <a:r>
+              <a:rPr lang="en-GB" sz="1000" dirty="0">
+                <a:solidFill>
+                  <a:schemeClr val="bg1">
+                    <a:lumMod val="50000"/>
+                  </a:schemeClr>
+                </a:solidFill>
+                <a:latin typeface="Ubuntu" panose="020B0504030602030204" pitchFamily="34" charset="0"/>
+              </a:rPr>
+              <a:t> realized </a:t>
+            </a:r>
+          </a:p>
+          <a:p>
+            <a:pPr algn="ctr"/>
+            <a:r>
+              <a:rPr lang="en-GB" sz="1000" dirty="0">
+                <a:solidFill>
+                  <a:schemeClr val="bg1">
+                    <a:lumMod val="50000"/>
+                  </a:schemeClr>
+                </a:solidFill>
+                <a:latin typeface="Ubuntu" panose="020B0504030602030204" pitchFamily="34" charset="0"/>
+              </a:rPr>
+              <a:t>if the organization met the needs of all potential customers or users</a:t>
+            </a:r>
+            <a:endParaRPr lang="en-NL" sz="1000" dirty="0">
+              <a:solidFill>
+                <a:schemeClr val="bg1">
+                  <a:lumMod val="50000"/>
+                </a:schemeClr>
+              </a:solidFill>
+              <a:latin typeface="Ubuntu" panose="020B0504030602030204" pitchFamily="34" charset="0"/>
+            </a:endParaRPr>
+          </a:p>
+        </p:txBody>
+      </p:sp>
+      <p:sp>
+        <p:nvSpPr>
+          <p:cNvPr id="24" name="Hexagon 23">
+            <a:extLst>
+              <a:ext uri="{FF2B5EF4-FFF2-40B4-BE49-F238E27FC236}">
+                <a16:creationId xmlns:a16="http://schemas.microsoft.com/office/drawing/2014/main" id="{B77BC908-5A71-5648-86F4-1DD501B1A47A}"/>
+              </a:ext>
+            </a:extLst>
+          </p:cNvPr>
+          <p:cNvSpPr/>
+          <p:nvPr/>
+        </p:nvSpPr>
+        <p:spPr>
+          <a:xfrm>
+            <a:off x="-263472" y="887581"/>
+            <a:ext cx="526943" cy="425834"/>
+          </a:xfrm>
+          <a:prstGeom prst="hexagon">
+            <a:avLst/>
+          </a:prstGeom>
+          <a:solidFill>
+            <a:schemeClr val="bg2"/>
+          </a:solidFill>
+          <a:ln>
+            <a:solidFill>
+              <a:schemeClr val="bg2"/>
+            </a:solidFill>
+          </a:ln>
+        </p:spPr>
+        <p:style>
+          <a:lnRef idx="2">
+            <a:schemeClr val="accent1">
+              <a:shade val="50000"/>
+            </a:schemeClr>
+          </a:lnRef>
+          <a:fillRef idx="1">
+            <a:schemeClr val="accent1"/>
+          </a:fillRef>
+          <a:effectRef idx="0">
+            <a:schemeClr val="accent1"/>
+          </a:effectRef>
+          <a:fontRef idx="minor">
+            <a:schemeClr val="lt1"/>
+          </a:fontRef>
+        </p:style>
+        <p:txBody>
+          <a:bodyPr rtlCol="0" anchor="ctr"/>
+          <a:lstStyle/>
+          <a:p>
+            <a:pPr algn="ctr"/>
+            <a:endParaRPr lang="en-NL"/>
+          </a:p>
+        </p:txBody>
+      </p:sp>
+      <p:sp>
+        <p:nvSpPr>
+          <p:cNvPr id="25" name="Hexagon 24">
+            <a:extLst>
+              <a:ext uri="{FF2B5EF4-FFF2-40B4-BE49-F238E27FC236}">
+                <a16:creationId xmlns:a16="http://schemas.microsoft.com/office/drawing/2014/main" id="{CA52172E-44FE-964B-8A80-395B31A859C7}"/>
+              </a:ext>
+            </a:extLst>
+          </p:cNvPr>
+          <p:cNvSpPr/>
+          <p:nvPr/>
+        </p:nvSpPr>
+        <p:spPr>
+          <a:xfrm>
+            <a:off x="-267574" y="1402464"/>
+            <a:ext cx="526943" cy="425834"/>
+          </a:xfrm>
+          <a:prstGeom prst="hexagon">
+            <a:avLst/>
+          </a:prstGeom>
+          <a:solidFill>
+            <a:schemeClr val="bg2"/>
+          </a:solidFill>
+          <a:ln>
+            <a:solidFill>
+              <a:schemeClr val="bg2"/>
+            </a:solidFill>
+          </a:ln>
+        </p:spPr>
+        <p:style>
+          <a:lnRef idx="2">
+            <a:schemeClr val="accent1">
+              <a:shade val="50000"/>
+            </a:schemeClr>
+          </a:lnRef>
+          <a:fillRef idx="1">
+            <a:schemeClr val="accent1"/>
+          </a:fillRef>
+          <a:effectRef idx="0">
+            <a:schemeClr val="accent1"/>
+          </a:effectRef>
+          <a:fontRef idx="minor">
+            <a:schemeClr val="lt1"/>
+          </a:fontRef>
+        </p:style>
+        <p:txBody>
+          <a:bodyPr rtlCol="0" anchor="ctr"/>
+          <a:lstStyle/>
+          <a:p>
+            <a:pPr algn="ctr"/>
+            <a:endParaRPr lang="en-NL"/>
+          </a:p>
+        </p:txBody>
+      </p:sp>
+      <p:sp>
+        <p:nvSpPr>
+          <p:cNvPr id="26" name="Hexagon 25">
+            <a:extLst>
+              <a:ext uri="{FF2B5EF4-FFF2-40B4-BE49-F238E27FC236}">
+                <a16:creationId xmlns:a16="http://schemas.microsoft.com/office/drawing/2014/main" id="{08EC8FA2-7049-534E-A372-EC6A91A4CE79}"/>
+              </a:ext>
+            </a:extLst>
+          </p:cNvPr>
+          <p:cNvSpPr/>
+          <p:nvPr/>
+        </p:nvSpPr>
+        <p:spPr>
+          <a:xfrm>
+            <a:off x="-267574" y="1917347"/>
+            <a:ext cx="526943" cy="425834"/>
+          </a:xfrm>
+          <a:prstGeom prst="hexagon">
+            <a:avLst/>
+          </a:prstGeom>
+          <a:solidFill>
+            <a:schemeClr val="bg2"/>
+          </a:solidFill>
+          <a:ln>
+            <a:solidFill>
+              <a:schemeClr val="bg2"/>
+            </a:solidFill>
+          </a:ln>
+        </p:spPr>
+        <p:style>
+          <a:lnRef idx="2">
+            <a:schemeClr val="accent1">
+              <a:shade val="50000"/>
+            </a:schemeClr>
+          </a:lnRef>
+          <a:fillRef idx="1">
+            <a:schemeClr val="accent1"/>
+          </a:fillRef>
+          <a:effectRef idx="0">
+            <a:schemeClr val="accent1"/>
+          </a:effectRef>
+          <a:fontRef idx="minor">
+            <a:schemeClr val="lt1"/>
+          </a:fontRef>
+        </p:style>
+        <p:txBody>
+          <a:bodyPr rtlCol="0" anchor="ctr"/>
+          <a:lstStyle/>
+          <a:p>
+            <a:pPr algn="ctr"/>
+            <a:endParaRPr lang="en-NL"/>
+          </a:p>
+        </p:txBody>
+      </p:sp>
+      <p:sp>
+        <p:nvSpPr>
+          <p:cNvPr id="27" name="Hexagon 26">
+            <a:extLst>
+              <a:ext uri="{FF2B5EF4-FFF2-40B4-BE49-F238E27FC236}">
+                <a16:creationId xmlns:a16="http://schemas.microsoft.com/office/drawing/2014/main" id="{718BA15D-DE98-8D43-9A3F-36F37A37AF2D}"/>
+              </a:ext>
+            </a:extLst>
+          </p:cNvPr>
+          <p:cNvSpPr/>
+          <p:nvPr/>
+        </p:nvSpPr>
+        <p:spPr>
+          <a:xfrm>
+            <a:off x="-271676" y="2432230"/>
+            <a:ext cx="526943" cy="425834"/>
+          </a:xfrm>
+          <a:prstGeom prst="hexagon">
+            <a:avLst/>
+          </a:prstGeom>
+          <a:solidFill>
+            <a:schemeClr val="bg2"/>
+          </a:solidFill>
+          <a:ln>
+            <a:solidFill>
+              <a:schemeClr val="bg2"/>
+            </a:solidFill>
+          </a:ln>
+        </p:spPr>
+        <p:style>
+          <a:lnRef idx="2">
+            <a:schemeClr val="accent1">
+              <a:shade val="50000"/>
+            </a:schemeClr>
+          </a:lnRef>
+          <a:fillRef idx="1">
+            <a:schemeClr val="accent1"/>
+          </a:fillRef>
+          <a:effectRef idx="0">
+            <a:schemeClr val="accent1"/>
+          </a:effectRef>
+          <a:fontRef idx="minor">
+            <a:schemeClr val="lt1"/>
+          </a:fontRef>
+        </p:style>
+        <p:txBody>
+          <a:bodyPr rtlCol="0" anchor="ctr"/>
+          <a:lstStyle/>
+          <a:p>
+            <a:pPr algn="ctr"/>
+            <a:endParaRPr lang="en-NL"/>
+          </a:p>
+        </p:txBody>
+      </p:sp>
+      <p:sp>
+        <p:nvSpPr>
+          <p:cNvPr id="28" name="Hexagon 27">
+            <a:extLst>
+              <a:ext uri="{FF2B5EF4-FFF2-40B4-BE49-F238E27FC236}">
+                <a16:creationId xmlns:a16="http://schemas.microsoft.com/office/drawing/2014/main" id="{5EF61F84-17B4-324C-9CD3-E07B3D18F12C}"/>
+              </a:ext>
+            </a:extLst>
+          </p:cNvPr>
+          <p:cNvSpPr/>
+          <p:nvPr/>
+        </p:nvSpPr>
+        <p:spPr>
+          <a:xfrm>
+            <a:off x="-269625" y="2949651"/>
+            <a:ext cx="526943" cy="425834"/>
+          </a:xfrm>
+          <a:prstGeom prst="hexagon">
+            <a:avLst/>
+          </a:prstGeom>
+          <a:solidFill>
+            <a:schemeClr val="bg2"/>
+          </a:solidFill>
+          <a:ln>
+            <a:solidFill>
+              <a:schemeClr val="bg2"/>
+            </a:solidFill>
+          </a:ln>
+        </p:spPr>
+        <p:style>
+          <a:lnRef idx="2">
+            <a:schemeClr val="accent1">
+              <a:shade val="50000"/>
+            </a:schemeClr>
+          </a:lnRef>
+          <a:fillRef idx="1">
+            <a:schemeClr val="accent1"/>
+          </a:fillRef>
+          <a:effectRef idx="0">
+            <a:schemeClr val="accent1"/>
+          </a:effectRef>
+          <a:fontRef idx="minor">
+            <a:schemeClr val="lt1"/>
+          </a:fontRef>
+        </p:style>
+        <p:txBody>
+          <a:bodyPr rtlCol="0" anchor="ctr"/>
+          <a:lstStyle/>
+          <a:p>
+            <a:pPr algn="ctr"/>
+            <a:endParaRPr lang="en-NL"/>
+          </a:p>
+        </p:txBody>
+      </p:sp>
+      <p:sp>
+        <p:nvSpPr>
+          <p:cNvPr id="29" name="Hexagon 28">
+            <a:extLst>
+              <a:ext uri="{FF2B5EF4-FFF2-40B4-BE49-F238E27FC236}">
+                <a16:creationId xmlns:a16="http://schemas.microsoft.com/office/drawing/2014/main" id="{6099D7E0-C13A-7847-84ED-EA0C5524E554}"/>
+              </a:ext>
+            </a:extLst>
+          </p:cNvPr>
+          <p:cNvSpPr/>
+          <p:nvPr/>
+        </p:nvSpPr>
+        <p:spPr>
+          <a:xfrm>
+            <a:off x="-273727" y="3464534"/>
+            <a:ext cx="526943" cy="425834"/>
+          </a:xfrm>
+          <a:prstGeom prst="hexagon">
+            <a:avLst/>
+          </a:prstGeom>
+          <a:solidFill>
+            <a:schemeClr val="bg2"/>
+          </a:solidFill>
+          <a:ln>
+            <a:solidFill>
+              <a:schemeClr val="bg2"/>
+            </a:solidFill>
+          </a:ln>
+        </p:spPr>
+        <p:style>
+          <a:lnRef idx="2">
+            <a:schemeClr val="accent1">
+              <a:shade val="50000"/>
+            </a:schemeClr>
+          </a:lnRef>
+          <a:fillRef idx="1">
+            <a:schemeClr val="accent1"/>
+          </a:fillRef>
+          <a:effectRef idx="0">
+            <a:schemeClr val="accent1"/>
+          </a:effectRef>
+          <a:fontRef idx="minor">
+            <a:schemeClr val="lt1"/>
+          </a:fontRef>
+        </p:style>
+        <p:txBody>
+          <a:bodyPr rtlCol="0" anchor="ctr"/>
+          <a:lstStyle/>
+          <a:p>
+            <a:pPr algn="ctr"/>
+            <a:endParaRPr lang="en-NL"/>
+          </a:p>
+        </p:txBody>
+      </p:sp>
+      <p:sp>
+        <p:nvSpPr>
+          <p:cNvPr id="30" name="Hexagon 29">
+            <a:extLst>
+              <a:ext uri="{FF2B5EF4-FFF2-40B4-BE49-F238E27FC236}">
+                <a16:creationId xmlns:a16="http://schemas.microsoft.com/office/drawing/2014/main" id="{920910FA-5581-F04C-9A39-2A4938FE8099}"/>
+              </a:ext>
+            </a:extLst>
+          </p:cNvPr>
+          <p:cNvSpPr/>
+          <p:nvPr/>
+        </p:nvSpPr>
+        <p:spPr>
+          <a:xfrm>
+            <a:off x="-263472" y="3976879"/>
+            <a:ext cx="526943" cy="425834"/>
+          </a:xfrm>
+          <a:prstGeom prst="hexagon">
+            <a:avLst/>
+          </a:prstGeom>
+          <a:solidFill>
+            <a:schemeClr val="bg2"/>
+          </a:solidFill>
+          <a:ln>
+            <a:solidFill>
+              <a:schemeClr val="bg2"/>
+            </a:solidFill>
+          </a:ln>
+        </p:spPr>
+        <p:style>
+          <a:lnRef idx="2">
+            <a:schemeClr val="accent1">
+              <a:shade val="50000"/>
+            </a:schemeClr>
+          </a:lnRef>
+          <a:fillRef idx="1">
+            <a:schemeClr val="accent1"/>
+          </a:fillRef>
+          <a:effectRef idx="0">
+            <a:schemeClr val="accent1"/>
+          </a:effectRef>
+          <a:fontRef idx="minor">
+            <a:schemeClr val="lt1"/>
+          </a:fontRef>
+        </p:style>
+        <p:txBody>
+          <a:bodyPr rtlCol="0" anchor="ctr"/>
+          <a:lstStyle/>
+          <a:p>
+            <a:pPr algn="ctr"/>
+            <a:endParaRPr lang="en-NL"/>
+          </a:p>
+        </p:txBody>
+      </p:sp>
+      <p:sp>
+        <p:nvSpPr>
+          <p:cNvPr id="31" name="Hexagon 30">
+            <a:extLst>
+              <a:ext uri="{FF2B5EF4-FFF2-40B4-BE49-F238E27FC236}">
+                <a16:creationId xmlns:a16="http://schemas.microsoft.com/office/drawing/2014/main" id="{8BBDE08F-BA25-4943-9CD6-08F91133CB36}"/>
+              </a:ext>
+            </a:extLst>
+          </p:cNvPr>
+          <p:cNvSpPr/>
+          <p:nvPr/>
+        </p:nvSpPr>
+        <p:spPr>
+          <a:xfrm>
+            <a:off x="7276165" y="887581"/>
+            <a:ext cx="526943" cy="425834"/>
+          </a:xfrm>
+          <a:prstGeom prst="hexagon">
+            <a:avLst/>
+          </a:prstGeom>
+          <a:solidFill>
+            <a:schemeClr val="bg2"/>
+          </a:solidFill>
+          <a:ln>
+            <a:solidFill>
+              <a:schemeClr val="bg2"/>
+            </a:solidFill>
+          </a:ln>
+        </p:spPr>
+        <p:style>
+          <a:lnRef idx="2">
+            <a:schemeClr val="accent1">
+              <a:shade val="50000"/>
+            </a:schemeClr>
+          </a:lnRef>
+          <a:fillRef idx="1">
+            <a:schemeClr val="accent1"/>
+          </a:fillRef>
+          <a:effectRef idx="0">
+            <a:schemeClr val="accent1"/>
+          </a:effectRef>
+          <a:fontRef idx="minor">
+            <a:schemeClr val="lt1"/>
+          </a:fontRef>
+        </p:style>
+        <p:txBody>
+          <a:bodyPr rtlCol="0" anchor="ctr"/>
+          <a:lstStyle/>
+          <a:p>
+            <a:pPr algn="ctr"/>
+            <a:endParaRPr lang="en-NL"/>
+          </a:p>
+        </p:txBody>
+      </p:sp>
+      <p:sp>
+        <p:nvSpPr>
+          <p:cNvPr id="32" name="Hexagon 31">
+            <a:extLst>
+              <a:ext uri="{FF2B5EF4-FFF2-40B4-BE49-F238E27FC236}">
+                <a16:creationId xmlns:a16="http://schemas.microsoft.com/office/drawing/2014/main" id="{1FBA123F-FD40-8849-9469-AF75E6B929B7}"/>
+              </a:ext>
+            </a:extLst>
+          </p:cNvPr>
+          <p:cNvSpPr/>
+          <p:nvPr/>
+        </p:nvSpPr>
+        <p:spPr>
+          <a:xfrm>
+            <a:off x="7272063" y="1402464"/>
+            <a:ext cx="526943" cy="425834"/>
+          </a:xfrm>
+          <a:prstGeom prst="hexagon">
+            <a:avLst/>
+          </a:prstGeom>
+          <a:solidFill>
+            <a:schemeClr val="bg2"/>
+          </a:solidFill>
+          <a:ln>
+            <a:solidFill>
+              <a:schemeClr val="bg2"/>
+            </a:solidFill>
+          </a:ln>
+        </p:spPr>
+        <p:style>
+          <a:lnRef idx="2">
+            <a:schemeClr val="accent1">
+              <a:shade val="50000"/>
+            </a:schemeClr>
+          </a:lnRef>
+          <a:fillRef idx="1">
+            <a:schemeClr val="accent1"/>
+          </a:fillRef>
+          <a:effectRef idx="0">
+            <a:schemeClr val="accent1"/>
+          </a:effectRef>
+          <a:fontRef idx="minor">
+            <a:schemeClr val="lt1"/>
+          </a:fontRef>
+        </p:style>
+        <p:txBody>
+          <a:bodyPr rtlCol="0" anchor="ctr"/>
+          <a:lstStyle/>
+          <a:p>
+            <a:pPr algn="ctr"/>
+            <a:endParaRPr lang="en-NL"/>
+          </a:p>
+        </p:txBody>
+      </p:sp>
+      <p:sp>
+        <p:nvSpPr>
+          <p:cNvPr id="33" name="Hexagon 32">
+            <a:extLst>
+              <a:ext uri="{FF2B5EF4-FFF2-40B4-BE49-F238E27FC236}">
+                <a16:creationId xmlns:a16="http://schemas.microsoft.com/office/drawing/2014/main" id="{A5F73996-9447-1848-B658-78DFF6A9C779}"/>
+              </a:ext>
+            </a:extLst>
+          </p:cNvPr>
+          <p:cNvSpPr/>
+          <p:nvPr/>
+        </p:nvSpPr>
+        <p:spPr>
+          <a:xfrm>
+            <a:off x="7272063" y="1917347"/>
+            <a:ext cx="526943" cy="425834"/>
+          </a:xfrm>
+          <a:prstGeom prst="hexagon">
+            <a:avLst/>
+          </a:prstGeom>
+          <a:solidFill>
+            <a:schemeClr val="bg2"/>
+          </a:solidFill>
+          <a:ln>
+            <a:solidFill>
+              <a:schemeClr val="bg2"/>
+            </a:solidFill>
+          </a:ln>
+        </p:spPr>
+        <p:style>
+          <a:lnRef idx="2">
+            <a:schemeClr val="accent1">
+              <a:shade val="50000"/>
+            </a:schemeClr>
+          </a:lnRef>
+          <a:fillRef idx="1">
+            <a:schemeClr val="accent1"/>
+          </a:fillRef>
+          <a:effectRef idx="0">
+            <a:schemeClr val="accent1"/>
+          </a:effectRef>
+          <a:fontRef idx="minor">
+            <a:schemeClr val="lt1"/>
+          </a:fontRef>
+        </p:style>
+        <p:txBody>
+          <a:bodyPr rtlCol="0" anchor="ctr"/>
+          <a:lstStyle/>
+          <a:p>
+            <a:pPr algn="ctr"/>
+            <a:endParaRPr lang="en-NL"/>
+          </a:p>
+        </p:txBody>
+      </p:sp>
+      <p:sp>
+        <p:nvSpPr>
+          <p:cNvPr id="34" name="Hexagon 33">
+            <a:extLst>
+              <a:ext uri="{FF2B5EF4-FFF2-40B4-BE49-F238E27FC236}">
+                <a16:creationId xmlns:a16="http://schemas.microsoft.com/office/drawing/2014/main" id="{275693F2-68C2-3E4F-BA5E-B253F0E64904}"/>
+              </a:ext>
+            </a:extLst>
+          </p:cNvPr>
+          <p:cNvSpPr/>
+          <p:nvPr/>
+        </p:nvSpPr>
+        <p:spPr>
+          <a:xfrm>
+            <a:off x="7267961" y="2432230"/>
+            <a:ext cx="526943" cy="425834"/>
+          </a:xfrm>
+          <a:prstGeom prst="hexagon">
+            <a:avLst/>
+          </a:prstGeom>
+          <a:solidFill>
+            <a:schemeClr val="bg2"/>
+          </a:solidFill>
+          <a:ln>
+            <a:solidFill>
+              <a:schemeClr val="bg2"/>
+            </a:solidFill>
+          </a:ln>
+        </p:spPr>
+        <p:style>
+          <a:lnRef idx="2">
+            <a:schemeClr val="accent1">
+              <a:shade val="50000"/>
+            </a:schemeClr>
+          </a:lnRef>
+          <a:fillRef idx="1">
+            <a:schemeClr val="accent1"/>
+          </a:fillRef>
+          <a:effectRef idx="0">
+            <a:schemeClr val="accent1"/>
+          </a:effectRef>
+          <a:fontRef idx="minor">
+            <a:schemeClr val="lt1"/>
+          </a:fontRef>
+        </p:style>
+        <p:txBody>
+          <a:bodyPr rtlCol="0" anchor="ctr"/>
+          <a:lstStyle/>
+          <a:p>
+            <a:pPr algn="ctr"/>
+            <a:endParaRPr lang="en-NL"/>
+          </a:p>
+        </p:txBody>
+      </p:sp>
+      <p:sp>
+        <p:nvSpPr>
+          <p:cNvPr id="35" name="Hexagon 34">
+            <a:extLst>
+              <a:ext uri="{FF2B5EF4-FFF2-40B4-BE49-F238E27FC236}">
+                <a16:creationId xmlns:a16="http://schemas.microsoft.com/office/drawing/2014/main" id="{0037A2A0-8D75-B940-835C-26E592882C69}"/>
+              </a:ext>
+            </a:extLst>
+          </p:cNvPr>
+          <p:cNvSpPr/>
+          <p:nvPr/>
+        </p:nvSpPr>
+        <p:spPr>
+          <a:xfrm>
+            <a:off x="7270012" y="2949651"/>
+            <a:ext cx="526943" cy="425834"/>
+          </a:xfrm>
+          <a:prstGeom prst="hexagon">
+            <a:avLst/>
+          </a:prstGeom>
+          <a:solidFill>
+            <a:schemeClr val="bg2"/>
+          </a:solidFill>
+          <a:ln>
+            <a:solidFill>
+              <a:schemeClr val="bg2"/>
+            </a:solidFill>
+          </a:ln>
+        </p:spPr>
+        <p:style>
+          <a:lnRef idx="2">
+            <a:schemeClr val="accent1">
+              <a:shade val="50000"/>
+            </a:schemeClr>
+          </a:lnRef>
+          <a:fillRef idx="1">
+            <a:schemeClr val="accent1"/>
+          </a:fillRef>
+          <a:effectRef idx="0">
+            <a:schemeClr val="accent1"/>
+          </a:effectRef>
+          <a:fontRef idx="minor">
+            <a:schemeClr val="lt1"/>
+          </a:fontRef>
+        </p:style>
+        <p:txBody>
+          <a:bodyPr rtlCol="0" anchor="ctr"/>
+          <a:lstStyle/>
+          <a:p>
+            <a:pPr algn="ctr"/>
+            <a:endParaRPr lang="en-NL"/>
+          </a:p>
+        </p:txBody>
+      </p:sp>
+      <p:sp>
+        <p:nvSpPr>
+          <p:cNvPr id="36" name="Hexagon 35">
+            <a:extLst>
+              <a:ext uri="{FF2B5EF4-FFF2-40B4-BE49-F238E27FC236}">
+                <a16:creationId xmlns:a16="http://schemas.microsoft.com/office/drawing/2014/main" id="{34ABA7B3-653A-E24D-B127-F6F5AEBE2C7B}"/>
+              </a:ext>
+            </a:extLst>
+          </p:cNvPr>
+          <p:cNvSpPr/>
+          <p:nvPr/>
+        </p:nvSpPr>
+        <p:spPr>
+          <a:xfrm>
+            <a:off x="7265910" y="3464534"/>
+            <a:ext cx="526943" cy="425834"/>
+          </a:xfrm>
+          <a:prstGeom prst="hexagon">
+            <a:avLst/>
+          </a:prstGeom>
+          <a:solidFill>
+            <a:schemeClr val="bg2"/>
+          </a:solidFill>
+          <a:ln>
+            <a:solidFill>
+              <a:schemeClr val="bg2"/>
+            </a:solidFill>
+          </a:ln>
+        </p:spPr>
+        <p:style>
+          <a:lnRef idx="2">
+            <a:schemeClr val="accent1">
+              <a:shade val="50000"/>
+            </a:schemeClr>
+          </a:lnRef>
+          <a:fillRef idx="1">
+            <a:schemeClr val="accent1"/>
+          </a:fillRef>
+          <a:effectRef idx="0">
+            <a:schemeClr val="accent1"/>
+          </a:effectRef>
+          <a:fontRef idx="minor">
+            <a:schemeClr val="lt1"/>
+          </a:fontRef>
+        </p:style>
+        <p:txBody>
+          <a:bodyPr rtlCol="0" anchor="ctr"/>
+          <a:lstStyle/>
+          <a:p>
+            <a:pPr algn="ctr"/>
+            <a:endParaRPr lang="en-NL"/>
+          </a:p>
+        </p:txBody>
+      </p:sp>
+      <p:sp>
+        <p:nvSpPr>
+          <p:cNvPr id="37" name="Hexagon 36">
+            <a:extLst>
+              <a:ext uri="{FF2B5EF4-FFF2-40B4-BE49-F238E27FC236}">
+                <a16:creationId xmlns:a16="http://schemas.microsoft.com/office/drawing/2014/main" id="{980F8705-E6AE-3E4B-9146-F98BFFE8E753}"/>
+              </a:ext>
+            </a:extLst>
+          </p:cNvPr>
+          <p:cNvSpPr/>
+          <p:nvPr/>
+        </p:nvSpPr>
+        <p:spPr>
+          <a:xfrm>
+            <a:off x="7276165" y="3976879"/>
+            <a:ext cx="526943" cy="425834"/>
+          </a:xfrm>
+          <a:prstGeom prst="hexagon">
+            <a:avLst/>
+          </a:prstGeom>
+          <a:solidFill>
+            <a:schemeClr val="bg2"/>
+          </a:solidFill>
+          <a:ln>
+            <a:solidFill>
+              <a:schemeClr val="bg2"/>
+            </a:solidFill>
+          </a:ln>
+        </p:spPr>
+        <p:style>
+          <a:lnRef idx="2">
+            <a:schemeClr val="accent1">
+              <a:shade val="50000"/>
+            </a:schemeClr>
+          </a:lnRef>
+          <a:fillRef idx="1">
+            <a:schemeClr val="accent1"/>
+          </a:fillRef>
+          <a:effectRef idx="0">
+            <a:schemeClr val="accent1"/>
+          </a:effectRef>
+          <a:fontRef idx="minor">
+            <a:schemeClr val="lt1"/>
+          </a:fontRef>
+        </p:style>
+        <p:txBody>
+          <a:bodyPr rtlCol="0" anchor="ctr"/>
+          <a:lstStyle/>
+          <a:p>
+            <a:pPr algn="ctr"/>
+            <a:endParaRPr lang="en-NL"/>
+          </a:p>
+        </p:txBody>
+      </p:sp>
+    </p:spTree>
+    <p:extLst>
+      <p:ext uri="{BB962C8B-B14F-4D97-AF65-F5344CB8AC3E}">
+        <p14:creationId xmlns:p14="http://schemas.microsoft.com/office/powerpoint/2010/main" val="3863189371"/>
+      </p:ext>
+    </p:extLst>
+  </p:cSld>
+  <p:clrMapOvr>
+    <a:masterClrMapping/>
+  </p:clrMapOvr>
+</p:sld>
+</file>
+
+<file path=ppt/slides/slide50.xml><?xml version="1.0" encoding="utf-8"?>
 <p:sld xmlns:a="http://schemas.openxmlformats.org/drawingml/2006/main" xmlns:r="http://schemas.openxmlformats.org/officeDocument/2006/relationships" xmlns:p="http://schemas.openxmlformats.org/presentationml/2006/main">
   <p:cSld>
     <p:spTree>
@@ -15589,7 +17234,7 @@
 </p:sld>
 </file>
 
-<file path=ppt/slides/slide49.xml><?xml version="1.0" encoding="utf-8"?>
+<file path=ppt/slides/slide51.xml><?xml version="1.0" encoding="utf-8"?>
 <p:sld xmlns:a="http://schemas.openxmlformats.org/drawingml/2006/main" xmlns:r="http://schemas.openxmlformats.org/officeDocument/2006/relationships" xmlns:p="http://schemas.openxmlformats.org/presentationml/2006/main">
   <p:cSld>
     <p:spTree>
@@ -15909,1081 +17554,7 @@
 </p:sld>
 </file>
 
-<file path=ppt/slides/slide5.xml><?xml version="1.0" encoding="utf-8"?>
-<p:sld xmlns:a="http://schemas.openxmlformats.org/drawingml/2006/main" xmlns:r="http://schemas.openxmlformats.org/officeDocument/2006/relationships" xmlns:p="http://schemas.openxmlformats.org/presentationml/2006/main">
-  <p:cSld>
-    <p:spTree>
-      <p:nvGrpSpPr>
-        <p:cNvPr id="1" name=""/>
-        <p:cNvGrpSpPr/>
-        <p:nvPr/>
-      </p:nvGrpSpPr>
-      <p:grpSpPr>
-        <a:xfrm>
-          <a:off x="0" y="0"/>
-          <a:ext cx="0" cy="0"/>
-          <a:chOff x="0" y="0"/>
-          <a:chExt cx="0" cy="0"/>
-        </a:xfrm>
-      </p:grpSpPr>
-      <p:sp>
-        <p:nvSpPr>
-          <p:cNvPr id="2" name="Title 1">
-            <a:extLst>
-              <a:ext uri="{FF2B5EF4-FFF2-40B4-BE49-F238E27FC236}">
-                <a16:creationId xmlns:a16="http://schemas.microsoft.com/office/drawing/2014/main" id="{A50B3240-90A9-2045-9B24-092DEDC3A4FB}"/>
-              </a:ext>
-            </a:extLst>
-          </p:cNvPr>
-          <p:cNvSpPr>
-            <a:spLocks noGrp="1"/>
-          </p:cNvSpPr>
-          <p:nvPr>
-            <p:ph type="title"/>
-          </p:nvPr>
-        </p:nvSpPr>
-        <p:spPr/>
-        <p:txBody>
-          <a:bodyPr/>
-          <a:lstStyle/>
-          <a:p>
-            <a:endParaRPr lang="en-NL"/>
-          </a:p>
-        </p:txBody>
-      </p:sp>
-      <p:sp>
-        <p:nvSpPr>
-          <p:cNvPr id="3" name="Content Placeholder 2">
-            <a:extLst>
-              <a:ext uri="{FF2B5EF4-FFF2-40B4-BE49-F238E27FC236}">
-                <a16:creationId xmlns:a16="http://schemas.microsoft.com/office/drawing/2014/main" id="{EE6F52F0-3A96-5E4D-B754-B812A863C0BF}"/>
-              </a:ext>
-            </a:extLst>
-          </p:cNvPr>
-          <p:cNvSpPr>
-            <a:spLocks noGrp="1"/>
-          </p:cNvSpPr>
-          <p:nvPr>
-            <p:ph idx="1"/>
-          </p:nvPr>
-        </p:nvSpPr>
-        <p:spPr/>
-        <p:txBody>
-          <a:bodyPr/>
-          <a:lstStyle/>
-          <a:p>
-            <a:endParaRPr lang="en-NL"/>
-          </a:p>
-        </p:txBody>
-      </p:sp>
-      <p:sp>
-        <p:nvSpPr>
-          <p:cNvPr id="4" name="Rounded Rectangle 3">
-            <a:extLst>
-              <a:ext uri="{FF2B5EF4-FFF2-40B4-BE49-F238E27FC236}">
-                <a16:creationId xmlns:a16="http://schemas.microsoft.com/office/drawing/2014/main" id="{C878E023-EBA1-A649-9F84-9426DC737CAD}"/>
-              </a:ext>
-            </a:extLst>
-          </p:cNvPr>
-          <p:cNvSpPr/>
-          <p:nvPr/>
-        </p:nvSpPr>
-        <p:spPr>
-          <a:xfrm>
-            <a:off x="0" y="0"/>
-            <a:ext cx="7559675" cy="5327650"/>
-          </a:xfrm>
-          <a:prstGeom prst="roundRect">
-            <a:avLst>
-              <a:gd name="adj" fmla="val 0"/>
-            </a:avLst>
-          </a:prstGeom>
-          <a:solidFill>
-            <a:srgbClr val="DE8445"/>
-          </a:solidFill>
-          <a:ln>
-            <a:noFill/>
-          </a:ln>
-        </p:spPr>
-        <p:style>
-          <a:lnRef idx="2">
-            <a:schemeClr val="accent1">
-              <a:shade val="50000"/>
-            </a:schemeClr>
-          </a:lnRef>
-          <a:fillRef idx="1">
-            <a:schemeClr val="accent1"/>
-          </a:fillRef>
-          <a:effectRef idx="0">
-            <a:schemeClr val="accent1"/>
-          </a:effectRef>
-          <a:fontRef idx="minor">
-            <a:schemeClr val="lt1"/>
-          </a:fontRef>
-        </p:style>
-        <p:txBody>
-          <a:bodyPr rtlCol="0" anchor="ctr"/>
-          <a:lstStyle/>
-          <a:p>
-            <a:pPr algn="ctr"/>
-            <a:endParaRPr lang="en-NL" dirty="0"/>
-          </a:p>
-        </p:txBody>
-      </p:sp>
-      <p:sp>
-        <p:nvSpPr>
-          <p:cNvPr id="5" name="Rectangle 4">
-            <a:extLst>
-              <a:ext uri="{FF2B5EF4-FFF2-40B4-BE49-F238E27FC236}">
-                <a16:creationId xmlns:a16="http://schemas.microsoft.com/office/drawing/2014/main" id="{1F46A24F-F843-6F43-B798-8E0A66AEBE9A}"/>
-              </a:ext>
-            </a:extLst>
-          </p:cNvPr>
-          <p:cNvSpPr/>
-          <p:nvPr/>
-        </p:nvSpPr>
-        <p:spPr>
-          <a:xfrm>
-            <a:off x="654576" y="629685"/>
-            <a:ext cx="6326488" cy="3992292"/>
-          </a:xfrm>
-          <a:prstGeom prst="rect">
-            <a:avLst/>
-          </a:prstGeom>
-          <a:blipFill>
-            <a:blip r:embed="rId2"/>
-            <a:stretch>
-              <a:fillRect/>
-            </a:stretch>
-          </a:blipFill>
-          <a:ln w="38100" cmpd="sng">
-            <a:solidFill>
-              <a:schemeClr val="tx1"/>
-            </a:solidFill>
-            <a:prstDash val="solid"/>
-          </a:ln>
-        </p:spPr>
-        <p:style>
-          <a:lnRef idx="2">
-            <a:schemeClr val="accent1">
-              <a:shade val="50000"/>
-            </a:schemeClr>
-          </a:lnRef>
-          <a:fillRef idx="1">
-            <a:schemeClr val="accent1"/>
-          </a:fillRef>
-          <a:effectRef idx="0">
-            <a:schemeClr val="accent1"/>
-          </a:effectRef>
-          <a:fontRef idx="minor">
-            <a:schemeClr val="lt1"/>
-          </a:fontRef>
-        </p:style>
-        <p:txBody>
-          <a:bodyPr rtlCol="0" anchor="ctr"/>
-          <a:lstStyle/>
-          <a:p>
-            <a:endParaRPr lang="en-NL" sz="9600">
-              <a:latin typeface="Marvel" pitchFamily="2" charset="0"/>
-            </a:endParaRPr>
-          </a:p>
-        </p:txBody>
-      </p:sp>
-      <p:sp>
-        <p:nvSpPr>
-          <p:cNvPr id="7" name="TextBox 6">
-            <a:extLst>
-              <a:ext uri="{FF2B5EF4-FFF2-40B4-BE49-F238E27FC236}">
-                <a16:creationId xmlns:a16="http://schemas.microsoft.com/office/drawing/2014/main" id="{DB3D77AE-9792-C547-90E9-C96C9012A78D}"/>
-              </a:ext>
-            </a:extLst>
-          </p:cNvPr>
-          <p:cNvSpPr txBox="1"/>
-          <p:nvPr/>
-        </p:nvSpPr>
-        <p:spPr>
-          <a:xfrm>
-            <a:off x="1154265" y="1964111"/>
-            <a:ext cx="5451371" cy="1323439"/>
-          </a:xfrm>
-          <a:prstGeom prst="rect">
-            <a:avLst/>
-          </a:prstGeom>
-          <a:noFill/>
-        </p:spPr>
-        <p:txBody>
-          <a:bodyPr wrap="square" rtlCol="0">
-            <a:spAutoFit/>
-          </a:bodyPr>
-          <a:lstStyle/>
-          <a:p>
-            <a:pPr algn="ctr"/>
-            <a:r>
-              <a:rPr lang="en-NL" sz="8000" dirty="0">
-                <a:latin typeface="Marvel" pitchFamily="2" charset="0"/>
-              </a:rPr>
-              <a:t>UNREALIZED VALUE</a:t>
-            </a:r>
-          </a:p>
-        </p:txBody>
-      </p:sp>
-      <p:sp>
-        <p:nvSpPr>
-          <p:cNvPr id="8" name="TextBox 7">
-            <a:extLst>
-              <a:ext uri="{FF2B5EF4-FFF2-40B4-BE49-F238E27FC236}">
-                <a16:creationId xmlns:a16="http://schemas.microsoft.com/office/drawing/2014/main" id="{ED283D89-81C5-A942-931B-F37B88051625}"/>
-              </a:ext>
-            </a:extLst>
-          </p:cNvPr>
-          <p:cNvSpPr txBox="1"/>
-          <p:nvPr/>
-        </p:nvSpPr>
-        <p:spPr>
-          <a:xfrm>
-            <a:off x="1826342" y="2992265"/>
-            <a:ext cx="4107215" cy="400110"/>
-          </a:xfrm>
-          <a:prstGeom prst="rect">
-            <a:avLst/>
-          </a:prstGeom>
-          <a:noFill/>
-        </p:spPr>
-        <p:txBody>
-          <a:bodyPr wrap="none" rtlCol="0">
-            <a:spAutoFit/>
-          </a:bodyPr>
-          <a:lstStyle/>
-          <a:p>
-            <a:pPr algn="ctr"/>
-            <a:r>
-              <a:rPr lang="en-GB" sz="1000" dirty="0">
-                <a:solidFill>
-                  <a:schemeClr val="bg1">
-                    <a:lumMod val="50000"/>
-                  </a:schemeClr>
-                </a:solidFill>
-                <a:latin typeface="Ubuntu" panose="020B0504030602030204" pitchFamily="34" charset="0"/>
-              </a:rPr>
-              <a:t>The potential future value that </a:t>
-            </a:r>
-            <a:r>
-              <a:rPr lang="en-GB" sz="1000" i="1" dirty="0">
-                <a:solidFill>
-                  <a:schemeClr val="bg1">
-                    <a:lumMod val="50000"/>
-                  </a:schemeClr>
-                </a:solidFill>
-                <a:latin typeface="Ubuntu" panose="020B0504030602030204" pitchFamily="34" charset="0"/>
-              </a:rPr>
-              <a:t>could be</a:t>
-            </a:r>
-            <a:r>
-              <a:rPr lang="en-GB" sz="1000" dirty="0">
-                <a:solidFill>
-                  <a:schemeClr val="bg1">
-                    <a:lumMod val="50000"/>
-                  </a:schemeClr>
-                </a:solidFill>
-                <a:latin typeface="Ubuntu" panose="020B0504030602030204" pitchFamily="34" charset="0"/>
-              </a:rPr>
-              <a:t> realized </a:t>
-            </a:r>
-          </a:p>
-          <a:p>
-            <a:pPr algn="ctr"/>
-            <a:r>
-              <a:rPr lang="en-GB" sz="1000" dirty="0">
-                <a:solidFill>
-                  <a:schemeClr val="bg1">
-                    <a:lumMod val="50000"/>
-                  </a:schemeClr>
-                </a:solidFill>
-                <a:latin typeface="Ubuntu" panose="020B0504030602030204" pitchFamily="34" charset="0"/>
-              </a:rPr>
-              <a:t>if the organization met the needs of all potential customers or users</a:t>
-            </a:r>
-            <a:endParaRPr lang="en-NL" sz="1000" dirty="0">
-              <a:solidFill>
-                <a:schemeClr val="bg1">
-                  <a:lumMod val="50000"/>
-                </a:schemeClr>
-              </a:solidFill>
-              <a:latin typeface="Ubuntu" panose="020B0504030602030204" pitchFamily="34" charset="0"/>
-            </a:endParaRPr>
-          </a:p>
-        </p:txBody>
-      </p:sp>
-      <p:sp>
-        <p:nvSpPr>
-          <p:cNvPr id="24" name="Hexagon 23">
-            <a:extLst>
-              <a:ext uri="{FF2B5EF4-FFF2-40B4-BE49-F238E27FC236}">
-                <a16:creationId xmlns:a16="http://schemas.microsoft.com/office/drawing/2014/main" id="{B77BC908-5A71-5648-86F4-1DD501B1A47A}"/>
-              </a:ext>
-            </a:extLst>
-          </p:cNvPr>
-          <p:cNvSpPr/>
-          <p:nvPr/>
-        </p:nvSpPr>
-        <p:spPr>
-          <a:xfrm>
-            <a:off x="-263472" y="887581"/>
-            <a:ext cx="526943" cy="425834"/>
-          </a:xfrm>
-          <a:prstGeom prst="hexagon">
-            <a:avLst/>
-          </a:prstGeom>
-          <a:solidFill>
-            <a:schemeClr val="bg2"/>
-          </a:solidFill>
-          <a:ln>
-            <a:solidFill>
-              <a:schemeClr val="bg2"/>
-            </a:solidFill>
-          </a:ln>
-        </p:spPr>
-        <p:style>
-          <a:lnRef idx="2">
-            <a:schemeClr val="accent1">
-              <a:shade val="50000"/>
-            </a:schemeClr>
-          </a:lnRef>
-          <a:fillRef idx="1">
-            <a:schemeClr val="accent1"/>
-          </a:fillRef>
-          <a:effectRef idx="0">
-            <a:schemeClr val="accent1"/>
-          </a:effectRef>
-          <a:fontRef idx="minor">
-            <a:schemeClr val="lt1"/>
-          </a:fontRef>
-        </p:style>
-        <p:txBody>
-          <a:bodyPr rtlCol="0" anchor="ctr"/>
-          <a:lstStyle/>
-          <a:p>
-            <a:pPr algn="ctr"/>
-            <a:endParaRPr lang="en-NL"/>
-          </a:p>
-        </p:txBody>
-      </p:sp>
-      <p:sp>
-        <p:nvSpPr>
-          <p:cNvPr id="25" name="Hexagon 24">
-            <a:extLst>
-              <a:ext uri="{FF2B5EF4-FFF2-40B4-BE49-F238E27FC236}">
-                <a16:creationId xmlns:a16="http://schemas.microsoft.com/office/drawing/2014/main" id="{CA52172E-44FE-964B-8A80-395B31A859C7}"/>
-              </a:ext>
-            </a:extLst>
-          </p:cNvPr>
-          <p:cNvSpPr/>
-          <p:nvPr/>
-        </p:nvSpPr>
-        <p:spPr>
-          <a:xfrm>
-            <a:off x="-267574" y="1402464"/>
-            <a:ext cx="526943" cy="425834"/>
-          </a:xfrm>
-          <a:prstGeom prst="hexagon">
-            <a:avLst/>
-          </a:prstGeom>
-          <a:solidFill>
-            <a:schemeClr val="bg2"/>
-          </a:solidFill>
-          <a:ln>
-            <a:solidFill>
-              <a:schemeClr val="bg2"/>
-            </a:solidFill>
-          </a:ln>
-        </p:spPr>
-        <p:style>
-          <a:lnRef idx="2">
-            <a:schemeClr val="accent1">
-              <a:shade val="50000"/>
-            </a:schemeClr>
-          </a:lnRef>
-          <a:fillRef idx="1">
-            <a:schemeClr val="accent1"/>
-          </a:fillRef>
-          <a:effectRef idx="0">
-            <a:schemeClr val="accent1"/>
-          </a:effectRef>
-          <a:fontRef idx="minor">
-            <a:schemeClr val="lt1"/>
-          </a:fontRef>
-        </p:style>
-        <p:txBody>
-          <a:bodyPr rtlCol="0" anchor="ctr"/>
-          <a:lstStyle/>
-          <a:p>
-            <a:pPr algn="ctr"/>
-            <a:endParaRPr lang="en-NL"/>
-          </a:p>
-        </p:txBody>
-      </p:sp>
-      <p:sp>
-        <p:nvSpPr>
-          <p:cNvPr id="26" name="Hexagon 25">
-            <a:extLst>
-              <a:ext uri="{FF2B5EF4-FFF2-40B4-BE49-F238E27FC236}">
-                <a16:creationId xmlns:a16="http://schemas.microsoft.com/office/drawing/2014/main" id="{08EC8FA2-7049-534E-A372-EC6A91A4CE79}"/>
-              </a:ext>
-            </a:extLst>
-          </p:cNvPr>
-          <p:cNvSpPr/>
-          <p:nvPr/>
-        </p:nvSpPr>
-        <p:spPr>
-          <a:xfrm>
-            <a:off x="-267574" y="1917347"/>
-            <a:ext cx="526943" cy="425834"/>
-          </a:xfrm>
-          <a:prstGeom prst="hexagon">
-            <a:avLst/>
-          </a:prstGeom>
-          <a:solidFill>
-            <a:schemeClr val="bg2"/>
-          </a:solidFill>
-          <a:ln>
-            <a:solidFill>
-              <a:schemeClr val="bg2"/>
-            </a:solidFill>
-          </a:ln>
-        </p:spPr>
-        <p:style>
-          <a:lnRef idx="2">
-            <a:schemeClr val="accent1">
-              <a:shade val="50000"/>
-            </a:schemeClr>
-          </a:lnRef>
-          <a:fillRef idx="1">
-            <a:schemeClr val="accent1"/>
-          </a:fillRef>
-          <a:effectRef idx="0">
-            <a:schemeClr val="accent1"/>
-          </a:effectRef>
-          <a:fontRef idx="minor">
-            <a:schemeClr val="lt1"/>
-          </a:fontRef>
-        </p:style>
-        <p:txBody>
-          <a:bodyPr rtlCol="0" anchor="ctr"/>
-          <a:lstStyle/>
-          <a:p>
-            <a:pPr algn="ctr"/>
-            <a:endParaRPr lang="en-NL"/>
-          </a:p>
-        </p:txBody>
-      </p:sp>
-      <p:sp>
-        <p:nvSpPr>
-          <p:cNvPr id="27" name="Hexagon 26">
-            <a:extLst>
-              <a:ext uri="{FF2B5EF4-FFF2-40B4-BE49-F238E27FC236}">
-                <a16:creationId xmlns:a16="http://schemas.microsoft.com/office/drawing/2014/main" id="{718BA15D-DE98-8D43-9A3F-36F37A37AF2D}"/>
-              </a:ext>
-            </a:extLst>
-          </p:cNvPr>
-          <p:cNvSpPr/>
-          <p:nvPr/>
-        </p:nvSpPr>
-        <p:spPr>
-          <a:xfrm>
-            <a:off x="-271676" y="2432230"/>
-            <a:ext cx="526943" cy="425834"/>
-          </a:xfrm>
-          <a:prstGeom prst="hexagon">
-            <a:avLst/>
-          </a:prstGeom>
-          <a:solidFill>
-            <a:schemeClr val="bg2"/>
-          </a:solidFill>
-          <a:ln>
-            <a:solidFill>
-              <a:schemeClr val="bg2"/>
-            </a:solidFill>
-          </a:ln>
-        </p:spPr>
-        <p:style>
-          <a:lnRef idx="2">
-            <a:schemeClr val="accent1">
-              <a:shade val="50000"/>
-            </a:schemeClr>
-          </a:lnRef>
-          <a:fillRef idx="1">
-            <a:schemeClr val="accent1"/>
-          </a:fillRef>
-          <a:effectRef idx="0">
-            <a:schemeClr val="accent1"/>
-          </a:effectRef>
-          <a:fontRef idx="minor">
-            <a:schemeClr val="lt1"/>
-          </a:fontRef>
-        </p:style>
-        <p:txBody>
-          <a:bodyPr rtlCol="0" anchor="ctr"/>
-          <a:lstStyle/>
-          <a:p>
-            <a:pPr algn="ctr"/>
-            <a:endParaRPr lang="en-NL"/>
-          </a:p>
-        </p:txBody>
-      </p:sp>
-      <p:sp>
-        <p:nvSpPr>
-          <p:cNvPr id="28" name="Hexagon 27">
-            <a:extLst>
-              <a:ext uri="{FF2B5EF4-FFF2-40B4-BE49-F238E27FC236}">
-                <a16:creationId xmlns:a16="http://schemas.microsoft.com/office/drawing/2014/main" id="{5EF61F84-17B4-324C-9CD3-E07B3D18F12C}"/>
-              </a:ext>
-            </a:extLst>
-          </p:cNvPr>
-          <p:cNvSpPr/>
-          <p:nvPr/>
-        </p:nvSpPr>
-        <p:spPr>
-          <a:xfrm>
-            <a:off x="-269625" y="2949651"/>
-            <a:ext cx="526943" cy="425834"/>
-          </a:xfrm>
-          <a:prstGeom prst="hexagon">
-            <a:avLst/>
-          </a:prstGeom>
-          <a:solidFill>
-            <a:schemeClr val="bg2"/>
-          </a:solidFill>
-          <a:ln>
-            <a:solidFill>
-              <a:schemeClr val="bg2"/>
-            </a:solidFill>
-          </a:ln>
-        </p:spPr>
-        <p:style>
-          <a:lnRef idx="2">
-            <a:schemeClr val="accent1">
-              <a:shade val="50000"/>
-            </a:schemeClr>
-          </a:lnRef>
-          <a:fillRef idx="1">
-            <a:schemeClr val="accent1"/>
-          </a:fillRef>
-          <a:effectRef idx="0">
-            <a:schemeClr val="accent1"/>
-          </a:effectRef>
-          <a:fontRef idx="minor">
-            <a:schemeClr val="lt1"/>
-          </a:fontRef>
-        </p:style>
-        <p:txBody>
-          <a:bodyPr rtlCol="0" anchor="ctr"/>
-          <a:lstStyle/>
-          <a:p>
-            <a:pPr algn="ctr"/>
-            <a:endParaRPr lang="en-NL"/>
-          </a:p>
-        </p:txBody>
-      </p:sp>
-      <p:sp>
-        <p:nvSpPr>
-          <p:cNvPr id="29" name="Hexagon 28">
-            <a:extLst>
-              <a:ext uri="{FF2B5EF4-FFF2-40B4-BE49-F238E27FC236}">
-                <a16:creationId xmlns:a16="http://schemas.microsoft.com/office/drawing/2014/main" id="{6099D7E0-C13A-7847-84ED-EA0C5524E554}"/>
-              </a:ext>
-            </a:extLst>
-          </p:cNvPr>
-          <p:cNvSpPr/>
-          <p:nvPr/>
-        </p:nvSpPr>
-        <p:spPr>
-          <a:xfrm>
-            <a:off x="-273727" y="3464534"/>
-            <a:ext cx="526943" cy="425834"/>
-          </a:xfrm>
-          <a:prstGeom prst="hexagon">
-            <a:avLst/>
-          </a:prstGeom>
-          <a:solidFill>
-            <a:schemeClr val="bg2"/>
-          </a:solidFill>
-          <a:ln>
-            <a:solidFill>
-              <a:schemeClr val="bg2"/>
-            </a:solidFill>
-          </a:ln>
-        </p:spPr>
-        <p:style>
-          <a:lnRef idx="2">
-            <a:schemeClr val="accent1">
-              <a:shade val="50000"/>
-            </a:schemeClr>
-          </a:lnRef>
-          <a:fillRef idx="1">
-            <a:schemeClr val="accent1"/>
-          </a:fillRef>
-          <a:effectRef idx="0">
-            <a:schemeClr val="accent1"/>
-          </a:effectRef>
-          <a:fontRef idx="minor">
-            <a:schemeClr val="lt1"/>
-          </a:fontRef>
-        </p:style>
-        <p:txBody>
-          <a:bodyPr rtlCol="0" anchor="ctr"/>
-          <a:lstStyle/>
-          <a:p>
-            <a:pPr algn="ctr"/>
-            <a:endParaRPr lang="en-NL"/>
-          </a:p>
-        </p:txBody>
-      </p:sp>
-      <p:sp>
-        <p:nvSpPr>
-          <p:cNvPr id="30" name="Hexagon 29">
-            <a:extLst>
-              <a:ext uri="{FF2B5EF4-FFF2-40B4-BE49-F238E27FC236}">
-                <a16:creationId xmlns:a16="http://schemas.microsoft.com/office/drawing/2014/main" id="{920910FA-5581-F04C-9A39-2A4938FE8099}"/>
-              </a:ext>
-            </a:extLst>
-          </p:cNvPr>
-          <p:cNvSpPr/>
-          <p:nvPr/>
-        </p:nvSpPr>
-        <p:spPr>
-          <a:xfrm>
-            <a:off x="-263472" y="3976879"/>
-            <a:ext cx="526943" cy="425834"/>
-          </a:xfrm>
-          <a:prstGeom prst="hexagon">
-            <a:avLst/>
-          </a:prstGeom>
-          <a:solidFill>
-            <a:schemeClr val="bg2"/>
-          </a:solidFill>
-          <a:ln>
-            <a:solidFill>
-              <a:schemeClr val="bg2"/>
-            </a:solidFill>
-          </a:ln>
-        </p:spPr>
-        <p:style>
-          <a:lnRef idx="2">
-            <a:schemeClr val="accent1">
-              <a:shade val="50000"/>
-            </a:schemeClr>
-          </a:lnRef>
-          <a:fillRef idx="1">
-            <a:schemeClr val="accent1"/>
-          </a:fillRef>
-          <a:effectRef idx="0">
-            <a:schemeClr val="accent1"/>
-          </a:effectRef>
-          <a:fontRef idx="minor">
-            <a:schemeClr val="lt1"/>
-          </a:fontRef>
-        </p:style>
-        <p:txBody>
-          <a:bodyPr rtlCol="0" anchor="ctr"/>
-          <a:lstStyle/>
-          <a:p>
-            <a:pPr algn="ctr"/>
-            <a:endParaRPr lang="en-NL"/>
-          </a:p>
-        </p:txBody>
-      </p:sp>
-      <p:sp>
-        <p:nvSpPr>
-          <p:cNvPr id="31" name="Hexagon 30">
-            <a:extLst>
-              <a:ext uri="{FF2B5EF4-FFF2-40B4-BE49-F238E27FC236}">
-                <a16:creationId xmlns:a16="http://schemas.microsoft.com/office/drawing/2014/main" id="{8BBDE08F-BA25-4943-9CD6-08F91133CB36}"/>
-              </a:ext>
-            </a:extLst>
-          </p:cNvPr>
-          <p:cNvSpPr/>
-          <p:nvPr/>
-        </p:nvSpPr>
-        <p:spPr>
-          <a:xfrm>
-            <a:off x="7276165" y="887581"/>
-            <a:ext cx="526943" cy="425834"/>
-          </a:xfrm>
-          <a:prstGeom prst="hexagon">
-            <a:avLst/>
-          </a:prstGeom>
-          <a:solidFill>
-            <a:schemeClr val="bg2"/>
-          </a:solidFill>
-          <a:ln>
-            <a:solidFill>
-              <a:schemeClr val="bg2"/>
-            </a:solidFill>
-          </a:ln>
-        </p:spPr>
-        <p:style>
-          <a:lnRef idx="2">
-            <a:schemeClr val="accent1">
-              <a:shade val="50000"/>
-            </a:schemeClr>
-          </a:lnRef>
-          <a:fillRef idx="1">
-            <a:schemeClr val="accent1"/>
-          </a:fillRef>
-          <a:effectRef idx="0">
-            <a:schemeClr val="accent1"/>
-          </a:effectRef>
-          <a:fontRef idx="minor">
-            <a:schemeClr val="lt1"/>
-          </a:fontRef>
-        </p:style>
-        <p:txBody>
-          <a:bodyPr rtlCol="0" anchor="ctr"/>
-          <a:lstStyle/>
-          <a:p>
-            <a:pPr algn="ctr"/>
-            <a:endParaRPr lang="en-NL"/>
-          </a:p>
-        </p:txBody>
-      </p:sp>
-      <p:sp>
-        <p:nvSpPr>
-          <p:cNvPr id="32" name="Hexagon 31">
-            <a:extLst>
-              <a:ext uri="{FF2B5EF4-FFF2-40B4-BE49-F238E27FC236}">
-                <a16:creationId xmlns:a16="http://schemas.microsoft.com/office/drawing/2014/main" id="{1FBA123F-FD40-8849-9469-AF75E6B929B7}"/>
-              </a:ext>
-            </a:extLst>
-          </p:cNvPr>
-          <p:cNvSpPr/>
-          <p:nvPr/>
-        </p:nvSpPr>
-        <p:spPr>
-          <a:xfrm>
-            <a:off x="7272063" y="1402464"/>
-            <a:ext cx="526943" cy="425834"/>
-          </a:xfrm>
-          <a:prstGeom prst="hexagon">
-            <a:avLst/>
-          </a:prstGeom>
-          <a:solidFill>
-            <a:schemeClr val="bg2"/>
-          </a:solidFill>
-          <a:ln>
-            <a:solidFill>
-              <a:schemeClr val="bg2"/>
-            </a:solidFill>
-          </a:ln>
-        </p:spPr>
-        <p:style>
-          <a:lnRef idx="2">
-            <a:schemeClr val="accent1">
-              <a:shade val="50000"/>
-            </a:schemeClr>
-          </a:lnRef>
-          <a:fillRef idx="1">
-            <a:schemeClr val="accent1"/>
-          </a:fillRef>
-          <a:effectRef idx="0">
-            <a:schemeClr val="accent1"/>
-          </a:effectRef>
-          <a:fontRef idx="minor">
-            <a:schemeClr val="lt1"/>
-          </a:fontRef>
-        </p:style>
-        <p:txBody>
-          <a:bodyPr rtlCol="0" anchor="ctr"/>
-          <a:lstStyle/>
-          <a:p>
-            <a:pPr algn="ctr"/>
-            <a:endParaRPr lang="en-NL"/>
-          </a:p>
-        </p:txBody>
-      </p:sp>
-      <p:sp>
-        <p:nvSpPr>
-          <p:cNvPr id="33" name="Hexagon 32">
-            <a:extLst>
-              <a:ext uri="{FF2B5EF4-FFF2-40B4-BE49-F238E27FC236}">
-                <a16:creationId xmlns:a16="http://schemas.microsoft.com/office/drawing/2014/main" id="{A5F73996-9447-1848-B658-78DFF6A9C779}"/>
-              </a:ext>
-            </a:extLst>
-          </p:cNvPr>
-          <p:cNvSpPr/>
-          <p:nvPr/>
-        </p:nvSpPr>
-        <p:spPr>
-          <a:xfrm>
-            <a:off x="7272063" y="1917347"/>
-            <a:ext cx="526943" cy="425834"/>
-          </a:xfrm>
-          <a:prstGeom prst="hexagon">
-            <a:avLst/>
-          </a:prstGeom>
-          <a:solidFill>
-            <a:schemeClr val="bg2"/>
-          </a:solidFill>
-          <a:ln>
-            <a:solidFill>
-              <a:schemeClr val="bg2"/>
-            </a:solidFill>
-          </a:ln>
-        </p:spPr>
-        <p:style>
-          <a:lnRef idx="2">
-            <a:schemeClr val="accent1">
-              <a:shade val="50000"/>
-            </a:schemeClr>
-          </a:lnRef>
-          <a:fillRef idx="1">
-            <a:schemeClr val="accent1"/>
-          </a:fillRef>
-          <a:effectRef idx="0">
-            <a:schemeClr val="accent1"/>
-          </a:effectRef>
-          <a:fontRef idx="minor">
-            <a:schemeClr val="lt1"/>
-          </a:fontRef>
-        </p:style>
-        <p:txBody>
-          <a:bodyPr rtlCol="0" anchor="ctr"/>
-          <a:lstStyle/>
-          <a:p>
-            <a:pPr algn="ctr"/>
-            <a:endParaRPr lang="en-NL"/>
-          </a:p>
-        </p:txBody>
-      </p:sp>
-      <p:sp>
-        <p:nvSpPr>
-          <p:cNvPr id="34" name="Hexagon 33">
-            <a:extLst>
-              <a:ext uri="{FF2B5EF4-FFF2-40B4-BE49-F238E27FC236}">
-                <a16:creationId xmlns:a16="http://schemas.microsoft.com/office/drawing/2014/main" id="{275693F2-68C2-3E4F-BA5E-B253F0E64904}"/>
-              </a:ext>
-            </a:extLst>
-          </p:cNvPr>
-          <p:cNvSpPr/>
-          <p:nvPr/>
-        </p:nvSpPr>
-        <p:spPr>
-          <a:xfrm>
-            <a:off x="7267961" y="2432230"/>
-            <a:ext cx="526943" cy="425834"/>
-          </a:xfrm>
-          <a:prstGeom prst="hexagon">
-            <a:avLst/>
-          </a:prstGeom>
-          <a:solidFill>
-            <a:schemeClr val="bg2"/>
-          </a:solidFill>
-          <a:ln>
-            <a:solidFill>
-              <a:schemeClr val="bg2"/>
-            </a:solidFill>
-          </a:ln>
-        </p:spPr>
-        <p:style>
-          <a:lnRef idx="2">
-            <a:schemeClr val="accent1">
-              <a:shade val="50000"/>
-            </a:schemeClr>
-          </a:lnRef>
-          <a:fillRef idx="1">
-            <a:schemeClr val="accent1"/>
-          </a:fillRef>
-          <a:effectRef idx="0">
-            <a:schemeClr val="accent1"/>
-          </a:effectRef>
-          <a:fontRef idx="minor">
-            <a:schemeClr val="lt1"/>
-          </a:fontRef>
-        </p:style>
-        <p:txBody>
-          <a:bodyPr rtlCol="0" anchor="ctr"/>
-          <a:lstStyle/>
-          <a:p>
-            <a:pPr algn="ctr"/>
-            <a:endParaRPr lang="en-NL"/>
-          </a:p>
-        </p:txBody>
-      </p:sp>
-      <p:sp>
-        <p:nvSpPr>
-          <p:cNvPr id="35" name="Hexagon 34">
-            <a:extLst>
-              <a:ext uri="{FF2B5EF4-FFF2-40B4-BE49-F238E27FC236}">
-                <a16:creationId xmlns:a16="http://schemas.microsoft.com/office/drawing/2014/main" id="{0037A2A0-8D75-B940-835C-26E592882C69}"/>
-              </a:ext>
-            </a:extLst>
-          </p:cNvPr>
-          <p:cNvSpPr/>
-          <p:nvPr/>
-        </p:nvSpPr>
-        <p:spPr>
-          <a:xfrm>
-            <a:off x="7270012" y="2949651"/>
-            <a:ext cx="526943" cy="425834"/>
-          </a:xfrm>
-          <a:prstGeom prst="hexagon">
-            <a:avLst/>
-          </a:prstGeom>
-          <a:solidFill>
-            <a:schemeClr val="bg2"/>
-          </a:solidFill>
-          <a:ln>
-            <a:solidFill>
-              <a:schemeClr val="bg2"/>
-            </a:solidFill>
-          </a:ln>
-        </p:spPr>
-        <p:style>
-          <a:lnRef idx="2">
-            <a:schemeClr val="accent1">
-              <a:shade val="50000"/>
-            </a:schemeClr>
-          </a:lnRef>
-          <a:fillRef idx="1">
-            <a:schemeClr val="accent1"/>
-          </a:fillRef>
-          <a:effectRef idx="0">
-            <a:schemeClr val="accent1"/>
-          </a:effectRef>
-          <a:fontRef idx="minor">
-            <a:schemeClr val="lt1"/>
-          </a:fontRef>
-        </p:style>
-        <p:txBody>
-          <a:bodyPr rtlCol="0" anchor="ctr"/>
-          <a:lstStyle/>
-          <a:p>
-            <a:pPr algn="ctr"/>
-            <a:endParaRPr lang="en-NL"/>
-          </a:p>
-        </p:txBody>
-      </p:sp>
-      <p:sp>
-        <p:nvSpPr>
-          <p:cNvPr id="36" name="Hexagon 35">
-            <a:extLst>
-              <a:ext uri="{FF2B5EF4-FFF2-40B4-BE49-F238E27FC236}">
-                <a16:creationId xmlns:a16="http://schemas.microsoft.com/office/drawing/2014/main" id="{34ABA7B3-653A-E24D-B127-F6F5AEBE2C7B}"/>
-              </a:ext>
-            </a:extLst>
-          </p:cNvPr>
-          <p:cNvSpPr/>
-          <p:nvPr/>
-        </p:nvSpPr>
-        <p:spPr>
-          <a:xfrm>
-            <a:off x="7265910" y="3464534"/>
-            <a:ext cx="526943" cy="425834"/>
-          </a:xfrm>
-          <a:prstGeom prst="hexagon">
-            <a:avLst/>
-          </a:prstGeom>
-          <a:solidFill>
-            <a:schemeClr val="bg2"/>
-          </a:solidFill>
-          <a:ln>
-            <a:solidFill>
-              <a:schemeClr val="bg2"/>
-            </a:solidFill>
-          </a:ln>
-        </p:spPr>
-        <p:style>
-          <a:lnRef idx="2">
-            <a:schemeClr val="accent1">
-              <a:shade val="50000"/>
-            </a:schemeClr>
-          </a:lnRef>
-          <a:fillRef idx="1">
-            <a:schemeClr val="accent1"/>
-          </a:fillRef>
-          <a:effectRef idx="0">
-            <a:schemeClr val="accent1"/>
-          </a:effectRef>
-          <a:fontRef idx="minor">
-            <a:schemeClr val="lt1"/>
-          </a:fontRef>
-        </p:style>
-        <p:txBody>
-          <a:bodyPr rtlCol="0" anchor="ctr"/>
-          <a:lstStyle/>
-          <a:p>
-            <a:pPr algn="ctr"/>
-            <a:endParaRPr lang="en-NL"/>
-          </a:p>
-        </p:txBody>
-      </p:sp>
-      <p:sp>
-        <p:nvSpPr>
-          <p:cNvPr id="37" name="Hexagon 36">
-            <a:extLst>
-              <a:ext uri="{FF2B5EF4-FFF2-40B4-BE49-F238E27FC236}">
-                <a16:creationId xmlns:a16="http://schemas.microsoft.com/office/drawing/2014/main" id="{980F8705-E6AE-3E4B-9146-F98BFFE8E753}"/>
-              </a:ext>
-            </a:extLst>
-          </p:cNvPr>
-          <p:cNvSpPr/>
-          <p:nvPr/>
-        </p:nvSpPr>
-        <p:spPr>
-          <a:xfrm>
-            <a:off x="7276165" y="3976879"/>
-            <a:ext cx="526943" cy="425834"/>
-          </a:xfrm>
-          <a:prstGeom prst="hexagon">
-            <a:avLst/>
-          </a:prstGeom>
-          <a:solidFill>
-            <a:schemeClr val="bg2"/>
-          </a:solidFill>
-          <a:ln>
-            <a:solidFill>
-              <a:schemeClr val="bg2"/>
-            </a:solidFill>
-          </a:ln>
-        </p:spPr>
-        <p:style>
-          <a:lnRef idx="2">
-            <a:schemeClr val="accent1">
-              <a:shade val="50000"/>
-            </a:schemeClr>
-          </a:lnRef>
-          <a:fillRef idx="1">
-            <a:schemeClr val="accent1"/>
-          </a:fillRef>
-          <a:effectRef idx="0">
-            <a:schemeClr val="accent1"/>
-          </a:effectRef>
-          <a:fontRef idx="minor">
-            <a:schemeClr val="lt1"/>
-          </a:fontRef>
-        </p:style>
-        <p:txBody>
-          <a:bodyPr rtlCol="0" anchor="ctr"/>
-          <a:lstStyle/>
-          <a:p>
-            <a:pPr algn="ctr"/>
-            <a:endParaRPr lang="en-NL"/>
-          </a:p>
-        </p:txBody>
-      </p:sp>
-    </p:spTree>
-    <p:extLst>
-      <p:ext uri="{BB962C8B-B14F-4D97-AF65-F5344CB8AC3E}">
-        <p14:creationId xmlns:p14="http://schemas.microsoft.com/office/powerpoint/2010/main" val="3863189371"/>
-      </p:ext>
-    </p:extLst>
-  </p:cSld>
-  <p:clrMapOvr>
-    <a:masterClrMapping/>
-  </p:clrMapOvr>
-</p:sld>
-</file>
-
-<file path=ppt/slides/slide50.xml><?xml version="1.0" encoding="utf-8"?>
+<file path=ppt/slides/slide52.xml><?xml version="1.0" encoding="utf-8"?>
 <p:sld xmlns:a="http://schemas.openxmlformats.org/drawingml/2006/main" xmlns:r="http://schemas.openxmlformats.org/officeDocument/2006/relationships" xmlns:p="http://schemas.openxmlformats.org/presentationml/2006/main">
   <p:cSld>
     <p:spTree>
@@ -17152,7 +17723,7 @@
 </p:sld>
 </file>
 
-<file path=ppt/slides/slide51.xml><?xml version="1.0" encoding="utf-8"?>
+<file path=ppt/slides/slide53.xml><?xml version="1.0" encoding="utf-8"?>
 <p:sld xmlns:a="http://schemas.openxmlformats.org/drawingml/2006/main" xmlns:r="http://schemas.openxmlformats.org/officeDocument/2006/relationships" xmlns:p="http://schemas.openxmlformats.org/presentationml/2006/main">
   <p:cSld>
     <p:spTree>
@@ -17472,7 +18043,7 @@
 </p:sld>
 </file>
 
-<file path=ppt/slides/slide52.xml><?xml version="1.0" encoding="utf-8"?>
+<file path=ppt/slides/slide54.xml><?xml version="1.0" encoding="utf-8"?>
 <p:sld xmlns:a="http://schemas.openxmlformats.org/drawingml/2006/main" xmlns:r="http://schemas.openxmlformats.org/officeDocument/2006/relationships" xmlns:p="http://schemas.openxmlformats.org/presentationml/2006/main">
   <p:cSld>
     <p:spTree>
@@ -17641,7 +18212,7 @@
 </p:sld>
 </file>
 
-<file path=ppt/slides/slide53.xml><?xml version="1.0" encoding="utf-8"?>
+<file path=ppt/slides/slide55.xml><?xml version="1.0" encoding="utf-8"?>
 <p:sld xmlns:a="http://schemas.openxmlformats.org/drawingml/2006/main" xmlns:r="http://schemas.openxmlformats.org/officeDocument/2006/relationships" xmlns:p="http://schemas.openxmlformats.org/presentationml/2006/main">
   <p:cSld>
     <p:spTree>
@@ -17961,7 +18532,7 @@
 </p:sld>
 </file>
 
-<file path=ppt/slides/slide54.xml><?xml version="1.0" encoding="utf-8"?>
+<file path=ppt/slides/slide56.xml><?xml version="1.0" encoding="utf-8"?>
 <p:sld xmlns:a="http://schemas.openxmlformats.org/drawingml/2006/main" xmlns:r="http://schemas.openxmlformats.org/officeDocument/2006/relationships" xmlns:p="http://schemas.openxmlformats.org/presentationml/2006/main">
   <p:cSld>
     <p:spTree>
@@ -18130,7 +18701,7 @@
 </p:sld>
 </file>
 
-<file path=ppt/slides/slide55.xml><?xml version="1.0" encoding="utf-8"?>
+<file path=ppt/slides/slide57.xml><?xml version="1.0" encoding="utf-8"?>
 <p:sld xmlns:a="http://schemas.openxmlformats.org/drawingml/2006/main" xmlns:r="http://schemas.openxmlformats.org/officeDocument/2006/relationships" xmlns:p="http://schemas.openxmlformats.org/presentationml/2006/main">
   <p:cSld>
     <p:spTree>
@@ -18438,7 +19009,7 @@
 </p:sld>
 </file>
 
-<file path=ppt/slides/slide56.xml><?xml version="1.0" encoding="utf-8"?>
+<file path=ppt/slides/slide58.xml><?xml version="1.0" encoding="utf-8"?>
 <p:sld xmlns:a="http://schemas.openxmlformats.org/drawingml/2006/main" xmlns:r="http://schemas.openxmlformats.org/officeDocument/2006/relationships" xmlns:p="http://schemas.openxmlformats.org/presentationml/2006/main">
   <p:cSld>
     <p:spTree>
@@ -18607,7 +19178,7 @@
 </p:sld>
 </file>
 
-<file path=ppt/slides/slide57.xml><?xml version="1.0" encoding="utf-8"?>
+<file path=ppt/slides/slide59.xml><?xml version="1.0" encoding="utf-8"?>
 <p:sld xmlns:a="http://schemas.openxmlformats.org/drawingml/2006/main" xmlns:r="http://schemas.openxmlformats.org/officeDocument/2006/relationships" xmlns:p="http://schemas.openxmlformats.org/presentationml/2006/main">
   <p:cSld>
     <p:spTree>
@@ -18915,7 +19486,7 @@
 </p:sld>
 </file>
 
-<file path=ppt/slides/slide58.xml><?xml version="1.0" encoding="utf-8"?>
+<file path=ppt/slides/slide6.xml><?xml version="1.0" encoding="utf-8"?>
 <p:sld xmlns:a="http://schemas.openxmlformats.org/drawingml/2006/main" xmlns:r="http://schemas.openxmlformats.org/officeDocument/2006/relationships" xmlns:p="http://schemas.openxmlformats.org/presentationml/2006/main">
   <p:cSld>
     <p:spTree>
@@ -19074,6 +19645,175 @@
     </p:spTree>
     <p:extLst>
       <p:ext uri="{BB962C8B-B14F-4D97-AF65-F5344CB8AC3E}">
+        <p14:creationId xmlns:p14="http://schemas.microsoft.com/office/powerpoint/2010/main" val="1452892043"/>
+      </p:ext>
+    </p:extLst>
+  </p:cSld>
+  <p:clrMapOvr>
+    <a:masterClrMapping/>
+  </p:clrMapOvr>
+</p:sld>
+</file>
+
+<file path=ppt/slides/slide60.xml><?xml version="1.0" encoding="utf-8"?>
+<p:sld xmlns:a="http://schemas.openxmlformats.org/drawingml/2006/main" xmlns:r="http://schemas.openxmlformats.org/officeDocument/2006/relationships" xmlns:p="http://schemas.openxmlformats.org/presentationml/2006/main">
+  <p:cSld>
+    <p:spTree>
+      <p:nvGrpSpPr>
+        <p:cNvPr id="1" name=""/>
+        <p:cNvGrpSpPr/>
+        <p:nvPr/>
+      </p:nvGrpSpPr>
+      <p:grpSpPr>
+        <a:xfrm>
+          <a:off x="0" y="0"/>
+          <a:ext cx="0" cy="0"/>
+          <a:chOff x="0" y="0"/>
+          <a:chExt cx="0" cy="0"/>
+        </a:xfrm>
+      </p:grpSpPr>
+      <p:sp>
+        <p:nvSpPr>
+          <p:cNvPr id="2" name="Title 1">
+            <a:extLst>
+              <a:ext uri="{FF2B5EF4-FFF2-40B4-BE49-F238E27FC236}">
+                <a16:creationId xmlns:a16="http://schemas.microsoft.com/office/drawing/2014/main" id="{CFCDF3DA-1D3D-E743-8E21-6B353B4D96A4}"/>
+              </a:ext>
+            </a:extLst>
+          </p:cNvPr>
+          <p:cNvSpPr>
+            <a:spLocks noGrp="1"/>
+          </p:cNvSpPr>
+          <p:nvPr>
+            <p:ph type="title"/>
+          </p:nvPr>
+        </p:nvSpPr>
+        <p:spPr/>
+        <p:txBody>
+          <a:bodyPr/>
+          <a:lstStyle/>
+          <a:p>
+            <a:endParaRPr lang="en-NL"/>
+          </a:p>
+        </p:txBody>
+      </p:sp>
+      <p:sp>
+        <p:nvSpPr>
+          <p:cNvPr id="3" name="Content Placeholder 2">
+            <a:extLst>
+              <a:ext uri="{FF2B5EF4-FFF2-40B4-BE49-F238E27FC236}">
+                <a16:creationId xmlns:a16="http://schemas.microsoft.com/office/drawing/2014/main" id="{40A525DA-CA85-AD48-8A85-52A75E1E5317}"/>
+              </a:ext>
+            </a:extLst>
+          </p:cNvPr>
+          <p:cNvSpPr>
+            <a:spLocks noGrp="1"/>
+          </p:cNvSpPr>
+          <p:nvPr>
+            <p:ph idx="1"/>
+          </p:nvPr>
+        </p:nvSpPr>
+        <p:spPr/>
+        <p:txBody>
+          <a:bodyPr/>
+          <a:lstStyle/>
+          <a:p>
+            <a:endParaRPr lang="en-NL"/>
+          </a:p>
+        </p:txBody>
+      </p:sp>
+      <p:sp>
+        <p:nvSpPr>
+          <p:cNvPr id="4" name="Rounded Rectangle 3">
+            <a:extLst>
+              <a:ext uri="{FF2B5EF4-FFF2-40B4-BE49-F238E27FC236}">
+                <a16:creationId xmlns:a16="http://schemas.microsoft.com/office/drawing/2014/main" id="{6B890BB6-3544-1A4E-A833-93135A597BB4}"/>
+              </a:ext>
+            </a:extLst>
+          </p:cNvPr>
+          <p:cNvSpPr/>
+          <p:nvPr/>
+        </p:nvSpPr>
+        <p:spPr>
+          <a:xfrm>
+            <a:off x="0" y="0"/>
+            <a:ext cx="7559675" cy="5327650"/>
+          </a:xfrm>
+          <a:prstGeom prst="roundRect">
+            <a:avLst>
+              <a:gd name="adj" fmla="val 0"/>
+            </a:avLst>
+          </a:prstGeom>
+          <a:blipFill>
+            <a:blip r:embed="rId2"/>
+            <a:stretch>
+              <a:fillRect/>
+            </a:stretch>
+          </a:blipFill>
+          <a:ln>
+            <a:solidFill>
+              <a:schemeClr val="bg2"/>
+            </a:solidFill>
+          </a:ln>
+        </p:spPr>
+        <p:style>
+          <a:lnRef idx="2">
+            <a:schemeClr val="accent1">
+              <a:shade val="50000"/>
+            </a:schemeClr>
+          </a:lnRef>
+          <a:fillRef idx="1">
+            <a:schemeClr val="accent1"/>
+          </a:fillRef>
+          <a:effectRef idx="0">
+            <a:schemeClr val="accent1"/>
+          </a:effectRef>
+          <a:fontRef idx="minor">
+            <a:schemeClr val="lt1"/>
+          </a:fontRef>
+        </p:style>
+        <p:txBody>
+          <a:bodyPr rtlCol="0" anchor="ctr"/>
+          <a:lstStyle/>
+          <a:p>
+            <a:pPr algn="ctr"/>
+            <a:endParaRPr lang="en-NL"/>
+          </a:p>
+        </p:txBody>
+      </p:sp>
+      <p:pic>
+        <p:nvPicPr>
+          <p:cNvPr id="5" name="Picture 4" descr="A picture containing food, drawing&#10;&#10;Description automatically generated">
+            <a:extLst>
+              <a:ext uri="{FF2B5EF4-FFF2-40B4-BE49-F238E27FC236}">
+                <a16:creationId xmlns:a16="http://schemas.microsoft.com/office/drawing/2014/main" id="{27611709-3190-2A4B-BCE4-4D329000A8EB}"/>
+              </a:ext>
+            </a:extLst>
+          </p:cNvPr>
+          <p:cNvPicPr>
+            <a:picLocks noChangeAspect="1"/>
+          </p:cNvPicPr>
+          <p:nvPr/>
+        </p:nvPicPr>
+        <p:blipFill>
+          <a:blip r:embed="rId3"/>
+          <a:stretch>
+            <a:fillRect/>
+          </a:stretch>
+        </p:blipFill>
+        <p:spPr>
+          <a:xfrm>
+            <a:off x="350837" y="-765175"/>
+            <a:ext cx="6858000" cy="6858000"/>
+          </a:xfrm>
+          <a:prstGeom prst="rect">
+            <a:avLst/>
+          </a:prstGeom>
+        </p:spPr>
+      </p:pic>
+    </p:spTree>
+    <p:extLst>
+      <p:ext uri="{BB962C8B-B14F-4D97-AF65-F5344CB8AC3E}">
         <p14:creationId xmlns:p14="http://schemas.microsoft.com/office/powerpoint/2010/main" val="2967010011"/>
       </p:ext>
     </p:extLst>
@@ -19084,7 +19824,7 @@
 </p:sld>
 </file>
 
-<file path=ppt/slides/slide59.xml><?xml version="1.0" encoding="utf-8"?>
+<file path=ppt/slides/slide61.xml><?xml version="1.0" encoding="utf-8"?>
 <p:sld xmlns:a="http://schemas.openxmlformats.org/drawingml/2006/main" xmlns:r="http://schemas.openxmlformats.org/officeDocument/2006/relationships" xmlns:p="http://schemas.openxmlformats.org/presentationml/2006/main">
   <p:cSld>
     <p:spTree>
@@ -19404,7 +20144,7 @@
 </p:sld>
 </file>
 
-<file path=ppt/slides/slide6.xml><?xml version="1.0" encoding="utf-8"?>
+<file path=ppt/slides/slide62.xml><?xml version="1.0" encoding="utf-8"?>
 <p:sld xmlns:a="http://schemas.openxmlformats.org/drawingml/2006/main" xmlns:r="http://schemas.openxmlformats.org/officeDocument/2006/relationships" xmlns:p="http://schemas.openxmlformats.org/presentationml/2006/main">
   <p:cSld>
     <p:spTree>
@@ -19563,175 +20303,6 @@
     </p:spTree>
     <p:extLst>
       <p:ext uri="{BB962C8B-B14F-4D97-AF65-F5344CB8AC3E}">
-        <p14:creationId xmlns:p14="http://schemas.microsoft.com/office/powerpoint/2010/main" val="1452892043"/>
-      </p:ext>
-    </p:extLst>
-  </p:cSld>
-  <p:clrMapOvr>
-    <a:masterClrMapping/>
-  </p:clrMapOvr>
-</p:sld>
-</file>
-
-<file path=ppt/slides/slide60.xml><?xml version="1.0" encoding="utf-8"?>
-<p:sld xmlns:a="http://schemas.openxmlformats.org/drawingml/2006/main" xmlns:r="http://schemas.openxmlformats.org/officeDocument/2006/relationships" xmlns:p="http://schemas.openxmlformats.org/presentationml/2006/main">
-  <p:cSld>
-    <p:spTree>
-      <p:nvGrpSpPr>
-        <p:cNvPr id="1" name=""/>
-        <p:cNvGrpSpPr/>
-        <p:nvPr/>
-      </p:nvGrpSpPr>
-      <p:grpSpPr>
-        <a:xfrm>
-          <a:off x="0" y="0"/>
-          <a:ext cx="0" cy="0"/>
-          <a:chOff x="0" y="0"/>
-          <a:chExt cx="0" cy="0"/>
-        </a:xfrm>
-      </p:grpSpPr>
-      <p:sp>
-        <p:nvSpPr>
-          <p:cNvPr id="2" name="Title 1">
-            <a:extLst>
-              <a:ext uri="{FF2B5EF4-FFF2-40B4-BE49-F238E27FC236}">
-                <a16:creationId xmlns:a16="http://schemas.microsoft.com/office/drawing/2014/main" id="{CFCDF3DA-1D3D-E743-8E21-6B353B4D96A4}"/>
-              </a:ext>
-            </a:extLst>
-          </p:cNvPr>
-          <p:cNvSpPr>
-            <a:spLocks noGrp="1"/>
-          </p:cNvSpPr>
-          <p:nvPr>
-            <p:ph type="title"/>
-          </p:nvPr>
-        </p:nvSpPr>
-        <p:spPr/>
-        <p:txBody>
-          <a:bodyPr/>
-          <a:lstStyle/>
-          <a:p>
-            <a:endParaRPr lang="en-NL"/>
-          </a:p>
-        </p:txBody>
-      </p:sp>
-      <p:sp>
-        <p:nvSpPr>
-          <p:cNvPr id="3" name="Content Placeholder 2">
-            <a:extLst>
-              <a:ext uri="{FF2B5EF4-FFF2-40B4-BE49-F238E27FC236}">
-                <a16:creationId xmlns:a16="http://schemas.microsoft.com/office/drawing/2014/main" id="{40A525DA-CA85-AD48-8A85-52A75E1E5317}"/>
-              </a:ext>
-            </a:extLst>
-          </p:cNvPr>
-          <p:cNvSpPr>
-            <a:spLocks noGrp="1"/>
-          </p:cNvSpPr>
-          <p:nvPr>
-            <p:ph idx="1"/>
-          </p:nvPr>
-        </p:nvSpPr>
-        <p:spPr/>
-        <p:txBody>
-          <a:bodyPr/>
-          <a:lstStyle/>
-          <a:p>
-            <a:endParaRPr lang="en-NL"/>
-          </a:p>
-        </p:txBody>
-      </p:sp>
-      <p:sp>
-        <p:nvSpPr>
-          <p:cNvPr id="4" name="Rounded Rectangle 3">
-            <a:extLst>
-              <a:ext uri="{FF2B5EF4-FFF2-40B4-BE49-F238E27FC236}">
-                <a16:creationId xmlns:a16="http://schemas.microsoft.com/office/drawing/2014/main" id="{6B890BB6-3544-1A4E-A833-93135A597BB4}"/>
-              </a:ext>
-            </a:extLst>
-          </p:cNvPr>
-          <p:cNvSpPr/>
-          <p:nvPr/>
-        </p:nvSpPr>
-        <p:spPr>
-          <a:xfrm>
-            <a:off x="0" y="0"/>
-            <a:ext cx="7559675" cy="5327650"/>
-          </a:xfrm>
-          <a:prstGeom prst="roundRect">
-            <a:avLst>
-              <a:gd name="adj" fmla="val 0"/>
-            </a:avLst>
-          </a:prstGeom>
-          <a:blipFill>
-            <a:blip r:embed="rId2"/>
-            <a:stretch>
-              <a:fillRect/>
-            </a:stretch>
-          </a:blipFill>
-          <a:ln>
-            <a:solidFill>
-              <a:schemeClr val="bg2"/>
-            </a:solidFill>
-          </a:ln>
-        </p:spPr>
-        <p:style>
-          <a:lnRef idx="2">
-            <a:schemeClr val="accent1">
-              <a:shade val="50000"/>
-            </a:schemeClr>
-          </a:lnRef>
-          <a:fillRef idx="1">
-            <a:schemeClr val="accent1"/>
-          </a:fillRef>
-          <a:effectRef idx="0">
-            <a:schemeClr val="accent1"/>
-          </a:effectRef>
-          <a:fontRef idx="minor">
-            <a:schemeClr val="lt1"/>
-          </a:fontRef>
-        </p:style>
-        <p:txBody>
-          <a:bodyPr rtlCol="0" anchor="ctr"/>
-          <a:lstStyle/>
-          <a:p>
-            <a:pPr algn="ctr"/>
-            <a:endParaRPr lang="en-NL"/>
-          </a:p>
-        </p:txBody>
-      </p:sp>
-      <p:pic>
-        <p:nvPicPr>
-          <p:cNvPr id="5" name="Picture 4" descr="A picture containing food, drawing&#10;&#10;Description automatically generated">
-            <a:extLst>
-              <a:ext uri="{FF2B5EF4-FFF2-40B4-BE49-F238E27FC236}">
-                <a16:creationId xmlns:a16="http://schemas.microsoft.com/office/drawing/2014/main" id="{27611709-3190-2A4B-BCE4-4D329000A8EB}"/>
-              </a:ext>
-            </a:extLst>
-          </p:cNvPr>
-          <p:cNvPicPr>
-            <a:picLocks noChangeAspect="1"/>
-          </p:cNvPicPr>
-          <p:nvPr/>
-        </p:nvPicPr>
-        <p:blipFill>
-          <a:blip r:embed="rId3"/>
-          <a:stretch>
-            <a:fillRect/>
-          </a:stretch>
-        </p:blipFill>
-        <p:spPr>
-          <a:xfrm>
-            <a:off x="350837" y="-765175"/>
-            <a:ext cx="6858000" cy="6858000"/>
-          </a:xfrm>
-          <a:prstGeom prst="rect">
-            <a:avLst/>
-          </a:prstGeom>
-        </p:spPr>
-      </p:pic>
-    </p:spTree>
-    <p:extLst>
-      <p:ext uri="{BB962C8B-B14F-4D97-AF65-F5344CB8AC3E}">
         <p14:creationId xmlns:p14="http://schemas.microsoft.com/office/powerpoint/2010/main" val="2602691406"/>
       </p:ext>
     </p:extLst>
@@ -19742,7 +20313,7 @@
 </p:sld>
 </file>
 
-<file path=ppt/slides/slide61.xml><?xml version="1.0" encoding="utf-8"?>
+<file path=ppt/slides/slide63.xml><?xml version="1.0" encoding="utf-8"?>
 <p:sld xmlns:a="http://schemas.openxmlformats.org/drawingml/2006/main" xmlns:r="http://schemas.openxmlformats.org/officeDocument/2006/relationships" xmlns:p="http://schemas.openxmlformats.org/presentationml/2006/main">
   <p:cSld>
     <p:spTree>
@@ -20050,7 +20621,7 @@
 </p:sld>
 </file>
 
-<file path=ppt/slides/slide62.xml><?xml version="1.0" encoding="utf-8"?>
+<file path=ppt/slides/slide64.xml><?xml version="1.0" encoding="utf-8"?>
 <p:sld xmlns:a="http://schemas.openxmlformats.org/drawingml/2006/main" xmlns:r="http://schemas.openxmlformats.org/officeDocument/2006/relationships" xmlns:p="http://schemas.openxmlformats.org/presentationml/2006/main">
   <p:cSld>
     <p:spTree>
@@ -20210,297 +20781,6 @@
     <p:extLst>
       <p:ext uri="{BB962C8B-B14F-4D97-AF65-F5344CB8AC3E}">
         <p14:creationId xmlns:p14="http://schemas.microsoft.com/office/powerpoint/2010/main" val="141956057"/>
-      </p:ext>
-    </p:extLst>
-  </p:cSld>
-  <p:clrMapOvr>
-    <a:masterClrMapping/>
-  </p:clrMapOvr>
-</p:sld>
-</file>
-
-<file path=ppt/slides/slide63.xml><?xml version="1.0" encoding="utf-8"?>
-<p:sld xmlns:a="http://schemas.openxmlformats.org/drawingml/2006/main" xmlns:r="http://schemas.openxmlformats.org/officeDocument/2006/relationships" xmlns:p="http://schemas.openxmlformats.org/presentationml/2006/main">
-  <p:cSld>
-    <p:spTree>
-      <p:nvGrpSpPr>
-        <p:cNvPr id="1" name=""/>
-        <p:cNvGrpSpPr/>
-        <p:nvPr/>
-      </p:nvGrpSpPr>
-      <p:grpSpPr>
-        <a:xfrm>
-          <a:off x="0" y="0"/>
-          <a:ext cx="0" cy="0"/>
-          <a:chOff x="0" y="0"/>
-          <a:chExt cx="0" cy="0"/>
-        </a:xfrm>
-      </p:grpSpPr>
-      <p:sp>
-        <p:nvSpPr>
-          <p:cNvPr id="7" name="Rounded Rectangle 6">
-            <a:extLst>
-              <a:ext uri="{FF2B5EF4-FFF2-40B4-BE49-F238E27FC236}">
-                <a16:creationId xmlns:a16="http://schemas.microsoft.com/office/drawing/2014/main" id="{B3DC599D-AD1B-104D-B158-5C2A6823AC16}"/>
-              </a:ext>
-            </a:extLst>
-          </p:cNvPr>
-          <p:cNvSpPr/>
-          <p:nvPr/>
-        </p:nvSpPr>
-        <p:spPr>
-          <a:xfrm>
-            <a:off x="0" y="0"/>
-            <a:ext cx="7559675" cy="5327650"/>
-          </a:xfrm>
-          <a:prstGeom prst="roundRect">
-            <a:avLst>
-              <a:gd name="adj" fmla="val 0"/>
-            </a:avLst>
-          </a:prstGeom>
-          <a:solidFill>
-            <a:srgbClr val="FFC2E8"/>
-          </a:solidFill>
-          <a:ln>
-            <a:noFill/>
-          </a:ln>
-        </p:spPr>
-        <p:style>
-          <a:lnRef idx="2">
-            <a:schemeClr val="accent1">
-              <a:shade val="50000"/>
-            </a:schemeClr>
-          </a:lnRef>
-          <a:fillRef idx="1">
-            <a:schemeClr val="accent1"/>
-          </a:fillRef>
-          <a:effectRef idx="0">
-            <a:schemeClr val="accent1"/>
-          </a:effectRef>
-          <a:fontRef idx="minor">
-            <a:schemeClr val="lt1"/>
-          </a:fontRef>
-        </p:style>
-        <p:txBody>
-          <a:bodyPr rtlCol="0" anchor="ctr"/>
-          <a:lstStyle/>
-          <a:p>
-            <a:pPr algn="ctr"/>
-            <a:endParaRPr lang="en-NL"/>
-          </a:p>
-        </p:txBody>
-      </p:sp>
-      <p:sp>
-        <p:nvSpPr>
-          <p:cNvPr id="6" name="TextBox 5">
-            <a:extLst>
-              <a:ext uri="{FF2B5EF4-FFF2-40B4-BE49-F238E27FC236}">
-                <a16:creationId xmlns:a16="http://schemas.microsoft.com/office/drawing/2014/main" id="{009EAD6C-D563-D744-AFCA-AE8CA95E6630}"/>
-              </a:ext>
-            </a:extLst>
-          </p:cNvPr>
-          <p:cNvSpPr txBox="1"/>
-          <p:nvPr/>
-        </p:nvSpPr>
-        <p:spPr>
-          <a:xfrm>
-            <a:off x="329715" y="1463496"/>
-            <a:ext cx="6900243" cy="2400657"/>
-          </a:xfrm>
-          <a:prstGeom prst="rect">
-            <a:avLst/>
-          </a:prstGeom>
-          <a:noFill/>
-        </p:spPr>
-        <p:txBody>
-          <a:bodyPr wrap="square" rtlCol="0">
-            <a:spAutoFit/>
-          </a:bodyPr>
-          <a:lstStyle/>
-          <a:p>
-            <a:pPr algn="ctr"/>
-            <a:r>
-              <a:rPr lang="en-NL" sz="5000" b="1" dirty="0">
-                <a:latin typeface="Ubuntu" panose="020B0504030602030204" pitchFamily="34" charset="0"/>
-              </a:rPr>
-              <a:t>Don’t measure Output. Measure Outcomes</a:t>
-            </a:r>
-          </a:p>
-        </p:txBody>
-      </p:sp>
-    </p:spTree>
-    <p:extLst>
-      <p:ext uri="{BB962C8B-B14F-4D97-AF65-F5344CB8AC3E}">
-        <p14:creationId xmlns:p14="http://schemas.microsoft.com/office/powerpoint/2010/main" val="3384980287"/>
-      </p:ext>
-    </p:extLst>
-  </p:cSld>
-  <p:clrMapOvr>
-    <a:masterClrMapping/>
-  </p:clrMapOvr>
-</p:sld>
-</file>
-
-<file path=ppt/slides/slide64.xml><?xml version="1.0" encoding="utf-8"?>
-<p:sld xmlns:a="http://schemas.openxmlformats.org/drawingml/2006/main" xmlns:r="http://schemas.openxmlformats.org/officeDocument/2006/relationships" xmlns:p="http://schemas.openxmlformats.org/presentationml/2006/main">
-  <p:cSld>
-    <p:spTree>
-      <p:nvGrpSpPr>
-        <p:cNvPr id="1" name=""/>
-        <p:cNvGrpSpPr/>
-        <p:nvPr/>
-      </p:nvGrpSpPr>
-      <p:grpSpPr>
-        <a:xfrm>
-          <a:off x="0" y="0"/>
-          <a:ext cx="0" cy="0"/>
-          <a:chOff x="0" y="0"/>
-          <a:chExt cx="0" cy="0"/>
-        </a:xfrm>
-      </p:grpSpPr>
-      <p:sp>
-        <p:nvSpPr>
-          <p:cNvPr id="2" name="Title 1">
-            <a:extLst>
-              <a:ext uri="{FF2B5EF4-FFF2-40B4-BE49-F238E27FC236}">
-                <a16:creationId xmlns:a16="http://schemas.microsoft.com/office/drawing/2014/main" id="{CFCDF3DA-1D3D-E743-8E21-6B353B4D96A4}"/>
-              </a:ext>
-            </a:extLst>
-          </p:cNvPr>
-          <p:cNvSpPr>
-            <a:spLocks noGrp="1"/>
-          </p:cNvSpPr>
-          <p:nvPr>
-            <p:ph type="title"/>
-          </p:nvPr>
-        </p:nvSpPr>
-        <p:spPr/>
-        <p:txBody>
-          <a:bodyPr/>
-          <a:lstStyle/>
-          <a:p>
-            <a:endParaRPr lang="en-NL"/>
-          </a:p>
-        </p:txBody>
-      </p:sp>
-      <p:sp>
-        <p:nvSpPr>
-          <p:cNvPr id="3" name="Content Placeholder 2">
-            <a:extLst>
-              <a:ext uri="{FF2B5EF4-FFF2-40B4-BE49-F238E27FC236}">
-                <a16:creationId xmlns:a16="http://schemas.microsoft.com/office/drawing/2014/main" id="{40A525DA-CA85-AD48-8A85-52A75E1E5317}"/>
-              </a:ext>
-            </a:extLst>
-          </p:cNvPr>
-          <p:cNvSpPr>
-            <a:spLocks noGrp="1"/>
-          </p:cNvSpPr>
-          <p:nvPr>
-            <p:ph idx="1"/>
-          </p:nvPr>
-        </p:nvSpPr>
-        <p:spPr/>
-        <p:txBody>
-          <a:bodyPr/>
-          <a:lstStyle/>
-          <a:p>
-            <a:endParaRPr lang="en-NL"/>
-          </a:p>
-        </p:txBody>
-      </p:sp>
-      <p:sp>
-        <p:nvSpPr>
-          <p:cNvPr id="4" name="Rounded Rectangle 3">
-            <a:extLst>
-              <a:ext uri="{FF2B5EF4-FFF2-40B4-BE49-F238E27FC236}">
-                <a16:creationId xmlns:a16="http://schemas.microsoft.com/office/drawing/2014/main" id="{6B890BB6-3544-1A4E-A833-93135A597BB4}"/>
-              </a:ext>
-            </a:extLst>
-          </p:cNvPr>
-          <p:cNvSpPr/>
-          <p:nvPr/>
-        </p:nvSpPr>
-        <p:spPr>
-          <a:xfrm>
-            <a:off x="0" y="0"/>
-            <a:ext cx="7559675" cy="5327650"/>
-          </a:xfrm>
-          <a:prstGeom prst="roundRect">
-            <a:avLst>
-              <a:gd name="adj" fmla="val 0"/>
-            </a:avLst>
-          </a:prstGeom>
-          <a:blipFill>
-            <a:blip r:embed="rId2"/>
-            <a:stretch>
-              <a:fillRect/>
-            </a:stretch>
-          </a:blipFill>
-          <a:ln>
-            <a:solidFill>
-              <a:schemeClr val="bg2"/>
-            </a:solidFill>
-          </a:ln>
-        </p:spPr>
-        <p:style>
-          <a:lnRef idx="2">
-            <a:schemeClr val="accent1">
-              <a:shade val="50000"/>
-            </a:schemeClr>
-          </a:lnRef>
-          <a:fillRef idx="1">
-            <a:schemeClr val="accent1"/>
-          </a:fillRef>
-          <a:effectRef idx="0">
-            <a:schemeClr val="accent1"/>
-          </a:effectRef>
-          <a:fontRef idx="minor">
-            <a:schemeClr val="lt1"/>
-          </a:fontRef>
-        </p:style>
-        <p:txBody>
-          <a:bodyPr rtlCol="0" anchor="ctr"/>
-          <a:lstStyle/>
-          <a:p>
-            <a:pPr algn="ctr"/>
-            <a:endParaRPr lang="en-NL"/>
-          </a:p>
-        </p:txBody>
-      </p:sp>
-      <p:pic>
-        <p:nvPicPr>
-          <p:cNvPr id="5" name="Picture 4" descr="A picture containing food, drawing&#10;&#10;Description automatically generated">
-            <a:extLst>
-              <a:ext uri="{FF2B5EF4-FFF2-40B4-BE49-F238E27FC236}">
-                <a16:creationId xmlns:a16="http://schemas.microsoft.com/office/drawing/2014/main" id="{27611709-3190-2A4B-BCE4-4D329000A8EB}"/>
-              </a:ext>
-            </a:extLst>
-          </p:cNvPr>
-          <p:cNvPicPr>
-            <a:picLocks noChangeAspect="1"/>
-          </p:cNvPicPr>
-          <p:nvPr/>
-        </p:nvPicPr>
-        <p:blipFill>
-          <a:blip r:embed="rId3"/>
-          <a:stretch>
-            <a:fillRect/>
-          </a:stretch>
-        </p:blipFill>
-        <p:spPr>
-          <a:xfrm>
-            <a:off x="350837" y="-765175"/>
-            <a:ext cx="6858000" cy="6858000"/>
-          </a:xfrm>
-          <a:prstGeom prst="rect">
-            <a:avLst/>
-          </a:prstGeom>
-        </p:spPr>
-      </p:pic>
-    </p:spTree>
-    <p:extLst>
-      <p:ext uri="{BB962C8B-B14F-4D97-AF65-F5344CB8AC3E}">
-        <p14:creationId xmlns:p14="http://schemas.microsoft.com/office/powerpoint/2010/main" val="609235282"/>
       </p:ext>
     </p:extLst>
   </p:cSld>
@@ -20611,10 +20891,10 @@
           <a:p>
             <a:pPr algn="ctr"/>
             <a:r>
-              <a:rPr lang="en-NL" sz="5000" b="1">
+              <a:rPr lang="en-NL" sz="5000" b="1" dirty="0">
                 <a:latin typeface="Ubuntu" panose="020B0504030602030204" pitchFamily="34" charset="0"/>
               </a:rPr>
-              <a:t>It’s not about the Metrics, but about the Conversation</a:t>
+              <a:t>Don’t measure Output. Measure Outcomes</a:t>
             </a:r>
           </a:p>
         </p:txBody>
@@ -20622,7 +20902,7 @@
     </p:spTree>
     <p:extLst>
       <p:ext uri="{BB962C8B-B14F-4D97-AF65-F5344CB8AC3E}">
-        <p14:creationId xmlns:p14="http://schemas.microsoft.com/office/powerpoint/2010/main" val="3864524999"/>
+        <p14:creationId xmlns:p14="http://schemas.microsoft.com/office/powerpoint/2010/main" val="3384980287"/>
       </p:ext>
     </p:extLst>
   </p:cSld>
@@ -20791,7 +21071,7 @@
     </p:spTree>
     <p:extLst>
       <p:ext uri="{BB962C8B-B14F-4D97-AF65-F5344CB8AC3E}">
-        <p14:creationId xmlns:p14="http://schemas.microsoft.com/office/powerpoint/2010/main" val="2834202860"/>
+        <p14:creationId xmlns:p14="http://schemas.microsoft.com/office/powerpoint/2010/main" val="609235282"/>
       </p:ext>
     </p:extLst>
   </p:cSld>
@@ -20886,8 +21166,8 @@
         </p:nvSpPr>
         <p:spPr>
           <a:xfrm>
-            <a:off x="329715" y="1078775"/>
-            <a:ext cx="6900243" cy="3170099"/>
+            <a:off x="329715" y="1463496"/>
+            <a:ext cx="6900243" cy="2400657"/>
           </a:xfrm>
           <a:prstGeom prst="rect">
             <a:avLst/>
@@ -20902,40 +21182,10 @@
           <a:p>
             <a:pPr algn="ctr"/>
             <a:r>
-              <a:rPr lang="en-NL" sz="5000" dirty="0">
+              <a:rPr lang="en-NL" sz="5000" b="1">
                 <a:latin typeface="Ubuntu" panose="020B0504030602030204" pitchFamily="34" charset="0"/>
               </a:rPr>
-              <a:t>Learn more about</a:t>
-            </a:r>
-            <a:r>
-              <a:rPr lang="en-NL" sz="5000" b="1" dirty="0">
-                <a:latin typeface="Ubuntu" panose="020B0504030602030204" pitchFamily="34" charset="0"/>
-              </a:rPr>
-              <a:t> </a:t>
-            </a:r>
-          </a:p>
-          <a:p>
-            <a:pPr algn="ctr"/>
-            <a:r>
-              <a:rPr lang="en-NL" sz="5000" b="1" dirty="0">
-                <a:latin typeface="Ubuntu" panose="020B0504030602030204" pitchFamily="34" charset="0"/>
-              </a:rPr>
-              <a:t>Evidence Based Management </a:t>
-            </a:r>
-            <a:r>
-              <a:rPr lang="en-NL" sz="5000" dirty="0">
-                <a:latin typeface="Ubuntu" panose="020B0504030602030204" pitchFamily="34" charset="0"/>
-              </a:rPr>
-              <a:t>at</a:t>
-            </a:r>
-          </a:p>
-          <a:p>
-            <a:pPr algn="ctr"/>
-            <a:r>
-              <a:rPr lang="en-NL" sz="5000" dirty="0">
-                <a:latin typeface="Ubuntu" panose="020B0504030602030204" pitchFamily="34" charset="0"/>
-              </a:rPr>
-              <a:t>http://scrum.org/EBM</a:t>
+              <a:t>It’s not about the Metrics, but about the Conversation</a:t>
             </a:r>
           </a:p>
         </p:txBody>
@@ -20943,7 +21193,7 @@
     </p:spTree>
     <p:extLst>
       <p:ext uri="{BB962C8B-B14F-4D97-AF65-F5344CB8AC3E}">
-        <p14:creationId xmlns:p14="http://schemas.microsoft.com/office/powerpoint/2010/main" val="1377554222"/>
+        <p14:creationId xmlns:p14="http://schemas.microsoft.com/office/powerpoint/2010/main" val="3864524999"/>
       </p:ext>
     </p:extLst>
   </p:cSld>
@@ -21112,7 +21362,7 @@
     </p:spTree>
     <p:extLst>
       <p:ext uri="{BB962C8B-B14F-4D97-AF65-F5344CB8AC3E}">
-        <p14:creationId xmlns:p14="http://schemas.microsoft.com/office/powerpoint/2010/main" val="1817486122"/>
+        <p14:creationId xmlns:p14="http://schemas.microsoft.com/office/powerpoint/2010/main" val="2834202860"/>
       </p:ext>
     </p:extLst>
   </p:cSld>
@@ -21141,6 +21391,60 @@
       </p:grpSpPr>
       <p:sp>
         <p:nvSpPr>
+          <p:cNvPr id="7" name="Rounded Rectangle 6">
+            <a:extLst>
+              <a:ext uri="{FF2B5EF4-FFF2-40B4-BE49-F238E27FC236}">
+                <a16:creationId xmlns:a16="http://schemas.microsoft.com/office/drawing/2014/main" id="{B3DC599D-AD1B-104D-B158-5C2A6823AC16}"/>
+              </a:ext>
+            </a:extLst>
+          </p:cNvPr>
+          <p:cNvSpPr/>
+          <p:nvPr/>
+        </p:nvSpPr>
+        <p:spPr>
+          <a:xfrm>
+            <a:off x="0" y="0"/>
+            <a:ext cx="7559675" cy="5327650"/>
+          </a:xfrm>
+          <a:prstGeom prst="roundRect">
+            <a:avLst>
+              <a:gd name="adj" fmla="val 0"/>
+            </a:avLst>
+          </a:prstGeom>
+          <a:solidFill>
+            <a:srgbClr val="FFC2E8"/>
+          </a:solidFill>
+          <a:ln>
+            <a:noFill/>
+          </a:ln>
+        </p:spPr>
+        <p:style>
+          <a:lnRef idx="2">
+            <a:schemeClr val="accent1">
+              <a:shade val="50000"/>
+            </a:schemeClr>
+          </a:lnRef>
+          <a:fillRef idx="1">
+            <a:schemeClr val="accent1"/>
+          </a:fillRef>
+          <a:effectRef idx="0">
+            <a:schemeClr val="accent1"/>
+          </a:effectRef>
+          <a:fontRef idx="minor">
+            <a:schemeClr val="lt1"/>
+          </a:fontRef>
+        </p:style>
+        <p:txBody>
+          <a:bodyPr rtlCol="0" anchor="ctr"/>
+          <a:lstStyle/>
+          <a:p>
+            <a:pPr algn="ctr"/>
+            <a:endParaRPr lang="en-NL"/>
+          </a:p>
+        </p:txBody>
+      </p:sp>
+      <p:sp>
+        <p:nvSpPr>
           <p:cNvPr id="6" name="TextBox 5">
             <a:extLst>
               <a:ext uri="{FF2B5EF4-FFF2-40B4-BE49-F238E27FC236}">
@@ -21153,8 +21457,8 @@
         </p:nvSpPr>
         <p:spPr>
           <a:xfrm>
-            <a:off x="571688" y="173949"/>
-            <a:ext cx="6416298" cy="400110"/>
+            <a:off x="329715" y="1078775"/>
+            <a:ext cx="6900243" cy="3170099"/>
           </a:xfrm>
           <a:prstGeom prst="rect">
             <a:avLst/>
@@ -21169,241 +21473,48 @@
           <a:p>
             <a:pPr algn="ctr"/>
             <a:r>
-              <a:rPr lang="en-NL" sz="2000" b="1" dirty="0">
+              <a:rPr lang="en-NL" sz="5000" dirty="0">
                 <a:latin typeface="Ubuntu" panose="020B0504030602030204" pitchFamily="34" charset="0"/>
               </a:rPr>
-              <a:t>EBM Example Key Value Measures cheat sheet</a:t>
+              <a:t>Learn more about</a:t>
             </a:r>
-            <a:endParaRPr lang="en-NL" sz="2000" dirty="0">
-              <a:latin typeface="Ubuntu" panose="020B0504030602030204" pitchFamily="34" charset="0"/>
-            </a:endParaRPr>
-          </a:p>
-        </p:txBody>
-      </p:sp>
-      <p:sp>
-        <p:nvSpPr>
-          <p:cNvPr id="8" name="TextBox 7">
-            <a:extLst>
-              <a:ext uri="{FF2B5EF4-FFF2-40B4-BE49-F238E27FC236}">
-                <a16:creationId xmlns:a16="http://schemas.microsoft.com/office/drawing/2014/main" id="{CBB6441C-A641-EE43-B9CA-553BCAFDDCAF}"/>
-              </a:ext>
-            </a:extLst>
-          </p:cNvPr>
-          <p:cNvSpPr txBox="1"/>
-          <p:nvPr/>
-        </p:nvSpPr>
-        <p:spPr>
-          <a:xfrm>
-            <a:off x="3501215" y="4821023"/>
-            <a:ext cx="3810078" cy="200055"/>
-          </a:xfrm>
-          <a:prstGeom prst="rect">
-            <a:avLst/>
-          </a:prstGeom>
-          <a:noFill/>
-        </p:spPr>
-        <p:txBody>
-          <a:bodyPr wrap="square" rtlCol="0">
-            <a:spAutoFit/>
-          </a:bodyPr>
-          <a:lstStyle/>
-          <a:p>
-            <a:pPr algn="r"/>
             <a:r>
-              <a:rPr lang="en-NL" sz="700" dirty="0">
-                <a:solidFill>
-                  <a:schemeClr val="bg1">
-                    <a:lumMod val="65000"/>
-                  </a:schemeClr>
-                </a:solidFill>
+              <a:rPr lang="en-NL" sz="5000" b="1" dirty="0">
                 <a:latin typeface="Ubuntu" panose="020B0504030602030204" pitchFamily="34" charset="0"/>
               </a:rPr>
-              <a:t>Source: EBM guide 2020, http://scrum.org/EBM</a:t>
+              <a:t> </a:t>
             </a:r>
           </a:p>
-        </p:txBody>
-      </p:sp>
-      <p:pic>
-        <p:nvPicPr>
-          <p:cNvPr id="2" name="Picture 1">
-            <a:extLst>
-              <a:ext uri="{FF2B5EF4-FFF2-40B4-BE49-F238E27FC236}">
-                <a16:creationId xmlns:a16="http://schemas.microsoft.com/office/drawing/2014/main" id="{98D7C774-BF2E-CC4D-BF85-02ACACF240A5}"/>
-              </a:ext>
-            </a:extLst>
-          </p:cNvPr>
-          <p:cNvPicPr>
-            <a:picLocks noChangeAspect="1"/>
-          </p:cNvPicPr>
-          <p:nvPr/>
-        </p:nvPicPr>
-        <p:blipFill>
-          <a:blip r:embed="rId3"/>
-          <a:stretch>
-            <a:fillRect/>
-          </a:stretch>
-        </p:blipFill>
-        <p:spPr>
-          <a:xfrm>
-            <a:off x="105196" y="602633"/>
-            <a:ext cx="2470989" cy="1467150"/>
-          </a:xfrm>
-          <a:prstGeom prst="rect">
-            <a:avLst/>
-          </a:prstGeom>
-        </p:spPr>
-      </p:pic>
-      <p:pic>
-        <p:nvPicPr>
-          <p:cNvPr id="3" name="Picture 2">
-            <a:extLst>
-              <a:ext uri="{FF2B5EF4-FFF2-40B4-BE49-F238E27FC236}">
-                <a16:creationId xmlns:a16="http://schemas.microsoft.com/office/drawing/2014/main" id="{E7304A80-7961-AE46-9A97-8B282091533D}"/>
-              </a:ext>
-            </a:extLst>
-          </p:cNvPr>
-          <p:cNvPicPr>
-            <a:picLocks noChangeAspect="1"/>
-          </p:cNvPicPr>
-          <p:nvPr/>
-        </p:nvPicPr>
-        <p:blipFill rotWithShape="1">
-          <a:blip r:embed="rId4"/>
-          <a:srcRect/>
-          <a:stretch/>
-        </p:blipFill>
-        <p:spPr>
-          <a:xfrm>
-            <a:off x="105195" y="2104911"/>
-            <a:ext cx="2470989" cy="1077019"/>
-          </a:xfrm>
-          <a:prstGeom prst="rect">
-            <a:avLst/>
-          </a:prstGeom>
-        </p:spPr>
-      </p:pic>
-      <p:pic>
-        <p:nvPicPr>
-          <p:cNvPr id="4" name="Picture 3">
-            <a:extLst>
-              <a:ext uri="{FF2B5EF4-FFF2-40B4-BE49-F238E27FC236}">
-                <a16:creationId xmlns:a16="http://schemas.microsoft.com/office/drawing/2014/main" id="{612791FE-02B2-E845-A5C1-033DD92A85C0}"/>
-              </a:ext>
-            </a:extLst>
-          </p:cNvPr>
-          <p:cNvPicPr>
-            <a:picLocks noChangeAspect="1"/>
-          </p:cNvPicPr>
-          <p:nvPr/>
-        </p:nvPicPr>
-        <p:blipFill>
-          <a:blip r:embed="rId5"/>
-          <a:stretch>
-            <a:fillRect/>
-          </a:stretch>
-        </p:blipFill>
-        <p:spPr>
-          <a:xfrm>
-            <a:off x="2576185" y="603400"/>
-            <a:ext cx="2470989" cy="3458558"/>
-          </a:xfrm>
-          <a:prstGeom prst="rect">
-            <a:avLst/>
-          </a:prstGeom>
-        </p:spPr>
-      </p:pic>
-      <p:pic>
-        <p:nvPicPr>
-          <p:cNvPr id="5" name="Picture 4">
-            <a:extLst>
-              <a:ext uri="{FF2B5EF4-FFF2-40B4-BE49-F238E27FC236}">
-                <a16:creationId xmlns:a16="http://schemas.microsoft.com/office/drawing/2014/main" id="{B25B9DC0-E698-B44B-9BD1-7DF86B3BB8C6}"/>
-              </a:ext>
-            </a:extLst>
-          </p:cNvPr>
-          <p:cNvPicPr>
-            <a:picLocks noChangeAspect="1"/>
-          </p:cNvPicPr>
-          <p:nvPr/>
-        </p:nvPicPr>
-        <p:blipFill rotWithShape="1">
-          <a:blip r:embed="rId6"/>
-          <a:srcRect t="2737"/>
-          <a:stretch/>
-        </p:blipFill>
-        <p:spPr>
-          <a:xfrm>
-            <a:off x="2576185" y="4014320"/>
-            <a:ext cx="2470990" cy="896230"/>
-          </a:xfrm>
-          <a:prstGeom prst="rect">
-            <a:avLst/>
-          </a:prstGeom>
-        </p:spPr>
-      </p:pic>
-      <p:pic>
-        <p:nvPicPr>
-          <p:cNvPr id="7" name="Picture 6">
-            <a:extLst>
-              <a:ext uri="{FF2B5EF4-FFF2-40B4-BE49-F238E27FC236}">
-                <a16:creationId xmlns:a16="http://schemas.microsoft.com/office/drawing/2014/main" id="{C69F27A3-6639-C149-A1C8-2FBC23880A79}"/>
-              </a:ext>
-            </a:extLst>
-          </p:cNvPr>
-          <p:cNvPicPr>
-            <a:picLocks noChangeAspect="1"/>
-          </p:cNvPicPr>
-          <p:nvPr/>
-        </p:nvPicPr>
-        <p:blipFill>
-          <a:blip r:embed="rId7"/>
-          <a:stretch>
-            <a:fillRect/>
-          </a:stretch>
-        </p:blipFill>
-        <p:spPr>
-          <a:xfrm>
-            <a:off x="5047173" y="591358"/>
-            <a:ext cx="2366272" cy="2279508"/>
-          </a:xfrm>
-          <a:prstGeom prst="rect">
-            <a:avLst/>
-          </a:prstGeom>
-        </p:spPr>
-      </p:pic>
-      <p:pic>
-        <p:nvPicPr>
-          <p:cNvPr id="10" name="Picture 9">
-            <a:extLst>
-              <a:ext uri="{FF2B5EF4-FFF2-40B4-BE49-F238E27FC236}">
-                <a16:creationId xmlns:a16="http://schemas.microsoft.com/office/drawing/2014/main" id="{5665FA40-5696-9548-A234-DD32383B8FD2}"/>
-              </a:ext>
-            </a:extLst>
-          </p:cNvPr>
-          <p:cNvPicPr>
-            <a:picLocks noChangeAspect="1"/>
-          </p:cNvPicPr>
-          <p:nvPr/>
-        </p:nvPicPr>
-        <p:blipFill rotWithShape="1">
-          <a:blip r:embed="rId8"/>
-          <a:srcRect t="2357"/>
-          <a:stretch/>
-        </p:blipFill>
-        <p:spPr>
-          <a:xfrm>
-            <a:off x="5049525" y="2853640"/>
-            <a:ext cx="2358273" cy="1612265"/>
-          </a:xfrm>
-          <a:prstGeom prst="rect">
-            <a:avLst/>
-          </a:prstGeom>
-        </p:spPr>
-      </p:pic>
+          <a:p>
+            <a:pPr algn="ctr"/>
+            <a:r>
+              <a:rPr lang="en-NL" sz="5000" b="1" dirty="0">
+                <a:latin typeface="Ubuntu" panose="020B0504030602030204" pitchFamily="34" charset="0"/>
+              </a:rPr>
+              <a:t>Evidence Based Management </a:t>
+            </a:r>
+            <a:r>
+              <a:rPr lang="en-NL" sz="5000" dirty="0">
+                <a:latin typeface="Ubuntu" panose="020B0504030602030204" pitchFamily="34" charset="0"/>
+              </a:rPr>
+              <a:t>at</a:t>
+            </a:r>
+          </a:p>
+          <a:p>
+            <a:pPr algn="ctr"/>
+            <a:r>
+              <a:rPr lang="en-NL" sz="5000" dirty="0">
+                <a:latin typeface="Ubuntu" panose="020B0504030602030204" pitchFamily="34" charset="0"/>
+              </a:rPr>
+              <a:t>http://scrum.org/EBM</a:t>
+            </a:r>
+          </a:p>
+        </p:txBody>
+      </p:sp>
     </p:spTree>
     <p:extLst>
       <p:ext uri="{BB962C8B-B14F-4D97-AF65-F5344CB8AC3E}">
-        <p14:creationId xmlns:p14="http://schemas.microsoft.com/office/powerpoint/2010/main" val="2915057737"/>
+        <p14:creationId xmlns:p14="http://schemas.microsoft.com/office/powerpoint/2010/main" val="1377554222"/>
       </p:ext>
     </p:extLst>
   </p:cSld>
@@ -22453,6 +22564,466 @@
 </file>
 
 <file path=ppt/slides/slide70.xml><?xml version="1.0" encoding="utf-8"?>
+<p:sld xmlns:a="http://schemas.openxmlformats.org/drawingml/2006/main" xmlns:r="http://schemas.openxmlformats.org/officeDocument/2006/relationships" xmlns:p="http://schemas.openxmlformats.org/presentationml/2006/main">
+  <p:cSld>
+    <p:spTree>
+      <p:nvGrpSpPr>
+        <p:cNvPr id="1" name=""/>
+        <p:cNvGrpSpPr/>
+        <p:nvPr/>
+      </p:nvGrpSpPr>
+      <p:grpSpPr>
+        <a:xfrm>
+          <a:off x="0" y="0"/>
+          <a:ext cx="0" cy="0"/>
+          <a:chOff x="0" y="0"/>
+          <a:chExt cx="0" cy="0"/>
+        </a:xfrm>
+      </p:grpSpPr>
+      <p:sp>
+        <p:nvSpPr>
+          <p:cNvPr id="2" name="Title 1">
+            <a:extLst>
+              <a:ext uri="{FF2B5EF4-FFF2-40B4-BE49-F238E27FC236}">
+                <a16:creationId xmlns:a16="http://schemas.microsoft.com/office/drawing/2014/main" id="{CFCDF3DA-1D3D-E743-8E21-6B353B4D96A4}"/>
+              </a:ext>
+            </a:extLst>
+          </p:cNvPr>
+          <p:cNvSpPr>
+            <a:spLocks noGrp="1"/>
+          </p:cNvSpPr>
+          <p:nvPr>
+            <p:ph type="title"/>
+          </p:nvPr>
+        </p:nvSpPr>
+        <p:spPr/>
+        <p:txBody>
+          <a:bodyPr/>
+          <a:lstStyle/>
+          <a:p>
+            <a:endParaRPr lang="en-NL"/>
+          </a:p>
+        </p:txBody>
+      </p:sp>
+      <p:sp>
+        <p:nvSpPr>
+          <p:cNvPr id="3" name="Content Placeholder 2">
+            <a:extLst>
+              <a:ext uri="{FF2B5EF4-FFF2-40B4-BE49-F238E27FC236}">
+                <a16:creationId xmlns:a16="http://schemas.microsoft.com/office/drawing/2014/main" id="{40A525DA-CA85-AD48-8A85-52A75E1E5317}"/>
+              </a:ext>
+            </a:extLst>
+          </p:cNvPr>
+          <p:cNvSpPr>
+            <a:spLocks noGrp="1"/>
+          </p:cNvSpPr>
+          <p:nvPr>
+            <p:ph idx="1"/>
+          </p:nvPr>
+        </p:nvSpPr>
+        <p:spPr/>
+        <p:txBody>
+          <a:bodyPr/>
+          <a:lstStyle/>
+          <a:p>
+            <a:endParaRPr lang="en-NL"/>
+          </a:p>
+        </p:txBody>
+      </p:sp>
+      <p:sp>
+        <p:nvSpPr>
+          <p:cNvPr id="4" name="Rounded Rectangle 3">
+            <a:extLst>
+              <a:ext uri="{FF2B5EF4-FFF2-40B4-BE49-F238E27FC236}">
+                <a16:creationId xmlns:a16="http://schemas.microsoft.com/office/drawing/2014/main" id="{6B890BB6-3544-1A4E-A833-93135A597BB4}"/>
+              </a:ext>
+            </a:extLst>
+          </p:cNvPr>
+          <p:cNvSpPr/>
+          <p:nvPr/>
+        </p:nvSpPr>
+        <p:spPr>
+          <a:xfrm>
+            <a:off x="0" y="0"/>
+            <a:ext cx="7559675" cy="5327650"/>
+          </a:xfrm>
+          <a:prstGeom prst="roundRect">
+            <a:avLst>
+              <a:gd name="adj" fmla="val 0"/>
+            </a:avLst>
+          </a:prstGeom>
+          <a:blipFill>
+            <a:blip r:embed="rId2"/>
+            <a:stretch>
+              <a:fillRect/>
+            </a:stretch>
+          </a:blipFill>
+          <a:ln>
+            <a:solidFill>
+              <a:schemeClr val="bg2"/>
+            </a:solidFill>
+          </a:ln>
+        </p:spPr>
+        <p:style>
+          <a:lnRef idx="2">
+            <a:schemeClr val="accent1">
+              <a:shade val="50000"/>
+            </a:schemeClr>
+          </a:lnRef>
+          <a:fillRef idx="1">
+            <a:schemeClr val="accent1"/>
+          </a:fillRef>
+          <a:effectRef idx="0">
+            <a:schemeClr val="accent1"/>
+          </a:effectRef>
+          <a:fontRef idx="minor">
+            <a:schemeClr val="lt1"/>
+          </a:fontRef>
+        </p:style>
+        <p:txBody>
+          <a:bodyPr rtlCol="0" anchor="ctr"/>
+          <a:lstStyle/>
+          <a:p>
+            <a:pPr algn="ctr"/>
+            <a:endParaRPr lang="en-NL"/>
+          </a:p>
+        </p:txBody>
+      </p:sp>
+      <p:pic>
+        <p:nvPicPr>
+          <p:cNvPr id="5" name="Picture 4" descr="A picture containing food, drawing&#10;&#10;Description automatically generated">
+            <a:extLst>
+              <a:ext uri="{FF2B5EF4-FFF2-40B4-BE49-F238E27FC236}">
+                <a16:creationId xmlns:a16="http://schemas.microsoft.com/office/drawing/2014/main" id="{27611709-3190-2A4B-BCE4-4D329000A8EB}"/>
+              </a:ext>
+            </a:extLst>
+          </p:cNvPr>
+          <p:cNvPicPr>
+            <a:picLocks noChangeAspect="1"/>
+          </p:cNvPicPr>
+          <p:nvPr/>
+        </p:nvPicPr>
+        <p:blipFill>
+          <a:blip r:embed="rId3"/>
+          <a:stretch>
+            <a:fillRect/>
+          </a:stretch>
+        </p:blipFill>
+        <p:spPr>
+          <a:xfrm>
+            <a:off x="350837" y="-765175"/>
+            <a:ext cx="6858000" cy="6858000"/>
+          </a:xfrm>
+          <a:prstGeom prst="rect">
+            <a:avLst/>
+          </a:prstGeom>
+        </p:spPr>
+      </p:pic>
+    </p:spTree>
+    <p:extLst>
+      <p:ext uri="{BB962C8B-B14F-4D97-AF65-F5344CB8AC3E}">
+        <p14:creationId xmlns:p14="http://schemas.microsoft.com/office/powerpoint/2010/main" val="1817486122"/>
+      </p:ext>
+    </p:extLst>
+  </p:cSld>
+  <p:clrMapOvr>
+    <a:masterClrMapping/>
+  </p:clrMapOvr>
+</p:sld>
+</file>
+
+<file path=ppt/slides/slide71.xml><?xml version="1.0" encoding="utf-8"?>
+<p:sld xmlns:a="http://schemas.openxmlformats.org/drawingml/2006/main" xmlns:r="http://schemas.openxmlformats.org/officeDocument/2006/relationships" xmlns:p="http://schemas.openxmlformats.org/presentationml/2006/main">
+  <p:cSld>
+    <p:spTree>
+      <p:nvGrpSpPr>
+        <p:cNvPr id="1" name=""/>
+        <p:cNvGrpSpPr/>
+        <p:nvPr/>
+      </p:nvGrpSpPr>
+      <p:grpSpPr>
+        <a:xfrm>
+          <a:off x="0" y="0"/>
+          <a:ext cx="0" cy="0"/>
+          <a:chOff x="0" y="0"/>
+          <a:chExt cx="0" cy="0"/>
+        </a:xfrm>
+      </p:grpSpPr>
+      <p:sp>
+        <p:nvSpPr>
+          <p:cNvPr id="6" name="TextBox 5">
+            <a:extLst>
+              <a:ext uri="{FF2B5EF4-FFF2-40B4-BE49-F238E27FC236}">
+                <a16:creationId xmlns:a16="http://schemas.microsoft.com/office/drawing/2014/main" id="{009EAD6C-D563-D744-AFCA-AE8CA95E6630}"/>
+              </a:ext>
+            </a:extLst>
+          </p:cNvPr>
+          <p:cNvSpPr txBox="1"/>
+          <p:nvPr/>
+        </p:nvSpPr>
+        <p:spPr>
+          <a:xfrm>
+            <a:off x="571688" y="173949"/>
+            <a:ext cx="6416298" cy="400110"/>
+          </a:xfrm>
+          <a:prstGeom prst="rect">
+            <a:avLst/>
+          </a:prstGeom>
+          <a:noFill/>
+        </p:spPr>
+        <p:txBody>
+          <a:bodyPr wrap="square" rtlCol="0">
+            <a:spAutoFit/>
+          </a:bodyPr>
+          <a:lstStyle/>
+          <a:p>
+            <a:pPr algn="ctr"/>
+            <a:r>
+              <a:rPr lang="en-NL" sz="2000" b="1" dirty="0">
+                <a:latin typeface="Ubuntu" panose="020B0504030602030204" pitchFamily="34" charset="0"/>
+              </a:rPr>
+              <a:t>EBM Example Key Value Measures cheat sheet</a:t>
+            </a:r>
+            <a:endParaRPr lang="en-NL" sz="2000" dirty="0">
+              <a:latin typeface="Ubuntu" panose="020B0504030602030204" pitchFamily="34" charset="0"/>
+            </a:endParaRPr>
+          </a:p>
+        </p:txBody>
+      </p:sp>
+      <p:sp>
+        <p:nvSpPr>
+          <p:cNvPr id="8" name="TextBox 7">
+            <a:extLst>
+              <a:ext uri="{FF2B5EF4-FFF2-40B4-BE49-F238E27FC236}">
+                <a16:creationId xmlns:a16="http://schemas.microsoft.com/office/drawing/2014/main" id="{CBB6441C-A641-EE43-B9CA-553BCAFDDCAF}"/>
+              </a:ext>
+            </a:extLst>
+          </p:cNvPr>
+          <p:cNvSpPr txBox="1"/>
+          <p:nvPr/>
+        </p:nvSpPr>
+        <p:spPr>
+          <a:xfrm>
+            <a:off x="3501215" y="4821023"/>
+            <a:ext cx="3810078" cy="200055"/>
+          </a:xfrm>
+          <a:prstGeom prst="rect">
+            <a:avLst/>
+          </a:prstGeom>
+          <a:noFill/>
+        </p:spPr>
+        <p:txBody>
+          <a:bodyPr wrap="square" rtlCol="0">
+            <a:spAutoFit/>
+          </a:bodyPr>
+          <a:lstStyle/>
+          <a:p>
+            <a:pPr algn="r"/>
+            <a:r>
+              <a:rPr lang="en-NL" sz="700" dirty="0">
+                <a:solidFill>
+                  <a:schemeClr val="bg1">
+                    <a:lumMod val="65000"/>
+                  </a:schemeClr>
+                </a:solidFill>
+                <a:latin typeface="Ubuntu" panose="020B0504030602030204" pitchFamily="34" charset="0"/>
+              </a:rPr>
+              <a:t>Source: EBM guide 2020, http://scrum.org/EBM</a:t>
+            </a:r>
+          </a:p>
+        </p:txBody>
+      </p:sp>
+      <p:pic>
+        <p:nvPicPr>
+          <p:cNvPr id="2" name="Picture 1">
+            <a:extLst>
+              <a:ext uri="{FF2B5EF4-FFF2-40B4-BE49-F238E27FC236}">
+                <a16:creationId xmlns:a16="http://schemas.microsoft.com/office/drawing/2014/main" id="{98D7C774-BF2E-CC4D-BF85-02ACACF240A5}"/>
+              </a:ext>
+            </a:extLst>
+          </p:cNvPr>
+          <p:cNvPicPr>
+            <a:picLocks noChangeAspect="1"/>
+          </p:cNvPicPr>
+          <p:nvPr/>
+        </p:nvPicPr>
+        <p:blipFill>
+          <a:blip r:embed="rId3"/>
+          <a:stretch>
+            <a:fillRect/>
+          </a:stretch>
+        </p:blipFill>
+        <p:spPr>
+          <a:xfrm>
+            <a:off x="105196" y="602633"/>
+            <a:ext cx="2470989" cy="1467150"/>
+          </a:xfrm>
+          <a:prstGeom prst="rect">
+            <a:avLst/>
+          </a:prstGeom>
+        </p:spPr>
+      </p:pic>
+      <p:pic>
+        <p:nvPicPr>
+          <p:cNvPr id="3" name="Picture 2">
+            <a:extLst>
+              <a:ext uri="{FF2B5EF4-FFF2-40B4-BE49-F238E27FC236}">
+                <a16:creationId xmlns:a16="http://schemas.microsoft.com/office/drawing/2014/main" id="{E7304A80-7961-AE46-9A97-8B282091533D}"/>
+              </a:ext>
+            </a:extLst>
+          </p:cNvPr>
+          <p:cNvPicPr>
+            <a:picLocks noChangeAspect="1"/>
+          </p:cNvPicPr>
+          <p:nvPr/>
+        </p:nvPicPr>
+        <p:blipFill rotWithShape="1">
+          <a:blip r:embed="rId4"/>
+          <a:srcRect/>
+          <a:stretch/>
+        </p:blipFill>
+        <p:spPr>
+          <a:xfrm>
+            <a:off x="105195" y="2104911"/>
+            <a:ext cx="2470989" cy="1077019"/>
+          </a:xfrm>
+          <a:prstGeom prst="rect">
+            <a:avLst/>
+          </a:prstGeom>
+        </p:spPr>
+      </p:pic>
+      <p:pic>
+        <p:nvPicPr>
+          <p:cNvPr id="4" name="Picture 3">
+            <a:extLst>
+              <a:ext uri="{FF2B5EF4-FFF2-40B4-BE49-F238E27FC236}">
+                <a16:creationId xmlns:a16="http://schemas.microsoft.com/office/drawing/2014/main" id="{612791FE-02B2-E845-A5C1-033DD92A85C0}"/>
+              </a:ext>
+            </a:extLst>
+          </p:cNvPr>
+          <p:cNvPicPr>
+            <a:picLocks noChangeAspect="1"/>
+          </p:cNvPicPr>
+          <p:nvPr/>
+        </p:nvPicPr>
+        <p:blipFill>
+          <a:blip r:embed="rId5"/>
+          <a:stretch>
+            <a:fillRect/>
+          </a:stretch>
+        </p:blipFill>
+        <p:spPr>
+          <a:xfrm>
+            <a:off x="2576185" y="603400"/>
+            <a:ext cx="2470989" cy="3458558"/>
+          </a:xfrm>
+          <a:prstGeom prst="rect">
+            <a:avLst/>
+          </a:prstGeom>
+        </p:spPr>
+      </p:pic>
+      <p:pic>
+        <p:nvPicPr>
+          <p:cNvPr id="5" name="Picture 4">
+            <a:extLst>
+              <a:ext uri="{FF2B5EF4-FFF2-40B4-BE49-F238E27FC236}">
+                <a16:creationId xmlns:a16="http://schemas.microsoft.com/office/drawing/2014/main" id="{B25B9DC0-E698-B44B-9BD1-7DF86B3BB8C6}"/>
+              </a:ext>
+            </a:extLst>
+          </p:cNvPr>
+          <p:cNvPicPr>
+            <a:picLocks noChangeAspect="1"/>
+          </p:cNvPicPr>
+          <p:nvPr/>
+        </p:nvPicPr>
+        <p:blipFill rotWithShape="1">
+          <a:blip r:embed="rId6"/>
+          <a:srcRect t="2737"/>
+          <a:stretch/>
+        </p:blipFill>
+        <p:spPr>
+          <a:xfrm>
+            <a:off x="2576185" y="4014320"/>
+            <a:ext cx="2470990" cy="896230"/>
+          </a:xfrm>
+          <a:prstGeom prst="rect">
+            <a:avLst/>
+          </a:prstGeom>
+        </p:spPr>
+      </p:pic>
+      <p:pic>
+        <p:nvPicPr>
+          <p:cNvPr id="7" name="Picture 6">
+            <a:extLst>
+              <a:ext uri="{FF2B5EF4-FFF2-40B4-BE49-F238E27FC236}">
+                <a16:creationId xmlns:a16="http://schemas.microsoft.com/office/drawing/2014/main" id="{C69F27A3-6639-C149-A1C8-2FBC23880A79}"/>
+              </a:ext>
+            </a:extLst>
+          </p:cNvPr>
+          <p:cNvPicPr>
+            <a:picLocks noChangeAspect="1"/>
+          </p:cNvPicPr>
+          <p:nvPr/>
+        </p:nvPicPr>
+        <p:blipFill>
+          <a:blip r:embed="rId7"/>
+          <a:stretch>
+            <a:fillRect/>
+          </a:stretch>
+        </p:blipFill>
+        <p:spPr>
+          <a:xfrm>
+            <a:off x="5047173" y="591358"/>
+            <a:ext cx="2366272" cy="2279508"/>
+          </a:xfrm>
+          <a:prstGeom prst="rect">
+            <a:avLst/>
+          </a:prstGeom>
+        </p:spPr>
+      </p:pic>
+      <p:pic>
+        <p:nvPicPr>
+          <p:cNvPr id="10" name="Picture 9">
+            <a:extLst>
+              <a:ext uri="{FF2B5EF4-FFF2-40B4-BE49-F238E27FC236}">
+                <a16:creationId xmlns:a16="http://schemas.microsoft.com/office/drawing/2014/main" id="{5665FA40-5696-9548-A234-DD32383B8FD2}"/>
+              </a:ext>
+            </a:extLst>
+          </p:cNvPr>
+          <p:cNvPicPr>
+            <a:picLocks noChangeAspect="1"/>
+          </p:cNvPicPr>
+          <p:nvPr/>
+        </p:nvPicPr>
+        <p:blipFill rotWithShape="1">
+          <a:blip r:embed="rId8"/>
+          <a:srcRect t="2357"/>
+          <a:stretch/>
+        </p:blipFill>
+        <p:spPr>
+          <a:xfrm>
+            <a:off x="5049525" y="2853640"/>
+            <a:ext cx="2358273" cy="1612265"/>
+          </a:xfrm>
+          <a:prstGeom prst="rect">
+            <a:avLst/>
+          </a:prstGeom>
+        </p:spPr>
+      </p:pic>
+    </p:spTree>
+    <p:extLst>
+      <p:ext uri="{BB962C8B-B14F-4D97-AF65-F5344CB8AC3E}">
+        <p14:creationId xmlns:p14="http://schemas.microsoft.com/office/powerpoint/2010/main" val="2915057737"/>
+      </p:ext>
+    </p:extLst>
+  </p:cSld>
+  <p:clrMapOvr>
+    <a:masterClrMapping/>
+  </p:clrMapOvr>
+</p:sld>
+</file>
+
+<file path=ppt/slides/slide72.xml><?xml version="1.0" encoding="utf-8"?>
 <p:sld xmlns:a="http://schemas.openxmlformats.org/drawingml/2006/main" xmlns:r="http://schemas.openxmlformats.org/officeDocument/2006/relationships" xmlns:p="http://schemas.openxmlformats.org/presentationml/2006/main">
   <p:cSld>
     <p:spTree>

--- a/Measuring Outcome v2 - 2020 update.pptx
+++ b/Measuring Outcome v2 - 2020 update.pptx
@@ -5,7 +5,7 @@
     <p:sldMasterId id="2147483660" r:id="rId1"/>
   </p:sldMasterIdLst>
   <p:notesMasterIdLst>
-    <p:notesMasterId r:id="rId74"/>
+    <p:notesMasterId r:id="rId76"/>
   </p:notesMasterIdLst>
   <p:sldIdLst>
     <p:sldId id="256" r:id="rId2"/>
@@ -34,83 +34,85 @@
     <p:sldId id="367" r:id="rId25"/>
     <p:sldId id="308" r:id="rId26"/>
     <p:sldId id="309" r:id="rId27"/>
-    <p:sldId id="310" r:id="rId28"/>
-    <p:sldId id="311" r:id="rId29"/>
-    <p:sldId id="312" r:id="rId30"/>
-    <p:sldId id="313" r:id="rId31"/>
-    <p:sldId id="364" r:id="rId32"/>
-    <p:sldId id="365" r:id="rId33"/>
-    <p:sldId id="314" r:id="rId34"/>
-    <p:sldId id="315" r:id="rId35"/>
-    <p:sldId id="316" r:id="rId36"/>
-    <p:sldId id="317" r:id="rId37"/>
-    <p:sldId id="318" r:id="rId38"/>
-    <p:sldId id="319" r:id="rId39"/>
-    <p:sldId id="320" r:id="rId40"/>
-    <p:sldId id="321" r:id="rId41"/>
-    <p:sldId id="322" r:id="rId42"/>
-    <p:sldId id="323" r:id="rId43"/>
-    <p:sldId id="324" r:id="rId44"/>
-    <p:sldId id="325" r:id="rId45"/>
-    <p:sldId id="326" r:id="rId46"/>
-    <p:sldId id="327" r:id="rId47"/>
-    <p:sldId id="337" r:id="rId48"/>
-    <p:sldId id="338" r:id="rId49"/>
-    <p:sldId id="339" r:id="rId50"/>
-    <p:sldId id="340" r:id="rId51"/>
-    <p:sldId id="341" r:id="rId52"/>
-    <p:sldId id="342" r:id="rId53"/>
-    <p:sldId id="343" r:id="rId54"/>
-    <p:sldId id="344" r:id="rId55"/>
-    <p:sldId id="352" r:id="rId56"/>
-    <p:sldId id="353" r:id="rId57"/>
-    <p:sldId id="354" r:id="rId58"/>
-    <p:sldId id="355" r:id="rId59"/>
-    <p:sldId id="357" r:id="rId60"/>
-    <p:sldId id="358" r:id="rId61"/>
-    <p:sldId id="345" r:id="rId62"/>
-    <p:sldId id="346" r:id="rId63"/>
-    <p:sldId id="347" r:id="rId64"/>
-    <p:sldId id="348" r:id="rId65"/>
-    <p:sldId id="328" r:id="rId66"/>
-    <p:sldId id="329" r:id="rId67"/>
-    <p:sldId id="334" r:id="rId68"/>
-    <p:sldId id="331" r:id="rId69"/>
-    <p:sldId id="335" r:id="rId70"/>
-    <p:sldId id="333" r:id="rId71"/>
-    <p:sldId id="359" r:id="rId72"/>
-    <p:sldId id="351" r:id="rId73"/>
+    <p:sldId id="368" r:id="rId28"/>
+    <p:sldId id="369" r:id="rId29"/>
+    <p:sldId id="310" r:id="rId30"/>
+    <p:sldId id="311" r:id="rId31"/>
+    <p:sldId id="312" r:id="rId32"/>
+    <p:sldId id="313" r:id="rId33"/>
+    <p:sldId id="364" r:id="rId34"/>
+    <p:sldId id="365" r:id="rId35"/>
+    <p:sldId id="314" r:id="rId36"/>
+    <p:sldId id="315" r:id="rId37"/>
+    <p:sldId id="316" r:id="rId38"/>
+    <p:sldId id="317" r:id="rId39"/>
+    <p:sldId id="318" r:id="rId40"/>
+    <p:sldId id="319" r:id="rId41"/>
+    <p:sldId id="320" r:id="rId42"/>
+    <p:sldId id="321" r:id="rId43"/>
+    <p:sldId id="322" r:id="rId44"/>
+    <p:sldId id="323" r:id="rId45"/>
+    <p:sldId id="324" r:id="rId46"/>
+    <p:sldId id="325" r:id="rId47"/>
+    <p:sldId id="326" r:id="rId48"/>
+    <p:sldId id="327" r:id="rId49"/>
+    <p:sldId id="337" r:id="rId50"/>
+    <p:sldId id="338" r:id="rId51"/>
+    <p:sldId id="339" r:id="rId52"/>
+    <p:sldId id="340" r:id="rId53"/>
+    <p:sldId id="341" r:id="rId54"/>
+    <p:sldId id="342" r:id="rId55"/>
+    <p:sldId id="343" r:id="rId56"/>
+    <p:sldId id="344" r:id="rId57"/>
+    <p:sldId id="352" r:id="rId58"/>
+    <p:sldId id="353" r:id="rId59"/>
+    <p:sldId id="354" r:id="rId60"/>
+    <p:sldId id="355" r:id="rId61"/>
+    <p:sldId id="357" r:id="rId62"/>
+    <p:sldId id="358" r:id="rId63"/>
+    <p:sldId id="345" r:id="rId64"/>
+    <p:sldId id="346" r:id="rId65"/>
+    <p:sldId id="347" r:id="rId66"/>
+    <p:sldId id="348" r:id="rId67"/>
+    <p:sldId id="328" r:id="rId68"/>
+    <p:sldId id="329" r:id="rId69"/>
+    <p:sldId id="334" r:id="rId70"/>
+    <p:sldId id="331" r:id="rId71"/>
+    <p:sldId id="335" r:id="rId72"/>
+    <p:sldId id="333" r:id="rId73"/>
+    <p:sldId id="359" r:id="rId74"/>
+    <p:sldId id="351" r:id="rId75"/>
   </p:sldIdLst>
   <p:sldSz cx="7559675" cy="5327650"/>
   <p:notesSz cx="6858000" cy="9144000"/>
   <p:embeddedFontLst>
     <p:embeddedFont>
       <p:font typeface="Calibri" panose="020F0502020204030204" pitchFamily="34" charset="0"/>
-      <p:regular r:id="rId75"/>
-      <p:bold r:id="rId75"/>
-      <p:italic r:id="rId75"/>
-      <p:boldItalic r:id="rId75"/>
+      <p:regular r:id="rId77"/>
+      <p:bold r:id="rId77"/>
+      <p:italic r:id="rId77"/>
+      <p:boldItalic r:id="rId77"/>
     </p:embeddedFont>
     <p:embeddedFont>
       <p:font typeface="Calibri Light" panose="020F0302020204030204" pitchFamily="34" charset="0"/>
-      <p:regular r:id="rId75"/>
-      <p:italic r:id="rId75"/>
+      <p:regular r:id="rId77"/>
+      <p:italic r:id="rId77"/>
     </p:embeddedFont>
     <p:embeddedFont>
       <p:font typeface="Marvel" pitchFamily="2" charset="0"/>
-      <p:regular r:id="rId75"/>
+      <p:regular r:id="rId77"/>
     </p:embeddedFont>
     <p:embeddedFont>
       <p:font typeface="Ubuntu" panose="020B0504030602030204" pitchFamily="34" charset="0"/>
-      <p:regular r:id="rId75"/>
-      <p:bold r:id="rId75"/>
-      <p:italic r:id="rId75"/>
-      <p:boldItalic r:id="rId75"/>
+      <p:regular r:id="rId77"/>
+      <p:bold r:id="rId77"/>
+      <p:italic r:id="rId77"/>
+      <p:boldItalic r:id="rId77"/>
     </p:embeddedFont>
     <p:embeddedFont>
       <p:font typeface="Ubuntu Light" panose="020B0304030602030204" pitchFamily="34" charset="0"/>
-      <p:regular r:id="rId75"/>
-      <p:italic r:id="rId75"/>
+      <p:regular r:id="rId77"/>
+      <p:italic r:id="rId77"/>
     </p:embeddedFont>
   </p:embeddedFontLst>
   <p:defaultTextStyle>
@@ -1022,7 +1024,7 @@
           <a:p>
             <a:fld id="{240114D0-54EC-2541-891C-414F49E4331F}" type="slidenum">
               <a:rPr lang="en-NL" smtClean="0"/>
-              <a:t>71</a:t>
+              <a:t>73</a:t>
             </a:fld>
             <a:endParaRPr lang="en-NL"/>
           </a:p>
@@ -8271,7 +8273,7 @@
             <a:p>
               <a:pPr algn="ctr"/>
               <a:r>
-                <a:rPr lang="en-GB" sz="5000" b="1">
+                <a:rPr lang="en-GB" sz="5000" b="1" dirty="0">
                   <a:solidFill>
                     <a:schemeClr val="bg1"/>
                   </a:solidFill>
@@ -9131,6 +9133,500 @@
       </p:grpSpPr>
       <p:sp>
         <p:nvSpPr>
+          <p:cNvPr id="4" name="Rounded Rectangle 3">
+            <a:extLst>
+              <a:ext uri="{FF2B5EF4-FFF2-40B4-BE49-F238E27FC236}">
+                <a16:creationId xmlns:a16="http://schemas.microsoft.com/office/drawing/2014/main" id="{E1C15D69-EE8D-4E47-B2D2-A1EA5AB5FCAA}"/>
+              </a:ext>
+            </a:extLst>
+          </p:cNvPr>
+          <p:cNvSpPr/>
+          <p:nvPr/>
+        </p:nvSpPr>
+        <p:spPr>
+          <a:xfrm>
+            <a:off x="0" y="0"/>
+            <a:ext cx="7559675" cy="5327650"/>
+          </a:xfrm>
+          <a:prstGeom prst="roundRect">
+            <a:avLst>
+              <a:gd name="adj" fmla="val 0"/>
+            </a:avLst>
+          </a:prstGeom>
+          <a:solidFill>
+            <a:schemeClr val="accent6">
+              <a:lumMod val="50000"/>
+            </a:schemeClr>
+          </a:solidFill>
+          <a:ln>
+            <a:noFill/>
+          </a:ln>
+        </p:spPr>
+        <p:style>
+          <a:lnRef idx="2">
+            <a:schemeClr val="accent1">
+              <a:shade val="50000"/>
+            </a:schemeClr>
+          </a:lnRef>
+          <a:fillRef idx="1">
+            <a:schemeClr val="accent1"/>
+          </a:fillRef>
+          <a:effectRef idx="0">
+            <a:schemeClr val="accent1"/>
+          </a:effectRef>
+          <a:fontRef idx="minor">
+            <a:schemeClr val="lt1"/>
+          </a:fontRef>
+        </p:style>
+        <p:txBody>
+          <a:bodyPr rtlCol="0" anchor="ctr"/>
+          <a:lstStyle/>
+          <a:p>
+            <a:pPr algn="ctr"/>
+            <a:endParaRPr lang="en-NL"/>
+          </a:p>
+        </p:txBody>
+      </p:sp>
+      <p:grpSp>
+        <p:nvGrpSpPr>
+          <p:cNvPr id="2" name="Group 1">
+            <a:extLst>
+              <a:ext uri="{FF2B5EF4-FFF2-40B4-BE49-F238E27FC236}">
+                <a16:creationId xmlns:a16="http://schemas.microsoft.com/office/drawing/2014/main" id="{FF010C57-26BD-DB4B-947A-822BA9E33CAE}"/>
+              </a:ext>
+            </a:extLst>
+          </p:cNvPr>
+          <p:cNvGrpSpPr/>
+          <p:nvPr/>
+        </p:nvGrpSpPr>
+        <p:grpSpPr>
+          <a:xfrm>
+            <a:off x="883471" y="1845614"/>
+            <a:ext cx="5792732" cy="1636421"/>
+            <a:chOff x="883471" y="1743339"/>
+            <a:chExt cx="5792732" cy="1636421"/>
+          </a:xfrm>
+        </p:grpSpPr>
+        <p:sp>
+          <p:nvSpPr>
+            <p:cNvPr id="6" name="TextBox 5">
+              <a:extLst>
+                <a:ext uri="{FF2B5EF4-FFF2-40B4-BE49-F238E27FC236}">
+                  <a16:creationId xmlns:a16="http://schemas.microsoft.com/office/drawing/2014/main" id="{009EAD6C-D563-D744-AFCA-AE8CA95E6630}"/>
+                </a:ext>
+              </a:extLst>
+            </p:cNvPr>
+            <p:cNvSpPr txBox="1"/>
+            <p:nvPr/>
+          </p:nvSpPr>
+          <p:spPr>
+            <a:xfrm>
+              <a:off x="883471" y="1743339"/>
+              <a:ext cx="5792732" cy="861774"/>
+            </a:xfrm>
+            <a:prstGeom prst="rect">
+              <a:avLst/>
+            </a:prstGeom>
+            <a:noFill/>
+          </p:spPr>
+          <p:txBody>
+            <a:bodyPr wrap="square" rtlCol="0">
+              <a:spAutoFit/>
+            </a:bodyPr>
+            <a:lstStyle/>
+            <a:p>
+              <a:pPr algn="ctr"/>
+              <a:r>
+                <a:rPr lang="en-NL" sz="5000" b="1" dirty="0">
+                  <a:solidFill>
+                    <a:schemeClr val="bg1"/>
+                  </a:solidFill>
+                  <a:latin typeface="Ubuntu" panose="020B0504030602030204" pitchFamily="34" charset="0"/>
+                </a:rPr>
+                <a:t>Time </a:t>
+              </a:r>
+              <a:r>
+                <a:rPr lang="en-NL" sz="5000" b="1">
+                  <a:solidFill>
+                    <a:schemeClr val="bg1"/>
+                  </a:solidFill>
+                  <a:latin typeface="Ubuntu" panose="020B0504030602030204" pitchFamily="34" charset="0"/>
+                </a:rPr>
+                <a:t>to Pivot</a:t>
+              </a:r>
+              <a:endParaRPr lang="en-NL" sz="5000" b="1" dirty="0">
+                <a:solidFill>
+                  <a:schemeClr val="bg1"/>
+                </a:solidFill>
+                <a:latin typeface="Ubuntu" panose="020B0504030602030204" pitchFamily="34" charset="0"/>
+              </a:endParaRPr>
+            </a:p>
+          </p:txBody>
+        </p:sp>
+        <p:sp>
+          <p:nvSpPr>
+            <p:cNvPr id="10" name="Diamond 9">
+              <a:extLst>
+                <a:ext uri="{FF2B5EF4-FFF2-40B4-BE49-F238E27FC236}">
+                  <a16:creationId xmlns:a16="http://schemas.microsoft.com/office/drawing/2014/main" id="{3466022B-B59D-5D40-9FFA-D5042480CDB9}"/>
+                </a:ext>
+              </a:extLst>
+            </p:cNvPr>
+            <p:cNvSpPr/>
+            <p:nvPr/>
+          </p:nvSpPr>
+          <p:spPr>
+            <a:xfrm>
+              <a:off x="2854908" y="2829570"/>
+              <a:ext cx="550190" cy="550190"/>
+            </a:xfrm>
+            <a:prstGeom prst="diamond">
+              <a:avLst/>
+            </a:prstGeom>
+            <a:solidFill>
+              <a:schemeClr val="bg1"/>
+            </a:solidFill>
+            <a:ln>
+              <a:solidFill>
+                <a:schemeClr val="bg1"/>
+              </a:solidFill>
+            </a:ln>
+          </p:spPr>
+          <p:style>
+            <a:lnRef idx="2">
+              <a:schemeClr val="accent1">
+                <a:shade val="50000"/>
+              </a:schemeClr>
+            </a:lnRef>
+            <a:fillRef idx="1">
+              <a:schemeClr val="accent1"/>
+            </a:fillRef>
+            <a:effectRef idx="0">
+              <a:schemeClr val="accent1"/>
+            </a:effectRef>
+            <a:fontRef idx="minor">
+              <a:schemeClr val="lt1"/>
+            </a:fontRef>
+          </p:style>
+          <p:txBody>
+            <a:bodyPr rtlCol="0" anchor="ctr"/>
+            <a:lstStyle/>
+            <a:p>
+              <a:pPr algn="ctr"/>
+              <a:endParaRPr lang="en-NL"/>
+            </a:p>
+          </p:txBody>
+        </p:sp>
+        <p:sp>
+          <p:nvSpPr>
+            <p:cNvPr id="11" name="Diamond 10">
+              <a:extLst>
+                <a:ext uri="{FF2B5EF4-FFF2-40B4-BE49-F238E27FC236}">
+                  <a16:creationId xmlns:a16="http://schemas.microsoft.com/office/drawing/2014/main" id="{1C11A552-9FE6-184A-92C5-D74873BC4D00}"/>
+                </a:ext>
+              </a:extLst>
+            </p:cNvPr>
+            <p:cNvSpPr/>
+            <p:nvPr/>
+          </p:nvSpPr>
+          <p:spPr>
+            <a:xfrm>
+              <a:off x="3504742" y="2819798"/>
+              <a:ext cx="550190" cy="550190"/>
+            </a:xfrm>
+            <a:prstGeom prst="diamond">
+              <a:avLst/>
+            </a:prstGeom>
+            <a:solidFill>
+              <a:schemeClr val="bg1"/>
+            </a:solidFill>
+            <a:ln>
+              <a:solidFill>
+                <a:schemeClr val="bg1"/>
+              </a:solidFill>
+            </a:ln>
+          </p:spPr>
+          <p:style>
+            <a:lnRef idx="2">
+              <a:schemeClr val="accent1">
+                <a:shade val="50000"/>
+              </a:schemeClr>
+            </a:lnRef>
+            <a:fillRef idx="1">
+              <a:schemeClr val="accent1"/>
+            </a:fillRef>
+            <a:effectRef idx="0">
+              <a:schemeClr val="accent1"/>
+            </a:effectRef>
+            <a:fontRef idx="minor">
+              <a:schemeClr val="lt1"/>
+            </a:fontRef>
+          </p:style>
+          <p:txBody>
+            <a:bodyPr rtlCol="0" anchor="ctr"/>
+            <a:lstStyle/>
+            <a:p>
+              <a:pPr algn="ctr"/>
+              <a:endParaRPr lang="en-NL"/>
+            </a:p>
+          </p:txBody>
+        </p:sp>
+        <p:sp>
+          <p:nvSpPr>
+            <p:cNvPr id="12" name="Diamond 11">
+              <a:extLst>
+                <a:ext uri="{FF2B5EF4-FFF2-40B4-BE49-F238E27FC236}">
+                  <a16:creationId xmlns:a16="http://schemas.microsoft.com/office/drawing/2014/main" id="{6DDADB0A-BEFC-D546-8C37-35D771104043}"/>
+                </a:ext>
+              </a:extLst>
+            </p:cNvPr>
+            <p:cNvSpPr/>
+            <p:nvPr/>
+          </p:nvSpPr>
+          <p:spPr>
+            <a:xfrm>
+              <a:off x="4154576" y="2819798"/>
+              <a:ext cx="550190" cy="550190"/>
+            </a:xfrm>
+            <a:prstGeom prst="diamond">
+              <a:avLst/>
+            </a:prstGeom>
+            <a:solidFill>
+              <a:schemeClr val="bg1"/>
+            </a:solidFill>
+            <a:ln>
+              <a:solidFill>
+                <a:schemeClr val="bg1"/>
+              </a:solidFill>
+            </a:ln>
+          </p:spPr>
+          <p:style>
+            <a:lnRef idx="2">
+              <a:schemeClr val="accent1">
+                <a:shade val="50000"/>
+              </a:schemeClr>
+            </a:lnRef>
+            <a:fillRef idx="1">
+              <a:schemeClr val="accent1"/>
+            </a:fillRef>
+            <a:effectRef idx="0">
+              <a:schemeClr val="accent1"/>
+            </a:effectRef>
+            <a:fontRef idx="minor">
+              <a:schemeClr val="lt1"/>
+            </a:fontRef>
+          </p:style>
+          <p:txBody>
+            <a:bodyPr rtlCol="0" anchor="ctr"/>
+            <a:lstStyle/>
+            <a:p>
+              <a:pPr algn="ctr"/>
+              <a:endParaRPr lang="en-NL"/>
+            </a:p>
+          </p:txBody>
+        </p:sp>
+      </p:grpSp>
+    </p:spTree>
+    <p:extLst>
+      <p:ext uri="{BB962C8B-B14F-4D97-AF65-F5344CB8AC3E}">
+        <p14:creationId xmlns:p14="http://schemas.microsoft.com/office/powerpoint/2010/main" val="1334417292"/>
+      </p:ext>
+    </p:extLst>
+  </p:cSld>
+  <p:clrMapOvr>
+    <a:masterClrMapping/>
+  </p:clrMapOvr>
+</p:sld>
+</file>
+
+<file path=ppt/slides/slide28.xml><?xml version="1.0" encoding="utf-8"?>
+<p:sld xmlns:a="http://schemas.openxmlformats.org/drawingml/2006/main" xmlns:r="http://schemas.openxmlformats.org/officeDocument/2006/relationships" xmlns:p="http://schemas.openxmlformats.org/presentationml/2006/main">
+  <p:cSld>
+    <p:spTree>
+      <p:nvGrpSpPr>
+        <p:cNvPr id="1" name=""/>
+        <p:cNvGrpSpPr/>
+        <p:nvPr/>
+      </p:nvGrpSpPr>
+      <p:grpSpPr>
+        <a:xfrm>
+          <a:off x="0" y="0"/>
+          <a:ext cx="0" cy="0"/>
+          <a:chOff x="0" y="0"/>
+          <a:chExt cx="0" cy="0"/>
+        </a:xfrm>
+      </p:grpSpPr>
+      <p:sp>
+        <p:nvSpPr>
+          <p:cNvPr id="2" name="Title 1">
+            <a:extLst>
+              <a:ext uri="{FF2B5EF4-FFF2-40B4-BE49-F238E27FC236}">
+                <a16:creationId xmlns:a16="http://schemas.microsoft.com/office/drawing/2014/main" id="{CFCDF3DA-1D3D-E743-8E21-6B353B4D96A4}"/>
+              </a:ext>
+            </a:extLst>
+          </p:cNvPr>
+          <p:cNvSpPr>
+            <a:spLocks noGrp="1"/>
+          </p:cNvSpPr>
+          <p:nvPr>
+            <p:ph type="title"/>
+          </p:nvPr>
+        </p:nvSpPr>
+        <p:spPr/>
+        <p:txBody>
+          <a:bodyPr/>
+          <a:lstStyle/>
+          <a:p>
+            <a:endParaRPr lang="en-NL"/>
+          </a:p>
+        </p:txBody>
+      </p:sp>
+      <p:sp>
+        <p:nvSpPr>
+          <p:cNvPr id="3" name="Content Placeholder 2">
+            <a:extLst>
+              <a:ext uri="{FF2B5EF4-FFF2-40B4-BE49-F238E27FC236}">
+                <a16:creationId xmlns:a16="http://schemas.microsoft.com/office/drawing/2014/main" id="{40A525DA-CA85-AD48-8A85-52A75E1E5317}"/>
+              </a:ext>
+            </a:extLst>
+          </p:cNvPr>
+          <p:cNvSpPr>
+            <a:spLocks noGrp="1"/>
+          </p:cNvSpPr>
+          <p:nvPr>
+            <p:ph idx="1"/>
+          </p:nvPr>
+        </p:nvSpPr>
+        <p:spPr/>
+        <p:txBody>
+          <a:bodyPr/>
+          <a:lstStyle/>
+          <a:p>
+            <a:endParaRPr lang="en-NL"/>
+          </a:p>
+        </p:txBody>
+      </p:sp>
+      <p:sp>
+        <p:nvSpPr>
+          <p:cNvPr id="4" name="Rounded Rectangle 3">
+            <a:extLst>
+              <a:ext uri="{FF2B5EF4-FFF2-40B4-BE49-F238E27FC236}">
+                <a16:creationId xmlns:a16="http://schemas.microsoft.com/office/drawing/2014/main" id="{6B890BB6-3544-1A4E-A833-93135A597BB4}"/>
+              </a:ext>
+            </a:extLst>
+          </p:cNvPr>
+          <p:cNvSpPr/>
+          <p:nvPr/>
+        </p:nvSpPr>
+        <p:spPr>
+          <a:xfrm>
+            <a:off x="0" y="0"/>
+            <a:ext cx="7559675" cy="5327650"/>
+          </a:xfrm>
+          <a:prstGeom prst="roundRect">
+            <a:avLst>
+              <a:gd name="adj" fmla="val 0"/>
+            </a:avLst>
+          </a:prstGeom>
+          <a:blipFill>
+            <a:blip r:embed="rId2"/>
+            <a:stretch>
+              <a:fillRect/>
+            </a:stretch>
+          </a:blipFill>
+          <a:ln>
+            <a:solidFill>
+              <a:schemeClr val="bg2"/>
+            </a:solidFill>
+          </a:ln>
+        </p:spPr>
+        <p:style>
+          <a:lnRef idx="2">
+            <a:schemeClr val="accent1">
+              <a:shade val="50000"/>
+            </a:schemeClr>
+          </a:lnRef>
+          <a:fillRef idx="1">
+            <a:schemeClr val="accent1"/>
+          </a:fillRef>
+          <a:effectRef idx="0">
+            <a:schemeClr val="accent1"/>
+          </a:effectRef>
+          <a:fontRef idx="minor">
+            <a:schemeClr val="lt1"/>
+          </a:fontRef>
+        </p:style>
+        <p:txBody>
+          <a:bodyPr rtlCol="0" anchor="ctr"/>
+          <a:lstStyle/>
+          <a:p>
+            <a:pPr algn="ctr"/>
+            <a:endParaRPr lang="en-NL"/>
+          </a:p>
+        </p:txBody>
+      </p:sp>
+      <p:pic>
+        <p:nvPicPr>
+          <p:cNvPr id="5" name="Picture 4" descr="A picture containing food, drawing&#10;&#10;Description automatically generated">
+            <a:extLst>
+              <a:ext uri="{FF2B5EF4-FFF2-40B4-BE49-F238E27FC236}">
+                <a16:creationId xmlns:a16="http://schemas.microsoft.com/office/drawing/2014/main" id="{27611709-3190-2A4B-BCE4-4D329000A8EB}"/>
+              </a:ext>
+            </a:extLst>
+          </p:cNvPr>
+          <p:cNvPicPr>
+            <a:picLocks noChangeAspect="1"/>
+          </p:cNvPicPr>
+          <p:nvPr/>
+        </p:nvPicPr>
+        <p:blipFill>
+          <a:blip r:embed="rId3"/>
+          <a:stretch>
+            <a:fillRect/>
+          </a:stretch>
+        </p:blipFill>
+        <p:spPr>
+          <a:xfrm>
+            <a:off x="350837" y="-765175"/>
+            <a:ext cx="6858000" cy="6858000"/>
+          </a:xfrm>
+          <a:prstGeom prst="rect">
+            <a:avLst/>
+          </a:prstGeom>
+        </p:spPr>
+      </p:pic>
+    </p:spTree>
+    <p:extLst>
+      <p:ext uri="{BB962C8B-B14F-4D97-AF65-F5344CB8AC3E}">
+        <p14:creationId xmlns:p14="http://schemas.microsoft.com/office/powerpoint/2010/main" val="3374948228"/>
+      </p:ext>
+    </p:extLst>
+  </p:cSld>
+  <p:clrMapOvr>
+    <a:masterClrMapping/>
+  </p:clrMapOvr>
+</p:sld>
+</file>
+
+<file path=ppt/slides/slide29.xml><?xml version="1.0" encoding="utf-8"?>
+<p:sld xmlns:a="http://schemas.openxmlformats.org/drawingml/2006/main" xmlns:r="http://schemas.openxmlformats.org/officeDocument/2006/relationships" xmlns:p="http://schemas.openxmlformats.org/presentationml/2006/main">
+  <p:cSld>
+    <p:spTree>
+      <p:nvGrpSpPr>
+        <p:cNvPr id="1" name=""/>
+        <p:cNvGrpSpPr/>
+        <p:nvPr/>
+      </p:nvGrpSpPr>
+      <p:grpSpPr>
+        <a:xfrm>
+          <a:off x="0" y="0"/>
+          <a:ext cx="0" cy="0"/>
+          <a:chOff x="0" y="0"/>
+          <a:chExt cx="0" cy="0"/>
+        </a:xfrm>
+      </p:grpSpPr>
+      <p:sp>
+        <p:nvSpPr>
           <p:cNvPr id="5" name="Rounded Rectangle 4">
             <a:extLst>
               <a:ext uri="{FF2B5EF4-FFF2-40B4-BE49-F238E27FC236}">
@@ -9422,7 +9918,998 @@
 </p:sld>
 </file>
 
-<file path=ppt/slides/slide28.xml><?xml version="1.0" encoding="utf-8"?>
+<file path=ppt/slides/slide3.xml><?xml version="1.0" encoding="utf-8"?>
+<p:sld xmlns:a="http://schemas.openxmlformats.org/drawingml/2006/main" xmlns:r="http://schemas.openxmlformats.org/officeDocument/2006/relationships" xmlns:p="http://schemas.openxmlformats.org/presentationml/2006/main">
+  <p:cSld>
+    <p:spTree>
+      <p:nvGrpSpPr>
+        <p:cNvPr id="1" name=""/>
+        <p:cNvGrpSpPr/>
+        <p:nvPr/>
+      </p:nvGrpSpPr>
+      <p:grpSpPr>
+        <a:xfrm>
+          <a:off x="0" y="0"/>
+          <a:ext cx="0" cy="0"/>
+          <a:chOff x="0" y="0"/>
+          <a:chExt cx="0" cy="0"/>
+        </a:xfrm>
+      </p:grpSpPr>
+      <p:sp>
+        <p:nvSpPr>
+          <p:cNvPr id="14" name="Rounded Rectangle 13">
+            <a:extLst>
+              <a:ext uri="{FF2B5EF4-FFF2-40B4-BE49-F238E27FC236}">
+                <a16:creationId xmlns:a16="http://schemas.microsoft.com/office/drawing/2014/main" id="{D8656E71-C2B4-0F4F-93C2-2FE01E15243E}"/>
+              </a:ext>
+            </a:extLst>
+          </p:cNvPr>
+          <p:cNvSpPr/>
+          <p:nvPr/>
+        </p:nvSpPr>
+        <p:spPr>
+          <a:xfrm>
+            <a:off x="0" y="0"/>
+            <a:ext cx="7559675" cy="5327650"/>
+          </a:xfrm>
+          <a:prstGeom prst="roundRect">
+            <a:avLst>
+              <a:gd name="adj" fmla="val 0"/>
+            </a:avLst>
+          </a:prstGeom>
+          <a:solidFill>
+            <a:srgbClr val="DE8445"/>
+          </a:solidFill>
+          <a:ln>
+            <a:noFill/>
+          </a:ln>
+        </p:spPr>
+        <p:style>
+          <a:lnRef idx="2">
+            <a:schemeClr val="accent1">
+              <a:shade val="50000"/>
+            </a:schemeClr>
+          </a:lnRef>
+          <a:fillRef idx="1">
+            <a:schemeClr val="accent1"/>
+          </a:fillRef>
+          <a:effectRef idx="0">
+            <a:schemeClr val="accent1"/>
+          </a:effectRef>
+          <a:fontRef idx="minor">
+            <a:schemeClr val="lt1"/>
+          </a:fontRef>
+        </p:style>
+        <p:txBody>
+          <a:bodyPr rtlCol="0" anchor="ctr"/>
+          <a:lstStyle/>
+          <a:p>
+            <a:pPr algn="ctr"/>
+            <a:r>
+              <a:rPr lang="en-GB" dirty="0"/>
+              <a:t>Reveals the value that the product delivers to customers, today</a:t>
+            </a:r>
+            <a:endParaRPr lang="en-NL" dirty="0"/>
+          </a:p>
+        </p:txBody>
+      </p:sp>
+      <p:sp>
+        <p:nvSpPr>
+          <p:cNvPr id="15" name="Rectangle 14">
+            <a:extLst>
+              <a:ext uri="{FF2B5EF4-FFF2-40B4-BE49-F238E27FC236}">
+                <a16:creationId xmlns:a16="http://schemas.microsoft.com/office/drawing/2014/main" id="{F07C9767-773C-644A-A638-0001139EE025}"/>
+              </a:ext>
+            </a:extLst>
+          </p:cNvPr>
+          <p:cNvSpPr/>
+          <p:nvPr/>
+        </p:nvSpPr>
+        <p:spPr>
+          <a:xfrm>
+            <a:off x="654576" y="629685"/>
+            <a:ext cx="6326488" cy="3992292"/>
+          </a:xfrm>
+          <a:prstGeom prst="rect">
+            <a:avLst/>
+          </a:prstGeom>
+          <a:blipFill>
+            <a:blip r:embed="rId2"/>
+            <a:stretch>
+              <a:fillRect/>
+            </a:stretch>
+          </a:blipFill>
+          <a:ln w="76200">
+            <a:solidFill>
+              <a:schemeClr val="tx1"/>
+            </a:solidFill>
+          </a:ln>
+        </p:spPr>
+        <p:style>
+          <a:lnRef idx="2">
+            <a:schemeClr val="accent1">
+              <a:shade val="50000"/>
+            </a:schemeClr>
+          </a:lnRef>
+          <a:fillRef idx="1">
+            <a:schemeClr val="accent1"/>
+          </a:fillRef>
+          <a:effectRef idx="0">
+            <a:schemeClr val="accent1"/>
+          </a:effectRef>
+          <a:fontRef idx="minor">
+            <a:schemeClr val="lt1"/>
+          </a:fontRef>
+        </p:style>
+        <p:txBody>
+          <a:bodyPr rtlCol="0" anchor="ctr"/>
+          <a:lstStyle/>
+          <a:p>
+            <a:endParaRPr lang="en-NL" sz="9600">
+              <a:latin typeface="Marvel" pitchFamily="2" charset="0"/>
+            </a:endParaRPr>
+          </a:p>
+        </p:txBody>
+      </p:sp>
+      <p:sp>
+        <p:nvSpPr>
+          <p:cNvPr id="17" name="TextBox 16">
+            <a:extLst>
+              <a:ext uri="{FF2B5EF4-FFF2-40B4-BE49-F238E27FC236}">
+                <a16:creationId xmlns:a16="http://schemas.microsoft.com/office/drawing/2014/main" id="{E287ED43-6E86-FA4F-94F4-5B177664B785}"/>
+              </a:ext>
+            </a:extLst>
+          </p:cNvPr>
+          <p:cNvSpPr txBox="1"/>
+          <p:nvPr/>
+        </p:nvSpPr>
+        <p:spPr>
+          <a:xfrm>
+            <a:off x="1092134" y="1887167"/>
+            <a:ext cx="5451371" cy="1477328"/>
+          </a:xfrm>
+          <a:prstGeom prst="rect">
+            <a:avLst/>
+          </a:prstGeom>
+          <a:noFill/>
+        </p:spPr>
+        <p:txBody>
+          <a:bodyPr wrap="square" rtlCol="0">
+            <a:spAutoFit/>
+          </a:bodyPr>
+          <a:lstStyle/>
+          <a:p>
+            <a:pPr algn="ctr"/>
+            <a:r>
+              <a:rPr lang="en-NL" sz="9000" dirty="0">
+                <a:latin typeface="Marvel" pitchFamily="2" charset="0"/>
+              </a:rPr>
+              <a:t>CURRENT VALUE</a:t>
+            </a:r>
+          </a:p>
+        </p:txBody>
+      </p:sp>
+      <p:sp>
+        <p:nvSpPr>
+          <p:cNvPr id="2" name="TextBox 1">
+            <a:extLst>
+              <a:ext uri="{FF2B5EF4-FFF2-40B4-BE49-F238E27FC236}">
+                <a16:creationId xmlns:a16="http://schemas.microsoft.com/office/drawing/2014/main" id="{40491A28-9097-6F43-9DB2-81A447868F1E}"/>
+              </a:ext>
+            </a:extLst>
+          </p:cNvPr>
+          <p:cNvSpPr txBox="1"/>
+          <p:nvPr/>
+        </p:nvSpPr>
+        <p:spPr>
+          <a:xfrm>
+            <a:off x="2527241" y="3029919"/>
+            <a:ext cx="2581155" cy="246221"/>
+          </a:xfrm>
+          <a:prstGeom prst="rect">
+            <a:avLst/>
+          </a:prstGeom>
+          <a:noFill/>
+        </p:spPr>
+        <p:txBody>
+          <a:bodyPr wrap="none" rtlCol="0">
+            <a:spAutoFit/>
+          </a:bodyPr>
+          <a:lstStyle/>
+          <a:p>
+            <a:pPr algn="ctr"/>
+            <a:r>
+              <a:rPr lang="en-GB" sz="1000" dirty="0">
+                <a:solidFill>
+                  <a:schemeClr val="bg1">
+                    <a:lumMod val="50000"/>
+                  </a:schemeClr>
+                </a:solidFill>
+                <a:latin typeface="Ubuntu" panose="020B0504030602030204" pitchFamily="34" charset="0"/>
+              </a:rPr>
+              <a:t>The value that the product delivers today</a:t>
+            </a:r>
+            <a:endParaRPr lang="en-NL" sz="1000" dirty="0">
+              <a:solidFill>
+                <a:schemeClr val="bg1">
+                  <a:lumMod val="50000"/>
+                </a:schemeClr>
+              </a:solidFill>
+              <a:latin typeface="Ubuntu" panose="020B0504030602030204" pitchFamily="34" charset="0"/>
+            </a:endParaRPr>
+          </a:p>
+        </p:txBody>
+      </p:sp>
+      <p:sp>
+        <p:nvSpPr>
+          <p:cNvPr id="9" name="Rounded Rectangle 8">
+            <a:extLst>
+              <a:ext uri="{FF2B5EF4-FFF2-40B4-BE49-F238E27FC236}">
+                <a16:creationId xmlns:a16="http://schemas.microsoft.com/office/drawing/2014/main" id="{80A414F0-FCE5-2E45-A339-248A82CA3769}"/>
+              </a:ext>
+            </a:extLst>
+          </p:cNvPr>
+          <p:cNvSpPr/>
+          <p:nvPr/>
+        </p:nvSpPr>
+        <p:spPr>
+          <a:xfrm>
+            <a:off x="-205353" y="769750"/>
+            <a:ext cx="410705" cy="410705"/>
+          </a:xfrm>
+          <a:prstGeom prst="roundRect">
+            <a:avLst/>
+          </a:prstGeom>
+          <a:solidFill>
+            <a:schemeClr val="bg2"/>
+          </a:solidFill>
+          <a:ln>
+            <a:solidFill>
+              <a:schemeClr val="bg2"/>
+            </a:solidFill>
+          </a:ln>
+        </p:spPr>
+        <p:style>
+          <a:lnRef idx="2">
+            <a:schemeClr val="accent1">
+              <a:shade val="50000"/>
+            </a:schemeClr>
+          </a:lnRef>
+          <a:fillRef idx="1">
+            <a:schemeClr val="accent1"/>
+          </a:fillRef>
+          <a:effectRef idx="0">
+            <a:schemeClr val="accent1"/>
+          </a:effectRef>
+          <a:fontRef idx="minor">
+            <a:schemeClr val="lt1"/>
+          </a:fontRef>
+        </p:style>
+        <p:txBody>
+          <a:bodyPr rtlCol="0" anchor="ctr"/>
+          <a:lstStyle/>
+          <a:p>
+            <a:pPr algn="ctr"/>
+            <a:endParaRPr lang="en-NL"/>
+          </a:p>
+        </p:txBody>
+      </p:sp>
+      <p:sp>
+        <p:nvSpPr>
+          <p:cNvPr id="10" name="Rounded Rectangle 9">
+            <a:extLst>
+              <a:ext uri="{FF2B5EF4-FFF2-40B4-BE49-F238E27FC236}">
+                <a16:creationId xmlns:a16="http://schemas.microsoft.com/office/drawing/2014/main" id="{2333F93C-0F67-C146-84E2-9B869646EE60}"/>
+              </a:ext>
+            </a:extLst>
+          </p:cNvPr>
+          <p:cNvSpPr/>
+          <p:nvPr/>
+        </p:nvSpPr>
+        <p:spPr>
+          <a:xfrm>
+            <a:off x="-186093" y="1325099"/>
+            <a:ext cx="410705" cy="410705"/>
+          </a:xfrm>
+          <a:prstGeom prst="roundRect">
+            <a:avLst/>
+          </a:prstGeom>
+          <a:solidFill>
+            <a:schemeClr val="bg2"/>
+          </a:solidFill>
+          <a:ln>
+            <a:solidFill>
+              <a:schemeClr val="bg2"/>
+            </a:solidFill>
+          </a:ln>
+        </p:spPr>
+        <p:style>
+          <a:lnRef idx="2">
+            <a:schemeClr val="accent1">
+              <a:shade val="50000"/>
+            </a:schemeClr>
+          </a:lnRef>
+          <a:fillRef idx="1">
+            <a:schemeClr val="accent1"/>
+          </a:fillRef>
+          <a:effectRef idx="0">
+            <a:schemeClr val="accent1"/>
+          </a:effectRef>
+          <a:fontRef idx="minor">
+            <a:schemeClr val="lt1"/>
+          </a:fontRef>
+        </p:style>
+        <p:txBody>
+          <a:bodyPr rtlCol="0" anchor="ctr"/>
+          <a:lstStyle/>
+          <a:p>
+            <a:pPr algn="ctr"/>
+            <a:endParaRPr lang="en-NL"/>
+          </a:p>
+        </p:txBody>
+      </p:sp>
+      <p:sp>
+        <p:nvSpPr>
+          <p:cNvPr id="11" name="Rounded Rectangle 10">
+            <a:extLst>
+              <a:ext uri="{FF2B5EF4-FFF2-40B4-BE49-F238E27FC236}">
+                <a16:creationId xmlns:a16="http://schemas.microsoft.com/office/drawing/2014/main" id="{AA9F6613-2A28-7048-A742-95677A05CBD2}"/>
+              </a:ext>
+            </a:extLst>
+          </p:cNvPr>
+          <p:cNvSpPr/>
+          <p:nvPr/>
+        </p:nvSpPr>
+        <p:spPr>
+          <a:xfrm>
+            <a:off x="-205353" y="1880462"/>
+            <a:ext cx="410705" cy="410705"/>
+          </a:xfrm>
+          <a:prstGeom prst="roundRect">
+            <a:avLst/>
+          </a:prstGeom>
+          <a:solidFill>
+            <a:schemeClr val="bg2"/>
+          </a:solidFill>
+          <a:ln>
+            <a:solidFill>
+              <a:schemeClr val="bg2"/>
+            </a:solidFill>
+          </a:ln>
+        </p:spPr>
+        <p:style>
+          <a:lnRef idx="2">
+            <a:schemeClr val="accent1">
+              <a:shade val="50000"/>
+            </a:schemeClr>
+          </a:lnRef>
+          <a:fillRef idx="1">
+            <a:schemeClr val="accent1"/>
+          </a:fillRef>
+          <a:effectRef idx="0">
+            <a:schemeClr val="accent1"/>
+          </a:effectRef>
+          <a:fontRef idx="minor">
+            <a:schemeClr val="lt1"/>
+          </a:fontRef>
+        </p:style>
+        <p:txBody>
+          <a:bodyPr rtlCol="0" anchor="ctr"/>
+          <a:lstStyle/>
+          <a:p>
+            <a:pPr algn="ctr"/>
+            <a:endParaRPr lang="en-NL"/>
+          </a:p>
+        </p:txBody>
+      </p:sp>
+      <p:sp>
+        <p:nvSpPr>
+          <p:cNvPr id="12" name="Rounded Rectangle 11">
+            <a:extLst>
+              <a:ext uri="{FF2B5EF4-FFF2-40B4-BE49-F238E27FC236}">
+                <a16:creationId xmlns:a16="http://schemas.microsoft.com/office/drawing/2014/main" id="{2035461B-5D95-774C-8E4D-3CB256D762EA}"/>
+              </a:ext>
+            </a:extLst>
+          </p:cNvPr>
+          <p:cNvSpPr/>
+          <p:nvPr/>
+        </p:nvSpPr>
+        <p:spPr>
+          <a:xfrm>
+            <a:off x="-228076" y="2435818"/>
+            <a:ext cx="410705" cy="410705"/>
+          </a:xfrm>
+          <a:prstGeom prst="roundRect">
+            <a:avLst/>
+          </a:prstGeom>
+          <a:solidFill>
+            <a:schemeClr val="bg2"/>
+          </a:solidFill>
+          <a:ln>
+            <a:solidFill>
+              <a:schemeClr val="bg2"/>
+            </a:solidFill>
+          </a:ln>
+        </p:spPr>
+        <p:style>
+          <a:lnRef idx="2">
+            <a:schemeClr val="accent1">
+              <a:shade val="50000"/>
+            </a:schemeClr>
+          </a:lnRef>
+          <a:fillRef idx="1">
+            <a:schemeClr val="accent1"/>
+          </a:fillRef>
+          <a:effectRef idx="0">
+            <a:schemeClr val="accent1"/>
+          </a:effectRef>
+          <a:fontRef idx="minor">
+            <a:schemeClr val="lt1"/>
+          </a:fontRef>
+        </p:style>
+        <p:txBody>
+          <a:bodyPr rtlCol="0" anchor="ctr"/>
+          <a:lstStyle/>
+          <a:p>
+            <a:pPr algn="ctr"/>
+            <a:endParaRPr lang="en-NL"/>
+          </a:p>
+        </p:txBody>
+      </p:sp>
+      <p:sp>
+        <p:nvSpPr>
+          <p:cNvPr id="13" name="Rounded Rectangle 12">
+            <a:extLst>
+              <a:ext uri="{FF2B5EF4-FFF2-40B4-BE49-F238E27FC236}">
+                <a16:creationId xmlns:a16="http://schemas.microsoft.com/office/drawing/2014/main" id="{F78111FD-544B-3749-B4C7-6C0601A72685}"/>
+              </a:ext>
+            </a:extLst>
+          </p:cNvPr>
+          <p:cNvSpPr/>
+          <p:nvPr/>
+        </p:nvSpPr>
+        <p:spPr>
+          <a:xfrm>
+            <a:off x="-199978" y="2991174"/>
+            <a:ext cx="410705" cy="410705"/>
+          </a:xfrm>
+          <a:prstGeom prst="roundRect">
+            <a:avLst/>
+          </a:prstGeom>
+          <a:solidFill>
+            <a:schemeClr val="bg2"/>
+          </a:solidFill>
+          <a:ln>
+            <a:solidFill>
+              <a:schemeClr val="bg2"/>
+            </a:solidFill>
+          </a:ln>
+        </p:spPr>
+        <p:style>
+          <a:lnRef idx="2">
+            <a:schemeClr val="accent1">
+              <a:shade val="50000"/>
+            </a:schemeClr>
+          </a:lnRef>
+          <a:fillRef idx="1">
+            <a:schemeClr val="accent1"/>
+          </a:fillRef>
+          <a:effectRef idx="0">
+            <a:schemeClr val="accent1"/>
+          </a:effectRef>
+          <a:fontRef idx="minor">
+            <a:schemeClr val="lt1"/>
+          </a:fontRef>
+        </p:style>
+        <p:txBody>
+          <a:bodyPr rtlCol="0" anchor="ctr"/>
+          <a:lstStyle/>
+          <a:p>
+            <a:pPr algn="ctr"/>
+            <a:endParaRPr lang="en-NL"/>
+          </a:p>
+        </p:txBody>
+      </p:sp>
+      <p:sp>
+        <p:nvSpPr>
+          <p:cNvPr id="16" name="Rounded Rectangle 15">
+            <a:extLst>
+              <a:ext uri="{FF2B5EF4-FFF2-40B4-BE49-F238E27FC236}">
+                <a16:creationId xmlns:a16="http://schemas.microsoft.com/office/drawing/2014/main" id="{74B1E9C1-F51F-E349-A7D6-273F919A86DE}"/>
+              </a:ext>
+            </a:extLst>
+          </p:cNvPr>
+          <p:cNvSpPr/>
+          <p:nvPr/>
+        </p:nvSpPr>
+        <p:spPr>
+          <a:xfrm>
+            <a:off x="-205353" y="3546530"/>
+            <a:ext cx="410705" cy="410705"/>
+          </a:xfrm>
+          <a:prstGeom prst="roundRect">
+            <a:avLst/>
+          </a:prstGeom>
+          <a:solidFill>
+            <a:schemeClr val="bg2"/>
+          </a:solidFill>
+          <a:ln>
+            <a:solidFill>
+              <a:schemeClr val="bg2"/>
+            </a:solidFill>
+          </a:ln>
+        </p:spPr>
+        <p:style>
+          <a:lnRef idx="2">
+            <a:schemeClr val="accent1">
+              <a:shade val="50000"/>
+            </a:schemeClr>
+          </a:lnRef>
+          <a:fillRef idx="1">
+            <a:schemeClr val="accent1"/>
+          </a:fillRef>
+          <a:effectRef idx="0">
+            <a:schemeClr val="accent1"/>
+          </a:effectRef>
+          <a:fontRef idx="minor">
+            <a:schemeClr val="lt1"/>
+          </a:fontRef>
+        </p:style>
+        <p:txBody>
+          <a:bodyPr rtlCol="0" anchor="ctr"/>
+          <a:lstStyle/>
+          <a:p>
+            <a:pPr algn="ctr"/>
+            <a:endParaRPr lang="en-NL"/>
+          </a:p>
+        </p:txBody>
+      </p:sp>
+      <p:sp>
+        <p:nvSpPr>
+          <p:cNvPr id="18" name="Rounded Rectangle 17">
+            <a:extLst>
+              <a:ext uri="{FF2B5EF4-FFF2-40B4-BE49-F238E27FC236}">
+                <a16:creationId xmlns:a16="http://schemas.microsoft.com/office/drawing/2014/main" id="{6BB192FA-7562-6C45-B5B6-0487D9CB90FC}"/>
+              </a:ext>
+            </a:extLst>
+          </p:cNvPr>
+          <p:cNvSpPr/>
+          <p:nvPr/>
+        </p:nvSpPr>
+        <p:spPr>
+          <a:xfrm>
+            <a:off x="-199426" y="4101886"/>
+            <a:ext cx="410705" cy="410705"/>
+          </a:xfrm>
+          <a:prstGeom prst="roundRect">
+            <a:avLst/>
+          </a:prstGeom>
+          <a:solidFill>
+            <a:schemeClr val="bg2"/>
+          </a:solidFill>
+          <a:ln>
+            <a:solidFill>
+              <a:schemeClr val="bg2"/>
+            </a:solidFill>
+          </a:ln>
+        </p:spPr>
+        <p:style>
+          <a:lnRef idx="2">
+            <a:schemeClr val="accent1">
+              <a:shade val="50000"/>
+            </a:schemeClr>
+          </a:lnRef>
+          <a:fillRef idx="1">
+            <a:schemeClr val="accent1"/>
+          </a:fillRef>
+          <a:effectRef idx="0">
+            <a:schemeClr val="accent1"/>
+          </a:effectRef>
+          <a:fontRef idx="minor">
+            <a:schemeClr val="lt1"/>
+          </a:fontRef>
+        </p:style>
+        <p:txBody>
+          <a:bodyPr rtlCol="0" anchor="ctr"/>
+          <a:lstStyle/>
+          <a:p>
+            <a:pPr algn="ctr"/>
+            <a:endParaRPr lang="en-NL"/>
+          </a:p>
+        </p:txBody>
+      </p:sp>
+      <p:sp>
+        <p:nvSpPr>
+          <p:cNvPr id="19" name="Rounded Rectangle 18">
+            <a:extLst>
+              <a:ext uri="{FF2B5EF4-FFF2-40B4-BE49-F238E27FC236}">
+                <a16:creationId xmlns:a16="http://schemas.microsoft.com/office/drawing/2014/main" id="{DFF58212-847B-D248-84DE-5532419AD67A}"/>
+              </a:ext>
+            </a:extLst>
+          </p:cNvPr>
+          <p:cNvSpPr/>
+          <p:nvPr/>
+        </p:nvSpPr>
+        <p:spPr>
+          <a:xfrm>
+            <a:off x="7348208" y="769746"/>
+            <a:ext cx="410705" cy="410705"/>
+          </a:xfrm>
+          <a:prstGeom prst="roundRect">
+            <a:avLst/>
+          </a:prstGeom>
+          <a:solidFill>
+            <a:schemeClr val="bg2"/>
+          </a:solidFill>
+          <a:ln>
+            <a:solidFill>
+              <a:schemeClr val="bg2"/>
+            </a:solidFill>
+          </a:ln>
+        </p:spPr>
+        <p:style>
+          <a:lnRef idx="2">
+            <a:schemeClr val="accent1">
+              <a:shade val="50000"/>
+            </a:schemeClr>
+          </a:lnRef>
+          <a:fillRef idx="1">
+            <a:schemeClr val="accent1"/>
+          </a:fillRef>
+          <a:effectRef idx="0">
+            <a:schemeClr val="accent1"/>
+          </a:effectRef>
+          <a:fontRef idx="minor">
+            <a:schemeClr val="lt1"/>
+          </a:fontRef>
+        </p:style>
+        <p:txBody>
+          <a:bodyPr rtlCol="0" anchor="ctr"/>
+          <a:lstStyle/>
+          <a:p>
+            <a:pPr algn="ctr"/>
+            <a:endParaRPr lang="en-NL"/>
+          </a:p>
+        </p:txBody>
+      </p:sp>
+      <p:sp>
+        <p:nvSpPr>
+          <p:cNvPr id="20" name="Rounded Rectangle 19">
+            <a:extLst>
+              <a:ext uri="{FF2B5EF4-FFF2-40B4-BE49-F238E27FC236}">
+                <a16:creationId xmlns:a16="http://schemas.microsoft.com/office/drawing/2014/main" id="{8C0CF75B-D58A-4840-8464-3D74529F5933}"/>
+              </a:ext>
+            </a:extLst>
+          </p:cNvPr>
+          <p:cNvSpPr/>
+          <p:nvPr/>
+        </p:nvSpPr>
+        <p:spPr>
+          <a:xfrm>
+            <a:off x="7348208" y="1325100"/>
+            <a:ext cx="410705" cy="410705"/>
+          </a:xfrm>
+          <a:prstGeom prst="roundRect">
+            <a:avLst/>
+          </a:prstGeom>
+          <a:solidFill>
+            <a:schemeClr val="bg2"/>
+          </a:solidFill>
+          <a:ln>
+            <a:solidFill>
+              <a:schemeClr val="bg2"/>
+            </a:solidFill>
+          </a:ln>
+        </p:spPr>
+        <p:style>
+          <a:lnRef idx="2">
+            <a:schemeClr val="accent1">
+              <a:shade val="50000"/>
+            </a:schemeClr>
+          </a:lnRef>
+          <a:fillRef idx="1">
+            <a:schemeClr val="accent1"/>
+          </a:fillRef>
+          <a:effectRef idx="0">
+            <a:schemeClr val="accent1"/>
+          </a:effectRef>
+          <a:fontRef idx="minor">
+            <a:schemeClr val="lt1"/>
+          </a:fontRef>
+        </p:style>
+        <p:txBody>
+          <a:bodyPr rtlCol="0" anchor="ctr"/>
+          <a:lstStyle/>
+          <a:p>
+            <a:pPr algn="ctr"/>
+            <a:endParaRPr lang="en-NL"/>
+          </a:p>
+        </p:txBody>
+      </p:sp>
+      <p:sp>
+        <p:nvSpPr>
+          <p:cNvPr id="21" name="Rounded Rectangle 20">
+            <a:extLst>
+              <a:ext uri="{FF2B5EF4-FFF2-40B4-BE49-F238E27FC236}">
+                <a16:creationId xmlns:a16="http://schemas.microsoft.com/office/drawing/2014/main" id="{66339E88-CF46-694D-8472-C7F78C4EBDDB}"/>
+              </a:ext>
+            </a:extLst>
+          </p:cNvPr>
+          <p:cNvSpPr/>
+          <p:nvPr/>
+        </p:nvSpPr>
+        <p:spPr>
+          <a:xfrm>
+            <a:off x="7348396" y="1880460"/>
+            <a:ext cx="410705" cy="410705"/>
+          </a:xfrm>
+          <a:prstGeom prst="roundRect">
+            <a:avLst/>
+          </a:prstGeom>
+          <a:solidFill>
+            <a:schemeClr val="bg2"/>
+          </a:solidFill>
+          <a:ln>
+            <a:solidFill>
+              <a:schemeClr val="bg2"/>
+            </a:solidFill>
+          </a:ln>
+        </p:spPr>
+        <p:style>
+          <a:lnRef idx="2">
+            <a:schemeClr val="accent1">
+              <a:shade val="50000"/>
+            </a:schemeClr>
+          </a:lnRef>
+          <a:fillRef idx="1">
+            <a:schemeClr val="accent1"/>
+          </a:fillRef>
+          <a:effectRef idx="0">
+            <a:schemeClr val="accent1"/>
+          </a:effectRef>
+          <a:fontRef idx="minor">
+            <a:schemeClr val="lt1"/>
+          </a:fontRef>
+        </p:style>
+        <p:txBody>
+          <a:bodyPr rtlCol="0" anchor="ctr"/>
+          <a:lstStyle/>
+          <a:p>
+            <a:pPr algn="ctr"/>
+            <a:endParaRPr lang="en-NL"/>
+          </a:p>
+        </p:txBody>
+      </p:sp>
+      <p:sp>
+        <p:nvSpPr>
+          <p:cNvPr id="22" name="Rounded Rectangle 21">
+            <a:extLst>
+              <a:ext uri="{FF2B5EF4-FFF2-40B4-BE49-F238E27FC236}">
+                <a16:creationId xmlns:a16="http://schemas.microsoft.com/office/drawing/2014/main" id="{EE08CE49-2BDF-7E47-93A6-34A667AEB601}"/>
+              </a:ext>
+            </a:extLst>
+          </p:cNvPr>
+          <p:cNvSpPr/>
+          <p:nvPr/>
+        </p:nvSpPr>
+        <p:spPr>
+          <a:xfrm>
+            <a:off x="7348208" y="2435817"/>
+            <a:ext cx="410705" cy="410705"/>
+          </a:xfrm>
+          <a:prstGeom prst="roundRect">
+            <a:avLst/>
+          </a:prstGeom>
+          <a:solidFill>
+            <a:schemeClr val="bg2"/>
+          </a:solidFill>
+          <a:ln>
+            <a:solidFill>
+              <a:schemeClr val="bg2"/>
+            </a:solidFill>
+          </a:ln>
+        </p:spPr>
+        <p:style>
+          <a:lnRef idx="2">
+            <a:schemeClr val="accent1">
+              <a:shade val="50000"/>
+            </a:schemeClr>
+          </a:lnRef>
+          <a:fillRef idx="1">
+            <a:schemeClr val="accent1"/>
+          </a:fillRef>
+          <a:effectRef idx="0">
+            <a:schemeClr val="accent1"/>
+          </a:effectRef>
+          <a:fontRef idx="minor">
+            <a:schemeClr val="lt1"/>
+          </a:fontRef>
+        </p:style>
+        <p:txBody>
+          <a:bodyPr rtlCol="0" anchor="ctr"/>
+          <a:lstStyle/>
+          <a:p>
+            <a:pPr algn="ctr"/>
+            <a:endParaRPr lang="en-NL"/>
+          </a:p>
+        </p:txBody>
+      </p:sp>
+      <p:sp>
+        <p:nvSpPr>
+          <p:cNvPr id="23" name="Rounded Rectangle 22">
+            <a:extLst>
+              <a:ext uri="{FF2B5EF4-FFF2-40B4-BE49-F238E27FC236}">
+                <a16:creationId xmlns:a16="http://schemas.microsoft.com/office/drawing/2014/main" id="{0B4B9A8D-960F-1A49-BC4D-3FC55095C91E}"/>
+              </a:ext>
+            </a:extLst>
+          </p:cNvPr>
+          <p:cNvSpPr/>
+          <p:nvPr/>
+        </p:nvSpPr>
+        <p:spPr>
+          <a:xfrm>
+            <a:off x="7348208" y="2991173"/>
+            <a:ext cx="410705" cy="410705"/>
+          </a:xfrm>
+          <a:prstGeom prst="roundRect">
+            <a:avLst/>
+          </a:prstGeom>
+          <a:solidFill>
+            <a:schemeClr val="bg2"/>
+          </a:solidFill>
+          <a:ln>
+            <a:solidFill>
+              <a:schemeClr val="bg2"/>
+            </a:solidFill>
+          </a:ln>
+        </p:spPr>
+        <p:style>
+          <a:lnRef idx="2">
+            <a:schemeClr val="accent1">
+              <a:shade val="50000"/>
+            </a:schemeClr>
+          </a:lnRef>
+          <a:fillRef idx="1">
+            <a:schemeClr val="accent1"/>
+          </a:fillRef>
+          <a:effectRef idx="0">
+            <a:schemeClr val="accent1"/>
+          </a:effectRef>
+          <a:fontRef idx="minor">
+            <a:schemeClr val="lt1"/>
+          </a:fontRef>
+        </p:style>
+        <p:txBody>
+          <a:bodyPr rtlCol="0" anchor="ctr"/>
+          <a:lstStyle/>
+          <a:p>
+            <a:pPr algn="ctr"/>
+            <a:endParaRPr lang="en-NL"/>
+          </a:p>
+        </p:txBody>
+      </p:sp>
+      <p:sp>
+        <p:nvSpPr>
+          <p:cNvPr id="24" name="Rounded Rectangle 23">
+            <a:extLst>
+              <a:ext uri="{FF2B5EF4-FFF2-40B4-BE49-F238E27FC236}">
+                <a16:creationId xmlns:a16="http://schemas.microsoft.com/office/drawing/2014/main" id="{90B90E96-DA65-3844-A895-A8E4275F2E9E}"/>
+              </a:ext>
+            </a:extLst>
+          </p:cNvPr>
+          <p:cNvSpPr/>
+          <p:nvPr/>
+        </p:nvSpPr>
+        <p:spPr>
+          <a:xfrm>
+            <a:off x="7348208" y="3546526"/>
+            <a:ext cx="410705" cy="410705"/>
+          </a:xfrm>
+          <a:prstGeom prst="roundRect">
+            <a:avLst/>
+          </a:prstGeom>
+          <a:solidFill>
+            <a:schemeClr val="bg2"/>
+          </a:solidFill>
+          <a:ln>
+            <a:solidFill>
+              <a:schemeClr val="bg2"/>
+            </a:solidFill>
+          </a:ln>
+        </p:spPr>
+        <p:style>
+          <a:lnRef idx="2">
+            <a:schemeClr val="accent1">
+              <a:shade val="50000"/>
+            </a:schemeClr>
+          </a:lnRef>
+          <a:fillRef idx="1">
+            <a:schemeClr val="accent1"/>
+          </a:fillRef>
+          <a:effectRef idx="0">
+            <a:schemeClr val="accent1"/>
+          </a:effectRef>
+          <a:fontRef idx="minor">
+            <a:schemeClr val="lt1"/>
+          </a:fontRef>
+        </p:style>
+        <p:txBody>
+          <a:bodyPr rtlCol="0" anchor="ctr"/>
+          <a:lstStyle/>
+          <a:p>
+            <a:pPr algn="ctr"/>
+            <a:endParaRPr lang="en-NL"/>
+          </a:p>
+        </p:txBody>
+      </p:sp>
+      <p:sp>
+        <p:nvSpPr>
+          <p:cNvPr id="25" name="Rounded Rectangle 24">
+            <a:extLst>
+              <a:ext uri="{FF2B5EF4-FFF2-40B4-BE49-F238E27FC236}">
+                <a16:creationId xmlns:a16="http://schemas.microsoft.com/office/drawing/2014/main" id="{5950A2A1-25A0-624E-8059-D651F019971A}"/>
+              </a:ext>
+            </a:extLst>
+          </p:cNvPr>
+          <p:cNvSpPr/>
+          <p:nvPr/>
+        </p:nvSpPr>
+        <p:spPr>
+          <a:xfrm>
+            <a:off x="7348207" y="4101879"/>
+            <a:ext cx="410705" cy="410705"/>
+          </a:xfrm>
+          <a:prstGeom prst="roundRect">
+            <a:avLst/>
+          </a:prstGeom>
+          <a:solidFill>
+            <a:schemeClr val="bg2"/>
+          </a:solidFill>
+          <a:ln>
+            <a:solidFill>
+              <a:schemeClr val="bg2"/>
+            </a:solidFill>
+          </a:ln>
+        </p:spPr>
+        <p:style>
+          <a:lnRef idx="2">
+            <a:schemeClr val="accent1">
+              <a:shade val="50000"/>
+            </a:schemeClr>
+          </a:lnRef>
+          <a:fillRef idx="1">
+            <a:schemeClr val="accent1"/>
+          </a:fillRef>
+          <a:effectRef idx="0">
+            <a:schemeClr val="accent1"/>
+          </a:effectRef>
+          <a:fontRef idx="minor">
+            <a:schemeClr val="lt1"/>
+          </a:fontRef>
+        </p:style>
+        <p:txBody>
+          <a:bodyPr rtlCol="0" anchor="ctr"/>
+          <a:lstStyle/>
+          <a:p>
+            <a:pPr algn="ctr"/>
+            <a:endParaRPr lang="en-NL"/>
+          </a:p>
+        </p:txBody>
+      </p:sp>
+    </p:spTree>
+    <p:extLst>
+      <p:ext uri="{BB962C8B-B14F-4D97-AF65-F5344CB8AC3E}">
+        <p14:creationId xmlns:p14="http://schemas.microsoft.com/office/powerpoint/2010/main" val="2955084820"/>
+      </p:ext>
+    </p:extLst>
+  </p:cSld>
+  <p:clrMapOvr>
+    <a:masterClrMapping/>
+  </p:clrMapOvr>
+</p:sld>
+</file>
+
+<file path=ppt/slides/slide30.xml><?xml version="1.0" encoding="utf-8"?>
 <p:sld xmlns:a="http://schemas.openxmlformats.org/drawingml/2006/main" xmlns:r="http://schemas.openxmlformats.org/officeDocument/2006/relationships" xmlns:p="http://schemas.openxmlformats.org/presentationml/2006/main">
   <p:cSld>
     <p:spTree>
@@ -9591,7 +11078,7 @@
 </p:sld>
 </file>
 
-<file path=ppt/slides/slide29.xml><?xml version="1.0" encoding="utf-8"?>
+<file path=ppt/slides/slide31.xml><?xml version="1.0" encoding="utf-8"?>
 <p:sld xmlns:a="http://schemas.openxmlformats.org/drawingml/2006/main" xmlns:r="http://schemas.openxmlformats.org/officeDocument/2006/relationships" xmlns:p="http://schemas.openxmlformats.org/presentationml/2006/main">
   <p:cSld>
     <p:spTree>
@@ -9925,998 +11412,7 @@
 </p:sld>
 </file>
 
-<file path=ppt/slides/slide3.xml><?xml version="1.0" encoding="utf-8"?>
-<p:sld xmlns:a="http://schemas.openxmlformats.org/drawingml/2006/main" xmlns:r="http://schemas.openxmlformats.org/officeDocument/2006/relationships" xmlns:p="http://schemas.openxmlformats.org/presentationml/2006/main">
-  <p:cSld>
-    <p:spTree>
-      <p:nvGrpSpPr>
-        <p:cNvPr id="1" name=""/>
-        <p:cNvGrpSpPr/>
-        <p:nvPr/>
-      </p:nvGrpSpPr>
-      <p:grpSpPr>
-        <a:xfrm>
-          <a:off x="0" y="0"/>
-          <a:ext cx="0" cy="0"/>
-          <a:chOff x="0" y="0"/>
-          <a:chExt cx="0" cy="0"/>
-        </a:xfrm>
-      </p:grpSpPr>
-      <p:sp>
-        <p:nvSpPr>
-          <p:cNvPr id="14" name="Rounded Rectangle 13">
-            <a:extLst>
-              <a:ext uri="{FF2B5EF4-FFF2-40B4-BE49-F238E27FC236}">
-                <a16:creationId xmlns:a16="http://schemas.microsoft.com/office/drawing/2014/main" id="{D8656E71-C2B4-0F4F-93C2-2FE01E15243E}"/>
-              </a:ext>
-            </a:extLst>
-          </p:cNvPr>
-          <p:cNvSpPr/>
-          <p:nvPr/>
-        </p:nvSpPr>
-        <p:spPr>
-          <a:xfrm>
-            <a:off x="0" y="0"/>
-            <a:ext cx="7559675" cy="5327650"/>
-          </a:xfrm>
-          <a:prstGeom prst="roundRect">
-            <a:avLst>
-              <a:gd name="adj" fmla="val 0"/>
-            </a:avLst>
-          </a:prstGeom>
-          <a:solidFill>
-            <a:srgbClr val="DE8445"/>
-          </a:solidFill>
-          <a:ln>
-            <a:noFill/>
-          </a:ln>
-        </p:spPr>
-        <p:style>
-          <a:lnRef idx="2">
-            <a:schemeClr val="accent1">
-              <a:shade val="50000"/>
-            </a:schemeClr>
-          </a:lnRef>
-          <a:fillRef idx="1">
-            <a:schemeClr val="accent1"/>
-          </a:fillRef>
-          <a:effectRef idx="0">
-            <a:schemeClr val="accent1"/>
-          </a:effectRef>
-          <a:fontRef idx="minor">
-            <a:schemeClr val="lt1"/>
-          </a:fontRef>
-        </p:style>
-        <p:txBody>
-          <a:bodyPr rtlCol="0" anchor="ctr"/>
-          <a:lstStyle/>
-          <a:p>
-            <a:pPr algn="ctr"/>
-            <a:r>
-              <a:rPr lang="en-GB" dirty="0"/>
-              <a:t>Reveals the value that the product delivers to customers, today</a:t>
-            </a:r>
-            <a:endParaRPr lang="en-NL" dirty="0"/>
-          </a:p>
-        </p:txBody>
-      </p:sp>
-      <p:sp>
-        <p:nvSpPr>
-          <p:cNvPr id="15" name="Rectangle 14">
-            <a:extLst>
-              <a:ext uri="{FF2B5EF4-FFF2-40B4-BE49-F238E27FC236}">
-                <a16:creationId xmlns:a16="http://schemas.microsoft.com/office/drawing/2014/main" id="{F07C9767-773C-644A-A638-0001139EE025}"/>
-              </a:ext>
-            </a:extLst>
-          </p:cNvPr>
-          <p:cNvSpPr/>
-          <p:nvPr/>
-        </p:nvSpPr>
-        <p:spPr>
-          <a:xfrm>
-            <a:off x="654576" y="629685"/>
-            <a:ext cx="6326488" cy="3992292"/>
-          </a:xfrm>
-          <a:prstGeom prst="rect">
-            <a:avLst/>
-          </a:prstGeom>
-          <a:blipFill>
-            <a:blip r:embed="rId2"/>
-            <a:stretch>
-              <a:fillRect/>
-            </a:stretch>
-          </a:blipFill>
-          <a:ln w="76200">
-            <a:solidFill>
-              <a:schemeClr val="tx1"/>
-            </a:solidFill>
-          </a:ln>
-        </p:spPr>
-        <p:style>
-          <a:lnRef idx="2">
-            <a:schemeClr val="accent1">
-              <a:shade val="50000"/>
-            </a:schemeClr>
-          </a:lnRef>
-          <a:fillRef idx="1">
-            <a:schemeClr val="accent1"/>
-          </a:fillRef>
-          <a:effectRef idx="0">
-            <a:schemeClr val="accent1"/>
-          </a:effectRef>
-          <a:fontRef idx="minor">
-            <a:schemeClr val="lt1"/>
-          </a:fontRef>
-        </p:style>
-        <p:txBody>
-          <a:bodyPr rtlCol="0" anchor="ctr"/>
-          <a:lstStyle/>
-          <a:p>
-            <a:endParaRPr lang="en-NL" sz="9600">
-              <a:latin typeface="Marvel" pitchFamily="2" charset="0"/>
-            </a:endParaRPr>
-          </a:p>
-        </p:txBody>
-      </p:sp>
-      <p:sp>
-        <p:nvSpPr>
-          <p:cNvPr id="17" name="TextBox 16">
-            <a:extLst>
-              <a:ext uri="{FF2B5EF4-FFF2-40B4-BE49-F238E27FC236}">
-                <a16:creationId xmlns:a16="http://schemas.microsoft.com/office/drawing/2014/main" id="{E287ED43-6E86-FA4F-94F4-5B177664B785}"/>
-              </a:ext>
-            </a:extLst>
-          </p:cNvPr>
-          <p:cNvSpPr txBox="1"/>
-          <p:nvPr/>
-        </p:nvSpPr>
-        <p:spPr>
-          <a:xfrm>
-            <a:off x="1092134" y="1887167"/>
-            <a:ext cx="5451371" cy="1477328"/>
-          </a:xfrm>
-          <a:prstGeom prst="rect">
-            <a:avLst/>
-          </a:prstGeom>
-          <a:noFill/>
-        </p:spPr>
-        <p:txBody>
-          <a:bodyPr wrap="square" rtlCol="0">
-            <a:spAutoFit/>
-          </a:bodyPr>
-          <a:lstStyle/>
-          <a:p>
-            <a:pPr algn="ctr"/>
-            <a:r>
-              <a:rPr lang="en-NL" sz="9000" dirty="0">
-                <a:latin typeface="Marvel" pitchFamily="2" charset="0"/>
-              </a:rPr>
-              <a:t>CURRENT VALUE</a:t>
-            </a:r>
-          </a:p>
-        </p:txBody>
-      </p:sp>
-      <p:sp>
-        <p:nvSpPr>
-          <p:cNvPr id="2" name="TextBox 1">
-            <a:extLst>
-              <a:ext uri="{FF2B5EF4-FFF2-40B4-BE49-F238E27FC236}">
-                <a16:creationId xmlns:a16="http://schemas.microsoft.com/office/drawing/2014/main" id="{40491A28-9097-6F43-9DB2-81A447868F1E}"/>
-              </a:ext>
-            </a:extLst>
-          </p:cNvPr>
-          <p:cNvSpPr txBox="1"/>
-          <p:nvPr/>
-        </p:nvSpPr>
-        <p:spPr>
-          <a:xfrm>
-            <a:off x="2527241" y="3029919"/>
-            <a:ext cx="2581155" cy="246221"/>
-          </a:xfrm>
-          <a:prstGeom prst="rect">
-            <a:avLst/>
-          </a:prstGeom>
-          <a:noFill/>
-        </p:spPr>
-        <p:txBody>
-          <a:bodyPr wrap="none" rtlCol="0">
-            <a:spAutoFit/>
-          </a:bodyPr>
-          <a:lstStyle/>
-          <a:p>
-            <a:pPr algn="ctr"/>
-            <a:r>
-              <a:rPr lang="en-GB" sz="1000" dirty="0">
-                <a:solidFill>
-                  <a:schemeClr val="bg1">
-                    <a:lumMod val="50000"/>
-                  </a:schemeClr>
-                </a:solidFill>
-                <a:latin typeface="Ubuntu" panose="020B0504030602030204" pitchFamily="34" charset="0"/>
-              </a:rPr>
-              <a:t>The value that the product delivers today</a:t>
-            </a:r>
-            <a:endParaRPr lang="en-NL" sz="1000" dirty="0">
-              <a:solidFill>
-                <a:schemeClr val="bg1">
-                  <a:lumMod val="50000"/>
-                </a:schemeClr>
-              </a:solidFill>
-              <a:latin typeface="Ubuntu" panose="020B0504030602030204" pitchFamily="34" charset="0"/>
-            </a:endParaRPr>
-          </a:p>
-        </p:txBody>
-      </p:sp>
-      <p:sp>
-        <p:nvSpPr>
-          <p:cNvPr id="9" name="Rounded Rectangle 8">
-            <a:extLst>
-              <a:ext uri="{FF2B5EF4-FFF2-40B4-BE49-F238E27FC236}">
-                <a16:creationId xmlns:a16="http://schemas.microsoft.com/office/drawing/2014/main" id="{80A414F0-FCE5-2E45-A339-248A82CA3769}"/>
-              </a:ext>
-            </a:extLst>
-          </p:cNvPr>
-          <p:cNvSpPr/>
-          <p:nvPr/>
-        </p:nvSpPr>
-        <p:spPr>
-          <a:xfrm>
-            <a:off x="-205353" y="769750"/>
-            <a:ext cx="410705" cy="410705"/>
-          </a:xfrm>
-          <a:prstGeom prst="roundRect">
-            <a:avLst/>
-          </a:prstGeom>
-          <a:solidFill>
-            <a:schemeClr val="bg2"/>
-          </a:solidFill>
-          <a:ln>
-            <a:solidFill>
-              <a:schemeClr val="bg2"/>
-            </a:solidFill>
-          </a:ln>
-        </p:spPr>
-        <p:style>
-          <a:lnRef idx="2">
-            <a:schemeClr val="accent1">
-              <a:shade val="50000"/>
-            </a:schemeClr>
-          </a:lnRef>
-          <a:fillRef idx="1">
-            <a:schemeClr val="accent1"/>
-          </a:fillRef>
-          <a:effectRef idx="0">
-            <a:schemeClr val="accent1"/>
-          </a:effectRef>
-          <a:fontRef idx="minor">
-            <a:schemeClr val="lt1"/>
-          </a:fontRef>
-        </p:style>
-        <p:txBody>
-          <a:bodyPr rtlCol="0" anchor="ctr"/>
-          <a:lstStyle/>
-          <a:p>
-            <a:pPr algn="ctr"/>
-            <a:endParaRPr lang="en-NL"/>
-          </a:p>
-        </p:txBody>
-      </p:sp>
-      <p:sp>
-        <p:nvSpPr>
-          <p:cNvPr id="10" name="Rounded Rectangle 9">
-            <a:extLst>
-              <a:ext uri="{FF2B5EF4-FFF2-40B4-BE49-F238E27FC236}">
-                <a16:creationId xmlns:a16="http://schemas.microsoft.com/office/drawing/2014/main" id="{2333F93C-0F67-C146-84E2-9B869646EE60}"/>
-              </a:ext>
-            </a:extLst>
-          </p:cNvPr>
-          <p:cNvSpPr/>
-          <p:nvPr/>
-        </p:nvSpPr>
-        <p:spPr>
-          <a:xfrm>
-            <a:off x="-186093" y="1325099"/>
-            <a:ext cx="410705" cy="410705"/>
-          </a:xfrm>
-          <a:prstGeom prst="roundRect">
-            <a:avLst/>
-          </a:prstGeom>
-          <a:solidFill>
-            <a:schemeClr val="bg2"/>
-          </a:solidFill>
-          <a:ln>
-            <a:solidFill>
-              <a:schemeClr val="bg2"/>
-            </a:solidFill>
-          </a:ln>
-        </p:spPr>
-        <p:style>
-          <a:lnRef idx="2">
-            <a:schemeClr val="accent1">
-              <a:shade val="50000"/>
-            </a:schemeClr>
-          </a:lnRef>
-          <a:fillRef idx="1">
-            <a:schemeClr val="accent1"/>
-          </a:fillRef>
-          <a:effectRef idx="0">
-            <a:schemeClr val="accent1"/>
-          </a:effectRef>
-          <a:fontRef idx="minor">
-            <a:schemeClr val="lt1"/>
-          </a:fontRef>
-        </p:style>
-        <p:txBody>
-          <a:bodyPr rtlCol="0" anchor="ctr"/>
-          <a:lstStyle/>
-          <a:p>
-            <a:pPr algn="ctr"/>
-            <a:endParaRPr lang="en-NL"/>
-          </a:p>
-        </p:txBody>
-      </p:sp>
-      <p:sp>
-        <p:nvSpPr>
-          <p:cNvPr id="11" name="Rounded Rectangle 10">
-            <a:extLst>
-              <a:ext uri="{FF2B5EF4-FFF2-40B4-BE49-F238E27FC236}">
-                <a16:creationId xmlns:a16="http://schemas.microsoft.com/office/drawing/2014/main" id="{AA9F6613-2A28-7048-A742-95677A05CBD2}"/>
-              </a:ext>
-            </a:extLst>
-          </p:cNvPr>
-          <p:cNvSpPr/>
-          <p:nvPr/>
-        </p:nvSpPr>
-        <p:spPr>
-          <a:xfrm>
-            <a:off x="-205353" y="1880462"/>
-            <a:ext cx="410705" cy="410705"/>
-          </a:xfrm>
-          <a:prstGeom prst="roundRect">
-            <a:avLst/>
-          </a:prstGeom>
-          <a:solidFill>
-            <a:schemeClr val="bg2"/>
-          </a:solidFill>
-          <a:ln>
-            <a:solidFill>
-              <a:schemeClr val="bg2"/>
-            </a:solidFill>
-          </a:ln>
-        </p:spPr>
-        <p:style>
-          <a:lnRef idx="2">
-            <a:schemeClr val="accent1">
-              <a:shade val="50000"/>
-            </a:schemeClr>
-          </a:lnRef>
-          <a:fillRef idx="1">
-            <a:schemeClr val="accent1"/>
-          </a:fillRef>
-          <a:effectRef idx="0">
-            <a:schemeClr val="accent1"/>
-          </a:effectRef>
-          <a:fontRef idx="minor">
-            <a:schemeClr val="lt1"/>
-          </a:fontRef>
-        </p:style>
-        <p:txBody>
-          <a:bodyPr rtlCol="0" anchor="ctr"/>
-          <a:lstStyle/>
-          <a:p>
-            <a:pPr algn="ctr"/>
-            <a:endParaRPr lang="en-NL"/>
-          </a:p>
-        </p:txBody>
-      </p:sp>
-      <p:sp>
-        <p:nvSpPr>
-          <p:cNvPr id="12" name="Rounded Rectangle 11">
-            <a:extLst>
-              <a:ext uri="{FF2B5EF4-FFF2-40B4-BE49-F238E27FC236}">
-                <a16:creationId xmlns:a16="http://schemas.microsoft.com/office/drawing/2014/main" id="{2035461B-5D95-774C-8E4D-3CB256D762EA}"/>
-              </a:ext>
-            </a:extLst>
-          </p:cNvPr>
-          <p:cNvSpPr/>
-          <p:nvPr/>
-        </p:nvSpPr>
-        <p:spPr>
-          <a:xfrm>
-            <a:off x="-228076" y="2435818"/>
-            <a:ext cx="410705" cy="410705"/>
-          </a:xfrm>
-          <a:prstGeom prst="roundRect">
-            <a:avLst/>
-          </a:prstGeom>
-          <a:solidFill>
-            <a:schemeClr val="bg2"/>
-          </a:solidFill>
-          <a:ln>
-            <a:solidFill>
-              <a:schemeClr val="bg2"/>
-            </a:solidFill>
-          </a:ln>
-        </p:spPr>
-        <p:style>
-          <a:lnRef idx="2">
-            <a:schemeClr val="accent1">
-              <a:shade val="50000"/>
-            </a:schemeClr>
-          </a:lnRef>
-          <a:fillRef idx="1">
-            <a:schemeClr val="accent1"/>
-          </a:fillRef>
-          <a:effectRef idx="0">
-            <a:schemeClr val="accent1"/>
-          </a:effectRef>
-          <a:fontRef idx="minor">
-            <a:schemeClr val="lt1"/>
-          </a:fontRef>
-        </p:style>
-        <p:txBody>
-          <a:bodyPr rtlCol="0" anchor="ctr"/>
-          <a:lstStyle/>
-          <a:p>
-            <a:pPr algn="ctr"/>
-            <a:endParaRPr lang="en-NL"/>
-          </a:p>
-        </p:txBody>
-      </p:sp>
-      <p:sp>
-        <p:nvSpPr>
-          <p:cNvPr id="13" name="Rounded Rectangle 12">
-            <a:extLst>
-              <a:ext uri="{FF2B5EF4-FFF2-40B4-BE49-F238E27FC236}">
-                <a16:creationId xmlns:a16="http://schemas.microsoft.com/office/drawing/2014/main" id="{F78111FD-544B-3749-B4C7-6C0601A72685}"/>
-              </a:ext>
-            </a:extLst>
-          </p:cNvPr>
-          <p:cNvSpPr/>
-          <p:nvPr/>
-        </p:nvSpPr>
-        <p:spPr>
-          <a:xfrm>
-            <a:off x="-199978" y="2991174"/>
-            <a:ext cx="410705" cy="410705"/>
-          </a:xfrm>
-          <a:prstGeom prst="roundRect">
-            <a:avLst/>
-          </a:prstGeom>
-          <a:solidFill>
-            <a:schemeClr val="bg2"/>
-          </a:solidFill>
-          <a:ln>
-            <a:solidFill>
-              <a:schemeClr val="bg2"/>
-            </a:solidFill>
-          </a:ln>
-        </p:spPr>
-        <p:style>
-          <a:lnRef idx="2">
-            <a:schemeClr val="accent1">
-              <a:shade val="50000"/>
-            </a:schemeClr>
-          </a:lnRef>
-          <a:fillRef idx="1">
-            <a:schemeClr val="accent1"/>
-          </a:fillRef>
-          <a:effectRef idx="0">
-            <a:schemeClr val="accent1"/>
-          </a:effectRef>
-          <a:fontRef idx="minor">
-            <a:schemeClr val="lt1"/>
-          </a:fontRef>
-        </p:style>
-        <p:txBody>
-          <a:bodyPr rtlCol="0" anchor="ctr"/>
-          <a:lstStyle/>
-          <a:p>
-            <a:pPr algn="ctr"/>
-            <a:endParaRPr lang="en-NL"/>
-          </a:p>
-        </p:txBody>
-      </p:sp>
-      <p:sp>
-        <p:nvSpPr>
-          <p:cNvPr id="16" name="Rounded Rectangle 15">
-            <a:extLst>
-              <a:ext uri="{FF2B5EF4-FFF2-40B4-BE49-F238E27FC236}">
-                <a16:creationId xmlns:a16="http://schemas.microsoft.com/office/drawing/2014/main" id="{74B1E9C1-F51F-E349-A7D6-273F919A86DE}"/>
-              </a:ext>
-            </a:extLst>
-          </p:cNvPr>
-          <p:cNvSpPr/>
-          <p:nvPr/>
-        </p:nvSpPr>
-        <p:spPr>
-          <a:xfrm>
-            <a:off x="-205353" y="3546530"/>
-            <a:ext cx="410705" cy="410705"/>
-          </a:xfrm>
-          <a:prstGeom prst="roundRect">
-            <a:avLst/>
-          </a:prstGeom>
-          <a:solidFill>
-            <a:schemeClr val="bg2"/>
-          </a:solidFill>
-          <a:ln>
-            <a:solidFill>
-              <a:schemeClr val="bg2"/>
-            </a:solidFill>
-          </a:ln>
-        </p:spPr>
-        <p:style>
-          <a:lnRef idx="2">
-            <a:schemeClr val="accent1">
-              <a:shade val="50000"/>
-            </a:schemeClr>
-          </a:lnRef>
-          <a:fillRef idx="1">
-            <a:schemeClr val="accent1"/>
-          </a:fillRef>
-          <a:effectRef idx="0">
-            <a:schemeClr val="accent1"/>
-          </a:effectRef>
-          <a:fontRef idx="minor">
-            <a:schemeClr val="lt1"/>
-          </a:fontRef>
-        </p:style>
-        <p:txBody>
-          <a:bodyPr rtlCol="0" anchor="ctr"/>
-          <a:lstStyle/>
-          <a:p>
-            <a:pPr algn="ctr"/>
-            <a:endParaRPr lang="en-NL"/>
-          </a:p>
-        </p:txBody>
-      </p:sp>
-      <p:sp>
-        <p:nvSpPr>
-          <p:cNvPr id="18" name="Rounded Rectangle 17">
-            <a:extLst>
-              <a:ext uri="{FF2B5EF4-FFF2-40B4-BE49-F238E27FC236}">
-                <a16:creationId xmlns:a16="http://schemas.microsoft.com/office/drawing/2014/main" id="{6BB192FA-7562-6C45-B5B6-0487D9CB90FC}"/>
-              </a:ext>
-            </a:extLst>
-          </p:cNvPr>
-          <p:cNvSpPr/>
-          <p:nvPr/>
-        </p:nvSpPr>
-        <p:spPr>
-          <a:xfrm>
-            <a:off x="-199426" y="4101886"/>
-            <a:ext cx="410705" cy="410705"/>
-          </a:xfrm>
-          <a:prstGeom prst="roundRect">
-            <a:avLst/>
-          </a:prstGeom>
-          <a:solidFill>
-            <a:schemeClr val="bg2"/>
-          </a:solidFill>
-          <a:ln>
-            <a:solidFill>
-              <a:schemeClr val="bg2"/>
-            </a:solidFill>
-          </a:ln>
-        </p:spPr>
-        <p:style>
-          <a:lnRef idx="2">
-            <a:schemeClr val="accent1">
-              <a:shade val="50000"/>
-            </a:schemeClr>
-          </a:lnRef>
-          <a:fillRef idx="1">
-            <a:schemeClr val="accent1"/>
-          </a:fillRef>
-          <a:effectRef idx="0">
-            <a:schemeClr val="accent1"/>
-          </a:effectRef>
-          <a:fontRef idx="minor">
-            <a:schemeClr val="lt1"/>
-          </a:fontRef>
-        </p:style>
-        <p:txBody>
-          <a:bodyPr rtlCol="0" anchor="ctr"/>
-          <a:lstStyle/>
-          <a:p>
-            <a:pPr algn="ctr"/>
-            <a:endParaRPr lang="en-NL"/>
-          </a:p>
-        </p:txBody>
-      </p:sp>
-      <p:sp>
-        <p:nvSpPr>
-          <p:cNvPr id="19" name="Rounded Rectangle 18">
-            <a:extLst>
-              <a:ext uri="{FF2B5EF4-FFF2-40B4-BE49-F238E27FC236}">
-                <a16:creationId xmlns:a16="http://schemas.microsoft.com/office/drawing/2014/main" id="{DFF58212-847B-D248-84DE-5532419AD67A}"/>
-              </a:ext>
-            </a:extLst>
-          </p:cNvPr>
-          <p:cNvSpPr/>
-          <p:nvPr/>
-        </p:nvSpPr>
-        <p:spPr>
-          <a:xfrm>
-            <a:off x="7348208" y="769746"/>
-            <a:ext cx="410705" cy="410705"/>
-          </a:xfrm>
-          <a:prstGeom prst="roundRect">
-            <a:avLst/>
-          </a:prstGeom>
-          <a:solidFill>
-            <a:schemeClr val="bg2"/>
-          </a:solidFill>
-          <a:ln>
-            <a:solidFill>
-              <a:schemeClr val="bg2"/>
-            </a:solidFill>
-          </a:ln>
-        </p:spPr>
-        <p:style>
-          <a:lnRef idx="2">
-            <a:schemeClr val="accent1">
-              <a:shade val="50000"/>
-            </a:schemeClr>
-          </a:lnRef>
-          <a:fillRef idx="1">
-            <a:schemeClr val="accent1"/>
-          </a:fillRef>
-          <a:effectRef idx="0">
-            <a:schemeClr val="accent1"/>
-          </a:effectRef>
-          <a:fontRef idx="minor">
-            <a:schemeClr val="lt1"/>
-          </a:fontRef>
-        </p:style>
-        <p:txBody>
-          <a:bodyPr rtlCol="0" anchor="ctr"/>
-          <a:lstStyle/>
-          <a:p>
-            <a:pPr algn="ctr"/>
-            <a:endParaRPr lang="en-NL"/>
-          </a:p>
-        </p:txBody>
-      </p:sp>
-      <p:sp>
-        <p:nvSpPr>
-          <p:cNvPr id="20" name="Rounded Rectangle 19">
-            <a:extLst>
-              <a:ext uri="{FF2B5EF4-FFF2-40B4-BE49-F238E27FC236}">
-                <a16:creationId xmlns:a16="http://schemas.microsoft.com/office/drawing/2014/main" id="{8C0CF75B-D58A-4840-8464-3D74529F5933}"/>
-              </a:ext>
-            </a:extLst>
-          </p:cNvPr>
-          <p:cNvSpPr/>
-          <p:nvPr/>
-        </p:nvSpPr>
-        <p:spPr>
-          <a:xfrm>
-            <a:off x="7348208" y="1325100"/>
-            <a:ext cx="410705" cy="410705"/>
-          </a:xfrm>
-          <a:prstGeom prst="roundRect">
-            <a:avLst/>
-          </a:prstGeom>
-          <a:solidFill>
-            <a:schemeClr val="bg2"/>
-          </a:solidFill>
-          <a:ln>
-            <a:solidFill>
-              <a:schemeClr val="bg2"/>
-            </a:solidFill>
-          </a:ln>
-        </p:spPr>
-        <p:style>
-          <a:lnRef idx="2">
-            <a:schemeClr val="accent1">
-              <a:shade val="50000"/>
-            </a:schemeClr>
-          </a:lnRef>
-          <a:fillRef idx="1">
-            <a:schemeClr val="accent1"/>
-          </a:fillRef>
-          <a:effectRef idx="0">
-            <a:schemeClr val="accent1"/>
-          </a:effectRef>
-          <a:fontRef idx="minor">
-            <a:schemeClr val="lt1"/>
-          </a:fontRef>
-        </p:style>
-        <p:txBody>
-          <a:bodyPr rtlCol="0" anchor="ctr"/>
-          <a:lstStyle/>
-          <a:p>
-            <a:pPr algn="ctr"/>
-            <a:endParaRPr lang="en-NL"/>
-          </a:p>
-        </p:txBody>
-      </p:sp>
-      <p:sp>
-        <p:nvSpPr>
-          <p:cNvPr id="21" name="Rounded Rectangle 20">
-            <a:extLst>
-              <a:ext uri="{FF2B5EF4-FFF2-40B4-BE49-F238E27FC236}">
-                <a16:creationId xmlns:a16="http://schemas.microsoft.com/office/drawing/2014/main" id="{66339E88-CF46-694D-8472-C7F78C4EBDDB}"/>
-              </a:ext>
-            </a:extLst>
-          </p:cNvPr>
-          <p:cNvSpPr/>
-          <p:nvPr/>
-        </p:nvSpPr>
-        <p:spPr>
-          <a:xfrm>
-            <a:off x="7348396" y="1880460"/>
-            <a:ext cx="410705" cy="410705"/>
-          </a:xfrm>
-          <a:prstGeom prst="roundRect">
-            <a:avLst/>
-          </a:prstGeom>
-          <a:solidFill>
-            <a:schemeClr val="bg2"/>
-          </a:solidFill>
-          <a:ln>
-            <a:solidFill>
-              <a:schemeClr val="bg2"/>
-            </a:solidFill>
-          </a:ln>
-        </p:spPr>
-        <p:style>
-          <a:lnRef idx="2">
-            <a:schemeClr val="accent1">
-              <a:shade val="50000"/>
-            </a:schemeClr>
-          </a:lnRef>
-          <a:fillRef idx="1">
-            <a:schemeClr val="accent1"/>
-          </a:fillRef>
-          <a:effectRef idx="0">
-            <a:schemeClr val="accent1"/>
-          </a:effectRef>
-          <a:fontRef idx="minor">
-            <a:schemeClr val="lt1"/>
-          </a:fontRef>
-        </p:style>
-        <p:txBody>
-          <a:bodyPr rtlCol="0" anchor="ctr"/>
-          <a:lstStyle/>
-          <a:p>
-            <a:pPr algn="ctr"/>
-            <a:endParaRPr lang="en-NL"/>
-          </a:p>
-        </p:txBody>
-      </p:sp>
-      <p:sp>
-        <p:nvSpPr>
-          <p:cNvPr id="22" name="Rounded Rectangle 21">
-            <a:extLst>
-              <a:ext uri="{FF2B5EF4-FFF2-40B4-BE49-F238E27FC236}">
-                <a16:creationId xmlns:a16="http://schemas.microsoft.com/office/drawing/2014/main" id="{EE08CE49-2BDF-7E47-93A6-34A667AEB601}"/>
-              </a:ext>
-            </a:extLst>
-          </p:cNvPr>
-          <p:cNvSpPr/>
-          <p:nvPr/>
-        </p:nvSpPr>
-        <p:spPr>
-          <a:xfrm>
-            <a:off x="7348208" y="2435817"/>
-            <a:ext cx="410705" cy="410705"/>
-          </a:xfrm>
-          <a:prstGeom prst="roundRect">
-            <a:avLst/>
-          </a:prstGeom>
-          <a:solidFill>
-            <a:schemeClr val="bg2"/>
-          </a:solidFill>
-          <a:ln>
-            <a:solidFill>
-              <a:schemeClr val="bg2"/>
-            </a:solidFill>
-          </a:ln>
-        </p:spPr>
-        <p:style>
-          <a:lnRef idx="2">
-            <a:schemeClr val="accent1">
-              <a:shade val="50000"/>
-            </a:schemeClr>
-          </a:lnRef>
-          <a:fillRef idx="1">
-            <a:schemeClr val="accent1"/>
-          </a:fillRef>
-          <a:effectRef idx="0">
-            <a:schemeClr val="accent1"/>
-          </a:effectRef>
-          <a:fontRef idx="minor">
-            <a:schemeClr val="lt1"/>
-          </a:fontRef>
-        </p:style>
-        <p:txBody>
-          <a:bodyPr rtlCol="0" anchor="ctr"/>
-          <a:lstStyle/>
-          <a:p>
-            <a:pPr algn="ctr"/>
-            <a:endParaRPr lang="en-NL"/>
-          </a:p>
-        </p:txBody>
-      </p:sp>
-      <p:sp>
-        <p:nvSpPr>
-          <p:cNvPr id="23" name="Rounded Rectangle 22">
-            <a:extLst>
-              <a:ext uri="{FF2B5EF4-FFF2-40B4-BE49-F238E27FC236}">
-                <a16:creationId xmlns:a16="http://schemas.microsoft.com/office/drawing/2014/main" id="{0B4B9A8D-960F-1A49-BC4D-3FC55095C91E}"/>
-              </a:ext>
-            </a:extLst>
-          </p:cNvPr>
-          <p:cNvSpPr/>
-          <p:nvPr/>
-        </p:nvSpPr>
-        <p:spPr>
-          <a:xfrm>
-            <a:off x="7348208" y="2991173"/>
-            <a:ext cx="410705" cy="410705"/>
-          </a:xfrm>
-          <a:prstGeom prst="roundRect">
-            <a:avLst/>
-          </a:prstGeom>
-          <a:solidFill>
-            <a:schemeClr val="bg2"/>
-          </a:solidFill>
-          <a:ln>
-            <a:solidFill>
-              <a:schemeClr val="bg2"/>
-            </a:solidFill>
-          </a:ln>
-        </p:spPr>
-        <p:style>
-          <a:lnRef idx="2">
-            <a:schemeClr val="accent1">
-              <a:shade val="50000"/>
-            </a:schemeClr>
-          </a:lnRef>
-          <a:fillRef idx="1">
-            <a:schemeClr val="accent1"/>
-          </a:fillRef>
-          <a:effectRef idx="0">
-            <a:schemeClr val="accent1"/>
-          </a:effectRef>
-          <a:fontRef idx="minor">
-            <a:schemeClr val="lt1"/>
-          </a:fontRef>
-        </p:style>
-        <p:txBody>
-          <a:bodyPr rtlCol="0" anchor="ctr"/>
-          <a:lstStyle/>
-          <a:p>
-            <a:pPr algn="ctr"/>
-            <a:endParaRPr lang="en-NL"/>
-          </a:p>
-        </p:txBody>
-      </p:sp>
-      <p:sp>
-        <p:nvSpPr>
-          <p:cNvPr id="24" name="Rounded Rectangle 23">
-            <a:extLst>
-              <a:ext uri="{FF2B5EF4-FFF2-40B4-BE49-F238E27FC236}">
-                <a16:creationId xmlns:a16="http://schemas.microsoft.com/office/drawing/2014/main" id="{90B90E96-DA65-3844-A895-A8E4275F2E9E}"/>
-              </a:ext>
-            </a:extLst>
-          </p:cNvPr>
-          <p:cNvSpPr/>
-          <p:nvPr/>
-        </p:nvSpPr>
-        <p:spPr>
-          <a:xfrm>
-            <a:off x="7348208" y="3546526"/>
-            <a:ext cx="410705" cy="410705"/>
-          </a:xfrm>
-          <a:prstGeom prst="roundRect">
-            <a:avLst/>
-          </a:prstGeom>
-          <a:solidFill>
-            <a:schemeClr val="bg2"/>
-          </a:solidFill>
-          <a:ln>
-            <a:solidFill>
-              <a:schemeClr val="bg2"/>
-            </a:solidFill>
-          </a:ln>
-        </p:spPr>
-        <p:style>
-          <a:lnRef idx="2">
-            <a:schemeClr val="accent1">
-              <a:shade val="50000"/>
-            </a:schemeClr>
-          </a:lnRef>
-          <a:fillRef idx="1">
-            <a:schemeClr val="accent1"/>
-          </a:fillRef>
-          <a:effectRef idx="0">
-            <a:schemeClr val="accent1"/>
-          </a:effectRef>
-          <a:fontRef idx="minor">
-            <a:schemeClr val="lt1"/>
-          </a:fontRef>
-        </p:style>
-        <p:txBody>
-          <a:bodyPr rtlCol="0" anchor="ctr"/>
-          <a:lstStyle/>
-          <a:p>
-            <a:pPr algn="ctr"/>
-            <a:endParaRPr lang="en-NL"/>
-          </a:p>
-        </p:txBody>
-      </p:sp>
-      <p:sp>
-        <p:nvSpPr>
-          <p:cNvPr id="25" name="Rounded Rectangle 24">
-            <a:extLst>
-              <a:ext uri="{FF2B5EF4-FFF2-40B4-BE49-F238E27FC236}">
-                <a16:creationId xmlns:a16="http://schemas.microsoft.com/office/drawing/2014/main" id="{5950A2A1-25A0-624E-8059-D651F019971A}"/>
-              </a:ext>
-            </a:extLst>
-          </p:cNvPr>
-          <p:cNvSpPr/>
-          <p:nvPr/>
-        </p:nvSpPr>
-        <p:spPr>
-          <a:xfrm>
-            <a:off x="7348207" y="4101879"/>
-            <a:ext cx="410705" cy="410705"/>
-          </a:xfrm>
-          <a:prstGeom prst="roundRect">
-            <a:avLst/>
-          </a:prstGeom>
-          <a:solidFill>
-            <a:schemeClr val="bg2"/>
-          </a:solidFill>
-          <a:ln>
-            <a:solidFill>
-              <a:schemeClr val="bg2"/>
-            </a:solidFill>
-          </a:ln>
-        </p:spPr>
-        <p:style>
-          <a:lnRef idx="2">
-            <a:schemeClr val="accent1">
-              <a:shade val="50000"/>
-            </a:schemeClr>
-          </a:lnRef>
-          <a:fillRef idx="1">
-            <a:schemeClr val="accent1"/>
-          </a:fillRef>
-          <a:effectRef idx="0">
-            <a:schemeClr val="accent1"/>
-          </a:effectRef>
-          <a:fontRef idx="minor">
-            <a:schemeClr val="lt1"/>
-          </a:fontRef>
-        </p:style>
-        <p:txBody>
-          <a:bodyPr rtlCol="0" anchor="ctr"/>
-          <a:lstStyle/>
-          <a:p>
-            <a:pPr algn="ctr"/>
-            <a:endParaRPr lang="en-NL"/>
-          </a:p>
-        </p:txBody>
-      </p:sp>
-    </p:spTree>
-    <p:extLst>
-      <p:ext uri="{BB962C8B-B14F-4D97-AF65-F5344CB8AC3E}">
-        <p14:creationId xmlns:p14="http://schemas.microsoft.com/office/powerpoint/2010/main" val="2955084820"/>
-      </p:ext>
-    </p:extLst>
-  </p:cSld>
-  <p:clrMapOvr>
-    <a:masterClrMapping/>
-  </p:clrMapOvr>
-</p:sld>
-</file>
-
-<file path=ppt/slides/slide30.xml><?xml version="1.0" encoding="utf-8"?>
+<file path=ppt/slides/slide32.xml><?xml version="1.0" encoding="utf-8"?>
 <p:sld xmlns:a="http://schemas.openxmlformats.org/drawingml/2006/main" xmlns:r="http://schemas.openxmlformats.org/officeDocument/2006/relationships" xmlns:p="http://schemas.openxmlformats.org/presentationml/2006/main">
   <p:cSld>
     <p:spTree>
@@ -11085,7 +11581,7 @@
 </p:sld>
 </file>
 
-<file path=ppt/slides/slide31.xml><?xml version="1.0" encoding="utf-8"?>
+<file path=ppt/slides/slide33.xml><?xml version="1.0" encoding="utf-8"?>
 <p:sld xmlns:a="http://schemas.openxmlformats.org/drawingml/2006/main" xmlns:r="http://schemas.openxmlformats.org/officeDocument/2006/relationships" xmlns:p="http://schemas.openxmlformats.org/presentationml/2006/main">
   <p:cSld>
     <p:spTree>
@@ -11413,7 +11909,7 @@
 </p:sld>
 </file>
 
-<file path=ppt/slides/slide32.xml><?xml version="1.0" encoding="utf-8"?>
+<file path=ppt/slides/slide34.xml><?xml version="1.0" encoding="utf-8"?>
 <p:sld xmlns:a="http://schemas.openxmlformats.org/drawingml/2006/main" xmlns:r="http://schemas.openxmlformats.org/officeDocument/2006/relationships" xmlns:p="http://schemas.openxmlformats.org/presentationml/2006/main">
   <p:cSld>
     <p:spTree>
@@ -11582,7 +12078,7 @@
 </p:sld>
 </file>
 
-<file path=ppt/slides/slide33.xml><?xml version="1.0" encoding="utf-8"?>
+<file path=ppt/slides/slide35.xml><?xml version="1.0" encoding="utf-8"?>
 <p:sld xmlns:a="http://schemas.openxmlformats.org/drawingml/2006/main" xmlns:r="http://schemas.openxmlformats.org/officeDocument/2006/relationships" xmlns:p="http://schemas.openxmlformats.org/presentationml/2006/main">
   <p:cSld>
     <p:spTree>
@@ -11904,7 +12400,7 @@
 </p:sld>
 </file>
 
-<file path=ppt/slides/slide34.xml><?xml version="1.0" encoding="utf-8"?>
+<file path=ppt/slides/slide36.xml><?xml version="1.0" encoding="utf-8"?>
 <p:sld xmlns:a="http://schemas.openxmlformats.org/drawingml/2006/main" xmlns:r="http://schemas.openxmlformats.org/officeDocument/2006/relationships" xmlns:p="http://schemas.openxmlformats.org/presentationml/2006/main">
   <p:cSld>
     <p:spTree>
@@ -12073,7 +12569,7 @@
 </p:sld>
 </file>
 
-<file path=ppt/slides/slide35.xml><?xml version="1.0" encoding="utf-8"?>
+<file path=ppt/slides/slide37.xml><?xml version="1.0" encoding="utf-8"?>
 <p:sld xmlns:a="http://schemas.openxmlformats.org/drawingml/2006/main" xmlns:r="http://schemas.openxmlformats.org/officeDocument/2006/relationships" xmlns:p="http://schemas.openxmlformats.org/presentationml/2006/main">
   <p:cSld>
     <p:spTree>
@@ -12395,7 +12891,7 @@
 </p:sld>
 </file>
 
-<file path=ppt/slides/slide36.xml><?xml version="1.0" encoding="utf-8"?>
+<file path=ppt/slides/slide38.xml><?xml version="1.0" encoding="utf-8"?>
 <p:sld xmlns:a="http://schemas.openxmlformats.org/drawingml/2006/main" xmlns:r="http://schemas.openxmlformats.org/officeDocument/2006/relationships" xmlns:p="http://schemas.openxmlformats.org/presentationml/2006/main">
   <p:cSld>
     <p:spTree>
@@ -12564,7 +13060,7 @@
 </p:sld>
 </file>
 
-<file path=ppt/slides/slide37.xml><?xml version="1.0" encoding="utf-8"?>
+<file path=ppt/slides/slide39.xml><?xml version="1.0" encoding="utf-8"?>
 <p:sld xmlns:a="http://schemas.openxmlformats.org/drawingml/2006/main" xmlns:r="http://schemas.openxmlformats.org/officeDocument/2006/relationships" xmlns:p="http://schemas.openxmlformats.org/presentationml/2006/main">
   <p:cSld>
     <p:spTree>
@@ -12874,7 +13370,7 @@
 </p:sld>
 </file>
 
-<file path=ppt/slides/slide38.xml><?xml version="1.0" encoding="utf-8"?>
+<file path=ppt/slides/slide4.xml><?xml version="1.0" encoding="utf-8"?>
 <p:sld xmlns:a="http://schemas.openxmlformats.org/drawingml/2006/main" xmlns:r="http://schemas.openxmlformats.org/officeDocument/2006/relationships" xmlns:p="http://schemas.openxmlformats.org/presentationml/2006/main">
   <p:cSld>
     <p:spTree>
@@ -13033,6 +13529,175 @@
     </p:spTree>
     <p:extLst>
       <p:ext uri="{BB962C8B-B14F-4D97-AF65-F5344CB8AC3E}">
+        <p14:creationId xmlns:p14="http://schemas.microsoft.com/office/powerpoint/2010/main" val="3385344708"/>
+      </p:ext>
+    </p:extLst>
+  </p:cSld>
+  <p:clrMapOvr>
+    <a:masterClrMapping/>
+  </p:clrMapOvr>
+</p:sld>
+</file>
+
+<file path=ppt/slides/slide40.xml><?xml version="1.0" encoding="utf-8"?>
+<p:sld xmlns:a="http://schemas.openxmlformats.org/drawingml/2006/main" xmlns:r="http://schemas.openxmlformats.org/officeDocument/2006/relationships" xmlns:p="http://schemas.openxmlformats.org/presentationml/2006/main">
+  <p:cSld>
+    <p:spTree>
+      <p:nvGrpSpPr>
+        <p:cNvPr id="1" name=""/>
+        <p:cNvGrpSpPr/>
+        <p:nvPr/>
+      </p:nvGrpSpPr>
+      <p:grpSpPr>
+        <a:xfrm>
+          <a:off x="0" y="0"/>
+          <a:ext cx="0" cy="0"/>
+          <a:chOff x="0" y="0"/>
+          <a:chExt cx="0" cy="0"/>
+        </a:xfrm>
+      </p:grpSpPr>
+      <p:sp>
+        <p:nvSpPr>
+          <p:cNvPr id="2" name="Title 1">
+            <a:extLst>
+              <a:ext uri="{FF2B5EF4-FFF2-40B4-BE49-F238E27FC236}">
+                <a16:creationId xmlns:a16="http://schemas.microsoft.com/office/drawing/2014/main" id="{CFCDF3DA-1D3D-E743-8E21-6B353B4D96A4}"/>
+              </a:ext>
+            </a:extLst>
+          </p:cNvPr>
+          <p:cNvSpPr>
+            <a:spLocks noGrp="1"/>
+          </p:cNvSpPr>
+          <p:nvPr>
+            <p:ph type="title"/>
+          </p:nvPr>
+        </p:nvSpPr>
+        <p:spPr/>
+        <p:txBody>
+          <a:bodyPr/>
+          <a:lstStyle/>
+          <a:p>
+            <a:endParaRPr lang="en-NL"/>
+          </a:p>
+        </p:txBody>
+      </p:sp>
+      <p:sp>
+        <p:nvSpPr>
+          <p:cNvPr id="3" name="Content Placeholder 2">
+            <a:extLst>
+              <a:ext uri="{FF2B5EF4-FFF2-40B4-BE49-F238E27FC236}">
+                <a16:creationId xmlns:a16="http://schemas.microsoft.com/office/drawing/2014/main" id="{40A525DA-CA85-AD48-8A85-52A75E1E5317}"/>
+              </a:ext>
+            </a:extLst>
+          </p:cNvPr>
+          <p:cNvSpPr>
+            <a:spLocks noGrp="1"/>
+          </p:cNvSpPr>
+          <p:nvPr>
+            <p:ph idx="1"/>
+          </p:nvPr>
+        </p:nvSpPr>
+        <p:spPr/>
+        <p:txBody>
+          <a:bodyPr/>
+          <a:lstStyle/>
+          <a:p>
+            <a:endParaRPr lang="en-NL"/>
+          </a:p>
+        </p:txBody>
+      </p:sp>
+      <p:sp>
+        <p:nvSpPr>
+          <p:cNvPr id="4" name="Rounded Rectangle 3">
+            <a:extLst>
+              <a:ext uri="{FF2B5EF4-FFF2-40B4-BE49-F238E27FC236}">
+                <a16:creationId xmlns:a16="http://schemas.microsoft.com/office/drawing/2014/main" id="{6B890BB6-3544-1A4E-A833-93135A597BB4}"/>
+              </a:ext>
+            </a:extLst>
+          </p:cNvPr>
+          <p:cNvSpPr/>
+          <p:nvPr/>
+        </p:nvSpPr>
+        <p:spPr>
+          <a:xfrm>
+            <a:off x="0" y="0"/>
+            <a:ext cx="7559675" cy="5327650"/>
+          </a:xfrm>
+          <a:prstGeom prst="roundRect">
+            <a:avLst>
+              <a:gd name="adj" fmla="val 0"/>
+            </a:avLst>
+          </a:prstGeom>
+          <a:blipFill>
+            <a:blip r:embed="rId2"/>
+            <a:stretch>
+              <a:fillRect/>
+            </a:stretch>
+          </a:blipFill>
+          <a:ln>
+            <a:solidFill>
+              <a:schemeClr val="bg2"/>
+            </a:solidFill>
+          </a:ln>
+        </p:spPr>
+        <p:style>
+          <a:lnRef idx="2">
+            <a:schemeClr val="accent1">
+              <a:shade val="50000"/>
+            </a:schemeClr>
+          </a:lnRef>
+          <a:fillRef idx="1">
+            <a:schemeClr val="accent1"/>
+          </a:fillRef>
+          <a:effectRef idx="0">
+            <a:schemeClr val="accent1"/>
+          </a:effectRef>
+          <a:fontRef idx="minor">
+            <a:schemeClr val="lt1"/>
+          </a:fontRef>
+        </p:style>
+        <p:txBody>
+          <a:bodyPr rtlCol="0" anchor="ctr"/>
+          <a:lstStyle/>
+          <a:p>
+            <a:pPr algn="ctr"/>
+            <a:endParaRPr lang="en-NL"/>
+          </a:p>
+        </p:txBody>
+      </p:sp>
+      <p:pic>
+        <p:nvPicPr>
+          <p:cNvPr id="5" name="Picture 4" descr="A picture containing food, drawing&#10;&#10;Description automatically generated">
+            <a:extLst>
+              <a:ext uri="{FF2B5EF4-FFF2-40B4-BE49-F238E27FC236}">
+                <a16:creationId xmlns:a16="http://schemas.microsoft.com/office/drawing/2014/main" id="{27611709-3190-2A4B-BCE4-4D329000A8EB}"/>
+              </a:ext>
+            </a:extLst>
+          </p:cNvPr>
+          <p:cNvPicPr>
+            <a:picLocks noChangeAspect="1"/>
+          </p:cNvPicPr>
+          <p:nvPr/>
+        </p:nvPicPr>
+        <p:blipFill>
+          <a:blip r:embed="rId3"/>
+          <a:stretch>
+            <a:fillRect/>
+          </a:stretch>
+        </p:blipFill>
+        <p:spPr>
+          <a:xfrm>
+            <a:off x="350837" y="-765175"/>
+            <a:ext cx="6858000" cy="6858000"/>
+          </a:xfrm>
+          <a:prstGeom prst="rect">
+            <a:avLst/>
+          </a:prstGeom>
+        </p:spPr>
+      </p:pic>
+    </p:spTree>
+    <p:extLst>
+      <p:ext uri="{BB962C8B-B14F-4D97-AF65-F5344CB8AC3E}">
         <p14:creationId xmlns:p14="http://schemas.microsoft.com/office/powerpoint/2010/main" val="3887726332"/>
       </p:ext>
     </p:extLst>
@@ -13043,7 +13708,7 @@
 </p:sld>
 </file>
 
-<file path=ppt/slides/slide39.xml><?xml version="1.0" encoding="utf-8"?>
+<file path=ppt/slides/slide41.xml><?xml version="1.0" encoding="utf-8"?>
 <p:sld xmlns:a="http://schemas.openxmlformats.org/drawingml/2006/main" xmlns:r="http://schemas.openxmlformats.org/officeDocument/2006/relationships" xmlns:p="http://schemas.openxmlformats.org/presentationml/2006/main">
   <p:cSld>
     <p:spTree>
@@ -13351,7 +14016,7 @@
 </p:sld>
 </file>
 
-<file path=ppt/slides/slide4.xml><?xml version="1.0" encoding="utf-8"?>
+<file path=ppt/slides/slide42.xml><?xml version="1.0" encoding="utf-8"?>
 <p:sld xmlns:a="http://schemas.openxmlformats.org/drawingml/2006/main" xmlns:r="http://schemas.openxmlformats.org/officeDocument/2006/relationships" xmlns:p="http://schemas.openxmlformats.org/presentationml/2006/main">
   <p:cSld>
     <p:spTree>
@@ -13510,175 +14175,6 @@
     </p:spTree>
     <p:extLst>
       <p:ext uri="{BB962C8B-B14F-4D97-AF65-F5344CB8AC3E}">
-        <p14:creationId xmlns:p14="http://schemas.microsoft.com/office/powerpoint/2010/main" val="3385344708"/>
-      </p:ext>
-    </p:extLst>
-  </p:cSld>
-  <p:clrMapOvr>
-    <a:masterClrMapping/>
-  </p:clrMapOvr>
-</p:sld>
-</file>
-
-<file path=ppt/slides/slide40.xml><?xml version="1.0" encoding="utf-8"?>
-<p:sld xmlns:a="http://schemas.openxmlformats.org/drawingml/2006/main" xmlns:r="http://schemas.openxmlformats.org/officeDocument/2006/relationships" xmlns:p="http://schemas.openxmlformats.org/presentationml/2006/main">
-  <p:cSld>
-    <p:spTree>
-      <p:nvGrpSpPr>
-        <p:cNvPr id="1" name=""/>
-        <p:cNvGrpSpPr/>
-        <p:nvPr/>
-      </p:nvGrpSpPr>
-      <p:grpSpPr>
-        <a:xfrm>
-          <a:off x="0" y="0"/>
-          <a:ext cx="0" cy="0"/>
-          <a:chOff x="0" y="0"/>
-          <a:chExt cx="0" cy="0"/>
-        </a:xfrm>
-      </p:grpSpPr>
-      <p:sp>
-        <p:nvSpPr>
-          <p:cNvPr id="2" name="Title 1">
-            <a:extLst>
-              <a:ext uri="{FF2B5EF4-FFF2-40B4-BE49-F238E27FC236}">
-                <a16:creationId xmlns:a16="http://schemas.microsoft.com/office/drawing/2014/main" id="{CFCDF3DA-1D3D-E743-8E21-6B353B4D96A4}"/>
-              </a:ext>
-            </a:extLst>
-          </p:cNvPr>
-          <p:cNvSpPr>
-            <a:spLocks noGrp="1"/>
-          </p:cNvSpPr>
-          <p:nvPr>
-            <p:ph type="title"/>
-          </p:nvPr>
-        </p:nvSpPr>
-        <p:spPr/>
-        <p:txBody>
-          <a:bodyPr/>
-          <a:lstStyle/>
-          <a:p>
-            <a:endParaRPr lang="en-NL"/>
-          </a:p>
-        </p:txBody>
-      </p:sp>
-      <p:sp>
-        <p:nvSpPr>
-          <p:cNvPr id="3" name="Content Placeholder 2">
-            <a:extLst>
-              <a:ext uri="{FF2B5EF4-FFF2-40B4-BE49-F238E27FC236}">
-                <a16:creationId xmlns:a16="http://schemas.microsoft.com/office/drawing/2014/main" id="{40A525DA-CA85-AD48-8A85-52A75E1E5317}"/>
-              </a:ext>
-            </a:extLst>
-          </p:cNvPr>
-          <p:cNvSpPr>
-            <a:spLocks noGrp="1"/>
-          </p:cNvSpPr>
-          <p:nvPr>
-            <p:ph idx="1"/>
-          </p:nvPr>
-        </p:nvSpPr>
-        <p:spPr/>
-        <p:txBody>
-          <a:bodyPr/>
-          <a:lstStyle/>
-          <a:p>
-            <a:endParaRPr lang="en-NL"/>
-          </a:p>
-        </p:txBody>
-      </p:sp>
-      <p:sp>
-        <p:nvSpPr>
-          <p:cNvPr id="4" name="Rounded Rectangle 3">
-            <a:extLst>
-              <a:ext uri="{FF2B5EF4-FFF2-40B4-BE49-F238E27FC236}">
-                <a16:creationId xmlns:a16="http://schemas.microsoft.com/office/drawing/2014/main" id="{6B890BB6-3544-1A4E-A833-93135A597BB4}"/>
-              </a:ext>
-            </a:extLst>
-          </p:cNvPr>
-          <p:cNvSpPr/>
-          <p:nvPr/>
-        </p:nvSpPr>
-        <p:spPr>
-          <a:xfrm>
-            <a:off x="0" y="0"/>
-            <a:ext cx="7559675" cy="5327650"/>
-          </a:xfrm>
-          <a:prstGeom prst="roundRect">
-            <a:avLst>
-              <a:gd name="adj" fmla="val 0"/>
-            </a:avLst>
-          </a:prstGeom>
-          <a:blipFill>
-            <a:blip r:embed="rId2"/>
-            <a:stretch>
-              <a:fillRect/>
-            </a:stretch>
-          </a:blipFill>
-          <a:ln>
-            <a:solidFill>
-              <a:schemeClr val="bg2"/>
-            </a:solidFill>
-          </a:ln>
-        </p:spPr>
-        <p:style>
-          <a:lnRef idx="2">
-            <a:schemeClr val="accent1">
-              <a:shade val="50000"/>
-            </a:schemeClr>
-          </a:lnRef>
-          <a:fillRef idx="1">
-            <a:schemeClr val="accent1"/>
-          </a:fillRef>
-          <a:effectRef idx="0">
-            <a:schemeClr val="accent1"/>
-          </a:effectRef>
-          <a:fontRef idx="minor">
-            <a:schemeClr val="lt1"/>
-          </a:fontRef>
-        </p:style>
-        <p:txBody>
-          <a:bodyPr rtlCol="0" anchor="ctr"/>
-          <a:lstStyle/>
-          <a:p>
-            <a:pPr algn="ctr"/>
-            <a:endParaRPr lang="en-NL"/>
-          </a:p>
-        </p:txBody>
-      </p:sp>
-      <p:pic>
-        <p:nvPicPr>
-          <p:cNvPr id="5" name="Picture 4" descr="A picture containing food, drawing&#10;&#10;Description automatically generated">
-            <a:extLst>
-              <a:ext uri="{FF2B5EF4-FFF2-40B4-BE49-F238E27FC236}">
-                <a16:creationId xmlns:a16="http://schemas.microsoft.com/office/drawing/2014/main" id="{27611709-3190-2A4B-BCE4-4D329000A8EB}"/>
-              </a:ext>
-            </a:extLst>
-          </p:cNvPr>
-          <p:cNvPicPr>
-            <a:picLocks noChangeAspect="1"/>
-          </p:cNvPicPr>
-          <p:nvPr/>
-        </p:nvPicPr>
-        <p:blipFill>
-          <a:blip r:embed="rId3"/>
-          <a:stretch>
-            <a:fillRect/>
-          </a:stretch>
-        </p:blipFill>
-        <p:spPr>
-          <a:xfrm>
-            <a:off x="350837" y="-765175"/>
-            <a:ext cx="6858000" cy="6858000"/>
-          </a:xfrm>
-          <a:prstGeom prst="rect">
-            <a:avLst/>
-          </a:prstGeom>
-        </p:spPr>
-      </p:pic>
-    </p:spTree>
-    <p:extLst>
-      <p:ext uri="{BB962C8B-B14F-4D97-AF65-F5344CB8AC3E}">
         <p14:creationId xmlns:p14="http://schemas.microsoft.com/office/powerpoint/2010/main" val="160330387"/>
       </p:ext>
     </p:extLst>
@@ -13689,7 +14185,7 @@
 </p:sld>
 </file>
 
-<file path=ppt/slides/slide41.xml><?xml version="1.0" encoding="utf-8"?>
+<file path=ppt/slides/slide43.xml><?xml version="1.0" encoding="utf-8"?>
 <p:sld xmlns:a="http://schemas.openxmlformats.org/drawingml/2006/main" xmlns:r="http://schemas.openxmlformats.org/officeDocument/2006/relationships" xmlns:p="http://schemas.openxmlformats.org/presentationml/2006/main">
   <p:cSld>
     <p:spTree>
@@ -14009,7 +14505,7 @@
 </p:sld>
 </file>
 
-<file path=ppt/slides/slide42.xml><?xml version="1.0" encoding="utf-8"?>
+<file path=ppt/slides/slide44.xml><?xml version="1.0" encoding="utf-8"?>
 <p:sld xmlns:a="http://schemas.openxmlformats.org/drawingml/2006/main" xmlns:r="http://schemas.openxmlformats.org/officeDocument/2006/relationships" xmlns:p="http://schemas.openxmlformats.org/presentationml/2006/main">
   <p:cSld>
     <p:spTree>
@@ -14178,7 +14674,7 @@
 </p:sld>
 </file>
 
-<file path=ppt/slides/slide43.xml><?xml version="1.0" encoding="utf-8"?>
+<file path=ppt/slides/slide45.xml><?xml version="1.0" encoding="utf-8"?>
 <p:sld xmlns:a="http://schemas.openxmlformats.org/drawingml/2006/main" xmlns:r="http://schemas.openxmlformats.org/officeDocument/2006/relationships" xmlns:p="http://schemas.openxmlformats.org/presentationml/2006/main">
   <p:cSld>
     <p:spTree>
@@ -14498,7 +14994,7 @@
 </p:sld>
 </file>
 
-<file path=ppt/slides/slide44.xml><?xml version="1.0" encoding="utf-8"?>
+<file path=ppt/slides/slide46.xml><?xml version="1.0" encoding="utf-8"?>
 <p:sld xmlns:a="http://schemas.openxmlformats.org/drawingml/2006/main" xmlns:r="http://schemas.openxmlformats.org/officeDocument/2006/relationships" xmlns:p="http://schemas.openxmlformats.org/presentationml/2006/main">
   <p:cSld>
     <p:spTree>
@@ -14667,7 +15163,7 @@
 </p:sld>
 </file>
 
-<file path=ppt/slides/slide45.xml><?xml version="1.0" encoding="utf-8"?>
+<file path=ppt/slides/slide47.xml><?xml version="1.0" encoding="utf-8"?>
 <p:sld xmlns:a="http://schemas.openxmlformats.org/drawingml/2006/main" xmlns:r="http://schemas.openxmlformats.org/officeDocument/2006/relationships" xmlns:p="http://schemas.openxmlformats.org/presentationml/2006/main">
   <p:cSld>
     <p:spTree>
@@ -14987,7 +15483,7 @@
 </p:sld>
 </file>
 
-<file path=ppt/slides/slide46.xml><?xml version="1.0" encoding="utf-8"?>
+<file path=ppt/slides/slide48.xml><?xml version="1.0" encoding="utf-8"?>
 <p:sld xmlns:a="http://schemas.openxmlformats.org/drawingml/2006/main" xmlns:r="http://schemas.openxmlformats.org/officeDocument/2006/relationships" xmlns:p="http://schemas.openxmlformats.org/presentationml/2006/main">
   <p:cSld>
     <p:spTree>
@@ -15156,7 +15652,7 @@
 </p:sld>
 </file>
 
-<file path=ppt/slides/slide47.xml><?xml version="1.0" encoding="utf-8"?>
+<file path=ppt/slides/slide49.xml><?xml version="1.0" encoding="utf-8"?>
 <p:sld xmlns:a="http://schemas.openxmlformats.org/drawingml/2006/main" xmlns:r="http://schemas.openxmlformats.org/officeDocument/2006/relationships" xmlns:p="http://schemas.openxmlformats.org/presentationml/2006/main">
   <p:cSld>
     <p:spTree>
@@ -15476,7 +15972,1081 @@
 </p:sld>
 </file>
 
-<file path=ppt/slides/slide48.xml><?xml version="1.0" encoding="utf-8"?>
+<file path=ppt/slides/slide5.xml><?xml version="1.0" encoding="utf-8"?>
+<p:sld xmlns:a="http://schemas.openxmlformats.org/drawingml/2006/main" xmlns:r="http://schemas.openxmlformats.org/officeDocument/2006/relationships" xmlns:p="http://schemas.openxmlformats.org/presentationml/2006/main">
+  <p:cSld>
+    <p:spTree>
+      <p:nvGrpSpPr>
+        <p:cNvPr id="1" name=""/>
+        <p:cNvGrpSpPr/>
+        <p:nvPr/>
+      </p:nvGrpSpPr>
+      <p:grpSpPr>
+        <a:xfrm>
+          <a:off x="0" y="0"/>
+          <a:ext cx="0" cy="0"/>
+          <a:chOff x="0" y="0"/>
+          <a:chExt cx="0" cy="0"/>
+        </a:xfrm>
+      </p:grpSpPr>
+      <p:sp>
+        <p:nvSpPr>
+          <p:cNvPr id="2" name="Title 1">
+            <a:extLst>
+              <a:ext uri="{FF2B5EF4-FFF2-40B4-BE49-F238E27FC236}">
+                <a16:creationId xmlns:a16="http://schemas.microsoft.com/office/drawing/2014/main" id="{A50B3240-90A9-2045-9B24-092DEDC3A4FB}"/>
+              </a:ext>
+            </a:extLst>
+          </p:cNvPr>
+          <p:cNvSpPr>
+            <a:spLocks noGrp="1"/>
+          </p:cNvSpPr>
+          <p:nvPr>
+            <p:ph type="title"/>
+          </p:nvPr>
+        </p:nvSpPr>
+        <p:spPr/>
+        <p:txBody>
+          <a:bodyPr/>
+          <a:lstStyle/>
+          <a:p>
+            <a:endParaRPr lang="en-NL"/>
+          </a:p>
+        </p:txBody>
+      </p:sp>
+      <p:sp>
+        <p:nvSpPr>
+          <p:cNvPr id="3" name="Content Placeholder 2">
+            <a:extLst>
+              <a:ext uri="{FF2B5EF4-FFF2-40B4-BE49-F238E27FC236}">
+                <a16:creationId xmlns:a16="http://schemas.microsoft.com/office/drawing/2014/main" id="{EE6F52F0-3A96-5E4D-B754-B812A863C0BF}"/>
+              </a:ext>
+            </a:extLst>
+          </p:cNvPr>
+          <p:cNvSpPr>
+            <a:spLocks noGrp="1"/>
+          </p:cNvSpPr>
+          <p:nvPr>
+            <p:ph idx="1"/>
+          </p:nvPr>
+        </p:nvSpPr>
+        <p:spPr/>
+        <p:txBody>
+          <a:bodyPr/>
+          <a:lstStyle/>
+          <a:p>
+            <a:endParaRPr lang="en-NL"/>
+          </a:p>
+        </p:txBody>
+      </p:sp>
+      <p:sp>
+        <p:nvSpPr>
+          <p:cNvPr id="4" name="Rounded Rectangle 3">
+            <a:extLst>
+              <a:ext uri="{FF2B5EF4-FFF2-40B4-BE49-F238E27FC236}">
+                <a16:creationId xmlns:a16="http://schemas.microsoft.com/office/drawing/2014/main" id="{C878E023-EBA1-A649-9F84-9426DC737CAD}"/>
+              </a:ext>
+            </a:extLst>
+          </p:cNvPr>
+          <p:cNvSpPr/>
+          <p:nvPr/>
+        </p:nvSpPr>
+        <p:spPr>
+          <a:xfrm>
+            <a:off x="0" y="0"/>
+            <a:ext cx="7559675" cy="5327650"/>
+          </a:xfrm>
+          <a:prstGeom prst="roundRect">
+            <a:avLst>
+              <a:gd name="adj" fmla="val 0"/>
+            </a:avLst>
+          </a:prstGeom>
+          <a:solidFill>
+            <a:srgbClr val="DE8445"/>
+          </a:solidFill>
+          <a:ln>
+            <a:noFill/>
+          </a:ln>
+        </p:spPr>
+        <p:style>
+          <a:lnRef idx="2">
+            <a:schemeClr val="accent1">
+              <a:shade val="50000"/>
+            </a:schemeClr>
+          </a:lnRef>
+          <a:fillRef idx="1">
+            <a:schemeClr val="accent1"/>
+          </a:fillRef>
+          <a:effectRef idx="0">
+            <a:schemeClr val="accent1"/>
+          </a:effectRef>
+          <a:fontRef idx="minor">
+            <a:schemeClr val="lt1"/>
+          </a:fontRef>
+        </p:style>
+        <p:txBody>
+          <a:bodyPr rtlCol="0" anchor="ctr"/>
+          <a:lstStyle/>
+          <a:p>
+            <a:pPr algn="ctr"/>
+            <a:endParaRPr lang="en-NL" dirty="0"/>
+          </a:p>
+        </p:txBody>
+      </p:sp>
+      <p:sp>
+        <p:nvSpPr>
+          <p:cNvPr id="5" name="Rectangle 4">
+            <a:extLst>
+              <a:ext uri="{FF2B5EF4-FFF2-40B4-BE49-F238E27FC236}">
+                <a16:creationId xmlns:a16="http://schemas.microsoft.com/office/drawing/2014/main" id="{1F46A24F-F843-6F43-B798-8E0A66AEBE9A}"/>
+              </a:ext>
+            </a:extLst>
+          </p:cNvPr>
+          <p:cNvSpPr/>
+          <p:nvPr/>
+        </p:nvSpPr>
+        <p:spPr>
+          <a:xfrm>
+            <a:off x="654576" y="629685"/>
+            <a:ext cx="6326488" cy="3992292"/>
+          </a:xfrm>
+          <a:prstGeom prst="rect">
+            <a:avLst/>
+          </a:prstGeom>
+          <a:blipFill>
+            <a:blip r:embed="rId2"/>
+            <a:stretch>
+              <a:fillRect/>
+            </a:stretch>
+          </a:blipFill>
+          <a:ln w="38100" cmpd="sng">
+            <a:solidFill>
+              <a:schemeClr val="tx1"/>
+            </a:solidFill>
+            <a:prstDash val="solid"/>
+          </a:ln>
+        </p:spPr>
+        <p:style>
+          <a:lnRef idx="2">
+            <a:schemeClr val="accent1">
+              <a:shade val="50000"/>
+            </a:schemeClr>
+          </a:lnRef>
+          <a:fillRef idx="1">
+            <a:schemeClr val="accent1"/>
+          </a:fillRef>
+          <a:effectRef idx="0">
+            <a:schemeClr val="accent1"/>
+          </a:effectRef>
+          <a:fontRef idx="minor">
+            <a:schemeClr val="lt1"/>
+          </a:fontRef>
+        </p:style>
+        <p:txBody>
+          <a:bodyPr rtlCol="0" anchor="ctr"/>
+          <a:lstStyle/>
+          <a:p>
+            <a:endParaRPr lang="en-NL" sz="9600">
+              <a:latin typeface="Marvel" pitchFamily="2" charset="0"/>
+            </a:endParaRPr>
+          </a:p>
+        </p:txBody>
+      </p:sp>
+      <p:sp>
+        <p:nvSpPr>
+          <p:cNvPr id="7" name="TextBox 6">
+            <a:extLst>
+              <a:ext uri="{FF2B5EF4-FFF2-40B4-BE49-F238E27FC236}">
+                <a16:creationId xmlns:a16="http://schemas.microsoft.com/office/drawing/2014/main" id="{DB3D77AE-9792-C547-90E9-C96C9012A78D}"/>
+              </a:ext>
+            </a:extLst>
+          </p:cNvPr>
+          <p:cNvSpPr txBox="1"/>
+          <p:nvPr/>
+        </p:nvSpPr>
+        <p:spPr>
+          <a:xfrm>
+            <a:off x="1154265" y="1964111"/>
+            <a:ext cx="5451371" cy="1323439"/>
+          </a:xfrm>
+          <a:prstGeom prst="rect">
+            <a:avLst/>
+          </a:prstGeom>
+          <a:noFill/>
+        </p:spPr>
+        <p:txBody>
+          <a:bodyPr wrap="square" rtlCol="0">
+            <a:spAutoFit/>
+          </a:bodyPr>
+          <a:lstStyle/>
+          <a:p>
+            <a:pPr algn="ctr"/>
+            <a:r>
+              <a:rPr lang="en-NL" sz="8000" dirty="0">
+                <a:latin typeface="Marvel" pitchFamily="2" charset="0"/>
+              </a:rPr>
+              <a:t>UNREALIZED VALUE</a:t>
+            </a:r>
+          </a:p>
+        </p:txBody>
+      </p:sp>
+      <p:sp>
+        <p:nvSpPr>
+          <p:cNvPr id="8" name="TextBox 7">
+            <a:extLst>
+              <a:ext uri="{FF2B5EF4-FFF2-40B4-BE49-F238E27FC236}">
+                <a16:creationId xmlns:a16="http://schemas.microsoft.com/office/drawing/2014/main" id="{ED283D89-81C5-A942-931B-F37B88051625}"/>
+              </a:ext>
+            </a:extLst>
+          </p:cNvPr>
+          <p:cNvSpPr txBox="1"/>
+          <p:nvPr/>
+        </p:nvSpPr>
+        <p:spPr>
+          <a:xfrm>
+            <a:off x="1826342" y="2992265"/>
+            <a:ext cx="4107215" cy="400110"/>
+          </a:xfrm>
+          <a:prstGeom prst="rect">
+            <a:avLst/>
+          </a:prstGeom>
+          <a:noFill/>
+        </p:spPr>
+        <p:txBody>
+          <a:bodyPr wrap="none" rtlCol="0">
+            <a:spAutoFit/>
+          </a:bodyPr>
+          <a:lstStyle/>
+          <a:p>
+            <a:pPr algn="ctr"/>
+            <a:r>
+              <a:rPr lang="en-GB" sz="1000" dirty="0">
+                <a:solidFill>
+                  <a:schemeClr val="bg1">
+                    <a:lumMod val="50000"/>
+                  </a:schemeClr>
+                </a:solidFill>
+                <a:latin typeface="Ubuntu" panose="020B0504030602030204" pitchFamily="34" charset="0"/>
+              </a:rPr>
+              <a:t>The potential future value that </a:t>
+            </a:r>
+            <a:r>
+              <a:rPr lang="en-GB" sz="1000" i="1" dirty="0">
+                <a:solidFill>
+                  <a:schemeClr val="bg1">
+                    <a:lumMod val="50000"/>
+                  </a:schemeClr>
+                </a:solidFill>
+                <a:latin typeface="Ubuntu" panose="020B0504030602030204" pitchFamily="34" charset="0"/>
+              </a:rPr>
+              <a:t>could be</a:t>
+            </a:r>
+            <a:r>
+              <a:rPr lang="en-GB" sz="1000" dirty="0">
+                <a:solidFill>
+                  <a:schemeClr val="bg1">
+                    <a:lumMod val="50000"/>
+                  </a:schemeClr>
+                </a:solidFill>
+                <a:latin typeface="Ubuntu" panose="020B0504030602030204" pitchFamily="34" charset="0"/>
+              </a:rPr>
+              <a:t> realized </a:t>
+            </a:r>
+          </a:p>
+          <a:p>
+            <a:pPr algn="ctr"/>
+            <a:r>
+              <a:rPr lang="en-GB" sz="1000" dirty="0">
+                <a:solidFill>
+                  <a:schemeClr val="bg1">
+                    <a:lumMod val="50000"/>
+                  </a:schemeClr>
+                </a:solidFill>
+                <a:latin typeface="Ubuntu" panose="020B0504030602030204" pitchFamily="34" charset="0"/>
+              </a:rPr>
+              <a:t>if the organization met the needs of all potential customers or users</a:t>
+            </a:r>
+            <a:endParaRPr lang="en-NL" sz="1000" dirty="0">
+              <a:solidFill>
+                <a:schemeClr val="bg1">
+                  <a:lumMod val="50000"/>
+                </a:schemeClr>
+              </a:solidFill>
+              <a:latin typeface="Ubuntu" panose="020B0504030602030204" pitchFamily="34" charset="0"/>
+            </a:endParaRPr>
+          </a:p>
+        </p:txBody>
+      </p:sp>
+      <p:sp>
+        <p:nvSpPr>
+          <p:cNvPr id="24" name="Hexagon 23">
+            <a:extLst>
+              <a:ext uri="{FF2B5EF4-FFF2-40B4-BE49-F238E27FC236}">
+                <a16:creationId xmlns:a16="http://schemas.microsoft.com/office/drawing/2014/main" id="{B77BC908-5A71-5648-86F4-1DD501B1A47A}"/>
+              </a:ext>
+            </a:extLst>
+          </p:cNvPr>
+          <p:cNvSpPr/>
+          <p:nvPr/>
+        </p:nvSpPr>
+        <p:spPr>
+          <a:xfrm>
+            <a:off x="-263472" y="887581"/>
+            <a:ext cx="526943" cy="425834"/>
+          </a:xfrm>
+          <a:prstGeom prst="hexagon">
+            <a:avLst/>
+          </a:prstGeom>
+          <a:solidFill>
+            <a:schemeClr val="bg2"/>
+          </a:solidFill>
+          <a:ln>
+            <a:solidFill>
+              <a:schemeClr val="bg2"/>
+            </a:solidFill>
+          </a:ln>
+        </p:spPr>
+        <p:style>
+          <a:lnRef idx="2">
+            <a:schemeClr val="accent1">
+              <a:shade val="50000"/>
+            </a:schemeClr>
+          </a:lnRef>
+          <a:fillRef idx="1">
+            <a:schemeClr val="accent1"/>
+          </a:fillRef>
+          <a:effectRef idx="0">
+            <a:schemeClr val="accent1"/>
+          </a:effectRef>
+          <a:fontRef idx="minor">
+            <a:schemeClr val="lt1"/>
+          </a:fontRef>
+        </p:style>
+        <p:txBody>
+          <a:bodyPr rtlCol="0" anchor="ctr"/>
+          <a:lstStyle/>
+          <a:p>
+            <a:pPr algn="ctr"/>
+            <a:endParaRPr lang="en-NL"/>
+          </a:p>
+        </p:txBody>
+      </p:sp>
+      <p:sp>
+        <p:nvSpPr>
+          <p:cNvPr id="25" name="Hexagon 24">
+            <a:extLst>
+              <a:ext uri="{FF2B5EF4-FFF2-40B4-BE49-F238E27FC236}">
+                <a16:creationId xmlns:a16="http://schemas.microsoft.com/office/drawing/2014/main" id="{CA52172E-44FE-964B-8A80-395B31A859C7}"/>
+              </a:ext>
+            </a:extLst>
+          </p:cNvPr>
+          <p:cNvSpPr/>
+          <p:nvPr/>
+        </p:nvSpPr>
+        <p:spPr>
+          <a:xfrm>
+            <a:off x="-267574" y="1402464"/>
+            <a:ext cx="526943" cy="425834"/>
+          </a:xfrm>
+          <a:prstGeom prst="hexagon">
+            <a:avLst/>
+          </a:prstGeom>
+          <a:solidFill>
+            <a:schemeClr val="bg2"/>
+          </a:solidFill>
+          <a:ln>
+            <a:solidFill>
+              <a:schemeClr val="bg2"/>
+            </a:solidFill>
+          </a:ln>
+        </p:spPr>
+        <p:style>
+          <a:lnRef idx="2">
+            <a:schemeClr val="accent1">
+              <a:shade val="50000"/>
+            </a:schemeClr>
+          </a:lnRef>
+          <a:fillRef idx="1">
+            <a:schemeClr val="accent1"/>
+          </a:fillRef>
+          <a:effectRef idx="0">
+            <a:schemeClr val="accent1"/>
+          </a:effectRef>
+          <a:fontRef idx="minor">
+            <a:schemeClr val="lt1"/>
+          </a:fontRef>
+        </p:style>
+        <p:txBody>
+          <a:bodyPr rtlCol="0" anchor="ctr"/>
+          <a:lstStyle/>
+          <a:p>
+            <a:pPr algn="ctr"/>
+            <a:endParaRPr lang="en-NL"/>
+          </a:p>
+        </p:txBody>
+      </p:sp>
+      <p:sp>
+        <p:nvSpPr>
+          <p:cNvPr id="26" name="Hexagon 25">
+            <a:extLst>
+              <a:ext uri="{FF2B5EF4-FFF2-40B4-BE49-F238E27FC236}">
+                <a16:creationId xmlns:a16="http://schemas.microsoft.com/office/drawing/2014/main" id="{08EC8FA2-7049-534E-A372-EC6A91A4CE79}"/>
+              </a:ext>
+            </a:extLst>
+          </p:cNvPr>
+          <p:cNvSpPr/>
+          <p:nvPr/>
+        </p:nvSpPr>
+        <p:spPr>
+          <a:xfrm>
+            <a:off x="-267574" y="1917347"/>
+            <a:ext cx="526943" cy="425834"/>
+          </a:xfrm>
+          <a:prstGeom prst="hexagon">
+            <a:avLst/>
+          </a:prstGeom>
+          <a:solidFill>
+            <a:schemeClr val="bg2"/>
+          </a:solidFill>
+          <a:ln>
+            <a:solidFill>
+              <a:schemeClr val="bg2"/>
+            </a:solidFill>
+          </a:ln>
+        </p:spPr>
+        <p:style>
+          <a:lnRef idx="2">
+            <a:schemeClr val="accent1">
+              <a:shade val="50000"/>
+            </a:schemeClr>
+          </a:lnRef>
+          <a:fillRef idx="1">
+            <a:schemeClr val="accent1"/>
+          </a:fillRef>
+          <a:effectRef idx="0">
+            <a:schemeClr val="accent1"/>
+          </a:effectRef>
+          <a:fontRef idx="minor">
+            <a:schemeClr val="lt1"/>
+          </a:fontRef>
+        </p:style>
+        <p:txBody>
+          <a:bodyPr rtlCol="0" anchor="ctr"/>
+          <a:lstStyle/>
+          <a:p>
+            <a:pPr algn="ctr"/>
+            <a:endParaRPr lang="en-NL"/>
+          </a:p>
+        </p:txBody>
+      </p:sp>
+      <p:sp>
+        <p:nvSpPr>
+          <p:cNvPr id="27" name="Hexagon 26">
+            <a:extLst>
+              <a:ext uri="{FF2B5EF4-FFF2-40B4-BE49-F238E27FC236}">
+                <a16:creationId xmlns:a16="http://schemas.microsoft.com/office/drawing/2014/main" id="{718BA15D-DE98-8D43-9A3F-36F37A37AF2D}"/>
+              </a:ext>
+            </a:extLst>
+          </p:cNvPr>
+          <p:cNvSpPr/>
+          <p:nvPr/>
+        </p:nvSpPr>
+        <p:spPr>
+          <a:xfrm>
+            <a:off x="-271676" y="2432230"/>
+            <a:ext cx="526943" cy="425834"/>
+          </a:xfrm>
+          <a:prstGeom prst="hexagon">
+            <a:avLst/>
+          </a:prstGeom>
+          <a:solidFill>
+            <a:schemeClr val="bg2"/>
+          </a:solidFill>
+          <a:ln>
+            <a:solidFill>
+              <a:schemeClr val="bg2"/>
+            </a:solidFill>
+          </a:ln>
+        </p:spPr>
+        <p:style>
+          <a:lnRef idx="2">
+            <a:schemeClr val="accent1">
+              <a:shade val="50000"/>
+            </a:schemeClr>
+          </a:lnRef>
+          <a:fillRef idx="1">
+            <a:schemeClr val="accent1"/>
+          </a:fillRef>
+          <a:effectRef idx="0">
+            <a:schemeClr val="accent1"/>
+          </a:effectRef>
+          <a:fontRef idx="minor">
+            <a:schemeClr val="lt1"/>
+          </a:fontRef>
+        </p:style>
+        <p:txBody>
+          <a:bodyPr rtlCol="0" anchor="ctr"/>
+          <a:lstStyle/>
+          <a:p>
+            <a:pPr algn="ctr"/>
+            <a:endParaRPr lang="en-NL"/>
+          </a:p>
+        </p:txBody>
+      </p:sp>
+      <p:sp>
+        <p:nvSpPr>
+          <p:cNvPr id="28" name="Hexagon 27">
+            <a:extLst>
+              <a:ext uri="{FF2B5EF4-FFF2-40B4-BE49-F238E27FC236}">
+                <a16:creationId xmlns:a16="http://schemas.microsoft.com/office/drawing/2014/main" id="{5EF61F84-17B4-324C-9CD3-E07B3D18F12C}"/>
+              </a:ext>
+            </a:extLst>
+          </p:cNvPr>
+          <p:cNvSpPr/>
+          <p:nvPr/>
+        </p:nvSpPr>
+        <p:spPr>
+          <a:xfrm>
+            <a:off x="-269625" y="2949651"/>
+            <a:ext cx="526943" cy="425834"/>
+          </a:xfrm>
+          <a:prstGeom prst="hexagon">
+            <a:avLst/>
+          </a:prstGeom>
+          <a:solidFill>
+            <a:schemeClr val="bg2"/>
+          </a:solidFill>
+          <a:ln>
+            <a:solidFill>
+              <a:schemeClr val="bg2"/>
+            </a:solidFill>
+          </a:ln>
+        </p:spPr>
+        <p:style>
+          <a:lnRef idx="2">
+            <a:schemeClr val="accent1">
+              <a:shade val="50000"/>
+            </a:schemeClr>
+          </a:lnRef>
+          <a:fillRef idx="1">
+            <a:schemeClr val="accent1"/>
+          </a:fillRef>
+          <a:effectRef idx="0">
+            <a:schemeClr val="accent1"/>
+          </a:effectRef>
+          <a:fontRef idx="minor">
+            <a:schemeClr val="lt1"/>
+          </a:fontRef>
+        </p:style>
+        <p:txBody>
+          <a:bodyPr rtlCol="0" anchor="ctr"/>
+          <a:lstStyle/>
+          <a:p>
+            <a:pPr algn="ctr"/>
+            <a:endParaRPr lang="en-NL"/>
+          </a:p>
+        </p:txBody>
+      </p:sp>
+      <p:sp>
+        <p:nvSpPr>
+          <p:cNvPr id="29" name="Hexagon 28">
+            <a:extLst>
+              <a:ext uri="{FF2B5EF4-FFF2-40B4-BE49-F238E27FC236}">
+                <a16:creationId xmlns:a16="http://schemas.microsoft.com/office/drawing/2014/main" id="{6099D7E0-C13A-7847-84ED-EA0C5524E554}"/>
+              </a:ext>
+            </a:extLst>
+          </p:cNvPr>
+          <p:cNvSpPr/>
+          <p:nvPr/>
+        </p:nvSpPr>
+        <p:spPr>
+          <a:xfrm>
+            <a:off x="-273727" y="3464534"/>
+            <a:ext cx="526943" cy="425834"/>
+          </a:xfrm>
+          <a:prstGeom prst="hexagon">
+            <a:avLst/>
+          </a:prstGeom>
+          <a:solidFill>
+            <a:schemeClr val="bg2"/>
+          </a:solidFill>
+          <a:ln>
+            <a:solidFill>
+              <a:schemeClr val="bg2"/>
+            </a:solidFill>
+          </a:ln>
+        </p:spPr>
+        <p:style>
+          <a:lnRef idx="2">
+            <a:schemeClr val="accent1">
+              <a:shade val="50000"/>
+            </a:schemeClr>
+          </a:lnRef>
+          <a:fillRef idx="1">
+            <a:schemeClr val="accent1"/>
+          </a:fillRef>
+          <a:effectRef idx="0">
+            <a:schemeClr val="accent1"/>
+          </a:effectRef>
+          <a:fontRef idx="minor">
+            <a:schemeClr val="lt1"/>
+          </a:fontRef>
+        </p:style>
+        <p:txBody>
+          <a:bodyPr rtlCol="0" anchor="ctr"/>
+          <a:lstStyle/>
+          <a:p>
+            <a:pPr algn="ctr"/>
+            <a:endParaRPr lang="en-NL"/>
+          </a:p>
+        </p:txBody>
+      </p:sp>
+      <p:sp>
+        <p:nvSpPr>
+          <p:cNvPr id="30" name="Hexagon 29">
+            <a:extLst>
+              <a:ext uri="{FF2B5EF4-FFF2-40B4-BE49-F238E27FC236}">
+                <a16:creationId xmlns:a16="http://schemas.microsoft.com/office/drawing/2014/main" id="{920910FA-5581-F04C-9A39-2A4938FE8099}"/>
+              </a:ext>
+            </a:extLst>
+          </p:cNvPr>
+          <p:cNvSpPr/>
+          <p:nvPr/>
+        </p:nvSpPr>
+        <p:spPr>
+          <a:xfrm>
+            <a:off x="-263472" y="3976879"/>
+            <a:ext cx="526943" cy="425834"/>
+          </a:xfrm>
+          <a:prstGeom prst="hexagon">
+            <a:avLst/>
+          </a:prstGeom>
+          <a:solidFill>
+            <a:schemeClr val="bg2"/>
+          </a:solidFill>
+          <a:ln>
+            <a:solidFill>
+              <a:schemeClr val="bg2"/>
+            </a:solidFill>
+          </a:ln>
+        </p:spPr>
+        <p:style>
+          <a:lnRef idx="2">
+            <a:schemeClr val="accent1">
+              <a:shade val="50000"/>
+            </a:schemeClr>
+          </a:lnRef>
+          <a:fillRef idx="1">
+            <a:schemeClr val="accent1"/>
+          </a:fillRef>
+          <a:effectRef idx="0">
+            <a:schemeClr val="accent1"/>
+          </a:effectRef>
+          <a:fontRef idx="minor">
+            <a:schemeClr val="lt1"/>
+          </a:fontRef>
+        </p:style>
+        <p:txBody>
+          <a:bodyPr rtlCol="0" anchor="ctr"/>
+          <a:lstStyle/>
+          <a:p>
+            <a:pPr algn="ctr"/>
+            <a:endParaRPr lang="en-NL"/>
+          </a:p>
+        </p:txBody>
+      </p:sp>
+      <p:sp>
+        <p:nvSpPr>
+          <p:cNvPr id="31" name="Hexagon 30">
+            <a:extLst>
+              <a:ext uri="{FF2B5EF4-FFF2-40B4-BE49-F238E27FC236}">
+                <a16:creationId xmlns:a16="http://schemas.microsoft.com/office/drawing/2014/main" id="{8BBDE08F-BA25-4943-9CD6-08F91133CB36}"/>
+              </a:ext>
+            </a:extLst>
+          </p:cNvPr>
+          <p:cNvSpPr/>
+          <p:nvPr/>
+        </p:nvSpPr>
+        <p:spPr>
+          <a:xfrm>
+            <a:off x="7276165" y="887581"/>
+            <a:ext cx="526943" cy="425834"/>
+          </a:xfrm>
+          <a:prstGeom prst="hexagon">
+            <a:avLst/>
+          </a:prstGeom>
+          <a:solidFill>
+            <a:schemeClr val="bg2"/>
+          </a:solidFill>
+          <a:ln>
+            <a:solidFill>
+              <a:schemeClr val="bg2"/>
+            </a:solidFill>
+          </a:ln>
+        </p:spPr>
+        <p:style>
+          <a:lnRef idx="2">
+            <a:schemeClr val="accent1">
+              <a:shade val="50000"/>
+            </a:schemeClr>
+          </a:lnRef>
+          <a:fillRef idx="1">
+            <a:schemeClr val="accent1"/>
+          </a:fillRef>
+          <a:effectRef idx="0">
+            <a:schemeClr val="accent1"/>
+          </a:effectRef>
+          <a:fontRef idx="minor">
+            <a:schemeClr val="lt1"/>
+          </a:fontRef>
+        </p:style>
+        <p:txBody>
+          <a:bodyPr rtlCol="0" anchor="ctr"/>
+          <a:lstStyle/>
+          <a:p>
+            <a:pPr algn="ctr"/>
+            <a:endParaRPr lang="en-NL"/>
+          </a:p>
+        </p:txBody>
+      </p:sp>
+      <p:sp>
+        <p:nvSpPr>
+          <p:cNvPr id="32" name="Hexagon 31">
+            <a:extLst>
+              <a:ext uri="{FF2B5EF4-FFF2-40B4-BE49-F238E27FC236}">
+                <a16:creationId xmlns:a16="http://schemas.microsoft.com/office/drawing/2014/main" id="{1FBA123F-FD40-8849-9469-AF75E6B929B7}"/>
+              </a:ext>
+            </a:extLst>
+          </p:cNvPr>
+          <p:cNvSpPr/>
+          <p:nvPr/>
+        </p:nvSpPr>
+        <p:spPr>
+          <a:xfrm>
+            <a:off x="7272063" y="1402464"/>
+            <a:ext cx="526943" cy="425834"/>
+          </a:xfrm>
+          <a:prstGeom prst="hexagon">
+            <a:avLst/>
+          </a:prstGeom>
+          <a:solidFill>
+            <a:schemeClr val="bg2"/>
+          </a:solidFill>
+          <a:ln>
+            <a:solidFill>
+              <a:schemeClr val="bg2"/>
+            </a:solidFill>
+          </a:ln>
+        </p:spPr>
+        <p:style>
+          <a:lnRef idx="2">
+            <a:schemeClr val="accent1">
+              <a:shade val="50000"/>
+            </a:schemeClr>
+          </a:lnRef>
+          <a:fillRef idx="1">
+            <a:schemeClr val="accent1"/>
+          </a:fillRef>
+          <a:effectRef idx="0">
+            <a:schemeClr val="accent1"/>
+          </a:effectRef>
+          <a:fontRef idx="minor">
+            <a:schemeClr val="lt1"/>
+          </a:fontRef>
+        </p:style>
+        <p:txBody>
+          <a:bodyPr rtlCol="0" anchor="ctr"/>
+          <a:lstStyle/>
+          <a:p>
+            <a:pPr algn="ctr"/>
+            <a:endParaRPr lang="en-NL"/>
+          </a:p>
+        </p:txBody>
+      </p:sp>
+      <p:sp>
+        <p:nvSpPr>
+          <p:cNvPr id="33" name="Hexagon 32">
+            <a:extLst>
+              <a:ext uri="{FF2B5EF4-FFF2-40B4-BE49-F238E27FC236}">
+                <a16:creationId xmlns:a16="http://schemas.microsoft.com/office/drawing/2014/main" id="{A5F73996-9447-1848-B658-78DFF6A9C779}"/>
+              </a:ext>
+            </a:extLst>
+          </p:cNvPr>
+          <p:cNvSpPr/>
+          <p:nvPr/>
+        </p:nvSpPr>
+        <p:spPr>
+          <a:xfrm>
+            <a:off x="7272063" y="1917347"/>
+            <a:ext cx="526943" cy="425834"/>
+          </a:xfrm>
+          <a:prstGeom prst="hexagon">
+            <a:avLst/>
+          </a:prstGeom>
+          <a:solidFill>
+            <a:schemeClr val="bg2"/>
+          </a:solidFill>
+          <a:ln>
+            <a:solidFill>
+              <a:schemeClr val="bg2"/>
+            </a:solidFill>
+          </a:ln>
+        </p:spPr>
+        <p:style>
+          <a:lnRef idx="2">
+            <a:schemeClr val="accent1">
+              <a:shade val="50000"/>
+            </a:schemeClr>
+          </a:lnRef>
+          <a:fillRef idx="1">
+            <a:schemeClr val="accent1"/>
+          </a:fillRef>
+          <a:effectRef idx="0">
+            <a:schemeClr val="accent1"/>
+          </a:effectRef>
+          <a:fontRef idx="minor">
+            <a:schemeClr val="lt1"/>
+          </a:fontRef>
+        </p:style>
+        <p:txBody>
+          <a:bodyPr rtlCol="0" anchor="ctr"/>
+          <a:lstStyle/>
+          <a:p>
+            <a:pPr algn="ctr"/>
+            <a:endParaRPr lang="en-NL"/>
+          </a:p>
+        </p:txBody>
+      </p:sp>
+      <p:sp>
+        <p:nvSpPr>
+          <p:cNvPr id="34" name="Hexagon 33">
+            <a:extLst>
+              <a:ext uri="{FF2B5EF4-FFF2-40B4-BE49-F238E27FC236}">
+                <a16:creationId xmlns:a16="http://schemas.microsoft.com/office/drawing/2014/main" id="{275693F2-68C2-3E4F-BA5E-B253F0E64904}"/>
+              </a:ext>
+            </a:extLst>
+          </p:cNvPr>
+          <p:cNvSpPr/>
+          <p:nvPr/>
+        </p:nvSpPr>
+        <p:spPr>
+          <a:xfrm>
+            <a:off x="7267961" y="2432230"/>
+            <a:ext cx="526943" cy="425834"/>
+          </a:xfrm>
+          <a:prstGeom prst="hexagon">
+            <a:avLst/>
+          </a:prstGeom>
+          <a:solidFill>
+            <a:schemeClr val="bg2"/>
+          </a:solidFill>
+          <a:ln>
+            <a:solidFill>
+              <a:schemeClr val="bg2"/>
+            </a:solidFill>
+          </a:ln>
+        </p:spPr>
+        <p:style>
+          <a:lnRef idx="2">
+            <a:schemeClr val="accent1">
+              <a:shade val="50000"/>
+            </a:schemeClr>
+          </a:lnRef>
+          <a:fillRef idx="1">
+            <a:schemeClr val="accent1"/>
+          </a:fillRef>
+          <a:effectRef idx="0">
+            <a:schemeClr val="accent1"/>
+          </a:effectRef>
+          <a:fontRef idx="minor">
+            <a:schemeClr val="lt1"/>
+          </a:fontRef>
+        </p:style>
+        <p:txBody>
+          <a:bodyPr rtlCol="0" anchor="ctr"/>
+          <a:lstStyle/>
+          <a:p>
+            <a:pPr algn="ctr"/>
+            <a:endParaRPr lang="en-NL"/>
+          </a:p>
+        </p:txBody>
+      </p:sp>
+      <p:sp>
+        <p:nvSpPr>
+          <p:cNvPr id="35" name="Hexagon 34">
+            <a:extLst>
+              <a:ext uri="{FF2B5EF4-FFF2-40B4-BE49-F238E27FC236}">
+                <a16:creationId xmlns:a16="http://schemas.microsoft.com/office/drawing/2014/main" id="{0037A2A0-8D75-B940-835C-26E592882C69}"/>
+              </a:ext>
+            </a:extLst>
+          </p:cNvPr>
+          <p:cNvSpPr/>
+          <p:nvPr/>
+        </p:nvSpPr>
+        <p:spPr>
+          <a:xfrm>
+            <a:off x="7270012" y="2949651"/>
+            <a:ext cx="526943" cy="425834"/>
+          </a:xfrm>
+          <a:prstGeom prst="hexagon">
+            <a:avLst/>
+          </a:prstGeom>
+          <a:solidFill>
+            <a:schemeClr val="bg2"/>
+          </a:solidFill>
+          <a:ln>
+            <a:solidFill>
+              <a:schemeClr val="bg2"/>
+            </a:solidFill>
+          </a:ln>
+        </p:spPr>
+        <p:style>
+          <a:lnRef idx="2">
+            <a:schemeClr val="accent1">
+              <a:shade val="50000"/>
+            </a:schemeClr>
+          </a:lnRef>
+          <a:fillRef idx="1">
+            <a:schemeClr val="accent1"/>
+          </a:fillRef>
+          <a:effectRef idx="0">
+            <a:schemeClr val="accent1"/>
+          </a:effectRef>
+          <a:fontRef idx="minor">
+            <a:schemeClr val="lt1"/>
+          </a:fontRef>
+        </p:style>
+        <p:txBody>
+          <a:bodyPr rtlCol="0" anchor="ctr"/>
+          <a:lstStyle/>
+          <a:p>
+            <a:pPr algn="ctr"/>
+            <a:endParaRPr lang="en-NL"/>
+          </a:p>
+        </p:txBody>
+      </p:sp>
+      <p:sp>
+        <p:nvSpPr>
+          <p:cNvPr id="36" name="Hexagon 35">
+            <a:extLst>
+              <a:ext uri="{FF2B5EF4-FFF2-40B4-BE49-F238E27FC236}">
+                <a16:creationId xmlns:a16="http://schemas.microsoft.com/office/drawing/2014/main" id="{34ABA7B3-653A-E24D-B127-F6F5AEBE2C7B}"/>
+              </a:ext>
+            </a:extLst>
+          </p:cNvPr>
+          <p:cNvSpPr/>
+          <p:nvPr/>
+        </p:nvSpPr>
+        <p:spPr>
+          <a:xfrm>
+            <a:off x="7265910" y="3464534"/>
+            <a:ext cx="526943" cy="425834"/>
+          </a:xfrm>
+          <a:prstGeom prst="hexagon">
+            <a:avLst/>
+          </a:prstGeom>
+          <a:solidFill>
+            <a:schemeClr val="bg2"/>
+          </a:solidFill>
+          <a:ln>
+            <a:solidFill>
+              <a:schemeClr val="bg2"/>
+            </a:solidFill>
+          </a:ln>
+        </p:spPr>
+        <p:style>
+          <a:lnRef idx="2">
+            <a:schemeClr val="accent1">
+              <a:shade val="50000"/>
+            </a:schemeClr>
+          </a:lnRef>
+          <a:fillRef idx="1">
+            <a:schemeClr val="accent1"/>
+          </a:fillRef>
+          <a:effectRef idx="0">
+            <a:schemeClr val="accent1"/>
+          </a:effectRef>
+          <a:fontRef idx="minor">
+            <a:schemeClr val="lt1"/>
+          </a:fontRef>
+        </p:style>
+        <p:txBody>
+          <a:bodyPr rtlCol="0" anchor="ctr"/>
+          <a:lstStyle/>
+          <a:p>
+            <a:pPr algn="ctr"/>
+            <a:endParaRPr lang="en-NL"/>
+          </a:p>
+        </p:txBody>
+      </p:sp>
+      <p:sp>
+        <p:nvSpPr>
+          <p:cNvPr id="37" name="Hexagon 36">
+            <a:extLst>
+              <a:ext uri="{FF2B5EF4-FFF2-40B4-BE49-F238E27FC236}">
+                <a16:creationId xmlns:a16="http://schemas.microsoft.com/office/drawing/2014/main" id="{980F8705-E6AE-3E4B-9146-F98BFFE8E753}"/>
+              </a:ext>
+            </a:extLst>
+          </p:cNvPr>
+          <p:cNvSpPr/>
+          <p:nvPr/>
+        </p:nvSpPr>
+        <p:spPr>
+          <a:xfrm>
+            <a:off x="7276165" y="3976879"/>
+            <a:ext cx="526943" cy="425834"/>
+          </a:xfrm>
+          <a:prstGeom prst="hexagon">
+            <a:avLst/>
+          </a:prstGeom>
+          <a:solidFill>
+            <a:schemeClr val="bg2"/>
+          </a:solidFill>
+          <a:ln>
+            <a:solidFill>
+              <a:schemeClr val="bg2"/>
+            </a:solidFill>
+          </a:ln>
+        </p:spPr>
+        <p:style>
+          <a:lnRef idx="2">
+            <a:schemeClr val="accent1">
+              <a:shade val="50000"/>
+            </a:schemeClr>
+          </a:lnRef>
+          <a:fillRef idx="1">
+            <a:schemeClr val="accent1"/>
+          </a:fillRef>
+          <a:effectRef idx="0">
+            <a:schemeClr val="accent1"/>
+          </a:effectRef>
+          <a:fontRef idx="minor">
+            <a:schemeClr val="lt1"/>
+          </a:fontRef>
+        </p:style>
+        <p:txBody>
+          <a:bodyPr rtlCol="0" anchor="ctr"/>
+          <a:lstStyle/>
+          <a:p>
+            <a:pPr algn="ctr"/>
+            <a:endParaRPr lang="en-NL"/>
+          </a:p>
+        </p:txBody>
+      </p:sp>
+    </p:spTree>
+    <p:extLst>
+      <p:ext uri="{BB962C8B-B14F-4D97-AF65-F5344CB8AC3E}">
+        <p14:creationId xmlns:p14="http://schemas.microsoft.com/office/powerpoint/2010/main" val="3863189371"/>
+      </p:ext>
+    </p:extLst>
+  </p:cSld>
+  <p:clrMapOvr>
+    <a:masterClrMapping/>
+  </p:clrMapOvr>
+</p:sld>
+</file>
+
+<file path=ppt/slides/slide50.xml><?xml version="1.0" encoding="utf-8"?>
 <p:sld xmlns:a="http://schemas.openxmlformats.org/drawingml/2006/main" xmlns:r="http://schemas.openxmlformats.org/officeDocument/2006/relationships" xmlns:p="http://schemas.openxmlformats.org/presentationml/2006/main">
   <p:cSld>
     <p:spTree>
@@ -15645,7 +17215,7 @@
 </p:sld>
 </file>
 
-<file path=ppt/slides/slide49.xml><?xml version="1.0" encoding="utf-8"?>
+<file path=ppt/slides/slide51.xml><?xml version="1.0" encoding="utf-8"?>
 <p:sld xmlns:a="http://schemas.openxmlformats.org/drawingml/2006/main" xmlns:r="http://schemas.openxmlformats.org/officeDocument/2006/relationships" xmlns:p="http://schemas.openxmlformats.org/presentationml/2006/main">
   <p:cSld>
     <p:spTree>
@@ -15991,1081 +17561,7 @@
 </p:sld>
 </file>
 
-<file path=ppt/slides/slide5.xml><?xml version="1.0" encoding="utf-8"?>
-<p:sld xmlns:a="http://schemas.openxmlformats.org/drawingml/2006/main" xmlns:r="http://schemas.openxmlformats.org/officeDocument/2006/relationships" xmlns:p="http://schemas.openxmlformats.org/presentationml/2006/main">
-  <p:cSld>
-    <p:spTree>
-      <p:nvGrpSpPr>
-        <p:cNvPr id="1" name=""/>
-        <p:cNvGrpSpPr/>
-        <p:nvPr/>
-      </p:nvGrpSpPr>
-      <p:grpSpPr>
-        <a:xfrm>
-          <a:off x="0" y="0"/>
-          <a:ext cx="0" cy="0"/>
-          <a:chOff x="0" y="0"/>
-          <a:chExt cx="0" cy="0"/>
-        </a:xfrm>
-      </p:grpSpPr>
-      <p:sp>
-        <p:nvSpPr>
-          <p:cNvPr id="2" name="Title 1">
-            <a:extLst>
-              <a:ext uri="{FF2B5EF4-FFF2-40B4-BE49-F238E27FC236}">
-                <a16:creationId xmlns:a16="http://schemas.microsoft.com/office/drawing/2014/main" id="{A50B3240-90A9-2045-9B24-092DEDC3A4FB}"/>
-              </a:ext>
-            </a:extLst>
-          </p:cNvPr>
-          <p:cNvSpPr>
-            <a:spLocks noGrp="1"/>
-          </p:cNvSpPr>
-          <p:nvPr>
-            <p:ph type="title"/>
-          </p:nvPr>
-        </p:nvSpPr>
-        <p:spPr/>
-        <p:txBody>
-          <a:bodyPr/>
-          <a:lstStyle/>
-          <a:p>
-            <a:endParaRPr lang="en-NL"/>
-          </a:p>
-        </p:txBody>
-      </p:sp>
-      <p:sp>
-        <p:nvSpPr>
-          <p:cNvPr id="3" name="Content Placeholder 2">
-            <a:extLst>
-              <a:ext uri="{FF2B5EF4-FFF2-40B4-BE49-F238E27FC236}">
-                <a16:creationId xmlns:a16="http://schemas.microsoft.com/office/drawing/2014/main" id="{EE6F52F0-3A96-5E4D-B754-B812A863C0BF}"/>
-              </a:ext>
-            </a:extLst>
-          </p:cNvPr>
-          <p:cNvSpPr>
-            <a:spLocks noGrp="1"/>
-          </p:cNvSpPr>
-          <p:nvPr>
-            <p:ph idx="1"/>
-          </p:nvPr>
-        </p:nvSpPr>
-        <p:spPr/>
-        <p:txBody>
-          <a:bodyPr/>
-          <a:lstStyle/>
-          <a:p>
-            <a:endParaRPr lang="en-NL"/>
-          </a:p>
-        </p:txBody>
-      </p:sp>
-      <p:sp>
-        <p:nvSpPr>
-          <p:cNvPr id="4" name="Rounded Rectangle 3">
-            <a:extLst>
-              <a:ext uri="{FF2B5EF4-FFF2-40B4-BE49-F238E27FC236}">
-                <a16:creationId xmlns:a16="http://schemas.microsoft.com/office/drawing/2014/main" id="{C878E023-EBA1-A649-9F84-9426DC737CAD}"/>
-              </a:ext>
-            </a:extLst>
-          </p:cNvPr>
-          <p:cNvSpPr/>
-          <p:nvPr/>
-        </p:nvSpPr>
-        <p:spPr>
-          <a:xfrm>
-            <a:off x="0" y="0"/>
-            <a:ext cx="7559675" cy="5327650"/>
-          </a:xfrm>
-          <a:prstGeom prst="roundRect">
-            <a:avLst>
-              <a:gd name="adj" fmla="val 0"/>
-            </a:avLst>
-          </a:prstGeom>
-          <a:solidFill>
-            <a:srgbClr val="DE8445"/>
-          </a:solidFill>
-          <a:ln>
-            <a:noFill/>
-          </a:ln>
-        </p:spPr>
-        <p:style>
-          <a:lnRef idx="2">
-            <a:schemeClr val="accent1">
-              <a:shade val="50000"/>
-            </a:schemeClr>
-          </a:lnRef>
-          <a:fillRef idx="1">
-            <a:schemeClr val="accent1"/>
-          </a:fillRef>
-          <a:effectRef idx="0">
-            <a:schemeClr val="accent1"/>
-          </a:effectRef>
-          <a:fontRef idx="minor">
-            <a:schemeClr val="lt1"/>
-          </a:fontRef>
-        </p:style>
-        <p:txBody>
-          <a:bodyPr rtlCol="0" anchor="ctr"/>
-          <a:lstStyle/>
-          <a:p>
-            <a:pPr algn="ctr"/>
-            <a:endParaRPr lang="en-NL" dirty="0"/>
-          </a:p>
-        </p:txBody>
-      </p:sp>
-      <p:sp>
-        <p:nvSpPr>
-          <p:cNvPr id="5" name="Rectangle 4">
-            <a:extLst>
-              <a:ext uri="{FF2B5EF4-FFF2-40B4-BE49-F238E27FC236}">
-                <a16:creationId xmlns:a16="http://schemas.microsoft.com/office/drawing/2014/main" id="{1F46A24F-F843-6F43-B798-8E0A66AEBE9A}"/>
-              </a:ext>
-            </a:extLst>
-          </p:cNvPr>
-          <p:cNvSpPr/>
-          <p:nvPr/>
-        </p:nvSpPr>
-        <p:spPr>
-          <a:xfrm>
-            <a:off x="654576" y="629685"/>
-            <a:ext cx="6326488" cy="3992292"/>
-          </a:xfrm>
-          <a:prstGeom prst="rect">
-            <a:avLst/>
-          </a:prstGeom>
-          <a:blipFill>
-            <a:blip r:embed="rId2"/>
-            <a:stretch>
-              <a:fillRect/>
-            </a:stretch>
-          </a:blipFill>
-          <a:ln w="38100" cmpd="sng">
-            <a:solidFill>
-              <a:schemeClr val="tx1"/>
-            </a:solidFill>
-            <a:prstDash val="solid"/>
-          </a:ln>
-        </p:spPr>
-        <p:style>
-          <a:lnRef idx="2">
-            <a:schemeClr val="accent1">
-              <a:shade val="50000"/>
-            </a:schemeClr>
-          </a:lnRef>
-          <a:fillRef idx="1">
-            <a:schemeClr val="accent1"/>
-          </a:fillRef>
-          <a:effectRef idx="0">
-            <a:schemeClr val="accent1"/>
-          </a:effectRef>
-          <a:fontRef idx="minor">
-            <a:schemeClr val="lt1"/>
-          </a:fontRef>
-        </p:style>
-        <p:txBody>
-          <a:bodyPr rtlCol="0" anchor="ctr"/>
-          <a:lstStyle/>
-          <a:p>
-            <a:endParaRPr lang="en-NL" sz="9600">
-              <a:latin typeface="Marvel" pitchFamily="2" charset="0"/>
-            </a:endParaRPr>
-          </a:p>
-        </p:txBody>
-      </p:sp>
-      <p:sp>
-        <p:nvSpPr>
-          <p:cNvPr id="7" name="TextBox 6">
-            <a:extLst>
-              <a:ext uri="{FF2B5EF4-FFF2-40B4-BE49-F238E27FC236}">
-                <a16:creationId xmlns:a16="http://schemas.microsoft.com/office/drawing/2014/main" id="{DB3D77AE-9792-C547-90E9-C96C9012A78D}"/>
-              </a:ext>
-            </a:extLst>
-          </p:cNvPr>
-          <p:cNvSpPr txBox="1"/>
-          <p:nvPr/>
-        </p:nvSpPr>
-        <p:spPr>
-          <a:xfrm>
-            <a:off x="1154265" y="1964111"/>
-            <a:ext cx="5451371" cy="1323439"/>
-          </a:xfrm>
-          <a:prstGeom prst="rect">
-            <a:avLst/>
-          </a:prstGeom>
-          <a:noFill/>
-        </p:spPr>
-        <p:txBody>
-          <a:bodyPr wrap="square" rtlCol="0">
-            <a:spAutoFit/>
-          </a:bodyPr>
-          <a:lstStyle/>
-          <a:p>
-            <a:pPr algn="ctr"/>
-            <a:r>
-              <a:rPr lang="en-NL" sz="8000" dirty="0">
-                <a:latin typeface="Marvel" pitchFamily="2" charset="0"/>
-              </a:rPr>
-              <a:t>UNREALIZED VALUE</a:t>
-            </a:r>
-          </a:p>
-        </p:txBody>
-      </p:sp>
-      <p:sp>
-        <p:nvSpPr>
-          <p:cNvPr id="8" name="TextBox 7">
-            <a:extLst>
-              <a:ext uri="{FF2B5EF4-FFF2-40B4-BE49-F238E27FC236}">
-                <a16:creationId xmlns:a16="http://schemas.microsoft.com/office/drawing/2014/main" id="{ED283D89-81C5-A942-931B-F37B88051625}"/>
-              </a:ext>
-            </a:extLst>
-          </p:cNvPr>
-          <p:cNvSpPr txBox="1"/>
-          <p:nvPr/>
-        </p:nvSpPr>
-        <p:spPr>
-          <a:xfrm>
-            <a:off x="1826342" y="2992265"/>
-            <a:ext cx="4107215" cy="400110"/>
-          </a:xfrm>
-          <a:prstGeom prst="rect">
-            <a:avLst/>
-          </a:prstGeom>
-          <a:noFill/>
-        </p:spPr>
-        <p:txBody>
-          <a:bodyPr wrap="none" rtlCol="0">
-            <a:spAutoFit/>
-          </a:bodyPr>
-          <a:lstStyle/>
-          <a:p>
-            <a:pPr algn="ctr"/>
-            <a:r>
-              <a:rPr lang="en-GB" sz="1000" dirty="0">
-                <a:solidFill>
-                  <a:schemeClr val="bg1">
-                    <a:lumMod val="50000"/>
-                  </a:schemeClr>
-                </a:solidFill>
-                <a:latin typeface="Ubuntu" panose="020B0504030602030204" pitchFamily="34" charset="0"/>
-              </a:rPr>
-              <a:t>The potential future value that </a:t>
-            </a:r>
-            <a:r>
-              <a:rPr lang="en-GB" sz="1000" i="1" dirty="0">
-                <a:solidFill>
-                  <a:schemeClr val="bg1">
-                    <a:lumMod val="50000"/>
-                  </a:schemeClr>
-                </a:solidFill>
-                <a:latin typeface="Ubuntu" panose="020B0504030602030204" pitchFamily="34" charset="0"/>
-              </a:rPr>
-              <a:t>could be</a:t>
-            </a:r>
-            <a:r>
-              <a:rPr lang="en-GB" sz="1000" dirty="0">
-                <a:solidFill>
-                  <a:schemeClr val="bg1">
-                    <a:lumMod val="50000"/>
-                  </a:schemeClr>
-                </a:solidFill>
-                <a:latin typeface="Ubuntu" panose="020B0504030602030204" pitchFamily="34" charset="0"/>
-              </a:rPr>
-              <a:t> realized </a:t>
-            </a:r>
-          </a:p>
-          <a:p>
-            <a:pPr algn="ctr"/>
-            <a:r>
-              <a:rPr lang="en-GB" sz="1000" dirty="0">
-                <a:solidFill>
-                  <a:schemeClr val="bg1">
-                    <a:lumMod val="50000"/>
-                  </a:schemeClr>
-                </a:solidFill>
-                <a:latin typeface="Ubuntu" panose="020B0504030602030204" pitchFamily="34" charset="0"/>
-              </a:rPr>
-              <a:t>if the organization met the needs of all potential customers or users</a:t>
-            </a:r>
-            <a:endParaRPr lang="en-NL" sz="1000" dirty="0">
-              <a:solidFill>
-                <a:schemeClr val="bg1">
-                  <a:lumMod val="50000"/>
-                </a:schemeClr>
-              </a:solidFill>
-              <a:latin typeface="Ubuntu" panose="020B0504030602030204" pitchFamily="34" charset="0"/>
-            </a:endParaRPr>
-          </a:p>
-        </p:txBody>
-      </p:sp>
-      <p:sp>
-        <p:nvSpPr>
-          <p:cNvPr id="24" name="Hexagon 23">
-            <a:extLst>
-              <a:ext uri="{FF2B5EF4-FFF2-40B4-BE49-F238E27FC236}">
-                <a16:creationId xmlns:a16="http://schemas.microsoft.com/office/drawing/2014/main" id="{B77BC908-5A71-5648-86F4-1DD501B1A47A}"/>
-              </a:ext>
-            </a:extLst>
-          </p:cNvPr>
-          <p:cNvSpPr/>
-          <p:nvPr/>
-        </p:nvSpPr>
-        <p:spPr>
-          <a:xfrm>
-            <a:off x="-263472" y="887581"/>
-            <a:ext cx="526943" cy="425834"/>
-          </a:xfrm>
-          <a:prstGeom prst="hexagon">
-            <a:avLst/>
-          </a:prstGeom>
-          <a:solidFill>
-            <a:schemeClr val="bg2"/>
-          </a:solidFill>
-          <a:ln>
-            <a:solidFill>
-              <a:schemeClr val="bg2"/>
-            </a:solidFill>
-          </a:ln>
-        </p:spPr>
-        <p:style>
-          <a:lnRef idx="2">
-            <a:schemeClr val="accent1">
-              <a:shade val="50000"/>
-            </a:schemeClr>
-          </a:lnRef>
-          <a:fillRef idx="1">
-            <a:schemeClr val="accent1"/>
-          </a:fillRef>
-          <a:effectRef idx="0">
-            <a:schemeClr val="accent1"/>
-          </a:effectRef>
-          <a:fontRef idx="minor">
-            <a:schemeClr val="lt1"/>
-          </a:fontRef>
-        </p:style>
-        <p:txBody>
-          <a:bodyPr rtlCol="0" anchor="ctr"/>
-          <a:lstStyle/>
-          <a:p>
-            <a:pPr algn="ctr"/>
-            <a:endParaRPr lang="en-NL"/>
-          </a:p>
-        </p:txBody>
-      </p:sp>
-      <p:sp>
-        <p:nvSpPr>
-          <p:cNvPr id="25" name="Hexagon 24">
-            <a:extLst>
-              <a:ext uri="{FF2B5EF4-FFF2-40B4-BE49-F238E27FC236}">
-                <a16:creationId xmlns:a16="http://schemas.microsoft.com/office/drawing/2014/main" id="{CA52172E-44FE-964B-8A80-395B31A859C7}"/>
-              </a:ext>
-            </a:extLst>
-          </p:cNvPr>
-          <p:cNvSpPr/>
-          <p:nvPr/>
-        </p:nvSpPr>
-        <p:spPr>
-          <a:xfrm>
-            <a:off x="-267574" y="1402464"/>
-            <a:ext cx="526943" cy="425834"/>
-          </a:xfrm>
-          <a:prstGeom prst="hexagon">
-            <a:avLst/>
-          </a:prstGeom>
-          <a:solidFill>
-            <a:schemeClr val="bg2"/>
-          </a:solidFill>
-          <a:ln>
-            <a:solidFill>
-              <a:schemeClr val="bg2"/>
-            </a:solidFill>
-          </a:ln>
-        </p:spPr>
-        <p:style>
-          <a:lnRef idx="2">
-            <a:schemeClr val="accent1">
-              <a:shade val="50000"/>
-            </a:schemeClr>
-          </a:lnRef>
-          <a:fillRef idx="1">
-            <a:schemeClr val="accent1"/>
-          </a:fillRef>
-          <a:effectRef idx="0">
-            <a:schemeClr val="accent1"/>
-          </a:effectRef>
-          <a:fontRef idx="minor">
-            <a:schemeClr val="lt1"/>
-          </a:fontRef>
-        </p:style>
-        <p:txBody>
-          <a:bodyPr rtlCol="0" anchor="ctr"/>
-          <a:lstStyle/>
-          <a:p>
-            <a:pPr algn="ctr"/>
-            <a:endParaRPr lang="en-NL"/>
-          </a:p>
-        </p:txBody>
-      </p:sp>
-      <p:sp>
-        <p:nvSpPr>
-          <p:cNvPr id="26" name="Hexagon 25">
-            <a:extLst>
-              <a:ext uri="{FF2B5EF4-FFF2-40B4-BE49-F238E27FC236}">
-                <a16:creationId xmlns:a16="http://schemas.microsoft.com/office/drawing/2014/main" id="{08EC8FA2-7049-534E-A372-EC6A91A4CE79}"/>
-              </a:ext>
-            </a:extLst>
-          </p:cNvPr>
-          <p:cNvSpPr/>
-          <p:nvPr/>
-        </p:nvSpPr>
-        <p:spPr>
-          <a:xfrm>
-            <a:off x="-267574" y="1917347"/>
-            <a:ext cx="526943" cy="425834"/>
-          </a:xfrm>
-          <a:prstGeom prst="hexagon">
-            <a:avLst/>
-          </a:prstGeom>
-          <a:solidFill>
-            <a:schemeClr val="bg2"/>
-          </a:solidFill>
-          <a:ln>
-            <a:solidFill>
-              <a:schemeClr val="bg2"/>
-            </a:solidFill>
-          </a:ln>
-        </p:spPr>
-        <p:style>
-          <a:lnRef idx="2">
-            <a:schemeClr val="accent1">
-              <a:shade val="50000"/>
-            </a:schemeClr>
-          </a:lnRef>
-          <a:fillRef idx="1">
-            <a:schemeClr val="accent1"/>
-          </a:fillRef>
-          <a:effectRef idx="0">
-            <a:schemeClr val="accent1"/>
-          </a:effectRef>
-          <a:fontRef idx="minor">
-            <a:schemeClr val="lt1"/>
-          </a:fontRef>
-        </p:style>
-        <p:txBody>
-          <a:bodyPr rtlCol="0" anchor="ctr"/>
-          <a:lstStyle/>
-          <a:p>
-            <a:pPr algn="ctr"/>
-            <a:endParaRPr lang="en-NL"/>
-          </a:p>
-        </p:txBody>
-      </p:sp>
-      <p:sp>
-        <p:nvSpPr>
-          <p:cNvPr id="27" name="Hexagon 26">
-            <a:extLst>
-              <a:ext uri="{FF2B5EF4-FFF2-40B4-BE49-F238E27FC236}">
-                <a16:creationId xmlns:a16="http://schemas.microsoft.com/office/drawing/2014/main" id="{718BA15D-DE98-8D43-9A3F-36F37A37AF2D}"/>
-              </a:ext>
-            </a:extLst>
-          </p:cNvPr>
-          <p:cNvSpPr/>
-          <p:nvPr/>
-        </p:nvSpPr>
-        <p:spPr>
-          <a:xfrm>
-            <a:off x="-271676" y="2432230"/>
-            <a:ext cx="526943" cy="425834"/>
-          </a:xfrm>
-          <a:prstGeom prst="hexagon">
-            <a:avLst/>
-          </a:prstGeom>
-          <a:solidFill>
-            <a:schemeClr val="bg2"/>
-          </a:solidFill>
-          <a:ln>
-            <a:solidFill>
-              <a:schemeClr val="bg2"/>
-            </a:solidFill>
-          </a:ln>
-        </p:spPr>
-        <p:style>
-          <a:lnRef idx="2">
-            <a:schemeClr val="accent1">
-              <a:shade val="50000"/>
-            </a:schemeClr>
-          </a:lnRef>
-          <a:fillRef idx="1">
-            <a:schemeClr val="accent1"/>
-          </a:fillRef>
-          <a:effectRef idx="0">
-            <a:schemeClr val="accent1"/>
-          </a:effectRef>
-          <a:fontRef idx="minor">
-            <a:schemeClr val="lt1"/>
-          </a:fontRef>
-        </p:style>
-        <p:txBody>
-          <a:bodyPr rtlCol="0" anchor="ctr"/>
-          <a:lstStyle/>
-          <a:p>
-            <a:pPr algn="ctr"/>
-            <a:endParaRPr lang="en-NL"/>
-          </a:p>
-        </p:txBody>
-      </p:sp>
-      <p:sp>
-        <p:nvSpPr>
-          <p:cNvPr id="28" name="Hexagon 27">
-            <a:extLst>
-              <a:ext uri="{FF2B5EF4-FFF2-40B4-BE49-F238E27FC236}">
-                <a16:creationId xmlns:a16="http://schemas.microsoft.com/office/drawing/2014/main" id="{5EF61F84-17B4-324C-9CD3-E07B3D18F12C}"/>
-              </a:ext>
-            </a:extLst>
-          </p:cNvPr>
-          <p:cNvSpPr/>
-          <p:nvPr/>
-        </p:nvSpPr>
-        <p:spPr>
-          <a:xfrm>
-            <a:off x="-269625" y="2949651"/>
-            <a:ext cx="526943" cy="425834"/>
-          </a:xfrm>
-          <a:prstGeom prst="hexagon">
-            <a:avLst/>
-          </a:prstGeom>
-          <a:solidFill>
-            <a:schemeClr val="bg2"/>
-          </a:solidFill>
-          <a:ln>
-            <a:solidFill>
-              <a:schemeClr val="bg2"/>
-            </a:solidFill>
-          </a:ln>
-        </p:spPr>
-        <p:style>
-          <a:lnRef idx="2">
-            <a:schemeClr val="accent1">
-              <a:shade val="50000"/>
-            </a:schemeClr>
-          </a:lnRef>
-          <a:fillRef idx="1">
-            <a:schemeClr val="accent1"/>
-          </a:fillRef>
-          <a:effectRef idx="0">
-            <a:schemeClr val="accent1"/>
-          </a:effectRef>
-          <a:fontRef idx="minor">
-            <a:schemeClr val="lt1"/>
-          </a:fontRef>
-        </p:style>
-        <p:txBody>
-          <a:bodyPr rtlCol="0" anchor="ctr"/>
-          <a:lstStyle/>
-          <a:p>
-            <a:pPr algn="ctr"/>
-            <a:endParaRPr lang="en-NL"/>
-          </a:p>
-        </p:txBody>
-      </p:sp>
-      <p:sp>
-        <p:nvSpPr>
-          <p:cNvPr id="29" name="Hexagon 28">
-            <a:extLst>
-              <a:ext uri="{FF2B5EF4-FFF2-40B4-BE49-F238E27FC236}">
-                <a16:creationId xmlns:a16="http://schemas.microsoft.com/office/drawing/2014/main" id="{6099D7E0-C13A-7847-84ED-EA0C5524E554}"/>
-              </a:ext>
-            </a:extLst>
-          </p:cNvPr>
-          <p:cNvSpPr/>
-          <p:nvPr/>
-        </p:nvSpPr>
-        <p:spPr>
-          <a:xfrm>
-            <a:off x="-273727" y="3464534"/>
-            <a:ext cx="526943" cy="425834"/>
-          </a:xfrm>
-          <a:prstGeom prst="hexagon">
-            <a:avLst/>
-          </a:prstGeom>
-          <a:solidFill>
-            <a:schemeClr val="bg2"/>
-          </a:solidFill>
-          <a:ln>
-            <a:solidFill>
-              <a:schemeClr val="bg2"/>
-            </a:solidFill>
-          </a:ln>
-        </p:spPr>
-        <p:style>
-          <a:lnRef idx="2">
-            <a:schemeClr val="accent1">
-              <a:shade val="50000"/>
-            </a:schemeClr>
-          </a:lnRef>
-          <a:fillRef idx="1">
-            <a:schemeClr val="accent1"/>
-          </a:fillRef>
-          <a:effectRef idx="0">
-            <a:schemeClr val="accent1"/>
-          </a:effectRef>
-          <a:fontRef idx="minor">
-            <a:schemeClr val="lt1"/>
-          </a:fontRef>
-        </p:style>
-        <p:txBody>
-          <a:bodyPr rtlCol="0" anchor="ctr"/>
-          <a:lstStyle/>
-          <a:p>
-            <a:pPr algn="ctr"/>
-            <a:endParaRPr lang="en-NL"/>
-          </a:p>
-        </p:txBody>
-      </p:sp>
-      <p:sp>
-        <p:nvSpPr>
-          <p:cNvPr id="30" name="Hexagon 29">
-            <a:extLst>
-              <a:ext uri="{FF2B5EF4-FFF2-40B4-BE49-F238E27FC236}">
-                <a16:creationId xmlns:a16="http://schemas.microsoft.com/office/drawing/2014/main" id="{920910FA-5581-F04C-9A39-2A4938FE8099}"/>
-              </a:ext>
-            </a:extLst>
-          </p:cNvPr>
-          <p:cNvSpPr/>
-          <p:nvPr/>
-        </p:nvSpPr>
-        <p:spPr>
-          <a:xfrm>
-            <a:off x="-263472" y="3976879"/>
-            <a:ext cx="526943" cy="425834"/>
-          </a:xfrm>
-          <a:prstGeom prst="hexagon">
-            <a:avLst/>
-          </a:prstGeom>
-          <a:solidFill>
-            <a:schemeClr val="bg2"/>
-          </a:solidFill>
-          <a:ln>
-            <a:solidFill>
-              <a:schemeClr val="bg2"/>
-            </a:solidFill>
-          </a:ln>
-        </p:spPr>
-        <p:style>
-          <a:lnRef idx="2">
-            <a:schemeClr val="accent1">
-              <a:shade val="50000"/>
-            </a:schemeClr>
-          </a:lnRef>
-          <a:fillRef idx="1">
-            <a:schemeClr val="accent1"/>
-          </a:fillRef>
-          <a:effectRef idx="0">
-            <a:schemeClr val="accent1"/>
-          </a:effectRef>
-          <a:fontRef idx="minor">
-            <a:schemeClr val="lt1"/>
-          </a:fontRef>
-        </p:style>
-        <p:txBody>
-          <a:bodyPr rtlCol="0" anchor="ctr"/>
-          <a:lstStyle/>
-          <a:p>
-            <a:pPr algn="ctr"/>
-            <a:endParaRPr lang="en-NL"/>
-          </a:p>
-        </p:txBody>
-      </p:sp>
-      <p:sp>
-        <p:nvSpPr>
-          <p:cNvPr id="31" name="Hexagon 30">
-            <a:extLst>
-              <a:ext uri="{FF2B5EF4-FFF2-40B4-BE49-F238E27FC236}">
-                <a16:creationId xmlns:a16="http://schemas.microsoft.com/office/drawing/2014/main" id="{8BBDE08F-BA25-4943-9CD6-08F91133CB36}"/>
-              </a:ext>
-            </a:extLst>
-          </p:cNvPr>
-          <p:cNvSpPr/>
-          <p:nvPr/>
-        </p:nvSpPr>
-        <p:spPr>
-          <a:xfrm>
-            <a:off x="7276165" y="887581"/>
-            <a:ext cx="526943" cy="425834"/>
-          </a:xfrm>
-          <a:prstGeom prst="hexagon">
-            <a:avLst/>
-          </a:prstGeom>
-          <a:solidFill>
-            <a:schemeClr val="bg2"/>
-          </a:solidFill>
-          <a:ln>
-            <a:solidFill>
-              <a:schemeClr val="bg2"/>
-            </a:solidFill>
-          </a:ln>
-        </p:spPr>
-        <p:style>
-          <a:lnRef idx="2">
-            <a:schemeClr val="accent1">
-              <a:shade val="50000"/>
-            </a:schemeClr>
-          </a:lnRef>
-          <a:fillRef idx="1">
-            <a:schemeClr val="accent1"/>
-          </a:fillRef>
-          <a:effectRef idx="0">
-            <a:schemeClr val="accent1"/>
-          </a:effectRef>
-          <a:fontRef idx="minor">
-            <a:schemeClr val="lt1"/>
-          </a:fontRef>
-        </p:style>
-        <p:txBody>
-          <a:bodyPr rtlCol="0" anchor="ctr"/>
-          <a:lstStyle/>
-          <a:p>
-            <a:pPr algn="ctr"/>
-            <a:endParaRPr lang="en-NL"/>
-          </a:p>
-        </p:txBody>
-      </p:sp>
-      <p:sp>
-        <p:nvSpPr>
-          <p:cNvPr id="32" name="Hexagon 31">
-            <a:extLst>
-              <a:ext uri="{FF2B5EF4-FFF2-40B4-BE49-F238E27FC236}">
-                <a16:creationId xmlns:a16="http://schemas.microsoft.com/office/drawing/2014/main" id="{1FBA123F-FD40-8849-9469-AF75E6B929B7}"/>
-              </a:ext>
-            </a:extLst>
-          </p:cNvPr>
-          <p:cNvSpPr/>
-          <p:nvPr/>
-        </p:nvSpPr>
-        <p:spPr>
-          <a:xfrm>
-            <a:off x="7272063" y="1402464"/>
-            <a:ext cx="526943" cy="425834"/>
-          </a:xfrm>
-          <a:prstGeom prst="hexagon">
-            <a:avLst/>
-          </a:prstGeom>
-          <a:solidFill>
-            <a:schemeClr val="bg2"/>
-          </a:solidFill>
-          <a:ln>
-            <a:solidFill>
-              <a:schemeClr val="bg2"/>
-            </a:solidFill>
-          </a:ln>
-        </p:spPr>
-        <p:style>
-          <a:lnRef idx="2">
-            <a:schemeClr val="accent1">
-              <a:shade val="50000"/>
-            </a:schemeClr>
-          </a:lnRef>
-          <a:fillRef idx="1">
-            <a:schemeClr val="accent1"/>
-          </a:fillRef>
-          <a:effectRef idx="0">
-            <a:schemeClr val="accent1"/>
-          </a:effectRef>
-          <a:fontRef idx="minor">
-            <a:schemeClr val="lt1"/>
-          </a:fontRef>
-        </p:style>
-        <p:txBody>
-          <a:bodyPr rtlCol="0" anchor="ctr"/>
-          <a:lstStyle/>
-          <a:p>
-            <a:pPr algn="ctr"/>
-            <a:endParaRPr lang="en-NL"/>
-          </a:p>
-        </p:txBody>
-      </p:sp>
-      <p:sp>
-        <p:nvSpPr>
-          <p:cNvPr id="33" name="Hexagon 32">
-            <a:extLst>
-              <a:ext uri="{FF2B5EF4-FFF2-40B4-BE49-F238E27FC236}">
-                <a16:creationId xmlns:a16="http://schemas.microsoft.com/office/drawing/2014/main" id="{A5F73996-9447-1848-B658-78DFF6A9C779}"/>
-              </a:ext>
-            </a:extLst>
-          </p:cNvPr>
-          <p:cNvSpPr/>
-          <p:nvPr/>
-        </p:nvSpPr>
-        <p:spPr>
-          <a:xfrm>
-            <a:off x="7272063" y="1917347"/>
-            <a:ext cx="526943" cy="425834"/>
-          </a:xfrm>
-          <a:prstGeom prst="hexagon">
-            <a:avLst/>
-          </a:prstGeom>
-          <a:solidFill>
-            <a:schemeClr val="bg2"/>
-          </a:solidFill>
-          <a:ln>
-            <a:solidFill>
-              <a:schemeClr val="bg2"/>
-            </a:solidFill>
-          </a:ln>
-        </p:spPr>
-        <p:style>
-          <a:lnRef idx="2">
-            <a:schemeClr val="accent1">
-              <a:shade val="50000"/>
-            </a:schemeClr>
-          </a:lnRef>
-          <a:fillRef idx="1">
-            <a:schemeClr val="accent1"/>
-          </a:fillRef>
-          <a:effectRef idx="0">
-            <a:schemeClr val="accent1"/>
-          </a:effectRef>
-          <a:fontRef idx="minor">
-            <a:schemeClr val="lt1"/>
-          </a:fontRef>
-        </p:style>
-        <p:txBody>
-          <a:bodyPr rtlCol="0" anchor="ctr"/>
-          <a:lstStyle/>
-          <a:p>
-            <a:pPr algn="ctr"/>
-            <a:endParaRPr lang="en-NL"/>
-          </a:p>
-        </p:txBody>
-      </p:sp>
-      <p:sp>
-        <p:nvSpPr>
-          <p:cNvPr id="34" name="Hexagon 33">
-            <a:extLst>
-              <a:ext uri="{FF2B5EF4-FFF2-40B4-BE49-F238E27FC236}">
-                <a16:creationId xmlns:a16="http://schemas.microsoft.com/office/drawing/2014/main" id="{275693F2-68C2-3E4F-BA5E-B253F0E64904}"/>
-              </a:ext>
-            </a:extLst>
-          </p:cNvPr>
-          <p:cNvSpPr/>
-          <p:nvPr/>
-        </p:nvSpPr>
-        <p:spPr>
-          <a:xfrm>
-            <a:off x="7267961" y="2432230"/>
-            <a:ext cx="526943" cy="425834"/>
-          </a:xfrm>
-          <a:prstGeom prst="hexagon">
-            <a:avLst/>
-          </a:prstGeom>
-          <a:solidFill>
-            <a:schemeClr val="bg2"/>
-          </a:solidFill>
-          <a:ln>
-            <a:solidFill>
-              <a:schemeClr val="bg2"/>
-            </a:solidFill>
-          </a:ln>
-        </p:spPr>
-        <p:style>
-          <a:lnRef idx="2">
-            <a:schemeClr val="accent1">
-              <a:shade val="50000"/>
-            </a:schemeClr>
-          </a:lnRef>
-          <a:fillRef idx="1">
-            <a:schemeClr val="accent1"/>
-          </a:fillRef>
-          <a:effectRef idx="0">
-            <a:schemeClr val="accent1"/>
-          </a:effectRef>
-          <a:fontRef idx="minor">
-            <a:schemeClr val="lt1"/>
-          </a:fontRef>
-        </p:style>
-        <p:txBody>
-          <a:bodyPr rtlCol="0" anchor="ctr"/>
-          <a:lstStyle/>
-          <a:p>
-            <a:pPr algn="ctr"/>
-            <a:endParaRPr lang="en-NL"/>
-          </a:p>
-        </p:txBody>
-      </p:sp>
-      <p:sp>
-        <p:nvSpPr>
-          <p:cNvPr id="35" name="Hexagon 34">
-            <a:extLst>
-              <a:ext uri="{FF2B5EF4-FFF2-40B4-BE49-F238E27FC236}">
-                <a16:creationId xmlns:a16="http://schemas.microsoft.com/office/drawing/2014/main" id="{0037A2A0-8D75-B940-835C-26E592882C69}"/>
-              </a:ext>
-            </a:extLst>
-          </p:cNvPr>
-          <p:cNvSpPr/>
-          <p:nvPr/>
-        </p:nvSpPr>
-        <p:spPr>
-          <a:xfrm>
-            <a:off x="7270012" y="2949651"/>
-            <a:ext cx="526943" cy="425834"/>
-          </a:xfrm>
-          <a:prstGeom prst="hexagon">
-            <a:avLst/>
-          </a:prstGeom>
-          <a:solidFill>
-            <a:schemeClr val="bg2"/>
-          </a:solidFill>
-          <a:ln>
-            <a:solidFill>
-              <a:schemeClr val="bg2"/>
-            </a:solidFill>
-          </a:ln>
-        </p:spPr>
-        <p:style>
-          <a:lnRef idx="2">
-            <a:schemeClr val="accent1">
-              <a:shade val="50000"/>
-            </a:schemeClr>
-          </a:lnRef>
-          <a:fillRef idx="1">
-            <a:schemeClr val="accent1"/>
-          </a:fillRef>
-          <a:effectRef idx="0">
-            <a:schemeClr val="accent1"/>
-          </a:effectRef>
-          <a:fontRef idx="minor">
-            <a:schemeClr val="lt1"/>
-          </a:fontRef>
-        </p:style>
-        <p:txBody>
-          <a:bodyPr rtlCol="0" anchor="ctr"/>
-          <a:lstStyle/>
-          <a:p>
-            <a:pPr algn="ctr"/>
-            <a:endParaRPr lang="en-NL"/>
-          </a:p>
-        </p:txBody>
-      </p:sp>
-      <p:sp>
-        <p:nvSpPr>
-          <p:cNvPr id="36" name="Hexagon 35">
-            <a:extLst>
-              <a:ext uri="{FF2B5EF4-FFF2-40B4-BE49-F238E27FC236}">
-                <a16:creationId xmlns:a16="http://schemas.microsoft.com/office/drawing/2014/main" id="{34ABA7B3-653A-E24D-B127-F6F5AEBE2C7B}"/>
-              </a:ext>
-            </a:extLst>
-          </p:cNvPr>
-          <p:cNvSpPr/>
-          <p:nvPr/>
-        </p:nvSpPr>
-        <p:spPr>
-          <a:xfrm>
-            <a:off x="7265910" y="3464534"/>
-            <a:ext cx="526943" cy="425834"/>
-          </a:xfrm>
-          <a:prstGeom prst="hexagon">
-            <a:avLst/>
-          </a:prstGeom>
-          <a:solidFill>
-            <a:schemeClr val="bg2"/>
-          </a:solidFill>
-          <a:ln>
-            <a:solidFill>
-              <a:schemeClr val="bg2"/>
-            </a:solidFill>
-          </a:ln>
-        </p:spPr>
-        <p:style>
-          <a:lnRef idx="2">
-            <a:schemeClr val="accent1">
-              <a:shade val="50000"/>
-            </a:schemeClr>
-          </a:lnRef>
-          <a:fillRef idx="1">
-            <a:schemeClr val="accent1"/>
-          </a:fillRef>
-          <a:effectRef idx="0">
-            <a:schemeClr val="accent1"/>
-          </a:effectRef>
-          <a:fontRef idx="minor">
-            <a:schemeClr val="lt1"/>
-          </a:fontRef>
-        </p:style>
-        <p:txBody>
-          <a:bodyPr rtlCol="0" anchor="ctr"/>
-          <a:lstStyle/>
-          <a:p>
-            <a:pPr algn="ctr"/>
-            <a:endParaRPr lang="en-NL"/>
-          </a:p>
-        </p:txBody>
-      </p:sp>
-      <p:sp>
-        <p:nvSpPr>
-          <p:cNvPr id="37" name="Hexagon 36">
-            <a:extLst>
-              <a:ext uri="{FF2B5EF4-FFF2-40B4-BE49-F238E27FC236}">
-                <a16:creationId xmlns:a16="http://schemas.microsoft.com/office/drawing/2014/main" id="{980F8705-E6AE-3E4B-9146-F98BFFE8E753}"/>
-              </a:ext>
-            </a:extLst>
-          </p:cNvPr>
-          <p:cNvSpPr/>
-          <p:nvPr/>
-        </p:nvSpPr>
-        <p:spPr>
-          <a:xfrm>
-            <a:off x="7276165" y="3976879"/>
-            <a:ext cx="526943" cy="425834"/>
-          </a:xfrm>
-          <a:prstGeom prst="hexagon">
-            <a:avLst/>
-          </a:prstGeom>
-          <a:solidFill>
-            <a:schemeClr val="bg2"/>
-          </a:solidFill>
-          <a:ln>
-            <a:solidFill>
-              <a:schemeClr val="bg2"/>
-            </a:solidFill>
-          </a:ln>
-        </p:spPr>
-        <p:style>
-          <a:lnRef idx="2">
-            <a:schemeClr val="accent1">
-              <a:shade val="50000"/>
-            </a:schemeClr>
-          </a:lnRef>
-          <a:fillRef idx="1">
-            <a:schemeClr val="accent1"/>
-          </a:fillRef>
-          <a:effectRef idx="0">
-            <a:schemeClr val="accent1"/>
-          </a:effectRef>
-          <a:fontRef idx="minor">
-            <a:schemeClr val="lt1"/>
-          </a:fontRef>
-        </p:style>
-        <p:txBody>
-          <a:bodyPr rtlCol="0" anchor="ctr"/>
-          <a:lstStyle/>
-          <a:p>
-            <a:pPr algn="ctr"/>
-            <a:endParaRPr lang="en-NL"/>
-          </a:p>
-        </p:txBody>
-      </p:sp>
-    </p:spTree>
-    <p:extLst>
-      <p:ext uri="{BB962C8B-B14F-4D97-AF65-F5344CB8AC3E}">
-        <p14:creationId xmlns:p14="http://schemas.microsoft.com/office/powerpoint/2010/main" val="3863189371"/>
-      </p:ext>
-    </p:extLst>
-  </p:cSld>
-  <p:clrMapOvr>
-    <a:masterClrMapping/>
-  </p:clrMapOvr>
-</p:sld>
-</file>
-
-<file path=ppt/slides/slide50.xml><?xml version="1.0" encoding="utf-8"?>
+<file path=ppt/slides/slide52.xml><?xml version="1.0" encoding="utf-8"?>
 <p:sld xmlns:a="http://schemas.openxmlformats.org/drawingml/2006/main" xmlns:r="http://schemas.openxmlformats.org/officeDocument/2006/relationships" xmlns:p="http://schemas.openxmlformats.org/presentationml/2006/main">
   <p:cSld>
     <p:spTree>
@@ -17234,7 +17730,7 @@
 </p:sld>
 </file>
 
-<file path=ppt/slides/slide51.xml><?xml version="1.0" encoding="utf-8"?>
+<file path=ppt/slides/slide53.xml><?xml version="1.0" encoding="utf-8"?>
 <p:sld xmlns:a="http://schemas.openxmlformats.org/drawingml/2006/main" xmlns:r="http://schemas.openxmlformats.org/officeDocument/2006/relationships" xmlns:p="http://schemas.openxmlformats.org/presentationml/2006/main">
   <p:cSld>
     <p:spTree>
@@ -17554,7 +18050,7 @@
 </p:sld>
 </file>
 
-<file path=ppt/slides/slide52.xml><?xml version="1.0" encoding="utf-8"?>
+<file path=ppt/slides/slide54.xml><?xml version="1.0" encoding="utf-8"?>
 <p:sld xmlns:a="http://schemas.openxmlformats.org/drawingml/2006/main" xmlns:r="http://schemas.openxmlformats.org/officeDocument/2006/relationships" xmlns:p="http://schemas.openxmlformats.org/presentationml/2006/main">
   <p:cSld>
     <p:spTree>
@@ -17723,7 +18219,7 @@
 </p:sld>
 </file>
 
-<file path=ppt/slides/slide53.xml><?xml version="1.0" encoding="utf-8"?>
+<file path=ppt/slides/slide55.xml><?xml version="1.0" encoding="utf-8"?>
 <p:sld xmlns:a="http://schemas.openxmlformats.org/drawingml/2006/main" xmlns:r="http://schemas.openxmlformats.org/officeDocument/2006/relationships" xmlns:p="http://schemas.openxmlformats.org/presentationml/2006/main">
   <p:cSld>
     <p:spTree>
@@ -18043,7 +18539,7 @@
 </p:sld>
 </file>
 
-<file path=ppt/slides/slide54.xml><?xml version="1.0" encoding="utf-8"?>
+<file path=ppt/slides/slide56.xml><?xml version="1.0" encoding="utf-8"?>
 <p:sld xmlns:a="http://schemas.openxmlformats.org/drawingml/2006/main" xmlns:r="http://schemas.openxmlformats.org/officeDocument/2006/relationships" xmlns:p="http://schemas.openxmlformats.org/presentationml/2006/main">
   <p:cSld>
     <p:spTree>
@@ -18212,7 +18708,7 @@
 </p:sld>
 </file>
 
-<file path=ppt/slides/slide55.xml><?xml version="1.0" encoding="utf-8"?>
+<file path=ppt/slides/slide57.xml><?xml version="1.0" encoding="utf-8"?>
 <p:sld xmlns:a="http://schemas.openxmlformats.org/drawingml/2006/main" xmlns:r="http://schemas.openxmlformats.org/officeDocument/2006/relationships" xmlns:p="http://schemas.openxmlformats.org/presentationml/2006/main">
   <p:cSld>
     <p:spTree>
@@ -18532,7 +19028,7 @@
 </p:sld>
 </file>
 
-<file path=ppt/slides/slide56.xml><?xml version="1.0" encoding="utf-8"?>
+<file path=ppt/slides/slide58.xml><?xml version="1.0" encoding="utf-8"?>
 <p:sld xmlns:a="http://schemas.openxmlformats.org/drawingml/2006/main" xmlns:r="http://schemas.openxmlformats.org/officeDocument/2006/relationships" xmlns:p="http://schemas.openxmlformats.org/presentationml/2006/main">
   <p:cSld>
     <p:spTree>
@@ -18701,7 +19197,7 @@
 </p:sld>
 </file>
 
-<file path=ppt/slides/slide57.xml><?xml version="1.0" encoding="utf-8"?>
+<file path=ppt/slides/slide59.xml><?xml version="1.0" encoding="utf-8"?>
 <p:sld xmlns:a="http://schemas.openxmlformats.org/drawingml/2006/main" xmlns:r="http://schemas.openxmlformats.org/officeDocument/2006/relationships" xmlns:p="http://schemas.openxmlformats.org/presentationml/2006/main">
   <p:cSld>
     <p:spTree>
@@ -19009,7 +19505,7 @@
 </p:sld>
 </file>
 
-<file path=ppt/slides/slide58.xml><?xml version="1.0" encoding="utf-8"?>
+<file path=ppt/slides/slide6.xml><?xml version="1.0" encoding="utf-8"?>
 <p:sld xmlns:a="http://schemas.openxmlformats.org/drawingml/2006/main" xmlns:r="http://schemas.openxmlformats.org/officeDocument/2006/relationships" xmlns:p="http://schemas.openxmlformats.org/presentationml/2006/main">
   <p:cSld>
     <p:spTree>
@@ -19168,6 +19664,175 @@
     </p:spTree>
     <p:extLst>
       <p:ext uri="{BB962C8B-B14F-4D97-AF65-F5344CB8AC3E}">
+        <p14:creationId xmlns:p14="http://schemas.microsoft.com/office/powerpoint/2010/main" val="1452892043"/>
+      </p:ext>
+    </p:extLst>
+  </p:cSld>
+  <p:clrMapOvr>
+    <a:masterClrMapping/>
+  </p:clrMapOvr>
+</p:sld>
+</file>
+
+<file path=ppt/slides/slide60.xml><?xml version="1.0" encoding="utf-8"?>
+<p:sld xmlns:a="http://schemas.openxmlformats.org/drawingml/2006/main" xmlns:r="http://schemas.openxmlformats.org/officeDocument/2006/relationships" xmlns:p="http://schemas.openxmlformats.org/presentationml/2006/main">
+  <p:cSld>
+    <p:spTree>
+      <p:nvGrpSpPr>
+        <p:cNvPr id="1" name=""/>
+        <p:cNvGrpSpPr/>
+        <p:nvPr/>
+      </p:nvGrpSpPr>
+      <p:grpSpPr>
+        <a:xfrm>
+          <a:off x="0" y="0"/>
+          <a:ext cx="0" cy="0"/>
+          <a:chOff x="0" y="0"/>
+          <a:chExt cx="0" cy="0"/>
+        </a:xfrm>
+      </p:grpSpPr>
+      <p:sp>
+        <p:nvSpPr>
+          <p:cNvPr id="2" name="Title 1">
+            <a:extLst>
+              <a:ext uri="{FF2B5EF4-FFF2-40B4-BE49-F238E27FC236}">
+                <a16:creationId xmlns:a16="http://schemas.microsoft.com/office/drawing/2014/main" id="{CFCDF3DA-1D3D-E743-8E21-6B353B4D96A4}"/>
+              </a:ext>
+            </a:extLst>
+          </p:cNvPr>
+          <p:cNvSpPr>
+            <a:spLocks noGrp="1"/>
+          </p:cNvSpPr>
+          <p:nvPr>
+            <p:ph type="title"/>
+          </p:nvPr>
+        </p:nvSpPr>
+        <p:spPr/>
+        <p:txBody>
+          <a:bodyPr/>
+          <a:lstStyle/>
+          <a:p>
+            <a:endParaRPr lang="en-NL"/>
+          </a:p>
+        </p:txBody>
+      </p:sp>
+      <p:sp>
+        <p:nvSpPr>
+          <p:cNvPr id="3" name="Content Placeholder 2">
+            <a:extLst>
+              <a:ext uri="{FF2B5EF4-FFF2-40B4-BE49-F238E27FC236}">
+                <a16:creationId xmlns:a16="http://schemas.microsoft.com/office/drawing/2014/main" id="{40A525DA-CA85-AD48-8A85-52A75E1E5317}"/>
+              </a:ext>
+            </a:extLst>
+          </p:cNvPr>
+          <p:cNvSpPr>
+            <a:spLocks noGrp="1"/>
+          </p:cNvSpPr>
+          <p:nvPr>
+            <p:ph idx="1"/>
+          </p:nvPr>
+        </p:nvSpPr>
+        <p:spPr/>
+        <p:txBody>
+          <a:bodyPr/>
+          <a:lstStyle/>
+          <a:p>
+            <a:endParaRPr lang="en-NL"/>
+          </a:p>
+        </p:txBody>
+      </p:sp>
+      <p:sp>
+        <p:nvSpPr>
+          <p:cNvPr id="4" name="Rounded Rectangle 3">
+            <a:extLst>
+              <a:ext uri="{FF2B5EF4-FFF2-40B4-BE49-F238E27FC236}">
+                <a16:creationId xmlns:a16="http://schemas.microsoft.com/office/drawing/2014/main" id="{6B890BB6-3544-1A4E-A833-93135A597BB4}"/>
+              </a:ext>
+            </a:extLst>
+          </p:cNvPr>
+          <p:cNvSpPr/>
+          <p:nvPr/>
+        </p:nvSpPr>
+        <p:spPr>
+          <a:xfrm>
+            <a:off x="0" y="0"/>
+            <a:ext cx="7559675" cy="5327650"/>
+          </a:xfrm>
+          <a:prstGeom prst="roundRect">
+            <a:avLst>
+              <a:gd name="adj" fmla="val 0"/>
+            </a:avLst>
+          </a:prstGeom>
+          <a:blipFill>
+            <a:blip r:embed="rId2"/>
+            <a:stretch>
+              <a:fillRect/>
+            </a:stretch>
+          </a:blipFill>
+          <a:ln>
+            <a:solidFill>
+              <a:schemeClr val="bg2"/>
+            </a:solidFill>
+          </a:ln>
+        </p:spPr>
+        <p:style>
+          <a:lnRef idx="2">
+            <a:schemeClr val="accent1">
+              <a:shade val="50000"/>
+            </a:schemeClr>
+          </a:lnRef>
+          <a:fillRef idx="1">
+            <a:schemeClr val="accent1"/>
+          </a:fillRef>
+          <a:effectRef idx="0">
+            <a:schemeClr val="accent1"/>
+          </a:effectRef>
+          <a:fontRef idx="minor">
+            <a:schemeClr val="lt1"/>
+          </a:fontRef>
+        </p:style>
+        <p:txBody>
+          <a:bodyPr rtlCol="0" anchor="ctr"/>
+          <a:lstStyle/>
+          <a:p>
+            <a:pPr algn="ctr"/>
+            <a:endParaRPr lang="en-NL"/>
+          </a:p>
+        </p:txBody>
+      </p:sp>
+      <p:pic>
+        <p:nvPicPr>
+          <p:cNvPr id="5" name="Picture 4" descr="A picture containing food, drawing&#10;&#10;Description automatically generated">
+            <a:extLst>
+              <a:ext uri="{FF2B5EF4-FFF2-40B4-BE49-F238E27FC236}">
+                <a16:creationId xmlns:a16="http://schemas.microsoft.com/office/drawing/2014/main" id="{27611709-3190-2A4B-BCE4-4D329000A8EB}"/>
+              </a:ext>
+            </a:extLst>
+          </p:cNvPr>
+          <p:cNvPicPr>
+            <a:picLocks noChangeAspect="1"/>
+          </p:cNvPicPr>
+          <p:nvPr/>
+        </p:nvPicPr>
+        <p:blipFill>
+          <a:blip r:embed="rId3"/>
+          <a:stretch>
+            <a:fillRect/>
+          </a:stretch>
+        </p:blipFill>
+        <p:spPr>
+          <a:xfrm>
+            <a:off x="350837" y="-765175"/>
+            <a:ext cx="6858000" cy="6858000"/>
+          </a:xfrm>
+          <a:prstGeom prst="rect">
+            <a:avLst/>
+          </a:prstGeom>
+        </p:spPr>
+      </p:pic>
+    </p:spTree>
+    <p:extLst>
+      <p:ext uri="{BB962C8B-B14F-4D97-AF65-F5344CB8AC3E}">
         <p14:creationId xmlns:p14="http://schemas.microsoft.com/office/powerpoint/2010/main" val="2251921391"/>
       </p:ext>
     </p:extLst>
@@ -19178,7 +19843,7 @@
 </p:sld>
 </file>
 
-<file path=ppt/slides/slide59.xml><?xml version="1.0" encoding="utf-8"?>
+<file path=ppt/slides/slide61.xml><?xml version="1.0" encoding="utf-8"?>
 <p:sld xmlns:a="http://schemas.openxmlformats.org/drawingml/2006/main" xmlns:r="http://schemas.openxmlformats.org/officeDocument/2006/relationships" xmlns:p="http://schemas.openxmlformats.org/presentationml/2006/main">
   <p:cSld>
     <p:spTree>
@@ -19486,7 +20151,7 @@
 </p:sld>
 </file>
 
-<file path=ppt/slides/slide6.xml><?xml version="1.0" encoding="utf-8"?>
+<file path=ppt/slides/slide62.xml><?xml version="1.0" encoding="utf-8"?>
 <p:sld xmlns:a="http://schemas.openxmlformats.org/drawingml/2006/main" xmlns:r="http://schemas.openxmlformats.org/officeDocument/2006/relationships" xmlns:p="http://schemas.openxmlformats.org/presentationml/2006/main">
   <p:cSld>
     <p:spTree>
@@ -19645,175 +20310,6 @@
     </p:spTree>
     <p:extLst>
       <p:ext uri="{BB962C8B-B14F-4D97-AF65-F5344CB8AC3E}">
-        <p14:creationId xmlns:p14="http://schemas.microsoft.com/office/powerpoint/2010/main" val="1452892043"/>
-      </p:ext>
-    </p:extLst>
-  </p:cSld>
-  <p:clrMapOvr>
-    <a:masterClrMapping/>
-  </p:clrMapOvr>
-</p:sld>
-</file>
-
-<file path=ppt/slides/slide60.xml><?xml version="1.0" encoding="utf-8"?>
-<p:sld xmlns:a="http://schemas.openxmlformats.org/drawingml/2006/main" xmlns:r="http://schemas.openxmlformats.org/officeDocument/2006/relationships" xmlns:p="http://schemas.openxmlformats.org/presentationml/2006/main">
-  <p:cSld>
-    <p:spTree>
-      <p:nvGrpSpPr>
-        <p:cNvPr id="1" name=""/>
-        <p:cNvGrpSpPr/>
-        <p:nvPr/>
-      </p:nvGrpSpPr>
-      <p:grpSpPr>
-        <a:xfrm>
-          <a:off x="0" y="0"/>
-          <a:ext cx="0" cy="0"/>
-          <a:chOff x="0" y="0"/>
-          <a:chExt cx="0" cy="0"/>
-        </a:xfrm>
-      </p:grpSpPr>
-      <p:sp>
-        <p:nvSpPr>
-          <p:cNvPr id="2" name="Title 1">
-            <a:extLst>
-              <a:ext uri="{FF2B5EF4-FFF2-40B4-BE49-F238E27FC236}">
-                <a16:creationId xmlns:a16="http://schemas.microsoft.com/office/drawing/2014/main" id="{CFCDF3DA-1D3D-E743-8E21-6B353B4D96A4}"/>
-              </a:ext>
-            </a:extLst>
-          </p:cNvPr>
-          <p:cNvSpPr>
-            <a:spLocks noGrp="1"/>
-          </p:cNvSpPr>
-          <p:nvPr>
-            <p:ph type="title"/>
-          </p:nvPr>
-        </p:nvSpPr>
-        <p:spPr/>
-        <p:txBody>
-          <a:bodyPr/>
-          <a:lstStyle/>
-          <a:p>
-            <a:endParaRPr lang="en-NL"/>
-          </a:p>
-        </p:txBody>
-      </p:sp>
-      <p:sp>
-        <p:nvSpPr>
-          <p:cNvPr id="3" name="Content Placeholder 2">
-            <a:extLst>
-              <a:ext uri="{FF2B5EF4-FFF2-40B4-BE49-F238E27FC236}">
-                <a16:creationId xmlns:a16="http://schemas.microsoft.com/office/drawing/2014/main" id="{40A525DA-CA85-AD48-8A85-52A75E1E5317}"/>
-              </a:ext>
-            </a:extLst>
-          </p:cNvPr>
-          <p:cNvSpPr>
-            <a:spLocks noGrp="1"/>
-          </p:cNvSpPr>
-          <p:nvPr>
-            <p:ph idx="1"/>
-          </p:nvPr>
-        </p:nvSpPr>
-        <p:spPr/>
-        <p:txBody>
-          <a:bodyPr/>
-          <a:lstStyle/>
-          <a:p>
-            <a:endParaRPr lang="en-NL"/>
-          </a:p>
-        </p:txBody>
-      </p:sp>
-      <p:sp>
-        <p:nvSpPr>
-          <p:cNvPr id="4" name="Rounded Rectangle 3">
-            <a:extLst>
-              <a:ext uri="{FF2B5EF4-FFF2-40B4-BE49-F238E27FC236}">
-                <a16:creationId xmlns:a16="http://schemas.microsoft.com/office/drawing/2014/main" id="{6B890BB6-3544-1A4E-A833-93135A597BB4}"/>
-              </a:ext>
-            </a:extLst>
-          </p:cNvPr>
-          <p:cNvSpPr/>
-          <p:nvPr/>
-        </p:nvSpPr>
-        <p:spPr>
-          <a:xfrm>
-            <a:off x="0" y="0"/>
-            <a:ext cx="7559675" cy="5327650"/>
-          </a:xfrm>
-          <a:prstGeom prst="roundRect">
-            <a:avLst>
-              <a:gd name="adj" fmla="val 0"/>
-            </a:avLst>
-          </a:prstGeom>
-          <a:blipFill>
-            <a:blip r:embed="rId2"/>
-            <a:stretch>
-              <a:fillRect/>
-            </a:stretch>
-          </a:blipFill>
-          <a:ln>
-            <a:solidFill>
-              <a:schemeClr val="bg2"/>
-            </a:solidFill>
-          </a:ln>
-        </p:spPr>
-        <p:style>
-          <a:lnRef idx="2">
-            <a:schemeClr val="accent1">
-              <a:shade val="50000"/>
-            </a:schemeClr>
-          </a:lnRef>
-          <a:fillRef idx="1">
-            <a:schemeClr val="accent1"/>
-          </a:fillRef>
-          <a:effectRef idx="0">
-            <a:schemeClr val="accent1"/>
-          </a:effectRef>
-          <a:fontRef idx="minor">
-            <a:schemeClr val="lt1"/>
-          </a:fontRef>
-        </p:style>
-        <p:txBody>
-          <a:bodyPr rtlCol="0" anchor="ctr"/>
-          <a:lstStyle/>
-          <a:p>
-            <a:pPr algn="ctr"/>
-            <a:endParaRPr lang="en-NL"/>
-          </a:p>
-        </p:txBody>
-      </p:sp>
-      <p:pic>
-        <p:nvPicPr>
-          <p:cNvPr id="5" name="Picture 4" descr="A picture containing food, drawing&#10;&#10;Description automatically generated">
-            <a:extLst>
-              <a:ext uri="{FF2B5EF4-FFF2-40B4-BE49-F238E27FC236}">
-                <a16:creationId xmlns:a16="http://schemas.microsoft.com/office/drawing/2014/main" id="{27611709-3190-2A4B-BCE4-4D329000A8EB}"/>
-              </a:ext>
-            </a:extLst>
-          </p:cNvPr>
-          <p:cNvPicPr>
-            <a:picLocks noChangeAspect="1"/>
-          </p:cNvPicPr>
-          <p:nvPr/>
-        </p:nvPicPr>
-        <p:blipFill>
-          <a:blip r:embed="rId3"/>
-          <a:stretch>
-            <a:fillRect/>
-          </a:stretch>
-        </p:blipFill>
-        <p:spPr>
-          <a:xfrm>
-            <a:off x="350837" y="-765175"/>
-            <a:ext cx="6858000" cy="6858000"/>
-          </a:xfrm>
-          <a:prstGeom prst="rect">
-            <a:avLst/>
-          </a:prstGeom>
-        </p:spPr>
-      </p:pic>
-    </p:spTree>
-    <p:extLst>
-      <p:ext uri="{BB962C8B-B14F-4D97-AF65-F5344CB8AC3E}">
         <p14:creationId xmlns:p14="http://schemas.microsoft.com/office/powerpoint/2010/main" val="2967010011"/>
       </p:ext>
     </p:extLst>
@@ -19824,7 +20320,7 @@
 </p:sld>
 </file>
 
-<file path=ppt/slides/slide61.xml><?xml version="1.0" encoding="utf-8"?>
+<file path=ppt/slides/slide63.xml><?xml version="1.0" encoding="utf-8"?>
 <p:sld xmlns:a="http://schemas.openxmlformats.org/drawingml/2006/main" xmlns:r="http://schemas.openxmlformats.org/officeDocument/2006/relationships" xmlns:p="http://schemas.openxmlformats.org/presentationml/2006/main">
   <p:cSld>
     <p:spTree>
@@ -20144,7 +20640,7 @@
 </p:sld>
 </file>
 
-<file path=ppt/slides/slide62.xml><?xml version="1.0" encoding="utf-8"?>
+<file path=ppt/slides/slide64.xml><?xml version="1.0" encoding="utf-8"?>
 <p:sld xmlns:a="http://schemas.openxmlformats.org/drawingml/2006/main" xmlns:r="http://schemas.openxmlformats.org/officeDocument/2006/relationships" xmlns:p="http://schemas.openxmlformats.org/presentationml/2006/main">
   <p:cSld>
     <p:spTree>
@@ -20313,7 +20809,7 @@
 </p:sld>
 </file>
 
-<file path=ppt/slides/slide63.xml><?xml version="1.0" encoding="utf-8"?>
+<file path=ppt/slides/slide65.xml><?xml version="1.0" encoding="utf-8"?>
 <p:sld xmlns:a="http://schemas.openxmlformats.org/drawingml/2006/main" xmlns:r="http://schemas.openxmlformats.org/officeDocument/2006/relationships" xmlns:p="http://schemas.openxmlformats.org/presentationml/2006/main">
   <p:cSld>
     <p:spTree>
@@ -20621,7 +21117,7 @@
 </p:sld>
 </file>
 
-<file path=ppt/slides/slide64.xml><?xml version="1.0" encoding="utf-8"?>
+<file path=ppt/slides/slide66.xml><?xml version="1.0" encoding="utf-8"?>
 <p:sld xmlns:a="http://schemas.openxmlformats.org/drawingml/2006/main" xmlns:r="http://schemas.openxmlformats.org/officeDocument/2006/relationships" xmlns:p="http://schemas.openxmlformats.org/presentationml/2006/main">
   <p:cSld>
     <p:spTree>
@@ -20781,297 +21277,6 @@
     <p:extLst>
       <p:ext uri="{BB962C8B-B14F-4D97-AF65-F5344CB8AC3E}">
         <p14:creationId xmlns:p14="http://schemas.microsoft.com/office/powerpoint/2010/main" val="141956057"/>
-      </p:ext>
-    </p:extLst>
-  </p:cSld>
-  <p:clrMapOvr>
-    <a:masterClrMapping/>
-  </p:clrMapOvr>
-</p:sld>
-</file>
-
-<file path=ppt/slides/slide65.xml><?xml version="1.0" encoding="utf-8"?>
-<p:sld xmlns:a="http://schemas.openxmlformats.org/drawingml/2006/main" xmlns:r="http://schemas.openxmlformats.org/officeDocument/2006/relationships" xmlns:p="http://schemas.openxmlformats.org/presentationml/2006/main">
-  <p:cSld>
-    <p:spTree>
-      <p:nvGrpSpPr>
-        <p:cNvPr id="1" name=""/>
-        <p:cNvGrpSpPr/>
-        <p:nvPr/>
-      </p:nvGrpSpPr>
-      <p:grpSpPr>
-        <a:xfrm>
-          <a:off x="0" y="0"/>
-          <a:ext cx="0" cy="0"/>
-          <a:chOff x="0" y="0"/>
-          <a:chExt cx="0" cy="0"/>
-        </a:xfrm>
-      </p:grpSpPr>
-      <p:sp>
-        <p:nvSpPr>
-          <p:cNvPr id="7" name="Rounded Rectangle 6">
-            <a:extLst>
-              <a:ext uri="{FF2B5EF4-FFF2-40B4-BE49-F238E27FC236}">
-                <a16:creationId xmlns:a16="http://schemas.microsoft.com/office/drawing/2014/main" id="{B3DC599D-AD1B-104D-B158-5C2A6823AC16}"/>
-              </a:ext>
-            </a:extLst>
-          </p:cNvPr>
-          <p:cNvSpPr/>
-          <p:nvPr/>
-        </p:nvSpPr>
-        <p:spPr>
-          <a:xfrm>
-            <a:off x="0" y="0"/>
-            <a:ext cx="7559675" cy="5327650"/>
-          </a:xfrm>
-          <a:prstGeom prst="roundRect">
-            <a:avLst>
-              <a:gd name="adj" fmla="val 0"/>
-            </a:avLst>
-          </a:prstGeom>
-          <a:solidFill>
-            <a:srgbClr val="FFC2E8"/>
-          </a:solidFill>
-          <a:ln>
-            <a:noFill/>
-          </a:ln>
-        </p:spPr>
-        <p:style>
-          <a:lnRef idx="2">
-            <a:schemeClr val="accent1">
-              <a:shade val="50000"/>
-            </a:schemeClr>
-          </a:lnRef>
-          <a:fillRef idx="1">
-            <a:schemeClr val="accent1"/>
-          </a:fillRef>
-          <a:effectRef idx="0">
-            <a:schemeClr val="accent1"/>
-          </a:effectRef>
-          <a:fontRef idx="minor">
-            <a:schemeClr val="lt1"/>
-          </a:fontRef>
-        </p:style>
-        <p:txBody>
-          <a:bodyPr rtlCol="0" anchor="ctr"/>
-          <a:lstStyle/>
-          <a:p>
-            <a:pPr algn="ctr"/>
-            <a:endParaRPr lang="en-NL"/>
-          </a:p>
-        </p:txBody>
-      </p:sp>
-      <p:sp>
-        <p:nvSpPr>
-          <p:cNvPr id="6" name="TextBox 5">
-            <a:extLst>
-              <a:ext uri="{FF2B5EF4-FFF2-40B4-BE49-F238E27FC236}">
-                <a16:creationId xmlns:a16="http://schemas.microsoft.com/office/drawing/2014/main" id="{009EAD6C-D563-D744-AFCA-AE8CA95E6630}"/>
-              </a:ext>
-            </a:extLst>
-          </p:cNvPr>
-          <p:cNvSpPr txBox="1"/>
-          <p:nvPr/>
-        </p:nvSpPr>
-        <p:spPr>
-          <a:xfrm>
-            <a:off x="329715" y="1463496"/>
-            <a:ext cx="6900243" cy="2400657"/>
-          </a:xfrm>
-          <a:prstGeom prst="rect">
-            <a:avLst/>
-          </a:prstGeom>
-          <a:noFill/>
-        </p:spPr>
-        <p:txBody>
-          <a:bodyPr wrap="square" rtlCol="0">
-            <a:spAutoFit/>
-          </a:bodyPr>
-          <a:lstStyle/>
-          <a:p>
-            <a:pPr algn="ctr"/>
-            <a:r>
-              <a:rPr lang="en-NL" sz="5000" b="1" dirty="0">
-                <a:latin typeface="Ubuntu" panose="020B0504030602030204" pitchFamily="34" charset="0"/>
-              </a:rPr>
-              <a:t>Don’t measure Output. Measure Outcomes</a:t>
-            </a:r>
-          </a:p>
-        </p:txBody>
-      </p:sp>
-    </p:spTree>
-    <p:extLst>
-      <p:ext uri="{BB962C8B-B14F-4D97-AF65-F5344CB8AC3E}">
-        <p14:creationId xmlns:p14="http://schemas.microsoft.com/office/powerpoint/2010/main" val="3384980287"/>
-      </p:ext>
-    </p:extLst>
-  </p:cSld>
-  <p:clrMapOvr>
-    <a:masterClrMapping/>
-  </p:clrMapOvr>
-</p:sld>
-</file>
-
-<file path=ppt/slides/slide66.xml><?xml version="1.0" encoding="utf-8"?>
-<p:sld xmlns:a="http://schemas.openxmlformats.org/drawingml/2006/main" xmlns:r="http://schemas.openxmlformats.org/officeDocument/2006/relationships" xmlns:p="http://schemas.openxmlformats.org/presentationml/2006/main">
-  <p:cSld>
-    <p:spTree>
-      <p:nvGrpSpPr>
-        <p:cNvPr id="1" name=""/>
-        <p:cNvGrpSpPr/>
-        <p:nvPr/>
-      </p:nvGrpSpPr>
-      <p:grpSpPr>
-        <a:xfrm>
-          <a:off x="0" y="0"/>
-          <a:ext cx="0" cy="0"/>
-          <a:chOff x="0" y="0"/>
-          <a:chExt cx="0" cy="0"/>
-        </a:xfrm>
-      </p:grpSpPr>
-      <p:sp>
-        <p:nvSpPr>
-          <p:cNvPr id="2" name="Title 1">
-            <a:extLst>
-              <a:ext uri="{FF2B5EF4-FFF2-40B4-BE49-F238E27FC236}">
-                <a16:creationId xmlns:a16="http://schemas.microsoft.com/office/drawing/2014/main" id="{CFCDF3DA-1D3D-E743-8E21-6B353B4D96A4}"/>
-              </a:ext>
-            </a:extLst>
-          </p:cNvPr>
-          <p:cNvSpPr>
-            <a:spLocks noGrp="1"/>
-          </p:cNvSpPr>
-          <p:nvPr>
-            <p:ph type="title"/>
-          </p:nvPr>
-        </p:nvSpPr>
-        <p:spPr/>
-        <p:txBody>
-          <a:bodyPr/>
-          <a:lstStyle/>
-          <a:p>
-            <a:endParaRPr lang="en-NL"/>
-          </a:p>
-        </p:txBody>
-      </p:sp>
-      <p:sp>
-        <p:nvSpPr>
-          <p:cNvPr id="3" name="Content Placeholder 2">
-            <a:extLst>
-              <a:ext uri="{FF2B5EF4-FFF2-40B4-BE49-F238E27FC236}">
-                <a16:creationId xmlns:a16="http://schemas.microsoft.com/office/drawing/2014/main" id="{40A525DA-CA85-AD48-8A85-52A75E1E5317}"/>
-              </a:ext>
-            </a:extLst>
-          </p:cNvPr>
-          <p:cNvSpPr>
-            <a:spLocks noGrp="1"/>
-          </p:cNvSpPr>
-          <p:nvPr>
-            <p:ph idx="1"/>
-          </p:nvPr>
-        </p:nvSpPr>
-        <p:spPr/>
-        <p:txBody>
-          <a:bodyPr/>
-          <a:lstStyle/>
-          <a:p>
-            <a:endParaRPr lang="en-NL"/>
-          </a:p>
-        </p:txBody>
-      </p:sp>
-      <p:sp>
-        <p:nvSpPr>
-          <p:cNvPr id="4" name="Rounded Rectangle 3">
-            <a:extLst>
-              <a:ext uri="{FF2B5EF4-FFF2-40B4-BE49-F238E27FC236}">
-                <a16:creationId xmlns:a16="http://schemas.microsoft.com/office/drawing/2014/main" id="{6B890BB6-3544-1A4E-A833-93135A597BB4}"/>
-              </a:ext>
-            </a:extLst>
-          </p:cNvPr>
-          <p:cNvSpPr/>
-          <p:nvPr/>
-        </p:nvSpPr>
-        <p:spPr>
-          <a:xfrm>
-            <a:off x="0" y="0"/>
-            <a:ext cx="7559675" cy="5327650"/>
-          </a:xfrm>
-          <a:prstGeom prst="roundRect">
-            <a:avLst>
-              <a:gd name="adj" fmla="val 0"/>
-            </a:avLst>
-          </a:prstGeom>
-          <a:blipFill>
-            <a:blip r:embed="rId2"/>
-            <a:stretch>
-              <a:fillRect/>
-            </a:stretch>
-          </a:blipFill>
-          <a:ln>
-            <a:solidFill>
-              <a:schemeClr val="bg2"/>
-            </a:solidFill>
-          </a:ln>
-        </p:spPr>
-        <p:style>
-          <a:lnRef idx="2">
-            <a:schemeClr val="accent1">
-              <a:shade val="50000"/>
-            </a:schemeClr>
-          </a:lnRef>
-          <a:fillRef idx="1">
-            <a:schemeClr val="accent1"/>
-          </a:fillRef>
-          <a:effectRef idx="0">
-            <a:schemeClr val="accent1"/>
-          </a:effectRef>
-          <a:fontRef idx="minor">
-            <a:schemeClr val="lt1"/>
-          </a:fontRef>
-        </p:style>
-        <p:txBody>
-          <a:bodyPr rtlCol="0" anchor="ctr"/>
-          <a:lstStyle/>
-          <a:p>
-            <a:pPr algn="ctr"/>
-            <a:endParaRPr lang="en-NL"/>
-          </a:p>
-        </p:txBody>
-      </p:sp>
-      <p:pic>
-        <p:nvPicPr>
-          <p:cNvPr id="5" name="Picture 4" descr="A picture containing food, drawing&#10;&#10;Description automatically generated">
-            <a:extLst>
-              <a:ext uri="{FF2B5EF4-FFF2-40B4-BE49-F238E27FC236}">
-                <a16:creationId xmlns:a16="http://schemas.microsoft.com/office/drawing/2014/main" id="{27611709-3190-2A4B-BCE4-4D329000A8EB}"/>
-              </a:ext>
-            </a:extLst>
-          </p:cNvPr>
-          <p:cNvPicPr>
-            <a:picLocks noChangeAspect="1"/>
-          </p:cNvPicPr>
-          <p:nvPr/>
-        </p:nvPicPr>
-        <p:blipFill>
-          <a:blip r:embed="rId3"/>
-          <a:stretch>
-            <a:fillRect/>
-          </a:stretch>
-        </p:blipFill>
-        <p:spPr>
-          <a:xfrm>
-            <a:off x="350837" y="-765175"/>
-            <a:ext cx="6858000" cy="6858000"/>
-          </a:xfrm>
-          <a:prstGeom prst="rect">
-            <a:avLst/>
-          </a:prstGeom>
-        </p:spPr>
-      </p:pic>
-    </p:spTree>
-    <p:extLst>
-      <p:ext uri="{BB962C8B-B14F-4D97-AF65-F5344CB8AC3E}">
-        <p14:creationId xmlns:p14="http://schemas.microsoft.com/office/powerpoint/2010/main" val="609235282"/>
       </p:ext>
     </p:extLst>
   </p:cSld>
@@ -21182,10 +21387,10 @@
           <a:p>
             <a:pPr algn="ctr"/>
             <a:r>
-              <a:rPr lang="en-NL" sz="5000" b="1">
+              <a:rPr lang="en-NL" sz="5000" b="1" dirty="0">
                 <a:latin typeface="Ubuntu" panose="020B0504030602030204" pitchFamily="34" charset="0"/>
               </a:rPr>
-              <a:t>It’s not about the Metrics, but about the Conversation</a:t>
+              <a:t>Don’t measure Output. Measure Outcomes</a:t>
             </a:r>
           </a:p>
         </p:txBody>
@@ -21193,7 +21398,7 @@
     </p:spTree>
     <p:extLst>
       <p:ext uri="{BB962C8B-B14F-4D97-AF65-F5344CB8AC3E}">
-        <p14:creationId xmlns:p14="http://schemas.microsoft.com/office/powerpoint/2010/main" val="3864524999"/>
+        <p14:creationId xmlns:p14="http://schemas.microsoft.com/office/powerpoint/2010/main" val="3384980287"/>
       </p:ext>
     </p:extLst>
   </p:cSld>
@@ -21362,7 +21567,7 @@
     </p:spTree>
     <p:extLst>
       <p:ext uri="{BB962C8B-B14F-4D97-AF65-F5344CB8AC3E}">
-        <p14:creationId xmlns:p14="http://schemas.microsoft.com/office/powerpoint/2010/main" val="2834202860"/>
+        <p14:creationId xmlns:p14="http://schemas.microsoft.com/office/powerpoint/2010/main" val="609235282"/>
       </p:ext>
     </p:extLst>
   </p:cSld>
@@ -21457,8 +21662,8 @@
         </p:nvSpPr>
         <p:spPr>
           <a:xfrm>
-            <a:off x="329715" y="1078775"/>
-            <a:ext cx="6900243" cy="3170099"/>
+            <a:off x="329715" y="1463496"/>
+            <a:ext cx="6900243" cy="2400657"/>
           </a:xfrm>
           <a:prstGeom prst="rect">
             <a:avLst/>
@@ -21473,40 +21678,10 @@
           <a:p>
             <a:pPr algn="ctr"/>
             <a:r>
-              <a:rPr lang="en-NL" sz="5000" dirty="0">
+              <a:rPr lang="en-NL" sz="5000" b="1">
                 <a:latin typeface="Ubuntu" panose="020B0504030602030204" pitchFamily="34" charset="0"/>
               </a:rPr>
-              <a:t>Learn more about</a:t>
-            </a:r>
-            <a:r>
-              <a:rPr lang="en-NL" sz="5000" b="1" dirty="0">
-                <a:latin typeface="Ubuntu" panose="020B0504030602030204" pitchFamily="34" charset="0"/>
-              </a:rPr>
-              <a:t> </a:t>
-            </a:r>
-          </a:p>
-          <a:p>
-            <a:pPr algn="ctr"/>
-            <a:r>
-              <a:rPr lang="en-NL" sz="5000" b="1" dirty="0">
-                <a:latin typeface="Ubuntu" panose="020B0504030602030204" pitchFamily="34" charset="0"/>
-              </a:rPr>
-              <a:t>Evidence Based Management </a:t>
-            </a:r>
-            <a:r>
-              <a:rPr lang="en-NL" sz="5000" dirty="0">
-                <a:latin typeface="Ubuntu" panose="020B0504030602030204" pitchFamily="34" charset="0"/>
-              </a:rPr>
-              <a:t>at</a:t>
-            </a:r>
-          </a:p>
-          <a:p>
-            <a:pPr algn="ctr"/>
-            <a:r>
-              <a:rPr lang="en-NL" sz="5000" dirty="0">
-                <a:latin typeface="Ubuntu" panose="020B0504030602030204" pitchFamily="34" charset="0"/>
-              </a:rPr>
-              <a:t>http://scrum.org/EBM</a:t>
+              <a:t>It’s not about the Metrics, but about the Conversation</a:t>
             </a:r>
           </a:p>
         </p:txBody>
@@ -21514,7 +21689,7 @@
     </p:spTree>
     <p:extLst>
       <p:ext uri="{BB962C8B-B14F-4D97-AF65-F5344CB8AC3E}">
-        <p14:creationId xmlns:p14="http://schemas.microsoft.com/office/powerpoint/2010/main" val="1377554222"/>
+        <p14:creationId xmlns:p14="http://schemas.microsoft.com/office/powerpoint/2010/main" val="3864524999"/>
       </p:ext>
     </p:extLst>
   </p:cSld>
@@ -22722,7 +22897,7 @@
     </p:spTree>
     <p:extLst>
       <p:ext uri="{BB962C8B-B14F-4D97-AF65-F5344CB8AC3E}">
-        <p14:creationId xmlns:p14="http://schemas.microsoft.com/office/powerpoint/2010/main" val="1817486122"/>
+        <p14:creationId xmlns:p14="http://schemas.microsoft.com/office/powerpoint/2010/main" val="2834202860"/>
       </p:ext>
     </p:extLst>
   </p:cSld>
@@ -22751,6 +22926,327 @@
       </p:grpSpPr>
       <p:sp>
         <p:nvSpPr>
+          <p:cNvPr id="7" name="Rounded Rectangle 6">
+            <a:extLst>
+              <a:ext uri="{FF2B5EF4-FFF2-40B4-BE49-F238E27FC236}">
+                <a16:creationId xmlns:a16="http://schemas.microsoft.com/office/drawing/2014/main" id="{B3DC599D-AD1B-104D-B158-5C2A6823AC16}"/>
+              </a:ext>
+            </a:extLst>
+          </p:cNvPr>
+          <p:cNvSpPr/>
+          <p:nvPr/>
+        </p:nvSpPr>
+        <p:spPr>
+          <a:xfrm>
+            <a:off x="0" y="0"/>
+            <a:ext cx="7559675" cy="5327650"/>
+          </a:xfrm>
+          <a:prstGeom prst="roundRect">
+            <a:avLst>
+              <a:gd name="adj" fmla="val 0"/>
+            </a:avLst>
+          </a:prstGeom>
+          <a:solidFill>
+            <a:srgbClr val="FFC2E8"/>
+          </a:solidFill>
+          <a:ln>
+            <a:noFill/>
+          </a:ln>
+        </p:spPr>
+        <p:style>
+          <a:lnRef idx="2">
+            <a:schemeClr val="accent1">
+              <a:shade val="50000"/>
+            </a:schemeClr>
+          </a:lnRef>
+          <a:fillRef idx="1">
+            <a:schemeClr val="accent1"/>
+          </a:fillRef>
+          <a:effectRef idx="0">
+            <a:schemeClr val="accent1"/>
+          </a:effectRef>
+          <a:fontRef idx="minor">
+            <a:schemeClr val="lt1"/>
+          </a:fontRef>
+        </p:style>
+        <p:txBody>
+          <a:bodyPr rtlCol="0" anchor="ctr"/>
+          <a:lstStyle/>
+          <a:p>
+            <a:pPr algn="ctr"/>
+            <a:endParaRPr lang="en-NL"/>
+          </a:p>
+        </p:txBody>
+      </p:sp>
+      <p:sp>
+        <p:nvSpPr>
+          <p:cNvPr id="6" name="TextBox 5">
+            <a:extLst>
+              <a:ext uri="{FF2B5EF4-FFF2-40B4-BE49-F238E27FC236}">
+                <a16:creationId xmlns:a16="http://schemas.microsoft.com/office/drawing/2014/main" id="{009EAD6C-D563-D744-AFCA-AE8CA95E6630}"/>
+              </a:ext>
+            </a:extLst>
+          </p:cNvPr>
+          <p:cNvSpPr txBox="1"/>
+          <p:nvPr/>
+        </p:nvSpPr>
+        <p:spPr>
+          <a:xfrm>
+            <a:off x="329715" y="1078775"/>
+            <a:ext cx="6900243" cy="3170099"/>
+          </a:xfrm>
+          <a:prstGeom prst="rect">
+            <a:avLst/>
+          </a:prstGeom>
+          <a:noFill/>
+        </p:spPr>
+        <p:txBody>
+          <a:bodyPr wrap="square" rtlCol="0">
+            <a:spAutoFit/>
+          </a:bodyPr>
+          <a:lstStyle/>
+          <a:p>
+            <a:pPr algn="ctr"/>
+            <a:r>
+              <a:rPr lang="en-NL" sz="5000" dirty="0">
+                <a:latin typeface="Ubuntu" panose="020B0504030602030204" pitchFamily="34" charset="0"/>
+              </a:rPr>
+              <a:t>Learn more about</a:t>
+            </a:r>
+            <a:r>
+              <a:rPr lang="en-NL" sz="5000" b="1" dirty="0">
+                <a:latin typeface="Ubuntu" panose="020B0504030602030204" pitchFamily="34" charset="0"/>
+              </a:rPr>
+              <a:t> </a:t>
+            </a:r>
+          </a:p>
+          <a:p>
+            <a:pPr algn="ctr"/>
+            <a:r>
+              <a:rPr lang="en-NL" sz="5000" b="1" dirty="0">
+                <a:latin typeface="Ubuntu" panose="020B0504030602030204" pitchFamily="34" charset="0"/>
+              </a:rPr>
+              <a:t>Evidence Based Management </a:t>
+            </a:r>
+            <a:r>
+              <a:rPr lang="en-NL" sz="5000" dirty="0">
+                <a:latin typeface="Ubuntu" panose="020B0504030602030204" pitchFamily="34" charset="0"/>
+              </a:rPr>
+              <a:t>at</a:t>
+            </a:r>
+          </a:p>
+          <a:p>
+            <a:pPr algn="ctr"/>
+            <a:r>
+              <a:rPr lang="en-NL" sz="5000" dirty="0">
+                <a:latin typeface="Ubuntu" panose="020B0504030602030204" pitchFamily="34" charset="0"/>
+              </a:rPr>
+              <a:t>http://scrum.org/EBM</a:t>
+            </a:r>
+          </a:p>
+        </p:txBody>
+      </p:sp>
+    </p:spTree>
+    <p:extLst>
+      <p:ext uri="{BB962C8B-B14F-4D97-AF65-F5344CB8AC3E}">
+        <p14:creationId xmlns:p14="http://schemas.microsoft.com/office/powerpoint/2010/main" val="1377554222"/>
+      </p:ext>
+    </p:extLst>
+  </p:cSld>
+  <p:clrMapOvr>
+    <a:masterClrMapping/>
+  </p:clrMapOvr>
+</p:sld>
+</file>
+
+<file path=ppt/slides/slide72.xml><?xml version="1.0" encoding="utf-8"?>
+<p:sld xmlns:a="http://schemas.openxmlformats.org/drawingml/2006/main" xmlns:r="http://schemas.openxmlformats.org/officeDocument/2006/relationships" xmlns:p="http://schemas.openxmlformats.org/presentationml/2006/main">
+  <p:cSld>
+    <p:spTree>
+      <p:nvGrpSpPr>
+        <p:cNvPr id="1" name=""/>
+        <p:cNvGrpSpPr/>
+        <p:nvPr/>
+      </p:nvGrpSpPr>
+      <p:grpSpPr>
+        <a:xfrm>
+          <a:off x="0" y="0"/>
+          <a:ext cx="0" cy="0"/>
+          <a:chOff x="0" y="0"/>
+          <a:chExt cx="0" cy="0"/>
+        </a:xfrm>
+      </p:grpSpPr>
+      <p:sp>
+        <p:nvSpPr>
+          <p:cNvPr id="2" name="Title 1">
+            <a:extLst>
+              <a:ext uri="{FF2B5EF4-FFF2-40B4-BE49-F238E27FC236}">
+                <a16:creationId xmlns:a16="http://schemas.microsoft.com/office/drawing/2014/main" id="{CFCDF3DA-1D3D-E743-8E21-6B353B4D96A4}"/>
+              </a:ext>
+            </a:extLst>
+          </p:cNvPr>
+          <p:cNvSpPr>
+            <a:spLocks noGrp="1"/>
+          </p:cNvSpPr>
+          <p:nvPr>
+            <p:ph type="title"/>
+          </p:nvPr>
+        </p:nvSpPr>
+        <p:spPr/>
+        <p:txBody>
+          <a:bodyPr/>
+          <a:lstStyle/>
+          <a:p>
+            <a:endParaRPr lang="en-NL"/>
+          </a:p>
+        </p:txBody>
+      </p:sp>
+      <p:sp>
+        <p:nvSpPr>
+          <p:cNvPr id="3" name="Content Placeholder 2">
+            <a:extLst>
+              <a:ext uri="{FF2B5EF4-FFF2-40B4-BE49-F238E27FC236}">
+                <a16:creationId xmlns:a16="http://schemas.microsoft.com/office/drawing/2014/main" id="{40A525DA-CA85-AD48-8A85-52A75E1E5317}"/>
+              </a:ext>
+            </a:extLst>
+          </p:cNvPr>
+          <p:cNvSpPr>
+            <a:spLocks noGrp="1"/>
+          </p:cNvSpPr>
+          <p:nvPr>
+            <p:ph idx="1"/>
+          </p:nvPr>
+        </p:nvSpPr>
+        <p:spPr/>
+        <p:txBody>
+          <a:bodyPr/>
+          <a:lstStyle/>
+          <a:p>
+            <a:endParaRPr lang="en-NL"/>
+          </a:p>
+        </p:txBody>
+      </p:sp>
+      <p:sp>
+        <p:nvSpPr>
+          <p:cNvPr id="4" name="Rounded Rectangle 3">
+            <a:extLst>
+              <a:ext uri="{FF2B5EF4-FFF2-40B4-BE49-F238E27FC236}">
+                <a16:creationId xmlns:a16="http://schemas.microsoft.com/office/drawing/2014/main" id="{6B890BB6-3544-1A4E-A833-93135A597BB4}"/>
+              </a:ext>
+            </a:extLst>
+          </p:cNvPr>
+          <p:cNvSpPr/>
+          <p:nvPr/>
+        </p:nvSpPr>
+        <p:spPr>
+          <a:xfrm>
+            <a:off x="0" y="0"/>
+            <a:ext cx="7559675" cy="5327650"/>
+          </a:xfrm>
+          <a:prstGeom prst="roundRect">
+            <a:avLst>
+              <a:gd name="adj" fmla="val 0"/>
+            </a:avLst>
+          </a:prstGeom>
+          <a:blipFill>
+            <a:blip r:embed="rId2"/>
+            <a:stretch>
+              <a:fillRect/>
+            </a:stretch>
+          </a:blipFill>
+          <a:ln>
+            <a:solidFill>
+              <a:schemeClr val="bg2"/>
+            </a:solidFill>
+          </a:ln>
+        </p:spPr>
+        <p:style>
+          <a:lnRef idx="2">
+            <a:schemeClr val="accent1">
+              <a:shade val="50000"/>
+            </a:schemeClr>
+          </a:lnRef>
+          <a:fillRef idx="1">
+            <a:schemeClr val="accent1"/>
+          </a:fillRef>
+          <a:effectRef idx="0">
+            <a:schemeClr val="accent1"/>
+          </a:effectRef>
+          <a:fontRef idx="minor">
+            <a:schemeClr val="lt1"/>
+          </a:fontRef>
+        </p:style>
+        <p:txBody>
+          <a:bodyPr rtlCol="0" anchor="ctr"/>
+          <a:lstStyle/>
+          <a:p>
+            <a:pPr algn="ctr"/>
+            <a:endParaRPr lang="en-NL"/>
+          </a:p>
+        </p:txBody>
+      </p:sp>
+      <p:pic>
+        <p:nvPicPr>
+          <p:cNvPr id="5" name="Picture 4" descr="A picture containing food, drawing&#10;&#10;Description automatically generated">
+            <a:extLst>
+              <a:ext uri="{FF2B5EF4-FFF2-40B4-BE49-F238E27FC236}">
+                <a16:creationId xmlns:a16="http://schemas.microsoft.com/office/drawing/2014/main" id="{27611709-3190-2A4B-BCE4-4D329000A8EB}"/>
+              </a:ext>
+            </a:extLst>
+          </p:cNvPr>
+          <p:cNvPicPr>
+            <a:picLocks noChangeAspect="1"/>
+          </p:cNvPicPr>
+          <p:nvPr/>
+        </p:nvPicPr>
+        <p:blipFill>
+          <a:blip r:embed="rId3"/>
+          <a:stretch>
+            <a:fillRect/>
+          </a:stretch>
+        </p:blipFill>
+        <p:spPr>
+          <a:xfrm>
+            <a:off x="350837" y="-765175"/>
+            <a:ext cx="6858000" cy="6858000"/>
+          </a:xfrm>
+          <a:prstGeom prst="rect">
+            <a:avLst/>
+          </a:prstGeom>
+        </p:spPr>
+      </p:pic>
+    </p:spTree>
+    <p:extLst>
+      <p:ext uri="{BB962C8B-B14F-4D97-AF65-F5344CB8AC3E}">
+        <p14:creationId xmlns:p14="http://schemas.microsoft.com/office/powerpoint/2010/main" val="1817486122"/>
+      </p:ext>
+    </p:extLst>
+  </p:cSld>
+  <p:clrMapOvr>
+    <a:masterClrMapping/>
+  </p:clrMapOvr>
+</p:sld>
+</file>
+
+<file path=ppt/slides/slide73.xml><?xml version="1.0" encoding="utf-8"?>
+<p:sld xmlns:a="http://schemas.openxmlformats.org/drawingml/2006/main" xmlns:r="http://schemas.openxmlformats.org/officeDocument/2006/relationships" xmlns:p="http://schemas.openxmlformats.org/presentationml/2006/main">
+  <p:cSld>
+    <p:spTree>
+      <p:nvGrpSpPr>
+        <p:cNvPr id="1" name=""/>
+        <p:cNvGrpSpPr/>
+        <p:nvPr/>
+      </p:nvGrpSpPr>
+      <p:grpSpPr>
+        <a:xfrm>
+          <a:off x="0" y="0"/>
+          <a:ext cx="0" cy="0"/>
+          <a:chOff x="0" y="0"/>
+          <a:chExt cx="0" cy="0"/>
+        </a:xfrm>
+      </p:grpSpPr>
+      <p:sp>
+        <p:nvSpPr>
           <p:cNvPr id="6" name="TextBox 5">
             <a:extLst>
               <a:ext uri="{FF2B5EF4-FFF2-40B4-BE49-F238E27FC236}">
@@ -23023,7 +23519,7 @@
 </p:sld>
 </file>
 
-<file path=ppt/slides/slide72.xml><?xml version="1.0" encoding="utf-8"?>
+<file path=ppt/slides/slide74.xml><?xml version="1.0" encoding="utf-8"?>
 <p:sld xmlns:a="http://schemas.openxmlformats.org/drawingml/2006/main" xmlns:r="http://schemas.openxmlformats.org/officeDocument/2006/relationships" xmlns:p="http://schemas.openxmlformats.org/presentationml/2006/main">
   <p:cSld>
     <p:spTree>

--- a/Measuring Outcome v2 - 2020 update.pptx
+++ b/Measuring Outcome v2 - 2020 update.pptx
@@ -5,7 +5,7 @@
     <p:sldMasterId id="2147483660" r:id="rId1"/>
   </p:sldMasterIdLst>
   <p:notesMasterIdLst>
-    <p:notesMasterId r:id="rId76"/>
+    <p:notesMasterId r:id="rId80"/>
   </p:notesMasterIdLst>
   <p:sldIdLst>
     <p:sldId id="256" r:id="rId2"/>
@@ -64,55 +64,59 @@
     <p:sldId id="342" r:id="rId55"/>
     <p:sldId id="343" r:id="rId56"/>
     <p:sldId id="344" r:id="rId57"/>
-    <p:sldId id="352" r:id="rId58"/>
-    <p:sldId id="353" r:id="rId59"/>
-    <p:sldId id="354" r:id="rId60"/>
-    <p:sldId id="355" r:id="rId61"/>
-    <p:sldId id="357" r:id="rId62"/>
-    <p:sldId id="358" r:id="rId63"/>
-    <p:sldId id="345" r:id="rId64"/>
-    <p:sldId id="346" r:id="rId65"/>
-    <p:sldId id="347" r:id="rId66"/>
-    <p:sldId id="348" r:id="rId67"/>
-    <p:sldId id="328" r:id="rId68"/>
-    <p:sldId id="329" r:id="rId69"/>
-    <p:sldId id="334" r:id="rId70"/>
-    <p:sldId id="331" r:id="rId71"/>
-    <p:sldId id="335" r:id="rId72"/>
-    <p:sldId id="333" r:id="rId73"/>
-    <p:sldId id="359" r:id="rId74"/>
-    <p:sldId id="351" r:id="rId75"/>
+    <p:sldId id="372" r:id="rId58"/>
+    <p:sldId id="373" r:id="rId59"/>
+    <p:sldId id="370" r:id="rId60"/>
+    <p:sldId id="371" r:id="rId61"/>
+    <p:sldId id="352" r:id="rId62"/>
+    <p:sldId id="353" r:id="rId63"/>
+    <p:sldId id="354" r:id="rId64"/>
+    <p:sldId id="355" r:id="rId65"/>
+    <p:sldId id="357" r:id="rId66"/>
+    <p:sldId id="358" r:id="rId67"/>
+    <p:sldId id="345" r:id="rId68"/>
+    <p:sldId id="346" r:id="rId69"/>
+    <p:sldId id="347" r:id="rId70"/>
+    <p:sldId id="348" r:id="rId71"/>
+    <p:sldId id="328" r:id="rId72"/>
+    <p:sldId id="329" r:id="rId73"/>
+    <p:sldId id="334" r:id="rId74"/>
+    <p:sldId id="331" r:id="rId75"/>
+    <p:sldId id="335" r:id="rId76"/>
+    <p:sldId id="333" r:id="rId77"/>
+    <p:sldId id="359" r:id="rId78"/>
+    <p:sldId id="351" r:id="rId79"/>
   </p:sldIdLst>
   <p:sldSz cx="7559675" cy="5327650"/>
   <p:notesSz cx="6858000" cy="9144000"/>
   <p:embeddedFontLst>
     <p:embeddedFont>
       <p:font typeface="Calibri" panose="020F0502020204030204" pitchFamily="34" charset="0"/>
-      <p:regular r:id="rId77"/>
-      <p:bold r:id="rId77"/>
-      <p:italic r:id="rId77"/>
-      <p:boldItalic r:id="rId77"/>
+      <p:regular r:id="rId81"/>
+      <p:bold r:id="rId81"/>
+      <p:italic r:id="rId81"/>
+      <p:boldItalic r:id="rId81"/>
     </p:embeddedFont>
     <p:embeddedFont>
       <p:font typeface="Calibri Light" panose="020F0302020204030204" pitchFamily="34" charset="0"/>
-      <p:regular r:id="rId77"/>
-      <p:italic r:id="rId77"/>
+      <p:regular r:id="rId81"/>
+      <p:italic r:id="rId81"/>
     </p:embeddedFont>
     <p:embeddedFont>
       <p:font typeface="Marvel" pitchFamily="2" charset="0"/>
-      <p:regular r:id="rId77"/>
+      <p:regular r:id="rId81"/>
     </p:embeddedFont>
     <p:embeddedFont>
       <p:font typeface="Ubuntu" panose="020B0504030602030204" pitchFamily="34" charset="0"/>
-      <p:regular r:id="rId77"/>
-      <p:bold r:id="rId77"/>
-      <p:italic r:id="rId77"/>
-      <p:boldItalic r:id="rId77"/>
+      <p:regular r:id="rId81"/>
+      <p:bold r:id="rId81"/>
+      <p:italic r:id="rId81"/>
+      <p:boldItalic r:id="rId81"/>
     </p:embeddedFont>
     <p:embeddedFont>
       <p:font typeface="Ubuntu Light" panose="020B0304030602030204" pitchFamily="34" charset="0"/>
-      <p:regular r:id="rId77"/>
-      <p:italic r:id="rId77"/>
+      <p:regular r:id="rId81"/>
+      <p:italic r:id="rId81"/>
     </p:embeddedFont>
   </p:embeddedFontLst>
   <p:defaultTextStyle>
@@ -1024,7 +1028,7 @@
           <a:p>
             <a:fld id="{240114D0-54EC-2541-891C-414F49E4331F}" type="slidenum">
               <a:rPr lang="en-NL" smtClean="0"/>
-              <a:t>73</a:t>
+              <a:t>77</a:t>
             </a:fld>
             <a:endParaRPr lang="en-NL"/>
           </a:p>
@@ -9243,23 +9247,8 @@
                   </a:solidFill>
                   <a:latin typeface="Ubuntu" panose="020B0504030602030204" pitchFamily="34" charset="0"/>
                 </a:rPr>
-                <a:t>Time </a:t>
+                <a:t>Time to Pivot</a:t>
               </a:r>
-              <a:r>
-                <a:rPr lang="en-NL" sz="5000" b="1">
-                  <a:solidFill>
-                    <a:schemeClr val="bg1"/>
-                  </a:solidFill>
-                  <a:latin typeface="Ubuntu" panose="020B0504030602030204" pitchFamily="34" charset="0"/>
-                </a:rPr>
-                <a:t>to Pivot</a:t>
-              </a:r>
-              <a:endParaRPr lang="en-NL" sz="5000" b="1" dirty="0">
-                <a:solidFill>
-                  <a:schemeClr val="bg1"/>
-                </a:solidFill>
-                <a:latin typeface="Ubuntu" panose="020B0504030602030204" pitchFamily="34" charset="0"/>
-              </a:endParaRPr>
             </a:p>
           </p:txBody>
         </p:sp>
@@ -18829,6 +18818,489 @@
             <a:p>
               <a:pPr algn="ctr"/>
               <a:r>
+                <a:rPr lang="en-GB" sz="5000" b="1" dirty="0">
+                  <a:solidFill>
+                    <a:schemeClr val="bg1"/>
+                  </a:solidFill>
+                  <a:latin typeface="Ubuntu" panose="020B0504030602030204" pitchFamily="34" charset="0"/>
+                </a:rPr>
+                <a:t> Deployment Frequency</a:t>
+              </a:r>
+              <a:endParaRPr lang="en-NL" sz="5000" b="1" dirty="0">
+                <a:solidFill>
+                  <a:schemeClr val="bg1"/>
+                </a:solidFill>
+                <a:latin typeface="Ubuntu" panose="020B0504030602030204" pitchFamily="34" charset="0"/>
+              </a:endParaRPr>
+            </a:p>
+          </p:txBody>
+        </p:sp>
+        <p:sp>
+          <p:nvSpPr>
+            <p:cNvPr id="10" name="Oval 9">
+              <a:extLst>
+                <a:ext uri="{FF2B5EF4-FFF2-40B4-BE49-F238E27FC236}">
+                  <a16:creationId xmlns:a16="http://schemas.microsoft.com/office/drawing/2014/main" id="{4A3FB51E-232C-6746-A6BB-CCD934EE62FA}"/>
+                </a:ext>
+              </a:extLst>
+            </p:cNvPr>
+            <p:cNvSpPr/>
+            <p:nvPr/>
+          </p:nvSpPr>
+          <p:spPr>
+            <a:xfrm>
+              <a:off x="3068663" y="3292524"/>
+              <a:ext cx="364210" cy="364147"/>
+            </a:xfrm>
+            <a:prstGeom prst="ellipse">
+              <a:avLst/>
+            </a:prstGeom>
+            <a:solidFill>
+              <a:schemeClr val="bg1"/>
+            </a:solidFill>
+            <a:ln>
+              <a:solidFill>
+                <a:schemeClr val="bg1"/>
+              </a:solidFill>
+            </a:ln>
+          </p:spPr>
+          <p:style>
+            <a:lnRef idx="2">
+              <a:schemeClr val="accent1">
+                <a:shade val="50000"/>
+              </a:schemeClr>
+            </a:lnRef>
+            <a:fillRef idx="1">
+              <a:schemeClr val="accent1"/>
+            </a:fillRef>
+            <a:effectRef idx="0">
+              <a:schemeClr val="accent1"/>
+            </a:effectRef>
+            <a:fontRef idx="minor">
+              <a:schemeClr val="lt1"/>
+            </a:fontRef>
+          </p:style>
+          <p:txBody>
+            <a:bodyPr rtlCol="0" anchor="ctr"/>
+            <a:lstStyle/>
+            <a:p>
+              <a:pPr algn="ctr"/>
+              <a:endParaRPr lang="en-NL"/>
+            </a:p>
+          </p:txBody>
+        </p:sp>
+        <p:sp>
+          <p:nvSpPr>
+            <p:cNvPr id="11" name="Oval 10">
+              <a:extLst>
+                <a:ext uri="{FF2B5EF4-FFF2-40B4-BE49-F238E27FC236}">
+                  <a16:creationId xmlns:a16="http://schemas.microsoft.com/office/drawing/2014/main" id="{0E67C4F7-76EC-A04E-8A10-797FFFCB7E0A}"/>
+                </a:ext>
+              </a:extLst>
+            </p:cNvPr>
+            <p:cNvSpPr/>
+            <p:nvPr/>
+          </p:nvSpPr>
+          <p:spPr>
+            <a:xfrm>
+              <a:off x="3496992" y="3292523"/>
+              <a:ext cx="364210" cy="364147"/>
+            </a:xfrm>
+            <a:prstGeom prst="ellipse">
+              <a:avLst/>
+            </a:prstGeom>
+            <a:solidFill>
+              <a:schemeClr val="bg1"/>
+            </a:solidFill>
+            <a:ln>
+              <a:solidFill>
+                <a:schemeClr val="bg1"/>
+              </a:solidFill>
+            </a:ln>
+          </p:spPr>
+          <p:style>
+            <a:lnRef idx="2">
+              <a:schemeClr val="accent1">
+                <a:shade val="50000"/>
+              </a:schemeClr>
+            </a:lnRef>
+            <a:fillRef idx="1">
+              <a:schemeClr val="accent1"/>
+            </a:fillRef>
+            <a:effectRef idx="0">
+              <a:schemeClr val="accent1"/>
+            </a:effectRef>
+            <a:fontRef idx="minor">
+              <a:schemeClr val="lt1"/>
+            </a:fontRef>
+          </p:style>
+          <p:txBody>
+            <a:bodyPr rtlCol="0" anchor="ctr"/>
+            <a:lstStyle/>
+            <a:p>
+              <a:pPr algn="ctr"/>
+              <a:endParaRPr lang="en-NL"/>
+            </a:p>
+          </p:txBody>
+        </p:sp>
+        <p:sp>
+          <p:nvSpPr>
+            <p:cNvPr id="12" name="Oval 11">
+              <a:extLst>
+                <a:ext uri="{FF2B5EF4-FFF2-40B4-BE49-F238E27FC236}">
+                  <a16:creationId xmlns:a16="http://schemas.microsoft.com/office/drawing/2014/main" id="{30BF99AA-F8D9-AC4D-9A99-9E4974F1978C}"/>
+                </a:ext>
+              </a:extLst>
+            </p:cNvPr>
+            <p:cNvSpPr/>
+            <p:nvPr/>
+          </p:nvSpPr>
+          <p:spPr>
+            <a:xfrm>
+              <a:off x="3925321" y="3292522"/>
+              <a:ext cx="364210" cy="364147"/>
+            </a:xfrm>
+            <a:prstGeom prst="ellipse">
+              <a:avLst/>
+            </a:prstGeom>
+            <a:solidFill>
+              <a:schemeClr val="bg1"/>
+            </a:solidFill>
+            <a:ln>
+              <a:solidFill>
+                <a:schemeClr val="bg1"/>
+              </a:solidFill>
+            </a:ln>
+          </p:spPr>
+          <p:style>
+            <a:lnRef idx="2">
+              <a:schemeClr val="accent1">
+                <a:shade val="50000"/>
+              </a:schemeClr>
+            </a:lnRef>
+            <a:fillRef idx="1">
+              <a:schemeClr val="accent1"/>
+            </a:fillRef>
+            <a:effectRef idx="0">
+              <a:schemeClr val="accent1"/>
+            </a:effectRef>
+            <a:fontRef idx="minor">
+              <a:schemeClr val="lt1"/>
+            </a:fontRef>
+          </p:style>
+          <p:txBody>
+            <a:bodyPr rtlCol="0" anchor="ctr"/>
+            <a:lstStyle/>
+            <a:p>
+              <a:pPr algn="ctr"/>
+              <a:endParaRPr lang="en-NL"/>
+            </a:p>
+          </p:txBody>
+        </p:sp>
+      </p:grpSp>
+    </p:spTree>
+    <p:extLst>
+      <p:ext uri="{BB962C8B-B14F-4D97-AF65-F5344CB8AC3E}">
+        <p14:creationId xmlns:p14="http://schemas.microsoft.com/office/powerpoint/2010/main" val="2662571805"/>
+      </p:ext>
+    </p:extLst>
+  </p:cSld>
+  <p:clrMapOvr>
+    <a:masterClrMapping/>
+  </p:clrMapOvr>
+</p:sld>
+</file>
+
+<file path=ppt/slides/slide58.xml><?xml version="1.0" encoding="utf-8"?>
+<p:sld xmlns:a="http://schemas.openxmlformats.org/drawingml/2006/main" xmlns:r="http://schemas.openxmlformats.org/officeDocument/2006/relationships" xmlns:p="http://schemas.openxmlformats.org/presentationml/2006/main">
+  <p:cSld>
+    <p:spTree>
+      <p:nvGrpSpPr>
+        <p:cNvPr id="1" name=""/>
+        <p:cNvGrpSpPr/>
+        <p:nvPr/>
+      </p:nvGrpSpPr>
+      <p:grpSpPr>
+        <a:xfrm>
+          <a:off x="0" y="0"/>
+          <a:ext cx="0" cy="0"/>
+          <a:chOff x="0" y="0"/>
+          <a:chExt cx="0" cy="0"/>
+        </a:xfrm>
+      </p:grpSpPr>
+      <p:sp>
+        <p:nvSpPr>
+          <p:cNvPr id="2" name="Title 1">
+            <a:extLst>
+              <a:ext uri="{FF2B5EF4-FFF2-40B4-BE49-F238E27FC236}">
+                <a16:creationId xmlns:a16="http://schemas.microsoft.com/office/drawing/2014/main" id="{CFCDF3DA-1D3D-E743-8E21-6B353B4D96A4}"/>
+              </a:ext>
+            </a:extLst>
+          </p:cNvPr>
+          <p:cNvSpPr>
+            <a:spLocks noGrp="1"/>
+          </p:cNvSpPr>
+          <p:nvPr>
+            <p:ph type="title"/>
+          </p:nvPr>
+        </p:nvSpPr>
+        <p:spPr/>
+        <p:txBody>
+          <a:bodyPr/>
+          <a:lstStyle/>
+          <a:p>
+            <a:endParaRPr lang="en-NL"/>
+          </a:p>
+        </p:txBody>
+      </p:sp>
+      <p:sp>
+        <p:nvSpPr>
+          <p:cNvPr id="3" name="Content Placeholder 2">
+            <a:extLst>
+              <a:ext uri="{FF2B5EF4-FFF2-40B4-BE49-F238E27FC236}">
+                <a16:creationId xmlns:a16="http://schemas.microsoft.com/office/drawing/2014/main" id="{40A525DA-CA85-AD48-8A85-52A75E1E5317}"/>
+              </a:ext>
+            </a:extLst>
+          </p:cNvPr>
+          <p:cNvSpPr>
+            <a:spLocks noGrp="1"/>
+          </p:cNvSpPr>
+          <p:nvPr>
+            <p:ph idx="1"/>
+          </p:nvPr>
+        </p:nvSpPr>
+        <p:spPr/>
+        <p:txBody>
+          <a:bodyPr/>
+          <a:lstStyle/>
+          <a:p>
+            <a:endParaRPr lang="en-NL"/>
+          </a:p>
+        </p:txBody>
+      </p:sp>
+      <p:sp>
+        <p:nvSpPr>
+          <p:cNvPr id="4" name="Rounded Rectangle 3">
+            <a:extLst>
+              <a:ext uri="{FF2B5EF4-FFF2-40B4-BE49-F238E27FC236}">
+                <a16:creationId xmlns:a16="http://schemas.microsoft.com/office/drawing/2014/main" id="{6B890BB6-3544-1A4E-A833-93135A597BB4}"/>
+              </a:ext>
+            </a:extLst>
+          </p:cNvPr>
+          <p:cNvSpPr/>
+          <p:nvPr/>
+        </p:nvSpPr>
+        <p:spPr>
+          <a:xfrm>
+            <a:off x="0" y="0"/>
+            <a:ext cx="7559675" cy="5327650"/>
+          </a:xfrm>
+          <a:prstGeom prst="roundRect">
+            <a:avLst>
+              <a:gd name="adj" fmla="val 0"/>
+            </a:avLst>
+          </a:prstGeom>
+          <a:blipFill>
+            <a:blip r:embed="rId2"/>
+            <a:stretch>
+              <a:fillRect/>
+            </a:stretch>
+          </a:blipFill>
+          <a:ln>
+            <a:solidFill>
+              <a:schemeClr val="bg2"/>
+            </a:solidFill>
+          </a:ln>
+        </p:spPr>
+        <p:style>
+          <a:lnRef idx="2">
+            <a:schemeClr val="accent1">
+              <a:shade val="50000"/>
+            </a:schemeClr>
+          </a:lnRef>
+          <a:fillRef idx="1">
+            <a:schemeClr val="accent1"/>
+          </a:fillRef>
+          <a:effectRef idx="0">
+            <a:schemeClr val="accent1"/>
+          </a:effectRef>
+          <a:fontRef idx="minor">
+            <a:schemeClr val="lt1"/>
+          </a:fontRef>
+        </p:style>
+        <p:txBody>
+          <a:bodyPr rtlCol="0" anchor="ctr"/>
+          <a:lstStyle/>
+          <a:p>
+            <a:pPr algn="ctr"/>
+            <a:endParaRPr lang="en-NL"/>
+          </a:p>
+        </p:txBody>
+      </p:sp>
+      <p:pic>
+        <p:nvPicPr>
+          <p:cNvPr id="5" name="Picture 4" descr="A picture containing food, drawing&#10;&#10;Description automatically generated">
+            <a:extLst>
+              <a:ext uri="{FF2B5EF4-FFF2-40B4-BE49-F238E27FC236}">
+                <a16:creationId xmlns:a16="http://schemas.microsoft.com/office/drawing/2014/main" id="{27611709-3190-2A4B-BCE4-4D329000A8EB}"/>
+              </a:ext>
+            </a:extLst>
+          </p:cNvPr>
+          <p:cNvPicPr>
+            <a:picLocks noChangeAspect="1"/>
+          </p:cNvPicPr>
+          <p:nvPr/>
+        </p:nvPicPr>
+        <p:blipFill>
+          <a:blip r:embed="rId3"/>
+          <a:stretch>
+            <a:fillRect/>
+          </a:stretch>
+        </p:blipFill>
+        <p:spPr>
+          <a:xfrm>
+            <a:off x="350837" y="-765175"/>
+            <a:ext cx="6858000" cy="6858000"/>
+          </a:xfrm>
+          <a:prstGeom prst="rect">
+            <a:avLst/>
+          </a:prstGeom>
+        </p:spPr>
+      </p:pic>
+    </p:spTree>
+    <p:extLst>
+      <p:ext uri="{BB962C8B-B14F-4D97-AF65-F5344CB8AC3E}">
+        <p14:creationId xmlns:p14="http://schemas.microsoft.com/office/powerpoint/2010/main" val="3604512744"/>
+      </p:ext>
+    </p:extLst>
+  </p:cSld>
+  <p:clrMapOvr>
+    <a:masterClrMapping/>
+  </p:clrMapOvr>
+</p:sld>
+</file>
+
+<file path=ppt/slides/slide59.xml><?xml version="1.0" encoding="utf-8"?>
+<p:sld xmlns:a="http://schemas.openxmlformats.org/drawingml/2006/main" xmlns:r="http://schemas.openxmlformats.org/officeDocument/2006/relationships" xmlns:p="http://schemas.openxmlformats.org/presentationml/2006/main">
+  <p:cSld>
+    <p:spTree>
+      <p:nvGrpSpPr>
+        <p:cNvPr id="1" name=""/>
+        <p:cNvGrpSpPr/>
+        <p:nvPr/>
+      </p:nvGrpSpPr>
+      <p:grpSpPr>
+        <a:xfrm>
+          <a:off x="0" y="0"/>
+          <a:ext cx="0" cy="0"/>
+          <a:chOff x="0" y="0"/>
+          <a:chExt cx="0" cy="0"/>
+        </a:xfrm>
+      </p:grpSpPr>
+      <p:sp>
+        <p:nvSpPr>
+          <p:cNvPr id="5" name="Rounded Rectangle 4">
+            <a:extLst>
+              <a:ext uri="{FF2B5EF4-FFF2-40B4-BE49-F238E27FC236}">
+                <a16:creationId xmlns:a16="http://schemas.microsoft.com/office/drawing/2014/main" id="{39E56DD5-634B-6848-A248-9892ADFFC6AD}"/>
+              </a:ext>
+            </a:extLst>
+          </p:cNvPr>
+          <p:cNvSpPr/>
+          <p:nvPr/>
+        </p:nvSpPr>
+        <p:spPr>
+          <a:xfrm>
+            <a:off x="0" y="0"/>
+            <a:ext cx="7559675" cy="5327650"/>
+          </a:xfrm>
+          <a:prstGeom prst="roundRect">
+            <a:avLst>
+              <a:gd name="adj" fmla="val 0"/>
+            </a:avLst>
+          </a:prstGeom>
+          <a:solidFill>
+            <a:srgbClr val="7030A0"/>
+          </a:solidFill>
+          <a:ln>
+            <a:noFill/>
+          </a:ln>
+        </p:spPr>
+        <p:style>
+          <a:lnRef idx="2">
+            <a:schemeClr val="accent1">
+              <a:shade val="50000"/>
+            </a:schemeClr>
+          </a:lnRef>
+          <a:fillRef idx="1">
+            <a:schemeClr val="accent1"/>
+          </a:fillRef>
+          <a:effectRef idx="0">
+            <a:schemeClr val="accent1"/>
+          </a:effectRef>
+          <a:fontRef idx="minor">
+            <a:schemeClr val="lt1"/>
+          </a:fontRef>
+        </p:style>
+        <p:txBody>
+          <a:bodyPr rtlCol="0" anchor="ctr"/>
+          <a:lstStyle/>
+          <a:p>
+            <a:pPr algn="ctr"/>
+            <a:endParaRPr lang="en-NL"/>
+          </a:p>
+        </p:txBody>
+      </p:sp>
+      <p:grpSp>
+        <p:nvGrpSpPr>
+          <p:cNvPr id="2" name="Group 1">
+            <a:extLst>
+              <a:ext uri="{FF2B5EF4-FFF2-40B4-BE49-F238E27FC236}">
+                <a16:creationId xmlns:a16="http://schemas.microsoft.com/office/drawing/2014/main" id="{4935A64A-AA7A-714E-9A2E-26607AAA8002}"/>
+              </a:ext>
+            </a:extLst>
+          </p:cNvPr>
+          <p:cNvGrpSpPr/>
+          <p:nvPr/>
+        </p:nvGrpSpPr>
+        <p:grpSpPr>
+          <a:xfrm>
+            <a:off x="883471" y="1586629"/>
+            <a:ext cx="5792732" cy="2154391"/>
+            <a:chOff x="782731" y="1502280"/>
+            <a:chExt cx="5792732" cy="2154391"/>
+          </a:xfrm>
+        </p:grpSpPr>
+        <p:sp>
+          <p:nvSpPr>
+            <p:cNvPr id="4" name="TextBox 3">
+              <a:extLst>
+                <a:ext uri="{FF2B5EF4-FFF2-40B4-BE49-F238E27FC236}">
+                  <a16:creationId xmlns:a16="http://schemas.microsoft.com/office/drawing/2014/main" id="{AF29F9D5-B3D4-3946-BEBF-95420A2CE6E9}"/>
+                </a:ext>
+              </a:extLst>
+            </p:cNvPr>
+            <p:cNvSpPr txBox="1"/>
+            <p:nvPr/>
+          </p:nvSpPr>
+          <p:spPr>
+            <a:xfrm>
+              <a:off x="782731" y="1502280"/>
+              <a:ext cx="5792732" cy="1631216"/>
+            </a:xfrm>
+            <a:prstGeom prst="rect">
+              <a:avLst/>
+            </a:prstGeom>
+            <a:noFill/>
+          </p:spPr>
+          <p:txBody>
+            <a:bodyPr wrap="square" rtlCol="0">
+              <a:spAutoFit/>
+            </a:bodyPr>
+            <a:lstStyle/>
+            <a:p>
+              <a:pPr algn="ctr"/>
+              <a:r>
                 <a:rPr lang="en-NL" sz="5000" b="1" dirty="0">
                   <a:solidFill>
                     <a:schemeClr val="bg1"/>
@@ -19018,6 +19490,670 @@
     </p:spTree>
     <p:extLst>
       <p:ext uri="{BB962C8B-B14F-4D97-AF65-F5344CB8AC3E}">
+        <p14:creationId xmlns:p14="http://schemas.microsoft.com/office/powerpoint/2010/main" val="718060364"/>
+      </p:ext>
+    </p:extLst>
+  </p:cSld>
+  <p:clrMapOvr>
+    <a:masterClrMapping/>
+  </p:clrMapOvr>
+</p:sld>
+</file>
+
+<file path=ppt/slides/slide6.xml><?xml version="1.0" encoding="utf-8"?>
+<p:sld xmlns:a="http://schemas.openxmlformats.org/drawingml/2006/main" xmlns:r="http://schemas.openxmlformats.org/officeDocument/2006/relationships" xmlns:p="http://schemas.openxmlformats.org/presentationml/2006/main">
+  <p:cSld>
+    <p:spTree>
+      <p:nvGrpSpPr>
+        <p:cNvPr id="1" name=""/>
+        <p:cNvGrpSpPr/>
+        <p:nvPr/>
+      </p:nvGrpSpPr>
+      <p:grpSpPr>
+        <a:xfrm>
+          <a:off x="0" y="0"/>
+          <a:ext cx="0" cy="0"/>
+          <a:chOff x="0" y="0"/>
+          <a:chExt cx="0" cy="0"/>
+        </a:xfrm>
+      </p:grpSpPr>
+      <p:sp>
+        <p:nvSpPr>
+          <p:cNvPr id="2" name="Title 1">
+            <a:extLst>
+              <a:ext uri="{FF2B5EF4-FFF2-40B4-BE49-F238E27FC236}">
+                <a16:creationId xmlns:a16="http://schemas.microsoft.com/office/drawing/2014/main" id="{CFCDF3DA-1D3D-E743-8E21-6B353B4D96A4}"/>
+              </a:ext>
+            </a:extLst>
+          </p:cNvPr>
+          <p:cNvSpPr>
+            <a:spLocks noGrp="1"/>
+          </p:cNvSpPr>
+          <p:nvPr>
+            <p:ph type="title"/>
+          </p:nvPr>
+        </p:nvSpPr>
+        <p:spPr/>
+        <p:txBody>
+          <a:bodyPr/>
+          <a:lstStyle/>
+          <a:p>
+            <a:endParaRPr lang="en-NL"/>
+          </a:p>
+        </p:txBody>
+      </p:sp>
+      <p:sp>
+        <p:nvSpPr>
+          <p:cNvPr id="3" name="Content Placeholder 2">
+            <a:extLst>
+              <a:ext uri="{FF2B5EF4-FFF2-40B4-BE49-F238E27FC236}">
+                <a16:creationId xmlns:a16="http://schemas.microsoft.com/office/drawing/2014/main" id="{40A525DA-CA85-AD48-8A85-52A75E1E5317}"/>
+              </a:ext>
+            </a:extLst>
+          </p:cNvPr>
+          <p:cNvSpPr>
+            <a:spLocks noGrp="1"/>
+          </p:cNvSpPr>
+          <p:nvPr>
+            <p:ph idx="1"/>
+          </p:nvPr>
+        </p:nvSpPr>
+        <p:spPr/>
+        <p:txBody>
+          <a:bodyPr/>
+          <a:lstStyle/>
+          <a:p>
+            <a:endParaRPr lang="en-NL"/>
+          </a:p>
+        </p:txBody>
+      </p:sp>
+      <p:sp>
+        <p:nvSpPr>
+          <p:cNvPr id="4" name="Rounded Rectangle 3">
+            <a:extLst>
+              <a:ext uri="{FF2B5EF4-FFF2-40B4-BE49-F238E27FC236}">
+                <a16:creationId xmlns:a16="http://schemas.microsoft.com/office/drawing/2014/main" id="{6B890BB6-3544-1A4E-A833-93135A597BB4}"/>
+              </a:ext>
+            </a:extLst>
+          </p:cNvPr>
+          <p:cNvSpPr/>
+          <p:nvPr/>
+        </p:nvSpPr>
+        <p:spPr>
+          <a:xfrm>
+            <a:off x="0" y="0"/>
+            <a:ext cx="7559675" cy="5327650"/>
+          </a:xfrm>
+          <a:prstGeom prst="roundRect">
+            <a:avLst>
+              <a:gd name="adj" fmla="val 0"/>
+            </a:avLst>
+          </a:prstGeom>
+          <a:blipFill>
+            <a:blip r:embed="rId2"/>
+            <a:stretch>
+              <a:fillRect/>
+            </a:stretch>
+          </a:blipFill>
+          <a:ln>
+            <a:solidFill>
+              <a:schemeClr val="bg2"/>
+            </a:solidFill>
+          </a:ln>
+        </p:spPr>
+        <p:style>
+          <a:lnRef idx="2">
+            <a:schemeClr val="accent1">
+              <a:shade val="50000"/>
+            </a:schemeClr>
+          </a:lnRef>
+          <a:fillRef idx="1">
+            <a:schemeClr val="accent1"/>
+          </a:fillRef>
+          <a:effectRef idx="0">
+            <a:schemeClr val="accent1"/>
+          </a:effectRef>
+          <a:fontRef idx="minor">
+            <a:schemeClr val="lt1"/>
+          </a:fontRef>
+        </p:style>
+        <p:txBody>
+          <a:bodyPr rtlCol="0" anchor="ctr"/>
+          <a:lstStyle/>
+          <a:p>
+            <a:pPr algn="ctr"/>
+            <a:endParaRPr lang="en-NL"/>
+          </a:p>
+        </p:txBody>
+      </p:sp>
+      <p:pic>
+        <p:nvPicPr>
+          <p:cNvPr id="5" name="Picture 4" descr="A picture containing food, drawing&#10;&#10;Description automatically generated">
+            <a:extLst>
+              <a:ext uri="{FF2B5EF4-FFF2-40B4-BE49-F238E27FC236}">
+                <a16:creationId xmlns:a16="http://schemas.microsoft.com/office/drawing/2014/main" id="{27611709-3190-2A4B-BCE4-4D329000A8EB}"/>
+              </a:ext>
+            </a:extLst>
+          </p:cNvPr>
+          <p:cNvPicPr>
+            <a:picLocks noChangeAspect="1"/>
+          </p:cNvPicPr>
+          <p:nvPr/>
+        </p:nvPicPr>
+        <p:blipFill>
+          <a:blip r:embed="rId3"/>
+          <a:stretch>
+            <a:fillRect/>
+          </a:stretch>
+        </p:blipFill>
+        <p:spPr>
+          <a:xfrm>
+            <a:off x="350837" y="-765175"/>
+            <a:ext cx="6858000" cy="6858000"/>
+          </a:xfrm>
+          <a:prstGeom prst="rect">
+            <a:avLst/>
+          </a:prstGeom>
+        </p:spPr>
+      </p:pic>
+    </p:spTree>
+    <p:extLst>
+      <p:ext uri="{BB962C8B-B14F-4D97-AF65-F5344CB8AC3E}">
+        <p14:creationId xmlns:p14="http://schemas.microsoft.com/office/powerpoint/2010/main" val="1452892043"/>
+      </p:ext>
+    </p:extLst>
+  </p:cSld>
+  <p:clrMapOvr>
+    <a:masterClrMapping/>
+  </p:clrMapOvr>
+</p:sld>
+</file>
+
+<file path=ppt/slides/slide60.xml><?xml version="1.0" encoding="utf-8"?>
+<p:sld xmlns:a="http://schemas.openxmlformats.org/drawingml/2006/main" xmlns:r="http://schemas.openxmlformats.org/officeDocument/2006/relationships" xmlns:p="http://schemas.openxmlformats.org/presentationml/2006/main">
+  <p:cSld>
+    <p:spTree>
+      <p:nvGrpSpPr>
+        <p:cNvPr id="1" name=""/>
+        <p:cNvGrpSpPr/>
+        <p:nvPr/>
+      </p:nvGrpSpPr>
+      <p:grpSpPr>
+        <a:xfrm>
+          <a:off x="0" y="0"/>
+          <a:ext cx="0" cy="0"/>
+          <a:chOff x="0" y="0"/>
+          <a:chExt cx="0" cy="0"/>
+        </a:xfrm>
+      </p:grpSpPr>
+      <p:sp>
+        <p:nvSpPr>
+          <p:cNvPr id="2" name="Title 1">
+            <a:extLst>
+              <a:ext uri="{FF2B5EF4-FFF2-40B4-BE49-F238E27FC236}">
+                <a16:creationId xmlns:a16="http://schemas.microsoft.com/office/drawing/2014/main" id="{CFCDF3DA-1D3D-E743-8E21-6B353B4D96A4}"/>
+              </a:ext>
+            </a:extLst>
+          </p:cNvPr>
+          <p:cNvSpPr>
+            <a:spLocks noGrp="1"/>
+          </p:cNvSpPr>
+          <p:nvPr>
+            <p:ph type="title"/>
+          </p:nvPr>
+        </p:nvSpPr>
+        <p:spPr/>
+        <p:txBody>
+          <a:bodyPr/>
+          <a:lstStyle/>
+          <a:p>
+            <a:endParaRPr lang="en-NL"/>
+          </a:p>
+        </p:txBody>
+      </p:sp>
+      <p:sp>
+        <p:nvSpPr>
+          <p:cNvPr id="3" name="Content Placeholder 2">
+            <a:extLst>
+              <a:ext uri="{FF2B5EF4-FFF2-40B4-BE49-F238E27FC236}">
+                <a16:creationId xmlns:a16="http://schemas.microsoft.com/office/drawing/2014/main" id="{40A525DA-CA85-AD48-8A85-52A75E1E5317}"/>
+              </a:ext>
+            </a:extLst>
+          </p:cNvPr>
+          <p:cNvSpPr>
+            <a:spLocks noGrp="1"/>
+          </p:cNvSpPr>
+          <p:nvPr>
+            <p:ph idx="1"/>
+          </p:nvPr>
+        </p:nvSpPr>
+        <p:spPr/>
+        <p:txBody>
+          <a:bodyPr/>
+          <a:lstStyle/>
+          <a:p>
+            <a:endParaRPr lang="en-NL"/>
+          </a:p>
+        </p:txBody>
+      </p:sp>
+      <p:sp>
+        <p:nvSpPr>
+          <p:cNvPr id="4" name="Rounded Rectangle 3">
+            <a:extLst>
+              <a:ext uri="{FF2B5EF4-FFF2-40B4-BE49-F238E27FC236}">
+                <a16:creationId xmlns:a16="http://schemas.microsoft.com/office/drawing/2014/main" id="{6B890BB6-3544-1A4E-A833-93135A597BB4}"/>
+              </a:ext>
+            </a:extLst>
+          </p:cNvPr>
+          <p:cNvSpPr/>
+          <p:nvPr/>
+        </p:nvSpPr>
+        <p:spPr>
+          <a:xfrm>
+            <a:off x="0" y="0"/>
+            <a:ext cx="7559675" cy="5327650"/>
+          </a:xfrm>
+          <a:prstGeom prst="roundRect">
+            <a:avLst>
+              <a:gd name="adj" fmla="val 0"/>
+            </a:avLst>
+          </a:prstGeom>
+          <a:blipFill>
+            <a:blip r:embed="rId2"/>
+            <a:stretch>
+              <a:fillRect/>
+            </a:stretch>
+          </a:blipFill>
+          <a:ln>
+            <a:solidFill>
+              <a:schemeClr val="bg2"/>
+            </a:solidFill>
+          </a:ln>
+        </p:spPr>
+        <p:style>
+          <a:lnRef idx="2">
+            <a:schemeClr val="accent1">
+              <a:shade val="50000"/>
+            </a:schemeClr>
+          </a:lnRef>
+          <a:fillRef idx="1">
+            <a:schemeClr val="accent1"/>
+          </a:fillRef>
+          <a:effectRef idx="0">
+            <a:schemeClr val="accent1"/>
+          </a:effectRef>
+          <a:fontRef idx="minor">
+            <a:schemeClr val="lt1"/>
+          </a:fontRef>
+        </p:style>
+        <p:txBody>
+          <a:bodyPr rtlCol="0" anchor="ctr"/>
+          <a:lstStyle/>
+          <a:p>
+            <a:pPr algn="ctr"/>
+            <a:endParaRPr lang="en-NL"/>
+          </a:p>
+        </p:txBody>
+      </p:sp>
+      <p:pic>
+        <p:nvPicPr>
+          <p:cNvPr id="5" name="Picture 4" descr="A picture containing food, drawing&#10;&#10;Description automatically generated">
+            <a:extLst>
+              <a:ext uri="{FF2B5EF4-FFF2-40B4-BE49-F238E27FC236}">
+                <a16:creationId xmlns:a16="http://schemas.microsoft.com/office/drawing/2014/main" id="{27611709-3190-2A4B-BCE4-4D329000A8EB}"/>
+              </a:ext>
+            </a:extLst>
+          </p:cNvPr>
+          <p:cNvPicPr>
+            <a:picLocks noChangeAspect="1"/>
+          </p:cNvPicPr>
+          <p:nvPr/>
+        </p:nvPicPr>
+        <p:blipFill>
+          <a:blip r:embed="rId3"/>
+          <a:stretch>
+            <a:fillRect/>
+          </a:stretch>
+        </p:blipFill>
+        <p:spPr>
+          <a:xfrm>
+            <a:off x="350837" y="-765175"/>
+            <a:ext cx="6858000" cy="6858000"/>
+          </a:xfrm>
+          <a:prstGeom prst="rect">
+            <a:avLst/>
+          </a:prstGeom>
+        </p:spPr>
+      </p:pic>
+    </p:spTree>
+    <p:extLst>
+      <p:ext uri="{BB962C8B-B14F-4D97-AF65-F5344CB8AC3E}">
+        <p14:creationId xmlns:p14="http://schemas.microsoft.com/office/powerpoint/2010/main" val="924856274"/>
+      </p:ext>
+    </p:extLst>
+  </p:cSld>
+  <p:clrMapOvr>
+    <a:masterClrMapping/>
+  </p:clrMapOvr>
+</p:sld>
+</file>
+
+<file path=ppt/slides/slide61.xml><?xml version="1.0" encoding="utf-8"?>
+<p:sld xmlns:a="http://schemas.openxmlformats.org/drawingml/2006/main" xmlns:r="http://schemas.openxmlformats.org/officeDocument/2006/relationships" xmlns:p="http://schemas.openxmlformats.org/presentationml/2006/main">
+  <p:cSld>
+    <p:spTree>
+      <p:nvGrpSpPr>
+        <p:cNvPr id="1" name=""/>
+        <p:cNvGrpSpPr/>
+        <p:nvPr/>
+      </p:nvGrpSpPr>
+      <p:grpSpPr>
+        <a:xfrm>
+          <a:off x="0" y="0"/>
+          <a:ext cx="0" cy="0"/>
+          <a:chOff x="0" y="0"/>
+          <a:chExt cx="0" cy="0"/>
+        </a:xfrm>
+      </p:grpSpPr>
+      <p:sp>
+        <p:nvSpPr>
+          <p:cNvPr id="5" name="Rounded Rectangle 4">
+            <a:extLst>
+              <a:ext uri="{FF2B5EF4-FFF2-40B4-BE49-F238E27FC236}">
+                <a16:creationId xmlns:a16="http://schemas.microsoft.com/office/drawing/2014/main" id="{39E56DD5-634B-6848-A248-9892ADFFC6AD}"/>
+              </a:ext>
+            </a:extLst>
+          </p:cNvPr>
+          <p:cNvSpPr/>
+          <p:nvPr/>
+        </p:nvSpPr>
+        <p:spPr>
+          <a:xfrm>
+            <a:off x="0" y="0"/>
+            <a:ext cx="7559675" cy="5327650"/>
+          </a:xfrm>
+          <a:prstGeom prst="roundRect">
+            <a:avLst>
+              <a:gd name="adj" fmla="val 0"/>
+            </a:avLst>
+          </a:prstGeom>
+          <a:solidFill>
+            <a:srgbClr val="7030A0"/>
+          </a:solidFill>
+          <a:ln>
+            <a:noFill/>
+          </a:ln>
+        </p:spPr>
+        <p:style>
+          <a:lnRef idx="2">
+            <a:schemeClr val="accent1">
+              <a:shade val="50000"/>
+            </a:schemeClr>
+          </a:lnRef>
+          <a:fillRef idx="1">
+            <a:schemeClr val="accent1"/>
+          </a:fillRef>
+          <a:effectRef idx="0">
+            <a:schemeClr val="accent1"/>
+          </a:effectRef>
+          <a:fontRef idx="minor">
+            <a:schemeClr val="lt1"/>
+          </a:fontRef>
+        </p:style>
+        <p:txBody>
+          <a:bodyPr rtlCol="0" anchor="ctr"/>
+          <a:lstStyle/>
+          <a:p>
+            <a:pPr algn="ctr"/>
+            <a:endParaRPr lang="en-NL"/>
+          </a:p>
+        </p:txBody>
+      </p:sp>
+      <p:grpSp>
+        <p:nvGrpSpPr>
+          <p:cNvPr id="2" name="Group 1">
+            <a:extLst>
+              <a:ext uri="{FF2B5EF4-FFF2-40B4-BE49-F238E27FC236}">
+                <a16:creationId xmlns:a16="http://schemas.microsoft.com/office/drawing/2014/main" id="{4935A64A-AA7A-714E-9A2E-26607AAA8002}"/>
+              </a:ext>
+            </a:extLst>
+          </p:cNvPr>
+          <p:cNvGrpSpPr/>
+          <p:nvPr/>
+        </p:nvGrpSpPr>
+        <p:grpSpPr>
+          <a:xfrm>
+            <a:off x="883471" y="1586629"/>
+            <a:ext cx="5792732" cy="2154391"/>
+            <a:chOff x="782731" y="1502280"/>
+            <a:chExt cx="5792732" cy="2154391"/>
+          </a:xfrm>
+        </p:grpSpPr>
+        <p:sp>
+          <p:nvSpPr>
+            <p:cNvPr id="4" name="TextBox 3">
+              <a:extLst>
+                <a:ext uri="{FF2B5EF4-FFF2-40B4-BE49-F238E27FC236}">
+                  <a16:creationId xmlns:a16="http://schemas.microsoft.com/office/drawing/2014/main" id="{AF29F9D5-B3D4-3946-BEBF-95420A2CE6E9}"/>
+                </a:ext>
+              </a:extLst>
+            </p:cNvPr>
+            <p:cNvSpPr txBox="1"/>
+            <p:nvPr/>
+          </p:nvSpPr>
+          <p:spPr>
+            <a:xfrm>
+              <a:off x="782731" y="1502280"/>
+              <a:ext cx="5792732" cy="1631216"/>
+            </a:xfrm>
+            <a:prstGeom prst="rect">
+              <a:avLst/>
+            </a:prstGeom>
+            <a:noFill/>
+          </p:spPr>
+          <p:txBody>
+            <a:bodyPr wrap="square" rtlCol="0">
+              <a:spAutoFit/>
+            </a:bodyPr>
+            <a:lstStyle/>
+            <a:p>
+              <a:pPr algn="ctr"/>
+              <a:r>
+                <a:rPr lang="en-GB" sz="5000" b="1">
+                  <a:solidFill>
+                    <a:schemeClr val="bg1"/>
+                  </a:solidFill>
+                  <a:latin typeface="Ubuntu" panose="020B0504030602030204" pitchFamily="34" charset="0"/>
+                </a:rPr>
+                <a:t>Time to </a:t>
+              </a:r>
+            </a:p>
+            <a:p>
+              <a:pPr algn="ctr"/>
+              <a:r>
+                <a:rPr lang="en-GB" sz="5000" b="1">
+                  <a:solidFill>
+                    <a:schemeClr val="bg1"/>
+                  </a:solidFill>
+                  <a:latin typeface="Ubuntu" panose="020B0504030602030204" pitchFamily="34" charset="0"/>
+                </a:rPr>
+                <a:t>Restore Service</a:t>
+              </a:r>
+              <a:endParaRPr lang="en-NL" sz="5000" b="1" dirty="0">
+                <a:solidFill>
+                  <a:schemeClr val="bg1"/>
+                </a:solidFill>
+                <a:latin typeface="Ubuntu" panose="020B0504030602030204" pitchFamily="34" charset="0"/>
+              </a:endParaRPr>
+            </a:p>
+          </p:txBody>
+        </p:sp>
+        <p:sp>
+          <p:nvSpPr>
+            <p:cNvPr id="10" name="Oval 9">
+              <a:extLst>
+                <a:ext uri="{FF2B5EF4-FFF2-40B4-BE49-F238E27FC236}">
+                  <a16:creationId xmlns:a16="http://schemas.microsoft.com/office/drawing/2014/main" id="{4A3FB51E-232C-6746-A6BB-CCD934EE62FA}"/>
+                </a:ext>
+              </a:extLst>
+            </p:cNvPr>
+            <p:cNvSpPr/>
+            <p:nvPr/>
+          </p:nvSpPr>
+          <p:spPr>
+            <a:xfrm>
+              <a:off x="3068663" y="3292524"/>
+              <a:ext cx="364210" cy="364147"/>
+            </a:xfrm>
+            <a:prstGeom prst="ellipse">
+              <a:avLst/>
+            </a:prstGeom>
+            <a:solidFill>
+              <a:schemeClr val="bg1"/>
+            </a:solidFill>
+            <a:ln>
+              <a:solidFill>
+                <a:schemeClr val="bg1"/>
+              </a:solidFill>
+            </a:ln>
+          </p:spPr>
+          <p:style>
+            <a:lnRef idx="2">
+              <a:schemeClr val="accent1">
+                <a:shade val="50000"/>
+              </a:schemeClr>
+            </a:lnRef>
+            <a:fillRef idx="1">
+              <a:schemeClr val="accent1"/>
+            </a:fillRef>
+            <a:effectRef idx="0">
+              <a:schemeClr val="accent1"/>
+            </a:effectRef>
+            <a:fontRef idx="minor">
+              <a:schemeClr val="lt1"/>
+            </a:fontRef>
+          </p:style>
+          <p:txBody>
+            <a:bodyPr rtlCol="0" anchor="ctr"/>
+            <a:lstStyle/>
+            <a:p>
+              <a:pPr algn="ctr"/>
+              <a:endParaRPr lang="en-NL"/>
+            </a:p>
+          </p:txBody>
+        </p:sp>
+        <p:sp>
+          <p:nvSpPr>
+            <p:cNvPr id="11" name="Oval 10">
+              <a:extLst>
+                <a:ext uri="{FF2B5EF4-FFF2-40B4-BE49-F238E27FC236}">
+                  <a16:creationId xmlns:a16="http://schemas.microsoft.com/office/drawing/2014/main" id="{0E67C4F7-76EC-A04E-8A10-797FFFCB7E0A}"/>
+                </a:ext>
+              </a:extLst>
+            </p:cNvPr>
+            <p:cNvSpPr/>
+            <p:nvPr/>
+          </p:nvSpPr>
+          <p:spPr>
+            <a:xfrm>
+              <a:off x="3496992" y="3292523"/>
+              <a:ext cx="364210" cy="364147"/>
+            </a:xfrm>
+            <a:prstGeom prst="ellipse">
+              <a:avLst/>
+            </a:prstGeom>
+            <a:solidFill>
+              <a:schemeClr val="bg1"/>
+            </a:solidFill>
+            <a:ln>
+              <a:solidFill>
+                <a:schemeClr val="bg1"/>
+              </a:solidFill>
+            </a:ln>
+          </p:spPr>
+          <p:style>
+            <a:lnRef idx="2">
+              <a:schemeClr val="accent1">
+                <a:shade val="50000"/>
+              </a:schemeClr>
+            </a:lnRef>
+            <a:fillRef idx="1">
+              <a:schemeClr val="accent1"/>
+            </a:fillRef>
+            <a:effectRef idx="0">
+              <a:schemeClr val="accent1"/>
+            </a:effectRef>
+            <a:fontRef idx="minor">
+              <a:schemeClr val="lt1"/>
+            </a:fontRef>
+          </p:style>
+          <p:txBody>
+            <a:bodyPr rtlCol="0" anchor="ctr"/>
+            <a:lstStyle/>
+            <a:p>
+              <a:pPr algn="ctr"/>
+              <a:endParaRPr lang="en-NL"/>
+            </a:p>
+          </p:txBody>
+        </p:sp>
+        <p:sp>
+          <p:nvSpPr>
+            <p:cNvPr id="12" name="Oval 11">
+              <a:extLst>
+                <a:ext uri="{FF2B5EF4-FFF2-40B4-BE49-F238E27FC236}">
+                  <a16:creationId xmlns:a16="http://schemas.microsoft.com/office/drawing/2014/main" id="{30BF99AA-F8D9-AC4D-9A99-9E4974F1978C}"/>
+                </a:ext>
+              </a:extLst>
+            </p:cNvPr>
+            <p:cNvSpPr/>
+            <p:nvPr/>
+          </p:nvSpPr>
+          <p:spPr>
+            <a:xfrm>
+              <a:off x="3925321" y="3292522"/>
+              <a:ext cx="364210" cy="364147"/>
+            </a:xfrm>
+            <a:prstGeom prst="ellipse">
+              <a:avLst/>
+            </a:prstGeom>
+            <a:solidFill>
+              <a:schemeClr val="bg1"/>
+            </a:solidFill>
+            <a:ln>
+              <a:solidFill>
+                <a:schemeClr val="bg1"/>
+              </a:solidFill>
+            </a:ln>
+          </p:spPr>
+          <p:style>
+            <a:lnRef idx="2">
+              <a:schemeClr val="accent1">
+                <a:shade val="50000"/>
+              </a:schemeClr>
+            </a:lnRef>
+            <a:fillRef idx="1">
+              <a:schemeClr val="accent1"/>
+            </a:fillRef>
+            <a:effectRef idx="0">
+              <a:schemeClr val="accent1"/>
+            </a:effectRef>
+            <a:fontRef idx="minor">
+              <a:schemeClr val="lt1"/>
+            </a:fontRef>
+          </p:style>
+          <p:txBody>
+            <a:bodyPr rtlCol="0" anchor="ctr"/>
+            <a:lstStyle/>
+            <a:p>
+              <a:pPr algn="ctr"/>
+              <a:endParaRPr lang="en-NL"/>
+            </a:p>
+          </p:txBody>
+        </p:sp>
+      </p:grpSp>
+    </p:spTree>
+    <p:extLst>
+      <p:ext uri="{BB962C8B-B14F-4D97-AF65-F5344CB8AC3E}">
         <p14:creationId xmlns:p14="http://schemas.microsoft.com/office/powerpoint/2010/main" val="2039621771"/>
       </p:ext>
     </p:extLst>
@@ -19028,7 +20164,7 @@
 </p:sld>
 </file>
 
-<file path=ppt/slides/slide58.xml><?xml version="1.0" encoding="utf-8"?>
+<file path=ppt/slides/slide62.xml><?xml version="1.0" encoding="utf-8"?>
 <p:sld xmlns:a="http://schemas.openxmlformats.org/drawingml/2006/main" xmlns:r="http://schemas.openxmlformats.org/officeDocument/2006/relationships" xmlns:p="http://schemas.openxmlformats.org/presentationml/2006/main">
   <p:cSld>
     <p:spTree>
@@ -19197,7 +20333,7 @@
 </p:sld>
 </file>
 
-<file path=ppt/slides/slide59.xml><?xml version="1.0" encoding="utf-8"?>
+<file path=ppt/slides/slide63.xml><?xml version="1.0" encoding="utf-8"?>
 <p:sld xmlns:a="http://schemas.openxmlformats.org/drawingml/2006/main" xmlns:r="http://schemas.openxmlformats.org/officeDocument/2006/relationships" xmlns:p="http://schemas.openxmlformats.org/presentationml/2006/main">
   <p:cSld>
     <p:spTree>
@@ -19505,176 +20641,7 @@
 </p:sld>
 </file>
 
-<file path=ppt/slides/slide6.xml><?xml version="1.0" encoding="utf-8"?>
-<p:sld xmlns:a="http://schemas.openxmlformats.org/drawingml/2006/main" xmlns:r="http://schemas.openxmlformats.org/officeDocument/2006/relationships" xmlns:p="http://schemas.openxmlformats.org/presentationml/2006/main">
-  <p:cSld>
-    <p:spTree>
-      <p:nvGrpSpPr>
-        <p:cNvPr id="1" name=""/>
-        <p:cNvGrpSpPr/>
-        <p:nvPr/>
-      </p:nvGrpSpPr>
-      <p:grpSpPr>
-        <a:xfrm>
-          <a:off x="0" y="0"/>
-          <a:ext cx="0" cy="0"/>
-          <a:chOff x="0" y="0"/>
-          <a:chExt cx="0" cy="0"/>
-        </a:xfrm>
-      </p:grpSpPr>
-      <p:sp>
-        <p:nvSpPr>
-          <p:cNvPr id="2" name="Title 1">
-            <a:extLst>
-              <a:ext uri="{FF2B5EF4-FFF2-40B4-BE49-F238E27FC236}">
-                <a16:creationId xmlns:a16="http://schemas.microsoft.com/office/drawing/2014/main" id="{CFCDF3DA-1D3D-E743-8E21-6B353B4D96A4}"/>
-              </a:ext>
-            </a:extLst>
-          </p:cNvPr>
-          <p:cNvSpPr>
-            <a:spLocks noGrp="1"/>
-          </p:cNvSpPr>
-          <p:nvPr>
-            <p:ph type="title"/>
-          </p:nvPr>
-        </p:nvSpPr>
-        <p:spPr/>
-        <p:txBody>
-          <a:bodyPr/>
-          <a:lstStyle/>
-          <a:p>
-            <a:endParaRPr lang="en-NL"/>
-          </a:p>
-        </p:txBody>
-      </p:sp>
-      <p:sp>
-        <p:nvSpPr>
-          <p:cNvPr id="3" name="Content Placeholder 2">
-            <a:extLst>
-              <a:ext uri="{FF2B5EF4-FFF2-40B4-BE49-F238E27FC236}">
-                <a16:creationId xmlns:a16="http://schemas.microsoft.com/office/drawing/2014/main" id="{40A525DA-CA85-AD48-8A85-52A75E1E5317}"/>
-              </a:ext>
-            </a:extLst>
-          </p:cNvPr>
-          <p:cNvSpPr>
-            <a:spLocks noGrp="1"/>
-          </p:cNvSpPr>
-          <p:nvPr>
-            <p:ph idx="1"/>
-          </p:nvPr>
-        </p:nvSpPr>
-        <p:spPr/>
-        <p:txBody>
-          <a:bodyPr/>
-          <a:lstStyle/>
-          <a:p>
-            <a:endParaRPr lang="en-NL"/>
-          </a:p>
-        </p:txBody>
-      </p:sp>
-      <p:sp>
-        <p:nvSpPr>
-          <p:cNvPr id="4" name="Rounded Rectangle 3">
-            <a:extLst>
-              <a:ext uri="{FF2B5EF4-FFF2-40B4-BE49-F238E27FC236}">
-                <a16:creationId xmlns:a16="http://schemas.microsoft.com/office/drawing/2014/main" id="{6B890BB6-3544-1A4E-A833-93135A597BB4}"/>
-              </a:ext>
-            </a:extLst>
-          </p:cNvPr>
-          <p:cNvSpPr/>
-          <p:nvPr/>
-        </p:nvSpPr>
-        <p:spPr>
-          <a:xfrm>
-            <a:off x="0" y="0"/>
-            <a:ext cx="7559675" cy="5327650"/>
-          </a:xfrm>
-          <a:prstGeom prst="roundRect">
-            <a:avLst>
-              <a:gd name="adj" fmla="val 0"/>
-            </a:avLst>
-          </a:prstGeom>
-          <a:blipFill>
-            <a:blip r:embed="rId2"/>
-            <a:stretch>
-              <a:fillRect/>
-            </a:stretch>
-          </a:blipFill>
-          <a:ln>
-            <a:solidFill>
-              <a:schemeClr val="bg2"/>
-            </a:solidFill>
-          </a:ln>
-        </p:spPr>
-        <p:style>
-          <a:lnRef idx="2">
-            <a:schemeClr val="accent1">
-              <a:shade val="50000"/>
-            </a:schemeClr>
-          </a:lnRef>
-          <a:fillRef idx="1">
-            <a:schemeClr val="accent1"/>
-          </a:fillRef>
-          <a:effectRef idx="0">
-            <a:schemeClr val="accent1"/>
-          </a:effectRef>
-          <a:fontRef idx="minor">
-            <a:schemeClr val="lt1"/>
-          </a:fontRef>
-        </p:style>
-        <p:txBody>
-          <a:bodyPr rtlCol="0" anchor="ctr"/>
-          <a:lstStyle/>
-          <a:p>
-            <a:pPr algn="ctr"/>
-            <a:endParaRPr lang="en-NL"/>
-          </a:p>
-        </p:txBody>
-      </p:sp>
-      <p:pic>
-        <p:nvPicPr>
-          <p:cNvPr id="5" name="Picture 4" descr="A picture containing food, drawing&#10;&#10;Description automatically generated">
-            <a:extLst>
-              <a:ext uri="{FF2B5EF4-FFF2-40B4-BE49-F238E27FC236}">
-                <a16:creationId xmlns:a16="http://schemas.microsoft.com/office/drawing/2014/main" id="{27611709-3190-2A4B-BCE4-4D329000A8EB}"/>
-              </a:ext>
-            </a:extLst>
-          </p:cNvPr>
-          <p:cNvPicPr>
-            <a:picLocks noChangeAspect="1"/>
-          </p:cNvPicPr>
-          <p:nvPr/>
-        </p:nvPicPr>
-        <p:blipFill>
-          <a:blip r:embed="rId3"/>
-          <a:stretch>
-            <a:fillRect/>
-          </a:stretch>
-        </p:blipFill>
-        <p:spPr>
-          <a:xfrm>
-            <a:off x="350837" y="-765175"/>
-            <a:ext cx="6858000" cy="6858000"/>
-          </a:xfrm>
-          <a:prstGeom prst="rect">
-            <a:avLst/>
-          </a:prstGeom>
-        </p:spPr>
-      </p:pic>
-    </p:spTree>
-    <p:extLst>
-      <p:ext uri="{BB962C8B-B14F-4D97-AF65-F5344CB8AC3E}">
-        <p14:creationId xmlns:p14="http://schemas.microsoft.com/office/powerpoint/2010/main" val="1452892043"/>
-      </p:ext>
-    </p:extLst>
-  </p:cSld>
-  <p:clrMapOvr>
-    <a:masterClrMapping/>
-  </p:clrMapOvr>
-</p:sld>
-</file>
-
-<file path=ppt/slides/slide60.xml><?xml version="1.0" encoding="utf-8"?>
+<file path=ppt/slides/slide64.xml><?xml version="1.0" encoding="utf-8"?>
 <p:sld xmlns:a="http://schemas.openxmlformats.org/drawingml/2006/main" xmlns:r="http://schemas.openxmlformats.org/officeDocument/2006/relationships" xmlns:p="http://schemas.openxmlformats.org/presentationml/2006/main">
   <p:cSld>
     <p:spTree>
@@ -19843,7 +20810,7 @@
 </p:sld>
 </file>
 
-<file path=ppt/slides/slide61.xml><?xml version="1.0" encoding="utf-8"?>
+<file path=ppt/slides/slide65.xml><?xml version="1.0" encoding="utf-8"?>
 <p:sld xmlns:a="http://schemas.openxmlformats.org/drawingml/2006/main" xmlns:r="http://schemas.openxmlformats.org/officeDocument/2006/relationships" xmlns:p="http://schemas.openxmlformats.org/presentationml/2006/main">
   <p:cSld>
     <p:spTree>
@@ -20151,7 +21118,7 @@
 </p:sld>
 </file>
 
-<file path=ppt/slides/slide62.xml><?xml version="1.0" encoding="utf-8"?>
+<file path=ppt/slides/slide66.xml><?xml version="1.0" encoding="utf-8"?>
 <p:sld xmlns:a="http://schemas.openxmlformats.org/drawingml/2006/main" xmlns:r="http://schemas.openxmlformats.org/officeDocument/2006/relationships" xmlns:p="http://schemas.openxmlformats.org/presentationml/2006/main">
   <p:cSld>
     <p:spTree>
@@ -20320,7 +21287,7 @@
 </p:sld>
 </file>
 
-<file path=ppt/slides/slide63.xml><?xml version="1.0" encoding="utf-8"?>
+<file path=ppt/slides/slide67.xml><?xml version="1.0" encoding="utf-8"?>
 <p:sld xmlns:a="http://schemas.openxmlformats.org/drawingml/2006/main" xmlns:r="http://schemas.openxmlformats.org/officeDocument/2006/relationships" xmlns:p="http://schemas.openxmlformats.org/presentationml/2006/main">
   <p:cSld>
     <p:spTree>
@@ -20640,7 +21607,7 @@
 </p:sld>
 </file>
 
-<file path=ppt/slides/slide64.xml><?xml version="1.0" encoding="utf-8"?>
+<file path=ppt/slides/slide68.xml><?xml version="1.0" encoding="utf-8"?>
 <p:sld xmlns:a="http://schemas.openxmlformats.org/drawingml/2006/main" xmlns:r="http://schemas.openxmlformats.org/officeDocument/2006/relationships" xmlns:p="http://schemas.openxmlformats.org/presentationml/2006/main">
   <p:cSld>
     <p:spTree>
@@ -20809,7 +21776,7 @@
 </p:sld>
 </file>
 
-<file path=ppt/slides/slide65.xml><?xml version="1.0" encoding="utf-8"?>
+<file path=ppt/slides/slide69.xml><?xml version="1.0" encoding="utf-8"?>
 <p:sld xmlns:a="http://schemas.openxmlformats.org/drawingml/2006/main" xmlns:r="http://schemas.openxmlformats.org/officeDocument/2006/relationships" xmlns:p="http://schemas.openxmlformats.org/presentationml/2006/main">
   <p:cSld>
     <p:spTree>
@@ -21117,588 +22084,6 @@
 </p:sld>
 </file>
 
-<file path=ppt/slides/slide66.xml><?xml version="1.0" encoding="utf-8"?>
-<p:sld xmlns:a="http://schemas.openxmlformats.org/drawingml/2006/main" xmlns:r="http://schemas.openxmlformats.org/officeDocument/2006/relationships" xmlns:p="http://schemas.openxmlformats.org/presentationml/2006/main">
-  <p:cSld>
-    <p:spTree>
-      <p:nvGrpSpPr>
-        <p:cNvPr id="1" name=""/>
-        <p:cNvGrpSpPr/>
-        <p:nvPr/>
-      </p:nvGrpSpPr>
-      <p:grpSpPr>
-        <a:xfrm>
-          <a:off x="0" y="0"/>
-          <a:ext cx="0" cy="0"/>
-          <a:chOff x="0" y="0"/>
-          <a:chExt cx="0" cy="0"/>
-        </a:xfrm>
-      </p:grpSpPr>
-      <p:sp>
-        <p:nvSpPr>
-          <p:cNvPr id="2" name="Title 1">
-            <a:extLst>
-              <a:ext uri="{FF2B5EF4-FFF2-40B4-BE49-F238E27FC236}">
-                <a16:creationId xmlns:a16="http://schemas.microsoft.com/office/drawing/2014/main" id="{CFCDF3DA-1D3D-E743-8E21-6B353B4D96A4}"/>
-              </a:ext>
-            </a:extLst>
-          </p:cNvPr>
-          <p:cNvSpPr>
-            <a:spLocks noGrp="1"/>
-          </p:cNvSpPr>
-          <p:nvPr>
-            <p:ph type="title"/>
-          </p:nvPr>
-        </p:nvSpPr>
-        <p:spPr/>
-        <p:txBody>
-          <a:bodyPr/>
-          <a:lstStyle/>
-          <a:p>
-            <a:endParaRPr lang="en-NL"/>
-          </a:p>
-        </p:txBody>
-      </p:sp>
-      <p:sp>
-        <p:nvSpPr>
-          <p:cNvPr id="3" name="Content Placeholder 2">
-            <a:extLst>
-              <a:ext uri="{FF2B5EF4-FFF2-40B4-BE49-F238E27FC236}">
-                <a16:creationId xmlns:a16="http://schemas.microsoft.com/office/drawing/2014/main" id="{40A525DA-CA85-AD48-8A85-52A75E1E5317}"/>
-              </a:ext>
-            </a:extLst>
-          </p:cNvPr>
-          <p:cNvSpPr>
-            <a:spLocks noGrp="1"/>
-          </p:cNvSpPr>
-          <p:nvPr>
-            <p:ph idx="1"/>
-          </p:nvPr>
-        </p:nvSpPr>
-        <p:spPr/>
-        <p:txBody>
-          <a:bodyPr/>
-          <a:lstStyle/>
-          <a:p>
-            <a:endParaRPr lang="en-NL"/>
-          </a:p>
-        </p:txBody>
-      </p:sp>
-      <p:sp>
-        <p:nvSpPr>
-          <p:cNvPr id="4" name="Rounded Rectangle 3">
-            <a:extLst>
-              <a:ext uri="{FF2B5EF4-FFF2-40B4-BE49-F238E27FC236}">
-                <a16:creationId xmlns:a16="http://schemas.microsoft.com/office/drawing/2014/main" id="{6B890BB6-3544-1A4E-A833-93135A597BB4}"/>
-              </a:ext>
-            </a:extLst>
-          </p:cNvPr>
-          <p:cNvSpPr/>
-          <p:nvPr/>
-        </p:nvSpPr>
-        <p:spPr>
-          <a:xfrm>
-            <a:off x="0" y="0"/>
-            <a:ext cx="7559675" cy="5327650"/>
-          </a:xfrm>
-          <a:prstGeom prst="roundRect">
-            <a:avLst>
-              <a:gd name="adj" fmla="val 0"/>
-            </a:avLst>
-          </a:prstGeom>
-          <a:blipFill>
-            <a:blip r:embed="rId2"/>
-            <a:stretch>
-              <a:fillRect/>
-            </a:stretch>
-          </a:blipFill>
-          <a:ln>
-            <a:solidFill>
-              <a:schemeClr val="bg2"/>
-            </a:solidFill>
-          </a:ln>
-        </p:spPr>
-        <p:style>
-          <a:lnRef idx="2">
-            <a:schemeClr val="accent1">
-              <a:shade val="50000"/>
-            </a:schemeClr>
-          </a:lnRef>
-          <a:fillRef idx="1">
-            <a:schemeClr val="accent1"/>
-          </a:fillRef>
-          <a:effectRef idx="0">
-            <a:schemeClr val="accent1"/>
-          </a:effectRef>
-          <a:fontRef idx="minor">
-            <a:schemeClr val="lt1"/>
-          </a:fontRef>
-        </p:style>
-        <p:txBody>
-          <a:bodyPr rtlCol="0" anchor="ctr"/>
-          <a:lstStyle/>
-          <a:p>
-            <a:pPr algn="ctr"/>
-            <a:endParaRPr lang="en-NL"/>
-          </a:p>
-        </p:txBody>
-      </p:sp>
-      <p:pic>
-        <p:nvPicPr>
-          <p:cNvPr id="5" name="Picture 4" descr="A picture containing food, drawing&#10;&#10;Description automatically generated">
-            <a:extLst>
-              <a:ext uri="{FF2B5EF4-FFF2-40B4-BE49-F238E27FC236}">
-                <a16:creationId xmlns:a16="http://schemas.microsoft.com/office/drawing/2014/main" id="{27611709-3190-2A4B-BCE4-4D329000A8EB}"/>
-              </a:ext>
-            </a:extLst>
-          </p:cNvPr>
-          <p:cNvPicPr>
-            <a:picLocks noChangeAspect="1"/>
-          </p:cNvPicPr>
-          <p:nvPr/>
-        </p:nvPicPr>
-        <p:blipFill>
-          <a:blip r:embed="rId3"/>
-          <a:stretch>
-            <a:fillRect/>
-          </a:stretch>
-        </p:blipFill>
-        <p:spPr>
-          <a:xfrm>
-            <a:off x="350837" y="-765175"/>
-            <a:ext cx="6858000" cy="6858000"/>
-          </a:xfrm>
-          <a:prstGeom prst="rect">
-            <a:avLst/>
-          </a:prstGeom>
-        </p:spPr>
-      </p:pic>
-    </p:spTree>
-    <p:extLst>
-      <p:ext uri="{BB962C8B-B14F-4D97-AF65-F5344CB8AC3E}">
-        <p14:creationId xmlns:p14="http://schemas.microsoft.com/office/powerpoint/2010/main" val="141956057"/>
-      </p:ext>
-    </p:extLst>
-  </p:cSld>
-  <p:clrMapOvr>
-    <a:masterClrMapping/>
-  </p:clrMapOvr>
-</p:sld>
-</file>
-
-<file path=ppt/slides/slide67.xml><?xml version="1.0" encoding="utf-8"?>
-<p:sld xmlns:a="http://schemas.openxmlformats.org/drawingml/2006/main" xmlns:r="http://schemas.openxmlformats.org/officeDocument/2006/relationships" xmlns:p="http://schemas.openxmlformats.org/presentationml/2006/main">
-  <p:cSld>
-    <p:spTree>
-      <p:nvGrpSpPr>
-        <p:cNvPr id="1" name=""/>
-        <p:cNvGrpSpPr/>
-        <p:nvPr/>
-      </p:nvGrpSpPr>
-      <p:grpSpPr>
-        <a:xfrm>
-          <a:off x="0" y="0"/>
-          <a:ext cx="0" cy="0"/>
-          <a:chOff x="0" y="0"/>
-          <a:chExt cx="0" cy="0"/>
-        </a:xfrm>
-      </p:grpSpPr>
-      <p:sp>
-        <p:nvSpPr>
-          <p:cNvPr id="7" name="Rounded Rectangle 6">
-            <a:extLst>
-              <a:ext uri="{FF2B5EF4-FFF2-40B4-BE49-F238E27FC236}">
-                <a16:creationId xmlns:a16="http://schemas.microsoft.com/office/drawing/2014/main" id="{B3DC599D-AD1B-104D-B158-5C2A6823AC16}"/>
-              </a:ext>
-            </a:extLst>
-          </p:cNvPr>
-          <p:cNvSpPr/>
-          <p:nvPr/>
-        </p:nvSpPr>
-        <p:spPr>
-          <a:xfrm>
-            <a:off x="0" y="0"/>
-            <a:ext cx="7559675" cy="5327650"/>
-          </a:xfrm>
-          <a:prstGeom prst="roundRect">
-            <a:avLst>
-              <a:gd name="adj" fmla="val 0"/>
-            </a:avLst>
-          </a:prstGeom>
-          <a:solidFill>
-            <a:srgbClr val="FFC2E8"/>
-          </a:solidFill>
-          <a:ln>
-            <a:noFill/>
-          </a:ln>
-        </p:spPr>
-        <p:style>
-          <a:lnRef idx="2">
-            <a:schemeClr val="accent1">
-              <a:shade val="50000"/>
-            </a:schemeClr>
-          </a:lnRef>
-          <a:fillRef idx="1">
-            <a:schemeClr val="accent1"/>
-          </a:fillRef>
-          <a:effectRef idx="0">
-            <a:schemeClr val="accent1"/>
-          </a:effectRef>
-          <a:fontRef idx="minor">
-            <a:schemeClr val="lt1"/>
-          </a:fontRef>
-        </p:style>
-        <p:txBody>
-          <a:bodyPr rtlCol="0" anchor="ctr"/>
-          <a:lstStyle/>
-          <a:p>
-            <a:pPr algn="ctr"/>
-            <a:endParaRPr lang="en-NL"/>
-          </a:p>
-        </p:txBody>
-      </p:sp>
-      <p:sp>
-        <p:nvSpPr>
-          <p:cNvPr id="6" name="TextBox 5">
-            <a:extLst>
-              <a:ext uri="{FF2B5EF4-FFF2-40B4-BE49-F238E27FC236}">
-                <a16:creationId xmlns:a16="http://schemas.microsoft.com/office/drawing/2014/main" id="{009EAD6C-D563-D744-AFCA-AE8CA95E6630}"/>
-              </a:ext>
-            </a:extLst>
-          </p:cNvPr>
-          <p:cNvSpPr txBox="1"/>
-          <p:nvPr/>
-        </p:nvSpPr>
-        <p:spPr>
-          <a:xfrm>
-            <a:off x="329715" y="1463496"/>
-            <a:ext cx="6900243" cy="2400657"/>
-          </a:xfrm>
-          <a:prstGeom prst="rect">
-            <a:avLst/>
-          </a:prstGeom>
-          <a:noFill/>
-        </p:spPr>
-        <p:txBody>
-          <a:bodyPr wrap="square" rtlCol="0">
-            <a:spAutoFit/>
-          </a:bodyPr>
-          <a:lstStyle/>
-          <a:p>
-            <a:pPr algn="ctr"/>
-            <a:r>
-              <a:rPr lang="en-NL" sz="5000" b="1" dirty="0">
-                <a:latin typeface="Ubuntu" panose="020B0504030602030204" pitchFamily="34" charset="0"/>
-              </a:rPr>
-              <a:t>Don’t measure Output. Measure Outcomes</a:t>
-            </a:r>
-          </a:p>
-        </p:txBody>
-      </p:sp>
-    </p:spTree>
-    <p:extLst>
-      <p:ext uri="{BB962C8B-B14F-4D97-AF65-F5344CB8AC3E}">
-        <p14:creationId xmlns:p14="http://schemas.microsoft.com/office/powerpoint/2010/main" val="3384980287"/>
-      </p:ext>
-    </p:extLst>
-  </p:cSld>
-  <p:clrMapOvr>
-    <a:masterClrMapping/>
-  </p:clrMapOvr>
-</p:sld>
-</file>
-
-<file path=ppt/slides/slide68.xml><?xml version="1.0" encoding="utf-8"?>
-<p:sld xmlns:a="http://schemas.openxmlformats.org/drawingml/2006/main" xmlns:r="http://schemas.openxmlformats.org/officeDocument/2006/relationships" xmlns:p="http://schemas.openxmlformats.org/presentationml/2006/main">
-  <p:cSld>
-    <p:spTree>
-      <p:nvGrpSpPr>
-        <p:cNvPr id="1" name=""/>
-        <p:cNvGrpSpPr/>
-        <p:nvPr/>
-      </p:nvGrpSpPr>
-      <p:grpSpPr>
-        <a:xfrm>
-          <a:off x="0" y="0"/>
-          <a:ext cx="0" cy="0"/>
-          <a:chOff x="0" y="0"/>
-          <a:chExt cx="0" cy="0"/>
-        </a:xfrm>
-      </p:grpSpPr>
-      <p:sp>
-        <p:nvSpPr>
-          <p:cNvPr id="2" name="Title 1">
-            <a:extLst>
-              <a:ext uri="{FF2B5EF4-FFF2-40B4-BE49-F238E27FC236}">
-                <a16:creationId xmlns:a16="http://schemas.microsoft.com/office/drawing/2014/main" id="{CFCDF3DA-1D3D-E743-8E21-6B353B4D96A4}"/>
-              </a:ext>
-            </a:extLst>
-          </p:cNvPr>
-          <p:cNvSpPr>
-            <a:spLocks noGrp="1"/>
-          </p:cNvSpPr>
-          <p:nvPr>
-            <p:ph type="title"/>
-          </p:nvPr>
-        </p:nvSpPr>
-        <p:spPr/>
-        <p:txBody>
-          <a:bodyPr/>
-          <a:lstStyle/>
-          <a:p>
-            <a:endParaRPr lang="en-NL"/>
-          </a:p>
-        </p:txBody>
-      </p:sp>
-      <p:sp>
-        <p:nvSpPr>
-          <p:cNvPr id="3" name="Content Placeholder 2">
-            <a:extLst>
-              <a:ext uri="{FF2B5EF4-FFF2-40B4-BE49-F238E27FC236}">
-                <a16:creationId xmlns:a16="http://schemas.microsoft.com/office/drawing/2014/main" id="{40A525DA-CA85-AD48-8A85-52A75E1E5317}"/>
-              </a:ext>
-            </a:extLst>
-          </p:cNvPr>
-          <p:cNvSpPr>
-            <a:spLocks noGrp="1"/>
-          </p:cNvSpPr>
-          <p:nvPr>
-            <p:ph idx="1"/>
-          </p:nvPr>
-        </p:nvSpPr>
-        <p:spPr/>
-        <p:txBody>
-          <a:bodyPr/>
-          <a:lstStyle/>
-          <a:p>
-            <a:endParaRPr lang="en-NL"/>
-          </a:p>
-        </p:txBody>
-      </p:sp>
-      <p:sp>
-        <p:nvSpPr>
-          <p:cNvPr id="4" name="Rounded Rectangle 3">
-            <a:extLst>
-              <a:ext uri="{FF2B5EF4-FFF2-40B4-BE49-F238E27FC236}">
-                <a16:creationId xmlns:a16="http://schemas.microsoft.com/office/drawing/2014/main" id="{6B890BB6-3544-1A4E-A833-93135A597BB4}"/>
-              </a:ext>
-            </a:extLst>
-          </p:cNvPr>
-          <p:cNvSpPr/>
-          <p:nvPr/>
-        </p:nvSpPr>
-        <p:spPr>
-          <a:xfrm>
-            <a:off x="0" y="0"/>
-            <a:ext cx="7559675" cy="5327650"/>
-          </a:xfrm>
-          <a:prstGeom prst="roundRect">
-            <a:avLst>
-              <a:gd name="adj" fmla="val 0"/>
-            </a:avLst>
-          </a:prstGeom>
-          <a:blipFill>
-            <a:blip r:embed="rId2"/>
-            <a:stretch>
-              <a:fillRect/>
-            </a:stretch>
-          </a:blipFill>
-          <a:ln>
-            <a:solidFill>
-              <a:schemeClr val="bg2"/>
-            </a:solidFill>
-          </a:ln>
-        </p:spPr>
-        <p:style>
-          <a:lnRef idx="2">
-            <a:schemeClr val="accent1">
-              <a:shade val="50000"/>
-            </a:schemeClr>
-          </a:lnRef>
-          <a:fillRef idx="1">
-            <a:schemeClr val="accent1"/>
-          </a:fillRef>
-          <a:effectRef idx="0">
-            <a:schemeClr val="accent1"/>
-          </a:effectRef>
-          <a:fontRef idx="minor">
-            <a:schemeClr val="lt1"/>
-          </a:fontRef>
-        </p:style>
-        <p:txBody>
-          <a:bodyPr rtlCol="0" anchor="ctr"/>
-          <a:lstStyle/>
-          <a:p>
-            <a:pPr algn="ctr"/>
-            <a:endParaRPr lang="en-NL"/>
-          </a:p>
-        </p:txBody>
-      </p:sp>
-      <p:pic>
-        <p:nvPicPr>
-          <p:cNvPr id="5" name="Picture 4" descr="A picture containing food, drawing&#10;&#10;Description automatically generated">
-            <a:extLst>
-              <a:ext uri="{FF2B5EF4-FFF2-40B4-BE49-F238E27FC236}">
-                <a16:creationId xmlns:a16="http://schemas.microsoft.com/office/drawing/2014/main" id="{27611709-3190-2A4B-BCE4-4D329000A8EB}"/>
-              </a:ext>
-            </a:extLst>
-          </p:cNvPr>
-          <p:cNvPicPr>
-            <a:picLocks noChangeAspect="1"/>
-          </p:cNvPicPr>
-          <p:nvPr/>
-        </p:nvPicPr>
-        <p:blipFill>
-          <a:blip r:embed="rId3"/>
-          <a:stretch>
-            <a:fillRect/>
-          </a:stretch>
-        </p:blipFill>
-        <p:spPr>
-          <a:xfrm>
-            <a:off x="350837" y="-765175"/>
-            <a:ext cx="6858000" cy="6858000"/>
-          </a:xfrm>
-          <a:prstGeom prst="rect">
-            <a:avLst/>
-          </a:prstGeom>
-        </p:spPr>
-      </p:pic>
-    </p:spTree>
-    <p:extLst>
-      <p:ext uri="{BB962C8B-B14F-4D97-AF65-F5344CB8AC3E}">
-        <p14:creationId xmlns:p14="http://schemas.microsoft.com/office/powerpoint/2010/main" val="609235282"/>
-      </p:ext>
-    </p:extLst>
-  </p:cSld>
-  <p:clrMapOvr>
-    <a:masterClrMapping/>
-  </p:clrMapOvr>
-</p:sld>
-</file>
-
-<file path=ppt/slides/slide69.xml><?xml version="1.0" encoding="utf-8"?>
-<p:sld xmlns:a="http://schemas.openxmlformats.org/drawingml/2006/main" xmlns:r="http://schemas.openxmlformats.org/officeDocument/2006/relationships" xmlns:p="http://schemas.openxmlformats.org/presentationml/2006/main">
-  <p:cSld>
-    <p:spTree>
-      <p:nvGrpSpPr>
-        <p:cNvPr id="1" name=""/>
-        <p:cNvGrpSpPr/>
-        <p:nvPr/>
-      </p:nvGrpSpPr>
-      <p:grpSpPr>
-        <a:xfrm>
-          <a:off x="0" y="0"/>
-          <a:ext cx="0" cy="0"/>
-          <a:chOff x="0" y="0"/>
-          <a:chExt cx="0" cy="0"/>
-        </a:xfrm>
-      </p:grpSpPr>
-      <p:sp>
-        <p:nvSpPr>
-          <p:cNvPr id="7" name="Rounded Rectangle 6">
-            <a:extLst>
-              <a:ext uri="{FF2B5EF4-FFF2-40B4-BE49-F238E27FC236}">
-                <a16:creationId xmlns:a16="http://schemas.microsoft.com/office/drawing/2014/main" id="{B3DC599D-AD1B-104D-B158-5C2A6823AC16}"/>
-              </a:ext>
-            </a:extLst>
-          </p:cNvPr>
-          <p:cNvSpPr/>
-          <p:nvPr/>
-        </p:nvSpPr>
-        <p:spPr>
-          <a:xfrm>
-            <a:off x="0" y="0"/>
-            <a:ext cx="7559675" cy="5327650"/>
-          </a:xfrm>
-          <a:prstGeom prst="roundRect">
-            <a:avLst>
-              <a:gd name="adj" fmla="val 0"/>
-            </a:avLst>
-          </a:prstGeom>
-          <a:solidFill>
-            <a:srgbClr val="FFC2E8"/>
-          </a:solidFill>
-          <a:ln>
-            <a:noFill/>
-          </a:ln>
-        </p:spPr>
-        <p:style>
-          <a:lnRef idx="2">
-            <a:schemeClr val="accent1">
-              <a:shade val="50000"/>
-            </a:schemeClr>
-          </a:lnRef>
-          <a:fillRef idx="1">
-            <a:schemeClr val="accent1"/>
-          </a:fillRef>
-          <a:effectRef idx="0">
-            <a:schemeClr val="accent1"/>
-          </a:effectRef>
-          <a:fontRef idx="minor">
-            <a:schemeClr val="lt1"/>
-          </a:fontRef>
-        </p:style>
-        <p:txBody>
-          <a:bodyPr rtlCol="0" anchor="ctr"/>
-          <a:lstStyle/>
-          <a:p>
-            <a:pPr algn="ctr"/>
-            <a:endParaRPr lang="en-NL"/>
-          </a:p>
-        </p:txBody>
-      </p:sp>
-      <p:sp>
-        <p:nvSpPr>
-          <p:cNvPr id="6" name="TextBox 5">
-            <a:extLst>
-              <a:ext uri="{FF2B5EF4-FFF2-40B4-BE49-F238E27FC236}">
-                <a16:creationId xmlns:a16="http://schemas.microsoft.com/office/drawing/2014/main" id="{009EAD6C-D563-D744-AFCA-AE8CA95E6630}"/>
-              </a:ext>
-            </a:extLst>
-          </p:cNvPr>
-          <p:cNvSpPr txBox="1"/>
-          <p:nvPr/>
-        </p:nvSpPr>
-        <p:spPr>
-          <a:xfrm>
-            <a:off x="329715" y="1463496"/>
-            <a:ext cx="6900243" cy="2400657"/>
-          </a:xfrm>
-          <a:prstGeom prst="rect">
-            <a:avLst/>
-          </a:prstGeom>
-          <a:noFill/>
-        </p:spPr>
-        <p:txBody>
-          <a:bodyPr wrap="square" rtlCol="0">
-            <a:spAutoFit/>
-          </a:bodyPr>
-          <a:lstStyle/>
-          <a:p>
-            <a:pPr algn="ctr"/>
-            <a:r>
-              <a:rPr lang="en-NL" sz="5000" b="1">
-                <a:latin typeface="Ubuntu" panose="020B0504030602030204" pitchFamily="34" charset="0"/>
-              </a:rPr>
-              <a:t>It’s not about the Metrics, but about the Conversation</a:t>
-            </a:r>
-          </a:p>
-        </p:txBody>
-      </p:sp>
-    </p:spTree>
-    <p:extLst>
-      <p:ext uri="{BB962C8B-B14F-4D97-AF65-F5344CB8AC3E}">
-        <p14:creationId xmlns:p14="http://schemas.microsoft.com/office/powerpoint/2010/main" val="3864524999"/>
-      </p:ext>
-    </p:extLst>
-  </p:cSld>
-  <p:clrMapOvr>
-    <a:masterClrMapping/>
-  </p:clrMapOvr>
-</p:sld>
-</file>
-
 <file path=ppt/slides/slide7.xml><?xml version="1.0" encoding="utf-8"?>
 <p:sld xmlns:a="http://schemas.openxmlformats.org/drawingml/2006/main" xmlns:r="http://schemas.openxmlformats.org/officeDocument/2006/relationships" xmlns:p="http://schemas.openxmlformats.org/presentationml/2006/main">
   <p:cSld>
@@ -22897,7 +23282,7 @@
     </p:spTree>
     <p:extLst>
       <p:ext uri="{BB962C8B-B14F-4D97-AF65-F5344CB8AC3E}">
-        <p14:creationId xmlns:p14="http://schemas.microsoft.com/office/powerpoint/2010/main" val="2834202860"/>
+        <p14:creationId xmlns:p14="http://schemas.microsoft.com/office/powerpoint/2010/main" val="141956057"/>
       </p:ext>
     </p:extLst>
   </p:cSld>
@@ -22992,6 +23377,588 @@
         </p:nvSpPr>
         <p:spPr>
           <a:xfrm>
+            <a:off x="329715" y="1463496"/>
+            <a:ext cx="6900243" cy="2400657"/>
+          </a:xfrm>
+          <a:prstGeom prst="rect">
+            <a:avLst/>
+          </a:prstGeom>
+          <a:noFill/>
+        </p:spPr>
+        <p:txBody>
+          <a:bodyPr wrap="square" rtlCol="0">
+            <a:spAutoFit/>
+          </a:bodyPr>
+          <a:lstStyle/>
+          <a:p>
+            <a:pPr algn="ctr"/>
+            <a:r>
+              <a:rPr lang="en-NL" sz="5000" b="1" dirty="0">
+                <a:latin typeface="Ubuntu" panose="020B0504030602030204" pitchFamily="34" charset="0"/>
+              </a:rPr>
+              <a:t>Don’t measure Output. Measure Outcomes</a:t>
+            </a:r>
+          </a:p>
+        </p:txBody>
+      </p:sp>
+    </p:spTree>
+    <p:extLst>
+      <p:ext uri="{BB962C8B-B14F-4D97-AF65-F5344CB8AC3E}">
+        <p14:creationId xmlns:p14="http://schemas.microsoft.com/office/powerpoint/2010/main" val="3384980287"/>
+      </p:ext>
+    </p:extLst>
+  </p:cSld>
+  <p:clrMapOvr>
+    <a:masterClrMapping/>
+  </p:clrMapOvr>
+</p:sld>
+</file>
+
+<file path=ppt/slides/slide72.xml><?xml version="1.0" encoding="utf-8"?>
+<p:sld xmlns:a="http://schemas.openxmlformats.org/drawingml/2006/main" xmlns:r="http://schemas.openxmlformats.org/officeDocument/2006/relationships" xmlns:p="http://schemas.openxmlformats.org/presentationml/2006/main">
+  <p:cSld>
+    <p:spTree>
+      <p:nvGrpSpPr>
+        <p:cNvPr id="1" name=""/>
+        <p:cNvGrpSpPr/>
+        <p:nvPr/>
+      </p:nvGrpSpPr>
+      <p:grpSpPr>
+        <a:xfrm>
+          <a:off x="0" y="0"/>
+          <a:ext cx="0" cy="0"/>
+          <a:chOff x="0" y="0"/>
+          <a:chExt cx="0" cy="0"/>
+        </a:xfrm>
+      </p:grpSpPr>
+      <p:sp>
+        <p:nvSpPr>
+          <p:cNvPr id="2" name="Title 1">
+            <a:extLst>
+              <a:ext uri="{FF2B5EF4-FFF2-40B4-BE49-F238E27FC236}">
+                <a16:creationId xmlns:a16="http://schemas.microsoft.com/office/drawing/2014/main" id="{CFCDF3DA-1D3D-E743-8E21-6B353B4D96A4}"/>
+              </a:ext>
+            </a:extLst>
+          </p:cNvPr>
+          <p:cNvSpPr>
+            <a:spLocks noGrp="1"/>
+          </p:cNvSpPr>
+          <p:nvPr>
+            <p:ph type="title"/>
+          </p:nvPr>
+        </p:nvSpPr>
+        <p:spPr/>
+        <p:txBody>
+          <a:bodyPr/>
+          <a:lstStyle/>
+          <a:p>
+            <a:endParaRPr lang="en-NL"/>
+          </a:p>
+        </p:txBody>
+      </p:sp>
+      <p:sp>
+        <p:nvSpPr>
+          <p:cNvPr id="3" name="Content Placeholder 2">
+            <a:extLst>
+              <a:ext uri="{FF2B5EF4-FFF2-40B4-BE49-F238E27FC236}">
+                <a16:creationId xmlns:a16="http://schemas.microsoft.com/office/drawing/2014/main" id="{40A525DA-CA85-AD48-8A85-52A75E1E5317}"/>
+              </a:ext>
+            </a:extLst>
+          </p:cNvPr>
+          <p:cNvSpPr>
+            <a:spLocks noGrp="1"/>
+          </p:cNvSpPr>
+          <p:nvPr>
+            <p:ph idx="1"/>
+          </p:nvPr>
+        </p:nvSpPr>
+        <p:spPr/>
+        <p:txBody>
+          <a:bodyPr/>
+          <a:lstStyle/>
+          <a:p>
+            <a:endParaRPr lang="en-NL"/>
+          </a:p>
+        </p:txBody>
+      </p:sp>
+      <p:sp>
+        <p:nvSpPr>
+          <p:cNvPr id="4" name="Rounded Rectangle 3">
+            <a:extLst>
+              <a:ext uri="{FF2B5EF4-FFF2-40B4-BE49-F238E27FC236}">
+                <a16:creationId xmlns:a16="http://schemas.microsoft.com/office/drawing/2014/main" id="{6B890BB6-3544-1A4E-A833-93135A597BB4}"/>
+              </a:ext>
+            </a:extLst>
+          </p:cNvPr>
+          <p:cNvSpPr/>
+          <p:nvPr/>
+        </p:nvSpPr>
+        <p:spPr>
+          <a:xfrm>
+            <a:off x="0" y="0"/>
+            <a:ext cx="7559675" cy="5327650"/>
+          </a:xfrm>
+          <a:prstGeom prst="roundRect">
+            <a:avLst>
+              <a:gd name="adj" fmla="val 0"/>
+            </a:avLst>
+          </a:prstGeom>
+          <a:blipFill>
+            <a:blip r:embed="rId2"/>
+            <a:stretch>
+              <a:fillRect/>
+            </a:stretch>
+          </a:blipFill>
+          <a:ln>
+            <a:solidFill>
+              <a:schemeClr val="bg2"/>
+            </a:solidFill>
+          </a:ln>
+        </p:spPr>
+        <p:style>
+          <a:lnRef idx="2">
+            <a:schemeClr val="accent1">
+              <a:shade val="50000"/>
+            </a:schemeClr>
+          </a:lnRef>
+          <a:fillRef idx="1">
+            <a:schemeClr val="accent1"/>
+          </a:fillRef>
+          <a:effectRef idx="0">
+            <a:schemeClr val="accent1"/>
+          </a:effectRef>
+          <a:fontRef idx="minor">
+            <a:schemeClr val="lt1"/>
+          </a:fontRef>
+        </p:style>
+        <p:txBody>
+          <a:bodyPr rtlCol="0" anchor="ctr"/>
+          <a:lstStyle/>
+          <a:p>
+            <a:pPr algn="ctr"/>
+            <a:endParaRPr lang="en-NL"/>
+          </a:p>
+        </p:txBody>
+      </p:sp>
+      <p:pic>
+        <p:nvPicPr>
+          <p:cNvPr id="5" name="Picture 4" descr="A picture containing food, drawing&#10;&#10;Description automatically generated">
+            <a:extLst>
+              <a:ext uri="{FF2B5EF4-FFF2-40B4-BE49-F238E27FC236}">
+                <a16:creationId xmlns:a16="http://schemas.microsoft.com/office/drawing/2014/main" id="{27611709-3190-2A4B-BCE4-4D329000A8EB}"/>
+              </a:ext>
+            </a:extLst>
+          </p:cNvPr>
+          <p:cNvPicPr>
+            <a:picLocks noChangeAspect="1"/>
+          </p:cNvPicPr>
+          <p:nvPr/>
+        </p:nvPicPr>
+        <p:blipFill>
+          <a:blip r:embed="rId3"/>
+          <a:stretch>
+            <a:fillRect/>
+          </a:stretch>
+        </p:blipFill>
+        <p:spPr>
+          <a:xfrm>
+            <a:off x="350837" y="-765175"/>
+            <a:ext cx="6858000" cy="6858000"/>
+          </a:xfrm>
+          <a:prstGeom prst="rect">
+            <a:avLst/>
+          </a:prstGeom>
+        </p:spPr>
+      </p:pic>
+    </p:spTree>
+    <p:extLst>
+      <p:ext uri="{BB962C8B-B14F-4D97-AF65-F5344CB8AC3E}">
+        <p14:creationId xmlns:p14="http://schemas.microsoft.com/office/powerpoint/2010/main" val="609235282"/>
+      </p:ext>
+    </p:extLst>
+  </p:cSld>
+  <p:clrMapOvr>
+    <a:masterClrMapping/>
+  </p:clrMapOvr>
+</p:sld>
+</file>
+
+<file path=ppt/slides/slide73.xml><?xml version="1.0" encoding="utf-8"?>
+<p:sld xmlns:a="http://schemas.openxmlformats.org/drawingml/2006/main" xmlns:r="http://schemas.openxmlformats.org/officeDocument/2006/relationships" xmlns:p="http://schemas.openxmlformats.org/presentationml/2006/main">
+  <p:cSld>
+    <p:spTree>
+      <p:nvGrpSpPr>
+        <p:cNvPr id="1" name=""/>
+        <p:cNvGrpSpPr/>
+        <p:nvPr/>
+      </p:nvGrpSpPr>
+      <p:grpSpPr>
+        <a:xfrm>
+          <a:off x="0" y="0"/>
+          <a:ext cx="0" cy="0"/>
+          <a:chOff x="0" y="0"/>
+          <a:chExt cx="0" cy="0"/>
+        </a:xfrm>
+      </p:grpSpPr>
+      <p:sp>
+        <p:nvSpPr>
+          <p:cNvPr id="7" name="Rounded Rectangle 6">
+            <a:extLst>
+              <a:ext uri="{FF2B5EF4-FFF2-40B4-BE49-F238E27FC236}">
+                <a16:creationId xmlns:a16="http://schemas.microsoft.com/office/drawing/2014/main" id="{B3DC599D-AD1B-104D-B158-5C2A6823AC16}"/>
+              </a:ext>
+            </a:extLst>
+          </p:cNvPr>
+          <p:cNvSpPr/>
+          <p:nvPr/>
+        </p:nvSpPr>
+        <p:spPr>
+          <a:xfrm>
+            <a:off x="0" y="0"/>
+            <a:ext cx="7559675" cy="5327650"/>
+          </a:xfrm>
+          <a:prstGeom prst="roundRect">
+            <a:avLst>
+              <a:gd name="adj" fmla="val 0"/>
+            </a:avLst>
+          </a:prstGeom>
+          <a:solidFill>
+            <a:srgbClr val="FFC2E8"/>
+          </a:solidFill>
+          <a:ln>
+            <a:noFill/>
+          </a:ln>
+        </p:spPr>
+        <p:style>
+          <a:lnRef idx="2">
+            <a:schemeClr val="accent1">
+              <a:shade val="50000"/>
+            </a:schemeClr>
+          </a:lnRef>
+          <a:fillRef idx="1">
+            <a:schemeClr val="accent1"/>
+          </a:fillRef>
+          <a:effectRef idx="0">
+            <a:schemeClr val="accent1"/>
+          </a:effectRef>
+          <a:fontRef idx="minor">
+            <a:schemeClr val="lt1"/>
+          </a:fontRef>
+        </p:style>
+        <p:txBody>
+          <a:bodyPr rtlCol="0" anchor="ctr"/>
+          <a:lstStyle/>
+          <a:p>
+            <a:pPr algn="ctr"/>
+            <a:endParaRPr lang="en-NL"/>
+          </a:p>
+        </p:txBody>
+      </p:sp>
+      <p:sp>
+        <p:nvSpPr>
+          <p:cNvPr id="6" name="TextBox 5">
+            <a:extLst>
+              <a:ext uri="{FF2B5EF4-FFF2-40B4-BE49-F238E27FC236}">
+                <a16:creationId xmlns:a16="http://schemas.microsoft.com/office/drawing/2014/main" id="{009EAD6C-D563-D744-AFCA-AE8CA95E6630}"/>
+              </a:ext>
+            </a:extLst>
+          </p:cNvPr>
+          <p:cNvSpPr txBox="1"/>
+          <p:nvPr/>
+        </p:nvSpPr>
+        <p:spPr>
+          <a:xfrm>
+            <a:off x="329715" y="1463496"/>
+            <a:ext cx="6900243" cy="2400657"/>
+          </a:xfrm>
+          <a:prstGeom prst="rect">
+            <a:avLst/>
+          </a:prstGeom>
+          <a:noFill/>
+        </p:spPr>
+        <p:txBody>
+          <a:bodyPr wrap="square" rtlCol="0">
+            <a:spAutoFit/>
+          </a:bodyPr>
+          <a:lstStyle/>
+          <a:p>
+            <a:pPr algn="ctr"/>
+            <a:r>
+              <a:rPr lang="en-NL" sz="5000" b="1">
+                <a:latin typeface="Ubuntu" panose="020B0504030602030204" pitchFamily="34" charset="0"/>
+              </a:rPr>
+              <a:t>It’s not about the Metrics, but about the Conversation</a:t>
+            </a:r>
+          </a:p>
+        </p:txBody>
+      </p:sp>
+    </p:spTree>
+    <p:extLst>
+      <p:ext uri="{BB962C8B-B14F-4D97-AF65-F5344CB8AC3E}">
+        <p14:creationId xmlns:p14="http://schemas.microsoft.com/office/powerpoint/2010/main" val="3864524999"/>
+      </p:ext>
+    </p:extLst>
+  </p:cSld>
+  <p:clrMapOvr>
+    <a:masterClrMapping/>
+  </p:clrMapOvr>
+</p:sld>
+</file>
+
+<file path=ppt/slides/slide74.xml><?xml version="1.0" encoding="utf-8"?>
+<p:sld xmlns:a="http://schemas.openxmlformats.org/drawingml/2006/main" xmlns:r="http://schemas.openxmlformats.org/officeDocument/2006/relationships" xmlns:p="http://schemas.openxmlformats.org/presentationml/2006/main">
+  <p:cSld>
+    <p:spTree>
+      <p:nvGrpSpPr>
+        <p:cNvPr id="1" name=""/>
+        <p:cNvGrpSpPr/>
+        <p:nvPr/>
+      </p:nvGrpSpPr>
+      <p:grpSpPr>
+        <a:xfrm>
+          <a:off x="0" y="0"/>
+          <a:ext cx="0" cy="0"/>
+          <a:chOff x="0" y="0"/>
+          <a:chExt cx="0" cy="0"/>
+        </a:xfrm>
+      </p:grpSpPr>
+      <p:sp>
+        <p:nvSpPr>
+          <p:cNvPr id="2" name="Title 1">
+            <a:extLst>
+              <a:ext uri="{FF2B5EF4-FFF2-40B4-BE49-F238E27FC236}">
+                <a16:creationId xmlns:a16="http://schemas.microsoft.com/office/drawing/2014/main" id="{CFCDF3DA-1D3D-E743-8E21-6B353B4D96A4}"/>
+              </a:ext>
+            </a:extLst>
+          </p:cNvPr>
+          <p:cNvSpPr>
+            <a:spLocks noGrp="1"/>
+          </p:cNvSpPr>
+          <p:nvPr>
+            <p:ph type="title"/>
+          </p:nvPr>
+        </p:nvSpPr>
+        <p:spPr/>
+        <p:txBody>
+          <a:bodyPr/>
+          <a:lstStyle/>
+          <a:p>
+            <a:endParaRPr lang="en-NL"/>
+          </a:p>
+        </p:txBody>
+      </p:sp>
+      <p:sp>
+        <p:nvSpPr>
+          <p:cNvPr id="3" name="Content Placeholder 2">
+            <a:extLst>
+              <a:ext uri="{FF2B5EF4-FFF2-40B4-BE49-F238E27FC236}">
+                <a16:creationId xmlns:a16="http://schemas.microsoft.com/office/drawing/2014/main" id="{40A525DA-CA85-AD48-8A85-52A75E1E5317}"/>
+              </a:ext>
+            </a:extLst>
+          </p:cNvPr>
+          <p:cNvSpPr>
+            <a:spLocks noGrp="1"/>
+          </p:cNvSpPr>
+          <p:nvPr>
+            <p:ph idx="1"/>
+          </p:nvPr>
+        </p:nvSpPr>
+        <p:spPr/>
+        <p:txBody>
+          <a:bodyPr/>
+          <a:lstStyle/>
+          <a:p>
+            <a:endParaRPr lang="en-NL"/>
+          </a:p>
+        </p:txBody>
+      </p:sp>
+      <p:sp>
+        <p:nvSpPr>
+          <p:cNvPr id="4" name="Rounded Rectangle 3">
+            <a:extLst>
+              <a:ext uri="{FF2B5EF4-FFF2-40B4-BE49-F238E27FC236}">
+                <a16:creationId xmlns:a16="http://schemas.microsoft.com/office/drawing/2014/main" id="{6B890BB6-3544-1A4E-A833-93135A597BB4}"/>
+              </a:ext>
+            </a:extLst>
+          </p:cNvPr>
+          <p:cNvSpPr/>
+          <p:nvPr/>
+        </p:nvSpPr>
+        <p:spPr>
+          <a:xfrm>
+            <a:off x="0" y="0"/>
+            <a:ext cx="7559675" cy="5327650"/>
+          </a:xfrm>
+          <a:prstGeom prst="roundRect">
+            <a:avLst>
+              <a:gd name="adj" fmla="val 0"/>
+            </a:avLst>
+          </a:prstGeom>
+          <a:blipFill>
+            <a:blip r:embed="rId2"/>
+            <a:stretch>
+              <a:fillRect/>
+            </a:stretch>
+          </a:blipFill>
+          <a:ln>
+            <a:solidFill>
+              <a:schemeClr val="bg2"/>
+            </a:solidFill>
+          </a:ln>
+        </p:spPr>
+        <p:style>
+          <a:lnRef idx="2">
+            <a:schemeClr val="accent1">
+              <a:shade val="50000"/>
+            </a:schemeClr>
+          </a:lnRef>
+          <a:fillRef idx="1">
+            <a:schemeClr val="accent1"/>
+          </a:fillRef>
+          <a:effectRef idx="0">
+            <a:schemeClr val="accent1"/>
+          </a:effectRef>
+          <a:fontRef idx="minor">
+            <a:schemeClr val="lt1"/>
+          </a:fontRef>
+        </p:style>
+        <p:txBody>
+          <a:bodyPr rtlCol="0" anchor="ctr"/>
+          <a:lstStyle/>
+          <a:p>
+            <a:pPr algn="ctr"/>
+            <a:endParaRPr lang="en-NL"/>
+          </a:p>
+        </p:txBody>
+      </p:sp>
+      <p:pic>
+        <p:nvPicPr>
+          <p:cNvPr id="5" name="Picture 4" descr="A picture containing food, drawing&#10;&#10;Description automatically generated">
+            <a:extLst>
+              <a:ext uri="{FF2B5EF4-FFF2-40B4-BE49-F238E27FC236}">
+                <a16:creationId xmlns:a16="http://schemas.microsoft.com/office/drawing/2014/main" id="{27611709-3190-2A4B-BCE4-4D329000A8EB}"/>
+              </a:ext>
+            </a:extLst>
+          </p:cNvPr>
+          <p:cNvPicPr>
+            <a:picLocks noChangeAspect="1"/>
+          </p:cNvPicPr>
+          <p:nvPr/>
+        </p:nvPicPr>
+        <p:blipFill>
+          <a:blip r:embed="rId3"/>
+          <a:stretch>
+            <a:fillRect/>
+          </a:stretch>
+        </p:blipFill>
+        <p:spPr>
+          <a:xfrm>
+            <a:off x="350837" y="-765175"/>
+            <a:ext cx="6858000" cy="6858000"/>
+          </a:xfrm>
+          <a:prstGeom prst="rect">
+            <a:avLst/>
+          </a:prstGeom>
+        </p:spPr>
+      </p:pic>
+    </p:spTree>
+    <p:extLst>
+      <p:ext uri="{BB962C8B-B14F-4D97-AF65-F5344CB8AC3E}">
+        <p14:creationId xmlns:p14="http://schemas.microsoft.com/office/powerpoint/2010/main" val="2834202860"/>
+      </p:ext>
+    </p:extLst>
+  </p:cSld>
+  <p:clrMapOvr>
+    <a:masterClrMapping/>
+  </p:clrMapOvr>
+</p:sld>
+</file>
+
+<file path=ppt/slides/slide75.xml><?xml version="1.0" encoding="utf-8"?>
+<p:sld xmlns:a="http://schemas.openxmlformats.org/drawingml/2006/main" xmlns:r="http://schemas.openxmlformats.org/officeDocument/2006/relationships" xmlns:p="http://schemas.openxmlformats.org/presentationml/2006/main">
+  <p:cSld>
+    <p:spTree>
+      <p:nvGrpSpPr>
+        <p:cNvPr id="1" name=""/>
+        <p:cNvGrpSpPr/>
+        <p:nvPr/>
+      </p:nvGrpSpPr>
+      <p:grpSpPr>
+        <a:xfrm>
+          <a:off x="0" y="0"/>
+          <a:ext cx="0" cy="0"/>
+          <a:chOff x="0" y="0"/>
+          <a:chExt cx="0" cy="0"/>
+        </a:xfrm>
+      </p:grpSpPr>
+      <p:sp>
+        <p:nvSpPr>
+          <p:cNvPr id="7" name="Rounded Rectangle 6">
+            <a:extLst>
+              <a:ext uri="{FF2B5EF4-FFF2-40B4-BE49-F238E27FC236}">
+                <a16:creationId xmlns:a16="http://schemas.microsoft.com/office/drawing/2014/main" id="{B3DC599D-AD1B-104D-B158-5C2A6823AC16}"/>
+              </a:ext>
+            </a:extLst>
+          </p:cNvPr>
+          <p:cNvSpPr/>
+          <p:nvPr/>
+        </p:nvSpPr>
+        <p:spPr>
+          <a:xfrm>
+            <a:off x="0" y="0"/>
+            <a:ext cx="7559675" cy="5327650"/>
+          </a:xfrm>
+          <a:prstGeom prst="roundRect">
+            <a:avLst>
+              <a:gd name="adj" fmla="val 0"/>
+            </a:avLst>
+          </a:prstGeom>
+          <a:solidFill>
+            <a:srgbClr val="FFC2E8"/>
+          </a:solidFill>
+          <a:ln>
+            <a:noFill/>
+          </a:ln>
+        </p:spPr>
+        <p:style>
+          <a:lnRef idx="2">
+            <a:schemeClr val="accent1">
+              <a:shade val="50000"/>
+            </a:schemeClr>
+          </a:lnRef>
+          <a:fillRef idx="1">
+            <a:schemeClr val="accent1"/>
+          </a:fillRef>
+          <a:effectRef idx="0">
+            <a:schemeClr val="accent1"/>
+          </a:effectRef>
+          <a:fontRef idx="minor">
+            <a:schemeClr val="lt1"/>
+          </a:fontRef>
+        </p:style>
+        <p:txBody>
+          <a:bodyPr rtlCol="0" anchor="ctr"/>
+          <a:lstStyle/>
+          <a:p>
+            <a:pPr algn="ctr"/>
+            <a:endParaRPr lang="en-NL"/>
+          </a:p>
+        </p:txBody>
+      </p:sp>
+      <p:sp>
+        <p:nvSpPr>
+          <p:cNvPr id="6" name="TextBox 5">
+            <a:extLst>
+              <a:ext uri="{FF2B5EF4-FFF2-40B4-BE49-F238E27FC236}">
+                <a16:creationId xmlns:a16="http://schemas.microsoft.com/office/drawing/2014/main" id="{009EAD6C-D563-D744-AFCA-AE8CA95E6630}"/>
+              </a:ext>
+            </a:extLst>
+          </p:cNvPr>
+          <p:cNvSpPr txBox="1"/>
+          <p:nvPr/>
+        </p:nvSpPr>
+        <p:spPr>
+          <a:xfrm>
             <a:off x="329715" y="1078775"/>
             <a:ext cx="6900243" cy="3170099"/>
           </a:xfrm>
@@ -23059,7 +24026,7 @@
 </p:sld>
 </file>
 
-<file path=ppt/slides/slide72.xml><?xml version="1.0" encoding="utf-8"?>
+<file path=ppt/slides/slide76.xml><?xml version="1.0" encoding="utf-8"?>
 <p:sld xmlns:a="http://schemas.openxmlformats.org/drawingml/2006/main" xmlns:r="http://schemas.openxmlformats.org/officeDocument/2006/relationships" xmlns:p="http://schemas.openxmlformats.org/presentationml/2006/main">
   <p:cSld>
     <p:spTree>
@@ -23228,7 +24195,7 @@
 </p:sld>
 </file>
 
-<file path=ppt/slides/slide73.xml><?xml version="1.0" encoding="utf-8"?>
+<file path=ppt/slides/slide77.xml><?xml version="1.0" encoding="utf-8"?>
 <p:sld xmlns:a="http://schemas.openxmlformats.org/drawingml/2006/main" xmlns:r="http://schemas.openxmlformats.org/officeDocument/2006/relationships" xmlns:p="http://schemas.openxmlformats.org/presentationml/2006/main">
   <p:cSld>
     <p:spTree>
@@ -23519,7 +24486,7 @@
 </p:sld>
 </file>
 
-<file path=ppt/slides/slide74.xml><?xml version="1.0" encoding="utf-8"?>
+<file path=ppt/slides/slide78.xml><?xml version="1.0" encoding="utf-8"?>
 <p:sld xmlns:a="http://schemas.openxmlformats.org/drawingml/2006/main" xmlns:r="http://schemas.openxmlformats.org/officeDocument/2006/relationships" xmlns:p="http://schemas.openxmlformats.org/presentationml/2006/main">
   <p:cSld>
     <p:spTree>

--- a/Measuring Outcome v2 - 2020 update.pptx
+++ b/Measuring Outcome v2 - 2020 update.pptx
@@ -232,106 +232,6 @@
     </p:extLst>
   </p:cmAuthor>
 </p:cmAuthorLst>
-</file>
-
-<file path=ppt/comments/comment1.xml><?xml version="1.0" encoding="utf-8"?>
-<p:cmLst xmlns:a="http://schemas.openxmlformats.org/drawingml/2006/main" xmlns:r="http://schemas.openxmlformats.org/officeDocument/2006/relationships" xmlns:p="http://schemas.openxmlformats.org/presentationml/2006/main">
-  <p:cm authorId="1" dt="2021-01-03T20:58:45.186" idx="3">
-    <p:pos x="10" y="10"/>
-    <p:text>To be changed for 2020 update</p:text>
-    <p:extLst>
-      <p:ext uri="{C676402C-5697-4E1C-873F-D02D1690AC5C}">
-        <p15:threadingInfo xmlns:p15="http://schemas.microsoft.com/office/powerpoint/2012/main" timeZoneBias="-60"/>
-      </p:ext>
-    </p:extLst>
-  </p:cm>
-  <p:cm authorId="1" dt="2021-01-03T21:02:07.781" idx="5">
-    <p:pos x="10" y="146"/>
-    <p:text>changed trend to count</p:text>
-    <p:extLst>
-      <p:ext uri="{C676402C-5697-4E1C-873F-D02D1690AC5C}">
-        <p15:threadingInfo xmlns:p15="http://schemas.microsoft.com/office/powerpoint/2012/main" timeZoneBias="-60">
-          <p15:parentCm authorId="1" idx="3"/>
-        </p15:threadingInfo>
-      </p:ext>
-    </p:extLst>
-  </p:cm>
-</p:cmLst>
-</file>
-
-<file path=ppt/comments/comment2.xml><?xml version="1.0" encoding="utf-8"?>
-<p:cmLst xmlns:a="http://schemas.openxmlformats.org/drawingml/2006/main" xmlns:r="http://schemas.openxmlformats.org/officeDocument/2006/relationships" xmlns:p="http://schemas.openxmlformats.org/presentationml/2006/main">
-  <p:cm authorId="1" dt="2021-01-03T20:57:30.668" idx="1">
-    <p:pos x="10" y="10"/>
-    <p:text>To be changed for 2020 update</p:text>
-    <p:extLst>
-      <p:ext uri="{C676402C-5697-4E1C-873F-D02D1690AC5C}">
-        <p15:threadingInfo xmlns:p15="http://schemas.microsoft.com/office/powerpoint/2012/main" timeZoneBias="-60"/>
-      </p:ext>
-    </p:extLst>
-  </p:cm>
-  <p:cm authorId="1" dt="2021-01-03T21:06:19.924" idx="8">
-    <p:pos x="10" y="146"/>
-    <p:text>added 'customer'</p:text>
-    <p:extLst>
-      <p:ext uri="{C676402C-5697-4E1C-873F-D02D1690AC5C}">
-        <p15:threadingInfo xmlns:p15="http://schemas.microsoft.com/office/powerpoint/2012/main" timeZoneBias="-60">
-          <p15:parentCm authorId="1" idx="1"/>
-        </p15:threadingInfo>
-      </p:ext>
-    </p:extLst>
-  </p:cm>
-</p:cmLst>
-</file>
-
-<file path=ppt/comments/comment3.xml><?xml version="1.0" encoding="utf-8"?>
-<p:cmLst xmlns:a="http://schemas.openxmlformats.org/drawingml/2006/main" xmlns:r="http://schemas.openxmlformats.org/officeDocument/2006/relationships" xmlns:p="http://schemas.openxmlformats.org/presentationml/2006/main">
-  <p:cm authorId="1" dt="2021-01-03T20:59:01.215" idx="4">
-    <p:pos x="10" y="10"/>
-    <p:text>To be changed for 2020 update</p:text>
-    <p:extLst>
-      <p:ext uri="{C676402C-5697-4E1C-873F-D02D1690AC5C}">
-        <p15:threadingInfo xmlns:p15="http://schemas.microsoft.com/office/powerpoint/2012/main" timeZoneBias="-60"/>
-      </p:ext>
-    </p:extLst>
-  </p:cm>
-  <p:cm authorId="1" dt="2021-01-03T21:03:57.328" idx="7">
-    <p:pos x="10" y="146"/>
-    <p:text>split and reworded</p:text>
-    <p:extLst>
-      <p:ext uri="{C676402C-5697-4E1C-873F-D02D1690AC5C}">
-        <p15:threadingInfo xmlns:p15="http://schemas.microsoft.com/office/powerpoint/2012/main" timeZoneBias="-60">
-          <p15:parentCm authorId="1" idx="4"/>
-        </p15:threadingInfo>
-      </p:ext>
-    </p:extLst>
-  </p:cm>
-</p:cmLst>
-</file>
-
-<file path=ppt/comments/comment4.xml><?xml version="1.0" encoding="utf-8"?>
-<p:cmLst xmlns:a="http://schemas.openxmlformats.org/drawingml/2006/main" xmlns:r="http://schemas.openxmlformats.org/officeDocument/2006/relationships" xmlns:p="http://schemas.openxmlformats.org/presentationml/2006/main">
-  <p:cm authorId="1" dt="2021-01-03T20:59:01.215" idx="4">
-    <p:pos x="10" y="10"/>
-    <p:text>To be changed for 2020 update</p:text>
-    <p:extLst>
-      <p:ext uri="{C676402C-5697-4E1C-873F-D02D1690AC5C}">
-        <p15:threadingInfo xmlns:p15="http://schemas.microsoft.com/office/powerpoint/2012/main" timeZoneBias="-60"/>
-      </p:ext>
-    </p:extLst>
-  </p:cm>
-  <p:cm authorId="1" dt="2021-01-03T21:03:48.450" idx="6">
-    <p:pos x="10" y="146"/>
-    <p:text>Split and reworded</p:text>
-    <p:extLst>
-      <p:ext uri="{C676402C-5697-4E1C-873F-D02D1690AC5C}">
-        <p15:threadingInfo xmlns:p15="http://schemas.microsoft.com/office/powerpoint/2012/main" timeZoneBias="-60">
-          <p15:parentCm authorId="1" idx="4"/>
-        </p15:threadingInfo>
-      </p:ext>
-    </p:extLst>
-  </p:cm>
-</p:cmLst>
 </file>
 
 <file path=ppt/ink/ink1.xml><?xml version="1.0" encoding="utf-8"?>
@@ -19959,7 +19859,7 @@
             <a:p>
               <a:pPr algn="ctr"/>
               <a:r>
-                <a:rPr lang="en-GB" sz="5000" b="1">
+                <a:rPr lang="en-GB" sz="5000" b="1" dirty="0">
                   <a:solidFill>
                     <a:schemeClr val="bg1"/>
                   </a:solidFill>
@@ -19971,7 +19871,7 @@
             <a:p>
               <a:pPr algn="ctr"/>
               <a:r>
-                <a:rPr lang="en-GB" sz="5000" b="1">
+                <a:rPr lang="en-GB" sz="5000" b="1" dirty="0">
                   <a:solidFill>
                     <a:schemeClr val="bg1"/>
                   </a:solidFill>
